--- a/Master/Diploma/presentation/Презентация.pptx
+++ b/Master/Diploma/presentation/Презентация.pptx
@@ -5,23 +5,24 @@
     <p:sldMasterId id="2147483648" r:id="rId1"/>
   </p:sldMasterIdLst>
   <p:notesMasterIdLst>
-    <p:notesMasterId r:id="rId16"/>
+    <p:notesMasterId r:id="rId17"/>
   </p:notesMasterIdLst>
   <p:sldIdLst>
     <p:sldId id="256" r:id="rId2"/>
     <p:sldId id="258" r:id="rId3"/>
     <p:sldId id="260" r:id="rId4"/>
     <p:sldId id="261" r:id="rId5"/>
-    <p:sldId id="262" r:id="rId6"/>
-    <p:sldId id="265" r:id="rId7"/>
-    <p:sldId id="266" r:id="rId8"/>
+    <p:sldId id="278" r:id="rId6"/>
+    <p:sldId id="266" r:id="rId7"/>
+    <p:sldId id="276" r:id="rId8"/>
     <p:sldId id="273" r:id="rId9"/>
-    <p:sldId id="274" r:id="rId10"/>
-    <p:sldId id="267" r:id="rId11"/>
-    <p:sldId id="268" r:id="rId12"/>
-    <p:sldId id="269" r:id="rId13"/>
-    <p:sldId id="270" r:id="rId14"/>
-    <p:sldId id="271" r:id="rId15"/>
+    <p:sldId id="279" r:id="rId10"/>
+    <p:sldId id="274" r:id="rId11"/>
+    <p:sldId id="267" r:id="rId12"/>
+    <p:sldId id="268" r:id="rId13"/>
+    <p:sldId id="269" r:id="rId14"/>
+    <p:sldId id="270" r:id="rId15"/>
+    <p:sldId id="271" r:id="rId16"/>
   </p:sldIdLst>
   <p:sldSz cx="5765800" cy="3244850"/>
   <p:notesSz cx="5765800" cy="3244850"/>
@@ -131,7 +132,7 @@
           <a:p>
             <a:fld id="{DF72D1E3-4C5F-416B-82F4-05E153DB2B2B}" type="datetimeFigureOut">
               <a:rPr lang="ru-RU" smtClean="0"/>
-              <a:t>27.03.2025</a:t>
+              <a:t>26.04.2025</a:t>
             </a:fld>
             <a:endParaRPr lang="ru-RU"/>
           </a:p>
@@ -444,30 +445,15 @@
           <a:p>
             <a:r>
               <a:rPr lang="ru-RU" dirty="0"/>
-              <a:t>Для выполнения задачи программной реализации сериализации сетевых пакетов было выделено два подхода, которые представлены на слайде.</a:t>
-            </a:r>
-          </a:p>
-          <a:p>
+              <a:t>Здесь можно сказать про технологию контейнеризации </a:t>
+            </a:r>
+            <a:r>
+              <a:rPr lang="en-US" dirty="0"/>
+              <a:t>VS </a:t>
+            </a:r>
             <a:r>
               <a:rPr lang="ru-RU" dirty="0"/>
-              <a:t>Строковая сериализация работает со строковыми данными определенного формата, бинарная сериализация работает с строго определенной последовательностью байт</a:t>
-            </a:r>
-            <a:r>
-              <a:rPr lang="en-US" dirty="0"/>
-              <a:t>.</a:t>
-            </a:r>
-            <a:endParaRPr lang="ru-RU" dirty="0"/>
-          </a:p>
-          <a:p>
-            <a:r>
-              <a:rPr lang="ru-RU" dirty="0"/>
-              <a:t>Оба способа были реализованы и интегрированы в систему передачи данных и протестированы на практике.</a:t>
-            </a:r>
-          </a:p>
-          <a:p>
-            <a:r>
-              <a:rPr lang="ru-RU" dirty="0"/>
-              <a:t>В результате проведенного сравнительного анализа были выделены сильные и слабые стороны каждого подхода, которые можно увидеть на слайде.	</a:t>
+              <a:t>собственное решение</a:t>
             </a:r>
           </a:p>
         </p:txBody>
@@ -489,7 +475,7 @@
           <a:p>
             <a:fld id="{88284CDB-7C0C-42AA-A512-672142C2910C}" type="slidenum">
               <a:rPr lang="ru-RU" smtClean="0"/>
-              <a:t>8</a:t>
+              <a:t>3</a:t>
             </a:fld>
             <a:endParaRPr lang="ru-RU"/>
           </a:p>
@@ -498,7 +484,7 @@
     </p:spTree>
     <p:extLst>
       <p:ext uri="{BB962C8B-B14F-4D97-AF65-F5344CB8AC3E}">
-        <p14:creationId xmlns:p14="http://schemas.microsoft.com/office/powerpoint/2010/main" val="797374090"/>
+        <p14:creationId xmlns:p14="http://schemas.microsoft.com/office/powerpoint/2010/main" val="3684189993"/>
       </p:ext>
     </p:extLst>
   </p:cSld>
@@ -552,64 +538,7 @@
           <a:bodyPr/>
           <a:lstStyle/>
           <a:p>
-            <a:r>
-              <a:rPr lang="ru-RU" dirty="0"/>
-              <a:t>На слайде представлено выполненное во время проведенного исследования сравнение двух видов сериализации.</a:t>
-            </a:r>
-          </a:p>
-          <a:p>
-            <a:r>
-              <a:rPr lang="ru-RU" dirty="0"/>
-              <a:t>Во-первых, сразу можно увидеть, что строковой вид занимает почти в два раза больше места, чем байтовый (при условии что один символ это 1 байт).</a:t>
-            </a:r>
-          </a:p>
-          <a:p>
-            <a:r>
-              <a:rPr lang="ru-RU" dirty="0"/>
-              <a:t>Во-вторых для реализации строковой сериализации используются такие операции со строками как разделение и поиск, что выполняется значительно дольше, чем </a:t>
-            </a:r>
-            <a:r>
-              <a:rPr lang="en-US" dirty="0" err="1"/>
-              <a:t>memcpy</a:t>
-            </a:r>
-            <a:r>
-              <a:rPr lang="en-US" dirty="0"/>
-              <a:t> </a:t>
-            </a:r>
-            <a:r>
-              <a:rPr lang="ru-RU" dirty="0"/>
-              <a:t>и </a:t>
-            </a:r>
-            <a:r>
-              <a:rPr lang="en-US" dirty="0" err="1"/>
-              <a:t>static_cast</a:t>
-            </a:r>
-            <a:r>
-              <a:rPr lang="en-US" dirty="0"/>
-              <a:t>&lt;T&gt;</a:t>
-            </a:r>
-            <a:br>
-              <a:rPr lang="en-US" dirty="0"/>
-            </a:br>
-            <a:r>
-              <a:rPr lang="ru-RU" dirty="0"/>
-              <a:t>В-третьих, стоит учесть, что по </a:t>
-            </a:r>
-            <a:r>
-              <a:rPr lang="en-US" dirty="0"/>
-              <a:t>TCP </a:t>
-            </a:r>
-            <a:r>
-              <a:rPr lang="ru-RU" dirty="0"/>
-              <a:t>передается поток байтов, а не строк. И перевод строк в байты также создает накладные расходы при сериализации.</a:t>
-            </a:r>
-            <a:br>
-              <a:rPr lang="en-US" dirty="0"/>
-            </a:br>
-            <a:r>
-              <a:rPr lang="ru-RU" dirty="0"/>
-              <a:t>Следовательно, несмотря на простоту и наглядность строкового метода, было отдано предпочтение побайтовому типу сериализации.</a:t>
-            </a:r>
+            <a:endParaRPr lang="ru-RU" dirty="0"/>
           </a:p>
         </p:txBody>
       </p:sp>
@@ -630,7 +559,7 @@
           <a:p>
             <a:fld id="{88284CDB-7C0C-42AA-A512-672142C2910C}" type="slidenum">
               <a:rPr lang="ru-RU" smtClean="0"/>
-              <a:t>9</a:t>
+              <a:t>4</a:t>
             </a:fld>
             <a:endParaRPr lang="ru-RU"/>
           </a:p>
@@ -639,7 +568,7 @@
     </p:spTree>
     <p:extLst>
       <p:ext uri="{BB962C8B-B14F-4D97-AF65-F5344CB8AC3E}">
-        <p14:creationId xmlns:p14="http://schemas.microsoft.com/office/powerpoint/2010/main" val="2299725393"/>
+        <p14:creationId xmlns:p14="http://schemas.microsoft.com/office/powerpoint/2010/main" val="2620866304"/>
       </p:ext>
     </p:extLst>
   </p:cSld>
@@ -693,52 +622,7 @@
           <a:bodyPr/>
           <a:lstStyle/>
           <a:p>
-            <a:pPr marL="0" marR="0" lvl="0" indent="0" algn="l" defTabSz="914400" rtl="0" eaLnBrk="1" fontAlgn="auto" latinLnBrk="0" hangingPunct="1">
-              <a:lnSpc>
-                <a:spcPct val="100000"/>
-              </a:lnSpc>
-              <a:spcBef>
-                <a:spcPts val="0"/>
-              </a:spcBef>
-              <a:spcAft>
-                <a:spcPts val="0"/>
-              </a:spcAft>
-              <a:buClrTx/>
-              <a:buSzTx/>
-              <a:buFontTx/>
-              <a:buNone/>
-              <a:tabLst/>
-              <a:defRPr/>
-            </a:pPr>
-            <a:r>
-              <a:rPr lang="ru-RU" dirty="0"/>
-              <a:t>Современные приложения могут отображать информацию пользователю разными способами. На слайде представлено два основных способа отображения информации. Каждый подход имеет свои недостатки и преимущества, которые также представлены на слайде. После проведения анализа, выбор пал в сторону реализации через консольный интерфейс по нескольким причинам. Во-первых система должна функционировать на серверах </a:t>
-            </a:r>
-            <a:r>
-              <a:rPr lang="en-US" dirty="0"/>
-              <a:t>Linux Debian, </a:t>
-            </a:r>
-            <a:r>
-              <a:rPr lang="ru-RU" dirty="0"/>
-              <a:t>где не предусмотрено наличие графической оболочки </a:t>
-            </a:r>
-            <a:r>
-              <a:rPr lang="en-US" dirty="0"/>
-              <a:t>GNOME</a:t>
-            </a:r>
-            <a:r>
-              <a:rPr lang="ru-RU" dirty="0"/>
-              <a:t> или </a:t>
-            </a:r>
-            <a:r>
-              <a:rPr lang="en-US" dirty="0"/>
-              <a:t>KDE. </a:t>
-            </a:r>
-            <a:r>
-              <a:rPr lang="ru-RU" dirty="0"/>
-              <a:t>Во-вторых, графический интерфейс оказался бы избыточным для реализации поставленных целей.</a:t>
-            </a:r>
-            <a:endParaRPr lang="en-US" dirty="0"/>
+            <a:endParaRPr lang="ru-RU" dirty="0"/>
           </a:p>
         </p:txBody>
       </p:sp>
@@ -759,7 +643,7 @@
           <a:p>
             <a:fld id="{88284CDB-7C0C-42AA-A512-672142C2910C}" type="slidenum">
               <a:rPr lang="ru-RU" smtClean="0"/>
-              <a:t>10</a:t>
+              <a:t>5</a:t>
             </a:fld>
             <a:endParaRPr lang="ru-RU"/>
           </a:p>
@@ -768,7 +652,7 @@
     </p:spTree>
     <p:extLst>
       <p:ext uri="{BB962C8B-B14F-4D97-AF65-F5344CB8AC3E}">
-        <p14:creationId xmlns:p14="http://schemas.microsoft.com/office/powerpoint/2010/main" val="3913982744"/>
+        <p14:creationId xmlns:p14="http://schemas.microsoft.com/office/powerpoint/2010/main" val="1032228779"/>
       </p:ext>
     </p:extLst>
   </p:cSld>
@@ -822,10 +706,7 @@
           <a:bodyPr/>
           <a:lstStyle/>
           <a:p>
-            <a:r>
-              <a:rPr lang="ru-RU" dirty="0"/>
-              <a:t>На слайде представлены примеры использования системы мониторинга. В результате помимо отображения таблицы были реализованы две важных операции, а именно сортировка и фильтрации. Данные операции являются обязательными для каждой таблицы, так как они значительно улучшают опыт пользователя с инструментом визуализации.</a:t>
-            </a:r>
+            <a:endParaRPr lang="ru-RU" dirty="0"/>
           </a:p>
         </p:txBody>
       </p:sp>
@@ -846,7 +727,584 @@
           <a:p>
             <a:fld id="{88284CDB-7C0C-42AA-A512-672142C2910C}" type="slidenum">
               <a:rPr lang="ru-RU" smtClean="0"/>
+              <a:t>6</a:t>
+            </a:fld>
+            <a:endParaRPr lang="ru-RU"/>
+          </a:p>
+        </p:txBody>
+      </p:sp>
+    </p:spTree>
+    <p:extLst>
+      <p:ext uri="{BB962C8B-B14F-4D97-AF65-F5344CB8AC3E}">
+        <p14:creationId xmlns:p14="http://schemas.microsoft.com/office/powerpoint/2010/main" val="4273936651"/>
+      </p:ext>
+    </p:extLst>
+  </p:cSld>
+  <p:clrMapOvr>
+    <a:masterClrMapping/>
+  </p:clrMapOvr>
+</p:notes>
+</file>
+
+<file path=ppt/notesSlides/notesSlide5.xml><?xml version="1.0" encoding="utf-8"?>
+<p:notes xmlns:a="http://schemas.openxmlformats.org/drawingml/2006/main" xmlns:r="http://schemas.openxmlformats.org/officeDocument/2006/relationships" xmlns:p="http://schemas.openxmlformats.org/presentationml/2006/main">
+  <p:cSld>
+    <p:spTree>
+      <p:nvGrpSpPr>
+        <p:cNvPr id="1" name=""/>
+        <p:cNvGrpSpPr/>
+        <p:nvPr/>
+      </p:nvGrpSpPr>
+      <p:grpSpPr>
+        <a:xfrm>
+          <a:off x="0" y="0"/>
+          <a:ext cx="0" cy="0"/>
+          <a:chOff x="0" y="0"/>
+          <a:chExt cx="0" cy="0"/>
+        </a:xfrm>
+      </p:grpSpPr>
+      <p:sp>
+        <p:nvSpPr>
+          <p:cNvPr id="2" name="Образ слайда 1"/>
+          <p:cNvSpPr>
+            <a:spLocks noGrp="1" noRot="1" noChangeAspect="1"/>
+          </p:cNvSpPr>
+          <p:nvPr>
+            <p:ph type="sldImg"/>
+          </p:nvPr>
+        </p:nvSpPr>
+        <p:spPr/>
+      </p:sp>
+      <p:sp>
+        <p:nvSpPr>
+          <p:cNvPr id="3" name="Заметки 2"/>
+          <p:cNvSpPr>
+            <a:spLocks noGrp="1"/>
+          </p:cNvSpPr>
+          <p:nvPr>
+            <p:ph type="body" idx="1"/>
+          </p:nvPr>
+        </p:nvSpPr>
+        <p:spPr/>
+        <p:txBody>
+          <a:bodyPr/>
+          <a:lstStyle/>
+          <a:p>
+            <a:r>
+              <a:rPr lang="ru-RU" dirty="0"/>
+              <a:t>Для выполнения задачи программной реализации сериализации сетевых пакетов было выделено два подхода, которые представлены на слайде.</a:t>
+            </a:r>
+          </a:p>
+          <a:p>
+            <a:r>
+              <a:rPr lang="ru-RU" dirty="0"/>
+              <a:t>Строковая сериализация работает со строковыми данными определенного формата, бинарная сериализация работает с строго определенной последовательностью байт</a:t>
+            </a:r>
+            <a:r>
+              <a:rPr lang="en-US" dirty="0"/>
+              <a:t>.</a:t>
+            </a:r>
+            <a:endParaRPr lang="ru-RU" dirty="0"/>
+          </a:p>
+          <a:p>
+            <a:r>
+              <a:rPr lang="ru-RU" dirty="0"/>
+              <a:t>Оба способа были реализованы и интегрированы в систему передачи данных и протестированы на практике.</a:t>
+            </a:r>
+          </a:p>
+          <a:p>
+            <a:r>
+              <a:rPr lang="ru-RU" dirty="0"/>
+              <a:t>В результате проведенного сравнительного анализа были выделены сильные и слабые стороны каждого подхода, которые можно увидеть на слайде.	</a:t>
+            </a:r>
+          </a:p>
+        </p:txBody>
+      </p:sp>
+      <p:sp>
+        <p:nvSpPr>
+          <p:cNvPr id="4" name="Номер слайда 3"/>
+          <p:cNvSpPr>
+            <a:spLocks noGrp="1"/>
+          </p:cNvSpPr>
+          <p:nvPr>
+            <p:ph type="sldNum" sz="quarter" idx="5"/>
+          </p:nvPr>
+        </p:nvSpPr>
+        <p:spPr/>
+        <p:txBody>
+          <a:bodyPr/>
+          <a:lstStyle/>
+          <a:p>
+            <a:fld id="{88284CDB-7C0C-42AA-A512-672142C2910C}" type="slidenum">
+              <a:rPr lang="ru-RU" smtClean="0"/>
+              <a:t>8</a:t>
+            </a:fld>
+            <a:endParaRPr lang="ru-RU"/>
+          </a:p>
+        </p:txBody>
+      </p:sp>
+    </p:spTree>
+    <p:extLst>
+      <p:ext uri="{BB962C8B-B14F-4D97-AF65-F5344CB8AC3E}">
+        <p14:creationId xmlns:p14="http://schemas.microsoft.com/office/powerpoint/2010/main" val="797374090"/>
+      </p:ext>
+    </p:extLst>
+  </p:cSld>
+  <p:clrMapOvr>
+    <a:masterClrMapping/>
+  </p:clrMapOvr>
+</p:notes>
+</file>
+
+<file path=ppt/notesSlides/notesSlide6.xml><?xml version="1.0" encoding="utf-8"?>
+<p:notes xmlns:a="http://schemas.openxmlformats.org/drawingml/2006/main" xmlns:r="http://schemas.openxmlformats.org/officeDocument/2006/relationships" xmlns:p="http://schemas.openxmlformats.org/presentationml/2006/main">
+  <p:cSld>
+    <p:spTree>
+      <p:nvGrpSpPr>
+        <p:cNvPr id="1" name=""/>
+        <p:cNvGrpSpPr/>
+        <p:nvPr/>
+      </p:nvGrpSpPr>
+      <p:grpSpPr>
+        <a:xfrm>
+          <a:off x="0" y="0"/>
+          <a:ext cx="0" cy="0"/>
+          <a:chOff x="0" y="0"/>
+          <a:chExt cx="0" cy="0"/>
+        </a:xfrm>
+      </p:grpSpPr>
+      <p:sp>
+        <p:nvSpPr>
+          <p:cNvPr id="2" name="Образ слайда 1"/>
+          <p:cNvSpPr>
+            <a:spLocks noGrp="1" noRot="1" noChangeAspect="1"/>
+          </p:cNvSpPr>
+          <p:nvPr>
+            <p:ph type="sldImg"/>
+          </p:nvPr>
+        </p:nvSpPr>
+        <p:spPr/>
+      </p:sp>
+      <p:sp>
+        <p:nvSpPr>
+          <p:cNvPr id="3" name="Заметки 2"/>
+          <p:cNvSpPr>
+            <a:spLocks noGrp="1"/>
+          </p:cNvSpPr>
+          <p:nvPr>
+            <p:ph type="body" idx="1"/>
+          </p:nvPr>
+        </p:nvSpPr>
+        <p:spPr/>
+        <p:txBody>
+          <a:bodyPr/>
+          <a:lstStyle/>
+          <a:p>
+            <a:r>
+              <a:rPr lang="ru-RU" dirty="0"/>
+              <a:t>Для выполнения задачи программной реализации сериализации сетевых пакетов было выделено два подхода, которые представлены на слайде.</a:t>
+            </a:r>
+          </a:p>
+          <a:p>
+            <a:r>
+              <a:rPr lang="ru-RU" dirty="0"/>
+              <a:t>Строковая сериализация работает со строковыми данными определенного формата, бинарная сериализация работает с строго определенной последовательностью байт</a:t>
+            </a:r>
+            <a:r>
+              <a:rPr lang="en-US" dirty="0"/>
+              <a:t>.</a:t>
+            </a:r>
+            <a:endParaRPr lang="ru-RU" dirty="0"/>
+          </a:p>
+          <a:p>
+            <a:r>
+              <a:rPr lang="ru-RU" dirty="0"/>
+              <a:t>Оба способа были реализованы и интегрированы в систему передачи данных и протестированы на практике.</a:t>
+            </a:r>
+          </a:p>
+          <a:p>
+            <a:r>
+              <a:rPr lang="ru-RU" dirty="0"/>
+              <a:t>В результате проведенного сравнительного анализа были выделены сильные и слабые стороны каждого подхода, которые можно увидеть на слайде.	</a:t>
+            </a:r>
+          </a:p>
+        </p:txBody>
+      </p:sp>
+      <p:sp>
+        <p:nvSpPr>
+          <p:cNvPr id="4" name="Номер слайда 3"/>
+          <p:cNvSpPr>
+            <a:spLocks noGrp="1"/>
+          </p:cNvSpPr>
+          <p:nvPr>
+            <p:ph type="sldNum" sz="quarter" idx="5"/>
+          </p:nvPr>
+        </p:nvSpPr>
+        <p:spPr/>
+        <p:txBody>
+          <a:bodyPr/>
+          <a:lstStyle/>
+          <a:p>
+            <a:fld id="{88284CDB-7C0C-42AA-A512-672142C2910C}" type="slidenum">
+              <a:rPr lang="ru-RU" smtClean="0"/>
+              <a:t>9</a:t>
+            </a:fld>
+            <a:endParaRPr lang="ru-RU"/>
+          </a:p>
+        </p:txBody>
+      </p:sp>
+    </p:spTree>
+    <p:extLst>
+      <p:ext uri="{BB962C8B-B14F-4D97-AF65-F5344CB8AC3E}">
+        <p14:creationId xmlns:p14="http://schemas.microsoft.com/office/powerpoint/2010/main" val="2231809497"/>
+      </p:ext>
+    </p:extLst>
+  </p:cSld>
+  <p:clrMapOvr>
+    <a:masterClrMapping/>
+  </p:clrMapOvr>
+</p:notes>
+</file>
+
+<file path=ppt/notesSlides/notesSlide7.xml><?xml version="1.0" encoding="utf-8"?>
+<p:notes xmlns:a="http://schemas.openxmlformats.org/drawingml/2006/main" xmlns:r="http://schemas.openxmlformats.org/officeDocument/2006/relationships" xmlns:p="http://schemas.openxmlformats.org/presentationml/2006/main">
+  <p:cSld>
+    <p:spTree>
+      <p:nvGrpSpPr>
+        <p:cNvPr id="1" name=""/>
+        <p:cNvGrpSpPr/>
+        <p:nvPr/>
+      </p:nvGrpSpPr>
+      <p:grpSpPr>
+        <a:xfrm>
+          <a:off x="0" y="0"/>
+          <a:ext cx="0" cy="0"/>
+          <a:chOff x="0" y="0"/>
+          <a:chExt cx="0" cy="0"/>
+        </a:xfrm>
+      </p:grpSpPr>
+      <p:sp>
+        <p:nvSpPr>
+          <p:cNvPr id="2" name="Образ слайда 1"/>
+          <p:cNvSpPr>
+            <a:spLocks noGrp="1" noRot="1" noChangeAspect="1"/>
+          </p:cNvSpPr>
+          <p:nvPr>
+            <p:ph type="sldImg"/>
+          </p:nvPr>
+        </p:nvSpPr>
+        <p:spPr/>
+      </p:sp>
+      <p:sp>
+        <p:nvSpPr>
+          <p:cNvPr id="3" name="Заметки 2"/>
+          <p:cNvSpPr>
+            <a:spLocks noGrp="1"/>
+          </p:cNvSpPr>
+          <p:nvPr>
+            <p:ph type="body" idx="1"/>
+          </p:nvPr>
+        </p:nvSpPr>
+        <p:spPr/>
+        <p:txBody>
+          <a:bodyPr/>
+          <a:lstStyle/>
+          <a:p>
+            <a:r>
+              <a:rPr lang="ru-RU" dirty="0"/>
+              <a:t>На слайде представлено выполненное во время проведенного исследования сравнение двух видов сериализации.</a:t>
+            </a:r>
+          </a:p>
+          <a:p>
+            <a:r>
+              <a:rPr lang="ru-RU" dirty="0"/>
+              <a:t>Во-первых, сразу можно увидеть, что строковой вид занимает почти в два раза больше места, чем байтовый (при условии что один символ это 1 байт).</a:t>
+            </a:r>
+          </a:p>
+          <a:p>
+            <a:r>
+              <a:rPr lang="ru-RU" dirty="0"/>
+              <a:t>Во-вторых для реализации строковой сериализации используются такие операции со строками как разделение и поиск, что выполняется значительно дольше, чем </a:t>
+            </a:r>
+            <a:r>
+              <a:rPr lang="en-US" dirty="0" err="1"/>
+              <a:t>memcpy</a:t>
+            </a:r>
+            <a:r>
+              <a:rPr lang="en-US" dirty="0"/>
+              <a:t> </a:t>
+            </a:r>
+            <a:r>
+              <a:rPr lang="ru-RU" dirty="0"/>
+              <a:t>и </a:t>
+            </a:r>
+            <a:r>
+              <a:rPr lang="en-US" dirty="0" err="1"/>
+              <a:t>static_cast</a:t>
+            </a:r>
+            <a:r>
+              <a:rPr lang="en-US" dirty="0"/>
+              <a:t>&lt;T&gt;</a:t>
+            </a:r>
+            <a:br>
+              <a:rPr lang="en-US" dirty="0"/>
+            </a:br>
+            <a:r>
+              <a:rPr lang="ru-RU" dirty="0"/>
+              <a:t>В-третьих, стоит учесть, что по </a:t>
+            </a:r>
+            <a:r>
+              <a:rPr lang="en-US" dirty="0"/>
+              <a:t>TCP </a:t>
+            </a:r>
+            <a:r>
+              <a:rPr lang="ru-RU" dirty="0"/>
+              <a:t>передается поток байтов, а не строк. И перевод строк в байты также создает накладные расходы при сериализации.</a:t>
+            </a:r>
+            <a:br>
+              <a:rPr lang="en-US" dirty="0"/>
+            </a:br>
+            <a:r>
+              <a:rPr lang="ru-RU" dirty="0"/>
+              <a:t>Следовательно, несмотря на простоту и наглядность строкового метода, было отдано предпочтение побайтовому типу сериализации.</a:t>
+            </a:r>
+          </a:p>
+        </p:txBody>
+      </p:sp>
+      <p:sp>
+        <p:nvSpPr>
+          <p:cNvPr id="4" name="Номер слайда 3"/>
+          <p:cNvSpPr>
+            <a:spLocks noGrp="1"/>
+          </p:cNvSpPr>
+          <p:nvPr>
+            <p:ph type="sldNum" sz="quarter" idx="5"/>
+          </p:nvPr>
+        </p:nvSpPr>
+        <p:spPr/>
+        <p:txBody>
+          <a:bodyPr/>
+          <a:lstStyle/>
+          <a:p>
+            <a:fld id="{88284CDB-7C0C-42AA-A512-672142C2910C}" type="slidenum">
+              <a:rPr lang="ru-RU" smtClean="0"/>
+              <a:t>10</a:t>
+            </a:fld>
+            <a:endParaRPr lang="ru-RU"/>
+          </a:p>
+        </p:txBody>
+      </p:sp>
+    </p:spTree>
+    <p:extLst>
+      <p:ext uri="{BB962C8B-B14F-4D97-AF65-F5344CB8AC3E}">
+        <p14:creationId xmlns:p14="http://schemas.microsoft.com/office/powerpoint/2010/main" val="2299725393"/>
+      </p:ext>
+    </p:extLst>
+  </p:cSld>
+  <p:clrMapOvr>
+    <a:masterClrMapping/>
+  </p:clrMapOvr>
+</p:notes>
+</file>
+
+<file path=ppt/notesSlides/notesSlide8.xml><?xml version="1.0" encoding="utf-8"?>
+<p:notes xmlns:a="http://schemas.openxmlformats.org/drawingml/2006/main" xmlns:r="http://schemas.openxmlformats.org/officeDocument/2006/relationships" xmlns:p="http://schemas.openxmlformats.org/presentationml/2006/main">
+  <p:cSld>
+    <p:spTree>
+      <p:nvGrpSpPr>
+        <p:cNvPr id="1" name=""/>
+        <p:cNvGrpSpPr/>
+        <p:nvPr/>
+      </p:nvGrpSpPr>
+      <p:grpSpPr>
+        <a:xfrm>
+          <a:off x="0" y="0"/>
+          <a:ext cx="0" cy="0"/>
+          <a:chOff x="0" y="0"/>
+          <a:chExt cx="0" cy="0"/>
+        </a:xfrm>
+      </p:grpSpPr>
+      <p:sp>
+        <p:nvSpPr>
+          <p:cNvPr id="2" name="Образ слайда 1"/>
+          <p:cNvSpPr>
+            <a:spLocks noGrp="1" noRot="1" noChangeAspect="1"/>
+          </p:cNvSpPr>
+          <p:nvPr>
+            <p:ph type="sldImg"/>
+          </p:nvPr>
+        </p:nvSpPr>
+        <p:spPr/>
+      </p:sp>
+      <p:sp>
+        <p:nvSpPr>
+          <p:cNvPr id="3" name="Заметки 2"/>
+          <p:cNvSpPr>
+            <a:spLocks noGrp="1"/>
+          </p:cNvSpPr>
+          <p:nvPr>
+            <p:ph type="body" idx="1"/>
+          </p:nvPr>
+        </p:nvSpPr>
+        <p:spPr/>
+        <p:txBody>
+          <a:bodyPr/>
+          <a:lstStyle/>
+          <a:p>
+            <a:pPr marL="0" marR="0" lvl="0" indent="0" algn="l" defTabSz="914400" rtl="0" eaLnBrk="1" fontAlgn="auto" latinLnBrk="0" hangingPunct="1">
+              <a:lnSpc>
+                <a:spcPct val="100000"/>
+              </a:lnSpc>
+              <a:spcBef>
+                <a:spcPts val="0"/>
+              </a:spcBef>
+              <a:spcAft>
+                <a:spcPts val="0"/>
+              </a:spcAft>
+              <a:buClrTx/>
+              <a:buSzTx/>
+              <a:buFontTx/>
+              <a:buNone/>
+              <a:tabLst/>
+              <a:defRPr/>
+            </a:pPr>
+            <a:r>
+              <a:rPr lang="ru-RU" dirty="0"/>
+              <a:t>Современные приложения могут отображать информацию пользователю разными способами. На слайде представлено два основных способа отображения информации. Каждый подход имеет свои недостатки и преимущества, которые также представлены на слайде. После проведения анализа, выбор пал в сторону реализации через консольный интерфейс по нескольким причинам. Во-первых система должна функционировать на серверах </a:t>
+            </a:r>
+            <a:r>
+              <a:rPr lang="en-US" dirty="0"/>
+              <a:t>Linux Debian, </a:t>
+            </a:r>
+            <a:r>
+              <a:rPr lang="ru-RU" dirty="0"/>
+              <a:t>где не предусмотрено наличие графической оболочки </a:t>
+            </a:r>
+            <a:r>
+              <a:rPr lang="en-US" dirty="0"/>
+              <a:t>GNOME</a:t>
+            </a:r>
+            <a:r>
+              <a:rPr lang="ru-RU" dirty="0"/>
+              <a:t> или </a:t>
+            </a:r>
+            <a:r>
+              <a:rPr lang="en-US" dirty="0"/>
+              <a:t>KDE. </a:t>
+            </a:r>
+            <a:r>
+              <a:rPr lang="ru-RU" dirty="0"/>
+              <a:t>Во-вторых, графический интерфейс оказался бы избыточным для реализации поставленных целей.</a:t>
+            </a:r>
+            <a:endParaRPr lang="en-US" dirty="0"/>
+          </a:p>
+        </p:txBody>
+      </p:sp>
+      <p:sp>
+        <p:nvSpPr>
+          <p:cNvPr id="4" name="Номер слайда 3"/>
+          <p:cNvSpPr>
+            <a:spLocks noGrp="1"/>
+          </p:cNvSpPr>
+          <p:nvPr>
+            <p:ph type="sldNum" sz="quarter" idx="5"/>
+          </p:nvPr>
+        </p:nvSpPr>
+        <p:spPr/>
+        <p:txBody>
+          <a:bodyPr/>
+          <a:lstStyle/>
+          <a:p>
+            <a:fld id="{88284CDB-7C0C-42AA-A512-672142C2910C}" type="slidenum">
+              <a:rPr lang="ru-RU" smtClean="0"/>
               <a:t>11</a:t>
+            </a:fld>
+            <a:endParaRPr lang="ru-RU"/>
+          </a:p>
+        </p:txBody>
+      </p:sp>
+    </p:spTree>
+    <p:extLst>
+      <p:ext uri="{BB962C8B-B14F-4D97-AF65-F5344CB8AC3E}">
+        <p14:creationId xmlns:p14="http://schemas.microsoft.com/office/powerpoint/2010/main" val="3913982744"/>
+      </p:ext>
+    </p:extLst>
+  </p:cSld>
+  <p:clrMapOvr>
+    <a:masterClrMapping/>
+  </p:clrMapOvr>
+</p:notes>
+</file>
+
+<file path=ppt/notesSlides/notesSlide9.xml><?xml version="1.0" encoding="utf-8"?>
+<p:notes xmlns:a="http://schemas.openxmlformats.org/drawingml/2006/main" xmlns:r="http://schemas.openxmlformats.org/officeDocument/2006/relationships" xmlns:p="http://schemas.openxmlformats.org/presentationml/2006/main">
+  <p:cSld>
+    <p:spTree>
+      <p:nvGrpSpPr>
+        <p:cNvPr id="1" name=""/>
+        <p:cNvGrpSpPr/>
+        <p:nvPr/>
+      </p:nvGrpSpPr>
+      <p:grpSpPr>
+        <a:xfrm>
+          <a:off x="0" y="0"/>
+          <a:ext cx="0" cy="0"/>
+          <a:chOff x="0" y="0"/>
+          <a:chExt cx="0" cy="0"/>
+        </a:xfrm>
+      </p:grpSpPr>
+      <p:sp>
+        <p:nvSpPr>
+          <p:cNvPr id="2" name="Образ слайда 1"/>
+          <p:cNvSpPr>
+            <a:spLocks noGrp="1" noRot="1" noChangeAspect="1"/>
+          </p:cNvSpPr>
+          <p:nvPr>
+            <p:ph type="sldImg"/>
+          </p:nvPr>
+        </p:nvSpPr>
+        <p:spPr/>
+      </p:sp>
+      <p:sp>
+        <p:nvSpPr>
+          <p:cNvPr id="3" name="Заметки 2"/>
+          <p:cNvSpPr>
+            <a:spLocks noGrp="1"/>
+          </p:cNvSpPr>
+          <p:nvPr>
+            <p:ph type="body" idx="1"/>
+          </p:nvPr>
+        </p:nvSpPr>
+        <p:spPr/>
+        <p:txBody>
+          <a:bodyPr/>
+          <a:lstStyle/>
+          <a:p>
+            <a:r>
+              <a:rPr lang="ru-RU" dirty="0"/>
+              <a:t>На слайде представлены примеры использования системы мониторинга. В результате помимо отображения таблицы были реализованы две важных операции, а именно сортировка и фильтрации. Данные операции являются обязательными для каждой таблицы, так как они значительно улучшают опыт пользователя с инструментом визуализации.</a:t>
+            </a:r>
+          </a:p>
+        </p:txBody>
+      </p:sp>
+      <p:sp>
+        <p:nvSpPr>
+          <p:cNvPr id="4" name="Номер слайда 3"/>
+          <p:cNvSpPr>
+            <a:spLocks noGrp="1"/>
+          </p:cNvSpPr>
+          <p:nvPr>
+            <p:ph type="sldNum" sz="quarter" idx="5"/>
+          </p:nvPr>
+        </p:nvSpPr>
+        <p:spPr/>
+        <p:txBody>
+          <a:bodyPr/>
+          <a:lstStyle/>
+          <a:p>
+            <a:fld id="{88284CDB-7C0C-42AA-A512-672142C2910C}" type="slidenum">
+              <a:rPr lang="ru-RU" smtClean="0"/>
+              <a:t>12</a:t>
             </a:fld>
             <a:endParaRPr lang="ru-RU"/>
           </a:p>
@@ -1016,7 +1474,7 @@
           <a:p>
             <a:fld id="{1D8BD707-D9CF-40AE-B4C6-C98DA3205C09}" type="datetimeFigureOut">
               <a:rPr lang="en-US"/>
-              <a:t>3/27/2025</a:t>
+              <a:t>4/26/2025</a:t>
             </a:fld>
             <a:endParaRPr lang="en-US"/>
           </a:p>
@@ -1213,7 +1671,7 @@
           <a:p>
             <a:fld id="{1D8BD707-D9CF-40AE-B4C6-C98DA3205C09}" type="datetimeFigureOut">
               <a:rPr lang="en-US"/>
-              <a:t>3/27/2025</a:t>
+              <a:t>4/26/2025</a:t>
             </a:fld>
             <a:endParaRPr lang="en-US"/>
           </a:p>
@@ -1447,7 +1905,7 @@
           <a:p>
             <a:fld id="{1D8BD707-D9CF-40AE-B4C6-C98DA3205C09}" type="datetimeFigureOut">
               <a:rPr lang="en-US"/>
-              <a:t>3/27/2025</a:t>
+              <a:t>4/26/2025</a:t>
             </a:fld>
             <a:endParaRPr lang="en-US"/>
           </a:p>
@@ -1615,7 +2073,7 @@
           <a:p>
             <a:fld id="{1D8BD707-D9CF-40AE-B4C6-C98DA3205C09}" type="datetimeFigureOut">
               <a:rPr lang="en-US"/>
-              <a:t>3/27/2025</a:t>
+              <a:t>4/26/2025</a:t>
             </a:fld>
             <a:endParaRPr lang="en-US"/>
           </a:p>
@@ -1762,7 +2220,7 @@
           <a:p>
             <a:fld id="{1D8BD707-D9CF-40AE-B4C6-C98DA3205C09}" type="datetimeFigureOut">
               <a:rPr lang="en-US"/>
-              <a:t>3/27/2025</a:t>
+              <a:t>4/26/2025</a:t>
             </a:fld>
             <a:endParaRPr lang="en-US"/>
           </a:p>
@@ -2029,7 +2487,7 @@
           <a:p>
             <a:fld id="{1D8BD707-D9CF-40AE-B4C6-C98DA3205C09}" type="datetimeFigureOut">
               <a:rPr lang="en-US"/>
-              <a:t>3/27/2025</a:t>
+              <a:t>4/26/2025</a:t>
             </a:fld>
             <a:endParaRPr lang="en-US"/>
           </a:p>
@@ -2790,8 +3248,8 @@
         </p:nvSpPr>
         <p:spPr>
           <a:xfrm>
-            <a:off x="203301" y="154913"/>
-            <a:ext cx="3136799" cy="310534"/>
+            <a:off x="203300" y="154913"/>
+            <a:ext cx="2679600" cy="310534"/>
           </a:xfrm>
           <a:prstGeom prst="rect">
             <a:avLst/>
@@ -2812,18 +3270,10 @@
               </a:spcBef>
             </a:pPr>
             <a:r>
-              <a:rPr lang="ru-RU" spc="-65" dirty="0"/>
-              <a:t>Программная реализация </a:t>
-            </a:r>
-            <a:r>
-              <a:rPr lang="ru-RU" spc="-40" dirty="0"/>
-              <a:t>механизма мониторинга</a:t>
-            </a:r>
-            <a:r>
-              <a:rPr lang="en-US" spc="-40" dirty="0"/>
-              <a:t> </a:t>
-            </a:r>
-            <a:endParaRPr spc="-40" dirty="0"/>
+              <a:rPr lang="ru-RU" spc="-80" dirty="0"/>
+              <a:t>Сериализация сетевых пакетов </a:t>
+            </a:r>
+            <a:endParaRPr spc="-25" dirty="0"/>
           </a:p>
           <a:p>
             <a:pPr marL="154305">
@@ -2832,8 +3282,8 @@
               </a:lnSpc>
             </a:pPr>
             <a:r>
-              <a:rPr sz="900" spc="-10" dirty="0"/>
-              <a:t>Описание</a:t>
+              <a:rPr lang="ru-RU" sz="900" spc="-10" dirty="0"/>
+              <a:t>Представление в памяти и производительность</a:t>
             </a:r>
             <a:endParaRPr sz="900" dirty="0"/>
           </a:p>
@@ -2914,6 +3364,10 @@
           </p:nvPr>
         </p:nvSpPr>
         <p:spPr>
+          <a:xfrm>
+            <a:off x="5382488" y="2978292"/>
+            <a:ext cx="253364" cy="116839"/>
+          </a:xfrm>
           <a:prstGeom prst="rect">
             <a:avLst/>
           </a:prstGeom>
@@ -2935,6 +3389,871 @@
             <a:fld id="{81D60167-4931-47E6-BA6A-407CBD079E47}" type="slidenum">
               <a:rPr spc="-75" dirty="0"/>
               <a:t>10</a:t>
+            </a:fld>
+            <a:r>
+              <a:rPr spc="-35" dirty="0"/>
+              <a:t> /</a:t>
+            </a:r>
+            <a:r>
+              <a:rPr spc="-30" dirty="0"/>
+              <a:t> </a:t>
+            </a:r>
+            <a:r>
+              <a:rPr spc="-35" dirty="0"/>
+              <a:t>16</a:t>
+            </a:r>
+          </a:p>
+        </p:txBody>
+      </p:sp>
+      <p:graphicFrame>
+        <p:nvGraphicFramePr>
+          <p:cNvPr id="12" name="Таблица 12">
+            <a:extLst>
+              <a:ext uri="{FF2B5EF4-FFF2-40B4-BE49-F238E27FC236}">
+                <a16:creationId xmlns:a16="http://schemas.microsoft.com/office/drawing/2014/main" id="{5E63C27F-3DA8-4F4B-AA6B-10530376B1E5}"/>
+              </a:ext>
+            </a:extLst>
+          </p:cNvPr>
+          <p:cNvGraphicFramePr>
+            <a:graphicFrameLocks noGrp="1"/>
+          </p:cNvGraphicFramePr>
+          <p:nvPr>
+            <p:extLst>
+              <p:ext uri="{D42A27DB-BD31-4B8C-83A1-F6EECF244321}">
+                <p14:modId xmlns:p14="http://schemas.microsoft.com/office/powerpoint/2010/main" val="1514701136"/>
+              </p:ext>
+            </p:extLst>
+          </p:nvPr>
+        </p:nvGraphicFramePr>
+        <p:xfrm>
+          <a:off x="154011" y="819005"/>
+          <a:ext cx="2805089" cy="1771800"/>
+        </p:xfrm>
+        <a:graphic>
+          <a:graphicData uri="http://schemas.openxmlformats.org/drawingml/2006/table">
+            <a:tbl>
+              <a:tblPr firstRow="1" bandRow="1">
+                <a:tableStyleId>{5C22544A-7EE6-4342-B048-85BDC9FD1C3A}</a:tableStyleId>
+              </a:tblPr>
+              <a:tblGrid>
+                <a:gridCol w="1281088">
+                  <a:extLst>
+                    <a:ext uri="{9D8B030D-6E8A-4147-A177-3AD203B41FA5}">
+                      <a16:colId xmlns:a16="http://schemas.microsoft.com/office/drawing/2014/main" val="2318734372"/>
+                    </a:ext>
+                  </a:extLst>
+                </a:gridCol>
+                <a:gridCol w="1066800">
+                  <a:extLst>
+                    <a:ext uri="{9D8B030D-6E8A-4147-A177-3AD203B41FA5}">
+                      <a16:colId xmlns:a16="http://schemas.microsoft.com/office/drawing/2014/main" val="3860383443"/>
+                    </a:ext>
+                  </a:extLst>
+                </a:gridCol>
+                <a:gridCol w="457201">
+                  <a:extLst>
+                    <a:ext uri="{9D8B030D-6E8A-4147-A177-3AD203B41FA5}">
+                      <a16:colId xmlns:a16="http://schemas.microsoft.com/office/drawing/2014/main" val="746164936"/>
+                    </a:ext>
+                  </a:extLst>
+                </a:gridCol>
+              </a:tblGrid>
+              <a:tr h="193700">
+                <a:tc>
+                  <a:txBody>
+                    <a:bodyPr/>
+                    <a:lstStyle/>
+                    <a:p>
+                      <a:r>
+                        <a:rPr lang="ru-RU" sz="700" dirty="0"/>
+                        <a:t>Поле</a:t>
+                      </a:r>
+                    </a:p>
+                  </a:txBody>
+                  <a:tcPr/>
+                </a:tc>
+                <a:tc>
+                  <a:txBody>
+                    <a:bodyPr/>
+                    <a:lstStyle/>
+                    <a:p>
+                      <a:r>
+                        <a:rPr lang="ru-RU" sz="700" dirty="0"/>
+                        <a:t>Пример значения</a:t>
+                      </a:r>
+                    </a:p>
+                  </a:txBody>
+                  <a:tcPr/>
+                </a:tc>
+                <a:tc>
+                  <a:txBody>
+                    <a:bodyPr/>
+                    <a:lstStyle/>
+                    <a:p>
+                      <a:r>
+                        <a:rPr lang="ru-RU" sz="700" dirty="0"/>
+                        <a:t>Длина</a:t>
+                      </a:r>
+                    </a:p>
+                  </a:txBody>
+                  <a:tcPr/>
+                </a:tc>
+                <a:extLst>
+                  <a:ext uri="{0D108BD9-81ED-4DB2-BD59-A6C34878D82A}">
+                    <a16:rowId xmlns:a16="http://schemas.microsoft.com/office/drawing/2014/main" val="1627388847"/>
+                  </a:ext>
+                </a:extLst>
+              </a:tr>
+              <a:tr h="232440">
+                <a:tc>
+                  <a:txBody>
+                    <a:bodyPr/>
+                    <a:lstStyle/>
+                    <a:p>
+                      <a:r>
+                        <a:rPr lang="en-US" sz="700" dirty="0"/>
+                        <a:t>REGISTER_SERVER</a:t>
+                      </a:r>
+                      <a:endParaRPr lang="ru-RU" sz="700" dirty="0"/>
+                    </a:p>
+                  </a:txBody>
+                  <a:tcPr/>
+                </a:tc>
+                <a:tc>
+                  <a:txBody>
+                    <a:bodyPr/>
+                    <a:lstStyle/>
+                    <a:p>
+                      <a:r>
+                        <a:rPr lang="en-US" sz="700" dirty="0">
+                          <a:solidFill>
+                            <a:schemeClr val="tx1"/>
+                          </a:solidFill>
+                        </a:rPr>
+                        <a:t>REGISTER_SERVER</a:t>
+                      </a:r>
+                      <a:endParaRPr lang="ru-RU" sz="700" dirty="0">
+                        <a:solidFill>
+                          <a:schemeClr val="tx1"/>
+                        </a:solidFill>
+                      </a:endParaRPr>
+                    </a:p>
+                  </a:txBody>
+                  <a:tcPr/>
+                </a:tc>
+                <a:tc>
+                  <a:txBody>
+                    <a:bodyPr/>
+                    <a:lstStyle/>
+                    <a:p>
+                      <a:r>
+                        <a:rPr lang="en-US" sz="700" dirty="0"/>
+                        <a:t>15</a:t>
+                      </a:r>
+                      <a:endParaRPr lang="ru-RU" sz="700" dirty="0"/>
+                    </a:p>
+                  </a:txBody>
+                  <a:tcPr/>
+                </a:tc>
+                <a:extLst>
+                  <a:ext uri="{0D108BD9-81ED-4DB2-BD59-A6C34878D82A}">
+                    <a16:rowId xmlns:a16="http://schemas.microsoft.com/office/drawing/2014/main" val="2249046996"/>
+                  </a:ext>
+                </a:extLst>
+              </a:tr>
+              <a:tr h="232440">
+                <a:tc>
+                  <a:txBody>
+                    <a:bodyPr/>
+                    <a:lstStyle/>
+                    <a:p>
+                      <a:r>
+                        <a:rPr lang="en-US" sz="700" dirty="0"/>
+                        <a:t>,uri= + </a:t>
+                      </a:r>
+                      <a:r>
+                        <a:rPr lang="ru-RU" sz="700" dirty="0"/>
+                        <a:t>Адрес</a:t>
+                      </a:r>
+                    </a:p>
+                  </a:txBody>
+                  <a:tcPr/>
+                </a:tc>
+                <a:tc>
+                  <a:txBody>
+                    <a:bodyPr/>
+                    <a:lstStyle/>
+                    <a:p>
+                      <a:r>
+                        <a:rPr lang="en-US" sz="700" dirty="0"/>
+                        <a:t>,uri=127.0.0.1:7777</a:t>
+                      </a:r>
+                      <a:endParaRPr lang="ru-RU" sz="700" dirty="0"/>
+                    </a:p>
+                  </a:txBody>
+                  <a:tcPr/>
+                </a:tc>
+                <a:tc>
+                  <a:txBody>
+                    <a:bodyPr/>
+                    <a:lstStyle/>
+                    <a:p>
+                      <a:r>
+                        <a:rPr lang="en-US" sz="700" dirty="0"/>
+                        <a:t>19</a:t>
+                      </a:r>
+                      <a:endParaRPr lang="ru-RU" sz="700" dirty="0"/>
+                    </a:p>
+                  </a:txBody>
+                  <a:tcPr/>
+                </a:tc>
+                <a:extLst>
+                  <a:ext uri="{0D108BD9-81ED-4DB2-BD59-A6C34878D82A}">
+                    <a16:rowId xmlns:a16="http://schemas.microsoft.com/office/drawing/2014/main" val="2515359156"/>
+                  </a:ext>
+                </a:extLst>
+              </a:tr>
+              <a:tr h="232440">
+                <a:tc>
+                  <a:txBody>
+                    <a:bodyPr/>
+                    <a:lstStyle/>
+                    <a:p>
+                      <a:r>
+                        <a:rPr lang="en-US" sz="700" dirty="0"/>
+                        <a:t>,uuid= + UUID</a:t>
+                      </a:r>
+                      <a:endParaRPr lang="ru-RU" sz="700" dirty="0"/>
+                    </a:p>
+                  </a:txBody>
+                  <a:tcPr/>
+                </a:tc>
+                <a:tc>
+                  <a:txBody>
+                    <a:bodyPr/>
+                    <a:lstStyle/>
+                    <a:p>
+                      <a:r>
+                        <a:rPr lang="en-US" sz="700" dirty="0"/>
+                        <a:t>,uuid=01234567-89ab-cdef-0123-456789abcdef</a:t>
+                      </a:r>
+                      <a:endParaRPr lang="ru-RU" sz="700" dirty="0"/>
+                    </a:p>
+                  </a:txBody>
+                  <a:tcPr/>
+                </a:tc>
+                <a:tc>
+                  <a:txBody>
+                    <a:bodyPr/>
+                    <a:lstStyle/>
+                    <a:p>
+                      <a:r>
+                        <a:rPr lang="en-US" sz="700" dirty="0"/>
+                        <a:t>44</a:t>
+                      </a:r>
+                      <a:endParaRPr lang="ru-RU" sz="700" dirty="0"/>
+                    </a:p>
+                  </a:txBody>
+                  <a:tcPr/>
+                </a:tc>
+                <a:extLst>
+                  <a:ext uri="{0D108BD9-81ED-4DB2-BD59-A6C34878D82A}">
+                    <a16:rowId xmlns:a16="http://schemas.microsoft.com/office/drawing/2014/main" val="102398636"/>
+                  </a:ext>
+                </a:extLst>
+              </a:tr>
+              <a:tr h="232440">
+                <a:tc>
+                  <a:txBody>
+                    <a:bodyPr/>
+                    <a:lstStyle/>
+                    <a:p>
+                      <a:r>
+                        <a:rPr lang="en-US" sz="700" dirty="0"/>
+                        <a:t>,current_players=</a:t>
+                      </a:r>
+                      <a:endParaRPr lang="ru-RU" sz="700" dirty="0"/>
+                    </a:p>
+                  </a:txBody>
+                  <a:tcPr/>
+                </a:tc>
+                <a:tc>
+                  <a:txBody>
+                    <a:bodyPr/>
+                    <a:lstStyle/>
+                    <a:p>
+                      <a:r>
+                        <a:rPr lang="ru-RU" sz="700" dirty="0"/>
+                        <a:t>10</a:t>
+                      </a:r>
+                    </a:p>
+                  </a:txBody>
+                  <a:tcPr/>
+                </a:tc>
+                <a:tc>
+                  <a:txBody>
+                    <a:bodyPr/>
+                    <a:lstStyle/>
+                    <a:p>
+                      <a:r>
+                        <a:rPr lang="en-US" sz="700" dirty="0"/>
+                        <a:t>21</a:t>
+                      </a:r>
+                      <a:endParaRPr lang="ru-RU" sz="700" dirty="0"/>
+                    </a:p>
+                  </a:txBody>
+                  <a:tcPr/>
+                </a:tc>
+                <a:extLst>
+                  <a:ext uri="{0D108BD9-81ED-4DB2-BD59-A6C34878D82A}">
+                    <a16:rowId xmlns:a16="http://schemas.microsoft.com/office/drawing/2014/main" val="4269343335"/>
+                  </a:ext>
+                </a:extLst>
+              </a:tr>
+              <a:tr h="232440">
+                <a:tc>
+                  <a:txBody>
+                    <a:bodyPr/>
+                    <a:lstStyle/>
+                    <a:p>
+                      <a:r>
+                        <a:rPr lang="en-US" sz="700" dirty="0"/>
+                        <a:t>,max_players=</a:t>
+                      </a:r>
+                      <a:endParaRPr lang="ru-RU" sz="700" dirty="0"/>
+                    </a:p>
+                  </a:txBody>
+                  <a:tcPr/>
+                </a:tc>
+                <a:tc>
+                  <a:txBody>
+                    <a:bodyPr/>
+                    <a:lstStyle/>
+                    <a:p>
+                      <a:r>
+                        <a:rPr lang="ru-RU" sz="700" dirty="0"/>
+                        <a:t>20</a:t>
+                      </a:r>
+                    </a:p>
+                  </a:txBody>
+                  <a:tcPr/>
+                </a:tc>
+                <a:tc>
+                  <a:txBody>
+                    <a:bodyPr/>
+                    <a:lstStyle/>
+                    <a:p>
+                      <a:r>
+                        <a:rPr lang="en-US" sz="700" dirty="0"/>
+                        <a:t>18</a:t>
+                      </a:r>
+                      <a:endParaRPr lang="ru-RU" sz="700" dirty="0"/>
+                    </a:p>
+                  </a:txBody>
+                  <a:tcPr/>
+                </a:tc>
+                <a:extLst>
+                  <a:ext uri="{0D108BD9-81ED-4DB2-BD59-A6C34878D82A}">
+                    <a16:rowId xmlns:a16="http://schemas.microsoft.com/office/drawing/2014/main" val="158425326"/>
+                  </a:ext>
+                </a:extLst>
+              </a:tr>
+              <a:tr h="232440">
+                <a:tc>
+                  <a:txBody>
+                    <a:bodyPr/>
+                    <a:lstStyle/>
+                    <a:p>
+                      <a:r>
+                        <a:rPr lang="en-US" sz="700" dirty="0"/>
+                        <a:t>,state=</a:t>
+                      </a:r>
+                      <a:endParaRPr lang="ru-RU" sz="700" dirty="0"/>
+                    </a:p>
+                  </a:txBody>
+                  <a:tcPr/>
+                </a:tc>
+                <a:tc>
+                  <a:txBody>
+                    <a:bodyPr/>
+                    <a:lstStyle/>
+                    <a:p>
+                      <a:r>
+                        <a:rPr lang="en-US" sz="700" dirty="0">
+                          <a:solidFill>
+                            <a:schemeClr val="tx1"/>
+                          </a:solidFill>
+                        </a:rPr>
+                        <a:t>MATCH_IN_PROGRESS</a:t>
+                      </a:r>
+                      <a:endParaRPr lang="ru-RU" sz="700" dirty="0">
+                        <a:solidFill>
+                          <a:schemeClr val="tx1"/>
+                        </a:solidFill>
+                      </a:endParaRPr>
+                    </a:p>
+                  </a:txBody>
+                  <a:tcPr/>
+                </a:tc>
+                <a:tc>
+                  <a:txBody>
+                    <a:bodyPr/>
+                    <a:lstStyle/>
+                    <a:p>
+                      <a:r>
+                        <a:rPr lang="en-US" sz="700" dirty="0"/>
+                        <a:t>27</a:t>
+                      </a:r>
+                      <a:endParaRPr lang="ru-RU" sz="700" dirty="0"/>
+                    </a:p>
+                  </a:txBody>
+                  <a:tcPr/>
+                </a:tc>
+                <a:extLst>
+                  <a:ext uri="{0D108BD9-81ED-4DB2-BD59-A6C34878D82A}">
+                    <a16:rowId xmlns:a16="http://schemas.microsoft.com/office/drawing/2014/main" val="642788839"/>
+                  </a:ext>
+                </a:extLst>
+              </a:tr>
+            </a:tbl>
+          </a:graphicData>
+        </a:graphic>
+      </p:graphicFrame>
+      <p:sp>
+        <p:nvSpPr>
+          <p:cNvPr id="14" name="TextBox 13">
+            <a:extLst>
+              <a:ext uri="{FF2B5EF4-FFF2-40B4-BE49-F238E27FC236}">
+                <a16:creationId xmlns:a16="http://schemas.microsoft.com/office/drawing/2014/main" id="{DB8D3022-4EBB-4B80-AF71-EF9CC720DFBC}"/>
+              </a:ext>
+            </a:extLst>
+          </p:cNvPr>
+          <p:cNvSpPr txBox="1"/>
+          <p:nvPr/>
+        </p:nvSpPr>
+        <p:spPr>
+          <a:xfrm>
+            <a:off x="94295" y="2867435"/>
+            <a:ext cx="2060179" cy="338554"/>
+          </a:xfrm>
+          <a:prstGeom prst="rect">
+            <a:avLst/>
+          </a:prstGeom>
+          <a:noFill/>
+        </p:spPr>
+        <p:txBody>
+          <a:bodyPr wrap="none" rtlCol="0">
+            <a:spAutoFit/>
+          </a:bodyPr>
+          <a:lstStyle/>
+          <a:p>
+            <a:r>
+              <a:rPr lang="ru-RU" sz="800" dirty="0"/>
+              <a:t>Итого</a:t>
+            </a:r>
+            <a:r>
+              <a:rPr lang="en-US" sz="800" dirty="0"/>
+              <a:t>:</a:t>
+            </a:r>
+          </a:p>
+          <a:p>
+            <a:r>
+              <a:rPr lang="ru-RU" sz="800" dirty="0"/>
+              <a:t>15 + 19 + 44 + 21 + 18 + 27 = 144 байта</a:t>
+            </a:r>
+          </a:p>
+        </p:txBody>
+      </p:sp>
+      <p:sp>
+        <p:nvSpPr>
+          <p:cNvPr id="18" name="TextBox 17">
+            <a:extLst>
+              <a:ext uri="{FF2B5EF4-FFF2-40B4-BE49-F238E27FC236}">
+                <a16:creationId xmlns:a16="http://schemas.microsoft.com/office/drawing/2014/main" id="{872870DB-5D4E-4D91-9529-5731A0B616DF}"/>
+              </a:ext>
+            </a:extLst>
+          </p:cNvPr>
+          <p:cNvSpPr txBox="1"/>
+          <p:nvPr/>
+        </p:nvSpPr>
+        <p:spPr>
+          <a:xfrm>
+            <a:off x="3340100" y="2617727"/>
+            <a:ext cx="2145139" cy="307777"/>
+          </a:xfrm>
+          <a:prstGeom prst="rect">
+            <a:avLst/>
+          </a:prstGeom>
+          <a:noFill/>
+        </p:spPr>
+        <p:txBody>
+          <a:bodyPr wrap="none" rtlCol="0">
+            <a:spAutoFit/>
+          </a:bodyPr>
+          <a:lstStyle/>
+          <a:p>
+            <a:pPr algn="ctr"/>
+            <a:r>
+              <a:rPr lang="ru-RU" sz="700" dirty="0"/>
+              <a:t>Рисунок 12. Представление команды в памяти</a:t>
+            </a:r>
+          </a:p>
+          <a:p>
+            <a:pPr algn="ctr"/>
+            <a:r>
+              <a:rPr lang="ru-RU" sz="700" dirty="0"/>
+              <a:t>при байтовой сериализации</a:t>
+            </a:r>
+          </a:p>
+        </p:txBody>
+      </p:sp>
+      <p:sp>
+        <p:nvSpPr>
+          <p:cNvPr id="20" name="TextBox 19">
+            <a:extLst>
+              <a:ext uri="{FF2B5EF4-FFF2-40B4-BE49-F238E27FC236}">
+                <a16:creationId xmlns:a16="http://schemas.microsoft.com/office/drawing/2014/main" id="{5EF24E99-7E49-4996-B06A-7366557E6526}"/>
+              </a:ext>
+            </a:extLst>
+          </p:cNvPr>
+          <p:cNvSpPr txBox="1"/>
+          <p:nvPr/>
+        </p:nvSpPr>
+        <p:spPr>
+          <a:xfrm>
+            <a:off x="470530" y="2617727"/>
+            <a:ext cx="2145139" cy="307777"/>
+          </a:xfrm>
+          <a:prstGeom prst="rect">
+            <a:avLst/>
+          </a:prstGeom>
+          <a:noFill/>
+        </p:spPr>
+        <p:txBody>
+          <a:bodyPr wrap="none" rtlCol="0">
+            <a:spAutoFit/>
+          </a:bodyPr>
+          <a:lstStyle/>
+          <a:p>
+            <a:pPr algn="ctr"/>
+            <a:r>
+              <a:rPr lang="ru-RU" sz="700" dirty="0"/>
+              <a:t>Рисунок 11. Представление команды в памяти</a:t>
+            </a:r>
+          </a:p>
+          <a:p>
+            <a:pPr algn="ctr"/>
+            <a:r>
+              <a:rPr lang="ru-RU" sz="700" dirty="0"/>
+              <a:t>при строковой сериализации</a:t>
+            </a:r>
+          </a:p>
+        </p:txBody>
+      </p:sp>
+      <p:cxnSp>
+        <p:nvCxnSpPr>
+          <p:cNvPr id="10" name="Прямая соединительная линия 9">
+            <a:extLst>
+              <a:ext uri="{FF2B5EF4-FFF2-40B4-BE49-F238E27FC236}">
+                <a16:creationId xmlns:a16="http://schemas.microsoft.com/office/drawing/2014/main" id="{10CAC03B-BDD3-43ED-8478-38AD8D784A76}"/>
+              </a:ext>
+            </a:extLst>
+          </p:cNvPr>
+          <p:cNvCxnSpPr>
+            <a:cxnSpLocks/>
+          </p:cNvCxnSpPr>
+          <p:nvPr/>
+        </p:nvCxnSpPr>
+        <p:spPr>
+          <a:xfrm>
+            <a:off x="3016069" y="629198"/>
+            <a:ext cx="0" cy="2372506"/>
+          </a:xfrm>
+          <a:prstGeom prst="line">
+            <a:avLst/>
+          </a:prstGeom>
+        </p:spPr>
+        <p:style>
+          <a:lnRef idx="1">
+            <a:schemeClr val="accent1"/>
+          </a:lnRef>
+          <a:fillRef idx="0">
+            <a:schemeClr val="accent1"/>
+          </a:fillRef>
+          <a:effectRef idx="0">
+            <a:schemeClr val="accent1"/>
+          </a:effectRef>
+          <a:fontRef idx="minor">
+            <a:schemeClr val="tx1"/>
+          </a:fontRef>
+        </p:style>
+      </p:cxnSp>
+      <p:pic>
+        <p:nvPicPr>
+          <p:cNvPr id="15" name="Рисунок 14">
+            <a:extLst>
+              <a:ext uri="{FF2B5EF4-FFF2-40B4-BE49-F238E27FC236}">
+                <a16:creationId xmlns:a16="http://schemas.microsoft.com/office/drawing/2014/main" id="{6FFE46B4-0BD2-4FEC-A39C-E7BA774B45DA}"/>
+              </a:ext>
+            </a:extLst>
+          </p:cNvPr>
+          <p:cNvPicPr>
+            <a:picLocks noChangeAspect="1"/>
+          </p:cNvPicPr>
+          <p:nvPr/>
+        </p:nvPicPr>
+        <p:blipFill>
+          <a:blip r:embed="rId4" cstate="print">
+            <a:extLst>
+              <a:ext uri="{28A0092B-C50C-407E-A947-70E740481C1C}">
+                <a14:useLocalDpi xmlns:a14="http://schemas.microsoft.com/office/drawing/2010/main" val="0"/>
+              </a:ext>
+            </a:extLst>
+          </a:blip>
+          <a:stretch>
+            <a:fillRect/>
+          </a:stretch>
+        </p:blipFill>
+        <p:spPr>
+          <a:xfrm>
+            <a:off x="3063113" y="629198"/>
+            <a:ext cx="2699112" cy="1546225"/>
+          </a:xfrm>
+          <a:prstGeom prst="rect">
+            <a:avLst/>
+          </a:prstGeom>
+        </p:spPr>
+      </p:pic>
+    </p:spTree>
+    <p:extLst>
+      <p:ext uri="{BB962C8B-B14F-4D97-AF65-F5344CB8AC3E}">
+        <p14:creationId xmlns:p14="http://schemas.microsoft.com/office/powerpoint/2010/main" val="2065144408"/>
+      </p:ext>
+    </p:extLst>
+  </p:cSld>
+  <p:clrMapOvr>
+    <a:masterClrMapping/>
+  </p:clrMapOvr>
+  <p:transition>
+    <p:cut/>
+  </p:transition>
+</p:sld>
+</file>
+
+<file path=ppt/slides/slide11.xml><?xml version="1.0" encoding="utf-8"?>
+<p:sld xmlns:a="http://schemas.openxmlformats.org/drawingml/2006/main" xmlns:r="http://schemas.openxmlformats.org/officeDocument/2006/relationships" xmlns:p="http://schemas.openxmlformats.org/presentationml/2006/main">
+  <p:cSld>
+    <p:spTree>
+      <p:nvGrpSpPr>
+        <p:cNvPr id="1" name=""/>
+        <p:cNvGrpSpPr/>
+        <p:nvPr/>
+      </p:nvGrpSpPr>
+      <p:grpSpPr>
+        <a:xfrm>
+          <a:off x="0" y="0"/>
+          <a:ext cx="0" cy="0"/>
+          <a:chOff x="0" y="0"/>
+          <a:chExt cx="0" cy="0"/>
+        </a:xfrm>
+      </p:grpSpPr>
+      <p:sp>
+        <p:nvSpPr>
+          <p:cNvPr id="2" name="object 2"/>
+          <p:cNvSpPr txBox="1"/>
+          <p:nvPr/>
+        </p:nvSpPr>
+        <p:spPr>
+          <a:xfrm rot="10800000">
+            <a:off x="237383" y="316589"/>
+            <a:ext cx="127791" cy="114300"/>
+          </a:xfrm>
+          <a:prstGeom prst="rect">
+            <a:avLst/>
+          </a:prstGeom>
+        </p:spPr>
+        <p:txBody>
+          <a:bodyPr vert="horz" wrap="square" lIns="0" tIns="0" rIns="0" bIns="0" rtlCol="0">
+            <a:spAutoFit/>
+          </a:bodyPr>
+          <a:lstStyle/>
+          <a:p>
+            <a:pPr>
+              <a:lnSpc>
+                <a:spcPts val="890"/>
+              </a:lnSpc>
+            </a:pPr>
+            <a:r>
+              <a:rPr sz="900" spc="-120" dirty="0">
+                <a:latin typeface="Cambria"/>
+                <a:cs typeface="Cambria"/>
+              </a:rPr>
+              <a:t>↰</a:t>
+            </a:r>
+            <a:endParaRPr sz="900">
+              <a:latin typeface="Cambria"/>
+              <a:cs typeface="Cambria"/>
+            </a:endParaRPr>
+          </a:p>
+        </p:txBody>
+      </p:sp>
+      <p:sp>
+        <p:nvSpPr>
+          <p:cNvPr id="3" name="object 3"/>
+          <p:cNvSpPr txBox="1">
+            <a:spLocks noGrp="1"/>
+          </p:cNvSpPr>
+          <p:nvPr>
+            <p:ph type="title"/>
+          </p:nvPr>
+        </p:nvSpPr>
+        <p:spPr>
+          <a:xfrm>
+            <a:off x="203301" y="154913"/>
+            <a:ext cx="3136799" cy="310534"/>
+          </a:xfrm>
+          <a:prstGeom prst="rect">
+            <a:avLst/>
+          </a:prstGeom>
+        </p:spPr>
+        <p:txBody>
+          <a:bodyPr vert="horz" wrap="square" lIns="0" tIns="11430" rIns="0" bIns="0" rtlCol="0">
+            <a:spAutoFit/>
+          </a:bodyPr>
+          <a:lstStyle/>
+          <a:p>
+            <a:pPr marL="12700">
+              <a:lnSpc>
+                <a:spcPts val="1305"/>
+              </a:lnSpc>
+              <a:spcBef>
+                <a:spcPts val="90"/>
+              </a:spcBef>
+            </a:pPr>
+            <a:r>
+              <a:rPr lang="ru-RU" spc="-65" dirty="0"/>
+              <a:t>Программная реализация </a:t>
+            </a:r>
+            <a:r>
+              <a:rPr lang="ru-RU" spc="-40" dirty="0"/>
+              <a:t>механизма мониторинга</a:t>
+            </a:r>
+            <a:r>
+              <a:rPr lang="en-US" spc="-40" dirty="0"/>
+              <a:t> </a:t>
+            </a:r>
+            <a:endParaRPr spc="-40" dirty="0"/>
+          </a:p>
+          <a:p>
+            <a:pPr marL="154305">
+              <a:lnSpc>
+                <a:spcPts val="1065"/>
+              </a:lnSpc>
+            </a:pPr>
+            <a:r>
+              <a:rPr sz="900" spc="-10" dirty="0"/>
+              <a:t>Описание</a:t>
+            </a:r>
+            <a:endParaRPr sz="900" dirty="0"/>
+          </a:p>
+        </p:txBody>
+      </p:sp>
+      <p:sp>
+        <p:nvSpPr>
+          <p:cNvPr id="4" name="object 4"/>
+          <p:cNvSpPr/>
+          <p:nvPr/>
+        </p:nvSpPr>
+        <p:spPr>
+          <a:xfrm>
+            <a:off x="198564" y="524535"/>
+            <a:ext cx="4923790" cy="0"/>
+          </a:xfrm>
+          <a:custGeom>
+            <a:avLst/>
+            <a:gdLst/>
+            <a:ahLst/>
+            <a:cxnLst/>
+            <a:rect l="l" t="t" r="r" b="b"/>
+            <a:pathLst>
+              <a:path w="4923790">
+                <a:moveTo>
+                  <a:pt x="0" y="0"/>
+                </a:moveTo>
+                <a:lnTo>
+                  <a:pt x="4923726" y="0"/>
+                </a:lnTo>
+              </a:path>
+            </a:pathLst>
+          </a:custGeom>
+          <a:ln w="25304">
+            <a:solidFill>
+              <a:srgbClr val="006CDC"/>
+            </a:solidFill>
+          </a:ln>
+        </p:spPr>
+        <p:txBody>
+          <a:bodyPr wrap="square" lIns="0" tIns="0" rIns="0" bIns="0" rtlCol="0"/>
+          <a:lstStyle/>
+          <a:p>
+            <a:endParaRPr/>
+          </a:p>
+        </p:txBody>
+      </p:sp>
+      <p:pic>
+        <p:nvPicPr>
+          <p:cNvPr id="5" name="object 5"/>
+          <p:cNvPicPr/>
+          <p:nvPr/>
+        </p:nvPicPr>
+        <p:blipFill>
+          <a:blip r:embed="rId3" cstate="print"/>
+          <a:stretch>
+            <a:fillRect/>
+          </a:stretch>
+        </p:blipFill>
+        <p:spPr>
+          <a:xfrm>
+            <a:off x="5272363" y="83480"/>
+            <a:ext cx="369463" cy="436200"/>
+          </a:xfrm>
+          <a:prstGeom prst="rect">
+            <a:avLst/>
+          </a:prstGeom>
+        </p:spPr>
+      </p:pic>
+      <p:sp>
+        <p:nvSpPr>
+          <p:cNvPr id="7" name="object 7"/>
+          <p:cNvSpPr txBox="1">
+            <a:spLocks noGrp="1"/>
+          </p:cNvSpPr>
+          <p:nvPr>
+            <p:ph type="sldNum" sz="quarter" idx="7"/>
+          </p:nvPr>
+        </p:nvSpPr>
+        <p:spPr>
+          <a:prstGeom prst="rect">
+            <a:avLst/>
+          </a:prstGeom>
+        </p:spPr>
+        <p:txBody>
+          <a:bodyPr vert="horz" wrap="square" lIns="0" tIns="6985" rIns="0" bIns="0" rtlCol="0">
+            <a:spAutoFit/>
+          </a:bodyPr>
+          <a:lstStyle/>
+          <a:p>
+            <a:pPr marL="40005">
+              <a:lnSpc>
+                <a:spcPct val="100000"/>
+              </a:lnSpc>
+              <a:spcBef>
+                <a:spcPts val="55"/>
+              </a:spcBef>
+            </a:pPr>
+            <a:fld id="{81D60167-4931-47E6-BA6A-407CBD079E47}" type="slidenum">
+              <a:rPr spc="-75" dirty="0"/>
+              <a:t>11</a:t>
             </a:fld>
             <a:r>
               <a:rPr spc="-35" dirty="0"/>
@@ -3665,7 +4984,7 @@
 </p:sld>
 </file>
 
-<file path=ppt/slides/slide11.xml><?xml version="1.0" encoding="utf-8"?>
+<file path=ppt/slides/slide12.xml><?xml version="1.0" encoding="utf-8"?>
 <p:sld xmlns:a="http://schemas.openxmlformats.org/drawingml/2006/main" xmlns:r="http://schemas.openxmlformats.org/officeDocument/2006/relationships" xmlns:p="http://schemas.openxmlformats.org/presentationml/2006/main">
   <p:cSld>
     <p:spTree>
@@ -3735,7 +5054,7 @@
         <p:spPr>
           <a:xfrm>
             <a:off x="203300" y="154913"/>
-            <a:ext cx="3289200" cy="310534"/>
+            <a:ext cx="3441600" cy="310534"/>
           </a:xfrm>
           <a:prstGeom prst="rect">
             <a:avLst/>
@@ -3776,11 +5095,7 @@
             </a:pPr>
             <a:r>
               <a:rPr lang="ru-RU" sz="900" spc="-50" dirty="0"/>
-              <a:t>Примеры использования через </a:t>
-            </a:r>
-            <a:r>
-              <a:rPr lang="en-US" sz="900" spc="-50" dirty="0"/>
-              <a:t>CLI</a:t>
+              <a:t>Интерфейс разработанной программы для мониторинга серверов</a:t>
             </a:r>
             <a:endParaRPr lang="ru-RU" sz="900" dirty="0"/>
           </a:p>
@@ -3881,7 +5196,7 @@
             </a:pPr>
             <a:fld id="{81D60167-4931-47E6-BA6A-407CBD079E47}" type="slidenum">
               <a:rPr spc="-75" dirty="0"/>
-              <a:t>11</a:t>
+              <a:t>12</a:t>
             </a:fld>
             <a:r>
               <a:rPr spc="-35" dirty="0"/>
@@ -4177,7 +5492,7 @@
 </p:sld>
 </file>
 
-<file path=ppt/slides/slide12.xml><?xml version="1.0" encoding="utf-8"?>
+<file path=ppt/slides/slide13.xml><?xml version="1.0" encoding="utf-8"?>
 <p:sld xmlns:a="http://schemas.openxmlformats.org/drawingml/2006/main" xmlns:r="http://schemas.openxmlformats.org/officeDocument/2006/relationships" xmlns:p="http://schemas.openxmlformats.org/presentationml/2006/main">
   <p:cSld>
     <p:spTree>
@@ -4377,7 +5692,7 @@
               <a:rPr sz="900" spc="-10" dirty="0"/>
               <a:t>экперимента/испытания)</a:t>
             </a:r>
-            <a:endParaRPr sz="900"/>
+            <a:endParaRPr sz="900" dirty="0"/>
           </a:p>
         </p:txBody>
       </p:sp>
@@ -4842,7 +6157,7 @@
               </a:rPr>
               <a:t> полученный.</a:t>
             </a:r>
-            <a:endParaRPr sz="900">
+            <a:endParaRPr sz="900" dirty="0">
               <a:latin typeface="Trebuchet MS"/>
               <a:cs typeface="Trebuchet MS"/>
             </a:endParaRPr>
@@ -4954,7 +6269,7 @@
               </a:rPr>
               <a:t>результатов.</a:t>
             </a:r>
-            <a:endParaRPr sz="900">
+            <a:endParaRPr sz="900" dirty="0">
               <a:latin typeface="Trebuchet MS"/>
               <a:cs typeface="Trebuchet MS"/>
             </a:endParaRPr>
@@ -5086,7 +6401,7 @@
               </a:rPr>
               <a:t>описанием.</a:t>
             </a:r>
-            <a:endParaRPr sz="900">
+            <a:endParaRPr sz="900" dirty="0">
               <a:latin typeface="Trebuchet MS"/>
               <a:cs typeface="Trebuchet MS"/>
             </a:endParaRPr>
@@ -5115,7 +6430,7 @@
               </a:rPr>
               <a:t>...</a:t>
             </a:r>
-            <a:endParaRPr sz="900">
+            <a:endParaRPr sz="900" dirty="0">
               <a:latin typeface="Trebuchet MS"/>
               <a:cs typeface="Trebuchet MS"/>
             </a:endParaRPr>
@@ -5205,7 +6520,7 @@
               </a:rPr>
               <a:t>cлайда.</a:t>
             </a:r>
-            <a:endParaRPr sz="900">
+            <a:endParaRPr sz="900" dirty="0">
               <a:latin typeface="Trebuchet MS"/>
               <a:cs typeface="Trebuchet MS"/>
             </a:endParaRPr>
@@ -5243,7 +6558,7 @@
             </a:pPr>
             <a:fld id="{81D60167-4931-47E6-BA6A-407CBD079E47}" type="slidenum">
               <a:rPr spc="-75" dirty="0"/>
-              <a:t>12</a:t>
+              <a:t>13</a:t>
             </a:fld>
             <a:r>
               <a:rPr spc="-35" dirty="0"/>
@@ -5271,7 +6586,7 @@
 </p:sld>
 </file>
 
-<file path=ppt/slides/slide13.xml><?xml version="1.0" encoding="utf-8"?>
+<file path=ppt/slides/slide14.xml><?xml version="1.0" encoding="utf-8"?>
 <p:sld xmlns:a="http://schemas.openxmlformats.org/drawingml/2006/main" xmlns:r="http://schemas.openxmlformats.org/officeDocument/2006/relationships" xmlns:p="http://schemas.openxmlformats.org/presentationml/2006/main">
   <p:cSld>
     <p:spTree>
@@ -6077,7 +7392,7 @@
             </a:pPr>
             <a:fld id="{81D60167-4931-47E6-BA6A-407CBD079E47}" type="slidenum">
               <a:rPr spc="-75" dirty="0"/>
-              <a:t>13</a:t>
+              <a:t>14</a:t>
             </a:fld>
             <a:r>
               <a:rPr spc="-35" dirty="0"/>
@@ -6105,7 +7420,7 @@
 </p:sld>
 </file>
 
-<file path=ppt/slides/slide14.xml><?xml version="1.0" encoding="utf-8"?>
+<file path=ppt/slides/slide15.xml><?xml version="1.0" encoding="utf-8"?>
 <p:sld xmlns:a="http://schemas.openxmlformats.org/drawingml/2006/main" xmlns:r="http://schemas.openxmlformats.org/officeDocument/2006/relationships" xmlns:p="http://schemas.openxmlformats.org/presentationml/2006/main" showMasterSp="0">
   <p:cSld>
     <p:spTree>
@@ -6444,7 +7759,7 @@
               <a:rPr sz="900" spc="-45" dirty="0"/>
               <a:t>актуальность</a:t>
             </a:r>
-            <a:endParaRPr sz="900"/>
+            <a:endParaRPr sz="900" dirty="0"/>
           </a:p>
         </p:txBody>
       </p:sp>
@@ -6512,2191 +7827,6 @@
           </a:prstGeom>
         </p:spPr>
       </p:pic>
-      <p:sp>
-        <p:nvSpPr>
-          <p:cNvPr id="6" name="object 6"/>
-          <p:cNvSpPr/>
-          <p:nvPr/>
-        </p:nvSpPr>
-        <p:spPr>
-          <a:xfrm>
-            <a:off x="216001" y="2329370"/>
-            <a:ext cx="2030730" cy="0"/>
-          </a:xfrm>
-          <a:custGeom>
-            <a:avLst/>
-            <a:gdLst/>
-            <a:ahLst/>
-            <a:cxnLst/>
-            <a:rect l="l" t="t" r="r" b="b"/>
-            <a:pathLst>
-              <a:path w="2030730">
-                <a:moveTo>
-                  <a:pt x="0" y="0"/>
-                </a:moveTo>
-                <a:lnTo>
-                  <a:pt x="2030374" y="0"/>
-                </a:lnTo>
-              </a:path>
-            </a:pathLst>
-          </a:custGeom>
-          <a:ln w="5060">
-            <a:solidFill>
-              <a:srgbClr val="000000"/>
-            </a:solidFill>
-          </a:ln>
-        </p:spPr>
-        <p:txBody>
-          <a:bodyPr wrap="square" lIns="0" tIns="0" rIns="0" bIns="0" rtlCol="0"/>
-          <a:lstStyle/>
-          <a:p>
-            <a:endParaRPr/>
-          </a:p>
-        </p:txBody>
-      </p:sp>
-      <p:sp>
-        <p:nvSpPr>
-          <p:cNvPr id="7" name="object 7"/>
-          <p:cNvSpPr txBox="1"/>
-          <p:nvPr/>
-        </p:nvSpPr>
-        <p:spPr>
-          <a:xfrm>
-            <a:off x="165201" y="856000"/>
-            <a:ext cx="5121275" cy="1933575"/>
-          </a:xfrm>
-          <a:prstGeom prst="rect">
-            <a:avLst/>
-          </a:prstGeom>
-        </p:spPr>
-        <p:txBody>
-          <a:bodyPr vert="horz" wrap="square" lIns="0" tIns="10795" rIns="0" bIns="0" rtlCol="0">
-            <a:spAutoFit/>
-          </a:bodyPr>
-          <a:lstStyle/>
-          <a:p>
-            <a:pPr marL="278130" marR="43180" indent="-115570">
-              <a:lnSpc>
-                <a:spcPct val="101000"/>
-              </a:lnSpc>
-              <a:spcBef>
-                <a:spcPts val="85"/>
-              </a:spcBef>
-              <a:buClr>
-                <a:srgbClr val="006CDC"/>
-              </a:buClr>
-              <a:buFont typeface="Cambria"/>
-              <a:buChar char="•"/>
-              <a:tabLst>
-                <a:tab pos="278130" algn="l"/>
-              </a:tabLst>
-            </a:pPr>
-            <a:r>
-              <a:rPr sz="900" i="1" spc="-30" dirty="0">
-                <a:solidFill>
-                  <a:srgbClr val="7F7F7F"/>
-                </a:solidFill>
-                <a:latin typeface="Trebuchet MS"/>
-                <a:cs typeface="Trebuchet MS"/>
-              </a:rPr>
-              <a:t>Во</a:t>
-            </a:r>
-            <a:r>
-              <a:rPr sz="900" i="1" spc="-25" dirty="0">
-                <a:solidFill>
-                  <a:srgbClr val="7F7F7F"/>
-                </a:solidFill>
-                <a:latin typeface="Trebuchet MS"/>
-                <a:cs typeface="Trebuchet MS"/>
-              </a:rPr>
-              <a:t> </a:t>
-            </a:r>
-            <a:r>
-              <a:rPr sz="900" i="1" spc="-60" dirty="0">
-                <a:solidFill>
-                  <a:srgbClr val="7F7F7F"/>
-                </a:solidFill>
-                <a:latin typeface="Trebuchet MS"/>
-                <a:cs typeface="Trebuchet MS"/>
-              </a:rPr>
-              <a:t>введении</a:t>
-            </a:r>
-            <a:r>
-              <a:rPr sz="900" i="1" spc="-20" dirty="0">
-                <a:solidFill>
-                  <a:srgbClr val="7F7F7F"/>
-                </a:solidFill>
-                <a:latin typeface="Trebuchet MS"/>
-                <a:cs typeface="Trebuchet MS"/>
-              </a:rPr>
-              <a:t> </a:t>
-            </a:r>
-            <a:r>
-              <a:rPr sz="900" i="1" spc="-70" dirty="0">
-                <a:solidFill>
-                  <a:srgbClr val="7F7F7F"/>
-                </a:solidFill>
-                <a:latin typeface="Trebuchet MS"/>
-                <a:cs typeface="Trebuchet MS"/>
-              </a:rPr>
-              <a:t>должны</a:t>
-            </a:r>
-            <a:r>
-              <a:rPr sz="900" i="1" spc="-25" dirty="0">
-                <a:solidFill>
-                  <a:srgbClr val="7F7F7F"/>
-                </a:solidFill>
-                <a:latin typeface="Trebuchet MS"/>
-                <a:cs typeface="Trebuchet MS"/>
-              </a:rPr>
-              <a:t> </a:t>
-            </a:r>
-            <a:r>
-              <a:rPr sz="900" i="1" spc="-85" dirty="0">
-                <a:solidFill>
-                  <a:srgbClr val="7F7F7F"/>
-                </a:solidFill>
-                <a:latin typeface="Trebuchet MS"/>
-                <a:cs typeface="Trebuchet MS"/>
-              </a:rPr>
-              <a:t>быть</a:t>
-            </a:r>
-            <a:r>
-              <a:rPr sz="900" i="1" spc="-20" dirty="0">
-                <a:solidFill>
-                  <a:srgbClr val="7F7F7F"/>
-                </a:solidFill>
-                <a:latin typeface="Trebuchet MS"/>
-                <a:cs typeface="Trebuchet MS"/>
-              </a:rPr>
-              <a:t> </a:t>
-            </a:r>
-            <a:r>
-              <a:rPr sz="900" i="1" spc="-70" dirty="0">
-                <a:solidFill>
-                  <a:srgbClr val="7F7F7F"/>
-                </a:solidFill>
-                <a:latin typeface="Trebuchet MS"/>
-                <a:cs typeface="Trebuchet MS"/>
-              </a:rPr>
-              <a:t>представлены:</a:t>
-            </a:r>
-            <a:r>
-              <a:rPr sz="900" i="1" spc="-25" dirty="0">
-                <a:solidFill>
-                  <a:srgbClr val="7F7F7F"/>
-                </a:solidFill>
-                <a:latin typeface="Trebuchet MS"/>
-                <a:cs typeface="Trebuchet MS"/>
-              </a:rPr>
-              <a:t> </a:t>
-            </a:r>
-            <a:r>
-              <a:rPr sz="900" i="1" spc="-60" dirty="0">
-                <a:solidFill>
-                  <a:srgbClr val="7F7F7F"/>
-                </a:solidFill>
-                <a:latin typeface="Trebuchet MS"/>
-                <a:cs typeface="Trebuchet MS"/>
-              </a:rPr>
-              <a:t>введение</a:t>
-            </a:r>
-            <a:r>
-              <a:rPr sz="900" i="1" spc="-20" dirty="0">
-                <a:solidFill>
-                  <a:srgbClr val="7F7F7F"/>
-                </a:solidFill>
-                <a:latin typeface="Trebuchet MS"/>
-                <a:cs typeface="Trebuchet MS"/>
-              </a:rPr>
-              <a:t> </a:t>
-            </a:r>
-            <a:r>
-              <a:rPr sz="900" i="1" spc="-75" dirty="0">
-                <a:solidFill>
-                  <a:srgbClr val="7F7F7F"/>
-                </a:solidFill>
-                <a:latin typeface="Trebuchet MS"/>
-                <a:cs typeface="Trebuchet MS"/>
-              </a:rPr>
-              <a:t>в</a:t>
-            </a:r>
-            <a:r>
-              <a:rPr sz="900" i="1" spc="-20" dirty="0">
-                <a:solidFill>
-                  <a:srgbClr val="7F7F7F"/>
-                </a:solidFill>
-                <a:latin typeface="Trebuchet MS"/>
-                <a:cs typeface="Trebuchet MS"/>
-              </a:rPr>
-              <a:t> </a:t>
-            </a:r>
-            <a:r>
-              <a:rPr sz="900" i="1" spc="-80" dirty="0">
-                <a:solidFill>
-                  <a:srgbClr val="7F7F7F"/>
-                </a:solidFill>
-                <a:latin typeface="Trebuchet MS"/>
-                <a:cs typeface="Trebuchet MS"/>
-              </a:rPr>
-              <a:t>проблему,</a:t>
-            </a:r>
-            <a:r>
-              <a:rPr sz="900" i="1" spc="-25" dirty="0">
-                <a:solidFill>
-                  <a:srgbClr val="7F7F7F"/>
-                </a:solidFill>
-                <a:latin typeface="Trebuchet MS"/>
-                <a:cs typeface="Trebuchet MS"/>
-              </a:rPr>
-              <a:t> </a:t>
-            </a:r>
-            <a:r>
-              <a:rPr sz="900" i="1" spc="-50" dirty="0">
-                <a:solidFill>
-                  <a:srgbClr val="7F7F7F"/>
-                </a:solidFill>
-                <a:latin typeface="Trebuchet MS"/>
-                <a:cs typeface="Trebuchet MS"/>
-              </a:rPr>
-              <a:t>описание</a:t>
-            </a:r>
-            <a:r>
-              <a:rPr sz="900" i="1" spc="-20" dirty="0">
-                <a:solidFill>
-                  <a:srgbClr val="7F7F7F"/>
-                </a:solidFill>
-                <a:latin typeface="Trebuchet MS"/>
-                <a:cs typeface="Trebuchet MS"/>
-              </a:rPr>
-              <a:t> </a:t>
-            </a:r>
-            <a:r>
-              <a:rPr sz="900" i="1" spc="-70" dirty="0">
-                <a:solidFill>
-                  <a:srgbClr val="7F7F7F"/>
-                </a:solidFill>
-                <a:latin typeface="Trebuchet MS"/>
-                <a:cs typeface="Trebuchet MS"/>
-              </a:rPr>
-              <a:t>объекта</a:t>
-            </a:r>
-            <a:r>
-              <a:rPr sz="900" i="1" spc="-25" dirty="0">
-                <a:solidFill>
-                  <a:srgbClr val="7F7F7F"/>
-                </a:solidFill>
-                <a:latin typeface="Trebuchet MS"/>
-                <a:cs typeface="Trebuchet MS"/>
-              </a:rPr>
-              <a:t> </a:t>
-            </a:r>
-            <a:r>
-              <a:rPr sz="900" i="1" spc="-50" dirty="0">
-                <a:solidFill>
-                  <a:srgbClr val="7F7F7F"/>
-                </a:solidFill>
-                <a:latin typeface="Trebuchet MS"/>
-                <a:cs typeface="Trebuchet MS"/>
-              </a:rPr>
-              <a:t>исследований, обзор</a:t>
-            </a:r>
-            <a:r>
-              <a:rPr sz="900" i="1" dirty="0">
-                <a:solidFill>
-                  <a:srgbClr val="7F7F7F"/>
-                </a:solidFill>
-                <a:latin typeface="Trebuchet MS"/>
-                <a:cs typeface="Trebuchet MS"/>
-              </a:rPr>
-              <a:t> </a:t>
-            </a:r>
-            <a:r>
-              <a:rPr sz="900" i="1" spc="-45" dirty="0">
-                <a:solidFill>
-                  <a:srgbClr val="7F7F7F"/>
-                </a:solidFill>
-                <a:latin typeface="Trebuchet MS"/>
-                <a:cs typeface="Trebuchet MS"/>
-              </a:rPr>
-              <a:t>научно-</a:t>
-            </a:r>
-            <a:r>
-              <a:rPr sz="900" i="1" spc="-65" dirty="0">
-                <a:solidFill>
-                  <a:srgbClr val="7F7F7F"/>
-                </a:solidFill>
-                <a:latin typeface="Trebuchet MS"/>
-                <a:cs typeface="Trebuchet MS"/>
-              </a:rPr>
-              <a:t>технических</a:t>
-            </a:r>
-            <a:r>
-              <a:rPr sz="900" i="1" dirty="0">
-                <a:solidFill>
-                  <a:srgbClr val="7F7F7F"/>
-                </a:solidFill>
-                <a:latin typeface="Trebuchet MS"/>
-                <a:cs typeface="Trebuchet MS"/>
-              </a:rPr>
-              <a:t> </a:t>
-            </a:r>
-            <a:r>
-              <a:rPr sz="900" i="1" spc="-55" dirty="0">
-                <a:solidFill>
-                  <a:srgbClr val="7F7F7F"/>
-                </a:solidFill>
-                <a:latin typeface="Trebuchet MS"/>
-                <a:cs typeface="Trebuchet MS"/>
-              </a:rPr>
-              <a:t>источников</a:t>
-            </a:r>
-            <a:r>
-              <a:rPr sz="900" i="1" dirty="0">
-                <a:solidFill>
-                  <a:srgbClr val="7F7F7F"/>
-                </a:solidFill>
-                <a:latin typeface="Trebuchet MS"/>
-                <a:cs typeface="Trebuchet MS"/>
-              </a:rPr>
-              <a:t> </a:t>
-            </a:r>
-            <a:r>
-              <a:rPr sz="900" i="1" spc="-70" dirty="0">
-                <a:solidFill>
-                  <a:srgbClr val="7F7F7F"/>
-                </a:solidFill>
-                <a:latin typeface="Trebuchet MS"/>
-                <a:cs typeface="Trebuchet MS"/>
-              </a:rPr>
-              <a:t>(статей,</a:t>
-            </a:r>
-            <a:r>
-              <a:rPr sz="900" i="1" spc="5" dirty="0">
-                <a:solidFill>
-                  <a:srgbClr val="7F7F7F"/>
-                </a:solidFill>
-                <a:latin typeface="Trebuchet MS"/>
-                <a:cs typeface="Trebuchet MS"/>
-              </a:rPr>
-              <a:t> </a:t>
-            </a:r>
-            <a:r>
-              <a:rPr sz="900" i="1" spc="-70" dirty="0">
-                <a:solidFill>
-                  <a:srgbClr val="7F7F7F"/>
-                </a:solidFill>
-                <a:latin typeface="Trebuchet MS"/>
-                <a:cs typeface="Trebuchet MS"/>
-              </a:rPr>
-              <a:t>патентов,</a:t>
-            </a:r>
-            <a:r>
-              <a:rPr sz="900" i="1" dirty="0">
-                <a:solidFill>
-                  <a:srgbClr val="7F7F7F"/>
-                </a:solidFill>
-                <a:latin typeface="Trebuchet MS"/>
-                <a:cs typeface="Trebuchet MS"/>
-              </a:rPr>
-              <a:t> </a:t>
-            </a:r>
-            <a:r>
-              <a:rPr sz="900" i="1" spc="-70" dirty="0">
-                <a:solidFill>
-                  <a:srgbClr val="7F7F7F"/>
-                </a:solidFill>
-                <a:latin typeface="Trebuchet MS"/>
-                <a:cs typeface="Trebuchet MS"/>
-              </a:rPr>
-              <a:t>книг,</a:t>
-            </a:r>
-            <a:r>
-              <a:rPr sz="900" i="1" dirty="0">
-                <a:solidFill>
-                  <a:srgbClr val="7F7F7F"/>
-                </a:solidFill>
-                <a:latin typeface="Trebuchet MS"/>
-                <a:cs typeface="Trebuchet MS"/>
-              </a:rPr>
-              <a:t> </a:t>
-            </a:r>
-            <a:r>
-              <a:rPr sz="900" i="1" spc="-65" dirty="0">
-                <a:solidFill>
-                  <a:srgbClr val="7F7F7F"/>
-                </a:solidFill>
-                <a:latin typeface="Trebuchet MS"/>
-                <a:cs typeface="Trebuchet MS"/>
-              </a:rPr>
-              <a:t>электронных</a:t>
-            </a:r>
-            <a:r>
-              <a:rPr sz="900" i="1" dirty="0">
-                <a:solidFill>
-                  <a:srgbClr val="7F7F7F"/>
-                </a:solidFill>
-                <a:latin typeface="Trebuchet MS"/>
-                <a:cs typeface="Trebuchet MS"/>
-              </a:rPr>
-              <a:t> </a:t>
-            </a:r>
-            <a:r>
-              <a:rPr sz="900" i="1" spc="-55" dirty="0">
-                <a:solidFill>
-                  <a:srgbClr val="7F7F7F"/>
-                </a:solidFill>
-                <a:latin typeface="Trebuchet MS"/>
-                <a:cs typeface="Trebuchet MS"/>
-              </a:rPr>
-              <a:t>источников)</a:t>
-            </a:r>
-            <a:r>
-              <a:rPr sz="900" i="1" spc="5" dirty="0">
-                <a:solidFill>
-                  <a:srgbClr val="7F7F7F"/>
-                </a:solidFill>
-                <a:latin typeface="Trebuchet MS"/>
-                <a:cs typeface="Trebuchet MS"/>
-              </a:rPr>
-              <a:t> </a:t>
-            </a:r>
-            <a:r>
-              <a:rPr sz="900" i="1" spc="-25" dirty="0">
-                <a:solidFill>
-                  <a:srgbClr val="7F7F7F"/>
-                </a:solidFill>
-                <a:latin typeface="Trebuchet MS"/>
-                <a:cs typeface="Trebuchet MS"/>
-              </a:rPr>
-              <a:t>по </a:t>
-            </a:r>
-            <a:r>
-              <a:rPr sz="900" i="1" spc="-55" dirty="0">
-                <a:solidFill>
-                  <a:srgbClr val="7F7F7F"/>
-                </a:solidFill>
-                <a:latin typeface="Trebuchet MS"/>
-                <a:cs typeface="Trebuchet MS"/>
-              </a:rPr>
-              <a:t>направлению</a:t>
-            </a:r>
-            <a:r>
-              <a:rPr sz="900" i="1" spc="5" dirty="0">
-                <a:solidFill>
-                  <a:srgbClr val="7F7F7F"/>
-                </a:solidFill>
-                <a:latin typeface="Trebuchet MS"/>
-                <a:cs typeface="Trebuchet MS"/>
-              </a:rPr>
-              <a:t> </a:t>
-            </a:r>
-            <a:r>
-              <a:rPr sz="900" i="1" spc="-55" dirty="0">
-                <a:solidFill>
-                  <a:srgbClr val="7F7F7F"/>
-                </a:solidFill>
-                <a:latin typeface="Trebuchet MS"/>
-                <a:cs typeface="Trebuchet MS"/>
-              </a:rPr>
-              <a:t>поставленной</a:t>
-            </a:r>
-            <a:r>
-              <a:rPr sz="900" i="1" spc="20" dirty="0">
-                <a:solidFill>
-                  <a:srgbClr val="7F7F7F"/>
-                </a:solidFill>
-                <a:latin typeface="Trebuchet MS"/>
-                <a:cs typeface="Trebuchet MS"/>
-              </a:rPr>
-              <a:t> </a:t>
-            </a:r>
-            <a:r>
-              <a:rPr sz="900" i="1" spc="-65" dirty="0">
-                <a:solidFill>
-                  <a:srgbClr val="7F7F7F"/>
-                </a:solidFill>
-                <a:latin typeface="Trebuchet MS"/>
-                <a:cs typeface="Trebuchet MS"/>
-              </a:rPr>
-              <a:t>задачи,</a:t>
-            </a:r>
-            <a:r>
-              <a:rPr sz="900" i="1" spc="20" dirty="0">
-                <a:solidFill>
-                  <a:srgbClr val="7F7F7F"/>
-                </a:solidFill>
-                <a:latin typeface="Trebuchet MS"/>
-                <a:cs typeface="Trebuchet MS"/>
-              </a:rPr>
-              <a:t> </a:t>
-            </a:r>
-            <a:r>
-              <a:rPr sz="900" i="1" spc="-65" dirty="0">
-                <a:solidFill>
-                  <a:srgbClr val="7F7F7F"/>
-                </a:solidFill>
-                <a:latin typeface="Trebuchet MS"/>
-                <a:cs typeface="Trebuchet MS"/>
-              </a:rPr>
-              <a:t>примеры</a:t>
-            </a:r>
-            <a:r>
-              <a:rPr sz="900" i="1" spc="15" dirty="0">
-                <a:solidFill>
-                  <a:srgbClr val="7F7F7F"/>
-                </a:solidFill>
-                <a:latin typeface="Trebuchet MS"/>
-                <a:cs typeface="Trebuchet MS"/>
-              </a:rPr>
-              <a:t> </a:t>
-            </a:r>
-            <a:r>
-              <a:rPr sz="900" i="1" spc="-75" dirty="0">
-                <a:solidFill>
-                  <a:srgbClr val="7F7F7F"/>
-                </a:solidFill>
-                <a:latin typeface="Trebuchet MS"/>
-                <a:cs typeface="Trebuchet MS"/>
-              </a:rPr>
-              <a:t>существующих</a:t>
-            </a:r>
-            <a:r>
-              <a:rPr sz="900" i="1" spc="20" dirty="0">
-                <a:solidFill>
-                  <a:srgbClr val="7F7F7F"/>
-                </a:solidFill>
-                <a:latin typeface="Trebuchet MS"/>
-                <a:cs typeface="Trebuchet MS"/>
-              </a:rPr>
-              <a:t> </a:t>
-            </a:r>
-            <a:r>
-              <a:rPr sz="900" i="1" spc="-55" dirty="0">
-                <a:solidFill>
-                  <a:srgbClr val="7F7F7F"/>
-                </a:solidFill>
-                <a:latin typeface="Trebuchet MS"/>
-                <a:cs typeface="Trebuchet MS"/>
-              </a:rPr>
-              <a:t>аналогичных</a:t>
-            </a:r>
-            <a:r>
-              <a:rPr sz="900" i="1" spc="20" dirty="0">
-                <a:solidFill>
-                  <a:srgbClr val="7F7F7F"/>
-                </a:solidFill>
-                <a:latin typeface="Trebuchet MS"/>
-                <a:cs typeface="Trebuchet MS"/>
-              </a:rPr>
-              <a:t> </a:t>
-            </a:r>
-            <a:r>
-              <a:rPr sz="900" i="1" spc="-45" dirty="0">
-                <a:solidFill>
-                  <a:srgbClr val="7F7F7F"/>
-                </a:solidFill>
-                <a:latin typeface="Trebuchet MS"/>
-                <a:cs typeface="Trebuchet MS"/>
-              </a:rPr>
-              <a:t>научно-</a:t>
-            </a:r>
-            <a:r>
-              <a:rPr sz="900" i="1" spc="-10" dirty="0">
-                <a:solidFill>
-                  <a:srgbClr val="7F7F7F"/>
-                </a:solidFill>
-                <a:latin typeface="Trebuchet MS"/>
-                <a:cs typeface="Trebuchet MS"/>
-              </a:rPr>
-              <a:t>технических решений.</a:t>
-            </a:r>
-            <a:endParaRPr sz="900">
-              <a:latin typeface="Trebuchet MS"/>
-              <a:cs typeface="Trebuchet MS"/>
-            </a:endParaRPr>
-          </a:p>
-          <a:p>
-            <a:pPr marL="278130" indent="-115570">
-              <a:lnSpc>
-                <a:spcPct val="100000"/>
-              </a:lnSpc>
-              <a:spcBef>
-                <a:spcPts val="310"/>
-              </a:spcBef>
-              <a:buClr>
-                <a:srgbClr val="006CDC"/>
-              </a:buClr>
-              <a:buFont typeface="Cambria"/>
-              <a:buChar char="•"/>
-              <a:tabLst>
-                <a:tab pos="278130" algn="l"/>
-              </a:tabLst>
-            </a:pPr>
-            <a:r>
-              <a:rPr sz="900" i="1" spc="-50" dirty="0">
-                <a:solidFill>
-                  <a:srgbClr val="7F7F7F"/>
-                </a:solidFill>
-                <a:latin typeface="Trebuchet MS"/>
-                <a:cs typeface="Trebuchet MS"/>
-              </a:rPr>
-              <a:t>Целью</a:t>
-            </a:r>
-            <a:r>
-              <a:rPr sz="900" i="1" spc="-15" dirty="0">
-                <a:solidFill>
-                  <a:srgbClr val="7F7F7F"/>
-                </a:solidFill>
-                <a:latin typeface="Trebuchet MS"/>
-                <a:cs typeface="Trebuchet MS"/>
-              </a:rPr>
-              <a:t> </a:t>
-            </a:r>
-            <a:r>
-              <a:rPr sz="900" i="1" spc="-60" dirty="0">
-                <a:solidFill>
-                  <a:srgbClr val="7F7F7F"/>
-                </a:solidFill>
-                <a:latin typeface="Trebuchet MS"/>
-                <a:cs typeface="Trebuchet MS"/>
-              </a:rPr>
-              <a:t>введения</a:t>
-            </a:r>
-            <a:r>
-              <a:rPr sz="900" i="1" spc="-15" dirty="0">
-                <a:solidFill>
-                  <a:srgbClr val="7F7F7F"/>
-                </a:solidFill>
-                <a:latin typeface="Trebuchet MS"/>
-                <a:cs typeface="Trebuchet MS"/>
-              </a:rPr>
-              <a:t> </a:t>
-            </a:r>
-            <a:r>
-              <a:rPr sz="900" i="1" spc="-60" dirty="0">
-                <a:solidFill>
-                  <a:srgbClr val="7F7F7F"/>
-                </a:solidFill>
-                <a:latin typeface="Trebuchet MS"/>
-                <a:cs typeface="Trebuchet MS"/>
-              </a:rPr>
-              <a:t>является</a:t>
-            </a:r>
-            <a:r>
-              <a:rPr sz="900" i="1" spc="-10" dirty="0">
-                <a:solidFill>
-                  <a:srgbClr val="7F7F7F"/>
-                </a:solidFill>
-                <a:latin typeface="Trebuchet MS"/>
-                <a:cs typeface="Trebuchet MS"/>
-              </a:rPr>
-              <a:t> </a:t>
-            </a:r>
-            <a:r>
-              <a:rPr sz="900" i="1" spc="-45" dirty="0">
-                <a:solidFill>
-                  <a:srgbClr val="7F7F7F"/>
-                </a:solidFill>
-                <a:latin typeface="Trebuchet MS"/>
-                <a:cs typeface="Trebuchet MS"/>
-              </a:rPr>
-              <a:t>обоснование</a:t>
-            </a:r>
-            <a:r>
-              <a:rPr sz="900" i="1" spc="-50" dirty="0">
-                <a:solidFill>
-                  <a:srgbClr val="7F7F7F"/>
-                </a:solidFill>
-                <a:latin typeface="Trebuchet MS"/>
-                <a:cs typeface="Trebuchet MS"/>
-              </a:rPr>
-              <a:t> </a:t>
-            </a:r>
-            <a:r>
-              <a:rPr sz="900" i="1" spc="-55" dirty="0">
-                <a:solidFill>
-                  <a:srgbClr val="7F7F7F"/>
-                </a:solidFill>
-                <a:latin typeface="Trebuchet MS"/>
-                <a:cs typeface="Trebuchet MS"/>
-              </a:rPr>
-              <a:t>актуальности</a:t>
-            </a:r>
-            <a:r>
-              <a:rPr sz="900" i="1" spc="-5" dirty="0">
-                <a:solidFill>
-                  <a:srgbClr val="7F7F7F"/>
-                </a:solidFill>
-                <a:latin typeface="Trebuchet MS"/>
-                <a:cs typeface="Trebuchet MS"/>
-              </a:rPr>
-              <a:t> </a:t>
-            </a:r>
-            <a:r>
-              <a:rPr sz="900" i="1" spc="-55" dirty="0">
-                <a:solidFill>
-                  <a:srgbClr val="7F7F7F"/>
-                </a:solidFill>
-                <a:latin typeface="Trebuchet MS"/>
-                <a:cs typeface="Trebuchet MS"/>
-              </a:rPr>
-              <a:t>работ</a:t>
-            </a:r>
-            <a:r>
-              <a:rPr sz="900" i="1" spc="-15" dirty="0">
-                <a:solidFill>
-                  <a:srgbClr val="7F7F7F"/>
-                </a:solidFill>
-                <a:latin typeface="Trebuchet MS"/>
-                <a:cs typeface="Trebuchet MS"/>
-              </a:rPr>
-              <a:t> </a:t>
-            </a:r>
-            <a:r>
-              <a:rPr sz="900" i="1" spc="-75" dirty="0">
-                <a:solidFill>
-                  <a:srgbClr val="7F7F7F"/>
-                </a:solidFill>
-                <a:latin typeface="Trebuchet MS"/>
-                <a:cs typeface="Trebuchet MS"/>
-              </a:rPr>
-              <a:t>в</a:t>
-            </a:r>
-            <a:r>
-              <a:rPr sz="900" i="1" spc="-10" dirty="0">
-                <a:solidFill>
-                  <a:srgbClr val="7F7F7F"/>
-                </a:solidFill>
-                <a:latin typeface="Trebuchet MS"/>
-                <a:cs typeface="Trebuchet MS"/>
-              </a:rPr>
-              <a:t> </a:t>
-            </a:r>
-            <a:r>
-              <a:rPr sz="900" i="1" spc="-70" dirty="0">
-                <a:solidFill>
-                  <a:srgbClr val="7F7F7F"/>
-                </a:solidFill>
-                <a:latin typeface="Trebuchet MS"/>
-                <a:cs typeface="Trebuchet MS"/>
-              </a:rPr>
-              <a:t>рамках</a:t>
-            </a:r>
-            <a:r>
-              <a:rPr sz="900" i="1" spc="-15" dirty="0">
-                <a:solidFill>
-                  <a:srgbClr val="7F7F7F"/>
-                </a:solidFill>
-                <a:latin typeface="Trebuchet MS"/>
-                <a:cs typeface="Trebuchet MS"/>
-              </a:rPr>
-              <a:t> </a:t>
-            </a:r>
-            <a:r>
-              <a:rPr sz="900" i="1" spc="-50" dirty="0">
-                <a:solidFill>
-                  <a:srgbClr val="7F7F7F"/>
-                </a:solidFill>
-                <a:latin typeface="Trebuchet MS"/>
-                <a:cs typeface="Trebuchet MS"/>
-              </a:rPr>
-              <a:t>поставленной</a:t>
-            </a:r>
-            <a:r>
-              <a:rPr sz="900" i="1" spc="-10" dirty="0">
-                <a:solidFill>
-                  <a:srgbClr val="7F7F7F"/>
-                </a:solidFill>
-                <a:latin typeface="Trebuchet MS"/>
-                <a:cs typeface="Trebuchet MS"/>
-              </a:rPr>
-              <a:t> задачи</a:t>
-            </a:r>
-            <a:r>
-              <a:rPr sz="900" spc="-15" baseline="37037" dirty="0">
-                <a:latin typeface="Trebuchet MS"/>
-                <a:cs typeface="Trebuchet MS"/>
-              </a:rPr>
-              <a:t>1</a:t>
-            </a:r>
-            <a:r>
-              <a:rPr sz="900" i="1" spc="-10" dirty="0">
-                <a:solidFill>
-                  <a:srgbClr val="7F7F7F"/>
-                </a:solidFill>
-                <a:latin typeface="Trebuchet MS"/>
-                <a:cs typeface="Trebuchet MS"/>
-              </a:rPr>
-              <a:t>.</a:t>
-            </a:r>
-            <a:endParaRPr sz="900">
-              <a:latin typeface="Trebuchet MS"/>
-              <a:cs typeface="Trebuchet MS"/>
-            </a:endParaRPr>
-          </a:p>
-          <a:p>
-            <a:pPr marL="278130" marR="55880" indent="-115570">
-              <a:lnSpc>
-                <a:spcPct val="101000"/>
-              </a:lnSpc>
-              <a:spcBef>
-                <a:spcPts val="300"/>
-              </a:spcBef>
-              <a:buClr>
-                <a:srgbClr val="006CDC"/>
-              </a:buClr>
-              <a:buFont typeface="Cambria"/>
-              <a:buChar char="•"/>
-              <a:tabLst>
-                <a:tab pos="278130" algn="l"/>
-              </a:tabLst>
-            </a:pPr>
-            <a:r>
-              <a:rPr sz="900" i="1" spc="-30" dirty="0">
-                <a:solidFill>
-                  <a:srgbClr val="7F7F7F"/>
-                </a:solidFill>
-                <a:latin typeface="Trebuchet MS"/>
-                <a:cs typeface="Trebuchet MS"/>
-              </a:rPr>
-              <a:t>В</a:t>
-            </a:r>
-            <a:r>
-              <a:rPr sz="900" i="1" spc="-25" dirty="0">
-                <a:solidFill>
-                  <a:srgbClr val="7F7F7F"/>
-                </a:solidFill>
-                <a:latin typeface="Trebuchet MS"/>
-                <a:cs typeface="Trebuchet MS"/>
-              </a:rPr>
-              <a:t> </a:t>
-            </a:r>
-            <a:r>
-              <a:rPr sz="900" i="1" spc="-65" dirty="0">
-                <a:solidFill>
-                  <a:srgbClr val="7F7F7F"/>
-                </a:solidFill>
-                <a:latin typeface="Trebuchet MS"/>
-                <a:cs typeface="Trebuchet MS"/>
-              </a:rPr>
-              <a:t>результате</a:t>
-            </a:r>
-            <a:r>
-              <a:rPr sz="900" i="1" spc="-25" dirty="0">
-                <a:solidFill>
-                  <a:srgbClr val="7F7F7F"/>
-                </a:solidFill>
-                <a:latin typeface="Trebuchet MS"/>
-                <a:cs typeface="Trebuchet MS"/>
-              </a:rPr>
-              <a:t> </a:t>
-            </a:r>
-            <a:r>
-              <a:rPr sz="900" i="1" spc="-50" dirty="0">
-                <a:solidFill>
-                  <a:srgbClr val="7F7F7F"/>
-                </a:solidFill>
-                <a:latin typeface="Trebuchet MS"/>
-                <a:cs typeface="Trebuchet MS"/>
-              </a:rPr>
-              <a:t>анализа</a:t>
-            </a:r>
-            <a:r>
-              <a:rPr sz="900" i="1" spc="-25" dirty="0">
-                <a:solidFill>
-                  <a:srgbClr val="7F7F7F"/>
-                </a:solidFill>
-                <a:latin typeface="Trebuchet MS"/>
-                <a:cs typeface="Trebuchet MS"/>
-              </a:rPr>
-              <a:t> </a:t>
-            </a:r>
-            <a:r>
-              <a:rPr sz="900" i="1" spc="-55" dirty="0">
-                <a:solidFill>
-                  <a:srgbClr val="7F7F7F"/>
-                </a:solidFill>
-                <a:latin typeface="Trebuchet MS"/>
-                <a:cs typeface="Trebuchet MS"/>
-              </a:rPr>
-              <a:t>каждого</a:t>
-            </a:r>
-            <a:r>
-              <a:rPr sz="900" i="1" spc="-25" dirty="0">
-                <a:solidFill>
-                  <a:srgbClr val="7F7F7F"/>
-                </a:solidFill>
-                <a:latin typeface="Trebuchet MS"/>
-                <a:cs typeface="Trebuchet MS"/>
-              </a:rPr>
-              <a:t> </a:t>
-            </a:r>
-            <a:r>
-              <a:rPr sz="900" i="1" spc="-55" dirty="0">
-                <a:solidFill>
-                  <a:srgbClr val="7F7F7F"/>
-                </a:solidFill>
-                <a:latin typeface="Trebuchet MS"/>
-                <a:cs typeface="Trebuchet MS"/>
-              </a:rPr>
-              <a:t>источника</a:t>
-            </a:r>
-            <a:r>
-              <a:rPr sz="900" i="1" spc="-25" dirty="0">
-                <a:solidFill>
-                  <a:srgbClr val="7F7F7F"/>
-                </a:solidFill>
-                <a:latin typeface="Trebuchet MS"/>
-                <a:cs typeface="Trebuchet MS"/>
-              </a:rPr>
-              <a:t> </a:t>
-            </a:r>
-            <a:r>
-              <a:rPr sz="900" i="1" spc="-70" dirty="0">
-                <a:solidFill>
-                  <a:srgbClr val="7F7F7F"/>
-                </a:solidFill>
-                <a:latin typeface="Trebuchet MS"/>
-                <a:cs typeface="Trebuchet MS"/>
-              </a:rPr>
-              <a:t>следует</a:t>
-            </a:r>
-            <a:r>
-              <a:rPr sz="900" i="1" spc="-25" dirty="0">
-                <a:solidFill>
-                  <a:srgbClr val="7F7F7F"/>
-                </a:solidFill>
-                <a:latin typeface="Trebuchet MS"/>
-                <a:cs typeface="Trebuchet MS"/>
-              </a:rPr>
-              <a:t> </a:t>
-            </a:r>
-            <a:r>
-              <a:rPr sz="900" i="1" spc="-70" dirty="0">
-                <a:solidFill>
-                  <a:srgbClr val="7F7F7F"/>
-                </a:solidFill>
-                <a:latin typeface="Trebuchet MS"/>
-                <a:cs typeface="Trebuchet MS"/>
-              </a:rPr>
-              <a:t>делать</a:t>
-            </a:r>
-            <a:r>
-              <a:rPr sz="900" i="1" spc="-25" dirty="0">
-                <a:solidFill>
-                  <a:srgbClr val="7F7F7F"/>
-                </a:solidFill>
-                <a:latin typeface="Trebuchet MS"/>
-                <a:cs typeface="Trebuchet MS"/>
-              </a:rPr>
-              <a:t> </a:t>
-            </a:r>
-            <a:r>
-              <a:rPr sz="900" i="1" spc="-35" dirty="0">
-                <a:solidFill>
-                  <a:srgbClr val="7F7F7F"/>
-                </a:solidFill>
-                <a:latin typeface="Trebuchet MS"/>
-                <a:cs typeface="Trebuchet MS"/>
-              </a:rPr>
-              <a:t>на</a:t>
-            </a:r>
-            <a:r>
-              <a:rPr sz="900" i="1" spc="-25" dirty="0">
-                <a:solidFill>
-                  <a:srgbClr val="7F7F7F"/>
-                </a:solidFill>
-                <a:latin typeface="Trebuchet MS"/>
-                <a:cs typeface="Trebuchet MS"/>
-              </a:rPr>
-              <a:t> </a:t>
-            </a:r>
-            <a:r>
-              <a:rPr sz="900" i="1" spc="-50" dirty="0">
-                <a:solidFill>
-                  <a:srgbClr val="7F7F7F"/>
-                </a:solidFill>
-                <a:latin typeface="Trebuchet MS"/>
-                <a:cs typeface="Trebuchet MS"/>
-              </a:rPr>
-              <a:t>него</a:t>
-            </a:r>
-            <a:r>
-              <a:rPr sz="900" i="1" spc="-25" dirty="0">
-                <a:solidFill>
-                  <a:srgbClr val="7F7F7F"/>
-                </a:solidFill>
-                <a:latin typeface="Trebuchet MS"/>
-                <a:cs typeface="Trebuchet MS"/>
-              </a:rPr>
-              <a:t> </a:t>
-            </a:r>
-            <a:r>
-              <a:rPr sz="900" i="1" spc="-90" dirty="0">
-                <a:solidFill>
-                  <a:srgbClr val="7F7F7F"/>
-                </a:solidFill>
-                <a:latin typeface="Trebuchet MS"/>
-                <a:cs typeface="Trebuchet MS"/>
-              </a:rPr>
-              <a:t>ссылку.</a:t>
-            </a:r>
-            <a:r>
-              <a:rPr sz="900" i="1" spc="-20" dirty="0">
-                <a:solidFill>
-                  <a:srgbClr val="7F7F7F"/>
-                </a:solidFill>
-                <a:latin typeface="Trebuchet MS"/>
-                <a:cs typeface="Trebuchet MS"/>
-              </a:rPr>
-              <a:t> </a:t>
-            </a:r>
-            <a:r>
-              <a:rPr sz="900" i="1" spc="-45" dirty="0">
-                <a:solidFill>
-                  <a:srgbClr val="7F7F7F"/>
-                </a:solidFill>
-                <a:latin typeface="Trebuchet MS"/>
-                <a:cs typeface="Trebuchet MS"/>
-              </a:rPr>
-              <a:t>При</a:t>
-            </a:r>
-            <a:r>
-              <a:rPr sz="900" i="1" spc="-25" dirty="0">
-                <a:solidFill>
-                  <a:srgbClr val="7F7F7F"/>
-                </a:solidFill>
-                <a:latin typeface="Trebuchet MS"/>
-                <a:cs typeface="Trebuchet MS"/>
-              </a:rPr>
-              <a:t> </a:t>
-            </a:r>
-            <a:r>
-              <a:rPr sz="900" i="1" spc="-90" dirty="0">
-                <a:solidFill>
-                  <a:srgbClr val="7F7F7F"/>
-                </a:solidFill>
-                <a:latin typeface="Trebuchet MS"/>
-                <a:cs typeface="Trebuchet MS"/>
-              </a:rPr>
-              <a:t>этом,</a:t>
-            </a:r>
-            <a:r>
-              <a:rPr sz="900" i="1" spc="-25" dirty="0">
-                <a:solidFill>
-                  <a:srgbClr val="7F7F7F"/>
-                </a:solidFill>
-                <a:latin typeface="Trebuchet MS"/>
-                <a:cs typeface="Trebuchet MS"/>
-              </a:rPr>
-              <a:t> </a:t>
-            </a:r>
-            <a:r>
-              <a:rPr sz="900" i="1" spc="-75" dirty="0">
-                <a:solidFill>
-                  <a:srgbClr val="7F7F7F"/>
-                </a:solidFill>
-                <a:latin typeface="Trebuchet MS"/>
-                <a:cs typeface="Trebuchet MS"/>
-              </a:rPr>
-              <a:t>в</a:t>
-            </a:r>
-            <a:r>
-              <a:rPr sz="900" i="1" spc="-25" dirty="0">
-                <a:solidFill>
-                  <a:srgbClr val="7F7F7F"/>
-                </a:solidFill>
-                <a:latin typeface="Trebuchet MS"/>
-                <a:cs typeface="Trebuchet MS"/>
-              </a:rPr>
-              <a:t> </a:t>
-            </a:r>
-            <a:r>
-              <a:rPr sz="900" i="1" spc="-35" dirty="0">
-                <a:solidFill>
-                  <a:srgbClr val="7F7F7F"/>
-                </a:solidFill>
-                <a:latin typeface="Trebuchet MS"/>
-                <a:cs typeface="Trebuchet MS"/>
-              </a:rPr>
-              <a:t>отличие </a:t>
-            </a:r>
-            <a:r>
-              <a:rPr sz="900" i="1" spc="-65" dirty="0">
-                <a:solidFill>
-                  <a:srgbClr val="7F7F7F"/>
-                </a:solidFill>
-                <a:latin typeface="Trebuchet MS"/>
-                <a:cs typeface="Trebuchet MS"/>
-              </a:rPr>
-              <a:t>от</a:t>
-            </a:r>
-            <a:r>
-              <a:rPr sz="900" i="1" spc="-30" dirty="0">
-                <a:solidFill>
-                  <a:srgbClr val="7F7F7F"/>
-                </a:solidFill>
-                <a:latin typeface="Trebuchet MS"/>
-                <a:cs typeface="Trebuchet MS"/>
-              </a:rPr>
-              <a:t> </a:t>
-            </a:r>
-            <a:r>
-              <a:rPr sz="900" i="1" spc="-75" dirty="0">
-                <a:solidFill>
-                  <a:srgbClr val="7F7F7F"/>
-                </a:solidFill>
-                <a:latin typeface="Trebuchet MS"/>
-                <a:cs typeface="Trebuchet MS"/>
-              </a:rPr>
-              <a:t>статей,</a:t>
-            </a:r>
-            <a:r>
-              <a:rPr sz="900" i="1" spc="-30" dirty="0">
-                <a:solidFill>
-                  <a:srgbClr val="7F7F7F"/>
-                </a:solidFill>
-                <a:latin typeface="Trebuchet MS"/>
-                <a:cs typeface="Trebuchet MS"/>
-              </a:rPr>
-              <a:t> </a:t>
-            </a:r>
-            <a:r>
-              <a:rPr sz="900" i="1" spc="-65" dirty="0">
-                <a:solidFill>
-                  <a:srgbClr val="7F7F7F"/>
-                </a:solidFill>
-                <a:latin typeface="Trebuchet MS"/>
-                <a:cs typeface="Trebuchet MS"/>
-              </a:rPr>
-              <a:t>ссылки</a:t>
-            </a:r>
-            <a:r>
-              <a:rPr sz="900" i="1" spc="-25" dirty="0">
-                <a:solidFill>
-                  <a:srgbClr val="7F7F7F"/>
-                </a:solidFill>
-                <a:latin typeface="Trebuchet MS"/>
-                <a:cs typeface="Trebuchet MS"/>
-              </a:rPr>
-              <a:t> </a:t>
-            </a:r>
-            <a:r>
-              <a:rPr sz="900" i="1" spc="-35" dirty="0">
-                <a:solidFill>
-                  <a:srgbClr val="7F7F7F"/>
-                </a:solidFill>
-                <a:latin typeface="Trebuchet MS"/>
-                <a:cs typeface="Trebuchet MS"/>
-              </a:rPr>
-              <a:t>на</a:t>
-            </a:r>
-            <a:r>
-              <a:rPr sz="900" i="1" spc="-30" dirty="0">
-                <a:solidFill>
-                  <a:srgbClr val="7F7F7F"/>
-                </a:solidFill>
-                <a:latin typeface="Trebuchet MS"/>
-                <a:cs typeface="Trebuchet MS"/>
-              </a:rPr>
-              <a:t> </a:t>
-            </a:r>
-            <a:r>
-              <a:rPr sz="900" i="1" spc="-55" dirty="0">
-                <a:solidFill>
-                  <a:srgbClr val="7F7F7F"/>
-                </a:solidFill>
-                <a:latin typeface="Trebuchet MS"/>
-                <a:cs typeface="Trebuchet MS"/>
-              </a:rPr>
-              <a:t>источники</a:t>
-            </a:r>
-            <a:r>
-              <a:rPr sz="900" i="1" spc="-30" dirty="0">
-                <a:solidFill>
-                  <a:srgbClr val="7F7F7F"/>
-                </a:solidFill>
-                <a:latin typeface="Trebuchet MS"/>
-                <a:cs typeface="Trebuchet MS"/>
-              </a:rPr>
-              <a:t> </a:t>
-            </a:r>
-            <a:r>
-              <a:rPr sz="900" i="1" spc="-75" dirty="0">
-                <a:solidFill>
-                  <a:srgbClr val="7F7F7F"/>
-                </a:solidFill>
-                <a:latin typeface="Trebuchet MS"/>
-                <a:cs typeface="Trebuchet MS"/>
-              </a:rPr>
-              <a:t>в</a:t>
-            </a:r>
-            <a:r>
-              <a:rPr sz="900" i="1" spc="-25" dirty="0">
-                <a:solidFill>
-                  <a:srgbClr val="7F7F7F"/>
-                </a:solidFill>
-                <a:latin typeface="Trebuchet MS"/>
-                <a:cs typeface="Trebuchet MS"/>
-              </a:rPr>
-              <a:t> </a:t>
-            </a:r>
-            <a:r>
-              <a:rPr sz="900" i="1" spc="-55" dirty="0">
-                <a:solidFill>
-                  <a:srgbClr val="7F7F7F"/>
-                </a:solidFill>
-                <a:latin typeface="Trebuchet MS"/>
-                <a:cs typeface="Trebuchet MS"/>
-              </a:rPr>
-              <a:t>презентациях</a:t>
-            </a:r>
-            <a:r>
-              <a:rPr sz="900" i="1" spc="-30" dirty="0">
-                <a:solidFill>
-                  <a:srgbClr val="7F7F7F"/>
-                </a:solidFill>
-                <a:latin typeface="Trebuchet MS"/>
-                <a:cs typeface="Trebuchet MS"/>
-              </a:rPr>
-              <a:t> </a:t>
-            </a:r>
-            <a:r>
-              <a:rPr sz="900" i="1" spc="-65" dirty="0">
-                <a:solidFill>
-                  <a:srgbClr val="7F7F7F"/>
-                </a:solidFill>
-                <a:latin typeface="Trebuchet MS"/>
-                <a:cs typeface="Trebuchet MS"/>
-              </a:rPr>
-              <a:t>делают</a:t>
-            </a:r>
-            <a:r>
-              <a:rPr sz="900" i="1" spc="-25" dirty="0">
-                <a:solidFill>
-                  <a:srgbClr val="7F7F7F"/>
-                </a:solidFill>
-                <a:latin typeface="Trebuchet MS"/>
-                <a:cs typeface="Trebuchet MS"/>
-              </a:rPr>
-              <a:t> </a:t>
-            </a:r>
-            <a:r>
-              <a:rPr sz="900" i="1" spc="-75" dirty="0">
-                <a:solidFill>
-                  <a:srgbClr val="7F7F7F"/>
-                </a:solidFill>
-                <a:latin typeface="Trebuchet MS"/>
-                <a:cs typeface="Trebuchet MS"/>
-              </a:rPr>
-              <a:t>в</a:t>
-            </a:r>
-            <a:r>
-              <a:rPr sz="900" i="1" spc="-30" dirty="0">
-                <a:solidFill>
-                  <a:srgbClr val="7F7F7F"/>
-                </a:solidFill>
-                <a:latin typeface="Trebuchet MS"/>
-                <a:cs typeface="Trebuchet MS"/>
-              </a:rPr>
-              <a:t> </a:t>
-            </a:r>
-            <a:r>
-              <a:rPr sz="900" i="1" spc="-55" dirty="0">
-                <a:solidFill>
-                  <a:srgbClr val="7F7F7F"/>
-                </a:solidFill>
-                <a:latin typeface="Trebuchet MS"/>
-                <a:cs typeface="Trebuchet MS"/>
-              </a:rPr>
-              <a:t>форме</a:t>
-            </a:r>
-            <a:r>
-              <a:rPr sz="900" i="1" spc="-30" dirty="0">
-                <a:solidFill>
-                  <a:srgbClr val="7F7F7F"/>
-                </a:solidFill>
-                <a:latin typeface="Trebuchet MS"/>
-                <a:cs typeface="Trebuchet MS"/>
-              </a:rPr>
-              <a:t> </a:t>
-            </a:r>
-            <a:r>
-              <a:rPr sz="900" i="1" spc="-40" dirty="0">
-                <a:solidFill>
-                  <a:srgbClr val="7F7F7F"/>
-                </a:solidFill>
-                <a:latin typeface="Trebuchet MS"/>
-                <a:cs typeface="Trebuchet MS"/>
-              </a:rPr>
-              <a:t>сносок</a:t>
-            </a:r>
-            <a:r>
-              <a:rPr sz="900" i="1" spc="-25" dirty="0">
-                <a:solidFill>
-                  <a:srgbClr val="7F7F7F"/>
-                </a:solidFill>
-                <a:latin typeface="Trebuchet MS"/>
-                <a:cs typeface="Trebuchet MS"/>
-              </a:rPr>
-              <a:t> </a:t>
-            </a:r>
-            <a:r>
-              <a:rPr sz="900" i="1" spc="-35" dirty="0">
-                <a:solidFill>
-                  <a:srgbClr val="7F7F7F"/>
-                </a:solidFill>
-                <a:latin typeface="Trebuchet MS"/>
-                <a:cs typeface="Trebuchet MS"/>
-              </a:rPr>
-              <a:t>на</a:t>
-            </a:r>
-            <a:r>
-              <a:rPr sz="900" i="1" spc="-30" dirty="0">
-                <a:solidFill>
-                  <a:srgbClr val="7F7F7F"/>
-                </a:solidFill>
-                <a:latin typeface="Trebuchet MS"/>
-                <a:cs typeface="Trebuchet MS"/>
-              </a:rPr>
-              <a:t> </a:t>
-            </a:r>
-            <a:r>
-              <a:rPr sz="900" i="1" spc="-85" dirty="0">
-                <a:solidFill>
-                  <a:srgbClr val="7F7F7F"/>
-                </a:solidFill>
-                <a:latin typeface="Trebuchet MS"/>
-                <a:cs typeface="Trebuchet MS"/>
-              </a:rPr>
-              <a:t>том</a:t>
-            </a:r>
-            <a:r>
-              <a:rPr sz="900" i="1" spc="-30" dirty="0">
-                <a:solidFill>
-                  <a:srgbClr val="7F7F7F"/>
-                </a:solidFill>
-                <a:latin typeface="Trebuchet MS"/>
-                <a:cs typeface="Trebuchet MS"/>
-              </a:rPr>
-              <a:t> </a:t>
-            </a:r>
-            <a:r>
-              <a:rPr sz="900" i="1" spc="-70" dirty="0">
-                <a:solidFill>
-                  <a:srgbClr val="7F7F7F"/>
-                </a:solidFill>
-                <a:latin typeface="Trebuchet MS"/>
-                <a:cs typeface="Trebuchet MS"/>
-              </a:rPr>
-              <a:t>слайде,</a:t>
-            </a:r>
-            <a:r>
-              <a:rPr sz="900" i="1" spc="-25" dirty="0">
-                <a:solidFill>
-                  <a:srgbClr val="7F7F7F"/>
-                </a:solidFill>
-                <a:latin typeface="Trebuchet MS"/>
-                <a:cs typeface="Trebuchet MS"/>
-              </a:rPr>
-              <a:t> на </a:t>
-            </a:r>
-            <a:r>
-              <a:rPr sz="900" i="1" spc="-65" dirty="0">
-                <a:solidFill>
-                  <a:srgbClr val="7F7F7F"/>
-                </a:solidFill>
-                <a:latin typeface="Trebuchet MS"/>
-                <a:cs typeface="Trebuchet MS"/>
-              </a:rPr>
-              <a:t>котором</a:t>
-            </a:r>
-            <a:r>
-              <a:rPr sz="900" i="1" spc="-15" dirty="0">
-                <a:solidFill>
-                  <a:srgbClr val="7F7F7F"/>
-                </a:solidFill>
-                <a:latin typeface="Trebuchet MS"/>
-                <a:cs typeface="Trebuchet MS"/>
-              </a:rPr>
-              <a:t> </a:t>
-            </a:r>
-            <a:r>
-              <a:rPr sz="900" i="1" spc="-55" dirty="0">
-                <a:solidFill>
-                  <a:srgbClr val="7F7F7F"/>
-                </a:solidFill>
-                <a:latin typeface="Trebuchet MS"/>
-                <a:cs typeface="Trebuchet MS"/>
-              </a:rPr>
-              <a:t>эта</a:t>
-            </a:r>
-            <a:r>
-              <a:rPr sz="900" i="1" spc="-10" dirty="0">
-                <a:solidFill>
-                  <a:srgbClr val="7F7F7F"/>
-                </a:solidFill>
-                <a:latin typeface="Trebuchet MS"/>
-                <a:cs typeface="Trebuchet MS"/>
-              </a:rPr>
-              <a:t> </a:t>
-            </a:r>
-            <a:r>
-              <a:rPr sz="900" i="1" spc="-65" dirty="0">
-                <a:solidFill>
-                  <a:srgbClr val="7F7F7F"/>
-                </a:solidFill>
-                <a:latin typeface="Trebuchet MS"/>
-                <a:cs typeface="Trebuchet MS"/>
-              </a:rPr>
-              <a:t>ссылка</a:t>
-            </a:r>
-            <a:r>
-              <a:rPr sz="900" i="1" spc="-10" dirty="0">
-                <a:solidFill>
-                  <a:srgbClr val="7F7F7F"/>
-                </a:solidFill>
-                <a:latin typeface="Trebuchet MS"/>
-                <a:cs typeface="Trebuchet MS"/>
-              </a:rPr>
-              <a:t> </a:t>
-            </a:r>
-            <a:r>
-              <a:rPr sz="900" i="1" spc="-75" dirty="0">
-                <a:solidFill>
-                  <a:srgbClr val="7F7F7F"/>
-                </a:solidFill>
-                <a:latin typeface="Trebuchet MS"/>
-                <a:cs typeface="Trebuchet MS"/>
-              </a:rPr>
-              <a:t>необходима,</a:t>
-            </a:r>
-            <a:r>
-              <a:rPr sz="900" i="1" spc="-10" dirty="0">
-                <a:solidFill>
-                  <a:srgbClr val="7F7F7F"/>
-                </a:solidFill>
-                <a:latin typeface="Trebuchet MS"/>
-                <a:cs typeface="Trebuchet MS"/>
-              </a:rPr>
-              <a:t> </a:t>
-            </a:r>
-            <a:r>
-              <a:rPr sz="900" i="1" spc="-60" dirty="0">
-                <a:solidFill>
-                  <a:srgbClr val="7F7F7F"/>
-                </a:solidFill>
-                <a:latin typeface="Trebuchet MS"/>
-                <a:cs typeface="Trebuchet MS"/>
-              </a:rPr>
-              <a:t>например</a:t>
-            </a:r>
-            <a:r>
-              <a:rPr sz="900" i="1" spc="-10" dirty="0">
-                <a:solidFill>
-                  <a:srgbClr val="7F7F7F"/>
-                </a:solidFill>
-                <a:latin typeface="Trebuchet MS"/>
-                <a:cs typeface="Trebuchet MS"/>
-              </a:rPr>
-              <a:t> </a:t>
-            </a:r>
-            <a:r>
-              <a:rPr sz="900" i="1" spc="-20" dirty="0">
-                <a:solidFill>
-                  <a:srgbClr val="7F7F7F"/>
-                </a:solidFill>
-                <a:latin typeface="Trebuchet MS"/>
-                <a:cs typeface="Trebuchet MS"/>
-              </a:rPr>
-              <a:t>так</a:t>
-            </a:r>
-            <a:r>
-              <a:rPr sz="900" spc="-30" baseline="37037" dirty="0">
-                <a:latin typeface="Trebuchet MS"/>
-                <a:cs typeface="Trebuchet MS"/>
-              </a:rPr>
-              <a:t>2</a:t>
-            </a:r>
-            <a:r>
-              <a:rPr sz="900" i="1" spc="-20" dirty="0">
-                <a:solidFill>
-                  <a:srgbClr val="7F7F7F"/>
-                </a:solidFill>
-                <a:latin typeface="Trebuchet MS"/>
-                <a:cs typeface="Trebuchet MS"/>
-              </a:rPr>
-              <a:t>.</a:t>
-            </a:r>
-            <a:endParaRPr sz="900">
-              <a:latin typeface="Trebuchet MS"/>
-              <a:cs typeface="Trebuchet MS"/>
-            </a:endParaRPr>
-          </a:p>
-          <a:p>
-            <a:pPr marL="104139">
-              <a:lnSpc>
-                <a:spcPct val="100000"/>
-              </a:lnSpc>
-              <a:spcBef>
-                <a:spcPts val="309"/>
-              </a:spcBef>
-            </a:pPr>
-            <a:r>
-              <a:rPr sz="900" spc="165" dirty="0">
-                <a:solidFill>
-                  <a:srgbClr val="006CDC"/>
-                </a:solidFill>
-                <a:latin typeface="Cambria"/>
-                <a:cs typeface="Cambria"/>
-              </a:rPr>
-              <a:t>→</a:t>
-            </a:r>
-            <a:r>
-              <a:rPr sz="900" spc="310" dirty="0">
-                <a:solidFill>
-                  <a:srgbClr val="006CDC"/>
-                </a:solidFill>
-                <a:latin typeface="Cambria"/>
-                <a:cs typeface="Cambria"/>
-              </a:rPr>
-              <a:t> </a:t>
-            </a:r>
-            <a:r>
-              <a:rPr sz="900" spc="-65" dirty="0">
-                <a:latin typeface="Trebuchet MS"/>
-                <a:cs typeface="Trebuchet MS"/>
-              </a:rPr>
-              <a:t>Рекомендуемый</a:t>
-            </a:r>
-            <a:r>
-              <a:rPr sz="900" spc="-20" dirty="0">
-                <a:latin typeface="Trebuchet MS"/>
-                <a:cs typeface="Trebuchet MS"/>
-              </a:rPr>
-              <a:t> </a:t>
-            </a:r>
-            <a:r>
-              <a:rPr sz="900" spc="-85" dirty="0">
-                <a:latin typeface="Trebuchet MS"/>
-                <a:cs typeface="Trebuchet MS"/>
-              </a:rPr>
-              <a:t>объём:</a:t>
-            </a:r>
-            <a:r>
-              <a:rPr sz="900" spc="-20" dirty="0">
-                <a:latin typeface="Trebuchet MS"/>
-                <a:cs typeface="Trebuchet MS"/>
-              </a:rPr>
-              <a:t> </a:t>
-            </a:r>
-            <a:r>
-              <a:rPr sz="900" spc="-110" dirty="0">
-                <a:latin typeface="Trebuchet MS"/>
-                <a:cs typeface="Trebuchet MS"/>
-              </a:rPr>
-              <a:t>1-</a:t>
-            </a:r>
-            <a:r>
-              <a:rPr sz="900" spc="-95" dirty="0">
-                <a:latin typeface="Trebuchet MS"/>
-                <a:cs typeface="Trebuchet MS"/>
-              </a:rPr>
-              <a:t>2</a:t>
-            </a:r>
-            <a:r>
-              <a:rPr sz="900" spc="-15" dirty="0">
-                <a:latin typeface="Trebuchet MS"/>
-                <a:cs typeface="Trebuchet MS"/>
-              </a:rPr>
-              <a:t> </a:t>
-            </a:r>
-            <a:r>
-              <a:rPr sz="900" spc="-10" dirty="0">
-                <a:latin typeface="Trebuchet MS"/>
-                <a:cs typeface="Trebuchet MS"/>
-              </a:rPr>
-              <a:t>cлайда.</a:t>
-            </a:r>
-            <a:endParaRPr sz="900">
-              <a:latin typeface="Trebuchet MS"/>
-              <a:cs typeface="Trebuchet MS"/>
-            </a:endParaRPr>
-          </a:p>
-          <a:p>
-            <a:pPr>
-              <a:lnSpc>
-                <a:spcPct val="100000"/>
-              </a:lnSpc>
-              <a:spcBef>
-                <a:spcPts val="25"/>
-              </a:spcBef>
-            </a:pPr>
-            <a:endParaRPr sz="900">
-              <a:latin typeface="Trebuchet MS"/>
-              <a:cs typeface="Trebuchet MS"/>
-            </a:endParaRPr>
-          </a:p>
-          <a:p>
-            <a:pPr marL="50800" marR="354330" indent="128905">
-              <a:lnSpc>
-                <a:spcPts val="800"/>
-              </a:lnSpc>
-            </a:pPr>
-            <a:r>
-              <a:rPr sz="750" spc="-127" baseline="33333" dirty="0">
-                <a:latin typeface="Trebuchet MS"/>
-                <a:cs typeface="Trebuchet MS"/>
-              </a:rPr>
-              <a:t>1</a:t>
-            </a:r>
-            <a:r>
-              <a:rPr sz="750" spc="-142" baseline="33333" dirty="0">
-                <a:latin typeface="Trebuchet MS"/>
-                <a:cs typeface="Trebuchet MS"/>
-              </a:rPr>
-              <a:t> </a:t>
-            </a:r>
-            <a:r>
-              <a:rPr sz="700" spc="-70" dirty="0">
-                <a:latin typeface="Trebuchet MS"/>
-                <a:cs typeface="Trebuchet MS"/>
-              </a:rPr>
-              <a:t>Тогда</a:t>
-            </a:r>
-            <a:r>
-              <a:rPr sz="700" spc="5" dirty="0">
-                <a:latin typeface="Trebuchet MS"/>
-                <a:cs typeface="Trebuchet MS"/>
-              </a:rPr>
-              <a:t> </a:t>
-            </a:r>
-            <a:r>
-              <a:rPr sz="700" spc="-50" dirty="0">
-                <a:latin typeface="Trebuchet MS"/>
-                <a:cs typeface="Trebuchet MS"/>
-              </a:rPr>
-              <a:t>как</a:t>
-            </a:r>
-            <a:r>
-              <a:rPr sz="700" spc="5" dirty="0">
-                <a:latin typeface="Trebuchet MS"/>
-                <a:cs typeface="Trebuchet MS"/>
-              </a:rPr>
-              <a:t> </a:t>
-            </a:r>
-            <a:r>
-              <a:rPr sz="700" spc="-40" dirty="0">
-                <a:latin typeface="Trebuchet MS"/>
-                <a:cs typeface="Trebuchet MS"/>
-              </a:rPr>
-              <a:t>обоснованием</a:t>
-            </a:r>
-            <a:r>
-              <a:rPr sz="700" spc="10" dirty="0">
-                <a:latin typeface="Trebuchet MS"/>
-                <a:cs typeface="Trebuchet MS"/>
-              </a:rPr>
-              <a:t> </a:t>
-            </a:r>
-            <a:r>
-              <a:rPr sz="700" spc="-45" dirty="0">
-                <a:latin typeface="Trebuchet MS"/>
-                <a:cs typeface="Trebuchet MS"/>
-              </a:rPr>
-              <a:t>актуальности</a:t>
-            </a:r>
-            <a:r>
-              <a:rPr sz="700" spc="5" dirty="0">
-                <a:latin typeface="Trebuchet MS"/>
-                <a:cs typeface="Trebuchet MS"/>
-              </a:rPr>
-              <a:t> </a:t>
-            </a:r>
-            <a:r>
-              <a:rPr sz="700" spc="-45" dirty="0">
-                <a:latin typeface="Trebuchet MS"/>
-                <a:cs typeface="Trebuchet MS"/>
-              </a:rPr>
-              <a:t>является</a:t>
-            </a:r>
-            <a:r>
-              <a:rPr sz="700" spc="5" dirty="0">
-                <a:latin typeface="Trebuchet MS"/>
-                <a:cs typeface="Trebuchet MS"/>
-              </a:rPr>
-              <a:t> </a:t>
-            </a:r>
-            <a:r>
-              <a:rPr sz="700" spc="-55" dirty="0">
-                <a:latin typeface="Trebuchet MS"/>
-                <a:cs typeface="Trebuchet MS"/>
-              </a:rPr>
-              <a:t>результат</a:t>
-            </a:r>
-            <a:r>
-              <a:rPr sz="700" spc="10" dirty="0">
-                <a:latin typeface="Trebuchet MS"/>
-                <a:cs typeface="Trebuchet MS"/>
-              </a:rPr>
-              <a:t> </a:t>
-            </a:r>
-            <a:r>
-              <a:rPr sz="700" spc="-40" dirty="0">
-                <a:latin typeface="Trebuchet MS"/>
-                <a:cs typeface="Trebuchet MS"/>
-              </a:rPr>
-              <a:t>проведённого</a:t>
-            </a:r>
-            <a:r>
-              <a:rPr sz="700" spc="5" dirty="0">
-                <a:latin typeface="Trebuchet MS"/>
-                <a:cs typeface="Trebuchet MS"/>
-              </a:rPr>
-              <a:t> </a:t>
-            </a:r>
-            <a:r>
-              <a:rPr sz="700" spc="-35" dirty="0">
-                <a:latin typeface="Trebuchet MS"/>
-                <a:cs typeface="Trebuchet MS"/>
-              </a:rPr>
-              <a:t>обзора</a:t>
-            </a:r>
-            <a:r>
-              <a:rPr sz="700" spc="5" dirty="0">
-                <a:latin typeface="Trebuchet MS"/>
-                <a:cs typeface="Trebuchet MS"/>
-              </a:rPr>
-              <a:t> </a:t>
-            </a:r>
-            <a:r>
-              <a:rPr sz="700" spc="-45" dirty="0">
-                <a:latin typeface="Trebuchet MS"/>
-                <a:cs typeface="Trebuchet MS"/>
-              </a:rPr>
-              <a:t>литературы</a:t>
-            </a:r>
-            <a:r>
-              <a:rPr sz="700" spc="5" dirty="0">
-                <a:latin typeface="Trebuchet MS"/>
-                <a:cs typeface="Trebuchet MS"/>
-              </a:rPr>
-              <a:t> </a:t>
-            </a:r>
-            <a:r>
-              <a:rPr sz="700" spc="65" dirty="0">
-                <a:latin typeface="Trebuchet MS"/>
-                <a:cs typeface="Trebuchet MS"/>
-              </a:rPr>
-              <a:t>–</a:t>
-            </a:r>
-            <a:r>
-              <a:rPr sz="700" spc="10" dirty="0">
-                <a:latin typeface="Trebuchet MS"/>
-                <a:cs typeface="Trebuchet MS"/>
-              </a:rPr>
-              <a:t> </a:t>
-            </a:r>
-            <a:r>
-              <a:rPr sz="700" spc="-30" dirty="0">
-                <a:latin typeface="Trebuchet MS"/>
-                <a:cs typeface="Trebuchet MS"/>
-              </a:rPr>
-              <a:t>анализ</a:t>
-            </a:r>
-            <a:r>
-              <a:rPr sz="700" spc="5" dirty="0">
-                <a:latin typeface="Trebuchet MS"/>
-                <a:cs typeface="Trebuchet MS"/>
-              </a:rPr>
-              <a:t> </a:t>
-            </a:r>
-            <a:r>
-              <a:rPr sz="700" spc="-30" dirty="0">
-                <a:latin typeface="Trebuchet MS"/>
-                <a:cs typeface="Trebuchet MS"/>
-              </a:rPr>
-              <a:t>научно-</a:t>
-            </a:r>
-            <a:r>
-              <a:rPr sz="700" spc="-35" dirty="0">
-                <a:latin typeface="Trebuchet MS"/>
-                <a:cs typeface="Trebuchet MS"/>
-              </a:rPr>
-              <a:t>технических</a:t>
-            </a:r>
-            <a:r>
-              <a:rPr sz="700" spc="-10" dirty="0">
-                <a:latin typeface="Trebuchet MS"/>
-                <a:cs typeface="Trebuchet MS"/>
-              </a:rPr>
-              <a:t> источников.</a:t>
-            </a:r>
-            <a:endParaRPr sz="700">
-              <a:latin typeface="Trebuchet MS"/>
-              <a:cs typeface="Trebuchet MS"/>
-            </a:endParaRPr>
-          </a:p>
-          <a:p>
-            <a:pPr marL="50800" marR="161290" indent="125730">
-              <a:lnSpc>
-                <a:spcPts val="800"/>
-              </a:lnSpc>
-              <a:spcBef>
-                <a:spcPts val="75"/>
-              </a:spcBef>
-            </a:pPr>
-            <a:r>
-              <a:rPr sz="750" baseline="33333" dirty="0">
-                <a:latin typeface="Trebuchet MS"/>
-                <a:cs typeface="Trebuchet MS"/>
-              </a:rPr>
-              <a:t>2</a:t>
-            </a:r>
-            <a:r>
-              <a:rPr sz="750" spc="157" baseline="33333" dirty="0">
-                <a:latin typeface="Trebuchet MS"/>
-                <a:cs typeface="Trebuchet MS"/>
-              </a:rPr>
-              <a:t> </a:t>
-            </a:r>
-            <a:r>
-              <a:rPr sz="700" spc="-55" dirty="0">
-                <a:latin typeface="Trebuchet MS"/>
-                <a:cs typeface="Trebuchet MS"/>
-              </a:rPr>
-              <a:t>Frank</a:t>
-            </a:r>
-            <a:r>
-              <a:rPr sz="700" spc="-15" dirty="0">
-                <a:latin typeface="Trebuchet MS"/>
-                <a:cs typeface="Trebuchet MS"/>
-              </a:rPr>
-              <a:t> </a:t>
-            </a:r>
-            <a:r>
-              <a:rPr sz="700" spc="-60" dirty="0">
-                <a:latin typeface="Trebuchet MS"/>
-                <a:cs typeface="Trebuchet MS"/>
-              </a:rPr>
-              <a:t>Eichinger,</a:t>
-            </a:r>
-            <a:r>
-              <a:rPr sz="700" spc="-10" dirty="0">
-                <a:latin typeface="Trebuchet MS"/>
-                <a:cs typeface="Trebuchet MS"/>
-              </a:rPr>
-              <a:t> </a:t>
-            </a:r>
-            <a:r>
-              <a:rPr sz="700" spc="-40" dirty="0">
-                <a:latin typeface="Trebuchet MS"/>
-                <a:cs typeface="Trebuchet MS"/>
-              </a:rPr>
-              <a:t>Klemens</a:t>
-            </a:r>
-            <a:r>
-              <a:rPr sz="700" spc="-10" dirty="0">
-                <a:latin typeface="Trebuchet MS"/>
-                <a:cs typeface="Trebuchet MS"/>
-              </a:rPr>
-              <a:t> </a:t>
-            </a:r>
-            <a:r>
-              <a:rPr sz="700" spc="-55" dirty="0">
-                <a:latin typeface="Trebuchet MS"/>
-                <a:cs typeface="Trebuchet MS"/>
-              </a:rPr>
-              <a:t>Bohm,</a:t>
-            </a:r>
-            <a:r>
-              <a:rPr sz="700" spc="-15" dirty="0">
-                <a:latin typeface="Trebuchet MS"/>
-                <a:cs typeface="Trebuchet MS"/>
-              </a:rPr>
-              <a:t> </a:t>
-            </a:r>
-            <a:r>
-              <a:rPr sz="700" spc="-25" dirty="0">
-                <a:latin typeface="Trebuchet MS"/>
-                <a:cs typeface="Trebuchet MS"/>
-              </a:rPr>
-              <a:t>and</a:t>
-            </a:r>
-            <a:r>
-              <a:rPr sz="700" spc="-10" dirty="0">
-                <a:latin typeface="Trebuchet MS"/>
-                <a:cs typeface="Trebuchet MS"/>
-              </a:rPr>
-              <a:t> </a:t>
-            </a:r>
-            <a:r>
-              <a:rPr sz="700" spc="-35" dirty="0">
-                <a:latin typeface="Trebuchet MS"/>
-                <a:cs typeface="Trebuchet MS"/>
-              </a:rPr>
-              <a:t>Matthias</a:t>
-            </a:r>
-            <a:r>
-              <a:rPr sz="700" spc="-10" dirty="0">
-                <a:latin typeface="Trebuchet MS"/>
-                <a:cs typeface="Trebuchet MS"/>
-              </a:rPr>
-              <a:t> </a:t>
-            </a:r>
-            <a:r>
-              <a:rPr sz="700" spc="-70" dirty="0">
-                <a:latin typeface="Trebuchet MS"/>
-                <a:cs typeface="Trebuchet MS"/>
-              </a:rPr>
-              <a:t>Huber.</a:t>
-            </a:r>
-            <a:r>
-              <a:rPr sz="700" spc="-15" dirty="0">
-                <a:latin typeface="Trebuchet MS"/>
-                <a:cs typeface="Trebuchet MS"/>
-              </a:rPr>
-              <a:t> </a:t>
-            </a:r>
-            <a:r>
-              <a:rPr sz="700" spc="-30" dirty="0">
-                <a:latin typeface="Trebuchet MS"/>
-                <a:cs typeface="Trebuchet MS"/>
-              </a:rPr>
-              <a:t>Mining</a:t>
-            </a:r>
-            <a:r>
-              <a:rPr sz="700" spc="-10" dirty="0">
-                <a:latin typeface="Trebuchet MS"/>
-                <a:cs typeface="Trebuchet MS"/>
-              </a:rPr>
-              <a:t> </a:t>
-            </a:r>
-            <a:r>
-              <a:rPr sz="700" spc="-50" dirty="0">
-                <a:latin typeface="Trebuchet MS"/>
-                <a:cs typeface="Trebuchet MS"/>
-              </a:rPr>
-              <a:t>Edge-Weighted</a:t>
-            </a:r>
-            <a:r>
-              <a:rPr sz="700" spc="-15" dirty="0">
-                <a:latin typeface="Trebuchet MS"/>
-                <a:cs typeface="Trebuchet MS"/>
-              </a:rPr>
-              <a:t> </a:t>
-            </a:r>
-            <a:r>
-              <a:rPr sz="700" spc="-50" dirty="0">
-                <a:latin typeface="Trebuchet MS"/>
-                <a:cs typeface="Trebuchet MS"/>
-              </a:rPr>
-              <a:t>Call</a:t>
-            </a:r>
-            <a:r>
-              <a:rPr sz="700" spc="-10" dirty="0">
-                <a:latin typeface="Trebuchet MS"/>
-                <a:cs typeface="Trebuchet MS"/>
-              </a:rPr>
-              <a:t> </a:t>
-            </a:r>
-            <a:r>
-              <a:rPr sz="700" spc="-45" dirty="0">
-                <a:latin typeface="Trebuchet MS"/>
-                <a:cs typeface="Trebuchet MS"/>
-              </a:rPr>
-              <a:t>Graphs</a:t>
-            </a:r>
-            <a:r>
-              <a:rPr sz="700" spc="-10" dirty="0">
-                <a:latin typeface="Trebuchet MS"/>
-                <a:cs typeface="Trebuchet MS"/>
-              </a:rPr>
-              <a:t> </a:t>
-            </a:r>
-            <a:r>
-              <a:rPr sz="700" spc="-45" dirty="0">
-                <a:latin typeface="Trebuchet MS"/>
-                <a:cs typeface="Trebuchet MS"/>
-              </a:rPr>
-              <a:t>to</a:t>
-            </a:r>
-            <a:r>
-              <a:rPr sz="700" spc="-15" dirty="0">
-                <a:latin typeface="Trebuchet MS"/>
-                <a:cs typeface="Trebuchet MS"/>
-              </a:rPr>
-              <a:t> </a:t>
-            </a:r>
-            <a:r>
-              <a:rPr sz="700" spc="-45" dirty="0">
-                <a:latin typeface="Trebuchet MS"/>
-                <a:cs typeface="Trebuchet MS"/>
-              </a:rPr>
-              <a:t>Localise</a:t>
-            </a:r>
-            <a:r>
-              <a:rPr sz="700" spc="-10" dirty="0">
-                <a:latin typeface="Trebuchet MS"/>
-                <a:cs typeface="Trebuchet MS"/>
-              </a:rPr>
-              <a:t> </a:t>
-            </a:r>
-            <a:r>
-              <a:rPr sz="700" spc="-50" dirty="0">
-                <a:latin typeface="Trebuchet MS"/>
-                <a:cs typeface="Trebuchet MS"/>
-              </a:rPr>
-              <a:t>Software</a:t>
-            </a:r>
-            <a:r>
-              <a:rPr sz="700" spc="-10" dirty="0">
-                <a:latin typeface="Trebuchet MS"/>
-                <a:cs typeface="Trebuchet MS"/>
-              </a:rPr>
-              <a:t> </a:t>
-            </a:r>
-            <a:r>
-              <a:rPr sz="700" spc="-30" dirty="0">
-                <a:latin typeface="Trebuchet MS"/>
-                <a:cs typeface="Trebuchet MS"/>
-              </a:rPr>
-              <a:t>Bugs</a:t>
-            </a:r>
-            <a:r>
-              <a:rPr sz="700" spc="-15" dirty="0">
-                <a:latin typeface="Trebuchet MS"/>
-                <a:cs typeface="Trebuchet MS"/>
-              </a:rPr>
-              <a:t> </a:t>
-            </a:r>
-            <a:r>
-              <a:rPr sz="700" spc="-80" dirty="0">
-                <a:latin typeface="Trebuchet MS"/>
-                <a:cs typeface="Trebuchet MS"/>
-              </a:rPr>
-              <a:t>//</a:t>
-            </a:r>
-            <a:r>
-              <a:rPr sz="700" spc="-10" dirty="0">
-                <a:latin typeface="Trebuchet MS"/>
-                <a:cs typeface="Trebuchet MS"/>
-              </a:rPr>
-              <a:t> </a:t>
-            </a:r>
-            <a:r>
-              <a:rPr sz="700" spc="-60" dirty="0">
-                <a:latin typeface="Trebuchet MS"/>
-                <a:cs typeface="Trebuchet MS"/>
-              </a:rPr>
-              <a:t>Lecture</a:t>
-            </a:r>
-            <a:r>
-              <a:rPr sz="700" spc="-15" dirty="0">
-                <a:latin typeface="Trebuchet MS"/>
-                <a:cs typeface="Trebuchet MS"/>
-              </a:rPr>
-              <a:t> </a:t>
-            </a:r>
-            <a:r>
-              <a:rPr sz="700" spc="-40" dirty="0">
-                <a:latin typeface="Trebuchet MS"/>
-                <a:cs typeface="Trebuchet MS"/>
-              </a:rPr>
-              <a:t>Notes</a:t>
-            </a:r>
-            <a:r>
-              <a:rPr sz="700" spc="-10" dirty="0">
-                <a:latin typeface="Trebuchet MS"/>
-                <a:cs typeface="Trebuchet MS"/>
-              </a:rPr>
-              <a:t> </a:t>
-            </a:r>
-            <a:r>
-              <a:rPr sz="700" spc="-25" dirty="0">
-                <a:latin typeface="Trebuchet MS"/>
-                <a:cs typeface="Trebuchet MS"/>
-              </a:rPr>
-              <a:t>in</a:t>
-            </a:r>
-            <a:r>
-              <a:rPr sz="700" spc="500" dirty="0">
-                <a:latin typeface="Trebuchet MS"/>
-                <a:cs typeface="Trebuchet MS"/>
-              </a:rPr>
-              <a:t> </a:t>
-            </a:r>
-            <a:r>
-              <a:rPr sz="700" spc="-50" dirty="0">
-                <a:latin typeface="Trebuchet MS"/>
-                <a:cs typeface="Trebuchet MS"/>
-              </a:rPr>
-              <a:t>Computer</a:t>
-            </a:r>
-            <a:r>
-              <a:rPr sz="700" spc="-10" dirty="0">
-                <a:latin typeface="Trebuchet MS"/>
-                <a:cs typeface="Trebuchet MS"/>
-              </a:rPr>
-              <a:t> </a:t>
-            </a:r>
-            <a:r>
-              <a:rPr sz="700" spc="-60" dirty="0">
-                <a:latin typeface="Trebuchet MS"/>
-                <a:cs typeface="Trebuchet MS"/>
-              </a:rPr>
-              <a:t>Science.</a:t>
-            </a:r>
-            <a:r>
-              <a:rPr sz="700" spc="-5" dirty="0">
-                <a:latin typeface="Trebuchet MS"/>
-                <a:cs typeface="Trebuchet MS"/>
-              </a:rPr>
-              <a:t> </a:t>
-            </a:r>
-            <a:r>
-              <a:rPr sz="700" spc="-55" dirty="0">
-                <a:latin typeface="Trebuchet MS"/>
-                <a:cs typeface="Trebuchet MS"/>
-              </a:rPr>
-              <a:t>2008.</a:t>
-            </a:r>
-            <a:r>
-              <a:rPr sz="700" spc="-10" dirty="0">
-                <a:latin typeface="Trebuchet MS"/>
-                <a:cs typeface="Trebuchet MS"/>
-              </a:rPr>
-              <a:t> </a:t>
-            </a:r>
-            <a:r>
-              <a:rPr sz="700" spc="-125" dirty="0">
-                <a:latin typeface="Trebuchet MS"/>
-                <a:cs typeface="Trebuchet MS"/>
-              </a:rPr>
-              <a:t>P.</a:t>
-            </a:r>
-            <a:r>
-              <a:rPr sz="700" spc="-5" dirty="0">
-                <a:latin typeface="Trebuchet MS"/>
-                <a:cs typeface="Trebuchet MS"/>
-              </a:rPr>
-              <a:t> </a:t>
-            </a:r>
-            <a:r>
-              <a:rPr sz="700" spc="-10" dirty="0">
-                <a:latin typeface="Trebuchet MS"/>
-                <a:cs typeface="Trebuchet MS"/>
-              </a:rPr>
-              <a:t>333–348.</a:t>
-            </a:r>
-            <a:endParaRPr sz="700">
-              <a:latin typeface="Trebuchet MS"/>
-              <a:cs typeface="Trebuchet MS"/>
-            </a:endParaRPr>
-          </a:p>
-        </p:txBody>
-      </p:sp>
       <p:sp>
         <p:nvSpPr>
           <p:cNvPr id="8" name="object 8"/>
@@ -8853,8 +7983,8 @@
         </p:nvSpPr>
         <p:spPr>
           <a:xfrm>
-            <a:off x="203301" y="154913"/>
-            <a:ext cx="1797050" cy="325755"/>
+            <a:off x="203300" y="154913"/>
+            <a:ext cx="2450999" cy="310534"/>
           </a:xfrm>
           <a:prstGeom prst="rect">
             <a:avLst/>
@@ -8886,34 +8016,10 @@
               </a:lnSpc>
             </a:pPr>
             <a:r>
-              <a:rPr sz="900" spc="-50" dirty="0"/>
-              <a:t>Пример</a:t>
-            </a:r>
-            <a:r>
-              <a:rPr sz="900" spc="-30" dirty="0"/>
-              <a:t> </a:t>
-            </a:r>
-            <a:r>
-              <a:rPr sz="900" spc="-70" dirty="0"/>
-              <a:t>слайда.</a:t>
-            </a:r>
-            <a:r>
-              <a:rPr sz="900" spc="-25" dirty="0"/>
-              <a:t> </a:t>
-            </a:r>
-            <a:r>
-              <a:rPr sz="900" spc="-45" dirty="0"/>
-              <a:t>Матрица</a:t>
-            </a:r>
-            <a:r>
-              <a:rPr sz="900" spc="-25" dirty="0"/>
-              <a:t> </a:t>
-            </a:r>
-            <a:r>
-              <a:rPr sz="900" spc="-40" dirty="0"/>
-              <a:t>трафика</a:t>
-            </a:r>
-            <a:endParaRPr sz="900"/>
+              <a:rPr lang="ru-RU" sz="900" spc="-50" dirty="0"/>
+              <a:t>Подходы к масштабируемому запуску серверов</a:t>
+            </a:r>
+            <a:endParaRPr lang="ru-RU" sz="900" dirty="0"/>
           </a:p>
         </p:txBody>
       </p:sp>
@@ -8966,7 +8072,7 @@
           <p:nvPr/>
         </p:nvPicPr>
         <p:blipFill>
-          <a:blip r:embed="rId2" cstate="print"/>
+          <a:blip r:embed="rId3" cstate="print"/>
           <a:stretch>
             <a:fillRect/>
           </a:stretch>
@@ -9093,7 +8199,7 @@
         </p:nvGrpSpPr>
         <p:grpSpPr>
           <a:xfrm>
-            <a:off x="165200" y="816165"/>
+            <a:off x="137935" y="817002"/>
             <a:ext cx="5177790" cy="1445260"/>
             <a:chOff x="165200" y="816165"/>
             <a:chExt cx="5177790" cy="1445260"/>
@@ -9180,7 +8286,7 @@
             <p:nvPr/>
           </p:nvPicPr>
           <p:blipFill>
-            <a:blip r:embed="rId2" cstate="print"/>
+            <a:blip r:embed="rId3" cstate="print"/>
             <a:stretch>
               <a:fillRect/>
             </a:stretch>
@@ -9318,7 +8424,7 @@
             <p:nvPr/>
           </p:nvPicPr>
           <p:blipFill>
-            <a:blip r:embed="rId3" cstate="print"/>
+            <a:blip r:embed="rId4" cstate="print"/>
             <a:stretch>
               <a:fillRect/>
             </a:stretch>
@@ -9562,7 +8668,7 @@
               <a:rPr sz="900" spc="-30" dirty="0"/>
               <a:t>задачи</a:t>
             </a:r>
-            <a:endParaRPr sz="900"/>
+            <a:endParaRPr sz="900" dirty="0"/>
           </a:p>
         </p:txBody>
       </p:sp>
@@ -9615,7 +8721,7 @@
           <p:nvPr/>
         </p:nvPicPr>
         <p:blipFill>
-          <a:blip r:embed="rId4" cstate="print"/>
+          <a:blip r:embed="rId5" cstate="print"/>
           <a:stretch>
             <a:fillRect/>
           </a:stretch>
@@ -9638,8 +8744,8 @@
         </p:nvSpPr>
         <p:spPr>
           <a:xfrm>
-            <a:off x="203301" y="756975"/>
-            <a:ext cx="4887595" cy="1462405"/>
+            <a:off x="198105" y="507774"/>
+            <a:ext cx="4887595" cy="940450"/>
           </a:xfrm>
           <a:prstGeom prst="rect">
             <a:avLst/>
@@ -9704,181 +8810,22 @@
               </a:spcBef>
             </a:pPr>
             <a:r>
-              <a:rPr sz="900" i="1" spc="-50" dirty="0">
-                <a:solidFill>
-                  <a:srgbClr val="7F7F7F"/>
-                </a:solidFill>
-                <a:latin typeface="Trebuchet MS"/>
-                <a:cs typeface="Trebuchet MS"/>
-              </a:rPr>
-              <a:t>@Объект</a:t>
-            </a:r>
-            <a:r>
-              <a:rPr sz="900" i="1" spc="-10" dirty="0">
-                <a:solidFill>
-                  <a:srgbClr val="7F7F7F"/>
-                </a:solidFill>
-                <a:latin typeface="Trebuchet MS"/>
-                <a:cs typeface="Trebuchet MS"/>
-              </a:rPr>
-              <a:t> </a:t>
-            </a:r>
-            <a:r>
-              <a:rPr sz="900" i="1" spc="-40" dirty="0">
-                <a:solidFill>
-                  <a:srgbClr val="7F7F7F"/>
-                </a:solidFill>
-                <a:latin typeface="Trebuchet MS"/>
-                <a:cs typeface="Trebuchet MS"/>
-              </a:rPr>
-              <a:t>исследований@</a:t>
-            </a:r>
-            <a:r>
-              <a:rPr sz="900" i="1" spc="-5" dirty="0">
-                <a:solidFill>
-                  <a:srgbClr val="7F7F7F"/>
-                </a:solidFill>
-                <a:latin typeface="Trebuchet MS"/>
-                <a:cs typeface="Trebuchet MS"/>
-              </a:rPr>
-              <a:t> </a:t>
-            </a:r>
-            <a:r>
-              <a:rPr sz="900" i="1" spc="-70" dirty="0">
-                <a:solidFill>
-                  <a:srgbClr val="7F7F7F"/>
-                </a:solidFill>
-                <a:latin typeface="Trebuchet MS"/>
-                <a:cs typeface="Trebuchet MS"/>
-              </a:rPr>
-              <a:t>Например:</a:t>
-            </a:r>
-            <a:r>
-              <a:rPr sz="900" i="1" spc="-5" dirty="0">
-                <a:solidFill>
-                  <a:srgbClr val="7F7F7F"/>
-                </a:solidFill>
-                <a:latin typeface="Trebuchet MS"/>
-                <a:cs typeface="Trebuchet MS"/>
-              </a:rPr>
-              <a:t> </a:t>
-            </a:r>
-            <a:r>
-              <a:rPr sz="900" i="1" spc="-55" dirty="0">
-                <a:solidFill>
-                  <a:srgbClr val="7F7F7F"/>
-                </a:solidFill>
-                <a:latin typeface="Trebuchet MS"/>
-                <a:cs typeface="Trebuchet MS"/>
-              </a:rPr>
-              <a:t>«численность</a:t>
-            </a:r>
-            <a:r>
-              <a:rPr sz="900" i="1" spc="-10" dirty="0">
-                <a:solidFill>
-                  <a:srgbClr val="7F7F7F"/>
-                </a:solidFill>
-                <a:latin typeface="Trebuchet MS"/>
-                <a:cs typeface="Trebuchet MS"/>
-              </a:rPr>
-              <a:t> </a:t>
-            </a:r>
-            <a:r>
-              <a:rPr sz="900" i="1" spc="-55" dirty="0">
-                <a:solidFill>
-                  <a:srgbClr val="7F7F7F"/>
-                </a:solidFill>
-                <a:latin typeface="Trebuchet MS"/>
-                <a:cs typeface="Trebuchet MS"/>
-              </a:rPr>
-              <a:t>населения</a:t>
-            </a:r>
-            <a:r>
-              <a:rPr sz="900" i="1" spc="-5" dirty="0">
-                <a:solidFill>
-                  <a:srgbClr val="7F7F7F"/>
-                </a:solidFill>
-                <a:latin typeface="Trebuchet MS"/>
-                <a:cs typeface="Trebuchet MS"/>
-              </a:rPr>
-              <a:t> </a:t>
-            </a:r>
-            <a:r>
-              <a:rPr sz="900" i="1" spc="-80" dirty="0">
-                <a:solidFill>
-                  <a:srgbClr val="7F7F7F"/>
-                </a:solidFill>
-                <a:latin typeface="Trebuchet MS"/>
-                <a:cs typeface="Trebuchet MS"/>
-              </a:rPr>
-              <a:t>Земли»,</a:t>
-            </a:r>
-            <a:r>
-              <a:rPr sz="900" i="1" spc="-5" dirty="0">
-                <a:solidFill>
-                  <a:srgbClr val="7F7F7F"/>
-                </a:solidFill>
-                <a:latin typeface="Trebuchet MS"/>
-                <a:cs typeface="Trebuchet MS"/>
-              </a:rPr>
-              <a:t> </a:t>
-            </a:r>
-            <a:r>
-              <a:rPr sz="900" i="1" spc="-50" dirty="0">
-                <a:solidFill>
-                  <a:srgbClr val="7F7F7F"/>
-                </a:solidFill>
-                <a:latin typeface="Trebuchet MS"/>
-                <a:cs typeface="Trebuchet MS"/>
-              </a:rPr>
-              <a:t>«механические </a:t>
-            </a:r>
-            <a:r>
-              <a:rPr sz="900" i="1" spc="-60" dirty="0">
-                <a:solidFill>
-                  <a:srgbClr val="7F7F7F"/>
-                </a:solidFill>
-                <a:latin typeface="Trebuchet MS"/>
-                <a:cs typeface="Trebuchet MS"/>
-              </a:rPr>
-              <a:t>характеристики</a:t>
-            </a:r>
-            <a:r>
-              <a:rPr sz="900" i="1" spc="45" dirty="0">
-                <a:solidFill>
-                  <a:srgbClr val="7F7F7F"/>
-                </a:solidFill>
-                <a:latin typeface="Trebuchet MS"/>
-                <a:cs typeface="Trebuchet MS"/>
-              </a:rPr>
-              <a:t> </a:t>
-            </a:r>
-            <a:r>
-              <a:rPr sz="900" i="1" spc="-10" dirty="0">
-                <a:solidFill>
-                  <a:srgbClr val="7F7F7F"/>
-                </a:solidFill>
-                <a:latin typeface="Trebuchet MS"/>
-                <a:cs typeface="Trebuchet MS"/>
-              </a:rPr>
-              <a:t>стеклопластика».</a:t>
-            </a:r>
-            <a:endParaRPr sz="900" dirty="0">
-              <a:latin typeface="Trebuchet MS"/>
-              <a:cs typeface="Trebuchet MS"/>
-            </a:endParaRPr>
-          </a:p>
-          <a:p>
-            <a:pPr marL="12700">
+              <a:rPr lang="ru-RU" sz="900" dirty="0"/>
+              <a:t>Распределённая система управления процессами запущенных серверов</a:t>
+            </a:r>
+            <a:endParaRPr lang="en-US" sz="900" dirty="0"/>
+          </a:p>
+          <a:p>
+            <a:pPr marL="12700" marR="637540">
               <a:lnSpc>
-                <a:spcPct val="100000"/>
+                <a:spcPct val="101000"/>
               </a:lnSpc>
               <a:spcBef>
-                <a:spcPts val="1030"/>
+                <a:spcPts val="365"/>
               </a:spcBef>
             </a:pPr>
             <a:r>
-              <a:rPr sz="1000" spc="-65" dirty="0">
+              <a:rPr sz="1000" spc="-65" dirty="0" err="1">
                 <a:solidFill>
                   <a:srgbClr val="3333B2"/>
                 </a:solidFill>
@@ -9922,391 +8869,14 @@
               </a:spcBef>
             </a:pPr>
             <a:r>
-              <a:rPr sz="900" i="1" spc="-25" dirty="0">
-                <a:solidFill>
-                  <a:srgbClr val="7F7F7F"/>
-                </a:solidFill>
-                <a:latin typeface="Trebuchet MS"/>
-                <a:cs typeface="Trebuchet MS"/>
-              </a:rPr>
-              <a:t>@Цель</a:t>
-            </a:r>
-            <a:r>
-              <a:rPr sz="900" i="1" spc="-5" dirty="0">
-                <a:solidFill>
-                  <a:srgbClr val="7F7F7F"/>
-                </a:solidFill>
-                <a:latin typeface="Trebuchet MS"/>
-                <a:cs typeface="Trebuchet MS"/>
-              </a:rPr>
-              <a:t> </a:t>
-            </a:r>
-            <a:r>
-              <a:rPr sz="900" i="1" spc="-60" dirty="0">
-                <a:solidFill>
-                  <a:srgbClr val="7F7F7F"/>
-                </a:solidFill>
-                <a:latin typeface="Trebuchet MS"/>
-                <a:cs typeface="Trebuchet MS"/>
-              </a:rPr>
-              <a:t>выполнения</a:t>
-            </a:r>
-            <a:r>
-              <a:rPr sz="900" i="1" spc="-5" dirty="0">
-                <a:solidFill>
-                  <a:srgbClr val="7F7F7F"/>
-                </a:solidFill>
-                <a:latin typeface="Trebuchet MS"/>
-                <a:cs typeface="Trebuchet MS"/>
-              </a:rPr>
-              <a:t> </a:t>
-            </a:r>
-            <a:r>
-              <a:rPr sz="900" i="1" spc="-35" dirty="0">
-                <a:solidFill>
-                  <a:srgbClr val="7F7F7F"/>
-                </a:solidFill>
-                <a:latin typeface="Trebuchet MS"/>
-                <a:cs typeface="Trebuchet MS"/>
-              </a:rPr>
-              <a:t>работы@</a:t>
-            </a:r>
-            <a:r>
-              <a:rPr sz="900" i="1" spc="-5" dirty="0">
-                <a:solidFill>
-                  <a:srgbClr val="7F7F7F"/>
-                </a:solidFill>
-                <a:latin typeface="Trebuchet MS"/>
-                <a:cs typeface="Trebuchet MS"/>
-              </a:rPr>
-              <a:t> </a:t>
-            </a:r>
-            <a:r>
-              <a:rPr sz="900" i="1" spc="-80" dirty="0">
-                <a:solidFill>
-                  <a:srgbClr val="7F7F7F"/>
-                </a:solidFill>
-                <a:latin typeface="Trebuchet MS"/>
-                <a:cs typeface="Trebuchet MS"/>
-              </a:rPr>
-              <a:t>Примеры.</a:t>
-            </a:r>
-            <a:r>
-              <a:rPr sz="900" i="1" dirty="0">
-                <a:solidFill>
-                  <a:srgbClr val="7F7F7F"/>
-                </a:solidFill>
-                <a:latin typeface="Trebuchet MS"/>
-                <a:cs typeface="Trebuchet MS"/>
-              </a:rPr>
-              <a:t> </a:t>
-            </a:r>
-            <a:r>
-              <a:rPr sz="900" i="1" spc="-60" dirty="0">
-                <a:solidFill>
-                  <a:srgbClr val="7F7F7F"/>
-                </a:solidFill>
-                <a:latin typeface="Trebuchet MS"/>
-                <a:cs typeface="Trebuchet MS"/>
-              </a:rPr>
-              <a:t>«Повысить</a:t>
-            </a:r>
-            <a:r>
-              <a:rPr sz="900" i="1" spc="-5" dirty="0">
-                <a:solidFill>
-                  <a:srgbClr val="7F7F7F"/>
-                </a:solidFill>
-                <a:latin typeface="Trebuchet MS"/>
-                <a:cs typeface="Trebuchet MS"/>
-              </a:rPr>
-              <a:t> </a:t>
-            </a:r>
-            <a:r>
-              <a:rPr sz="900" i="1" spc="-55" dirty="0">
-                <a:solidFill>
-                  <a:srgbClr val="7F7F7F"/>
-                </a:solidFill>
-                <a:latin typeface="Trebuchet MS"/>
-                <a:cs typeface="Trebuchet MS"/>
-              </a:rPr>
-              <a:t>эффективность</a:t>
-            </a:r>
-            <a:r>
-              <a:rPr sz="900" i="1" spc="-5" dirty="0">
-                <a:solidFill>
-                  <a:srgbClr val="7F7F7F"/>
-                </a:solidFill>
-                <a:latin typeface="Trebuchet MS"/>
-                <a:cs typeface="Trebuchet MS"/>
-              </a:rPr>
-              <a:t> </a:t>
-            </a:r>
-            <a:r>
-              <a:rPr sz="900" i="1" spc="-50" dirty="0">
-                <a:solidFill>
-                  <a:srgbClr val="7F7F7F"/>
-                </a:solidFill>
-                <a:latin typeface="Trebuchet MS"/>
-                <a:cs typeface="Trebuchet MS"/>
-              </a:rPr>
-              <a:t>численного</a:t>
-            </a:r>
-            <a:r>
-              <a:rPr sz="900" i="1" spc="-5" dirty="0">
-                <a:solidFill>
-                  <a:srgbClr val="7F7F7F"/>
-                </a:solidFill>
-                <a:latin typeface="Trebuchet MS"/>
-                <a:cs typeface="Trebuchet MS"/>
-              </a:rPr>
-              <a:t> </a:t>
-            </a:r>
-            <a:r>
-              <a:rPr sz="900" i="1" spc="-75" dirty="0">
-                <a:solidFill>
-                  <a:srgbClr val="7F7F7F"/>
-                </a:solidFill>
-                <a:latin typeface="Trebuchet MS"/>
-                <a:cs typeface="Trebuchet MS"/>
-              </a:rPr>
-              <a:t>метода</a:t>
-            </a:r>
-            <a:r>
-              <a:rPr sz="900" i="1" dirty="0">
-                <a:solidFill>
-                  <a:srgbClr val="7F7F7F"/>
-                </a:solidFill>
-                <a:latin typeface="Trebuchet MS"/>
-                <a:cs typeface="Trebuchet MS"/>
-              </a:rPr>
-              <a:t> </a:t>
-            </a:r>
-            <a:r>
-              <a:rPr sz="900" i="1" spc="-30" dirty="0">
-                <a:solidFill>
-                  <a:srgbClr val="7F7F7F"/>
-                </a:solidFill>
-                <a:latin typeface="Trebuchet MS"/>
-                <a:cs typeface="Trebuchet MS"/>
-              </a:rPr>
-              <a:t>решения </a:t>
-            </a:r>
-            <a:r>
-              <a:rPr sz="900" i="1" spc="-50" dirty="0">
-                <a:solidFill>
-                  <a:srgbClr val="7F7F7F"/>
-                </a:solidFill>
-                <a:latin typeface="Trebuchet MS"/>
-                <a:cs typeface="Trebuchet MS"/>
-              </a:rPr>
-              <a:t>задачи</a:t>
-            </a:r>
-            <a:r>
-              <a:rPr sz="900" i="1" spc="-5" dirty="0">
-                <a:solidFill>
-                  <a:srgbClr val="7F7F7F"/>
-                </a:solidFill>
-                <a:latin typeface="Trebuchet MS"/>
-                <a:cs typeface="Trebuchet MS"/>
-              </a:rPr>
-              <a:t> </a:t>
-            </a:r>
-            <a:r>
-              <a:rPr sz="900" i="1" spc="-140" dirty="0">
-                <a:solidFill>
-                  <a:srgbClr val="7F7F7F"/>
-                </a:solidFill>
-                <a:latin typeface="Trebuchet MS"/>
-                <a:cs typeface="Trebuchet MS"/>
-              </a:rPr>
-              <a:t>...».</a:t>
-            </a:r>
-            <a:r>
-              <a:rPr sz="900" i="1" spc="-5" dirty="0">
-                <a:solidFill>
-                  <a:srgbClr val="7F7F7F"/>
-                </a:solidFill>
-                <a:latin typeface="Trebuchet MS"/>
-                <a:cs typeface="Trebuchet MS"/>
-              </a:rPr>
-              <a:t> </a:t>
-            </a:r>
-            <a:r>
-              <a:rPr sz="900" i="1" spc="-55" dirty="0">
-                <a:solidFill>
-                  <a:srgbClr val="7F7F7F"/>
-                </a:solidFill>
-                <a:latin typeface="Trebuchet MS"/>
-                <a:cs typeface="Trebuchet MS"/>
-              </a:rPr>
-              <a:t>«Разработать</a:t>
-            </a:r>
-            <a:r>
-              <a:rPr sz="900" i="1" spc="-5" dirty="0">
-                <a:solidFill>
-                  <a:srgbClr val="7F7F7F"/>
-                </a:solidFill>
-                <a:latin typeface="Trebuchet MS"/>
-                <a:cs typeface="Trebuchet MS"/>
-              </a:rPr>
-              <a:t> </a:t>
-            </a:r>
-            <a:r>
-              <a:rPr sz="900" i="1" spc="-55" dirty="0">
-                <a:solidFill>
-                  <a:srgbClr val="7F7F7F"/>
-                </a:solidFill>
-                <a:latin typeface="Trebuchet MS"/>
-                <a:cs typeface="Trebuchet MS"/>
-              </a:rPr>
-              <a:t>web-</a:t>
-            </a:r>
-            <a:r>
-              <a:rPr sz="900" i="1" spc="-60" dirty="0">
-                <a:solidFill>
-                  <a:srgbClr val="7F7F7F"/>
-                </a:solidFill>
-                <a:latin typeface="Trebuchet MS"/>
-                <a:cs typeface="Trebuchet MS"/>
-              </a:rPr>
-              <a:t>приложение</a:t>
-            </a:r>
-            <a:r>
-              <a:rPr sz="900" i="1" spc="-5" dirty="0">
-                <a:solidFill>
-                  <a:srgbClr val="7F7F7F"/>
-                </a:solidFill>
-                <a:latin typeface="Trebuchet MS"/>
-                <a:cs typeface="Trebuchet MS"/>
-              </a:rPr>
-              <a:t> </a:t>
-            </a:r>
-            <a:r>
-              <a:rPr sz="900" i="1" spc="-65" dirty="0">
-                <a:solidFill>
-                  <a:srgbClr val="7F7F7F"/>
-                </a:solidFill>
-                <a:latin typeface="Trebuchet MS"/>
-                <a:cs typeface="Trebuchet MS"/>
-              </a:rPr>
-              <a:t>для</a:t>
-            </a:r>
-            <a:r>
-              <a:rPr sz="900" i="1" spc="-5" dirty="0">
-                <a:solidFill>
-                  <a:srgbClr val="7F7F7F"/>
-                </a:solidFill>
-                <a:latin typeface="Trebuchet MS"/>
-                <a:cs typeface="Trebuchet MS"/>
-              </a:rPr>
-              <a:t> </a:t>
-            </a:r>
-            <a:r>
-              <a:rPr sz="900" i="1" spc="-10" dirty="0">
-                <a:solidFill>
-                  <a:srgbClr val="7F7F7F"/>
-                </a:solidFill>
-                <a:latin typeface="Trebuchet MS"/>
-                <a:cs typeface="Trebuchet MS"/>
-              </a:rPr>
-              <a:t>...».</a:t>
+              <a:rPr lang="ru-RU" sz="900" dirty="0"/>
+              <a:t>Разработать распределённую систему для автоматизированного запуска, мониторинга и управления выделенными серверами</a:t>
+            </a:r>
+            <a:r>
+              <a:rPr lang="en-US" sz="900" dirty="0"/>
+              <a:t> Unreal Engine 4</a:t>
             </a:r>
             <a:endParaRPr sz="900" dirty="0">
-              <a:latin typeface="Trebuchet MS"/>
-              <a:cs typeface="Trebuchet MS"/>
-            </a:endParaRPr>
-          </a:p>
-          <a:p>
-            <a:pPr>
-              <a:lnSpc>
-                <a:spcPct val="100000"/>
-              </a:lnSpc>
-              <a:spcBef>
-                <a:spcPts val="140"/>
-              </a:spcBef>
-            </a:pPr>
-            <a:endParaRPr sz="900" dirty="0">
-              <a:latin typeface="Trebuchet MS"/>
-              <a:cs typeface="Trebuchet MS"/>
-            </a:endParaRPr>
-          </a:p>
-          <a:p>
-            <a:pPr marL="12700">
-              <a:lnSpc>
-                <a:spcPct val="100000"/>
-              </a:lnSpc>
-            </a:pPr>
-            <a:r>
-              <a:rPr sz="1000" spc="-55" dirty="0">
-                <a:solidFill>
-                  <a:srgbClr val="3333B2"/>
-                </a:solidFill>
-                <a:latin typeface="Trebuchet MS"/>
-                <a:cs typeface="Trebuchet MS"/>
-              </a:rPr>
-              <a:t>Задачи</a:t>
-            </a:r>
-            <a:r>
-              <a:rPr sz="1000" spc="-15" dirty="0">
-                <a:solidFill>
-                  <a:srgbClr val="3333B2"/>
-                </a:solidFill>
-                <a:latin typeface="Trebuchet MS"/>
-                <a:cs typeface="Trebuchet MS"/>
-              </a:rPr>
-              <a:t> </a:t>
-            </a:r>
-            <a:r>
-              <a:rPr sz="1000" spc="-60" dirty="0">
-                <a:solidFill>
-                  <a:srgbClr val="3333B2"/>
-                </a:solidFill>
-                <a:latin typeface="Trebuchet MS"/>
-                <a:cs typeface="Trebuchet MS"/>
-              </a:rPr>
-              <a:t>исследования</a:t>
-            </a:r>
-            <a:r>
-              <a:rPr sz="1000" spc="-10" dirty="0">
-                <a:solidFill>
-                  <a:srgbClr val="3333B2"/>
-                </a:solidFill>
-                <a:latin typeface="Trebuchet MS"/>
-                <a:cs typeface="Trebuchet MS"/>
-              </a:rPr>
-              <a:t> </a:t>
-            </a:r>
-            <a:r>
-              <a:rPr sz="1000" spc="-60" dirty="0">
-                <a:solidFill>
-                  <a:srgbClr val="3333B2"/>
-                </a:solidFill>
-                <a:latin typeface="Trebuchet MS"/>
-                <a:cs typeface="Trebuchet MS"/>
-              </a:rPr>
-              <a:t>(примеры</a:t>
-            </a:r>
-            <a:r>
-              <a:rPr sz="1000" spc="-15" dirty="0">
-                <a:solidFill>
-                  <a:srgbClr val="3333B2"/>
-                </a:solidFill>
-                <a:latin typeface="Trebuchet MS"/>
-                <a:cs typeface="Trebuchet MS"/>
-              </a:rPr>
-              <a:t> </a:t>
-            </a:r>
-            <a:r>
-              <a:rPr sz="1000" spc="-10" dirty="0">
-                <a:solidFill>
-                  <a:srgbClr val="3333B2"/>
-                </a:solidFill>
-                <a:latin typeface="Trebuchet MS"/>
-                <a:cs typeface="Trebuchet MS"/>
-              </a:rPr>
-              <a:t>формулировок)</a:t>
-            </a:r>
-            <a:endParaRPr sz="1000" dirty="0">
               <a:latin typeface="Trebuchet MS"/>
               <a:cs typeface="Trebuchet MS"/>
             </a:endParaRPr>
@@ -10320,7 +8890,7 @@
           <p:nvPr/>
         </p:nvPicPr>
         <p:blipFill>
-          <a:blip r:embed="rId2" cstate="print"/>
+          <a:blip r:embed="rId3" cstate="print"/>
           <a:stretch>
             <a:fillRect/>
           </a:stretch>
@@ -10343,8 +8913,8 @@
         </p:nvSpPr>
         <p:spPr>
           <a:xfrm>
-            <a:off x="301917" y="2209041"/>
-            <a:ext cx="4920615" cy="694055"/>
+            <a:off x="165085" y="1518389"/>
+            <a:ext cx="4920615" cy="1655580"/>
           </a:xfrm>
           <a:prstGeom prst="rect">
             <a:avLst/>
@@ -10355,6 +8925,36 @@
             <a:spAutoFit/>
           </a:bodyPr>
           <a:lstStyle/>
+          <a:p>
+            <a:pPr marL="19685">
+              <a:spcBef>
+                <a:spcPts val="409"/>
+              </a:spcBef>
+              <a:buClr>
+                <a:srgbClr val="3333B2"/>
+              </a:buClr>
+              <a:tabLst>
+                <a:tab pos="141605" algn="l"/>
+              </a:tabLst>
+            </a:pPr>
+            <a:r>
+              <a:rPr lang="ru-RU" sz="900" spc="-55" dirty="0">
+                <a:solidFill>
+                  <a:srgbClr val="3333B2"/>
+                </a:solidFill>
+                <a:latin typeface="Trebuchet MS"/>
+                <a:cs typeface="Trebuchet MS"/>
+              </a:rPr>
+              <a:t>Поставленные задачи</a:t>
+            </a:r>
+            <a:endParaRPr lang="ru-RU" sz="900" i="1" spc="-55" dirty="0">
+              <a:solidFill>
+                <a:srgbClr val="7F7F7F"/>
+              </a:solidFill>
+              <a:latin typeface="Trebuchet MS"/>
+              <a:cs typeface="Trebuchet MS"/>
+            </a:endParaRPr>
+          </a:p>
           <a:p>
             <a:pPr marL="141605" indent="-121920">
               <a:lnSpc>
@@ -10373,196 +8973,75 @@
               </a:tabLst>
             </a:pPr>
             <a:r>
-              <a:rPr sz="900" i="1" spc="-55" dirty="0">
-                <a:solidFill>
-                  <a:srgbClr val="7F7F7F"/>
-                </a:solidFill>
-                <a:latin typeface="Trebuchet MS"/>
-                <a:cs typeface="Trebuchet MS"/>
-              </a:rPr>
-              <a:t>Провести</a:t>
-            </a:r>
-            <a:r>
-              <a:rPr sz="900" i="1" spc="-15" dirty="0">
-                <a:solidFill>
-                  <a:srgbClr val="7F7F7F"/>
-                </a:solidFill>
-                <a:latin typeface="Trebuchet MS"/>
-                <a:cs typeface="Trebuchet MS"/>
-              </a:rPr>
-              <a:t> </a:t>
-            </a:r>
-            <a:r>
-              <a:rPr sz="900" i="1" spc="-60" dirty="0">
-                <a:solidFill>
-                  <a:srgbClr val="7F7F7F"/>
-                </a:solidFill>
-                <a:latin typeface="Trebuchet MS"/>
-                <a:cs typeface="Trebuchet MS"/>
-              </a:rPr>
-              <a:t>аналитический</a:t>
-            </a:r>
-            <a:r>
-              <a:rPr sz="900" i="1" spc="-15" dirty="0">
-                <a:solidFill>
-                  <a:srgbClr val="7F7F7F"/>
-                </a:solidFill>
-                <a:latin typeface="Trebuchet MS"/>
-                <a:cs typeface="Trebuchet MS"/>
-              </a:rPr>
-              <a:t> </a:t>
-            </a:r>
-            <a:r>
-              <a:rPr sz="900" i="1" spc="-50" dirty="0">
-                <a:solidFill>
-                  <a:srgbClr val="7F7F7F"/>
-                </a:solidFill>
-                <a:latin typeface="Trebuchet MS"/>
-                <a:cs typeface="Trebuchet MS"/>
-              </a:rPr>
-              <a:t>обзор</a:t>
-            </a:r>
-            <a:r>
-              <a:rPr sz="900" i="1" spc="-15" dirty="0">
-                <a:solidFill>
-                  <a:srgbClr val="7F7F7F"/>
-                </a:solidFill>
-                <a:latin typeface="Trebuchet MS"/>
-                <a:cs typeface="Trebuchet MS"/>
-              </a:rPr>
-              <a:t> </a:t>
-            </a:r>
-            <a:r>
-              <a:rPr sz="900" i="1" spc="-65" dirty="0">
-                <a:solidFill>
-                  <a:srgbClr val="7F7F7F"/>
-                </a:solidFill>
-                <a:latin typeface="Trebuchet MS"/>
-                <a:cs typeface="Trebuchet MS"/>
-              </a:rPr>
-              <a:t>литературы</a:t>
-            </a:r>
-            <a:r>
-              <a:rPr sz="900" i="1" spc="-10" dirty="0">
-                <a:solidFill>
-                  <a:srgbClr val="7F7F7F"/>
-                </a:solidFill>
-                <a:latin typeface="Trebuchet MS"/>
-                <a:cs typeface="Trebuchet MS"/>
-              </a:rPr>
-              <a:t> </a:t>
-            </a:r>
-            <a:r>
-              <a:rPr sz="900" i="1" spc="-35" dirty="0">
-                <a:solidFill>
-                  <a:srgbClr val="7F7F7F"/>
-                </a:solidFill>
-                <a:latin typeface="Trebuchet MS"/>
-                <a:cs typeface="Trebuchet MS"/>
-              </a:rPr>
-              <a:t>на</a:t>
-            </a:r>
-            <a:r>
-              <a:rPr sz="900" i="1" spc="-15" dirty="0">
-                <a:solidFill>
-                  <a:srgbClr val="7F7F7F"/>
-                </a:solidFill>
-                <a:latin typeface="Trebuchet MS"/>
-                <a:cs typeface="Trebuchet MS"/>
-              </a:rPr>
-              <a:t> </a:t>
-            </a:r>
-            <a:r>
-              <a:rPr sz="900" i="1" spc="-90" dirty="0">
-                <a:solidFill>
-                  <a:srgbClr val="7F7F7F"/>
-                </a:solidFill>
-                <a:latin typeface="Trebuchet MS"/>
-                <a:cs typeface="Trebuchet MS"/>
-              </a:rPr>
-              <a:t>тему</a:t>
-            </a:r>
-            <a:r>
-              <a:rPr sz="900" i="1" spc="-15" dirty="0">
-                <a:solidFill>
-                  <a:srgbClr val="7F7F7F"/>
-                </a:solidFill>
-                <a:latin typeface="Trebuchet MS"/>
-                <a:cs typeface="Trebuchet MS"/>
-              </a:rPr>
-              <a:t> </a:t>
-            </a:r>
-            <a:r>
-              <a:rPr sz="900" i="1" spc="-70" dirty="0">
-                <a:solidFill>
-                  <a:srgbClr val="7F7F7F"/>
-                </a:solidFill>
-                <a:latin typeface="Trebuchet MS"/>
-                <a:cs typeface="Trebuchet MS"/>
-              </a:rPr>
-              <a:t>методов</a:t>
-            </a:r>
-            <a:r>
-              <a:rPr sz="900" i="1" spc="-15" dirty="0">
-                <a:solidFill>
-                  <a:srgbClr val="7F7F7F"/>
-                </a:solidFill>
-                <a:latin typeface="Trebuchet MS"/>
-                <a:cs typeface="Trebuchet MS"/>
-              </a:rPr>
-              <a:t> </a:t>
-            </a:r>
-            <a:r>
-              <a:rPr sz="900" i="1" spc="-50" dirty="0">
-                <a:solidFill>
-                  <a:srgbClr val="7F7F7F"/>
-                </a:solidFill>
-                <a:latin typeface="Trebuchet MS"/>
-                <a:cs typeface="Trebuchet MS"/>
-              </a:rPr>
-              <a:t>&lt;анализа</a:t>
-            </a:r>
-            <a:r>
-              <a:rPr sz="900" i="1" spc="-10" dirty="0">
-                <a:solidFill>
-                  <a:srgbClr val="7F7F7F"/>
-                </a:solidFill>
-                <a:latin typeface="Trebuchet MS"/>
-                <a:cs typeface="Trebuchet MS"/>
-              </a:rPr>
-              <a:t> </a:t>
-            </a:r>
-            <a:r>
-              <a:rPr sz="900" i="1" spc="-55" dirty="0">
-                <a:solidFill>
-                  <a:srgbClr val="7F7F7F"/>
-                </a:solidFill>
-                <a:latin typeface="Trebuchet MS"/>
-                <a:cs typeface="Trebuchet MS"/>
-              </a:rPr>
-              <a:t>численности</a:t>
-            </a:r>
-            <a:r>
-              <a:rPr sz="900" i="1" spc="-15" dirty="0">
-                <a:solidFill>
-                  <a:srgbClr val="7F7F7F"/>
-                </a:solidFill>
-                <a:latin typeface="Trebuchet MS"/>
-                <a:cs typeface="Trebuchet MS"/>
-              </a:rPr>
-              <a:t> </a:t>
-            </a:r>
-            <a:r>
-              <a:rPr sz="900" i="1" spc="-10" dirty="0">
-                <a:solidFill>
-                  <a:srgbClr val="7F7F7F"/>
-                </a:solidFill>
-                <a:latin typeface="Trebuchet MS"/>
-                <a:cs typeface="Trebuchet MS"/>
-              </a:rPr>
-              <a:t>Земли&gt;.</a:t>
-            </a:r>
-            <a:endParaRPr sz="900">
+              <a:rPr lang="ru-RU" sz="900" dirty="0">
+                <a:solidFill>
+                  <a:schemeClr val="tx1">
+                    <a:lumMod val="65000"/>
+                    <a:lumOff val="35000"/>
+                  </a:schemeClr>
+                </a:solidFill>
+              </a:rPr>
+              <a:t>Проанализировать существующие подходы и решения в области распределённых серверов, выявить их преимущества и недостатки.</a:t>
+            </a:r>
+            <a:endParaRPr lang="en-US" sz="900" dirty="0">
+              <a:solidFill>
+                <a:schemeClr val="tx1">
+                  <a:lumMod val="65000"/>
+                  <a:lumOff val="35000"/>
+                </a:schemeClr>
+              </a:solidFill>
+            </a:endParaRPr>
+          </a:p>
+          <a:p>
+            <a:pPr marL="141605" indent="-121920">
+              <a:lnSpc>
+                <a:spcPct val="100000"/>
+              </a:lnSpc>
+              <a:spcBef>
+                <a:spcPts val="409"/>
+              </a:spcBef>
+              <a:buClr>
+                <a:srgbClr val="3333B2"/>
+              </a:buClr>
+              <a:buFont typeface="Trebuchet MS"/>
+              <a:buAutoNum type="arabicPeriod"/>
+              <a:tabLst>
+                <a:tab pos="141605" algn="l"/>
+              </a:tabLst>
+            </a:pPr>
+            <a:r>
+              <a:rPr lang="ru-RU" sz="900" spc="-60" dirty="0">
+                <a:solidFill>
+                  <a:schemeClr val="tx1">
+                    <a:lumMod val="65000"/>
+                    <a:lumOff val="35000"/>
+                  </a:schemeClr>
+                </a:solidFill>
+                <a:latin typeface="Trebuchet MS"/>
+                <a:cs typeface="Trebuchet MS"/>
+              </a:rPr>
+              <a:t>Разработать архитектуру распределённого приложения</a:t>
+            </a:r>
+            <a:r>
+              <a:rPr lang="en-US" sz="900" spc="-60" dirty="0">
+                <a:solidFill>
+                  <a:schemeClr val="tx1">
+                    <a:lumMod val="65000"/>
+                    <a:lumOff val="35000"/>
+                  </a:schemeClr>
+                </a:solidFill>
+                <a:latin typeface="Trebuchet MS"/>
+                <a:cs typeface="Trebuchet MS"/>
+              </a:rPr>
+              <a:t>;</a:t>
+            </a:r>
+            <a:endParaRPr lang="ru-RU" sz="900" spc="-60" dirty="0">
+              <a:solidFill>
+                <a:schemeClr val="tx1">
+                  <a:lumMod val="65000"/>
+                  <a:lumOff val="35000"/>
+                </a:schemeClr>
+              </a:solidFill>
               <a:latin typeface="Trebuchet MS"/>
               <a:cs typeface="Trebuchet MS"/>
             </a:endParaRPr>
@@ -10585,167 +9064,39 @@
               </a:tabLst>
             </a:pPr>
             <a:r>
-              <a:rPr sz="900" i="1" spc="-60" dirty="0">
-                <a:solidFill>
-                  <a:srgbClr val="7F7F7F"/>
-                </a:solidFill>
-                <a:latin typeface="Trebuchet MS"/>
-                <a:cs typeface="Trebuchet MS"/>
-              </a:rPr>
-              <a:t>Представить</a:t>
-            </a:r>
-            <a:r>
-              <a:rPr sz="900" i="1" dirty="0">
-                <a:solidFill>
-                  <a:srgbClr val="7F7F7F"/>
-                </a:solidFill>
-                <a:latin typeface="Trebuchet MS"/>
-                <a:cs typeface="Trebuchet MS"/>
-              </a:rPr>
-              <a:t> </a:t>
-            </a:r>
-            <a:r>
-              <a:rPr sz="900" i="1" spc="-70" dirty="0">
-                <a:solidFill>
-                  <a:srgbClr val="7F7F7F"/>
-                </a:solidFill>
-                <a:latin typeface="Trebuchet MS"/>
-                <a:cs typeface="Trebuchet MS"/>
-              </a:rPr>
-              <a:t>математическую</a:t>
-            </a:r>
-            <a:r>
-              <a:rPr sz="900" i="1" dirty="0">
-                <a:solidFill>
-                  <a:srgbClr val="7F7F7F"/>
-                </a:solidFill>
-                <a:latin typeface="Trebuchet MS"/>
-                <a:cs typeface="Trebuchet MS"/>
-              </a:rPr>
-              <a:t> </a:t>
-            </a:r>
-            <a:r>
-              <a:rPr sz="900" i="1" spc="-65" dirty="0">
-                <a:solidFill>
-                  <a:srgbClr val="7F7F7F"/>
-                </a:solidFill>
-                <a:latin typeface="Trebuchet MS"/>
-                <a:cs typeface="Trebuchet MS"/>
-              </a:rPr>
-              <a:t>формулировку</a:t>
-            </a:r>
-            <a:r>
-              <a:rPr sz="900" i="1" dirty="0">
-                <a:solidFill>
-                  <a:srgbClr val="7F7F7F"/>
-                </a:solidFill>
-                <a:latin typeface="Trebuchet MS"/>
-                <a:cs typeface="Trebuchet MS"/>
-              </a:rPr>
-              <a:t> </a:t>
-            </a:r>
-            <a:r>
-              <a:rPr sz="900" i="1" spc="-50" dirty="0">
-                <a:solidFill>
-                  <a:srgbClr val="7F7F7F"/>
-                </a:solidFill>
-                <a:latin typeface="Trebuchet MS"/>
-                <a:cs typeface="Trebuchet MS"/>
-              </a:rPr>
-              <a:t>задачи</a:t>
-            </a:r>
-            <a:r>
-              <a:rPr sz="900" i="1" spc="5" dirty="0">
-                <a:solidFill>
-                  <a:srgbClr val="7F7F7F"/>
-                </a:solidFill>
-                <a:latin typeface="Trebuchet MS"/>
-                <a:cs typeface="Trebuchet MS"/>
-              </a:rPr>
-              <a:t> </a:t>
-            </a:r>
-            <a:r>
-              <a:rPr sz="900" i="1" spc="-50" dirty="0">
-                <a:solidFill>
-                  <a:srgbClr val="7F7F7F"/>
-                </a:solidFill>
-                <a:latin typeface="Trebuchet MS"/>
-                <a:cs typeface="Trebuchet MS"/>
-              </a:rPr>
-              <a:t>&lt;анализа</a:t>
-            </a:r>
-            <a:r>
-              <a:rPr sz="900" i="1" dirty="0">
-                <a:solidFill>
-                  <a:srgbClr val="7F7F7F"/>
-                </a:solidFill>
-                <a:latin typeface="Trebuchet MS"/>
-                <a:cs typeface="Trebuchet MS"/>
-              </a:rPr>
-              <a:t> </a:t>
-            </a:r>
-            <a:r>
-              <a:rPr sz="900" i="1" spc="-55" dirty="0">
-                <a:solidFill>
-                  <a:srgbClr val="7F7F7F"/>
-                </a:solidFill>
-                <a:latin typeface="Trebuchet MS"/>
-                <a:cs typeface="Trebuchet MS"/>
-              </a:rPr>
-              <a:t>численности</a:t>
-            </a:r>
-            <a:r>
-              <a:rPr sz="900" i="1" dirty="0">
-                <a:solidFill>
-                  <a:srgbClr val="7F7F7F"/>
-                </a:solidFill>
-                <a:latin typeface="Trebuchet MS"/>
-                <a:cs typeface="Trebuchet MS"/>
-              </a:rPr>
-              <a:t> </a:t>
-            </a:r>
-            <a:r>
-              <a:rPr sz="900" i="1" spc="-55" dirty="0">
-                <a:solidFill>
-                  <a:srgbClr val="7F7F7F"/>
-                </a:solidFill>
-                <a:latin typeface="Trebuchet MS"/>
-                <a:cs typeface="Trebuchet MS"/>
-              </a:rPr>
-              <a:t>населения</a:t>
-            </a:r>
-            <a:r>
-              <a:rPr sz="900" i="1" dirty="0">
-                <a:solidFill>
-                  <a:srgbClr val="7F7F7F"/>
-                </a:solidFill>
-                <a:latin typeface="Trebuchet MS"/>
-                <a:cs typeface="Trebuchet MS"/>
-              </a:rPr>
-              <a:t> </a:t>
-            </a:r>
-            <a:r>
-              <a:rPr sz="900" i="1" spc="-45" dirty="0">
-                <a:solidFill>
-                  <a:srgbClr val="7F7F7F"/>
-                </a:solidFill>
-                <a:latin typeface="Trebuchet MS"/>
-                <a:cs typeface="Trebuchet MS"/>
-              </a:rPr>
-              <a:t>Земли&gt;.</a:t>
-            </a:r>
-            <a:endParaRPr sz="900">
-              <a:latin typeface="Trebuchet MS"/>
-              <a:cs typeface="Trebuchet MS"/>
-            </a:endParaRPr>
-          </a:p>
-          <a:p>
-            <a:pPr marL="141605" marR="94615" indent="-129539">
+              <a:rPr lang="ru-RU" sz="900" dirty="0">
+                <a:solidFill>
+                  <a:schemeClr val="tx1">
+                    <a:lumMod val="65000"/>
+                    <a:lumOff val="35000"/>
+                  </a:schemeClr>
+                </a:solidFill>
+                <a:latin typeface="Trebuchet MS"/>
+                <a:cs typeface="Trebuchet MS"/>
+              </a:rPr>
+              <a:t>Реализовать механизм коммуникации между компонентами системы, обеспечивающий минимальную задержку и накладные расходы</a:t>
+            </a:r>
+            <a:r>
+              <a:rPr lang="en-US" sz="900" dirty="0">
+                <a:solidFill>
+                  <a:schemeClr val="tx1">
+                    <a:lumMod val="65000"/>
+                    <a:lumOff val="35000"/>
+                  </a:schemeClr>
+                </a:solidFill>
+                <a:latin typeface="Trebuchet MS"/>
+                <a:cs typeface="Trebuchet MS"/>
+              </a:rPr>
+              <a:t>;</a:t>
+            </a:r>
+          </a:p>
+          <a:p>
+            <a:pPr marL="142240" indent="-128270">
               <a:lnSpc>
-                <a:spcPct val="101000"/>
+                <a:spcPct val="100000"/>
               </a:lnSpc>
               <a:spcBef>
-                <a:spcPts val="300"/>
+                <a:spcPts val="310"/>
               </a:spcBef>
               <a:buClr>
                 <a:srgbClr val="3333B2"/>
@@ -10753,170 +9104,68 @@
               <a:buFont typeface="Trebuchet MS"/>
               <a:buAutoNum type="arabicPeriod"/>
               <a:tabLst>
-                <a:tab pos="141605" algn="l"/>
+                <a:tab pos="142240" algn="l"/>
               </a:tabLst>
             </a:pPr>
             <a:r>
-              <a:rPr sz="900" i="1" spc="-55" dirty="0">
-                <a:solidFill>
-                  <a:srgbClr val="7F7F7F"/>
-                </a:solidFill>
-                <a:latin typeface="Trebuchet MS"/>
-                <a:cs typeface="Trebuchet MS"/>
-              </a:rPr>
-              <a:t>Разработать</a:t>
-            </a:r>
-            <a:r>
-              <a:rPr sz="900" i="1" spc="-5" dirty="0">
-                <a:solidFill>
-                  <a:srgbClr val="7F7F7F"/>
-                </a:solidFill>
-                <a:latin typeface="Trebuchet MS"/>
-                <a:cs typeface="Trebuchet MS"/>
-              </a:rPr>
-              <a:t> </a:t>
-            </a:r>
-            <a:r>
-              <a:rPr sz="900" i="1" spc="-65" dirty="0">
-                <a:solidFill>
-                  <a:srgbClr val="7F7F7F"/>
-                </a:solidFill>
-                <a:latin typeface="Trebuchet MS"/>
-                <a:cs typeface="Trebuchet MS"/>
-              </a:rPr>
-              <a:t>программную</a:t>
-            </a:r>
-            <a:r>
-              <a:rPr sz="900" i="1" dirty="0">
-                <a:solidFill>
-                  <a:srgbClr val="7F7F7F"/>
-                </a:solidFill>
-                <a:latin typeface="Trebuchet MS"/>
-                <a:cs typeface="Trebuchet MS"/>
-              </a:rPr>
-              <a:t> </a:t>
-            </a:r>
-            <a:r>
-              <a:rPr sz="900" i="1" spc="-50" dirty="0">
-                <a:solidFill>
-                  <a:srgbClr val="7F7F7F"/>
-                </a:solidFill>
-                <a:latin typeface="Trebuchet MS"/>
-                <a:cs typeface="Trebuchet MS"/>
-              </a:rPr>
-              <a:t>реализацию</a:t>
-            </a:r>
-            <a:r>
-              <a:rPr sz="900" i="1" dirty="0">
-                <a:solidFill>
-                  <a:srgbClr val="7F7F7F"/>
-                </a:solidFill>
-                <a:latin typeface="Trebuchet MS"/>
-                <a:cs typeface="Trebuchet MS"/>
-              </a:rPr>
-              <a:t> </a:t>
-            </a:r>
-            <a:r>
-              <a:rPr sz="900" i="1" spc="-50" dirty="0">
-                <a:solidFill>
-                  <a:srgbClr val="7F7F7F"/>
-                </a:solidFill>
-                <a:latin typeface="Trebuchet MS"/>
-                <a:cs typeface="Trebuchet MS"/>
-              </a:rPr>
-              <a:t>численного</a:t>
-            </a:r>
-            <a:r>
-              <a:rPr sz="900" i="1" spc="-5" dirty="0">
-                <a:solidFill>
-                  <a:srgbClr val="7F7F7F"/>
-                </a:solidFill>
-                <a:latin typeface="Trebuchet MS"/>
-                <a:cs typeface="Trebuchet MS"/>
-              </a:rPr>
-              <a:t> </a:t>
-            </a:r>
-            <a:r>
-              <a:rPr sz="900" i="1" spc="-75" dirty="0">
-                <a:solidFill>
-                  <a:srgbClr val="7F7F7F"/>
-                </a:solidFill>
-                <a:latin typeface="Trebuchet MS"/>
-                <a:cs typeface="Trebuchet MS"/>
-              </a:rPr>
-              <a:t>метода</a:t>
-            </a:r>
-            <a:r>
-              <a:rPr sz="900" i="1" dirty="0">
-                <a:solidFill>
-                  <a:srgbClr val="7F7F7F"/>
-                </a:solidFill>
-                <a:latin typeface="Trebuchet MS"/>
-                <a:cs typeface="Trebuchet MS"/>
-              </a:rPr>
-              <a:t> </a:t>
-            </a:r>
-            <a:r>
-              <a:rPr sz="900" i="1" spc="-50" dirty="0">
-                <a:solidFill>
-                  <a:srgbClr val="7F7F7F"/>
-                </a:solidFill>
-                <a:latin typeface="Trebuchet MS"/>
-                <a:cs typeface="Trebuchet MS"/>
-              </a:rPr>
-              <a:t>&lt;анализа</a:t>
-            </a:r>
-            <a:r>
-              <a:rPr sz="900" i="1" dirty="0">
-                <a:solidFill>
-                  <a:srgbClr val="7F7F7F"/>
-                </a:solidFill>
-                <a:latin typeface="Trebuchet MS"/>
-                <a:cs typeface="Trebuchet MS"/>
-              </a:rPr>
-              <a:t> </a:t>
-            </a:r>
-            <a:r>
-              <a:rPr sz="900" i="1" spc="-55" dirty="0">
-                <a:solidFill>
-                  <a:srgbClr val="7F7F7F"/>
-                </a:solidFill>
-                <a:latin typeface="Trebuchet MS"/>
-                <a:cs typeface="Trebuchet MS"/>
-              </a:rPr>
-              <a:t>численности</a:t>
-            </a:r>
-            <a:r>
-              <a:rPr sz="900" i="1" spc="-5" dirty="0">
-                <a:solidFill>
-                  <a:srgbClr val="7F7F7F"/>
-                </a:solidFill>
-                <a:latin typeface="Trebuchet MS"/>
-                <a:cs typeface="Trebuchet MS"/>
-              </a:rPr>
-              <a:t> </a:t>
-            </a:r>
-            <a:r>
-              <a:rPr sz="900" i="1" spc="-35" dirty="0">
-                <a:solidFill>
-                  <a:srgbClr val="7F7F7F"/>
-                </a:solidFill>
-                <a:latin typeface="Trebuchet MS"/>
-                <a:cs typeface="Trebuchet MS"/>
-              </a:rPr>
-              <a:t>населения </a:t>
-            </a:r>
-            <a:r>
-              <a:rPr sz="900" i="1" spc="-10" dirty="0">
-                <a:solidFill>
-                  <a:srgbClr val="7F7F7F"/>
-                </a:solidFill>
-                <a:latin typeface="Trebuchet MS"/>
-                <a:cs typeface="Trebuchet MS"/>
-              </a:rPr>
-              <a:t>Земли&gt;.</a:t>
-            </a:r>
-            <a:endParaRPr sz="900">
+              <a:rPr lang="ru-RU" sz="900" dirty="0">
+                <a:solidFill>
+                  <a:schemeClr val="tx1">
+                    <a:lumMod val="65000"/>
+                    <a:lumOff val="35000"/>
+                  </a:schemeClr>
+                </a:solidFill>
+              </a:rPr>
+              <a:t>Реализовать механизм мониторинга и управления запущенными серверами в реальном времени</a:t>
+            </a:r>
+            <a:r>
+              <a:rPr lang="en-US" sz="900" dirty="0">
+                <a:solidFill>
+                  <a:schemeClr val="tx1">
+                    <a:lumMod val="65000"/>
+                    <a:lumOff val="35000"/>
+                  </a:schemeClr>
+                </a:solidFill>
+                <a:latin typeface="Trebuchet MS"/>
+              </a:rPr>
+              <a:t>;</a:t>
+            </a:r>
+          </a:p>
+          <a:p>
+            <a:pPr marL="142240" indent="-128270">
+              <a:lnSpc>
+                <a:spcPct val="100000"/>
+              </a:lnSpc>
+              <a:spcBef>
+                <a:spcPts val="310"/>
+              </a:spcBef>
+              <a:buClr>
+                <a:srgbClr val="3333B2"/>
+              </a:buClr>
+              <a:buFont typeface="Trebuchet MS"/>
+              <a:buAutoNum type="arabicPeriod"/>
+              <a:tabLst>
+                <a:tab pos="142240" algn="l"/>
+              </a:tabLst>
+            </a:pPr>
+            <a:r>
+              <a:rPr lang="ru-RU" sz="900" dirty="0">
+                <a:solidFill>
+                  <a:schemeClr val="tx1">
+                    <a:lumMod val="65000"/>
+                    <a:lumOff val="35000"/>
+                  </a:schemeClr>
+                </a:solidFill>
+              </a:rPr>
+              <a:t>Провести тестирование и анализ производительности и отказоустойчивости разработанной системы.</a:t>
+            </a:r>
+            <a:endParaRPr lang="ru-RU" sz="900" dirty="0">
+              <a:solidFill>
+                <a:schemeClr val="tx1">
+                  <a:lumMod val="65000"/>
+                  <a:lumOff val="35000"/>
+                </a:schemeClr>
+              </a:solidFill>
               <a:latin typeface="Trebuchet MS"/>
               <a:cs typeface="Trebuchet MS"/>
             </a:endParaRPr>
@@ -11069,8 +9318,8 @@
         </p:nvSpPr>
         <p:spPr>
           <a:xfrm>
-            <a:off x="203301" y="154913"/>
-            <a:ext cx="1872614" cy="325755"/>
+            <a:off x="203300" y="154913"/>
+            <a:ext cx="2222399" cy="310534"/>
           </a:xfrm>
           <a:prstGeom prst="rect">
             <a:avLst/>
@@ -11091,16 +9340,12 @@
               </a:spcBef>
             </a:pPr>
             <a:r>
-              <a:rPr spc="-60" dirty="0"/>
-              <a:t>Постановка</a:t>
-            </a:r>
-            <a:r>
-              <a:rPr spc="-30" dirty="0"/>
-              <a:t> </a:t>
-            </a:r>
-            <a:r>
-              <a:rPr spc="-10" dirty="0"/>
-              <a:t>задачи</a:t>
+              <a:rPr spc="-80" dirty="0"/>
+              <a:t>Архитектура</a:t>
+            </a:r>
+            <a:r>
+              <a:rPr spc="-25" dirty="0"/>
+              <a:t> ПО</a:t>
             </a:r>
           </a:p>
           <a:p>
@@ -11110,26 +9355,10 @@
               </a:lnSpc>
             </a:pPr>
             <a:r>
-              <a:rPr sz="900" spc="-65" dirty="0"/>
-              <a:t>Математическая</a:t>
-            </a:r>
-            <a:r>
-              <a:rPr sz="900" spc="35" dirty="0"/>
-              <a:t> </a:t>
-            </a:r>
-            <a:r>
-              <a:rPr sz="900" spc="-50" dirty="0"/>
-              <a:t>постановка</a:t>
-            </a:r>
-            <a:r>
-              <a:rPr sz="900" spc="40" dirty="0"/>
-              <a:t> </a:t>
-            </a:r>
-            <a:r>
-              <a:rPr sz="900" spc="-25" dirty="0"/>
-              <a:t>задачи</a:t>
-            </a:r>
-            <a:endParaRPr sz="900"/>
+              <a:rPr lang="ru-RU" sz="900" spc="-10" dirty="0"/>
+              <a:t>Описание</a:t>
+            </a:r>
+            <a:endParaRPr sz="900" dirty="0"/>
           </a:p>
         </p:txBody>
       </p:sp>
@@ -11182,7 +9411,7 @@
           <p:nvPr/>
         </p:nvPicPr>
         <p:blipFill>
-          <a:blip r:embed="rId2" cstate="print"/>
+          <a:blip r:embed="rId3" cstate="print"/>
           <a:stretch>
             <a:fillRect/>
           </a:stretch>
@@ -11199,1202 +9428,148 @@
       </p:pic>
       <p:sp>
         <p:nvSpPr>
-          <p:cNvPr id="6" name="object 6"/>
-          <p:cNvSpPr txBox="1"/>
-          <p:nvPr/>
-        </p:nvSpPr>
-        <p:spPr>
-          <a:xfrm>
-            <a:off x="257073" y="998418"/>
-            <a:ext cx="4957445" cy="1422400"/>
-          </a:xfrm>
+          <p:cNvPr id="7" name="object 7"/>
+          <p:cNvSpPr txBox="1">
+            <a:spLocks noGrp="1"/>
+          </p:cNvSpPr>
+          <p:nvPr>
+            <p:ph type="sldNum" sz="quarter" idx="7"/>
+          </p:nvPr>
+        </p:nvSpPr>
+        <p:spPr>
           <a:prstGeom prst="rect">
             <a:avLst/>
           </a:prstGeom>
         </p:spPr>
         <p:txBody>
-          <a:bodyPr vert="horz" wrap="square" lIns="0" tIns="10795" rIns="0" bIns="0" rtlCol="0">
+          <a:bodyPr vert="horz" wrap="square" lIns="0" tIns="6985" rIns="0" bIns="0" rtlCol="0">
             <a:spAutoFit/>
           </a:bodyPr>
           <a:lstStyle/>
           <a:p>
-            <a:pPr marL="186055" marR="5080" indent="-115570">
-              <a:lnSpc>
-                <a:spcPct val="101000"/>
-              </a:lnSpc>
-              <a:spcBef>
-                <a:spcPts val="85"/>
-              </a:spcBef>
-              <a:buClr>
-                <a:srgbClr val="006CDC"/>
-              </a:buClr>
-              <a:buFont typeface="Cambria"/>
-              <a:buChar char="•"/>
-              <a:tabLst>
-                <a:tab pos="186055" algn="l"/>
-              </a:tabLst>
-            </a:pPr>
-            <a:r>
-              <a:rPr sz="900" i="1" spc="-65" dirty="0">
-                <a:solidFill>
-                  <a:srgbClr val="7F7F7F"/>
-                </a:solidFill>
-                <a:latin typeface="Trebuchet MS"/>
-                <a:cs typeface="Trebuchet MS"/>
-              </a:rPr>
-              <a:t>Математическая</a:t>
-            </a:r>
-            <a:r>
-              <a:rPr sz="900" i="1" dirty="0">
-                <a:solidFill>
-                  <a:srgbClr val="7F7F7F"/>
-                </a:solidFill>
-                <a:latin typeface="Trebuchet MS"/>
-                <a:cs typeface="Trebuchet MS"/>
-              </a:rPr>
-              <a:t> </a:t>
-            </a:r>
-            <a:r>
-              <a:rPr sz="900" i="1" spc="-50" dirty="0">
-                <a:solidFill>
-                  <a:srgbClr val="7F7F7F"/>
-                </a:solidFill>
-                <a:latin typeface="Trebuchet MS"/>
-                <a:cs typeface="Trebuchet MS"/>
-              </a:rPr>
-              <a:t>постановка</a:t>
-            </a:r>
-            <a:r>
-              <a:rPr sz="900" i="1" dirty="0">
-                <a:solidFill>
-                  <a:srgbClr val="7F7F7F"/>
-                </a:solidFill>
-                <a:latin typeface="Trebuchet MS"/>
-                <a:cs typeface="Trebuchet MS"/>
-              </a:rPr>
-              <a:t> </a:t>
-            </a:r>
-            <a:r>
-              <a:rPr sz="900" i="1" spc="-50" dirty="0">
-                <a:solidFill>
-                  <a:srgbClr val="7F7F7F"/>
-                </a:solidFill>
-                <a:latin typeface="Trebuchet MS"/>
-                <a:cs typeface="Trebuchet MS"/>
-              </a:rPr>
-              <a:t>задачи</a:t>
-            </a:r>
-            <a:r>
-              <a:rPr sz="900" i="1" dirty="0">
-                <a:solidFill>
-                  <a:srgbClr val="7F7F7F"/>
-                </a:solidFill>
-                <a:latin typeface="Trebuchet MS"/>
-                <a:cs typeface="Trebuchet MS"/>
-              </a:rPr>
-              <a:t> </a:t>
-            </a:r>
-            <a:r>
-              <a:rPr sz="900" i="1" spc="-50" dirty="0">
-                <a:solidFill>
-                  <a:srgbClr val="7F7F7F"/>
-                </a:solidFill>
-                <a:latin typeface="Trebuchet MS"/>
-                <a:cs typeface="Trebuchet MS"/>
-              </a:rPr>
-              <a:t>обязательна</a:t>
-            </a:r>
-            <a:r>
-              <a:rPr sz="900" i="1" dirty="0">
-                <a:solidFill>
-                  <a:srgbClr val="7F7F7F"/>
-                </a:solidFill>
-                <a:latin typeface="Trebuchet MS"/>
-                <a:cs typeface="Trebuchet MS"/>
-              </a:rPr>
-              <a:t> </a:t>
-            </a:r>
-            <a:r>
-              <a:rPr sz="900" i="1" spc="-65" dirty="0">
-                <a:solidFill>
-                  <a:srgbClr val="7F7F7F"/>
-                </a:solidFill>
-                <a:latin typeface="Trebuchet MS"/>
-                <a:cs typeface="Trebuchet MS"/>
-              </a:rPr>
-              <a:t>для</a:t>
-            </a:r>
-            <a:r>
-              <a:rPr sz="900" i="1" dirty="0">
-                <a:solidFill>
-                  <a:srgbClr val="7F7F7F"/>
-                </a:solidFill>
-                <a:latin typeface="Trebuchet MS"/>
-                <a:cs typeface="Trebuchet MS"/>
-              </a:rPr>
-              <a:t> </a:t>
-            </a:r>
-            <a:r>
-              <a:rPr sz="900" i="1" spc="-65" dirty="0">
-                <a:solidFill>
-                  <a:srgbClr val="7F7F7F"/>
-                </a:solidFill>
-                <a:latin typeface="Trebuchet MS"/>
-                <a:cs typeface="Trebuchet MS"/>
-              </a:rPr>
-              <a:t>проектов,</a:t>
-            </a:r>
-            <a:r>
-              <a:rPr sz="900" i="1" dirty="0">
-                <a:solidFill>
-                  <a:srgbClr val="7F7F7F"/>
-                </a:solidFill>
-                <a:latin typeface="Trebuchet MS"/>
-                <a:cs typeface="Trebuchet MS"/>
-              </a:rPr>
-              <a:t> </a:t>
-            </a:r>
-            <a:r>
-              <a:rPr sz="900" i="1" spc="-60" dirty="0">
-                <a:solidFill>
-                  <a:srgbClr val="7F7F7F"/>
-                </a:solidFill>
-                <a:latin typeface="Trebuchet MS"/>
-                <a:cs typeface="Trebuchet MS"/>
-              </a:rPr>
-              <a:t>предполагающих</a:t>
-            </a:r>
-            <a:r>
-              <a:rPr sz="900" i="1" dirty="0">
-                <a:solidFill>
-                  <a:srgbClr val="7F7F7F"/>
-                </a:solidFill>
-                <a:latin typeface="Trebuchet MS"/>
-                <a:cs typeface="Trebuchet MS"/>
-              </a:rPr>
-              <a:t> </a:t>
-            </a:r>
-            <a:r>
-              <a:rPr sz="900" i="1" spc="-35" dirty="0">
-                <a:solidFill>
-                  <a:srgbClr val="7F7F7F"/>
-                </a:solidFill>
-                <a:latin typeface="Trebuchet MS"/>
-                <a:cs typeface="Trebuchet MS"/>
-              </a:rPr>
-              <a:t>применение </a:t>
-            </a:r>
-            <a:r>
-              <a:rPr sz="900" i="1" spc="-70" dirty="0">
-                <a:solidFill>
-                  <a:srgbClr val="7F7F7F"/>
-                </a:solidFill>
-                <a:latin typeface="Trebuchet MS"/>
-                <a:cs typeface="Trebuchet MS"/>
-              </a:rPr>
-              <a:t>методов</a:t>
-            </a:r>
-            <a:r>
-              <a:rPr sz="900" i="1" spc="-15" dirty="0">
-                <a:solidFill>
-                  <a:srgbClr val="7F7F7F"/>
-                </a:solidFill>
-                <a:latin typeface="Trebuchet MS"/>
-                <a:cs typeface="Trebuchet MS"/>
-              </a:rPr>
-              <a:t> </a:t>
-            </a:r>
-            <a:r>
-              <a:rPr sz="900" i="1" spc="-65" dirty="0">
-                <a:solidFill>
-                  <a:srgbClr val="7F7F7F"/>
-                </a:solidFill>
-                <a:latin typeface="Trebuchet MS"/>
-                <a:cs typeface="Trebuchet MS"/>
-              </a:rPr>
-              <a:t>математического</a:t>
-            </a:r>
-            <a:r>
-              <a:rPr sz="900" i="1" spc="-10" dirty="0">
-                <a:solidFill>
-                  <a:srgbClr val="7F7F7F"/>
-                </a:solidFill>
-                <a:latin typeface="Trebuchet MS"/>
-                <a:cs typeface="Trebuchet MS"/>
-              </a:rPr>
-              <a:t> </a:t>
-            </a:r>
-            <a:r>
-              <a:rPr sz="900" i="1" spc="-60" dirty="0">
-                <a:solidFill>
-                  <a:srgbClr val="7F7F7F"/>
-                </a:solidFill>
-                <a:latin typeface="Trebuchet MS"/>
-                <a:cs typeface="Trebuchet MS"/>
-              </a:rPr>
-              <a:t>моделирования</a:t>
-            </a:r>
-            <a:r>
-              <a:rPr sz="900" i="1" spc="-10" dirty="0">
-                <a:solidFill>
-                  <a:srgbClr val="7F7F7F"/>
-                </a:solidFill>
-                <a:latin typeface="Trebuchet MS"/>
-                <a:cs typeface="Trebuchet MS"/>
-              </a:rPr>
-              <a:t> </a:t>
-            </a:r>
-            <a:r>
-              <a:rPr sz="900" i="1" spc="-65" dirty="0">
-                <a:solidFill>
-                  <a:srgbClr val="7F7F7F"/>
-                </a:solidFill>
-                <a:latin typeface="Trebuchet MS"/>
-                <a:cs typeface="Trebuchet MS"/>
-              </a:rPr>
-              <a:t>для</a:t>
-            </a:r>
-            <a:r>
-              <a:rPr sz="900" i="1" spc="-10" dirty="0">
-                <a:solidFill>
-                  <a:srgbClr val="7F7F7F"/>
-                </a:solidFill>
-                <a:latin typeface="Trebuchet MS"/>
-                <a:cs typeface="Trebuchet MS"/>
-              </a:rPr>
-              <a:t> </a:t>
-            </a:r>
-            <a:r>
-              <a:rPr sz="900" i="1" spc="-50" dirty="0">
-                <a:solidFill>
-                  <a:srgbClr val="7F7F7F"/>
-                </a:solidFill>
-                <a:latin typeface="Trebuchet MS"/>
-                <a:cs typeface="Trebuchet MS"/>
-              </a:rPr>
-              <a:t>проведения</a:t>
-            </a:r>
-            <a:r>
-              <a:rPr sz="900" i="1" spc="-15" dirty="0">
-                <a:solidFill>
-                  <a:srgbClr val="7F7F7F"/>
-                </a:solidFill>
-                <a:latin typeface="Trebuchet MS"/>
-                <a:cs typeface="Trebuchet MS"/>
-              </a:rPr>
-              <a:t> </a:t>
-            </a:r>
-            <a:r>
-              <a:rPr sz="900" i="1" spc="-10" dirty="0">
-                <a:solidFill>
-                  <a:srgbClr val="7F7F7F"/>
-                </a:solidFill>
-                <a:latin typeface="Trebuchet MS"/>
-                <a:cs typeface="Trebuchet MS"/>
-              </a:rPr>
-              <a:t>исследования.</a:t>
-            </a:r>
-            <a:endParaRPr sz="900">
-              <a:latin typeface="Trebuchet MS"/>
-              <a:cs typeface="Trebuchet MS"/>
-            </a:endParaRPr>
-          </a:p>
-          <a:p>
-            <a:pPr marL="186055" marR="73025" indent="-115570">
-              <a:lnSpc>
-                <a:spcPct val="101000"/>
-              </a:lnSpc>
-              <a:spcBef>
-                <a:spcPts val="300"/>
-              </a:spcBef>
-              <a:buClr>
-                <a:srgbClr val="006CDC"/>
-              </a:buClr>
-              <a:buFont typeface="Cambria"/>
-              <a:buChar char="•"/>
-              <a:tabLst>
-                <a:tab pos="186055" algn="l"/>
-              </a:tabLst>
-            </a:pPr>
-            <a:r>
-              <a:rPr sz="900" i="1" spc="-70" dirty="0">
-                <a:solidFill>
-                  <a:srgbClr val="7F7F7F"/>
-                </a:solidFill>
-                <a:latin typeface="Trebuchet MS"/>
-                <a:cs typeface="Trebuchet MS"/>
-              </a:rPr>
-              <a:t>Следует</a:t>
-            </a:r>
-            <a:r>
-              <a:rPr sz="900" i="1" spc="-5" dirty="0">
-                <a:solidFill>
-                  <a:srgbClr val="7F7F7F"/>
-                </a:solidFill>
-                <a:latin typeface="Trebuchet MS"/>
-                <a:cs typeface="Trebuchet MS"/>
-              </a:rPr>
-              <a:t> </a:t>
-            </a:r>
-            <a:r>
-              <a:rPr sz="900" i="1" spc="-60" dirty="0">
-                <a:solidFill>
-                  <a:srgbClr val="7F7F7F"/>
-                </a:solidFill>
-                <a:latin typeface="Trebuchet MS"/>
-                <a:cs typeface="Trebuchet MS"/>
-              </a:rPr>
-              <a:t>описывать</a:t>
-            </a:r>
-            <a:r>
-              <a:rPr sz="900" i="1" dirty="0">
-                <a:solidFill>
-                  <a:srgbClr val="7F7F7F"/>
-                </a:solidFill>
-                <a:latin typeface="Trebuchet MS"/>
-                <a:cs typeface="Trebuchet MS"/>
-              </a:rPr>
-              <a:t> </a:t>
-            </a:r>
-            <a:r>
-              <a:rPr sz="900" i="1" spc="-70" dirty="0">
-                <a:solidFill>
-                  <a:srgbClr val="7F7F7F"/>
-                </a:solidFill>
-                <a:latin typeface="Trebuchet MS"/>
-                <a:cs typeface="Trebuchet MS"/>
-              </a:rPr>
-              <a:t>используемые</a:t>
-            </a:r>
-            <a:r>
-              <a:rPr sz="900" i="1" dirty="0">
-                <a:solidFill>
-                  <a:srgbClr val="7F7F7F"/>
-                </a:solidFill>
-                <a:latin typeface="Trebuchet MS"/>
-                <a:cs typeface="Trebuchet MS"/>
-              </a:rPr>
-              <a:t> </a:t>
-            </a:r>
-            <a:r>
-              <a:rPr sz="900" i="1" spc="-70" dirty="0">
-                <a:solidFill>
-                  <a:srgbClr val="7F7F7F"/>
-                </a:solidFill>
-                <a:latin typeface="Trebuchet MS"/>
-                <a:cs typeface="Trebuchet MS"/>
-              </a:rPr>
-              <a:t>математические</a:t>
-            </a:r>
-            <a:r>
-              <a:rPr sz="900" i="1" spc="-5" dirty="0">
-                <a:solidFill>
-                  <a:srgbClr val="7F7F7F"/>
-                </a:solidFill>
-                <a:latin typeface="Trebuchet MS"/>
-                <a:cs typeface="Trebuchet MS"/>
-              </a:rPr>
-              <a:t> </a:t>
-            </a:r>
-            <a:r>
-              <a:rPr sz="900" i="1" spc="-85" dirty="0">
-                <a:solidFill>
-                  <a:srgbClr val="7F7F7F"/>
-                </a:solidFill>
-                <a:latin typeface="Trebuchet MS"/>
-                <a:cs typeface="Trebuchet MS"/>
-              </a:rPr>
-              <a:t>модели,</a:t>
-            </a:r>
-            <a:r>
-              <a:rPr sz="900" i="1" dirty="0">
-                <a:solidFill>
-                  <a:srgbClr val="7F7F7F"/>
-                </a:solidFill>
-                <a:latin typeface="Trebuchet MS"/>
-                <a:cs typeface="Trebuchet MS"/>
-              </a:rPr>
-              <a:t> </a:t>
-            </a:r>
-            <a:r>
-              <a:rPr sz="900" i="1" spc="-70" dirty="0">
-                <a:solidFill>
-                  <a:srgbClr val="7F7F7F"/>
-                </a:solidFill>
-                <a:latin typeface="Trebuchet MS"/>
-                <a:cs typeface="Trebuchet MS"/>
-              </a:rPr>
-              <a:t>вычислительные</a:t>
-            </a:r>
-            <a:r>
-              <a:rPr sz="900" i="1" dirty="0">
-                <a:solidFill>
-                  <a:srgbClr val="7F7F7F"/>
-                </a:solidFill>
-                <a:latin typeface="Trebuchet MS"/>
-                <a:cs typeface="Trebuchet MS"/>
-              </a:rPr>
-              <a:t> </a:t>
-            </a:r>
-            <a:r>
-              <a:rPr sz="900" i="1" spc="-80" dirty="0">
-                <a:solidFill>
-                  <a:srgbClr val="7F7F7F"/>
-                </a:solidFill>
-                <a:latin typeface="Trebuchet MS"/>
-                <a:cs typeface="Trebuchet MS"/>
-              </a:rPr>
-              <a:t>методы</a:t>
-            </a:r>
-            <a:r>
-              <a:rPr sz="900" i="1" dirty="0">
-                <a:solidFill>
-                  <a:srgbClr val="7F7F7F"/>
-                </a:solidFill>
-                <a:latin typeface="Trebuchet MS"/>
-                <a:cs typeface="Trebuchet MS"/>
-              </a:rPr>
-              <a:t> </a:t>
-            </a:r>
-            <a:r>
-              <a:rPr sz="900" i="1" spc="-30" dirty="0">
-                <a:solidFill>
-                  <a:srgbClr val="7F7F7F"/>
-                </a:solidFill>
-                <a:latin typeface="Trebuchet MS"/>
-                <a:cs typeface="Trebuchet MS"/>
-              </a:rPr>
-              <a:t>(особые </a:t>
-            </a:r>
-            <a:r>
-              <a:rPr sz="900" i="1" spc="-60" dirty="0">
-                <a:solidFill>
-                  <a:srgbClr val="7F7F7F"/>
-                </a:solidFill>
-                <a:latin typeface="Trebuchet MS"/>
-                <a:cs typeface="Trebuchet MS"/>
-              </a:rPr>
-              <a:t>условия</a:t>
-            </a:r>
-            <a:r>
-              <a:rPr sz="900" i="1" spc="-30" dirty="0">
-                <a:solidFill>
-                  <a:srgbClr val="7F7F7F"/>
-                </a:solidFill>
-                <a:latin typeface="Trebuchet MS"/>
-                <a:cs typeface="Trebuchet MS"/>
-              </a:rPr>
-              <a:t> </a:t>
-            </a:r>
-            <a:r>
-              <a:rPr sz="900" i="1" spc="-70" dirty="0">
-                <a:solidFill>
-                  <a:srgbClr val="7F7F7F"/>
-                </a:solidFill>
-                <a:latin typeface="Trebuchet MS"/>
-                <a:cs typeface="Trebuchet MS"/>
-              </a:rPr>
-              <a:t>их</a:t>
-            </a:r>
-            <a:r>
-              <a:rPr sz="900" i="1" spc="-25" dirty="0">
-                <a:solidFill>
-                  <a:srgbClr val="7F7F7F"/>
-                </a:solidFill>
-                <a:latin typeface="Trebuchet MS"/>
-                <a:cs typeface="Trebuchet MS"/>
-              </a:rPr>
-              <a:t> </a:t>
-            </a:r>
-            <a:r>
-              <a:rPr sz="900" i="1" spc="-10" dirty="0">
-                <a:solidFill>
-                  <a:srgbClr val="7F7F7F"/>
-                </a:solidFill>
-                <a:latin typeface="Trebuchet MS"/>
-                <a:cs typeface="Trebuchet MS"/>
-              </a:rPr>
-              <a:t>применения).</a:t>
-            </a:r>
-            <a:endParaRPr sz="900">
-              <a:latin typeface="Trebuchet MS"/>
-              <a:cs typeface="Trebuchet MS"/>
-            </a:endParaRPr>
-          </a:p>
-          <a:p>
-            <a:pPr marL="186055" marR="313690" indent="-115570">
-              <a:lnSpc>
-                <a:spcPct val="101000"/>
-              </a:lnSpc>
-              <a:spcBef>
-                <a:spcPts val="295"/>
-              </a:spcBef>
-              <a:buClr>
-                <a:srgbClr val="006CDC"/>
-              </a:buClr>
-              <a:buFont typeface="Cambria"/>
-              <a:buChar char="•"/>
-              <a:tabLst>
-                <a:tab pos="186055" algn="l"/>
-              </a:tabLst>
-            </a:pPr>
-            <a:r>
-              <a:rPr sz="900" i="1" spc="-60" dirty="0">
-                <a:solidFill>
-                  <a:srgbClr val="7F7F7F"/>
-                </a:solidFill>
-                <a:latin typeface="Trebuchet MS"/>
-                <a:cs typeface="Trebuchet MS"/>
-              </a:rPr>
-              <a:t>Модели</a:t>
-            </a:r>
-            <a:r>
-              <a:rPr sz="900" i="1" spc="-15" dirty="0">
-                <a:solidFill>
-                  <a:srgbClr val="7F7F7F"/>
-                </a:solidFill>
-                <a:latin typeface="Trebuchet MS"/>
-                <a:cs typeface="Trebuchet MS"/>
-              </a:rPr>
-              <a:t> </a:t>
-            </a:r>
-            <a:r>
-              <a:rPr sz="900" i="1" spc="-65" dirty="0">
-                <a:solidFill>
-                  <a:srgbClr val="7F7F7F"/>
-                </a:solidFill>
-                <a:latin typeface="Trebuchet MS"/>
-                <a:cs typeface="Trebuchet MS"/>
-              </a:rPr>
-              <a:t>следует</a:t>
-            </a:r>
-            <a:r>
-              <a:rPr sz="900" i="1" spc="-10" dirty="0">
-                <a:solidFill>
-                  <a:srgbClr val="7F7F7F"/>
-                </a:solidFill>
-                <a:latin typeface="Trebuchet MS"/>
-                <a:cs typeface="Trebuchet MS"/>
-              </a:rPr>
-              <a:t> </a:t>
-            </a:r>
-            <a:r>
-              <a:rPr sz="900" i="1" spc="-60" dirty="0">
-                <a:solidFill>
-                  <a:srgbClr val="7F7F7F"/>
-                </a:solidFill>
-                <a:latin typeface="Trebuchet MS"/>
-                <a:cs typeface="Trebuchet MS"/>
-              </a:rPr>
-              <a:t>описывать</a:t>
-            </a:r>
-            <a:r>
-              <a:rPr sz="900" i="1" spc="-15" dirty="0">
-                <a:solidFill>
-                  <a:srgbClr val="7F7F7F"/>
-                </a:solidFill>
-                <a:latin typeface="Trebuchet MS"/>
-                <a:cs typeface="Trebuchet MS"/>
-              </a:rPr>
-              <a:t> </a:t>
-            </a:r>
-            <a:r>
-              <a:rPr sz="900" i="1" spc="-45" dirty="0">
-                <a:solidFill>
-                  <a:srgbClr val="7F7F7F"/>
-                </a:solidFill>
-                <a:latin typeface="Trebuchet MS"/>
-                <a:cs typeface="Trebuchet MS"/>
-              </a:rPr>
-              <a:t>с</a:t>
-            </a:r>
-            <a:r>
-              <a:rPr sz="900" i="1" spc="-10" dirty="0">
-                <a:solidFill>
-                  <a:srgbClr val="7F7F7F"/>
-                </a:solidFill>
-                <a:latin typeface="Trebuchet MS"/>
-                <a:cs typeface="Trebuchet MS"/>
-              </a:rPr>
-              <a:t> </a:t>
-            </a:r>
-            <a:r>
-              <a:rPr sz="900" i="1" spc="-60" dirty="0">
-                <a:solidFill>
-                  <a:srgbClr val="7F7F7F"/>
-                </a:solidFill>
-                <a:latin typeface="Trebuchet MS"/>
-                <a:cs typeface="Trebuchet MS"/>
-              </a:rPr>
-              <a:t>использованием</a:t>
-            </a:r>
-            <a:r>
-              <a:rPr sz="900" i="1" spc="-10" dirty="0">
-                <a:solidFill>
-                  <a:srgbClr val="7F7F7F"/>
-                </a:solidFill>
-                <a:latin typeface="Trebuchet MS"/>
-                <a:cs typeface="Trebuchet MS"/>
-              </a:rPr>
-              <a:t> </a:t>
-            </a:r>
-            <a:r>
-              <a:rPr sz="900" i="1" spc="-70" dirty="0">
-                <a:solidFill>
-                  <a:srgbClr val="7F7F7F"/>
-                </a:solidFill>
-                <a:latin typeface="Trebuchet MS"/>
-                <a:cs typeface="Trebuchet MS"/>
-              </a:rPr>
-              <a:t>математически</a:t>
-            </a:r>
-            <a:r>
-              <a:rPr sz="900" i="1" spc="-15" dirty="0">
-                <a:solidFill>
-                  <a:srgbClr val="7F7F7F"/>
-                </a:solidFill>
-                <a:latin typeface="Trebuchet MS"/>
-                <a:cs typeface="Trebuchet MS"/>
-              </a:rPr>
-              <a:t> </a:t>
-            </a:r>
-            <a:r>
-              <a:rPr sz="900" i="1" spc="-55" dirty="0">
-                <a:solidFill>
-                  <a:srgbClr val="7F7F7F"/>
-                </a:solidFill>
-                <a:latin typeface="Trebuchet MS"/>
-                <a:cs typeface="Trebuchet MS"/>
-              </a:rPr>
-              <a:t>строгих</a:t>
-            </a:r>
-            <a:r>
-              <a:rPr sz="900" i="1" spc="-10" dirty="0">
-                <a:solidFill>
-                  <a:srgbClr val="7F7F7F"/>
-                </a:solidFill>
-                <a:latin typeface="Trebuchet MS"/>
-                <a:cs typeface="Trebuchet MS"/>
-              </a:rPr>
-              <a:t> </a:t>
-            </a:r>
-            <a:r>
-              <a:rPr sz="900" i="1" spc="-65" dirty="0">
-                <a:solidFill>
-                  <a:srgbClr val="7F7F7F"/>
-                </a:solidFill>
-                <a:latin typeface="Trebuchet MS"/>
-                <a:cs typeface="Trebuchet MS"/>
-              </a:rPr>
-              <a:t>формулировок,</a:t>
-            </a:r>
-            <a:r>
-              <a:rPr sz="900" i="1" spc="-15" dirty="0">
-                <a:solidFill>
-                  <a:srgbClr val="7F7F7F"/>
-                </a:solidFill>
-                <a:latin typeface="Trebuchet MS"/>
-                <a:cs typeface="Trebuchet MS"/>
-              </a:rPr>
-              <a:t> </a:t>
-            </a:r>
-            <a:r>
-              <a:rPr sz="900" i="1" spc="-25" dirty="0">
-                <a:solidFill>
-                  <a:srgbClr val="7F7F7F"/>
-                </a:solidFill>
-                <a:latin typeface="Trebuchet MS"/>
-                <a:cs typeface="Trebuchet MS"/>
-              </a:rPr>
-              <a:t>не </a:t>
-            </a:r>
-            <a:r>
-              <a:rPr sz="900" i="1" spc="-65" dirty="0">
-                <a:solidFill>
-                  <a:srgbClr val="7F7F7F"/>
-                </a:solidFill>
-                <a:latin typeface="Trebuchet MS"/>
-                <a:cs typeface="Trebuchet MS"/>
-              </a:rPr>
-              <a:t>допускающих</a:t>
-            </a:r>
-            <a:r>
-              <a:rPr sz="900" i="1" spc="45" dirty="0">
-                <a:solidFill>
-                  <a:srgbClr val="7F7F7F"/>
-                </a:solidFill>
-                <a:latin typeface="Trebuchet MS"/>
-                <a:cs typeface="Trebuchet MS"/>
-              </a:rPr>
-              <a:t> </a:t>
-            </a:r>
-            <a:r>
-              <a:rPr sz="900" i="1" spc="-55" dirty="0">
-                <a:solidFill>
-                  <a:srgbClr val="7F7F7F"/>
-                </a:solidFill>
-                <a:latin typeface="Trebuchet MS"/>
-                <a:cs typeface="Trebuchet MS"/>
-              </a:rPr>
-              <a:t>неоднозначности</a:t>
-            </a:r>
-            <a:r>
-              <a:rPr sz="900" i="1" spc="50" dirty="0">
-                <a:solidFill>
-                  <a:srgbClr val="7F7F7F"/>
-                </a:solidFill>
-                <a:latin typeface="Trebuchet MS"/>
-                <a:cs typeface="Trebuchet MS"/>
-              </a:rPr>
-              <a:t> </a:t>
-            </a:r>
-            <a:r>
-              <a:rPr sz="900" i="1" spc="-10" dirty="0">
-                <a:solidFill>
-                  <a:srgbClr val="7F7F7F"/>
-                </a:solidFill>
-                <a:latin typeface="Trebuchet MS"/>
-                <a:cs typeface="Trebuchet MS"/>
-              </a:rPr>
-              <a:t>прочтения.</a:t>
-            </a:r>
-            <a:endParaRPr sz="900">
-              <a:latin typeface="Trebuchet MS"/>
-              <a:cs typeface="Trebuchet MS"/>
-            </a:endParaRPr>
-          </a:p>
-          <a:p>
-            <a:pPr marL="186055" marR="287655" indent="-115570">
-              <a:lnSpc>
-                <a:spcPct val="101000"/>
-              </a:lnSpc>
-              <a:spcBef>
-                <a:spcPts val="300"/>
-              </a:spcBef>
-              <a:buClr>
-                <a:srgbClr val="006CDC"/>
-              </a:buClr>
-              <a:buFont typeface="Cambria"/>
-              <a:buChar char="•"/>
-              <a:tabLst>
-                <a:tab pos="186055" algn="l"/>
-              </a:tabLst>
-            </a:pPr>
-            <a:r>
-              <a:rPr sz="900" i="1" spc="-60" dirty="0">
-                <a:solidFill>
-                  <a:srgbClr val="7F7F7F"/>
-                </a:solidFill>
-                <a:latin typeface="Trebuchet MS"/>
-                <a:cs typeface="Trebuchet MS"/>
-              </a:rPr>
-              <a:t>Представлять</a:t>
-            </a:r>
-            <a:r>
-              <a:rPr sz="900" i="1" spc="-55" dirty="0">
-                <a:solidFill>
-                  <a:srgbClr val="7F7F7F"/>
-                </a:solidFill>
-                <a:latin typeface="Trebuchet MS"/>
-                <a:cs typeface="Trebuchet MS"/>
-              </a:rPr>
-              <a:t> </a:t>
-            </a:r>
-            <a:r>
-              <a:rPr sz="900" i="1" spc="-45" dirty="0">
-                <a:solidFill>
-                  <a:srgbClr val="7F7F7F"/>
-                </a:solidFill>
-                <a:latin typeface="Trebuchet MS"/>
-                <a:cs typeface="Trebuchet MS"/>
-              </a:rPr>
-              <a:t>не</a:t>
-            </a:r>
-            <a:r>
-              <a:rPr sz="900" i="1" spc="-50" dirty="0">
-                <a:solidFill>
-                  <a:srgbClr val="7F7F7F"/>
-                </a:solidFill>
-                <a:latin typeface="Trebuchet MS"/>
-                <a:cs typeface="Trebuchet MS"/>
-              </a:rPr>
-              <a:t> </a:t>
-            </a:r>
-            <a:r>
-              <a:rPr sz="900" i="1" spc="-75" dirty="0">
-                <a:solidFill>
-                  <a:srgbClr val="7F7F7F"/>
-                </a:solidFill>
-                <a:latin typeface="Trebuchet MS"/>
-                <a:cs typeface="Trebuchet MS"/>
-              </a:rPr>
-              <a:t>следует,</a:t>
-            </a:r>
-            <a:r>
-              <a:rPr sz="900" i="1" spc="-15" dirty="0">
-                <a:solidFill>
-                  <a:srgbClr val="7F7F7F"/>
-                </a:solidFill>
-                <a:latin typeface="Trebuchet MS"/>
-                <a:cs typeface="Trebuchet MS"/>
-              </a:rPr>
-              <a:t> </a:t>
-            </a:r>
-            <a:r>
-              <a:rPr sz="900" i="1" spc="-55" dirty="0">
-                <a:solidFill>
-                  <a:srgbClr val="7F7F7F"/>
-                </a:solidFill>
-                <a:latin typeface="Trebuchet MS"/>
-                <a:cs typeface="Trebuchet MS"/>
-              </a:rPr>
-              <a:t>если</a:t>
-            </a:r>
-            <a:r>
-              <a:rPr sz="900" i="1" spc="-20" dirty="0">
-                <a:solidFill>
-                  <a:srgbClr val="7F7F7F"/>
-                </a:solidFill>
-                <a:latin typeface="Trebuchet MS"/>
-                <a:cs typeface="Trebuchet MS"/>
-              </a:rPr>
-              <a:t> </a:t>
-            </a:r>
-            <a:r>
-              <a:rPr sz="900" i="1" spc="-55" dirty="0">
-                <a:solidFill>
-                  <a:srgbClr val="7F7F7F"/>
-                </a:solidFill>
-                <a:latin typeface="Trebuchet MS"/>
-                <a:cs typeface="Trebuchet MS"/>
-              </a:rPr>
-              <a:t>проект</a:t>
-            </a:r>
-            <a:r>
-              <a:rPr sz="900" i="1" spc="-20" dirty="0">
-                <a:solidFill>
-                  <a:srgbClr val="7F7F7F"/>
-                </a:solidFill>
-                <a:latin typeface="Trebuchet MS"/>
-                <a:cs typeface="Trebuchet MS"/>
-              </a:rPr>
-              <a:t> </a:t>
-            </a:r>
-            <a:r>
-              <a:rPr sz="900" i="1" spc="-55" dirty="0">
-                <a:solidFill>
-                  <a:srgbClr val="7F7F7F"/>
-                </a:solidFill>
-                <a:latin typeface="Trebuchet MS"/>
-                <a:cs typeface="Trebuchet MS"/>
-              </a:rPr>
-              <a:t>предполагает</a:t>
-            </a:r>
-            <a:r>
-              <a:rPr sz="900" i="1" spc="-20" dirty="0">
-                <a:solidFill>
-                  <a:srgbClr val="7F7F7F"/>
-                </a:solidFill>
-                <a:latin typeface="Trebuchet MS"/>
-                <a:cs typeface="Trebuchet MS"/>
-              </a:rPr>
-              <a:t> </a:t>
-            </a:r>
-            <a:r>
-              <a:rPr sz="900" i="1" spc="-50" dirty="0">
-                <a:solidFill>
-                  <a:srgbClr val="7F7F7F"/>
-                </a:solidFill>
-                <a:latin typeface="Trebuchet MS"/>
-                <a:cs typeface="Trebuchet MS"/>
-              </a:rPr>
-              <a:t>разработку</a:t>
-            </a:r>
-            <a:r>
-              <a:rPr sz="900" i="1" spc="-15" dirty="0">
-                <a:solidFill>
-                  <a:srgbClr val="7F7F7F"/>
-                </a:solidFill>
-                <a:latin typeface="Trebuchet MS"/>
-                <a:cs typeface="Trebuchet MS"/>
-              </a:rPr>
-              <a:t> </a:t>
-            </a:r>
-            <a:r>
-              <a:rPr sz="900" i="1" spc="-50" dirty="0">
-                <a:solidFill>
-                  <a:srgbClr val="FF0000"/>
-                </a:solidFill>
-                <a:latin typeface="Trebuchet MS"/>
-                <a:cs typeface="Trebuchet MS"/>
-                <a:hlinkClick r:id="rId3" action="ppaction://hlinksldjump"/>
-              </a:rPr>
-              <a:t>ПО</a:t>
-            </a:r>
-            <a:r>
-              <a:rPr sz="900" i="1" spc="-20" dirty="0">
-                <a:solidFill>
-                  <a:srgbClr val="FF0000"/>
-                </a:solidFill>
-                <a:latin typeface="Trebuchet MS"/>
-                <a:cs typeface="Trebuchet MS"/>
-              </a:rPr>
-              <a:t> </a:t>
-            </a:r>
-            <a:r>
-              <a:rPr sz="900" i="1" spc="-60" dirty="0">
-                <a:solidFill>
-                  <a:srgbClr val="7F7F7F"/>
-                </a:solidFill>
-                <a:latin typeface="Trebuchet MS"/>
-                <a:cs typeface="Trebuchet MS"/>
-              </a:rPr>
-              <a:t>и</a:t>
-            </a:r>
-            <a:r>
-              <a:rPr sz="900" i="1" spc="-20" dirty="0">
-                <a:solidFill>
-                  <a:srgbClr val="7F7F7F"/>
-                </a:solidFill>
-                <a:latin typeface="Trebuchet MS"/>
-                <a:cs typeface="Trebuchet MS"/>
-              </a:rPr>
-              <a:t> </a:t>
-            </a:r>
-            <a:r>
-              <a:rPr sz="900" i="1" spc="-45" dirty="0">
-                <a:solidFill>
-                  <a:srgbClr val="7F7F7F"/>
-                </a:solidFill>
-                <a:latin typeface="Trebuchet MS"/>
-                <a:cs typeface="Trebuchet MS"/>
-              </a:rPr>
-              <a:t>не</a:t>
-            </a:r>
-            <a:r>
-              <a:rPr sz="900" i="1" spc="-15" dirty="0">
-                <a:solidFill>
-                  <a:srgbClr val="7F7F7F"/>
-                </a:solidFill>
-                <a:latin typeface="Trebuchet MS"/>
-                <a:cs typeface="Trebuchet MS"/>
-              </a:rPr>
-              <a:t> </a:t>
-            </a:r>
-            <a:r>
-              <a:rPr sz="900" i="1" spc="-40" dirty="0">
-                <a:solidFill>
-                  <a:srgbClr val="7F7F7F"/>
-                </a:solidFill>
-                <a:latin typeface="Trebuchet MS"/>
-                <a:cs typeface="Trebuchet MS"/>
-              </a:rPr>
-              <a:t>предполагает </a:t>
-            </a:r>
-            <a:r>
-              <a:rPr sz="900" i="1" spc="-50" dirty="0">
-                <a:solidFill>
-                  <a:srgbClr val="7F7F7F"/>
-                </a:solidFill>
-                <a:latin typeface="Trebuchet MS"/>
-                <a:cs typeface="Trebuchet MS"/>
-              </a:rPr>
-              <a:t>проведение</a:t>
-            </a:r>
-            <a:r>
-              <a:rPr sz="900" i="1" spc="-20" dirty="0">
-                <a:solidFill>
-                  <a:srgbClr val="7F7F7F"/>
-                </a:solidFill>
-                <a:latin typeface="Trebuchet MS"/>
-                <a:cs typeface="Trebuchet MS"/>
-              </a:rPr>
-              <a:t> </a:t>
-            </a:r>
-            <a:r>
-              <a:rPr sz="900" i="1" spc="-10" dirty="0">
-                <a:solidFill>
-                  <a:srgbClr val="7F7F7F"/>
-                </a:solidFill>
-                <a:latin typeface="Trebuchet MS"/>
-                <a:cs typeface="Trebuchet MS"/>
-              </a:rPr>
-              <a:t>вычислений.</a:t>
-            </a:r>
-            <a:endParaRPr sz="900">
-              <a:latin typeface="Trebuchet MS"/>
-              <a:cs typeface="Trebuchet MS"/>
-            </a:endParaRPr>
-          </a:p>
-          <a:p>
-            <a:pPr marL="12700">
+            <a:pPr marL="40005">
               <a:lnSpc>
                 <a:spcPct val="100000"/>
               </a:lnSpc>
               <a:spcBef>
-                <a:spcPts val="310"/>
+                <a:spcPts val="55"/>
               </a:spcBef>
             </a:pPr>
-            <a:r>
-              <a:rPr sz="900" spc="165" dirty="0">
-                <a:solidFill>
-                  <a:srgbClr val="006CDC"/>
-                </a:solidFill>
-                <a:latin typeface="Cambria"/>
-                <a:cs typeface="Cambria"/>
-              </a:rPr>
-              <a:t>→</a:t>
-            </a:r>
-            <a:r>
-              <a:rPr sz="900" spc="310" dirty="0">
-                <a:solidFill>
-                  <a:srgbClr val="006CDC"/>
-                </a:solidFill>
-                <a:latin typeface="Cambria"/>
-                <a:cs typeface="Cambria"/>
-              </a:rPr>
-              <a:t> </a:t>
-            </a:r>
-            <a:r>
-              <a:rPr sz="900" spc="-65" dirty="0">
-                <a:latin typeface="Trebuchet MS"/>
-                <a:cs typeface="Trebuchet MS"/>
-              </a:rPr>
-              <a:t>Рекомендуемый</a:t>
-            </a:r>
-            <a:r>
-              <a:rPr sz="900" spc="-20" dirty="0">
-                <a:latin typeface="Trebuchet MS"/>
-                <a:cs typeface="Trebuchet MS"/>
-              </a:rPr>
-              <a:t> </a:t>
-            </a:r>
-            <a:r>
-              <a:rPr sz="900" spc="-85" dirty="0">
-                <a:latin typeface="Trebuchet MS"/>
-                <a:cs typeface="Trebuchet MS"/>
-              </a:rPr>
-              <a:t>объём:</a:t>
-            </a:r>
-            <a:r>
-              <a:rPr sz="900" spc="-20" dirty="0">
-                <a:latin typeface="Trebuchet MS"/>
-                <a:cs typeface="Trebuchet MS"/>
-              </a:rPr>
-              <a:t> </a:t>
-            </a:r>
-            <a:r>
-              <a:rPr sz="900" spc="-90" dirty="0">
-                <a:latin typeface="Trebuchet MS"/>
-                <a:cs typeface="Trebuchet MS"/>
-              </a:rPr>
-              <a:t>2-</a:t>
-            </a:r>
-            <a:r>
-              <a:rPr sz="900" spc="-95" dirty="0">
-                <a:latin typeface="Trebuchet MS"/>
-                <a:cs typeface="Trebuchet MS"/>
-              </a:rPr>
-              <a:t>3</a:t>
-            </a:r>
-            <a:r>
-              <a:rPr sz="900" spc="-20" dirty="0">
-                <a:latin typeface="Trebuchet MS"/>
-                <a:cs typeface="Trebuchet MS"/>
-              </a:rPr>
-              <a:t> </a:t>
-            </a:r>
-            <a:r>
-              <a:rPr sz="900" spc="-10" dirty="0">
-                <a:latin typeface="Trebuchet MS"/>
-                <a:cs typeface="Trebuchet MS"/>
-              </a:rPr>
-              <a:t>cлайда.</a:t>
-            </a:r>
-            <a:endParaRPr sz="900">
-              <a:latin typeface="Trebuchet MS"/>
-              <a:cs typeface="Trebuchet MS"/>
-            </a:endParaRPr>
-          </a:p>
-        </p:txBody>
-      </p:sp>
-      <p:sp>
-        <p:nvSpPr>
-          <p:cNvPr id="7" name="object 7"/>
+            <a:fld id="{81D60167-4931-47E6-BA6A-407CBD079E47}" type="slidenum">
+              <a:rPr spc="-75" dirty="0"/>
+              <a:t>5</a:t>
+            </a:fld>
+            <a:r>
+              <a:rPr spc="-35" dirty="0"/>
+              <a:t> /</a:t>
+            </a:r>
+            <a:r>
+              <a:rPr spc="-30" dirty="0"/>
+              <a:t> </a:t>
+            </a:r>
+            <a:r>
+              <a:rPr spc="-35" dirty="0"/>
+              <a:t>16</a:t>
+            </a:r>
+          </a:p>
+        </p:txBody>
+      </p:sp>
+      <p:sp>
+        <p:nvSpPr>
+          <p:cNvPr id="10" name="TextBox 9">
+            <a:extLst>
+              <a:ext uri="{FF2B5EF4-FFF2-40B4-BE49-F238E27FC236}">
+                <a16:creationId xmlns:a16="http://schemas.microsoft.com/office/drawing/2014/main" id="{799B1AFD-2162-4530-B9BE-22FCE3DAD29F}"/>
+              </a:ext>
+            </a:extLst>
+          </p:cNvPr>
           <p:cNvSpPr txBox="1"/>
           <p:nvPr/>
         </p:nvSpPr>
         <p:spPr>
           <a:xfrm>
-            <a:off x="5375249" y="2795236"/>
-            <a:ext cx="193675" cy="116839"/>
+            <a:off x="3212492" y="2704701"/>
+            <a:ext cx="1622560" cy="307777"/>
           </a:xfrm>
           <a:prstGeom prst="rect">
             <a:avLst/>
           </a:prstGeom>
-        </p:spPr>
-        <p:txBody>
-          <a:bodyPr vert="horz" wrap="square" lIns="0" tIns="12065" rIns="0" bIns="0" rtlCol="0">
+          <a:noFill/>
+        </p:spPr>
+        <p:txBody>
+          <a:bodyPr wrap="none" rtlCol="0">
             <a:spAutoFit/>
           </a:bodyPr>
           <a:lstStyle/>
           <a:p>
-            <a:pPr marL="12700">
-              <a:lnSpc>
-                <a:spcPct val="100000"/>
-              </a:lnSpc>
-              <a:spcBef>
-                <a:spcPts val="95"/>
-              </a:spcBef>
-            </a:pPr>
-            <a:r>
-              <a:rPr sz="600" spc="-85" dirty="0">
-                <a:solidFill>
-                  <a:srgbClr val="006CDC"/>
-                </a:solidFill>
-                <a:latin typeface="Trebuchet MS"/>
-                <a:cs typeface="Trebuchet MS"/>
-              </a:rPr>
-              <a:t>7</a:t>
-            </a:r>
-            <a:r>
-              <a:rPr sz="600" spc="-35" dirty="0">
-                <a:solidFill>
-                  <a:srgbClr val="006CDC"/>
-                </a:solidFill>
-                <a:latin typeface="Trebuchet MS"/>
-                <a:cs typeface="Trebuchet MS"/>
-              </a:rPr>
-              <a:t> /</a:t>
-            </a:r>
-            <a:r>
-              <a:rPr sz="600" spc="-30" dirty="0">
-                <a:solidFill>
-                  <a:srgbClr val="006CDC"/>
-                </a:solidFill>
-                <a:latin typeface="Trebuchet MS"/>
-                <a:cs typeface="Trebuchet MS"/>
-              </a:rPr>
-              <a:t> </a:t>
-            </a:r>
-            <a:r>
-              <a:rPr sz="600" spc="-25" dirty="0">
-                <a:solidFill>
-                  <a:srgbClr val="006CDC"/>
-                </a:solidFill>
-                <a:latin typeface="Trebuchet MS"/>
-                <a:cs typeface="Trebuchet MS"/>
-              </a:rPr>
-              <a:t>16</a:t>
-            </a:r>
-            <a:endParaRPr sz="600">
-              <a:latin typeface="Trebuchet MS"/>
-              <a:cs typeface="Trebuchet MS"/>
-            </a:endParaRPr>
-          </a:p>
-        </p:txBody>
-      </p:sp>
+            <a:pPr algn="ctr"/>
+            <a:r>
+              <a:rPr lang="ru-RU" sz="700" dirty="0"/>
+              <a:t>Рисунок 7. Схема архитектуры</a:t>
+            </a:r>
+          </a:p>
+          <a:p>
+            <a:pPr algn="ctr"/>
+            <a:r>
+              <a:rPr lang="ru-RU" sz="700" dirty="0"/>
+              <a:t>распределенной сетевой системы</a:t>
+            </a:r>
+          </a:p>
+        </p:txBody>
+      </p:sp>
+      <p:pic>
+        <p:nvPicPr>
+          <p:cNvPr id="9" name="Picture 2">
+            <a:extLst>
+              <a:ext uri="{FF2B5EF4-FFF2-40B4-BE49-F238E27FC236}">
+                <a16:creationId xmlns:a16="http://schemas.microsoft.com/office/drawing/2014/main" id="{6383C95C-B975-41FC-9BA1-2B13C6331740}"/>
+              </a:ext>
+            </a:extLst>
+          </p:cNvPr>
+          <p:cNvPicPr>
+            <a:picLocks noChangeAspect="1" noChangeArrowheads="1"/>
+          </p:cNvPicPr>
+          <p:nvPr/>
+        </p:nvPicPr>
+        <p:blipFill>
+          <a:blip r:embed="rId4">
+            <a:extLst>
+              <a:ext uri="{28A0092B-C50C-407E-A947-70E740481C1C}">
+                <a14:useLocalDpi xmlns:a14="http://schemas.microsoft.com/office/drawing/2010/main" val="0"/>
+              </a:ext>
+            </a:extLst>
+          </a:blip>
+          <a:srcRect/>
+          <a:stretch>
+            <a:fillRect/>
+          </a:stretch>
+        </p:blipFill>
+        <p:spPr bwMode="auto">
+          <a:xfrm>
+            <a:off x="2806700" y="707514"/>
+            <a:ext cx="2191702" cy="1909565"/>
+          </a:xfrm>
+          <a:prstGeom prst="rect">
+            <a:avLst/>
+          </a:prstGeom>
+          <a:noFill/>
+          <a:extLst>
+            <a:ext uri="{909E8E84-426E-40DD-AFC4-6F175D3DCCD1}">
+              <a14:hiddenFill xmlns:a14="http://schemas.microsoft.com/office/drawing/2010/main">
+                <a:solidFill>
+                  <a:srgbClr val="FFFFFF"/>
+                </a:solidFill>
+              </a14:hiddenFill>
+            </a:ext>
+          </a:extLst>
+        </p:spPr>
+      </p:pic>
     </p:spTree>
+    <p:extLst>
+      <p:ext uri="{BB962C8B-B14F-4D97-AF65-F5344CB8AC3E}">
+        <p14:creationId xmlns:p14="http://schemas.microsoft.com/office/powerpoint/2010/main" val="4083881690"/>
+      </p:ext>
+    </p:extLst>
   </p:cSld>
   <p:clrMapOvr>
     <a:masterClrMapping/>
@@ -12474,8 +9649,8 @@
         </p:nvSpPr>
         <p:spPr>
           <a:xfrm>
-            <a:off x="203301" y="154913"/>
-            <a:ext cx="1391920" cy="325755"/>
+            <a:off x="203300" y="154913"/>
+            <a:ext cx="2222399" cy="310534"/>
           </a:xfrm>
           <a:prstGeom prst="rect">
             <a:avLst/>
@@ -12496,16 +9671,12 @@
               </a:spcBef>
             </a:pPr>
             <a:r>
-              <a:rPr spc="-70" dirty="0"/>
-              <a:t>Вычислительный</a:t>
-            </a:r>
-            <a:r>
-              <a:rPr spc="20" dirty="0"/>
-              <a:t> </a:t>
-            </a:r>
-            <a:r>
-              <a:rPr spc="-70" dirty="0"/>
-              <a:t>метод</a:t>
+              <a:rPr spc="-80" dirty="0"/>
+              <a:t>Архитектура</a:t>
+            </a:r>
+            <a:r>
+              <a:rPr spc="-25" dirty="0"/>
+              <a:t> ПО</a:t>
             </a:r>
           </a:p>
           <a:p>
@@ -12515,10 +9686,10 @@
               </a:lnSpc>
             </a:pPr>
             <a:r>
-              <a:rPr sz="900" spc="-10" dirty="0"/>
-              <a:t>Описание</a:t>
-            </a:r>
-            <a:endParaRPr sz="900"/>
+              <a:rPr lang="ru-RU" sz="900" spc="-10" dirty="0"/>
+              <a:t>Сетевое взаимодействие с клиентом</a:t>
+            </a:r>
+            <a:endParaRPr sz="900" dirty="0"/>
           </a:p>
         </p:txBody>
       </p:sp>
@@ -12571,7 +9742,7 @@
           <p:nvPr/>
         </p:nvPicPr>
         <p:blipFill>
-          <a:blip r:embed="rId2" cstate="print"/>
+          <a:blip r:embed="rId3" cstate="print"/>
           <a:stretch>
             <a:fillRect/>
           </a:stretch>
@@ -12586,996 +9757,6 @@
           </a:prstGeom>
         </p:spPr>
       </p:pic>
-      <p:sp>
-        <p:nvSpPr>
-          <p:cNvPr id="6" name="object 6"/>
-          <p:cNvSpPr txBox="1"/>
-          <p:nvPr/>
-        </p:nvSpPr>
-        <p:spPr>
-          <a:xfrm>
-            <a:off x="257073" y="1069394"/>
-            <a:ext cx="4955540" cy="1185545"/>
-          </a:xfrm>
-          <a:prstGeom prst="rect">
-            <a:avLst/>
-          </a:prstGeom>
-        </p:spPr>
-        <p:txBody>
-          <a:bodyPr vert="horz" wrap="square" lIns="0" tIns="52069" rIns="0" bIns="0" rtlCol="0">
-            <a:spAutoFit/>
-          </a:bodyPr>
-          <a:lstStyle/>
-          <a:p>
-            <a:pPr marL="186690" indent="-115570">
-              <a:lnSpc>
-                <a:spcPct val="100000"/>
-              </a:lnSpc>
-              <a:spcBef>
-                <a:spcPts val="409"/>
-              </a:spcBef>
-              <a:buClr>
-                <a:srgbClr val="006CDC"/>
-              </a:buClr>
-              <a:buFont typeface="Cambria"/>
-              <a:buChar char="•"/>
-              <a:tabLst>
-                <a:tab pos="186690" algn="l"/>
-              </a:tabLst>
-            </a:pPr>
-            <a:r>
-              <a:rPr sz="900" i="1" spc="-55" dirty="0">
-                <a:solidFill>
-                  <a:srgbClr val="7F7F7F"/>
-                </a:solidFill>
-                <a:latin typeface="Trebuchet MS"/>
-                <a:cs typeface="Trebuchet MS"/>
-              </a:rPr>
-              <a:t>Вёрстку</a:t>
-            </a:r>
-            <a:r>
-              <a:rPr sz="900" i="1" spc="15" dirty="0">
-                <a:solidFill>
-                  <a:srgbClr val="7F7F7F"/>
-                </a:solidFill>
-                <a:latin typeface="Trebuchet MS"/>
-                <a:cs typeface="Trebuchet MS"/>
-              </a:rPr>
-              <a:t> </a:t>
-            </a:r>
-            <a:r>
-              <a:rPr sz="900" i="1" spc="-65" dirty="0">
-                <a:solidFill>
-                  <a:srgbClr val="7F7F7F"/>
-                </a:solidFill>
-                <a:latin typeface="Trebuchet MS"/>
-                <a:cs typeface="Trebuchet MS"/>
-              </a:rPr>
-              <a:t>следует</a:t>
-            </a:r>
-            <a:r>
-              <a:rPr sz="900" i="1" spc="20" dirty="0">
-                <a:solidFill>
-                  <a:srgbClr val="7F7F7F"/>
-                </a:solidFill>
-                <a:latin typeface="Trebuchet MS"/>
-                <a:cs typeface="Trebuchet MS"/>
-              </a:rPr>
-              <a:t> </a:t>
-            </a:r>
-            <a:r>
-              <a:rPr sz="900" i="1" spc="-70" dirty="0">
-                <a:solidFill>
-                  <a:srgbClr val="7F7F7F"/>
-                </a:solidFill>
-                <a:latin typeface="Trebuchet MS"/>
-                <a:cs typeface="Trebuchet MS"/>
-              </a:rPr>
-              <a:t>осуществлять</a:t>
-            </a:r>
-            <a:r>
-              <a:rPr sz="900" i="1" spc="20" dirty="0">
-                <a:solidFill>
-                  <a:srgbClr val="7F7F7F"/>
-                </a:solidFill>
-                <a:latin typeface="Trebuchet MS"/>
-                <a:cs typeface="Trebuchet MS"/>
-              </a:rPr>
-              <a:t> </a:t>
-            </a:r>
-            <a:r>
-              <a:rPr sz="900" i="1" spc="-45" dirty="0">
-                <a:solidFill>
-                  <a:srgbClr val="7F7F7F"/>
-                </a:solidFill>
-                <a:latin typeface="Trebuchet MS"/>
-                <a:cs typeface="Trebuchet MS"/>
-              </a:rPr>
-              <a:t>аналогично</a:t>
-            </a:r>
-            <a:r>
-              <a:rPr sz="900" i="1" spc="-15" dirty="0">
-                <a:solidFill>
-                  <a:srgbClr val="7F7F7F"/>
-                </a:solidFill>
-                <a:latin typeface="Trebuchet MS"/>
-                <a:cs typeface="Trebuchet MS"/>
-              </a:rPr>
-              <a:t> </a:t>
-            </a:r>
-            <a:r>
-              <a:rPr sz="900" i="1" spc="-65" dirty="0">
-                <a:solidFill>
-                  <a:srgbClr val="7F7F7F"/>
-                </a:solidFill>
-                <a:latin typeface="Trebuchet MS"/>
-                <a:cs typeface="Trebuchet MS"/>
-              </a:rPr>
-              <a:t>математической</a:t>
-            </a:r>
-            <a:r>
-              <a:rPr sz="900" i="1" spc="-20" dirty="0">
-                <a:solidFill>
-                  <a:srgbClr val="7F7F7F"/>
-                </a:solidFill>
-                <a:latin typeface="Trebuchet MS"/>
-                <a:cs typeface="Trebuchet MS"/>
-              </a:rPr>
-              <a:t> </a:t>
-            </a:r>
-            <a:r>
-              <a:rPr sz="900" i="1" spc="-45" dirty="0">
-                <a:solidFill>
-                  <a:srgbClr val="7F7F7F"/>
-                </a:solidFill>
-                <a:latin typeface="Trebuchet MS"/>
-                <a:cs typeface="Trebuchet MS"/>
-              </a:rPr>
-              <a:t>постановке</a:t>
-            </a:r>
-            <a:r>
-              <a:rPr sz="900" i="1" spc="-20" dirty="0">
-                <a:solidFill>
-                  <a:srgbClr val="7F7F7F"/>
-                </a:solidFill>
-                <a:latin typeface="Trebuchet MS"/>
-                <a:cs typeface="Trebuchet MS"/>
-              </a:rPr>
-              <a:t> </a:t>
-            </a:r>
-            <a:r>
-              <a:rPr sz="900" i="1" spc="-10" dirty="0">
-                <a:solidFill>
-                  <a:srgbClr val="7F7F7F"/>
-                </a:solidFill>
-                <a:latin typeface="Trebuchet MS"/>
-                <a:cs typeface="Trebuchet MS"/>
-              </a:rPr>
-              <a:t>задачи.</a:t>
-            </a:r>
-            <a:endParaRPr sz="900">
-              <a:latin typeface="Trebuchet MS"/>
-              <a:cs typeface="Trebuchet MS"/>
-            </a:endParaRPr>
-          </a:p>
-          <a:p>
-            <a:pPr marL="186055" marR="340360" indent="-115570">
-              <a:lnSpc>
-                <a:spcPct val="101000"/>
-              </a:lnSpc>
-              <a:spcBef>
-                <a:spcPts val="300"/>
-              </a:spcBef>
-              <a:buClr>
-                <a:srgbClr val="006CDC"/>
-              </a:buClr>
-              <a:buFont typeface="Cambria"/>
-              <a:buChar char="•"/>
-              <a:tabLst>
-                <a:tab pos="186055" algn="l"/>
-              </a:tabLst>
-            </a:pPr>
-            <a:r>
-              <a:rPr sz="900" i="1" spc="-65" dirty="0">
-                <a:solidFill>
-                  <a:srgbClr val="7F7F7F"/>
-                </a:solidFill>
-                <a:latin typeface="Trebuchet MS"/>
-                <a:cs typeface="Trebuchet MS"/>
-              </a:rPr>
-              <a:t>Метод</a:t>
-            </a:r>
-            <a:r>
-              <a:rPr sz="900" i="1" spc="-15" dirty="0">
-                <a:solidFill>
-                  <a:srgbClr val="7F7F7F"/>
-                </a:solidFill>
-                <a:latin typeface="Trebuchet MS"/>
-                <a:cs typeface="Trebuchet MS"/>
-              </a:rPr>
-              <a:t> </a:t>
-            </a:r>
-            <a:r>
-              <a:rPr sz="900" i="1" spc="-65" dirty="0">
-                <a:solidFill>
-                  <a:srgbClr val="7F7F7F"/>
-                </a:solidFill>
-                <a:latin typeface="Trebuchet MS"/>
-                <a:cs typeface="Trebuchet MS"/>
-              </a:rPr>
-              <a:t>следует</a:t>
-            </a:r>
-            <a:r>
-              <a:rPr sz="900" i="1" spc="-15" dirty="0">
-                <a:solidFill>
-                  <a:srgbClr val="7F7F7F"/>
-                </a:solidFill>
-                <a:latin typeface="Trebuchet MS"/>
-                <a:cs typeface="Trebuchet MS"/>
-              </a:rPr>
-              <a:t> </a:t>
-            </a:r>
-            <a:r>
-              <a:rPr sz="900" i="1" spc="-60" dirty="0">
-                <a:solidFill>
-                  <a:srgbClr val="7F7F7F"/>
-                </a:solidFill>
-                <a:latin typeface="Trebuchet MS"/>
-                <a:cs typeface="Trebuchet MS"/>
-              </a:rPr>
-              <a:t>описывать</a:t>
-            </a:r>
-            <a:r>
-              <a:rPr sz="900" i="1" spc="-10" dirty="0">
-                <a:solidFill>
-                  <a:srgbClr val="7F7F7F"/>
-                </a:solidFill>
-                <a:latin typeface="Trebuchet MS"/>
-                <a:cs typeface="Trebuchet MS"/>
-              </a:rPr>
-              <a:t> </a:t>
-            </a:r>
-            <a:r>
-              <a:rPr sz="900" i="1" spc="-45" dirty="0">
-                <a:solidFill>
-                  <a:srgbClr val="7F7F7F"/>
-                </a:solidFill>
-                <a:latin typeface="Trebuchet MS"/>
-                <a:cs typeface="Trebuchet MS"/>
-              </a:rPr>
-              <a:t>с</a:t>
-            </a:r>
-            <a:r>
-              <a:rPr sz="900" i="1" spc="-15" dirty="0">
-                <a:solidFill>
-                  <a:srgbClr val="7F7F7F"/>
-                </a:solidFill>
-                <a:latin typeface="Trebuchet MS"/>
-                <a:cs typeface="Trebuchet MS"/>
-              </a:rPr>
-              <a:t> </a:t>
-            </a:r>
-            <a:r>
-              <a:rPr sz="900" i="1" spc="-60" dirty="0">
-                <a:solidFill>
-                  <a:srgbClr val="7F7F7F"/>
-                </a:solidFill>
-                <a:latin typeface="Trebuchet MS"/>
-                <a:cs typeface="Trebuchet MS"/>
-              </a:rPr>
-              <a:t>использованием</a:t>
-            </a:r>
-            <a:r>
-              <a:rPr sz="900" i="1" spc="-10" dirty="0">
-                <a:solidFill>
-                  <a:srgbClr val="7F7F7F"/>
-                </a:solidFill>
-                <a:latin typeface="Trebuchet MS"/>
-                <a:cs typeface="Trebuchet MS"/>
-              </a:rPr>
-              <a:t> </a:t>
-            </a:r>
-            <a:r>
-              <a:rPr sz="900" i="1" spc="-70" dirty="0">
-                <a:solidFill>
-                  <a:srgbClr val="7F7F7F"/>
-                </a:solidFill>
-                <a:latin typeface="Trebuchet MS"/>
-                <a:cs typeface="Trebuchet MS"/>
-              </a:rPr>
-              <a:t>математически</a:t>
-            </a:r>
-            <a:r>
-              <a:rPr sz="900" i="1" spc="-15" dirty="0">
-                <a:solidFill>
-                  <a:srgbClr val="7F7F7F"/>
-                </a:solidFill>
-                <a:latin typeface="Trebuchet MS"/>
-                <a:cs typeface="Trebuchet MS"/>
-              </a:rPr>
-              <a:t> </a:t>
-            </a:r>
-            <a:r>
-              <a:rPr sz="900" i="1" spc="-55" dirty="0">
-                <a:solidFill>
-                  <a:srgbClr val="7F7F7F"/>
-                </a:solidFill>
-                <a:latin typeface="Trebuchet MS"/>
-                <a:cs typeface="Trebuchet MS"/>
-              </a:rPr>
-              <a:t>строгих</a:t>
-            </a:r>
-            <a:r>
-              <a:rPr sz="900" i="1" spc="-15" dirty="0">
-                <a:solidFill>
-                  <a:srgbClr val="7F7F7F"/>
-                </a:solidFill>
-                <a:latin typeface="Trebuchet MS"/>
-                <a:cs typeface="Trebuchet MS"/>
-              </a:rPr>
-              <a:t> </a:t>
-            </a:r>
-            <a:r>
-              <a:rPr sz="900" i="1" spc="-65" dirty="0">
-                <a:solidFill>
-                  <a:srgbClr val="7F7F7F"/>
-                </a:solidFill>
-                <a:latin typeface="Trebuchet MS"/>
-                <a:cs typeface="Trebuchet MS"/>
-              </a:rPr>
-              <a:t>формулировок,</a:t>
-            </a:r>
-            <a:r>
-              <a:rPr sz="900" i="1" spc="-10" dirty="0">
-                <a:solidFill>
-                  <a:srgbClr val="7F7F7F"/>
-                </a:solidFill>
-                <a:latin typeface="Trebuchet MS"/>
-                <a:cs typeface="Trebuchet MS"/>
-              </a:rPr>
-              <a:t> </a:t>
-            </a:r>
-            <a:r>
-              <a:rPr sz="900" i="1" spc="-25" dirty="0">
-                <a:solidFill>
-                  <a:srgbClr val="7F7F7F"/>
-                </a:solidFill>
-                <a:latin typeface="Trebuchet MS"/>
-                <a:cs typeface="Trebuchet MS"/>
-              </a:rPr>
-              <a:t>не </a:t>
-            </a:r>
-            <a:r>
-              <a:rPr sz="900" i="1" spc="-65" dirty="0">
-                <a:solidFill>
-                  <a:srgbClr val="7F7F7F"/>
-                </a:solidFill>
-                <a:latin typeface="Trebuchet MS"/>
-                <a:cs typeface="Trebuchet MS"/>
-              </a:rPr>
-              <a:t>допускающих</a:t>
-            </a:r>
-            <a:r>
-              <a:rPr sz="900" i="1" spc="45" dirty="0">
-                <a:solidFill>
-                  <a:srgbClr val="7F7F7F"/>
-                </a:solidFill>
-                <a:latin typeface="Trebuchet MS"/>
-                <a:cs typeface="Trebuchet MS"/>
-              </a:rPr>
-              <a:t> </a:t>
-            </a:r>
-            <a:r>
-              <a:rPr sz="900" i="1" spc="-55" dirty="0">
-                <a:solidFill>
-                  <a:srgbClr val="7F7F7F"/>
-                </a:solidFill>
-                <a:latin typeface="Trebuchet MS"/>
-                <a:cs typeface="Trebuchet MS"/>
-              </a:rPr>
-              <a:t>неоднозначности</a:t>
-            </a:r>
-            <a:r>
-              <a:rPr sz="900" i="1" spc="50" dirty="0">
-                <a:solidFill>
-                  <a:srgbClr val="7F7F7F"/>
-                </a:solidFill>
-                <a:latin typeface="Trebuchet MS"/>
-                <a:cs typeface="Trebuchet MS"/>
-              </a:rPr>
-              <a:t> </a:t>
-            </a:r>
-            <a:r>
-              <a:rPr sz="900" i="1" spc="-10" dirty="0">
-                <a:solidFill>
-                  <a:srgbClr val="7F7F7F"/>
-                </a:solidFill>
-                <a:latin typeface="Trebuchet MS"/>
-                <a:cs typeface="Trebuchet MS"/>
-              </a:rPr>
-              <a:t>прочтения.</a:t>
-            </a:r>
-            <a:endParaRPr sz="900">
-              <a:latin typeface="Trebuchet MS"/>
-              <a:cs typeface="Trebuchet MS"/>
-            </a:endParaRPr>
-          </a:p>
-          <a:p>
-            <a:pPr marL="186055" marR="5080" indent="-115570">
-              <a:lnSpc>
-                <a:spcPct val="101000"/>
-              </a:lnSpc>
-              <a:spcBef>
-                <a:spcPts val="295"/>
-              </a:spcBef>
-              <a:buClr>
-                <a:srgbClr val="006CDC"/>
-              </a:buClr>
-              <a:buFont typeface="Cambria"/>
-              <a:buChar char="•"/>
-              <a:tabLst>
-                <a:tab pos="186055" algn="l"/>
-              </a:tabLst>
-            </a:pPr>
-            <a:r>
-              <a:rPr sz="900" i="1" spc="-70" dirty="0">
-                <a:solidFill>
-                  <a:srgbClr val="7F7F7F"/>
-                </a:solidFill>
-                <a:latin typeface="Trebuchet MS"/>
-                <a:cs typeface="Trebuchet MS"/>
-              </a:rPr>
-              <a:t>Например,</a:t>
-            </a:r>
-            <a:r>
-              <a:rPr sz="900" i="1" spc="-10" dirty="0">
-                <a:solidFill>
-                  <a:srgbClr val="7F7F7F"/>
-                </a:solidFill>
-                <a:latin typeface="Trebuchet MS"/>
-                <a:cs typeface="Trebuchet MS"/>
-              </a:rPr>
-              <a:t> </a:t>
-            </a:r>
-            <a:r>
-              <a:rPr sz="900" i="1" spc="-55" dirty="0">
-                <a:solidFill>
-                  <a:srgbClr val="7F7F7F"/>
-                </a:solidFill>
-                <a:latin typeface="Trebuchet MS"/>
-                <a:cs typeface="Trebuchet MS"/>
-              </a:rPr>
-              <a:t>если</a:t>
-            </a:r>
-            <a:r>
-              <a:rPr sz="900" i="1" spc="-15" dirty="0">
-                <a:solidFill>
-                  <a:srgbClr val="7F7F7F"/>
-                </a:solidFill>
-                <a:latin typeface="Trebuchet MS"/>
-                <a:cs typeface="Trebuchet MS"/>
-              </a:rPr>
-              <a:t> </a:t>
-            </a:r>
-            <a:r>
-              <a:rPr sz="900" i="1" spc="-75" dirty="0">
-                <a:solidFill>
-                  <a:srgbClr val="7F7F7F"/>
-                </a:solidFill>
-                <a:latin typeface="Trebuchet MS"/>
-                <a:cs typeface="Trebuchet MS"/>
-              </a:rPr>
-              <a:t>метод</a:t>
-            </a:r>
-            <a:r>
-              <a:rPr sz="900" i="1" spc="-10" dirty="0">
-                <a:solidFill>
-                  <a:srgbClr val="7F7F7F"/>
-                </a:solidFill>
-                <a:latin typeface="Trebuchet MS"/>
-                <a:cs typeface="Trebuchet MS"/>
-              </a:rPr>
-              <a:t> </a:t>
-            </a:r>
-            <a:r>
-              <a:rPr sz="900" i="1" spc="-55" dirty="0">
-                <a:solidFill>
-                  <a:srgbClr val="7F7F7F"/>
-                </a:solidFill>
-                <a:latin typeface="Trebuchet MS"/>
-                <a:cs typeface="Trebuchet MS"/>
-              </a:rPr>
-              <a:t>предполагает</a:t>
-            </a:r>
-            <a:r>
-              <a:rPr sz="900" i="1" spc="-10" dirty="0">
-                <a:solidFill>
-                  <a:srgbClr val="7F7F7F"/>
-                </a:solidFill>
-                <a:latin typeface="Trebuchet MS"/>
-                <a:cs typeface="Trebuchet MS"/>
-              </a:rPr>
-              <a:t> </a:t>
-            </a:r>
-            <a:r>
-              <a:rPr sz="900" i="1" spc="-55" dirty="0">
-                <a:solidFill>
-                  <a:srgbClr val="7F7F7F"/>
-                </a:solidFill>
-                <a:latin typeface="Trebuchet MS"/>
-                <a:cs typeface="Trebuchet MS"/>
-              </a:rPr>
-              <a:t>итерационную</a:t>
-            </a:r>
-            <a:r>
-              <a:rPr sz="900" i="1" spc="-10" dirty="0">
-                <a:solidFill>
-                  <a:srgbClr val="7F7F7F"/>
-                </a:solidFill>
-                <a:latin typeface="Trebuchet MS"/>
-                <a:cs typeface="Trebuchet MS"/>
-              </a:rPr>
-              <a:t> </a:t>
-            </a:r>
-            <a:r>
-              <a:rPr sz="900" i="1" spc="-75" dirty="0">
-                <a:solidFill>
-                  <a:srgbClr val="7F7F7F"/>
-                </a:solidFill>
-                <a:latin typeface="Trebuchet MS"/>
-                <a:cs typeface="Trebuchet MS"/>
-              </a:rPr>
-              <a:t>процедуру,</a:t>
-            </a:r>
-            <a:r>
-              <a:rPr sz="900" i="1" spc="-10" dirty="0">
-                <a:solidFill>
-                  <a:srgbClr val="7F7F7F"/>
-                </a:solidFill>
-                <a:latin typeface="Trebuchet MS"/>
-                <a:cs typeface="Trebuchet MS"/>
-              </a:rPr>
-              <a:t> </a:t>
-            </a:r>
-            <a:r>
-              <a:rPr sz="900" i="1" spc="-65" dirty="0">
-                <a:solidFill>
-                  <a:srgbClr val="7F7F7F"/>
-                </a:solidFill>
-                <a:latin typeface="Trebuchet MS"/>
-                <a:cs typeface="Trebuchet MS"/>
-              </a:rPr>
-              <a:t>то</a:t>
-            </a:r>
-            <a:r>
-              <a:rPr sz="900" i="1" spc="-10" dirty="0">
-                <a:solidFill>
-                  <a:srgbClr val="7F7F7F"/>
-                </a:solidFill>
-                <a:latin typeface="Trebuchet MS"/>
-                <a:cs typeface="Trebuchet MS"/>
-              </a:rPr>
-              <a:t> </a:t>
-            </a:r>
-            <a:r>
-              <a:rPr sz="900" i="1" spc="-60" dirty="0">
-                <a:solidFill>
-                  <a:srgbClr val="7F7F7F"/>
-                </a:solidFill>
-                <a:latin typeface="Trebuchet MS"/>
-                <a:cs typeface="Trebuchet MS"/>
-              </a:rPr>
-              <a:t>должно</a:t>
-            </a:r>
-            <a:r>
-              <a:rPr sz="900" i="1" spc="-10" dirty="0">
-                <a:solidFill>
-                  <a:srgbClr val="7F7F7F"/>
-                </a:solidFill>
-                <a:latin typeface="Trebuchet MS"/>
-                <a:cs typeface="Trebuchet MS"/>
-              </a:rPr>
-              <a:t> </a:t>
-            </a:r>
-            <a:r>
-              <a:rPr sz="900" i="1" spc="-85" dirty="0">
-                <a:solidFill>
-                  <a:srgbClr val="7F7F7F"/>
-                </a:solidFill>
-                <a:latin typeface="Trebuchet MS"/>
-                <a:cs typeface="Trebuchet MS"/>
-              </a:rPr>
-              <a:t>быть</a:t>
-            </a:r>
-            <a:r>
-              <a:rPr sz="900" i="1" spc="-10" dirty="0">
-                <a:solidFill>
-                  <a:srgbClr val="7F7F7F"/>
-                </a:solidFill>
-                <a:latin typeface="Trebuchet MS"/>
-                <a:cs typeface="Trebuchet MS"/>
-              </a:rPr>
-              <a:t> </a:t>
-            </a:r>
-            <a:r>
-              <a:rPr sz="900" i="1" spc="-45" dirty="0">
-                <a:solidFill>
-                  <a:srgbClr val="7F7F7F"/>
-                </a:solidFill>
-                <a:latin typeface="Trebuchet MS"/>
-                <a:cs typeface="Trebuchet MS"/>
-              </a:rPr>
-              <a:t>представлено </a:t>
-            </a:r>
-            <a:r>
-              <a:rPr sz="900" i="1" spc="-65" dirty="0">
-                <a:solidFill>
-                  <a:srgbClr val="7F7F7F"/>
-                </a:solidFill>
-                <a:latin typeface="Trebuchet MS"/>
-                <a:cs typeface="Trebuchet MS"/>
-              </a:rPr>
-              <a:t>соответствующее</a:t>
-            </a:r>
-            <a:r>
-              <a:rPr sz="900" i="1" spc="20" dirty="0">
-                <a:solidFill>
-                  <a:srgbClr val="7F7F7F"/>
-                </a:solidFill>
-                <a:latin typeface="Trebuchet MS"/>
-                <a:cs typeface="Trebuchet MS"/>
-              </a:rPr>
-              <a:t> </a:t>
-            </a:r>
-            <a:r>
-              <a:rPr sz="900" i="1" spc="-50" dirty="0">
-                <a:solidFill>
-                  <a:srgbClr val="7F7F7F"/>
-                </a:solidFill>
-                <a:latin typeface="Trebuchet MS"/>
-                <a:cs typeface="Trebuchet MS"/>
-              </a:rPr>
-              <a:t>рекуррентное</a:t>
-            </a:r>
-            <a:r>
-              <a:rPr sz="900" i="1" spc="20" dirty="0">
-                <a:solidFill>
-                  <a:srgbClr val="7F7F7F"/>
-                </a:solidFill>
-                <a:latin typeface="Trebuchet MS"/>
-                <a:cs typeface="Trebuchet MS"/>
-              </a:rPr>
-              <a:t> </a:t>
-            </a:r>
-            <a:r>
-              <a:rPr sz="900" i="1" spc="-70" dirty="0">
-                <a:solidFill>
-                  <a:srgbClr val="7F7F7F"/>
-                </a:solidFill>
-                <a:latin typeface="Trebuchet MS"/>
-                <a:cs typeface="Trebuchet MS"/>
-              </a:rPr>
-              <a:t>математическое</a:t>
-            </a:r>
-            <a:r>
-              <a:rPr sz="900" i="1" spc="20" dirty="0">
-                <a:solidFill>
-                  <a:srgbClr val="7F7F7F"/>
-                </a:solidFill>
-                <a:latin typeface="Trebuchet MS"/>
-                <a:cs typeface="Trebuchet MS"/>
-              </a:rPr>
-              <a:t> </a:t>
-            </a:r>
-            <a:r>
-              <a:rPr sz="900" i="1" spc="-10" dirty="0">
-                <a:solidFill>
-                  <a:srgbClr val="7F7F7F"/>
-                </a:solidFill>
-                <a:latin typeface="Trebuchet MS"/>
-                <a:cs typeface="Trebuchet MS"/>
-              </a:rPr>
-              <a:t>выражение.</a:t>
-            </a:r>
-            <a:endParaRPr sz="900">
-              <a:latin typeface="Trebuchet MS"/>
-              <a:cs typeface="Trebuchet MS"/>
-            </a:endParaRPr>
-          </a:p>
-          <a:p>
-            <a:pPr marL="186690" indent="-115570">
-              <a:lnSpc>
-                <a:spcPct val="100000"/>
-              </a:lnSpc>
-              <a:spcBef>
-                <a:spcPts val="310"/>
-              </a:spcBef>
-              <a:buClr>
-                <a:srgbClr val="006CDC"/>
-              </a:buClr>
-              <a:buFont typeface="Cambria"/>
-              <a:buChar char="•"/>
-              <a:tabLst>
-                <a:tab pos="186690" algn="l"/>
-              </a:tabLst>
-            </a:pPr>
-            <a:r>
-              <a:rPr sz="900" i="1" spc="-55" dirty="0">
-                <a:solidFill>
-                  <a:srgbClr val="7F7F7F"/>
-                </a:solidFill>
-                <a:latin typeface="Trebuchet MS"/>
-                <a:cs typeface="Trebuchet MS"/>
-              </a:rPr>
-              <a:t>Реализацию</a:t>
-            </a:r>
-            <a:r>
-              <a:rPr sz="900" i="1" spc="-10" dirty="0">
-                <a:solidFill>
-                  <a:srgbClr val="7F7F7F"/>
-                </a:solidFill>
-                <a:latin typeface="Trebuchet MS"/>
-                <a:cs typeface="Trebuchet MS"/>
-              </a:rPr>
-              <a:t> </a:t>
-            </a:r>
-            <a:r>
-              <a:rPr sz="900" i="1" spc="-75" dirty="0">
-                <a:solidFill>
-                  <a:srgbClr val="7F7F7F"/>
-                </a:solidFill>
-                <a:latin typeface="Trebuchet MS"/>
-                <a:cs typeface="Trebuchet MS"/>
-              </a:rPr>
-              <a:t>метода</a:t>
-            </a:r>
-            <a:r>
-              <a:rPr sz="900" i="1" spc="-5" dirty="0">
-                <a:solidFill>
-                  <a:srgbClr val="7F7F7F"/>
-                </a:solidFill>
-                <a:latin typeface="Trebuchet MS"/>
-                <a:cs typeface="Trebuchet MS"/>
-              </a:rPr>
-              <a:t> </a:t>
-            </a:r>
-            <a:r>
-              <a:rPr sz="900" i="1" spc="-60" dirty="0">
-                <a:solidFill>
-                  <a:srgbClr val="7F7F7F"/>
-                </a:solidFill>
-                <a:latin typeface="Trebuchet MS"/>
-                <a:cs typeface="Trebuchet MS"/>
-              </a:rPr>
-              <a:t>описывают</a:t>
-            </a:r>
-            <a:r>
-              <a:rPr sz="900" i="1" spc="-5" dirty="0">
-                <a:solidFill>
-                  <a:srgbClr val="7F7F7F"/>
-                </a:solidFill>
-                <a:latin typeface="Trebuchet MS"/>
-                <a:cs typeface="Trebuchet MS"/>
-              </a:rPr>
-              <a:t> </a:t>
-            </a:r>
-            <a:r>
-              <a:rPr sz="900" i="1" spc="-75" dirty="0">
-                <a:solidFill>
-                  <a:srgbClr val="7F7F7F"/>
-                </a:solidFill>
-                <a:latin typeface="Trebuchet MS"/>
-                <a:cs typeface="Trebuchet MS"/>
-              </a:rPr>
-              <a:t>в</a:t>
-            </a:r>
-            <a:r>
-              <a:rPr sz="900" i="1" dirty="0">
-                <a:solidFill>
-                  <a:srgbClr val="7F7F7F"/>
-                </a:solidFill>
-                <a:latin typeface="Trebuchet MS"/>
-                <a:cs typeface="Trebuchet MS"/>
-              </a:rPr>
-              <a:t> </a:t>
-            </a:r>
-            <a:r>
-              <a:rPr sz="900" i="1" spc="-55" dirty="0">
-                <a:solidFill>
-                  <a:srgbClr val="7F7F7F"/>
-                </a:solidFill>
-                <a:latin typeface="Trebuchet MS"/>
-                <a:cs typeface="Trebuchet MS"/>
-              </a:rPr>
-              <a:t>форме</a:t>
-            </a:r>
-            <a:r>
-              <a:rPr sz="900" i="1" spc="-5" dirty="0">
-                <a:solidFill>
-                  <a:srgbClr val="7F7F7F"/>
-                </a:solidFill>
-                <a:latin typeface="Trebuchet MS"/>
-                <a:cs typeface="Trebuchet MS"/>
-              </a:rPr>
-              <a:t> </a:t>
-            </a:r>
-            <a:r>
-              <a:rPr sz="900" i="1" spc="-65" dirty="0">
-                <a:solidFill>
-                  <a:srgbClr val="7F7F7F"/>
-                </a:solidFill>
-                <a:latin typeface="Trebuchet MS"/>
-                <a:cs typeface="Trebuchet MS"/>
-              </a:rPr>
-              <a:t>алгоритма</a:t>
-            </a:r>
-            <a:r>
-              <a:rPr sz="900" i="1" spc="-5" dirty="0">
-                <a:solidFill>
-                  <a:srgbClr val="7F7F7F"/>
-                </a:solidFill>
-                <a:latin typeface="Trebuchet MS"/>
-                <a:cs typeface="Trebuchet MS"/>
-              </a:rPr>
-              <a:t> </a:t>
-            </a:r>
-            <a:r>
-              <a:rPr sz="900" i="1" spc="-45" dirty="0">
-                <a:solidFill>
-                  <a:srgbClr val="7F7F7F"/>
-                </a:solidFill>
-                <a:latin typeface="Trebuchet MS"/>
-                <a:cs typeface="Trebuchet MS"/>
-              </a:rPr>
-              <a:t>с</a:t>
-            </a:r>
-            <a:r>
-              <a:rPr sz="900" i="1" spc="-5" dirty="0">
-                <a:solidFill>
-                  <a:srgbClr val="7F7F7F"/>
-                </a:solidFill>
-                <a:latin typeface="Trebuchet MS"/>
-                <a:cs typeface="Trebuchet MS"/>
-              </a:rPr>
-              <a:t> </a:t>
-            </a:r>
-            <a:r>
-              <a:rPr sz="900" i="1" spc="-65" dirty="0">
-                <a:solidFill>
-                  <a:srgbClr val="7F7F7F"/>
-                </a:solidFill>
-                <a:latin typeface="Trebuchet MS"/>
-                <a:cs typeface="Trebuchet MS"/>
-              </a:rPr>
-              <a:t>применением</a:t>
-            </a:r>
-            <a:r>
-              <a:rPr sz="900" i="1" spc="-5" dirty="0">
-                <a:solidFill>
-                  <a:srgbClr val="7F7F7F"/>
-                </a:solidFill>
-                <a:latin typeface="Trebuchet MS"/>
-                <a:cs typeface="Trebuchet MS"/>
-              </a:rPr>
-              <a:t> </a:t>
-            </a:r>
-            <a:r>
-              <a:rPr sz="900" i="1" spc="-65" dirty="0">
-                <a:solidFill>
-                  <a:srgbClr val="7F7F7F"/>
-                </a:solidFill>
-                <a:latin typeface="Trebuchet MS"/>
-                <a:cs typeface="Trebuchet MS"/>
-              </a:rPr>
-              <a:t>блок-</a:t>
-            </a:r>
-            <a:r>
-              <a:rPr sz="900" i="1" spc="-10" dirty="0">
-                <a:solidFill>
-                  <a:srgbClr val="7F7F7F"/>
-                </a:solidFill>
-                <a:latin typeface="Trebuchet MS"/>
-                <a:cs typeface="Trebuchet MS"/>
-              </a:rPr>
-              <a:t>схем.</a:t>
-            </a:r>
-            <a:endParaRPr sz="900">
-              <a:latin typeface="Trebuchet MS"/>
-              <a:cs typeface="Trebuchet MS"/>
-            </a:endParaRPr>
-          </a:p>
-          <a:p>
-            <a:pPr marL="12700">
-              <a:lnSpc>
-                <a:spcPct val="100000"/>
-              </a:lnSpc>
-              <a:spcBef>
-                <a:spcPts val="310"/>
-              </a:spcBef>
-            </a:pPr>
-            <a:r>
-              <a:rPr sz="900" spc="165" dirty="0">
-                <a:solidFill>
-                  <a:srgbClr val="006CDC"/>
-                </a:solidFill>
-                <a:latin typeface="Cambria"/>
-                <a:cs typeface="Cambria"/>
-              </a:rPr>
-              <a:t>→</a:t>
-            </a:r>
-            <a:r>
-              <a:rPr sz="900" spc="310" dirty="0">
-                <a:solidFill>
-                  <a:srgbClr val="006CDC"/>
-                </a:solidFill>
-                <a:latin typeface="Cambria"/>
-                <a:cs typeface="Cambria"/>
-              </a:rPr>
-              <a:t> </a:t>
-            </a:r>
-            <a:r>
-              <a:rPr sz="900" spc="-65" dirty="0">
-                <a:latin typeface="Trebuchet MS"/>
-                <a:cs typeface="Trebuchet MS"/>
-              </a:rPr>
-              <a:t>Рекомендуемый</a:t>
-            </a:r>
-            <a:r>
-              <a:rPr sz="900" spc="-20" dirty="0">
-                <a:latin typeface="Trebuchet MS"/>
-                <a:cs typeface="Trebuchet MS"/>
-              </a:rPr>
-              <a:t> </a:t>
-            </a:r>
-            <a:r>
-              <a:rPr sz="900" spc="-85" dirty="0">
-                <a:latin typeface="Trebuchet MS"/>
-                <a:cs typeface="Trebuchet MS"/>
-              </a:rPr>
-              <a:t>объём:</a:t>
-            </a:r>
-            <a:r>
-              <a:rPr sz="900" spc="-20" dirty="0">
-                <a:latin typeface="Trebuchet MS"/>
-                <a:cs typeface="Trebuchet MS"/>
-              </a:rPr>
-              <a:t> </a:t>
-            </a:r>
-            <a:r>
-              <a:rPr sz="900" spc="-90" dirty="0">
-                <a:latin typeface="Trebuchet MS"/>
-                <a:cs typeface="Trebuchet MS"/>
-              </a:rPr>
-              <a:t>2-</a:t>
-            </a:r>
-            <a:r>
-              <a:rPr sz="900" spc="-95" dirty="0">
-                <a:latin typeface="Trebuchet MS"/>
-                <a:cs typeface="Trebuchet MS"/>
-              </a:rPr>
-              <a:t>3</a:t>
-            </a:r>
-            <a:r>
-              <a:rPr sz="900" spc="-20" dirty="0">
-                <a:latin typeface="Trebuchet MS"/>
-                <a:cs typeface="Trebuchet MS"/>
-              </a:rPr>
-              <a:t> </a:t>
-            </a:r>
-            <a:r>
-              <a:rPr sz="900" spc="-10" dirty="0">
-                <a:latin typeface="Trebuchet MS"/>
-                <a:cs typeface="Trebuchet MS"/>
-              </a:rPr>
-              <a:t>cлайда.</a:t>
-            </a:r>
-            <a:endParaRPr sz="900">
-              <a:latin typeface="Trebuchet MS"/>
-              <a:cs typeface="Trebuchet MS"/>
-            </a:endParaRPr>
-          </a:p>
-        </p:txBody>
-      </p:sp>
       <p:sp>
         <p:nvSpPr>
           <p:cNvPr id="7" name="object 7"/>
@@ -13621,6 +9802,114 @@
               <a:rPr spc="-35" dirty="0"/>
               <a:t>16</a:t>
             </a:r>
+          </a:p>
+        </p:txBody>
+      </p:sp>
+      <p:pic>
+        <p:nvPicPr>
+          <p:cNvPr id="8" name="Рисунок 7">
+            <a:extLst>
+              <a:ext uri="{FF2B5EF4-FFF2-40B4-BE49-F238E27FC236}">
+                <a16:creationId xmlns:a16="http://schemas.microsoft.com/office/drawing/2014/main" id="{36DAB402-B032-4171-8FDE-305B23A821EA}"/>
+              </a:ext>
+            </a:extLst>
+          </p:cNvPr>
+          <p:cNvPicPr/>
+          <p:nvPr/>
+        </p:nvPicPr>
+        <p:blipFill>
+          <a:blip r:embed="rId4">
+            <a:extLst>
+              <a:ext uri="{28A0092B-C50C-407E-A947-70E740481C1C}">
+                <a14:useLocalDpi xmlns:a14="http://schemas.microsoft.com/office/drawing/2010/main" val="0"/>
+              </a:ext>
+            </a:extLst>
+          </a:blip>
+          <a:srcRect/>
+          <a:stretch>
+            <a:fillRect/>
+          </a:stretch>
+        </p:blipFill>
+        <p:spPr bwMode="auto">
+          <a:xfrm>
+            <a:off x="1062596" y="646860"/>
+            <a:ext cx="3640607" cy="2153311"/>
+          </a:xfrm>
+          <a:prstGeom prst="rect">
+            <a:avLst/>
+          </a:prstGeom>
+          <a:noFill/>
+          <a:ln>
+            <a:noFill/>
+          </a:ln>
+        </p:spPr>
+      </p:pic>
+      <p:sp>
+        <p:nvSpPr>
+          <p:cNvPr id="10" name="TextBox 9">
+            <a:extLst>
+              <a:ext uri="{FF2B5EF4-FFF2-40B4-BE49-F238E27FC236}">
+                <a16:creationId xmlns:a16="http://schemas.microsoft.com/office/drawing/2014/main" id="{799B1AFD-2162-4530-B9BE-22FCE3DAD29F}"/>
+              </a:ext>
+            </a:extLst>
+          </p:cNvPr>
+          <p:cNvSpPr txBox="1"/>
+          <p:nvPr/>
+        </p:nvSpPr>
+        <p:spPr>
+          <a:xfrm>
+            <a:off x="1621978" y="2800058"/>
+            <a:ext cx="2521844" cy="415498"/>
+          </a:xfrm>
+          <a:prstGeom prst="rect">
+            <a:avLst/>
+          </a:prstGeom>
+          <a:noFill/>
+        </p:spPr>
+        <p:txBody>
+          <a:bodyPr wrap="none" rtlCol="0">
+            <a:spAutoFit/>
+          </a:bodyPr>
+          <a:lstStyle/>
+          <a:p>
+            <a:pPr algn="ctr"/>
+            <a:r>
+              <a:rPr lang="ru-RU" sz="700" dirty="0"/>
+              <a:t>Рисунок 8. Схема обратного сетевого взаимодействия</a:t>
+            </a:r>
+            <a:endParaRPr lang="en-US" sz="700" dirty="0"/>
+          </a:p>
+          <a:p>
+            <a:pPr algn="ctr"/>
+            <a:r>
+              <a:rPr lang="en-US" sz="700" dirty="0"/>
+              <a:t>A) </a:t>
+            </a:r>
+            <a:r>
+              <a:rPr lang="ru-RU" sz="700" dirty="0"/>
+              <a:t>Напрямую с клиентом</a:t>
+            </a:r>
+            <a:r>
+              <a:rPr lang="en-US" sz="700" dirty="0"/>
+              <a:t>;</a:t>
+            </a:r>
+            <a:r>
+              <a:rPr lang="ru-RU" sz="700" dirty="0"/>
+              <a:t> </a:t>
+            </a:r>
+            <a:endParaRPr lang="en-US" sz="700" dirty="0"/>
+          </a:p>
+          <a:p>
+            <a:pPr algn="ctr"/>
+            <a:r>
+              <a:rPr lang="ru-RU" sz="700" dirty="0"/>
+              <a:t>Б) Через менеджер серверов</a:t>
+            </a:r>
+            <a:r>
+              <a:rPr lang="en-US" sz="700" dirty="0"/>
+              <a:t>.</a:t>
+            </a:r>
+            <a:endParaRPr lang="ru-RU" sz="700" dirty="0"/>
           </a:p>
         </p:txBody>
       </p:sp>
@@ -13744,7 +10033,7 @@
               <a:rPr sz="900" spc="-10" dirty="0"/>
               <a:t>Описание</a:t>
             </a:r>
-            <a:endParaRPr sz="900"/>
+            <a:endParaRPr sz="900" dirty="0"/>
           </a:p>
         </p:txBody>
       </p:sp>
@@ -13814,694 +10103,6 @@
       </p:pic>
       <p:sp>
         <p:nvSpPr>
-          <p:cNvPr id="6" name="object 6"/>
-          <p:cNvSpPr txBox="1"/>
-          <p:nvPr/>
-        </p:nvSpPr>
-        <p:spPr>
-          <a:xfrm>
-            <a:off x="257073" y="1139993"/>
-            <a:ext cx="4946650" cy="1009015"/>
-          </a:xfrm>
-          <a:prstGeom prst="rect">
-            <a:avLst/>
-          </a:prstGeom>
-        </p:spPr>
-        <p:txBody>
-          <a:bodyPr vert="horz" wrap="square" lIns="0" tIns="52069" rIns="0" bIns="0" rtlCol="0">
-            <a:spAutoFit/>
-          </a:bodyPr>
-          <a:lstStyle/>
-          <a:p>
-            <a:pPr marL="186690" indent="-115570">
-              <a:lnSpc>
-                <a:spcPct val="100000"/>
-              </a:lnSpc>
-              <a:spcBef>
-                <a:spcPts val="409"/>
-              </a:spcBef>
-              <a:buClr>
-                <a:srgbClr val="006CDC"/>
-              </a:buClr>
-              <a:buFont typeface="Cambria"/>
-              <a:buChar char="•"/>
-              <a:tabLst>
-                <a:tab pos="186690" algn="l"/>
-              </a:tabLst>
-            </a:pPr>
-            <a:r>
-              <a:rPr sz="900" i="1" spc="-70" dirty="0">
-                <a:solidFill>
-                  <a:srgbClr val="7F7F7F"/>
-                </a:solidFill>
-                <a:latin typeface="Trebuchet MS"/>
-                <a:cs typeface="Trebuchet MS"/>
-              </a:rPr>
-              <a:t>Ключевые</a:t>
-            </a:r>
-            <a:r>
-              <a:rPr sz="900" i="1" dirty="0">
-                <a:solidFill>
-                  <a:srgbClr val="7F7F7F"/>
-                </a:solidFill>
-                <a:latin typeface="Trebuchet MS"/>
-                <a:cs typeface="Trebuchet MS"/>
-              </a:rPr>
-              <a:t> </a:t>
-            </a:r>
-            <a:r>
-              <a:rPr sz="900" i="1" spc="-85" dirty="0">
-                <a:solidFill>
-                  <a:srgbClr val="7F7F7F"/>
-                </a:solidFill>
-                <a:latin typeface="Trebuchet MS"/>
-                <a:cs typeface="Trebuchet MS"/>
-              </a:rPr>
-              <a:t>элементы,</a:t>
-            </a:r>
-            <a:r>
-              <a:rPr sz="900" i="1" spc="5" dirty="0">
-                <a:solidFill>
-                  <a:srgbClr val="7F7F7F"/>
-                </a:solidFill>
-                <a:latin typeface="Trebuchet MS"/>
-                <a:cs typeface="Trebuchet MS"/>
-              </a:rPr>
-              <a:t> </a:t>
-            </a:r>
-            <a:r>
-              <a:rPr sz="900" i="1" spc="-60" dirty="0">
-                <a:solidFill>
-                  <a:srgbClr val="7F7F7F"/>
-                </a:solidFill>
-                <a:latin typeface="Trebuchet MS"/>
-                <a:cs typeface="Trebuchet MS"/>
-              </a:rPr>
-              <a:t>составные</a:t>
-            </a:r>
-            <a:r>
-              <a:rPr sz="900" i="1" spc="5" dirty="0">
-                <a:solidFill>
-                  <a:srgbClr val="7F7F7F"/>
-                </a:solidFill>
-                <a:latin typeface="Trebuchet MS"/>
-                <a:cs typeface="Trebuchet MS"/>
-              </a:rPr>
-              <a:t> </a:t>
-            </a:r>
-            <a:r>
-              <a:rPr sz="900" i="1" spc="-55" dirty="0">
-                <a:solidFill>
-                  <a:srgbClr val="7F7F7F"/>
-                </a:solidFill>
-                <a:latin typeface="Trebuchet MS"/>
-                <a:cs typeface="Trebuchet MS"/>
-              </a:rPr>
-              <a:t>части</a:t>
-            </a:r>
-            <a:r>
-              <a:rPr sz="900" i="1" dirty="0">
-                <a:solidFill>
-                  <a:srgbClr val="7F7F7F"/>
-                </a:solidFill>
-                <a:latin typeface="Trebuchet MS"/>
-                <a:cs typeface="Trebuchet MS"/>
-              </a:rPr>
-              <a:t> </a:t>
-            </a:r>
-            <a:r>
-              <a:rPr sz="900" i="1" spc="-55" dirty="0">
-                <a:solidFill>
-                  <a:srgbClr val="7F7F7F"/>
-                </a:solidFill>
-                <a:latin typeface="Trebuchet MS"/>
-                <a:cs typeface="Trebuchet MS"/>
-              </a:rPr>
-              <a:t>разрабатываемого</a:t>
-            </a:r>
-            <a:r>
-              <a:rPr sz="900" i="1" spc="5" dirty="0">
-                <a:solidFill>
-                  <a:srgbClr val="7F7F7F"/>
-                </a:solidFill>
-                <a:latin typeface="Trebuchet MS"/>
-                <a:cs typeface="Trebuchet MS"/>
-              </a:rPr>
-              <a:t> </a:t>
-            </a:r>
-            <a:r>
-              <a:rPr sz="900" i="1" spc="-25" dirty="0">
-                <a:solidFill>
-                  <a:srgbClr val="7F7F7F"/>
-                </a:solidFill>
-                <a:latin typeface="Trebuchet MS"/>
-                <a:cs typeface="Trebuchet MS"/>
-              </a:rPr>
-              <a:t>ПО.</a:t>
-            </a:r>
-            <a:endParaRPr sz="900">
-              <a:latin typeface="Trebuchet MS"/>
-              <a:cs typeface="Trebuchet MS"/>
-            </a:endParaRPr>
-          </a:p>
-          <a:p>
-            <a:pPr marL="186055" marR="5080" indent="-115570">
-              <a:lnSpc>
-                <a:spcPct val="101000"/>
-              </a:lnSpc>
-              <a:spcBef>
-                <a:spcPts val="300"/>
-              </a:spcBef>
-              <a:buClr>
-                <a:srgbClr val="006CDC"/>
-              </a:buClr>
-              <a:buFont typeface="Cambria"/>
-              <a:buChar char="•"/>
-              <a:tabLst>
-                <a:tab pos="186055" algn="l"/>
-              </a:tabLst>
-            </a:pPr>
-            <a:r>
-              <a:rPr sz="900" i="1" spc="-60" dirty="0">
-                <a:solidFill>
-                  <a:srgbClr val="7F7F7F"/>
-                </a:solidFill>
-                <a:latin typeface="Trebuchet MS"/>
-                <a:cs typeface="Trebuchet MS"/>
-              </a:rPr>
-              <a:t>Представляются</a:t>
-            </a:r>
-            <a:r>
-              <a:rPr sz="900" i="1" spc="-10" dirty="0">
-                <a:solidFill>
-                  <a:srgbClr val="7F7F7F"/>
-                </a:solidFill>
-                <a:latin typeface="Trebuchet MS"/>
-                <a:cs typeface="Trebuchet MS"/>
-              </a:rPr>
-              <a:t> </a:t>
-            </a:r>
-            <a:r>
-              <a:rPr sz="900" i="1" spc="-100" dirty="0">
-                <a:solidFill>
-                  <a:srgbClr val="7F7F7F"/>
-                </a:solidFill>
-                <a:latin typeface="Trebuchet MS"/>
-                <a:cs typeface="Trebuchet MS"/>
-              </a:rPr>
-              <a:t>схемы,</a:t>
-            </a:r>
-            <a:r>
-              <a:rPr sz="900" i="1" spc="-5" dirty="0">
-                <a:solidFill>
-                  <a:srgbClr val="7F7F7F"/>
-                </a:solidFill>
-                <a:latin typeface="Trebuchet MS"/>
-                <a:cs typeface="Trebuchet MS"/>
-              </a:rPr>
-              <a:t> </a:t>
-            </a:r>
-            <a:r>
-              <a:rPr sz="900" i="1" spc="-60" dirty="0">
-                <a:solidFill>
-                  <a:srgbClr val="7F7F7F"/>
-                </a:solidFill>
-                <a:latin typeface="Trebuchet MS"/>
-                <a:cs typeface="Trebuchet MS"/>
-              </a:rPr>
-              <a:t>описывающие</a:t>
-            </a:r>
-            <a:r>
-              <a:rPr sz="900" i="1" spc="-10" dirty="0">
-                <a:solidFill>
-                  <a:srgbClr val="7F7F7F"/>
-                </a:solidFill>
-                <a:latin typeface="Trebuchet MS"/>
-                <a:cs typeface="Trebuchet MS"/>
-              </a:rPr>
-              <a:t> </a:t>
-            </a:r>
-            <a:r>
-              <a:rPr sz="900" i="1" spc="-50" dirty="0">
-                <a:solidFill>
-                  <a:srgbClr val="7F7F7F"/>
-                </a:solidFill>
-                <a:latin typeface="Trebuchet MS"/>
-                <a:cs typeface="Trebuchet MS"/>
-              </a:rPr>
-              <a:t>ПО</a:t>
-            </a:r>
-            <a:r>
-              <a:rPr sz="900" i="1" spc="-5" dirty="0">
-                <a:solidFill>
-                  <a:srgbClr val="7F7F7F"/>
-                </a:solidFill>
-                <a:latin typeface="Trebuchet MS"/>
-                <a:cs typeface="Trebuchet MS"/>
-              </a:rPr>
-              <a:t> </a:t>
-            </a:r>
-            <a:r>
-              <a:rPr sz="900" i="1" spc="-35" dirty="0">
-                <a:solidFill>
-                  <a:srgbClr val="7F7F7F"/>
-                </a:solidFill>
-                <a:latin typeface="Trebuchet MS"/>
-                <a:cs typeface="Trebuchet MS"/>
-              </a:rPr>
-              <a:t>на</a:t>
-            </a:r>
-            <a:r>
-              <a:rPr sz="900" i="1" spc="-10" dirty="0">
-                <a:solidFill>
-                  <a:srgbClr val="7F7F7F"/>
-                </a:solidFill>
-                <a:latin typeface="Trebuchet MS"/>
-                <a:cs typeface="Trebuchet MS"/>
-              </a:rPr>
-              <a:t> </a:t>
-            </a:r>
-            <a:r>
-              <a:rPr sz="900" i="1" spc="-65" dirty="0">
-                <a:solidFill>
-                  <a:srgbClr val="7F7F7F"/>
-                </a:solidFill>
-                <a:latin typeface="Trebuchet MS"/>
-                <a:cs typeface="Trebuchet MS"/>
-              </a:rPr>
-              <a:t>различных</a:t>
-            </a:r>
-            <a:r>
-              <a:rPr sz="900" i="1" spc="-5" dirty="0">
-                <a:solidFill>
-                  <a:srgbClr val="7F7F7F"/>
-                </a:solidFill>
-                <a:latin typeface="Trebuchet MS"/>
-                <a:cs typeface="Trebuchet MS"/>
-              </a:rPr>
-              <a:t> </a:t>
-            </a:r>
-            <a:r>
-              <a:rPr sz="900" i="1" spc="-60" dirty="0">
-                <a:solidFill>
-                  <a:srgbClr val="7F7F7F"/>
-                </a:solidFill>
-                <a:latin typeface="Trebuchet MS"/>
-                <a:cs typeface="Trebuchet MS"/>
-              </a:rPr>
-              <a:t>уровнях</a:t>
-            </a:r>
-            <a:r>
-              <a:rPr sz="900" i="1" spc="-10" dirty="0">
-                <a:solidFill>
-                  <a:srgbClr val="7F7F7F"/>
-                </a:solidFill>
-                <a:latin typeface="Trebuchet MS"/>
-                <a:cs typeface="Trebuchet MS"/>
-              </a:rPr>
-              <a:t> </a:t>
-            </a:r>
-            <a:r>
-              <a:rPr sz="900" i="1" spc="-65" dirty="0">
-                <a:solidFill>
-                  <a:srgbClr val="7F7F7F"/>
-                </a:solidFill>
-                <a:latin typeface="Trebuchet MS"/>
-                <a:cs typeface="Trebuchet MS"/>
-              </a:rPr>
-              <a:t>абстракции:</a:t>
-            </a:r>
-            <a:r>
-              <a:rPr sz="900" i="1" spc="-5" dirty="0">
-                <a:solidFill>
-                  <a:srgbClr val="7F7F7F"/>
-                </a:solidFill>
-                <a:latin typeface="Trebuchet MS"/>
-                <a:cs typeface="Trebuchet MS"/>
-              </a:rPr>
-              <a:t> </a:t>
-            </a:r>
-            <a:r>
-              <a:rPr sz="900" i="1" spc="-55" dirty="0">
-                <a:solidFill>
-                  <a:srgbClr val="7F7F7F"/>
-                </a:solidFill>
-                <a:latin typeface="Trebuchet MS"/>
-                <a:cs typeface="Trebuchet MS"/>
-              </a:rPr>
-              <a:t>иерархии</a:t>
-            </a:r>
-            <a:r>
-              <a:rPr sz="900" i="1" spc="-10" dirty="0">
-                <a:solidFill>
-                  <a:srgbClr val="7F7F7F"/>
-                </a:solidFill>
-                <a:latin typeface="Trebuchet MS"/>
-                <a:cs typeface="Trebuchet MS"/>
-              </a:rPr>
-              <a:t> </a:t>
-            </a:r>
-            <a:r>
-              <a:rPr sz="900" i="1" spc="-50" dirty="0">
-                <a:solidFill>
-                  <a:srgbClr val="7F7F7F"/>
-                </a:solidFill>
-                <a:latin typeface="Trebuchet MS"/>
-                <a:cs typeface="Trebuchet MS"/>
-              </a:rPr>
-              <a:t>классов, </a:t>
-            </a:r>
-            <a:r>
-              <a:rPr sz="900" i="1" spc="-70" dirty="0">
-                <a:solidFill>
-                  <a:srgbClr val="7F7F7F"/>
-                </a:solidFill>
-                <a:latin typeface="Trebuchet MS"/>
-                <a:cs typeface="Trebuchet MS"/>
-              </a:rPr>
-              <a:t>UML</a:t>
-            </a:r>
-            <a:r>
-              <a:rPr sz="900" i="1" spc="-30" dirty="0">
-                <a:solidFill>
-                  <a:srgbClr val="7F7F7F"/>
-                </a:solidFill>
-                <a:latin typeface="Trebuchet MS"/>
-                <a:cs typeface="Trebuchet MS"/>
-              </a:rPr>
-              <a:t> </a:t>
-            </a:r>
-            <a:r>
-              <a:rPr sz="900" i="1" spc="-85" dirty="0">
-                <a:solidFill>
-                  <a:srgbClr val="7F7F7F"/>
-                </a:solidFill>
-                <a:latin typeface="Trebuchet MS"/>
-                <a:cs typeface="Trebuchet MS"/>
-              </a:rPr>
-              <a:t>диаграммы,</a:t>
-            </a:r>
-            <a:r>
-              <a:rPr sz="900" i="1" spc="-30" dirty="0">
-                <a:solidFill>
-                  <a:srgbClr val="7F7F7F"/>
-                </a:solidFill>
-                <a:latin typeface="Trebuchet MS"/>
-                <a:cs typeface="Trebuchet MS"/>
-              </a:rPr>
-              <a:t> </a:t>
-            </a:r>
-            <a:r>
-              <a:rPr sz="900" i="1" spc="-60" dirty="0">
-                <a:solidFill>
-                  <a:srgbClr val="7F7F7F"/>
-                </a:solidFill>
-                <a:latin typeface="Trebuchet MS"/>
-                <a:cs typeface="Trebuchet MS"/>
-              </a:rPr>
-              <a:t>и</a:t>
-            </a:r>
-            <a:r>
-              <a:rPr sz="900" i="1" spc="-30" dirty="0">
-                <a:solidFill>
-                  <a:srgbClr val="7F7F7F"/>
-                </a:solidFill>
-                <a:latin typeface="Trebuchet MS"/>
-                <a:cs typeface="Trebuchet MS"/>
-              </a:rPr>
-              <a:t> </a:t>
-            </a:r>
-            <a:r>
-              <a:rPr sz="900" i="1" spc="-20" dirty="0">
-                <a:solidFill>
-                  <a:srgbClr val="7F7F7F"/>
-                </a:solidFill>
-                <a:latin typeface="Trebuchet MS"/>
-                <a:cs typeface="Trebuchet MS"/>
-              </a:rPr>
-              <a:t>т.п.</a:t>
-            </a:r>
-            <a:endParaRPr sz="900">
-              <a:latin typeface="Trebuchet MS"/>
-              <a:cs typeface="Trebuchet MS"/>
-            </a:endParaRPr>
-          </a:p>
-          <a:p>
-            <a:pPr marL="186055" marR="147320" indent="-115570">
-              <a:lnSpc>
-                <a:spcPct val="101000"/>
-              </a:lnSpc>
-              <a:spcBef>
-                <a:spcPts val="295"/>
-              </a:spcBef>
-              <a:buClr>
-                <a:srgbClr val="006CDC"/>
-              </a:buClr>
-              <a:buFont typeface="Cambria"/>
-              <a:buChar char="•"/>
-              <a:tabLst>
-                <a:tab pos="186055" algn="l"/>
-              </a:tabLst>
-            </a:pPr>
-            <a:r>
-              <a:rPr sz="900" i="1" spc="-70" dirty="0">
-                <a:solidFill>
-                  <a:srgbClr val="7F7F7F"/>
-                </a:solidFill>
-                <a:latin typeface="Trebuchet MS"/>
-                <a:cs typeface="Trebuchet MS"/>
-              </a:rPr>
-              <a:t>Следует</a:t>
-            </a:r>
-            <a:r>
-              <a:rPr sz="900" i="1" spc="5" dirty="0">
-                <a:solidFill>
-                  <a:srgbClr val="7F7F7F"/>
-                </a:solidFill>
-                <a:latin typeface="Trebuchet MS"/>
-                <a:cs typeface="Trebuchet MS"/>
-              </a:rPr>
-              <a:t> </a:t>
-            </a:r>
-            <a:r>
-              <a:rPr sz="900" i="1" spc="-70" dirty="0">
-                <a:solidFill>
-                  <a:srgbClr val="7F7F7F"/>
-                </a:solidFill>
-                <a:latin typeface="Trebuchet MS"/>
-                <a:cs typeface="Trebuchet MS"/>
-              </a:rPr>
-              <a:t>минимизировать</a:t>
-            </a:r>
-            <a:r>
-              <a:rPr sz="900" i="1" spc="10" dirty="0">
-                <a:solidFill>
-                  <a:srgbClr val="7F7F7F"/>
-                </a:solidFill>
-                <a:latin typeface="Trebuchet MS"/>
-                <a:cs typeface="Trebuchet MS"/>
-              </a:rPr>
-              <a:t> </a:t>
-            </a:r>
-            <a:r>
-              <a:rPr sz="900" i="1" spc="-70" dirty="0">
-                <a:solidFill>
-                  <a:srgbClr val="7F7F7F"/>
-                </a:solidFill>
-                <a:latin typeface="Trebuchet MS"/>
-                <a:cs typeface="Trebuchet MS"/>
-              </a:rPr>
-              <a:t>текстовые</a:t>
-            </a:r>
-            <a:r>
-              <a:rPr sz="900" i="1" spc="10" dirty="0">
-                <a:solidFill>
-                  <a:srgbClr val="7F7F7F"/>
-                </a:solidFill>
-                <a:latin typeface="Trebuchet MS"/>
-                <a:cs typeface="Trebuchet MS"/>
-              </a:rPr>
-              <a:t> </a:t>
-            </a:r>
-            <a:r>
-              <a:rPr sz="900" i="1" spc="-55" dirty="0">
-                <a:solidFill>
-                  <a:srgbClr val="7F7F7F"/>
-                </a:solidFill>
-                <a:latin typeface="Trebuchet MS"/>
-                <a:cs typeface="Trebuchet MS"/>
-              </a:rPr>
-              <a:t>нерепрезентативные</a:t>
-            </a:r>
-            <a:r>
-              <a:rPr sz="900" i="1" spc="10" dirty="0">
-                <a:solidFill>
-                  <a:srgbClr val="7F7F7F"/>
-                </a:solidFill>
-                <a:latin typeface="Trebuchet MS"/>
-                <a:cs typeface="Trebuchet MS"/>
-              </a:rPr>
-              <a:t> </a:t>
-            </a:r>
-            <a:r>
-              <a:rPr sz="900" i="1" spc="-55" dirty="0">
-                <a:solidFill>
-                  <a:srgbClr val="7F7F7F"/>
-                </a:solidFill>
-                <a:latin typeface="Trebuchet MS"/>
-                <a:cs typeface="Trebuchet MS"/>
-              </a:rPr>
-              <a:t>способы</a:t>
-            </a:r>
-            <a:r>
-              <a:rPr sz="900" i="1" spc="5" dirty="0">
-                <a:solidFill>
-                  <a:srgbClr val="7F7F7F"/>
-                </a:solidFill>
-                <a:latin typeface="Trebuchet MS"/>
-                <a:cs typeface="Trebuchet MS"/>
-              </a:rPr>
-              <a:t> </a:t>
-            </a:r>
-            <a:r>
-              <a:rPr sz="900" i="1" spc="-45" dirty="0">
-                <a:solidFill>
-                  <a:srgbClr val="7F7F7F"/>
-                </a:solidFill>
-                <a:latin typeface="Trebuchet MS"/>
-                <a:cs typeface="Trebuchet MS"/>
-              </a:rPr>
-              <a:t>описания</a:t>
-            </a:r>
-            <a:r>
-              <a:rPr sz="900" i="1" spc="10" dirty="0">
-                <a:solidFill>
-                  <a:srgbClr val="7F7F7F"/>
-                </a:solidFill>
-                <a:latin typeface="Trebuchet MS"/>
-                <a:cs typeface="Trebuchet MS"/>
-              </a:rPr>
-              <a:t> </a:t>
-            </a:r>
-            <a:r>
-              <a:rPr sz="900" i="1" spc="-55" dirty="0">
-                <a:solidFill>
-                  <a:srgbClr val="7F7F7F"/>
-                </a:solidFill>
-                <a:latin typeface="Trebuchet MS"/>
-                <a:cs typeface="Trebuchet MS"/>
-              </a:rPr>
-              <a:t>программных </a:t>
-            </a:r>
-            <a:r>
-              <a:rPr sz="900" i="1" spc="-10" dirty="0">
-                <a:solidFill>
-                  <a:srgbClr val="7F7F7F"/>
-                </a:solidFill>
-                <a:latin typeface="Trebuchet MS"/>
-                <a:cs typeface="Trebuchet MS"/>
-              </a:rPr>
-              <a:t>объектов.</a:t>
-            </a:r>
-            <a:endParaRPr sz="900">
-              <a:latin typeface="Trebuchet MS"/>
-              <a:cs typeface="Trebuchet MS"/>
-            </a:endParaRPr>
-          </a:p>
-          <a:p>
-            <a:pPr marL="12700">
-              <a:lnSpc>
-                <a:spcPct val="100000"/>
-              </a:lnSpc>
-              <a:spcBef>
-                <a:spcPts val="310"/>
-              </a:spcBef>
-            </a:pPr>
-            <a:r>
-              <a:rPr sz="900" spc="165" dirty="0">
-                <a:solidFill>
-                  <a:srgbClr val="006CDC"/>
-                </a:solidFill>
-                <a:latin typeface="Cambria"/>
-                <a:cs typeface="Cambria"/>
-              </a:rPr>
-              <a:t>→</a:t>
-            </a:r>
-            <a:r>
-              <a:rPr sz="900" spc="305" dirty="0">
-                <a:solidFill>
-                  <a:srgbClr val="006CDC"/>
-                </a:solidFill>
-                <a:latin typeface="Cambria"/>
-                <a:cs typeface="Cambria"/>
-              </a:rPr>
-              <a:t> </a:t>
-            </a:r>
-            <a:r>
-              <a:rPr sz="900" spc="-65" dirty="0">
-                <a:latin typeface="Trebuchet MS"/>
-                <a:cs typeface="Trebuchet MS"/>
-              </a:rPr>
-              <a:t>Рекомендуемый</a:t>
-            </a:r>
-            <a:r>
-              <a:rPr sz="900" spc="-20" dirty="0">
-                <a:latin typeface="Trebuchet MS"/>
-                <a:cs typeface="Trebuchet MS"/>
-              </a:rPr>
-              <a:t> </a:t>
-            </a:r>
-            <a:r>
-              <a:rPr sz="900" spc="-85" dirty="0">
-                <a:latin typeface="Trebuchet MS"/>
-                <a:cs typeface="Trebuchet MS"/>
-              </a:rPr>
-              <a:t>объём:</a:t>
-            </a:r>
-            <a:r>
-              <a:rPr sz="900" spc="-15" dirty="0">
-                <a:latin typeface="Trebuchet MS"/>
-                <a:cs typeface="Trebuchet MS"/>
-              </a:rPr>
-              <a:t> </a:t>
-            </a:r>
-            <a:r>
-              <a:rPr sz="900" spc="-105" dirty="0">
-                <a:latin typeface="Trebuchet MS"/>
-                <a:cs typeface="Trebuchet MS"/>
-              </a:rPr>
-              <a:t>1-</a:t>
-            </a:r>
-            <a:r>
-              <a:rPr sz="900" spc="-95" dirty="0">
-                <a:latin typeface="Trebuchet MS"/>
-                <a:cs typeface="Trebuchet MS"/>
-              </a:rPr>
-              <a:t>3</a:t>
-            </a:r>
-            <a:r>
-              <a:rPr sz="900" spc="-15" dirty="0">
-                <a:latin typeface="Trebuchet MS"/>
-                <a:cs typeface="Trebuchet MS"/>
-              </a:rPr>
-              <a:t> </a:t>
-            </a:r>
-            <a:r>
-              <a:rPr sz="900" spc="-10" dirty="0">
-                <a:latin typeface="Trebuchet MS"/>
-                <a:cs typeface="Trebuchet MS"/>
-              </a:rPr>
-              <a:t>cлайда.</a:t>
-            </a:r>
-            <a:endParaRPr sz="900">
-              <a:latin typeface="Trebuchet MS"/>
-              <a:cs typeface="Trebuchet MS"/>
-            </a:endParaRPr>
-          </a:p>
-        </p:txBody>
-      </p:sp>
-      <p:sp>
-        <p:nvSpPr>
           <p:cNvPr id="7" name="object 7"/>
           <p:cNvSpPr txBox="1">
             <a:spLocks noGrp="1"/>
@@ -14548,7 +10149,110 @@
           </a:p>
         </p:txBody>
       </p:sp>
+      <p:pic>
+        <p:nvPicPr>
+          <p:cNvPr id="1028" name="Picture 4">
+            <a:extLst>
+              <a:ext uri="{FF2B5EF4-FFF2-40B4-BE49-F238E27FC236}">
+                <a16:creationId xmlns:a16="http://schemas.microsoft.com/office/drawing/2014/main" id="{08F95533-4F09-426A-9D53-4D518B4E9E74}"/>
+              </a:ext>
+            </a:extLst>
+          </p:cNvPr>
+          <p:cNvPicPr>
+            <a:picLocks noChangeAspect="1" noChangeArrowheads="1"/>
+          </p:cNvPicPr>
+          <p:nvPr/>
+        </p:nvPicPr>
+        <p:blipFill>
+          <a:blip r:embed="rId3">
+            <a:extLst>
+              <a:ext uri="{28A0092B-C50C-407E-A947-70E740481C1C}">
+                <a14:useLocalDpi xmlns:a14="http://schemas.microsoft.com/office/drawing/2010/main" val="0"/>
+              </a:ext>
+            </a:extLst>
+          </a:blip>
+          <a:srcRect/>
+          <a:stretch>
+            <a:fillRect/>
+          </a:stretch>
+        </p:blipFill>
+        <p:spPr bwMode="auto">
+          <a:xfrm>
+            <a:off x="923489" y="663939"/>
+            <a:ext cx="3918822" cy="2025228"/>
+          </a:xfrm>
+          <a:prstGeom prst="rect">
+            <a:avLst/>
+          </a:prstGeom>
+          <a:noFill/>
+          <a:extLst>
+            <a:ext uri="{909E8E84-426E-40DD-AFC4-6F175D3DCCD1}">
+              <a14:hiddenFill xmlns:a14="http://schemas.microsoft.com/office/drawing/2010/main">
+                <a:solidFill>
+                  <a:srgbClr val="FFFFFF"/>
+                </a:solidFill>
+              </a14:hiddenFill>
+            </a:ext>
+          </a:extLst>
+        </p:spPr>
+      </p:pic>
+      <p:sp>
+        <p:nvSpPr>
+          <p:cNvPr id="9" name="TextBox 8">
+            <a:extLst>
+              <a:ext uri="{FF2B5EF4-FFF2-40B4-BE49-F238E27FC236}">
+                <a16:creationId xmlns:a16="http://schemas.microsoft.com/office/drawing/2014/main" id="{CFAEFEEB-FB16-42F9-9E08-00410B254A7B}"/>
+              </a:ext>
+            </a:extLst>
+          </p:cNvPr>
+          <p:cNvSpPr txBox="1"/>
+          <p:nvPr/>
+        </p:nvSpPr>
+        <p:spPr>
+          <a:xfrm>
+            <a:off x="1770263" y="2720315"/>
+            <a:ext cx="2225289" cy="307777"/>
+          </a:xfrm>
+          <a:prstGeom prst="rect">
+            <a:avLst/>
+          </a:prstGeom>
+          <a:noFill/>
+        </p:spPr>
+        <p:txBody>
+          <a:bodyPr wrap="none" rtlCol="0">
+            <a:spAutoFit/>
+          </a:bodyPr>
+          <a:lstStyle/>
+          <a:p>
+            <a:pPr algn="ctr"/>
+            <a:r>
+              <a:rPr lang="ru-RU" sz="700" dirty="0"/>
+              <a:t>Рисунок 9. </a:t>
+            </a:r>
+            <a:r>
+              <a:rPr lang="en-US" sz="700" dirty="0"/>
+              <a:t>UML-</a:t>
+            </a:r>
+            <a:r>
+              <a:rPr lang="ru-RU" sz="700" dirty="0"/>
+              <a:t>диаграмма последовательности</a:t>
+            </a:r>
+          </a:p>
+          <a:p>
+            <a:pPr algn="ctr"/>
+            <a:r>
+              <a:rPr lang="ru-RU" sz="700" dirty="0"/>
+              <a:t>успешного сценария использования системы</a:t>
+            </a:r>
+          </a:p>
+        </p:txBody>
+      </p:sp>
     </p:spTree>
+    <p:extLst>
+      <p:ext uri="{BB962C8B-B14F-4D97-AF65-F5344CB8AC3E}">
+        <p14:creationId xmlns:p14="http://schemas.microsoft.com/office/powerpoint/2010/main" val="288419731"/>
+      </p:ext>
+    </p:extLst>
   </p:cSld>
   <p:clrMapOvr>
     <a:masterClrMapping/>
@@ -14651,7 +10355,7 @@
             </a:pPr>
             <a:r>
               <a:rPr lang="ru-RU" spc="-80" dirty="0"/>
-              <a:t>Реализация сериализации сетевых пакетов </a:t>
+              <a:t>Сериализация сетевых пакетов </a:t>
             </a:r>
             <a:endParaRPr spc="-25" dirty="0"/>
           </a:p>
@@ -15211,7 +10915,7 @@
         <p:spPr>
           <a:xfrm>
             <a:off x="203300" y="154913"/>
-            <a:ext cx="2679600" cy="310534"/>
+            <a:ext cx="2984400" cy="310534"/>
           </a:xfrm>
           <a:prstGeom prst="rect">
             <a:avLst/>
@@ -15233,7 +10937,7 @@
             </a:pPr>
             <a:r>
               <a:rPr lang="ru-RU" spc="-80" dirty="0"/>
-              <a:t>Реализация сериализации сетевых пакетов </a:t>
+              <a:t>Сериализация сетевых пакетов </a:t>
             </a:r>
             <a:endParaRPr spc="-25" dirty="0"/>
           </a:p>
@@ -15245,7 +10949,7 @@
             </a:pPr>
             <a:r>
               <a:rPr lang="ru-RU" sz="900" spc="-10" dirty="0"/>
-              <a:t>Представление в памяти и производительность</a:t>
+              <a:t>Пример данных сетевого пакета для сериализации</a:t>
             </a:r>
             <a:endParaRPr sz="900" dirty="0"/>
           </a:p>
@@ -15363,410 +11067,12 @@
           </a:p>
         </p:txBody>
       </p:sp>
-      <p:graphicFrame>
-        <p:nvGraphicFramePr>
-          <p:cNvPr id="12" name="Таблица 12">
+      <p:sp>
+        <p:nvSpPr>
+          <p:cNvPr id="14" name="TextBox 13">
             <a:extLst>
               <a:ext uri="{FF2B5EF4-FFF2-40B4-BE49-F238E27FC236}">
-                <a16:creationId xmlns:a16="http://schemas.microsoft.com/office/drawing/2014/main" id="{5E63C27F-3DA8-4F4B-AA6B-10530376B1E5}"/>
-              </a:ext>
-            </a:extLst>
-          </p:cNvPr>
-          <p:cNvGraphicFramePr>
-            <a:graphicFrameLocks noGrp="1"/>
-          </p:cNvGraphicFramePr>
-          <p:nvPr>
-            <p:extLst>
-              <p:ext uri="{D42A27DB-BD31-4B8C-83A1-F6EECF244321}">
-                <p14:modId xmlns:p14="http://schemas.microsoft.com/office/powerpoint/2010/main" val="2422401988"/>
-              </p:ext>
-            </p:extLst>
-          </p:nvPr>
-        </p:nvGraphicFramePr>
-        <p:xfrm>
-          <a:off x="154011" y="819005"/>
-          <a:ext cx="2805089" cy="1771800"/>
-        </p:xfrm>
-        <a:graphic>
-          <a:graphicData uri="http://schemas.openxmlformats.org/drawingml/2006/table">
-            <a:tbl>
-              <a:tblPr firstRow="1" bandRow="1">
-                <a:tableStyleId>{5C22544A-7EE6-4342-B048-85BDC9FD1C3A}</a:tableStyleId>
-              </a:tblPr>
-              <a:tblGrid>
-                <a:gridCol w="1281088">
-                  <a:extLst>
-                    <a:ext uri="{9D8B030D-6E8A-4147-A177-3AD203B41FA5}">
-                      <a16:colId xmlns:a16="http://schemas.microsoft.com/office/drawing/2014/main" val="2318734372"/>
-                    </a:ext>
-                  </a:extLst>
-                </a:gridCol>
-                <a:gridCol w="1066800">
-                  <a:extLst>
-                    <a:ext uri="{9D8B030D-6E8A-4147-A177-3AD203B41FA5}">
-                      <a16:colId xmlns:a16="http://schemas.microsoft.com/office/drawing/2014/main" val="3860383443"/>
-                    </a:ext>
-                  </a:extLst>
-                </a:gridCol>
-                <a:gridCol w="457201">
-                  <a:extLst>
-                    <a:ext uri="{9D8B030D-6E8A-4147-A177-3AD203B41FA5}">
-                      <a16:colId xmlns:a16="http://schemas.microsoft.com/office/drawing/2014/main" val="746164936"/>
-                    </a:ext>
-                  </a:extLst>
-                </a:gridCol>
-              </a:tblGrid>
-              <a:tr h="193700">
-                <a:tc>
-                  <a:txBody>
-                    <a:bodyPr/>
-                    <a:lstStyle/>
-                    <a:p>
-                      <a:r>
-                        <a:rPr lang="ru-RU" sz="700" dirty="0"/>
-                        <a:t>Поле</a:t>
-                      </a:r>
-                    </a:p>
-                  </a:txBody>
-                  <a:tcPr/>
-                </a:tc>
-                <a:tc>
-                  <a:txBody>
-                    <a:bodyPr/>
-                    <a:lstStyle/>
-                    <a:p>
-                      <a:r>
-                        <a:rPr lang="ru-RU" sz="700" dirty="0"/>
-                        <a:t>Пример значения</a:t>
-                      </a:r>
-                    </a:p>
-                  </a:txBody>
-                  <a:tcPr/>
-                </a:tc>
-                <a:tc>
-                  <a:txBody>
-                    <a:bodyPr/>
-                    <a:lstStyle/>
-                    <a:p>
-                      <a:r>
-                        <a:rPr lang="ru-RU" sz="700" dirty="0"/>
-                        <a:t>Длина</a:t>
-                      </a:r>
-                    </a:p>
-                  </a:txBody>
-                  <a:tcPr/>
-                </a:tc>
-                <a:extLst>
-                  <a:ext uri="{0D108BD9-81ED-4DB2-BD59-A6C34878D82A}">
-                    <a16:rowId xmlns:a16="http://schemas.microsoft.com/office/drawing/2014/main" val="1627388847"/>
-                  </a:ext>
-                </a:extLst>
-              </a:tr>
-              <a:tr h="232440">
-                <a:tc>
-                  <a:txBody>
-                    <a:bodyPr/>
-                    <a:lstStyle/>
-                    <a:p>
-                      <a:r>
-                        <a:rPr lang="en-US" sz="700" dirty="0"/>
-                        <a:t>REGISTER_SERVER</a:t>
-                      </a:r>
-                      <a:endParaRPr lang="ru-RU" sz="700" dirty="0"/>
-                    </a:p>
-                  </a:txBody>
-                  <a:tcPr/>
-                </a:tc>
-                <a:tc>
-                  <a:txBody>
-                    <a:bodyPr/>
-                    <a:lstStyle/>
-                    <a:p>
-                      <a:r>
-                        <a:rPr lang="en-US" sz="700" dirty="0"/>
-                        <a:t>REGISTER_SERVER</a:t>
-                      </a:r>
-                      <a:endParaRPr lang="ru-RU" sz="700" dirty="0"/>
-                    </a:p>
-                  </a:txBody>
-                  <a:tcPr/>
-                </a:tc>
-                <a:tc>
-                  <a:txBody>
-                    <a:bodyPr/>
-                    <a:lstStyle/>
-                    <a:p>
-                      <a:r>
-                        <a:rPr lang="en-US" sz="700" dirty="0"/>
-                        <a:t>15</a:t>
-                      </a:r>
-                      <a:endParaRPr lang="ru-RU" sz="700" dirty="0"/>
-                    </a:p>
-                  </a:txBody>
-                  <a:tcPr/>
-                </a:tc>
-                <a:extLst>
-                  <a:ext uri="{0D108BD9-81ED-4DB2-BD59-A6C34878D82A}">
-                    <a16:rowId xmlns:a16="http://schemas.microsoft.com/office/drawing/2014/main" val="2249046996"/>
-                  </a:ext>
-                </a:extLst>
-              </a:tr>
-              <a:tr h="232440">
-                <a:tc>
-                  <a:txBody>
-                    <a:bodyPr/>
-                    <a:lstStyle/>
-                    <a:p>
-                      <a:r>
-                        <a:rPr lang="en-US" sz="700" dirty="0"/>
-                        <a:t>,uri= + </a:t>
-                      </a:r>
-                      <a:r>
-                        <a:rPr lang="ru-RU" sz="700" dirty="0"/>
-                        <a:t>Адрес</a:t>
-                      </a:r>
-                    </a:p>
-                  </a:txBody>
-                  <a:tcPr/>
-                </a:tc>
-                <a:tc>
-                  <a:txBody>
-                    <a:bodyPr/>
-                    <a:lstStyle/>
-                    <a:p>
-                      <a:r>
-                        <a:rPr lang="en-US" sz="700" dirty="0"/>
-                        <a:t>,uri=127.0.0.1:7777</a:t>
-                      </a:r>
-                      <a:endParaRPr lang="ru-RU" sz="700" dirty="0"/>
-                    </a:p>
-                  </a:txBody>
-                  <a:tcPr/>
-                </a:tc>
-                <a:tc>
-                  <a:txBody>
-                    <a:bodyPr/>
-                    <a:lstStyle/>
-                    <a:p>
-                      <a:r>
-                        <a:rPr lang="en-US" sz="700" dirty="0"/>
-                        <a:t>19</a:t>
-                      </a:r>
-                      <a:endParaRPr lang="ru-RU" sz="700" dirty="0"/>
-                    </a:p>
-                  </a:txBody>
-                  <a:tcPr/>
-                </a:tc>
-                <a:extLst>
-                  <a:ext uri="{0D108BD9-81ED-4DB2-BD59-A6C34878D82A}">
-                    <a16:rowId xmlns:a16="http://schemas.microsoft.com/office/drawing/2014/main" val="2515359156"/>
-                  </a:ext>
-                </a:extLst>
-              </a:tr>
-              <a:tr h="232440">
-                <a:tc>
-                  <a:txBody>
-                    <a:bodyPr/>
-                    <a:lstStyle/>
-                    <a:p>
-                      <a:r>
-                        <a:rPr lang="en-US" sz="700" dirty="0"/>
-                        <a:t>,uuid= + GUID</a:t>
-                      </a:r>
-                      <a:endParaRPr lang="ru-RU" sz="700" dirty="0"/>
-                    </a:p>
-                  </a:txBody>
-                  <a:tcPr/>
-                </a:tc>
-                <a:tc>
-                  <a:txBody>
-                    <a:bodyPr/>
-                    <a:lstStyle/>
-                    <a:p>
-                      <a:r>
-                        <a:rPr lang="en-US" sz="700" dirty="0"/>
-                        <a:t>,uuid=01234567-89ab-cdef-0123-456789abcdef</a:t>
-                      </a:r>
-                      <a:endParaRPr lang="ru-RU" sz="700" dirty="0"/>
-                    </a:p>
-                  </a:txBody>
-                  <a:tcPr/>
-                </a:tc>
-                <a:tc>
-                  <a:txBody>
-                    <a:bodyPr/>
-                    <a:lstStyle/>
-                    <a:p>
-                      <a:r>
-                        <a:rPr lang="en-US" sz="700" dirty="0"/>
-                        <a:t>44</a:t>
-                      </a:r>
-                      <a:endParaRPr lang="ru-RU" sz="700" dirty="0"/>
-                    </a:p>
-                  </a:txBody>
-                  <a:tcPr/>
-                </a:tc>
-                <a:extLst>
-                  <a:ext uri="{0D108BD9-81ED-4DB2-BD59-A6C34878D82A}">
-                    <a16:rowId xmlns:a16="http://schemas.microsoft.com/office/drawing/2014/main" val="102398636"/>
-                  </a:ext>
-                </a:extLst>
-              </a:tr>
-              <a:tr h="232440">
-                <a:tc>
-                  <a:txBody>
-                    <a:bodyPr/>
-                    <a:lstStyle/>
-                    <a:p>
-                      <a:r>
-                        <a:rPr lang="en-US" sz="700" dirty="0"/>
-                        <a:t>,current_players=</a:t>
-                      </a:r>
-                      <a:endParaRPr lang="ru-RU" sz="700" dirty="0"/>
-                    </a:p>
-                  </a:txBody>
-                  <a:tcPr/>
-                </a:tc>
-                <a:tc>
-                  <a:txBody>
-                    <a:bodyPr/>
-                    <a:lstStyle/>
-                    <a:p>
-                      <a:r>
-                        <a:rPr lang="ru-RU" sz="700" dirty="0"/>
-                        <a:t>10</a:t>
-                      </a:r>
-                    </a:p>
-                  </a:txBody>
-                  <a:tcPr/>
-                </a:tc>
-                <a:tc>
-                  <a:txBody>
-                    <a:bodyPr/>
-                    <a:lstStyle/>
-                    <a:p>
-                      <a:r>
-                        <a:rPr lang="en-US" sz="700" dirty="0"/>
-                        <a:t>21</a:t>
-                      </a:r>
-                      <a:endParaRPr lang="ru-RU" sz="700" dirty="0"/>
-                    </a:p>
-                  </a:txBody>
-                  <a:tcPr/>
-                </a:tc>
-                <a:extLst>
-                  <a:ext uri="{0D108BD9-81ED-4DB2-BD59-A6C34878D82A}">
-                    <a16:rowId xmlns:a16="http://schemas.microsoft.com/office/drawing/2014/main" val="4269343335"/>
-                  </a:ext>
-                </a:extLst>
-              </a:tr>
-              <a:tr h="232440">
-                <a:tc>
-                  <a:txBody>
-                    <a:bodyPr/>
-                    <a:lstStyle/>
-                    <a:p>
-                      <a:r>
-                        <a:rPr lang="en-US" sz="700" dirty="0"/>
-                        <a:t>,max_players=</a:t>
-                      </a:r>
-                      <a:endParaRPr lang="ru-RU" sz="700" dirty="0"/>
-                    </a:p>
-                  </a:txBody>
-                  <a:tcPr/>
-                </a:tc>
-                <a:tc>
-                  <a:txBody>
-                    <a:bodyPr/>
-                    <a:lstStyle/>
-                    <a:p>
-                      <a:r>
-                        <a:rPr lang="ru-RU" sz="700" dirty="0"/>
-                        <a:t>20</a:t>
-                      </a:r>
-                    </a:p>
-                  </a:txBody>
-                  <a:tcPr/>
-                </a:tc>
-                <a:tc>
-                  <a:txBody>
-                    <a:bodyPr/>
-                    <a:lstStyle/>
-                    <a:p>
-                      <a:r>
-                        <a:rPr lang="en-US" sz="700" dirty="0"/>
-                        <a:t>18</a:t>
-                      </a:r>
-                      <a:endParaRPr lang="ru-RU" sz="700" dirty="0"/>
-                    </a:p>
-                  </a:txBody>
-                  <a:tcPr/>
-                </a:tc>
-                <a:extLst>
-                  <a:ext uri="{0D108BD9-81ED-4DB2-BD59-A6C34878D82A}">
-                    <a16:rowId xmlns:a16="http://schemas.microsoft.com/office/drawing/2014/main" val="158425326"/>
-                  </a:ext>
-                </a:extLst>
-              </a:tr>
-              <a:tr h="232440">
-                <a:tc>
-                  <a:txBody>
-                    <a:bodyPr/>
-                    <a:lstStyle/>
-                    <a:p>
-                      <a:r>
-                        <a:rPr lang="en-US" sz="700" dirty="0"/>
-                        <a:t>,state=</a:t>
-                      </a:r>
-                      <a:endParaRPr lang="ru-RU" sz="700" dirty="0"/>
-                    </a:p>
-                  </a:txBody>
-                  <a:tcPr/>
-                </a:tc>
-                <a:tc>
-                  <a:txBody>
-                    <a:bodyPr/>
-                    <a:lstStyle/>
-                    <a:p>
-                      <a:r>
-                        <a:rPr lang="en-US" sz="700" dirty="0"/>
-                        <a:t>MATCH_IN_PROGRESS</a:t>
-                      </a:r>
-                      <a:endParaRPr lang="ru-RU" sz="700" dirty="0"/>
-                    </a:p>
-                  </a:txBody>
-                  <a:tcPr/>
-                </a:tc>
-                <a:tc>
-                  <a:txBody>
-                    <a:bodyPr/>
-                    <a:lstStyle/>
-                    <a:p>
-                      <a:r>
-                        <a:rPr lang="en-US" sz="700" dirty="0"/>
-                        <a:t>27</a:t>
-                      </a:r>
-                      <a:endParaRPr lang="ru-RU" sz="700" dirty="0"/>
-                    </a:p>
-                  </a:txBody>
-                  <a:tcPr/>
-                </a:tc>
-                <a:extLst>
-                  <a:ext uri="{0D108BD9-81ED-4DB2-BD59-A6C34878D82A}">
-                    <a16:rowId xmlns:a16="http://schemas.microsoft.com/office/drawing/2014/main" val="642788839"/>
-                  </a:ext>
-                </a:extLst>
-              </a:tr>
-            </a:tbl>
-          </a:graphicData>
-        </a:graphic>
-      </p:graphicFrame>
-      <p:sp>
-        <p:nvSpPr>
-          <p:cNvPr id="13" name="TextBox 12">
-            <a:extLst>
-              <a:ext uri="{FF2B5EF4-FFF2-40B4-BE49-F238E27FC236}">
-                <a16:creationId xmlns:a16="http://schemas.microsoft.com/office/drawing/2014/main" id="{30C0365D-98E9-41A3-AE31-0550FB362962}"/>
+                <a16:creationId xmlns:a16="http://schemas.microsoft.com/office/drawing/2014/main" id="{276DC3A0-A76E-4C1D-843C-6FA8036BA2F7}"/>
               </a:ext>
             </a:extLst>
           </p:cNvPr>
@@ -15775,8 +11081,8 @@
         </p:nvSpPr>
         <p:spPr>
           <a:xfrm>
-            <a:off x="64660" y="627123"/>
-            <a:ext cx="5636479" cy="184666"/>
+            <a:off x="901700" y="860425"/>
+            <a:ext cx="3059841" cy="276999"/>
           </a:xfrm>
           <a:prstGeom prst="rect">
             <a:avLst/>
@@ -15797,177 +11103,10 @@
           </a:p>
         </p:txBody>
       </p:sp>
-      <p:sp>
-        <p:nvSpPr>
-          <p:cNvPr id="14" name="TextBox 13">
-            <a:extLst>
-              <a:ext uri="{FF2B5EF4-FFF2-40B4-BE49-F238E27FC236}">
-                <a16:creationId xmlns:a16="http://schemas.microsoft.com/office/drawing/2014/main" id="{DB8D3022-4EBB-4B80-AF71-EF9CC720DFBC}"/>
-              </a:ext>
-            </a:extLst>
-          </p:cNvPr>
-          <p:cNvSpPr txBox="1"/>
-          <p:nvPr/>
-        </p:nvSpPr>
-        <p:spPr>
-          <a:xfrm>
-            <a:off x="94295" y="2867435"/>
-            <a:ext cx="2060179" cy="338554"/>
-          </a:xfrm>
-          <a:prstGeom prst="rect">
-            <a:avLst/>
-          </a:prstGeom>
-          <a:noFill/>
-        </p:spPr>
-        <p:txBody>
-          <a:bodyPr wrap="none" rtlCol="0">
-            <a:spAutoFit/>
-          </a:bodyPr>
-          <a:lstStyle/>
-          <a:p>
-            <a:r>
-              <a:rPr lang="ru-RU" sz="800" dirty="0"/>
-              <a:t>Итого</a:t>
-            </a:r>
-            <a:r>
-              <a:rPr lang="en-US" sz="800" dirty="0"/>
-              <a:t>:</a:t>
-            </a:r>
-          </a:p>
-          <a:p>
-            <a:r>
-              <a:rPr lang="ru-RU" sz="800" dirty="0"/>
-              <a:t>15 + 19 + 44 + 21 + 18 + 27 = 144 байта</a:t>
-            </a:r>
-          </a:p>
-        </p:txBody>
-      </p:sp>
-      <p:pic>
-        <p:nvPicPr>
-          <p:cNvPr id="16" name="Рисунок 15">
-            <a:extLst>
-              <a:ext uri="{FF2B5EF4-FFF2-40B4-BE49-F238E27FC236}">
-                <a16:creationId xmlns:a16="http://schemas.microsoft.com/office/drawing/2014/main" id="{53AB6D73-823B-459E-8987-0473847F36A2}"/>
-              </a:ext>
-            </a:extLst>
-          </p:cNvPr>
-          <p:cNvPicPr>
-            <a:picLocks noChangeAspect="1"/>
-          </p:cNvPicPr>
-          <p:nvPr/>
-        </p:nvPicPr>
-        <p:blipFill>
-          <a:blip r:embed="rId4" cstate="print">
-            <a:extLst>
-              <a:ext uri="{28A0092B-C50C-407E-A947-70E740481C1C}">
-                <a14:useLocalDpi xmlns:a14="http://schemas.microsoft.com/office/drawing/2010/main" val="0"/>
-              </a:ext>
-            </a:extLst>
-          </a:blip>
-          <a:stretch>
-            <a:fillRect/>
-          </a:stretch>
-        </p:blipFill>
-        <p:spPr>
-          <a:xfrm>
-            <a:off x="2991806" y="845555"/>
-            <a:ext cx="2719894" cy="1553739"/>
-          </a:xfrm>
-          <a:prstGeom prst="rect">
-            <a:avLst/>
-          </a:prstGeom>
-        </p:spPr>
-      </p:pic>
-      <p:sp>
-        <p:nvSpPr>
-          <p:cNvPr id="18" name="TextBox 17">
-            <a:extLst>
-              <a:ext uri="{FF2B5EF4-FFF2-40B4-BE49-F238E27FC236}">
-                <a16:creationId xmlns:a16="http://schemas.microsoft.com/office/drawing/2014/main" id="{872870DB-5D4E-4D91-9529-5731A0B616DF}"/>
-              </a:ext>
-            </a:extLst>
-          </p:cNvPr>
-          <p:cNvSpPr txBox="1"/>
-          <p:nvPr/>
-        </p:nvSpPr>
-        <p:spPr>
-          <a:xfrm>
-            <a:off x="3311955" y="2433060"/>
-            <a:ext cx="2145139" cy="307777"/>
-          </a:xfrm>
-          <a:prstGeom prst="rect">
-            <a:avLst/>
-          </a:prstGeom>
-          <a:noFill/>
-        </p:spPr>
-        <p:txBody>
-          <a:bodyPr wrap="none" rtlCol="0">
-            <a:spAutoFit/>
-          </a:bodyPr>
-          <a:lstStyle/>
-          <a:p>
-            <a:pPr algn="ctr"/>
-            <a:r>
-              <a:rPr lang="ru-RU" sz="700" dirty="0"/>
-              <a:t>Рисунок 12. Представление команды в памяти</a:t>
-            </a:r>
-          </a:p>
-          <a:p>
-            <a:pPr algn="ctr"/>
-            <a:r>
-              <a:rPr lang="ru-RU" sz="700" dirty="0"/>
-              <a:t>при байтовой сериализации</a:t>
-            </a:r>
-          </a:p>
-        </p:txBody>
-      </p:sp>
-      <p:sp>
-        <p:nvSpPr>
-          <p:cNvPr id="20" name="TextBox 19">
-            <a:extLst>
-              <a:ext uri="{FF2B5EF4-FFF2-40B4-BE49-F238E27FC236}">
-                <a16:creationId xmlns:a16="http://schemas.microsoft.com/office/drawing/2014/main" id="{5EF24E99-7E49-4996-B06A-7366557E6526}"/>
-              </a:ext>
-            </a:extLst>
-          </p:cNvPr>
-          <p:cNvSpPr txBox="1"/>
-          <p:nvPr/>
-        </p:nvSpPr>
-        <p:spPr>
-          <a:xfrm>
-            <a:off x="470530" y="2617727"/>
-            <a:ext cx="2145139" cy="307777"/>
-          </a:xfrm>
-          <a:prstGeom prst="rect">
-            <a:avLst/>
-          </a:prstGeom>
-          <a:noFill/>
-        </p:spPr>
-        <p:txBody>
-          <a:bodyPr wrap="none" rtlCol="0">
-            <a:spAutoFit/>
-          </a:bodyPr>
-          <a:lstStyle/>
-          <a:p>
-            <a:pPr algn="ctr"/>
-            <a:r>
-              <a:rPr lang="ru-RU" sz="700" dirty="0"/>
-              <a:t>Рисунок 11. Представление команды в памяти</a:t>
-            </a:r>
-          </a:p>
-          <a:p>
-            <a:pPr algn="ctr"/>
-            <a:r>
-              <a:rPr lang="ru-RU" sz="700" dirty="0"/>
-              <a:t>при строковой сериализации</a:t>
-            </a:r>
-          </a:p>
-        </p:txBody>
-      </p:sp>
     </p:spTree>
     <p:extLst>
       <p:ext uri="{BB962C8B-B14F-4D97-AF65-F5344CB8AC3E}">
-        <p14:creationId xmlns:p14="http://schemas.microsoft.com/office/powerpoint/2010/main" val="2065144408"/>
+        <p14:creationId xmlns:p14="http://schemas.microsoft.com/office/powerpoint/2010/main" val="1745205375"/>
       </p:ext>
     </p:extLst>
   </p:cSld>

--- a/Master/Diploma/presentation/Презентация.pptx
+++ b/Master/Diploma/presentation/Презентация.pptx
@@ -5,7 +5,7 @@
     <p:sldMasterId id="2147483648" r:id="rId1"/>
   </p:sldMasterIdLst>
   <p:notesMasterIdLst>
-    <p:notesMasterId r:id="rId17"/>
+    <p:notesMasterId r:id="rId16"/>
   </p:notesMasterIdLst>
   <p:sldIdLst>
     <p:sldId id="256" r:id="rId2"/>
@@ -20,9 +20,8 @@
     <p:sldId id="274" r:id="rId11"/>
     <p:sldId id="267" r:id="rId12"/>
     <p:sldId id="268" r:id="rId13"/>
-    <p:sldId id="269" r:id="rId14"/>
-    <p:sldId id="270" r:id="rId15"/>
-    <p:sldId id="271" r:id="rId16"/>
+    <p:sldId id="270" r:id="rId14"/>
+    <p:sldId id="271" r:id="rId15"/>
   </p:sldIdLst>
   <p:sldSz cx="5765800" cy="3244850"/>
   <p:notesSz cx="5765800" cy="3244850"/>
@@ -132,7 +131,7 @@
           <a:p>
             <a:fld id="{DF72D1E3-4C5F-416B-82F4-05E153DB2B2B}" type="datetimeFigureOut">
               <a:rPr lang="ru-RU" smtClean="0"/>
-              <a:t>26.04.2025</a:t>
+              <a:t>14.05.2025</a:t>
             </a:fld>
             <a:endParaRPr lang="ru-RU"/>
           </a:p>
@@ -792,7 +791,7 @@
           <a:p>
             <a:r>
               <a:rPr lang="ru-RU" dirty="0"/>
-              <a:t>Для выполнения задачи программной реализации сериализации сетевых пакетов было выделено два подхода, которые представлены на слайде.</a:t>
+              <a:t>Для выполнения задачи программной сериализации сетевых пакетов было выделено два подхода, которые представлены на слайде.</a:t>
             </a:r>
           </a:p>
           <a:p>
@@ -1018,7 +1017,7 @@
           <a:p>
             <a:r>
               <a:rPr lang="ru-RU" dirty="0"/>
-              <a:t>Во-первых, сразу можно увидеть, что строковой вид занимает почти в два раза больше места, чем байтовый (при условии что один символ это 1 байт).</a:t>
+              <a:t>Во-первых, сразу можно увидеть, что строковой вид занимает почти в 5 раз больше места, чем байтовый (при условии что один символ это 1 байт).</a:t>
             </a:r>
           </a:p>
           <a:p>
@@ -1474,7 +1473,7 @@
           <a:p>
             <a:fld id="{1D8BD707-D9CF-40AE-B4C6-C98DA3205C09}" type="datetimeFigureOut">
               <a:rPr lang="en-US"/>
-              <a:t>4/26/2025</a:t>
+              <a:t>5/14/2025</a:t>
             </a:fld>
             <a:endParaRPr lang="en-US"/>
           </a:p>
@@ -1671,7 +1670,7 @@
           <a:p>
             <a:fld id="{1D8BD707-D9CF-40AE-B4C6-C98DA3205C09}" type="datetimeFigureOut">
               <a:rPr lang="en-US"/>
-              <a:t>4/26/2025</a:t>
+              <a:t>5/14/2025</a:t>
             </a:fld>
             <a:endParaRPr lang="en-US"/>
           </a:p>
@@ -1905,7 +1904,7 @@
           <a:p>
             <a:fld id="{1D8BD707-D9CF-40AE-B4C6-C98DA3205C09}" type="datetimeFigureOut">
               <a:rPr lang="en-US"/>
-              <a:t>4/26/2025</a:t>
+              <a:t>5/14/2025</a:t>
             </a:fld>
             <a:endParaRPr lang="en-US"/>
           </a:p>
@@ -2073,7 +2072,7 @@
           <a:p>
             <a:fld id="{1D8BD707-D9CF-40AE-B4C6-C98DA3205C09}" type="datetimeFigureOut">
               <a:rPr lang="en-US"/>
-              <a:t>4/26/2025</a:t>
+              <a:t>5/14/2025</a:t>
             </a:fld>
             <a:endParaRPr lang="en-US"/>
           </a:p>
@@ -2220,7 +2219,7 @@
           <a:p>
             <a:fld id="{1D8BD707-D9CF-40AE-B4C6-C98DA3205C09}" type="datetimeFigureOut">
               <a:rPr lang="en-US"/>
-              <a:t>4/26/2025</a:t>
+              <a:t>5/14/2025</a:t>
             </a:fld>
             <a:endParaRPr lang="en-US"/>
           </a:p>
@@ -2487,7 +2486,7 @@
           <a:p>
             <a:fld id="{1D8BD707-D9CF-40AE-B4C6-C98DA3205C09}" type="datetimeFigureOut">
               <a:rPr lang="en-US"/>
-              <a:t>4/26/2025</a:t>
+              <a:t>5/14/2025</a:t>
             </a:fld>
             <a:endParaRPr lang="en-US"/>
           </a:p>
@@ -3420,14 +3419,14 @@
           <p:nvPr>
             <p:extLst>
               <p:ext uri="{D42A27DB-BD31-4B8C-83A1-F6EECF244321}">
-                <p14:modId xmlns:p14="http://schemas.microsoft.com/office/powerpoint/2010/main" val="1514701136"/>
+                <p14:modId xmlns:p14="http://schemas.microsoft.com/office/powerpoint/2010/main" val="817631614"/>
               </p:ext>
             </p:extLst>
           </p:nvPr>
         </p:nvGraphicFramePr>
         <p:xfrm>
           <a:off x="154011" y="819005"/>
-          <a:ext cx="2805089" cy="1771800"/>
+          <a:ext cx="2805089" cy="1665120"/>
         </p:xfrm>
         <a:graphic>
           <a:graphicData uri="http://schemas.openxmlformats.org/drawingml/2006/table">
@@ -3436,14 +3435,14 @@
                 <a:tableStyleId>{5C22544A-7EE6-4342-B048-85BDC9FD1C3A}</a:tableStyleId>
               </a:tblPr>
               <a:tblGrid>
-                <a:gridCol w="1281088">
+                <a:gridCol w="1052489">
                   <a:extLst>
                     <a:ext uri="{9D8B030D-6E8A-4147-A177-3AD203B41FA5}">
                       <a16:colId xmlns:a16="http://schemas.microsoft.com/office/drawing/2014/main" val="2318734372"/>
                     </a:ext>
                   </a:extLst>
                 </a:gridCol>
-                <a:gridCol w="1066800">
+                <a:gridCol w="1295399">
                   <a:extLst>
                     <a:ext uri="{9D8B030D-6E8A-4147-A177-3AD203B41FA5}">
                       <a16:colId xmlns:a16="http://schemas.microsoft.com/office/drawing/2014/main" val="3860383443"/>
@@ -3682,6 +3681,35 @@
                     <a:bodyPr/>
                     <a:lstStyle/>
                     <a:p>
+                      <a:pPr marL="0" marR="0" lvl="0" indent="0" defTabSz="914400" eaLnBrk="1" fontAlgn="auto" latinLnBrk="0" hangingPunct="1">
+                        <a:lnSpc>
+                          <a:spcPct val="100000"/>
+                        </a:lnSpc>
+                        <a:spcBef>
+                          <a:spcPts val="0"/>
+                        </a:spcBef>
+                        <a:spcAft>
+                          <a:spcPts val="0"/>
+                        </a:spcAft>
+                        <a:buClrTx/>
+                        <a:buSzTx/>
+                        <a:buFontTx/>
+                        <a:buNone/>
+                        <a:tabLst/>
+                        <a:defRPr/>
+                      </a:pPr>
+                      <a:r>
+                        <a:rPr lang="en-US" sz="700" dirty="0"/>
+                        <a:t>,</a:t>
+                      </a:r>
+                      <a:r>
+                        <a:rPr lang="en-US" sz="700" dirty="0" err="1"/>
+                        <a:t>current_players</a:t>
+                      </a:r>
+                      <a:r>
+                        <a:rPr lang="en-US" sz="700" dirty="0"/>
+                        <a:t>=</a:t>
+                      </a:r>
                       <a:r>
                         <a:rPr lang="ru-RU" sz="700" dirty="0"/>
                         <a:t>10</a:t>
@@ -3730,6 +3758,27 @@
                     <a:bodyPr/>
                     <a:lstStyle/>
                     <a:p>
+                      <a:pPr marL="0" marR="0" lvl="0" indent="0" defTabSz="914400" eaLnBrk="1" fontAlgn="auto" latinLnBrk="0" hangingPunct="1">
+                        <a:lnSpc>
+                          <a:spcPct val="100000"/>
+                        </a:lnSpc>
+                        <a:spcBef>
+                          <a:spcPts val="0"/>
+                        </a:spcBef>
+                        <a:spcAft>
+                          <a:spcPts val="0"/>
+                        </a:spcAft>
+                        <a:buClrTx/>
+                        <a:buSzTx/>
+                        <a:buFontTx/>
+                        <a:buNone/>
+                        <a:tabLst/>
+                        <a:defRPr/>
+                      </a:pPr>
+                      <a:r>
+                        <a:rPr lang="en-US" sz="700" dirty="0"/>
+                        <a:t>,max_players=</a:t>
+                      </a:r>
                       <a:r>
                         <a:rPr lang="ru-RU" sz="700" dirty="0"/>
                         <a:t>20</a:t>
@@ -3778,6 +3827,27 @@
                     <a:bodyPr/>
                     <a:lstStyle/>
                     <a:p>
+                      <a:pPr marL="0" marR="0" lvl="0" indent="0" defTabSz="914400" eaLnBrk="1" fontAlgn="auto" latinLnBrk="0" hangingPunct="1">
+                        <a:lnSpc>
+                          <a:spcPct val="100000"/>
+                        </a:lnSpc>
+                        <a:spcBef>
+                          <a:spcPts val="0"/>
+                        </a:spcBef>
+                        <a:spcAft>
+                          <a:spcPts val="0"/>
+                        </a:spcAft>
+                        <a:buClrTx/>
+                        <a:buSzTx/>
+                        <a:buFontTx/>
+                        <a:buNone/>
+                        <a:tabLst/>
+                        <a:defRPr/>
+                      </a:pPr>
+                      <a:r>
+                        <a:rPr lang="en-US" sz="700" dirty="0"/>
+                        <a:t>,state=</a:t>
+                      </a:r>
                       <a:r>
                         <a:rPr lang="en-US" sz="700" dirty="0">
                           <a:solidFill>
@@ -3833,8 +3903,8 @@
         </p:nvSpPr>
         <p:spPr>
           <a:xfrm>
-            <a:off x="94295" y="2867435"/>
-            <a:ext cx="2060179" cy="338554"/>
+            <a:off x="121569" y="2925504"/>
+            <a:ext cx="2390398" cy="215444"/>
           </a:xfrm>
           <a:prstGeom prst="rect">
             <a:avLst/>
@@ -3855,11 +3925,9 @@
               <a:rPr lang="en-US" sz="800" dirty="0"/>
               <a:t>:</a:t>
             </a:r>
-          </a:p>
-          <a:p>
             <a:r>
               <a:rPr lang="ru-RU" sz="800" dirty="0"/>
-              <a:t>15 + 19 + 44 + 21 + 18 + 27 = 144 байта</a:t>
+              <a:t> 15 + 19 + 44 + 21 + 18 + 27 = 144 байта</a:t>
             </a:r>
           </a:p>
         </p:txBody>
@@ -3878,7 +3946,7 @@
         </p:nvSpPr>
         <p:spPr>
           <a:xfrm>
-            <a:off x="3340100" y="2617727"/>
+            <a:off x="3350025" y="2412538"/>
             <a:ext cx="2145139" cy="307777"/>
           </a:xfrm>
           <a:prstGeom prst="rect">
@@ -3972,6 +4040,9 @@
           <a:prstGeom prst="line">
             <a:avLst/>
           </a:prstGeom>
+          <a:ln>
+            <a:prstDash val="lgDash"/>
+          </a:ln>
         </p:spPr>
         <p:style>
           <a:lnRef idx="1">
@@ -4016,7 +4087,7 @@
         </p:blipFill>
         <p:spPr>
           <a:xfrm>
-            <a:off x="3063113" y="629198"/>
+            <a:off x="3073039" y="819005"/>
             <a:ext cx="2699112" cy="1546225"/>
           </a:xfrm>
           <a:prstGeom prst="rect">
@@ -4024,6 +4095,119 @@
           </a:prstGeom>
         </p:spPr>
       </p:pic>
+      <p:sp>
+        <p:nvSpPr>
+          <p:cNvPr id="6" name="TextBox 5">
+            <a:extLst>
+              <a:ext uri="{FF2B5EF4-FFF2-40B4-BE49-F238E27FC236}">
+                <a16:creationId xmlns:a16="http://schemas.microsoft.com/office/drawing/2014/main" id="{FAF7B060-8E9F-45ED-BD9F-F994B19F9710}"/>
+              </a:ext>
+            </a:extLst>
+          </p:cNvPr>
+          <p:cNvSpPr txBox="1"/>
+          <p:nvPr/>
+        </p:nvSpPr>
+        <p:spPr>
+          <a:xfrm>
+            <a:off x="773497" y="571380"/>
+            <a:ext cx="1539204" cy="230832"/>
+          </a:xfrm>
+          <a:prstGeom prst="rect">
+            <a:avLst/>
+          </a:prstGeom>
+          <a:noFill/>
+        </p:spPr>
+        <p:txBody>
+          <a:bodyPr wrap="none" rtlCol="0">
+            <a:spAutoFit/>
+          </a:bodyPr>
+          <a:lstStyle/>
+          <a:p>
+            <a:r>
+              <a:rPr lang="ru-RU" sz="900" dirty="0"/>
+              <a:t>Строковая сериализация</a:t>
+            </a:r>
+          </a:p>
+        </p:txBody>
+      </p:sp>
+      <p:sp>
+        <p:nvSpPr>
+          <p:cNvPr id="16" name="TextBox 15">
+            <a:extLst>
+              <a:ext uri="{FF2B5EF4-FFF2-40B4-BE49-F238E27FC236}">
+                <a16:creationId xmlns:a16="http://schemas.microsoft.com/office/drawing/2014/main" id="{3B16ADA0-D5D9-424A-83B4-76E2B47B000F}"/>
+              </a:ext>
+            </a:extLst>
+          </p:cNvPr>
+          <p:cNvSpPr txBox="1"/>
+          <p:nvPr/>
+        </p:nvSpPr>
+        <p:spPr>
+          <a:xfrm>
+            <a:off x="3643067" y="566508"/>
+            <a:ext cx="1479892" cy="230832"/>
+          </a:xfrm>
+          <a:prstGeom prst="rect">
+            <a:avLst/>
+          </a:prstGeom>
+          <a:noFill/>
+        </p:spPr>
+        <p:txBody>
+          <a:bodyPr wrap="none" rtlCol="0">
+            <a:spAutoFit/>
+          </a:bodyPr>
+          <a:lstStyle/>
+          <a:p>
+            <a:r>
+              <a:rPr lang="ru-RU" sz="900" dirty="0"/>
+              <a:t>Байтовая сериализация</a:t>
+            </a:r>
+          </a:p>
+        </p:txBody>
+      </p:sp>
+      <p:sp>
+        <p:nvSpPr>
+          <p:cNvPr id="17" name="TextBox 16">
+            <a:extLst>
+              <a:ext uri="{FF2B5EF4-FFF2-40B4-BE49-F238E27FC236}">
+                <a16:creationId xmlns:a16="http://schemas.microsoft.com/office/drawing/2014/main" id="{B2568B7F-03B2-4CE9-8528-1D5B17EF1B60}"/>
+              </a:ext>
+            </a:extLst>
+          </p:cNvPr>
+          <p:cNvSpPr txBox="1"/>
+          <p:nvPr/>
+        </p:nvSpPr>
+        <p:spPr>
+          <a:xfrm>
+            <a:off x="3073039" y="2925504"/>
+            <a:ext cx="1287532" cy="215444"/>
+          </a:xfrm>
+          <a:prstGeom prst="rect">
+            <a:avLst/>
+          </a:prstGeom>
+          <a:noFill/>
+        </p:spPr>
+        <p:txBody>
+          <a:bodyPr wrap="none" rtlCol="0">
+            <a:spAutoFit/>
+          </a:bodyPr>
+          <a:lstStyle/>
+          <a:p>
+            <a:r>
+              <a:rPr lang="ru-RU" sz="800" dirty="0"/>
+              <a:t>Итого</a:t>
+            </a:r>
+            <a:r>
+              <a:rPr lang="en-US" sz="800" dirty="0"/>
+              <a:t>:</a:t>
+            </a:r>
+            <a:r>
+              <a:rPr lang="ru-RU" sz="800" dirty="0"/>
+              <a:t> 3 + 27 = 30 байт</a:t>
+            </a:r>
+          </a:p>
+        </p:txBody>
+      </p:sp>
     </p:spTree>
     <p:extLst>
       <p:ext uri="{BB962C8B-B14F-4D97-AF65-F5344CB8AC3E}">
@@ -5512,46 +5696,6 @@
       <p:sp>
         <p:nvSpPr>
           <p:cNvPr id="2" name="object 2"/>
-          <p:cNvSpPr txBox="1"/>
-          <p:nvPr/>
-        </p:nvSpPr>
-        <p:spPr>
-          <a:xfrm rot="10800000">
-            <a:off x="237383" y="178045"/>
-            <a:ext cx="127791" cy="114300"/>
-          </a:xfrm>
-          <a:prstGeom prst="rect">
-            <a:avLst/>
-          </a:prstGeom>
-        </p:spPr>
-        <p:txBody>
-          <a:bodyPr vert="horz" wrap="square" lIns="0" tIns="0" rIns="0" bIns="0" rtlCol="0">
-            <a:spAutoFit/>
-          </a:bodyPr>
-          <a:lstStyle/>
-          <a:p>
-            <a:pPr>
-              <a:lnSpc>
-                <a:spcPts val="890"/>
-              </a:lnSpc>
-            </a:pPr>
-            <a:r>
-              <a:rPr sz="900" spc="-120" dirty="0">
-                <a:latin typeface="Cambria"/>
-                <a:cs typeface="Cambria"/>
-              </a:rPr>
-              <a:t>↰</a:t>
-            </a:r>
-            <a:endParaRPr sz="900">
-              <a:latin typeface="Cambria"/>
-              <a:cs typeface="Cambria"/>
-            </a:endParaRPr>
-          </a:p>
-        </p:txBody>
-      </p:sp>
-      <p:sp>
-        <p:nvSpPr>
-          <p:cNvPr id="3" name="object 3"/>
           <p:cNvSpPr txBox="1">
             <a:spLocks noGrp="1"/>
           </p:cNvSpPr>
@@ -5560,10 +5704,6 @@
           </p:nvPr>
         </p:nvSpPr>
         <p:spPr>
-          <a:xfrm>
-            <a:off x="203301" y="16356"/>
-            <a:ext cx="4208145" cy="464184"/>
-          </a:xfrm>
           <a:prstGeom prst="rect">
             <a:avLst/>
           </a:prstGeom>
@@ -5576,129 +5716,34 @@
           <a:p>
             <a:pPr marL="12700">
               <a:lnSpc>
-                <a:spcPts val="1305"/>
+                <a:spcPct val="100000"/>
               </a:lnSpc>
               <a:spcBef>
                 <a:spcPts val="90"/>
               </a:spcBef>
             </a:pPr>
             <a:r>
-              <a:rPr spc="-80" dirty="0"/>
-              <a:t>Тестирование</a:t>
-            </a:r>
-            <a:r>
-              <a:rPr spc="-25" dirty="0"/>
+              <a:rPr spc="-55" dirty="0"/>
+              <a:t>Выводы</a:t>
+            </a:r>
+            <a:r>
+              <a:rPr spc="-50" dirty="0"/>
+              <a:t> и</a:t>
+            </a:r>
+            <a:r>
+              <a:rPr spc="-45" dirty="0"/>
               <a:t> </a:t>
             </a:r>
             <a:r>
-              <a:rPr spc="-65" dirty="0"/>
-              <a:t>ПО</a:t>
-            </a:r>
-            <a:r>
-              <a:rPr spc="-20" dirty="0"/>
-              <a:t> </a:t>
-            </a:r>
-            <a:r>
-              <a:rPr spc="-75" dirty="0"/>
-              <a:t>/</a:t>
-            </a:r>
-            <a:r>
-              <a:rPr spc="-20" dirty="0"/>
-              <a:t> </a:t>
-            </a:r>
-            <a:r>
-              <a:rPr spc="-70" dirty="0"/>
-              <a:t>Вычислительный</a:t>
-            </a:r>
-            <a:r>
-              <a:rPr spc="-25" dirty="0"/>
-              <a:t> </a:t>
-            </a:r>
-            <a:r>
-              <a:rPr spc="-75" dirty="0"/>
-              <a:t>эксперимент</a:t>
-            </a:r>
-            <a:r>
-              <a:rPr spc="-25" dirty="0"/>
-              <a:t> </a:t>
-            </a:r>
-            <a:r>
-              <a:rPr spc="-75" dirty="0"/>
-              <a:t>/</a:t>
-            </a:r>
-            <a:r>
-              <a:rPr spc="-20" dirty="0"/>
-              <a:t> </a:t>
-            </a:r>
-            <a:r>
               <a:rPr spc="-55" dirty="0"/>
-              <a:t>Анализ</a:t>
-            </a:r>
-            <a:r>
-              <a:rPr spc="-20" dirty="0"/>
-              <a:t> </a:t>
-            </a:r>
-            <a:r>
-              <a:rPr spc="-55" dirty="0"/>
-              <a:t>результатов</a:t>
-            </a:r>
-          </a:p>
-          <a:p>
-            <a:pPr marL="12700" marR="758190" indent="141605">
-              <a:lnSpc>
-                <a:spcPts val="1090"/>
-              </a:lnSpc>
-              <a:spcBef>
-                <a:spcPts val="15"/>
-              </a:spcBef>
-            </a:pPr>
-            <a:r>
-              <a:rPr sz="900" spc="-50" dirty="0"/>
-              <a:t>Постановка</a:t>
-            </a:r>
-            <a:r>
-              <a:rPr sz="900" spc="-25" dirty="0"/>
-              <a:t> </a:t>
-            </a:r>
-            <a:r>
-              <a:rPr sz="900" spc="-45" dirty="0"/>
-              <a:t>задачи</a:t>
-            </a:r>
-            <a:r>
-              <a:rPr sz="900" spc="-25" dirty="0"/>
-              <a:t> </a:t>
-            </a:r>
-            <a:r>
-              <a:rPr sz="900" spc="-60" dirty="0"/>
-              <a:t>для</a:t>
-            </a:r>
-            <a:r>
-              <a:rPr sz="900" spc="-25" dirty="0"/>
-              <a:t> </a:t>
-            </a:r>
-            <a:r>
-              <a:rPr sz="900" spc="-45" dirty="0"/>
-              <a:t>проведения</a:t>
-            </a:r>
-            <a:r>
-              <a:rPr sz="900" spc="-25" dirty="0"/>
-              <a:t> </a:t>
-            </a:r>
-            <a:r>
-              <a:rPr sz="900" spc="-50" dirty="0"/>
-              <a:t>тестирования/вычислительного </a:t>
-            </a:r>
-            <a:r>
-              <a:rPr sz="900" spc="-10" dirty="0"/>
-              <a:t>экперимента/испытания)</a:t>
-            </a:r>
-            <a:endParaRPr sz="900" dirty="0"/>
-          </a:p>
-        </p:txBody>
-      </p:sp>
-      <p:sp>
-        <p:nvSpPr>
-          <p:cNvPr id="4" name="object 4"/>
+              <a:t>заключение</a:t>
+            </a:r>
+          </a:p>
+        </p:txBody>
+      </p:sp>
+      <p:sp>
+        <p:nvSpPr>
+          <p:cNvPr id="3" name="object 3"/>
           <p:cNvSpPr/>
           <p:nvPr/>
         </p:nvSpPr>
@@ -5740,7 +5785,7 @@
       </p:sp>
       <p:pic>
         <p:nvPicPr>
-          <p:cNvPr id="5" name="object 5"/>
+          <p:cNvPr id="4" name="object 4"/>
           <p:cNvPicPr/>
           <p:nvPr/>
         </p:nvPicPr>
@@ -5762,14 +5807,18 @@
       </p:pic>
       <p:sp>
         <p:nvSpPr>
-          <p:cNvPr id="6" name="object 6"/>
-          <p:cNvSpPr txBox="1"/>
-          <p:nvPr/>
-        </p:nvSpPr>
-        <p:spPr>
-          <a:xfrm>
-            <a:off x="257073" y="1109250"/>
-            <a:ext cx="4676775" cy="1145540"/>
+          <p:cNvPr id="5" name="object 5"/>
+          <p:cNvSpPr txBox="1">
+            <a:spLocks noGrp="1"/>
+          </p:cNvSpPr>
+          <p:nvPr>
+            <p:ph type="body" idx="1"/>
+          </p:nvPr>
+        </p:nvSpPr>
+        <p:spPr>
+          <a:xfrm>
+            <a:off x="230631" y="753821"/>
+            <a:ext cx="4859655" cy="1737207"/>
           </a:xfrm>
           <a:prstGeom prst="rect">
             <a:avLst/>
@@ -5783,7 +5832,7 @@
           <a:p>
             <a:pPr marL="186055" marR="5080" indent="-115570">
               <a:lnSpc>
-                <a:spcPct val="101000"/>
+                <a:spcPct val="150000"/>
               </a:lnSpc>
               <a:spcBef>
                 <a:spcPts val="85"/>
@@ -5798,947 +5847,19 @@
               </a:tabLst>
             </a:pPr>
             <a:r>
-              <a:rPr sz="900" i="1" spc="-70" dirty="0">
-                <a:solidFill>
-                  <a:srgbClr val="7F7F7F"/>
-                </a:solidFill>
-                <a:latin typeface="Trebuchet MS"/>
-                <a:cs typeface="Trebuchet MS"/>
-              </a:rPr>
-              <a:t>Следует</a:t>
-            </a:r>
-            <a:r>
-              <a:rPr sz="900" i="1" spc="-15" dirty="0">
-                <a:solidFill>
-                  <a:srgbClr val="7F7F7F"/>
-                </a:solidFill>
-                <a:latin typeface="Trebuchet MS"/>
-                <a:cs typeface="Trebuchet MS"/>
-              </a:rPr>
-              <a:t> </a:t>
-            </a:r>
-            <a:r>
-              <a:rPr sz="900" i="1" spc="-60" dirty="0">
-                <a:solidFill>
-                  <a:srgbClr val="7F7F7F"/>
-                </a:solidFill>
-                <a:latin typeface="Trebuchet MS"/>
-                <a:cs typeface="Trebuchet MS"/>
-              </a:rPr>
-              <a:t>представить</a:t>
-            </a:r>
-            <a:r>
-              <a:rPr sz="900" i="1" spc="-15" dirty="0">
-                <a:solidFill>
-                  <a:srgbClr val="7F7F7F"/>
-                </a:solidFill>
-                <a:latin typeface="Trebuchet MS"/>
-                <a:cs typeface="Trebuchet MS"/>
-              </a:rPr>
-              <a:t> </a:t>
-            </a:r>
-            <a:r>
-              <a:rPr sz="900" i="1" spc="-45" dirty="0">
-                <a:solidFill>
-                  <a:srgbClr val="7F7F7F"/>
-                </a:solidFill>
-                <a:latin typeface="Trebuchet MS"/>
-                <a:cs typeface="Trebuchet MS"/>
-              </a:rPr>
-              <a:t>описания</a:t>
-            </a:r>
-            <a:r>
-              <a:rPr sz="900" i="1" spc="-15" dirty="0">
-                <a:solidFill>
-                  <a:srgbClr val="7F7F7F"/>
-                </a:solidFill>
-                <a:latin typeface="Trebuchet MS"/>
-                <a:cs typeface="Trebuchet MS"/>
-              </a:rPr>
-              <a:t> </a:t>
-            </a:r>
-            <a:r>
-              <a:rPr sz="900" i="1" spc="-70" dirty="0">
-                <a:solidFill>
-                  <a:srgbClr val="7F7F7F"/>
-                </a:solidFill>
-                <a:latin typeface="Trebuchet MS"/>
-                <a:cs typeface="Trebuchet MS"/>
-              </a:rPr>
-              <a:t>тестовых</a:t>
-            </a:r>
-            <a:r>
-              <a:rPr sz="900" i="1" spc="-15" dirty="0">
-                <a:solidFill>
-                  <a:srgbClr val="7F7F7F"/>
-                </a:solidFill>
-                <a:latin typeface="Trebuchet MS"/>
-                <a:cs typeface="Trebuchet MS"/>
-              </a:rPr>
-              <a:t> </a:t>
-            </a:r>
-            <a:r>
-              <a:rPr sz="900" i="1" spc="-70" dirty="0">
-                <a:solidFill>
-                  <a:srgbClr val="7F7F7F"/>
-                </a:solidFill>
-                <a:latin typeface="Trebuchet MS"/>
-                <a:cs typeface="Trebuchet MS"/>
-              </a:rPr>
-              <a:t>примеров,</a:t>
-            </a:r>
-            <a:r>
-              <a:rPr sz="900" i="1" spc="-10" dirty="0">
-                <a:solidFill>
-                  <a:srgbClr val="7F7F7F"/>
-                </a:solidFill>
-                <a:latin typeface="Trebuchet MS"/>
-                <a:cs typeface="Trebuchet MS"/>
-              </a:rPr>
-              <a:t> </a:t>
-            </a:r>
-            <a:r>
-              <a:rPr sz="900" i="1" spc="-70" dirty="0">
-                <a:solidFill>
-                  <a:srgbClr val="7F7F7F"/>
-                </a:solidFill>
-                <a:latin typeface="Trebuchet MS"/>
-                <a:cs typeface="Trebuchet MS"/>
-              </a:rPr>
-              <a:t>включая:</a:t>
-            </a:r>
-            <a:r>
-              <a:rPr sz="900" i="1" spc="-15" dirty="0">
-                <a:solidFill>
-                  <a:srgbClr val="7F7F7F"/>
-                </a:solidFill>
-                <a:latin typeface="Trebuchet MS"/>
-                <a:cs typeface="Trebuchet MS"/>
-              </a:rPr>
-              <a:t> </a:t>
-            </a:r>
-            <a:r>
-              <a:rPr sz="900" i="1" spc="-75" dirty="0">
-                <a:solidFill>
-                  <a:srgbClr val="7F7F7F"/>
-                </a:solidFill>
-                <a:latin typeface="Trebuchet MS"/>
-                <a:cs typeface="Trebuchet MS"/>
-              </a:rPr>
-              <a:t>входные</a:t>
-            </a:r>
-            <a:r>
-              <a:rPr sz="900" i="1" spc="-15" dirty="0">
-                <a:solidFill>
-                  <a:srgbClr val="7F7F7F"/>
-                </a:solidFill>
-                <a:latin typeface="Trebuchet MS"/>
-                <a:cs typeface="Trebuchet MS"/>
-              </a:rPr>
-              <a:t> </a:t>
-            </a:r>
-            <a:r>
-              <a:rPr sz="900" i="1" spc="-75" dirty="0">
-                <a:solidFill>
-                  <a:srgbClr val="7F7F7F"/>
-                </a:solidFill>
-                <a:latin typeface="Trebuchet MS"/>
-                <a:cs typeface="Trebuchet MS"/>
-              </a:rPr>
-              <a:t>данные,</a:t>
-            </a:r>
-            <a:r>
-              <a:rPr sz="900" i="1" spc="-15" dirty="0">
-                <a:solidFill>
-                  <a:srgbClr val="7F7F7F"/>
-                </a:solidFill>
-                <a:latin typeface="Trebuchet MS"/>
-                <a:cs typeface="Trebuchet MS"/>
-              </a:rPr>
-              <a:t> </a:t>
-            </a:r>
-            <a:r>
-              <a:rPr sz="900" i="1" spc="-35" dirty="0">
-                <a:solidFill>
-                  <a:srgbClr val="7F7F7F"/>
-                </a:solidFill>
-                <a:latin typeface="Trebuchet MS"/>
-                <a:cs typeface="Trebuchet MS"/>
-              </a:rPr>
-              <a:t>принципы </a:t>
-            </a:r>
-            <a:r>
-              <a:rPr sz="900" i="1" spc="-50" dirty="0">
-                <a:solidFill>
-                  <a:srgbClr val="7F7F7F"/>
-                </a:solidFill>
-                <a:latin typeface="Trebuchet MS"/>
-                <a:cs typeface="Trebuchet MS"/>
-              </a:rPr>
-              <a:t>проведения</a:t>
-            </a:r>
-            <a:r>
-              <a:rPr sz="900" i="1" spc="-5" dirty="0">
-                <a:solidFill>
-                  <a:srgbClr val="7F7F7F"/>
-                </a:solidFill>
-                <a:latin typeface="Trebuchet MS"/>
-                <a:cs typeface="Trebuchet MS"/>
-              </a:rPr>
-              <a:t> </a:t>
-            </a:r>
-            <a:r>
-              <a:rPr sz="900" i="1" spc="-55" dirty="0">
-                <a:solidFill>
-                  <a:srgbClr val="7F7F7F"/>
-                </a:solidFill>
-                <a:latin typeface="Trebuchet MS"/>
-                <a:cs typeface="Trebuchet MS"/>
-              </a:rPr>
-              <a:t>тестирования</a:t>
-            </a:r>
-            <a:r>
-              <a:rPr sz="900" i="1" spc="-5" dirty="0">
-                <a:solidFill>
-                  <a:srgbClr val="7F7F7F"/>
-                </a:solidFill>
-                <a:latin typeface="Trebuchet MS"/>
-                <a:cs typeface="Trebuchet MS"/>
-              </a:rPr>
-              <a:t> </a:t>
-            </a:r>
-            <a:r>
-              <a:rPr sz="900" i="1" spc="-65" dirty="0">
-                <a:solidFill>
-                  <a:srgbClr val="7F7F7F"/>
-                </a:solidFill>
-                <a:latin typeface="Trebuchet MS"/>
-                <a:cs typeface="Trebuchet MS"/>
-              </a:rPr>
-              <a:t>(расчёта,</a:t>
-            </a:r>
-            <a:r>
-              <a:rPr sz="900" i="1" spc="-5" dirty="0">
-                <a:solidFill>
-                  <a:srgbClr val="7F7F7F"/>
-                </a:solidFill>
-                <a:latin typeface="Trebuchet MS"/>
-                <a:cs typeface="Trebuchet MS"/>
-              </a:rPr>
-              <a:t> </a:t>
-            </a:r>
-            <a:r>
-              <a:rPr sz="900" i="1" spc="-60" dirty="0">
-                <a:solidFill>
-                  <a:srgbClr val="7F7F7F"/>
-                </a:solidFill>
-                <a:latin typeface="Trebuchet MS"/>
-                <a:cs typeface="Trebuchet MS"/>
-              </a:rPr>
-              <a:t>испытания)</a:t>
-            </a:r>
-            <a:r>
-              <a:rPr sz="900" i="1" spc="-5" dirty="0">
-                <a:solidFill>
-                  <a:srgbClr val="7F7F7F"/>
-                </a:solidFill>
-                <a:latin typeface="Trebuchet MS"/>
-                <a:cs typeface="Trebuchet MS"/>
-              </a:rPr>
-              <a:t> </a:t>
-            </a:r>
-            <a:r>
-              <a:rPr sz="900" i="1" spc="-60" dirty="0">
-                <a:solidFill>
-                  <a:srgbClr val="7F7F7F"/>
-                </a:solidFill>
-                <a:latin typeface="Trebuchet MS"/>
-                <a:cs typeface="Trebuchet MS"/>
-              </a:rPr>
-              <a:t>и</a:t>
-            </a:r>
-            <a:r>
-              <a:rPr sz="900" i="1" spc="-5" dirty="0">
-                <a:solidFill>
-                  <a:srgbClr val="7F7F7F"/>
-                </a:solidFill>
-                <a:latin typeface="Trebuchet MS"/>
-                <a:cs typeface="Trebuchet MS"/>
-              </a:rPr>
-              <a:t> </a:t>
-            </a:r>
-            <a:r>
-              <a:rPr sz="900" i="1" spc="-60" dirty="0">
-                <a:solidFill>
-                  <a:srgbClr val="7F7F7F"/>
-                </a:solidFill>
-                <a:latin typeface="Trebuchet MS"/>
-                <a:cs typeface="Trebuchet MS"/>
-              </a:rPr>
-              <a:t>указать</a:t>
-            </a:r>
-            <a:r>
-              <a:rPr sz="900" i="1" spc="-5" dirty="0">
-                <a:solidFill>
-                  <a:srgbClr val="7F7F7F"/>
-                </a:solidFill>
-                <a:latin typeface="Trebuchet MS"/>
-                <a:cs typeface="Trebuchet MS"/>
-              </a:rPr>
-              <a:t> </a:t>
-            </a:r>
-            <a:r>
-              <a:rPr sz="900" i="1" spc="-70" dirty="0">
-                <a:solidFill>
-                  <a:srgbClr val="7F7F7F"/>
-                </a:solidFill>
-                <a:latin typeface="Trebuchet MS"/>
-                <a:cs typeface="Trebuchet MS"/>
-              </a:rPr>
-              <a:t>ожидаемый</a:t>
-            </a:r>
-            <a:r>
-              <a:rPr sz="900" i="1" spc="-5" dirty="0">
-                <a:solidFill>
-                  <a:srgbClr val="7F7F7F"/>
-                </a:solidFill>
-                <a:latin typeface="Trebuchet MS"/>
-                <a:cs typeface="Trebuchet MS"/>
-              </a:rPr>
-              <a:t> </a:t>
-            </a:r>
-            <a:r>
-              <a:rPr sz="900" i="1" spc="-70" dirty="0">
-                <a:solidFill>
-                  <a:srgbClr val="7F7F7F"/>
-                </a:solidFill>
-                <a:latin typeface="Trebuchet MS"/>
-                <a:cs typeface="Trebuchet MS"/>
-              </a:rPr>
-              <a:t>результат</a:t>
-            </a:r>
-            <a:r>
-              <a:rPr sz="900" i="1" spc="-5" dirty="0">
-                <a:solidFill>
-                  <a:srgbClr val="7F7F7F"/>
-                </a:solidFill>
-                <a:latin typeface="Trebuchet MS"/>
-                <a:cs typeface="Trebuchet MS"/>
-              </a:rPr>
-              <a:t> </a:t>
-            </a:r>
-            <a:r>
-              <a:rPr sz="900" i="1" spc="-50" dirty="0">
-                <a:solidFill>
-                  <a:srgbClr val="7F7F7F"/>
-                </a:solidFill>
-                <a:latin typeface="Trebuchet MS"/>
-                <a:cs typeface="Trebuchet MS"/>
-              </a:rPr>
-              <a:t>и </a:t>
-            </a:r>
-            <a:r>
-              <a:rPr sz="900" i="1" spc="-55" dirty="0">
-                <a:solidFill>
-                  <a:srgbClr val="7F7F7F"/>
-                </a:solidFill>
-                <a:latin typeface="Trebuchet MS"/>
-                <a:cs typeface="Trebuchet MS"/>
-              </a:rPr>
-              <a:t>фактически</a:t>
-            </a:r>
-            <a:r>
-              <a:rPr sz="900" i="1" spc="-10" dirty="0">
-                <a:solidFill>
-                  <a:srgbClr val="7F7F7F"/>
-                </a:solidFill>
-                <a:latin typeface="Trebuchet MS"/>
-                <a:cs typeface="Trebuchet MS"/>
-              </a:rPr>
-              <a:t> полученный.</a:t>
-            </a:r>
-            <a:endParaRPr sz="900" dirty="0">
-              <a:latin typeface="Trebuchet MS"/>
-              <a:cs typeface="Trebuchet MS"/>
-            </a:endParaRPr>
-          </a:p>
-          <a:p>
-            <a:pPr marL="186690" indent="-115570">
-              <a:lnSpc>
-                <a:spcPct val="100000"/>
-              </a:lnSpc>
-              <a:spcBef>
-                <a:spcPts val="310"/>
-              </a:spcBef>
-              <a:buClr>
-                <a:srgbClr val="006CDC"/>
-              </a:buClr>
-              <a:buFont typeface="Cambria"/>
-              <a:buChar char="•"/>
-              <a:tabLst>
-                <a:tab pos="186690" algn="l"/>
-              </a:tabLst>
-            </a:pPr>
-            <a:r>
-              <a:rPr sz="900" i="1" spc="-60" dirty="0">
-                <a:solidFill>
-                  <a:srgbClr val="7F7F7F"/>
-                </a:solidFill>
-                <a:latin typeface="Trebuchet MS"/>
-                <a:cs typeface="Trebuchet MS"/>
-              </a:rPr>
-              <a:t>Обязательно</a:t>
-            </a:r>
-            <a:r>
-              <a:rPr sz="900" i="1" spc="5" dirty="0">
-                <a:solidFill>
-                  <a:srgbClr val="7F7F7F"/>
-                </a:solidFill>
-                <a:latin typeface="Trebuchet MS"/>
-                <a:cs typeface="Trebuchet MS"/>
-              </a:rPr>
-              <a:t> </a:t>
-            </a:r>
-            <a:r>
-              <a:rPr sz="900" i="1" spc="-55" dirty="0">
-                <a:solidFill>
-                  <a:srgbClr val="7F7F7F"/>
-                </a:solidFill>
-                <a:latin typeface="Trebuchet MS"/>
-                <a:cs typeface="Trebuchet MS"/>
-              </a:rPr>
-              <a:t>включение</a:t>
-            </a:r>
-            <a:r>
-              <a:rPr sz="900" i="1" spc="10" dirty="0">
-                <a:solidFill>
-                  <a:srgbClr val="7F7F7F"/>
-                </a:solidFill>
-                <a:latin typeface="Trebuchet MS"/>
-                <a:cs typeface="Trebuchet MS"/>
-              </a:rPr>
-              <a:t> </a:t>
-            </a:r>
-            <a:r>
-              <a:rPr sz="900" i="1" spc="-65" dirty="0">
-                <a:solidFill>
-                  <a:srgbClr val="7F7F7F"/>
-                </a:solidFill>
-                <a:latin typeface="Trebuchet MS"/>
-                <a:cs typeface="Trebuchet MS"/>
-              </a:rPr>
-              <a:t>иллюстраций,</a:t>
-            </a:r>
-            <a:r>
-              <a:rPr sz="900" i="1" spc="10" dirty="0">
-                <a:solidFill>
-                  <a:srgbClr val="7F7F7F"/>
-                </a:solidFill>
-                <a:latin typeface="Trebuchet MS"/>
-                <a:cs typeface="Trebuchet MS"/>
-              </a:rPr>
-              <a:t> </a:t>
-            </a:r>
-            <a:r>
-              <a:rPr sz="900" i="1" spc="-55" dirty="0">
-                <a:solidFill>
-                  <a:srgbClr val="7F7F7F"/>
-                </a:solidFill>
-                <a:latin typeface="Trebuchet MS"/>
-                <a:cs typeface="Trebuchet MS"/>
-              </a:rPr>
-              <a:t>графических</a:t>
-            </a:r>
-            <a:r>
-              <a:rPr sz="900" i="1" spc="10" dirty="0">
-                <a:solidFill>
-                  <a:srgbClr val="7F7F7F"/>
-                </a:solidFill>
-                <a:latin typeface="Trebuchet MS"/>
-                <a:cs typeface="Trebuchet MS"/>
-              </a:rPr>
-              <a:t> </a:t>
-            </a:r>
-            <a:r>
-              <a:rPr sz="900" i="1" spc="-10" dirty="0">
-                <a:solidFill>
-                  <a:srgbClr val="7F7F7F"/>
-                </a:solidFill>
-                <a:latin typeface="Trebuchet MS"/>
-                <a:cs typeface="Trebuchet MS"/>
-              </a:rPr>
-              <a:t>результатов.</a:t>
-            </a:r>
-            <a:endParaRPr sz="900" dirty="0">
-              <a:latin typeface="Trebuchet MS"/>
-              <a:cs typeface="Trebuchet MS"/>
-            </a:endParaRPr>
-          </a:p>
-          <a:p>
-            <a:pPr marL="186690" indent="-115570">
-              <a:lnSpc>
-                <a:spcPct val="100000"/>
-              </a:lnSpc>
-              <a:spcBef>
-                <a:spcPts val="310"/>
-              </a:spcBef>
-              <a:buClr>
-                <a:srgbClr val="006CDC"/>
-              </a:buClr>
-              <a:buFont typeface="Cambria"/>
-              <a:buChar char="•"/>
-              <a:tabLst>
-                <a:tab pos="186690" algn="l"/>
-              </a:tabLst>
-            </a:pPr>
-            <a:r>
-              <a:rPr sz="900" i="1" spc="-60" dirty="0">
-                <a:solidFill>
-                  <a:srgbClr val="7F7F7F"/>
-                </a:solidFill>
-                <a:latin typeface="Trebuchet MS"/>
-                <a:cs typeface="Trebuchet MS"/>
-              </a:rPr>
-              <a:t>Допускается</a:t>
-            </a:r>
-            <a:r>
-              <a:rPr sz="900" i="1" spc="-10" dirty="0">
-                <a:solidFill>
-                  <a:srgbClr val="7F7F7F"/>
-                </a:solidFill>
-                <a:latin typeface="Trebuchet MS"/>
-                <a:cs typeface="Trebuchet MS"/>
-              </a:rPr>
-              <a:t> </a:t>
-            </a:r>
-            <a:r>
-              <a:rPr sz="900" i="1" spc="-55" dirty="0">
-                <a:solidFill>
-                  <a:srgbClr val="7F7F7F"/>
-                </a:solidFill>
-                <a:latin typeface="Trebuchet MS"/>
-                <a:cs typeface="Trebuchet MS"/>
-              </a:rPr>
-              <a:t>включение</a:t>
-            </a:r>
-            <a:r>
-              <a:rPr sz="900" i="1" spc="-10" dirty="0">
-                <a:solidFill>
-                  <a:srgbClr val="7F7F7F"/>
-                </a:solidFill>
-                <a:latin typeface="Trebuchet MS"/>
-                <a:cs typeface="Trebuchet MS"/>
-              </a:rPr>
-              <a:t> </a:t>
-            </a:r>
-            <a:r>
-              <a:rPr sz="900" i="1" spc="-75" dirty="0">
-                <a:solidFill>
-                  <a:srgbClr val="7F7F7F"/>
-                </a:solidFill>
-                <a:latin typeface="Trebuchet MS"/>
-                <a:cs typeface="Trebuchet MS"/>
-              </a:rPr>
-              <a:t>“скриншотов”</a:t>
-            </a:r>
-            <a:r>
-              <a:rPr sz="900" i="1" spc="-10" dirty="0">
-                <a:solidFill>
-                  <a:srgbClr val="7F7F7F"/>
-                </a:solidFill>
-                <a:latin typeface="Trebuchet MS"/>
-                <a:cs typeface="Trebuchet MS"/>
-              </a:rPr>
-              <a:t> </a:t>
-            </a:r>
-            <a:r>
-              <a:rPr sz="900" i="1" spc="-45" dirty="0">
-                <a:solidFill>
-                  <a:srgbClr val="7F7F7F"/>
-                </a:solidFill>
-                <a:latin typeface="Trebuchet MS"/>
-                <a:cs typeface="Trebuchet MS"/>
-              </a:rPr>
-              <a:t>с</a:t>
-            </a:r>
-            <a:r>
-              <a:rPr sz="900" i="1" spc="-10" dirty="0">
-                <a:solidFill>
-                  <a:srgbClr val="7F7F7F"/>
-                </a:solidFill>
-                <a:latin typeface="Trebuchet MS"/>
-                <a:cs typeface="Trebuchet MS"/>
-              </a:rPr>
-              <a:t> </a:t>
-            </a:r>
-            <a:r>
-              <a:rPr sz="900" i="1" spc="-70" dirty="0">
-                <a:solidFill>
-                  <a:srgbClr val="7F7F7F"/>
-                </a:solidFill>
-                <a:latin typeface="Trebuchet MS"/>
-                <a:cs typeface="Trebuchet MS"/>
-              </a:rPr>
-              <a:t>кратким</a:t>
-            </a:r>
-            <a:r>
-              <a:rPr sz="900" i="1" spc="-5" dirty="0">
-                <a:solidFill>
-                  <a:srgbClr val="7F7F7F"/>
-                </a:solidFill>
-                <a:latin typeface="Trebuchet MS"/>
-                <a:cs typeface="Trebuchet MS"/>
-              </a:rPr>
-              <a:t> </a:t>
-            </a:r>
-            <a:r>
-              <a:rPr sz="900" i="1" spc="-10" dirty="0">
-                <a:solidFill>
-                  <a:srgbClr val="7F7F7F"/>
-                </a:solidFill>
-                <a:latin typeface="Trebuchet MS"/>
-                <a:cs typeface="Trebuchet MS"/>
-              </a:rPr>
-              <a:t>описанием.</a:t>
-            </a:r>
-            <a:endParaRPr sz="900" dirty="0">
-              <a:latin typeface="Trebuchet MS"/>
-              <a:cs typeface="Trebuchet MS"/>
-            </a:endParaRPr>
-          </a:p>
-          <a:p>
-            <a:pPr marL="186690" indent="-115570">
-              <a:lnSpc>
-                <a:spcPct val="100000"/>
-              </a:lnSpc>
-              <a:spcBef>
-                <a:spcPts val="310"/>
-              </a:spcBef>
-              <a:buClr>
-                <a:srgbClr val="006CDC"/>
-              </a:buClr>
-              <a:buFont typeface="Cambria"/>
-              <a:buChar char="•"/>
-              <a:tabLst>
-                <a:tab pos="186690" algn="l"/>
-              </a:tabLst>
-            </a:pPr>
-            <a:r>
-              <a:rPr sz="900" spc="-25" dirty="0">
-                <a:latin typeface="Trebuchet MS"/>
-                <a:cs typeface="Trebuchet MS"/>
-              </a:rPr>
-              <a:t>...</a:t>
-            </a:r>
-            <a:endParaRPr sz="900" dirty="0">
-              <a:latin typeface="Trebuchet MS"/>
-              <a:cs typeface="Trebuchet MS"/>
-            </a:endParaRPr>
-          </a:p>
-          <a:p>
-            <a:pPr marL="12700">
-              <a:lnSpc>
-                <a:spcPct val="100000"/>
-              </a:lnSpc>
-              <a:spcBef>
-                <a:spcPts val="310"/>
-              </a:spcBef>
-            </a:pPr>
-            <a:r>
-              <a:rPr sz="900" spc="165" dirty="0">
-                <a:solidFill>
-                  <a:srgbClr val="006CDC"/>
-                </a:solidFill>
-                <a:latin typeface="Cambria"/>
-                <a:cs typeface="Cambria"/>
-              </a:rPr>
-              <a:t>→</a:t>
-            </a:r>
-            <a:r>
-              <a:rPr sz="900" spc="315" dirty="0">
-                <a:solidFill>
-                  <a:srgbClr val="006CDC"/>
-                </a:solidFill>
-                <a:latin typeface="Cambria"/>
-                <a:cs typeface="Cambria"/>
-              </a:rPr>
-              <a:t> </a:t>
-            </a:r>
-            <a:r>
-              <a:rPr sz="900" spc="-65" dirty="0">
-                <a:latin typeface="Trebuchet MS"/>
-                <a:cs typeface="Trebuchet MS"/>
-              </a:rPr>
-              <a:t>Рекомендуемый</a:t>
-            </a:r>
-            <a:r>
-              <a:rPr sz="900" spc="-15" dirty="0">
-                <a:latin typeface="Trebuchet MS"/>
-                <a:cs typeface="Trebuchet MS"/>
-              </a:rPr>
-              <a:t> </a:t>
-            </a:r>
-            <a:r>
-              <a:rPr sz="900" spc="-85" dirty="0">
-                <a:latin typeface="Trebuchet MS"/>
-                <a:cs typeface="Trebuchet MS"/>
-              </a:rPr>
-              <a:t>объём:</a:t>
-            </a:r>
-            <a:r>
-              <a:rPr sz="900" spc="-20" dirty="0">
-                <a:latin typeface="Trebuchet MS"/>
-                <a:cs typeface="Trebuchet MS"/>
-              </a:rPr>
-              <a:t> </a:t>
-            </a:r>
-            <a:r>
-              <a:rPr sz="900" spc="-75" dirty="0">
-                <a:latin typeface="Trebuchet MS"/>
-                <a:cs typeface="Trebuchet MS"/>
-              </a:rPr>
-              <a:t>2-</a:t>
-            </a:r>
-            <a:r>
-              <a:rPr sz="900" spc="-65" dirty="0">
-                <a:latin typeface="Trebuchet MS"/>
-                <a:cs typeface="Trebuchet MS"/>
-              </a:rPr>
-              <a:t>4</a:t>
-            </a:r>
-            <a:r>
-              <a:rPr sz="900" spc="-15" dirty="0">
-                <a:latin typeface="Trebuchet MS"/>
-                <a:cs typeface="Trebuchet MS"/>
-              </a:rPr>
-              <a:t> </a:t>
-            </a:r>
-            <a:r>
-              <a:rPr sz="900" spc="-10" dirty="0">
-                <a:latin typeface="Trebuchet MS"/>
-                <a:cs typeface="Trebuchet MS"/>
-              </a:rPr>
-              <a:t>cлайда.</a:t>
-            </a:r>
-            <a:endParaRPr sz="900" dirty="0">
-              <a:latin typeface="Trebuchet MS"/>
-              <a:cs typeface="Trebuchet MS"/>
-            </a:endParaRPr>
-          </a:p>
-        </p:txBody>
-      </p:sp>
-      <p:sp>
-        <p:nvSpPr>
-          <p:cNvPr id="7" name="object 7"/>
-          <p:cNvSpPr txBox="1">
-            <a:spLocks noGrp="1"/>
-          </p:cNvSpPr>
-          <p:nvPr>
-            <p:ph type="sldNum" sz="quarter" idx="7"/>
-          </p:nvPr>
-        </p:nvSpPr>
-        <p:spPr>
-          <a:prstGeom prst="rect">
-            <a:avLst/>
-          </a:prstGeom>
-        </p:spPr>
-        <p:txBody>
-          <a:bodyPr vert="horz" wrap="square" lIns="0" tIns="6985" rIns="0" bIns="0" rtlCol="0">
-            <a:spAutoFit/>
-          </a:bodyPr>
-          <a:lstStyle/>
-          <a:p>
-            <a:pPr marL="40005">
-              <a:lnSpc>
-                <a:spcPct val="100000"/>
-              </a:lnSpc>
-              <a:spcBef>
-                <a:spcPts val="55"/>
-              </a:spcBef>
-            </a:pPr>
-            <a:fld id="{81D60167-4931-47E6-BA6A-407CBD079E47}" type="slidenum">
-              <a:rPr spc="-75" dirty="0"/>
-              <a:t>13</a:t>
-            </a:fld>
-            <a:r>
-              <a:rPr spc="-35" dirty="0"/>
-              <a:t> /</a:t>
-            </a:r>
-            <a:r>
-              <a:rPr spc="-30" dirty="0"/>
-              <a:t> </a:t>
-            </a:r>
-            <a:r>
-              <a:rPr spc="-35" dirty="0"/>
-              <a:t>16</a:t>
-            </a:r>
-          </a:p>
-        </p:txBody>
-      </p:sp>
-    </p:spTree>
-  </p:cSld>
-  <p:clrMapOvr>
-    <a:masterClrMapping/>
-  </p:clrMapOvr>
-  <p:transition>
-    <p:cut/>
-  </p:transition>
-</p:sld>
-</file>
-
-<file path=ppt/slides/slide14.xml><?xml version="1.0" encoding="utf-8"?>
-<p:sld xmlns:a="http://schemas.openxmlformats.org/drawingml/2006/main" xmlns:r="http://schemas.openxmlformats.org/officeDocument/2006/relationships" xmlns:p="http://schemas.openxmlformats.org/presentationml/2006/main">
-  <p:cSld>
-    <p:spTree>
-      <p:nvGrpSpPr>
-        <p:cNvPr id="1" name=""/>
-        <p:cNvGrpSpPr/>
-        <p:nvPr/>
-      </p:nvGrpSpPr>
-      <p:grpSpPr>
-        <a:xfrm>
-          <a:off x="0" y="0"/>
-          <a:ext cx="0" cy="0"/>
-          <a:chOff x="0" y="0"/>
-          <a:chExt cx="0" cy="0"/>
-        </a:xfrm>
-      </p:grpSpPr>
-      <p:sp>
-        <p:nvSpPr>
-          <p:cNvPr id="2" name="object 2"/>
-          <p:cNvSpPr txBox="1">
-            <a:spLocks noGrp="1"/>
-          </p:cNvSpPr>
-          <p:nvPr>
-            <p:ph type="title"/>
-          </p:nvPr>
-        </p:nvSpPr>
-        <p:spPr>
-          <a:prstGeom prst="rect">
-            <a:avLst/>
-          </a:prstGeom>
-        </p:spPr>
-        <p:txBody>
-          <a:bodyPr vert="horz" wrap="square" lIns="0" tIns="11430" rIns="0" bIns="0" rtlCol="0">
-            <a:spAutoFit/>
-          </a:bodyPr>
-          <a:lstStyle/>
-          <a:p>
-            <a:pPr marL="12700">
-              <a:lnSpc>
-                <a:spcPct val="100000"/>
-              </a:lnSpc>
-              <a:spcBef>
-                <a:spcPts val="90"/>
-              </a:spcBef>
-            </a:pPr>
-            <a:r>
-              <a:rPr spc="-55" dirty="0"/>
-              <a:t>Выводы</a:t>
-            </a:r>
-            <a:r>
-              <a:rPr spc="-50" dirty="0"/>
-              <a:t> и</a:t>
-            </a:r>
-            <a:r>
-              <a:rPr spc="-45" dirty="0"/>
-              <a:t> </a:t>
-            </a:r>
-            <a:r>
-              <a:rPr spc="-55" dirty="0"/>
-              <a:t>заключение</a:t>
-            </a:r>
-          </a:p>
-        </p:txBody>
-      </p:sp>
-      <p:sp>
-        <p:nvSpPr>
-          <p:cNvPr id="3" name="object 3"/>
-          <p:cNvSpPr/>
-          <p:nvPr/>
-        </p:nvSpPr>
-        <p:spPr>
-          <a:xfrm>
-            <a:off x="198564" y="524535"/>
-            <a:ext cx="4923790" cy="0"/>
-          </a:xfrm>
-          <a:custGeom>
-            <a:avLst/>
-            <a:gdLst/>
-            <a:ahLst/>
-            <a:cxnLst/>
-            <a:rect l="l" t="t" r="r" b="b"/>
-            <a:pathLst>
-              <a:path w="4923790">
-                <a:moveTo>
-                  <a:pt x="0" y="0"/>
-                </a:moveTo>
-                <a:lnTo>
-                  <a:pt x="4923726" y="0"/>
-                </a:lnTo>
-              </a:path>
-            </a:pathLst>
-          </a:custGeom>
-          <a:ln w="25304">
-            <a:solidFill>
-              <a:srgbClr val="006CDC"/>
-            </a:solidFill>
-          </a:ln>
-        </p:spPr>
-        <p:txBody>
-          <a:bodyPr wrap="square" lIns="0" tIns="0" rIns="0" bIns="0" rtlCol="0"/>
-          <a:lstStyle/>
-          <a:p>
-            <a:endParaRPr/>
-          </a:p>
-        </p:txBody>
-      </p:sp>
-      <p:pic>
-        <p:nvPicPr>
-          <p:cNvPr id="4" name="object 4"/>
-          <p:cNvPicPr/>
-          <p:nvPr/>
-        </p:nvPicPr>
-        <p:blipFill>
-          <a:blip r:embed="rId2" cstate="print"/>
-          <a:stretch>
-            <a:fillRect/>
-          </a:stretch>
-        </p:blipFill>
-        <p:spPr>
-          <a:xfrm>
-            <a:off x="5272363" y="83480"/>
-            <a:ext cx="369463" cy="436200"/>
-          </a:xfrm>
-          <a:prstGeom prst="rect">
-            <a:avLst/>
-          </a:prstGeom>
-        </p:spPr>
-      </p:pic>
-      <p:sp>
-        <p:nvSpPr>
-          <p:cNvPr id="5" name="object 5"/>
-          <p:cNvSpPr txBox="1">
-            <a:spLocks noGrp="1"/>
-          </p:cNvSpPr>
-          <p:nvPr>
-            <p:ph type="body" idx="1"/>
-          </p:nvPr>
-        </p:nvSpPr>
-        <p:spPr>
-          <a:prstGeom prst="rect">
-            <a:avLst/>
-          </a:prstGeom>
-        </p:spPr>
-        <p:txBody>
-          <a:bodyPr vert="horz" wrap="square" lIns="0" tIns="10795" rIns="0" bIns="0" rtlCol="0">
-            <a:spAutoFit/>
-          </a:bodyPr>
-          <a:lstStyle/>
+              <a:rPr lang="ru-RU" dirty="0"/>
+              <a:t>Разработанная архитектура позволила реализовать управляемую и легко расширяемую систему для масштабируемого запуска UE-серверов</a:t>
+            </a:r>
+            <a:r>
+              <a:rPr lang="en-US" dirty="0"/>
+              <a:t>;</a:t>
+            </a:r>
+            <a:endParaRPr lang="ru-RU" spc="-50" dirty="0"/>
+          </a:p>
           <a:p>
             <a:pPr marL="186055" marR="5080" indent="-115570">
               <a:lnSpc>
-                <a:spcPct val="101000"/>
+                <a:spcPct val="150000"/>
               </a:lnSpc>
               <a:spcBef>
                 <a:spcPts val="85"/>
@@ -6753,400 +5874,19 @@
               </a:tabLst>
             </a:pPr>
             <a:r>
-              <a:rPr spc="-70" dirty="0"/>
-              <a:t>Выводы</a:t>
-            </a:r>
-            <a:r>
-              <a:rPr spc="-15" dirty="0"/>
-              <a:t> </a:t>
-            </a:r>
-            <a:r>
-              <a:rPr spc="-35" dirty="0"/>
-              <a:t>о</a:t>
-            </a:r>
-            <a:r>
-              <a:rPr spc="-15" dirty="0"/>
-              <a:t> </a:t>
-            </a:r>
-            <a:r>
-              <a:rPr spc="-60" dirty="0"/>
-              <a:t>проведённых</a:t>
-            </a:r>
-            <a:r>
-              <a:rPr spc="-10" dirty="0"/>
-              <a:t> </a:t>
-            </a:r>
-            <a:r>
-              <a:rPr spc="-60" dirty="0"/>
-              <a:t>работах/исследованиях</a:t>
-            </a:r>
-            <a:r>
-              <a:rPr spc="-15" dirty="0"/>
-              <a:t> </a:t>
-            </a:r>
-            <a:r>
-              <a:rPr spc="-60" dirty="0"/>
-              <a:t>представляются</a:t>
-            </a:r>
-            <a:r>
-              <a:rPr spc="-10" dirty="0"/>
-              <a:t> </a:t>
-            </a:r>
-            <a:r>
-              <a:rPr spc="-50" dirty="0"/>
-              <a:t>строго</a:t>
-            </a:r>
-            <a:r>
-              <a:rPr spc="-15" dirty="0"/>
-              <a:t> </a:t>
-            </a:r>
-            <a:r>
-              <a:rPr spc="-30" dirty="0"/>
-              <a:t>по</a:t>
-            </a:r>
-            <a:r>
-              <a:rPr spc="-10" dirty="0"/>
-              <a:t> </a:t>
-            </a:r>
-            <a:r>
-              <a:rPr spc="-65" dirty="0"/>
-              <a:t>пунктам</a:t>
-            </a:r>
-            <a:r>
-              <a:rPr spc="-15" dirty="0"/>
-              <a:t> </a:t>
-            </a:r>
-            <a:r>
-              <a:rPr spc="-75" dirty="0"/>
-              <a:t>в</a:t>
-            </a:r>
-            <a:r>
-              <a:rPr spc="-15" dirty="0"/>
-              <a:t> </a:t>
-            </a:r>
-            <a:r>
-              <a:rPr spc="-25" dirty="0"/>
-              <a:t>форме </a:t>
-            </a:r>
-            <a:r>
-              <a:rPr spc="-50" dirty="0"/>
-              <a:t>обоснованного</a:t>
-            </a:r>
-            <a:r>
-              <a:rPr spc="-20" dirty="0"/>
-              <a:t> </a:t>
-            </a:r>
-            <a:r>
-              <a:rPr spc="-75" dirty="0"/>
-              <a:t>результата,</a:t>
-            </a:r>
-            <a:r>
-              <a:rPr spc="-20" dirty="0"/>
-              <a:t> </a:t>
-            </a:r>
-            <a:r>
-              <a:rPr spc="-40" dirty="0"/>
-              <a:t>а</a:t>
-            </a:r>
-            <a:r>
-              <a:rPr spc="-20" dirty="0"/>
-              <a:t> </a:t>
-            </a:r>
-            <a:r>
-              <a:rPr spc="-45" dirty="0"/>
-              <a:t>не</a:t>
-            </a:r>
-            <a:r>
-              <a:rPr spc="-20" dirty="0"/>
-              <a:t> </a:t>
-            </a:r>
-            <a:r>
-              <a:rPr spc="-75" dirty="0"/>
-              <a:t>в</a:t>
-            </a:r>
-            <a:r>
-              <a:rPr spc="-15" dirty="0"/>
-              <a:t> </a:t>
-            </a:r>
-            <a:r>
-              <a:rPr spc="-60" dirty="0"/>
-              <a:t>форме</a:t>
-            </a:r>
-            <a:r>
-              <a:rPr spc="-20" dirty="0"/>
-              <a:t> </a:t>
-            </a:r>
-            <a:r>
-              <a:rPr spc="-10" dirty="0"/>
-              <a:t>констатации.</a:t>
-            </a:r>
+              <a:rPr lang="ru-RU" spc="-60" dirty="0"/>
+              <a:t>Проведенные исследования в ходе работы позволили существенно уменьшить накладные расходы и улучшить производительность системы</a:t>
+            </a:r>
+            <a:r>
+              <a:rPr lang="en-US" spc="-60" dirty="0"/>
+              <a:t>;</a:t>
+            </a:r>
+            <a:endParaRPr spc="-25" dirty="0"/>
           </a:p>
           <a:p>
             <a:pPr marL="186690" indent="-115570">
               <a:lnSpc>
-                <a:spcPct val="100000"/>
-              </a:lnSpc>
-              <a:spcBef>
-                <a:spcPts val="310"/>
-              </a:spcBef>
-              <a:buClr>
-                <a:srgbClr val="006CDC"/>
-              </a:buClr>
-              <a:buFont typeface="Cambria"/>
-              <a:buChar char="•"/>
-              <a:tabLst>
-                <a:tab pos="186690" algn="l"/>
-              </a:tabLst>
-            </a:pPr>
-            <a:r>
-              <a:rPr spc="-50" dirty="0"/>
-              <a:t>Не</a:t>
-            </a:r>
-            <a:r>
-              <a:rPr spc="-25" dirty="0"/>
-              <a:t> </a:t>
-            </a:r>
-            <a:r>
-              <a:rPr spc="-60" dirty="0"/>
-              <a:t>«Получены</a:t>
-            </a:r>
-            <a:r>
-              <a:rPr spc="-20" dirty="0"/>
-              <a:t> </a:t>
-            </a:r>
-            <a:r>
-              <a:rPr spc="-70" dirty="0"/>
-              <a:t>результаты</a:t>
-            </a:r>
-            <a:r>
-              <a:rPr spc="-20" dirty="0"/>
-              <a:t> </a:t>
-            </a:r>
-            <a:r>
-              <a:rPr spc="-140" dirty="0"/>
-              <a:t>...»,</a:t>
-            </a:r>
-            <a:r>
-              <a:rPr spc="-20" dirty="0"/>
-              <a:t> </a:t>
-            </a:r>
-            <a:r>
-              <a:rPr spc="-40" dirty="0"/>
-              <a:t>а</a:t>
-            </a:r>
-            <a:r>
-              <a:rPr spc="-20" dirty="0"/>
-              <a:t> </a:t>
-            </a:r>
-            <a:r>
-              <a:rPr spc="-55" dirty="0"/>
-              <a:t>«Полученные</a:t>
-            </a:r>
-            <a:r>
-              <a:rPr spc="-20" dirty="0"/>
-              <a:t> </a:t>
-            </a:r>
-            <a:r>
-              <a:rPr spc="-70" dirty="0"/>
-              <a:t>результаты</a:t>
-            </a:r>
-            <a:r>
-              <a:rPr spc="-20" dirty="0"/>
-              <a:t> </a:t>
-            </a:r>
-            <a:r>
-              <a:rPr spc="-60" dirty="0"/>
-              <a:t>показали,</a:t>
-            </a:r>
-            <a:r>
-              <a:rPr spc="-20" dirty="0"/>
-              <a:t> </a:t>
-            </a:r>
-            <a:r>
-              <a:rPr spc="-55" dirty="0"/>
-              <a:t>что</a:t>
-            </a:r>
-            <a:r>
-              <a:rPr spc="-20" dirty="0"/>
-              <a:t> ...»</a:t>
-            </a:r>
-          </a:p>
-          <a:p>
-            <a:pPr marL="186690" indent="-115570">
-              <a:lnSpc>
-                <a:spcPct val="100000"/>
-              </a:lnSpc>
-              <a:spcBef>
-                <a:spcPts val="310"/>
-              </a:spcBef>
-              <a:buClr>
-                <a:srgbClr val="006CDC"/>
-              </a:buClr>
-              <a:buFont typeface="Cambria"/>
-              <a:buChar char="•"/>
-              <a:tabLst>
-                <a:tab pos="186690" algn="l"/>
-              </a:tabLst>
-            </a:pPr>
-            <a:r>
-              <a:rPr spc="-50" dirty="0"/>
-              <a:t>Не</a:t>
-            </a:r>
-            <a:r>
-              <a:rPr spc="-20" dirty="0"/>
-              <a:t> </a:t>
-            </a:r>
-            <a:r>
-              <a:rPr spc="-50" dirty="0"/>
-              <a:t>«Разработана</a:t>
-            </a:r>
-            <a:r>
-              <a:rPr spc="-15" dirty="0"/>
-              <a:t> </a:t>
-            </a:r>
-            <a:r>
-              <a:rPr spc="-45" dirty="0"/>
-              <a:t>база</a:t>
-            </a:r>
-            <a:r>
-              <a:rPr spc="-20" dirty="0"/>
-              <a:t> </a:t>
-            </a:r>
-            <a:r>
-              <a:rPr spc="-70" dirty="0"/>
-              <a:t>данных</a:t>
-            </a:r>
-            <a:r>
-              <a:rPr spc="-15" dirty="0"/>
-              <a:t> </a:t>
-            </a:r>
-            <a:r>
-              <a:rPr spc="-140" dirty="0"/>
-              <a:t>...»,</a:t>
-            </a:r>
-            <a:r>
-              <a:rPr spc="-15" dirty="0"/>
-              <a:t> </a:t>
-            </a:r>
-            <a:r>
-              <a:rPr spc="-40" dirty="0"/>
-              <a:t>а</a:t>
-            </a:r>
-            <a:r>
-              <a:rPr spc="-20" dirty="0"/>
-              <a:t> </a:t>
-            </a:r>
-            <a:r>
-              <a:rPr spc="-50" dirty="0"/>
-              <a:t>«Разработанная</a:t>
-            </a:r>
-            <a:r>
-              <a:rPr spc="-15" dirty="0"/>
-              <a:t> </a:t>
-            </a:r>
-            <a:r>
-              <a:rPr spc="-45" dirty="0"/>
-              <a:t>база</a:t>
-            </a:r>
-            <a:r>
-              <a:rPr spc="-15" dirty="0"/>
-              <a:t> </a:t>
-            </a:r>
-            <a:r>
-              <a:rPr spc="-70" dirty="0"/>
-              <a:t>данных</a:t>
-            </a:r>
-            <a:r>
-              <a:rPr spc="-20" dirty="0"/>
-              <a:t> </a:t>
-            </a:r>
-            <a:r>
-              <a:rPr spc="-55" dirty="0"/>
-              <a:t>позволила</a:t>
-            </a:r>
-            <a:r>
-              <a:rPr spc="-15" dirty="0"/>
-              <a:t> </a:t>
-            </a:r>
-            <a:r>
-              <a:rPr spc="-155" dirty="0"/>
-              <a:t>...</a:t>
-            </a:r>
-            <a:r>
-              <a:rPr spc="-15" dirty="0"/>
-              <a:t> </a:t>
-            </a:r>
-            <a:r>
-              <a:rPr spc="-50" dirty="0"/>
-              <a:t>»</a:t>
-            </a:r>
-          </a:p>
-          <a:p>
-            <a:pPr marL="186690" indent="-115570">
-              <a:lnSpc>
-                <a:spcPct val="100000"/>
-              </a:lnSpc>
-              <a:spcBef>
-                <a:spcPts val="310"/>
-              </a:spcBef>
-              <a:buClr>
-                <a:srgbClr val="006CDC"/>
-              </a:buClr>
-              <a:buFont typeface="Cambria"/>
-              <a:buChar char="•"/>
-              <a:tabLst>
-                <a:tab pos="186690" algn="l"/>
-              </a:tabLst>
-            </a:pPr>
-            <a:r>
-              <a:rPr spc="-60" dirty="0"/>
-              <a:t>Проведённые</a:t>
-            </a:r>
-            <a:r>
-              <a:rPr spc="20" dirty="0"/>
-              <a:t> </a:t>
-            </a:r>
-            <a:r>
-              <a:rPr spc="-70" dirty="0"/>
-              <a:t>вычислительные</a:t>
-            </a:r>
-            <a:r>
-              <a:rPr spc="20" dirty="0"/>
-              <a:t> </a:t>
-            </a:r>
-            <a:r>
-              <a:rPr spc="-65" dirty="0"/>
-              <a:t>эксперименты</a:t>
-            </a:r>
-            <a:r>
-              <a:rPr spc="25" dirty="0"/>
-              <a:t> </a:t>
-            </a:r>
-            <a:r>
-              <a:rPr spc="-55" dirty="0"/>
-              <a:t>доказали</a:t>
-            </a:r>
-            <a:r>
-              <a:rPr spc="20" dirty="0"/>
-              <a:t> </a:t>
-            </a:r>
-            <a:r>
-              <a:rPr spc="-55" dirty="0"/>
-              <a:t>эффективность</a:t>
-            </a:r>
-            <a:r>
-              <a:rPr spc="25" dirty="0"/>
-              <a:t> </a:t>
-            </a:r>
-            <a:r>
-              <a:rPr spc="-25" dirty="0"/>
-              <a:t>...</a:t>
-            </a:r>
-          </a:p>
-          <a:p>
-            <a:pPr marL="186690" indent="-115570">
-              <a:lnSpc>
-                <a:spcPct val="100000"/>
+                <a:spcPct val="150000"/>
               </a:lnSpc>
               <a:spcBef>
                 <a:spcPts val="309"/>
@@ -7161,34 +5901,19 @@
               </a:tabLst>
             </a:pPr>
             <a:r>
-              <a:rPr spc="-45" dirty="0"/>
-              <a:t>Показано</a:t>
-            </a:r>
-            <a:r>
-              <a:rPr spc="-30" dirty="0"/>
-              <a:t> </a:t>
-            </a:r>
-            <a:r>
-              <a:rPr spc="-155" dirty="0"/>
-              <a:t>...,</a:t>
-            </a:r>
-            <a:r>
-              <a:rPr spc="-30" dirty="0"/>
-              <a:t> </a:t>
-            </a:r>
-            <a:r>
-              <a:rPr spc="-55" dirty="0"/>
-              <a:t>что</a:t>
-            </a:r>
-            <a:r>
-              <a:rPr spc="-25" dirty="0"/>
-              <a:t> ...</a:t>
-            </a:r>
+              <a:rPr lang="ru-RU" spc="-45" dirty="0"/>
+              <a:t>Выбранный подход в проектировании архитектуры системы позволил улучшить прозрачность разработанной системы</a:t>
+            </a:r>
+            <a:r>
+              <a:rPr lang="en-US" spc="-45" dirty="0"/>
+              <a:t>;</a:t>
+            </a:r>
+            <a:endParaRPr spc="-25" dirty="0"/>
           </a:p>
           <a:p>
             <a:pPr marL="186690" indent="-115570">
               <a:lnSpc>
-                <a:spcPct val="100000"/>
+                <a:spcPct val="150000"/>
               </a:lnSpc>
               <a:spcBef>
                 <a:spcPts val="309"/>
@@ -7203,161 +5928,10 @@
               </a:tabLst>
             </a:pPr>
             <a:r>
-              <a:rPr spc="-60" dirty="0"/>
-              <a:t>Проведены</a:t>
-            </a:r>
-            <a:r>
-              <a:rPr spc="-35" dirty="0"/>
-              <a:t> </a:t>
-            </a:r>
-            <a:r>
-              <a:rPr spc="-155" dirty="0"/>
-              <a:t>...,</a:t>
-            </a:r>
-            <a:r>
-              <a:rPr spc="-30" dirty="0"/>
-              <a:t> </a:t>
-            </a:r>
-            <a:r>
-              <a:rPr spc="-55" dirty="0"/>
-              <a:t>что</a:t>
-            </a:r>
-            <a:r>
-              <a:rPr spc="-30" dirty="0"/>
-              <a:t> </a:t>
-            </a:r>
-            <a:r>
-              <a:rPr spc="-45" dirty="0"/>
-              <a:t>показало</a:t>
-            </a:r>
-            <a:r>
-              <a:rPr spc="-30" dirty="0"/>
-              <a:t> </a:t>
-            </a:r>
-            <a:r>
-              <a:rPr spc="-25" dirty="0"/>
-              <a:t>...</a:t>
-            </a:r>
-          </a:p>
-          <a:p>
-            <a:pPr marL="12700">
-              <a:lnSpc>
-                <a:spcPct val="100000"/>
-              </a:lnSpc>
-              <a:spcBef>
-                <a:spcPts val="309"/>
-              </a:spcBef>
-            </a:pPr>
-            <a:r>
-              <a:rPr i="0" spc="165" dirty="0">
-                <a:solidFill>
-                  <a:srgbClr val="006CDC"/>
-                </a:solidFill>
-                <a:latin typeface="Cambria"/>
-                <a:cs typeface="Cambria"/>
-              </a:rPr>
-              <a:t>→</a:t>
-            </a:r>
-            <a:r>
-              <a:rPr i="0" spc="310" dirty="0">
-                <a:solidFill>
-                  <a:srgbClr val="006CDC"/>
-                </a:solidFill>
-                <a:latin typeface="Cambria"/>
-                <a:cs typeface="Cambria"/>
-              </a:rPr>
-              <a:t> </a:t>
-            </a:r>
-            <a:r>
-              <a:rPr i="0" spc="-65" dirty="0">
-                <a:solidFill>
-                  <a:srgbClr val="000000"/>
-                </a:solidFill>
-                <a:latin typeface="Trebuchet MS"/>
-                <a:cs typeface="Trebuchet MS"/>
-              </a:rPr>
-              <a:t>Рекомендуемый</a:t>
-            </a:r>
-            <a:r>
-              <a:rPr i="0" spc="-20" dirty="0">
-                <a:solidFill>
-                  <a:srgbClr val="000000"/>
-                </a:solidFill>
-                <a:latin typeface="Trebuchet MS"/>
-                <a:cs typeface="Trebuchet MS"/>
-              </a:rPr>
-              <a:t> </a:t>
-            </a:r>
-            <a:r>
-              <a:rPr i="0" spc="-85" dirty="0">
-                <a:solidFill>
-                  <a:srgbClr val="000000"/>
-                </a:solidFill>
-                <a:latin typeface="Trebuchet MS"/>
-                <a:cs typeface="Trebuchet MS"/>
-              </a:rPr>
-              <a:t>объём:</a:t>
-            </a:r>
-            <a:r>
-              <a:rPr i="0" spc="-20" dirty="0">
-                <a:solidFill>
-                  <a:srgbClr val="000000"/>
-                </a:solidFill>
-                <a:latin typeface="Trebuchet MS"/>
-                <a:cs typeface="Trebuchet MS"/>
-              </a:rPr>
-              <a:t> </a:t>
-            </a:r>
-            <a:r>
-              <a:rPr i="0" spc="-55" dirty="0">
-                <a:solidFill>
-                  <a:srgbClr val="000000"/>
-                </a:solidFill>
-                <a:latin typeface="Trebuchet MS"/>
-                <a:cs typeface="Trebuchet MS"/>
-              </a:rPr>
-              <a:t>строго</a:t>
-            </a:r>
-            <a:r>
-              <a:rPr i="0" spc="-20" dirty="0">
-                <a:solidFill>
-                  <a:srgbClr val="000000"/>
-                </a:solidFill>
-                <a:latin typeface="Trebuchet MS"/>
-                <a:cs typeface="Trebuchet MS"/>
-              </a:rPr>
-              <a:t> </a:t>
-            </a:r>
-            <a:r>
-              <a:rPr i="0" spc="-150" dirty="0">
-                <a:solidFill>
-                  <a:srgbClr val="000000"/>
-                </a:solidFill>
-                <a:latin typeface="Trebuchet MS"/>
-                <a:cs typeface="Trebuchet MS"/>
-              </a:rPr>
-              <a:t>1</a:t>
-            </a:r>
-            <a:r>
-              <a:rPr i="0" spc="-20" dirty="0">
-                <a:solidFill>
-                  <a:srgbClr val="000000"/>
-                </a:solidFill>
-                <a:latin typeface="Trebuchet MS"/>
-                <a:cs typeface="Trebuchet MS"/>
-              </a:rPr>
-              <a:t> </a:t>
-            </a:r>
-            <a:r>
-              <a:rPr i="0" spc="-10" dirty="0">
-                <a:solidFill>
-                  <a:srgbClr val="000000"/>
-                </a:solidFill>
-                <a:latin typeface="Trebuchet MS"/>
-                <a:cs typeface="Trebuchet MS"/>
-              </a:rPr>
-              <a:t>cлайд.</a:t>
-            </a:r>
+              <a:rPr lang="ru-RU" spc="-60" dirty="0"/>
+              <a:t>Выбранное распределение компонентов по узлам позволило изолировать управляющий уровень от вычислительного, тем самым повысив надежность системы.</a:t>
+            </a:r>
+            <a:endParaRPr lang="ru-RU" spc="-25" dirty="0"/>
           </a:p>
         </p:txBody>
       </p:sp>
@@ -7392,7 +5966,7 @@
             </a:pPr>
             <a:fld id="{81D60167-4931-47E6-BA6A-407CBD079E47}" type="slidenum">
               <a:rPr spc="-75" dirty="0"/>
-              <a:t>14</a:t>
+              <a:t>13</a:t>
             </a:fld>
             <a:r>
               <a:rPr spc="-35" dirty="0"/>
@@ -7420,7 +5994,7 @@
 </p:sld>
 </file>
 
-<file path=ppt/slides/slide15.xml><?xml version="1.0" encoding="utf-8"?>
+<file path=ppt/slides/slide14.xml><?xml version="1.0" encoding="utf-8"?>
 <p:sld xmlns:a="http://schemas.openxmlformats.org/drawingml/2006/main" xmlns:r="http://schemas.openxmlformats.org/officeDocument/2006/relationships" xmlns:p="http://schemas.openxmlformats.org/presentationml/2006/main" showMasterSp="0">
   <p:cSld>
     <p:spTree>
@@ -7676,7 +6250,7 @@
         <p:spPr>
           <a:xfrm>
             <a:off x="203301" y="154913"/>
-            <a:ext cx="3326765" cy="325755"/>
+            <a:ext cx="3326765" cy="310534"/>
           </a:xfrm>
           <a:prstGeom prst="rect">
             <a:avLst/>
@@ -7708,7 +6282,11 @@
               </a:lnSpc>
             </a:pPr>
             <a:r>
-              <a:rPr sz="900" spc="-50" dirty="0"/>
+              <a:rPr lang="en-US" sz="900" spc="-50" dirty="0"/>
+              <a:t> </a:t>
+            </a:r>
+            <a:r>
+              <a:rPr sz="900" spc="-50" dirty="0" err="1"/>
               <a:t>Описание</a:t>
             </a:r>
             <a:r>
@@ -7725,39 +6303,7 @@
             </a:r>
             <a:r>
               <a:rPr sz="900" spc="-65" dirty="0"/>
-              <a:t>области,</a:t>
-            </a:r>
-            <a:r>
-              <a:rPr sz="900" spc="-10" dirty="0"/>
-              <a:t> </a:t>
-            </a:r>
-            <a:r>
-              <a:rPr sz="900" spc="-40" dirty="0"/>
-              <a:t>анализ</a:t>
-            </a:r>
-            <a:r>
-              <a:rPr sz="900" spc="-10" dirty="0"/>
-              <a:t> </a:t>
-            </a:r>
-            <a:r>
-              <a:rPr sz="900" spc="-60" dirty="0"/>
-              <a:t>её</a:t>
-            </a:r>
-            <a:r>
-              <a:rPr sz="900" spc="-10" dirty="0"/>
-              <a:t> </a:t>
-            </a:r>
-            <a:r>
-              <a:rPr sz="900" spc="-55" dirty="0"/>
-              <a:t>развития,</a:t>
-            </a:r>
-            <a:r>
-              <a:rPr sz="900" spc="-10" dirty="0"/>
-              <a:t> </a:t>
-            </a:r>
-            <a:r>
-              <a:rPr sz="900" spc="-45" dirty="0"/>
-              <a:t>актуальность</a:t>
+              <a:t>области</a:t>
             </a:r>
             <a:endParaRPr sz="900" dirty="0"/>
           </a:p>
@@ -7900,6 +6446,1159 @@
               <a:latin typeface="Trebuchet MS"/>
               <a:cs typeface="Trebuchet MS"/>
             </a:endParaRPr>
+          </a:p>
+        </p:txBody>
+      </p:sp>
+      <mc:AlternateContent xmlns:mc="http://schemas.openxmlformats.org/markup-compatibility/2006">
+        <mc:Choice xmlns:a14="http://schemas.microsoft.com/office/drawing/2010/main" Requires="a14">
+          <p:sp>
+            <p:nvSpPr>
+              <p:cNvPr id="10" name="TextBox 9">
+                <a:extLst>
+                  <a:ext uri="{FF2B5EF4-FFF2-40B4-BE49-F238E27FC236}">
+                    <a16:creationId xmlns:a16="http://schemas.microsoft.com/office/drawing/2014/main" id="{73044B26-0EA7-4A87-A3E7-BC4708046823}"/>
+                  </a:ext>
+                </a:extLst>
+              </p:cNvPr>
+              <p:cNvSpPr txBox="1"/>
+              <p:nvPr/>
+            </p:nvSpPr>
+            <p:spPr>
+              <a:xfrm>
+                <a:off x="384326" y="2720315"/>
+                <a:ext cx="4892686" cy="200055"/>
+              </a:xfrm>
+              <a:prstGeom prst="rect">
+                <a:avLst/>
+              </a:prstGeom>
+              <a:noFill/>
+            </p:spPr>
+            <p:txBody>
+              <a:bodyPr wrap="none" rtlCol="0">
+                <a:spAutoFit/>
+              </a:bodyPr>
+              <a:lstStyle/>
+              <a:p>
+                <a:r>
+                  <a:rPr lang="ru-RU" sz="700" dirty="0">
+                    <a:solidFill>
+                      <a:schemeClr val="tx1">
+                        <a:lumMod val="50000"/>
+                        <a:lumOff val="50000"/>
+                      </a:schemeClr>
+                    </a:solidFill>
+                  </a:rPr>
+                  <a:t>Запуск множества серверов </a:t>
+                </a:r>
+                <a:r>
+                  <a:rPr lang="en-US" sz="700" dirty="0">
+                    <a:solidFill>
+                      <a:schemeClr val="tx1">
+                        <a:lumMod val="50000"/>
+                        <a:lumOff val="50000"/>
+                      </a:schemeClr>
+                    </a:solidFill>
+                  </a:rPr>
+                  <a:t>Unreal Engine </a:t>
+                </a:r>
+                <a14:m>
+                  <m:oMath xmlns:m="http://schemas.openxmlformats.org/officeDocument/2006/math">
+                    <m:r>
+                      <a:rPr lang="en-US" sz="700" b="0" i="1" smtClean="0">
+                        <a:solidFill>
+                          <a:schemeClr val="tx1">
+                            <a:lumMod val="50000"/>
+                            <a:lumOff val="50000"/>
+                          </a:schemeClr>
+                        </a:solidFill>
+                        <a:latin typeface="Cambria Math" panose="02040503050406030204" pitchFamily="18" charset="0"/>
+                      </a:rPr>
+                      <m:t>−</m:t>
+                    </m:r>
+                  </m:oMath>
+                </a14:m>
+                <a:r>
+                  <a:rPr lang="en-US" sz="700" dirty="0">
+                    <a:solidFill>
+                      <a:schemeClr val="tx1">
+                        <a:lumMod val="50000"/>
+                        <a:lumOff val="50000"/>
+                      </a:schemeClr>
+                    </a:solidFill>
+                  </a:rPr>
+                  <a:t> </a:t>
+                </a:r>
+                <a:r>
+                  <a:rPr lang="ru-RU" sz="700" dirty="0">
+                    <a:solidFill>
+                      <a:schemeClr val="tx1">
+                        <a:lumMod val="50000"/>
+                        <a:lumOff val="50000"/>
+                      </a:schemeClr>
+                    </a:solidFill>
+                  </a:rPr>
+                  <a:t>частный случай, где необходимо решать задачу масштабирования</a:t>
+                </a:r>
+              </a:p>
+            </p:txBody>
+          </p:sp>
+        </mc:Choice>
+        <mc:Fallback>
+          <p:sp>
+            <p:nvSpPr>
+              <p:cNvPr id="10" name="TextBox 9">
+                <a:extLst>
+                  <a:ext uri="{FF2B5EF4-FFF2-40B4-BE49-F238E27FC236}">
+                    <a16:creationId xmlns:a16="http://schemas.microsoft.com/office/drawing/2014/main" id="{73044B26-0EA7-4A87-A3E7-BC4708046823}"/>
+                  </a:ext>
+                </a:extLst>
+              </p:cNvPr>
+              <p:cNvSpPr txBox="1">
+                <a:spLocks noRot="1" noChangeAspect="1" noMove="1" noResize="1" noEditPoints="1" noAdjustHandles="1" noChangeArrowheads="1" noChangeShapeType="1" noTextEdit="1"/>
+              </p:cNvSpPr>
+              <p:nvPr/>
+            </p:nvSpPr>
+            <p:spPr>
+              <a:xfrm>
+                <a:off x="384326" y="2720315"/>
+                <a:ext cx="4892686" cy="200055"/>
+              </a:xfrm>
+              <a:prstGeom prst="rect">
+                <a:avLst/>
+              </a:prstGeom>
+              <a:blipFill>
+                <a:blip r:embed="rId3"/>
+                <a:stretch>
+                  <a:fillRect b="-3030"/>
+                </a:stretch>
+              </a:blipFill>
+            </p:spPr>
+            <p:txBody>
+              <a:bodyPr/>
+              <a:lstStyle/>
+              <a:p>
+                <a:r>
+                  <a:rPr lang="ru-RU">
+                    <a:noFill/>
+                  </a:rPr>
+                  <a:t> </a:t>
+                </a:r>
+              </a:p>
+            </p:txBody>
+          </p:sp>
+        </mc:Fallback>
+      </mc:AlternateContent>
+      <mc:AlternateContent xmlns:mc="http://schemas.openxmlformats.org/markup-compatibility/2006">
+        <mc:Choice xmlns:a14="http://schemas.microsoft.com/office/drawing/2010/main" Requires="a14">
+          <p:sp>
+            <p:nvSpPr>
+              <p:cNvPr id="11" name="TextBox 10">
+                <a:extLst>
+                  <a:ext uri="{FF2B5EF4-FFF2-40B4-BE49-F238E27FC236}">
+                    <a16:creationId xmlns:a16="http://schemas.microsoft.com/office/drawing/2014/main" id="{57D64770-3A8C-4EBD-9762-14E649093A9A}"/>
+                  </a:ext>
+                </a:extLst>
+              </p:cNvPr>
+              <p:cNvSpPr txBox="1"/>
+              <p:nvPr/>
+            </p:nvSpPr>
+            <p:spPr>
+              <a:xfrm>
+                <a:off x="338539" y="540028"/>
+                <a:ext cx="4834978" cy="307777"/>
+              </a:xfrm>
+              <a:prstGeom prst="rect">
+                <a:avLst/>
+              </a:prstGeom>
+              <a:noFill/>
+            </p:spPr>
+            <p:txBody>
+              <a:bodyPr wrap="none" rtlCol="0">
+                <a:spAutoFit/>
+              </a:bodyPr>
+              <a:lstStyle/>
+              <a:p>
+                <a:r>
+                  <a:rPr lang="ru-RU" sz="700" dirty="0">
+                    <a:solidFill>
+                      <a:schemeClr val="tx1">
+                        <a:lumMod val="50000"/>
+                        <a:lumOff val="50000"/>
+                      </a:schemeClr>
+                    </a:solidFill>
+                  </a:rPr>
+                  <a:t>Задача масштабирования </a:t>
+                </a:r>
+                <a14:m>
+                  <m:oMath xmlns:m="http://schemas.openxmlformats.org/officeDocument/2006/math">
+                    <m:r>
+                      <a:rPr lang="ru-RU" sz="700" b="0" i="1" smtClean="0">
+                        <a:solidFill>
+                          <a:schemeClr val="tx1">
+                            <a:lumMod val="50000"/>
+                            <a:lumOff val="50000"/>
+                          </a:schemeClr>
+                        </a:solidFill>
+                        <a:latin typeface="Cambria Math" panose="02040503050406030204" pitchFamily="18" charset="0"/>
+                      </a:rPr>
+                      <m:t>−</m:t>
+                    </m:r>
+                  </m:oMath>
+                </a14:m>
+                <a:r>
+                  <a:rPr lang="ru-RU" sz="700" dirty="0">
+                    <a:solidFill>
+                      <a:schemeClr val="tx1">
+                        <a:lumMod val="50000"/>
+                        <a:lumOff val="50000"/>
+                      </a:schemeClr>
+                    </a:solidFill>
+                  </a:rPr>
+                  <a:t> быстро и эффективно изменять вычислительные процессы в ответ на изменение</a:t>
+                </a:r>
+                <a:br>
+                  <a:rPr lang="ru-RU" sz="700" dirty="0">
+                    <a:solidFill>
+                      <a:schemeClr val="tx1">
+                        <a:lumMod val="50000"/>
+                        <a:lumOff val="50000"/>
+                      </a:schemeClr>
+                    </a:solidFill>
+                  </a:rPr>
+                </a:br>
+                <a:r>
+                  <a:rPr lang="ru-RU" sz="700" dirty="0">
+                    <a:solidFill>
+                      <a:schemeClr val="tx1">
+                        <a:lumMod val="50000"/>
+                        <a:lumOff val="50000"/>
+                      </a:schemeClr>
+                    </a:solidFill>
+                  </a:rPr>
+                  <a:t>тенденции запросов пользователей</a:t>
+                </a:r>
+              </a:p>
+            </p:txBody>
+          </p:sp>
+        </mc:Choice>
+        <mc:Fallback>
+          <p:sp>
+            <p:nvSpPr>
+              <p:cNvPr id="11" name="TextBox 10">
+                <a:extLst>
+                  <a:ext uri="{FF2B5EF4-FFF2-40B4-BE49-F238E27FC236}">
+                    <a16:creationId xmlns:a16="http://schemas.microsoft.com/office/drawing/2014/main" id="{57D64770-3A8C-4EBD-9762-14E649093A9A}"/>
+                  </a:ext>
+                </a:extLst>
+              </p:cNvPr>
+              <p:cNvSpPr txBox="1">
+                <a:spLocks noRot="1" noChangeAspect="1" noMove="1" noResize="1" noEditPoints="1" noAdjustHandles="1" noChangeArrowheads="1" noChangeShapeType="1" noTextEdit="1"/>
+              </p:cNvSpPr>
+              <p:nvPr/>
+            </p:nvSpPr>
+            <p:spPr>
+              <a:xfrm>
+                <a:off x="338539" y="540028"/>
+                <a:ext cx="4834978" cy="307777"/>
+              </a:xfrm>
+              <a:prstGeom prst="rect">
+                <a:avLst/>
+              </a:prstGeom>
+              <a:blipFill>
+                <a:blip r:embed="rId4"/>
+                <a:stretch>
+                  <a:fillRect b="-4000"/>
+                </a:stretch>
+              </a:blipFill>
+            </p:spPr>
+            <p:txBody>
+              <a:bodyPr/>
+              <a:lstStyle/>
+              <a:p>
+                <a:r>
+                  <a:rPr lang="ru-RU">
+                    <a:noFill/>
+                  </a:rPr>
+                  <a:t> </a:t>
+                </a:r>
+              </a:p>
+            </p:txBody>
+          </p:sp>
+        </mc:Fallback>
+      </mc:AlternateContent>
+      <p:pic>
+        <p:nvPicPr>
+          <p:cNvPr id="12" name="Объект 9" descr="Лампочка">
+            <a:extLst>
+              <a:ext uri="{FF2B5EF4-FFF2-40B4-BE49-F238E27FC236}">
+                <a16:creationId xmlns:a16="http://schemas.microsoft.com/office/drawing/2014/main" id="{610A4A34-80A8-455A-9F04-4D1177C6F42A}"/>
+              </a:ext>
+            </a:extLst>
+          </p:cNvPr>
+          <p:cNvPicPr>
+            <a:picLocks noChangeAspect="1"/>
+          </p:cNvPicPr>
+          <p:nvPr/>
+        </p:nvPicPr>
+        <p:blipFill>
+          <a:blip r:embed="rId5" cstate="print">
+            <a:extLst>
+              <a:ext uri="{28A0092B-C50C-407E-A947-70E740481C1C}">
+                <a14:useLocalDpi xmlns:a14="http://schemas.microsoft.com/office/drawing/2010/main" val="0"/>
+              </a:ext>
+              <a:ext uri="{96DAC541-7B7A-43D3-8B79-37D633B846F1}">
+                <asvg:svgBlip xmlns:asvg="http://schemas.microsoft.com/office/drawing/2016/SVG/main" r:embed="rId6"/>
+              </a:ext>
+            </a:extLst>
+          </a:blip>
+          <a:stretch>
+            <a:fillRect/>
+          </a:stretch>
+        </p:blipFill>
+        <p:spPr>
+          <a:xfrm>
+            <a:off x="187102" y="579659"/>
+            <a:ext cx="196706" cy="196706"/>
+          </a:xfrm>
+          <a:prstGeom prst="rect">
+            <a:avLst/>
+          </a:prstGeom>
+        </p:spPr>
+      </p:pic>
+      <p:pic>
+        <p:nvPicPr>
+          <p:cNvPr id="13" name="Объект 15" descr="Информация">
+            <a:extLst>
+              <a:ext uri="{FF2B5EF4-FFF2-40B4-BE49-F238E27FC236}">
+                <a16:creationId xmlns:a16="http://schemas.microsoft.com/office/drawing/2014/main" id="{E3F5A3BC-29C6-4754-8008-9188DE779200}"/>
+              </a:ext>
+            </a:extLst>
+          </p:cNvPr>
+          <p:cNvPicPr>
+            <a:picLocks noChangeAspect="1"/>
+          </p:cNvPicPr>
+          <p:nvPr/>
+        </p:nvPicPr>
+        <p:blipFill>
+          <a:blip r:embed="rId7" cstate="print">
+            <a:extLst>
+              <a:ext uri="{28A0092B-C50C-407E-A947-70E740481C1C}">
+                <a14:useLocalDpi xmlns:a14="http://schemas.microsoft.com/office/drawing/2010/main" val="0"/>
+              </a:ext>
+              <a:ext uri="{96DAC541-7B7A-43D3-8B79-37D633B846F1}">
+                <asvg:svgBlip xmlns:asvg="http://schemas.microsoft.com/office/drawing/2016/SVG/main" r:embed="rId8"/>
+              </a:ext>
+            </a:extLst>
+          </a:blip>
+          <a:stretch>
+            <a:fillRect/>
+          </a:stretch>
+        </p:blipFill>
+        <p:spPr bwMode="auto">
+          <a:xfrm>
+            <a:off x="264934" y="2757815"/>
+            <a:ext cx="144469" cy="144469"/>
+          </a:xfrm>
+          <a:prstGeom prst="rect">
+            <a:avLst/>
+          </a:prstGeom>
+          <a:noFill/>
+          <a:extLst>
+            <a:ext uri="{909E8E84-426E-40DD-AFC4-6F175D3DCCD1}">
+              <a14:hiddenFill xmlns:a14="http://schemas.microsoft.com/office/drawing/2010/main">
+                <a:solidFill>
+                  <a:srgbClr val="FFFFFF"/>
+                </a:solidFill>
+              </a14:hiddenFill>
+            </a:ext>
+          </a:extLst>
+        </p:spPr>
+      </p:pic>
+      <p:sp>
+        <p:nvSpPr>
+          <p:cNvPr id="14" name="TextBox 13">
+            <a:extLst>
+              <a:ext uri="{FF2B5EF4-FFF2-40B4-BE49-F238E27FC236}">
+                <a16:creationId xmlns:a16="http://schemas.microsoft.com/office/drawing/2014/main" id="{A7463D59-5ADA-44F4-A5C9-A86CC94612E4}"/>
+              </a:ext>
+            </a:extLst>
+          </p:cNvPr>
+          <p:cNvSpPr txBox="1"/>
+          <p:nvPr/>
+        </p:nvSpPr>
+        <p:spPr>
+          <a:xfrm>
+            <a:off x="510707" y="959611"/>
+            <a:ext cx="1412566" cy="215444"/>
+          </a:xfrm>
+          <a:prstGeom prst="rect">
+            <a:avLst/>
+          </a:prstGeom>
+          <a:noFill/>
+        </p:spPr>
+        <p:txBody>
+          <a:bodyPr wrap="none" rtlCol="0">
+            <a:spAutoFit/>
+          </a:bodyPr>
+          <a:lstStyle/>
+          <a:p>
+            <a:r>
+              <a:rPr lang="ru-RU" sz="800" dirty="0"/>
+              <a:t>🐳</a:t>
+            </a:r>
+            <a:r>
+              <a:rPr lang="ru-RU" sz="800" cap="all" dirty="0"/>
+              <a:t>Контейнеризация</a:t>
+            </a:r>
+          </a:p>
+        </p:txBody>
+      </p:sp>
+      <p:sp>
+        <p:nvSpPr>
+          <p:cNvPr id="15" name="TextBox 14">
+            <a:extLst>
+              <a:ext uri="{FF2B5EF4-FFF2-40B4-BE49-F238E27FC236}">
+                <a16:creationId xmlns:a16="http://schemas.microsoft.com/office/drawing/2014/main" id="{C90EC38A-5B38-4332-A57D-D13590815130}"/>
+              </a:ext>
+            </a:extLst>
+          </p:cNvPr>
+          <p:cNvSpPr txBox="1"/>
+          <p:nvPr/>
+        </p:nvSpPr>
+        <p:spPr>
+          <a:xfrm>
+            <a:off x="3268813" y="963594"/>
+            <a:ext cx="1906291" cy="215444"/>
+          </a:xfrm>
+          <a:prstGeom prst="rect">
+            <a:avLst/>
+          </a:prstGeom>
+          <a:noFill/>
+        </p:spPr>
+        <p:txBody>
+          <a:bodyPr wrap="none" rtlCol="0">
+            <a:spAutoFit/>
+          </a:bodyPr>
+          <a:lstStyle/>
+          <a:p>
+            <a:r>
+              <a:rPr lang="ru-RU" sz="800" cap="all" dirty="0"/>
+              <a:t>⚙️Прямой запуск</a:t>
+            </a:r>
+            <a:r>
+              <a:rPr lang="en-US" sz="800" cap="all" dirty="0"/>
+              <a:t> </a:t>
+            </a:r>
+            <a:r>
+              <a:rPr lang="ru-RU" sz="800" cap="all" dirty="0"/>
+              <a:t>процессов</a:t>
+            </a:r>
+          </a:p>
+        </p:txBody>
+      </p:sp>
+      <p:sp>
+        <p:nvSpPr>
+          <p:cNvPr id="16" name="object 4">
+            <a:extLst>
+              <a:ext uri="{FF2B5EF4-FFF2-40B4-BE49-F238E27FC236}">
+                <a16:creationId xmlns:a16="http://schemas.microsoft.com/office/drawing/2014/main" id="{F6C59595-50B7-459A-8D57-3D54F74DE513}"/>
+              </a:ext>
+            </a:extLst>
+          </p:cNvPr>
+          <p:cNvSpPr/>
+          <p:nvPr/>
+        </p:nvSpPr>
+        <p:spPr>
+          <a:xfrm>
+            <a:off x="237382" y="2689225"/>
+            <a:ext cx="4923790" cy="0"/>
+          </a:xfrm>
+          <a:custGeom>
+            <a:avLst/>
+            <a:gdLst/>
+            <a:ahLst/>
+            <a:cxnLst/>
+            <a:rect l="l" t="t" r="r" b="b"/>
+            <a:pathLst>
+              <a:path w="4923790">
+                <a:moveTo>
+                  <a:pt x="0" y="0"/>
+                </a:moveTo>
+                <a:lnTo>
+                  <a:pt x="4923726" y="0"/>
+                </a:lnTo>
+              </a:path>
+            </a:pathLst>
+          </a:custGeom>
+          <a:ln w="25304">
+            <a:solidFill>
+              <a:srgbClr val="006CDC"/>
+            </a:solidFill>
+          </a:ln>
+        </p:spPr>
+        <p:txBody>
+          <a:bodyPr wrap="square" lIns="0" tIns="0" rIns="0" bIns="0" rtlCol="0"/>
+          <a:lstStyle/>
+          <a:p>
+            <a:endParaRPr/>
+          </a:p>
+        </p:txBody>
+      </p:sp>
+      <p:sp>
+        <p:nvSpPr>
+          <p:cNvPr id="17" name="TextBox 16">
+            <a:extLst>
+              <a:ext uri="{FF2B5EF4-FFF2-40B4-BE49-F238E27FC236}">
+                <a16:creationId xmlns:a16="http://schemas.microsoft.com/office/drawing/2014/main" id="{01339034-5DA6-4037-A666-24CBA8B1C96E}"/>
+              </a:ext>
+            </a:extLst>
+          </p:cNvPr>
+          <p:cNvSpPr txBox="1"/>
+          <p:nvPr/>
+        </p:nvSpPr>
+        <p:spPr>
+          <a:xfrm>
+            <a:off x="1475246" y="778405"/>
+            <a:ext cx="2662908" cy="215444"/>
+          </a:xfrm>
+          <a:prstGeom prst="rect">
+            <a:avLst/>
+          </a:prstGeom>
+          <a:noFill/>
+        </p:spPr>
+        <p:txBody>
+          <a:bodyPr wrap="none" rtlCol="0">
+            <a:spAutoFit/>
+          </a:bodyPr>
+          <a:lstStyle/>
+          <a:p>
+            <a:r>
+              <a:rPr lang="ru-RU" sz="800" b="1" i="1" dirty="0"/>
+              <a:t>Исследованные подходы к масштабированию</a:t>
+            </a:r>
+          </a:p>
+        </p:txBody>
+      </p:sp>
+      <p:cxnSp>
+        <p:nvCxnSpPr>
+          <p:cNvPr id="23" name="Прямая соединительная линия 22">
+            <a:extLst>
+              <a:ext uri="{FF2B5EF4-FFF2-40B4-BE49-F238E27FC236}">
+                <a16:creationId xmlns:a16="http://schemas.microsoft.com/office/drawing/2014/main" id="{2E43F40A-1250-4DF3-A675-BF5F0A8F8214}"/>
+              </a:ext>
+            </a:extLst>
+          </p:cNvPr>
+          <p:cNvCxnSpPr>
+            <a:cxnSpLocks/>
+          </p:cNvCxnSpPr>
+          <p:nvPr/>
+        </p:nvCxnSpPr>
+        <p:spPr>
+          <a:xfrm flipV="1">
+            <a:off x="2806700" y="1016990"/>
+            <a:ext cx="0" cy="1609966"/>
+          </a:xfrm>
+          <a:prstGeom prst="line">
+            <a:avLst/>
+          </a:prstGeom>
+          <a:ln>
+            <a:solidFill>
+              <a:srgbClr val="006CDC"/>
+            </a:solidFill>
+            <a:prstDash val="lgDash"/>
+          </a:ln>
+        </p:spPr>
+        <p:style>
+          <a:lnRef idx="1">
+            <a:schemeClr val="accent1"/>
+          </a:lnRef>
+          <a:fillRef idx="0">
+            <a:schemeClr val="accent1"/>
+          </a:fillRef>
+          <a:effectRef idx="0">
+            <a:schemeClr val="accent1"/>
+          </a:effectRef>
+          <a:fontRef idx="minor">
+            <a:schemeClr val="tx1"/>
+          </a:fontRef>
+        </p:style>
+      </p:cxnSp>
+      <p:sp>
+        <p:nvSpPr>
+          <p:cNvPr id="32" name="TextBox 31">
+            <a:extLst>
+              <a:ext uri="{FF2B5EF4-FFF2-40B4-BE49-F238E27FC236}">
+                <a16:creationId xmlns:a16="http://schemas.microsoft.com/office/drawing/2014/main" id="{75797314-068B-4599-B1C3-C06C0F04C6CC}"/>
+              </a:ext>
+            </a:extLst>
+          </p:cNvPr>
+          <p:cNvSpPr txBox="1"/>
+          <p:nvPr/>
+        </p:nvSpPr>
+        <p:spPr>
+          <a:xfrm>
+            <a:off x="319477" y="1127890"/>
+            <a:ext cx="941283" cy="246221"/>
+          </a:xfrm>
+          <a:prstGeom prst="rect">
+            <a:avLst/>
+          </a:prstGeom>
+          <a:noFill/>
+        </p:spPr>
+        <p:txBody>
+          <a:bodyPr wrap="none" rtlCol="0">
+            <a:spAutoFit/>
+          </a:bodyPr>
+          <a:lstStyle/>
+          <a:p>
+            <a:r>
+              <a:rPr lang="ru-RU" sz="800" dirty="0"/>
+              <a:t>Преимущества</a:t>
+            </a:r>
+            <a:r>
+              <a:rPr lang="en-US" sz="1000" dirty="0"/>
+              <a:t>:</a:t>
+            </a:r>
+            <a:endParaRPr lang="ru-RU" dirty="0"/>
+          </a:p>
+        </p:txBody>
+      </p:sp>
+      <p:sp>
+        <p:nvSpPr>
+          <p:cNvPr id="34" name="TextBox 33">
+            <a:extLst>
+              <a:ext uri="{FF2B5EF4-FFF2-40B4-BE49-F238E27FC236}">
+                <a16:creationId xmlns:a16="http://schemas.microsoft.com/office/drawing/2014/main" id="{18823202-4320-4354-9481-762900521F4E}"/>
+              </a:ext>
+            </a:extLst>
+          </p:cNvPr>
+          <p:cNvSpPr txBox="1"/>
+          <p:nvPr/>
+        </p:nvSpPr>
+        <p:spPr>
+          <a:xfrm>
+            <a:off x="319477" y="1800766"/>
+            <a:ext cx="772969" cy="246221"/>
+          </a:xfrm>
+          <a:prstGeom prst="rect">
+            <a:avLst/>
+          </a:prstGeom>
+          <a:noFill/>
+        </p:spPr>
+        <p:txBody>
+          <a:bodyPr wrap="none" rtlCol="0">
+            <a:spAutoFit/>
+          </a:bodyPr>
+          <a:lstStyle/>
+          <a:p>
+            <a:r>
+              <a:rPr lang="ru-RU" sz="800" dirty="0"/>
+              <a:t>Недостатки</a:t>
+            </a:r>
+            <a:r>
+              <a:rPr lang="en-US" sz="1000" dirty="0"/>
+              <a:t>:</a:t>
+            </a:r>
+            <a:endParaRPr lang="ru-RU" dirty="0"/>
+          </a:p>
+        </p:txBody>
+      </p:sp>
+      <p:sp>
+        <p:nvSpPr>
+          <p:cNvPr id="39" name="TextBox 38">
+            <a:extLst>
+              <a:ext uri="{FF2B5EF4-FFF2-40B4-BE49-F238E27FC236}">
+                <a16:creationId xmlns:a16="http://schemas.microsoft.com/office/drawing/2014/main" id="{CA05C7E2-2A32-4727-87FD-10A3A12A552A}"/>
+              </a:ext>
+            </a:extLst>
+          </p:cNvPr>
+          <p:cNvSpPr txBox="1"/>
+          <p:nvPr/>
+        </p:nvSpPr>
+        <p:spPr>
+          <a:xfrm>
+            <a:off x="403863" y="1312070"/>
+            <a:ext cx="2298361" cy="523220"/>
+          </a:xfrm>
+          <a:prstGeom prst="rect">
+            <a:avLst/>
+          </a:prstGeom>
+          <a:noFill/>
+        </p:spPr>
+        <p:txBody>
+          <a:bodyPr wrap="square" rtlCol="0">
+            <a:spAutoFit/>
+          </a:bodyPr>
+          <a:lstStyle/>
+          <a:p>
+            <a:pPr marL="228600" indent="-228600">
+              <a:buFont typeface="Wingdings" panose="05000000000000000000" pitchFamily="2" charset="2"/>
+              <a:buChar char="§"/>
+            </a:pPr>
+            <a:r>
+              <a:rPr lang="ru-RU" sz="700" dirty="0">
+                <a:solidFill>
+                  <a:schemeClr val="tx1">
+                    <a:lumMod val="65000"/>
+                    <a:lumOff val="35000"/>
+                  </a:schemeClr>
+                </a:solidFill>
+              </a:rPr>
+              <a:t>Интеграция с системами оркестрации (</a:t>
+            </a:r>
+            <a:r>
+              <a:rPr lang="en-US" sz="700" dirty="0">
+                <a:solidFill>
+                  <a:schemeClr val="tx1">
+                    <a:lumMod val="65000"/>
+                    <a:lumOff val="35000"/>
+                  </a:schemeClr>
+                </a:solidFill>
+              </a:rPr>
+              <a:t>Minikube/Kubernetes);</a:t>
+            </a:r>
+            <a:endParaRPr lang="ru-RU" sz="700" dirty="0">
+              <a:solidFill>
+                <a:schemeClr val="tx1">
+                  <a:lumMod val="65000"/>
+                  <a:lumOff val="35000"/>
+                </a:schemeClr>
+              </a:solidFill>
+            </a:endParaRPr>
+          </a:p>
+          <a:p>
+            <a:pPr marL="228600" indent="-228600">
+              <a:buFont typeface="Wingdings" panose="05000000000000000000" pitchFamily="2" charset="2"/>
+              <a:buChar char="§"/>
+            </a:pPr>
+            <a:r>
+              <a:rPr lang="ru-RU" sz="700" dirty="0">
+                <a:solidFill>
+                  <a:schemeClr val="tx1">
+                    <a:lumMod val="65000"/>
+                    <a:lumOff val="35000"/>
+                  </a:schemeClr>
+                </a:solidFill>
+              </a:rPr>
+              <a:t>Гибкость в развертывании на разных средах.</a:t>
+            </a:r>
+            <a:endParaRPr lang="en-US" sz="700" dirty="0">
+              <a:solidFill>
+                <a:schemeClr val="tx1">
+                  <a:lumMod val="65000"/>
+                  <a:lumOff val="35000"/>
+                </a:schemeClr>
+              </a:solidFill>
+            </a:endParaRPr>
+          </a:p>
+        </p:txBody>
+      </p:sp>
+      <p:sp>
+        <p:nvSpPr>
+          <p:cNvPr id="40" name="TextBox 39">
+            <a:extLst>
+              <a:ext uri="{FF2B5EF4-FFF2-40B4-BE49-F238E27FC236}">
+                <a16:creationId xmlns:a16="http://schemas.microsoft.com/office/drawing/2014/main" id="{F67364B7-D9AD-4437-BB63-AA791742C58F}"/>
+              </a:ext>
+            </a:extLst>
+          </p:cNvPr>
+          <p:cNvSpPr txBox="1"/>
+          <p:nvPr/>
+        </p:nvSpPr>
+        <p:spPr>
+          <a:xfrm>
+            <a:off x="423942" y="2013659"/>
+            <a:ext cx="2298373" cy="738664"/>
+          </a:xfrm>
+          <a:prstGeom prst="rect">
+            <a:avLst/>
+          </a:prstGeom>
+          <a:noFill/>
+        </p:spPr>
+        <p:txBody>
+          <a:bodyPr wrap="square" rtlCol="0">
+            <a:spAutoFit/>
+          </a:bodyPr>
+          <a:lstStyle/>
+          <a:p>
+            <a:pPr marL="228600" indent="-228600">
+              <a:buFont typeface="Wingdings" panose="05000000000000000000" pitchFamily="2" charset="2"/>
+              <a:buChar char="§"/>
+            </a:pPr>
+            <a:r>
+              <a:rPr lang="ru-RU" sz="700" dirty="0">
+                <a:solidFill>
+                  <a:schemeClr val="tx1">
+                    <a:lumMod val="65000"/>
+                    <a:lumOff val="35000"/>
+                  </a:schemeClr>
+                </a:solidFill>
+              </a:rPr>
+              <a:t>Наличие накладных расходов</a:t>
+            </a:r>
+            <a:r>
+              <a:rPr lang="en-US" sz="700" dirty="0">
+                <a:solidFill>
+                  <a:schemeClr val="tx1">
+                    <a:lumMod val="65000"/>
+                    <a:lumOff val="35000"/>
+                  </a:schemeClr>
+                </a:solidFill>
+              </a:rPr>
+              <a:t>;</a:t>
+            </a:r>
+          </a:p>
+          <a:p>
+            <a:pPr marL="228600" indent="-228600">
+              <a:buFont typeface="Wingdings" panose="05000000000000000000" pitchFamily="2" charset="2"/>
+              <a:buChar char="§"/>
+            </a:pPr>
+            <a:r>
+              <a:rPr lang="ru-RU" sz="700" dirty="0">
+                <a:solidFill>
+                  <a:schemeClr val="tx1">
+                    <a:lumMod val="65000"/>
+                    <a:lumOff val="35000"/>
+                  </a:schemeClr>
+                </a:solidFill>
+              </a:rPr>
+              <a:t>Увеличенное время запуска процесса при масштабировании</a:t>
+            </a:r>
+            <a:r>
+              <a:rPr lang="en-US" sz="700" dirty="0">
+                <a:solidFill>
+                  <a:schemeClr val="tx1">
+                    <a:lumMod val="65000"/>
+                    <a:lumOff val="35000"/>
+                  </a:schemeClr>
+                </a:solidFill>
+              </a:rPr>
+              <a:t>;</a:t>
+            </a:r>
+          </a:p>
+          <a:p>
+            <a:pPr marL="228600" indent="-228600">
+              <a:buFont typeface="Wingdings" panose="05000000000000000000" pitchFamily="2" charset="2"/>
+              <a:buChar char="§"/>
+            </a:pPr>
+            <a:r>
+              <a:rPr lang="ru-RU" sz="700" dirty="0">
+                <a:solidFill>
+                  <a:schemeClr val="tx1">
+                    <a:lumMod val="65000"/>
+                    <a:lumOff val="35000"/>
+                  </a:schemeClr>
+                </a:solidFill>
+              </a:rPr>
+              <a:t>Наличие лишних слоев абстракции между процессов и аппаратной архитектурой.</a:t>
+            </a:r>
+          </a:p>
+          <a:p>
+            <a:pPr marL="228600" indent="-228600">
+              <a:buFont typeface="+mj-lt"/>
+              <a:buAutoNum type="arabicPeriod"/>
+            </a:pPr>
+            <a:endParaRPr lang="ru-RU" sz="700" dirty="0"/>
+          </a:p>
+        </p:txBody>
+      </p:sp>
+      <p:sp>
+        <p:nvSpPr>
+          <p:cNvPr id="43" name="TextBox 42">
+            <a:extLst>
+              <a:ext uri="{FF2B5EF4-FFF2-40B4-BE49-F238E27FC236}">
+                <a16:creationId xmlns:a16="http://schemas.microsoft.com/office/drawing/2014/main" id="{4B1A8B94-2AC5-47F4-9445-EC1057239181}"/>
+              </a:ext>
+            </a:extLst>
+          </p:cNvPr>
+          <p:cNvSpPr txBox="1"/>
+          <p:nvPr/>
+        </p:nvSpPr>
+        <p:spPr>
+          <a:xfrm>
+            <a:off x="2806700" y="1139894"/>
+            <a:ext cx="941283" cy="246221"/>
+          </a:xfrm>
+          <a:prstGeom prst="rect">
+            <a:avLst/>
+          </a:prstGeom>
+          <a:noFill/>
+        </p:spPr>
+        <p:txBody>
+          <a:bodyPr wrap="none" rtlCol="0">
+            <a:spAutoFit/>
+          </a:bodyPr>
+          <a:lstStyle/>
+          <a:p>
+            <a:r>
+              <a:rPr lang="ru-RU" sz="800" dirty="0"/>
+              <a:t>Преимущества</a:t>
+            </a:r>
+            <a:r>
+              <a:rPr lang="en-US" sz="1000" dirty="0"/>
+              <a:t>:</a:t>
+            </a:r>
+            <a:endParaRPr lang="ru-RU" dirty="0"/>
+          </a:p>
+        </p:txBody>
+      </p:sp>
+      <p:sp>
+        <p:nvSpPr>
+          <p:cNvPr id="44" name="TextBox 43">
+            <a:extLst>
+              <a:ext uri="{FF2B5EF4-FFF2-40B4-BE49-F238E27FC236}">
+                <a16:creationId xmlns:a16="http://schemas.microsoft.com/office/drawing/2014/main" id="{E07714F4-098E-4B33-BDD7-4F853A1B930F}"/>
+              </a:ext>
+            </a:extLst>
+          </p:cNvPr>
+          <p:cNvSpPr txBox="1"/>
+          <p:nvPr/>
+        </p:nvSpPr>
+        <p:spPr>
+          <a:xfrm>
+            <a:off x="2853520" y="1798018"/>
+            <a:ext cx="772969" cy="246221"/>
+          </a:xfrm>
+          <a:prstGeom prst="rect">
+            <a:avLst/>
+          </a:prstGeom>
+          <a:noFill/>
+        </p:spPr>
+        <p:txBody>
+          <a:bodyPr wrap="none" rtlCol="0">
+            <a:spAutoFit/>
+          </a:bodyPr>
+          <a:lstStyle/>
+          <a:p>
+            <a:r>
+              <a:rPr lang="ru-RU" sz="800" dirty="0"/>
+              <a:t>Недостатки</a:t>
+            </a:r>
+            <a:r>
+              <a:rPr lang="en-US" sz="1000" dirty="0"/>
+              <a:t>:</a:t>
+            </a:r>
+            <a:endParaRPr lang="ru-RU" dirty="0"/>
+          </a:p>
+        </p:txBody>
+      </p:sp>
+      <p:sp>
+        <p:nvSpPr>
+          <p:cNvPr id="45" name="TextBox 44">
+            <a:extLst>
+              <a:ext uri="{FF2B5EF4-FFF2-40B4-BE49-F238E27FC236}">
+                <a16:creationId xmlns:a16="http://schemas.microsoft.com/office/drawing/2014/main" id="{E47EBC4C-B531-44DF-B27A-459968130BF8}"/>
+              </a:ext>
+            </a:extLst>
+          </p:cNvPr>
+          <p:cNvSpPr txBox="1"/>
+          <p:nvPr/>
+        </p:nvSpPr>
+        <p:spPr>
+          <a:xfrm>
+            <a:off x="2891086" y="1324074"/>
+            <a:ext cx="2298361" cy="523220"/>
+          </a:xfrm>
+          <a:prstGeom prst="rect">
+            <a:avLst/>
+          </a:prstGeom>
+          <a:noFill/>
+        </p:spPr>
+        <p:txBody>
+          <a:bodyPr wrap="square" rtlCol="0">
+            <a:spAutoFit/>
+          </a:bodyPr>
+          <a:lstStyle/>
+          <a:p>
+            <a:pPr marL="228600" indent="-228600">
+              <a:buFont typeface="Wingdings" panose="05000000000000000000" pitchFamily="2" charset="2"/>
+              <a:buChar char="§"/>
+            </a:pPr>
+            <a:r>
+              <a:rPr lang="ru-RU" sz="700" dirty="0">
+                <a:solidFill>
+                  <a:schemeClr val="tx1">
+                    <a:lumMod val="65000"/>
+                    <a:lumOff val="35000"/>
+                  </a:schemeClr>
+                </a:solidFill>
+              </a:rPr>
+              <a:t>Минимальные накладные расходы</a:t>
+            </a:r>
+            <a:r>
+              <a:rPr lang="en-US" sz="700" dirty="0">
+                <a:solidFill>
+                  <a:schemeClr val="tx1">
+                    <a:lumMod val="65000"/>
+                    <a:lumOff val="35000"/>
+                  </a:schemeClr>
+                </a:solidFill>
+              </a:rPr>
+              <a:t>;</a:t>
+            </a:r>
+            <a:endParaRPr lang="ru-RU" sz="700" dirty="0">
+              <a:solidFill>
+                <a:schemeClr val="tx1">
+                  <a:lumMod val="65000"/>
+                  <a:lumOff val="35000"/>
+                </a:schemeClr>
+              </a:solidFill>
+            </a:endParaRPr>
+          </a:p>
+          <a:p>
+            <a:pPr marL="228600" indent="-228600">
+              <a:buFont typeface="Wingdings" panose="05000000000000000000" pitchFamily="2" charset="2"/>
+              <a:buChar char="§"/>
+            </a:pPr>
+            <a:r>
+              <a:rPr lang="ru-RU" sz="700" dirty="0">
+                <a:solidFill>
+                  <a:schemeClr val="tx1">
+                    <a:lumMod val="65000"/>
+                    <a:lumOff val="35000"/>
+                  </a:schemeClr>
+                </a:solidFill>
+              </a:rPr>
+              <a:t>Быстрый запуск и завершение процессов</a:t>
+            </a:r>
+            <a:r>
+              <a:rPr lang="en-US" sz="700" dirty="0">
+                <a:solidFill>
+                  <a:schemeClr val="tx1">
+                    <a:lumMod val="65000"/>
+                    <a:lumOff val="35000"/>
+                  </a:schemeClr>
+                </a:solidFill>
+              </a:rPr>
+              <a:t>;</a:t>
+            </a:r>
+          </a:p>
+          <a:p>
+            <a:pPr marL="228600" indent="-228600">
+              <a:buFont typeface="Wingdings" panose="05000000000000000000" pitchFamily="2" charset="2"/>
+              <a:buChar char="§"/>
+            </a:pPr>
+            <a:r>
+              <a:rPr lang="ru-RU" sz="700" dirty="0">
+                <a:solidFill>
+                  <a:schemeClr val="tx1">
+                    <a:lumMod val="65000"/>
+                    <a:lumOff val="35000"/>
+                  </a:schemeClr>
+                </a:solidFill>
+              </a:rPr>
+              <a:t>Отсутствие слоев абстракции</a:t>
+            </a:r>
+            <a:r>
+              <a:rPr lang="en-US" sz="700" dirty="0">
+                <a:solidFill>
+                  <a:schemeClr val="tx1">
+                    <a:lumMod val="65000"/>
+                    <a:lumOff val="35000"/>
+                  </a:schemeClr>
+                </a:solidFill>
+              </a:rPr>
+              <a:t>;</a:t>
+            </a:r>
+          </a:p>
+          <a:p>
+            <a:pPr marL="228600" indent="-228600">
+              <a:buFont typeface="Wingdings" panose="05000000000000000000" pitchFamily="2" charset="2"/>
+              <a:buChar char="§"/>
+            </a:pPr>
+            <a:r>
+              <a:rPr lang="ru-RU" sz="700" dirty="0">
+                <a:solidFill>
+                  <a:schemeClr val="tx1">
+                    <a:lumMod val="65000"/>
+                    <a:lumOff val="35000"/>
+                  </a:schemeClr>
+                </a:solidFill>
+              </a:rPr>
+              <a:t>Полный контроль над поведением системы.</a:t>
+            </a:r>
+            <a:endParaRPr lang="en-US" sz="700" dirty="0">
+              <a:solidFill>
+                <a:schemeClr val="tx1">
+                  <a:lumMod val="65000"/>
+                  <a:lumOff val="35000"/>
+                </a:schemeClr>
+              </a:solidFill>
+            </a:endParaRPr>
+          </a:p>
+        </p:txBody>
+      </p:sp>
+      <p:sp>
+        <p:nvSpPr>
+          <p:cNvPr id="46" name="TextBox 45">
+            <a:extLst>
+              <a:ext uri="{FF2B5EF4-FFF2-40B4-BE49-F238E27FC236}">
+                <a16:creationId xmlns:a16="http://schemas.microsoft.com/office/drawing/2014/main" id="{B4BA6B84-CB14-430D-82FF-E6C7F3967CCB}"/>
+              </a:ext>
+            </a:extLst>
+          </p:cNvPr>
+          <p:cNvSpPr txBox="1"/>
+          <p:nvPr/>
+        </p:nvSpPr>
+        <p:spPr>
+          <a:xfrm>
+            <a:off x="2908875" y="2047353"/>
+            <a:ext cx="2298373" cy="523220"/>
+          </a:xfrm>
+          <a:prstGeom prst="rect">
+            <a:avLst/>
+          </a:prstGeom>
+          <a:noFill/>
+        </p:spPr>
+        <p:txBody>
+          <a:bodyPr wrap="square" rtlCol="0">
+            <a:spAutoFit/>
+          </a:bodyPr>
+          <a:lstStyle/>
+          <a:p>
+            <a:pPr marL="228600" indent="-228600">
+              <a:buFont typeface="Wingdings" panose="05000000000000000000" pitchFamily="2" charset="2"/>
+              <a:buChar char="§"/>
+            </a:pPr>
+            <a:r>
+              <a:rPr lang="ru-RU" sz="700" dirty="0">
+                <a:solidFill>
+                  <a:schemeClr val="tx1">
+                    <a:lumMod val="65000"/>
+                    <a:lumOff val="35000"/>
+                  </a:schemeClr>
+                </a:solidFill>
+              </a:rPr>
+              <a:t>Требует собственной реализации логики масштабирования и мониторинга</a:t>
+            </a:r>
+            <a:r>
+              <a:rPr lang="en-US" sz="700" dirty="0">
+                <a:solidFill>
+                  <a:schemeClr val="tx1">
+                    <a:lumMod val="65000"/>
+                    <a:lumOff val="35000"/>
+                  </a:schemeClr>
+                </a:solidFill>
+              </a:rPr>
+              <a:t>;</a:t>
+            </a:r>
+          </a:p>
+          <a:p>
+            <a:pPr marL="228600" indent="-228600">
+              <a:buFont typeface="Wingdings" panose="05000000000000000000" pitchFamily="2" charset="2"/>
+              <a:buChar char="§"/>
+            </a:pPr>
+            <a:r>
+              <a:rPr lang="ru-RU" sz="700" dirty="0">
+                <a:solidFill>
+                  <a:schemeClr val="tx1">
+                    <a:lumMod val="65000"/>
+                    <a:lumOff val="35000"/>
+                  </a:schemeClr>
+                </a:solidFill>
+              </a:rPr>
+              <a:t>Ниже гибкость при переносе на другие среды.</a:t>
+            </a:r>
           </a:p>
         </p:txBody>
       </p:sp>
@@ -7984,7 +7683,7 @@
         <p:spPr>
           <a:xfrm>
             <a:off x="203300" y="154913"/>
-            <a:ext cx="2450999" cy="310534"/>
+            <a:ext cx="2755800" cy="310534"/>
           </a:xfrm>
           <a:prstGeom prst="rect">
             <a:avLst/>
@@ -8016,8 +7715,12 @@
               </a:lnSpc>
             </a:pPr>
             <a:r>
+              <a:rPr lang="en-US" sz="900" spc="-50" dirty="0"/>
+              <a:t> </a:t>
+            </a:r>
+            <a:r>
               <a:rPr lang="ru-RU" sz="900" spc="-50" dirty="0"/>
-              <a:t>Подходы к масштабируемому запуску серверов</a:t>
+              <a:t>Сравнение подходов к автоматизированному запуску</a:t>
             </a:r>
             <a:endParaRPr lang="ru-RU" sz="900" dirty="0"/>
           </a:p>
@@ -8160,6 +7863,499 @@
               <a:latin typeface="Trebuchet MS"/>
               <a:cs typeface="Trebuchet MS"/>
             </a:endParaRPr>
+          </a:p>
+        </p:txBody>
+      </p:sp>
+      <p:graphicFrame>
+        <p:nvGraphicFramePr>
+          <p:cNvPr id="7" name="Таблица 6">
+            <a:extLst>
+              <a:ext uri="{FF2B5EF4-FFF2-40B4-BE49-F238E27FC236}">
+                <a16:creationId xmlns:a16="http://schemas.microsoft.com/office/drawing/2014/main" id="{77C527B5-7B90-4E03-9187-3C3A98AE6ED7}"/>
+              </a:ext>
+            </a:extLst>
+          </p:cNvPr>
+          <p:cNvGraphicFramePr>
+            <a:graphicFrameLocks noGrp="1"/>
+          </p:cNvGraphicFramePr>
+          <p:nvPr>
+            <p:extLst>
+              <p:ext uri="{D42A27DB-BD31-4B8C-83A1-F6EECF244321}">
+                <p14:modId xmlns:p14="http://schemas.microsoft.com/office/powerpoint/2010/main" val="3044291445"/>
+              </p:ext>
+            </p:extLst>
+          </p:nvPr>
+        </p:nvGraphicFramePr>
+        <p:xfrm>
+          <a:off x="301278" y="688798"/>
+          <a:ext cx="5023240" cy="1874803"/>
+        </p:xfrm>
+        <a:graphic>
+          <a:graphicData uri="http://schemas.openxmlformats.org/drawingml/2006/table">
+            <a:tbl>
+              <a:tblPr firstRow="1" bandRow="1">
+                <a:tableStyleId>{5C22544A-7EE6-4342-B048-85BDC9FD1C3A}</a:tableStyleId>
+              </a:tblPr>
+              <a:tblGrid>
+                <a:gridCol w="1674413">
+                  <a:extLst>
+                    <a:ext uri="{9D8B030D-6E8A-4147-A177-3AD203B41FA5}">
+                      <a16:colId xmlns:a16="http://schemas.microsoft.com/office/drawing/2014/main" val="3746920319"/>
+                    </a:ext>
+                  </a:extLst>
+                </a:gridCol>
+                <a:gridCol w="1826632">
+                  <a:extLst>
+                    <a:ext uri="{9D8B030D-6E8A-4147-A177-3AD203B41FA5}">
+                      <a16:colId xmlns:a16="http://schemas.microsoft.com/office/drawing/2014/main" val="788432412"/>
+                    </a:ext>
+                  </a:extLst>
+                </a:gridCol>
+                <a:gridCol w="1522195">
+                  <a:extLst>
+                    <a:ext uri="{9D8B030D-6E8A-4147-A177-3AD203B41FA5}">
+                      <a16:colId xmlns:a16="http://schemas.microsoft.com/office/drawing/2014/main" val="1199022453"/>
+                    </a:ext>
+                  </a:extLst>
+                </a:gridCol>
+              </a:tblGrid>
+              <a:tr h="267829">
+                <a:tc>
+                  <a:txBody>
+                    <a:bodyPr/>
+                    <a:lstStyle/>
+                    <a:p>
+                      <a:pPr algn="ctr"/>
+                      <a:r>
+                        <a:rPr lang="ru-RU" sz="800" dirty="0"/>
+                        <a:t>Параметр</a:t>
+                      </a:r>
+                    </a:p>
+                  </a:txBody>
+                  <a:tcPr/>
+                </a:tc>
+                <a:tc>
+                  <a:txBody>
+                    <a:bodyPr/>
+                    <a:lstStyle/>
+                    <a:p>
+                      <a:pPr algn="ctr"/>
+                      <a:r>
+                        <a:rPr lang="en-US" sz="800" dirty="0"/>
+                        <a:t>Docker + Minikube</a:t>
+                      </a:r>
+                    </a:p>
+                  </a:txBody>
+                  <a:tcPr/>
+                </a:tc>
+                <a:tc>
+                  <a:txBody>
+                    <a:bodyPr/>
+                    <a:lstStyle/>
+                    <a:p>
+                      <a:pPr algn="ctr"/>
+                      <a:r>
+                        <a:rPr lang="ru-RU" sz="800" dirty="0"/>
+                        <a:t>Самописная система</a:t>
+                      </a:r>
+                    </a:p>
+                  </a:txBody>
+                  <a:tcPr/>
+                </a:tc>
+                <a:extLst>
+                  <a:ext uri="{0D108BD9-81ED-4DB2-BD59-A6C34878D82A}">
+                    <a16:rowId xmlns:a16="http://schemas.microsoft.com/office/drawing/2014/main" val="4107273418"/>
+                  </a:ext>
+                </a:extLst>
+              </a:tr>
+              <a:tr h="267829">
+                <a:tc>
+                  <a:txBody>
+                    <a:bodyPr/>
+                    <a:lstStyle/>
+                    <a:p>
+                      <a:pPr algn="ctr"/>
+                      <a:r>
+                        <a:rPr lang="ru-RU" sz="800" dirty="0"/>
+                        <a:t>Размер сервера на диске</a:t>
+                      </a:r>
+                    </a:p>
+                  </a:txBody>
+                  <a:tcPr/>
+                </a:tc>
+                <a:tc>
+                  <a:txBody>
+                    <a:bodyPr/>
+                    <a:lstStyle/>
+                    <a:p>
+                      <a:pPr algn="ctr"/>
+                      <a:r>
+                        <a:rPr lang="ru-RU" sz="800" dirty="0"/>
+                        <a:t>218 МБ (внутри </a:t>
+                      </a:r>
+                      <a:r>
+                        <a:rPr lang="en-US" sz="800" dirty="0"/>
+                        <a:t>Docker-</a:t>
+                      </a:r>
+                      <a:r>
+                        <a:rPr lang="ru-RU" sz="800" dirty="0"/>
+                        <a:t>образа)</a:t>
+                      </a:r>
+                    </a:p>
+                  </a:txBody>
+                  <a:tcPr/>
+                </a:tc>
+                <a:tc>
+                  <a:txBody>
+                    <a:bodyPr/>
+                    <a:lstStyle/>
+                    <a:p>
+                      <a:pPr algn="ctr"/>
+                      <a:r>
+                        <a:rPr lang="ru-RU" sz="800" dirty="0"/>
+                        <a:t>218 МБ (на диске напрямую)</a:t>
+                      </a:r>
+                    </a:p>
+                  </a:txBody>
+                  <a:tcPr/>
+                </a:tc>
+                <a:extLst>
+                  <a:ext uri="{0D108BD9-81ED-4DB2-BD59-A6C34878D82A}">
+                    <a16:rowId xmlns:a16="http://schemas.microsoft.com/office/drawing/2014/main" val="903397588"/>
+                  </a:ext>
+                </a:extLst>
+              </a:tr>
+              <a:tr h="267829">
+                <a:tc>
+                  <a:txBody>
+                    <a:bodyPr/>
+                    <a:lstStyle/>
+                    <a:p>
+                      <a:pPr algn="ctr"/>
+                      <a:r>
+                        <a:rPr lang="ru-RU" sz="800" dirty="0"/>
+                        <a:t>Размер </a:t>
+                      </a:r>
+                      <a:r>
+                        <a:rPr lang="en-US" sz="800" dirty="0"/>
+                        <a:t>Docker-</a:t>
+                      </a:r>
+                      <a:r>
+                        <a:rPr lang="ru-RU" sz="800" dirty="0"/>
+                        <a:t>образа</a:t>
+                      </a:r>
+                    </a:p>
+                  </a:txBody>
+                  <a:tcPr/>
+                </a:tc>
+                <a:tc>
+                  <a:txBody>
+                    <a:bodyPr/>
+                    <a:lstStyle/>
+                    <a:p>
+                      <a:pPr algn="ctr"/>
+                      <a:r>
+                        <a:rPr lang="ru-RU" sz="800" dirty="0"/>
+                        <a:t>345 МБ</a:t>
+                      </a:r>
+                    </a:p>
+                  </a:txBody>
+                  <a:tcPr/>
+                </a:tc>
+                <a:tc>
+                  <a:txBody>
+                    <a:bodyPr/>
+                    <a:lstStyle/>
+                    <a:p>
+                      <a:pPr algn="ctr"/>
+                      <a:r>
+                        <a:rPr lang="ru-RU" sz="800" dirty="0"/>
+                        <a:t>0</a:t>
+                      </a:r>
+                    </a:p>
+                  </a:txBody>
+                  <a:tcPr/>
+                </a:tc>
+                <a:extLst>
+                  <a:ext uri="{0D108BD9-81ED-4DB2-BD59-A6C34878D82A}">
+                    <a16:rowId xmlns:a16="http://schemas.microsoft.com/office/drawing/2014/main" val="616395941"/>
+                  </a:ext>
+                </a:extLst>
+              </a:tr>
+              <a:tr h="267829">
+                <a:tc>
+                  <a:txBody>
+                    <a:bodyPr/>
+                    <a:lstStyle/>
+                    <a:p>
+                      <a:pPr algn="ctr"/>
+                      <a:r>
+                        <a:rPr lang="ru-RU" sz="800" dirty="0"/>
+                        <a:t>Размер </a:t>
+                      </a:r>
+                      <a:r>
+                        <a:rPr lang="en-US" sz="800" dirty="0"/>
+                        <a:t>Minikube</a:t>
+                      </a:r>
+                      <a:endParaRPr lang="ru-RU" sz="800" dirty="0"/>
+                    </a:p>
+                  </a:txBody>
+                  <a:tcPr/>
+                </a:tc>
+                <a:tc>
+                  <a:txBody>
+                    <a:bodyPr/>
+                    <a:lstStyle/>
+                    <a:p>
+                      <a:pPr algn="ctr"/>
+                      <a:r>
+                        <a:rPr lang="en-US" sz="800" dirty="0"/>
+                        <a:t>1,19 </a:t>
+                      </a:r>
+                      <a:r>
+                        <a:rPr lang="ru-RU" sz="800" dirty="0"/>
+                        <a:t>ГБ</a:t>
+                      </a:r>
+                    </a:p>
+                  </a:txBody>
+                  <a:tcPr/>
+                </a:tc>
+                <a:tc>
+                  <a:txBody>
+                    <a:bodyPr/>
+                    <a:lstStyle/>
+                    <a:p>
+                      <a:pPr algn="ctr"/>
+                      <a:r>
+                        <a:rPr lang="ru-RU" sz="800" dirty="0"/>
+                        <a:t>0</a:t>
+                      </a:r>
+                    </a:p>
+                  </a:txBody>
+                  <a:tcPr/>
+                </a:tc>
+                <a:extLst>
+                  <a:ext uri="{0D108BD9-81ED-4DB2-BD59-A6C34878D82A}">
+                    <a16:rowId xmlns:a16="http://schemas.microsoft.com/office/drawing/2014/main" val="3708980382"/>
+                  </a:ext>
+                </a:extLst>
+              </a:tr>
+              <a:tr h="267829">
+                <a:tc>
+                  <a:txBody>
+                    <a:bodyPr/>
+                    <a:lstStyle/>
+                    <a:p>
+                      <a:pPr algn="ctr"/>
+                      <a:r>
+                        <a:rPr lang="ru-RU" sz="800" dirty="0"/>
+                        <a:t>Потребление ОЗУ</a:t>
+                      </a:r>
+                    </a:p>
+                  </a:txBody>
+                  <a:tcPr/>
+                </a:tc>
+                <a:tc>
+                  <a:txBody>
+                    <a:bodyPr/>
+                    <a:lstStyle/>
+                    <a:p>
+                      <a:pPr algn="ctr"/>
+                      <a:r>
+                        <a:rPr lang="ru-RU" sz="800" dirty="0"/>
+                        <a:t>66 МБ</a:t>
+                      </a:r>
+                    </a:p>
+                  </a:txBody>
+                  <a:tcPr/>
+                </a:tc>
+                <a:tc>
+                  <a:txBody>
+                    <a:bodyPr/>
+                    <a:lstStyle/>
+                    <a:p>
+                      <a:pPr algn="ctr"/>
+                      <a:r>
+                        <a:rPr lang="ru-RU" sz="800" dirty="0"/>
+                        <a:t>55 МБ</a:t>
+                      </a:r>
+                    </a:p>
+                  </a:txBody>
+                  <a:tcPr/>
+                </a:tc>
+                <a:extLst>
+                  <a:ext uri="{0D108BD9-81ED-4DB2-BD59-A6C34878D82A}">
+                    <a16:rowId xmlns:a16="http://schemas.microsoft.com/office/drawing/2014/main" val="2455203469"/>
+                  </a:ext>
+                </a:extLst>
+              </a:tr>
+              <a:tr h="267829">
+                <a:tc>
+                  <a:txBody>
+                    <a:bodyPr/>
+                    <a:lstStyle/>
+                    <a:p>
+                      <a:pPr algn="ctr"/>
+                      <a:r>
+                        <a:rPr lang="ru-RU" sz="800" dirty="0"/>
+                        <a:t>Время запуска сервера</a:t>
+                      </a:r>
+                    </a:p>
+                  </a:txBody>
+                  <a:tcPr/>
+                </a:tc>
+                <a:tc>
+                  <a:txBody>
+                    <a:bodyPr/>
+                    <a:lstStyle/>
+                    <a:p>
+                      <a:pPr algn="ctr"/>
+                      <a:r>
+                        <a:rPr lang="ru-RU" sz="800" dirty="0"/>
+                        <a:t>5 – 8 секунд</a:t>
+                      </a:r>
+                    </a:p>
+                  </a:txBody>
+                  <a:tcPr/>
+                </a:tc>
+                <a:tc>
+                  <a:txBody>
+                    <a:bodyPr/>
+                    <a:lstStyle/>
+                    <a:p>
+                      <a:pPr algn="ctr"/>
+                      <a:r>
+                        <a:rPr lang="ru-RU" sz="800" dirty="0"/>
+                        <a:t>2 секунды</a:t>
+                      </a:r>
+                    </a:p>
+                  </a:txBody>
+                  <a:tcPr/>
+                </a:tc>
+                <a:extLst>
+                  <a:ext uri="{0D108BD9-81ED-4DB2-BD59-A6C34878D82A}">
+                    <a16:rowId xmlns:a16="http://schemas.microsoft.com/office/drawing/2014/main" val="3267880738"/>
+                  </a:ext>
+                </a:extLst>
+              </a:tr>
+              <a:tr h="267829">
+                <a:tc>
+                  <a:txBody>
+                    <a:bodyPr/>
+                    <a:lstStyle/>
+                    <a:p>
+                      <a:pPr algn="ctr"/>
+                      <a:r>
+                        <a:rPr lang="ru-RU" sz="800" dirty="0"/>
+                        <a:t>Количество слоев абстракции</a:t>
+                      </a:r>
+                    </a:p>
+                  </a:txBody>
+                  <a:tcPr/>
+                </a:tc>
+                <a:tc>
+                  <a:txBody>
+                    <a:bodyPr/>
+                    <a:lstStyle/>
+                    <a:p>
+                      <a:pPr algn="ctr"/>
+                      <a:r>
+                        <a:rPr lang="ru-RU" sz="800" dirty="0"/>
+                        <a:t>3 – 4 (</a:t>
+                      </a:r>
+                      <a:r>
+                        <a:rPr lang="en-US" sz="800" dirty="0"/>
+                        <a:t>Minikube </a:t>
+                      </a:r>
+                      <a:r>
+                        <a:rPr lang="ru-RU" sz="800" dirty="0"/>
+                        <a:t>→</a:t>
+                      </a:r>
+                      <a:r>
+                        <a:rPr lang="en-US" sz="800" dirty="0"/>
+                        <a:t> Docker </a:t>
+                      </a:r>
+                      <a:r>
+                        <a:rPr lang="ru-RU" sz="800" dirty="0"/>
+                        <a:t>→</a:t>
+                      </a:r>
+                      <a:r>
+                        <a:rPr lang="en-US" sz="800" dirty="0"/>
+                        <a:t> </a:t>
+                      </a:r>
+                      <a:r>
+                        <a:rPr lang="ru-RU" sz="800" dirty="0"/>
+                        <a:t>Процесс)</a:t>
+                      </a:r>
+                    </a:p>
+                  </a:txBody>
+                  <a:tcPr/>
+                </a:tc>
+                <a:tc>
+                  <a:txBody>
+                    <a:bodyPr/>
+                    <a:lstStyle/>
+                    <a:p>
+                      <a:pPr algn="ctr"/>
+                      <a:r>
+                        <a:rPr lang="ru-RU" sz="800" dirty="0"/>
+                        <a:t>1 (Процесс)</a:t>
+                      </a:r>
+                    </a:p>
+                  </a:txBody>
+                  <a:tcPr/>
+                </a:tc>
+                <a:extLst>
+                  <a:ext uri="{0D108BD9-81ED-4DB2-BD59-A6C34878D82A}">
+                    <a16:rowId xmlns:a16="http://schemas.microsoft.com/office/drawing/2014/main" val="1966700017"/>
+                  </a:ext>
+                </a:extLst>
+              </a:tr>
+            </a:tbl>
+          </a:graphicData>
+        </a:graphic>
+      </p:graphicFrame>
+      <p:sp>
+        <p:nvSpPr>
+          <p:cNvPr id="6" name="TextBox 5">
+            <a:extLst>
+              <a:ext uri="{FF2B5EF4-FFF2-40B4-BE49-F238E27FC236}">
+                <a16:creationId xmlns:a16="http://schemas.microsoft.com/office/drawing/2014/main" id="{1E775B24-0975-4A91-95F5-30540027F289}"/>
+              </a:ext>
+            </a:extLst>
+          </p:cNvPr>
+          <p:cNvSpPr txBox="1"/>
+          <p:nvPr/>
+        </p:nvSpPr>
+        <p:spPr>
+          <a:xfrm>
+            <a:off x="1419728" y="2643146"/>
+            <a:ext cx="2786340" cy="215444"/>
+          </a:xfrm>
+          <a:prstGeom prst="rect">
+            <a:avLst/>
+          </a:prstGeom>
+          <a:noFill/>
+        </p:spPr>
+        <p:txBody>
+          <a:bodyPr wrap="none" rtlCol="0">
+            <a:spAutoFit/>
+          </a:bodyPr>
+          <a:lstStyle/>
+          <a:p>
+            <a:pPr algn="ctr"/>
+            <a:r>
+              <a:rPr lang="ru-RU" sz="700" dirty="0"/>
+              <a:t>Таблица 1. </a:t>
+            </a:r>
+            <a:r>
+              <a:rPr lang="ru-RU" sz="800" dirty="0"/>
+              <a:t>Сравнение</a:t>
+            </a:r>
+            <a:r>
+              <a:rPr lang="ru-RU" sz="700" dirty="0"/>
+              <a:t> потребления ресурсов двух подходов</a:t>
+            </a:r>
           </a:p>
         </p:txBody>
       </p:sp>
@@ -8609,7 +8805,7 @@
         <p:spPr>
           <a:xfrm>
             <a:off x="203301" y="154913"/>
-            <a:ext cx="1876425" cy="325755"/>
+            <a:ext cx="1993799" cy="310534"/>
           </a:xfrm>
           <a:prstGeom prst="rect">
             <a:avLst/>
@@ -8649,7 +8845,11 @@
               </a:lnSpc>
             </a:pPr>
             <a:r>
-              <a:rPr sz="900" spc="-55" dirty="0"/>
+              <a:rPr lang="ru-RU" sz="900" spc="-55" dirty="0"/>
+              <a:t> </a:t>
+            </a:r>
+            <a:r>
+              <a:rPr sz="900" spc="-55" dirty="0" err="1"/>
               <a:t>Концептуальная</a:t>
             </a:r>
             <a:r>
@@ -8981,16 +9181,19 @@
                   </a:schemeClr>
                 </a:solidFill>
               </a:rPr>
-              <a:t>Проанализировать существующие подходы и решения в области распределённых серверов, выявить их преимущества и недостатки.</a:t>
-            </a:r>
-            <a:endParaRPr lang="en-US" sz="900" dirty="0">
-              <a:solidFill>
-                <a:schemeClr val="tx1">
-                  <a:lumMod val="65000"/>
-                  <a:lumOff val="35000"/>
-                </a:schemeClr>
-              </a:solidFill>
-            </a:endParaRPr>
+              <a:t>Проанализировать существующие подходы и решения в области распределённых серверов, выявить их преимущества и недостатки</a:t>
+            </a:r>
+            <a:r>
+              <a:rPr lang="en-US" sz="900" dirty="0">
+                <a:solidFill>
+                  <a:schemeClr val="tx1">
+                    <a:lumMod val="65000"/>
+                    <a:lumOff val="35000"/>
+                  </a:schemeClr>
+                </a:solidFill>
+              </a:rPr>
+              <a:t>;</a:t>
+            </a:r>
           </a:p>
           <a:p>
             <a:pPr marL="141605" indent="-121920">
@@ -9356,7 +9559,7 @@
             </a:pPr>
             <a:r>
               <a:rPr lang="ru-RU" sz="900" spc="-10" dirty="0"/>
-              <a:t>Описание</a:t>
+              <a:t> Описание</a:t>
             </a:r>
             <a:endParaRPr sz="900" dirty="0"/>
           </a:p>
@@ -9488,7 +9691,7 @@
         </p:nvSpPr>
         <p:spPr>
           <a:xfrm>
-            <a:off x="3212492" y="2704701"/>
+            <a:off x="3372495" y="2805861"/>
             <a:ext cx="1622560" cy="307777"/>
           </a:xfrm>
           <a:prstGeom prst="rect">
@@ -9505,7 +9708,7 @@
             <a:pPr algn="ctr"/>
             <a:r>
               <a:rPr lang="ru-RU" sz="700" dirty="0"/>
-              <a:t>Рисунок 7. Схема архитектуры</a:t>
+              <a:t>Рисунок 1. Схема архитектуры</a:t>
             </a:r>
           </a:p>
           <a:p>
@@ -9517,12 +9720,511 @@
           </a:p>
         </p:txBody>
       </p:sp>
+      <mc:AlternateContent xmlns:mc="http://schemas.openxmlformats.org/markup-compatibility/2006">
+        <mc:Choice xmlns:a14="http://schemas.microsoft.com/office/drawing/2010/main" Requires="a14">
+          <p:sp>
+            <p:nvSpPr>
+              <p:cNvPr id="6" name="TextBox 5">
+                <a:extLst>
+                  <a:ext uri="{FF2B5EF4-FFF2-40B4-BE49-F238E27FC236}">
+                    <a16:creationId xmlns:a16="http://schemas.microsoft.com/office/drawing/2014/main" id="{04F91BE6-D6D2-4FAF-804C-710A8B948D3E}"/>
+                  </a:ext>
+                </a:extLst>
+              </p:cNvPr>
+              <p:cNvSpPr txBox="1"/>
+              <p:nvPr/>
+            </p:nvSpPr>
+            <p:spPr>
+              <a:xfrm>
+                <a:off x="410389" y="673211"/>
+                <a:ext cx="2482316" cy="415498"/>
+              </a:xfrm>
+              <a:prstGeom prst="rect">
+                <a:avLst/>
+              </a:prstGeom>
+              <a:noFill/>
+            </p:spPr>
+            <p:txBody>
+              <a:bodyPr wrap="square" rtlCol="0">
+                <a:spAutoFit/>
+              </a:bodyPr>
+              <a:lstStyle/>
+              <a:p>
+                <a:pPr algn="just"/>
+                <a:r>
+                  <a:rPr lang="ru-RU" sz="700" b="1" i="1" dirty="0"/>
+                  <a:t>Менеджер серверов </a:t>
+                </a:r>
+                <a14:m>
+                  <m:oMath xmlns:m="http://schemas.openxmlformats.org/officeDocument/2006/math">
+                    <m:r>
+                      <a:rPr lang="ru-RU" sz="700" b="0" i="1" smtClean="0">
+                        <a:latin typeface="Cambria Math" panose="02040503050406030204" pitchFamily="18" charset="0"/>
+                      </a:rPr>
+                      <m:t>−</m:t>
+                    </m:r>
+                  </m:oMath>
+                </a14:m>
+                <a:r>
+                  <a:rPr lang="ru-RU" sz="700" dirty="0"/>
+                  <a:t> централизованный компонент</a:t>
+                </a:r>
+                <a:br>
+                  <a:rPr lang="ru-RU" sz="700" dirty="0"/>
+                </a:br>
+                <a:r>
+                  <a:rPr lang="ru-RU" sz="700" dirty="0"/>
+                  <a:t>управления, обрабатывает клиентские запросы,</a:t>
+                </a:r>
+                <a:br>
+                  <a:rPr lang="ru-RU" sz="700" dirty="0"/>
+                </a:br>
+                <a:r>
+                  <a:rPr lang="ru-RU" sz="700" dirty="0"/>
+                  <a:t>координирует запуск серверов и ведёт логирование.</a:t>
+                </a:r>
+              </a:p>
+            </p:txBody>
+          </p:sp>
+        </mc:Choice>
+        <mc:Fallback>
+          <p:sp>
+            <p:nvSpPr>
+              <p:cNvPr id="6" name="TextBox 5">
+                <a:extLst>
+                  <a:ext uri="{FF2B5EF4-FFF2-40B4-BE49-F238E27FC236}">
+                    <a16:creationId xmlns:a16="http://schemas.microsoft.com/office/drawing/2014/main" id="{04F91BE6-D6D2-4FAF-804C-710A8B948D3E}"/>
+                  </a:ext>
+                </a:extLst>
+              </p:cNvPr>
+              <p:cNvSpPr txBox="1">
+                <a:spLocks noRot="1" noChangeAspect="1" noMove="1" noResize="1" noEditPoints="1" noAdjustHandles="1" noChangeArrowheads="1" noChangeShapeType="1" noTextEdit="1"/>
+              </p:cNvSpPr>
+              <p:nvPr/>
+            </p:nvSpPr>
+            <p:spPr>
+              <a:xfrm>
+                <a:off x="410389" y="673211"/>
+                <a:ext cx="2482316" cy="415498"/>
+              </a:xfrm>
+              <a:prstGeom prst="rect">
+                <a:avLst/>
+              </a:prstGeom>
+              <a:blipFill>
+                <a:blip r:embed="rId4"/>
+                <a:stretch>
+                  <a:fillRect/>
+                </a:stretch>
+              </a:blipFill>
+            </p:spPr>
+            <p:txBody>
+              <a:bodyPr/>
+              <a:lstStyle/>
+              <a:p>
+                <a:r>
+                  <a:rPr lang="ru-RU">
+                    <a:noFill/>
+                  </a:rPr>
+                  <a:t> </a:t>
+                </a:r>
+              </a:p>
+            </p:txBody>
+          </p:sp>
+        </mc:Fallback>
+      </mc:AlternateContent>
+      <p:sp>
+        <p:nvSpPr>
+          <p:cNvPr id="11" name="TextBox 10">
+            <a:extLst>
+              <a:ext uri="{FF2B5EF4-FFF2-40B4-BE49-F238E27FC236}">
+                <a16:creationId xmlns:a16="http://schemas.microsoft.com/office/drawing/2014/main" id="{507113D4-3198-4E6C-86F8-5DF786345480}"/>
+              </a:ext>
+            </a:extLst>
+          </p:cNvPr>
+          <p:cNvSpPr txBox="1"/>
+          <p:nvPr/>
+        </p:nvSpPr>
+        <p:spPr>
+          <a:xfrm>
+            <a:off x="408817" y="1679635"/>
+            <a:ext cx="2435859" cy="523220"/>
+          </a:xfrm>
+          <a:prstGeom prst="rect">
+            <a:avLst/>
+          </a:prstGeom>
+          <a:noFill/>
+        </p:spPr>
+        <p:txBody>
+          <a:bodyPr wrap="square" rtlCol="0">
+            <a:spAutoFit/>
+          </a:bodyPr>
+          <a:lstStyle/>
+          <a:p>
+            <a:r>
+              <a:rPr lang="ru-RU" sz="700" b="1" i="1" dirty="0"/>
+              <a:t>Программа-демон</a:t>
+            </a:r>
+            <a:r>
+              <a:rPr lang="ru-RU" sz="700" dirty="0"/>
+              <a:t> – локальный агент запуска,</a:t>
+            </a:r>
+            <a:br>
+              <a:rPr lang="ru-RU" sz="700" dirty="0"/>
+            </a:br>
+            <a:r>
+              <a:rPr lang="ru-RU" sz="700" dirty="0"/>
+              <a:t>выполняет команды менеджера по запуску</a:t>
+            </a:r>
+            <a:br>
+              <a:rPr lang="ru-RU" sz="700" dirty="0"/>
+            </a:br>
+            <a:r>
+              <a:rPr lang="ru-RU" sz="700" dirty="0"/>
+              <a:t>и остановке экземпляров </a:t>
+            </a:r>
+            <a:r>
+              <a:rPr lang="en-US" sz="700" dirty="0"/>
+              <a:t>UE-</a:t>
+            </a:r>
+            <a:r>
+              <a:rPr lang="ru-RU" sz="700" dirty="0"/>
+              <a:t>серверов на вычислительном узле.</a:t>
+            </a:r>
+          </a:p>
+        </p:txBody>
+      </p:sp>
+      <p:sp>
+        <p:nvSpPr>
+          <p:cNvPr id="13" name="TextBox 12">
+            <a:extLst>
+              <a:ext uri="{FF2B5EF4-FFF2-40B4-BE49-F238E27FC236}">
+                <a16:creationId xmlns:a16="http://schemas.microsoft.com/office/drawing/2014/main" id="{0855B7BB-8A2A-4B39-8D46-43C1171FCE0B}"/>
+              </a:ext>
+            </a:extLst>
+          </p:cNvPr>
+          <p:cNvSpPr txBox="1"/>
+          <p:nvPr/>
+        </p:nvSpPr>
+        <p:spPr>
+          <a:xfrm>
+            <a:off x="403123" y="2290569"/>
+            <a:ext cx="2505814" cy="415498"/>
+          </a:xfrm>
+          <a:prstGeom prst="rect">
+            <a:avLst/>
+          </a:prstGeom>
+          <a:noFill/>
+        </p:spPr>
+        <p:txBody>
+          <a:bodyPr wrap="none" rtlCol="0">
+            <a:spAutoFit/>
+          </a:bodyPr>
+          <a:lstStyle/>
+          <a:p>
+            <a:pPr algn="just"/>
+            <a:r>
+              <a:rPr lang="ru-RU" sz="700" b="1" i="1" dirty="0"/>
+              <a:t>Клиент</a:t>
+            </a:r>
+            <a:r>
+              <a:rPr lang="ru-RU" sz="700" dirty="0"/>
+              <a:t> – приложение на UE, подключающееся к</a:t>
+            </a:r>
+            <a:br>
+              <a:rPr lang="ru-RU" sz="700" dirty="0"/>
+            </a:br>
+            <a:r>
+              <a:rPr lang="ru-RU" sz="700" dirty="0"/>
+              <a:t>серверу, выполняет визуализацию и взаимодействие с</a:t>
+            </a:r>
+            <a:br>
+              <a:rPr lang="ru-RU" sz="700" dirty="0"/>
+            </a:br>
+            <a:r>
+              <a:rPr lang="ru-RU" sz="700" dirty="0"/>
+              <a:t>виртуальным окружением.</a:t>
+            </a:r>
+          </a:p>
+        </p:txBody>
+      </p:sp>
+      <p:sp>
+        <p:nvSpPr>
+          <p:cNvPr id="14" name="TextBox 13">
+            <a:extLst>
+              <a:ext uri="{FF2B5EF4-FFF2-40B4-BE49-F238E27FC236}">
+                <a16:creationId xmlns:a16="http://schemas.microsoft.com/office/drawing/2014/main" id="{EB7F74B8-1491-4945-85EB-A9288A0C364C}"/>
+              </a:ext>
+            </a:extLst>
+          </p:cNvPr>
+          <p:cNvSpPr txBox="1"/>
+          <p:nvPr/>
+        </p:nvSpPr>
+        <p:spPr>
+          <a:xfrm>
+            <a:off x="408817" y="1176423"/>
+            <a:ext cx="2482315" cy="415498"/>
+          </a:xfrm>
+          <a:prstGeom prst="rect">
+            <a:avLst/>
+          </a:prstGeom>
+          <a:noFill/>
+        </p:spPr>
+        <p:txBody>
+          <a:bodyPr wrap="square" rtlCol="0">
+            <a:spAutoFit/>
+          </a:bodyPr>
+          <a:lstStyle/>
+          <a:p>
+            <a:r>
+              <a:rPr lang="ru-RU" sz="700" b="1" i="1" dirty="0"/>
+              <a:t>Сервер </a:t>
+            </a:r>
+            <a:r>
+              <a:rPr lang="en-US" sz="700" b="1" i="1" dirty="0"/>
+              <a:t>UE </a:t>
+            </a:r>
+            <a:r>
+              <a:rPr lang="en-US" sz="700" dirty="0"/>
+              <a:t>– </a:t>
+            </a:r>
+            <a:r>
+              <a:rPr lang="ru-RU" sz="700" dirty="0"/>
+              <a:t>процесс, реализующий серверную логику</a:t>
+            </a:r>
+            <a:br>
+              <a:rPr lang="ru-RU" sz="700" dirty="0"/>
+            </a:br>
+            <a:r>
+              <a:rPr lang="ru-RU" sz="700" dirty="0"/>
+              <a:t>Unreal Engine. Обслуживает клиентские подключения</a:t>
+            </a:r>
+            <a:br>
+              <a:rPr lang="ru-RU" sz="700" dirty="0"/>
+            </a:br>
+            <a:r>
+              <a:rPr lang="ru-RU" sz="700" dirty="0"/>
+              <a:t>и управляет состоянием матча.</a:t>
+            </a:r>
+          </a:p>
+        </p:txBody>
+      </p:sp>
+      <p:sp>
+        <p:nvSpPr>
+          <p:cNvPr id="19" name="Прямоугольник: скругленные углы 18">
+            <a:extLst>
+              <a:ext uri="{FF2B5EF4-FFF2-40B4-BE49-F238E27FC236}">
+                <a16:creationId xmlns:a16="http://schemas.microsoft.com/office/drawing/2014/main" id="{D63B21F4-A6E2-413F-8D8D-8F015FB8082A}"/>
+              </a:ext>
+            </a:extLst>
+          </p:cNvPr>
+          <p:cNvSpPr/>
+          <p:nvPr/>
+        </p:nvSpPr>
+        <p:spPr>
+          <a:xfrm>
+            <a:off x="198986" y="1743978"/>
+            <a:ext cx="152400" cy="148205"/>
+          </a:xfrm>
+          <a:prstGeom prst="roundRect">
+            <a:avLst/>
+          </a:prstGeom>
+          <a:solidFill>
+            <a:srgbClr val="DAE8FC"/>
+          </a:solidFill>
+        </p:spPr>
+        <p:style>
+          <a:lnRef idx="2">
+            <a:schemeClr val="accent1">
+              <a:shade val="50000"/>
+            </a:schemeClr>
+          </a:lnRef>
+          <a:fillRef idx="1">
+            <a:schemeClr val="accent1"/>
+          </a:fillRef>
+          <a:effectRef idx="0">
+            <a:schemeClr val="accent1"/>
+          </a:effectRef>
+          <a:fontRef idx="minor">
+            <a:schemeClr val="lt1"/>
+          </a:fontRef>
+        </p:style>
+        <p:txBody>
+          <a:bodyPr rtlCol="0" anchor="ctr"/>
+          <a:lstStyle/>
+          <a:p>
+            <a:pPr algn="ctr"/>
+            <a:endParaRPr lang="ru-RU" dirty="0"/>
+          </a:p>
+        </p:txBody>
+      </p:sp>
+      <p:sp>
+        <p:nvSpPr>
+          <p:cNvPr id="20" name="Прямоугольник: скругленные углы 19">
+            <a:extLst>
+              <a:ext uri="{FF2B5EF4-FFF2-40B4-BE49-F238E27FC236}">
+                <a16:creationId xmlns:a16="http://schemas.microsoft.com/office/drawing/2014/main" id="{FB96A8F4-C055-4935-AB44-3522EFBF4AD8}"/>
+              </a:ext>
+            </a:extLst>
+          </p:cNvPr>
+          <p:cNvSpPr/>
+          <p:nvPr/>
+        </p:nvSpPr>
+        <p:spPr>
+          <a:xfrm>
+            <a:off x="201440" y="1235984"/>
+            <a:ext cx="152400" cy="148205"/>
+          </a:xfrm>
+          <a:prstGeom prst="roundRect">
+            <a:avLst/>
+          </a:prstGeom>
+          <a:solidFill>
+            <a:srgbClr val="E1D5E7"/>
+          </a:solidFill>
+          <a:ln>
+            <a:solidFill>
+              <a:srgbClr val="B399BF"/>
+            </a:solidFill>
+          </a:ln>
+        </p:spPr>
+        <p:style>
+          <a:lnRef idx="2">
+            <a:schemeClr val="accent1">
+              <a:shade val="50000"/>
+            </a:schemeClr>
+          </a:lnRef>
+          <a:fillRef idx="1">
+            <a:schemeClr val="accent1"/>
+          </a:fillRef>
+          <a:effectRef idx="0">
+            <a:schemeClr val="accent1"/>
+          </a:effectRef>
+          <a:fontRef idx="minor">
+            <a:schemeClr val="lt1"/>
+          </a:fontRef>
+        </p:style>
+        <p:txBody>
+          <a:bodyPr rtlCol="0" anchor="ctr"/>
+          <a:lstStyle/>
+          <a:p>
+            <a:pPr algn="ctr"/>
+            <a:endParaRPr lang="ru-RU" dirty="0"/>
+          </a:p>
+        </p:txBody>
+      </p:sp>
+      <p:sp>
+        <p:nvSpPr>
+          <p:cNvPr id="21" name="Прямоугольник: скругленные углы 20">
+            <a:extLst>
+              <a:ext uri="{FF2B5EF4-FFF2-40B4-BE49-F238E27FC236}">
+                <a16:creationId xmlns:a16="http://schemas.microsoft.com/office/drawing/2014/main" id="{B3A33B27-32AE-4AAC-95C0-9F747C2205E6}"/>
+              </a:ext>
+            </a:extLst>
+          </p:cNvPr>
+          <p:cNvSpPr/>
+          <p:nvPr/>
+        </p:nvSpPr>
+        <p:spPr>
+          <a:xfrm>
+            <a:off x="198564" y="2368577"/>
+            <a:ext cx="152400" cy="148205"/>
+          </a:xfrm>
+          <a:prstGeom prst="roundRect">
+            <a:avLst/>
+          </a:prstGeom>
+          <a:solidFill>
+            <a:srgbClr val="FFF2CC"/>
+          </a:solidFill>
+          <a:ln>
+            <a:solidFill>
+              <a:srgbClr val="FFC625"/>
+            </a:solidFill>
+          </a:ln>
+        </p:spPr>
+        <p:style>
+          <a:lnRef idx="2">
+            <a:schemeClr val="accent1">
+              <a:shade val="50000"/>
+            </a:schemeClr>
+          </a:lnRef>
+          <a:fillRef idx="1">
+            <a:schemeClr val="accent1"/>
+          </a:fillRef>
+          <a:effectRef idx="0">
+            <a:schemeClr val="accent1"/>
+          </a:effectRef>
+          <a:fontRef idx="minor">
+            <a:schemeClr val="lt1"/>
+          </a:fontRef>
+        </p:style>
+        <p:txBody>
+          <a:bodyPr rtlCol="0" anchor="ctr"/>
+          <a:lstStyle/>
+          <a:p>
+            <a:pPr algn="ctr"/>
+            <a:endParaRPr lang="ru-RU" dirty="0"/>
+          </a:p>
+        </p:txBody>
+      </p:sp>
+      <p:sp>
+        <p:nvSpPr>
+          <p:cNvPr id="22" name="Прямоугольник: скругленные углы 21">
+            <a:extLst>
+              <a:ext uri="{FF2B5EF4-FFF2-40B4-BE49-F238E27FC236}">
+                <a16:creationId xmlns:a16="http://schemas.microsoft.com/office/drawing/2014/main" id="{8D3BE53C-8EBD-4606-988C-A1789897DE7E}"/>
+              </a:ext>
+            </a:extLst>
+          </p:cNvPr>
+          <p:cNvSpPr/>
+          <p:nvPr/>
+        </p:nvSpPr>
+        <p:spPr>
+          <a:xfrm>
+            <a:off x="205667" y="728068"/>
+            <a:ext cx="152400" cy="148205"/>
+          </a:xfrm>
+          <a:prstGeom prst="roundRect">
+            <a:avLst/>
+          </a:prstGeom>
+          <a:solidFill>
+            <a:srgbClr val="D5E8D4"/>
+          </a:solidFill>
+          <a:ln>
+            <a:solidFill>
+              <a:srgbClr val="8BB871"/>
+            </a:solidFill>
+          </a:ln>
+        </p:spPr>
+        <p:style>
+          <a:lnRef idx="2">
+            <a:schemeClr val="accent1">
+              <a:shade val="50000"/>
+            </a:schemeClr>
+          </a:lnRef>
+          <a:fillRef idx="1">
+            <a:schemeClr val="accent1"/>
+          </a:fillRef>
+          <a:effectRef idx="0">
+            <a:schemeClr val="accent1"/>
+          </a:effectRef>
+          <a:fontRef idx="minor">
+            <a:schemeClr val="lt1"/>
+          </a:fontRef>
+        </p:style>
+        <p:txBody>
+          <a:bodyPr rtlCol="0" anchor="ctr"/>
+          <a:lstStyle/>
+          <a:p>
+            <a:pPr algn="ctr"/>
+            <a:endParaRPr lang="ru-RU" dirty="0"/>
+          </a:p>
+        </p:txBody>
+      </p:sp>
       <p:pic>
         <p:nvPicPr>
-          <p:cNvPr id="9" name="Picture 2">
+          <p:cNvPr id="2050" name="Picture 2">
             <a:extLst>
               <a:ext uri="{FF2B5EF4-FFF2-40B4-BE49-F238E27FC236}">
-                <a16:creationId xmlns:a16="http://schemas.microsoft.com/office/drawing/2014/main" id="{6383C95C-B975-41FC-9BA1-2B13C6331740}"/>
+                <a16:creationId xmlns:a16="http://schemas.microsoft.com/office/drawing/2014/main" id="{CC15FA8C-92C9-4576-81FF-F8EA11C429FB}"/>
               </a:ext>
             </a:extLst>
           </p:cNvPr>
@@ -9532,7 +10234,7 @@
           <p:nvPr/>
         </p:nvPicPr>
         <p:blipFill>
-          <a:blip r:embed="rId4">
+          <a:blip r:embed="rId5">
             <a:extLst>
               <a:ext uri="{28A0092B-C50C-407E-A947-70E740481C1C}">
                 <a14:useLocalDpi xmlns:a14="http://schemas.microsoft.com/office/drawing/2010/main" val="0"/>
@@ -9546,8 +10248,8 @@
         </p:blipFill>
         <p:spPr bwMode="auto">
           <a:xfrm>
-            <a:off x="2806700" y="707514"/>
-            <a:ext cx="2191702" cy="1909565"/>
+            <a:off x="2891132" y="659163"/>
+            <a:ext cx="2585287" cy="2079625"/>
           </a:xfrm>
           <a:prstGeom prst="rect">
             <a:avLst/>
@@ -9687,7 +10389,7 @@
             </a:pPr>
             <a:r>
               <a:rPr lang="ru-RU" sz="900" spc="-10" dirty="0"/>
-              <a:t>Сетевое взаимодействие с клиентом</a:t>
+              <a:t> Сетевое взаимодействие с клиентом</a:t>
             </a:r>
             <a:endParaRPr sz="900" dirty="0"/>
           </a:p>
@@ -9805,20 +10507,91 @@
           </a:p>
         </p:txBody>
       </p:sp>
-      <p:pic>
-        <p:nvPicPr>
-          <p:cNvPr id="8" name="Рисунок 7">
+      <p:sp>
+        <p:nvSpPr>
+          <p:cNvPr id="10" name="TextBox 9">
             <a:extLst>
               <a:ext uri="{FF2B5EF4-FFF2-40B4-BE49-F238E27FC236}">
-                <a16:creationId xmlns:a16="http://schemas.microsoft.com/office/drawing/2014/main" id="{36DAB402-B032-4171-8FDE-305B23A821EA}"/>
+                <a16:creationId xmlns:a16="http://schemas.microsoft.com/office/drawing/2014/main" id="{799B1AFD-2162-4530-B9BE-22FCE3DAD29F}"/>
               </a:ext>
             </a:extLst>
           </p:cNvPr>
-          <p:cNvPicPr/>
+          <p:cNvSpPr txBox="1"/>
+          <p:nvPr/>
+        </p:nvSpPr>
+        <p:spPr>
+          <a:xfrm>
+            <a:off x="1617091" y="2830749"/>
+            <a:ext cx="2521844" cy="415498"/>
+          </a:xfrm>
+          <a:prstGeom prst="rect">
+            <a:avLst/>
+          </a:prstGeom>
+          <a:noFill/>
+        </p:spPr>
+        <p:txBody>
+          <a:bodyPr wrap="none" rtlCol="0">
+            <a:spAutoFit/>
+          </a:bodyPr>
+          <a:lstStyle/>
+          <a:p>
+            <a:pPr algn="ctr"/>
+            <a:r>
+              <a:rPr lang="ru-RU" sz="700" dirty="0"/>
+              <a:t>Рисунок 2. Схема обратного сетевого взаимодействия</a:t>
+            </a:r>
+            <a:endParaRPr lang="en-US" sz="700" dirty="0"/>
+          </a:p>
+          <a:p>
+            <a:pPr algn="ctr"/>
+            <a:r>
+              <a:rPr lang="en-US" sz="700" dirty="0"/>
+              <a:t>A) </a:t>
+            </a:r>
+            <a:r>
+              <a:rPr lang="ru-RU" sz="700" dirty="0"/>
+              <a:t>Напрямую с клиентом</a:t>
+            </a:r>
+            <a:r>
+              <a:rPr lang="en-US" sz="700" dirty="0"/>
+              <a:t>;</a:t>
+            </a:r>
+            <a:r>
+              <a:rPr lang="ru-RU" sz="700" dirty="0"/>
+              <a:t> </a:t>
+            </a:r>
+            <a:endParaRPr lang="en-US" sz="700" dirty="0"/>
+          </a:p>
+          <a:p>
+            <a:pPr algn="ctr"/>
+            <a:r>
+              <a:rPr lang="ru-RU" sz="700" dirty="0"/>
+              <a:t>Б) Через менеджер серверов</a:t>
+            </a:r>
+            <a:r>
+              <a:rPr lang="en-US" sz="700" dirty="0"/>
+              <a:t>.</a:t>
+            </a:r>
+            <a:endParaRPr lang="ru-RU" sz="700" dirty="0"/>
+          </a:p>
+        </p:txBody>
+      </p:sp>
+      <p:pic>
+        <p:nvPicPr>
+          <p:cNvPr id="1026" name="Picture 2">
+            <a:extLst>
+              <a:ext uri="{FF2B5EF4-FFF2-40B4-BE49-F238E27FC236}">
+                <a16:creationId xmlns:a16="http://schemas.microsoft.com/office/drawing/2014/main" id="{DAE80549-EAFA-4196-A64C-48AE14FC369C}"/>
+              </a:ext>
+            </a:extLst>
+          </p:cNvPr>
+          <p:cNvPicPr>
+            <a:picLocks noChangeAspect="1" noChangeArrowheads="1"/>
+          </p:cNvPicPr>
           <p:nvPr/>
         </p:nvPicPr>
         <p:blipFill>
-          <a:blip r:embed="rId4">
+          <a:blip r:embed="rId4" cstate="print">
             <a:extLst>
               <a:ext uri="{28A0092B-C50C-407E-A947-70E740481C1C}">
                 <a14:useLocalDpi xmlns:a14="http://schemas.microsoft.com/office/drawing/2010/main" val="0"/>
@@ -9832,24 +10605,30 @@
         </p:blipFill>
         <p:spPr bwMode="auto">
           <a:xfrm>
-            <a:off x="1062596" y="646860"/>
-            <a:ext cx="3640607" cy="2153311"/>
+            <a:off x="431416" y="578768"/>
+            <a:ext cx="5025678" cy="2213955"/>
           </a:xfrm>
           <a:prstGeom prst="rect">
             <a:avLst/>
           </a:prstGeom>
           <a:noFill/>
-          <a:ln>
-            <a:noFill/>
-          </a:ln>
+          <a:extLst>
+            <a:ext uri="{909E8E84-426E-40DD-AFC4-6F175D3DCCD1}">
+              <a14:hiddenFill xmlns:a14="http://schemas.microsoft.com/office/drawing/2010/main">
+                <a:solidFill>
+                  <a:srgbClr val="FFFFFF"/>
+                </a:solidFill>
+              </a14:hiddenFill>
+            </a:ext>
+          </a:extLst>
         </p:spPr>
       </p:pic>
       <p:sp>
         <p:nvSpPr>
-          <p:cNvPr id="10" name="TextBox 9">
+          <p:cNvPr id="13" name="TextBox 12">
             <a:extLst>
               <a:ext uri="{FF2B5EF4-FFF2-40B4-BE49-F238E27FC236}">
-                <a16:creationId xmlns:a16="http://schemas.microsoft.com/office/drawing/2014/main" id="{799B1AFD-2162-4530-B9BE-22FCE3DAD29F}"/>
+                <a16:creationId xmlns:a16="http://schemas.microsoft.com/office/drawing/2014/main" id="{109C77E1-11C0-47A6-A071-3E4FE0BE53E0}"/>
               </a:ext>
             </a:extLst>
           </p:cNvPr>
@@ -9858,8 +10637,8 @@
         </p:nvSpPr>
         <p:spPr>
           <a:xfrm>
-            <a:off x="1621978" y="2800058"/>
-            <a:ext cx="2521844" cy="415498"/>
+            <a:off x="733546" y="2643146"/>
+            <a:ext cx="287258" cy="215444"/>
           </a:xfrm>
           <a:prstGeom prst="rect">
             <a:avLst/>
@@ -9872,44 +10651,99 @@
           </a:bodyPr>
           <a:lstStyle/>
           <a:p>
+            <a:r>
+              <a:rPr lang="ru-RU" sz="800" dirty="0"/>
+              <a:t>А)</a:t>
+            </a:r>
+          </a:p>
+        </p:txBody>
+      </p:sp>
+      <p:sp>
+        <p:nvSpPr>
+          <p:cNvPr id="15" name="TextBox 14">
+            <a:extLst>
+              <a:ext uri="{FF2B5EF4-FFF2-40B4-BE49-F238E27FC236}">
+                <a16:creationId xmlns:a16="http://schemas.microsoft.com/office/drawing/2014/main" id="{E37AA69D-FCC2-4797-B62F-45DB18E89267}"/>
+              </a:ext>
+            </a:extLst>
+          </p:cNvPr>
+          <p:cNvSpPr txBox="1"/>
+          <p:nvPr/>
+        </p:nvSpPr>
+        <p:spPr>
+          <a:xfrm>
+            <a:off x="3340100" y="2643146"/>
+            <a:ext cx="287258" cy="215444"/>
+          </a:xfrm>
+          <a:prstGeom prst="rect">
+            <a:avLst/>
+          </a:prstGeom>
+          <a:noFill/>
+        </p:spPr>
+        <p:txBody>
+          <a:bodyPr wrap="none" rtlCol="0">
+            <a:spAutoFit/>
+          </a:bodyPr>
+          <a:lstStyle/>
+          <a:p>
+            <a:r>
+              <a:rPr lang="ru-RU" sz="800" dirty="0"/>
+              <a:t>Б)</a:t>
+            </a:r>
+          </a:p>
+        </p:txBody>
+      </p:sp>
+      <p:sp>
+        <p:nvSpPr>
+          <p:cNvPr id="16" name="Прямоугольник: скругленные углы 15">
+            <a:extLst>
+              <a:ext uri="{FF2B5EF4-FFF2-40B4-BE49-F238E27FC236}">
+                <a16:creationId xmlns:a16="http://schemas.microsoft.com/office/drawing/2014/main" id="{F0B677AA-0627-472A-961C-DE8CB726B138}"/>
+              </a:ext>
+            </a:extLst>
+          </p:cNvPr>
+          <p:cNvSpPr/>
+          <p:nvPr/>
+        </p:nvSpPr>
+        <p:spPr>
+          <a:xfrm>
+            <a:off x="135405" y="1753765"/>
+            <a:ext cx="152400" cy="148205"/>
+          </a:xfrm>
+          <a:prstGeom prst="roundRect">
+            <a:avLst/>
+          </a:prstGeom>
+          <a:solidFill>
+            <a:srgbClr val="D5E8D4"/>
+          </a:solidFill>
+          <a:ln>
+            <a:solidFill>
+              <a:srgbClr val="8BB871"/>
+            </a:solidFill>
+          </a:ln>
+        </p:spPr>
+        <p:style>
+          <a:lnRef idx="2">
+            <a:schemeClr val="accent1">
+              <a:shade val="50000"/>
+            </a:schemeClr>
+          </a:lnRef>
+          <a:fillRef idx="1">
+            <a:schemeClr val="accent1"/>
+          </a:fillRef>
+          <a:effectRef idx="0">
+            <a:schemeClr val="accent1"/>
+          </a:effectRef>
+          <a:fontRef idx="minor">
+            <a:schemeClr val="lt1"/>
+          </a:fontRef>
+        </p:style>
+        <p:txBody>
+          <a:bodyPr rtlCol="0" anchor="ctr"/>
+          <a:lstStyle/>
+          <a:p>
             <a:pPr algn="ctr"/>
-            <a:r>
-              <a:rPr lang="ru-RU" sz="700" dirty="0"/>
-              <a:t>Рисунок 8. Схема обратного сетевого взаимодействия</a:t>
-            </a:r>
-            <a:endParaRPr lang="en-US" sz="700" dirty="0"/>
-          </a:p>
-          <a:p>
-            <a:pPr algn="ctr"/>
-            <a:r>
-              <a:rPr lang="en-US" sz="700" dirty="0"/>
-              <a:t>A) </a:t>
-            </a:r>
-            <a:r>
-              <a:rPr lang="ru-RU" sz="700" dirty="0"/>
-              <a:t>Напрямую с клиентом</a:t>
-            </a:r>
-            <a:r>
-              <a:rPr lang="en-US" sz="700" dirty="0"/>
-              <a:t>;</a:t>
-            </a:r>
-            <a:r>
-              <a:rPr lang="ru-RU" sz="700" dirty="0"/>
-              <a:t> </a:t>
-            </a:r>
-            <a:endParaRPr lang="en-US" sz="700" dirty="0"/>
-          </a:p>
-          <a:p>
-            <a:pPr algn="ctr"/>
-            <a:r>
-              <a:rPr lang="ru-RU" sz="700" dirty="0"/>
-              <a:t>Б) Через менеджер серверов</a:t>
-            </a:r>
-            <a:r>
-              <a:rPr lang="en-US" sz="700" dirty="0"/>
-              <a:t>.</a:t>
-            </a:r>
-            <a:endParaRPr lang="ru-RU" sz="700" dirty="0"/>
+            <a:endParaRPr lang="ru-RU" dirty="0"/>
           </a:p>
         </p:txBody>
       </p:sp>
@@ -9993,8 +10827,8 @@
         </p:nvSpPr>
         <p:spPr>
           <a:xfrm>
-            <a:off x="203301" y="154913"/>
-            <a:ext cx="935990" cy="325755"/>
+            <a:off x="203300" y="154913"/>
+            <a:ext cx="2146200" cy="310534"/>
           </a:xfrm>
           <a:prstGeom prst="rect">
             <a:avLst/>
@@ -10030,8 +10864,16 @@
               </a:lnSpc>
             </a:pPr>
             <a:r>
+              <a:rPr lang="ru-RU" sz="900" spc="-10" dirty="0"/>
+              <a:t> </a:t>
+            </a:r>
+            <a:r>
               <a:rPr sz="900" spc="-10" dirty="0"/>
               <a:t>Описание</a:t>
+            </a:r>
+            <a:r>
+              <a:rPr lang="ru-RU" sz="900" spc="-10" dirty="0"/>
+              <a:t> сценария использования</a:t>
             </a:r>
             <a:endParaRPr sz="900" dirty="0"/>
           </a:p>
@@ -10227,7 +11069,7 @@
             <a:pPr algn="ctr"/>
             <a:r>
               <a:rPr lang="ru-RU" sz="700" dirty="0"/>
-              <a:t>Рисунок 9. </a:t>
+              <a:t>Рисунок 3. </a:t>
             </a:r>
             <a:r>
               <a:rPr lang="en-US" sz="700" dirty="0"/>

--- a/Master/Diploma/presentation/Презентация.pptx
+++ b/Master/Diploma/presentation/Презентация.pptx
@@ -5,7 +5,7 @@
     <p:sldMasterId id="2147483648" r:id="rId1"/>
   </p:sldMasterIdLst>
   <p:notesMasterIdLst>
-    <p:notesMasterId r:id="rId16"/>
+    <p:notesMasterId r:id="rId17"/>
   </p:notesMasterIdLst>
   <p:sldIdLst>
     <p:sldId id="256" r:id="rId2"/>
@@ -20,8 +20,9 @@
     <p:sldId id="274" r:id="rId11"/>
     <p:sldId id="267" r:id="rId12"/>
     <p:sldId id="268" r:id="rId13"/>
-    <p:sldId id="270" r:id="rId14"/>
-    <p:sldId id="271" r:id="rId15"/>
+    <p:sldId id="280" r:id="rId14"/>
+    <p:sldId id="270" r:id="rId15"/>
+    <p:sldId id="271" r:id="rId16"/>
   </p:sldIdLst>
   <p:sldSz cx="5765800" cy="3244850"/>
   <p:notesSz cx="5765800" cy="3244850"/>
@@ -131,7 +132,7 @@
           <a:p>
             <a:fld id="{DF72D1E3-4C5F-416B-82F4-05E153DB2B2B}" type="datetimeFigureOut">
               <a:rPr lang="ru-RU" smtClean="0"/>
-              <a:t>14.05.2025</a:t>
+              <a:t>21.05.2025</a:t>
             </a:fld>
             <a:endParaRPr lang="ru-RU"/>
           </a:p>
@@ -493,6 +494,93 @@
 </p:notes>
 </file>
 
+<file path=ppt/notesSlides/notesSlide10.xml><?xml version="1.0" encoding="utf-8"?>
+<p:notes xmlns:a="http://schemas.openxmlformats.org/drawingml/2006/main" xmlns:r="http://schemas.openxmlformats.org/officeDocument/2006/relationships" xmlns:p="http://schemas.openxmlformats.org/presentationml/2006/main">
+  <p:cSld>
+    <p:spTree>
+      <p:nvGrpSpPr>
+        <p:cNvPr id="1" name=""/>
+        <p:cNvGrpSpPr/>
+        <p:nvPr/>
+      </p:nvGrpSpPr>
+      <p:grpSpPr>
+        <a:xfrm>
+          <a:off x="0" y="0"/>
+          <a:ext cx="0" cy="0"/>
+          <a:chOff x="0" y="0"/>
+          <a:chExt cx="0" cy="0"/>
+        </a:xfrm>
+      </p:grpSpPr>
+      <p:sp>
+        <p:nvSpPr>
+          <p:cNvPr id="2" name="Образ слайда 1"/>
+          <p:cNvSpPr>
+            <a:spLocks noGrp="1" noRot="1" noChangeAspect="1"/>
+          </p:cNvSpPr>
+          <p:nvPr>
+            <p:ph type="sldImg"/>
+          </p:nvPr>
+        </p:nvSpPr>
+        <p:spPr/>
+      </p:sp>
+      <p:sp>
+        <p:nvSpPr>
+          <p:cNvPr id="3" name="Заметки 2"/>
+          <p:cNvSpPr>
+            <a:spLocks noGrp="1"/>
+          </p:cNvSpPr>
+          <p:nvPr>
+            <p:ph type="body" idx="1"/>
+          </p:nvPr>
+        </p:nvSpPr>
+        <p:spPr/>
+        <p:txBody>
+          <a:bodyPr/>
+          <a:lstStyle/>
+          <a:p>
+            <a:r>
+              <a:rPr lang="ru-RU" dirty="0"/>
+              <a:t>На слайде представлены примеры использования системы мониторинга. В результате помимо отображения таблицы были реализованы две важных операции, а именно сортировка и фильтрации. Данные операции являются обязательными для каждой таблицы, так как они значительно улучшают опыт пользователя с инструментом визуализации.</a:t>
+            </a:r>
+          </a:p>
+        </p:txBody>
+      </p:sp>
+      <p:sp>
+        <p:nvSpPr>
+          <p:cNvPr id="4" name="Номер слайда 3"/>
+          <p:cNvSpPr>
+            <a:spLocks noGrp="1"/>
+          </p:cNvSpPr>
+          <p:nvPr>
+            <p:ph type="sldNum" sz="quarter" idx="5"/>
+          </p:nvPr>
+        </p:nvSpPr>
+        <p:spPr/>
+        <p:txBody>
+          <a:bodyPr/>
+          <a:lstStyle/>
+          <a:p>
+            <a:fld id="{88284CDB-7C0C-42AA-A512-672142C2910C}" type="slidenum">
+              <a:rPr lang="ru-RU" smtClean="0"/>
+              <a:t>13</a:t>
+            </a:fld>
+            <a:endParaRPr lang="ru-RU"/>
+          </a:p>
+        </p:txBody>
+      </p:sp>
+    </p:spTree>
+    <p:extLst>
+      <p:ext uri="{BB962C8B-B14F-4D97-AF65-F5344CB8AC3E}">
+        <p14:creationId xmlns:p14="http://schemas.microsoft.com/office/powerpoint/2010/main" val="2773770145"/>
+      </p:ext>
+    </p:extLst>
+  </p:cSld>
+  <p:clrMapOvr>
+    <a:masterClrMapping/>
+  </p:clrMapOvr>
+</p:notes>
+</file>
+
 <file path=ppt/notesSlides/notesSlide2.xml><?xml version="1.0" encoding="utf-8"?>
 <p:notes xmlns:a="http://schemas.openxmlformats.org/drawingml/2006/main" xmlns:r="http://schemas.openxmlformats.org/officeDocument/2006/relationships" xmlns:p="http://schemas.openxmlformats.org/presentationml/2006/main">
   <p:cSld>
@@ -1017,7 +1105,7 @@
           <a:p>
             <a:r>
               <a:rPr lang="ru-RU" dirty="0"/>
-              <a:t>Во-первых, сразу можно увидеть, что строковой вид занимает почти в 5 раз больше места, чем байтовый (при условии что один символ это 1 байт).</a:t>
+              <a:t>Во-первых, сразу можно увидеть, что строковой вид занимает почти в 3 раза больше места, чем байтовый (при условии что один символ это 1 байт).</a:t>
             </a:r>
           </a:p>
           <a:p>
@@ -1473,7 +1561,7 @@
           <a:p>
             <a:fld id="{1D8BD707-D9CF-40AE-B4C6-C98DA3205C09}" type="datetimeFigureOut">
               <a:rPr lang="en-US"/>
-              <a:t>5/14/2025</a:t>
+              <a:t>5/21/2025</a:t>
             </a:fld>
             <a:endParaRPr lang="en-US"/>
           </a:p>
@@ -1670,7 +1758,7 @@
           <a:p>
             <a:fld id="{1D8BD707-D9CF-40AE-B4C6-C98DA3205C09}" type="datetimeFigureOut">
               <a:rPr lang="en-US"/>
-              <a:t>5/14/2025</a:t>
+              <a:t>5/21/2025</a:t>
             </a:fld>
             <a:endParaRPr lang="en-US"/>
           </a:p>
@@ -1904,7 +1992,7 @@
           <a:p>
             <a:fld id="{1D8BD707-D9CF-40AE-B4C6-C98DA3205C09}" type="datetimeFigureOut">
               <a:rPr lang="en-US"/>
-              <a:t>5/14/2025</a:t>
+              <a:t>5/21/2025</a:t>
             </a:fld>
             <a:endParaRPr lang="en-US"/>
           </a:p>
@@ -2072,7 +2160,7 @@
           <a:p>
             <a:fld id="{1D8BD707-D9CF-40AE-B4C6-C98DA3205C09}" type="datetimeFigureOut">
               <a:rPr lang="en-US"/>
-              <a:t>5/14/2025</a:t>
+              <a:t>5/21/2025</a:t>
             </a:fld>
             <a:endParaRPr lang="en-US"/>
           </a:p>
@@ -2219,7 +2307,7 @@
           <a:p>
             <a:fld id="{1D8BD707-D9CF-40AE-B4C6-C98DA3205C09}" type="datetimeFigureOut">
               <a:rPr lang="en-US"/>
-              <a:t>5/14/2025</a:t>
+              <a:t>5/21/2025</a:t>
             </a:fld>
             <a:endParaRPr lang="en-US"/>
           </a:p>
@@ -2486,7 +2574,7 @@
           <a:p>
             <a:fld id="{1D8BD707-D9CF-40AE-B4C6-C98DA3205C09}" type="datetimeFigureOut">
               <a:rPr lang="en-US"/>
-              <a:t>5/14/2025</a:t>
+              <a:t>5/21/2025</a:t>
             </a:fld>
             <a:endParaRPr lang="en-US"/>
           </a:p>
@@ -3365,7 +3453,7 @@
         <p:spPr>
           <a:xfrm>
             <a:off x="5382488" y="2978292"/>
-            <a:ext cx="253364" cy="116839"/>
+            <a:ext cx="253364" cy="99386"/>
           </a:xfrm>
           <a:prstGeom prst="rect">
             <a:avLst/>
@@ -3399,8 +3487,13 @@
             </a:r>
             <a:r>
               <a:rPr spc="-35" dirty="0"/>
-              <a:t>16</a:t>
-            </a:r>
+              <a:t>1</a:t>
+            </a:r>
+            <a:r>
+              <a:rPr lang="en-US" spc="-35" dirty="0"/>
+              <a:t>5</a:t>
+            </a:r>
+            <a:endParaRPr spc="-35" dirty="0"/>
           </a:p>
         </p:txBody>
       </p:sp>
@@ -3419,7 +3512,7 @@
           <p:nvPr>
             <p:extLst>
               <p:ext uri="{D42A27DB-BD31-4B8C-83A1-F6EECF244321}">
-                <p14:modId xmlns:p14="http://schemas.microsoft.com/office/powerpoint/2010/main" val="817631614"/>
+                <p14:modId xmlns:p14="http://schemas.microsoft.com/office/powerpoint/2010/main" val="287116494"/>
               </p:ext>
             </p:extLst>
           </p:nvPr>
@@ -3511,7 +3604,7 @@
                     <a:p>
                       <a:r>
                         <a:rPr lang="en-US" sz="700" dirty="0"/>
-                        <a:t>REGISTER_SERVER</a:t>
+                        <a:t>command</a:t>
                       </a:r>
                       <a:endParaRPr lang="ru-RU" sz="700" dirty="0"/>
                     </a:p>
@@ -3546,10 +3639,9 @@
                     <a:lstStyle/>
                     <a:p>
                       <a:r>
-                        <a:rPr lang="en-US" sz="700" dirty="0"/>
+                        <a:rPr lang="ru-RU" sz="700" dirty="0"/>
                         <a:t>15</a:t>
                       </a:r>
-                      <a:endParaRPr lang="ru-RU" sz="700" dirty="0"/>
                     </a:p>
                   </a:txBody>
                   <a:tcPr/>
@@ -3568,24 +3660,7 @@
                     <a:p>
                       <a:r>
                         <a:rPr lang="en-US" sz="700" dirty="0"/>
-                        <a:t>,uri= + </a:t>
-                      </a:r>
-                      <a:r>
-                        <a:rPr lang="ru-RU" sz="700" dirty="0"/>
-                        <a:t>Адрес</a:t>
-                      </a:r>
-                    </a:p>
-                  </a:txBody>
-                  <a:tcPr/>
-                </a:tc>
-                <a:tc>
-                  <a:txBody>
-                    <a:bodyPr/>
-                    <a:lstStyle/>
-                    <a:p>
-                      <a:r>
-                        <a:rPr lang="en-US" sz="700" dirty="0"/>
-                        <a:t>,uri=127.0.0.1:7777</a:t>
+                        <a:t>uri</a:t>
                       </a:r>
                       <a:endParaRPr lang="ru-RU" sz="700" dirty="0"/>
                     </a:p>
@@ -3599,9 +3674,26 @@
                     <a:p>
                       <a:r>
                         <a:rPr lang="en-US" sz="700" dirty="0"/>
-                        <a:t>19</a:t>
+                        <a:t>127.0.0.1:7777</a:t>
                       </a:r>
                       <a:endParaRPr lang="ru-RU" sz="700" dirty="0"/>
+                    </a:p>
+                  </a:txBody>
+                  <a:tcPr/>
+                </a:tc>
+                <a:tc>
+                  <a:txBody>
+                    <a:bodyPr/>
+                    <a:lstStyle/>
+                    <a:p>
+                      <a:r>
+                        <a:rPr lang="en-US" sz="700" dirty="0"/>
+                        <a:t>1</a:t>
+                      </a:r>
+                      <a:r>
+                        <a:rPr lang="ru-RU" sz="700" dirty="0"/>
+                        <a:t>4</a:t>
+                      </a:r>
                     </a:p>
                   </a:txBody>
                   <a:tcPr/>
@@ -3620,7 +3712,7 @@
                     <a:p>
                       <a:r>
                         <a:rPr lang="en-US" sz="700" dirty="0"/>
-                        <a:t>,uuid= + UUID</a:t>
+                        <a:t>uuid</a:t>
                       </a:r>
                       <a:endParaRPr lang="ru-RU" sz="700" dirty="0"/>
                     </a:p>
@@ -3634,7 +3726,7 @@
                     <a:p>
                       <a:r>
                         <a:rPr lang="en-US" sz="700" dirty="0"/>
-                        <a:t>,uuid=01234567-89ab-cdef-0123-456789abcdef</a:t>
+                        <a:t>01234567-89ab-cdef-0123-456789abcdef</a:t>
                       </a:r>
                       <a:endParaRPr lang="ru-RU" sz="700" dirty="0"/>
                     </a:p>
@@ -3647,10 +3739,9 @@
                     <a:lstStyle/>
                     <a:p>
                       <a:r>
-                        <a:rPr lang="en-US" sz="700" dirty="0"/>
-                        <a:t>44</a:t>
+                        <a:rPr lang="ru-RU" sz="700" dirty="0"/>
+                        <a:t>36</a:t>
                       </a:r>
-                      <a:endParaRPr lang="ru-RU" sz="700" dirty="0"/>
                     </a:p>
                   </a:txBody>
                   <a:tcPr/>
@@ -3668,8 +3759,8 @@
                     <a:lstStyle/>
                     <a:p>
                       <a:r>
-                        <a:rPr lang="en-US" sz="700" dirty="0"/>
-                        <a:t>,current_players=</a:t>
+                        <a:rPr lang="en-US" sz="700" dirty="0" err="1"/>
+                        <a:t>current_players</a:t>
                       </a:r>
                       <a:endParaRPr lang="ru-RU" sz="700" dirty="0"/>
                     </a:p>
@@ -3699,20 +3790,8 @@
                         <a:defRPr/>
                       </a:pPr>
                       <a:r>
-                        <a:rPr lang="en-US" sz="700" dirty="0"/>
-                        <a:t>,</a:t>
-                      </a:r>
-                      <a:r>
-                        <a:rPr lang="en-US" sz="700" dirty="0" err="1"/>
-                        <a:t>current_players</a:t>
-                      </a:r>
-                      <a:r>
-                        <a:rPr lang="en-US" sz="700" dirty="0"/>
-                        <a:t>=</a:t>
-                      </a:r>
-                      <a:r>
                         <a:rPr lang="ru-RU" sz="700" dirty="0"/>
-                        <a:t>10</a:t>
+                        <a:t>100</a:t>
                       </a:r>
                     </a:p>
                   </a:txBody>
@@ -3724,10 +3803,9 @@
                     <a:lstStyle/>
                     <a:p>
                       <a:r>
-                        <a:rPr lang="en-US" sz="700" dirty="0"/>
-                        <a:t>21</a:t>
+                        <a:rPr lang="ru-RU" sz="700" dirty="0"/>
+                        <a:t>3</a:t>
                       </a:r>
-                      <a:endParaRPr lang="ru-RU" sz="700" dirty="0"/>
                     </a:p>
                   </a:txBody>
                   <a:tcPr/>
@@ -3746,7 +3824,7 @@
                     <a:p>
                       <a:r>
                         <a:rPr lang="en-US" sz="700" dirty="0"/>
-                        <a:t>,max_players=</a:t>
+                        <a:t>max_players</a:t>
                       </a:r>
                       <a:endParaRPr lang="ru-RU" sz="700" dirty="0"/>
                     </a:p>
@@ -3776,12 +3854,8 @@
                         <a:defRPr/>
                       </a:pPr>
                       <a:r>
-                        <a:rPr lang="en-US" sz="700" dirty="0"/>
-                        <a:t>,max_players=</a:t>
-                      </a:r>
-                      <a:r>
                         <a:rPr lang="ru-RU" sz="700" dirty="0"/>
-                        <a:t>20</a:t>
+                        <a:t>150</a:t>
                       </a:r>
                     </a:p>
                   </a:txBody>
@@ -3793,10 +3867,9 @@
                     <a:lstStyle/>
                     <a:p>
                       <a:r>
-                        <a:rPr lang="en-US" sz="700" dirty="0"/>
-                        <a:t>18</a:t>
+                        <a:rPr lang="ru-RU" sz="700" dirty="0"/>
+                        <a:t>3</a:t>
                       </a:r>
-                      <a:endParaRPr lang="ru-RU" sz="700" dirty="0"/>
                     </a:p>
                   </a:txBody>
                   <a:tcPr/>
@@ -3815,7 +3888,7 @@
                     <a:p>
                       <a:r>
                         <a:rPr lang="en-US" sz="700" dirty="0"/>
-                        <a:t>,state=</a:t>
+                        <a:t>state</a:t>
                       </a:r>
                       <a:endParaRPr lang="ru-RU" sz="700" dirty="0"/>
                     </a:p>
@@ -3845,10 +3918,6 @@
                         <a:defRPr/>
                       </a:pPr>
                       <a:r>
-                        <a:rPr lang="en-US" sz="700" dirty="0"/>
-                        <a:t>,state=</a:t>
-                      </a:r>
-                      <a:r>
                         <a:rPr lang="en-US" sz="700" dirty="0">
                           <a:solidFill>
                             <a:schemeClr val="tx1"/>
@@ -3871,8 +3940,12 @@
                     <a:lstStyle/>
                     <a:p>
                       <a:r>
+                        <a:rPr lang="ru-RU" sz="700" dirty="0"/>
+                        <a:t>1</a:t>
+                      </a:r>
+                      <a:r>
                         <a:rPr lang="en-US" sz="700" dirty="0"/>
-                        <a:t>27</a:t>
+                        <a:t>7</a:t>
                       </a:r>
                       <a:endParaRPr lang="ru-RU" sz="700" dirty="0"/>
                     </a:p>
@@ -3904,7 +3977,7 @@
         <p:spPr>
           <a:xfrm>
             <a:off x="121569" y="2925504"/>
-            <a:ext cx="2390398" cy="215444"/>
+            <a:ext cx="2217274" cy="215444"/>
           </a:xfrm>
           <a:prstGeom prst="rect">
             <a:avLst/>
@@ -3927,7 +4000,7 @@
             </a:r>
             <a:r>
               <a:rPr lang="ru-RU" sz="800" dirty="0"/>
-              <a:t> 15 + 19 + 44 + 21 + 18 + 27 = 144 байта</a:t>
+              <a:t> 15 + 14 + 36 + 3 + 3 + 17 = 88 байт</a:t>
             </a:r>
           </a:p>
         </p:txBody>
@@ -3963,7 +4036,7 @@
             <a:pPr algn="ctr"/>
             <a:r>
               <a:rPr lang="ru-RU" sz="700" dirty="0"/>
-              <a:t>Рисунок 12. Представление команды в памяти</a:t>
+              <a:t>Рисунок 4. Представление команды в памяти</a:t>
             </a:r>
           </a:p>
           <a:p>
@@ -3989,8 +4062,8 @@
         </p:nvSpPr>
         <p:spPr>
           <a:xfrm>
-            <a:off x="470530" y="2617727"/>
-            <a:ext cx="2145139" cy="307777"/>
+            <a:off x="484959" y="2617727"/>
+            <a:ext cx="2116285" cy="307777"/>
           </a:xfrm>
           <a:prstGeom prst="rect">
             <a:avLst/>
@@ -4006,7 +4079,7 @@
             <a:pPr algn="ctr"/>
             <a:r>
               <a:rPr lang="ru-RU" sz="700" dirty="0"/>
-              <a:t>Рисунок 11. Представление команды в памяти</a:t>
+              <a:t>Таблица 3. Представление команды в памяти</a:t>
             </a:r>
           </a:p>
           <a:p>
@@ -4338,6 +4411,10 @@
               <a:rPr sz="900" spc="-10" dirty="0"/>
               <a:t>Описание</a:t>
             </a:r>
+            <a:r>
+              <a:rPr lang="ru-RU" sz="900" spc="-10" dirty="0"/>
+              <a:t> предметной области</a:t>
+            </a:r>
             <a:endParaRPr sz="900" dirty="0"/>
           </a:p>
         </p:txBody>
@@ -4417,6 +4494,10 @@
           </p:nvPr>
         </p:nvSpPr>
         <p:spPr>
+          <a:xfrm>
+            <a:off x="5331510" y="2800171"/>
+            <a:ext cx="253364" cy="99386"/>
+          </a:xfrm>
           <a:prstGeom prst="rect">
             <a:avLst/>
           </a:prstGeom>
@@ -4449,8 +4530,13 @@
             </a:r>
             <a:r>
               <a:rPr spc="-35" dirty="0"/>
-              <a:t>16</a:t>
-            </a:r>
+              <a:t>1</a:t>
+            </a:r>
+            <a:r>
+              <a:rPr lang="en-US" spc="-35" dirty="0"/>
+              <a:t>5</a:t>
+            </a:r>
+            <a:endParaRPr spc="-35" dirty="0"/>
           </a:p>
         </p:txBody>
       </p:sp>
@@ -4714,8 +4800,11 @@
           <a:lstStyle/>
           <a:p>
             <a:pPr marL="171450" indent="-171450">
+              <a:buClr>
+                <a:srgbClr val="006CDC"/>
+              </a:buClr>
               <a:buFont typeface="Wingdings" panose="05000000000000000000" pitchFamily="2" charset="2"/>
-              <a:buChar char="Ø"/>
+              <a:buChar char="§"/>
             </a:pPr>
             <a:r>
               <a:rPr lang="ru-RU" sz="700" dirty="0"/>
@@ -4728,8 +4817,11 @@
           </a:p>
           <a:p>
             <a:pPr marL="171450" indent="-171450">
+              <a:buClr>
+                <a:srgbClr val="006CDC"/>
+              </a:buClr>
               <a:buFont typeface="Wingdings" panose="05000000000000000000" pitchFamily="2" charset="2"/>
-              <a:buChar char="Ø"/>
+              <a:buChar char="§"/>
             </a:pPr>
             <a:r>
               <a:rPr lang="ru-RU" sz="700" dirty="0"/>
@@ -4810,8 +4902,11 @@
               <a:lnSpc>
                 <a:spcPct val="150000"/>
               </a:lnSpc>
+              <a:buClr>
+                <a:srgbClr val="006CDC"/>
+              </a:buClr>
               <a:buFont typeface="Wingdings" panose="05000000000000000000" pitchFamily="2" charset="2"/>
-              <a:buChar char="Ø"/>
+              <a:buChar char="§"/>
             </a:pPr>
             <a:r>
               <a:rPr lang="ru-RU" sz="700" dirty="0"/>
@@ -4828,8 +4923,11 @@
               <a:lnSpc>
                 <a:spcPct val="150000"/>
               </a:lnSpc>
+              <a:buClr>
+                <a:srgbClr val="006CDC"/>
+              </a:buClr>
               <a:buFont typeface="Wingdings" panose="05000000000000000000" pitchFamily="2" charset="2"/>
-              <a:buChar char="Ø"/>
+              <a:buChar char="§"/>
             </a:pPr>
             <a:r>
               <a:rPr lang="ru-RU" sz="700" dirty="0"/>
@@ -4875,8 +4973,11 @@
               <a:lnSpc>
                 <a:spcPct val="150000"/>
               </a:lnSpc>
+              <a:buClr>
+                <a:srgbClr val="006CDC"/>
+              </a:buClr>
               <a:buFont typeface="Wingdings" panose="05000000000000000000" pitchFamily="2" charset="2"/>
-              <a:buChar char="Ø"/>
+              <a:buChar char="§"/>
             </a:pPr>
             <a:r>
               <a:rPr lang="ru-RU" sz="700" dirty="0"/>
@@ -4900,8 +5001,11 @@
               <a:lnSpc>
                 <a:spcPct val="150000"/>
               </a:lnSpc>
+              <a:buClr>
+                <a:srgbClr val="006CDC"/>
+              </a:buClr>
               <a:buFont typeface="Wingdings" panose="05000000000000000000" pitchFamily="2" charset="2"/>
-              <a:buChar char="Ø"/>
+              <a:buChar char="§"/>
             </a:pPr>
             <a:r>
               <a:rPr lang="ru-RU" sz="700" dirty="0"/>
@@ -5062,8 +5166,11 @@
               <a:lnSpc>
                 <a:spcPct val="150000"/>
               </a:lnSpc>
+              <a:buClr>
+                <a:srgbClr val="006CDC"/>
+              </a:buClr>
               <a:buFont typeface="Wingdings" panose="05000000000000000000" pitchFamily="2" charset="2"/>
-              <a:buChar char="Ø"/>
+              <a:buChar char="§"/>
             </a:pPr>
             <a:r>
               <a:rPr lang="ru-RU" sz="700" dirty="0"/>
@@ -5360,6 +5467,10 @@
           </p:nvPr>
         </p:nvSpPr>
         <p:spPr>
+          <a:xfrm>
+            <a:off x="5331510" y="2800171"/>
+            <a:ext cx="253364" cy="99386"/>
+          </a:xfrm>
           <a:prstGeom prst="rect">
             <a:avLst/>
           </a:prstGeom>
@@ -5392,8 +5503,13 @@
             </a:r>
             <a:r>
               <a:rPr spc="-35" dirty="0"/>
-              <a:t>16</a:t>
-            </a:r>
+              <a:t>1</a:t>
+            </a:r>
+            <a:r>
+              <a:rPr lang="en-US" spc="-35" dirty="0"/>
+              <a:t>5</a:t>
+            </a:r>
+            <a:endParaRPr spc="-35" dirty="0"/>
           </a:p>
         </p:txBody>
       </p:sp>
@@ -5489,7 +5605,7 @@
               <a:p>
                 <a:r>
                   <a:rPr lang="ru-RU" sz="800" dirty="0"/>
-                  <a:t>Рисунок 11 </a:t>
+                  <a:t>Рисунок 5 </a:t>
                 </a:r>
                 <a14:m>
                   <m:oMath xmlns:m="http://schemas.openxmlformats.org/officeDocument/2006/math">
@@ -5593,7 +5709,7 @@
                 <a:pPr algn="ctr"/>
                 <a:r>
                   <a:rPr lang="ru-RU" sz="800" dirty="0"/>
-                  <a:t>Рисунок 12 </a:t>
+                  <a:t>Рисунок 6 </a:t>
                 </a:r>
                 <a14:m>
                   <m:oMath xmlns:m="http://schemas.openxmlformats.org/officeDocument/2006/math">
@@ -5696,6 +5812,46 @@
       <p:sp>
         <p:nvSpPr>
           <p:cNvPr id="2" name="object 2"/>
+          <p:cNvSpPr txBox="1"/>
+          <p:nvPr/>
+        </p:nvSpPr>
+        <p:spPr>
+          <a:xfrm rot="10800000">
+            <a:off x="237383" y="316589"/>
+            <a:ext cx="127791" cy="114300"/>
+          </a:xfrm>
+          <a:prstGeom prst="rect">
+            <a:avLst/>
+          </a:prstGeom>
+        </p:spPr>
+        <p:txBody>
+          <a:bodyPr vert="horz" wrap="square" lIns="0" tIns="0" rIns="0" bIns="0" rtlCol="0">
+            <a:spAutoFit/>
+          </a:bodyPr>
+          <a:lstStyle/>
+          <a:p>
+            <a:pPr>
+              <a:lnSpc>
+                <a:spcPts val="890"/>
+              </a:lnSpc>
+            </a:pPr>
+            <a:r>
+              <a:rPr sz="900" spc="-120" dirty="0">
+                <a:latin typeface="Cambria"/>
+                <a:cs typeface="Cambria"/>
+              </a:rPr>
+              <a:t>↰</a:t>
+            </a:r>
+            <a:endParaRPr sz="900">
+              <a:latin typeface="Cambria"/>
+              <a:cs typeface="Cambria"/>
+            </a:endParaRPr>
+          </a:p>
+        </p:txBody>
+      </p:sp>
+      <p:sp>
+        <p:nvSpPr>
+          <p:cNvPr id="3" name="object 3"/>
           <p:cNvSpPr txBox="1">
             <a:spLocks noGrp="1"/>
           </p:cNvSpPr>
@@ -5704,6 +5860,10 @@
           </p:nvPr>
         </p:nvSpPr>
         <p:spPr>
+          <a:xfrm>
+            <a:off x="203300" y="154913"/>
+            <a:ext cx="3898800" cy="310534"/>
+          </a:xfrm>
           <a:prstGeom prst="rect">
             <a:avLst/>
           </a:prstGeom>
@@ -5716,34 +5876,35 @@
           <a:p>
             <a:pPr marL="12700">
               <a:lnSpc>
-                <a:spcPct val="100000"/>
+                <a:spcPts val="1305"/>
               </a:lnSpc>
               <a:spcBef>
                 <a:spcPts val="90"/>
               </a:spcBef>
             </a:pPr>
             <a:r>
-              <a:rPr spc="-55" dirty="0"/>
-              <a:t>Выводы</a:t>
-            </a:r>
-            <a:r>
-              <a:rPr spc="-50" dirty="0"/>
-              <a:t> и</a:t>
-            </a:r>
-            <a:r>
-              <a:rPr spc="-45" dirty="0"/>
-              <a:t> </a:t>
-            </a:r>
-            <a:r>
-              <a:rPr spc="-55" dirty="0"/>
-              <a:t>заключение</a:t>
-            </a:r>
-          </a:p>
-        </p:txBody>
-      </p:sp>
-      <p:sp>
-        <p:nvSpPr>
-          <p:cNvPr id="3" name="object 3"/>
+              <a:rPr lang="ru-RU" dirty="0"/>
+              <a:t>Ограничение доступа к запуску выделенных серверов</a:t>
+            </a:r>
+            <a:endParaRPr lang="ru-RU" spc="-10" dirty="0"/>
+          </a:p>
+          <a:p>
+            <a:pPr marL="154305">
+              <a:lnSpc>
+                <a:spcPts val="1065"/>
+              </a:lnSpc>
+            </a:pPr>
+            <a:r>
+              <a:rPr lang="ru-RU" sz="900" spc="-50" dirty="0"/>
+              <a:t>Компромисс между безопасностью, удобством и контролем ресурсов</a:t>
+            </a:r>
+            <a:endParaRPr lang="ru-RU" sz="900" dirty="0"/>
+          </a:p>
+        </p:txBody>
+      </p:sp>
+      <p:sp>
+        <p:nvSpPr>
+          <p:cNvPr id="4" name="object 4"/>
           <p:cNvSpPr/>
           <p:nvPr/>
         </p:nvSpPr>
@@ -5785,12 +5946,12 @@
       </p:sp>
       <p:pic>
         <p:nvPicPr>
-          <p:cNvPr id="4" name="object 4"/>
+          <p:cNvPr id="5" name="object 5"/>
           <p:cNvPicPr/>
           <p:nvPr/>
         </p:nvPicPr>
         <p:blipFill>
-          <a:blip r:embed="rId2" cstate="print"/>
+          <a:blip r:embed="rId3" cstate="print"/>
           <a:stretch>
             <a:fillRect/>
           </a:stretch>
@@ -5807,137 +5968,7 @@
       </p:pic>
       <p:sp>
         <p:nvSpPr>
-          <p:cNvPr id="5" name="object 5"/>
-          <p:cNvSpPr txBox="1">
-            <a:spLocks noGrp="1"/>
-          </p:cNvSpPr>
-          <p:nvPr>
-            <p:ph type="body" idx="1"/>
-          </p:nvPr>
-        </p:nvSpPr>
-        <p:spPr>
-          <a:xfrm>
-            <a:off x="230631" y="753821"/>
-            <a:ext cx="4859655" cy="1737207"/>
-          </a:xfrm>
-          <a:prstGeom prst="rect">
-            <a:avLst/>
-          </a:prstGeom>
-        </p:spPr>
-        <p:txBody>
-          <a:bodyPr vert="horz" wrap="square" lIns="0" tIns="10795" rIns="0" bIns="0" rtlCol="0">
-            <a:spAutoFit/>
-          </a:bodyPr>
-          <a:lstStyle/>
-          <a:p>
-            <a:pPr marL="186055" marR="5080" indent="-115570">
-              <a:lnSpc>
-                <a:spcPct val="150000"/>
-              </a:lnSpc>
-              <a:spcBef>
-                <a:spcPts val="85"/>
-              </a:spcBef>
-              <a:buClr>
-                <a:srgbClr val="006CDC"/>
-              </a:buClr>
-              <a:buFont typeface="Cambria"/>
-              <a:buChar char="•"/>
-              <a:tabLst>
-                <a:tab pos="186055" algn="l"/>
-              </a:tabLst>
-            </a:pPr>
-            <a:r>
-              <a:rPr lang="ru-RU" dirty="0"/>
-              <a:t>Разработанная архитектура позволила реализовать управляемую и легко расширяемую систему для масштабируемого запуска UE-серверов</a:t>
-            </a:r>
-            <a:r>
-              <a:rPr lang="en-US" dirty="0"/>
-              <a:t>;</a:t>
-            </a:r>
-            <a:endParaRPr lang="ru-RU" spc="-50" dirty="0"/>
-          </a:p>
-          <a:p>
-            <a:pPr marL="186055" marR="5080" indent="-115570">
-              <a:lnSpc>
-                <a:spcPct val="150000"/>
-              </a:lnSpc>
-              <a:spcBef>
-                <a:spcPts val="85"/>
-              </a:spcBef>
-              <a:buClr>
-                <a:srgbClr val="006CDC"/>
-              </a:buClr>
-              <a:buFont typeface="Cambria"/>
-              <a:buChar char="•"/>
-              <a:tabLst>
-                <a:tab pos="186055" algn="l"/>
-              </a:tabLst>
-            </a:pPr>
-            <a:r>
-              <a:rPr lang="ru-RU" spc="-60" dirty="0"/>
-              <a:t>Проведенные исследования в ходе работы позволили существенно уменьшить накладные расходы и улучшить производительность системы</a:t>
-            </a:r>
-            <a:r>
-              <a:rPr lang="en-US" spc="-60" dirty="0"/>
-              <a:t>;</a:t>
-            </a:r>
-            <a:endParaRPr spc="-25" dirty="0"/>
-          </a:p>
-          <a:p>
-            <a:pPr marL="186690" indent="-115570">
-              <a:lnSpc>
-                <a:spcPct val="150000"/>
-              </a:lnSpc>
-              <a:spcBef>
-                <a:spcPts val="309"/>
-              </a:spcBef>
-              <a:buClr>
-                <a:srgbClr val="006CDC"/>
-              </a:buClr>
-              <a:buFont typeface="Cambria"/>
-              <a:buChar char="•"/>
-              <a:tabLst>
-                <a:tab pos="186690" algn="l"/>
-              </a:tabLst>
-            </a:pPr>
-            <a:r>
-              <a:rPr lang="ru-RU" spc="-45" dirty="0"/>
-              <a:t>Выбранный подход в проектировании архитектуры системы позволил улучшить прозрачность разработанной системы</a:t>
-            </a:r>
-            <a:r>
-              <a:rPr lang="en-US" spc="-45" dirty="0"/>
-              <a:t>;</a:t>
-            </a:r>
-            <a:endParaRPr spc="-25" dirty="0"/>
-          </a:p>
-          <a:p>
-            <a:pPr marL="186690" indent="-115570">
-              <a:lnSpc>
-                <a:spcPct val="150000"/>
-              </a:lnSpc>
-              <a:spcBef>
-                <a:spcPts val="309"/>
-              </a:spcBef>
-              <a:buClr>
-                <a:srgbClr val="006CDC"/>
-              </a:buClr>
-              <a:buFont typeface="Cambria"/>
-              <a:buChar char="•"/>
-              <a:tabLst>
-                <a:tab pos="186690" algn="l"/>
-              </a:tabLst>
-            </a:pPr>
-            <a:r>
-              <a:rPr lang="ru-RU" spc="-60" dirty="0"/>
-              <a:t>Выбранное распределение компонентов по узлам позволило изолировать управляющий уровень от вычислительного, тем самым повысив надежность системы.</a:t>
-            </a:r>
-            <a:endParaRPr lang="ru-RU" spc="-25" dirty="0"/>
-          </a:p>
-        </p:txBody>
-      </p:sp>
-      <p:sp>
-        <p:nvSpPr>
-          <p:cNvPr id="6" name="object 6"/>
+          <p:cNvPr id="29" name="object 29"/>
           <p:cNvSpPr txBox="1">
             <a:spLocks noGrp="1"/>
           </p:cNvSpPr>
@@ -5946,6 +5977,10 @@
           </p:nvPr>
         </p:nvSpPr>
         <p:spPr>
+          <a:xfrm>
+            <a:off x="5331510" y="2800171"/>
+            <a:ext cx="253364" cy="99386"/>
+          </a:xfrm>
           <a:prstGeom prst="rect">
             <a:avLst/>
           </a:prstGeom>
@@ -5978,8 +6013,728 @@
             </a:r>
             <a:r>
               <a:rPr spc="-35" dirty="0"/>
-              <a:t>16</a:t>
-            </a:r>
+              <a:t>1</a:t>
+            </a:r>
+            <a:r>
+              <a:rPr lang="en-US" spc="-35" dirty="0"/>
+              <a:t>5</a:t>
+            </a:r>
+            <a:endParaRPr spc="-35" dirty="0"/>
+          </a:p>
+        </p:txBody>
+      </p:sp>
+      <p:sp>
+        <p:nvSpPr>
+          <p:cNvPr id="6" name="TextBox 5">
+            <a:extLst>
+              <a:ext uri="{FF2B5EF4-FFF2-40B4-BE49-F238E27FC236}">
+                <a16:creationId xmlns:a16="http://schemas.microsoft.com/office/drawing/2014/main" id="{09C1259F-A302-460C-9824-3BB694CDBE74}"/>
+              </a:ext>
+            </a:extLst>
+          </p:cNvPr>
+          <p:cNvSpPr txBox="1"/>
+          <p:nvPr/>
+        </p:nvSpPr>
+        <p:spPr>
+          <a:xfrm>
+            <a:off x="193400" y="1212439"/>
+            <a:ext cx="2569318" cy="954107"/>
+          </a:xfrm>
+          <a:prstGeom prst="rect">
+            <a:avLst/>
+          </a:prstGeom>
+          <a:noFill/>
+        </p:spPr>
+        <p:txBody>
+          <a:bodyPr wrap="square" rtlCol="0">
+            <a:spAutoFit/>
+          </a:bodyPr>
+          <a:lstStyle/>
+          <a:p>
+            <a:pPr marL="171450" indent="-171450">
+              <a:buClr>
+                <a:srgbClr val="006CDC"/>
+              </a:buClr>
+              <a:buFont typeface="Wingdings" panose="05000000000000000000" pitchFamily="2" charset="2"/>
+              <a:buChar char="§"/>
+            </a:pPr>
+            <a:r>
+              <a:rPr lang="ru-RU" sz="800" dirty="0"/>
+              <a:t>Жесткие ограничения доступа могут ухудшать пользовательский опыт работы с приложением</a:t>
+            </a:r>
+            <a:r>
+              <a:rPr lang="en-US" sz="800" dirty="0"/>
+              <a:t>;</a:t>
+            </a:r>
+            <a:endParaRPr lang="ru-RU" sz="800" dirty="0"/>
+          </a:p>
+          <a:p>
+            <a:pPr marL="171450" indent="-171450">
+              <a:buClr>
+                <a:srgbClr val="006CDC"/>
+              </a:buClr>
+              <a:buFont typeface="Wingdings" panose="05000000000000000000" pitchFamily="2" charset="2"/>
+              <a:buChar char="§"/>
+            </a:pPr>
+            <a:endParaRPr lang="en-US" sz="800" dirty="0"/>
+          </a:p>
+          <a:p>
+            <a:pPr marL="171450" indent="-171450">
+              <a:buClr>
+                <a:srgbClr val="006CDC"/>
+              </a:buClr>
+              <a:buFont typeface="Wingdings" panose="05000000000000000000" pitchFamily="2" charset="2"/>
+              <a:buChar char="§"/>
+            </a:pPr>
+            <a:r>
+              <a:rPr lang="ru-RU" sz="800" dirty="0"/>
+              <a:t>Запуск выделенного сервера стоит ресурсов, необходима контролируемая система допуска.</a:t>
+            </a:r>
+          </a:p>
+        </p:txBody>
+      </p:sp>
+      <p:sp>
+        <p:nvSpPr>
+          <p:cNvPr id="7" name="TextBox 6">
+            <a:extLst>
+              <a:ext uri="{FF2B5EF4-FFF2-40B4-BE49-F238E27FC236}">
+                <a16:creationId xmlns:a16="http://schemas.microsoft.com/office/drawing/2014/main" id="{B066D928-F71C-42FD-9BFA-9EEA2D021405}"/>
+              </a:ext>
+            </a:extLst>
+          </p:cNvPr>
+          <p:cNvSpPr txBox="1"/>
+          <p:nvPr/>
+        </p:nvSpPr>
+        <p:spPr>
+          <a:xfrm>
+            <a:off x="3416300" y="981607"/>
+            <a:ext cx="1367682" cy="230832"/>
+          </a:xfrm>
+          <a:prstGeom prst="rect">
+            <a:avLst/>
+          </a:prstGeom>
+          <a:noFill/>
+        </p:spPr>
+        <p:txBody>
+          <a:bodyPr wrap="none" rtlCol="0">
+            <a:spAutoFit/>
+          </a:bodyPr>
+          <a:lstStyle/>
+          <a:p>
+            <a:r>
+              <a:rPr lang="ru-RU" sz="900" b="1" i="1" dirty="0"/>
+              <a:t>Решение в проекте</a:t>
+            </a:r>
+            <a:r>
+              <a:rPr lang="en-US" sz="900" b="1" i="1" dirty="0"/>
+              <a:t>:</a:t>
+            </a:r>
+            <a:endParaRPr lang="ru-RU" sz="900" b="1" i="1" dirty="0"/>
+          </a:p>
+        </p:txBody>
+      </p:sp>
+      <p:sp>
+        <p:nvSpPr>
+          <p:cNvPr id="8" name="TextBox 7">
+            <a:extLst>
+              <a:ext uri="{FF2B5EF4-FFF2-40B4-BE49-F238E27FC236}">
+                <a16:creationId xmlns:a16="http://schemas.microsoft.com/office/drawing/2014/main" id="{A34764B6-17D5-4172-8DAE-87890DBE8809}"/>
+              </a:ext>
+            </a:extLst>
+          </p:cNvPr>
+          <p:cNvSpPr txBox="1"/>
+          <p:nvPr/>
+        </p:nvSpPr>
+        <p:spPr>
+          <a:xfrm>
+            <a:off x="2730500" y="1212439"/>
+            <a:ext cx="2981367" cy="1077218"/>
+          </a:xfrm>
+          <a:prstGeom prst="rect">
+            <a:avLst/>
+          </a:prstGeom>
+          <a:noFill/>
+        </p:spPr>
+        <p:txBody>
+          <a:bodyPr wrap="square" rtlCol="0">
+            <a:spAutoFit/>
+          </a:bodyPr>
+          <a:lstStyle/>
+          <a:p>
+            <a:pPr marL="171450" indent="-171450">
+              <a:buClr>
+                <a:srgbClr val="006CDC"/>
+              </a:buClr>
+              <a:buFont typeface="Wingdings" panose="05000000000000000000" pitchFamily="2" charset="2"/>
+              <a:buChar char="ü"/>
+            </a:pPr>
+            <a:r>
+              <a:rPr lang="ru-RU" sz="800" dirty="0"/>
+              <a:t>Проверка</a:t>
+            </a:r>
+            <a:r>
+              <a:rPr lang="en-US" sz="800" dirty="0"/>
+              <a:t>/</a:t>
+            </a:r>
+            <a:r>
+              <a:rPr lang="ru-RU" sz="800" dirty="0"/>
+              <a:t>приобретение доступа осуществляется</a:t>
+            </a:r>
+            <a:br>
+              <a:rPr lang="ru-RU" sz="800" dirty="0"/>
+            </a:br>
+            <a:r>
+              <a:rPr lang="ru-RU" sz="800" dirty="0"/>
+              <a:t>через подсистему </a:t>
+            </a:r>
+            <a:r>
+              <a:rPr lang="en-US" sz="800" dirty="0"/>
+              <a:t>EOS;</a:t>
+            </a:r>
+            <a:endParaRPr lang="ru-RU" sz="800" dirty="0"/>
+          </a:p>
+          <a:p>
+            <a:pPr marL="171450" indent="-171450">
+              <a:buClr>
+                <a:srgbClr val="006CDC"/>
+              </a:buClr>
+              <a:buFont typeface="Wingdings" panose="05000000000000000000" pitchFamily="2" charset="2"/>
+              <a:buChar char="ü"/>
+            </a:pPr>
+            <a:endParaRPr lang="en-US" sz="800" dirty="0"/>
+          </a:p>
+          <a:p>
+            <a:pPr marL="171450" indent="-171450">
+              <a:buClr>
+                <a:srgbClr val="006CDC"/>
+              </a:buClr>
+              <a:buFont typeface="Wingdings" panose="05000000000000000000" pitchFamily="2" charset="2"/>
+              <a:buChar char="ü"/>
+            </a:pPr>
+            <a:r>
+              <a:rPr lang="ru-RU" sz="800" dirty="0"/>
+              <a:t>Данные о покупке кэшируется на клиенте в</a:t>
+            </a:r>
+            <a:br>
+              <a:rPr lang="ru-RU" sz="800" dirty="0"/>
+            </a:br>
+            <a:r>
+              <a:rPr lang="ru-RU" sz="800" dirty="0"/>
+              <a:t>зашифрованном виде</a:t>
+            </a:r>
+            <a:r>
+              <a:rPr lang="en-US" sz="800" dirty="0"/>
+              <a:t>;</a:t>
+            </a:r>
+            <a:endParaRPr lang="ru-RU" sz="800" dirty="0"/>
+          </a:p>
+          <a:p>
+            <a:pPr marL="171450" indent="-171450">
+              <a:buClr>
+                <a:srgbClr val="006CDC"/>
+              </a:buClr>
+              <a:buFont typeface="Wingdings" panose="05000000000000000000" pitchFamily="2" charset="2"/>
+              <a:buChar char="ü"/>
+            </a:pPr>
+            <a:endParaRPr lang="en-US" sz="800" dirty="0"/>
+          </a:p>
+          <a:p>
+            <a:pPr marL="171450" indent="-171450">
+              <a:buClr>
+                <a:srgbClr val="006CDC"/>
+              </a:buClr>
+              <a:buFont typeface="Wingdings" panose="05000000000000000000" pitchFamily="2" charset="2"/>
+              <a:buChar char="ü"/>
+            </a:pPr>
+            <a:r>
+              <a:rPr lang="ru-RU" sz="800" dirty="0"/>
+              <a:t>Пользователь может запускать матч в автономном</a:t>
+            </a:r>
+            <a:br>
+              <a:rPr lang="ru-RU" sz="800" dirty="0"/>
+            </a:br>
+            <a:r>
+              <a:rPr lang="ru-RU" sz="800" dirty="0"/>
+              <a:t>режиме</a:t>
+            </a:r>
+            <a:r>
+              <a:rPr lang="en-US" sz="800" dirty="0"/>
+              <a:t> </a:t>
+            </a:r>
+            <a:r>
+              <a:rPr lang="ru-RU" sz="800" dirty="0"/>
+              <a:t>без подключения к сети</a:t>
+            </a:r>
+            <a:r>
+              <a:rPr lang="en-US" sz="800" dirty="0"/>
+              <a:t>;</a:t>
+            </a:r>
+            <a:r>
+              <a:rPr lang="ru-RU" sz="800" dirty="0"/>
+              <a:t> </a:t>
+            </a:r>
+          </a:p>
+        </p:txBody>
+      </p:sp>
+      <p:sp>
+        <p:nvSpPr>
+          <p:cNvPr id="9" name="TextBox 8">
+            <a:extLst>
+              <a:ext uri="{FF2B5EF4-FFF2-40B4-BE49-F238E27FC236}">
+                <a16:creationId xmlns:a16="http://schemas.microsoft.com/office/drawing/2014/main" id="{EEF8CFB8-BAE2-40D3-AE3F-482AF3B8D924}"/>
+              </a:ext>
+            </a:extLst>
+          </p:cNvPr>
+          <p:cNvSpPr txBox="1"/>
+          <p:nvPr/>
+        </p:nvSpPr>
+        <p:spPr>
+          <a:xfrm>
+            <a:off x="301278" y="623791"/>
+            <a:ext cx="5038559" cy="215444"/>
+          </a:xfrm>
+          <a:prstGeom prst="rect">
+            <a:avLst/>
+          </a:prstGeom>
+          <a:noFill/>
+        </p:spPr>
+        <p:txBody>
+          <a:bodyPr wrap="none" rtlCol="0">
+            <a:spAutoFit/>
+          </a:bodyPr>
+          <a:lstStyle/>
+          <a:p>
+            <a:r>
+              <a:rPr lang="ru-RU" sz="800" dirty="0">
+                <a:solidFill>
+                  <a:schemeClr val="bg1">
+                    <a:lumMod val="50000"/>
+                  </a:schemeClr>
+                </a:solidFill>
+              </a:rPr>
+              <a:t>В современных системах пользовательский опыт становится не менее важным, чем защита данных.</a:t>
+            </a:r>
+          </a:p>
+        </p:txBody>
+      </p:sp>
+      <p:pic>
+        <p:nvPicPr>
+          <p:cNvPr id="15" name="Объект 15" descr="Информация">
+            <a:extLst>
+              <a:ext uri="{FF2B5EF4-FFF2-40B4-BE49-F238E27FC236}">
+                <a16:creationId xmlns:a16="http://schemas.microsoft.com/office/drawing/2014/main" id="{C2A4C9B4-FD93-4543-83F4-040C2D78FA9F}"/>
+              </a:ext>
+            </a:extLst>
+          </p:cNvPr>
+          <p:cNvPicPr>
+            <a:picLocks noChangeAspect="1"/>
+          </p:cNvPicPr>
+          <p:nvPr/>
+        </p:nvPicPr>
+        <p:blipFill>
+          <a:blip r:embed="rId4" cstate="print">
+            <a:extLst>
+              <a:ext uri="{28A0092B-C50C-407E-A947-70E740481C1C}">
+                <a14:useLocalDpi xmlns:a14="http://schemas.microsoft.com/office/drawing/2010/main" val="0"/>
+              </a:ext>
+              <a:ext uri="{96DAC541-7B7A-43D3-8B79-37D633B846F1}">
+                <asvg:svgBlip xmlns:asvg="http://schemas.microsoft.com/office/drawing/2016/SVG/main" r:embed="rId5"/>
+              </a:ext>
+            </a:extLst>
+          </a:blip>
+          <a:stretch>
+            <a:fillRect/>
+          </a:stretch>
+        </p:blipFill>
+        <p:spPr bwMode="auto">
+          <a:xfrm>
+            <a:off x="198564" y="653927"/>
+            <a:ext cx="144469" cy="144469"/>
+          </a:xfrm>
+          <a:prstGeom prst="rect">
+            <a:avLst/>
+          </a:prstGeom>
+          <a:noFill/>
+          <a:extLst>
+            <a:ext uri="{909E8E84-426E-40DD-AFC4-6F175D3DCCD1}">
+              <a14:hiddenFill xmlns:a14="http://schemas.microsoft.com/office/drawing/2010/main">
+                <a:solidFill>
+                  <a:srgbClr val="FFFFFF"/>
+                </a:solidFill>
+              </a14:hiddenFill>
+            </a:ext>
+          </a:extLst>
+        </p:spPr>
+      </p:pic>
+      <p:sp>
+        <p:nvSpPr>
+          <p:cNvPr id="16" name="TextBox 15">
+            <a:extLst>
+              <a:ext uri="{FF2B5EF4-FFF2-40B4-BE49-F238E27FC236}">
+                <a16:creationId xmlns:a16="http://schemas.microsoft.com/office/drawing/2014/main" id="{C86F1B2D-AC8D-46CD-8142-E4FF1EC2554C}"/>
+              </a:ext>
+            </a:extLst>
+          </p:cNvPr>
+          <p:cNvSpPr txBox="1"/>
+          <p:nvPr/>
+        </p:nvSpPr>
+        <p:spPr>
+          <a:xfrm>
+            <a:off x="1058713" y="981607"/>
+            <a:ext cx="838691" cy="230832"/>
+          </a:xfrm>
+          <a:prstGeom prst="rect">
+            <a:avLst/>
+          </a:prstGeom>
+          <a:noFill/>
+        </p:spPr>
+        <p:txBody>
+          <a:bodyPr wrap="none" rtlCol="0">
+            <a:spAutoFit/>
+          </a:bodyPr>
+          <a:lstStyle/>
+          <a:p>
+            <a:r>
+              <a:rPr lang="ru-RU" sz="900" b="1" i="1" dirty="0"/>
+              <a:t>Проблемы</a:t>
+            </a:r>
+            <a:r>
+              <a:rPr lang="en-US" sz="900" b="1" i="1" dirty="0"/>
+              <a:t>:</a:t>
+            </a:r>
+            <a:endParaRPr lang="ru-RU" sz="900" b="1" i="1" dirty="0"/>
+          </a:p>
+        </p:txBody>
+      </p:sp>
+    </p:spTree>
+    <p:extLst>
+      <p:ext uri="{BB962C8B-B14F-4D97-AF65-F5344CB8AC3E}">
+        <p14:creationId xmlns:p14="http://schemas.microsoft.com/office/powerpoint/2010/main" val="1094822161"/>
+      </p:ext>
+    </p:extLst>
+  </p:cSld>
+  <p:clrMapOvr>
+    <a:masterClrMapping/>
+  </p:clrMapOvr>
+  <p:transition>
+    <p:cut/>
+  </p:transition>
+</p:sld>
+</file>
+
+<file path=ppt/slides/slide14.xml><?xml version="1.0" encoding="utf-8"?>
+<p:sld xmlns:a="http://schemas.openxmlformats.org/drawingml/2006/main" xmlns:r="http://schemas.openxmlformats.org/officeDocument/2006/relationships" xmlns:p="http://schemas.openxmlformats.org/presentationml/2006/main">
+  <p:cSld>
+    <p:spTree>
+      <p:nvGrpSpPr>
+        <p:cNvPr id="1" name=""/>
+        <p:cNvGrpSpPr/>
+        <p:nvPr/>
+      </p:nvGrpSpPr>
+      <p:grpSpPr>
+        <a:xfrm>
+          <a:off x="0" y="0"/>
+          <a:ext cx="0" cy="0"/>
+          <a:chOff x="0" y="0"/>
+          <a:chExt cx="0" cy="0"/>
+        </a:xfrm>
+      </p:grpSpPr>
+      <p:sp>
+        <p:nvSpPr>
+          <p:cNvPr id="2" name="object 2"/>
+          <p:cNvSpPr txBox="1">
+            <a:spLocks noGrp="1"/>
+          </p:cNvSpPr>
+          <p:nvPr>
+            <p:ph type="title"/>
+          </p:nvPr>
+        </p:nvSpPr>
+        <p:spPr>
+          <a:prstGeom prst="rect">
+            <a:avLst/>
+          </a:prstGeom>
+        </p:spPr>
+        <p:txBody>
+          <a:bodyPr vert="horz" wrap="square" lIns="0" tIns="11430" rIns="0" bIns="0" rtlCol="0">
+            <a:spAutoFit/>
+          </a:bodyPr>
+          <a:lstStyle/>
+          <a:p>
+            <a:pPr marL="12700">
+              <a:lnSpc>
+                <a:spcPct val="100000"/>
+              </a:lnSpc>
+              <a:spcBef>
+                <a:spcPts val="90"/>
+              </a:spcBef>
+            </a:pPr>
+            <a:r>
+              <a:rPr spc="-55" dirty="0"/>
+              <a:t>Выводы</a:t>
+            </a:r>
+            <a:r>
+              <a:rPr spc="-50" dirty="0"/>
+              <a:t> и</a:t>
+            </a:r>
+            <a:r>
+              <a:rPr spc="-45" dirty="0"/>
+              <a:t> </a:t>
+            </a:r>
+            <a:r>
+              <a:rPr spc="-55" dirty="0"/>
+              <a:t>заключение</a:t>
+            </a:r>
+          </a:p>
+        </p:txBody>
+      </p:sp>
+      <p:sp>
+        <p:nvSpPr>
+          <p:cNvPr id="3" name="object 3"/>
+          <p:cNvSpPr/>
+          <p:nvPr/>
+        </p:nvSpPr>
+        <p:spPr>
+          <a:xfrm>
+            <a:off x="198564" y="524535"/>
+            <a:ext cx="4923790" cy="0"/>
+          </a:xfrm>
+          <a:custGeom>
+            <a:avLst/>
+            <a:gdLst/>
+            <a:ahLst/>
+            <a:cxnLst/>
+            <a:rect l="l" t="t" r="r" b="b"/>
+            <a:pathLst>
+              <a:path w="4923790">
+                <a:moveTo>
+                  <a:pt x="0" y="0"/>
+                </a:moveTo>
+                <a:lnTo>
+                  <a:pt x="4923726" y="0"/>
+                </a:lnTo>
+              </a:path>
+            </a:pathLst>
+          </a:custGeom>
+          <a:ln w="25304">
+            <a:solidFill>
+              <a:srgbClr val="006CDC"/>
+            </a:solidFill>
+          </a:ln>
+        </p:spPr>
+        <p:txBody>
+          <a:bodyPr wrap="square" lIns="0" tIns="0" rIns="0" bIns="0" rtlCol="0"/>
+          <a:lstStyle/>
+          <a:p>
+            <a:endParaRPr/>
+          </a:p>
+        </p:txBody>
+      </p:sp>
+      <p:pic>
+        <p:nvPicPr>
+          <p:cNvPr id="4" name="object 4"/>
+          <p:cNvPicPr/>
+          <p:nvPr/>
+        </p:nvPicPr>
+        <p:blipFill>
+          <a:blip r:embed="rId2" cstate="print"/>
+          <a:stretch>
+            <a:fillRect/>
+          </a:stretch>
+        </p:blipFill>
+        <p:spPr>
+          <a:xfrm>
+            <a:off x="5272363" y="83480"/>
+            <a:ext cx="369463" cy="436200"/>
+          </a:xfrm>
+          <a:prstGeom prst="rect">
+            <a:avLst/>
+          </a:prstGeom>
+        </p:spPr>
+      </p:pic>
+      <p:sp>
+        <p:nvSpPr>
+          <p:cNvPr id="5" name="object 5"/>
+          <p:cNvSpPr txBox="1">
+            <a:spLocks noGrp="1"/>
+          </p:cNvSpPr>
+          <p:nvPr>
+            <p:ph type="body" idx="1"/>
+          </p:nvPr>
+        </p:nvSpPr>
+        <p:spPr>
+          <a:xfrm>
+            <a:off x="230631" y="753821"/>
+            <a:ext cx="4859655" cy="1737207"/>
+          </a:xfrm>
+          <a:prstGeom prst="rect">
+            <a:avLst/>
+          </a:prstGeom>
+        </p:spPr>
+        <p:txBody>
+          <a:bodyPr vert="horz" wrap="square" lIns="0" tIns="10795" rIns="0" bIns="0" rtlCol="0">
+            <a:spAutoFit/>
+          </a:bodyPr>
+          <a:lstStyle/>
+          <a:p>
+            <a:pPr marL="241935" marR="5080" indent="-171450">
+              <a:lnSpc>
+                <a:spcPct val="150000"/>
+              </a:lnSpc>
+              <a:spcBef>
+                <a:spcPts val="85"/>
+              </a:spcBef>
+              <a:buClr>
+                <a:srgbClr val="006CDC"/>
+              </a:buClr>
+              <a:buFont typeface="Wingdings" panose="05000000000000000000" pitchFamily="2" charset="2"/>
+              <a:buChar char="§"/>
+              <a:tabLst>
+                <a:tab pos="186055" algn="l"/>
+              </a:tabLst>
+            </a:pPr>
+            <a:r>
+              <a:rPr lang="ru-RU" dirty="0"/>
+              <a:t>Разработанная архитектура позволила реализовать управляемую и легко расширяемую систему для масштабируемого запуска UE-серверов</a:t>
+            </a:r>
+            <a:r>
+              <a:rPr lang="en-US" dirty="0"/>
+              <a:t>;</a:t>
+            </a:r>
+            <a:endParaRPr lang="ru-RU" spc="-50" dirty="0"/>
+          </a:p>
+          <a:p>
+            <a:pPr marL="241935" marR="5080" indent="-171450">
+              <a:lnSpc>
+                <a:spcPct val="150000"/>
+              </a:lnSpc>
+              <a:spcBef>
+                <a:spcPts val="85"/>
+              </a:spcBef>
+              <a:buClr>
+                <a:srgbClr val="006CDC"/>
+              </a:buClr>
+              <a:buFont typeface="Wingdings" panose="05000000000000000000" pitchFamily="2" charset="2"/>
+              <a:buChar char="§"/>
+              <a:tabLst>
+                <a:tab pos="186055" algn="l"/>
+              </a:tabLst>
+            </a:pPr>
+            <a:r>
+              <a:rPr lang="ru-RU" spc="-60" dirty="0"/>
+              <a:t>Проведенные исследования в ходе работы позволили существенно уменьшить накладные расходы и улучшить производительность системы</a:t>
+            </a:r>
+            <a:r>
+              <a:rPr lang="en-US" spc="-60" dirty="0"/>
+              <a:t>;</a:t>
+            </a:r>
+            <a:endParaRPr spc="-25" dirty="0"/>
+          </a:p>
+          <a:p>
+            <a:pPr marL="242570" indent="-171450">
+              <a:lnSpc>
+                <a:spcPct val="150000"/>
+              </a:lnSpc>
+              <a:spcBef>
+                <a:spcPts val="309"/>
+              </a:spcBef>
+              <a:buClr>
+                <a:srgbClr val="006CDC"/>
+              </a:buClr>
+              <a:buFont typeface="Wingdings" panose="05000000000000000000" pitchFamily="2" charset="2"/>
+              <a:buChar char="§"/>
+              <a:tabLst>
+                <a:tab pos="186690" algn="l"/>
+              </a:tabLst>
+            </a:pPr>
+            <a:r>
+              <a:rPr lang="ru-RU" spc="-45" dirty="0"/>
+              <a:t>Выбранный подход в проектировании архитектуры системы позволил улучшить прозрачность разработанной системы</a:t>
+            </a:r>
+            <a:r>
+              <a:rPr lang="en-US" spc="-45" dirty="0"/>
+              <a:t>;</a:t>
+            </a:r>
+            <a:endParaRPr spc="-25" dirty="0"/>
+          </a:p>
+          <a:p>
+            <a:pPr marL="242570" indent="-171450">
+              <a:lnSpc>
+                <a:spcPct val="150000"/>
+              </a:lnSpc>
+              <a:spcBef>
+                <a:spcPts val="309"/>
+              </a:spcBef>
+              <a:buClr>
+                <a:srgbClr val="006CDC"/>
+              </a:buClr>
+              <a:buFont typeface="Wingdings" panose="05000000000000000000" pitchFamily="2" charset="2"/>
+              <a:buChar char="§"/>
+              <a:tabLst>
+                <a:tab pos="186690" algn="l"/>
+              </a:tabLst>
+            </a:pPr>
+            <a:r>
+              <a:rPr lang="ru-RU" spc="-60" dirty="0"/>
+              <a:t>Выбранное распределение компонентов по узлам позволило изолировать управляющий уровень от вычислительного, тем самым повысило надежность системы.</a:t>
+            </a:r>
+            <a:endParaRPr lang="ru-RU" spc="-25" dirty="0"/>
+          </a:p>
+        </p:txBody>
+      </p:sp>
+      <p:sp>
+        <p:nvSpPr>
+          <p:cNvPr id="6" name="object 6"/>
+          <p:cNvSpPr txBox="1">
+            <a:spLocks noGrp="1"/>
+          </p:cNvSpPr>
+          <p:nvPr>
+            <p:ph type="sldNum" sz="quarter" idx="7"/>
+          </p:nvPr>
+        </p:nvSpPr>
+        <p:spPr>
+          <a:xfrm>
+            <a:off x="5331510" y="2800171"/>
+            <a:ext cx="253364" cy="99386"/>
+          </a:xfrm>
+          <a:prstGeom prst="rect">
+            <a:avLst/>
+          </a:prstGeom>
+        </p:spPr>
+        <p:txBody>
+          <a:bodyPr vert="horz" wrap="square" lIns="0" tIns="6985" rIns="0" bIns="0" rtlCol="0">
+            <a:spAutoFit/>
+          </a:bodyPr>
+          <a:lstStyle/>
+          <a:p>
+            <a:pPr marL="40005">
+              <a:lnSpc>
+                <a:spcPct val="100000"/>
+              </a:lnSpc>
+              <a:spcBef>
+                <a:spcPts val="55"/>
+              </a:spcBef>
+            </a:pPr>
+            <a:fld id="{81D60167-4931-47E6-BA6A-407CBD079E47}" type="slidenum">
+              <a:rPr spc="-75" dirty="0"/>
+              <a:t>14</a:t>
+            </a:fld>
+            <a:r>
+              <a:rPr spc="-35" dirty="0"/>
+              <a:t> /</a:t>
+            </a:r>
+            <a:r>
+              <a:rPr spc="-30" dirty="0"/>
+              <a:t> </a:t>
+            </a:r>
+            <a:r>
+              <a:rPr spc="-35" dirty="0"/>
+              <a:t>1</a:t>
+            </a:r>
+            <a:r>
+              <a:rPr lang="en-US" spc="-35" dirty="0"/>
+              <a:t>5</a:t>
+            </a:r>
+            <a:endParaRPr spc="-35" dirty="0"/>
           </a:p>
         </p:txBody>
       </p:sp>
@@ -5994,7 +6749,7 @@
 </p:sld>
 </file>
 
-<file path=ppt/slides/slide14.xml><?xml version="1.0" encoding="utf-8"?>
+<file path=ppt/slides/slide15.xml><?xml version="1.0" encoding="utf-8"?>
 <p:sld xmlns:a="http://schemas.openxmlformats.org/drawingml/2006/main" xmlns:r="http://schemas.openxmlformats.org/officeDocument/2006/relationships" xmlns:p="http://schemas.openxmlformats.org/presentationml/2006/main" showMasterSp="0">
   <p:cSld>
     <p:spTree>
@@ -6382,7 +7137,7 @@
         <p:spPr>
           <a:xfrm>
             <a:off x="5348173" y="2800171"/>
-            <a:ext cx="222250" cy="116839"/>
+            <a:ext cx="222250" cy="99386"/>
           </a:xfrm>
           <a:prstGeom prst="rect">
             <a:avLst/>
@@ -6440,17 +7195,27 @@
                 <a:latin typeface="Trebuchet MS"/>
                 <a:cs typeface="Trebuchet MS"/>
               </a:rPr>
-              <a:t>16</a:t>
-            </a:r>
-            <a:endParaRPr sz="600">
+              <a:t>1</a:t>
+            </a:r>
+            <a:r>
+              <a:rPr lang="en-US" sz="600" spc="-25" dirty="0">
+                <a:solidFill>
+                  <a:srgbClr val="006CDC"/>
+                </a:solidFill>
+                <a:latin typeface="Trebuchet MS"/>
+                <a:cs typeface="Trebuchet MS"/>
+              </a:rPr>
+              <a:t>5</a:t>
+            </a:r>
+            <a:endParaRPr sz="600" dirty="0">
               <a:latin typeface="Trebuchet MS"/>
               <a:cs typeface="Trebuchet MS"/>
             </a:endParaRPr>
           </a:p>
         </p:txBody>
       </p:sp>
-      <mc:AlternateContent xmlns:mc="http://schemas.openxmlformats.org/markup-compatibility/2006">
-        <mc:Choice xmlns:a14="http://schemas.microsoft.com/office/drawing/2010/main" Requires="a14">
+      <mc:AlternateContent xmlns:mc="http://schemas.openxmlformats.org/markup-compatibility/2006" xmlns:a14="http://schemas.microsoft.com/office/drawing/2010/main">
+        <mc:Choice Requires="a14">
           <p:sp>
             <p:nvSpPr>
               <p:cNvPr id="10" name="TextBox 9">
@@ -6543,7 +7308,7 @@
             </p:txBody>
           </p:sp>
         </mc:Choice>
-        <mc:Fallback>
+        <mc:Fallback xmlns="">
           <p:sp>
             <p:nvSpPr>
               <p:cNvPr id="10" name="TextBox 9">
@@ -6588,8 +7353,8 @@
           </p:sp>
         </mc:Fallback>
       </mc:AlternateContent>
-      <mc:AlternateContent xmlns:mc="http://schemas.openxmlformats.org/markup-compatibility/2006">
-        <mc:Choice xmlns:a14="http://schemas.microsoft.com/office/drawing/2010/main" Requires="a14">
+      <mc:AlternateContent xmlns:mc="http://schemas.openxmlformats.org/markup-compatibility/2006" xmlns:a14="http://schemas.microsoft.com/office/drawing/2010/main">
+        <mc:Choice Requires="a14">
           <p:sp>
             <p:nvSpPr>
               <p:cNvPr id="11" name="TextBox 10">
@@ -6681,7 +7446,7 @@
             </p:txBody>
           </p:sp>
         </mc:Choice>
-        <mc:Fallback>
+        <mc:Fallback xmlns="">
           <p:sp>
             <p:nvSpPr>
               <p:cNvPr id="11" name="TextBox 10">
@@ -7132,6 +7897,9 @@
           <a:lstStyle/>
           <a:p>
             <a:pPr marL="228600" indent="-228600">
+              <a:buClr>
+                <a:srgbClr val="006CDC"/>
+              </a:buClr>
               <a:buFont typeface="Wingdings" panose="05000000000000000000" pitchFamily="2" charset="2"/>
               <a:buChar char="§"/>
             </a:pPr>
@@ -7168,6 +7936,9 @@
           </a:p>
           <a:p>
             <a:pPr marL="228600" indent="-228600">
+              <a:buClr>
+                <a:srgbClr val="006CDC"/>
+              </a:buClr>
               <a:buFont typeface="Wingdings" panose="05000000000000000000" pitchFamily="2" charset="2"/>
               <a:buChar char="§"/>
             </a:pPr>
@@ -7222,6 +7993,9 @@
           <a:lstStyle/>
           <a:p>
             <a:pPr marL="228600" indent="-228600">
+              <a:buClr>
+                <a:srgbClr val="006CDC"/>
+              </a:buClr>
               <a:buFont typeface="Wingdings" panose="05000000000000000000" pitchFamily="2" charset="2"/>
               <a:buChar char="§"/>
             </a:pPr>
@@ -7250,6 +8024,9 @@
           </a:p>
           <a:p>
             <a:pPr marL="228600" indent="-228600">
+              <a:buClr>
+                <a:srgbClr val="006CDC"/>
+              </a:buClr>
               <a:buFont typeface="Wingdings" panose="05000000000000000000" pitchFamily="2" charset="2"/>
               <a:buChar char="§"/>
             </a:pPr>
@@ -7278,6 +8055,9 @@
           </a:p>
           <a:p>
             <a:pPr marL="228600" indent="-228600">
+              <a:buClr>
+                <a:srgbClr val="006CDC"/>
+              </a:buClr>
               <a:buFont typeface="Wingdings" panose="05000000000000000000" pitchFamily="2" charset="2"/>
               <a:buChar char="§"/>
             </a:pPr>
@@ -7295,6 +8075,9 @@
           </a:p>
           <a:p>
             <a:pPr marL="228600" indent="-228600">
+              <a:buClr>
+                <a:srgbClr val="006CDC"/>
+              </a:buClr>
               <a:buFont typeface="+mj-lt"/>
               <a:buAutoNum type="arabicPeriod"/>
             </a:pPr>
@@ -7356,7 +8139,7 @@
         </p:nvSpPr>
         <p:spPr>
           <a:xfrm>
-            <a:off x="2853520" y="1798018"/>
+            <a:off x="2852157" y="1800766"/>
             <a:ext cx="772969" cy="246221"/>
           </a:xfrm>
           <a:prstGeom prst="rect">
@@ -7408,9 +8191,115 @@
           <a:bodyPr wrap="square" rtlCol="0">
             <a:spAutoFit/>
           </a:bodyPr>
+          <a:lstStyle>
+            <a:defPPr>
+              <a:defRPr kern="0"/>
+            </a:defPPr>
+            <a:lvl1pPr marL="228600" indent="-228600">
+              <a:buFont typeface="Wingdings" panose="05000000000000000000" pitchFamily="2" charset="2"/>
+              <a:buChar char="§"/>
+              <a:defRPr sz="700">
+                <a:solidFill>
+                  <a:schemeClr val="tx1">
+                    <a:lumMod val="65000"/>
+                    <a:lumOff val="35000"/>
+                  </a:schemeClr>
+                </a:solidFill>
+              </a:defRPr>
+            </a:lvl1pPr>
+          </a:lstStyle>
+          <a:p>
+            <a:pPr>
+              <a:buClr>
+                <a:srgbClr val="006CDC"/>
+              </a:buClr>
+            </a:pPr>
+            <a:r>
+              <a:rPr lang="ru-RU" dirty="0"/>
+              <a:t>Минимальные накладные расходы</a:t>
+            </a:r>
+            <a:r>
+              <a:rPr lang="en-US" dirty="0"/>
+              <a:t>;</a:t>
+            </a:r>
+            <a:endParaRPr lang="ru-RU" dirty="0"/>
+          </a:p>
+          <a:p>
+            <a:pPr>
+              <a:buClr>
+                <a:srgbClr val="006CDC"/>
+              </a:buClr>
+            </a:pPr>
+            <a:r>
+              <a:rPr lang="ru-RU" dirty="0"/>
+              <a:t>Быстрый запуск и завершение процессов</a:t>
+            </a:r>
+            <a:r>
+              <a:rPr lang="en-US" dirty="0"/>
+              <a:t>;</a:t>
+            </a:r>
+          </a:p>
+          <a:p>
+            <a:pPr>
+              <a:buClr>
+                <a:srgbClr val="006CDC"/>
+              </a:buClr>
+            </a:pPr>
+            <a:r>
+              <a:rPr lang="ru-RU" dirty="0"/>
+              <a:t>Отсутствие слоев абстракции</a:t>
+            </a:r>
+            <a:r>
+              <a:rPr lang="en-US" dirty="0"/>
+              <a:t>;</a:t>
+            </a:r>
+          </a:p>
+          <a:p>
+            <a:pPr>
+              <a:buClr>
+                <a:srgbClr val="006CDC"/>
+              </a:buClr>
+            </a:pPr>
+            <a:r>
+              <a:rPr lang="ru-RU" dirty="0"/>
+              <a:t>Полный контроль над поведением системы.</a:t>
+            </a:r>
+            <a:endParaRPr lang="en-US" dirty="0"/>
+          </a:p>
+        </p:txBody>
+      </p:sp>
+      <p:sp>
+        <p:nvSpPr>
+          <p:cNvPr id="46" name="TextBox 45">
+            <a:extLst>
+              <a:ext uri="{FF2B5EF4-FFF2-40B4-BE49-F238E27FC236}">
+                <a16:creationId xmlns:a16="http://schemas.microsoft.com/office/drawing/2014/main" id="{B4BA6B84-CB14-430D-82FF-E6C7F3967CCB}"/>
+              </a:ext>
+            </a:extLst>
+          </p:cNvPr>
+          <p:cNvSpPr txBox="1"/>
+          <p:nvPr/>
+        </p:nvSpPr>
+        <p:spPr>
+          <a:xfrm>
+            <a:off x="2908875" y="2047353"/>
+            <a:ext cx="2298373" cy="523220"/>
+          </a:xfrm>
+          <a:prstGeom prst="rect">
+            <a:avLst/>
+          </a:prstGeom>
+          <a:noFill/>
+        </p:spPr>
+        <p:txBody>
+          <a:bodyPr wrap="square" rtlCol="0">
+            <a:spAutoFit/>
+          </a:bodyPr>
           <a:lstStyle/>
           <a:p>
             <a:pPr marL="228600" indent="-228600">
+              <a:buClr>
+                <a:srgbClr val="006CDC"/>
+              </a:buClr>
               <a:buFont typeface="Wingdings" panose="05000000000000000000" pitchFamily="2" charset="2"/>
               <a:buChar char="§"/>
             </a:pPr>
@@ -7423,7 +8312,7 @@
                   </a:schemeClr>
                 </a:solidFill>
               </a:rPr>
-              <a:t>Минимальные накладные расходы</a:t>
+              <a:t>Требует собственной реализации логики масштабирования и мониторинга</a:t>
             </a:r>
             <a:r>
               <a:rPr lang="en-US" sz="700" dirty="0">
@@ -7436,155 +8325,12 @@
               </a:rPr>
               <a:t>;</a:t>
             </a:r>
-            <a:endParaRPr lang="ru-RU" sz="700" dirty="0">
-              <a:solidFill>
-                <a:schemeClr val="tx1">
-                  <a:lumMod val="65000"/>
-                  <a:lumOff val="35000"/>
-                </a:schemeClr>
-              </a:solidFill>
-            </a:endParaRPr>
           </a:p>
           <a:p>
             <a:pPr marL="228600" indent="-228600">
-              <a:buFont typeface="Wingdings" panose="05000000000000000000" pitchFamily="2" charset="2"/>
-              <a:buChar char="§"/>
-            </a:pPr>
-            <a:r>
-              <a:rPr lang="ru-RU" sz="700" dirty="0">
-                <a:solidFill>
-                  <a:schemeClr val="tx1">
-                    <a:lumMod val="65000"/>
-                    <a:lumOff val="35000"/>
-                  </a:schemeClr>
-                </a:solidFill>
-              </a:rPr>
-              <a:t>Быстрый запуск и завершение процессов</a:t>
-            </a:r>
-            <a:r>
-              <a:rPr lang="en-US" sz="700" dirty="0">
-                <a:solidFill>
-                  <a:schemeClr val="tx1">
-                    <a:lumMod val="65000"/>
-                    <a:lumOff val="35000"/>
-                  </a:schemeClr>
-                </a:solidFill>
-              </a:rPr>
-              <a:t>;</a:t>
-            </a:r>
-          </a:p>
-          <a:p>
-            <a:pPr marL="228600" indent="-228600">
-              <a:buFont typeface="Wingdings" panose="05000000000000000000" pitchFamily="2" charset="2"/>
-              <a:buChar char="§"/>
-            </a:pPr>
-            <a:r>
-              <a:rPr lang="ru-RU" sz="700" dirty="0">
-                <a:solidFill>
-                  <a:schemeClr val="tx1">
-                    <a:lumMod val="65000"/>
-                    <a:lumOff val="35000"/>
-                  </a:schemeClr>
-                </a:solidFill>
-              </a:rPr>
-              <a:t>Отсутствие слоев абстракции</a:t>
-            </a:r>
-            <a:r>
-              <a:rPr lang="en-US" sz="700" dirty="0">
-                <a:solidFill>
-                  <a:schemeClr val="tx1">
-                    <a:lumMod val="65000"/>
-                    <a:lumOff val="35000"/>
-                  </a:schemeClr>
-                </a:solidFill>
-              </a:rPr>
-              <a:t>;</a:t>
-            </a:r>
-          </a:p>
-          <a:p>
-            <a:pPr marL="228600" indent="-228600">
-              <a:buFont typeface="Wingdings" panose="05000000000000000000" pitchFamily="2" charset="2"/>
-              <a:buChar char="§"/>
-            </a:pPr>
-            <a:r>
-              <a:rPr lang="ru-RU" sz="700" dirty="0">
-                <a:solidFill>
-                  <a:schemeClr val="tx1">
-                    <a:lumMod val="65000"/>
-                    <a:lumOff val="35000"/>
-                  </a:schemeClr>
-                </a:solidFill>
-              </a:rPr>
-              <a:t>Полный контроль над поведением системы.</a:t>
-            </a:r>
-            <a:endParaRPr lang="en-US" sz="700" dirty="0">
-              <a:solidFill>
-                <a:schemeClr val="tx1">
-                  <a:lumMod val="65000"/>
-                  <a:lumOff val="35000"/>
-                </a:schemeClr>
-              </a:solidFill>
-            </a:endParaRPr>
-          </a:p>
-        </p:txBody>
-      </p:sp>
-      <p:sp>
-        <p:nvSpPr>
-          <p:cNvPr id="46" name="TextBox 45">
-            <a:extLst>
-              <a:ext uri="{FF2B5EF4-FFF2-40B4-BE49-F238E27FC236}">
-                <a16:creationId xmlns:a16="http://schemas.microsoft.com/office/drawing/2014/main" id="{B4BA6B84-CB14-430D-82FF-E6C7F3967CCB}"/>
-              </a:ext>
-            </a:extLst>
-          </p:cNvPr>
-          <p:cNvSpPr txBox="1"/>
-          <p:nvPr/>
-        </p:nvSpPr>
-        <p:spPr>
-          <a:xfrm>
-            <a:off x="2908875" y="2047353"/>
-            <a:ext cx="2298373" cy="523220"/>
-          </a:xfrm>
-          <a:prstGeom prst="rect">
-            <a:avLst/>
-          </a:prstGeom>
-          <a:noFill/>
-        </p:spPr>
-        <p:txBody>
-          <a:bodyPr wrap="square" rtlCol="0">
-            <a:spAutoFit/>
-          </a:bodyPr>
-          <a:lstStyle/>
-          <a:p>
-            <a:pPr marL="228600" indent="-228600">
-              <a:buFont typeface="Wingdings" panose="05000000000000000000" pitchFamily="2" charset="2"/>
-              <a:buChar char="§"/>
-            </a:pPr>
-            <a:r>
-              <a:rPr lang="ru-RU" sz="700" dirty="0">
-                <a:solidFill>
-                  <a:schemeClr val="tx1">
-                    <a:lumMod val="65000"/>
-                    <a:lumOff val="35000"/>
-                  </a:schemeClr>
-                </a:solidFill>
-              </a:rPr>
-              <a:t>Требует собственной реализации логики масштабирования и мониторинга</a:t>
-            </a:r>
-            <a:r>
-              <a:rPr lang="en-US" sz="700" dirty="0">
-                <a:solidFill>
-                  <a:schemeClr val="tx1">
-                    <a:lumMod val="65000"/>
-                    <a:lumOff val="35000"/>
-                  </a:schemeClr>
-                </a:solidFill>
-              </a:rPr>
-              <a:t>;</a:t>
-            </a:r>
-          </a:p>
-          <a:p>
-            <a:pPr marL="228600" indent="-228600">
+              <a:buClr>
+                <a:srgbClr val="006CDC"/>
+              </a:buClr>
               <a:buFont typeface="Wingdings" panose="05000000000000000000" pitchFamily="2" charset="2"/>
               <a:buChar char="§"/>
             </a:pPr>
@@ -7799,7 +8545,7 @@
         <p:spPr>
           <a:xfrm>
             <a:off x="5348173" y="2800171"/>
-            <a:ext cx="222250" cy="116839"/>
+            <a:ext cx="222250" cy="99386"/>
           </a:xfrm>
           <a:prstGeom prst="rect">
             <a:avLst/>
@@ -7857,9 +8603,19 @@
                 <a:latin typeface="Trebuchet MS"/>
                 <a:cs typeface="Trebuchet MS"/>
               </a:rPr>
-              <a:t>16</a:t>
-            </a:r>
-            <a:endParaRPr sz="600">
+              <a:t>1</a:t>
+            </a:r>
+            <a:r>
+              <a:rPr lang="en-US" sz="600" spc="-25" dirty="0">
+                <a:solidFill>
+                  <a:srgbClr val="006CDC"/>
+                </a:solidFill>
+                <a:latin typeface="Trebuchet MS"/>
+                <a:cs typeface="Trebuchet MS"/>
+              </a:rPr>
+              <a:t>5</a:t>
+            </a:r>
+            <a:endParaRPr sz="600" dirty="0">
               <a:latin typeface="Trebuchet MS"/>
               <a:cs typeface="Trebuchet MS"/>
             </a:endParaRPr>
@@ -8329,8 +9085,8 @@
         </p:nvSpPr>
         <p:spPr>
           <a:xfrm>
-            <a:off x="1419728" y="2643146"/>
-            <a:ext cx="2786340" cy="215444"/>
+            <a:off x="1253817" y="2643146"/>
+            <a:ext cx="3118162" cy="215444"/>
           </a:xfrm>
           <a:prstGeom prst="rect">
             <a:avLst/>
@@ -8345,16 +9101,8 @@
           <a:p>
             <a:pPr algn="ctr"/>
             <a:r>
-              <a:rPr lang="ru-RU" sz="700" dirty="0"/>
-              <a:t>Таблица 1. </a:t>
-            </a:r>
-            <a:r>
               <a:rPr lang="ru-RU" sz="800" dirty="0"/>
-              <a:t>Сравнение</a:t>
-            </a:r>
-            <a:r>
-              <a:rPr lang="ru-RU" sz="700" dirty="0"/>
-              <a:t> потребления ресурсов двух подходов</a:t>
+              <a:t>Таблица 1. Сравнение потребления ресурсов двух подходов</a:t>
             </a:r>
           </a:p>
         </p:txBody>
@@ -9360,7 +10108,7 @@
                   </a:schemeClr>
                 </a:solidFill>
               </a:rPr>
-              <a:t>Провести тестирование и анализ производительности и отказоустойчивости разработанной системы.</a:t>
+              <a:t>Убедиться в корректной работе всех компонентов системы в кроссплатформенной среде, с акцентом на поддержку Linux (Debian).</a:t>
             </a:r>
             <a:endParaRPr lang="ru-RU" sz="900" dirty="0">
               <a:solidFill>
@@ -9384,7 +10132,7 @@
         <p:spPr>
           <a:xfrm>
             <a:off x="5372023" y="2795236"/>
-            <a:ext cx="200025" cy="116839"/>
+            <a:ext cx="200025" cy="104516"/>
           </a:xfrm>
           <a:prstGeom prst="rect">
             <a:avLst/>
@@ -9405,6 +10153,16 @@
               </a:spcBef>
             </a:pPr>
             <a:r>
+              <a:rPr lang="ru-RU" sz="600" spc="-35" dirty="0">
+                <a:solidFill>
+                  <a:srgbClr val="006CDC"/>
+                </a:solidFill>
+                <a:latin typeface="Trebuchet MS"/>
+                <a:cs typeface="Trebuchet MS"/>
+              </a:rPr>
+              <a:t>4</a:t>
+            </a:r>
+            <a:r>
               <a:rPr sz="600" spc="-35" dirty="0">
                 <a:solidFill>
                   <a:srgbClr val="006CDC"/>
@@ -9412,7 +10170,7 @@
                 <a:latin typeface="Trebuchet MS"/>
                 <a:cs typeface="Trebuchet MS"/>
               </a:rPr>
-              <a:t>6 /</a:t>
+              <a:t> /</a:t>
             </a:r>
             <a:r>
               <a:rPr sz="600" spc="-30" dirty="0">
@@ -9432,9 +10190,19 @@
                 <a:latin typeface="Trebuchet MS"/>
                 <a:cs typeface="Trebuchet MS"/>
               </a:rPr>
-              <a:t>16</a:t>
-            </a:r>
-            <a:endParaRPr sz="600">
+              <a:t>1</a:t>
+            </a:r>
+            <a:r>
+              <a:rPr lang="en-US" sz="600" spc="-25" dirty="0">
+                <a:solidFill>
+                  <a:srgbClr val="006CDC"/>
+                </a:solidFill>
+                <a:latin typeface="Trebuchet MS"/>
+                <a:cs typeface="Trebuchet MS"/>
+              </a:rPr>
+              <a:t>5</a:t>
+            </a:r>
+            <a:endParaRPr sz="600" dirty="0">
               <a:latin typeface="Trebuchet MS"/>
               <a:cs typeface="Trebuchet MS"/>
             </a:endParaRPr>
@@ -9640,6 +10408,10 @@
           </p:nvPr>
         </p:nvSpPr>
         <p:spPr>
+          <a:xfrm>
+            <a:off x="5330412" y="2842910"/>
+            <a:ext cx="253364" cy="99386"/>
+          </a:xfrm>
           <a:prstGeom prst="rect">
             <a:avLst/>
           </a:prstGeom>
@@ -9672,8 +10444,13 @@
             </a:r>
             <a:r>
               <a:rPr spc="-35" dirty="0"/>
-              <a:t>16</a:t>
-            </a:r>
+              <a:t>1</a:t>
+            </a:r>
+            <a:r>
+              <a:rPr lang="en-US" spc="-35" dirty="0"/>
+              <a:t>5</a:t>
+            </a:r>
+            <a:endParaRPr spc="-35" dirty="0"/>
           </a:p>
         </p:txBody>
       </p:sp>
@@ -9720,8 +10497,8 @@
           </a:p>
         </p:txBody>
       </p:sp>
-      <mc:AlternateContent xmlns:mc="http://schemas.openxmlformats.org/markup-compatibility/2006">
-        <mc:Choice xmlns:a14="http://schemas.microsoft.com/office/drawing/2010/main" Requires="a14">
+      <mc:AlternateContent xmlns:mc="http://schemas.openxmlformats.org/markup-compatibility/2006" xmlns:a14="http://schemas.microsoft.com/office/drawing/2010/main">
+        <mc:Choice Requires="a14">
           <p:sp>
             <p:nvSpPr>
               <p:cNvPr id="6" name="TextBox 5">
@@ -9787,7 +10564,7 @@
             </p:txBody>
           </p:sp>
         </mc:Choice>
-        <mc:Fallback>
+        <mc:Fallback xmlns="">
           <p:sp>
             <p:nvSpPr>
               <p:cNvPr id="6" name="TextBox 5">
@@ -10470,6 +11247,10 @@
           </p:nvPr>
         </p:nvSpPr>
         <p:spPr>
+          <a:xfrm>
+            <a:off x="5330412" y="2858590"/>
+            <a:ext cx="253364" cy="99386"/>
+          </a:xfrm>
           <a:prstGeom prst="rect">
             <a:avLst/>
           </a:prstGeom>
@@ -10502,8 +11283,13 @@
             </a:r>
             <a:r>
               <a:rPr spc="-35" dirty="0"/>
-              <a:t>16</a:t>
-            </a:r>
+              <a:t>1</a:t>
+            </a:r>
+            <a:r>
+              <a:rPr lang="en-US" spc="-35" dirty="0"/>
+              <a:t>5</a:t>
+            </a:r>
+            <a:endParaRPr spc="-35" dirty="0"/>
           </a:p>
         </p:txBody>
       </p:sp>
@@ -10693,60 +11479,6 @@
           </a:p>
         </p:txBody>
       </p:sp>
-      <p:sp>
-        <p:nvSpPr>
-          <p:cNvPr id="16" name="Прямоугольник: скругленные углы 15">
-            <a:extLst>
-              <a:ext uri="{FF2B5EF4-FFF2-40B4-BE49-F238E27FC236}">
-                <a16:creationId xmlns:a16="http://schemas.microsoft.com/office/drawing/2014/main" id="{F0B677AA-0627-472A-961C-DE8CB726B138}"/>
-              </a:ext>
-            </a:extLst>
-          </p:cNvPr>
-          <p:cNvSpPr/>
-          <p:nvPr/>
-        </p:nvSpPr>
-        <p:spPr>
-          <a:xfrm>
-            <a:off x="135405" y="1753765"/>
-            <a:ext cx="152400" cy="148205"/>
-          </a:xfrm>
-          <a:prstGeom prst="roundRect">
-            <a:avLst/>
-          </a:prstGeom>
-          <a:solidFill>
-            <a:srgbClr val="D5E8D4"/>
-          </a:solidFill>
-          <a:ln>
-            <a:solidFill>
-              <a:srgbClr val="8BB871"/>
-            </a:solidFill>
-          </a:ln>
-        </p:spPr>
-        <p:style>
-          <a:lnRef idx="2">
-            <a:schemeClr val="accent1">
-              <a:shade val="50000"/>
-            </a:schemeClr>
-          </a:lnRef>
-          <a:fillRef idx="1">
-            <a:schemeClr val="accent1"/>
-          </a:fillRef>
-          <a:effectRef idx="0">
-            <a:schemeClr val="accent1"/>
-          </a:effectRef>
-          <a:fontRef idx="minor">
-            <a:schemeClr val="lt1"/>
-          </a:fontRef>
-        </p:style>
-        <p:txBody>
-          <a:bodyPr rtlCol="0" anchor="ctr"/>
-          <a:lstStyle/>
-          <a:p>
-            <a:pPr algn="ctr"/>
-            <a:endParaRPr lang="ru-RU" dirty="0"/>
-          </a:p>
-        </p:txBody>
-      </p:sp>
     </p:spTree>
   </p:cSld>
   <p:clrMapOvr>
@@ -10954,6 +11686,10 @@
           </p:nvPr>
         </p:nvSpPr>
         <p:spPr>
+          <a:xfrm>
+            <a:off x="5331510" y="2800171"/>
+            <a:ext cx="253364" cy="99386"/>
+          </a:xfrm>
           <a:prstGeom prst="rect">
             <a:avLst/>
           </a:prstGeom>
@@ -10986,8 +11722,13 @@
             </a:r>
             <a:r>
               <a:rPr spc="-35" dirty="0"/>
-              <a:t>16</a:t>
-            </a:r>
+              <a:t>1</a:t>
+            </a:r>
+            <a:r>
+              <a:rPr lang="en-US" spc="-35" dirty="0"/>
+              <a:t>5</a:t>
+            </a:r>
+            <a:endParaRPr spc="-35" dirty="0"/>
           </a:p>
         </p:txBody>
       </p:sp>
@@ -11290,6 +12031,10 @@
           </p:nvPr>
         </p:nvSpPr>
         <p:spPr>
+          <a:xfrm>
+            <a:off x="5331510" y="2800171"/>
+            <a:ext cx="253364" cy="99386"/>
+          </a:xfrm>
           <a:prstGeom prst="rect">
             <a:avLst/>
           </a:prstGeom>
@@ -11322,8 +12067,13 @@
             </a:r>
             <a:r>
               <a:rPr spc="-35" dirty="0"/>
-              <a:t>16</a:t>
-            </a:r>
+              <a:t>1</a:t>
+            </a:r>
+            <a:r>
+              <a:rPr lang="en-US" spc="-35" dirty="0"/>
+              <a:t>5</a:t>
+            </a:r>
+            <a:endParaRPr spc="-35" dirty="0"/>
           </a:p>
         </p:txBody>
       </p:sp>
@@ -11424,8 +12174,8 @@
         </p:nvSpPr>
         <p:spPr>
           <a:xfrm>
-            <a:off x="237382" y="614166"/>
-            <a:ext cx="3563796" cy="261610"/>
+            <a:off x="382954" y="613635"/>
+            <a:ext cx="2973891" cy="215444"/>
           </a:xfrm>
           <a:prstGeom prst="rect">
             <a:avLst/>
@@ -11439,8 +12189,15 @@
           <a:lstStyle/>
           <a:p>
             <a:r>
-              <a:rPr lang="ru-RU" sz="1100" dirty="0"/>
-              <a:t>Сетевая передача требует сериализации структур</a:t>
+              <a:rPr lang="ru-RU" sz="800" dirty="0">
+                <a:solidFill>
+                  <a:schemeClr val="tx1">
+                    <a:lumMod val="50000"/>
+                    <a:lumOff val="50000"/>
+                  </a:schemeClr>
+                </a:solidFill>
+              </a:rPr>
+              <a:t>Сетевая передача пакетов требует сериализации данных.</a:t>
             </a:r>
           </a:p>
         </p:txBody>
@@ -11459,8 +12216,8 @@
         </p:nvSpPr>
         <p:spPr>
           <a:xfrm>
-            <a:off x="301278" y="875776"/>
-            <a:ext cx="1584088" cy="246221"/>
+            <a:off x="2090856" y="821331"/>
+            <a:ext cx="1577676" cy="246221"/>
           </a:xfrm>
           <a:prstGeom prst="rect">
             <a:avLst/>
@@ -11474,7 +12231,7 @@
           <a:lstStyle/>
           <a:p>
             <a:r>
-              <a:rPr lang="ru-RU" sz="1000" dirty="0"/>
+              <a:rPr lang="ru-RU" sz="1000" i="1" dirty="0"/>
               <a:t>Два основных подхода:</a:t>
             </a:r>
           </a:p>
@@ -11512,8 +12269,11 @@
               <a:lnSpc>
                 <a:spcPct val="150000"/>
               </a:lnSpc>
+              <a:buClr>
+                <a:srgbClr val="006CDC"/>
+              </a:buClr>
               <a:buFont typeface="Wingdings" panose="05000000000000000000" pitchFamily="2" charset="2"/>
-              <a:buChar char="Ø"/>
+              <a:buChar char="§"/>
             </a:pPr>
             <a:r>
               <a:rPr lang="ru-RU" sz="700" dirty="0"/>
@@ -11537,8 +12297,11 @@
               <a:lnSpc>
                 <a:spcPct val="150000"/>
               </a:lnSpc>
+              <a:buClr>
+                <a:srgbClr val="006CDC"/>
+              </a:buClr>
               <a:buFont typeface="Wingdings" panose="05000000000000000000" pitchFamily="2" charset="2"/>
-              <a:buChar char="Ø"/>
+              <a:buChar char="§"/>
             </a:pPr>
             <a:r>
               <a:rPr lang="ru-RU" sz="700" dirty="0"/>
@@ -11562,8 +12325,11 @@
               <a:lnSpc>
                 <a:spcPct val="150000"/>
               </a:lnSpc>
+              <a:buClr>
+                <a:srgbClr val="006CDC"/>
+              </a:buClr>
               <a:buFont typeface="Wingdings" panose="05000000000000000000" pitchFamily="2" charset="2"/>
-              <a:buChar char="Ø"/>
+              <a:buChar char="§"/>
             </a:pPr>
             <a:r>
               <a:rPr lang="ru-RU" sz="700" dirty="0"/>
@@ -11579,8 +12345,11 @@
               <a:lnSpc>
                 <a:spcPct val="150000"/>
               </a:lnSpc>
+              <a:buClr>
+                <a:srgbClr val="006CDC"/>
+              </a:buClr>
               <a:buFont typeface="Wingdings" panose="05000000000000000000" pitchFamily="2" charset="2"/>
-              <a:buChar char="Ø"/>
+              <a:buChar char="§"/>
             </a:pPr>
             <a:endParaRPr lang="en-US" sz="700" dirty="0"/>
           </a:p>
@@ -11618,8 +12387,11 @@
               <a:lnSpc>
                 <a:spcPct val="150000"/>
               </a:lnSpc>
+              <a:buClr>
+                <a:srgbClr val="006CDC"/>
+              </a:buClr>
               <a:buFont typeface="Wingdings" panose="05000000000000000000" pitchFamily="2" charset="2"/>
-              <a:buChar char="Ø"/>
+              <a:buChar char="§"/>
             </a:pPr>
             <a:r>
               <a:rPr lang="ru-RU" sz="700" dirty="0"/>
@@ -11636,8 +12408,11 @@
               <a:lnSpc>
                 <a:spcPct val="150000"/>
               </a:lnSpc>
+              <a:buClr>
+                <a:srgbClr val="006CDC"/>
+              </a:buClr>
               <a:buFont typeface="Wingdings" panose="05000000000000000000" pitchFamily="2" charset="2"/>
-              <a:buChar char="Ø"/>
+              <a:buChar char="§"/>
             </a:pPr>
             <a:r>
               <a:rPr lang="ru-RU" sz="700" dirty="0"/>
@@ -11654,8 +12429,11 @@
               <a:lnSpc>
                 <a:spcPct val="150000"/>
               </a:lnSpc>
+              <a:buClr>
+                <a:srgbClr val="006CDC"/>
+              </a:buClr>
               <a:buFont typeface="Wingdings" panose="05000000000000000000" pitchFamily="2" charset="2"/>
-              <a:buChar char="Ø"/>
+              <a:buChar char="§"/>
             </a:pPr>
             <a:r>
               <a:rPr lang="ru-RU" sz="700" dirty="0"/>
@@ -11671,6 +12449,55 @@
           </a:p>
         </p:txBody>
       </p:sp>
+      <p:pic>
+        <p:nvPicPr>
+          <p:cNvPr id="14" name="Объект 15" descr="Информация">
+            <a:extLst>
+              <a:ext uri="{FF2B5EF4-FFF2-40B4-BE49-F238E27FC236}">
+                <a16:creationId xmlns:a16="http://schemas.microsoft.com/office/drawing/2014/main" id="{852F5CF5-2C16-45A1-93C7-2A19F847BB7E}"/>
+              </a:ext>
+            </a:extLst>
+          </p:cNvPr>
+          <p:cNvPicPr>
+            <a:picLocks noChangeAspect="1"/>
+          </p:cNvPicPr>
+          <p:nvPr/>
+        </p:nvPicPr>
+        <p:blipFill>
+          <a:blip r:embed="rId4" cstate="print">
+            <a:extLst>
+              <a:ext uri="{28A0092B-C50C-407E-A947-70E740481C1C}">
+                <a14:useLocalDpi xmlns:a14="http://schemas.microsoft.com/office/drawing/2010/main" val="0"/>
+              </a:ext>
+              <a:ext uri="{96DAC541-7B7A-43D3-8B79-37D633B846F1}">
+                <asvg:svgBlip xmlns:asvg="http://schemas.microsoft.com/office/drawing/2016/SVG/main" r:embed="rId5"/>
+              </a:ext>
+            </a:extLst>
+          </a:blip>
+          <a:stretch>
+            <a:fillRect/>
+          </a:stretch>
+        </p:blipFill>
+        <p:spPr bwMode="auto">
+          <a:xfrm>
+            <a:off x="215985" y="643623"/>
+            <a:ext cx="144469" cy="144469"/>
+          </a:xfrm>
+          <a:prstGeom prst="rect">
+            <a:avLst/>
+          </a:prstGeom>
+          <a:noFill/>
+          <a:extLst>
+            <a:ext uri="{909E8E84-426E-40DD-AFC4-6F175D3DCCD1}">
+              <a14:hiddenFill xmlns:a14="http://schemas.microsoft.com/office/drawing/2010/main">
+                <a:solidFill>
+                  <a:srgbClr val="FFFFFF"/>
+                </a:solidFill>
+              </a14:hiddenFill>
+            </a:ext>
+          </a:extLst>
+        </p:spPr>
+      </p:pic>
     </p:spTree>
     <p:extLst>
       <p:ext uri="{BB962C8B-B14F-4D97-AF65-F5344CB8AC3E}">
@@ -11872,6 +12699,10 @@
           </p:nvPr>
         </p:nvSpPr>
         <p:spPr>
+          <a:xfrm>
+            <a:off x="5330412" y="3002921"/>
+            <a:ext cx="253364" cy="99386"/>
+          </a:xfrm>
           <a:prstGeom prst="rect">
             <a:avLst/>
           </a:prstGeom>
@@ -11904,8 +12735,13 @@
             </a:r>
             <a:r>
               <a:rPr spc="-35" dirty="0"/>
-              <a:t>16</a:t>
-            </a:r>
+              <a:t>1</a:t>
+            </a:r>
+            <a:r>
+              <a:rPr lang="en-US" spc="-35" dirty="0"/>
+              <a:t>5</a:t>
+            </a:r>
+            <a:endParaRPr spc="-35" dirty="0"/>
           </a:p>
         </p:txBody>
       </p:sp>
@@ -11942,6 +12778,515 @@
               <a:t>REGISTER_SERVER,uri=127.0.0.1:7777,uuid=01234567-89ab-cdef-0123-456789abcdef,current_players=10,max_players=20,state=MATCH_IN_PROGRESS</a:t>
             </a:r>
             <a:endParaRPr lang="ru-RU" sz="600" dirty="0"/>
+          </a:p>
+        </p:txBody>
+      </p:sp>
+      <p:graphicFrame>
+        <p:nvGraphicFramePr>
+          <p:cNvPr id="6" name="Таблица 7">
+            <a:extLst>
+              <a:ext uri="{FF2B5EF4-FFF2-40B4-BE49-F238E27FC236}">
+                <a16:creationId xmlns:a16="http://schemas.microsoft.com/office/drawing/2014/main" id="{FFE4407D-0201-4667-AF12-B5E77CB3C694}"/>
+              </a:ext>
+            </a:extLst>
+          </p:cNvPr>
+          <p:cNvGraphicFramePr>
+            <a:graphicFrameLocks noGrp="1"/>
+          </p:cNvGraphicFramePr>
+          <p:nvPr>
+            <p:extLst>
+              <p:ext uri="{D42A27DB-BD31-4B8C-83A1-F6EECF244321}">
+                <p14:modId xmlns:p14="http://schemas.microsoft.com/office/powerpoint/2010/main" val="1343050611"/>
+              </p:ext>
+            </p:extLst>
+          </p:nvPr>
+        </p:nvGraphicFramePr>
+        <p:xfrm>
+          <a:off x="960966" y="573008"/>
+          <a:ext cx="3843867" cy="2290049"/>
+        </p:xfrm>
+        <a:graphic>
+          <a:graphicData uri="http://schemas.openxmlformats.org/drawingml/2006/table">
+            <a:tbl>
+              <a:tblPr firstRow="1" bandRow="1">
+                <a:tableStyleId>{5C22544A-7EE6-4342-B048-85BDC9FD1C3A}</a:tableStyleId>
+              </a:tblPr>
+              <a:tblGrid>
+                <a:gridCol w="1281289">
+                  <a:extLst>
+                    <a:ext uri="{9D8B030D-6E8A-4147-A177-3AD203B41FA5}">
+                      <a16:colId xmlns:a16="http://schemas.microsoft.com/office/drawing/2014/main" val="1450436592"/>
+                    </a:ext>
+                  </a:extLst>
+                </a:gridCol>
+                <a:gridCol w="1281289">
+                  <a:extLst>
+                    <a:ext uri="{9D8B030D-6E8A-4147-A177-3AD203B41FA5}">
+                      <a16:colId xmlns:a16="http://schemas.microsoft.com/office/drawing/2014/main" val="758598386"/>
+                    </a:ext>
+                  </a:extLst>
+                </a:gridCol>
+                <a:gridCol w="1281289">
+                  <a:extLst>
+                    <a:ext uri="{9D8B030D-6E8A-4147-A177-3AD203B41FA5}">
+                      <a16:colId xmlns:a16="http://schemas.microsoft.com/office/drawing/2014/main" val="3356011839"/>
+                    </a:ext>
+                  </a:extLst>
+                </a:gridCol>
+              </a:tblGrid>
+              <a:tr h="230755">
+                <a:tc>
+                  <a:txBody>
+                    <a:bodyPr/>
+                    <a:lstStyle/>
+                    <a:p>
+                      <a:pPr algn="ctr"/>
+                      <a:r>
+                        <a:rPr lang="ru-RU" sz="600" dirty="0"/>
+                        <a:t>Поле</a:t>
+                      </a:r>
+                    </a:p>
+                  </a:txBody>
+                  <a:tcPr/>
+                </a:tc>
+                <a:tc>
+                  <a:txBody>
+                    <a:bodyPr/>
+                    <a:lstStyle/>
+                    <a:p>
+                      <a:pPr algn="ctr"/>
+                      <a:r>
+                        <a:rPr lang="ru-RU" sz="600" dirty="0"/>
+                        <a:t>Пример значений</a:t>
+                      </a:r>
+                    </a:p>
+                  </a:txBody>
+                  <a:tcPr/>
+                </a:tc>
+                <a:tc>
+                  <a:txBody>
+                    <a:bodyPr/>
+                    <a:lstStyle/>
+                    <a:p>
+                      <a:pPr algn="ctr"/>
+                      <a:r>
+                        <a:rPr lang="ru-RU" sz="600" dirty="0"/>
+                        <a:t>Предназначение</a:t>
+                      </a:r>
+                    </a:p>
+                  </a:txBody>
+                  <a:tcPr/>
+                </a:tc>
+                <a:extLst>
+                  <a:ext uri="{0D108BD9-81ED-4DB2-BD59-A6C34878D82A}">
+                    <a16:rowId xmlns:a16="http://schemas.microsoft.com/office/drawing/2014/main" val="2012369775"/>
+                  </a:ext>
+                </a:extLst>
+              </a:tr>
+              <a:tr h="278283">
+                <a:tc>
+                  <a:txBody>
+                    <a:bodyPr/>
+                    <a:lstStyle/>
+                    <a:p>
+                      <a:pPr algn="ctr"/>
+                      <a:r>
+                        <a:rPr lang="ru-RU" sz="600" i="1" dirty="0"/>
+                        <a:t>Тип команды</a:t>
+                      </a:r>
+                    </a:p>
+                  </a:txBody>
+                  <a:tcPr/>
+                </a:tc>
+                <a:tc>
+                  <a:txBody>
+                    <a:bodyPr/>
+                    <a:lstStyle/>
+                    <a:p>
+                      <a:pPr algn="ctr"/>
+                      <a:r>
+                        <a:rPr lang="en-US" sz="600" i="1" dirty="0"/>
+                        <a:t>REGISTER_SERVER</a:t>
+                      </a:r>
+                      <a:endParaRPr lang="ru-RU" sz="600" i="1" dirty="0"/>
+                    </a:p>
+                    <a:p>
+                      <a:pPr algn="ctr"/>
+                      <a:r>
+                        <a:rPr lang="en-US" sz="600" i="1" dirty="0"/>
+                        <a:t>UPDATE_SERVER</a:t>
+                      </a:r>
+                      <a:endParaRPr lang="ru-RU" sz="600" i="1" dirty="0"/>
+                    </a:p>
+                  </a:txBody>
+                  <a:tcPr/>
+                </a:tc>
+                <a:tc>
+                  <a:txBody>
+                    <a:bodyPr/>
+                    <a:lstStyle/>
+                    <a:p>
+                      <a:pPr algn="ctr"/>
+                      <a:r>
+                        <a:rPr lang="ru-RU" sz="600" i="1" dirty="0"/>
+                        <a:t>Указывает, для чего предназначен пакет</a:t>
+                      </a:r>
+                    </a:p>
+                  </a:txBody>
+                  <a:tcPr/>
+                </a:tc>
+                <a:extLst>
+                  <a:ext uri="{0D108BD9-81ED-4DB2-BD59-A6C34878D82A}">
+                    <a16:rowId xmlns:a16="http://schemas.microsoft.com/office/drawing/2014/main" val="1524691531"/>
+                  </a:ext>
+                </a:extLst>
+              </a:tr>
+              <a:tr h="278283">
+                <a:tc>
+                  <a:txBody>
+                    <a:bodyPr/>
+                    <a:lstStyle/>
+                    <a:p>
+                      <a:pPr algn="ctr"/>
+                      <a:r>
+                        <a:rPr lang="ru-RU" sz="600" i="1" dirty="0"/>
+                        <a:t>Адрес сервера</a:t>
+                      </a:r>
+                    </a:p>
+                  </a:txBody>
+                  <a:tcPr/>
+                </a:tc>
+                <a:tc>
+                  <a:txBody>
+                    <a:bodyPr/>
+                    <a:lstStyle/>
+                    <a:p>
+                      <a:pPr algn="ctr"/>
+                      <a:r>
+                        <a:rPr lang="ru-RU" sz="600" i="1" dirty="0"/>
+                        <a:t>192.168.1.12</a:t>
+                      </a:r>
+                      <a:r>
+                        <a:rPr lang="en-US" sz="600" i="1" dirty="0"/>
+                        <a:t>:7777</a:t>
+                      </a:r>
+                    </a:p>
+                    <a:p>
+                      <a:pPr algn="ctr"/>
+                      <a:r>
+                        <a:rPr lang="en-US" sz="600" i="1" dirty="0"/>
+                        <a:t>192.168.1.12:7779</a:t>
+                      </a:r>
+                      <a:endParaRPr lang="ru-RU" sz="600" i="1" dirty="0"/>
+                    </a:p>
+                  </a:txBody>
+                  <a:tcPr/>
+                </a:tc>
+                <a:tc>
+                  <a:txBody>
+                    <a:bodyPr/>
+                    <a:lstStyle/>
+                    <a:p>
+                      <a:pPr algn="ctr"/>
+                      <a:r>
+                        <a:rPr lang="ru-RU" sz="600" i="1" dirty="0"/>
+                        <a:t>Используется клиентами для подключения</a:t>
+                      </a:r>
+                    </a:p>
+                  </a:txBody>
+                  <a:tcPr/>
+                </a:tc>
+                <a:extLst>
+                  <a:ext uri="{0D108BD9-81ED-4DB2-BD59-A6C34878D82A}">
+                    <a16:rowId xmlns:a16="http://schemas.microsoft.com/office/drawing/2014/main" val="3991845608"/>
+                  </a:ext>
+                </a:extLst>
+              </a:tr>
+              <a:tr h="375682">
+                <a:tc>
+                  <a:txBody>
+                    <a:bodyPr/>
+                    <a:lstStyle/>
+                    <a:p>
+                      <a:pPr algn="ctr"/>
+                      <a:r>
+                        <a:rPr lang="ru-RU" sz="600" i="1" dirty="0"/>
+                        <a:t>Уникальный идентификатор (</a:t>
+                      </a:r>
+                      <a:r>
+                        <a:rPr lang="en-US" sz="600" i="1" dirty="0"/>
+                        <a:t>UUID)</a:t>
+                      </a:r>
+                      <a:endParaRPr lang="ru-RU" sz="600" i="1" dirty="0"/>
+                    </a:p>
+                  </a:txBody>
+                  <a:tcPr/>
+                </a:tc>
+                <a:tc>
+                  <a:txBody>
+                    <a:bodyPr/>
+                    <a:lstStyle/>
+                    <a:p>
+                      <a:pPr algn="ctr"/>
+                      <a:r>
+                        <a:rPr lang="en-US" sz="600" i="1" dirty="0"/>
+                        <a:t>01234567-89ab-cdef-0123-456789abcdef</a:t>
+                      </a:r>
+                      <a:endParaRPr lang="ru-RU" sz="600" i="1" dirty="0"/>
+                    </a:p>
+                  </a:txBody>
+                  <a:tcPr/>
+                </a:tc>
+                <a:tc>
+                  <a:txBody>
+                    <a:bodyPr/>
+                    <a:lstStyle/>
+                    <a:p>
+                      <a:pPr algn="ctr"/>
+                      <a:r>
+                        <a:rPr lang="ru-RU" sz="600" i="1" dirty="0"/>
+                        <a:t>Позволяет точно найти нужный сервер в структуре данных</a:t>
+                      </a:r>
+                    </a:p>
+                  </a:txBody>
+                  <a:tcPr/>
+                </a:tc>
+                <a:extLst>
+                  <a:ext uri="{0D108BD9-81ED-4DB2-BD59-A6C34878D82A}">
+                    <a16:rowId xmlns:a16="http://schemas.microsoft.com/office/drawing/2014/main" val="1800494101"/>
+                  </a:ext>
+                </a:extLst>
+              </a:tr>
+              <a:tr h="375682">
+                <a:tc>
+                  <a:txBody>
+                    <a:bodyPr/>
+                    <a:lstStyle/>
+                    <a:p>
+                      <a:pPr algn="ctr"/>
+                      <a:r>
+                        <a:rPr lang="ru-RU" sz="600" i="1" dirty="0"/>
+                        <a:t>Текущее количество пользователей</a:t>
+                      </a:r>
+                    </a:p>
+                  </a:txBody>
+                  <a:tcPr/>
+                </a:tc>
+                <a:tc>
+                  <a:txBody>
+                    <a:bodyPr/>
+                    <a:lstStyle/>
+                    <a:p>
+                      <a:pPr algn="ctr"/>
+                      <a:r>
+                        <a:rPr lang="ru-RU" sz="600" i="1" dirty="0"/>
+                        <a:t>10</a:t>
+                      </a:r>
+                      <a:br>
+                        <a:rPr lang="en-US" sz="600" i="1" dirty="0"/>
+                      </a:br>
+                      <a:r>
+                        <a:rPr lang="en-US" sz="600" i="1" dirty="0"/>
+                        <a:t>20</a:t>
+                      </a:r>
+                      <a:br>
+                        <a:rPr lang="en-US" sz="600" i="1" dirty="0"/>
+                      </a:br>
+                      <a:r>
+                        <a:rPr lang="en-US" sz="600" i="1" dirty="0"/>
+                        <a:t>40</a:t>
+                      </a:r>
+                      <a:endParaRPr lang="ru-RU" sz="600" i="1" dirty="0"/>
+                    </a:p>
+                  </a:txBody>
+                  <a:tcPr/>
+                </a:tc>
+                <a:tc>
+                  <a:txBody>
+                    <a:bodyPr/>
+                    <a:lstStyle/>
+                    <a:p>
+                      <a:pPr algn="ctr"/>
+                      <a:r>
+                        <a:rPr lang="ru-RU" sz="600" i="1" dirty="0"/>
+                        <a:t>Необходимо для распределения пользователей по серверам</a:t>
+                      </a:r>
+                    </a:p>
+                  </a:txBody>
+                  <a:tcPr/>
+                </a:tc>
+                <a:extLst>
+                  <a:ext uri="{0D108BD9-81ED-4DB2-BD59-A6C34878D82A}">
+                    <a16:rowId xmlns:a16="http://schemas.microsoft.com/office/drawing/2014/main" val="1363015470"/>
+                  </a:ext>
+                </a:extLst>
+              </a:tr>
+              <a:tr h="375682">
+                <a:tc>
+                  <a:txBody>
+                    <a:bodyPr/>
+                    <a:lstStyle/>
+                    <a:p>
+                      <a:pPr algn="ctr"/>
+                      <a:r>
+                        <a:rPr lang="ru-RU" sz="600" i="1" dirty="0"/>
+                        <a:t>Максимальное количество пользователей</a:t>
+                      </a:r>
+                    </a:p>
+                  </a:txBody>
+                  <a:tcPr/>
+                </a:tc>
+                <a:tc>
+                  <a:txBody>
+                    <a:bodyPr/>
+                    <a:lstStyle/>
+                    <a:p>
+                      <a:pPr algn="ctr"/>
+                      <a:r>
+                        <a:rPr lang="ru-RU" sz="600" i="1" dirty="0"/>
+                        <a:t>20</a:t>
+                      </a:r>
+                      <a:br>
+                        <a:rPr lang="en-US" sz="600" i="1" dirty="0"/>
+                      </a:br>
+                      <a:r>
+                        <a:rPr lang="en-US" sz="600" i="1" dirty="0"/>
+                        <a:t>30</a:t>
+                      </a:r>
+                      <a:br>
+                        <a:rPr lang="en-US" sz="600" i="1" dirty="0"/>
+                      </a:br>
+                      <a:r>
+                        <a:rPr lang="en-US" sz="600" i="1" dirty="0"/>
+                        <a:t>100</a:t>
+                      </a:r>
+                      <a:endParaRPr lang="ru-RU" sz="600" i="1" dirty="0"/>
+                    </a:p>
+                  </a:txBody>
+                  <a:tcPr/>
+                </a:tc>
+                <a:tc>
+                  <a:txBody>
+                    <a:bodyPr/>
+                    <a:lstStyle/>
+                    <a:p>
+                      <a:pPr algn="ctr"/>
+                      <a:r>
+                        <a:rPr lang="ru-RU" sz="600" i="1" dirty="0"/>
+                        <a:t>Ограничивает вместимость сервера для распределения нагрузки</a:t>
+                      </a:r>
+                    </a:p>
+                  </a:txBody>
+                  <a:tcPr/>
+                </a:tc>
+                <a:extLst>
+                  <a:ext uri="{0D108BD9-81ED-4DB2-BD59-A6C34878D82A}">
+                    <a16:rowId xmlns:a16="http://schemas.microsoft.com/office/drawing/2014/main" val="4068118559"/>
+                  </a:ext>
+                </a:extLst>
+              </a:tr>
+              <a:tr h="375682">
+                <a:tc>
+                  <a:txBody>
+                    <a:bodyPr/>
+                    <a:lstStyle/>
+                    <a:p>
+                      <a:pPr algn="ctr"/>
+                      <a:r>
+                        <a:rPr lang="ru-RU" sz="600" i="1" dirty="0"/>
+                        <a:t>Состояние матча</a:t>
+                      </a:r>
+                    </a:p>
+                  </a:txBody>
+                  <a:tcPr/>
+                </a:tc>
+                <a:tc>
+                  <a:txBody>
+                    <a:bodyPr/>
+                    <a:lstStyle/>
+                    <a:p>
+                      <a:pPr algn="ctr"/>
+                      <a:r>
+                        <a:rPr lang="en-US" sz="600" i="1" dirty="0"/>
+                        <a:t>MATCH_IN_PROGRESS;</a:t>
+                      </a:r>
+                      <a:endParaRPr lang="ru-RU" sz="600" i="1" dirty="0"/>
+                    </a:p>
+                    <a:p>
+                      <a:pPr algn="ctr"/>
+                      <a:r>
+                        <a:rPr lang="en-US" sz="600" i="1" dirty="0"/>
+                        <a:t>LOBBY;</a:t>
+                      </a:r>
+                      <a:br>
+                        <a:rPr lang="en-US" sz="600" i="1" dirty="0"/>
+                      </a:br>
+                      <a:r>
+                        <a:rPr lang="en-US" sz="600" i="1" dirty="0"/>
+                        <a:t>MATCH_STARTING;</a:t>
+                      </a:r>
+                      <a:endParaRPr lang="ru-RU" sz="600" i="1" dirty="0"/>
+                    </a:p>
+                  </a:txBody>
+                  <a:tcPr/>
+                </a:tc>
+                <a:tc>
+                  <a:txBody>
+                    <a:bodyPr/>
+                    <a:lstStyle/>
+                    <a:p>
+                      <a:pPr algn="ctr"/>
+                      <a:r>
+                        <a:rPr lang="ru-RU" sz="600" i="1" dirty="0"/>
+                        <a:t>Позволяет определить, на какой сервер можно распределить пользователя</a:t>
+                      </a:r>
+                    </a:p>
+                  </a:txBody>
+                  <a:tcPr/>
+                </a:tc>
+                <a:extLst>
+                  <a:ext uri="{0D108BD9-81ED-4DB2-BD59-A6C34878D82A}">
+                    <a16:rowId xmlns:a16="http://schemas.microsoft.com/office/drawing/2014/main" val="3730813976"/>
+                  </a:ext>
+                </a:extLst>
+              </a:tr>
+            </a:tbl>
+          </a:graphicData>
+        </a:graphic>
+      </p:graphicFrame>
+      <p:sp>
+        <p:nvSpPr>
+          <p:cNvPr id="9" name="TextBox 8">
+            <a:extLst>
+              <a:ext uri="{FF2B5EF4-FFF2-40B4-BE49-F238E27FC236}">
+                <a16:creationId xmlns:a16="http://schemas.microsoft.com/office/drawing/2014/main" id="{8B5F2311-76F3-4274-B50B-A55FB95638D5}"/>
+              </a:ext>
+            </a:extLst>
+          </p:cNvPr>
+          <p:cNvSpPr txBox="1"/>
+          <p:nvPr/>
+        </p:nvSpPr>
+        <p:spPr>
+          <a:xfrm>
+            <a:off x="1252365" y="2935030"/>
+            <a:ext cx="3151825" cy="215444"/>
+          </a:xfrm>
+          <a:prstGeom prst="rect">
+            <a:avLst/>
+          </a:prstGeom>
+          <a:noFill/>
+        </p:spPr>
+        <p:txBody>
+          <a:bodyPr wrap="none" rtlCol="0">
+            <a:spAutoFit/>
+          </a:bodyPr>
+          <a:lstStyle/>
+          <a:p>
+            <a:pPr algn="ctr"/>
+            <a:r>
+              <a:rPr lang="ru-RU" sz="800" dirty="0"/>
+              <a:t>Таблица 2. Представление структуры одного сетевого пакета</a:t>
+            </a:r>
           </a:p>
         </p:txBody>
       </p:sp>

--- a/Master/Diploma/presentation/Презентация.pptx
+++ b/Master/Diploma/presentation/Презентация.pptx
@@ -9,8 +9,8 @@
   </p:notesMasterIdLst>
   <p:sldIdLst>
     <p:sldId id="256" r:id="rId2"/>
-    <p:sldId id="258" r:id="rId3"/>
-    <p:sldId id="281" r:id="rId4"/>
+    <p:sldId id="281" r:id="rId3"/>
+    <p:sldId id="258" r:id="rId4"/>
     <p:sldId id="260" r:id="rId5"/>
     <p:sldId id="261" r:id="rId6"/>
     <p:sldId id="278" r:id="rId7"/>
@@ -132,7 +132,7 @@
           <a:p>
             <a:fld id="{DF72D1E3-4C5F-416B-82F4-05E153DB2B2B}" type="datetimeFigureOut">
               <a:rPr lang="ru-RU" smtClean="0"/>
-              <a:t>24.05.2025</a:t>
+              <a:t>26.05.2025</a:t>
             </a:fld>
             <a:endParaRPr lang="ru-RU"/>
           </a:p>
@@ -1573,7 +1573,7 @@
           <a:p>
             <a:fld id="{1D8BD707-D9CF-40AE-B4C6-C98DA3205C09}" type="datetimeFigureOut">
               <a:rPr lang="en-US"/>
-              <a:t>5/24/2025</a:t>
+              <a:t>5/26/2025</a:t>
             </a:fld>
             <a:endParaRPr lang="en-US"/>
           </a:p>
@@ -1770,7 +1770,7 @@
           <a:p>
             <a:fld id="{1D8BD707-D9CF-40AE-B4C6-C98DA3205C09}" type="datetimeFigureOut">
               <a:rPr lang="en-US"/>
-              <a:t>5/24/2025</a:t>
+              <a:t>5/26/2025</a:t>
             </a:fld>
             <a:endParaRPr lang="en-US"/>
           </a:p>
@@ -2004,7 +2004,7 @@
           <a:p>
             <a:fld id="{1D8BD707-D9CF-40AE-B4C6-C98DA3205C09}" type="datetimeFigureOut">
               <a:rPr lang="en-US"/>
-              <a:t>5/24/2025</a:t>
+              <a:t>5/26/2025</a:t>
             </a:fld>
             <a:endParaRPr lang="en-US"/>
           </a:p>
@@ -2172,7 +2172,7 @@
           <a:p>
             <a:fld id="{1D8BD707-D9CF-40AE-B4C6-C98DA3205C09}" type="datetimeFigureOut">
               <a:rPr lang="en-US"/>
-              <a:t>5/24/2025</a:t>
+              <a:t>5/26/2025</a:t>
             </a:fld>
             <a:endParaRPr lang="en-US"/>
           </a:p>
@@ -2319,7 +2319,7 @@
           <a:p>
             <a:fld id="{1D8BD707-D9CF-40AE-B4C6-C98DA3205C09}" type="datetimeFigureOut">
               <a:rPr lang="en-US"/>
-              <a:t>5/24/2025</a:t>
+              <a:t>5/26/2025</a:t>
             </a:fld>
             <a:endParaRPr lang="en-US"/>
           </a:p>
@@ -2586,7 +2586,7 @@
           <a:p>
             <a:fld id="{1D8BD707-D9CF-40AE-B4C6-C98DA3205C09}" type="datetimeFigureOut">
               <a:rPr lang="en-US"/>
-              <a:t>5/24/2025</a:t>
+              <a:t>5/26/2025</a:t>
             </a:fld>
             <a:endParaRPr lang="en-US"/>
           </a:p>
@@ -6687,18 +6687,13 @@
               </a:spcBef>
             </a:pPr>
             <a:r>
-              <a:rPr lang="ru-RU" dirty="0">
+              <a:rPr lang="ru-RU" spc="-10" dirty="0">
                 <a:highlight>
                   <a:srgbClr val="FFFF00"/>
                 </a:highlight>
               </a:rPr>
-              <a:t>Ограничение доступа к запуску выделенных серверов</a:t>
-            </a:r>
-            <a:endParaRPr lang="ru-RU" spc="-10" dirty="0">
-              <a:highlight>
-                <a:srgbClr val="FFFF00"/>
-              </a:highlight>
-            </a:endParaRPr>
+              <a:t>Трудоемкость и реализованные задачи</a:t>
+            </a:r>
           </a:p>
           <a:p>
             <a:pPr marL="154305">
@@ -6840,381 +6835,6 @@
               <a:t>5</a:t>
             </a:r>
             <a:endParaRPr spc="-35" dirty="0"/>
-          </a:p>
-        </p:txBody>
-      </p:sp>
-      <p:sp>
-        <p:nvSpPr>
-          <p:cNvPr id="6" name="TextBox 5">
-            <a:extLst>
-              <a:ext uri="{FF2B5EF4-FFF2-40B4-BE49-F238E27FC236}">
-                <a16:creationId xmlns:a16="http://schemas.microsoft.com/office/drawing/2014/main" id="{09C1259F-A302-460C-9824-3BB694CDBE74}"/>
-              </a:ext>
-            </a:extLst>
-          </p:cNvPr>
-          <p:cNvSpPr txBox="1"/>
-          <p:nvPr/>
-        </p:nvSpPr>
-        <p:spPr>
-          <a:xfrm>
-            <a:off x="193400" y="1212439"/>
-            <a:ext cx="2569318" cy="954107"/>
-          </a:xfrm>
-          <a:prstGeom prst="rect">
-            <a:avLst/>
-          </a:prstGeom>
-          <a:noFill/>
-        </p:spPr>
-        <p:txBody>
-          <a:bodyPr wrap="square" rtlCol="0">
-            <a:spAutoFit/>
-          </a:bodyPr>
-          <a:lstStyle/>
-          <a:p>
-            <a:pPr marL="171450" indent="-171450">
-              <a:buClr>
-                <a:srgbClr val="006CDC"/>
-              </a:buClr>
-              <a:buFont typeface="Wingdings" panose="05000000000000000000" pitchFamily="2" charset="2"/>
-              <a:buChar char="§"/>
-            </a:pPr>
-            <a:r>
-              <a:rPr lang="ru-RU" sz="800" dirty="0"/>
-              <a:t>Жесткие ограничения доступа могут ухудшать пользовательский опыт работы с приложением</a:t>
-            </a:r>
-            <a:r>
-              <a:rPr lang="en-US" sz="800" dirty="0"/>
-              <a:t>;</a:t>
-            </a:r>
-            <a:endParaRPr lang="ru-RU" sz="800" dirty="0"/>
-          </a:p>
-          <a:p>
-            <a:pPr marL="171450" indent="-171450">
-              <a:buClr>
-                <a:srgbClr val="006CDC"/>
-              </a:buClr>
-              <a:buFont typeface="Wingdings" panose="05000000000000000000" pitchFamily="2" charset="2"/>
-              <a:buChar char="§"/>
-            </a:pPr>
-            <a:endParaRPr lang="en-US" sz="800" dirty="0"/>
-          </a:p>
-          <a:p>
-            <a:pPr marL="171450" indent="-171450">
-              <a:buClr>
-                <a:srgbClr val="006CDC"/>
-              </a:buClr>
-              <a:buFont typeface="Wingdings" panose="05000000000000000000" pitchFamily="2" charset="2"/>
-              <a:buChar char="§"/>
-            </a:pPr>
-            <a:r>
-              <a:rPr lang="ru-RU" sz="800" dirty="0"/>
-              <a:t>Запуск выделенного сервера стоит ресурсов, необходима контролируемая система допуска.</a:t>
-            </a:r>
-          </a:p>
-        </p:txBody>
-      </p:sp>
-      <p:sp>
-        <p:nvSpPr>
-          <p:cNvPr id="7" name="TextBox 6">
-            <a:extLst>
-              <a:ext uri="{FF2B5EF4-FFF2-40B4-BE49-F238E27FC236}">
-                <a16:creationId xmlns:a16="http://schemas.microsoft.com/office/drawing/2014/main" id="{B066D928-F71C-42FD-9BFA-9EEA2D021405}"/>
-              </a:ext>
-            </a:extLst>
-          </p:cNvPr>
-          <p:cNvSpPr txBox="1"/>
-          <p:nvPr/>
-        </p:nvSpPr>
-        <p:spPr>
-          <a:xfrm>
-            <a:off x="3416300" y="981607"/>
-            <a:ext cx="1367682" cy="230832"/>
-          </a:xfrm>
-          <a:prstGeom prst="rect">
-            <a:avLst/>
-          </a:prstGeom>
-          <a:noFill/>
-        </p:spPr>
-        <p:txBody>
-          <a:bodyPr wrap="none" rtlCol="0">
-            <a:spAutoFit/>
-          </a:bodyPr>
-          <a:lstStyle/>
-          <a:p>
-            <a:r>
-              <a:rPr lang="ru-RU" sz="900" b="1" i="1" dirty="0"/>
-              <a:t>Решение в проекте</a:t>
-            </a:r>
-            <a:r>
-              <a:rPr lang="en-US" sz="900" b="1" i="1" dirty="0"/>
-              <a:t>:</a:t>
-            </a:r>
-            <a:endParaRPr lang="ru-RU" sz="900" b="1" i="1" dirty="0"/>
-          </a:p>
-        </p:txBody>
-      </p:sp>
-      <p:sp>
-        <p:nvSpPr>
-          <p:cNvPr id="8" name="TextBox 7">
-            <a:extLst>
-              <a:ext uri="{FF2B5EF4-FFF2-40B4-BE49-F238E27FC236}">
-                <a16:creationId xmlns:a16="http://schemas.microsoft.com/office/drawing/2014/main" id="{A34764B6-17D5-4172-8DAE-87890DBE8809}"/>
-              </a:ext>
-            </a:extLst>
-          </p:cNvPr>
-          <p:cNvSpPr txBox="1"/>
-          <p:nvPr/>
-        </p:nvSpPr>
-        <p:spPr>
-          <a:xfrm>
-            <a:off x="2730500" y="1212439"/>
-            <a:ext cx="2981367" cy="1077218"/>
-          </a:xfrm>
-          <a:prstGeom prst="rect">
-            <a:avLst/>
-          </a:prstGeom>
-          <a:noFill/>
-        </p:spPr>
-        <p:txBody>
-          <a:bodyPr wrap="square" rtlCol="0">
-            <a:spAutoFit/>
-          </a:bodyPr>
-          <a:lstStyle/>
-          <a:p>
-            <a:pPr marL="171450" indent="-171450">
-              <a:buClr>
-                <a:srgbClr val="006CDC"/>
-              </a:buClr>
-              <a:buFont typeface="Wingdings" panose="05000000000000000000" pitchFamily="2" charset="2"/>
-              <a:buChar char="ü"/>
-            </a:pPr>
-            <a:r>
-              <a:rPr lang="ru-RU" sz="800" dirty="0"/>
-              <a:t>Проверка</a:t>
-            </a:r>
-            <a:r>
-              <a:rPr lang="en-US" sz="800" dirty="0"/>
-              <a:t>/</a:t>
-            </a:r>
-            <a:r>
-              <a:rPr lang="ru-RU" sz="800" dirty="0"/>
-              <a:t>приобретение доступа осуществляется</a:t>
-            </a:r>
-            <a:br>
-              <a:rPr lang="ru-RU" sz="800" dirty="0"/>
-            </a:br>
-            <a:r>
-              <a:rPr lang="ru-RU" sz="800" dirty="0"/>
-              <a:t>через подсистему </a:t>
-            </a:r>
-            <a:r>
-              <a:rPr lang="en-US" sz="800" dirty="0"/>
-              <a:t>EOS;</a:t>
-            </a:r>
-            <a:endParaRPr lang="ru-RU" sz="800" dirty="0"/>
-          </a:p>
-          <a:p>
-            <a:pPr marL="171450" indent="-171450">
-              <a:buClr>
-                <a:srgbClr val="006CDC"/>
-              </a:buClr>
-              <a:buFont typeface="Wingdings" panose="05000000000000000000" pitchFamily="2" charset="2"/>
-              <a:buChar char="ü"/>
-            </a:pPr>
-            <a:endParaRPr lang="en-US" sz="800" dirty="0"/>
-          </a:p>
-          <a:p>
-            <a:pPr marL="171450" indent="-171450">
-              <a:buClr>
-                <a:srgbClr val="006CDC"/>
-              </a:buClr>
-              <a:buFont typeface="Wingdings" panose="05000000000000000000" pitchFamily="2" charset="2"/>
-              <a:buChar char="ü"/>
-            </a:pPr>
-            <a:r>
-              <a:rPr lang="ru-RU" sz="800" dirty="0"/>
-              <a:t>Данные о покупке кэшируется на клиенте в</a:t>
-            </a:r>
-            <a:br>
-              <a:rPr lang="ru-RU" sz="800" dirty="0"/>
-            </a:br>
-            <a:r>
-              <a:rPr lang="ru-RU" sz="800" dirty="0"/>
-              <a:t>зашифрованном виде</a:t>
-            </a:r>
-            <a:r>
-              <a:rPr lang="en-US" sz="800" dirty="0"/>
-              <a:t>;</a:t>
-            </a:r>
-            <a:endParaRPr lang="ru-RU" sz="800" dirty="0"/>
-          </a:p>
-          <a:p>
-            <a:pPr marL="171450" indent="-171450">
-              <a:buClr>
-                <a:srgbClr val="006CDC"/>
-              </a:buClr>
-              <a:buFont typeface="Wingdings" panose="05000000000000000000" pitchFamily="2" charset="2"/>
-              <a:buChar char="ü"/>
-            </a:pPr>
-            <a:endParaRPr lang="en-US" sz="800" dirty="0"/>
-          </a:p>
-          <a:p>
-            <a:pPr marL="171450" indent="-171450">
-              <a:buClr>
-                <a:srgbClr val="006CDC"/>
-              </a:buClr>
-              <a:buFont typeface="Wingdings" panose="05000000000000000000" pitchFamily="2" charset="2"/>
-              <a:buChar char="ü"/>
-            </a:pPr>
-            <a:r>
-              <a:rPr lang="ru-RU" sz="800" dirty="0"/>
-              <a:t>Пользователь может запускать матч в автономном</a:t>
-            </a:r>
-            <a:br>
-              <a:rPr lang="ru-RU" sz="800" dirty="0"/>
-            </a:br>
-            <a:r>
-              <a:rPr lang="ru-RU" sz="800" dirty="0"/>
-              <a:t>режиме</a:t>
-            </a:r>
-            <a:r>
-              <a:rPr lang="en-US" sz="800" dirty="0"/>
-              <a:t> </a:t>
-            </a:r>
-            <a:r>
-              <a:rPr lang="ru-RU" sz="800" dirty="0"/>
-              <a:t>без подключения к сети.</a:t>
-            </a:r>
-          </a:p>
-        </p:txBody>
-      </p:sp>
-      <p:sp>
-        <p:nvSpPr>
-          <p:cNvPr id="9" name="TextBox 8">
-            <a:extLst>
-              <a:ext uri="{FF2B5EF4-FFF2-40B4-BE49-F238E27FC236}">
-                <a16:creationId xmlns:a16="http://schemas.microsoft.com/office/drawing/2014/main" id="{EEF8CFB8-BAE2-40D3-AE3F-482AF3B8D924}"/>
-              </a:ext>
-            </a:extLst>
-          </p:cNvPr>
-          <p:cNvSpPr txBox="1"/>
-          <p:nvPr/>
-        </p:nvSpPr>
-        <p:spPr>
-          <a:xfrm>
-            <a:off x="301278" y="623791"/>
-            <a:ext cx="5038559" cy="215444"/>
-          </a:xfrm>
-          <a:prstGeom prst="rect">
-            <a:avLst/>
-          </a:prstGeom>
-          <a:noFill/>
-        </p:spPr>
-        <p:txBody>
-          <a:bodyPr wrap="none" rtlCol="0">
-            <a:spAutoFit/>
-          </a:bodyPr>
-          <a:lstStyle/>
-          <a:p>
-            <a:r>
-              <a:rPr lang="ru-RU" sz="800" dirty="0">
-                <a:solidFill>
-                  <a:schemeClr val="bg1">
-                    <a:lumMod val="50000"/>
-                  </a:schemeClr>
-                </a:solidFill>
-              </a:rPr>
-              <a:t>В современных системах пользовательский опыт становится не менее важным, чем защита данных.</a:t>
-            </a:r>
-          </a:p>
-        </p:txBody>
-      </p:sp>
-      <p:pic>
-        <p:nvPicPr>
-          <p:cNvPr id="15" name="Объект 15" descr="Информация">
-            <a:extLst>
-              <a:ext uri="{FF2B5EF4-FFF2-40B4-BE49-F238E27FC236}">
-                <a16:creationId xmlns:a16="http://schemas.microsoft.com/office/drawing/2014/main" id="{C2A4C9B4-FD93-4543-83F4-040C2D78FA9F}"/>
-              </a:ext>
-            </a:extLst>
-          </p:cNvPr>
-          <p:cNvPicPr>
-            <a:picLocks noChangeAspect="1"/>
-          </p:cNvPicPr>
-          <p:nvPr/>
-        </p:nvPicPr>
-        <p:blipFill>
-          <a:blip r:embed="rId4" cstate="print">
-            <a:extLst>
-              <a:ext uri="{28A0092B-C50C-407E-A947-70E740481C1C}">
-                <a14:useLocalDpi xmlns:a14="http://schemas.microsoft.com/office/drawing/2010/main" val="0"/>
-              </a:ext>
-              <a:ext uri="{96DAC541-7B7A-43D3-8B79-37D633B846F1}">
-                <asvg:svgBlip xmlns:asvg="http://schemas.microsoft.com/office/drawing/2016/SVG/main" r:embed="rId5"/>
-              </a:ext>
-            </a:extLst>
-          </a:blip>
-          <a:stretch>
-            <a:fillRect/>
-          </a:stretch>
-        </p:blipFill>
-        <p:spPr bwMode="auto">
-          <a:xfrm>
-            <a:off x="198564" y="653927"/>
-            <a:ext cx="144469" cy="144469"/>
-          </a:xfrm>
-          <a:prstGeom prst="rect">
-            <a:avLst/>
-          </a:prstGeom>
-          <a:noFill/>
-          <a:extLst>
-            <a:ext uri="{909E8E84-426E-40DD-AFC4-6F175D3DCCD1}">
-              <a14:hiddenFill xmlns:a14="http://schemas.microsoft.com/office/drawing/2010/main">
-                <a:solidFill>
-                  <a:srgbClr val="FFFFFF"/>
-                </a:solidFill>
-              </a14:hiddenFill>
-            </a:ext>
-          </a:extLst>
-        </p:spPr>
-      </p:pic>
-      <p:sp>
-        <p:nvSpPr>
-          <p:cNvPr id="16" name="TextBox 15">
-            <a:extLst>
-              <a:ext uri="{FF2B5EF4-FFF2-40B4-BE49-F238E27FC236}">
-                <a16:creationId xmlns:a16="http://schemas.microsoft.com/office/drawing/2014/main" id="{C86F1B2D-AC8D-46CD-8142-E4FF1EC2554C}"/>
-              </a:ext>
-            </a:extLst>
-          </p:cNvPr>
-          <p:cNvSpPr txBox="1"/>
-          <p:nvPr/>
-        </p:nvSpPr>
-        <p:spPr>
-          <a:xfrm>
-            <a:off x="1058713" y="981607"/>
-            <a:ext cx="838691" cy="230832"/>
-          </a:xfrm>
-          <a:prstGeom prst="rect">
-            <a:avLst/>
-          </a:prstGeom>
-          <a:noFill/>
-        </p:spPr>
-        <p:txBody>
-          <a:bodyPr wrap="none" rtlCol="0">
-            <a:spAutoFit/>
-          </a:bodyPr>
-          <a:lstStyle/>
-          <a:p>
-            <a:r>
-              <a:rPr lang="ru-RU" sz="900" b="1" i="1" dirty="0"/>
-              <a:t>Проблемы</a:t>
-            </a:r>
-            <a:r>
-              <a:rPr lang="en-US" sz="900" b="1" i="1" dirty="0"/>
-              <a:t>:</a:t>
-            </a:r>
-            <a:endParaRPr lang="ru-RU" sz="900" b="1" i="1" dirty="0"/>
           </a:p>
         </p:txBody>
       </p:sp>
@@ -7425,11 +7045,11 @@
               </a:tabLst>
             </a:pPr>
             <a:r>
-              <a:rPr lang="ru-RU" dirty="0"/>
+              <a:rPr lang="ru-RU" spc="-50" dirty="0"/>
               <a:t>Разработанная архитектура позволила реализовать управляемую и легко расширяемую систему для масштабируемого запуска UE-серверов</a:t>
             </a:r>
             <a:r>
-              <a:rPr lang="en-US" dirty="0"/>
+              <a:rPr lang="en-US" spc="-50" dirty="0"/>
               <a:t>;</a:t>
             </a:r>
             <a:endParaRPr lang="ru-RU" spc="-50" dirty="0"/>
@@ -7453,7 +7073,7 @@
             </a:pPr>
             <a:r>
               <a:rPr lang="ru-RU" spc="-60" dirty="0"/>
-              <a:t>Проведенные исследования в ходе работы позволили существенно уменьшить накладные расходы и улучшить производительность системы</a:t>
+              <a:t>Проведенные исследования в области сериализации сетевых пакетов позволили существенно уменьшить накладные расходы по памяти до 3 раз</a:t>
             </a:r>
             <a:r>
               <a:rPr lang="en-US" spc="-60" dirty="0"/>
@@ -7600,46 +7220,6 @@
       </p:grpSpPr>
       <p:sp>
         <p:nvSpPr>
-          <p:cNvPr id="2" name="object 2"/>
-          <p:cNvSpPr txBox="1"/>
-          <p:nvPr/>
-        </p:nvSpPr>
-        <p:spPr>
-          <a:xfrm rot="10800000">
-            <a:off x="237383" y="316589"/>
-            <a:ext cx="127791" cy="114300"/>
-          </a:xfrm>
-          <a:prstGeom prst="rect">
-            <a:avLst/>
-          </a:prstGeom>
-        </p:spPr>
-        <p:txBody>
-          <a:bodyPr vert="horz" wrap="square" lIns="0" tIns="0" rIns="0" bIns="0" rtlCol="0">
-            <a:spAutoFit/>
-          </a:bodyPr>
-          <a:lstStyle/>
-          <a:p>
-            <a:pPr>
-              <a:lnSpc>
-                <a:spcPts val="890"/>
-              </a:lnSpc>
-            </a:pPr>
-            <a:r>
-              <a:rPr sz="900" spc="-120" dirty="0">
-                <a:latin typeface="Cambria"/>
-                <a:cs typeface="Cambria"/>
-              </a:rPr>
-              <a:t>↰</a:t>
-            </a:r>
-            <a:endParaRPr sz="900">
-              <a:latin typeface="Cambria"/>
-              <a:cs typeface="Cambria"/>
-            </a:endParaRPr>
-          </a:p>
-        </p:txBody>
-      </p:sp>
-      <p:sp>
-        <p:nvSpPr>
           <p:cNvPr id="3" name="object 3"/>
           <p:cNvSpPr txBox="1">
             <a:spLocks noGrp="1"/>
@@ -7650,8 +7230,8 @@
         </p:nvSpPr>
         <p:spPr>
           <a:xfrm>
-            <a:off x="203301" y="154913"/>
-            <a:ext cx="3326765" cy="310534"/>
+            <a:off x="203827" y="285522"/>
+            <a:ext cx="3326765" cy="178254"/>
           </a:xfrm>
           <a:prstGeom prst="rect">
             <a:avLst/>
@@ -7672,41 +7252,10 @@
               </a:spcBef>
             </a:pPr>
             <a:r>
-              <a:rPr spc="-10" dirty="0"/>
-              <a:t>Введение</a:t>
-            </a:r>
-          </a:p>
-          <a:p>
-            <a:pPr marL="154305">
-              <a:lnSpc>
-                <a:spcPts val="1065"/>
-              </a:lnSpc>
-            </a:pPr>
-            <a:r>
-              <a:rPr lang="en-US" sz="900" spc="-50" dirty="0"/>
-              <a:t> </a:t>
-            </a:r>
-            <a:r>
-              <a:rPr sz="900" spc="-50" dirty="0" err="1"/>
-              <a:t>Описание</a:t>
-            </a:r>
-            <a:r>
-              <a:rPr sz="900" spc="-10" dirty="0"/>
-              <a:t> </a:t>
-            </a:r>
-            <a:r>
-              <a:rPr sz="900" spc="-55" dirty="0"/>
-              <a:t>предметной</a:t>
-            </a:r>
-            <a:r>
-              <a:rPr sz="900" spc="-10" dirty="0"/>
-              <a:t> </a:t>
-            </a:r>
-            <a:r>
-              <a:rPr sz="900" spc="-65" dirty="0"/>
-              <a:t>области</a:t>
-            </a:r>
-            <a:endParaRPr sz="900" dirty="0"/>
+              <a:rPr lang="ru-RU" spc="-10" dirty="0"/>
+              <a:t>Сокращения и определения</a:t>
+            </a:r>
+            <a:endParaRPr spc="-10" dirty="0"/>
           </a:p>
         </p:txBody>
       </p:sp>
@@ -7812,6 +7361,585 @@
                 <a:cs typeface="Trebuchet MS"/>
               </a:rPr>
               <a:t>2</a:t>
+            </a:fld>
+            <a:r>
+              <a:rPr sz="600" spc="-35" dirty="0">
+                <a:solidFill>
+                  <a:srgbClr val="006CDC"/>
+                </a:solidFill>
+                <a:latin typeface="Trebuchet MS"/>
+                <a:cs typeface="Trebuchet MS"/>
+              </a:rPr>
+              <a:t> /</a:t>
+            </a:r>
+            <a:r>
+              <a:rPr sz="600" spc="-30" dirty="0">
+                <a:solidFill>
+                  <a:srgbClr val="006CDC"/>
+                </a:solidFill>
+                <a:latin typeface="Trebuchet MS"/>
+                <a:cs typeface="Trebuchet MS"/>
+              </a:rPr>
+              <a:t> </a:t>
+            </a:r>
+            <a:r>
+              <a:rPr sz="600" spc="-25" dirty="0">
+                <a:solidFill>
+                  <a:srgbClr val="006CDC"/>
+                </a:solidFill>
+                <a:latin typeface="Trebuchet MS"/>
+                <a:cs typeface="Trebuchet MS"/>
+              </a:rPr>
+              <a:t>1</a:t>
+            </a:r>
+            <a:r>
+              <a:rPr lang="en-US" sz="600" spc="-25" dirty="0">
+                <a:solidFill>
+                  <a:srgbClr val="006CDC"/>
+                </a:solidFill>
+                <a:latin typeface="Trebuchet MS"/>
+                <a:cs typeface="Trebuchet MS"/>
+              </a:rPr>
+              <a:t>5</a:t>
+            </a:r>
+            <a:endParaRPr sz="600" dirty="0">
+              <a:latin typeface="Trebuchet MS"/>
+              <a:cs typeface="Trebuchet MS"/>
+            </a:endParaRPr>
+          </a:p>
+        </p:txBody>
+      </p:sp>
+      <p:sp>
+        <p:nvSpPr>
+          <p:cNvPr id="16" name="object 4">
+            <a:extLst>
+              <a:ext uri="{FF2B5EF4-FFF2-40B4-BE49-F238E27FC236}">
+                <a16:creationId xmlns:a16="http://schemas.microsoft.com/office/drawing/2014/main" id="{F6C59595-50B7-459A-8D57-3D54F74DE513}"/>
+              </a:ext>
+            </a:extLst>
+          </p:cNvPr>
+          <p:cNvSpPr/>
+          <p:nvPr/>
+        </p:nvSpPr>
+        <p:spPr>
+          <a:xfrm>
+            <a:off x="237382" y="2689225"/>
+            <a:ext cx="4923790" cy="0"/>
+          </a:xfrm>
+          <a:custGeom>
+            <a:avLst/>
+            <a:gdLst/>
+            <a:ahLst/>
+            <a:cxnLst/>
+            <a:rect l="l" t="t" r="r" b="b"/>
+            <a:pathLst>
+              <a:path w="4923790">
+                <a:moveTo>
+                  <a:pt x="0" y="0"/>
+                </a:moveTo>
+                <a:lnTo>
+                  <a:pt x="4923726" y="0"/>
+                </a:lnTo>
+              </a:path>
+            </a:pathLst>
+          </a:custGeom>
+          <a:ln w="25304">
+            <a:solidFill>
+              <a:srgbClr val="006CDC"/>
+            </a:solidFill>
+          </a:ln>
+        </p:spPr>
+        <p:txBody>
+          <a:bodyPr wrap="square" lIns="0" tIns="0" rIns="0" bIns="0" rtlCol="0"/>
+          <a:lstStyle/>
+          <a:p>
+            <a:endParaRPr/>
+          </a:p>
+        </p:txBody>
+      </p:sp>
+      <mc:AlternateContent xmlns:mc="http://schemas.openxmlformats.org/markup-compatibility/2006">
+        <mc:Choice xmlns:a14="http://schemas.microsoft.com/office/drawing/2010/main" Requires="a14">
+          <p:sp>
+            <p:nvSpPr>
+              <p:cNvPr id="6" name="TextBox 5">
+                <a:extLst>
+                  <a:ext uri="{FF2B5EF4-FFF2-40B4-BE49-F238E27FC236}">
+                    <a16:creationId xmlns:a16="http://schemas.microsoft.com/office/drawing/2014/main" id="{FA0F67EB-AD7F-46D1-B253-1BCA7AE31ED0}"/>
+                  </a:ext>
+                </a:extLst>
+              </p:cNvPr>
+              <p:cNvSpPr txBox="1"/>
+              <p:nvPr/>
+            </p:nvSpPr>
+            <p:spPr>
+              <a:xfrm>
+                <a:off x="139700" y="708025"/>
+                <a:ext cx="5562600" cy="1785104"/>
+              </a:xfrm>
+              <a:prstGeom prst="rect">
+                <a:avLst/>
+              </a:prstGeom>
+              <a:noFill/>
+            </p:spPr>
+            <p:txBody>
+              <a:bodyPr wrap="square" rtlCol="0">
+                <a:spAutoFit/>
+              </a:bodyPr>
+              <a:lstStyle/>
+              <a:p>
+                <a:pPr marL="171450" indent="-171450">
+                  <a:buFont typeface="Wingdings" panose="05000000000000000000" pitchFamily="2" charset="2"/>
+                  <a:buChar char="§"/>
+                </a:pPr>
+                <a:r>
+                  <a:rPr lang="en-US" sz="1000" i="1" dirty="0"/>
+                  <a:t>Minikube/Kubernetes </a:t>
+                </a:r>
+                <a14:m>
+                  <m:oMath xmlns:m="http://schemas.openxmlformats.org/officeDocument/2006/math">
+                    <m:r>
+                      <a:rPr lang="en-US" sz="1000" b="0" i="1" smtClean="0">
+                        <a:latin typeface="Cambria Math" panose="02040503050406030204" pitchFamily="18" charset="0"/>
+                      </a:rPr>
+                      <m:t>−</m:t>
+                    </m:r>
+                  </m:oMath>
+                </a14:m>
+                <a:r>
+                  <a:rPr lang="ru-RU" sz="1000" dirty="0"/>
+                  <a:t> система оркестрации, предназначенная для управления</a:t>
+                </a:r>
+                <a:br>
+                  <a:rPr lang="ru-RU" sz="1000" dirty="0"/>
+                </a:br>
+                <a:r>
+                  <a:rPr lang="ru-RU" sz="1000" dirty="0"/>
+                  <a:t>крупными контейнерными инфраструктурами</a:t>
+                </a:r>
+                <a:r>
+                  <a:rPr lang="en-US" sz="1000" dirty="0"/>
+                  <a:t>;</a:t>
+                </a:r>
+                <a:br>
+                  <a:rPr lang="ru-RU" sz="1000" dirty="0"/>
+                </a:br>
+                <a:endParaRPr lang="en-US" sz="1000" dirty="0"/>
+              </a:p>
+              <a:p>
+                <a:pPr marL="171450" indent="-171450">
+                  <a:buFont typeface="Wingdings" panose="05000000000000000000" pitchFamily="2" charset="2"/>
+                  <a:buChar char="§"/>
+                </a:pPr>
+                <a:r>
+                  <a:rPr lang="en-US" sz="1000" i="1" dirty="0"/>
+                  <a:t>Unreal Engine (UE) </a:t>
+                </a:r>
+                <a14:m>
+                  <m:oMath xmlns:m="http://schemas.openxmlformats.org/officeDocument/2006/math">
+                    <m:r>
+                      <a:rPr lang="en-US" sz="1000" b="0" i="1" smtClean="0">
+                        <a:latin typeface="Cambria Math" panose="02040503050406030204" pitchFamily="18" charset="0"/>
+                      </a:rPr>
+                      <m:t>−</m:t>
+                    </m:r>
+                  </m:oMath>
+                </a14:m>
+                <a:r>
+                  <a:rPr lang="en-US" sz="1000" dirty="0"/>
+                  <a:t> </a:t>
+                </a:r>
+                <a:r>
+                  <a:rPr lang="ru-RU" sz="1000" i="1" dirty="0"/>
+                  <a:t>3</a:t>
+                </a:r>
+                <a:r>
+                  <a:rPr lang="en-US" sz="1000" i="1" dirty="0"/>
+                  <a:t>D-</a:t>
+                </a:r>
+                <a:r>
+                  <a:rPr lang="ru-RU" sz="1000" dirty="0"/>
+                  <a:t>движок с открытым исходным кодом на </a:t>
+                </a:r>
+                <a:r>
+                  <a:rPr lang="en-US" sz="1000" i="1" dirty="0"/>
+                  <a:t>C++</a:t>
+                </a:r>
+                <a:r>
+                  <a:rPr lang="ru-RU" sz="1000" dirty="0"/>
+                  <a:t>, разрабатываемый</a:t>
+                </a:r>
+                <a:r>
+                  <a:rPr lang="en-US" sz="1000" dirty="0"/>
+                  <a:t> </a:t>
+                </a:r>
+                <a:r>
+                  <a:rPr lang="ru-RU" sz="1000" dirty="0"/>
+                  <a:t>и поддерживаемый компанией </a:t>
+                </a:r>
+                <a:r>
+                  <a:rPr lang="en-US" sz="1000" i="1" dirty="0"/>
+                  <a:t>Epic Games</a:t>
+                </a:r>
+                <a:r>
+                  <a:rPr lang="en-US" sz="1000" dirty="0"/>
+                  <a:t>;</a:t>
+                </a:r>
+                <a:br>
+                  <a:rPr lang="ru-RU" sz="1000" dirty="0"/>
+                </a:br>
+                <a:endParaRPr lang="en-US" sz="1000" dirty="0"/>
+              </a:p>
+              <a:p>
+                <a:pPr marL="171450" indent="-171450">
+                  <a:buFont typeface="Wingdings" panose="05000000000000000000" pitchFamily="2" charset="2"/>
+                  <a:buChar char="§"/>
+                </a:pPr>
+                <a:r>
+                  <a:rPr lang="en-US" sz="1000" i="1" dirty="0"/>
+                  <a:t>Epic Online Services (EOS) </a:t>
+                </a:r>
+                <a14:m>
+                  <m:oMath xmlns:m="http://schemas.openxmlformats.org/officeDocument/2006/math">
+                    <m:r>
+                      <a:rPr lang="en-US" sz="1000" b="0" i="1" smtClean="0">
+                        <a:latin typeface="Cambria Math" panose="02040503050406030204" pitchFamily="18" charset="0"/>
+                      </a:rPr>
+                      <m:t>−</m:t>
+                    </m:r>
+                  </m:oMath>
+                </a14:m>
+                <a:r>
+                  <a:rPr lang="en-US" sz="1000" dirty="0"/>
+                  <a:t> </a:t>
+                </a:r>
+                <a:r>
+                  <a:rPr lang="ru-RU" sz="1000" dirty="0"/>
+                  <a:t>встроенный в движок низкоуровневый программный</a:t>
+                </a:r>
+                <a:br>
+                  <a:rPr lang="en-US" sz="1000" dirty="0"/>
+                </a:br>
+                <a:r>
+                  <a:rPr lang="ru-RU" sz="1000" dirty="0"/>
+                  <a:t>инструмент, который предоставляет </a:t>
+                </a:r>
+                <a:r>
+                  <a:rPr lang="en-US" sz="1000" i="1" dirty="0"/>
+                  <a:t>API </a:t>
+                </a:r>
+                <a:r>
+                  <a:rPr lang="ru-RU" sz="1000" dirty="0"/>
+                  <a:t>для взаимодействия с онлайн-экосистемой</a:t>
+                </a:r>
+                <a:br>
+                  <a:rPr lang="en-US" sz="1000" dirty="0"/>
+                </a:br>
+                <a:r>
+                  <a:rPr lang="en-US" sz="1000" dirty="0"/>
+                  <a:t>Epic Games;</a:t>
+                </a:r>
+              </a:p>
+              <a:p>
+                <a:endParaRPr lang="en-US" sz="1000" dirty="0"/>
+              </a:p>
+              <a:p>
+                <a:endParaRPr lang="ru-RU" sz="1000" dirty="0"/>
+              </a:p>
+            </p:txBody>
+          </p:sp>
+        </mc:Choice>
+        <mc:Fallback>
+          <p:sp>
+            <p:nvSpPr>
+              <p:cNvPr id="6" name="TextBox 5">
+                <a:extLst>
+                  <a:ext uri="{FF2B5EF4-FFF2-40B4-BE49-F238E27FC236}">
+                    <a16:creationId xmlns:a16="http://schemas.microsoft.com/office/drawing/2014/main" id="{FA0F67EB-AD7F-46D1-B253-1BCA7AE31ED0}"/>
+                  </a:ext>
+                </a:extLst>
+              </p:cNvPr>
+              <p:cNvSpPr txBox="1">
+                <a:spLocks noRot="1" noChangeAspect="1" noMove="1" noResize="1" noEditPoints="1" noAdjustHandles="1" noChangeArrowheads="1" noChangeShapeType="1" noTextEdit="1"/>
+              </p:cNvSpPr>
+              <p:nvPr/>
+            </p:nvSpPr>
+            <p:spPr>
+              <a:xfrm>
+                <a:off x="139700" y="708025"/>
+                <a:ext cx="5562600" cy="1785104"/>
+              </a:xfrm>
+              <a:prstGeom prst="rect">
+                <a:avLst/>
+              </a:prstGeom>
+              <a:blipFill>
+                <a:blip r:embed="rId3"/>
+                <a:stretch>
+                  <a:fillRect/>
+                </a:stretch>
+              </a:blipFill>
+            </p:spPr>
+            <p:txBody>
+              <a:bodyPr/>
+              <a:lstStyle/>
+              <a:p>
+                <a:r>
+                  <a:rPr lang="ru-RU">
+                    <a:noFill/>
+                  </a:rPr>
+                  <a:t> </a:t>
+                </a:r>
+              </a:p>
+            </p:txBody>
+          </p:sp>
+        </mc:Fallback>
+      </mc:AlternateContent>
+    </p:spTree>
+    <p:extLst>
+      <p:ext uri="{BB962C8B-B14F-4D97-AF65-F5344CB8AC3E}">
+        <p14:creationId xmlns:p14="http://schemas.microsoft.com/office/powerpoint/2010/main" val="2626242235"/>
+      </p:ext>
+    </p:extLst>
+  </p:cSld>
+  <p:clrMapOvr>
+    <a:masterClrMapping/>
+  </p:clrMapOvr>
+  <p:transition>
+    <p:cut/>
+  </p:transition>
+</p:sld>
+</file>
+
+<file path=ppt/slides/slide3.xml><?xml version="1.0" encoding="utf-8"?>
+<p:sld xmlns:a="http://schemas.openxmlformats.org/drawingml/2006/main" xmlns:r="http://schemas.openxmlformats.org/officeDocument/2006/relationships" xmlns:p="http://schemas.openxmlformats.org/presentationml/2006/main">
+  <p:cSld>
+    <p:spTree>
+      <p:nvGrpSpPr>
+        <p:cNvPr id="1" name=""/>
+        <p:cNvGrpSpPr/>
+        <p:nvPr/>
+      </p:nvGrpSpPr>
+      <p:grpSpPr>
+        <a:xfrm>
+          <a:off x="0" y="0"/>
+          <a:ext cx="0" cy="0"/>
+          <a:chOff x="0" y="0"/>
+          <a:chExt cx="0" cy="0"/>
+        </a:xfrm>
+      </p:grpSpPr>
+      <p:sp>
+        <p:nvSpPr>
+          <p:cNvPr id="2" name="object 2"/>
+          <p:cNvSpPr txBox="1"/>
+          <p:nvPr/>
+        </p:nvSpPr>
+        <p:spPr>
+          <a:xfrm rot="10800000">
+            <a:off x="237383" y="316589"/>
+            <a:ext cx="127791" cy="114300"/>
+          </a:xfrm>
+          <a:prstGeom prst="rect">
+            <a:avLst/>
+          </a:prstGeom>
+        </p:spPr>
+        <p:txBody>
+          <a:bodyPr vert="horz" wrap="square" lIns="0" tIns="0" rIns="0" bIns="0" rtlCol="0">
+            <a:spAutoFit/>
+          </a:bodyPr>
+          <a:lstStyle/>
+          <a:p>
+            <a:pPr>
+              <a:lnSpc>
+                <a:spcPts val="890"/>
+              </a:lnSpc>
+            </a:pPr>
+            <a:r>
+              <a:rPr sz="900" spc="-120" dirty="0">
+                <a:latin typeface="Cambria"/>
+                <a:cs typeface="Cambria"/>
+              </a:rPr>
+              <a:t>↰</a:t>
+            </a:r>
+            <a:endParaRPr sz="900">
+              <a:latin typeface="Cambria"/>
+              <a:cs typeface="Cambria"/>
+            </a:endParaRPr>
+          </a:p>
+        </p:txBody>
+      </p:sp>
+      <p:sp>
+        <p:nvSpPr>
+          <p:cNvPr id="3" name="object 3"/>
+          <p:cNvSpPr txBox="1">
+            <a:spLocks noGrp="1"/>
+          </p:cNvSpPr>
+          <p:nvPr>
+            <p:ph type="title"/>
+          </p:nvPr>
+        </p:nvSpPr>
+        <p:spPr>
+          <a:xfrm>
+            <a:off x="203301" y="154913"/>
+            <a:ext cx="3326765" cy="310534"/>
+          </a:xfrm>
+          <a:prstGeom prst="rect">
+            <a:avLst/>
+          </a:prstGeom>
+        </p:spPr>
+        <p:txBody>
+          <a:bodyPr vert="horz" wrap="square" lIns="0" tIns="11430" rIns="0" bIns="0" rtlCol="0">
+            <a:spAutoFit/>
+          </a:bodyPr>
+          <a:lstStyle/>
+          <a:p>
+            <a:pPr marL="12700">
+              <a:lnSpc>
+                <a:spcPts val="1305"/>
+              </a:lnSpc>
+              <a:spcBef>
+                <a:spcPts val="90"/>
+              </a:spcBef>
+            </a:pPr>
+            <a:r>
+              <a:rPr spc="-10" dirty="0"/>
+              <a:t>Введение</a:t>
+            </a:r>
+          </a:p>
+          <a:p>
+            <a:pPr marL="154305">
+              <a:lnSpc>
+                <a:spcPts val="1065"/>
+              </a:lnSpc>
+            </a:pPr>
+            <a:r>
+              <a:rPr lang="en-US" sz="900" spc="-50" dirty="0"/>
+              <a:t> </a:t>
+            </a:r>
+            <a:r>
+              <a:rPr sz="900" spc="-50" dirty="0" err="1"/>
+              <a:t>Описание</a:t>
+            </a:r>
+            <a:r>
+              <a:rPr sz="900" spc="-10" dirty="0"/>
+              <a:t> </a:t>
+            </a:r>
+            <a:r>
+              <a:rPr sz="900" spc="-55" dirty="0"/>
+              <a:t>предметной</a:t>
+            </a:r>
+            <a:r>
+              <a:rPr sz="900" spc="-10" dirty="0"/>
+              <a:t> </a:t>
+            </a:r>
+            <a:r>
+              <a:rPr sz="900" spc="-65" dirty="0"/>
+              <a:t>области</a:t>
+            </a:r>
+            <a:endParaRPr sz="900" dirty="0"/>
+          </a:p>
+        </p:txBody>
+      </p:sp>
+      <p:sp>
+        <p:nvSpPr>
+          <p:cNvPr id="4" name="object 4"/>
+          <p:cNvSpPr/>
+          <p:nvPr/>
+        </p:nvSpPr>
+        <p:spPr>
+          <a:xfrm>
+            <a:off x="198564" y="524535"/>
+            <a:ext cx="4923790" cy="0"/>
+          </a:xfrm>
+          <a:custGeom>
+            <a:avLst/>
+            <a:gdLst/>
+            <a:ahLst/>
+            <a:cxnLst/>
+            <a:rect l="l" t="t" r="r" b="b"/>
+            <a:pathLst>
+              <a:path w="4923790">
+                <a:moveTo>
+                  <a:pt x="0" y="0"/>
+                </a:moveTo>
+                <a:lnTo>
+                  <a:pt x="4923726" y="0"/>
+                </a:lnTo>
+              </a:path>
+            </a:pathLst>
+          </a:custGeom>
+          <a:ln w="25304">
+            <a:solidFill>
+              <a:srgbClr val="006CDC"/>
+            </a:solidFill>
+          </a:ln>
+        </p:spPr>
+        <p:txBody>
+          <a:bodyPr wrap="square" lIns="0" tIns="0" rIns="0" bIns="0" rtlCol="0"/>
+          <a:lstStyle/>
+          <a:p>
+            <a:endParaRPr/>
+          </a:p>
+        </p:txBody>
+      </p:sp>
+      <p:pic>
+        <p:nvPicPr>
+          <p:cNvPr id="5" name="object 5"/>
+          <p:cNvPicPr/>
+          <p:nvPr/>
+        </p:nvPicPr>
+        <p:blipFill>
+          <a:blip r:embed="rId2" cstate="print"/>
+          <a:stretch>
+            <a:fillRect/>
+          </a:stretch>
+        </p:blipFill>
+        <p:spPr>
+          <a:xfrm>
+            <a:off x="5272363" y="83480"/>
+            <a:ext cx="369463" cy="436200"/>
+          </a:xfrm>
+          <a:prstGeom prst="rect">
+            <a:avLst/>
+          </a:prstGeom>
+        </p:spPr>
+      </p:pic>
+      <p:sp>
+        <p:nvSpPr>
+          <p:cNvPr id="8" name="object 8"/>
+          <p:cNvSpPr txBox="1"/>
+          <p:nvPr/>
+        </p:nvSpPr>
+        <p:spPr>
+          <a:xfrm>
+            <a:off x="5348173" y="2800171"/>
+            <a:ext cx="222250" cy="99386"/>
+          </a:xfrm>
+          <a:prstGeom prst="rect">
+            <a:avLst/>
+          </a:prstGeom>
+        </p:spPr>
+        <p:txBody>
+          <a:bodyPr vert="horz" wrap="square" lIns="0" tIns="6985" rIns="0" bIns="0" rtlCol="0">
+            <a:spAutoFit/>
+          </a:bodyPr>
+          <a:lstStyle/>
+          <a:p>
+            <a:pPr marL="38100">
+              <a:lnSpc>
+                <a:spcPct val="100000"/>
+              </a:lnSpc>
+              <a:spcBef>
+                <a:spcPts val="55"/>
+              </a:spcBef>
+            </a:pPr>
+            <a:fld id="{81D60167-4931-47E6-BA6A-407CBD079E47}" type="slidenum">
+              <a:rPr sz="600" spc="-60" dirty="0">
+                <a:solidFill>
+                  <a:srgbClr val="006CDC"/>
+                </a:solidFill>
+                <a:latin typeface="Trebuchet MS"/>
+                <a:cs typeface="Trebuchet MS"/>
+              </a:rPr>
+              <a:t>3</a:t>
             </a:fld>
             <a:r>
               <a:rPr sz="600" spc="-35" dirty="0">
@@ -8995,1435 +9123,6 @@
         </p:txBody>
       </p:sp>
     </p:spTree>
-  </p:cSld>
-  <p:clrMapOvr>
-    <a:masterClrMapping/>
-  </p:clrMapOvr>
-  <p:transition>
-    <p:cut/>
-  </p:transition>
-</p:sld>
-</file>
-
-<file path=ppt/slides/slide3.xml><?xml version="1.0" encoding="utf-8"?>
-<p:sld xmlns:a="http://schemas.openxmlformats.org/drawingml/2006/main" xmlns:r="http://schemas.openxmlformats.org/officeDocument/2006/relationships" xmlns:p="http://schemas.openxmlformats.org/presentationml/2006/main">
-  <p:cSld>
-    <p:spTree>
-      <p:nvGrpSpPr>
-        <p:cNvPr id="1" name=""/>
-        <p:cNvGrpSpPr/>
-        <p:nvPr/>
-      </p:nvGrpSpPr>
-      <p:grpSpPr>
-        <a:xfrm>
-          <a:off x="0" y="0"/>
-          <a:ext cx="0" cy="0"/>
-          <a:chOff x="0" y="0"/>
-          <a:chExt cx="0" cy="0"/>
-        </a:xfrm>
-      </p:grpSpPr>
-      <p:sp>
-        <p:nvSpPr>
-          <p:cNvPr id="2" name="object 2"/>
-          <p:cNvSpPr txBox="1"/>
-          <p:nvPr/>
-        </p:nvSpPr>
-        <p:spPr>
-          <a:xfrm rot="10800000">
-            <a:off x="237383" y="316589"/>
-            <a:ext cx="127791" cy="114300"/>
-          </a:xfrm>
-          <a:prstGeom prst="rect">
-            <a:avLst/>
-          </a:prstGeom>
-        </p:spPr>
-        <p:txBody>
-          <a:bodyPr vert="horz" wrap="square" lIns="0" tIns="0" rIns="0" bIns="0" rtlCol="0">
-            <a:spAutoFit/>
-          </a:bodyPr>
-          <a:lstStyle/>
-          <a:p>
-            <a:pPr>
-              <a:lnSpc>
-                <a:spcPts val="890"/>
-              </a:lnSpc>
-            </a:pPr>
-            <a:r>
-              <a:rPr sz="900" spc="-120" dirty="0">
-                <a:latin typeface="Cambria"/>
-                <a:cs typeface="Cambria"/>
-              </a:rPr>
-              <a:t>↰</a:t>
-            </a:r>
-            <a:endParaRPr sz="900">
-              <a:latin typeface="Cambria"/>
-              <a:cs typeface="Cambria"/>
-            </a:endParaRPr>
-          </a:p>
-        </p:txBody>
-      </p:sp>
-      <p:sp>
-        <p:nvSpPr>
-          <p:cNvPr id="3" name="object 3"/>
-          <p:cNvSpPr txBox="1">
-            <a:spLocks noGrp="1"/>
-          </p:cNvSpPr>
-          <p:nvPr>
-            <p:ph type="title"/>
-          </p:nvPr>
-        </p:nvSpPr>
-        <p:spPr>
-          <a:xfrm>
-            <a:off x="203301" y="154913"/>
-            <a:ext cx="3326765" cy="310534"/>
-          </a:xfrm>
-          <a:prstGeom prst="rect">
-            <a:avLst/>
-          </a:prstGeom>
-        </p:spPr>
-        <p:txBody>
-          <a:bodyPr vert="horz" wrap="square" lIns="0" tIns="11430" rIns="0" bIns="0" rtlCol="0">
-            <a:spAutoFit/>
-          </a:bodyPr>
-          <a:lstStyle/>
-          <a:p>
-            <a:pPr marL="12700">
-              <a:lnSpc>
-                <a:spcPts val="1305"/>
-              </a:lnSpc>
-              <a:spcBef>
-                <a:spcPts val="90"/>
-              </a:spcBef>
-            </a:pPr>
-            <a:r>
-              <a:rPr spc="-10" dirty="0">
-                <a:highlight>
-                  <a:srgbClr val="FFFF00"/>
-                </a:highlight>
-              </a:rPr>
-              <a:t>Введение</a:t>
-            </a:r>
-          </a:p>
-          <a:p>
-            <a:pPr marL="154305">
-              <a:lnSpc>
-                <a:spcPts val="1065"/>
-              </a:lnSpc>
-            </a:pPr>
-            <a:r>
-              <a:rPr lang="en-US" sz="900" spc="-50" dirty="0">
-                <a:highlight>
-                  <a:srgbClr val="FFFF00"/>
-                </a:highlight>
-              </a:rPr>
-              <a:t> </a:t>
-            </a:r>
-            <a:r>
-              <a:rPr lang="ru-RU" sz="900" spc="-50" dirty="0">
-                <a:highlight>
-                  <a:srgbClr val="FFFF00"/>
-                </a:highlight>
-              </a:rPr>
-              <a:t>Слайд с определениями</a:t>
-            </a:r>
-            <a:endParaRPr sz="900" dirty="0">
-              <a:highlight>
-                <a:srgbClr val="FFFF00"/>
-              </a:highlight>
-            </a:endParaRPr>
-          </a:p>
-        </p:txBody>
-      </p:sp>
-      <p:sp>
-        <p:nvSpPr>
-          <p:cNvPr id="4" name="object 4"/>
-          <p:cNvSpPr/>
-          <p:nvPr/>
-        </p:nvSpPr>
-        <p:spPr>
-          <a:xfrm>
-            <a:off x="198564" y="524535"/>
-            <a:ext cx="4923790" cy="0"/>
-          </a:xfrm>
-          <a:custGeom>
-            <a:avLst/>
-            <a:gdLst/>
-            <a:ahLst/>
-            <a:cxnLst/>
-            <a:rect l="l" t="t" r="r" b="b"/>
-            <a:pathLst>
-              <a:path w="4923790">
-                <a:moveTo>
-                  <a:pt x="0" y="0"/>
-                </a:moveTo>
-                <a:lnTo>
-                  <a:pt x="4923726" y="0"/>
-                </a:lnTo>
-              </a:path>
-            </a:pathLst>
-          </a:custGeom>
-          <a:ln w="25304">
-            <a:solidFill>
-              <a:srgbClr val="006CDC"/>
-            </a:solidFill>
-          </a:ln>
-        </p:spPr>
-        <p:txBody>
-          <a:bodyPr wrap="square" lIns="0" tIns="0" rIns="0" bIns="0" rtlCol="0"/>
-          <a:lstStyle/>
-          <a:p>
-            <a:endParaRPr/>
-          </a:p>
-        </p:txBody>
-      </p:sp>
-      <p:pic>
-        <p:nvPicPr>
-          <p:cNvPr id="5" name="object 5"/>
-          <p:cNvPicPr/>
-          <p:nvPr/>
-        </p:nvPicPr>
-        <p:blipFill>
-          <a:blip r:embed="rId2" cstate="print"/>
-          <a:stretch>
-            <a:fillRect/>
-          </a:stretch>
-        </p:blipFill>
-        <p:spPr>
-          <a:xfrm>
-            <a:off x="5272363" y="83480"/>
-            <a:ext cx="369463" cy="436200"/>
-          </a:xfrm>
-          <a:prstGeom prst="rect">
-            <a:avLst/>
-          </a:prstGeom>
-        </p:spPr>
-      </p:pic>
-      <p:sp>
-        <p:nvSpPr>
-          <p:cNvPr id="8" name="object 8"/>
-          <p:cNvSpPr txBox="1"/>
-          <p:nvPr/>
-        </p:nvSpPr>
-        <p:spPr>
-          <a:xfrm>
-            <a:off x="5348173" y="2800171"/>
-            <a:ext cx="222250" cy="99386"/>
-          </a:xfrm>
-          <a:prstGeom prst="rect">
-            <a:avLst/>
-          </a:prstGeom>
-        </p:spPr>
-        <p:txBody>
-          <a:bodyPr vert="horz" wrap="square" lIns="0" tIns="6985" rIns="0" bIns="0" rtlCol="0">
-            <a:spAutoFit/>
-          </a:bodyPr>
-          <a:lstStyle/>
-          <a:p>
-            <a:pPr marL="38100">
-              <a:lnSpc>
-                <a:spcPct val="100000"/>
-              </a:lnSpc>
-              <a:spcBef>
-                <a:spcPts val="55"/>
-              </a:spcBef>
-            </a:pPr>
-            <a:fld id="{81D60167-4931-47E6-BA6A-407CBD079E47}" type="slidenum">
-              <a:rPr sz="600" spc="-60" dirty="0">
-                <a:solidFill>
-                  <a:srgbClr val="006CDC"/>
-                </a:solidFill>
-                <a:latin typeface="Trebuchet MS"/>
-                <a:cs typeface="Trebuchet MS"/>
-              </a:rPr>
-              <a:t>3</a:t>
-            </a:fld>
-            <a:r>
-              <a:rPr sz="600" spc="-35" dirty="0">
-                <a:solidFill>
-                  <a:srgbClr val="006CDC"/>
-                </a:solidFill>
-                <a:latin typeface="Trebuchet MS"/>
-                <a:cs typeface="Trebuchet MS"/>
-              </a:rPr>
-              <a:t> /</a:t>
-            </a:r>
-            <a:r>
-              <a:rPr sz="600" spc="-30" dirty="0">
-                <a:solidFill>
-                  <a:srgbClr val="006CDC"/>
-                </a:solidFill>
-                <a:latin typeface="Trebuchet MS"/>
-                <a:cs typeface="Trebuchet MS"/>
-              </a:rPr>
-              <a:t> </a:t>
-            </a:r>
-            <a:r>
-              <a:rPr sz="600" spc="-25" dirty="0">
-                <a:solidFill>
-                  <a:srgbClr val="006CDC"/>
-                </a:solidFill>
-                <a:latin typeface="Trebuchet MS"/>
-                <a:cs typeface="Trebuchet MS"/>
-              </a:rPr>
-              <a:t>1</a:t>
-            </a:r>
-            <a:r>
-              <a:rPr lang="en-US" sz="600" spc="-25" dirty="0">
-                <a:solidFill>
-                  <a:srgbClr val="006CDC"/>
-                </a:solidFill>
-                <a:latin typeface="Trebuchet MS"/>
-                <a:cs typeface="Trebuchet MS"/>
-              </a:rPr>
-              <a:t>5</a:t>
-            </a:r>
-            <a:endParaRPr sz="600" dirty="0">
-              <a:latin typeface="Trebuchet MS"/>
-              <a:cs typeface="Trebuchet MS"/>
-            </a:endParaRPr>
-          </a:p>
-        </p:txBody>
-      </p:sp>
-      <mc:AlternateContent xmlns:mc="http://schemas.openxmlformats.org/markup-compatibility/2006">
-        <mc:Choice xmlns:a14="http://schemas.microsoft.com/office/drawing/2010/main" Requires="a14">
-          <p:sp>
-            <p:nvSpPr>
-              <p:cNvPr id="10" name="TextBox 9">
-                <a:extLst>
-                  <a:ext uri="{FF2B5EF4-FFF2-40B4-BE49-F238E27FC236}">
-                    <a16:creationId xmlns:a16="http://schemas.microsoft.com/office/drawing/2014/main" id="{73044B26-0EA7-4A87-A3E7-BC4708046823}"/>
-                  </a:ext>
-                </a:extLst>
-              </p:cNvPr>
-              <p:cNvSpPr txBox="1"/>
-              <p:nvPr/>
-            </p:nvSpPr>
-            <p:spPr>
-              <a:xfrm>
-                <a:off x="384326" y="2720315"/>
-                <a:ext cx="4892686" cy="200055"/>
-              </a:xfrm>
-              <a:prstGeom prst="rect">
-                <a:avLst/>
-              </a:prstGeom>
-              <a:noFill/>
-            </p:spPr>
-            <p:txBody>
-              <a:bodyPr wrap="none" rtlCol="0">
-                <a:spAutoFit/>
-              </a:bodyPr>
-              <a:lstStyle/>
-              <a:p>
-                <a:r>
-                  <a:rPr lang="ru-RU" sz="700" dirty="0">
-                    <a:solidFill>
-                      <a:schemeClr val="tx1">
-                        <a:lumMod val="50000"/>
-                        <a:lumOff val="50000"/>
-                      </a:schemeClr>
-                    </a:solidFill>
-                  </a:rPr>
-                  <a:t>Запуск множества серверов </a:t>
-                </a:r>
-                <a:r>
-                  <a:rPr lang="en-US" sz="700" dirty="0">
-                    <a:solidFill>
-                      <a:schemeClr val="tx1">
-                        <a:lumMod val="50000"/>
-                        <a:lumOff val="50000"/>
-                      </a:schemeClr>
-                    </a:solidFill>
-                  </a:rPr>
-                  <a:t>Unreal Engine </a:t>
-                </a:r>
-                <a14:m>
-                  <m:oMath xmlns:m="http://schemas.openxmlformats.org/officeDocument/2006/math">
-                    <m:r>
-                      <a:rPr lang="en-US" sz="700" b="0" i="1" smtClean="0">
-                        <a:solidFill>
-                          <a:schemeClr val="tx1">
-                            <a:lumMod val="50000"/>
-                            <a:lumOff val="50000"/>
-                          </a:schemeClr>
-                        </a:solidFill>
-                        <a:latin typeface="Cambria Math" panose="02040503050406030204" pitchFamily="18" charset="0"/>
-                      </a:rPr>
-                      <m:t>−</m:t>
-                    </m:r>
-                  </m:oMath>
-                </a14:m>
-                <a:r>
-                  <a:rPr lang="en-US" sz="700" dirty="0">
-                    <a:solidFill>
-                      <a:schemeClr val="tx1">
-                        <a:lumMod val="50000"/>
-                        <a:lumOff val="50000"/>
-                      </a:schemeClr>
-                    </a:solidFill>
-                  </a:rPr>
-                  <a:t> </a:t>
-                </a:r>
-                <a:r>
-                  <a:rPr lang="ru-RU" sz="700" dirty="0">
-                    <a:solidFill>
-                      <a:schemeClr val="tx1">
-                        <a:lumMod val="50000"/>
-                        <a:lumOff val="50000"/>
-                      </a:schemeClr>
-                    </a:solidFill>
-                  </a:rPr>
-                  <a:t>частный случай, где необходимо решать задачу масштабирования</a:t>
-                </a:r>
-              </a:p>
-            </p:txBody>
-          </p:sp>
-        </mc:Choice>
-        <mc:Fallback>
-          <p:sp>
-            <p:nvSpPr>
-              <p:cNvPr id="10" name="TextBox 9">
-                <a:extLst>
-                  <a:ext uri="{FF2B5EF4-FFF2-40B4-BE49-F238E27FC236}">
-                    <a16:creationId xmlns:a16="http://schemas.microsoft.com/office/drawing/2014/main" id="{73044B26-0EA7-4A87-A3E7-BC4708046823}"/>
-                  </a:ext>
-                </a:extLst>
-              </p:cNvPr>
-              <p:cNvSpPr txBox="1">
-                <a:spLocks noRot="1" noChangeAspect="1" noMove="1" noResize="1" noEditPoints="1" noAdjustHandles="1" noChangeArrowheads="1" noChangeShapeType="1" noTextEdit="1"/>
-              </p:cNvSpPr>
-              <p:nvPr/>
-            </p:nvSpPr>
-            <p:spPr>
-              <a:xfrm>
-                <a:off x="384326" y="2720315"/>
-                <a:ext cx="4892686" cy="200055"/>
-              </a:xfrm>
-              <a:prstGeom prst="rect">
-                <a:avLst/>
-              </a:prstGeom>
-              <a:blipFill>
-                <a:blip r:embed="rId3"/>
-                <a:stretch>
-                  <a:fillRect b="-3030"/>
-                </a:stretch>
-              </a:blipFill>
-            </p:spPr>
-            <p:txBody>
-              <a:bodyPr/>
-              <a:lstStyle/>
-              <a:p>
-                <a:r>
-                  <a:rPr lang="ru-RU">
-                    <a:noFill/>
-                  </a:rPr>
-                  <a:t> </a:t>
-                </a:r>
-              </a:p>
-            </p:txBody>
-          </p:sp>
-        </mc:Fallback>
-      </mc:AlternateContent>
-      <mc:AlternateContent xmlns:mc="http://schemas.openxmlformats.org/markup-compatibility/2006">
-        <mc:Choice xmlns:a14="http://schemas.microsoft.com/office/drawing/2010/main" Requires="a14">
-          <p:sp>
-            <p:nvSpPr>
-              <p:cNvPr id="11" name="TextBox 10">
-                <a:extLst>
-                  <a:ext uri="{FF2B5EF4-FFF2-40B4-BE49-F238E27FC236}">
-                    <a16:creationId xmlns:a16="http://schemas.microsoft.com/office/drawing/2014/main" id="{57D64770-3A8C-4EBD-9762-14E649093A9A}"/>
-                  </a:ext>
-                </a:extLst>
-              </p:cNvPr>
-              <p:cNvSpPr txBox="1"/>
-              <p:nvPr/>
-            </p:nvSpPr>
-            <p:spPr>
-              <a:xfrm>
-                <a:off x="338539" y="540028"/>
-                <a:ext cx="4834978" cy="307777"/>
-              </a:xfrm>
-              <a:prstGeom prst="rect">
-                <a:avLst/>
-              </a:prstGeom>
-              <a:noFill/>
-            </p:spPr>
-            <p:txBody>
-              <a:bodyPr wrap="none" rtlCol="0">
-                <a:spAutoFit/>
-              </a:bodyPr>
-              <a:lstStyle/>
-              <a:p>
-                <a:r>
-                  <a:rPr lang="ru-RU" sz="700" dirty="0">
-                    <a:solidFill>
-                      <a:schemeClr val="tx1">
-                        <a:lumMod val="50000"/>
-                        <a:lumOff val="50000"/>
-                      </a:schemeClr>
-                    </a:solidFill>
-                  </a:rPr>
-                  <a:t>Задача масштабирования </a:t>
-                </a:r>
-                <a14:m>
-                  <m:oMath xmlns:m="http://schemas.openxmlformats.org/officeDocument/2006/math">
-                    <m:r>
-                      <a:rPr lang="ru-RU" sz="700" b="0" i="1" smtClean="0">
-                        <a:solidFill>
-                          <a:schemeClr val="tx1">
-                            <a:lumMod val="50000"/>
-                            <a:lumOff val="50000"/>
-                          </a:schemeClr>
-                        </a:solidFill>
-                        <a:latin typeface="Cambria Math" panose="02040503050406030204" pitchFamily="18" charset="0"/>
-                      </a:rPr>
-                      <m:t>−</m:t>
-                    </m:r>
-                  </m:oMath>
-                </a14:m>
-                <a:r>
-                  <a:rPr lang="ru-RU" sz="700" dirty="0">
-                    <a:solidFill>
-                      <a:schemeClr val="tx1">
-                        <a:lumMod val="50000"/>
-                        <a:lumOff val="50000"/>
-                      </a:schemeClr>
-                    </a:solidFill>
-                  </a:rPr>
-                  <a:t> быстро и эффективно изменять вычислительные процессы в ответ на изменение</a:t>
-                </a:r>
-                <a:br>
-                  <a:rPr lang="ru-RU" sz="700" dirty="0">
-                    <a:solidFill>
-                      <a:schemeClr val="tx1">
-                        <a:lumMod val="50000"/>
-                        <a:lumOff val="50000"/>
-                      </a:schemeClr>
-                    </a:solidFill>
-                  </a:rPr>
-                </a:br>
-                <a:r>
-                  <a:rPr lang="ru-RU" sz="700" dirty="0">
-                    <a:solidFill>
-                      <a:schemeClr val="tx1">
-                        <a:lumMod val="50000"/>
-                        <a:lumOff val="50000"/>
-                      </a:schemeClr>
-                    </a:solidFill>
-                  </a:rPr>
-                  <a:t>тенденции запросов пользователей</a:t>
-                </a:r>
-              </a:p>
-            </p:txBody>
-          </p:sp>
-        </mc:Choice>
-        <mc:Fallback>
-          <p:sp>
-            <p:nvSpPr>
-              <p:cNvPr id="11" name="TextBox 10">
-                <a:extLst>
-                  <a:ext uri="{FF2B5EF4-FFF2-40B4-BE49-F238E27FC236}">
-                    <a16:creationId xmlns:a16="http://schemas.microsoft.com/office/drawing/2014/main" id="{57D64770-3A8C-4EBD-9762-14E649093A9A}"/>
-                  </a:ext>
-                </a:extLst>
-              </p:cNvPr>
-              <p:cNvSpPr txBox="1">
-                <a:spLocks noRot="1" noChangeAspect="1" noMove="1" noResize="1" noEditPoints="1" noAdjustHandles="1" noChangeArrowheads="1" noChangeShapeType="1" noTextEdit="1"/>
-              </p:cNvSpPr>
-              <p:nvPr/>
-            </p:nvSpPr>
-            <p:spPr>
-              <a:xfrm>
-                <a:off x="338539" y="540028"/>
-                <a:ext cx="4834978" cy="307777"/>
-              </a:xfrm>
-              <a:prstGeom prst="rect">
-                <a:avLst/>
-              </a:prstGeom>
-              <a:blipFill>
-                <a:blip r:embed="rId4"/>
-                <a:stretch>
-                  <a:fillRect b="-4000"/>
-                </a:stretch>
-              </a:blipFill>
-            </p:spPr>
-            <p:txBody>
-              <a:bodyPr/>
-              <a:lstStyle/>
-              <a:p>
-                <a:r>
-                  <a:rPr lang="ru-RU">
-                    <a:noFill/>
-                  </a:rPr>
-                  <a:t> </a:t>
-                </a:r>
-              </a:p>
-            </p:txBody>
-          </p:sp>
-        </mc:Fallback>
-      </mc:AlternateContent>
-      <p:pic>
-        <p:nvPicPr>
-          <p:cNvPr id="12" name="Объект 9" descr="Лампочка">
-            <a:extLst>
-              <a:ext uri="{FF2B5EF4-FFF2-40B4-BE49-F238E27FC236}">
-                <a16:creationId xmlns:a16="http://schemas.microsoft.com/office/drawing/2014/main" id="{610A4A34-80A8-455A-9F04-4D1177C6F42A}"/>
-              </a:ext>
-            </a:extLst>
-          </p:cNvPr>
-          <p:cNvPicPr>
-            <a:picLocks noChangeAspect="1"/>
-          </p:cNvPicPr>
-          <p:nvPr/>
-        </p:nvPicPr>
-        <p:blipFill>
-          <a:blip r:embed="rId5" cstate="print">
-            <a:extLst>
-              <a:ext uri="{28A0092B-C50C-407E-A947-70E740481C1C}">
-                <a14:useLocalDpi xmlns:a14="http://schemas.microsoft.com/office/drawing/2010/main" val="0"/>
-              </a:ext>
-              <a:ext uri="{96DAC541-7B7A-43D3-8B79-37D633B846F1}">
-                <asvg:svgBlip xmlns:asvg="http://schemas.microsoft.com/office/drawing/2016/SVG/main" r:embed="rId6"/>
-              </a:ext>
-            </a:extLst>
-          </a:blip>
-          <a:stretch>
-            <a:fillRect/>
-          </a:stretch>
-        </p:blipFill>
-        <p:spPr>
-          <a:xfrm>
-            <a:off x="187102" y="579659"/>
-            <a:ext cx="196706" cy="196706"/>
-          </a:xfrm>
-          <a:prstGeom prst="rect">
-            <a:avLst/>
-          </a:prstGeom>
-        </p:spPr>
-      </p:pic>
-      <p:pic>
-        <p:nvPicPr>
-          <p:cNvPr id="13" name="Объект 15" descr="Информация">
-            <a:extLst>
-              <a:ext uri="{FF2B5EF4-FFF2-40B4-BE49-F238E27FC236}">
-                <a16:creationId xmlns:a16="http://schemas.microsoft.com/office/drawing/2014/main" id="{E3F5A3BC-29C6-4754-8008-9188DE779200}"/>
-              </a:ext>
-            </a:extLst>
-          </p:cNvPr>
-          <p:cNvPicPr>
-            <a:picLocks noChangeAspect="1"/>
-          </p:cNvPicPr>
-          <p:nvPr/>
-        </p:nvPicPr>
-        <p:blipFill>
-          <a:blip r:embed="rId7" cstate="print">
-            <a:extLst>
-              <a:ext uri="{28A0092B-C50C-407E-A947-70E740481C1C}">
-                <a14:useLocalDpi xmlns:a14="http://schemas.microsoft.com/office/drawing/2010/main" val="0"/>
-              </a:ext>
-              <a:ext uri="{96DAC541-7B7A-43D3-8B79-37D633B846F1}">
-                <asvg:svgBlip xmlns:asvg="http://schemas.microsoft.com/office/drawing/2016/SVG/main" r:embed="rId8"/>
-              </a:ext>
-            </a:extLst>
-          </a:blip>
-          <a:stretch>
-            <a:fillRect/>
-          </a:stretch>
-        </p:blipFill>
-        <p:spPr bwMode="auto">
-          <a:xfrm>
-            <a:off x="264934" y="2757815"/>
-            <a:ext cx="144469" cy="144469"/>
-          </a:xfrm>
-          <a:prstGeom prst="rect">
-            <a:avLst/>
-          </a:prstGeom>
-          <a:noFill/>
-          <a:extLst>
-            <a:ext uri="{909E8E84-426E-40DD-AFC4-6F175D3DCCD1}">
-              <a14:hiddenFill xmlns:a14="http://schemas.microsoft.com/office/drawing/2010/main">
-                <a:solidFill>
-                  <a:srgbClr val="FFFFFF"/>
-                </a:solidFill>
-              </a14:hiddenFill>
-            </a:ext>
-          </a:extLst>
-        </p:spPr>
-      </p:pic>
-      <p:sp>
-        <p:nvSpPr>
-          <p:cNvPr id="14" name="TextBox 13">
-            <a:extLst>
-              <a:ext uri="{FF2B5EF4-FFF2-40B4-BE49-F238E27FC236}">
-                <a16:creationId xmlns:a16="http://schemas.microsoft.com/office/drawing/2014/main" id="{A7463D59-5ADA-44F4-A5C9-A86CC94612E4}"/>
-              </a:ext>
-            </a:extLst>
-          </p:cNvPr>
-          <p:cNvSpPr txBox="1"/>
-          <p:nvPr/>
-        </p:nvSpPr>
-        <p:spPr>
-          <a:xfrm>
-            <a:off x="745759" y="974860"/>
-            <a:ext cx="1412566" cy="215444"/>
-          </a:xfrm>
-          <a:prstGeom prst="rect">
-            <a:avLst/>
-          </a:prstGeom>
-          <a:noFill/>
-        </p:spPr>
-        <p:txBody>
-          <a:bodyPr wrap="none" rtlCol="0">
-            <a:spAutoFit/>
-          </a:bodyPr>
-          <a:lstStyle/>
-          <a:p>
-            <a:r>
-              <a:rPr lang="ru-RU" sz="800" dirty="0"/>
-              <a:t>🐳</a:t>
-            </a:r>
-            <a:r>
-              <a:rPr lang="ru-RU" sz="800" cap="all" dirty="0"/>
-              <a:t>Контейнеризация</a:t>
-            </a:r>
-          </a:p>
-        </p:txBody>
-      </p:sp>
-      <p:sp>
-        <p:nvSpPr>
-          <p:cNvPr id="15" name="TextBox 14">
-            <a:extLst>
-              <a:ext uri="{FF2B5EF4-FFF2-40B4-BE49-F238E27FC236}">
-                <a16:creationId xmlns:a16="http://schemas.microsoft.com/office/drawing/2014/main" id="{C90EC38A-5B38-4332-A57D-D13590815130}"/>
-              </a:ext>
-            </a:extLst>
-          </p:cNvPr>
-          <p:cNvSpPr txBox="1"/>
-          <p:nvPr/>
-        </p:nvSpPr>
-        <p:spPr>
-          <a:xfrm>
-            <a:off x="3104915" y="968743"/>
-            <a:ext cx="1906291" cy="215444"/>
-          </a:xfrm>
-          <a:prstGeom prst="rect">
-            <a:avLst/>
-          </a:prstGeom>
-          <a:noFill/>
-        </p:spPr>
-        <p:txBody>
-          <a:bodyPr wrap="none" rtlCol="0">
-            <a:spAutoFit/>
-          </a:bodyPr>
-          <a:lstStyle/>
-          <a:p>
-            <a:r>
-              <a:rPr lang="ru-RU" sz="800" cap="all" dirty="0"/>
-              <a:t>⚙️Прямой запуск</a:t>
-            </a:r>
-            <a:r>
-              <a:rPr lang="en-US" sz="800" cap="all" dirty="0"/>
-              <a:t> </a:t>
-            </a:r>
-            <a:r>
-              <a:rPr lang="ru-RU" sz="800" cap="all" dirty="0"/>
-              <a:t>процессов</a:t>
-            </a:r>
-          </a:p>
-        </p:txBody>
-      </p:sp>
-      <p:sp>
-        <p:nvSpPr>
-          <p:cNvPr id="16" name="object 4">
-            <a:extLst>
-              <a:ext uri="{FF2B5EF4-FFF2-40B4-BE49-F238E27FC236}">
-                <a16:creationId xmlns:a16="http://schemas.microsoft.com/office/drawing/2014/main" id="{F6C59595-50B7-459A-8D57-3D54F74DE513}"/>
-              </a:ext>
-            </a:extLst>
-          </p:cNvPr>
-          <p:cNvSpPr/>
-          <p:nvPr/>
-        </p:nvSpPr>
-        <p:spPr>
-          <a:xfrm>
-            <a:off x="237382" y="2689225"/>
-            <a:ext cx="4923790" cy="0"/>
-          </a:xfrm>
-          <a:custGeom>
-            <a:avLst/>
-            <a:gdLst/>
-            <a:ahLst/>
-            <a:cxnLst/>
-            <a:rect l="l" t="t" r="r" b="b"/>
-            <a:pathLst>
-              <a:path w="4923790">
-                <a:moveTo>
-                  <a:pt x="0" y="0"/>
-                </a:moveTo>
-                <a:lnTo>
-                  <a:pt x="4923726" y="0"/>
-                </a:lnTo>
-              </a:path>
-            </a:pathLst>
-          </a:custGeom>
-          <a:ln w="25304">
-            <a:solidFill>
-              <a:srgbClr val="006CDC"/>
-            </a:solidFill>
-          </a:ln>
-        </p:spPr>
-        <p:txBody>
-          <a:bodyPr wrap="square" lIns="0" tIns="0" rIns="0" bIns="0" rtlCol="0"/>
-          <a:lstStyle/>
-          <a:p>
-            <a:endParaRPr/>
-          </a:p>
-        </p:txBody>
-      </p:sp>
-      <p:sp>
-        <p:nvSpPr>
-          <p:cNvPr id="17" name="TextBox 16">
-            <a:extLst>
-              <a:ext uri="{FF2B5EF4-FFF2-40B4-BE49-F238E27FC236}">
-                <a16:creationId xmlns:a16="http://schemas.microsoft.com/office/drawing/2014/main" id="{01339034-5DA6-4037-A666-24CBA8B1C96E}"/>
-              </a:ext>
-            </a:extLst>
-          </p:cNvPr>
-          <p:cNvSpPr txBox="1"/>
-          <p:nvPr/>
-        </p:nvSpPr>
-        <p:spPr>
-          <a:xfrm>
-            <a:off x="544702" y="778405"/>
-            <a:ext cx="4581703" cy="215444"/>
-          </a:xfrm>
-          <a:prstGeom prst="rect">
-            <a:avLst/>
-          </a:prstGeom>
-          <a:noFill/>
-        </p:spPr>
-        <p:txBody>
-          <a:bodyPr wrap="none" rtlCol="0">
-            <a:spAutoFit/>
-          </a:bodyPr>
-          <a:lstStyle/>
-          <a:p>
-            <a:r>
-              <a:rPr lang="ru-RU" sz="800" b="1" i="1" dirty="0"/>
-              <a:t>Подходы к масштабированию систем с сетевыми вычислительными процессами</a:t>
-            </a:r>
-          </a:p>
-        </p:txBody>
-      </p:sp>
-      <p:cxnSp>
-        <p:nvCxnSpPr>
-          <p:cNvPr id="23" name="Прямая соединительная линия 22">
-            <a:extLst>
-              <a:ext uri="{FF2B5EF4-FFF2-40B4-BE49-F238E27FC236}">
-                <a16:creationId xmlns:a16="http://schemas.microsoft.com/office/drawing/2014/main" id="{2E43F40A-1250-4DF3-A675-BF5F0A8F8214}"/>
-              </a:ext>
-            </a:extLst>
-          </p:cNvPr>
-          <p:cNvCxnSpPr>
-            <a:cxnSpLocks/>
-          </p:cNvCxnSpPr>
-          <p:nvPr/>
-        </p:nvCxnSpPr>
-        <p:spPr>
-          <a:xfrm flipV="1">
-            <a:off x="2806700" y="1016990"/>
-            <a:ext cx="0" cy="1609966"/>
-          </a:xfrm>
-          <a:prstGeom prst="line">
-            <a:avLst/>
-          </a:prstGeom>
-          <a:ln>
-            <a:solidFill>
-              <a:srgbClr val="006CDC"/>
-            </a:solidFill>
-            <a:prstDash val="lgDash"/>
-          </a:ln>
-        </p:spPr>
-        <p:style>
-          <a:lnRef idx="1">
-            <a:schemeClr val="accent1"/>
-          </a:lnRef>
-          <a:fillRef idx="0">
-            <a:schemeClr val="accent1"/>
-          </a:fillRef>
-          <a:effectRef idx="0">
-            <a:schemeClr val="accent1"/>
-          </a:effectRef>
-          <a:fontRef idx="minor">
-            <a:schemeClr val="tx1"/>
-          </a:fontRef>
-        </p:style>
-      </p:cxnSp>
-      <p:sp>
-        <p:nvSpPr>
-          <p:cNvPr id="32" name="TextBox 31">
-            <a:extLst>
-              <a:ext uri="{FF2B5EF4-FFF2-40B4-BE49-F238E27FC236}">
-                <a16:creationId xmlns:a16="http://schemas.microsoft.com/office/drawing/2014/main" id="{75797314-068B-4599-B1C3-C06C0F04C6CC}"/>
-              </a:ext>
-            </a:extLst>
-          </p:cNvPr>
-          <p:cNvSpPr txBox="1"/>
-          <p:nvPr/>
-        </p:nvSpPr>
-        <p:spPr>
-          <a:xfrm>
-            <a:off x="319477" y="1127890"/>
-            <a:ext cx="941283" cy="246221"/>
-          </a:xfrm>
-          <a:prstGeom prst="rect">
-            <a:avLst/>
-          </a:prstGeom>
-          <a:noFill/>
-        </p:spPr>
-        <p:txBody>
-          <a:bodyPr wrap="none" rtlCol="0">
-            <a:spAutoFit/>
-          </a:bodyPr>
-          <a:lstStyle/>
-          <a:p>
-            <a:r>
-              <a:rPr lang="ru-RU" sz="800" dirty="0"/>
-              <a:t>Преимущества</a:t>
-            </a:r>
-            <a:r>
-              <a:rPr lang="en-US" sz="1000" dirty="0"/>
-              <a:t>:</a:t>
-            </a:r>
-            <a:endParaRPr lang="ru-RU" dirty="0"/>
-          </a:p>
-        </p:txBody>
-      </p:sp>
-      <p:sp>
-        <p:nvSpPr>
-          <p:cNvPr id="34" name="TextBox 33">
-            <a:extLst>
-              <a:ext uri="{FF2B5EF4-FFF2-40B4-BE49-F238E27FC236}">
-                <a16:creationId xmlns:a16="http://schemas.microsoft.com/office/drawing/2014/main" id="{18823202-4320-4354-9481-762900521F4E}"/>
-              </a:ext>
-            </a:extLst>
-          </p:cNvPr>
-          <p:cNvSpPr txBox="1"/>
-          <p:nvPr/>
-        </p:nvSpPr>
-        <p:spPr>
-          <a:xfrm>
-            <a:off x="319477" y="1800766"/>
-            <a:ext cx="772969" cy="246221"/>
-          </a:xfrm>
-          <a:prstGeom prst="rect">
-            <a:avLst/>
-          </a:prstGeom>
-          <a:noFill/>
-        </p:spPr>
-        <p:txBody>
-          <a:bodyPr wrap="none" rtlCol="0">
-            <a:spAutoFit/>
-          </a:bodyPr>
-          <a:lstStyle/>
-          <a:p>
-            <a:r>
-              <a:rPr lang="ru-RU" sz="800" dirty="0"/>
-              <a:t>Недостатки</a:t>
-            </a:r>
-            <a:r>
-              <a:rPr lang="en-US" sz="1000" dirty="0"/>
-              <a:t>:</a:t>
-            </a:r>
-            <a:endParaRPr lang="ru-RU" dirty="0"/>
-          </a:p>
-        </p:txBody>
-      </p:sp>
-      <p:sp>
-        <p:nvSpPr>
-          <p:cNvPr id="39" name="TextBox 38">
-            <a:extLst>
-              <a:ext uri="{FF2B5EF4-FFF2-40B4-BE49-F238E27FC236}">
-                <a16:creationId xmlns:a16="http://schemas.microsoft.com/office/drawing/2014/main" id="{CA05C7E2-2A32-4727-87FD-10A3A12A552A}"/>
-              </a:ext>
-            </a:extLst>
-          </p:cNvPr>
-          <p:cNvSpPr txBox="1"/>
-          <p:nvPr/>
-        </p:nvSpPr>
-        <p:spPr>
-          <a:xfrm>
-            <a:off x="403863" y="1312070"/>
-            <a:ext cx="2298361" cy="523220"/>
-          </a:xfrm>
-          <a:prstGeom prst="rect">
-            <a:avLst/>
-          </a:prstGeom>
-          <a:noFill/>
-        </p:spPr>
-        <p:txBody>
-          <a:bodyPr wrap="square" rtlCol="0">
-            <a:spAutoFit/>
-          </a:bodyPr>
-          <a:lstStyle/>
-          <a:p>
-            <a:pPr marL="228600" indent="-228600">
-              <a:buClr>
-                <a:srgbClr val="006CDC"/>
-              </a:buClr>
-              <a:buFont typeface="Wingdings" panose="05000000000000000000" pitchFamily="2" charset="2"/>
-              <a:buChar char="§"/>
-            </a:pPr>
-            <a:r>
-              <a:rPr lang="ru-RU" sz="700" dirty="0">
-                <a:solidFill>
-                  <a:schemeClr val="tx1">
-                    <a:lumMod val="65000"/>
-                    <a:lumOff val="35000"/>
-                  </a:schemeClr>
-                </a:solidFill>
-              </a:rPr>
-              <a:t>Интеграция с системами оркестрации (</a:t>
-            </a:r>
-            <a:r>
-              <a:rPr lang="en-US" sz="700" dirty="0">
-                <a:solidFill>
-                  <a:schemeClr val="tx1">
-                    <a:lumMod val="65000"/>
-                    <a:lumOff val="35000"/>
-                  </a:schemeClr>
-                </a:solidFill>
-              </a:rPr>
-              <a:t>Minikube/Kubernetes);</a:t>
-            </a:r>
-            <a:endParaRPr lang="ru-RU" sz="700" dirty="0">
-              <a:solidFill>
-                <a:schemeClr val="tx1">
-                  <a:lumMod val="65000"/>
-                  <a:lumOff val="35000"/>
-                </a:schemeClr>
-              </a:solidFill>
-            </a:endParaRPr>
-          </a:p>
-          <a:p>
-            <a:pPr marL="228600" indent="-228600">
-              <a:buClr>
-                <a:srgbClr val="006CDC"/>
-              </a:buClr>
-              <a:buFont typeface="Wingdings" panose="05000000000000000000" pitchFamily="2" charset="2"/>
-              <a:buChar char="§"/>
-            </a:pPr>
-            <a:r>
-              <a:rPr lang="ru-RU" sz="700" dirty="0">
-                <a:solidFill>
-                  <a:schemeClr val="tx1">
-                    <a:lumMod val="65000"/>
-                    <a:lumOff val="35000"/>
-                  </a:schemeClr>
-                </a:solidFill>
-              </a:rPr>
-              <a:t>Гибкость в развертывании на разных средах.</a:t>
-            </a:r>
-            <a:endParaRPr lang="en-US" sz="700" dirty="0">
-              <a:solidFill>
-                <a:schemeClr val="tx1">
-                  <a:lumMod val="65000"/>
-                  <a:lumOff val="35000"/>
-                </a:schemeClr>
-              </a:solidFill>
-            </a:endParaRPr>
-          </a:p>
-        </p:txBody>
-      </p:sp>
-      <p:sp>
-        <p:nvSpPr>
-          <p:cNvPr id="40" name="TextBox 39">
-            <a:extLst>
-              <a:ext uri="{FF2B5EF4-FFF2-40B4-BE49-F238E27FC236}">
-                <a16:creationId xmlns:a16="http://schemas.microsoft.com/office/drawing/2014/main" id="{F67364B7-D9AD-4437-BB63-AA791742C58F}"/>
-              </a:ext>
-            </a:extLst>
-          </p:cNvPr>
-          <p:cNvSpPr txBox="1"/>
-          <p:nvPr/>
-        </p:nvSpPr>
-        <p:spPr>
-          <a:xfrm>
-            <a:off x="423942" y="2013659"/>
-            <a:ext cx="2298373" cy="738664"/>
-          </a:xfrm>
-          <a:prstGeom prst="rect">
-            <a:avLst/>
-          </a:prstGeom>
-          <a:noFill/>
-        </p:spPr>
-        <p:txBody>
-          <a:bodyPr wrap="square" rtlCol="0">
-            <a:spAutoFit/>
-          </a:bodyPr>
-          <a:lstStyle/>
-          <a:p>
-            <a:pPr marL="228600" indent="-228600">
-              <a:buClr>
-                <a:srgbClr val="006CDC"/>
-              </a:buClr>
-              <a:buFont typeface="Wingdings" panose="05000000000000000000" pitchFamily="2" charset="2"/>
-              <a:buChar char="§"/>
-            </a:pPr>
-            <a:r>
-              <a:rPr lang="ru-RU" sz="700" dirty="0">
-                <a:solidFill>
-                  <a:schemeClr val="tx1">
-                    <a:lumMod val="65000"/>
-                    <a:lumOff val="35000"/>
-                  </a:schemeClr>
-                </a:solidFill>
-              </a:rPr>
-              <a:t>Наличие накладных расходов</a:t>
-            </a:r>
-            <a:r>
-              <a:rPr lang="en-US" sz="700" dirty="0">
-                <a:solidFill>
-                  <a:schemeClr val="tx1">
-                    <a:lumMod val="65000"/>
-                    <a:lumOff val="35000"/>
-                  </a:schemeClr>
-                </a:solidFill>
-              </a:rPr>
-              <a:t>;</a:t>
-            </a:r>
-          </a:p>
-          <a:p>
-            <a:pPr marL="228600" indent="-228600">
-              <a:buClr>
-                <a:srgbClr val="006CDC"/>
-              </a:buClr>
-              <a:buFont typeface="Wingdings" panose="05000000000000000000" pitchFamily="2" charset="2"/>
-              <a:buChar char="§"/>
-            </a:pPr>
-            <a:r>
-              <a:rPr lang="ru-RU" sz="700" dirty="0">
-                <a:solidFill>
-                  <a:schemeClr val="tx1">
-                    <a:lumMod val="65000"/>
-                    <a:lumOff val="35000"/>
-                  </a:schemeClr>
-                </a:solidFill>
-              </a:rPr>
-              <a:t>Увеличенное время запуска процесса при масштабировании</a:t>
-            </a:r>
-            <a:r>
-              <a:rPr lang="en-US" sz="700" dirty="0">
-                <a:solidFill>
-                  <a:schemeClr val="tx1">
-                    <a:lumMod val="65000"/>
-                    <a:lumOff val="35000"/>
-                  </a:schemeClr>
-                </a:solidFill>
-              </a:rPr>
-              <a:t>;</a:t>
-            </a:r>
-          </a:p>
-          <a:p>
-            <a:pPr marL="228600" indent="-228600">
-              <a:buClr>
-                <a:srgbClr val="006CDC"/>
-              </a:buClr>
-              <a:buFont typeface="Wingdings" panose="05000000000000000000" pitchFamily="2" charset="2"/>
-              <a:buChar char="§"/>
-            </a:pPr>
-            <a:r>
-              <a:rPr lang="ru-RU" sz="700" dirty="0">
-                <a:solidFill>
-                  <a:schemeClr val="tx1">
-                    <a:lumMod val="65000"/>
-                    <a:lumOff val="35000"/>
-                  </a:schemeClr>
-                </a:solidFill>
-              </a:rPr>
-              <a:t>Наличие лишних слоев абстракции между процессов и аппаратной архитектурой.</a:t>
-            </a:r>
-          </a:p>
-          <a:p>
-            <a:pPr marL="228600" indent="-228600">
-              <a:buClr>
-                <a:srgbClr val="006CDC"/>
-              </a:buClr>
-              <a:buFont typeface="+mj-lt"/>
-              <a:buAutoNum type="arabicPeriod"/>
-            </a:pPr>
-            <a:endParaRPr lang="ru-RU" sz="700" dirty="0"/>
-          </a:p>
-        </p:txBody>
-      </p:sp>
-      <p:sp>
-        <p:nvSpPr>
-          <p:cNvPr id="43" name="TextBox 42">
-            <a:extLst>
-              <a:ext uri="{FF2B5EF4-FFF2-40B4-BE49-F238E27FC236}">
-                <a16:creationId xmlns:a16="http://schemas.microsoft.com/office/drawing/2014/main" id="{4B1A8B94-2AC5-47F4-9445-EC1057239181}"/>
-              </a:ext>
-            </a:extLst>
-          </p:cNvPr>
-          <p:cNvSpPr txBox="1"/>
-          <p:nvPr/>
-        </p:nvSpPr>
-        <p:spPr>
-          <a:xfrm>
-            <a:off x="2806700" y="1139894"/>
-            <a:ext cx="941283" cy="246221"/>
-          </a:xfrm>
-          <a:prstGeom prst="rect">
-            <a:avLst/>
-          </a:prstGeom>
-          <a:noFill/>
-        </p:spPr>
-        <p:txBody>
-          <a:bodyPr wrap="none" rtlCol="0">
-            <a:spAutoFit/>
-          </a:bodyPr>
-          <a:lstStyle/>
-          <a:p>
-            <a:r>
-              <a:rPr lang="ru-RU" sz="800" dirty="0"/>
-              <a:t>Преимущества</a:t>
-            </a:r>
-            <a:r>
-              <a:rPr lang="en-US" sz="1000" dirty="0"/>
-              <a:t>:</a:t>
-            </a:r>
-            <a:endParaRPr lang="ru-RU" dirty="0"/>
-          </a:p>
-        </p:txBody>
-      </p:sp>
-      <p:sp>
-        <p:nvSpPr>
-          <p:cNvPr id="44" name="TextBox 43">
-            <a:extLst>
-              <a:ext uri="{FF2B5EF4-FFF2-40B4-BE49-F238E27FC236}">
-                <a16:creationId xmlns:a16="http://schemas.microsoft.com/office/drawing/2014/main" id="{E07714F4-098E-4B33-BDD7-4F853A1B930F}"/>
-              </a:ext>
-            </a:extLst>
-          </p:cNvPr>
-          <p:cNvSpPr txBox="1"/>
-          <p:nvPr/>
-        </p:nvSpPr>
-        <p:spPr>
-          <a:xfrm>
-            <a:off x="2852157" y="1800766"/>
-            <a:ext cx="772969" cy="246221"/>
-          </a:xfrm>
-          <a:prstGeom prst="rect">
-            <a:avLst/>
-          </a:prstGeom>
-          <a:noFill/>
-        </p:spPr>
-        <p:txBody>
-          <a:bodyPr wrap="none" rtlCol="0">
-            <a:spAutoFit/>
-          </a:bodyPr>
-          <a:lstStyle/>
-          <a:p>
-            <a:r>
-              <a:rPr lang="ru-RU" sz="800" dirty="0"/>
-              <a:t>Недостатки</a:t>
-            </a:r>
-            <a:r>
-              <a:rPr lang="en-US" sz="1000" dirty="0"/>
-              <a:t>:</a:t>
-            </a:r>
-            <a:endParaRPr lang="ru-RU" dirty="0"/>
-          </a:p>
-        </p:txBody>
-      </p:sp>
-      <p:sp>
-        <p:nvSpPr>
-          <p:cNvPr id="45" name="TextBox 44">
-            <a:extLst>
-              <a:ext uri="{FF2B5EF4-FFF2-40B4-BE49-F238E27FC236}">
-                <a16:creationId xmlns:a16="http://schemas.microsoft.com/office/drawing/2014/main" id="{E47EBC4C-B531-44DF-B27A-459968130BF8}"/>
-              </a:ext>
-            </a:extLst>
-          </p:cNvPr>
-          <p:cNvSpPr txBox="1"/>
-          <p:nvPr/>
-        </p:nvSpPr>
-        <p:spPr>
-          <a:xfrm>
-            <a:off x="2891086" y="1324074"/>
-            <a:ext cx="2298361" cy="523220"/>
-          </a:xfrm>
-          <a:prstGeom prst="rect">
-            <a:avLst/>
-          </a:prstGeom>
-          <a:noFill/>
-        </p:spPr>
-        <p:txBody>
-          <a:bodyPr wrap="square" rtlCol="0">
-            <a:spAutoFit/>
-          </a:bodyPr>
-          <a:lstStyle>
-            <a:defPPr>
-              <a:defRPr kern="0"/>
-            </a:defPPr>
-            <a:lvl1pPr marL="228600" indent="-228600">
-              <a:buFont typeface="Wingdings" panose="05000000000000000000" pitchFamily="2" charset="2"/>
-              <a:buChar char="§"/>
-              <a:defRPr sz="700">
-                <a:solidFill>
-                  <a:schemeClr val="tx1">
-                    <a:lumMod val="65000"/>
-                    <a:lumOff val="35000"/>
-                  </a:schemeClr>
-                </a:solidFill>
-              </a:defRPr>
-            </a:lvl1pPr>
-          </a:lstStyle>
-          <a:p>
-            <a:pPr>
-              <a:buClr>
-                <a:srgbClr val="006CDC"/>
-              </a:buClr>
-            </a:pPr>
-            <a:r>
-              <a:rPr lang="ru-RU" dirty="0"/>
-              <a:t>Минимальные накладные расходы</a:t>
-            </a:r>
-            <a:r>
-              <a:rPr lang="en-US" dirty="0"/>
-              <a:t>;</a:t>
-            </a:r>
-            <a:endParaRPr lang="ru-RU" dirty="0"/>
-          </a:p>
-          <a:p>
-            <a:pPr>
-              <a:buClr>
-                <a:srgbClr val="006CDC"/>
-              </a:buClr>
-            </a:pPr>
-            <a:r>
-              <a:rPr lang="ru-RU" dirty="0"/>
-              <a:t>Быстрый запуск и завершение процессов</a:t>
-            </a:r>
-            <a:r>
-              <a:rPr lang="en-US" dirty="0"/>
-              <a:t>;</a:t>
-            </a:r>
-          </a:p>
-          <a:p>
-            <a:pPr>
-              <a:buClr>
-                <a:srgbClr val="006CDC"/>
-              </a:buClr>
-            </a:pPr>
-            <a:r>
-              <a:rPr lang="ru-RU" dirty="0"/>
-              <a:t>Отсутствие слоев абстракции</a:t>
-            </a:r>
-            <a:r>
-              <a:rPr lang="en-US" dirty="0"/>
-              <a:t>;</a:t>
-            </a:r>
-          </a:p>
-          <a:p>
-            <a:pPr>
-              <a:buClr>
-                <a:srgbClr val="006CDC"/>
-              </a:buClr>
-            </a:pPr>
-            <a:r>
-              <a:rPr lang="ru-RU" dirty="0"/>
-              <a:t>Полный контроль над поведением системы.</a:t>
-            </a:r>
-            <a:endParaRPr lang="en-US" dirty="0"/>
-          </a:p>
-        </p:txBody>
-      </p:sp>
-      <p:sp>
-        <p:nvSpPr>
-          <p:cNvPr id="46" name="TextBox 45">
-            <a:extLst>
-              <a:ext uri="{FF2B5EF4-FFF2-40B4-BE49-F238E27FC236}">
-                <a16:creationId xmlns:a16="http://schemas.microsoft.com/office/drawing/2014/main" id="{B4BA6B84-CB14-430D-82FF-E6C7F3967CCB}"/>
-              </a:ext>
-            </a:extLst>
-          </p:cNvPr>
-          <p:cNvSpPr txBox="1"/>
-          <p:nvPr/>
-        </p:nvSpPr>
-        <p:spPr>
-          <a:xfrm>
-            <a:off x="2908875" y="2047353"/>
-            <a:ext cx="2298373" cy="523220"/>
-          </a:xfrm>
-          <a:prstGeom prst="rect">
-            <a:avLst/>
-          </a:prstGeom>
-          <a:noFill/>
-        </p:spPr>
-        <p:txBody>
-          <a:bodyPr wrap="square" rtlCol="0">
-            <a:spAutoFit/>
-          </a:bodyPr>
-          <a:lstStyle/>
-          <a:p>
-            <a:pPr marL="228600" indent="-228600">
-              <a:buClr>
-                <a:srgbClr val="006CDC"/>
-              </a:buClr>
-              <a:buFont typeface="Wingdings" panose="05000000000000000000" pitchFamily="2" charset="2"/>
-              <a:buChar char="§"/>
-            </a:pPr>
-            <a:r>
-              <a:rPr lang="ru-RU" sz="700" dirty="0">
-                <a:solidFill>
-                  <a:schemeClr val="tx1">
-                    <a:lumMod val="65000"/>
-                    <a:lumOff val="35000"/>
-                  </a:schemeClr>
-                </a:solidFill>
-              </a:rPr>
-              <a:t>Требует собственной реализации логики масштабирования и мониторинга</a:t>
-            </a:r>
-            <a:r>
-              <a:rPr lang="en-US" sz="700" dirty="0">
-                <a:solidFill>
-                  <a:schemeClr val="tx1">
-                    <a:lumMod val="65000"/>
-                    <a:lumOff val="35000"/>
-                  </a:schemeClr>
-                </a:solidFill>
-              </a:rPr>
-              <a:t>;</a:t>
-            </a:r>
-          </a:p>
-          <a:p>
-            <a:pPr marL="228600" indent="-228600">
-              <a:buClr>
-                <a:srgbClr val="006CDC"/>
-              </a:buClr>
-              <a:buFont typeface="Wingdings" panose="05000000000000000000" pitchFamily="2" charset="2"/>
-              <a:buChar char="§"/>
-            </a:pPr>
-            <a:r>
-              <a:rPr lang="ru-RU" sz="700" dirty="0">
-                <a:solidFill>
-                  <a:schemeClr val="tx1">
-                    <a:lumMod val="65000"/>
-                    <a:lumOff val="35000"/>
-                  </a:schemeClr>
-                </a:solidFill>
-              </a:rPr>
-              <a:t>Ниже гибкость при переносе на другие среды.</a:t>
-            </a:r>
-          </a:p>
-        </p:txBody>
-      </p:sp>
-    </p:spTree>
-    <p:extLst>
-      <p:ext uri="{BB962C8B-B14F-4D97-AF65-F5344CB8AC3E}">
-        <p14:creationId xmlns:p14="http://schemas.microsoft.com/office/powerpoint/2010/main" val="2626242235"/>
-      </p:ext>
-    </p:extLst>
   </p:cSld>
   <p:clrMapOvr>
     <a:masterClrMapping/>

--- a/Master/Diploma/presentation/Презентация.pptx
+++ b/Master/Diploma/presentation/Презентация.pptx
@@ -5,7 +5,7 @@
     <p:sldMasterId id="2147483648" r:id="rId1"/>
   </p:sldMasterIdLst>
   <p:notesMasterIdLst>
-    <p:notesMasterId r:id="rId17"/>
+    <p:notesMasterId r:id="rId18"/>
   </p:notesMasterIdLst>
   <p:sldIdLst>
     <p:sldId id="256" r:id="rId2"/>
@@ -21,8 +21,9 @@
     <p:sldId id="274" r:id="rId12"/>
     <p:sldId id="267" r:id="rId13"/>
     <p:sldId id="268" r:id="rId14"/>
-    <p:sldId id="280" r:id="rId15"/>
-    <p:sldId id="270" r:id="rId16"/>
+    <p:sldId id="282" r:id="rId15"/>
+    <p:sldId id="280" r:id="rId16"/>
+    <p:sldId id="270" r:id="rId17"/>
   </p:sldIdLst>
   <p:sldSz cx="5765800" cy="3244850"/>
   <p:notesSz cx="5765800" cy="3244850"/>
@@ -48,6 +49,3944 @@
     </p:ext>
   </p:extLst>
 </p:presentation>
+</file>
+
+<file path=ppt/diagrams/colors1.xml><?xml version="1.0" encoding="utf-8"?>
+<dgm:colorsDef xmlns:dgm="http://schemas.openxmlformats.org/drawingml/2006/diagram" xmlns:a="http://schemas.openxmlformats.org/drawingml/2006/main" uniqueId="urn:microsoft.com/office/officeart/2005/8/colors/accent1_1">
+  <dgm:title val=""/>
+  <dgm:desc val=""/>
+  <dgm:catLst>
+    <dgm:cat type="accent1" pri="11100"/>
+  </dgm:catLst>
+  <dgm:styleLbl name="node0">
+    <dgm:fillClrLst meth="repeat">
+      <a:schemeClr val="lt1"/>
+    </dgm:fillClrLst>
+    <dgm:linClrLst meth="repeat">
+      <a:schemeClr val="accent1">
+        <a:shade val="80000"/>
+      </a:schemeClr>
+    </dgm:linClrLst>
+    <dgm:effectClrLst/>
+    <dgm:txLinClrLst/>
+    <dgm:txFillClrLst meth="repeat">
+      <a:schemeClr val="dk1"/>
+    </dgm:txFillClrLst>
+    <dgm:txEffectClrLst/>
+  </dgm:styleLbl>
+  <dgm:styleLbl name="alignNode1">
+    <dgm:fillClrLst meth="repeat">
+      <a:schemeClr val="lt1"/>
+    </dgm:fillClrLst>
+    <dgm:linClrLst meth="repeat">
+      <a:schemeClr val="accent1">
+        <a:shade val="80000"/>
+      </a:schemeClr>
+    </dgm:linClrLst>
+    <dgm:effectClrLst/>
+    <dgm:txLinClrLst/>
+    <dgm:txFillClrLst meth="repeat">
+      <a:schemeClr val="dk1"/>
+    </dgm:txFillClrLst>
+    <dgm:txEffectClrLst/>
+  </dgm:styleLbl>
+  <dgm:styleLbl name="node1">
+    <dgm:fillClrLst meth="repeat">
+      <a:schemeClr val="lt1"/>
+    </dgm:fillClrLst>
+    <dgm:linClrLst meth="repeat">
+      <a:schemeClr val="accent1">
+        <a:shade val="80000"/>
+      </a:schemeClr>
+    </dgm:linClrLst>
+    <dgm:effectClrLst/>
+    <dgm:txLinClrLst/>
+    <dgm:txFillClrLst meth="repeat">
+      <a:schemeClr val="dk1"/>
+    </dgm:txFillClrLst>
+    <dgm:txEffectClrLst/>
+  </dgm:styleLbl>
+  <dgm:styleLbl name="lnNode1">
+    <dgm:fillClrLst meth="repeat">
+      <a:schemeClr val="lt1"/>
+    </dgm:fillClrLst>
+    <dgm:linClrLst meth="repeat">
+      <a:schemeClr val="accent1">
+        <a:shade val="80000"/>
+      </a:schemeClr>
+    </dgm:linClrLst>
+    <dgm:effectClrLst/>
+    <dgm:txLinClrLst/>
+    <dgm:txFillClrLst meth="repeat">
+      <a:schemeClr val="dk1"/>
+    </dgm:txFillClrLst>
+    <dgm:txEffectClrLst/>
+  </dgm:styleLbl>
+  <dgm:styleLbl name="vennNode1">
+    <dgm:fillClrLst meth="repeat">
+      <a:schemeClr val="lt1">
+        <a:alpha val="50000"/>
+      </a:schemeClr>
+    </dgm:fillClrLst>
+    <dgm:linClrLst meth="repeat">
+      <a:schemeClr val="accent1">
+        <a:shade val="80000"/>
+      </a:schemeClr>
+    </dgm:linClrLst>
+    <dgm:effectClrLst/>
+    <dgm:txLinClrLst/>
+    <dgm:txFillClrLst/>
+    <dgm:txEffectClrLst/>
+  </dgm:styleLbl>
+  <dgm:styleLbl name="node2">
+    <dgm:fillClrLst meth="repeat">
+      <a:schemeClr val="lt1"/>
+    </dgm:fillClrLst>
+    <dgm:linClrLst meth="repeat">
+      <a:schemeClr val="accent1">
+        <a:shade val="80000"/>
+      </a:schemeClr>
+    </dgm:linClrLst>
+    <dgm:effectClrLst/>
+    <dgm:txLinClrLst/>
+    <dgm:txFillClrLst meth="repeat">
+      <a:schemeClr val="dk1"/>
+    </dgm:txFillClrLst>
+    <dgm:txEffectClrLst/>
+  </dgm:styleLbl>
+  <dgm:styleLbl name="node3">
+    <dgm:fillClrLst meth="repeat">
+      <a:schemeClr val="lt1"/>
+    </dgm:fillClrLst>
+    <dgm:linClrLst meth="repeat">
+      <a:schemeClr val="accent1">
+        <a:shade val="80000"/>
+      </a:schemeClr>
+    </dgm:linClrLst>
+    <dgm:effectClrLst/>
+    <dgm:txLinClrLst/>
+    <dgm:txFillClrLst meth="repeat">
+      <a:schemeClr val="dk1"/>
+    </dgm:txFillClrLst>
+    <dgm:txEffectClrLst/>
+  </dgm:styleLbl>
+  <dgm:styleLbl name="node4">
+    <dgm:fillClrLst meth="repeat">
+      <a:schemeClr val="lt1"/>
+    </dgm:fillClrLst>
+    <dgm:linClrLst meth="repeat">
+      <a:schemeClr val="accent1">
+        <a:shade val="80000"/>
+      </a:schemeClr>
+    </dgm:linClrLst>
+    <dgm:effectClrLst/>
+    <dgm:txLinClrLst/>
+    <dgm:txFillClrLst meth="repeat">
+      <a:schemeClr val="dk1"/>
+    </dgm:txFillClrLst>
+    <dgm:txEffectClrLst/>
+  </dgm:styleLbl>
+  <dgm:styleLbl name="fgImgPlace1">
+    <dgm:fillClrLst meth="repeat">
+      <a:schemeClr val="accent1">
+        <a:tint val="40000"/>
+      </a:schemeClr>
+    </dgm:fillClrLst>
+    <dgm:linClrLst meth="repeat">
+      <a:schemeClr val="accent1">
+        <a:shade val="80000"/>
+      </a:schemeClr>
+    </dgm:linClrLst>
+    <dgm:effectClrLst/>
+    <dgm:txLinClrLst/>
+    <dgm:txFillClrLst meth="repeat">
+      <a:schemeClr val="lt1"/>
+    </dgm:txFillClrLst>
+    <dgm:txEffectClrLst/>
+  </dgm:styleLbl>
+  <dgm:styleLbl name="alignImgPlace1">
+    <dgm:fillClrLst meth="repeat">
+      <a:schemeClr val="accent1">
+        <a:tint val="40000"/>
+      </a:schemeClr>
+    </dgm:fillClrLst>
+    <dgm:linClrLst meth="repeat">
+      <a:schemeClr val="accent1">
+        <a:shade val="80000"/>
+      </a:schemeClr>
+    </dgm:linClrLst>
+    <dgm:effectClrLst/>
+    <dgm:txLinClrLst/>
+    <dgm:txFillClrLst meth="repeat">
+      <a:schemeClr val="lt1"/>
+    </dgm:txFillClrLst>
+    <dgm:txEffectClrLst/>
+  </dgm:styleLbl>
+  <dgm:styleLbl name="bgImgPlace1">
+    <dgm:fillClrLst meth="repeat">
+      <a:schemeClr val="accent1">
+        <a:tint val="40000"/>
+      </a:schemeClr>
+    </dgm:fillClrLst>
+    <dgm:linClrLst meth="repeat">
+      <a:schemeClr val="accent1">
+        <a:shade val="80000"/>
+      </a:schemeClr>
+    </dgm:linClrLst>
+    <dgm:effectClrLst/>
+    <dgm:txLinClrLst/>
+    <dgm:txFillClrLst meth="repeat">
+      <a:schemeClr val="lt1"/>
+    </dgm:txFillClrLst>
+    <dgm:txEffectClrLst/>
+  </dgm:styleLbl>
+  <dgm:styleLbl name="sibTrans2D1">
+    <dgm:fillClrLst meth="repeat">
+      <a:schemeClr val="accent1">
+        <a:tint val="60000"/>
+      </a:schemeClr>
+    </dgm:fillClrLst>
+    <dgm:linClrLst meth="repeat">
+      <a:schemeClr val="accent1">
+        <a:tint val="60000"/>
+      </a:schemeClr>
+    </dgm:linClrLst>
+    <dgm:effectClrLst/>
+    <dgm:txLinClrLst/>
+    <dgm:txFillClrLst meth="repeat">
+      <a:schemeClr val="dk1"/>
+    </dgm:txFillClrLst>
+    <dgm:txEffectClrLst/>
+  </dgm:styleLbl>
+  <dgm:styleLbl name="fgSibTrans2D1">
+    <dgm:fillClrLst meth="repeat">
+      <a:schemeClr val="accent1">
+        <a:tint val="60000"/>
+      </a:schemeClr>
+    </dgm:fillClrLst>
+    <dgm:linClrLst meth="repeat">
+      <a:schemeClr val="accent1">
+        <a:tint val="60000"/>
+      </a:schemeClr>
+    </dgm:linClrLst>
+    <dgm:effectClrLst/>
+    <dgm:txLinClrLst/>
+    <dgm:txFillClrLst meth="repeat">
+      <a:schemeClr val="dk1"/>
+    </dgm:txFillClrLst>
+    <dgm:txEffectClrLst/>
+  </dgm:styleLbl>
+  <dgm:styleLbl name="bgSibTrans2D1">
+    <dgm:fillClrLst meth="repeat">
+      <a:schemeClr val="accent1">
+        <a:tint val="60000"/>
+      </a:schemeClr>
+    </dgm:fillClrLst>
+    <dgm:linClrLst meth="repeat">
+      <a:schemeClr val="accent1">
+        <a:tint val="60000"/>
+      </a:schemeClr>
+    </dgm:linClrLst>
+    <dgm:effectClrLst/>
+    <dgm:txLinClrLst/>
+    <dgm:txFillClrLst meth="repeat">
+      <a:schemeClr val="dk1"/>
+    </dgm:txFillClrLst>
+    <dgm:txEffectClrLst/>
+  </dgm:styleLbl>
+  <dgm:styleLbl name="sibTrans1D1">
+    <dgm:fillClrLst meth="repeat">
+      <a:schemeClr val="accent1"/>
+    </dgm:fillClrLst>
+    <dgm:linClrLst meth="repeat">
+      <a:schemeClr val="accent1"/>
+    </dgm:linClrLst>
+    <dgm:effectClrLst/>
+    <dgm:txLinClrLst/>
+    <dgm:txFillClrLst meth="repeat">
+      <a:schemeClr val="tx1"/>
+    </dgm:txFillClrLst>
+    <dgm:txEffectClrLst/>
+  </dgm:styleLbl>
+  <dgm:styleLbl name="callout">
+    <dgm:fillClrLst meth="repeat">
+      <a:schemeClr val="accent1"/>
+    </dgm:fillClrLst>
+    <dgm:linClrLst meth="repeat">
+      <a:schemeClr val="accent1"/>
+    </dgm:linClrLst>
+    <dgm:effectClrLst/>
+    <dgm:txLinClrLst/>
+    <dgm:txFillClrLst meth="repeat">
+      <a:schemeClr val="tx1"/>
+    </dgm:txFillClrLst>
+    <dgm:txEffectClrLst/>
+  </dgm:styleLbl>
+  <dgm:styleLbl name="asst0">
+    <dgm:fillClrLst meth="repeat">
+      <a:schemeClr val="lt1"/>
+    </dgm:fillClrLst>
+    <dgm:linClrLst meth="repeat">
+      <a:schemeClr val="accent1">
+        <a:shade val="80000"/>
+      </a:schemeClr>
+    </dgm:linClrLst>
+    <dgm:effectClrLst/>
+    <dgm:txLinClrLst/>
+    <dgm:txFillClrLst meth="repeat">
+      <a:schemeClr val="dk1"/>
+    </dgm:txFillClrLst>
+    <dgm:txEffectClrLst/>
+  </dgm:styleLbl>
+  <dgm:styleLbl name="asst1">
+    <dgm:fillClrLst meth="repeat">
+      <a:schemeClr val="lt1"/>
+    </dgm:fillClrLst>
+    <dgm:linClrLst meth="repeat">
+      <a:schemeClr val="accent1">
+        <a:shade val="80000"/>
+      </a:schemeClr>
+    </dgm:linClrLst>
+    <dgm:effectClrLst/>
+    <dgm:txLinClrLst/>
+    <dgm:txFillClrLst meth="repeat">
+      <a:schemeClr val="dk1"/>
+    </dgm:txFillClrLst>
+    <dgm:txEffectClrLst/>
+  </dgm:styleLbl>
+  <dgm:styleLbl name="asst2">
+    <dgm:fillClrLst meth="repeat">
+      <a:schemeClr val="lt1"/>
+    </dgm:fillClrLst>
+    <dgm:linClrLst meth="repeat">
+      <a:schemeClr val="accent1">
+        <a:shade val="80000"/>
+      </a:schemeClr>
+    </dgm:linClrLst>
+    <dgm:effectClrLst/>
+    <dgm:txLinClrLst/>
+    <dgm:txFillClrLst meth="repeat">
+      <a:schemeClr val="dk1"/>
+    </dgm:txFillClrLst>
+    <dgm:txEffectClrLst/>
+  </dgm:styleLbl>
+  <dgm:styleLbl name="asst3">
+    <dgm:fillClrLst meth="repeat">
+      <a:schemeClr val="lt1"/>
+    </dgm:fillClrLst>
+    <dgm:linClrLst meth="repeat">
+      <a:schemeClr val="accent1">
+        <a:shade val="80000"/>
+      </a:schemeClr>
+    </dgm:linClrLst>
+    <dgm:effectClrLst/>
+    <dgm:txLinClrLst/>
+    <dgm:txFillClrLst meth="repeat">
+      <a:schemeClr val="dk1"/>
+    </dgm:txFillClrLst>
+    <dgm:txEffectClrLst/>
+  </dgm:styleLbl>
+  <dgm:styleLbl name="asst4">
+    <dgm:fillClrLst meth="repeat">
+      <a:schemeClr val="lt1"/>
+    </dgm:fillClrLst>
+    <dgm:linClrLst meth="repeat">
+      <a:schemeClr val="accent1">
+        <a:shade val="80000"/>
+      </a:schemeClr>
+    </dgm:linClrLst>
+    <dgm:effectClrLst/>
+    <dgm:txLinClrLst/>
+    <dgm:txFillClrLst meth="repeat">
+      <a:schemeClr val="dk1"/>
+    </dgm:txFillClrLst>
+    <dgm:txEffectClrLst/>
+  </dgm:styleLbl>
+  <dgm:styleLbl name="parChTrans2D1">
+    <dgm:fillClrLst meth="repeat">
+      <a:schemeClr val="accent1">
+        <a:tint val="60000"/>
+      </a:schemeClr>
+    </dgm:fillClrLst>
+    <dgm:linClrLst meth="repeat">
+      <a:schemeClr val="accent1">
+        <a:tint val="60000"/>
+      </a:schemeClr>
+    </dgm:linClrLst>
+    <dgm:effectClrLst/>
+    <dgm:txLinClrLst/>
+    <dgm:txFillClrLst/>
+    <dgm:txEffectClrLst/>
+  </dgm:styleLbl>
+  <dgm:styleLbl name="parChTrans2D2">
+    <dgm:fillClrLst meth="repeat">
+      <a:schemeClr val="accent1"/>
+    </dgm:fillClrLst>
+    <dgm:linClrLst meth="repeat">
+      <a:schemeClr val="accent1"/>
+    </dgm:linClrLst>
+    <dgm:effectClrLst/>
+    <dgm:txLinClrLst/>
+    <dgm:txFillClrLst/>
+    <dgm:txEffectClrLst/>
+  </dgm:styleLbl>
+  <dgm:styleLbl name="parChTrans2D3">
+    <dgm:fillClrLst meth="repeat">
+      <a:schemeClr val="accent1"/>
+    </dgm:fillClrLst>
+    <dgm:linClrLst meth="repeat">
+      <a:schemeClr val="accent1"/>
+    </dgm:linClrLst>
+    <dgm:effectClrLst/>
+    <dgm:txLinClrLst/>
+    <dgm:txFillClrLst/>
+    <dgm:txEffectClrLst/>
+  </dgm:styleLbl>
+  <dgm:styleLbl name="parChTrans2D4">
+    <dgm:fillClrLst meth="repeat">
+      <a:schemeClr val="accent1"/>
+    </dgm:fillClrLst>
+    <dgm:linClrLst meth="repeat">
+      <a:schemeClr val="accent1"/>
+    </dgm:linClrLst>
+    <dgm:effectClrLst/>
+    <dgm:txLinClrLst/>
+    <dgm:txFillClrLst meth="repeat">
+      <a:schemeClr val="lt1"/>
+    </dgm:txFillClrLst>
+    <dgm:txEffectClrLst/>
+  </dgm:styleLbl>
+  <dgm:styleLbl name="parChTrans1D1">
+    <dgm:fillClrLst meth="repeat">
+      <a:schemeClr val="accent1"/>
+    </dgm:fillClrLst>
+    <dgm:linClrLst meth="repeat">
+      <a:schemeClr val="accent1">
+        <a:shade val="60000"/>
+      </a:schemeClr>
+    </dgm:linClrLst>
+    <dgm:effectClrLst/>
+    <dgm:txLinClrLst/>
+    <dgm:txFillClrLst meth="repeat">
+      <a:schemeClr val="tx1"/>
+    </dgm:txFillClrLst>
+    <dgm:txEffectClrLst/>
+  </dgm:styleLbl>
+  <dgm:styleLbl name="parChTrans1D2">
+    <dgm:fillClrLst meth="repeat">
+      <a:schemeClr val="accent1"/>
+    </dgm:fillClrLst>
+    <dgm:linClrLst meth="repeat">
+      <a:schemeClr val="accent1">
+        <a:shade val="60000"/>
+      </a:schemeClr>
+    </dgm:linClrLst>
+    <dgm:effectClrLst/>
+    <dgm:txLinClrLst/>
+    <dgm:txFillClrLst meth="repeat">
+      <a:schemeClr val="tx1"/>
+    </dgm:txFillClrLst>
+    <dgm:txEffectClrLst/>
+  </dgm:styleLbl>
+  <dgm:styleLbl name="parChTrans1D3">
+    <dgm:fillClrLst meth="repeat">
+      <a:schemeClr val="accent1"/>
+    </dgm:fillClrLst>
+    <dgm:linClrLst meth="repeat">
+      <a:schemeClr val="accent1">
+        <a:shade val="80000"/>
+      </a:schemeClr>
+    </dgm:linClrLst>
+    <dgm:effectClrLst/>
+    <dgm:txLinClrLst/>
+    <dgm:txFillClrLst meth="repeat">
+      <a:schemeClr val="tx1"/>
+    </dgm:txFillClrLst>
+    <dgm:txEffectClrLst/>
+  </dgm:styleLbl>
+  <dgm:styleLbl name="parChTrans1D4">
+    <dgm:fillClrLst meth="repeat">
+      <a:schemeClr val="accent1"/>
+    </dgm:fillClrLst>
+    <dgm:linClrLst meth="repeat">
+      <a:schemeClr val="accent1">
+        <a:shade val="80000"/>
+      </a:schemeClr>
+    </dgm:linClrLst>
+    <dgm:effectClrLst/>
+    <dgm:txLinClrLst/>
+    <dgm:txFillClrLst meth="repeat">
+      <a:schemeClr val="tx1"/>
+    </dgm:txFillClrLst>
+    <dgm:txEffectClrLst/>
+  </dgm:styleLbl>
+  <dgm:styleLbl name="fgAcc1">
+    <dgm:fillClrLst meth="repeat">
+      <a:schemeClr val="accent1">
+        <a:alpha val="90000"/>
+        <a:tint val="40000"/>
+      </a:schemeClr>
+    </dgm:fillClrLst>
+    <dgm:linClrLst meth="repeat">
+      <a:schemeClr val="accent1"/>
+    </dgm:linClrLst>
+    <dgm:effectClrLst/>
+    <dgm:txLinClrLst/>
+    <dgm:txFillClrLst meth="repeat">
+      <a:schemeClr val="dk1"/>
+    </dgm:txFillClrLst>
+    <dgm:txEffectClrLst/>
+  </dgm:styleLbl>
+  <dgm:styleLbl name="conFgAcc1">
+    <dgm:fillClrLst meth="repeat">
+      <a:schemeClr val="accent1">
+        <a:alpha val="90000"/>
+        <a:tint val="40000"/>
+      </a:schemeClr>
+    </dgm:fillClrLst>
+    <dgm:linClrLst meth="repeat">
+      <a:schemeClr val="accent1"/>
+    </dgm:linClrLst>
+    <dgm:effectClrLst/>
+    <dgm:txLinClrLst/>
+    <dgm:txFillClrLst meth="repeat">
+      <a:schemeClr val="dk1"/>
+    </dgm:txFillClrLst>
+    <dgm:txEffectClrLst/>
+  </dgm:styleLbl>
+  <dgm:styleLbl name="alignAcc1">
+    <dgm:fillClrLst meth="repeat">
+      <a:schemeClr val="accent1">
+        <a:alpha val="90000"/>
+        <a:tint val="40000"/>
+      </a:schemeClr>
+    </dgm:fillClrLst>
+    <dgm:linClrLst meth="repeat">
+      <a:schemeClr val="accent1"/>
+    </dgm:linClrLst>
+    <dgm:effectClrLst/>
+    <dgm:txLinClrLst/>
+    <dgm:txFillClrLst meth="repeat">
+      <a:schemeClr val="dk1"/>
+    </dgm:txFillClrLst>
+    <dgm:txEffectClrLst/>
+  </dgm:styleLbl>
+  <dgm:styleLbl name="trAlignAcc1">
+    <dgm:fillClrLst meth="repeat">
+      <a:schemeClr val="accent1">
+        <a:alpha val="40000"/>
+        <a:tint val="40000"/>
+      </a:schemeClr>
+    </dgm:fillClrLst>
+    <dgm:linClrLst meth="repeat">
+      <a:schemeClr val="accent1"/>
+    </dgm:linClrLst>
+    <dgm:effectClrLst/>
+    <dgm:txLinClrLst/>
+    <dgm:txFillClrLst meth="repeat">
+      <a:schemeClr val="dk1"/>
+    </dgm:txFillClrLst>
+    <dgm:txEffectClrLst/>
+  </dgm:styleLbl>
+  <dgm:styleLbl name="bgAcc1">
+    <dgm:fillClrLst meth="repeat">
+      <a:schemeClr val="accent1">
+        <a:alpha val="90000"/>
+        <a:tint val="40000"/>
+      </a:schemeClr>
+    </dgm:fillClrLst>
+    <dgm:linClrLst meth="repeat">
+      <a:schemeClr val="accent1"/>
+    </dgm:linClrLst>
+    <dgm:effectClrLst/>
+    <dgm:txLinClrLst/>
+    <dgm:txFillClrLst meth="repeat">
+      <a:schemeClr val="dk1"/>
+    </dgm:txFillClrLst>
+    <dgm:txEffectClrLst/>
+  </dgm:styleLbl>
+  <dgm:styleLbl name="solidFgAcc1">
+    <dgm:fillClrLst meth="repeat">
+      <a:schemeClr val="lt1"/>
+    </dgm:fillClrLst>
+    <dgm:linClrLst meth="repeat">
+      <a:schemeClr val="accent1"/>
+    </dgm:linClrLst>
+    <dgm:effectClrLst/>
+    <dgm:txLinClrLst/>
+    <dgm:txFillClrLst meth="repeat">
+      <a:schemeClr val="dk1"/>
+    </dgm:txFillClrLst>
+    <dgm:txEffectClrLst/>
+  </dgm:styleLbl>
+  <dgm:styleLbl name="solidAlignAcc1">
+    <dgm:fillClrLst meth="repeat">
+      <a:schemeClr val="lt1"/>
+    </dgm:fillClrLst>
+    <dgm:linClrLst meth="repeat">
+      <a:schemeClr val="accent1"/>
+    </dgm:linClrLst>
+    <dgm:effectClrLst/>
+    <dgm:txLinClrLst/>
+    <dgm:txFillClrLst meth="repeat">
+      <a:schemeClr val="dk1"/>
+    </dgm:txFillClrLst>
+    <dgm:txEffectClrLst/>
+  </dgm:styleLbl>
+  <dgm:styleLbl name="solidBgAcc1">
+    <dgm:fillClrLst meth="repeat">
+      <a:schemeClr val="lt1"/>
+    </dgm:fillClrLst>
+    <dgm:linClrLst meth="repeat">
+      <a:schemeClr val="accent1"/>
+    </dgm:linClrLst>
+    <dgm:effectClrLst/>
+    <dgm:txLinClrLst/>
+    <dgm:txFillClrLst meth="repeat">
+      <a:schemeClr val="dk1"/>
+    </dgm:txFillClrLst>
+    <dgm:txEffectClrLst/>
+  </dgm:styleLbl>
+  <dgm:styleLbl name="fgAccFollowNode1">
+    <dgm:fillClrLst meth="repeat">
+      <a:schemeClr val="lt1">
+        <a:alpha val="90000"/>
+        <a:tint val="40000"/>
+      </a:schemeClr>
+    </dgm:fillClrLst>
+    <dgm:linClrLst meth="repeat">
+      <a:schemeClr val="accent1">
+        <a:alpha val="90000"/>
+      </a:schemeClr>
+    </dgm:linClrLst>
+    <dgm:effectClrLst/>
+    <dgm:txLinClrLst/>
+    <dgm:txFillClrLst meth="repeat">
+      <a:schemeClr val="dk1"/>
+    </dgm:txFillClrLst>
+    <dgm:txEffectClrLst/>
+  </dgm:styleLbl>
+  <dgm:styleLbl name="alignAccFollowNode1">
+    <dgm:fillClrLst meth="repeat">
+      <a:schemeClr val="lt1">
+        <a:alpha val="90000"/>
+        <a:tint val="40000"/>
+      </a:schemeClr>
+    </dgm:fillClrLst>
+    <dgm:linClrLst meth="repeat">
+      <a:schemeClr val="accent1">
+        <a:alpha val="90000"/>
+      </a:schemeClr>
+    </dgm:linClrLst>
+    <dgm:effectClrLst/>
+    <dgm:txLinClrLst/>
+    <dgm:txFillClrLst meth="repeat">
+      <a:schemeClr val="dk1"/>
+    </dgm:txFillClrLst>
+    <dgm:txEffectClrLst/>
+  </dgm:styleLbl>
+  <dgm:styleLbl name="bgAccFollowNode1">
+    <dgm:fillClrLst meth="repeat">
+      <a:schemeClr val="lt1">
+        <a:alpha val="90000"/>
+        <a:tint val="40000"/>
+      </a:schemeClr>
+    </dgm:fillClrLst>
+    <dgm:linClrLst meth="repeat">
+      <a:schemeClr val="accent1">
+        <a:alpha val="90000"/>
+      </a:schemeClr>
+    </dgm:linClrLst>
+    <dgm:effectClrLst/>
+    <dgm:txLinClrLst/>
+    <dgm:txFillClrLst meth="repeat">
+      <a:schemeClr val="dk1"/>
+    </dgm:txFillClrLst>
+    <dgm:txEffectClrLst/>
+  </dgm:styleLbl>
+  <dgm:styleLbl name="fgAcc0">
+    <dgm:fillClrLst meth="repeat">
+      <a:schemeClr val="accent1">
+        <a:alpha val="90000"/>
+        <a:tint val="40000"/>
+      </a:schemeClr>
+    </dgm:fillClrLst>
+    <dgm:linClrLst meth="repeat">
+      <a:schemeClr val="accent1"/>
+    </dgm:linClrLst>
+    <dgm:effectClrLst/>
+    <dgm:txLinClrLst/>
+    <dgm:txFillClrLst meth="repeat">
+      <a:schemeClr val="dk1"/>
+    </dgm:txFillClrLst>
+    <dgm:txEffectClrLst/>
+  </dgm:styleLbl>
+  <dgm:styleLbl name="fgAcc2">
+    <dgm:fillClrLst meth="repeat">
+      <a:schemeClr val="accent1">
+        <a:alpha val="90000"/>
+        <a:tint val="40000"/>
+      </a:schemeClr>
+    </dgm:fillClrLst>
+    <dgm:linClrLst meth="repeat">
+      <a:schemeClr val="accent1"/>
+    </dgm:linClrLst>
+    <dgm:effectClrLst/>
+    <dgm:txLinClrLst/>
+    <dgm:txFillClrLst meth="repeat">
+      <a:schemeClr val="dk1"/>
+    </dgm:txFillClrLst>
+    <dgm:txEffectClrLst/>
+  </dgm:styleLbl>
+  <dgm:styleLbl name="fgAcc3">
+    <dgm:fillClrLst meth="repeat">
+      <a:schemeClr val="accent1">
+        <a:alpha val="90000"/>
+        <a:tint val="40000"/>
+      </a:schemeClr>
+    </dgm:fillClrLst>
+    <dgm:linClrLst meth="repeat">
+      <a:schemeClr val="accent1"/>
+    </dgm:linClrLst>
+    <dgm:effectClrLst/>
+    <dgm:txLinClrLst/>
+    <dgm:txFillClrLst meth="repeat">
+      <a:schemeClr val="dk1"/>
+    </dgm:txFillClrLst>
+    <dgm:txEffectClrLst/>
+  </dgm:styleLbl>
+  <dgm:styleLbl name="fgAcc4">
+    <dgm:fillClrLst meth="repeat">
+      <a:schemeClr val="accent1">
+        <a:alpha val="90000"/>
+        <a:tint val="40000"/>
+      </a:schemeClr>
+    </dgm:fillClrLst>
+    <dgm:linClrLst meth="repeat">
+      <a:schemeClr val="accent1"/>
+    </dgm:linClrLst>
+    <dgm:effectClrLst/>
+    <dgm:txLinClrLst/>
+    <dgm:txFillClrLst meth="repeat">
+      <a:schemeClr val="dk1"/>
+    </dgm:txFillClrLst>
+    <dgm:txEffectClrLst/>
+  </dgm:styleLbl>
+  <dgm:styleLbl name="bgShp">
+    <dgm:fillClrLst meth="repeat">
+      <a:schemeClr val="accent1">
+        <a:tint val="40000"/>
+      </a:schemeClr>
+    </dgm:fillClrLst>
+    <dgm:linClrLst meth="repeat">
+      <a:schemeClr val="accent1"/>
+    </dgm:linClrLst>
+    <dgm:effectClrLst/>
+    <dgm:txLinClrLst/>
+    <dgm:txFillClrLst meth="repeat">
+      <a:schemeClr val="dk1"/>
+    </dgm:txFillClrLst>
+    <dgm:txEffectClrLst/>
+  </dgm:styleLbl>
+  <dgm:styleLbl name="dkBgShp">
+    <dgm:fillClrLst meth="repeat">
+      <a:schemeClr val="accent1">
+        <a:shade val="80000"/>
+      </a:schemeClr>
+    </dgm:fillClrLst>
+    <dgm:linClrLst meth="repeat">
+      <a:schemeClr val="accent1"/>
+    </dgm:linClrLst>
+    <dgm:effectClrLst/>
+    <dgm:txLinClrLst/>
+    <dgm:txFillClrLst meth="repeat">
+      <a:schemeClr val="lt1"/>
+    </dgm:txFillClrLst>
+    <dgm:txEffectClrLst/>
+  </dgm:styleLbl>
+  <dgm:styleLbl name="trBgShp">
+    <dgm:fillClrLst meth="repeat">
+      <a:schemeClr val="accent1">
+        <a:tint val="50000"/>
+        <a:alpha val="40000"/>
+      </a:schemeClr>
+    </dgm:fillClrLst>
+    <dgm:linClrLst meth="repeat">
+      <a:schemeClr val="accent1"/>
+    </dgm:linClrLst>
+    <dgm:effectClrLst/>
+    <dgm:txLinClrLst/>
+    <dgm:txFillClrLst meth="repeat">
+      <a:schemeClr val="lt1"/>
+    </dgm:txFillClrLst>
+    <dgm:txEffectClrLst/>
+  </dgm:styleLbl>
+  <dgm:styleLbl name="fgShp">
+    <dgm:fillClrLst meth="repeat">
+      <a:schemeClr val="accent1">
+        <a:tint val="60000"/>
+      </a:schemeClr>
+    </dgm:fillClrLst>
+    <dgm:linClrLst meth="repeat">
+      <a:schemeClr val="lt1"/>
+    </dgm:linClrLst>
+    <dgm:effectClrLst/>
+    <dgm:txLinClrLst/>
+    <dgm:txFillClrLst meth="repeat">
+      <a:schemeClr val="dk1"/>
+    </dgm:txFillClrLst>
+    <dgm:txEffectClrLst/>
+  </dgm:styleLbl>
+  <dgm:styleLbl name="revTx">
+    <dgm:fillClrLst meth="repeat">
+      <a:schemeClr val="lt1">
+        <a:alpha val="0"/>
+      </a:schemeClr>
+    </dgm:fillClrLst>
+    <dgm:linClrLst meth="repeat">
+      <a:schemeClr val="dk1">
+        <a:alpha val="0"/>
+      </a:schemeClr>
+    </dgm:linClrLst>
+    <dgm:effectClrLst/>
+    <dgm:txLinClrLst/>
+    <dgm:txFillClrLst meth="repeat">
+      <a:schemeClr val="tx1"/>
+    </dgm:txFillClrLst>
+    <dgm:txEffectClrLst/>
+  </dgm:styleLbl>
+</dgm:colorsDef>
+</file>
+
+<file path=ppt/diagrams/data1.xml><?xml version="1.0" encoding="utf-8"?>
+<dgm:dataModel xmlns:dgm="http://schemas.openxmlformats.org/drawingml/2006/diagram" xmlns:a="http://schemas.openxmlformats.org/drawingml/2006/main">
+  <dgm:ptLst>
+    <dgm:pt modelId="{2DE8DD11-C152-46DF-88B6-5A276530CC53}" type="doc">
+      <dgm:prSet loTypeId="urn:microsoft.com/office/officeart/2005/8/layout/process5" loCatId="process" qsTypeId="urn:microsoft.com/office/officeart/2005/8/quickstyle/simple1" qsCatId="simple" csTypeId="urn:microsoft.com/office/officeart/2005/8/colors/accent1_1" csCatId="accent1" phldr="1"/>
+      <dgm:spPr/>
+      <dgm:t>
+        <a:bodyPr/>
+        <a:lstStyle/>
+        <a:p>
+          <a:endParaRPr lang="ru-RU"/>
+        </a:p>
+      </dgm:t>
+    </dgm:pt>
+    <dgm:pt modelId="{587FCCA7-833B-45F4-8A3D-BAEC5A7747A1}">
+      <dgm:prSet phldrT="[Текст]"/>
+      <dgm:spPr/>
+      <dgm:t>
+        <a:bodyPr/>
+        <a:lstStyle/>
+        <a:p>
+          <a:r>
+            <a:rPr lang="ru-RU" b="1" dirty="0"/>
+            <a:t>Исследование и применение технологии кон</a:t>
+          </a:r>
+          <a:r>
+            <a:rPr lang="ru-RU" b="0" dirty="0"/>
+            <a:t>т</a:t>
+          </a:r>
+          <a:r>
+            <a:rPr lang="ru-RU" b="1" dirty="0"/>
+            <a:t>ейнеризации</a:t>
+          </a:r>
+        </a:p>
+      </dgm:t>
+    </dgm:pt>
+    <dgm:pt modelId="{7CB19849-A405-469C-8F5D-E4D021F56725}" type="parTrans" cxnId="{8E355411-163E-4104-A5AC-7FB8A34D4CE5}">
+      <dgm:prSet/>
+      <dgm:spPr/>
+      <dgm:t>
+        <a:bodyPr/>
+        <a:lstStyle/>
+        <a:p>
+          <a:endParaRPr lang="ru-RU"/>
+        </a:p>
+      </dgm:t>
+    </dgm:pt>
+    <dgm:pt modelId="{B0FB4FB0-88BF-40AE-9F1A-0152F5BAF770}" type="sibTrans" cxnId="{8E355411-163E-4104-A5AC-7FB8A34D4CE5}">
+      <dgm:prSet/>
+      <dgm:spPr/>
+      <dgm:t>
+        <a:bodyPr/>
+        <a:lstStyle/>
+        <a:p>
+          <a:endParaRPr lang="ru-RU"/>
+        </a:p>
+      </dgm:t>
+    </dgm:pt>
+    <dgm:pt modelId="{7F8B1271-792C-40D2-8086-BF40856E7998}">
+      <dgm:prSet phldrT="[Текст]"/>
+      <dgm:spPr/>
+      <dgm:t>
+        <a:bodyPr/>
+        <a:lstStyle/>
+        <a:p>
+          <a:r>
+            <a:rPr lang="ru-RU" b="1" dirty="0"/>
+            <a:t>Реализация менеджера на </a:t>
+          </a:r>
+          <a:r>
+            <a:rPr lang="en-US" b="1" dirty="0"/>
+            <a:t>Unreal Engine 4</a:t>
+          </a:r>
+          <a:endParaRPr lang="ru-RU" b="1" dirty="0"/>
+        </a:p>
+      </dgm:t>
+    </dgm:pt>
+    <dgm:pt modelId="{4A074911-135C-4230-9764-9A1F9C01C6BA}" type="parTrans" cxnId="{37C6D404-04A1-4FDC-A10B-169B6B810466}">
+      <dgm:prSet/>
+      <dgm:spPr/>
+      <dgm:t>
+        <a:bodyPr/>
+        <a:lstStyle/>
+        <a:p>
+          <a:endParaRPr lang="ru-RU"/>
+        </a:p>
+      </dgm:t>
+    </dgm:pt>
+    <dgm:pt modelId="{3DFCB87A-38D9-418B-A344-20087AE9FCAF}" type="sibTrans" cxnId="{37C6D404-04A1-4FDC-A10B-169B6B810466}">
+      <dgm:prSet/>
+      <dgm:spPr/>
+      <dgm:t>
+        <a:bodyPr/>
+        <a:lstStyle/>
+        <a:p>
+          <a:endParaRPr lang="ru-RU"/>
+        </a:p>
+      </dgm:t>
+    </dgm:pt>
+    <dgm:pt modelId="{B666578C-3D20-4BF6-B7C6-6FC06ED4C442}">
+      <dgm:prSet phldrT="[Текст]"/>
+      <dgm:spPr/>
+      <dgm:t>
+        <a:bodyPr/>
+        <a:lstStyle/>
+        <a:p>
+          <a:r>
+            <a:rPr lang="ru-RU" b="1" dirty="0"/>
+            <a:t>Реализация менеджера и демона на </a:t>
+          </a:r>
+          <a:r>
+            <a:rPr lang="en-US" b="1" dirty="0"/>
+            <a:t>C++ Boost.Asio</a:t>
+          </a:r>
+          <a:endParaRPr lang="ru-RU" b="1" dirty="0"/>
+        </a:p>
+      </dgm:t>
+    </dgm:pt>
+    <dgm:pt modelId="{143A9567-B82E-431F-8E7B-6E26458DCD3F}" type="parTrans" cxnId="{85C76A86-B071-42F5-AE63-0FF31E66B395}">
+      <dgm:prSet/>
+      <dgm:spPr/>
+      <dgm:t>
+        <a:bodyPr/>
+        <a:lstStyle/>
+        <a:p>
+          <a:endParaRPr lang="ru-RU"/>
+        </a:p>
+      </dgm:t>
+    </dgm:pt>
+    <dgm:pt modelId="{F092B427-AF7F-4598-B2F3-A9F3D25C5D80}" type="sibTrans" cxnId="{85C76A86-B071-42F5-AE63-0FF31E66B395}">
+      <dgm:prSet/>
+      <dgm:spPr/>
+      <dgm:t>
+        <a:bodyPr/>
+        <a:lstStyle/>
+        <a:p>
+          <a:endParaRPr lang="ru-RU"/>
+        </a:p>
+      </dgm:t>
+    </dgm:pt>
+    <dgm:pt modelId="{89DCA84B-FE92-4D59-948E-8807C86CA2F5}">
+      <dgm:prSet phldrT="[Текст]"/>
+      <dgm:spPr/>
+      <dgm:t>
+        <a:bodyPr/>
+        <a:lstStyle/>
+        <a:p>
+          <a:r>
+            <a:rPr lang="ru-RU" b="1" dirty="0"/>
+            <a:t>Реализация сетевого взаимодействия клиента с менеджером</a:t>
+          </a:r>
+        </a:p>
+      </dgm:t>
+    </dgm:pt>
+    <dgm:pt modelId="{43A03D4E-2566-4B18-AD92-FBE24A7AB821}" type="parTrans" cxnId="{E1894680-375B-43C9-AA06-8E3F4F96EF1E}">
+      <dgm:prSet/>
+      <dgm:spPr/>
+      <dgm:t>
+        <a:bodyPr/>
+        <a:lstStyle/>
+        <a:p>
+          <a:endParaRPr lang="ru-RU"/>
+        </a:p>
+      </dgm:t>
+    </dgm:pt>
+    <dgm:pt modelId="{53EEE66C-2746-40A5-9E8A-CAB12A067168}" type="sibTrans" cxnId="{E1894680-375B-43C9-AA06-8E3F4F96EF1E}">
+      <dgm:prSet/>
+      <dgm:spPr/>
+      <dgm:t>
+        <a:bodyPr/>
+        <a:lstStyle/>
+        <a:p>
+          <a:endParaRPr lang="ru-RU"/>
+        </a:p>
+      </dgm:t>
+    </dgm:pt>
+    <dgm:pt modelId="{5CE3FBF4-D666-40F1-A006-9870B95F29CA}">
+      <dgm:prSet phldrT="[Текст]"/>
+      <dgm:spPr/>
+      <dgm:t>
+        <a:bodyPr/>
+        <a:lstStyle/>
+        <a:p>
+          <a:r>
+            <a:rPr lang="ru-RU" b="1" dirty="0"/>
+            <a:t>Реализация предоставления прав доступа на запуск выделенного сервера</a:t>
+          </a:r>
+        </a:p>
+      </dgm:t>
+    </dgm:pt>
+    <dgm:pt modelId="{4E2F599B-744B-4507-898E-B355F364FC4B}" type="parTrans" cxnId="{278AF27E-0D80-4D63-A07B-81F3CE64DE76}">
+      <dgm:prSet/>
+      <dgm:spPr/>
+      <dgm:t>
+        <a:bodyPr/>
+        <a:lstStyle/>
+        <a:p>
+          <a:endParaRPr lang="ru-RU"/>
+        </a:p>
+      </dgm:t>
+    </dgm:pt>
+    <dgm:pt modelId="{548207FB-D8E3-4DB9-8159-413E73D1C6AE}" type="sibTrans" cxnId="{278AF27E-0D80-4D63-A07B-81F3CE64DE76}">
+      <dgm:prSet/>
+      <dgm:spPr/>
+      <dgm:t>
+        <a:bodyPr/>
+        <a:lstStyle/>
+        <a:p>
+          <a:endParaRPr lang="ru-RU"/>
+        </a:p>
+      </dgm:t>
+    </dgm:pt>
+    <dgm:pt modelId="{50FD5F7D-8114-41BB-B49E-47E485F6C70B}">
+      <dgm:prSet phldrT="[Текст]"/>
+      <dgm:spPr/>
+      <dgm:t>
+        <a:bodyPr/>
+        <a:lstStyle/>
+        <a:p>
+          <a:r>
+            <a:rPr lang="ru-RU" b="1" dirty="0"/>
+            <a:t>Реализация предоставления прав доступа в автономном режиме</a:t>
+          </a:r>
+        </a:p>
+      </dgm:t>
+    </dgm:pt>
+    <dgm:pt modelId="{4857932B-779A-4678-BD3A-574991B29E12}" type="parTrans" cxnId="{91EFEB4D-830D-4B9F-B2D3-52A44643F15D}">
+      <dgm:prSet/>
+      <dgm:spPr/>
+      <dgm:t>
+        <a:bodyPr/>
+        <a:lstStyle/>
+        <a:p>
+          <a:endParaRPr lang="ru-RU"/>
+        </a:p>
+      </dgm:t>
+    </dgm:pt>
+    <dgm:pt modelId="{A04F8D98-DBCF-4BC4-A4EE-71E0F78524FD}" type="sibTrans" cxnId="{91EFEB4D-830D-4B9F-B2D3-52A44643F15D}">
+      <dgm:prSet/>
+      <dgm:spPr/>
+      <dgm:t>
+        <a:bodyPr/>
+        <a:lstStyle/>
+        <a:p>
+          <a:endParaRPr lang="ru-RU"/>
+        </a:p>
+      </dgm:t>
+    </dgm:pt>
+    <dgm:pt modelId="{ACC8DFC0-FD2A-4F14-B82B-BBBEE0BB1EC4}">
+      <dgm:prSet phldrT="[Текст]"/>
+      <dgm:spPr/>
+      <dgm:t>
+        <a:bodyPr/>
+        <a:lstStyle/>
+        <a:p>
+          <a:r>
+            <a:rPr lang="ru-RU" b="1" dirty="0"/>
+            <a:t>Реализация механизма мониторинга через </a:t>
+          </a:r>
+          <a:r>
+            <a:rPr lang="en-US" b="1" dirty="0"/>
+            <a:t>CLI (C++ </a:t>
+          </a:r>
+          <a:r>
+            <a:rPr lang="ru-RU" b="1" dirty="0"/>
+            <a:t>и </a:t>
+          </a:r>
+          <a:r>
+            <a:rPr lang="en-US" b="1" dirty="0"/>
+            <a:t>PDCurses)</a:t>
+          </a:r>
+          <a:endParaRPr lang="ru-RU" b="1" dirty="0"/>
+        </a:p>
+      </dgm:t>
+    </dgm:pt>
+    <dgm:pt modelId="{6BFDCCB3-76B0-4293-8966-2519DADCDB86}" type="parTrans" cxnId="{909B5748-0CFB-4440-B98A-5B832A83F7A0}">
+      <dgm:prSet/>
+      <dgm:spPr/>
+      <dgm:t>
+        <a:bodyPr/>
+        <a:lstStyle/>
+        <a:p>
+          <a:endParaRPr lang="ru-RU"/>
+        </a:p>
+      </dgm:t>
+    </dgm:pt>
+    <dgm:pt modelId="{E0EB2AD7-D060-4C7A-806E-ED6F27E25F20}" type="sibTrans" cxnId="{909B5748-0CFB-4440-B98A-5B832A83F7A0}">
+      <dgm:prSet/>
+      <dgm:spPr/>
+      <dgm:t>
+        <a:bodyPr/>
+        <a:lstStyle/>
+        <a:p>
+          <a:endParaRPr lang="ru-RU"/>
+        </a:p>
+      </dgm:t>
+    </dgm:pt>
+    <dgm:pt modelId="{211BD9FE-B376-4A95-9E34-CD6F281DC87D}">
+      <dgm:prSet phldrT="[Текст]"/>
+      <dgm:spPr/>
+      <dgm:t>
+        <a:bodyPr/>
+        <a:lstStyle/>
+        <a:p>
+          <a:r>
+            <a:rPr lang="ru-RU" b="1" dirty="0"/>
+            <a:t>Проведения исследования в области сериализации сетевых пакетов</a:t>
+          </a:r>
+        </a:p>
+      </dgm:t>
+    </dgm:pt>
+    <dgm:pt modelId="{DD05049D-2953-47C4-BBFC-20F3AE491839}" type="parTrans" cxnId="{25C1CB19-F307-4146-95CD-D3B1E72EDE6A}">
+      <dgm:prSet/>
+      <dgm:spPr/>
+      <dgm:t>
+        <a:bodyPr/>
+        <a:lstStyle/>
+        <a:p>
+          <a:endParaRPr lang="ru-RU"/>
+        </a:p>
+      </dgm:t>
+    </dgm:pt>
+    <dgm:pt modelId="{F4BAD5F2-FABF-42FD-B5B3-606F0BDAB2CE}" type="sibTrans" cxnId="{25C1CB19-F307-4146-95CD-D3B1E72EDE6A}">
+      <dgm:prSet/>
+      <dgm:spPr/>
+      <dgm:t>
+        <a:bodyPr/>
+        <a:lstStyle/>
+        <a:p>
+          <a:endParaRPr lang="ru-RU"/>
+        </a:p>
+      </dgm:t>
+    </dgm:pt>
+    <dgm:pt modelId="{65A6AE19-300F-40F4-ACD7-FDA152BE2F50}">
+      <dgm:prSet phldrT="[Текст]"/>
+      <dgm:spPr/>
+      <dgm:t>
+        <a:bodyPr/>
+        <a:lstStyle/>
+        <a:p>
+          <a:r>
+            <a:rPr lang="ru-RU" b="1" dirty="0"/>
+            <a:t>Сборка компонентов системы под ОС </a:t>
+          </a:r>
+          <a:r>
+            <a:rPr lang="en-US" b="1" dirty="0"/>
+            <a:t>Linux-Debian</a:t>
+          </a:r>
+          <a:r>
+            <a:rPr lang="ru-RU" b="1" dirty="0"/>
+            <a:t> </a:t>
+          </a:r>
+        </a:p>
+      </dgm:t>
+    </dgm:pt>
+    <dgm:pt modelId="{EBAC4EB2-76CF-4217-BC34-AD54A1B17992}" type="parTrans" cxnId="{6D45B8E5-BDA7-41D0-8EC5-410779163426}">
+      <dgm:prSet/>
+      <dgm:spPr/>
+      <dgm:t>
+        <a:bodyPr/>
+        <a:lstStyle/>
+        <a:p>
+          <a:endParaRPr lang="ru-RU"/>
+        </a:p>
+      </dgm:t>
+    </dgm:pt>
+    <dgm:pt modelId="{EE6E9821-93DE-4D10-B36E-51F493EC3F1C}" type="sibTrans" cxnId="{6D45B8E5-BDA7-41D0-8EC5-410779163426}">
+      <dgm:prSet/>
+      <dgm:spPr/>
+      <dgm:t>
+        <a:bodyPr/>
+        <a:lstStyle/>
+        <a:p>
+          <a:endParaRPr lang="ru-RU"/>
+        </a:p>
+      </dgm:t>
+    </dgm:pt>
+    <dgm:pt modelId="{F4F4B8C4-36ED-4F20-9540-3AE72D7B9493}" type="pres">
+      <dgm:prSet presAssocID="{2DE8DD11-C152-46DF-88B6-5A276530CC53}" presName="diagram" presStyleCnt="0">
+        <dgm:presLayoutVars>
+          <dgm:dir/>
+          <dgm:resizeHandles val="exact"/>
+        </dgm:presLayoutVars>
+      </dgm:prSet>
+      <dgm:spPr/>
+    </dgm:pt>
+    <dgm:pt modelId="{362F3457-7787-43A5-968A-8E15EBA4C8D1}" type="pres">
+      <dgm:prSet presAssocID="{587FCCA7-833B-45F4-8A3D-BAEC5A7747A1}" presName="node" presStyleLbl="node1" presStyleIdx="0" presStyleCnt="9">
+        <dgm:presLayoutVars>
+          <dgm:bulletEnabled val="1"/>
+        </dgm:presLayoutVars>
+      </dgm:prSet>
+      <dgm:spPr/>
+    </dgm:pt>
+    <dgm:pt modelId="{D35295F2-ECF5-4C05-8D44-7219BAFCA66C}" type="pres">
+      <dgm:prSet presAssocID="{B0FB4FB0-88BF-40AE-9F1A-0152F5BAF770}" presName="sibTrans" presStyleLbl="sibTrans2D1" presStyleIdx="0" presStyleCnt="8"/>
+      <dgm:spPr/>
+    </dgm:pt>
+    <dgm:pt modelId="{1D5A534F-9BC7-4CD0-B490-D42C27174589}" type="pres">
+      <dgm:prSet presAssocID="{B0FB4FB0-88BF-40AE-9F1A-0152F5BAF770}" presName="connectorText" presStyleLbl="sibTrans2D1" presStyleIdx="0" presStyleCnt="8"/>
+      <dgm:spPr/>
+    </dgm:pt>
+    <dgm:pt modelId="{1E88CF3E-CAD0-4555-A2D2-7FEC49359CEA}" type="pres">
+      <dgm:prSet presAssocID="{7F8B1271-792C-40D2-8086-BF40856E7998}" presName="node" presStyleLbl="node1" presStyleIdx="1" presStyleCnt="9">
+        <dgm:presLayoutVars>
+          <dgm:bulletEnabled val="1"/>
+        </dgm:presLayoutVars>
+      </dgm:prSet>
+      <dgm:spPr/>
+    </dgm:pt>
+    <dgm:pt modelId="{8382ADE5-DF22-4E53-96E6-53EFF45BA8AF}" type="pres">
+      <dgm:prSet presAssocID="{3DFCB87A-38D9-418B-A344-20087AE9FCAF}" presName="sibTrans" presStyleLbl="sibTrans2D1" presStyleIdx="1" presStyleCnt="8"/>
+      <dgm:spPr/>
+    </dgm:pt>
+    <dgm:pt modelId="{C999DE17-30E2-4EF2-A21D-7576C07C6F49}" type="pres">
+      <dgm:prSet presAssocID="{3DFCB87A-38D9-418B-A344-20087AE9FCAF}" presName="connectorText" presStyleLbl="sibTrans2D1" presStyleIdx="1" presStyleCnt="8"/>
+      <dgm:spPr/>
+    </dgm:pt>
+    <dgm:pt modelId="{30D3A78E-9CF0-4812-8694-2242CE2AD72D}" type="pres">
+      <dgm:prSet presAssocID="{B666578C-3D20-4BF6-B7C6-6FC06ED4C442}" presName="node" presStyleLbl="node1" presStyleIdx="2" presStyleCnt="9">
+        <dgm:presLayoutVars>
+          <dgm:bulletEnabled val="1"/>
+        </dgm:presLayoutVars>
+      </dgm:prSet>
+      <dgm:spPr/>
+    </dgm:pt>
+    <dgm:pt modelId="{09FD2994-019D-4F82-9A96-4A701D997303}" type="pres">
+      <dgm:prSet presAssocID="{F092B427-AF7F-4598-B2F3-A9F3D25C5D80}" presName="sibTrans" presStyleLbl="sibTrans2D1" presStyleIdx="2" presStyleCnt="8"/>
+      <dgm:spPr/>
+    </dgm:pt>
+    <dgm:pt modelId="{F9145F04-20AD-49CE-A155-8BD966A86C61}" type="pres">
+      <dgm:prSet presAssocID="{F092B427-AF7F-4598-B2F3-A9F3D25C5D80}" presName="connectorText" presStyleLbl="sibTrans2D1" presStyleIdx="2" presStyleCnt="8"/>
+      <dgm:spPr/>
+    </dgm:pt>
+    <dgm:pt modelId="{51B4848A-81E1-4CB8-A505-77D5A2D976F6}" type="pres">
+      <dgm:prSet presAssocID="{89DCA84B-FE92-4D59-948E-8807C86CA2F5}" presName="node" presStyleLbl="node1" presStyleIdx="3" presStyleCnt="9">
+        <dgm:presLayoutVars>
+          <dgm:bulletEnabled val="1"/>
+        </dgm:presLayoutVars>
+      </dgm:prSet>
+      <dgm:spPr/>
+    </dgm:pt>
+    <dgm:pt modelId="{86CA70CE-4E6E-4832-85BF-D8D061AE5013}" type="pres">
+      <dgm:prSet presAssocID="{53EEE66C-2746-40A5-9E8A-CAB12A067168}" presName="sibTrans" presStyleLbl="sibTrans2D1" presStyleIdx="3" presStyleCnt="8"/>
+      <dgm:spPr/>
+    </dgm:pt>
+    <dgm:pt modelId="{5B4CA673-F30F-4048-8AB2-534CD8D8C2DE}" type="pres">
+      <dgm:prSet presAssocID="{53EEE66C-2746-40A5-9E8A-CAB12A067168}" presName="connectorText" presStyleLbl="sibTrans2D1" presStyleIdx="3" presStyleCnt="8"/>
+      <dgm:spPr/>
+    </dgm:pt>
+    <dgm:pt modelId="{F18508EF-B325-46CE-B4B0-3F64EBF0F407}" type="pres">
+      <dgm:prSet presAssocID="{5CE3FBF4-D666-40F1-A006-9870B95F29CA}" presName="node" presStyleLbl="node1" presStyleIdx="4" presStyleCnt="9">
+        <dgm:presLayoutVars>
+          <dgm:bulletEnabled val="1"/>
+        </dgm:presLayoutVars>
+      </dgm:prSet>
+      <dgm:spPr/>
+    </dgm:pt>
+    <dgm:pt modelId="{12436C83-BD42-4B33-8B86-9D02A0612505}" type="pres">
+      <dgm:prSet presAssocID="{548207FB-D8E3-4DB9-8159-413E73D1C6AE}" presName="sibTrans" presStyleLbl="sibTrans2D1" presStyleIdx="4" presStyleCnt="8"/>
+      <dgm:spPr/>
+    </dgm:pt>
+    <dgm:pt modelId="{2B6760F6-0C6A-44A6-AE6C-6B281E1C1770}" type="pres">
+      <dgm:prSet presAssocID="{548207FB-D8E3-4DB9-8159-413E73D1C6AE}" presName="connectorText" presStyleLbl="sibTrans2D1" presStyleIdx="4" presStyleCnt="8"/>
+      <dgm:spPr/>
+    </dgm:pt>
+    <dgm:pt modelId="{C93AECF5-1267-4C95-8754-A1602D0EAB2B}" type="pres">
+      <dgm:prSet presAssocID="{50FD5F7D-8114-41BB-B49E-47E485F6C70B}" presName="node" presStyleLbl="node1" presStyleIdx="5" presStyleCnt="9">
+        <dgm:presLayoutVars>
+          <dgm:bulletEnabled val="1"/>
+        </dgm:presLayoutVars>
+      </dgm:prSet>
+      <dgm:spPr/>
+    </dgm:pt>
+    <dgm:pt modelId="{E878F333-8819-4CEE-ACB8-1F850C309850}" type="pres">
+      <dgm:prSet presAssocID="{A04F8D98-DBCF-4BC4-A4EE-71E0F78524FD}" presName="sibTrans" presStyleLbl="sibTrans2D1" presStyleIdx="5" presStyleCnt="8"/>
+      <dgm:spPr/>
+    </dgm:pt>
+    <dgm:pt modelId="{EC9F2603-B5A3-40B4-9914-5BF2906C7FE0}" type="pres">
+      <dgm:prSet presAssocID="{A04F8D98-DBCF-4BC4-A4EE-71E0F78524FD}" presName="connectorText" presStyleLbl="sibTrans2D1" presStyleIdx="5" presStyleCnt="8"/>
+      <dgm:spPr/>
+    </dgm:pt>
+    <dgm:pt modelId="{A9BCEE7B-0FB0-48EB-BF8F-7F2791D78B41}" type="pres">
+      <dgm:prSet presAssocID="{ACC8DFC0-FD2A-4F14-B82B-BBBEE0BB1EC4}" presName="node" presStyleLbl="node1" presStyleIdx="6" presStyleCnt="9">
+        <dgm:presLayoutVars>
+          <dgm:bulletEnabled val="1"/>
+        </dgm:presLayoutVars>
+      </dgm:prSet>
+      <dgm:spPr/>
+    </dgm:pt>
+    <dgm:pt modelId="{707F765D-8D8E-4011-9973-67B863A9827C}" type="pres">
+      <dgm:prSet presAssocID="{E0EB2AD7-D060-4C7A-806E-ED6F27E25F20}" presName="sibTrans" presStyleLbl="sibTrans2D1" presStyleIdx="6" presStyleCnt="8"/>
+      <dgm:spPr/>
+    </dgm:pt>
+    <dgm:pt modelId="{A89979BA-D980-4C80-8C37-0F4CACACD675}" type="pres">
+      <dgm:prSet presAssocID="{E0EB2AD7-D060-4C7A-806E-ED6F27E25F20}" presName="connectorText" presStyleLbl="sibTrans2D1" presStyleIdx="6" presStyleCnt="8"/>
+      <dgm:spPr/>
+    </dgm:pt>
+    <dgm:pt modelId="{F22CA137-AEBF-42B7-94DD-212FC9BC6F26}" type="pres">
+      <dgm:prSet presAssocID="{211BD9FE-B376-4A95-9E34-CD6F281DC87D}" presName="node" presStyleLbl="node1" presStyleIdx="7" presStyleCnt="9">
+        <dgm:presLayoutVars>
+          <dgm:bulletEnabled val="1"/>
+        </dgm:presLayoutVars>
+      </dgm:prSet>
+      <dgm:spPr/>
+    </dgm:pt>
+    <dgm:pt modelId="{B761CBCF-7FDD-4D1C-9741-84EA7A5BC866}" type="pres">
+      <dgm:prSet presAssocID="{F4BAD5F2-FABF-42FD-B5B3-606F0BDAB2CE}" presName="sibTrans" presStyleLbl="sibTrans2D1" presStyleIdx="7" presStyleCnt="8"/>
+      <dgm:spPr/>
+    </dgm:pt>
+    <dgm:pt modelId="{73F9D61E-BBD0-45CD-95A9-045DDFC8BC19}" type="pres">
+      <dgm:prSet presAssocID="{F4BAD5F2-FABF-42FD-B5B3-606F0BDAB2CE}" presName="connectorText" presStyleLbl="sibTrans2D1" presStyleIdx="7" presStyleCnt="8"/>
+      <dgm:spPr/>
+    </dgm:pt>
+    <dgm:pt modelId="{FCAF73FA-4A28-4419-BAAA-BE8843E2D12F}" type="pres">
+      <dgm:prSet presAssocID="{65A6AE19-300F-40F4-ACD7-FDA152BE2F50}" presName="node" presStyleLbl="node1" presStyleIdx="8" presStyleCnt="9">
+        <dgm:presLayoutVars>
+          <dgm:bulletEnabled val="1"/>
+        </dgm:presLayoutVars>
+      </dgm:prSet>
+      <dgm:spPr/>
+    </dgm:pt>
+  </dgm:ptLst>
+  <dgm:cxnLst>
+    <dgm:cxn modelId="{BAAC9B00-FAEF-4228-82C6-CD6ABBB02A63}" type="presOf" srcId="{548207FB-D8E3-4DB9-8159-413E73D1C6AE}" destId="{12436C83-BD42-4B33-8B86-9D02A0612505}" srcOrd="0" destOrd="0" presId="urn:microsoft.com/office/officeart/2005/8/layout/process5"/>
+    <dgm:cxn modelId="{75E9EE00-E12D-4A2B-BC77-8691B1922B3B}" type="presOf" srcId="{211BD9FE-B376-4A95-9E34-CD6F281DC87D}" destId="{F22CA137-AEBF-42B7-94DD-212FC9BC6F26}" srcOrd="0" destOrd="0" presId="urn:microsoft.com/office/officeart/2005/8/layout/process5"/>
+    <dgm:cxn modelId="{37C6D404-04A1-4FDC-A10B-169B6B810466}" srcId="{2DE8DD11-C152-46DF-88B6-5A276530CC53}" destId="{7F8B1271-792C-40D2-8086-BF40856E7998}" srcOrd="1" destOrd="0" parTransId="{4A074911-135C-4230-9764-9A1F9C01C6BA}" sibTransId="{3DFCB87A-38D9-418B-A344-20087AE9FCAF}"/>
+    <dgm:cxn modelId="{8E355411-163E-4104-A5AC-7FB8A34D4CE5}" srcId="{2DE8DD11-C152-46DF-88B6-5A276530CC53}" destId="{587FCCA7-833B-45F4-8A3D-BAEC5A7747A1}" srcOrd="0" destOrd="0" parTransId="{7CB19849-A405-469C-8F5D-E4D021F56725}" sibTransId="{B0FB4FB0-88BF-40AE-9F1A-0152F5BAF770}"/>
+    <dgm:cxn modelId="{A0521615-3321-4E69-97DE-CF4DFB03CDA0}" type="presOf" srcId="{ACC8DFC0-FD2A-4F14-B82B-BBBEE0BB1EC4}" destId="{A9BCEE7B-0FB0-48EB-BF8F-7F2791D78B41}" srcOrd="0" destOrd="0" presId="urn:microsoft.com/office/officeart/2005/8/layout/process5"/>
+    <dgm:cxn modelId="{25C1CB19-F307-4146-95CD-D3B1E72EDE6A}" srcId="{2DE8DD11-C152-46DF-88B6-5A276530CC53}" destId="{211BD9FE-B376-4A95-9E34-CD6F281DC87D}" srcOrd="7" destOrd="0" parTransId="{DD05049D-2953-47C4-BBFC-20F3AE491839}" sibTransId="{F4BAD5F2-FABF-42FD-B5B3-606F0BDAB2CE}"/>
+    <dgm:cxn modelId="{9F4C721D-B30A-47CA-B85F-B82593D83452}" type="presOf" srcId="{89DCA84B-FE92-4D59-948E-8807C86CA2F5}" destId="{51B4848A-81E1-4CB8-A505-77D5A2D976F6}" srcOrd="0" destOrd="0" presId="urn:microsoft.com/office/officeart/2005/8/layout/process5"/>
+    <dgm:cxn modelId="{E014B81E-EE3E-4774-90BE-A684296DD0BE}" type="presOf" srcId="{3DFCB87A-38D9-418B-A344-20087AE9FCAF}" destId="{C999DE17-30E2-4EF2-A21D-7576C07C6F49}" srcOrd="1" destOrd="0" presId="urn:microsoft.com/office/officeart/2005/8/layout/process5"/>
+    <dgm:cxn modelId="{019C6220-D950-4203-B377-FF20F84E0791}" type="presOf" srcId="{A04F8D98-DBCF-4BC4-A4EE-71E0F78524FD}" destId="{E878F333-8819-4CEE-ACB8-1F850C309850}" srcOrd="0" destOrd="0" presId="urn:microsoft.com/office/officeart/2005/8/layout/process5"/>
+    <dgm:cxn modelId="{690D6826-C464-4067-999E-5B9B0F26B281}" type="presOf" srcId="{53EEE66C-2746-40A5-9E8A-CAB12A067168}" destId="{86CA70CE-4E6E-4832-85BF-D8D061AE5013}" srcOrd="0" destOrd="0" presId="urn:microsoft.com/office/officeart/2005/8/layout/process5"/>
+    <dgm:cxn modelId="{01C33736-59CA-472E-A468-C10D44A19DB3}" type="presOf" srcId="{2DE8DD11-C152-46DF-88B6-5A276530CC53}" destId="{F4F4B8C4-36ED-4F20-9540-3AE72D7B9493}" srcOrd="0" destOrd="0" presId="urn:microsoft.com/office/officeart/2005/8/layout/process5"/>
+    <dgm:cxn modelId="{B08A375D-8996-4A91-B6B8-7F81FA3FF474}" type="presOf" srcId="{F092B427-AF7F-4598-B2F3-A9F3D25C5D80}" destId="{09FD2994-019D-4F82-9A96-4A701D997303}" srcOrd="0" destOrd="0" presId="urn:microsoft.com/office/officeart/2005/8/layout/process5"/>
+    <dgm:cxn modelId="{4E0C2663-0495-4C73-9E29-B78AEA8AA15E}" type="presOf" srcId="{A04F8D98-DBCF-4BC4-A4EE-71E0F78524FD}" destId="{EC9F2603-B5A3-40B4-9914-5BF2906C7FE0}" srcOrd="1" destOrd="0" presId="urn:microsoft.com/office/officeart/2005/8/layout/process5"/>
+    <dgm:cxn modelId="{11D63247-4728-421A-9001-9D2531663585}" type="presOf" srcId="{B0FB4FB0-88BF-40AE-9F1A-0152F5BAF770}" destId="{1D5A534F-9BC7-4CD0-B490-D42C27174589}" srcOrd="1" destOrd="0" presId="urn:microsoft.com/office/officeart/2005/8/layout/process5"/>
+    <dgm:cxn modelId="{909B5748-0CFB-4440-B98A-5B832A83F7A0}" srcId="{2DE8DD11-C152-46DF-88B6-5A276530CC53}" destId="{ACC8DFC0-FD2A-4F14-B82B-BBBEE0BB1EC4}" srcOrd="6" destOrd="0" parTransId="{6BFDCCB3-76B0-4293-8966-2519DADCDB86}" sibTransId="{E0EB2AD7-D060-4C7A-806E-ED6F27E25F20}"/>
+    <dgm:cxn modelId="{91EFEB4D-830D-4B9F-B2D3-52A44643F15D}" srcId="{2DE8DD11-C152-46DF-88B6-5A276530CC53}" destId="{50FD5F7D-8114-41BB-B49E-47E485F6C70B}" srcOrd="5" destOrd="0" parTransId="{4857932B-779A-4678-BD3A-574991B29E12}" sibTransId="{A04F8D98-DBCF-4BC4-A4EE-71E0F78524FD}"/>
+    <dgm:cxn modelId="{E09F976F-464E-496B-B197-5E3FD552FBEF}" type="presOf" srcId="{B666578C-3D20-4BF6-B7C6-6FC06ED4C442}" destId="{30D3A78E-9CF0-4812-8694-2242CE2AD72D}" srcOrd="0" destOrd="0" presId="urn:microsoft.com/office/officeart/2005/8/layout/process5"/>
+    <dgm:cxn modelId="{9B313450-736E-4F8B-A065-0F37BDDB586D}" type="presOf" srcId="{E0EB2AD7-D060-4C7A-806E-ED6F27E25F20}" destId="{707F765D-8D8E-4011-9973-67B863A9827C}" srcOrd="0" destOrd="0" presId="urn:microsoft.com/office/officeart/2005/8/layout/process5"/>
+    <dgm:cxn modelId="{278AF27E-0D80-4D63-A07B-81F3CE64DE76}" srcId="{2DE8DD11-C152-46DF-88B6-5A276530CC53}" destId="{5CE3FBF4-D666-40F1-A006-9870B95F29CA}" srcOrd="4" destOrd="0" parTransId="{4E2F599B-744B-4507-898E-B355F364FC4B}" sibTransId="{548207FB-D8E3-4DB9-8159-413E73D1C6AE}"/>
+    <dgm:cxn modelId="{E1894680-375B-43C9-AA06-8E3F4F96EF1E}" srcId="{2DE8DD11-C152-46DF-88B6-5A276530CC53}" destId="{89DCA84B-FE92-4D59-948E-8807C86CA2F5}" srcOrd="3" destOrd="0" parTransId="{43A03D4E-2566-4B18-AD92-FBE24A7AB821}" sibTransId="{53EEE66C-2746-40A5-9E8A-CAB12A067168}"/>
+    <dgm:cxn modelId="{9EC34183-BB87-4DDB-BF1A-D289931A8FE8}" type="presOf" srcId="{587FCCA7-833B-45F4-8A3D-BAEC5A7747A1}" destId="{362F3457-7787-43A5-968A-8E15EBA4C8D1}" srcOrd="0" destOrd="0" presId="urn:microsoft.com/office/officeart/2005/8/layout/process5"/>
+    <dgm:cxn modelId="{85C76A86-B071-42F5-AE63-0FF31E66B395}" srcId="{2DE8DD11-C152-46DF-88B6-5A276530CC53}" destId="{B666578C-3D20-4BF6-B7C6-6FC06ED4C442}" srcOrd="2" destOrd="0" parTransId="{143A9567-B82E-431F-8E7B-6E26458DCD3F}" sibTransId="{F092B427-AF7F-4598-B2F3-A9F3D25C5D80}"/>
+    <dgm:cxn modelId="{012DB886-C4CC-4AAB-B8D2-6F94F206AC76}" type="presOf" srcId="{65A6AE19-300F-40F4-ACD7-FDA152BE2F50}" destId="{FCAF73FA-4A28-4419-BAAA-BE8843E2D12F}" srcOrd="0" destOrd="0" presId="urn:microsoft.com/office/officeart/2005/8/layout/process5"/>
+    <dgm:cxn modelId="{E9ED268A-C5ED-44E5-AD4E-DEF165EA17C5}" type="presOf" srcId="{5CE3FBF4-D666-40F1-A006-9870B95F29CA}" destId="{F18508EF-B325-46CE-B4B0-3F64EBF0F407}" srcOrd="0" destOrd="0" presId="urn:microsoft.com/office/officeart/2005/8/layout/process5"/>
+    <dgm:cxn modelId="{80B0D98A-8143-4F49-A22C-C2512D03B19B}" type="presOf" srcId="{F4BAD5F2-FABF-42FD-B5B3-606F0BDAB2CE}" destId="{73F9D61E-BBD0-45CD-95A9-045DDFC8BC19}" srcOrd="1" destOrd="0" presId="urn:microsoft.com/office/officeart/2005/8/layout/process5"/>
+    <dgm:cxn modelId="{213F2698-AC8F-4F0E-B716-02BD355B89EC}" type="presOf" srcId="{3DFCB87A-38D9-418B-A344-20087AE9FCAF}" destId="{8382ADE5-DF22-4E53-96E6-53EFF45BA8AF}" srcOrd="0" destOrd="0" presId="urn:microsoft.com/office/officeart/2005/8/layout/process5"/>
+    <dgm:cxn modelId="{0F59E9AA-1CC9-41C1-8FE6-F3F862CD1965}" type="presOf" srcId="{F4BAD5F2-FABF-42FD-B5B3-606F0BDAB2CE}" destId="{B761CBCF-7FDD-4D1C-9741-84EA7A5BC866}" srcOrd="0" destOrd="0" presId="urn:microsoft.com/office/officeart/2005/8/layout/process5"/>
+    <dgm:cxn modelId="{1B0DD1AD-5006-4CD3-ABE4-F581C4990B13}" type="presOf" srcId="{7F8B1271-792C-40D2-8086-BF40856E7998}" destId="{1E88CF3E-CAD0-4555-A2D2-7FEC49359CEA}" srcOrd="0" destOrd="0" presId="urn:microsoft.com/office/officeart/2005/8/layout/process5"/>
+    <dgm:cxn modelId="{9FFDCCB7-AD0B-432B-A6D2-5D0BC58D5909}" type="presOf" srcId="{F092B427-AF7F-4598-B2F3-A9F3D25C5D80}" destId="{F9145F04-20AD-49CE-A155-8BD966A86C61}" srcOrd="1" destOrd="0" presId="urn:microsoft.com/office/officeart/2005/8/layout/process5"/>
+    <dgm:cxn modelId="{9C56F3BE-2604-4571-81AB-51AA336F1842}" type="presOf" srcId="{B0FB4FB0-88BF-40AE-9F1A-0152F5BAF770}" destId="{D35295F2-ECF5-4C05-8D44-7219BAFCA66C}" srcOrd="0" destOrd="0" presId="urn:microsoft.com/office/officeart/2005/8/layout/process5"/>
+    <dgm:cxn modelId="{DB6337D0-D89E-4FC2-976A-253B3A056BA2}" type="presOf" srcId="{548207FB-D8E3-4DB9-8159-413E73D1C6AE}" destId="{2B6760F6-0C6A-44A6-AE6C-6B281E1C1770}" srcOrd="1" destOrd="0" presId="urn:microsoft.com/office/officeart/2005/8/layout/process5"/>
+    <dgm:cxn modelId="{6D45B8E5-BDA7-41D0-8EC5-410779163426}" srcId="{2DE8DD11-C152-46DF-88B6-5A276530CC53}" destId="{65A6AE19-300F-40F4-ACD7-FDA152BE2F50}" srcOrd="8" destOrd="0" parTransId="{EBAC4EB2-76CF-4217-BC34-AD54A1B17992}" sibTransId="{EE6E9821-93DE-4D10-B36E-51F493EC3F1C}"/>
+    <dgm:cxn modelId="{3C6A94EA-E335-4877-A176-75A63CC6BAC7}" type="presOf" srcId="{53EEE66C-2746-40A5-9E8A-CAB12A067168}" destId="{5B4CA673-F30F-4048-8AB2-534CD8D8C2DE}" srcOrd="1" destOrd="0" presId="urn:microsoft.com/office/officeart/2005/8/layout/process5"/>
+    <dgm:cxn modelId="{9E9196FD-24A3-4171-AB63-0B2166149418}" type="presOf" srcId="{E0EB2AD7-D060-4C7A-806E-ED6F27E25F20}" destId="{A89979BA-D980-4C80-8C37-0F4CACACD675}" srcOrd="1" destOrd="0" presId="urn:microsoft.com/office/officeart/2005/8/layout/process5"/>
+    <dgm:cxn modelId="{B72210FE-CAA3-4315-9412-7A90E6ACBB20}" type="presOf" srcId="{50FD5F7D-8114-41BB-B49E-47E485F6C70B}" destId="{C93AECF5-1267-4C95-8754-A1602D0EAB2B}" srcOrd="0" destOrd="0" presId="urn:microsoft.com/office/officeart/2005/8/layout/process5"/>
+    <dgm:cxn modelId="{C220E352-4ADF-4810-916F-DABF084BA657}" type="presParOf" srcId="{F4F4B8C4-36ED-4F20-9540-3AE72D7B9493}" destId="{362F3457-7787-43A5-968A-8E15EBA4C8D1}" srcOrd="0" destOrd="0" presId="urn:microsoft.com/office/officeart/2005/8/layout/process5"/>
+    <dgm:cxn modelId="{841CFE78-09D9-42D0-9904-37D6340F91BE}" type="presParOf" srcId="{F4F4B8C4-36ED-4F20-9540-3AE72D7B9493}" destId="{D35295F2-ECF5-4C05-8D44-7219BAFCA66C}" srcOrd="1" destOrd="0" presId="urn:microsoft.com/office/officeart/2005/8/layout/process5"/>
+    <dgm:cxn modelId="{4EA6309B-12A9-46D6-A19B-1310B26590FD}" type="presParOf" srcId="{D35295F2-ECF5-4C05-8D44-7219BAFCA66C}" destId="{1D5A534F-9BC7-4CD0-B490-D42C27174589}" srcOrd="0" destOrd="0" presId="urn:microsoft.com/office/officeart/2005/8/layout/process5"/>
+    <dgm:cxn modelId="{78459BB8-6474-4C05-B85B-FB0EB66F621D}" type="presParOf" srcId="{F4F4B8C4-36ED-4F20-9540-3AE72D7B9493}" destId="{1E88CF3E-CAD0-4555-A2D2-7FEC49359CEA}" srcOrd="2" destOrd="0" presId="urn:microsoft.com/office/officeart/2005/8/layout/process5"/>
+    <dgm:cxn modelId="{63A0416E-B62B-49AC-8A2A-97353F85AD01}" type="presParOf" srcId="{F4F4B8C4-36ED-4F20-9540-3AE72D7B9493}" destId="{8382ADE5-DF22-4E53-96E6-53EFF45BA8AF}" srcOrd="3" destOrd="0" presId="urn:microsoft.com/office/officeart/2005/8/layout/process5"/>
+    <dgm:cxn modelId="{867A5AF5-5232-4264-8CD4-7B8143477A7C}" type="presParOf" srcId="{8382ADE5-DF22-4E53-96E6-53EFF45BA8AF}" destId="{C999DE17-30E2-4EF2-A21D-7576C07C6F49}" srcOrd="0" destOrd="0" presId="urn:microsoft.com/office/officeart/2005/8/layout/process5"/>
+    <dgm:cxn modelId="{652D3229-0F62-4113-8E8E-C458414E8D48}" type="presParOf" srcId="{F4F4B8C4-36ED-4F20-9540-3AE72D7B9493}" destId="{30D3A78E-9CF0-4812-8694-2242CE2AD72D}" srcOrd="4" destOrd="0" presId="urn:microsoft.com/office/officeart/2005/8/layout/process5"/>
+    <dgm:cxn modelId="{B51104FB-CC16-47DF-AFEB-793D97B098F8}" type="presParOf" srcId="{F4F4B8C4-36ED-4F20-9540-3AE72D7B9493}" destId="{09FD2994-019D-4F82-9A96-4A701D997303}" srcOrd="5" destOrd="0" presId="urn:microsoft.com/office/officeart/2005/8/layout/process5"/>
+    <dgm:cxn modelId="{1FBF07E1-72F5-4993-9E1D-08F55E5B34A9}" type="presParOf" srcId="{09FD2994-019D-4F82-9A96-4A701D997303}" destId="{F9145F04-20AD-49CE-A155-8BD966A86C61}" srcOrd="0" destOrd="0" presId="urn:microsoft.com/office/officeart/2005/8/layout/process5"/>
+    <dgm:cxn modelId="{D2290E04-29CB-4492-8B2B-3841A0DCD027}" type="presParOf" srcId="{F4F4B8C4-36ED-4F20-9540-3AE72D7B9493}" destId="{51B4848A-81E1-4CB8-A505-77D5A2D976F6}" srcOrd="6" destOrd="0" presId="urn:microsoft.com/office/officeart/2005/8/layout/process5"/>
+    <dgm:cxn modelId="{73216533-F07F-427E-934B-0F0E36E4DF0B}" type="presParOf" srcId="{F4F4B8C4-36ED-4F20-9540-3AE72D7B9493}" destId="{86CA70CE-4E6E-4832-85BF-D8D061AE5013}" srcOrd="7" destOrd="0" presId="urn:microsoft.com/office/officeart/2005/8/layout/process5"/>
+    <dgm:cxn modelId="{F85649F4-8075-41D1-9221-5DC4A5CAD526}" type="presParOf" srcId="{86CA70CE-4E6E-4832-85BF-D8D061AE5013}" destId="{5B4CA673-F30F-4048-8AB2-534CD8D8C2DE}" srcOrd="0" destOrd="0" presId="urn:microsoft.com/office/officeart/2005/8/layout/process5"/>
+    <dgm:cxn modelId="{350A8E5E-DDB8-45D3-A892-34EA0FFFD19F}" type="presParOf" srcId="{F4F4B8C4-36ED-4F20-9540-3AE72D7B9493}" destId="{F18508EF-B325-46CE-B4B0-3F64EBF0F407}" srcOrd="8" destOrd="0" presId="urn:microsoft.com/office/officeart/2005/8/layout/process5"/>
+    <dgm:cxn modelId="{37A369E1-98F8-4284-BE16-E578A4A3E018}" type="presParOf" srcId="{F4F4B8C4-36ED-4F20-9540-3AE72D7B9493}" destId="{12436C83-BD42-4B33-8B86-9D02A0612505}" srcOrd="9" destOrd="0" presId="urn:microsoft.com/office/officeart/2005/8/layout/process5"/>
+    <dgm:cxn modelId="{A198055D-BB9A-415F-A153-311338754D46}" type="presParOf" srcId="{12436C83-BD42-4B33-8B86-9D02A0612505}" destId="{2B6760F6-0C6A-44A6-AE6C-6B281E1C1770}" srcOrd="0" destOrd="0" presId="urn:microsoft.com/office/officeart/2005/8/layout/process5"/>
+    <dgm:cxn modelId="{7E7FDF00-5706-42BC-9D61-1963270D37E3}" type="presParOf" srcId="{F4F4B8C4-36ED-4F20-9540-3AE72D7B9493}" destId="{C93AECF5-1267-4C95-8754-A1602D0EAB2B}" srcOrd="10" destOrd="0" presId="urn:microsoft.com/office/officeart/2005/8/layout/process5"/>
+    <dgm:cxn modelId="{01CB4D2D-F0D6-41B0-AFFE-A7EF470C72A1}" type="presParOf" srcId="{F4F4B8C4-36ED-4F20-9540-3AE72D7B9493}" destId="{E878F333-8819-4CEE-ACB8-1F850C309850}" srcOrd="11" destOrd="0" presId="urn:microsoft.com/office/officeart/2005/8/layout/process5"/>
+    <dgm:cxn modelId="{CA2DAAB6-08D7-4192-8FD8-DE3D56D25E8A}" type="presParOf" srcId="{E878F333-8819-4CEE-ACB8-1F850C309850}" destId="{EC9F2603-B5A3-40B4-9914-5BF2906C7FE0}" srcOrd="0" destOrd="0" presId="urn:microsoft.com/office/officeart/2005/8/layout/process5"/>
+    <dgm:cxn modelId="{56C6B54D-ABCB-4B15-A0C2-5F093C4FF1DA}" type="presParOf" srcId="{F4F4B8C4-36ED-4F20-9540-3AE72D7B9493}" destId="{A9BCEE7B-0FB0-48EB-BF8F-7F2791D78B41}" srcOrd="12" destOrd="0" presId="urn:microsoft.com/office/officeart/2005/8/layout/process5"/>
+    <dgm:cxn modelId="{4809BD3C-DE7E-4AEC-BE94-E84386ED200B}" type="presParOf" srcId="{F4F4B8C4-36ED-4F20-9540-3AE72D7B9493}" destId="{707F765D-8D8E-4011-9973-67B863A9827C}" srcOrd="13" destOrd="0" presId="urn:microsoft.com/office/officeart/2005/8/layout/process5"/>
+    <dgm:cxn modelId="{9725816D-F8B5-4A99-942D-F2C98D36F7BD}" type="presParOf" srcId="{707F765D-8D8E-4011-9973-67B863A9827C}" destId="{A89979BA-D980-4C80-8C37-0F4CACACD675}" srcOrd="0" destOrd="0" presId="urn:microsoft.com/office/officeart/2005/8/layout/process5"/>
+    <dgm:cxn modelId="{C71FC8F0-F4C7-4E9E-9FB1-C798323DA564}" type="presParOf" srcId="{F4F4B8C4-36ED-4F20-9540-3AE72D7B9493}" destId="{F22CA137-AEBF-42B7-94DD-212FC9BC6F26}" srcOrd="14" destOrd="0" presId="urn:microsoft.com/office/officeart/2005/8/layout/process5"/>
+    <dgm:cxn modelId="{A86C6C48-6E1B-44D4-AF9B-2890181AAC66}" type="presParOf" srcId="{F4F4B8C4-36ED-4F20-9540-3AE72D7B9493}" destId="{B761CBCF-7FDD-4D1C-9741-84EA7A5BC866}" srcOrd="15" destOrd="0" presId="urn:microsoft.com/office/officeart/2005/8/layout/process5"/>
+    <dgm:cxn modelId="{E104EA02-8207-4E41-A39D-4B4981034522}" type="presParOf" srcId="{B761CBCF-7FDD-4D1C-9741-84EA7A5BC866}" destId="{73F9D61E-BBD0-45CD-95A9-045DDFC8BC19}" srcOrd="0" destOrd="0" presId="urn:microsoft.com/office/officeart/2005/8/layout/process5"/>
+    <dgm:cxn modelId="{B999A359-F21D-4320-9850-CEBA3467A849}" type="presParOf" srcId="{F4F4B8C4-36ED-4F20-9540-3AE72D7B9493}" destId="{FCAF73FA-4A28-4419-BAAA-BE8843E2D12F}" srcOrd="16" destOrd="0" presId="urn:microsoft.com/office/officeart/2005/8/layout/process5"/>
+  </dgm:cxnLst>
+  <dgm:bg/>
+  <dgm:whole/>
+  <dgm:extLst>
+    <a:ext uri="http://schemas.microsoft.com/office/drawing/2008/diagram">
+      <dsp:dataModelExt xmlns:dsp="http://schemas.microsoft.com/office/drawing/2008/diagram" relId="rId8" minVer="http://schemas.openxmlformats.org/drawingml/2006/diagram"/>
+    </a:ext>
+  </dgm:extLst>
+</dgm:dataModel>
+</file>
+
+<file path=ppt/diagrams/drawing1.xml><?xml version="1.0" encoding="utf-8"?>
+<dsp:drawing xmlns:dgm="http://schemas.openxmlformats.org/drawingml/2006/diagram" xmlns:dsp="http://schemas.microsoft.com/office/drawing/2008/diagram" xmlns:a="http://schemas.openxmlformats.org/drawingml/2006/main">
+  <dsp:spTree>
+    <dsp:nvGrpSpPr>
+      <dsp:cNvPr id="0" name=""/>
+      <dsp:cNvGrpSpPr/>
+    </dsp:nvGrpSpPr>
+    <dsp:grpSpPr/>
+    <dsp:sp modelId="{362F3457-7787-43A5-968A-8E15EBA4C8D1}">
+      <dsp:nvSpPr>
+        <dsp:cNvPr id="0" name=""/>
+        <dsp:cNvSpPr/>
+      </dsp:nvSpPr>
+      <dsp:spPr>
+        <a:xfrm>
+          <a:off x="145010" y="959"/>
+          <a:ext cx="966415" cy="579849"/>
+        </a:xfrm>
+        <a:prstGeom prst="roundRect">
+          <a:avLst>
+            <a:gd name="adj" fmla="val 10000"/>
+          </a:avLst>
+        </a:prstGeom>
+        <a:solidFill>
+          <a:schemeClr val="lt1">
+            <a:hueOff val="0"/>
+            <a:satOff val="0"/>
+            <a:lumOff val="0"/>
+            <a:alphaOff val="0"/>
+          </a:schemeClr>
+        </a:solidFill>
+        <a:ln w="25400" cap="flat" cmpd="sng" algn="ctr">
+          <a:solidFill>
+            <a:schemeClr val="accent1">
+              <a:shade val="80000"/>
+              <a:hueOff val="0"/>
+              <a:satOff val="0"/>
+              <a:lumOff val="0"/>
+              <a:alphaOff val="0"/>
+            </a:schemeClr>
+          </a:solidFill>
+          <a:prstDash val="solid"/>
+        </a:ln>
+        <a:effectLst/>
+      </dsp:spPr>
+      <dsp:style>
+        <a:lnRef idx="2">
+          <a:scrgbClr r="0" g="0" b="0"/>
+        </a:lnRef>
+        <a:fillRef idx="1">
+          <a:scrgbClr r="0" g="0" b="0"/>
+        </a:fillRef>
+        <a:effectRef idx="0">
+          <a:scrgbClr r="0" g="0" b="0"/>
+        </a:effectRef>
+        <a:fontRef idx="minor">
+          <a:schemeClr val="lt1"/>
+        </a:fontRef>
+      </dsp:style>
+      <dsp:txBody>
+        <a:bodyPr spcFirstLastPara="0" vert="horz" wrap="square" lIns="26670" tIns="26670" rIns="26670" bIns="26670" numCol="1" spcCol="1270" anchor="ctr" anchorCtr="0">
+          <a:noAutofit/>
+        </a:bodyPr>
+        <a:lstStyle/>
+        <a:p>
+          <a:pPr marL="0" lvl="0" indent="0" algn="ctr" defTabSz="311150">
+            <a:lnSpc>
+              <a:spcPct val="90000"/>
+            </a:lnSpc>
+            <a:spcBef>
+              <a:spcPct val="0"/>
+            </a:spcBef>
+            <a:spcAft>
+              <a:spcPct val="35000"/>
+            </a:spcAft>
+            <a:buNone/>
+          </a:pPr>
+          <a:r>
+            <a:rPr lang="ru-RU" sz="700" b="1" kern="1200" dirty="0"/>
+            <a:t>Исследование и применение технологии кон</a:t>
+          </a:r>
+          <a:r>
+            <a:rPr lang="ru-RU" sz="700" b="0" kern="1200" dirty="0"/>
+            <a:t>т</a:t>
+          </a:r>
+          <a:r>
+            <a:rPr lang="ru-RU" sz="700" b="1" kern="1200" dirty="0"/>
+            <a:t>ейнеризации</a:t>
+          </a:r>
+        </a:p>
+      </dsp:txBody>
+      <dsp:txXfrm>
+        <a:off x="161993" y="17942"/>
+        <a:ext cx="932449" cy="545883"/>
+      </dsp:txXfrm>
+    </dsp:sp>
+    <dsp:sp modelId="{D35295F2-ECF5-4C05-8D44-7219BAFCA66C}">
+      <dsp:nvSpPr>
+        <dsp:cNvPr id="0" name=""/>
+        <dsp:cNvSpPr/>
+      </dsp:nvSpPr>
+      <dsp:spPr>
+        <a:xfrm>
+          <a:off x="1196470" y="171048"/>
+          <a:ext cx="204880" cy="239670"/>
+        </a:xfrm>
+        <a:prstGeom prst="rightArrow">
+          <a:avLst>
+            <a:gd name="adj1" fmla="val 60000"/>
+            <a:gd name="adj2" fmla="val 50000"/>
+          </a:avLst>
+        </a:prstGeom>
+        <a:solidFill>
+          <a:schemeClr val="accent1">
+            <a:tint val="60000"/>
+            <a:hueOff val="0"/>
+            <a:satOff val="0"/>
+            <a:lumOff val="0"/>
+            <a:alphaOff val="0"/>
+          </a:schemeClr>
+        </a:solidFill>
+        <a:ln>
+          <a:noFill/>
+        </a:ln>
+        <a:effectLst/>
+      </dsp:spPr>
+      <dsp:style>
+        <a:lnRef idx="0">
+          <a:scrgbClr r="0" g="0" b="0"/>
+        </a:lnRef>
+        <a:fillRef idx="1">
+          <a:scrgbClr r="0" g="0" b="0"/>
+        </a:fillRef>
+        <a:effectRef idx="0">
+          <a:scrgbClr r="0" g="0" b="0"/>
+        </a:effectRef>
+        <a:fontRef idx="minor">
+          <a:schemeClr val="lt1"/>
+        </a:fontRef>
+      </dsp:style>
+      <dsp:txBody>
+        <a:bodyPr spcFirstLastPara="0" vert="horz" wrap="square" lIns="0" tIns="0" rIns="0" bIns="0" numCol="1" spcCol="1270" anchor="ctr" anchorCtr="0">
+          <a:noAutofit/>
+        </a:bodyPr>
+        <a:lstStyle/>
+        <a:p>
+          <a:pPr marL="0" lvl="0" indent="0" algn="ctr" defTabSz="266700">
+            <a:lnSpc>
+              <a:spcPct val="90000"/>
+            </a:lnSpc>
+            <a:spcBef>
+              <a:spcPct val="0"/>
+            </a:spcBef>
+            <a:spcAft>
+              <a:spcPct val="35000"/>
+            </a:spcAft>
+            <a:buNone/>
+          </a:pPr>
+          <a:endParaRPr lang="ru-RU" sz="600" kern="1200"/>
+        </a:p>
+      </dsp:txBody>
+      <dsp:txXfrm>
+        <a:off x="1196470" y="218982"/>
+        <a:ext cx="143416" cy="143802"/>
+      </dsp:txXfrm>
+    </dsp:sp>
+    <dsp:sp modelId="{1E88CF3E-CAD0-4555-A2D2-7FEC49359CEA}">
+      <dsp:nvSpPr>
+        <dsp:cNvPr id="0" name=""/>
+        <dsp:cNvSpPr/>
+      </dsp:nvSpPr>
+      <dsp:spPr>
+        <a:xfrm>
+          <a:off x="1497991" y="959"/>
+          <a:ext cx="966415" cy="579849"/>
+        </a:xfrm>
+        <a:prstGeom prst="roundRect">
+          <a:avLst>
+            <a:gd name="adj" fmla="val 10000"/>
+          </a:avLst>
+        </a:prstGeom>
+        <a:solidFill>
+          <a:schemeClr val="lt1">
+            <a:hueOff val="0"/>
+            <a:satOff val="0"/>
+            <a:lumOff val="0"/>
+            <a:alphaOff val="0"/>
+          </a:schemeClr>
+        </a:solidFill>
+        <a:ln w="25400" cap="flat" cmpd="sng" algn="ctr">
+          <a:solidFill>
+            <a:schemeClr val="accent1">
+              <a:shade val="80000"/>
+              <a:hueOff val="0"/>
+              <a:satOff val="0"/>
+              <a:lumOff val="0"/>
+              <a:alphaOff val="0"/>
+            </a:schemeClr>
+          </a:solidFill>
+          <a:prstDash val="solid"/>
+        </a:ln>
+        <a:effectLst/>
+      </dsp:spPr>
+      <dsp:style>
+        <a:lnRef idx="2">
+          <a:scrgbClr r="0" g="0" b="0"/>
+        </a:lnRef>
+        <a:fillRef idx="1">
+          <a:scrgbClr r="0" g="0" b="0"/>
+        </a:fillRef>
+        <a:effectRef idx="0">
+          <a:scrgbClr r="0" g="0" b="0"/>
+        </a:effectRef>
+        <a:fontRef idx="minor">
+          <a:schemeClr val="lt1"/>
+        </a:fontRef>
+      </dsp:style>
+      <dsp:txBody>
+        <a:bodyPr spcFirstLastPara="0" vert="horz" wrap="square" lIns="26670" tIns="26670" rIns="26670" bIns="26670" numCol="1" spcCol="1270" anchor="ctr" anchorCtr="0">
+          <a:noAutofit/>
+        </a:bodyPr>
+        <a:lstStyle/>
+        <a:p>
+          <a:pPr marL="0" lvl="0" indent="0" algn="ctr" defTabSz="311150">
+            <a:lnSpc>
+              <a:spcPct val="90000"/>
+            </a:lnSpc>
+            <a:spcBef>
+              <a:spcPct val="0"/>
+            </a:spcBef>
+            <a:spcAft>
+              <a:spcPct val="35000"/>
+            </a:spcAft>
+            <a:buNone/>
+          </a:pPr>
+          <a:r>
+            <a:rPr lang="ru-RU" sz="700" b="1" kern="1200" dirty="0"/>
+            <a:t>Реализация менеджера на </a:t>
+          </a:r>
+          <a:r>
+            <a:rPr lang="en-US" sz="700" b="1" kern="1200" dirty="0"/>
+            <a:t>Unreal Engine 4</a:t>
+          </a:r>
+          <a:endParaRPr lang="ru-RU" sz="700" b="1" kern="1200" dirty="0"/>
+        </a:p>
+      </dsp:txBody>
+      <dsp:txXfrm>
+        <a:off x="1514974" y="17942"/>
+        <a:ext cx="932449" cy="545883"/>
+      </dsp:txXfrm>
+    </dsp:sp>
+    <dsp:sp modelId="{8382ADE5-DF22-4E53-96E6-53EFF45BA8AF}">
+      <dsp:nvSpPr>
+        <dsp:cNvPr id="0" name=""/>
+        <dsp:cNvSpPr/>
+      </dsp:nvSpPr>
+      <dsp:spPr>
+        <a:xfrm>
+          <a:off x="2549451" y="171048"/>
+          <a:ext cx="204880" cy="239670"/>
+        </a:xfrm>
+        <a:prstGeom prst="rightArrow">
+          <a:avLst>
+            <a:gd name="adj1" fmla="val 60000"/>
+            <a:gd name="adj2" fmla="val 50000"/>
+          </a:avLst>
+        </a:prstGeom>
+        <a:solidFill>
+          <a:schemeClr val="accent1">
+            <a:tint val="60000"/>
+            <a:hueOff val="0"/>
+            <a:satOff val="0"/>
+            <a:lumOff val="0"/>
+            <a:alphaOff val="0"/>
+          </a:schemeClr>
+        </a:solidFill>
+        <a:ln>
+          <a:noFill/>
+        </a:ln>
+        <a:effectLst/>
+      </dsp:spPr>
+      <dsp:style>
+        <a:lnRef idx="0">
+          <a:scrgbClr r="0" g="0" b="0"/>
+        </a:lnRef>
+        <a:fillRef idx="1">
+          <a:scrgbClr r="0" g="0" b="0"/>
+        </a:fillRef>
+        <a:effectRef idx="0">
+          <a:scrgbClr r="0" g="0" b="0"/>
+        </a:effectRef>
+        <a:fontRef idx="minor">
+          <a:schemeClr val="lt1"/>
+        </a:fontRef>
+      </dsp:style>
+      <dsp:txBody>
+        <a:bodyPr spcFirstLastPara="0" vert="horz" wrap="square" lIns="0" tIns="0" rIns="0" bIns="0" numCol="1" spcCol="1270" anchor="ctr" anchorCtr="0">
+          <a:noAutofit/>
+        </a:bodyPr>
+        <a:lstStyle/>
+        <a:p>
+          <a:pPr marL="0" lvl="0" indent="0" algn="ctr" defTabSz="266700">
+            <a:lnSpc>
+              <a:spcPct val="90000"/>
+            </a:lnSpc>
+            <a:spcBef>
+              <a:spcPct val="0"/>
+            </a:spcBef>
+            <a:spcAft>
+              <a:spcPct val="35000"/>
+            </a:spcAft>
+            <a:buNone/>
+          </a:pPr>
+          <a:endParaRPr lang="ru-RU" sz="600" kern="1200"/>
+        </a:p>
+      </dsp:txBody>
+      <dsp:txXfrm>
+        <a:off x="2549451" y="218982"/>
+        <a:ext cx="143416" cy="143802"/>
+      </dsp:txXfrm>
+    </dsp:sp>
+    <dsp:sp modelId="{30D3A78E-9CF0-4812-8694-2242CE2AD72D}">
+      <dsp:nvSpPr>
+        <dsp:cNvPr id="0" name=""/>
+        <dsp:cNvSpPr/>
+      </dsp:nvSpPr>
+      <dsp:spPr>
+        <a:xfrm>
+          <a:off x="2850973" y="959"/>
+          <a:ext cx="966415" cy="579849"/>
+        </a:xfrm>
+        <a:prstGeom prst="roundRect">
+          <a:avLst>
+            <a:gd name="adj" fmla="val 10000"/>
+          </a:avLst>
+        </a:prstGeom>
+        <a:solidFill>
+          <a:schemeClr val="lt1">
+            <a:hueOff val="0"/>
+            <a:satOff val="0"/>
+            <a:lumOff val="0"/>
+            <a:alphaOff val="0"/>
+          </a:schemeClr>
+        </a:solidFill>
+        <a:ln w="25400" cap="flat" cmpd="sng" algn="ctr">
+          <a:solidFill>
+            <a:schemeClr val="accent1">
+              <a:shade val="80000"/>
+              <a:hueOff val="0"/>
+              <a:satOff val="0"/>
+              <a:lumOff val="0"/>
+              <a:alphaOff val="0"/>
+            </a:schemeClr>
+          </a:solidFill>
+          <a:prstDash val="solid"/>
+        </a:ln>
+        <a:effectLst/>
+      </dsp:spPr>
+      <dsp:style>
+        <a:lnRef idx="2">
+          <a:scrgbClr r="0" g="0" b="0"/>
+        </a:lnRef>
+        <a:fillRef idx="1">
+          <a:scrgbClr r="0" g="0" b="0"/>
+        </a:fillRef>
+        <a:effectRef idx="0">
+          <a:scrgbClr r="0" g="0" b="0"/>
+        </a:effectRef>
+        <a:fontRef idx="minor">
+          <a:schemeClr val="lt1"/>
+        </a:fontRef>
+      </dsp:style>
+      <dsp:txBody>
+        <a:bodyPr spcFirstLastPara="0" vert="horz" wrap="square" lIns="26670" tIns="26670" rIns="26670" bIns="26670" numCol="1" spcCol="1270" anchor="ctr" anchorCtr="0">
+          <a:noAutofit/>
+        </a:bodyPr>
+        <a:lstStyle/>
+        <a:p>
+          <a:pPr marL="0" lvl="0" indent="0" algn="ctr" defTabSz="311150">
+            <a:lnSpc>
+              <a:spcPct val="90000"/>
+            </a:lnSpc>
+            <a:spcBef>
+              <a:spcPct val="0"/>
+            </a:spcBef>
+            <a:spcAft>
+              <a:spcPct val="35000"/>
+            </a:spcAft>
+            <a:buNone/>
+          </a:pPr>
+          <a:r>
+            <a:rPr lang="ru-RU" sz="700" b="1" kern="1200" dirty="0"/>
+            <a:t>Реализация менеджера и демона на </a:t>
+          </a:r>
+          <a:r>
+            <a:rPr lang="en-US" sz="700" b="1" kern="1200" dirty="0"/>
+            <a:t>C++ Boost.Asio</a:t>
+          </a:r>
+          <a:endParaRPr lang="ru-RU" sz="700" b="1" kern="1200" dirty="0"/>
+        </a:p>
+      </dsp:txBody>
+      <dsp:txXfrm>
+        <a:off x="2867956" y="17942"/>
+        <a:ext cx="932449" cy="545883"/>
+      </dsp:txXfrm>
+    </dsp:sp>
+    <dsp:sp modelId="{09FD2994-019D-4F82-9A96-4A701D997303}">
+      <dsp:nvSpPr>
+        <dsp:cNvPr id="0" name=""/>
+        <dsp:cNvSpPr/>
+      </dsp:nvSpPr>
+      <dsp:spPr>
+        <a:xfrm rot="5400000">
+          <a:off x="3231740" y="648457"/>
+          <a:ext cx="204880" cy="239670"/>
+        </a:xfrm>
+        <a:prstGeom prst="rightArrow">
+          <a:avLst>
+            <a:gd name="adj1" fmla="val 60000"/>
+            <a:gd name="adj2" fmla="val 50000"/>
+          </a:avLst>
+        </a:prstGeom>
+        <a:solidFill>
+          <a:schemeClr val="accent1">
+            <a:tint val="60000"/>
+            <a:hueOff val="0"/>
+            <a:satOff val="0"/>
+            <a:lumOff val="0"/>
+            <a:alphaOff val="0"/>
+          </a:schemeClr>
+        </a:solidFill>
+        <a:ln>
+          <a:noFill/>
+        </a:ln>
+        <a:effectLst/>
+      </dsp:spPr>
+      <dsp:style>
+        <a:lnRef idx="0">
+          <a:scrgbClr r="0" g="0" b="0"/>
+        </a:lnRef>
+        <a:fillRef idx="1">
+          <a:scrgbClr r="0" g="0" b="0"/>
+        </a:fillRef>
+        <a:effectRef idx="0">
+          <a:scrgbClr r="0" g="0" b="0"/>
+        </a:effectRef>
+        <a:fontRef idx="minor">
+          <a:schemeClr val="lt1"/>
+        </a:fontRef>
+      </dsp:style>
+      <dsp:txBody>
+        <a:bodyPr spcFirstLastPara="0" vert="horz" wrap="square" lIns="0" tIns="0" rIns="0" bIns="0" numCol="1" spcCol="1270" anchor="ctr" anchorCtr="0">
+          <a:noAutofit/>
+        </a:bodyPr>
+        <a:lstStyle/>
+        <a:p>
+          <a:pPr marL="0" lvl="0" indent="0" algn="ctr" defTabSz="266700">
+            <a:lnSpc>
+              <a:spcPct val="90000"/>
+            </a:lnSpc>
+            <a:spcBef>
+              <a:spcPct val="0"/>
+            </a:spcBef>
+            <a:spcAft>
+              <a:spcPct val="35000"/>
+            </a:spcAft>
+            <a:buNone/>
+          </a:pPr>
+          <a:endParaRPr lang="ru-RU" sz="600" kern="1200"/>
+        </a:p>
+      </dsp:txBody>
+      <dsp:txXfrm rot="-5400000">
+        <a:off x="3262279" y="665852"/>
+        <a:ext cx="143802" cy="143416"/>
+      </dsp:txXfrm>
+    </dsp:sp>
+    <dsp:sp modelId="{51B4848A-81E1-4CB8-A505-77D5A2D976F6}">
+      <dsp:nvSpPr>
+        <dsp:cNvPr id="0" name=""/>
+        <dsp:cNvSpPr/>
+      </dsp:nvSpPr>
+      <dsp:spPr>
+        <a:xfrm>
+          <a:off x="2850973" y="967374"/>
+          <a:ext cx="966415" cy="579849"/>
+        </a:xfrm>
+        <a:prstGeom prst="roundRect">
+          <a:avLst>
+            <a:gd name="adj" fmla="val 10000"/>
+          </a:avLst>
+        </a:prstGeom>
+        <a:solidFill>
+          <a:schemeClr val="lt1">
+            <a:hueOff val="0"/>
+            <a:satOff val="0"/>
+            <a:lumOff val="0"/>
+            <a:alphaOff val="0"/>
+          </a:schemeClr>
+        </a:solidFill>
+        <a:ln w="25400" cap="flat" cmpd="sng" algn="ctr">
+          <a:solidFill>
+            <a:schemeClr val="accent1">
+              <a:shade val="80000"/>
+              <a:hueOff val="0"/>
+              <a:satOff val="0"/>
+              <a:lumOff val="0"/>
+              <a:alphaOff val="0"/>
+            </a:schemeClr>
+          </a:solidFill>
+          <a:prstDash val="solid"/>
+        </a:ln>
+        <a:effectLst/>
+      </dsp:spPr>
+      <dsp:style>
+        <a:lnRef idx="2">
+          <a:scrgbClr r="0" g="0" b="0"/>
+        </a:lnRef>
+        <a:fillRef idx="1">
+          <a:scrgbClr r="0" g="0" b="0"/>
+        </a:fillRef>
+        <a:effectRef idx="0">
+          <a:scrgbClr r="0" g="0" b="0"/>
+        </a:effectRef>
+        <a:fontRef idx="minor">
+          <a:schemeClr val="lt1"/>
+        </a:fontRef>
+      </dsp:style>
+      <dsp:txBody>
+        <a:bodyPr spcFirstLastPara="0" vert="horz" wrap="square" lIns="26670" tIns="26670" rIns="26670" bIns="26670" numCol="1" spcCol="1270" anchor="ctr" anchorCtr="0">
+          <a:noAutofit/>
+        </a:bodyPr>
+        <a:lstStyle/>
+        <a:p>
+          <a:pPr marL="0" lvl="0" indent="0" algn="ctr" defTabSz="311150">
+            <a:lnSpc>
+              <a:spcPct val="90000"/>
+            </a:lnSpc>
+            <a:spcBef>
+              <a:spcPct val="0"/>
+            </a:spcBef>
+            <a:spcAft>
+              <a:spcPct val="35000"/>
+            </a:spcAft>
+            <a:buNone/>
+          </a:pPr>
+          <a:r>
+            <a:rPr lang="ru-RU" sz="700" b="1" kern="1200" dirty="0"/>
+            <a:t>Реализация сетевого взаимодействия клиента с менеджером</a:t>
+          </a:r>
+        </a:p>
+      </dsp:txBody>
+      <dsp:txXfrm>
+        <a:off x="2867956" y="984357"/>
+        <a:ext cx="932449" cy="545883"/>
+      </dsp:txXfrm>
+    </dsp:sp>
+    <dsp:sp modelId="{86CA70CE-4E6E-4832-85BF-D8D061AE5013}">
+      <dsp:nvSpPr>
+        <dsp:cNvPr id="0" name=""/>
+        <dsp:cNvSpPr/>
+      </dsp:nvSpPr>
+      <dsp:spPr>
+        <a:xfrm rot="10800000">
+          <a:off x="2561048" y="1137464"/>
+          <a:ext cx="204880" cy="239670"/>
+        </a:xfrm>
+        <a:prstGeom prst="rightArrow">
+          <a:avLst>
+            <a:gd name="adj1" fmla="val 60000"/>
+            <a:gd name="adj2" fmla="val 50000"/>
+          </a:avLst>
+        </a:prstGeom>
+        <a:solidFill>
+          <a:schemeClr val="accent1">
+            <a:tint val="60000"/>
+            <a:hueOff val="0"/>
+            <a:satOff val="0"/>
+            <a:lumOff val="0"/>
+            <a:alphaOff val="0"/>
+          </a:schemeClr>
+        </a:solidFill>
+        <a:ln>
+          <a:noFill/>
+        </a:ln>
+        <a:effectLst/>
+      </dsp:spPr>
+      <dsp:style>
+        <a:lnRef idx="0">
+          <a:scrgbClr r="0" g="0" b="0"/>
+        </a:lnRef>
+        <a:fillRef idx="1">
+          <a:scrgbClr r="0" g="0" b="0"/>
+        </a:fillRef>
+        <a:effectRef idx="0">
+          <a:scrgbClr r="0" g="0" b="0"/>
+        </a:effectRef>
+        <a:fontRef idx="minor">
+          <a:schemeClr val="lt1"/>
+        </a:fontRef>
+      </dsp:style>
+      <dsp:txBody>
+        <a:bodyPr spcFirstLastPara="0" vert="horz" wrap="square" lIns="0" tIns="0" rIns="0" bIns="0" numCol="1" spcCol="1270" anchor="ctr" anchorCtr="0">
+          <a:noAutofit/>
+        </a:bodyPr>
+        <a:lstStyle/>
+        <a:p>
+          <a:pPr marL="0" lvl="0" indent="0" algn="ctr" defTabSz="266700">
+            <a:lnSpc>
+              <a:spcPct val="90000"/>
+            </a:lnSpc>
+            <a:spcBef>
+              <a:spcPct val="0"/>
+            </a:spcBef>
+            <a:spcAft>
+              <a:spcPct val="35000"/>
+            </a:spcAft>
+            <a:buNone/>
+          </a:pPr>
+          <a:endParaRPr lang="ru-RU" sz="600" kern="1200"/>
+        </a:p>
+      </dsp:txBody>
+      <dsp:txXfrm rot="10800000">
+        <a:off x="2622512" y="1185398"/>
+        <a:ext cx="143416" cy="143802"/>
+      </dsp:txXfrm>
+    </dsp:sp>
+    <dsp:sp modelId="{F18508EF-B325-46CE-B4B0-3F64EBF0F407}">
+      <dsp:nvSpPr>
+        <dsp:cNvPr id="0" name=""/>
+        <dsp:cNvSpPr/>
+      </dsp:nvSpPr>
+      <dsp:spPr>
+        <a:xfrm>
+          <a:off x="1497991" y="967374"/>
+          <a:ext cx="966415" cy="579849"/>
+        </a:xfrm>
+        <a:prstGeom prst="roundRect">
+          <a:avLst>
+            <a:gd name="adj" fmla="val 10000"/>
+          </a:avLst>
+        </a:prstGeom>
+        <a:solidFill>
+          <a:schemeClr val="lt1">
+            <a:hueOff val="0"/>
+            <a:satOff val="0"/>
+            <a:lumOff val="0"/>
+            <a:alphaOff val="0"/>
+          </a:schemeClr>
+        </a:solidFill>
+        <a:ln w="25400" cap="flat" cmpd="sng" algn="ctr">
+          <a:solidFill>
+            <a:schemeClr val="accent1">
+              <a:shade val="80000"/>
+              <a:hueOff val="0"/>
+              <a:satOff val="0"/>
+              <a:lumOff val="0"/>
+              <a:alphaOff val="0"/>
+            </a:schemeClr>
+          </a:solidFill>
+          <a:prstDash val="solid"/>
+        </a:ln>
+        <a:effectLst/>
+      </dsp:spPr>
+      <dsp:style>
+        <a:lnRef idx="2">
+          <a:scrgbClr r="0" g="0" b="0"/>
+        </a:lnRef>
+        <a:fillRef idx="1">
+          <a:scrgbClr r="0" g="0" b="0"/>
+        </a:fillRef>
+        <a:effectRef idx="0">
+          <a:scrgbClr r="0" g="0" b="0"/>
+        </a:effectRef>
+        <a:fontRef idx="minor">
+          <a:schemeClr val="lt1"/>
+        </a:fontRef>
+      </dsp:style>
+      <dsp:txBody>
+        <a:bodyPr spcFirstLastPara="0" vert="horz" wrap="square" lIns="26670" tIns="26670" rIns="26670" bIns="26670" numCol="1" spcCol="1270" anchor="ctr" anchorCtr="0">
+          <a:noAutofit/>
+        </a:bodyPr>
+        <a:lstStyle/>
+        <a:p>
+          <a:pPr marL="0" lvl="0" indent="0" algn="ctr" defTabSz="311150">
+            <a:lnSpc>
+              <a:spcPct val="90000"/>
+            </a:lnSpc>
+            <a:spcBef>
+              <a:spcPct val="0"/>
+            </a:spcBef>
+            <a:spcAft>
+              <a:spcPct val="35000"/>
+            </a:spcAft>
+            <a:buNone/>
+          </a:pPr>
+          <a:r>
+            <a:rPr lang="ru-RU" sz="700" b="1" kern="1200" dirty="0"/>
+            <a:t>Реализация предоставления прав доступа на запуск выделенного сервера</a:t>
+          </a:r>
+        </a:p>
+      </dsp:txBody>
+      <dsp:txXfrm>
+        <a:off x="1514974" y="984357"/>
+        <a:ext cx="932449" cy="545883"/>
+      </dsp:txXfrm>
+    </dsp:sp>
+    <dsp:sp modelId="{12436C83-BD42-4B33-8B86-9D02A0612505}">
+      <dsp:nvSpPr>
+        <dsp:cNvPr id="0" name=""/>
+        <dsp:cNvSpPr/>
+      </dsp:nvSpPr>
+      <dsp:spPr>
+        <a:xfrm rot="10800000">
+          <a:off x="1208067" y="1137464"/>
+          <a:ext cx="204880" cy="239670"/>
+        </a:xfrm>
+        <a:prstGeom prst="rightArrow">
+          <a:avLst>
+            <a:gd name="adj1" fmla="val 60000"/>
+            <a:gd name="adj2" fmla="val 50000"/>
+          </a:avLst>
+        </a:prstGeom>
+        <a:solidFill>
+          <a:schemeClr val="accent1">
+            <a:tint val="60000"/>
+            <a:hueOff val="0"/>
+            <a:satOff val="0"/>
+            <a:lumOff val="0"/>
+            <a:alphaOff val="0"/>
+          </a:schemeClr>
+        </a:solidFill>
+        <a:ln>
+          <a:noFill/>
+        </a:ln>
+        <a:effectLst/>
+      </dsp:spPr>
+      <dsp:style>
+        <a:lnRef idx="0">
+          <a:scrgbClr r="0" g="0" b="0"/>
+        </a:lnRef>
+        <a:fillRef idx="1">
+          <a:scrgbClr r="0" g="0" b="0"/>
+        </a:fillRef>
+        <a:effectRef idx="0">
+          <a:scrgbClr r="0" g="0" b="0"/>
+        </a:effectRef>
+        <a:fontRef idx="minor">
+          <a:schemeClr val="lt1"/>
+        </a:fontRef>
+      </dsp:style>
+      <dsp:txBody>
+        <a:bodyPr spcFirstLastPara="0" vert="horz" wrap="square" lIns="0" tIns="0" rIns="0" bIns="0" numCol="1" spcCol="1270" anchor="ctr" anchorCtr="0">
+          <a:noAutofit/>
+        </a:bodyPr>
+        <a:lstStyle/>
+        <a:p>
+          <a:pPr marL="0" lvl="0" indent="0" algn="ctr" defTabSz="266700">
+            <a:lnSpc>
+              <a:spcPct val="90000"/>
+            </a:lnSpc>
+            <a:spcBef>
+              <a:spcPct val="0"/>
+            </a:spcBef>
+            <a:spcAft>
+              <a:spcPct val="35000"/>
+            </a:spcAft>
+            <a:buNone/>
+          </a:pPr>
+          <a:endParaRPr lang="ru-RU" sz="600" kern="1200"/>
+        </a:p>
+      </dsp:txBody>
+      <dsp:txXfrm rot="10800000">
+        <a:off x="1269531" y="1185398"/>
+        <a:ext cx="143416" cy="143802"/>
+      </dsp:txXfrm>
+    </dsp:sp>
+    <dsp:sp modelId="{C93AECF5-1267-4C95-8754-A1602D0EAB2B}">
+      <dsp:nvSpPr>
+        <dsp:cNvPr id="0" name=""/>
+        <dsp:cNvSpPr/>
+      </dsp:nvSpPr>
+      <dsp:spPr>
+        <a:xfrm>
+          <a:off x="145010" y="967374"/>
+          <a:ext cx="966415" cy="579849"/>
+        </a:xfrm>
+        <a:prstGeom prst="roundRect">
+          <a:avLst>
+            <a:gd name="adj" fmla="val 10000"/>
+          </a:avLst>
+        </a:prstGeom>
+        <a:solidFill>
+          <a:schemeClr val="lt1">
+            <a:hueOff val="0"/>
+            <a:satOff val="0"/>
+            <a:lumOff val="0"/>
+            <a:alphaOff val="0"/>
+          </a:schemeClr>
+        </a:solidFill>
+        <a:ln w="25400" cap="flat" cmpd="sng" algn="ctr">
+          <a:solidFill>
+            <a:schemeClr val="accent1">
+              <a:shade val="80000"/>
+              <a:hueOff val="0"/>
+              <a:satOff val="0"/>
+              <a:lumOff val="0"/>
+              <a:alphaOff val="0"/>
+            </a:schemeClr>
+          </a:solidFill>
+          <a:prstDash val="solid"/>
+        </a:ln>
+        <a:effectLst/>
+      </dsp:spPr>
+      <dsp:style>
+        <a:lnRef idx="2">
+          <a:scrgbClr r="0" g="0" b="0"/>
+        </a:lnRef>
+        <a:fillRef idx="1">
+          <a:scrgbClr r="0" g="0" b="0"/>
+        </a:fillRef>
+        <a:effectRef idx="0">
+          <a:scrgbClr r="0" g="0" b="0"/>
+        </a:effectRef>
+        <a:fontRef idx="minor">
+          <a:schemeClr val="lt1"/>
+        </a:fontRef>
+      </dsp:style>
+      <dsp:txBody>
+        <a:bodyPr spcFirstLastPara="0" vert="horz" wrap="square" lIns="26670" tIns="26670" rIns="26670" bIns="26670" numCol="1" spcCol="1270" anchor="ctr" anchorCtr="0">
+          <a:noAutofit/>
+        </a:bodyPr>
+        <a:lstStyle/>
+        <a:p>
+          <a:pPr marL="0" lvl="0" indent="0" algn="ctr" defTabSz="311150">
+            <a:lnSpc>
+              <a:spcPct val="90000"/>
+            </a:lnSpc>
+            <a:spcBef>
+              <a:spcPct val="0"/>
+            </a:spcBef>
+            <a:spcAft>
+              <a:spcPct val="35000"/>
+            </a:spcAft>
+            <a:buNone/>
+          </a:pPr>
+          <a:r>
+            <a:rPr lang="ru-RU" sz="700" b="1" kern="1200" dirty="0"/>
+            <a:t>Реализация предоставления прав доступа в автономном режиме</a:t>
+          </a:r>
+        </a:p>
+      </dsp:txBody>
+      <dsp:txXfrm>
+        <a:off x="161993" y="984357"/>
+        <a:ext cx="932449" cy="545883"/>
+      </dsp:txXfrm>
+    </dsp:sp>
+    <dsp:sp modelId="{E878F333-8819-4CEE-ACB8-1F850C309850}">
+      <dsp:nvSpPr>
+        <dsp:cNvPr id="0" name=""/>
+        <dsp:cNvSpPr/>
+      </dsp:nvSpPr>
+      <dsp:spPr>
+        <a:xfrm rot="5400000">
+          <a:off x="525778" y="1614873"/>
+          <a:ext cx="204880" cy="239670"/>
+        </a:xfrm>
+        <a:prstGeom prst="rightArrow">
+          <a:avLst>
+            <a:gd name="adj1" fmla="val 60000"/>
+            <a:gd name="adj2" fmla="val 50000"/>
+          </a:avLst>
+        </a:prstGeom>
+        <a:solidFill>
+          <a:schemeClr val="accent1">
+            <a:tint val="60000"/>
+            <a:hueOff val="0"/>
+            <a:satOff val="0"/>
+            <a:lumOff val="0"/>
+            <a:alphaOff val="0"/>
+          </a:schemeClr>
+        </a:solidFill>
+        <a:ln>
+          <a:noFill/>
+        </a:ln>
+        <a:effectLst/>
+      </dsp:spPr>
+      <dsp:style>
+        <a:lnRef idx="0">
+          <a:scrgbClr r="0" g="0" b="0"/>
+        </a:lnRef>
+        <a:fillRef idx="1">
+          <a:scrgbClr r="0" g="0" b="0"/>
+        </a:fillRef>
+        <a:effectRef idx="0">
+          <a:scrgbClr r="0" g="0" b="0"/>
+        </a:effectRef>
+        <a:fontRef idx="minor">
+          <a:schemeClr val="lt1"/>
+        </a:fontRef>
+      </dsp:style>
+      <dsp:txBody>
+        <a:bodyPr spcFirstLastPara="0" vert="horz" wrap="square" lIns="0" tIns="0" rIns="0" bIns="0" numCol="1" spcCol="1270" anchor="ctr" anchorCtr="0">
+          <a:noAutofit/>
+        </a:bodyPr>
+        <a:lstStyle/>
+        <a:p>
+          <a:pPr marL="0" lvl="0" indent="0" algn="ctr" defTabSz="266700">
+            <a:lnSpc>
+              <a:spcPct val="90000"/>
+            </a:lnSpc>
+            <a:spcBef>
+              <a:spcPct val="0"/>
+            </a:spcBef>
+            <a:spcAft>
+              <a:spcPct val="35000"/>
+            </a:spcAft>
+            <a:buNone/>
+          </a:pPr>
+          <a:endParaRPr lang="ru-RU" sz="600" kern="1200"/>
+        </a:p>
+      </dsp:txBody>
+      <dsp:txXfrm rot="-5400000">
+        <a:off x="556317" y="1632268"/>
+        <a:ext cx="143802" cy="143416"/>
+      </dsp:txXfrm>
+    </dsp:sp>
+    <dsp:sp modelId="{A9BCEE7B-0FB0-48EB-BF8F-7F2791D78B41}">
+      <dsp:nvSpPr>
+        <dsp:cNvPr id="0" name=""/>
+        <dsp:cNvSpPr/>
+      </dsp:nvSpPr>
+      <dsp:spPr>
+        <a:xfrm>
+          <a:off x="145010" y="1933790"/>
+          <a:ext cx="966415" cy="579849"/>
+        </a:xfrm>
+        <a:prstGeom prst="roundRect">
+          <a:avLst>
+            <a:gd name="adj" fmla="val 10000"/>
+          </a:avLst>
+        </a:prstGeom>
+        <a:solidFill>
+          <a:schemeClr val="lt1">
+            <a:hueOff val="0"/>
+            <a:satOff val="0"/>
+            <a:lumOff val="0"/>
+            <a:alphaOff val="0"/>
+          </a:schemeClr>
+        </a:solidFill>
+        <a:ln w="25400" cap="flat" cmpd="sng" algn="ctr">
+          <a:solidFill>
+            <a:schemeClr val="accent1">
+              <a:shade val="80000"/>
+              <a:hueOff val="0"/>
+              <a:satOff val="0"/>
+              <a:lumOff val="0"/>
+              <a:alphaOff val="0"/>
+            </a:schemeClr>
+          </a:solidFill>
+          <a:prstDash val="solid"/>
+        </a:ln>
+        <a:effectLst/>
+      </dsp:spPr>
+      <dsp:style>
+        <a:lnRef idx="2">
+          <a:scrgbClr r="0" g="0" b="0"/>
+        </a:lnRef>
+        <a:fillRef idx="1">
+          <a:scrgbClr r="0" g="0" b="0"/>
+        </a:fillRef>
+        <a:effectRef idx="0">
+          <a:scrgbClr r="0" g="0" b="0"/>
+        </a:effectRef>
+        <a:fontRef idx="minor">
+          <a:schemeClr val="lt1"/>
+        </a:fontRef>
+      </dsp:style>
+      <dsp:txBody>
+        <a:bodyPr spcFirstLastPara="0" vert="horz" wrap="square" lIns="26670" tIns="26670" rIns="26670" bIns="26670" numCol="1" spcCol="1270" anchor="ctr" anchorCtr="0">
+          <a:noAutofit/>
+        </a:bodyPr>
+        <a:lstStyle/>
+        <a:p>
+          <a:pPr marL="0" lvl="0" indent="0" algn="ctr" defTabSz="311150">
+            <a:lnSpc>
+              <a:spcPct val="90000"/>
+            </a:lnSpc>
+            <a:spcBef>
+              <a:spcPct val="0"/>
+            </a:spcBef>
+            <a:spcAft>
+              <a:spcPct val="35000"/>
+            </a:spcAft>
+            <a:buNone/>
+          </a:pPr>
+          <a:r>
+            <a:rPr lang="ru-RU" sz="700" b="1" kern="1200" dirty="0"/>
+            <a:t>Реализация механизма мониторинга через </a:t>
+          </a:r>
+          <a:r>
+            <a:rPr lang="en-US" sz="700" b="1" kern="1200" dirty="0"/>
+            <a:t>CLI (C++ </a:t>
+          </a:r>
+          <a:r>
+            <a:rPr lang="ru-RU" sz="700" b="1" kern="1200" dirty="0"/>
+            <a:t>и </a:t>
+          </a:r>
+          <a:r>
+            <a:rPr lang="en-US" sz="700" b="1" kern="1200" dirty="0"/>
+            <a:t>PDCurses)</a:t>
+          </a:r>
+          <a:endParaRPr lang="ru-RU" sz="700" b="1" kern="1200" dirty="0"/>
+        </a:p>
+      </dsp:txBody>
+      <dsp:txXfrm>
+        <a:off x="161993" y="1950773"/>
+        <a:ext cx="932449" cy="545883"/>
+      </dsp:txXfrm>
+    </dsp:sp>
+    <dsp:sp modelId="{707F765D-8D8E-4011-9973-67B863A9827C}">
+      <dsp:nvSpPr>
+        <dsp:cNvPr id="0" name=""/>
+        <dsp:cNvSpPr/>
+      </dsp:nvSpPr>
+      <dsp:spPr>
+        <a:xfrm>
+          <a:off x="1196470" y="2103879"/>
+          <a:ext cx="204880" cy="239670"/>
+        </a:xfrm>
+        <a:prstGeom prst="rightArrow">
+          <a:avLst>
+            <a:gd name="adj1" fmla="val 60000"/>
+            <a:gd name="adj2" fmla="val 50000"/>
+          </a:avLst>
+        </a:prstGeom>
+        <a:solidFill>
+          <a:schemeClr val="accent1">
+            <a:tint val="60000"/>
+            <a:hueOff val="0"/>
+            <a:satOff val="0"/>
+            <a:lumOff val="0"/>
+            <a:alphaOff val="0"/>
+          </a:schemeClr>
+        </a:solidFill>
+        <a:ln>
+          <a:noFill/>
+        </a:ln>
+        <a:effectLst/>
+      </dsp:spPr>
+      <dsp:style>
+        <a:lnRef idx="0">
+          <a:scrgbClr r="0" g="0" b="0"/>
+        </a:lnRef>
+        <a:fillRef idx="1">
+          <a:scrgbClr r="0" g="0" b="0"/>
+        </a:fillRef>
+        <a:effectRef idx="0">
+          <a:scrgbClr r="0" g="0" b="0"/>
+        </a:effectRef>
+        <a:fontRef idx="minor">
+          <a:schemeClr val="lt1"/>
+        </a:fontRef>
+      </dsp:style>
+      <dsp:txBody>
+        <a:bodyPr spcFirstLastPara="0" vert="horz" wrap="square" lIns="0" tIns="0" rIns="0" bIns="0" numCol="1" spcCol="1270" anchor="ctr" anchorCtr="0">
+          <a:noAutofit/>
+        </a:bodyPr>
+        <a:lstStyle/>
+        <a:p>
+          <a:pPr marL="0" lvl="0" indent="0" algn="ctr" defTabSz="266700">
+            <a:lnSpc>
+              <a:spcPct val="90000"/>
+            </a:lnSpc>
+            <a:spcBef>
+              <a:spcPct val="0"/>
+            </a:spcBef>
+            <a:spcAft>
+              <a:spcPct val="35000"/>
+            </a:spcAft>
+            <a:buNone/>
+          </a:pPr>
+          <a:endParaRPr lang="ru-RU" sz="600" kern="1200"/>
+        </a:p>
+      </dsp:txBody>
+      <dsp:txXfrm>
+        <a:off x="1196470" y="2151813"/>
+        <a:ext cx="143416" cy="143802"/>
+      </dsp:txXfrm>
+    </dsp:sp>
+    <dsp:sp modelId="{F22CA137-AEBF-42B7-94DD-212FC9BC6F26}">
+      <dsp:nvSpPr>
+        <dsp:cNvPr id="0" name=""/>
+        <dsp:cNvSpPr/>
+      </dsp:nvSpPr>
+      <dsp:spPr>
+        <a:xfrm>
+          <a:off x="1497991" y="1933790"/>
+          <a:ext cx="966415" cy="579849"/>
+        </a:xfrm>
+        <a:prstGeom prst="roundRect">
+          <a:avLst>
+            <a:gd name="adj" fmla="val 10000"/>
+          </a:avLst>
+        </a:prstGeom>
+        <a:solidFill>
+          <a:schemeClr val="lt1">
+            <a:hueOff val="0"/>
+            <a:satOff val="0"/>
+            <a:lumOff val="0"/>
+            <a:alphaOff val="0"/>
+          </a:schemeClr>
+        </a:solidFill>
+        <a:ln w="25400" cap="flat" cmpd="sng" algn="ctr">
+          <a:solidFill>
+            <a:schemeClr val="accent1">
+              <a:shade val="80000"/>
+              <a:hueOff val="0"/>
+              <a:satOff val="0"/>
+              <a:lumOff val="0"/>
+              <a:alphaOff val="0"/>
+            </a:schemeClr>
+          </a:solidFill>
+          <a:prstDash val="solid"/>
+        </a:ln>
+        <a:effectLst/>
+      </dsp:spPr>
+      <dsp:style>
+        <a:lnRef idx="2">
+          <a:scrgbClr r="0" g="0" b="0"/>
+        </a:lnRef>
+        <a:fillRef idx="1">
+          <a:scrgbClr r="0" g="0" b="0"/>
+        </a:fillRef>
+        <a:effectRef idx="0">
+          <a:scrgbClr r="0" g="0" b="0"/>
+        </a:effectRef>
+        <a:fontRef idx="minor">
+          <a:schemeClr val="lt1"/>
+        </a:fontRef>
+      </dsp:style>
+      <dsp:txBody>
+        <a:bodyPr spcFirstLastPara="0" vert="horz" wrap="square" lIns="26670" tIns="26670" rIns="26670" bIns="26670" numCol="1" spcCol="1270" anchor="ctr" anchorCtr="0">
+          <a:noAutofit/>
+        </a:bodyPr>
+        <a:lstStyle/>
+        <a:p>
+          <a:pPr marL="0" lvl="0" indent="0" algn="ctr" defTabSz="311150">
+            <a:lnSpc>
+              <a:spcPct val="90000"/>
+            </a:lnSpc>
+            <a:spcBef>
+              <a:spcPct val="0"/>
+            </a:spcBef>
+            <a:spcAft>
+              <a:spcPct val="35000"/>
+            </a:spcAft>
+            <a:buNone/>
+          </a:pPr>
+          <a:r>
+            <a:rPr lang="ru-RU" sz="700" b="1" kern="1200" dirty="0"/>
+            <a:t>Проведения исследования в области сериализации сетевых пакетов</a:t>
+          </a:r>
+        </a:p>
+      </dsp:txBody>
+      <dsp:txXfrm>
+        <a:off x="1514974" y="1950773"/>
+        <a:ext cx="932449" cy="545883"/>
+      </dsp:txXfrm>
+    </dsp:sp>
+    <dsp:sp modelId="{B761CBCF-7FDD-4D1C-9741-84EA7A5BC866}">
+      <dsp:nvSpPr>
+        <dsp:cNvPr id="0" name=""/>
+        <dsp:cNvSpPr/>
+      </dsp:nvSpPr>
+      <dsp:spPr>
+        <a:xfrm>
+          <a:off x="2549451" y="2103879"/>
+          <a:ext cx="204880" cy="239670"/>
+        </a:xfrm>
+        <a:prstGeom prst="rightArrow">
+          <a:avLst>
+            <a:gd name="adj1" fmla="val 60000"/>
+            <a:gd name="adj2" fmla="val 50000"/>
+          </a:avLst>
+        </a:prstGeom>
+        <a:solidFill>
+          <a:schemeClr val="accent1">
+            <a:tint val="60000"/>
+            <a:hueOff val="0"/>
+            <a:satOff val="0"/>
+            <a:lumOff val="0"/>
+            <a:alphaOff val="0"/>
+          </a:schemeClr>
+        </a:solidFill>
+        <a:ln>
+          <a:noFill/>
+        </a:ln>
+        <a:effectLst/>
+      </dsp:spPr>
+      <dsp:style>
+        <a:lnRef idx="0">
+          <a:scrgbClr r="0" g="0" b="0"/>
+        </a:lnRef>
+        <a:fillRef idx="1">
+          <a:scrgbClr r="0" g="0" b="0"/>
+        </a:fillRef>
+        <a:effectRef idx="0">
+          <a:scrgbClr r="0" g="0" b="0"/>
+        </a:effectRef>
+        <a:fontRef idx="minor">
+          <a:schemeClr val="lt1"/>
+        </a:fontRef>
+      </dsp:style>
+      <dsp:txBody>
+        <a:bodyPr spcFirstLastPara="0" vert="horz" wrap="square" lIns="0" tIns="0" rIns="0" bIns="0" numCol="1" spcCol="1270" anchor="ctr" anchorCtr="0">
+          <a:noAutofit/>
+        </a:bodyPr>
+        <a:lstStyle/>
+        <a:p>
+          <a:pPr marL="0" lvl="0" indent="0" algn="ctr" defTabSz="266700">
+            <a:lnSpc>
+              <a:spcPct val="90000"/>
+            </a:lnSpc>
+            <a:spcBef>
+              <a:spcPct val="0"/>
+            </a:spcBef>
+            <a:spcAft>
+              <a:spcPct val="35000"/>
+            </a:spcAft>
+            <a:buNone/>
+          </a:pPr>
+          <a:endParaRPr lang="ru-RU" sz="600" kern="1200"/>
+        </a:p>
+      </dsp:txBody>
+      <dsp:txXfrm>
+        <a:off x="2549451" y="2151813"/>
+        <a:ext cx="143416" cy="143802"/>
+      </dsp:txXfrm>
+    </dsp:sp>
+    <dsp:sp modelId="{FCAF73FA-4A28-4419-BAAA-BE8843E2D12F}">
+      <dsp:nvSpPr>
+        <dsp:cNvPr id="0" name=""/>
+        <dsp:cNvSpPr/>
+      </dsp:nvSpPr>
+      <dsp:spPr>
+        <a:xfrm>
+          <a:off x="2850973" y="1933790"/>
+          <a:ext cx="966415" cy="579849"/>
+        </a:xfrm>
+        <a:prstGeom prst="roundRect">
+          <a:avLst>
+            <a:gd name="adj" fmla="val 10000"/>
+          </a:avLst>
+        </a:prstGeom>
+        <a:solidFill>
+          <a:schemeClr val="lt1">
+            <a:hueOff val="0"/>
+            <a:satOff val="0"/>
+            <a:lumOff val="0"/>
+            <a:alphaOff val="0"/>
+          </a:schemeClr>
+        </a:solidFill>
+        <a:ln w="25400" cap="flat" cmpd="sng" algn="ctr">
+          <a:solidFill>
+            <a:schemeClr val="accent1">
+              <a:shade val="80000"/>
+              <a:hueOff val="0"/>
+              <a:satOff val="0"/>
+              <a:lumOff val="0"/>
+              <a:alphaOff val="0"/>
+            </a:schemeClr>
+          </a:solidFill>
+          <a:prstDash val="solid"/>
+        </a:ln>
+        <a:effectLst/>
+      </dsp:spPr>
+      <dsp:style>
+        <a:lnRef idx="2">
+          <a:scrgbClr r="0" g="0" b="0"/>
+        </a:lnRef>
+        <a:fillRef idx="1">
+          <a:scrgbClr r="0" g="0" b="0"/>
+        </a:fillRef>
+        <a:effectRef idx="0">
+          <a:scrgbClr r="0" g="0" b="0"/>
+        </a:effectRef>
+        <a:fontRef idx="minor">
+          <a:schemeClr val="lt1"/>
+        </a:fontRef>
+      </dsp:style>
+      <dsp:txBody>
+        <a:bodyPr spcFirstLastPara="0" vert="horz" wrap="square" lIns="26670" tIns="26670" rIns="26670" bIns="26670" numCol="1" spcCol="1270" anchor="ctr" anchorCtr="0">
+          <a:noAutofit/>
+        </a:bodyPr>
+        <a:lstStyle/>
+        <a:p>
+          <a:pPr marL="0" lvl="0" indent="0" algn="ctr" defTabSz="311150">
+            <a:lnSpc>
+              <a:spcPct val="90000"/>
+            </a:lnSpc>
+            <a:spcBef>
+              <a:spcPct val="0"/>
+            </a:spcBef>
+            <a:spcAft>
+              <a:spcPct val="35000"/>
+            </a:spcAft>
+            <a:buNone/>
+          </a:pPr>
+          <a:r>
+            <a:rPr lang="ru-RU" sz="700" b="1" kern="1200" dirty="0"/>
+            <a:t>Сборка компонентов системы под ОС </a:t>
+          </a:r>
+          <a:r>
+            <a:rPr lang="en-US" sz="700" b="1" kern="1200" dirty="0"/>
+            <a:t>Linux-Debian</a:t>
+          </a:r>
+          <a:r>
+            <a:rPr lang="ru-RU" sz="700" b="1" kern="1200" dirty="0"/>
+            <a:t> </a:t>
+          </a:r>
+        </a:p>
+      </dsp:txBody>
+      <dsp:txXfrm>
+        <a:off x="2867956" y="1950773"/>
+        <a:ext cx="932449" cy="545883"/>
+      </dsp:txXfrm>
+    </dsp:sp>
+  </dsp:spTree>
+</dsp:drawing>
+</file>
+
+<file path=ppt/diagrams/layout1.xml><?xml version="1.0" encoding="utf-8"?>
+<dgm:layoutDef xmlns:dgm="http://schemas.openxmlformats.org/drawingml/2006/diagram" xmlns:a="http://schemas.openxmlformats.org/drawingml/2006/main" uniqueId="urn:microsoft.com/office/officeart/2005/8/layout/process5">
+  <dgm:title val=""/>
+  <dgm:desc val=""/>
+  <dgm:catLst>
+    <dgm:cat type="process" pri="17000"/>
+  </dgm:catLst>
+  <dgm:sampData>
+    <dgm:dataModel>
+      <dgm:ptLst>
+        <dgm:pt modelId="0" type="doc"/>
+        <dgm:pt modelId="1">
+          <dgm:prSet phldr="1"/>
+        </dgm:pt>
+        <dgm:pt modelId="2">
+          <dgm:prSet phldr="1"/>
+        </dgm:pt>
+        <dgm:pt modelId="3">
+          <dgm:prSet phldr="1"/>
+        </dgm:pt>
+        <dgm:pt modelId="4">
+          <dgm:prSet phldr="1"/>
+        </dgm:pt>
+        <dgm:pt modelId="5">
+          <dgm:prSet phldr="1"/>
+        </dgm:pt>
+      </dgm:ptLst>
+      <dgm:cxnLst>
+        <dgm:cxn modelId="7" srcId="0" destId="1" srcOrd="0" destOrd="0"/>
+        <dgm:cxn modelId="8" srcId="0" destId="2" srcOrd="1" destOrd="0"/>
+        <dgm:cxn modelId="9" srcId="0" destId="3" srcOrd="2" destOrd="0"/>
+        <dgm:cxn modelId="10" srcId="0" destId="4" srcOrd="3" destOrd="0"/>
+        <dgm:cxn modelId="11" srcId="0" destId="5" srcOrd="4" destOrd="0"/>
+      </dgm:cxnLst>
+      <dgm:bg/>
+      <dgm:whole/>
+    </dgm:dataModel>
+  </dgm:sampData>
+  <dgm:styleData>
+    <dgm:dataModel>
+      <dgm:ptLst>
+        <dgm:pt modelId="0" type="doc"/>
+        <dgm:pt modelId="1"/>
+        <dgm:pt modelId="2"/>
+      </dgm:ptLst>
+      <dgm:cxnLst>
+        <dgm:cxn modelId="3" srcId="0" destId="1" srcOrd="0" destOrd="0"/>
+        <dgm:cxn modelId="4" srcId="0" destId="2" srcOrd="1" destOrd="0"/>
+      </dgm:cxnLst>
+      <dgm:bg/>
+      <dgm:whole/>
+    </dgm:dataModel>
+  </dgm:styleData>
+  <dgm:clrData>
+    <dgm:dataModel>
+      <dgm:ptLst>
+        <dgm:pt modelId="0" type="doc"/>
+        <dgm:pt modelId="1"/>
+        <dgm:pt modelId="2"/>
+        <dgm:pt modelId="3"/>
+        <dgm:pt modelId="4"/>
+      </dgm:ptLst>
+      <dgm:cxnLst>
+        <dgm:cxn modelId="5" srcId="0" destId="1" srcOrd="0" destOrd="0"/>
+        <dgm:cxn modelId="6" srcId="0" destId="2" srcOrd="1" destOrd="0"/>
+        <dgm:cxn modelId="7" srcId="0" destId="3" srcOrd="2" destOrd="0"/>
+        <dgm:cxn modelId="8" srcId="0" destId="4" srcOrd="3" destOrd="0"/>
+      </dgm:cxnLst>
+      <dgm:bg/>
+      <dgm:whole/>
+    </dgm:dataModel>
+  </dgm:clrData>
+  <dgm:layoutNode name="diagram">
+    <dgm:varLst>
+      <dgm:dir/>
+      <dgm:resizeHandles val="exact"/>
+    </dgm:varLst>
+    <dgm:choose name="Name0">
+      <dgm:if name="Name1" axis="self" func="var" arg="dir" op="equ" val="norm">
+        <dgm:alg type="snake">
+          <dgm:param type="grDir" val="tL"/>
+          <dgm:param type="flowDir" val="row"/>
+          <dgm:param type="contDir" val="revDir"/>
+          <dgm:param type="bkpt" val="endCnv"/>
+        </dgm:alg>
+      </dgm:if>
+      <dgm:else name="Name2">
+        <dgm:alg type="snake">
+          <dgm:param type="grDir" val="tR"/>
+          <dgm:param type="flowDir" val="row"/>
+          <dgm:param type="contDir" val="revDir"/>
+          <dgm:param type="bkpt" val="endCnv"/>
+        </dgm:alg>
+      </dgm:else>
+    </dgm:choose>
+    <dgm:shape xmlns:r="http://schemas.openxmlformats.org/officeDocument/2006/relationships" r:blip="">
+      <dgm:adjLst/>
+    </dgm:shape>
+    <dgm:presOf/>
+    <dgm:constrLst>
+      <dgm:constr type="w" for="ch" ptType="node" refType="w"/>
+      <dgm:constr type="w" for="ch" forName="sibTrans" refType="w" refFor="ch" refPtType="node" op="equ" fact="0.4"/>
+      <dgm:constr type="sp" refType="w" refFor="ch" refForName="sibTrans" op="equ"/>
+      <dgm:constr type="primFontSz" for="ch" ptType="node" op="equ" val="65"/>
+      <dgm:constr type="primFontSz" for="des" forName="connectorText" op="equ" val="55"/>
+      <dgm:constr type="primFontSz" for="des" forName="connectorText" refType="primFontSz" refFor="ch" refPtType="node" op="lte" fact="0.8"/>
+    </dgm:constrLst>
+    <dgm:ruleLst/>
+    <dgm:forEach name="nodesForEach" axis="ch" ptType="node">
+      <dgm:layoutNode name="node">
+        <dgm:varLst>
+          <dgm:bulletEnabled val="1"/>
+        </dgm:varLst>
+        <dgm:alg type="tx"/>
+        <dgm:shape xmlns:r="http://schemas.openxmlformats.org/officeDocument/2006/relationships" type="roundRect" r:blip="">
+          <dgm:adjLst>
+            <dgm:adj idx="1" val="0.1"/>
+          </dgm:adjLst>
+        </dgm:shape>
+        <dgm:presOf axis="desOrSelf" ptType="node"/>
+        <dgm:constrLst>
+          <dgm:constr type="h" refType="w" fact="0.6"/>
+          <dgm:constr type="tMarg" refType="primFontSz" fact="0.3"/>
+          <dgm:constr type="bMarg" refType="primFontSz" fact="0.3"/>
+          <dgm:constr type="lMarg" refType="primFontSz" fact="0.3"/>
+          <dgm:constr type="rMarg" refType="primFontSz" fact="0.3"/>
+        </dgm:constrLst>
+        <dgm:ruleLst>
+          <dgm:rule type="primFontSz" val="5" fact="NaN" max="NaN"/>
+        </dgm:ruleLst>
+      </dgm:layoutNode>
+      <dgm:forEach name="sibTransForEach" axis="followSib" ptType="sibTrans" cnt="1">
+        <dgm:layoutNode name="sibTrans">
+          <dgm:alg type="conn">
+            <dgm:param type="begPts" val="auto"/>
+            <dgm:param type="endPts" val="auto"/>
+          </dgm:alg>
+          <dgm:shape xmlns:r="http://schemas.openxmlformats.org/officeDocument/2006/relationships" type="conn" r:blip="">
+            <dgm:adjLst/>
+          </dgm:shape>
+          <dgm:presOf axis="self"/>
+          <dgm:constrLst>
+            <dgm:constr type="h" refType="w" fact="0.62"/>
+            <dgm:constr type="connDist"/>
+          </dgm:constrLst>
+          <dgm:ruleLst/>
+          <dgm:layoutNode name="connectorText">
+            <dgm:alg type="tx">
+              <dgm:param type="autoTxRot" val="upr"/>
+            </dgm:alg>
+            <dgm:shape xmlns:r="http://schemas.openxmlformats.org/officeDocument/2006/relationships" type="conn" r:blip="" hideGeom="1">
+              <dgm:adjLst/>
+            </dgm:shape>
+            <dgm:presOf axis="self"/>
+            <dgm:constrLst>
+              <dgm:constr type="lMarg"/>
+              <dgm:constr type="rMarg"/>
+              <dgm:constr type="tMarg"/>
+              <dgm:constr type="bMarg"/>
+            </dgm:constrLst>
+            <dgm:ruleLst>
+              <dgm:rule type="primFontSz" val="5" fact="NaN" max="NaN"/>
+            </dgm:ruleLst>
+          </dgm:layoutNode>
+        </dgm:layoutNode>
+      </dgm:forEach>
+    </dgm:forEach>
+  </dgm:layoutNode>
+</dgm:layoutDef>
+</file>
+
+<file path=ppt/diagrams/quickStyle1.xml><?xml version="1.0" encoding="utf-8"?>
+<dgm:styleDef xmlns:dgm="http://schemas.openxmlformats.org/drawingml/2006/diagram" xmlns:a="http://schemas.openxmlformats.org/drawingml/2006/main" uniqueId="urn:microsoft.com/office/officeart/2005/8/quickstyle/simple1">
+  <dgm:title val=""/>
+  <dgm:desc val=""/>
+  <dgm:catLst>
+    <dgm:cat type="simple" pri="10100"/>
+  </dgm:catLst>
+  <dgm:scene3d>
+    <a:camera prst="orthographicFront"/>
+    <a:lightRig rig="threePt" dir="t"/>
+  </dgm:scene3d>
+  <dgm:styleLbl name="node0">
+    <dgm:scene3d>
+      <a:camera prst="orthographicFront"/>
+      <a:lightRig rig="threePt" dir="t"/>
+    </dgm:scene3d>
+    <dgm:sp3d/>
+    <dgm:txPr/>
+    <dgm:style>
+      <a:lnRef idx="2">
+        <a:scrgbClr r="0" g="0" b="0"/>
+      </a:lnRef>
+      <a:fillRef idx="1">
+        <a:scrgbClr r="0" g="0" b="0"/>
+      </a:fillRef>
+      <a:effectRef idx="0">
+        <a:scrgbClr r="0" g="0" b="0"/>
+      </a:effectRef>
+      <a:fontRef idx="minor">
+        <a:schemeClr val="lt1"/>
+      </a:fontRef>
+    </dgm:style>
+  </dgm:styleLbl>
+  <dgm:styleLbl name="lnNode1">
+    <dgm:scene3d>
+      <a:camera prst="orthographicFront"/>
+      <a:lightRig rig="threePt" dir="t"/>
+    </dgm:scene3d>
+    <dgm:sp3d/>
+    <dgm:txPr/>
+    <dgm:style>
+      <a:lnRef idx="2">
+        <a:scrgbClr r="0" g="0" b="0"/>
+      </a:lnRef>
+      <a:fillRef idx="1">
+        <a:scrgbClr r="0" g="0" b="0"/>
+      </a:fillRef>
+      <a:effectRef idx="0">
+        <a:scrgbClr r="0" g="0" b="0"/>
+      </a:effectRef>
+      <a:fontRef idx="minor">
+        <a:schemeClr val="lt1"/>
+      </a:fontRef>
+    </dgm:style>
+  </dgm:styleLbl>
+  <dgm:styleLbl name="vennNode1">
+    <dgm:scene3d>
+      <a:camera prst="orthographicFront"/>
+      <a:lightRig rig="threePt" dir="t"/>
+    </dgm:scene3d>
+    <dgm:sp3d/>
+    <dgm:txPr/>
+    <dgm:style>
+      <a:lnRef idx="2">
+        <a:scrgbClr r="0" g="0" b="0"/>
+      </a:lnRef>
+      <a:fillRef idx="1">
+        <a:scrgbClr r="0" g="0" b="0"/>
+      </a:fillRef>
+      <a:effectRef idx="0">
+        <a:scrgbClr r="0" g="0" b="0"/>
+      </a:effectRef>
+      <a:fontRef idx="minor">
+        <a:schemeClr val="tx1"/>
+      </a:fontRef>
+    </dgm:style>
+  </dgm:styleLbl>
+  <dgm:styleLbl name="alignNode1">
+    <dgm:scene3d>
+      <a:camera prst="orthographicFront"/>
+      <a:lightRig rig="threePt" dir="t"/>
+    </dgm:scene3d>
+    <dgm:sp3d/>
+    <dgm:txPr/>
+    <dgm:style>
+      <a:lnRef idx="2">
+        <a:scrgbClr r="0" g="0" b="0"/>
+      </a:lnRef>
+      <a:fillRef idx="1">
+        <a:scrgbClr r="0" g="0" b="0"/>
+      </a:fillRef>
+      <a:effectRef idx="0">
+        <a:scrgbClr r="0" g="0" b="0"/>
+      </a:effectRef>
+      <a:fontRef idx="minor">
+        <a:schemeClr val="lt1"/>
+      </a:fontRef>
+    </dgm:style>
+  </dgm:styleLbl>
+  <dgm:styleLbl name="node1">
+    <dgm:scene3d>
+      <a:camera prst="orthographicFront"/>
+      <a:lightRig rig="threePt" dir="t"/>
+    </dgm:scene3d>
+    <dgm:sp3d/>
+    <dgm:txPr/>
+    <dgm:style>
+      <a:lnRef idx="2">
+        <a:scrgbClr r="0" g="0" b="0"/>
+      </a:lnRef>
+      <a:fillRef idx="1">
+        <a:scrgbClr r="0" g="0" b="0"/>
+      </a:fillRef>
+      <a:effectRef idx="0">
+        <a:scrgbClr r="0" g="0" b="0"/>
+      </a:effectRef>
+      <a:fontRef idx="minor">
+        <a:schemeClr val="lt1"/>
+      </a:fontRef>
+    </dgm:style>
+  </dgm:styleLbl>
+  <dgm:styleLbl name="node2">
+    <dgm:scene3d>
+      <a:camera prst="orthographicFront"/>
+      <a:lightRig rig="threePt" dir="t"/>
+    </dgm:scene3d>
+    <dgm:sp3d/>
+    <dgm:txPr/>
+    <dgm:style>
+      <a:lnRef idx="2">
+        <a:scrgbClr r="0" g="0" b="0"/>
+      </a:lnRef>
+      <a:fillRef idx="1">
+        <a:scrgbClr r="0" g="0" b="0"/>
+      </a:fillRef>
+      <a:effectRef idx="0">
+        <a:scrgbClr r="0" g="0" b="0"/>
+      </a:effectRef>
+      <a:fontRef idx="minor">
+        <a:schemeClr val="lt1"/>
+      </a:fontRef>
+    </dgm:style>
+  </dgm:styleLbl>
+  <dgm:styleLbl name="node3">
+    <dgm:scene3d>
+      <a:camera prst="orthographicFront"/>
+      <a:lightRig rig="threePt" dir="t"/>
+    </dgm:scene3d>
+    <dgm:sp3d/>
+    <dgm:txPr/>
+    <dgm:style>
+      <a:lnRef idx="2">
+        <a:scrgbClr r="0" g="0" b="0"/>
+      </a:lnRef>
+      <a:fillRef idx="1">
+        <a:scrgbClr r="0" g="0" b="0"/>
+      </a:fillRef>
+      <a:effectRef idx="0">
+        <a:scrgbClr r="0" g="0" b="0"/>
+      </a:effectRef>
+      <a:fontRef idx="minor">
+        <a:schemeClr val="lt1"/>
+      </a:fontRef>
+    </dgm:style>
+  </dgm:styleLbl>
+  <dgm:styleLbl name="node4">
+    <dgm:scene3d>
+      <a:camera prst="orthographicFront"/>
+      <a:lightRig rig="threePt" dir="t"/>
+    </dgm:scene3d>
+    <dgm:sp3d/>
+    <dgm:txPr/>
+    <dgm:style>
+      <a:lnRef idx="2">
+        <a:scrgbClr r="0" g="0" b="0"/>
+      </a:lnRef>
+      <a:fillRef idx="1">
+        <a:scrgbClr r="0" g="0" b="0"/>
+      </a:fillRef>
+      <a:effectRef idx="0">
+        <a:scrgbClr r="0" g="0" b="0"/>
+      </a:effectRef>
+      <a:fontRef idx="minor">
+        <a:schemeClr val="lt1"/>
+      </a:fontRef>
+    </dgm:style>
+  </dgm:styleLbl>
+  <dgm:styleLbl name="fgImgPlace1">
+    <dgm:scene3d>
+      <a:camera prst="orthographicFront"/>
+      <a:lightRig rig="threePt" dir="t"/>
+    </dgm:scene3d>
+    <dgm:sp3d/>
+    <dgm:txPr/>
+    <dgm:style>
+      <a:lnRef idx="2">
+        <a:scrgbClr r="0" g="0" b="0"/>
+      </a:lnRef>
+      <a:fillRef idx="1">
+        <a:scrgbClr r="0" g="0" b="0"/>
+      </a:fillRef>
+      <a:effectRef idx="0">
+        <a:scrgbClr r="0" g="0" b="0"/>
+      </a:effectRef>
+      <a:fontRef idx="minor"/>
+    </dgm:style>
+  </dgm:styleLbl>
+  <dgm:styleLbl name="alignImgPlace1">
+    <dgm:scene3d>
+      <a:camera prst="orthographicFront"/>
+      <a:lightRig rig="threePt" dir="t"/>
+    </dgm:scene3d>
+    <dgm:sp3d/>
+    <dgm:txPr/>
+    <dgm:style>
+      <a:lnRef idx="2">
+        <a:scrgbClr r="0" g="0" b="0"/>
+      </a:lnRef>
+      <a:fillRef idx="1">
+        <a:scrgbClr r="0" g="0" b="0"/>
+      </a:fillRef>
+      <a:effectRef idx="0">
+        <a:scrgbClr r="0" g="0" b="0"/>
+      </a:effectRef>
+      <a:fontRef idx="minor"/>
+    </dgm:style>
+  </dgm:styleLbl>
+  <dgm:styleLbl name="bgImgPlace1">
+    <dgm:scene3d>
+      <a:camera prst="orthographicFront"/>
+      <a:lightRig rig="threePt" dir="t"/>
+    </dgm:scene3d>
+    <dgm:sp3d/>
+    <dgm:txPr/>
+    <dgm:style>
+      <a:lnRef idx="2">
+        <a:scrgbClr r="0" g="0" b="0"/>
+      </a:lnRef>
+      <a:fillRef idx="1">
+        <a:scrgbClr r="0" g="0" b="0"/>
+      </a:fillRef>
+      <a:effectRef idx="0">
+        <a:scrgbClr r="0" g="0" b="0"/>
+      </a:effectRef>
+      <a:fontRef idx="minor"/>
+    </dgm:style>
+  </dgm:styleLbl>
+  <dgm:styleLbl name="sibTrans2D1">
+    <dgm:scene3d>
+      <a:camera prst="orthographicFront"/>
+      <a:lightRig rig="threePt" dir="t"/>
+    </dgm:scene3d>
+    <dgm:sp3d/>
+    <dgm:txPr/>
+    <dgm:style>
+      <a:lnRef idx="0">
+        <a:scrgbClr r="0" g="0" b="0"/>
+      </a:lnRef>
+      <a:fillRef idx="1">
+        <a:scrgbClr r="0" g="0" b="0"/>
+      </a:fillRef>
+      <a:effectRef idx="0">
+        <a:scrgbClr r="0" g="0" b="0"/>
+      </a:effectRef>
+      <a:fontRef idx="minor">
+        <a:schemeClr val="lt1"/>
+      </a:fontRef>
+    </dgm:style>
+  </dgm:styleLbl>
+  <dgm:styleLbl name="fgSibTrans2D1">
+    <dgm:scene3d>
+      <a:camera prst="orthographicFront"/>
+      <a:lightRig rig="threePt" dir="t"/>
+    </dgm:scene3d>
+    <dgm:sp3d/>
+    <dgm:txPr/>
+    <dgm:style>
+      <a:lnRef idx="0">
+        <a:scrgbClr r="0" g="0" b="0"/>
+      </a:lnRef>
+      <a:fillRef idx="1">
+        <a:scrgbClr r="0" g="0" b="0"/>
+      </a:fillRef>
+      <a:effectRef idx="0">
+        <a:scrgbClr r="0" g="0" b="0"/>
+      </a:effectRef>
+      <a:fontRef idx="minor">
+        <a:schemeClr val="lt1"/>
+      </a:fontRef>
+    </dgm:style>
+  </dgm:styleLbl>
+  <dgm:styleLbl name="bgSibTrans2D1">
+    <dgm:scene3d>
+      <a:camera prst="orthographicFront"/>
+      <a:lightRig rig="threePt" dir="t"/>
+    </dgm:scene3d>
+    <dgm:sp3d/>
+    <dgm:txPr/>
+    <dgm:style>
+      <a:lnRef idx="0">
+        <a:scrgbClr r="0" g="0" b="0"/>
+      </a:lnRef>
+      <a:fillRef idx="1">
+        <a:scrgbClr r="0" g="0" b="0"/>
+      </a:fillRef>
+      <a:effectRef idx="0">
+        <a:scrgbClr r="0" g="0" b="0"/>
+      </a:effectRef>
+      <a:fontRef idx="minor">
+        <a:schemeClr val="lt1"/>
+      </a:fontRef>
+    </dgm:style>
+  </dgm:styleLbl>
+  <dgm:styleLbl name="sibTrans1D1">
+    <dgm:scene3d>
+      <a:camera prst="orthographicFront"/>
+      <a:lightRig rig="threePt" dir="t"/>
+    </dgm:scene3d>
+    <dgm:sp3d/>
+    <dgm:txPr/>
+    <dgm:style>
+      <a:lnRef idx="1">
+        <a:scrgbClr r="0" g="0" b="0"/>
+      </a:lnRef>
+      <a:fillRef idx="0">
+        <a:scrgbClr r="0" g="0" b="0"/>
+      </a:fillRef>
+      <a:effectRef idx="0">
+        <a:scrgbClr r="0" g="0" b="0"/>
+      </a:effectRef>
+      <a:fontRef idx="minor"/>
+    </dgm:style>
+  </dgm:styleLbl>
+  <dgm:styleLbl name="callout">
+    <dgm:scene3d>
+      <a:camera prst="orthographicFront"/>
+      <a:lightRig rig="threePt" dir="t"/>
+    </dgm:scene3d>
+    <dgm:sp3d/>
+    <dgm:txPr/>
+    <dgm:style>
+      <a:lnRef idx="2">
+        <a:scrgbClr r="0" g="0" b="0"/>
+      </a:lnRef>
+      <a:fillRef idx="1">
+        <a:scrgbClr r="0" g="0" b="0"/>
+      </a:fillRef>
+      <a:effectRef idx="0">
+        <a:scrgbClr r="0" g="0" b="0"/>
+      </a:effectRef>
+      <a:fontRef idx="minor"/>
+    </dgm:style>
+  </dgm:styleLbl>
+  <dgm:styleLbl name="asst0">
+    <dgm:scene3d>
+      <a:camera prst="orthographicFront"/>
+      <a:lightRig rig="threePt" dir="t"/>
+    </dgm:scene3d>
+    <dgm:sp3d/>
+    <dgm:txPr/>
+    <dgm:style>
+      <a:lnRef idx="2">
+        <a:scrgbClr r="0" g="0" b="0"/>
+      </a:lnRef>
+      <a:fillRef idx="1">
+        <a:scrgbClr r="0" g="0" b="0"/>
+      </a:fillRef>
+      <a:effectRef idx="0">
+        <a:scrgbClr r="0" g="0" b="0"/>
+      </a:effectRef>
+      <a:fontRef idx="minor">
+        <a:schemeClr val="lt1"/>
+      </a:fontRef>
+    </dgm:style>
+  </dgm:styleLbl>
+  <dgm:styleLbl name="asst1">
+    <dgm:scene3d>
+      <a:camera prst="orthographicFront"/>
+      <a:lightRig rig="threePt" dir="t"/>
+    </dgm:scene3d>
+    <dgm:sp3d/>
+    <dgm:txPr/>
+    <dgm:style>
+      <a:lnRef idx="2">
+        <a:scrgbClr r="0" g="0" b="0"/>
+      </a:lnRef>
+      <a:fillRef idx="1">
+        <a:scrgbClr r="0" g="0" b="0"/>
+      </a:fillRef>
+      <a:effectRef idx="0">
+        <a:scrgbClr r="0" g="0" b="0"/>
+      </a:effectRef>
+      <a:fontRef idx="minor">
+        <a:schemeClr val="lt1"/>
+      </a:fontRef>
+    </dgm:style>
+  </dgm:styleLbl>
+  <dgm:styleLbl name="asst2">
+    <dgm:scene3d>
+      <a:camera prst="orthographicFront"/>
+      <a:lightRig rig="threePt" dir="t"/>
+    </dgm:scene3d>
+    <dgm:sp3d/>
+    <dgm:txPr/>
+    <dgm:style>
+      <a:lnRef idx="2">
+        <a:scrgbClr r="0" g="0" b="0"/>
+      </a:lnRef>
+      <a:fillRef idx="1">
+        <a:scrgbClr r="0" g="0" b="0"/>
+      </a:fillRef>
+      <a:effectRef idx="0">
+        <a:scrgbClr r="0" g="0" b="0"/>
+      </a:effectRef>
+      <a:fontRef idx="minor">
+        <a:schemeClr val="lt1"/>
+      </a:fontRef>
+    </dgm:style>
+  </dgm:styleLbl>
+  <dgm:styleLbl name="asst3">
+    <dgm:scene3d>
+      <a:camera prst="orthographicFront"/>
+      <a:lightRig rig="threePt" dir="t"/>
+    </dgm:scene3d>
+    <dgm:sp3d/>
+    <dgm:txPr/>
+    <dgm:style>
+      <a:lnRef idx="2">
+        <a:scrgbClr r="0" g="0" b="0"/>
+      </a:lnRef>
+      <a:fillRef idx="1">
+        <a:scrgbClr r="0" g="0" b="0"/>
+      </a:fillRef>
+      <a:effectRef idx="0">
+        <a:scrgbClr r="0" g="0" b="0"/>
+      </a:effectRef>
+      <a:fontRef idx="minor">
+        <a:schemeClr val="lt1"/>
+      </a:fontRef>
+    </dgm:style>
+  </dgm:styleLbl>
+  <dgm:styleLbl name="asst4">
+    <dgm:scene3d>
+      <a:camera prst="orthographicFront"/>
+      <a:lightRig rig="threePt" dir="t"/>
+    </dgm:scene3d>
+    <dgm:sp3d/>
+    <dgm:txPr/>
+    <dgm:style>
+      <a:lnRef idx="2">
+        <a:scrgbClr r="0" g="0" b="0"/>
+      </a:lnRef>
+      <a:fillRef idx="1">
+        <a:scrgbClr r="0" g="0" b="0"/>
+      </a:fillRef>
+      <a:effectRef idx="0">
+        <a:scrgbClr r="0" g="0" b="0"/>
+      </a:effectRef>
+      <a:fontRef idx="minor">
+        <a:schemeClr val="lt1"/>
+      </a:fontRef>
+    </dgm:style>
+  </dgm:styleLbl>
+  <dgm:styleLbl name="parChTrans2D1">
+    <dgm:scene3d>
+      <a:camera prst="orthographicFront"/>
+      <a:lightRig rig="threePt" dir="t"/>
+    </dgm:scene3d>
+    <dgm:sp3d/>
+    <dgm:txPr/>
+    <dgm:style>
+      <a:lnRef idx="2">
+        <a:scrgbClr r="0" g="0" b="0"/>
+      </a:lnRef>
+      <a:fillRef idx="1">
+        <a:scrgbClr r="0" g="0" b="0"/>
+      </a:fillRef>
+      <a:effectRef idx="0">
+        <a:scrgbClr r="0" g="0" b="0"/>
+      </a:effectRef>
+      <a:fontRef idx="minor">
+        <a:schemeClr val="lt1"/>
+      </a:fontRef>
+    </dgm:style>
+  </dgm:styleLbl>
+  <dgm:styleLbl name="parChTrans2D2">
+    <dgm:scene3d>
+      <a:camera prst="orthographicFront"/>
+      <a:lightRig rig="threePt" dir="t"/>
+    </dgm:scene3d>
+    <dgm:sp3d/>
+    <dgm:txPr/>
+    <dgm:style>
+      <a:lnRef idx="2">
+        <a:scrgbClr r="0" g="0" b="0"/>
+      </a:lnRef>
+      <a:fillRef idx="1">
+        <a:scrgbClr r="0" g="0" b="0"/>
+      </a:fillRef>
+      <a:effectRef idx="0">
+        <a:scrgbClr r="0" g="0" b="0"/>
+      </a:effectRef>
+      <a:fontRef idx="minor">
+        <a:schemeClr val="lt1"/>
+      </a:fontRef>
+    </dgm:style>
+  </dgm:styleLbl>
+  <dgm:styleLbl name="parChTrans2D3">
+    <dgm:scene3d>
+      <a:camera prst="orthographicFront"/>
+      <a:lightRig rig="threePt" dir="t"/>
+    </dgm:scene3d>
+    <dgm:sp3d/>
+    <dgm:txPr/>
+    <dgm:style>
+      <a:lnRef idx="2">
+        <a:scrgbClr r="0" g="0" b="0"/>
+      </a:lnRef>
+      <a:fillRef idx="1">
+        <a:scrgbClr r="0" g="0" b="0"/>
+      </a:fillRef>
+      <a:effectRef idx="0">
+        <a:scrgbClr r="0" g="0" b="0"/>
+      </a:effectRef>
+      <a:fontRef idx="minor">
+        <a:schemeClr val="lt1"/>
+      </a:fontRef>
+    </dgm:style>
+  </dgm:styleLbl>
+  <dgm:styleLbl name="parChTrans2D4">
+    <dgm:scene3d>
+      <a:camera prst="orthographicFront"/>
+      <a:lightRig rig="threePt" dir="t"/>
+    </dgm:scene3d>
+    <dgm:sp3d/>
+    <dgm:txPr/>
+    <dgm:style>
+      <a:lnRef idx="2">
+        <a:scrgbClr r="0" g="0" b="0"/>
+      </a:lnRef>
+      <a:fillRef idx="1">
+        <a:scrgbClr r="0" g="0" b="0"/>
+      </a:fillRef>
+      <a:effectRef idx="0">
+        <a:scrgbClr r="0" g="0" b="0"/>
+      </a:effectRef>
+      <a:fontRef idx="minor">
+        <a:schemeClr val="lt1"/>
+      </a:fontRef>
+    </dgm:style>
+  </dgm:styleLbl>
+  <dgm:styleLbl name="parChTrans1D1">
+    <dgm:scene3d>
+      <a:camera prst="orthographicFront"/>
+      <a:lightRig rig="threePt" dir="t"/>
+    </dgm:scene3d>
+    <dgm:sp3d/>
+    <dgm:txPr/>
+    <dgm:style>
+      <a:lnRef idx="2">
+        <a:scrgbClr r="0" g="0" b="0"/>
+      </a:lnRef>
+      <a:fillRef idx="0">
+        <a:scrgbClr r="0" g="0" b="0"/>
+      </a:fillRef>
+      <a:effectRef idx="0">
+        <a:scrgbClr r="0" g="0" b="0"/>
+      </a:effectRef>
+      <a:fontRef idx="minor"/>
+    </dgm:style>
+  </dgm:styleLbl>
+  <dgm:styleLbl name="parChTrans1D2">
+    <dgm:scene3d>
+      <a:camera prst="orthographicFront"/>
+      <a:lightRig rig="threePt" dir="t"/>
+    </dgm:scene3d>
+    <dgm:sp3d/>
+    <dgm:txPr/>
+    <dgm:style>
+      <a:lnRef idx="2">
+        <a:scrgbClr r="0" g="0" b="0"/>
+      </a:lnRef>
+      <a:fillRef idx="0">
+        <a:scrgbClr r="0" g="0" b="0"/>
+      </a:fillRef>
+      <a:effectRef idx="0">
+        <a:scrgbClr r="0" g="0" b="0"/>
+      </a:effectRef>
+      <a:fontRef idx="minor"/>
+    </dgm:style>
+  </dgm:styleLbl>
+  <dgm:styleLbl name="parChTrans1D3">
+    <dgm:scene3d>
+      <a:camera prst="orthographicFront"/>
+      <a:lightRig rig="threePt" dir="t"/>
+    </dgm:scene3d>
+    <dgm:sp3d/>
+    <dgm:txPr/>
+    <dgm:style>
+      <a:lnRef idx="2">
+        <a:scrgbClr r="0" g="0" b="0"/>
+      </a:lnRef>
+      <a:fillRef idx="0">
+        <a:scrgbClr r="0" g="0" b="0"/>
+      </a:fillRef>
+      <a:effectRef idx="0">
+        <a:scrgbClr r="0" g="0" b="0"/>
+      </a:effectRef>
+      <a:fontRef idx="minor"/>
+    </dgm:style>
+  </dgm:styleLbl>
+  <dgm:styleLbl name="parChTrans1D4">
+    <dgm:scene3d>
+      <a:camera prst="orthographicFront"/>
+      <a:lightRig rig="threePt" dir="t"/>
+    </dgm:scene3d>
+    <dgm:sp3d/>
+    <dgm:txPr/>
+    <dgm:style>
+      <a:lnRef idx="2">
+        <a:scrgbClr r="0" g="0" b="0"/>
+      </a:lnRef>
+      <a:fillRef idx="0">
+        <a:scrgbClr r="0" g="0" b="0"/>
+      </a:fillRef>
+      <a:effectRef idx="0">
+        <a:scrgbClr r="0" g="0" b="0"/>
+      </a:effectRef>
+      <a:fontRef idx="minor"/>
+    </dgm:style>
+  </dgm:styleLbl>
+  <dgm:styleLbl name="fgAcc1">
+    <dgm:scene3d>
+      <a:camera prst="orthographicFront"/>
+      <a:lightRig rig="threePt" dir="t"/>
+    </dgm:scene3d>
+    <dgm:sp3d/>
+    <dgm:txPr/>
+    <dgm:style>
+      <a:lnRef idx="2">
+        <a:scrgbClr r="0" g="0" b="0"/>
+      </a:lnRef>
+      <a:fillRef idx="1">
+        <a:scrgbClr r="0" g="0" b="0"/>
+      </a:fillRef>
+      <a:effectRef idx="0">
+        <a:scrgbClr r="0" g="0" b="0"/>
+      </a:effectRef>
+      <a:fontRef idx="minor"/>
+    </dgm:style>
+  </dgm:styleLbl>
+  <dgm:styleLbl name="conFgAcc1">
+    <dgm:scene3d>
+      <a:camera prst="orthographicFront"/>
+      <a:lightRig rig="threePt" dir="t"/>
+    </dgm:scene3d>
+    <dgm:sp3d/>
+    <dgm:txPr/>
+    <dgm:style>
+      <a:lnRef idx="2">
+        <a:scrgbClr r="0" g="0" b="0"/>
+      </a:lnRef>
+      <a:fillRef idx="1">
+        <a:scrgbClr r="0" g="0" b="0"/>
+      </a:fillRef>
+      <a:effectRef idx="0">
+        <a:scrgbClr r="0" g="0" b="0"/>
+      </a:effectRef>
+      <a:fontRef idx="minor"/>
+    </dgm:style>
+  </dgm:styleLbl>
+  <dgm:styleLbl name="alignAcc1">
+    <dgm:scene3d>
+      <a:camera prst="orthographicFront"/>
+      <a:lightRig rig="threePt" dir="t"/>
+    </dgm:scene3d>
+    <dgm:sp3d/>
+    <dgm:txPr/>
+    <dgm:style>
+      <a:lnRef idx="2">
+        <a:scrgbClr r="0" g="0" b="0"/>
+      </a:lnRef>
+      <a:fillRef idx="1">
+        <a:scrgbClr r="0" g="0" b="0"/>
+      </a:fillRef>
+      <a:effectRef idx="0">
+        <a:scrgbClr r="0" g="0" b="0"/>
+      </a:effectRef>
+      <a:fontRef idx="minor"/>
+    </dgm:style>
+  </dgm:styleLbl>
+  <dgm:styleLbl name="trAlignAcc1">
+    <dgm:scene3d>
+      <a:camera prst="orthographicFront"/>
+      <a:lightRig rig="threePt" dir="t"/>
+    </dgm:scene3d>
+    <dgm:sp3d/>
+    <dgm:txPr/>
+    <dgm:style>
+      <a:lnRef idx="1">
+        <a:scrgbClr r="0" g="0" b="0"/>
+      </a:lnRef>
+      <a:fillRef idx="1">
+        <a:scrgbClr r="0" g="0" b="0"/>
+      </a:fillRef>
+      <a:effectRef idx="0">
+        <a:scrgbClr r="0" g="0" b="0"/>
+      </a:effectRef>
+      <a:fontRef idx="minor"/>
+    </dgm:style>
+  </dgm:styleLbl>
+  <dgm:styleLbl name="bgAcc1">
+    <dgm:scene3d>
+      <a:camera prst="orthographicFront"/>
+      <a:lightRig rig="threePt" dir="t"/>
+    </dgm:scene3d>
+    <dgm:sp3d/>
+    <dgm:txPr/>
+    <dgm:style>
+      <a:lnRef idx="2">
+        <a:scrgbClr r="0" g="0" b="0"/>
+      </a:lnRef>
+      <a:fillRef idx="1">
+        <a:scrgbClr r="0" g="0" b="0"/>
+      </a:fillRef>
+      <a:effectRef idx="0">
+        <a:scrgbClr r="0" g="0" b="0"/>
+      </a:effectRef>
+      <a:fontRef idx="minor"/>
+    </dgm:style>
+  </dgm:styleLbl>
+  <dgm:styleLbl name="solidFgAcc1">
+    <dgm:scene3d>
+      <a:camera prst="orthographicFront"/>
+      <a:lightRig rig="threePt" dir="t"/>
+    </dgm:scene3d>
+    <dgm:sp3d/>
+    <dgm:txPr/>
+    <dgm:style>
+      <a:lnRef idx="2">
+        <a:scrgbClr r="0" g="0" b="0"/>
+      </a:lnRef>
+      <a:fillRef idx="1">
+        <a:scrgbClr r="0" g="0" b="0"/>
+      </a:fillRef>
+      <a:effectRef idx="0">
+        <a:scrgbClr r="0" g="0" b="0"/>
+      </a:effectRef>
+      <a:fontRef idx="minor"/>
+    </dgm:style>
+  </dgm:styleLbl>
+  <dgm:styleLbl name="solidAlignAcc1">
+    <dgm:scene3d>
+      <a:camera prst="orthographicFront"/>
+      <a:lightRig rig="threePt" dir="t"/>
+    </dgm:scene3d>
+    <dgm:sp3d/>
+    <dgm:txPr/>
+    <dgm:style>
+      <a:lnRef idx="2">
+        <a:scrgbClr r="0" g="0" b="0"/>
+      </a:lnRef>
+      <a:fillRef idx="1">
+        <a:scrgbClr r="0" g="0" b="0"/>
+      </a:fillRef>
+      <a:effectRef idx="0">
+        <a:scrgbClr r="0" g="0" b="0"/>
+      </a:effectRef>
+      <a:fontRef idx="minor"/>
+    </dgm:style>
+  </dgm:styleLbl>
+  <dgm:styleLbl name="solidBgAcc1">
+    <dgm:scene3d>
+      <a:camera prst="orthographicFront"/>
+      <a:lightRig rig="threePt" dir="t"/>
+    </dgm:scene3d>
+    <dgm:sp3d/>
+    <dgm:txPr/>
+    <dgm:style>
+      <a:lnRef idx="2">
+        <a:scrgbClr r="0" g="0" b="0"/>
+      </a:lnRef>
+      <a:fillRef idx="1">
+        <a:scrgbClr r="0" g="0" b="0"/>
+      </a:fillRef>
+      <a:effectRef idx="0">
+        <a:scrgbClr r="0" g="0" b="0"/>
+      </a:effectRef>
+      <a:fontRef idx="minor"/>
+    </dgm:style>
+  </dgm:styleLbl>
+  <dgm:styleLbl name="fgAccFollowNode1">
+    <dgm:scene3d>
+      <a:camera prst="orthographicFront"/>
+      <a:lightRig rig="threePt" dir="t"/>
+    </dgm:scene3d>
+    <dgm:sp3d/>
+    <dgm:txPr/>
+    <dgm:style>
+      <a:lnRef idx="2">
+        <a:scrgbClr r="0" g="0" b="0"/>
+      </a:lnRef>
+      <a:fillRef idx="1">
+        <a:scrgbClr r="0" g="0" b="0"/>
+      </a:fillRef>
+      <a:effectRef idx="0">
+        <a:scrgbClr r="0" g="0" b="0"/>
+      </a:effectRef>
+      <a:fontRef idx="minor"/>
+    </dgm:style>
+  </dgm:styleLbl>
+  <dgm:styleLbl name="alignAccFollowNode1">
+    <dgm:scene3d>
+      <a:camera prst="orthographicFront"/>
+      <a:lightRig rig="threePt" dir="t"/>
+    </dgm:scene3d>
+    <dgm:sp3d/>
+    <dgm:txPr/>
+    <dgm:style>
+      <a:lnRef idx="2">
+        <a:scrgbClr r="0" g="0" b="0"/>
+      </a:lnRef>
+      <a:fillRef idx="1">
+        <a:scrgbClr r="0" g="0" b="0"/>
+      </a:fillRef>
+      <a:effectRef idx="0">
+        <a:scrgbClr r="0" g="0" b="0"/>
+      </a:effectRef>
+      <a:fontRef idx="minor"/>
+    </dgm:style>
+  </dgm:styleLbl>
+  <dgm:styleLbl name="bgAccFollowNode1">
+    <dgm:scene3d>
+      <a:camera prst="orthographicFront"/>
+      <a:lightRig rig="threePt" dir="t"/>
+    </dgm:scene3d>
+    <dgm:sp3d/>
+    <dgm:txPr/>
+    <dgm:style>
+      <a:lnRef idx="2">
+        <a:scrgbClr r="0" g="0" b="0"/>
+      </a:lnRef>
+      <a:fillRef idx="1">
+        <a:scrgbClr r="0" g="0" b="0"/>
+      </a:fillRef>
+      <a:effectRef idx="0">
+        <a:scrgbClr r="0" g="0" b="0"/>
+      </a:effectRef>
+      <a:fontRef idx="minor"/>
+    </dgm:style>
+  </dgm:styleLbl>
+  <dgm:styleLbl name="fgAcc0">
+    <dgm:scene3d>
+      <a:camera prst="orthographicFront"/>
+      <a:lightRig rig="threePt" dir="t"/>
+    </dgm:scene3d>
+    <dgm:sp3d/>
+    <dgm:txPr/>
+    <dgm:style>
+      <a:lnRef idx="2">
+        <a:scrgbClr r="0" g="0" b="0"/>
+      </a:lnRef>
+      <a:fillRef idx="1">
+        <a:scrgbClr r="0" g="0" b="0"/>
+      </a:fillRef>
+      <a:effectRef idx="0">
+        <a:scrgbClr r="0" g="0" b="0"/>
+      </a:effectRef>
+      <a:fontRef idx="minor"/>
+    </dgm:style>
+  </dgm:styleLbl>
+  <dgm:styleLbl name="fgAcc2">
+    <dgm:scene3d>
+      <a:camera prst="orthographicFront"/>
+      <a:lightRig rig="threePt" dir="t"/>
+    </dgm:scene3d>
+    <dgm:sp3d/>
+    <dgm:txPr/>
+    <dgm:style>
+      <a:lnRef idx="2">
+        <a:scrgbClr r="0" g="0" b="0"/>
+      </a:lnRef>
+      <a:fillRef idx="1">
+        <a:scrgbClr r="0" g="0" b="0"/>
+      </a:fillRef>
+      <a:effectRef idx="0">
+        <a:scrgbClr r="0" g="0" b="0"/>
+      </a:effectRef>
+      <a:fontRef idx="minor"/>
+    </dgm:style>
+  </dgm:styleLbl>
+  <dgm:styleLbl name="fgAcc3">
+    <dgm:scene3d>
+      <a:camera prst="orthographicFront"/>
+      <a:lightRig rig="threePt" dir="t"/>
+    </dgm:scene3d>
+    <dgm:sp3d/>
+    <dgm:txPr/>
+    <dgm:style>
+      <a:lnRef idx="2">
+        <a:scrgbClr r="0" g="0" b="0"/>
+      </a:lnRef>
+      <a:fillRef idx="1">
+        <a:scrgbClr r="0" g="0" b="0"/>
+      </a:fillRef>
+      <a:effectRef idx="0">
+        <a:scrgbClr r="0" g="0" b="0"/>
+      </a:effectRef>
+      <a:fontRef idx="minor"/>
+    </dgm:style>
+  </dgm:styleLbl>
+  <dgm:styleLbl name="fgAcc4">
+    <dgm:scene3d>
+      <a:camera prst="orthographicFront"/>
+      <a:lightRig rig="threePt" dir="t"/>
+    </dgm:scene3d>
+    <dgm:sp3d/>
+    <dgm:txPr/>
+    <dgm:style>
+      <a:lnRef idx="2">
+        <a:scrgbClr r="0" g="0" b="0"/>
+      </a:lnRef>
+      <a:fillRef idx="1">
+        <a:scrgbClr r="0" g="0" b="0"/>
+      </a:fillRef>
+      <a:effectRef idx="0">
+        <a:scrgbClr r="0" g="0" b="0"/>
+      </a:effectRef>
+      <a:fontRef idx="minor"/>
+    </dgm:style>
+  </dgm:styleLbl>
+  <dgm:styleLbl name="bgShp">
+    <dgm:scene3d>
+      <a:camera prst="orthographicFront"/>
+      <a:lightRig rig="threePt" dir="t"/>
+    </dgm:scene3d>
+    <dgm:sp3d/>
+    <dgm:txPr/>
+    <dgm:style>
+      <a:lnRef idx="0">
+        <a:scrgbClr r="0" g="0" b="0"/>
+      </a:lnRef>
+      <a:fillRef idx="1">
+        <a:scrgbClr r="0" g="0" b="0"/>
+      </a:fillRef>
+      <a:effectRef idx="0">
+        <a:scrgbClr r="0" g="0" b="0"/>
+      </a:effectRef>
+      <a:fontRef idx="minor"/>
+    </dgm:style>
+  </dgm:styleLbl>
+  <dgm:styleLbl name="dkBgShp">
+    <dgm:scene3d>
+      <a:camera prst="orthographicFront"/>
+      <a:lightRig rig="threePt" dir="t"/>
+    </dgm:scene3d>
+    <dgm:sp3d/>
+    <dgm:txPr/>
+    <dgm:style>
+      <a:lnRef idx="0">
+        <a:scrgbClr r="0" g="0" b="0"/>
+      </a:lnRef>
+      <a:fillRef idx="1">
+        <a:scrgbClr r="0" g="0" b="0"/>
+      </a:fillRef>
+      <a:effectRef idx="0">
+        <a:scrgbClr r="0" g="0" b="0"/>
+      </a:effectRef>
+      <a:fontRef idx="minor"/>
+    </dgm:style>
+  </dgm:styleLbl>
+  <dgm:styleLbl name="trBgShp">
+    <dgm:scene3d>
+      <a:camera prst="orthographicFront"/>
+      <a:lightRig rig="threePt" dir="t"/>
+    </dgm:scene3d>
+    <dgm:sp3d/>
+    <dgm:txPr/>
+    <dgm:style>
+      <a:lnRef idx="0">
+        <a:scrgbClr r="0" g="0" b="0"/>
+      </a:lnRef>
+      <a:fillRef idx="1">
+        <a:scrgbClr r="0" g="0" b="0"/>
+      </a:fillRef>
+      <a:effectRef idx="0">
+        <a:scrgbClr r="0" g="0" b="0"/>
+      </a:effectRef>
+      <a:fontRef idx="minor"/>
+    </dgm:style>
+  </dgm:styleLbl>
+  <dgm:styleLbl name="fgShp">
+    <dgm:scene3d>
+      <a:camera prst="orthographicFront"/>
+      <a:lightRig rig="threePt" dir="t"/>
+    </dgm:scene3d>
+    <dgm:sp3d/>
+    <dgm:txPr/>
+    <dgm:style>
+      <a:lnRef idx="2">
+        <a:scrgbClr r="0" g="0" b="0"/>
+      </a:lnRef>
+      <a:fillRef idx="1">
+        <a:scrgbClr r="0" g="0" b="0"/>
+      </a:fillRef>
+      <a:effectRef idx="0">
+        <a:scrgbClr r="0" g="0" b="0"/>
+      </a:effectRef>
+      <a:fontRef idx="minor"/>
+    </dgm:style>
+  </dgm:styleLbl>
+  <dgm:styleLbl name="revTx">
+    <dgm:scene3d>
+      <a:camera prst="orthographicFront"/>
+      <a:lightRig rig="threePt" dir="t"/>
+    </dgm:scene3d>
+    <dgm:sp3d/>
+    <dgm:txPr/>
+    <dgm:style>
+      <a:lnRef idx="0">
+        <a:scrgbClr r="0" g="0" b="0"/>
+      </a:lnRef>
+      <a:fillRef idx="0">
+        <a:scrgbClr r="0" g="0" b="0"/>
+      </a:fillRef>
+      <a:effectRef idx="0">
+        <a:scrgbClr r="0" g="0" b="0"/>
+      </a:effectRef>
+      <a:fontRef idx="minor"/>
+    </dgm:style>
+  </dgm:styleLbl>
+</dgm:styleDef>
 </file>
 
 <file path=ppt/notesMasters/notesMaster1.xml><?xml version="1.0" encoding="utf-8"?>
@@ -132,7 +4071,7 @@
           <a:p>
             <a:fld id="{DF72D1E3-4C5F-416B-82F4-05E153DB2B2B}" type="datetimeFigureOut">
               <a:rPr lang="ru-RU" smtClean="0"/>
-              <a:t>26.05.2025</a:t>
+              <a:t>28.05.2025</a:t>
             </a:fld>
             <a:endParaRPr lang="ru-RU"/>
           </a:p>
@@ -571,6 +4510,93 @@
     </p:spTree>
     <p:extLst>
       <p:ext uri="{BB962C8B-B14F-4D97-AF65-F5344CB8AC3E}">
+        <p14:creationId xmlns:p14="http://schemas.microsoft.com/office/powerpoint/2010/main" val="2423073363"/>
+      </p:ext>
+    </p:extLst>
+  </p:cSld>
+  <p:clrMapOvr>
+    <a:masterClrMapping/>
+  </p:clrMapOvr>
+</p:notes>
+</file>
+
+<file path=ppt/notesSlides/notesSlide11.xml><?xml version="1.0" encoding="utf-8"?>
+<p:notes xmlns:a="http://schemas.openxmlformats.org/drawingml/2006/main" xmlns:r="http://schemas.openxmlformats.org/officeDocument/2006/relationships" xmlns:p="http://schemas.openxmlformats.org/presentationml/2006/main">
+  <p:cSld>
+    <p:spTree>
+      <p:nvGrpSpPr>
+        <p:cNvPr id="1" name=""/>
+        <p:cNvGrpSpPr/>
+        <p:nvPr/>
+      </p:nvGrpSpPr>
+      <p:grpSpPr>
+        <a:xfrm>
+          <a:off x="0" y="0"/>
+          <a:ext cx="0" cy="0"/>
+          <a:chOff x="0" y="0"/>
+          <a:chExt cx="0" cy="0"/>
+        </a:xfrm>
+      </p:grpSpPr>
+      <p:sp>
+        <p:nvSpPr>
+          <p:cNvPr id="2" name="Образ слайда 1"/>
+          <p:cNvSpPr>
+            <a:spLocks noGrp="1" noRot="1" noChangeAspect="1"/>
+          </p:cNvSpPr>
+          <p:nvPr>
+            <p:ph type="sldImg"/>
+          </p:nvPr>
+        </p:nvSpPr>
+        <p:spPr/>
+      </p:sp>
+      <p:sp>
+        <p:nvSpPr>
+          <p:cNvPr id="3" name="Заметки 2"/>
+          <p:cNvSpPr>
+            <a:spLocks noGrp="1"/>
+          </p:cNvSpPr>
+          <p:nvPr>
+            <p:ph type="body" idx="1"/>
+          </p:nvPr>
+        </p:nvSpPr>
+        <p:spPr/>
+        <p:txBody>
+          <a:bodyPr/>
+          <a:lstStyle/>
+          <a:p>
+            <a:r>
+              <a:rPr lang="ru-RU" dirty="0"/>
+              <a:t>На слайде представлены примеры использования системы мониторинга. В результате помимо отображения таблицы были реализованы две важных операции, а именно сортировка и фильтрации. Данные операции являются обязательными для каждой таблицы, так как они значительно улучшают опыт пользователя с инструментом визуализации.</a:t>
+            </a:r>
+          </a:p>
+        </p:txBody>
+      </p:sp>
+      <p:sp>
+        <p:nvSpPr>
+          <p:cNvPr id="4" name="Номер слайда 3"/>
+          <p:cNvSpPr>
+            <a:spLocks noGrp="1"/>
+          </p:cNvSpPr>
+          <p:nvPr>
+            <p:ph type="sldNum" sz="quarter" idx="5"/>
+          </p:nvPr>
+        </p:nvSpPr>
+        <p:spPr/>
+        <p:txBody>
+          <a:bodyPr/>
+          <a:lstStyle/>
+          <a:p>
+            <a:fld id="{88284CDB-7C0C-42AA-A512-672142C2910C}" type="slidenum">
+              <a:rPr lang="ru-RU" smtClean="0"/>
+              <a:t>15</a:t>
+            </a:fld>
+            <a:endParaRPr lang="ru-RU"/>
+          </a:p>
+        </p:txBody>
+      </p:sp>
+    </p:spTree>
+    <p:extLst>
+      <p:ext uri="{BB962C8B-B14F-4D97-AF65-F5344CB8AC3E}">
         <p14:creationId xmlns:p14="http://schemas.microsoft.com/office/powerpoint/2010/main" val="2773770145"/>
       </p:ext>
     </p:extLst>
@@ -1573,7 +5599,7 @@
           <a:p>
             <a:fld id="{1D8BD707-D9CF-40AE-B4C6-C98DA3205C09}" type="datetimeFigureOut">
               <a:rPr lang="en-US"/>
-              <a:t>5/26/2025</a:t>
+              <a:t>5/28/2025</a:t>
             </a:fld>
             <a:endParaRPr lang="en-US"/>
           </a:p>
@@ -1770,7 +5796,7 @@
           <a:p>
             <a:fld id="{1D8BD707-D9CF-40AE-B4C6-C98DA3205C09}" type="datetimeFigureOut">
               <a:rPr lang="en-US"/>
-              <a:t>5/26/2025</a:t>
+              <a:t>5/28/2025</a:t>
             </a:fld>
             <a:endParaRPr lang="en-US"/>
           </a:p>
@@ -2004,7 +6030,7 @@
           <a:p>
             <a:fld id="{1D8BD707-D9CF-40AE-B4C6-C98DA3205C09}" type="datetimeFigureOut">
               <a:rPr lang="en-US"/>
-              <a:t>5/26/2025</a:t>
+              <a:t>5/28/2025</a:t>
             </a:fld>
             <a:endParaRPr lang="en-US"/>
           </a:p>
@@ -2172,7 +6198,7 @@
           <a:p>
             <a:fld id="{1D8BD707-D9CF-40AE-B4C6-C98DA3205C09}" type="datetimeFigureOut">
               <a:rPr lang="en-US"/>
-              <a:t>5/26/2025</a:t>
+              <a:t>5/28/2025</a:t>
             </a:fld>
             <a:endParaRPr lang="en-US"/>
           </a:p>
@@ -2319,7 +6345,7 @@
           <a:p>
             <a:fld id="{1D8BD707-D9CF-40AE-B4C6-C98DA3205C09}" type="datetimeFigureOut">
               <a:rPr lang="en-US"/>
-              <a:t>5/26/2025</a:t>
+              <a:t>5/28/2025</a:t>
             </a:fld>
             <a:endParaRPr lang="en-US"/>
           </a:p>
@@ -2586,7 +6612,7 @@
           <a:p>
             <a:fld id="{1D8BD707-D9CF-40AE-B4C6-C98DA3205C09}" type="datetimeFigureOut">
               <a:rPr lang="en-US"/>
-              <a:t>5/26/2025</a:t>
+              <a:t>5/28/2025</a:t>
             </a:fld>
             <a:endParaRPr lang="en-US"/>
           </a:p>
@@ -3370,7 +7396,7 @@
             </a:pPr>
             <a:r>
               <a:rPr lang="ru-RU" spc="-80" dirty="0"/>
-              <a:t>Сериализация сетевых пакетов </a:t>
+              <a:t>Исследование сериализации сетевых пакетов </a:t>
             </a:r>
             <a:endParaRPr spc="-25" dirty="0"/>
           </a:p>
@@ -3382,7 +7408,7 @@
             </a:pPr>
             <a:r>
               <a:rPr lang="ru-RU" sz="900" spc="-10" dirty="0"/>
-              <a:t>Пример данных сетевого пакета для сериализации</a:t>
+              <a:t> Пример данных сетевого пакета для сериализации</a:t>
             </a:r>
             <a:endParaRPr sz="900" dirty="0"/>
           </a:p>
@@ -3502,8 +7528,8 @@
               <a:t>1</a:t>
             </a:r>
             <a:r>
-              <a:rPr lang="en-US" spc="-35" dirty="0"/>
-              <a:t>5</a:t>
+              <a:rPr lang="ru-RU" spc="-35" dirty="0"/>
+              <a:t>6</a:t>
             </a:r>
             <a:endParaRPr spc="-35" dirty="0"/>
           </a:p>
@@ -4174,7 +8200,7 @@
             </a:pPr>
             <a:r>
               <a:rPr lang="ru-RU" sz="900" spc="-10" dirty="0"/>
-              <a:t>Представление в памяти и производительность</a:t>
+              <a:t> Представление в памяти и производительность</a:t>
             </a:r>
             <a:endParaRPr sz="900" dirty="0"/>
           </a:p>
@@ -4294,8 +8320,8 @@
               <a:t>1</a:t>
             </a:r>
             <a:r>
-              <a:rPr lang="en-US" spc="-35" dirty="0"/>
-              <a:t>5</a:t>
+              <a:rPr lang="ru-RU" spc="-35" dirty="0"/>
+              <a:t>6</a:t>
             </a:r>
             <a:endParaRPr spc="-35" dirty="0"/>
           </a:p>
@@ -5212,6 +9238,10 @@
               </a:lnSpc>
             </a:pPr>
             <a:r>
+              <a:rPr lang="ru-RU" sz="900" spc="-10" dirty="0"/>
+              <a:t> </a:t>
+            </a:r>
+            <a:r>
               <a:rPr sz="900" spc="-10" dirty="0"/>
               <a:t>Описание</a:t>
             </a:r>
@@ -5337,8 +9367,8 @@
               <a:t>1</a:t>
             </a:r>
             <a:r>
-              <a:rPr lang="en-US" spc="-35" dirty="0"/>
-              <a:t>5</a:t>
+              <a:rPr lang="ru-RU" spc="-35" dirty="0"/>
+              <a:t>6</a:t>
             </a:r>
             <a:endParaRPr spc="-35" dirty="0"/>
           </a:p>
@@ -6190,7 +10220,7 @@
             </a:pPr>
             <a:r>
               <a:rPr lang="ru-RU" sz="900" spc="-50" dirty="0"/>
-              <a:t>Интерфейс разработанной программы для мониторинга серверов</a:t>
+              <a:t> Интерфейс разработанной программы для мониторинга серверов</a:t>
             </a:r>
             <a:endParaRPr lang="ru-RU" sz="900" dirty="0"/>
           </a:p>
@@ -6310,8 +10340,8 @@
               <a:t>1</a:t>
             </a:r>
             <a:r>
-              <a:rPr lang="en-US" spc="-35" dirty="0"/>
-              <a:t>5</a:t>
+              <a:rPr lang="ru-RU" spc="-35" dirty="0"/>
+              <a:t>6</a:t>
             </a:r>
             <a:endParaRPr spc="-35" dirty="0"/>
           </a:p>
@@ -6666,7 +10696,7 @@
         <p:spPr>
           <a:xfrm>
             <a:off x="203300" y="154913"/>
-            <a:ext cx="3898800" cy="310534"/>
+            <a:ext cx="3898800" cy="319318"/>
           </a:xfrm>
           <a:prstGeom prst="rect">
             <a:avLst/>
@@ -6687,13 +10717,14 @@
               </a:spcBef>
             </a:pPr>
             <a:r>
-              <a:rPr lang="ru-RU" spc="-10" dirty="0">
-                <a:highlight>
-                  <a:srgbClr val="FFFF00"/>
-                </a:highlight>
-              </a:rPr>
-              <a:t>Трудоемкость и реализованные задачи</a:t>
-            </a:r>
+              <a:rPr lang="ru-RU" spc="-10" dirty="0"/>
+              <a:t>Этапы разработки системы</a:t>
+            </a:r>
+            <a:endParaRPr lang="ru-RU" spc="-10" dirty="0">
+              <a:highlight>
+                <a:srgbClr val="FFFF00"/>
+              </a:highlight>
+            </a:endParaRPr>
           </a:p>
           <a:p>
             <a:pPr marL="154305">
@@ -6702,12 +10733,12 @@
               </a:lnSpc>
             </a:pPr>
             <a:r>
-              <a:rPr lang="ru-RU" sz="900" spc="-50" dirty="0">
-                <a:highlight>
-                  <a:srgbClr val="FFFF00"/>
-                </a:highlight>
-              </a:rPr>
-              <a:t>Компромисс между безопасностью, удобством и контролем ресурсов</a:t>
+              <a:rPr lang="ru-RU" sz="800" dirty="0"/>
+              <a:t> </a:t>
+            </a:r>
+            <a:r>
+              <a:rPr lang="ru-RU" sz="900" dirty="0"/>
+              <a:t>Выбор архитектурных решений на основе исследований</a:t>
             </a:r>
             <a:endParaRPr lang="ru-RU" sz="900" dirty="0">
               <a:highlight>
@@ -6831,13 +10862,1204 @@
               <a:t>1</a:t>
             </a:r>
             <a:r>
-              <a:rPr lang="en-US" spc="-35" dirty="0"/>
-              <a:t>5</a:t>
+              <a:rPr lang="ru-RU" spc="-35" dirty="0"/>
+              <a:t>6</a:t>
             </a:r>
             <a:endParaRPr spc="-35" dirty="0"/>
           </a:p>
         </p:txBody>
       </p:sp>
+      <mc:AlternateContent xmlns:mc="http://schemas.openxmlformats.org/markup-compatibility/2006">
+        <mc:Choice xmlns:a14="http://schemas.microsoft.com/office/drawing/2010/main" Requires="a14">
+          <p:graphicFrame>
+            <p:nvGraphicFramePr>
+              <p:cNvPr id="6" name="Таблица 7">
+                <a:extLst>
+                  <a:ext uri="{FF2B5EF4-FFF2-40B4-BE49-F238E27FC236}">
+                    <a16:creationId xmlns:a16="http://schemas.microsoft.com/office/drawing/2014/main" id="{67981D1A-1C3D-4335-8029-E5826BDCB843}"/>
+                  </a:ext>
+                </a:extLst>
+              </p:cNvPr>
+              <p:cNvGraphicFramePr>
+                <a:graphicFrameLocks noGrp="1"/>
+              </p:cNvGraphicFramePr>
+              <p:nvPr>
+                <p:extLst>
+                  <p:ext uri="{D42A27DB-BD31-4B8C-83A1-F6EECF244321}">
+                    <p14:modId xmlns:p14="http://schemas.microsoft.com/office/powerpoint/2010/main" val="816165611"/>
+                  </p:ext>
+                </p:extLst>
+              </p:nvPr>
+            </p:nvGraphicFramePr>
+            <p:xfrm>
+              <a:off x="697568" y="580182"/>
+              <a:ext cx="4370664" cy="2443480"/>
+            </p:xfrm>
+            <a:graphic>
+              <a:graphicData uri="http://schemas.openxmlformats.org/drawingml/2006/table">
+                <a:tbl>
+                  <a:tblPr firstRow="1" bandRow="1">
+                    <a:tableStyleId>{5C22544A-7EE6-4342-B048-85BDC9FD1C3A}</a:tableStyleId>
+                  </a:tblPr>
+                  <a:tblGrid>
+                    <a:gridCol w="1092666">
+                      <a:extLst>
+                        <a:ext uri="{9D8B030D-6E8A-4147-A177-3AD203B41FA5}">
+                          <a16:colId xmlns:a16="http://schemas.microsoft.com/office/drawing/2014/main" val="3255032339"/>
+                        </a:ext>
+                      </a:extLst>
+                    </a:gridCol>
+                    <a:gridCol w="1092666">
+                      <a:extLst>
+                        <a:ext uri="{9D8B030D-6E8A-4147-A177-3AD203B41FA5}">
+                          <a16:colId xmlns:a16="http://schemas.microsoft.com/office/drawing/2014/main" val="3000018748"/>
+                        </a:ext>
+                      </a:extLst>
+                    </a:gridCol>
+                    <a:gridCol w="1092666">
+                      <a:extLst>
+                        <a:ext uri="{9D8B030D-6E8A-4147-A177-3AD203B41FA5}">
+                          <a16:colId xmlns:a16="http://schemas.microsoft.com/office/drawing/2014/main" val="1515478931"/>
+                        </a:ext>
+                      </a:extLst>
+                    </a:gridCol>
+                    <a:gridCol w="1092666">
+                      <a:extLst>
+                        <a:ext uri="{9D8B030D-6E8A-4147-A177-3AD203B41FA5}">
+                          <a16:colId xmlns:a16="http://schemas.microsoft.com/office/drawing/2014/main" val="26288016"/>
+                        </a:ext>
+                      </a:extLst>
+                    </a:gridCol>
+                  </a:tblGrid>
+                  <a:tr h="370840">
+                    <a:tc>
+                      <a:txBody>
+                        <a:bodyPr/>
+                        <a:lstStyle/>
+                        <a:p>
+                          <a:pPr algn="ctr"/>
+                          <a:r>
+                            <a:rPr lang="ru-RU" sz="800" dirty="0"/>
+                            <a:t>Этап</a:t>
+                          </a:r>
+                        </a:p>
+                      </a:txBody>
+                      <a:tcPr anchor="ctr"/>
+                    </a:tc>
+                    <a:tc>
+                      <a:txBody>
+                        <a:bodyPr/>
+                        <a:lstStyle/>
+                        <a:p>
+                          <a:pPr algn="ctr"/>
+                          <a:r>
+                            <a:rPr lang="ru-RU" sz="800" dirty="0"/>
+                            <a:t>Ограничение</a:t>
+                          </a:r>
+                        </a:p>
+                      </a:txBody>
+                      <a:tcPr anchor="ctr"/>
+                    </a:tc>
+                    <a:tc>
+                      <a:txBody>
+                        <a:bodyPr/>
+                        <a:lstStyle/>
+                        <a:p>
+                          <a:pPr algn="ctr"/>
+                          <a:r>
+                            <a:rPr lang="ru-RU" sz="800" dirty="0"/>
+                            <a:t>Принятое решение</a:t>
+                          </a:r>
+                        </a:p>
+                      </a:txBody>
+                      <a:tcPr anchor="ctr"/>
+                    </a:tc>
+                    <a:tc>
+                      <a:txBody>
+                        <a:bodyPr/>
+                        <a:lstStyle/>
+                        <a:p>
+                          <a:pPr algn="ctr"/>
+                          <a:r>
+                            <a:rPr lang="ru-RU" sz="800" dirty="0"/>
+                            <a:t>Результат</a:t>
+                          </a:r>
+                        </a:p>
+                      </a:txBody>
+                      <a:tcPr anchor="ctr"/>
+                    </a:tc>
+                    <a:extLst>
+                      <a:ext uri="{0D108BD9-81ED-4DB2-BD59-A6C34878D82A}">
+                        <a16:rowId xmlns:a16="http://schemas.microsoft.com/office/drawing/2014/main" val="4204304515"/>
+                      </a:ext>
+                    </a:extLst>
+                  </a:tr>
+                  <a:tr h="370840">
+                    <a:tc>
+                      <a:txBody>
+                        <a:bodyPr/>
+                        <a:lstStyle/>
+                        <a:p>
+                          <a:pPr algn="ctr"/>
+                          <a:r>
+                            <a:rPr lang="ru-RU" sz="700" dirty="0"/>
+                            <a:t>Применение технологии контейнеризации</a:t>
+                          </a:r>
+                        </a:p>
+                      </a:txBody>
+                      <a:tcPr anchor="ctr"/>
+                    </a:tc>
+                    <a:tc>
+                      <a:txBody>
+                        <a:bodyPr/>
+                        <a:lstStyle/>
+                        <a:p>
+                          <a:pPr algn="ctr"/>
+                          <a:r>
+                            <a:rPr lang="ru-RU" sz="700" dirty="0"/>
+                            <a:t>Большие накладные расходы при использовании Docker / Minikube</a:t>
+                          </a:r>
+                        </a:p>
+                      </a:txBody>
+                      <a:tcPr anchor="ctr"/>
+                    </a:tc>
+                    <a:tc>
+                      <a:txBody>
+                        <a:bodyPr/>
+                        <a:lstStyle/>
+                        <a:p>
+                          <a:pPr algn="ctr"/>
+                          <a:r>
+                            <a:rPr lang="ru-RU" sz="700" dirty="0"/>
+                            <a:t>Отказ от контейнеризации в пользу C++-решения</a:t>
+                          </a:r>
+                          <a:endParaRPr lang="ru-RU" sz="600" dirty="0"/>
+                        </a:p>
+                      </a:txBody>
+                      <a:tcPr anchor="ctr"/>
+                    </a:tc>
+                    <a:tc>
+                      <a:txBody>
+                        <a:bodyPr/>
+                        <a:lstStyle/>
+                        <a:p>
+                          <a:pPr algn="ctr"/>
+                          <a:r>
+                            <a:rPr lang="ru-RU" sz="700" dirty="0"/>
+                            <a:t>Снижены накладные расходы по памяти на диске</a:t>
+                          </a:r>
+                        </a:p>
+                      </a:txBody>
+                      <a:tcPr anchor="ctr"/>
+                    </a:tc>
+                    <a:extLst>
+                      <a:ext uri="{0D108BD9-81ED-4DB2-BD59-A6C34878D82A}">
+                        <a16:rowId xmlns:a16="http://schemas.microsoft.com/office/drawing/2014/main" val="3710351299"/>
+                      </a:ext>
+                    </a:extLst>
+                  </a:tr>
+                  <a:tr h="370840">
+                    <a:tc>
+                      <a:txBody>
+                        <a:bodyPr/>
+                        <a:lstStyle/>
+                        <a:p>
+                          <a:pPr algn="ctr"/>
+                          <a:r>
+                            <a:rPr lang="ru-RU" sz="700" dirty="0"/>
+                            <a:t>Реализация менеджера на </a:t>
+                          </a:r>
+                          <a:r>
+                            <a:rPr lang="en-US" sz="700" dirty="0"/>
+                            <a:t>Unreal Engine 4</a:t>
+                          </a:r>
+                          <a:endParaRPr lang="ru-RU" sz="700" dirty="0"/>
+                        </a:p>
+                      </a:txBody>
+                      <a:tcPr anchor="ctr"/>
+                    </a:tc>
+                    <a:tc>
+                      <a:txBody>
+                        <a:bodyPr/>
+                        <a:lstStyle/>
+                        <a:p>
+                          <a:pPr algn="ctr"/>
+                          <a:r>
+                            <a:rPr lang="ru-RU" sz="700" dirty="0"/>
+                            <a:t>Высокое потребление ОЗУ (400МБ)</a:t>
+                          </a:r>
+                          <a:endParaRPr lang="ru-RU" sz="600" dirty="0"/>
+                        </a:p>
+                      </a:txBody>
+                      <a:tcPr anchor="ctr"/>
+                    </a:tc>
+                    <a:tc>
+                      <a:txBody>
+                        <a:bodyPr/>
+                        <a:lstStyle/>
+                        <a:p>
+                          <a:pPr algn="ctr"/>
+                          <a:r>
+                            <a:rPr lang="ru-RU" sz="700" dirty="0"/>
+                            <a:t>Рассмотрен вариант с низкоуровневой реализацией на Boost.Asio</a:t>
+                          </a:r>
+                          <a:endParaRPr lang="ru-RU" sz="500" dirty="0"/>
+                        </a:p>
+                      </a:txBody>
+                      <a:tcPr anchor="ctr"/>
+                    </a:tc>
+                    <a:tc>
+                      <a:txBody>
+                        <a:bodyPr/>
+                        <a:lstStyle/>
+                        <a:p>
+                          <a:pPr algn="ctr"/>
+                          <a:r>
+                            <a:rPr lang="ru-RU" sz="700" dirty="0"/>
+                            <a:t>Снижено потребление ОЗУ (до</a:t>
+                          </a:r>
+                          <a:r>
+                            <a:rPr lang="en-US" sz="700" dirty="0"/>
+                            <a:t> 5 </a:t>
+                          </a:r>
+                          <a:r>
+                            <a:rPr lang="ru-RU" sz="700" dirty="0"/>
+                            <a:t>МБ)</a:t>
+                          </a:r>
+                        </a:p>
+                      </a:txBody>
+                      <a:tcPr anchor="ctr"/>
+                    </a:tc>
+                    <a:extLst>
+                      <a:ext uri="{0D108BD9-81ED-4DB2-BD59-A6C34878D82A}">
+                        <a16:rowId xmlns:a16="http://schemas.microsoft.com/office/drawing/2014/main" val="2226657668"/>
+                      </a:ext>
+                    </a:extLst>
+                  </a:tr>
+                  <a:tr h="370840">
+                    <a:tc>
+                      <a:txBody>
+                        <a:bodyPr/>
+                        <a:lstStyle/>
+                        <a:p>
+                          <a:pPr algn="ctr"/>
+                          <a:r>
+                            <a:rPr lang="ru-RU" sz="700" dirty="0"/>
+                            <a:t>Сериализация сетевых пакетов</a:t>
+                          </a:r>
+                        </a:p>
+                      </a:txBody>
+                      <a:tcPr anchor="ctr"/>
+                    </a:tc>
+                    <a:tc>
+                      <a:txBody>
+                        <a:bodyPr/>
+                        <a:lstStyle/>
+                        <a:p>
+                          <a:pPr algn="ctr"/>
+                          <a:r>
+                            <a:rPr lang="ru-RU" sz="700" dirty="0"/>
+                            <a:t>Наличие лишней абстракции в строковой сериализации</a:t>
+                          </a:r>
+                          <a:endParaRPr lang="ru-RU" sz="600" dirty="0"/>
+                        </a:p>
+                      </a:txBody>
+                      <a:tcPr anchor="ctr"/>
+                    </a:tc>
+                    <a:tc>
+                      <a:txBody>
+                        <a:bodyPr/>
+                        <a:lstStyle/>
+                        <a:p>
+                          <a:pPr algn="ctr"/>
+                          <a:r>
+                            <a:rPr lang="ru-RU" sz="700" dirty="0"/>
+                            <a:t>Разработан бинарный протокол передачи данных</a:t>
+                          </a:r>
+                        </a:p>
+                      </a:txBody>
+                      <a:tcPr anchor="ctr"/>
+                    </a:tc>
+                    <a:tc>
+                      <a:txBody>
+                        <a:bodyPr/>
+                        <a:lstStyle/>
+                        <a:p>
+                          <a:pPr algn="ctr"/>
+                          <a:r>
+                            <a:rPr lang="ru-RU" sz="700" dirty="0"/>
+                            <a:t>Получена экономия в </a:t>
+                          </a:r>
+                          <a14:m>
+                            <m:oMath xmlns:m="http://schemas.openxmlformats.org/officeDocument/2006/math">
+                              <m:r>
+                                <a:rPr lang="ru-RU" sz="700" i="1" smtClean="0">
+                                  <a:latin typeface="Cambria Math" panose="02040503050406030204" pitchFamily="18" charset="0"/>
+                                  <a:ea typeface="Cambria Math" panose="02040503050406030204" pitchFamily="18" charset="0"/>
+                                </a:rPr>
+                                <m:t>~</m:t>
+                              </m:r>
+                              <m:r>
+                                <a:rPr lang="en-US" sz="700" b="0" i="1" smtClean="0">
+                                  <a:latin typeface="Cambria Math" panose="02040503050406030204" pitchFamily="18" charset="0"/>
+                                  <a:ea typeface="Cambria Math" panose="02040503050406030204" pitchFamily="18" charset="0"/>
+                                </a:rPr>
+                                <m:t>60%</m:t>
+                              </m:r>
+                            </m:oMath>
+                          </a14:m>
+                          <a:r>
+                            <a:rPr lang="en-US" sz="700" dirty="0"/>
+                            <a:t> </a:t>
+                          </a:r>
+                          <a:r>
+                            <a:rPr lang="ru-RU" sz="700" dirty="0"/>
+                            <a:t>памяти</a:t>
+                          </a:r>
+                          <a:r>
+                            <a:rPr lang="ru-RU" sz="700" baseline="0" dirty="0"/>
+                            <a:t> (88 Б </a:t>
+                          </a:r>
+                          <a:r>
+                            <a:rPr lang="ru-RU" sz="700" dirty="0"/>
+                            <a:t>→ 30 Б)</a:t>
+                          </a:r>
+                        </a:p>
+                      </a:txBody>
+                      <a:tcPr anchor="ctr"/>
+                    </a:tc>
+                    <a:extLst>
+                      <a:ext uri="{0D108BD9-81ED-4DB2-BD59-A6C34878D82A}">
+                        <a16:rowId xmlns:a16="http://schemas.microsoft.com/office/drawing/2014/main" val="529022387"/>
+                      </a:ext>
+                    </a:extLst>
+                  </a:tr>
+                  <a:tr h="370840">
+                    <a:tc>
+                      <a:txBody>
+                        <a:bodyPr/>
+                        <a:lstStyle/>
+                        <a:p>
+                          <a:pPr algn="ctr"/>
+                          <a:r>
+                            <a:rPr lang="ru-RU" sz="700" dirty="0"/>
+                            <a:t>Сборка компонентов под ОС </a:t>
+                          </a:r>
+                          <a:r>
+                            <a:rPr lang="en-US" sz="700" dirty="0"/>
+                            <a:t>Linux</a:t>
+                          </a:r>
+                          <a:endParaRPr lang="ru-RU" sz="700" dirty="0"/>
+                        </a:p>
+                      </a:txBody>
+                      <a:tcPr anchor="ctr"/>
+                    </a:tc>
+                    <a:tc>
+                      <a:txBody>
+                        <a:bodyPr/>
+                        <a:lstStyle/>
+                        <a:p>
+                          <a:pPr algn="ctr"/>
+                          <a:r>
+                            <a:rPr lang="ru-RU" sz="700" dirty="0"/>
+                            <a:t>Разработанные компоненты работали только на ОС </a:t>
+                          </a:r>
+                          <a:r>
+                            <a:rPr lang="en-US" sz="700" dirty="0"/>
+                            <a:t>Windows</a:t>
+                          </a:r>
+                          <a:endParaRPr lang="ru-RU" sz="700" dirty="0"/>
+                        </a:p>
+                      </a:txBody>
+                      <a:tcPr anchor="ctr"/>
+                    </a:tc>
+                    <a:tc>
+                      <a:txBody>
+                        <a:bodyPr/>
+                        <a:lstStyle/>
+                        <a:p>
+                          <a:pPr algn="ctr"/>
+                          <a:r>
+                            <a:rPr lang="ru-RU" sz="700" dirty="0"/>
+                            <a:t>Выполнена сборка </a:t>
+                          </a:r>
+                          <a:r>
+                            <a:rPr lang="en-US" sz="700" dirty="0"/>
+                            <a:t>Unreal-</a:t>
+                          </a:r>
+                          <a:r>
+                            <a:rPr lang="ru-RU" sz="700" dirty="0"/>
+                            <a:t>сервера и всех компонентов системы под ОС </a:t>
+                          </a:r>
+                          <a:r>
+                            <a:rPr lang="en-US" sz="700" dirty="0"/>
+                            <a:t>Linux (Debian)</a:t>
+                          </a:r>
+                          <a:endParaRPr lang="ru-RU" sz="700" dirty="0"/>
+                        </a:p>
+                      </a:txBody>
+                      <a:tcPr anchor="ctr"/>
+                    </a:tc>
+                    <a:tc>
+                      <a:txBody>
+                        <a:bodyPr/>
+                        <a:lstStyle/>
+                        <a:p>
+                          <a:pPr algn="ctr"/>
+                          <a:r>
+                            <a:rPr lang="ru-RU" sz="700" dirty="0"/>
+                            <a:t>Обеспечена кроссплатформенность системы</a:t>
+                          </a:r>
+                        </a:p>
+                      </a:txBody>
+                      <a:tcPr anchor="ctr"/>
+                    </a:tc>
+                    <a:extLst>
+                      <a:ext uri="{0D108BD9-81ED-4DB2-BD59-A6C34878D82A}">
+                        <a16:rowId xmlns:a16="http://schemas.microsoft.com/office/drawing/2014/main" val="2752305078"/>
+                      </a:ext>
+                    </a:extLst>
+                  </a:tr>
+                </a:tbl>
+              </a:graphicData>
+            </a:graphic>
+          </p:graphicFrame>
+        </mc:Choice>
+        <mc:Fallback>
+          <p:graphicFrame>
+            <p:nvGraphicFramePr>
+              <p:cNvPr id="6" name="Таблица 7">
+                <a:extLst>
+                  <a:ext uri="{FF2B5EF4-FFF2-40B4-BE49-F238E27FC236}">
+                    <a16:creationId xmlns:a16="http://schemas.microsoft.com/office/drawing/2014/main" id="{67981D1A-1C3D-4335-8029-E5826BDCB843}"/>
+                  </a:ext>
+                </a:extLst>
+              </p:cNvPr>
+              <p:cNvGraphicFramePr>
+                <a:graphicFrameLocks noGrp="1"/>
+              </p:cNvGraphicFramePr>
+              <p:nvPr>
+                <p:extLst>
+                  <p:ext uri="{D42A27DB-BD31-4B8C-83A1-F6EECF244321}">
+                    <p14:modId xmlns:p14="http://schemas.microsoft.com/office/powerpoint/2010/main" val="816165611"/>
+                  </p:ext>
+                </p:extLst>
+              </p:nvPr>
+            </p:nvGraphicFramePr>
+            <p:xfrm>
+              <a:off x="697568" y="580182"/>
+              <a:ext cx="4370664" cy="2443480"/>
+            </p:xfrm>
+            <a:graphic>
+              <a:graphicData uri="http://schemas.openxmlformats.org/drawingml/2006/table">
+                <a:tbl>
+                  <a:tblPr firstRow="1" bandRow="1">
+                    <a:tableStyleId>{5C22544A-7EE6-4342-B048-85BDC9FD1C3A}</a:tableStyleId>
+                  </a:tblPr>
+                  <a:tblGrid>
+                    <a:gridCol w="1092666">
+                      <a:extLst>
+                        <a:ext uri="{9D8B030D-6E8A-4147-A177-3AD203B41FA5}">
+                          <a16:colId xmlns:a16="http://schemas.microsoft.com/office/drawing/2014/main" val="3255032339"/>
+                        </a:ext>
+                      </a:extLst>
+                    </a:gridCol>
+                    <a:gridCol w="1092666">
+                      <a:extLst>
+                        <a:ext uri="{9D8B030D-6E8A-4147-A177-3AD203B41FA5}">
+                          <a16:colId xmlns:a16="http://schemas.microsoft.com/office/drawing/2014/main" val="3000018748"/>
+                        </a:ext>
+                      </a:extLst>
+                    </a:gridCol>
+                    <a:gridCol w="1092666">
+                      <a:extLst>
+                        <a:ext uri="{9D8B030D-6E8A-4147-A177-3AD203B41FA5}">
+                          <a16:colId xmlns:a16="http://schemas.microsoft.com/office/drawing/2014/main" val="1515478931"/>
+                        </a:ext>
+                      </a:extLst>
+                    </a:gridCol>
+                    <a:gridCol w="1092666">
+                      <a:extLst>
+                        <a:ext uri="{9D8B030D-6E8A-4147-A177-3AD203B41FA5}">
+                          <a16:colId xmlns:a16="http://schemas.microsoft.com/office/drawing/2014/main" val="26288016"/>
+                        </a:ext>
+                      </a:extLst>
+                    </a:gridCol>
+                  </a:tblGrid>
+                  <a:tr h="370840">
+                    <a:tc>
+                      <a:txBody>
+                        <a:bodyPr/>
+                        <a:lstStyle/>
+                        <a:p>
+                          <a:pPr algn="ctr"/>
+                          <a:r>
+                            <a:rPr lang="ru-RU" sz="800" dirty="0"/>
+                            <a:t>Этап</a:t>
+                          </a:r>
+                        </a:p>
+                      </a:txBody>
+                      <a:tcPr anchor="ctr"/>
+                    </a:tc>
+                    <a:tc>
+                      <a:txBody>
+                        <a:bodyPr/>
+                        <a:lstStyle/>
+                        <a:p>
+                          <a:pPr algn="ctr"/>
+                          <a:r>
+                            <a:rPr lang="ru-RU" sz="800" dirty="0"/>
+                            <a:t>Ограничение</a:t>
+                          </a:r>
+                        </a:p>
+                      </a:txBody>
+                      <a:tcPr anchor="ctr"/>
+                    </a:tc>
+                    <a:tc>
+                      <a:txBody>
+                        <a:bodyPr/>
+                        <a:lstStyle/>
+                        <a:p>
+                          <a:pPr algn="ctr"/>
+                          <a:r>
+                            <a:rPr lang="ru-RU" sz="800" dirty="0"/>
+                            <a:t>Принятое решение</a:t>
+                          </a:r>
+                        </a:p>
+                      </a:txBody>
+                      <a:tcPr anchor="ctr"/>
+                    </a:tc>
+                    <a:tc>
+                      <a:txBody>
+                        <a:bodyPr/>
+                        <a:lstStyle/>
+                        <a:p>
+                          <a:pPr algn="ctr"/>
+                          <a:r>
+                            <a:rPr lang="ru-RU" sz="800" dirty="0"/>
+                            <a:t>Результат</a:t>
+                          </a:r>
+                        </a:p>
+                      </a:txBody>
+                      <a:tcPr anchor="ctr"/>
+                    </a:tc>
+                    <a:extLst>
+                      <a:ext uri="{0D108BD9-81ED-4DB2-BD59-A6C34878D82A}">
+                        <a16:rowId xmlns:a16="http://schemas.microsoft.com/office/drawing/2014/main" val="4204304515"/>
+                      </a:ext>
+                    </a:extLst>
+                  </a:tr>
+                  <a:tr h="518160">
+                    <a:tc>
+                      <a:txBody>
+                        <a:bodyPr/>
+                        <a:lstStyle/>
+                        <a:p>
+                          <a:pPr algn="ctr"/>
+                          <a:r>
+                            <a:rPr lang="ru-RU" sz="700" dirty="0"/>
+                            <a:t>Применение технологии контейнеризации</a:t>
+                          </a:r>
+                        </a:p>
+                      </a:txBody>
+                      <a:tcPr anchor="ctr"/>
+                    </a:tc>
+                    <a:tc>
+                      <a:txBody>
+                        <a:bodyPr/>
+                        <a:lstStyle/>
+                        <a:p>
+                          <a:pPr algn="ctr"/>
+                          <a:r>
+                            <a:rPr lang="ru-RU" sz="700" dirty="0"/>
+                            <a:t>Большие накладные расходы при использовании Docker / Minikube</a:t>
+                          </a:r>
+                        </a:p>
+                      </a:txBody>
+                      <a:tcPr anchor="ctr"/>
+                    </a:tc>
+                    <a:tc>
+                      <a:txBody>
+                        <a:bodyPr/>
+                        <a:lstStyle/>
+                        <a:p>
+                          <a:pPr algn="ctr"/>
+                          <a:r>
+                            <a:rPr lang="ru-RU" sz="700" dirty="0"/>
+                            <a:t>Отказ от контейнеризации в пользу C++-решения</a:t>
+                          </a:r>
+                          <a:endParaRPr lang="ru-RU" sz="600" dirty="0"/>
+                        </a:p>
+                      </a:txBody>
+                      <a:tcPr anchor="ctr"/>
+                    </a:tc>
+                    <a:tc>
+                      <a:txBody>
+                        <a:bodyPr/>
+                        <a:lstStyle/>
+                        <a:p>
+                          <a:pPr algn="ctr"/>
+                          <a:r>
+                            <a:rPr lang="ru-RU" sz="700" dirty="0"/>
+                            <a:t>Снижены накладные расходы по памяти на диске</a:t>
+                          </a:r>
+                        </a:p>
+                      </a:txBody>
+                      <a:tcPr anchor="ctr"/>
+                    </a:tc>
+                    <a:extLst>
+                      <a:ext uri="{0D108BD9-81ED-4DB2-BD59-A6C34878D82A}">
+                        <a16:rowId xmlns:a16="http://schemas.microsoft.com/office/drawing/2014/main" val="3710351299"/>
+                      </a:ext>
+                    </a:extLst>
+                  </a:tr>
+                  <a:tr h="518160">
+                    <a:tc>
+                      <a:txBody>
+                        <a:bodyPr/>
+                        <a:lstStyle/>
+                        <a:p>
+                          <a:pPr algn="ctr"/>
+                          <a:r>
+                            <a:rPr lang="ru-RU" sz="700" dirty="0"/>
+                            <a:t>Реализация менеджера на </a:t>
+                          </a:r>
+                          <a:r>
+                            <a:rPr lang="en-US" sz="700" dirty="0"/>
+                            <a:t>Unreal Engine 4</a:t>
+                          </a:r>
+                          <a:endParaRPr lang="ru-RU" sz="700" dirty="0"/>
+                        </a:p>
+                      </a:txBody>
+                      <a:tcPr anchor="ctr"/>
+                    </a:tc>
+                    <a:tc>
+                      <a:txBody>
+                        <a:bodyPr/>
+                        <a:lstStyle/>
+                        <a:p>
+                          <a:pPr algn="ctr"/>
+                          <a:r>
+                            <a:rPr lang="ru-RU" sz="700" dirty="0"/>
+                            <a:t>Высокое потребление ОЗУ (400МБ)</a:t>
+                          </a:r>
+                          <a:endParaRPr lang="ru-RU" sz="600" dirty="0"/>
+                        </a:p>
+                      </a:txBody>
+                      <a:tcPr anchor="ctr"/>
+                    </a:tc>
+                    <a:tc>
+                      <a:txBody>
+                        <a:bodyPr/>
+                        <a:lstStyle/>
+                        <a:p>
+                          <a:pPr algn="ctr"/>
+                          <a:r>
+                            <a:rPr lang="ru-RU" sz="700" dirty="0"/>
+                            <a:t>Рассмотрен вариант с низкоуровневой реализацией на Boost.Asio</a:t>
+                          </a:r>
+                          <a:endParaRPr lang="ru-RU" sz="500" dirty="0"/>
+                        </a:p>
+                      </a:txBody>
+                      <a:tcPr anchor="ctr"/>
+                    </a:tc>
+                    <a:tc>
+                      <a:txBody>
+                        <a:bodyPr/>
+                        <a:lstStyle/>
+                        <a:p>
+                          <a:pPr algn="ctr"/>
+                          <a:r>
+                            <a:rPr lang="ru-RU" sz="700" dirty="0"/>
+                            <a:t>Снижено потребление ОЗУ (до</a:t>
+                          </a:r>
+                          <a:r>
+                            <a:rPr lang="en-US" sz="700" dirty="0"/>
+                            <a:t> 5 </a:t>
+                          </a:r>
+                          <a:r>
+                            <a:rPr lang="ru-RU" sz="700" dirty="0"/>
+                            <a:t>МБ)</a:t>
+                          </a:r>
+                        </a:p>
+                      </a:txBody>
+                      <a:tcPr anchor="ctr"/>
+                    </a:tc>
+                    <a:extLst>
+                      <a:ext uri="{0D108BD9-81ED-4DB2-BD59-A6C34878D82A}">
+                        <a16:rowId xmlns:a16="http://schemas.microsoft.com/office/drawing/2014/main" val="2226657668"/>
+                      </a:ext>
+                    </a:extLst>
+                  </a:tr>
+                  <a:tr h="518160">
+                    <a:tc>
+                      <a:txBody>
+                        <a:bodyPr/>
+                        <a:lstStyle/>
+                        <a:p>
+                          <a:pPr algn="ctr"/>
+                          <a:r>
+                            <a:rPr lang="ru-RU" sz="700" dirty="0"/>
+                            <a:t>Сериализация сетевых пакетов</a:t>
+                          </a:r>
+                        </a:p>
+                      </a:txBody>
+                      <a:tcPr anchor="ctr"/>
+                    </a:tc>
+                    <a:tc>
+                      <a:txBody>
+                        <a:bodyPr/>
+                        <a:lstStyle/>
+                        <a:p>
+                          <a:pPr algn="ctr"/>
+                          <a:r>
+                            <a:rPr lang="ru-RU" sz="700" dirty="0"/>
+                            <a:t>Наличие лишней абстракции в строковой сериализации</a:t>
+                          </a:r>
+                          <a:endParaRPr lang="ru-RU" sz="600" dirty="0"/>
+                        </a:p>
+                      </a:txBody>
+                      <a:tcPr anchor="ctr"/>
+                    </a:tc>
+                    <a:tc>
+                      <a:txBody>
+                        <a:bodyPr/>
+                        <a:lstStyle/>
+                        <a:p>
+                          <a:pPr algn="ctr"/>
+                          <a:r>
+                            <a:rPr lang="ru-RU" sz="700" dirty="0"/>
+                            <a:t>Разработан бинарный протокол передачи данных</a:t>
+                          </a:r>
+                        </a:p>
+                      </a:txBody>
+                      <a:tcPr anchor="ctr"/>
+                    </a:tc>
+                    <a:tc>
+                      <a:txBody>
+                        <a:bodyPr/>
+                        <a:lstStyle/>
+                        <a:p>
+                          <a:endParaRPr lang="ru-RU"/>
+                        </a:p>
+                      </a:txBody>
+                      <a:tcPr anchor="ctr">
+                        <a:blipFill>
+                          <a:blip r:embed="rId4"/>
+                          <a:stretch>
+                            <a:fillRect l="-301676" t="-274118" r="-2235" b="-102353"/>
+                          </a:stretch>
+                        </a:blipFill>
+                      </a:tcPr>
+                    </a:tc>
+                    <a:extLst>
+                      <a:ext uri="{0D108BD9-81ED-4DB2-BD59-A6C34878D82A}">
+                        <a16:rowId xmlns:a16="http://schemas.microsoft.com/office/drawing/2014/main" val="529022387"/>
+                      </a:ext>
+                    </a:extLst>
+                  </a:tr>
+                  <a:tr h="518160">
+                    <a:tc>
+                      <a:txBody>
+                        <a:bodyPr/>
+                        <a:lstStyle/>
+                        <a:p>
+                          <a:pPr algn="ctr"/>
+                          <a:r>
+                            <a:rPr lang="ru-RU" sz="700" dirty="0"/>
+                            <a:t>Сборка компонентов под ОС </a:t>
+                          </a:r>
+                          <a:r>
+                            <a:rPr lang="en-US" sz="700" dirty="0"/>
+                            <a:t>Linux</a:t>
+                          </a:r>
+                          <a:endParaRPr lang="ru-RU" sz="700" dirty="0"/>
+                        </a:p>
+                      </a:txBody>
+                      <a:tcPr anchor="ctr"/>
+                    </a:tc>
+                    <a:tc>
+                      <a:txBody>
+                        <a:bodyPr/>
+                        <a:lstStyle/>
+                        <a:p>
+                          <a:pPr algn="ctr"/>
+                          <a:r>
+                            <a:rPr lang="ru-RU" sz="700" dirty="0"/>
+                            <a:t>Разработанные компоненты работали только на ОС </a:t>
+                          </a:r>
+                          <a:r>
+                            <a:rPr lang="en-US" sz="700" dirty="0"/>
+                            <a:t>Windows</a:t>
+                          </a:r>
+                          <a:endParaRPr lang="ru-RU" sz="700" dirty="0"/>
+                        </a:p>
+                      </a:txBody>
+                      <a:tcPr anchor="ctr"/>
+                    </a:tc>
+                    <a:tc>
+                      <a:txBody>
+                        <a:bodyPr/>
+                        <a:lstStyle/>
+                        <a:p>
+                          <a:pPr algn="ctr"/>
+                          <a:r>
+                            <a:rPr lang="ru-RU" sz="700" dirty="0"/>
+                            <a:t>Выполнена сборка </a:t>
+                          </a:r>
+                          <a:r>
+                            <a:rPr lang="en-US" sz="700" dirty="0"/>
+                            <a:t>Unreal-</a:t>
+                          </a:r>
+                          <a:r>
+                            <a:rPr lang="ru-RU" sz="700" dirty="0"/>
+                            <a:t>сервера и всех компонентов системы под ОС </a:t>
+                          </a:r>
+                          <a:r>
+                            <a:rPr lang="en-US" sz="700" dirty="0"/>
+                            <a:t>Linux (Debian)</a:t>
+                          </a:r>
+                          <a:endParaRPr lang="ru-RU" sz="700" dirty="0"/>
+                        </a:p>
+                      </a:txBody>
+                      <a:tcPr anchor="ctr"/>
+                    </a:tc>
+                    <a:tc>
+                      <a:txBody>
+                        <a:bodyPr/>
+                        <a:lstStyle/>
+                        <a:p>
+                          <a:pPr algn="ctr"/>
+                          <a:r>
+                            <a:rPr lang="ru-RU" sz="700" dirty="0"/>
+                            <a:t>Обеспечена кроссплатформенность системы</a:t>
+                          </a:r>
+                        </a:p>
+                      </a:txBody>
+                      <a:tcPr anchor="ctr"/>
+                    </a:tc>
+                    <a:extLst>
+                      <a:ext uri="{0D108BD9-81ED-4DB2-BD59-A6C34878D82A}">
+                        <a16:rowId xmlns:a16="http://schemas.microsoft.com/office/drawing/2014/main" val="2752305078"/>
+                      </a:ext>
+                    </a:extLst>
+                  </a:tr>
+                </a:tbl>
+              </a:graphicData>
+            </a:graphic>
+          </p:graphicFrame>
+        </mc:Fallback>
+      </mc:AlternateContent>
+      <p:sp>
+        <p:nvSpPr>
+          <p:cNvPr id="9" name="TextBox 8">
+            <a:extLst>
+              <a:ext uri="{FF2B5EF4-FFF2-40B4-BE49-F238E27FC236}">
+                <a16:creationId xmlns:a16="http://schemas.microsoft.com/office/drawing/2014/main" id="{91D5CBD4-5751-474B-8CDD-07363B7A7E52}"/>
+              </a:ext>
+            </a:extLst>
+          </p:cNvPr>
+          <p:cNvSpPr txBox="1"/>
+          <p:nvPr/>
+        </p:nvSpPr>
+        <p:spPr>
+          <a:xfrm>
+            <a:off x="1878458" y="3044795"/>
+            <a:ext cx="2008883" cy="200055"/>
+          </a:xfrm>
+          <a:prstGeom prst="rect">
+            <a:avLst/>
+          </a:prstGeom>
+          <a:noFill/>
+        </p:spPr>
+        <p:txBody>
+          <a:bodyPr wrap="none" rtlCol="0">
+            <a:spAutoFit/>
+          </a:bodyPr>
+          <a:lstStyle/>
+          <a:p>
+            <a:pPr algn="ctr"/>
+            <a:r>
+              <a:rPr lang="ru-RU" sz="700" dirty="0"/>
+              <a:t>Таблица 4. Список архитектурных решений</a:t>
+            </a:r>
+          </a:p>
+        </p:txBody>
+      </p:sp>
+    </p:spTree>
+    <p:extLst>
+      <p:ext uri="{BB962C8B-B14F-4D97-AF65-F5344CB8AC3E}">
+        <p14:creationId xmlns:p14="http://schemas.microsoft.com/office/powerpoint/2010/main" val="2893156954"/>
+      </p:ext>
+    </p:extLst>
+  </p:cSld>
+  <p:clrMapOvr>
+    <a:masterClrMapping/>
+  </p:clrMapOvr>
+  <p:transition>
+    <p:cut/>
+  </p:transition>
+</p:sld>
+</file>
+
+<file path=ppt/slides/slide15.xml><?xml version="1.0" encoding="utf-8"?>
+<p:sld xmlns:a="http://schemas.openxmlformats.org/drawingml/2006/main" xmlns:r="http://schemas.openxmlformats.org/officeDocument/2006/relationships" xmlns:p="http://schemas.openxmlformats.org/presentationml/2006/main">
+  <p:cSld>
+    <p:spTree>
+      <p:nvGrpSpPr>
+        <p:cNvPr id="1" name=""/>
+        <p:cNvGrpSpPr/>
+        <p:nvPr/>
+      </p:nvGrpSpPr>
+      <p:grpSpPr>
+        <a:xfrm>
+          <a:off x="0" y="0"/>
+          <a:ext cx="0" cy="0"/>
+          <a:chOff x="0" y="0"/>
+          <a:chExt cx="0" cy="0"/>
+        </a:xfrm>
+      </p:grpSpPr>
+      <p:sp>
+        <p:nvSpPr>
+          <p:cNvPr id="2" name="object 2"/>
+          <p:cNvSpPr txBox="1"/>
+          <p:nvPr/>
+        </p:nvSpPr>
+        <p:spPr>
+          <a:xfrm rot="10800000">
+            <a:off x="237383" y="316589"/>
+            <a:ext cx="127791" cy="114300"/>
+          </a:xfrm>
+          <a:prstGeom prst="rect">
+            <a:avLst/>
+          </a:prstGeom>
+        </p:spPr>
+        <p:txBody>
+          <a:bodyPr vert="horz" wrap="square" lIns="0" tIns="0" rIns="0" bIns="0" rtlCol="0">
+            <a:spAutoFit/>
+          </a:bodyPr>
+          <a:lstStyle/>
+          <a:p>
+            <a:pPr>
+              <a:lnSpc>
+                <a:spcPts val="890"/>
+              </a:lnSpc>
+            </a:pPr>
+            <a:r>
+              <a:rPr sz="900" spc="-120" dirty="0">
+                <a:latin typeface="Cambria"/>
+                <a:cs typeface="Cambria"/>
+              </a:rPr>
+              <a:t>↰</a:t>
+            </a:r>
+            <a:endParaRPr sz="900">
+              <a:latin typeface="Cambria"/>
+              <a:cs typeface="Cambria"/>
+            </a:endParaRPr>
+          </a:p>
+        </p:txBody>
+      </p:sp>
+      <p:sp>
+        <p:nvSpPr>
+          <p:cNvPr id="3" name="object 3"/>
+          <p:cNvSpPr txBox="1">
+            <a:spLocks noGrp="1"/>
+          </p:cNvSpPr>
+          <p:nvPr>
+            <p:ph type="title"/>
+          </p:nvPr>
+        </p:nvSpPr>
+        <p:spPr>
+          <a:xfrm>
+            <a:off x="203300" y="154913"/>
+            <a:ext cx="3898800" cy="310534"/>
+          </a:xfrm>
+          <a:prstGeom prst="rect">
+            <a:avLst/>
+          </a:prstGeom>
+        </p:spPr>
+        <p:txBody>
+          <a:bodyPr vert="horz" wrap="square" lIns="0" tIns="11430" rIns="0" bIns="0" rtlCol="0">
+            <a:spAutoFit/>
+          </a:bodyPr>
+          <a:lstStyle/>
+          <a:p>
+            <a:pPr marL="12700">
+              <a:lnSpc>
+                <a:spcPts val="1305"/>
+              </a:lnSpc>
+              <a:spcBef>
+                <a:spcPts val="90"/>
+              </a:spcBef>
+            </a:pPr>
+            <a:r>
+              <a:rPr lang="ru-RU" spc="-10" dirty="0"/>
+              <a:t>Этапы разработки системы</a:t>
+            </a:r>
+          </a:p>
+          <a:p>
+            <a:pPr marL="154305">
+              <a:lnSpc>
+                <a:spcPts val="1065"/>
+              </a:lnSpc>
+            </a:pPr>
+            <a:r>
+              <a:rPr lang="ru-RU" sz="900" spc="-50" dirty="0"/>
+              <a:t>Последовательность проектных решений</a:t>
+            </a:r>
+            <a:endParaRPr lang="ru-RU" sz="900" dirty="0"/>
+          </a:p>
+        </p:txBody>
+      </p:sp>
+      <p:sp>
+        <p:nvSpPr>
+          <p:cNvPr id="4" name="object 4"/>
+          <p:cNvSpPr/>
+          <p:nvPr/>
+        </p:nvSpPr>
+        <p:spPr>
+          <a:xfrm>
+            <a:off x="198564" y="524535"/>
+            <a:ext cx="4923790" cy="0"/>
+          </a:xfrm>
+          <a:custGeom>
+            <a:avLst/>
+            <a:gdLst/>
+            <a:ahLst/>
+            <a:cxnLst/>
+            <a:rect l="l" t="t" r="r" b="b"/>
+            <a:pathLst>
+              <a:path w="4923790">
+                <a:moveTo>
+                  <a:pt x="0" y="0"/>
+                </a:moveTo>
+                <a:lnTo>
+                  <a:pt x="4923726" y="0"/>
+                </a:lnTo>
+              </a:path>
+            </a:pathLst>
+          </a:custGeom>
+          <a:ln w="25304">
+            <a:solidFill>
+              <a:srgbClr val="006CDC"/>
+            </a:solidFill>
+          </a:ln>
+        </p:spPr>
+        <p:txBody>
+          <a:bodyPr wrap="square" lIns="0" tIns="0" rIns="0" bIns="0" rtlCol="0"/>
+          <a:lstStyle/>
+          <a:p>
+            <a:endParaRPr/>
+          </a:p>
+        </p:txBody>
+      </p:sp>
+      <p:pic>
+        <p:nvPicPr>
+          <p:cNvPr id="5" name="object 5"/>
+          <p:cNvPicPr/>
+          <p:nvPr/>
+        </p:nvPicPr>
+        <p:blipFill>
+          <a:blip r:embed="rId3" cstate="print"/>
+          <a:stretch>
+            <a:fillRect/>
+          </a:stretch>
+        </p:blipFill>
+        <p:spPr>
+          <a:xfrm>
+            <a:off x="5272363" y="83480"/>
+            <a:ext cx="369463" cy="436200"/>
+          </a:xfrm>
+          <a:prstGeom prst="rect">
+            <a:avLst/>
+          </a:prstGeom>
+        </p:spPr>
+      </p:pic>
+      <p:sp>
+        <p:nvSpPr>
+          <p:cNvPr id="29" name="object 29"/>
+          <p:cNvSpPr txBox="1">
+            <a:spLocks noGrp="1"/>
+          </p:cNvSpPr>
+          <p:nvPr>
+            <p:ph type="sldNum" sz="quarter" idx="7"/>
+          </p:nvPr>
+        </p:nvSpPr>
+        <p:spPr>
+          <a:xfrm>
+            <a:off x="5331510" y="2800171"/>
+            <a:ext cx="253364" cy="99386"/>
+          </a:xfrm>
+          <a:prstGeom prst="rect">
+            <a:avLst/>
+          </a:prstGeom>
+        </p:spPr>
+        <p:txBody>
+          <a:bodyPr vert="horz" wrap="square" lIns="0" tIns="6985" rIns="0" bIns="0" rtlCol="0">
+            <a:spAutoFit/>
+          </a:bodyPr>
+          <a:lstStyle/>
+          <a:p>
+            <a:pPr marL="40005">
+              <a:lnSpc>
+                <a:spcPct val="100000"/>
+              </a:lnSpc>
+              <a:spcBef>
+                <a:spcPts val="55"/>
+              </a:spcBef>
+            </a:pPr>
+            <a:fld id="{81D60167-4931-47E6-BA6A-407CBD079E47}" type="slidenum">
+              <a:rPr spc="-75" dirty="0"/>
+              <a:t>15</a:t>
+            </a:fld>
+            <a:r>
+              <a:rPr spc="-35" dirty="0"/>
+              <a:t> /</a:t>
+            </a:r>
+            <a:r>
+              <a:rPr spc="-30" dirty="0"/>
+              <a:t> </a:t>
+            </a:r>
+            <a:r>
+              <a:rPr spc="-35" dirty="0"/>
+              <a:t>1</a:t>
+            </a:r>
+            <a:r>
+              <a:rPr lang="ru-RU" spc="-35" dirty="0"/>
+              <a:t>6</a:t>
+            </a:r>
+            <a:endParaRPr spc="-35" dirty="0"/>
+          </a:p>
+        </p:txBody>
+      </p:sp>
+      <p:graphicFrame>
+        <p:nvGraphicFramePr>
+          <p:cNvPr id="7" name="Схема 6">
+            <a:extLst>
+              <a:ext uri="{FF2B5EF4-FFF2-40B4-BE49-F238E27FC236}">
+                <a16:creationId xmlns:a16="http://schemas.microsoft.com/office/drawing/2014/main" id="{5FEA64A5-2ED8-445E-ADE1-F35FD0E56753}"/>
+              </a:ext>
+            </a:extLst>
+          </p:cNvPr>
+          <p:cNvGraphicFramePr/>
+          <p:nvPr>
+            <p:extLst>
+              <p:ext uri="{D42A27DB-BD31-4B8C-83A1-F6EECF244321}">
+                <p14:modId xmlns:p14="http://schemas.microsoft.com/office/powerpoint/2010/main" val="3958213882"/>
+              </p:ext>
+            </p:extLst>
+          </p:nvPr>
+        </p:nvGraphicFramePr>
+        <p:xfrm>
+          <a:off x="901700" y="631825"/>
+          <a:ext cx="3962399" cy="2514599"/>
+        </p:xfrm>
+        <a:graphic>
+          <a:graphicData uri="http://schemas.openxmlformats.org/drawingml/2006/diagram">
+            <dgm:relIds xmlns:dgm="http://schemas.openxmlformats.org/drawingml/2006/diagram" xmlns:r="http://schemas.openxmlformats.org/officeDocument/2006/relationships" r:dm="rId4" r:lo="rId5" r:qs="rId6" r:cs="rId7"/>
+          </a:graphicData>
+        </a:graphic>
+      </p:graphicFrame>
     </p:spTree>
     <p:extLst>
       <p:ext uri="{BB962C8B-B14F-4D97-AF65-F5344CB8AC3E}">
@@ -6854,7 +12076,7 @@
 </p:sld>
 </file>
 
-<file path=ppt/slides/slide15.xml><?xml version="1.0" encoding="utf-8"?>
+<file path=ppt/slides/slide16.xml><?xml version="1.0" encoding="utf-8"?>
 <p:sld xmlns:a="http://schemas.openxmlformats.org/drawingml/2006/main" xmlns:r="http://schemas.openxmlformats.org/officeDocument/2006/relationships" xmlns:p="http://schemas.openxmlformats.org/presentationml/2006/main">
   <p:cSld>
     <p:spTree>
@@ -6905,35 +12127,19 @@
               </a:spcBef>
             </a:pPr>
             <a:r>
-              <a:rPr spc="-55" dirty="0">
-                <a:highlight>
-                  <a:srgbClr val="FFFF00"/>
-                </a:highlight>
-              </a:rPr>
+              <a:rPr spc="-55" dirty="0"/>
               <a:t>Выводы</a:t>
             </a:r>
             <a:r>
-              <a:rPr spc="-50" dirty="0">
-                <a:highlight>
-                  <a:srgbClr val="FFFF00"/>
-                </a:highlight>
-              </a:rPr>
+              <a:rPr spc="-50" dirty="0"/>
               <a:t> и</a:t>
             </a:r>
             <a:r>
-              <a:rPr spc="-45" dirty="0">
-                <a:highlight>
-                  <a:srgbClr val="FFFF00"/>
-                </a:highlight>
-              </a:rPr>
+              <a:rPr spc="-45" dirty="0"/>
               <a:t> </a:t>
             </a:r>
             <a:r>
-              <a:rPr spc="-55" dirty="0">
-                <a:highlight>
-                  <a:srgbClr val="FFFF00"/>
-                </a:highlight>
-              </a:rPr>
+              <a:rPr spc="-55" dirty="0"/>
               <a:t>заключение</a:t>
             </a:r>
           </a:p>
@@ -7168,7 +12374,7 @@
             </a:pPr>
             <a:fld id="{81D60167-4931-47E6-BA6A-407CBD079E47}" type="slidenum">
               <a:rPr spc="-75" dirty="0"/>
-              <a:t>15</a:t>
+              <a:t>16</a:t>
             </a:fld>
             <a:r>
               <a:rPr spc="-35" dirty="0"/>
@@ -7183,8 +12389,8 @@
               <a:t>1</a:t>
             </a:r>
             <a:r>
-              <a:rPr lang="en-US" spc="-35" dirty="0"/>
-              <a:t>5</a:t>
+              <a:rPr lang="ru-RU" spc="-35" dirty="0"/>
+              <a:t>6</a:t>
             </a:r>
             <a:endParaRPr spc="-35" dirty="0"/>
           </a:p>
@@ -7393,14 +12599,14 @@
               <a:t>1</a:t>
             </a:r>
             <a:r>
-              <a:rPr lang="en-US" sz="600" spc="-25" dirty="0">
+              <a:rPr lang="ru-RU" sz="600" spc="-25" dirty="0">
                 <a:solidFill>
                   <a:srgbClr val="006CDC"/>
                 </a:solidFill>
                 <a:latin typeface="Trebuchet MS"/>
                 <a:cs typeface="Trebuchet MS"/>
               </a:rPr>
-              <a:t>5</a:t>
+              <a:t>6</a:t>
             </a:r>
             <a:endParaRPr sz="600" dirty="0">
               <a:latin typeface="Trebuchet MS"/>
@@ -7488,6 +12694,9 @@
               <a:lstStyle/>
               <a:p>
                 <a:pPr marL="171450" indent="-171450">
+                  <a:buClr>
+                    <a:srgbClr val="0070C0"/>
+                  </a:buClr>
                   <a:buFont typeface="Wingdings" panose="05000000000000000000" pitchFamily="2" charset="2"/>
                   <a:buChar char="§"/>
                 </a:pPr>
@@ -7527,6 +12736,9 @@
               </a:p>
               <a:p>
                 <a:pPr marL="171450" indent="-171450">
+                  <a:buClr>
+                    <a:srgbClr val="0070C0"/>
+                  </a:buClr>
                   <a:buFont typeface="Wingdings" panose="05000000000000000000" pitchFamily="2" charset="2"/>
                   <a:buChar char="§"/>
                 </a:pPr>
@@ -7591,6 +12803,9 @@
               </a:p>
               <a:p>
                 <a:pPr marL="171450" indent="-171450">
+                  <a:buClr>
+                    <a:srgbClr val="0070C0"/>
+                  </a:buClr>
                   <a:buFont typeface="Wingdings" panose="05000000000000000000" pitchFamily="2" charset="2"/>
                   <a:buChar char="§"/>
                 </a:pPr>
@@ -7635,8 +12850,12 @@
                   <a:rPr lang="en-US" sz="1000" dirty="0"/>
                 </a:br>
                 <a:r>
+                  <a:rPr lang="en-US" sz="1000" i="1" dirty="0"/>
+                  <a:t>Epic Games</a:t>
+                </a:r>
+                <a:r>
                   <a:rPr lang="en-US" sz="1000" dirty="0"/>
-                  <a:t>Epic Games;</a:t>
+                  <a:t>;</a:t>
                 </a:r>
               </a:p>
               <a:p>
@@ -7815,7 +13034,7 @@
               <a:t> </a:t>
             </a:r>
             <a:r>
-              <a:rPr sz="900" spc="-50" dirty="0" err="1"/>
+              <a:rPr sz="900" spc="-50" dirty="0"/>
               <a:t>Описание</a:t>
             </a:r>
             <a:r>
@@ -7972,14 +13191,14 @@
               <a:t>1</a:t>
             </a:r>
             <a:r>
-              <a:rPr lang="en-US" sz="600" spc="-25" dirty="0">
+              <a:rPr lang="ru-RU" sz="600" spc="-25" dirty="0">
                 <a:solidFill>
                   <a:srgbClr val="006CDC"/>
                 </a:solidFill>
                 <a:latin typeface="Trebuchet MS"/>
                 <a:cs typeface="Trebuchet MS"/>
               </a:rPr>
-              <a:t>5</a:t>
+              <a:t>6</a:t>
             </a:r>
             <a:endParaRPr sz="600" dirty="0">
               <a:latin typeface="Trebuchet MS"/>
@@ -9380,14 +14599,14 @@
               <a:t>1</a:t>
             </a:r>
             <a:r>
-              <a:rPr lang="en-US" sz="600" spc="-25" dirty="0">
+              <a:rPr lang="ru-RU" sz="600" spc="-25" dirty="0">
                 <a:solidFill>
                   <a:srgbClr val="006CDC"/>
                 </a:solidFill>
                 <a:latin typeface="Trebuchet MS"/>
                 <a:cs typeface="Trebuchet MS"/>
               </a:rPr>
-              <a:t>5</a:t>
+              <a:t>6</a:t>
             </a:r>
             <a:endParaRPr sz="600" dirty="0">
               <a:latin typeface="Trebuchet MS"/>
@@ -9632,7 +14851,7 @@
                         <a:t>Размер </a:t>
                       </a:r>
                       <a:r>
-                        <a:rPr lang="en-US" sz="800" dirty="0" err="1"/>
+                        <a:rPr lang="en-US" sz="800" dirty="0"/>
                         <a:t>Minikube</a:t>
                       </a:r>
                       <a:r>
@@ -10945,7 +16164,7 @@
                 <a:latin typeface="Trebuchet MS"/>
                 <a:cs typeface="Trebuchet MS"/>
               </a:rPr>
-              <a:t>4</a:t>
+              <a:t>5</a:t>
             </a:r>
             <a:r>
               <a:rPr sz="600" spc="-35" dirty="0">
@@ -10978,14 +16197,14 @@
               <a:t>1</a:t>
             </a:r>
             <a:r>
-              <a:rPr lang="en-US" sz="600" spc="-25" dirty="0">
+              <a:rPr lang="ru-RU" sz="600" spc="-25" dirty="0">
                 <a:solidFill>
                   <a:srgbClr val="006CDC"/>
                 </a:solidFill>
                 <a:latin typeface="Trebuchet MS"/>
                 <a:cs typeface="Trebuchet MS"/>
               </a:rPr>
-              <a:t>5</a:t>
+              <a:t>6</a:t>
             </a:r>
             <a:endParaRPr sz="600" dirty="0">
               <a:latin typeface="Trebuchet MS"/>
@@ -11232,8 +16451,8 @@
               <a:t>1</a:t>
             </a:r>
             <a:r>
-              <a:rPr lang="en-US" spc="-35" dirty="0"/>
-              <a:t>5</a:t>
+              <a:rPr lang="ru-RU" spc="-35" dirty="0"/>
+              <a:t>6</a:t>
             </a:r>
             <a:endParaRPr spc="-35" dirty="0"/>
           </a:p>
@@ -12071,8 +17290,8 @@
               <a:t>1</a:t>
             </a:r>
             <a:r>
-              <a:rPr lang="en-US" spc="-35" dirty="0"/>
-              <a:t>5</a:t>
+              <a:rPr lang="ru-RU" spc="-35" dirty="0"/>
+              <a:t>6</a:t>
             </a:r>
             <a:endParaRPr spc="-35" dirty="0"/>
           </a:p>
@@ -12510,8 +17729,8 @@
               <a:t>1</a:t>
             </a:r>
             <a:r>
-              <a:rPr lang="en-US" spc="-35" dirty="0"/>
-              <a:t>5</a:t>
+              <a:rPr lang="ru-RU" spc="-35" dirty="0"/>
+              <a:t>6</a:t>
             </a:r>
             <a:endParaRPr spc="-35" dirty="0"/>
           </a:p>
@@ -12723,7 +17942,7 @@
             </a:pPr>
             <a:r>
               <a:rPr lang="ru-RU" spc="-80" dirty="0"/>
-              <a:t>Сериализация сетевых пакетов </a:t>
+              <a:t>Исследование сериализации сетевых пакетов </a:t>
             </a:r>
             <a:endParaRPr spc="-25" dirty="0"/>
           </a:p>
@@ -12735,7 +17954,7 @@
             </a:pPr>
             <a:r>
               <a:rPr lang="ru-RU" sz="900" spc="-10" dirty="0"/>
-              <a:t>Описание проблемы</a:t>
+              <a:t> Описание проблемы</a:t>
             </a:r>
             <a:endParaRPr sz="900" dirty="0"/>
           </a:p>
@@ -12855,8 +18074,8 @@
               <a:t>1</a:t>
             </a:r>
             <a:r>
-              <a:rPr lang="en-US" spc="-35" dirty="0"/>
-              <a:t>5</a:t>
+              <a:rPr lang="ru-RU" spc="-35" dirty="0"/>
+              <a:t>6</a:t>
             </a:r>
             <a:endParaRPr spc="-35" dirty="0"/>
           </a:p>

--- a/Master/Diploma/presentation/Презентация.pptx
+++ b/Master/Diploma/presentation/Презентация.pptx
@@ -1007,7 +1007,7 @@
         <a:p>
           <a:r>
             <a:rPr lang="ru-RU" b="1" dirty="0"/>
-            <a:t>Реализация сетевого взаимодействия клиента с менеджером</a:t>
+            <a:t>Реализация сетевого взаимодействия компонентов системы</a:t>
           </a:r>
         </a:p>
       </dgm:t>
@@ -1043,7 +1043,7 @@
         <a:p>
           <a:r>
             <a:rPr lang="ru-RU" b="1" dirty="0"/>
-            <a:t>Реализация предоставления прав доступа на запуск выделенного сервера</a:t>
+            <a:t>Реализация предоставления прав доступа на запуск сессии на клиенте</a:t>
           </a:r>
         </a:p>
       </dgm:t>
@@ -1079,7 +1079,7 @@
         <a:p>
           <a:r>
             <a:rPr lang="ru-RU" b="1" dirty="0"/>
-            <a:t>Реализация предоставления прав доступа в автономном режиме</a:t>
+            <a:t>Реализация предоставления прав доступа на запуск сессии на клиенте в автономном режиме</a:t>
           </a:r>
         </a:p>
       </dgm:t>
@@ -1164,7 +1164,7 @@
         <a:p>
           <a:r>
             <a:rPr lang="ru-RU" b="1" dirty="0"/>
-            <a:t>Проведения исследования в области сериализации сетевых пакетов</a:t>
+            <a:t>Проведение исследования и оптимизации в области сериализации сетевых пакетов</a:t>
           </a:r>
         </a:p>
       </dgm:t>
@@ -2000,7 +2000,7 @@
           </a:pPr>
           <a:r>
             <a:rPr lang="ru-RU" sz="700" b="1" kern="1200" dirty="0"/>
-            <a:t>Реализация сетевого взаимодействия клиента с менеджером</a:t>
+            <a:t>Реализация сетевого взаимодействия компонентов системы</a:t>
           </a:r>
         </a:p>
       </dsp:txBody>
@@ -2150,7 +2150,7 @@
           </a:pPr>
           <a:r>
             <a:rPr lang="ru-RU" sz="700" b="1" kern="1200" dirty="0"/>
-            <a:t>Реализация предоставления прав доступа на запуск выделенного сервера</a:t>
+            <a:t>Реализация предоставления прав доступа на запуск сессии на клиенте</a:t>
           </a:r>
         </a:p>
       </dsp:txBody>
@@ -2300,7 +2300,7 @@
           </a:pPr>
           <a:r>
             <a:rPr lang="ru-RU" sz="700" b="1" kern="1200" dirty="0"/>
-            <a:t>Реализация предоставления прав доступа в автономном режиме</a:t>
+            <a:t>Реализация предоставления прав доступа на запуск сессии на клиенте в автономном режиме</a:t>
           </a:r>
         </a:p>
       </dsp:txBody>
@@ -2613,7 +2613,7 @@
           </a:pPr>
           <a:r>
             <a:rPr lang="ru-RU" sz="700" b="1" kern="1200" dirty="0"/>
-            <a:t>Проведения исследования в области сериализации сетевых пакетов</a:t>
+            <a:t>Проведение исследования и оптимизации в области сериализации сетевых пакетов</a:t>
           </a:r>
         </a:p>
       </dsp:txBody>
@@ -4071,7 +4071,7 @@
           <a:p>
             <a:fld id="{DF72D1E3-4C5F-416B-82F4-05E153DB2B2B}" type="datetimeFigureOut">
               <a:rPr lang="ru-RU" smtClean="0"/>
-              <a:t>28.05.2025</a:t>
+              <a:t>31.05.2025</a:t>
             </a:fld>
             <a:endParaRPr lang="ru-RU"/>
           </a:p>
@@ -4384,15 +4384,7 @@
           <a:p>
             <a:r>
               <a:rPr lang="ru-RU" dirty="0"/>
-              <a:t>Здесь можно сказать про технологию контейнеризации </a:t>
-            </a:r>
-            <a:r>
-              <a:rPr lang="en-US" dirty="0"/>
-              <a:t>VS </a:t>
-            </a:r>
-            <a:r>
-              <a:rPr lang="ru-RU" dirty="0"/>
-              <a:t>собственное решение</a:t>
+              <a:t>Здравствуйте, уважаемые коллеги! Сегодня я хотел бы представить Вам свою выпускную квалификационную работу.</a:t>
             </a:r>
           </a:p>
         </p:txBody>
@@ -4414,7 +4406,7 @@
           <a:p>
             <a:fld id="{88284CDB-7C0C-42AA-A512-672142C2910C}" type="slidenum">
               <a:rPr lang="ru-RU" smtClean="0"/>
-              <a:t>4</a:t>
+              <a:t>1</a:t>
             </a:fld>
             <a:endParaRPr lang="ru-RU"/>
           </a:p>
@@ -4423,7 +4415,7 @@
     </p:spTree>
     <p:extLst>
       <p:ext uri="{BB962C8B-B14F-4D97-AF65-F5344CB8AC3E}">
-        <p14:creationId xmlns:p14="http://schemas.microsoft.com/office/powerpoint/2010/main" val="3684189993"/>
+        <p14:creationId xmlns:p14="http://schemas.microsoft.com/office/powerpoint/2010/main" val="2864051866"/>
       </p:ext>
     </p:extLst>
   </p:cSld>
@@ -4479,7 +4471,29 @@
           <a:p>
             <a:r>
               <a:rPr lang="ru-RU" dirty="0"/>
-              <a:t>На слайде представлены примеры использования системы мониторинга. В результате помимо отображения таблицы были реализованы две важных операции, а именно сортировка и фильтрации. Данные операции являются обязательными для каждой таблицы, так как они значительно улучшают опыт пользователя с инструментом визуализации.</a:t>
+              <a:t>На данном слайде представлен пример одного из сетевых пакетов, используемых в системе для передачи информации о состоянии запущенного сервера. Такие пакеты формируется на стране</a:t>
+            </a:r>
+          </a:p>
+          <a:p>
+            <a:r>
+              <a:rPr lang="en-US" dirty="0"/>
+              <a:t>Unreal-</a:t>
+            </a:r>
+            <a:r>
+              <a:rPr lang="ru-RU" dirty="0"/>
+              <a:t>сервера и передаются менеджеру для последующей обработки.</a:t>
+            </a:r>
+          </a:p>
+          <a:p>
+            <a:r>
+              <a:rPr lang="ru-RU" dirty="0"/>
+              <a:t>Структура пакета включает в себя ключевые параметры, необходимые для регистрации и мониторинга сервера.</a:t>
+            </a:r>
+          </a:p>
+          <a:p>
+            <a:r>
+              <a:rPr lang="ru-RU" dirty="0"/>
+              <a:t>При реализации было важно оценить, как выбранный способ представления данных при сериализации влияет на объём памяти.</a:t>
             </a:r>
           </a:p>
         </p:txBody>
@@ -4501,7 +4515,7 @@
           <a:p>
             <a:fld id="{88284CDB-7C0C-42AA-A512-672142C2910C}" type="slidenum">
               <a:rPr lang="ru-RU" smtClean="0"/>
-              <a:t>14</a:t>
+              <a:t>10</a:t>
             </a:fld>
             <a:endParaRPr lang="ru-RU"/>
           </a:p>
@@ -4510,7 +4524,7 @@
     </p:spTree>
     <p:extLst>
       <p:ext uri="{BB962C8B-B14F-4D97-AF65-F5344CB8AC3E}">
-        <p14:creationId xmlns:p14="http://schemas.microsoft.com/office/powerpoint/2010/main" val="2423073363"/>
+        <p14:creationId xmlns:p14="http://schemas.microsoft.com/office/powerpoint/2010/main" val="2231809497"/>
       </p:ext>
     </p:extLst>
   </p:cSld>
@@ -4566,7 +4580,41 @@
           <a:p>
             <a:r>
               <a:rPr lang="ru-RU" dirty="0"/>
-              <a:t>На слайде представлены примеры использования системы мониторинга. В результате помимо отображения таблицы были реализованы две важных операции, а именно сортировка и фильтрации. Данные операции являются обязательными для каждой таблицы, так как они значительно улучшают опыт пользователя с инструментом визуализации.</a:t>
+              <a:t>Далее на слайде представлено выполненное сравнение двух видов сериализации.</a:t>
+            </a:r>
+          </a:p>
+          <a:p>
+            <a:r>
+              <a:rPr lang="ru-RU" dirty="0"/>
+              <a:t>Во-первых, сразу можно увидеть, что строковой вид занимает почти в 3 раза больше памяти, чем байтовый (при условии что один символ это 1 байт).</a:t>
+            </a:r>
+          </a:p>
+          <a:p>
+            <a:r>
+              <a:rPr lang="ru-RU" dirty="0"/>
+              <a:t>Во-вторых для реализации строковой сериализации используются такие операции со строками как разделение и поиск, что выполняется значительно дольше, чем копирование байт и операция приведения типа.</a:t>
+            </a:r>
+            <a:br>
+              <a:rPr lang="en-US" dirty="0"/>
+            </a:br>
+            <a:r>
+              <a:rPr lang="ru-RU" dirty="0"/>
+              <a:t>В-третьих, стоит учесть, что по </a:t>
+            </a:r>
+            <a:r>
+              <a:rPr lang="en-US" dirty="0"/>
+              <a:t>TCP </a:t>
+            </a:r>
+            <a:r>
+              <a:rPr lang="ru-RU" dirty="0"/>
+              <a:t>передается поток байт, а не строк. И перевод строк в байты также создает накладные расходы при сериализации.</a:t>
+            </a:r>
+            <a:br>
+              <a:rPr lang="en-US" dirty="0"/>
+            </a:br>
+            <a:r>
+              <a:rPr lang="ru-RU" dirty="0"/>
+              <a:t>Следовательно, несмотря на простоту и наглядность строкового метода, было отдано предпочтение байтовому типу сериализации.</a:t>
             </a:r>
           </a:p>
         </p:txBody>
@@ -4588,6 +4636,472 @@
           <a:p>
             <a:fld id="{88284CDB-7C0C-42AA-A512-672142C2910C}" type="slidenum">
               <a:rPr lang="ru-RU" smtClean="0"/>
+              <a:t>11</a:t>
+            </a:fld>
+            <a:endParaRPr lang="ru-RU"/>
+          </a:p>
+        </p:txBody>
+      </p:sp>
+    </p:spTree>
+    <p:extLst>
+      <p:ext uri="{BB962C8B-B14F-4D97-AF65-F5344CB8AC3E}">
+        <p14:creationId xmlns:p14="http://schemas.microsoft.com/office/powerpoint/2010/main" val="2299725393"/>
+      </p:ext>
+    </p:extLst>
+  </p:cSld>
+  <p:clrMapOvr>
+    <a:masterClrMapping/>
+  </p:clrMapOvr>
+</p:notes>
+</file>
+
+<file path=ppt/notesSlides/notesSlide12.xml><?xml version="1.0" encoding="utf-8"?>
+<p:notes xmlns:a="http://schemas.openxmlformats.org/drawingml/2006/main" xmlns:r="http://schemas.openxmlformats.org/officeDocument/2006/relationships" xmlns:p="http://schemas.openxmlformats.org/presentationml/2006/main">
+  <p:cSld>
+    <p:spTree>
+      <p:nvGrpSpPr>
+        <p:cNvPr id="1" name=""/>
+        <p:cNvGrpSpPr/>
+        <p:nvPr/>
+      </p:nvGrpSpPr>
+      <p:grpSpPr>
+        <a:xfrm>
+          <a:off x="0" y="0"/>
+          <a:ext cx="0" cy="0"/>
+          <a:chOff x="0" y="0"/>
+          <a:chExt cx="0" cy="0"/>
+        </a:xfrm>
+      </p:grpSpPr>
+      <p:sp>
+        <p:nvSpPr>
+          <p:cNvPr id="2" name="Образ слайда 1"/>
+          <p:cNvSpPr>
+            <a:spLocks noGrp="1" noRot="1" noChangeAspect="1"/>
+          </p:cNvSpPr>
+          <p:nvPr>
+            <p:ph type="sldImg"/>
+          </p:nvPr>
+        </p:nvSpPr>
+        <p:spPr/>
+      </p:sp>
+      <p:sp>
+        <p:nvSpPr>
+          <p:cNvPr id="3" name="Заметки 2"/>
+          <p:cNvSpPr>
+            <a:spLocks noGrp="1"/>
+          </p:cNvSpPr>
+          <p:nvPr>
+            <p:ph type="body" idx="1"/>
+          </p:nvPr>
+        </p:nvSpPr>
+        <p:spPr/>
+        <p:txBody>
+          <a:bodyPr/>
+          <a:lstStyle/>
+          <a:p>
+            <a:pPr marL="0" marR="0" lvl="0" indent="0" algn="l" defTabSz="914400" rtl="0" eaLnBrk="1" fontAlgn="auto" latinLnBrk="0" hangingPunct="1">
+              <a:lnSpc>
+                <a:spcPct val="100000"/>
+              </a:lnSpc>
+              <a:spcBef>
+                <a:spcPts val="0"/>
+              </a:spcBef>
+              <a:spcAft>
+                <a:spcPts val="0"/>
+              </a:spcAft>
+              <a:buClrTx/>
+              <a:buSzTx/>
+              <a:buFontTx/>
+              <a:buNone/>
+              <a:tabLst/>
+              <a:defRPr/>
+            </a:pPr>
+            <a:r>
+              <a:rPr lang="ru-RU" dirty="0"/>
+              <a:t>При решении поставленной задачи реализации механизма мониторинга встал вопрос о способе отображения информации о состоянии запущенных серверов.</a:t>
+            </a:r>
+          </a:p>
+          <a:p>
+            <a:pPr marL="0" marR="0" lvl="0" indent="0" algn="l" defTabSz="914400" rtl="0" eaLnBrk="1" fontAlgn="auto" latinLnBrk="0" hangingPunct="1">
+              <a:lnSpc>
+                <a:spcPct val="100000"/>
+              </a:lnSpc>
+              <a:spcBef>
+                <a:spcPts val="0"/>
+              </a:spcBef>
+              <a:spcAft>
+                <a:spcPts val="0"/>
+              </a:spcAft>
+              <a:buClrTx/>
+              <a:buSzTx/>
+              <a:buFontTx/>
+              <a:buNone/>
+              <a:tabLst/>
+              <a:defRPr/>
+            </a:pPr>
+            <a:r>
+              <a:rPr lang="ru-RU" dirty="0"/>
+              <a:t>На слайде представлены два основных варианта реализации интерфейса</a:t>
+            </a:r>
+            <a:r>
+              <a:rPr lang="en-US" dirty="0"/>
+              <a:t>: </a:t>
+            </a:r>
+            <a:r>
+              <a:rPr lang="ru-RU" dirty="0"/>
+              <a:t>консольный и графический. Каждый из них имеет свои преимущества и ограничения.</a:t>
+            </a:r>
+          </a:p>
+          <a:p>
+            <a:pPr marL="0" marR="0" lvl="0" indent="0" algn="l" defTabSz="914400" rtl="0" eaLnBrk="1" fontAlgn="auto" latinLnBrk="0" hangingPunct="1">
+              <a:lnSpc>
+                <a:spcPct val="100000"/>
+              </a:lnSpc>
+              <a:spcBef>
+                <a:spcPts val="0"/>
+              </a:spcBef>
+              <a:spcAft>
+                <a:spcPts val="0"/>
+              </a:spcAft>
+              <a:buClrTx/>
+              <a:buSzTx/>
+              <a:buFontTx/>
+              <a:buNone/>
+              <a:tabLst/>
+              <a:defRPr/>
+            </a:pPr>
+            <a:r>
+              <a:rPr lang="ru-RU" dirty="0"/>
+              <a:t>С учётом того, что подобные распределённые вычислительные системы преимущественно запускаются под управлением ОС Linux Debian без графической оболочки, было принято решение реализовать мониторинг через консольный интерфейс. Такой подход не требует наличия оконной среды, потребляет минимальные ресурсы и обеспечивает достаточный уровень информативности для решения поставленной задачи.</a:t>
+            </a:r>
+            <a:endParaRPr lang="en-US" dirty="0"/>
+          </a:p>
+        </p:txBody>
+      </p:sp>
+      <p:sp>
+        <p:nvSpPr>
+          <p:cNvPr id="4" name="Номер слайда 3"/>
+          <p:cNvSpPr>
+            <a:spLocks noGrp="1"/>
+          </p:cNvSpPr>
+          <p:nvPr>
+            <p:ph type="sldNum" sz="quarter" idx="5"/>
+          </p:nvPr>
+        </p:nvSpPr>
+        <p:spPr/>
+        <p:txBody>
+          <a:bodyPr/>
+          <a:lstStyle/>
+          <a:p>
+            <a:fld id="{88284CDB-7C0C-42AA-A512-672142C2910C}" type="slidenum">
+              <a:rPr lang="ru-RU" smtClean="0"/>
+              <a:t>12</a:t>
+            </a:fld>
+            <a:endParaRPr lang="ru-RU"/>
+          </a:p>
+        </p:txBody>
+      </p:sp>
+    </p:spTree>
+    <p:extLst>
+      <p:ext uri="{BB962C8B-B14F-4D97-AF65-F5344CB8AC3E}">
+        <p14:creationId xmlns:p14="http://schemas.microsoft.com/office/powerpoint/2010/main" val="3913982744"/>
+      </p:ext>
+    </p:extLst>
+  </p:cSld>
+  <p:clrMapOvr>
+    <a:masterClrMapping/>
+  </p:clrMapOvr>
+</p:notes>
+</file>
+
+<file path=ppt/notesSlides/notesSlide13.xml><?xml version="1.0" encoding="utf-8"?>
+<p:notes xmlns:a="http://schemas.openxmlformats.org/drawingml/2006/main" xmlns:r="http://schemas.openxmlformats.org/officeDocument/2006/relationships" xmlns:p="http://schemas.openxmlformats.org/presentationml/2006/main">
+  <p:cSld>
+    <p:spTree>
+      <p:nvGrpSpPr>
+        <p:cNvPr id="1" name=""/>
+        <p:cNvGrpSpPr/>
+        <p:nvPr/>
+      </p:nvGrpSpPr>
+      <p:grpSpPr>
+        <a:xfrm>
+          <a:off x="0" y="0"/>
+          <a:ext cx="0" cy="0"/>
+          <a:chOff x="0" y="0"/>
+          <a:chExt cx="0" cy="0"/>
+        </a:xfrm>
+      </p:grpSpPr>
+      <p:sp>
+        <p:nvSpPr>
+          <p:cNvPr id="2" name="Образ слайда 1"/>
+          <p:cNvSpPr>
+            <a:spLocks noGrp="1" noRot="1" noChangeAspect="1"/>
+          </p:cNvSpPr>
+          <p:nvPr>
+            <p:ph type="sldImg"/>
+          </p:nvPr>
+        </p:nvSpPr>
+        <p:spPr/>
+      </p:sp>
+      <p:sp>
+        <p:nvSpPr>
+          <p:cNvPr id="3" name="Заметки 2"/>
+          <p:cNvSpPr>
+            <a:spLocks noGrp="1"/>
+          </p:cNvSpPr>
+          <p:nvPr>
+            <p:ph type="body" idx="1"/>
+          </p:nvPr>
+        </p:nvSpPr>
+        <p:spPr/>
+        <p:txBody>
+          <a:bodyPr/>
+          <a:lstStyle/>
+          <a:p>
+            <a:r>
+              <a:rPr lang="ru-RU" dirty="0"/>
+              <a:t>В рамках данной работы мной была разработана система сетевого мониторинга. </a:t>
+            </a:r>
+          </a:p>
+          <a:p>
+            <a:r>
+              <a:rPr lang="ru-RU" dirty="0"/>
+              <a:t>В результате помимо отображения таблицы были реализованы две важных операции, а именно сортировка и фильтрация. </a:t>
+            </a:r>
+          </a:p>
+          <a:p>
+            <a:r>
+              <a:rPr lang="ru-RU" dirty="0"/>
+              <a:t>Важными параметрами для отображения в программе являются: </a:t>
+            </a:r>
+            <a:r>
+              <a:rPr lang="en-US" dirty="0"/>
+              <a:t>uuid (</a:t>
+            </a:r>
+            <a:r>
+              <a:rPr lang="ru-RU" dirty="0"/>
+              <a:t>уникальный идентификатор сервера), </a:t>
+            </a:r>
+            <a:r>
+              <a:rPr lang="en-US" dirty="0"/>
+              <a:t>IP-</a:t>
+            </a:r>
+            <a:r>
+              <a:rPr lang="ru-RU" dirty="0"/>
+              <a:t>адрес, текущее и максимальное возможное количество пользователей, а также текущее состояние матча.</a:t>
+            </a:r>
+          </a:p>
+        </p:txBody>
+      </p:sp>
+      <p:sp>
+        <p:nvSpPr>
+          <p:cNvPr id="4" name="Номер слайда 3"/>
+          <p:cNvSpPr>
+            <a:spLocks noGrp="1"/>
+          </p:cNvSpPr>
+          <p:nvPr>
+            <p:ph type="sldNum" sz="quarter" idx="5"/>
+          </p:nvPr>
+        </p:nvSpPr>
+        <p:spPr/>
+        <p:txBody>
+          <a:bodyPr/>
+          <a:lstStyle/>
+          <a:p>
+            <a:fld id="{88284CDB-7C0C-42AA-A512-672142C2910C}" type="slidenum">
+              <a:rPr lang="ru-RU" smtClean="0"/>
+              <a:t>13</a:t>
+            </a:fld>
+            <a:endParaRPr lang="ru-RU"/>
+          </a:p>
+        </p:txBody>
+      </p:sp>
+    </p:spTree>
+    <p:extLst>
+      <p:ext uri="{BB962C8B-B14F-4D97-AF65-F5344CB8AC3E}">
+        <p14:creationId xmlns:p14="http://schemas.microsoft.com/office/powerpoint/2010/main" val="1294738238"/>
+      </p:ext>
+    </p:extLst>
+  </p:cSld>
+  <p:clrMapOvr>
+    <a:masterClrMapping/>
+  </p:clrMapOvr>
+</p:notes>
+</file>
+
+<file path=ppt/notesSlides/notesSlide14.xml><?xml version="1.0" encoding="utf-8"?>
+<p:notes xmlns:a="http://schemas.openxmlformats.org/drawingml/2006/main" xmlns:r="http://schemas.openxmlformats.org/officeDocument/2006/relationships" xmlns:p="http://schemas.openxmlformats.org/presentationml/2006/main">
+  <p:cSld>
+    <p:spTree>
+      <p:nvGrpSpPr>
+        <p:cNvPr id="1" name=""/>
+        <p:cNvGrpSpPr/>
+        <p:nvPr/>
+      </p:nvGrpSpPr>
+      <p:grpSpPr>
+        <a:xfrm>
+          <a:off x="0" y="0"/>
+          <a:ext cx="0" cy="0"/>
+          <a:chOff x="0" y="0"/>
+          <a:chExt cx="0" cy="0"/>
+        </a:xfrm>
+      </p:grpSpPr>
+      <p:sp>
+        <p:nvSpPr>
+          <p:cNvPr id="2" name="Образ слайда 1"/>
+          <p:cNvSpPr>
+            <a:spLocks noGrp="1" noRot="1" noChangeAspect="1"/>
+          </p:cNvSpPr>
+          <p:nvPr>
+            <p:ph type="sldImg"/>
+          </p:nvPr>
+        </p:nvSpPr>
+        <p:spPr/>
+      </p:sp>
+      <p:sp>
+        <p:nvSpPr>
+          <p:cNvPr id="3" name="Заметки 2"/>
+          <p:cNvSpPr>
+            <a:spLocks noGrp="1"/>
+          </p:cNvSpPr>
+          <p:nvPr>
+            <p:ph type="body" idx="1"/>
+          </p:nvPr>
+        </p:nvSpPr>
+        <p:spPr/>
+        <p:txBody>
+          <a:bodyPr/>
+          <a:lstStyle/>
+          <a:p>
+            <a:r>
+              <a:rPr lang="ru-RU" dirty="0"/>
+              <a:t>На данном слайде представлены ключевые этапы разработки, в рамках которых приходилось проводить исследование, анализировать альтернативы и принимать архитектурные решения.</a:t>
+            </a:r>
+          </a:p>
+          <a:p>
+            <a:r>
+              <a:rPr lang="ru-RU" dirty="0"/>
+              <a:t>На каждом этапе возникали ограничения, например, избыточная ресурсоёмкость или лишние абстракции. В ответ на эти вызовы были реализованы</a:t>
+            </a:r>
+          </a:p>
+          <a:p>
+            <a:r>
+              <a:rPr lang="ru-RU" dirty="0"/>
+              <a:t>конкретные технические решения, которые принимались с ориентацией на надёжность, производительность и минимальные накладные расходы. Итогом этих выборов стали значительное снижение потребления памяти, повышение скорости работы и обеспечение кроссплатформенности всей системы.</a:t>
+            </a:r>
+          </a:p>
+        </p:txBody>
+      </p:sp>
+      <p:sp>
+        <p:nvSpPr>
+          <p:cNvPr id="4" name="Номер слайда 3"/>
+          <p:cNvSpPr>
+            <a:spLocks noGrp="1"/>
+          </p:cNvSpPr>
+          <p:nvPr>
+            <p:ph type="sldNum" sz="quarter" idx="5"/>
+          </p:nvPr>
+        </p:nvSpPr>
+        <p:spPr/>
+        <p:txBody>
+          <a:bodyPr/>
+          <a:lstStyle/>
+          <a:p>
+            <a:fld id="{88284CDB-7C0C-42AA-A512-672142C2910C}" type="slidenum">
+              <a:rPr lang="ru-RU" smtClean="0"/>
+              <a:t>14</a:t>
+            </a:fld>
+            <a:endParaRPr lang="ru-RU"/>
+          </a:p>
+        </p:txBody>
+      </p:sp>
+    </p:spTree>
+    <p:extLst>
+      <p:ext uri="{BB962C8B-B14F-4D97-AF65-F5344CB8AC3E}">
+        <p14:creationId xmlns:p14="http://schemas.microsoft.com/office/powerpoint/2010/main" val="2423073363"/>
+      </p:ext>
+    </p:extLst>
+  </p:cSld>
+  <p:clrMapOvr>
+    <a:masterClrMapping/>
+  </p:clrMapOvr>
+</p:notes>
+</file>
+
+<file path=ppt/notesSlides/notesSlide15.xml><?xml version="1.0" encoding="utf-8"?>
+<p:notes xmlns:a="http://schemas.openxmlformats.org/drawingml/2006/main" xmlns:r="http://schemas.openxmlformats.org/officeDocument/2006/relationships" xmlns:p="http://schemas.openxmlformats.org/presentationml/2006/main">
+  <p:cSld>
+    <p:spTree>
+      <p:nvGrpSpPr>
+        <p:cNvPr id="1" name=""/>
+        <p:cNvGrpSpPr/>
+        <p:nvPr/>
+      </p:nvGrpSpPr>
+      <p:grpSpPr>
+        <a:xfrm>
+          <a:off x="0" y="0"/>
+          <a:ext cx="0" cy="0"/>
+          <a:chOff x="0" y="0"/>
+          <a:chExt cx="0" cy="0"/>
+        </a:xfrm>
+      </p:grpSpPr>
+      <p:sp>
+        <p:nvSpPr>
+          <p:cNvPr id="2" name="Образ слайда 1"/>
+          <p:cNvSpPr>
+            <a:spLocks noGrp="1" noRot="1" noChangeAspect="1"/>
+          </p:cNvSpPr>
+          <p:nvPr>
+            <p:ph type="sldImg"/>
+          </p:nvPr>
+        </p:nvSpPr>
+        <p:spPr/>
+      </p:sp>
+      <p:sp>
+        <p:nvSpPr>
+          <p:cNvPr id="3" name="Заметки 2"/>
+          <p:cNvSpPr>
+            <a:spLocks noGrp="1"/>
+          </p:cNvSpPr>
+          <p:nvPr>
+            <p:ph type="body" idx="1"/>
+          </p:nvPr>
+        </p:nvSpPr>
+        <p:spPr/>
+        <p:txBody>
+          <a:bodyPr/>
+          <a:lstStyle/>
+          <a:p>
+            <a:r>
+              <a:rPr lang="ru-RU" dirty="0"/>
+              <a:t>На данном слайде продемонстрирована итоговая последовательность этапов разработки распределенной вычислительной системы, где каждое проектное решение основывалось на результатах предыдущего</a:t>
+            </a:r>
+          </a:p>
+          <a:p>
+            <a:r>
+              <a:rPr lang="ru-RU" dirty="0"/>
+              <a:t>и обеспечивало поступательное развитие системы.</a:t>
+            </a:r>
+          </a:p>
+        </p:txBody>
+      </p:sp>
+      <p:sp>
+        <p:nvSpPr>
+          <p:cNvPr id="4" name="Номер слайда 3"/>
+          <p:cNvSpPr>
+            <a:spLocks noGrp="1"/>
+          </p:cNvSpPr>
+          <p:nvPr>
+            <p:ph type="sldNum" sz="quarter" idx="5"/>
+          </p:nvPr>
+        </p:nvSpPr>
+        <p:spPr/>
+        <p:txBody>
+          <a:bodyPr/>
+          <a:lstStyle/>
+          <a:p>
+            <a:fld id="{88284CDB-7C0C-42AA-A512-672142C2910C}" type="slidenum">
+              <a:rPr lang="ru-RU" smtClean="0"/>
               <a:t>15</a:t>
             </a:fld>
             <a:endParaRPr lang="ru-RU"/>
@@ -4598,6 +5112,131 @@
     <p:extLst>
       <p:ext uri="{BB962C8B-B14F-4D97-AF65-F5344CB8AC3E}">
         <p14:creationId xmlns:p14="http://schemas.microsoft.com/office/powerpoint/2010/main" val="2773770145"/>
+      </p:ext>
+    </p:extLst>
+  </p:cSld>
+  <p:clrMapOvr>
+    <a:masterClrMapping/>
+  </p:clrMapOvr>
+</p:notes>
+</file>
+
+<file path=ppt/notesSlides/notesSlide16.xml><?xml version="1.0" encoding="utf-8"?>
+<p:notes xmlns:a="http://schemas.openxmlformats.org/drawingml/2006/main" xmlns:r="http://schemas.openxmlformats.org/officeDocument/2006/relationships" xmlns:p="http://schemas.openxmlformats.org/presentationml/2006/main">
+  <p:cSld>
+    <p:spTree>
+      <p:nvGrpSpPr>
+        <p:cNvPr id="1" name=""/>
+        <p:cNvGrpSpPr/>
+        <p:nvPr/>
+      </p:nvGrpSpPr>
+      <p:grpSpPr>
+        <a:xfrm>
+          <a:off x="0" y="0"/>
+          <a:ext cx="0" cy="0"/>
+          <a:chOff x="0" y="0"/>
+          <a:chExt cx="0" cy="0"/>
+        </a:xfrm>
+      </p:grpSpPr>
+      <p:sp>
+        <p:nvSpPr>
+          <p:cNvPr id="2" name="Образ слайда 1"/>
+          <p:cNvSpPr>
+            <a:spLocks noGrp="1" noRot="1" noChangeAspect="1"/>
+          </p:cNvSpPr>
+          <p:nvPr>
+            <p:ph type="sldImg"/>
+          </p:nvPr>
+        </p:nvSpPr>
+        <p:spPr/>
+      </p:sp>
+      <p:sp>
+        <p:nvSpPr>
+          <p:cNvPr id="3" name="Заметки 2"/>
+          <p:cNvSpPr>
+            <a:spLocks noGrp="1"/>
+          </p:cNvSpPr>
+          <p:nvPr>
+            <p:ph type="body" idx="1"/>
+          </p:nvPr>
+        </p:nvSpPr>
+        <p:spPr/>
+        <p:txBody>
+          <a:bodyPr/>
+          <a:lstStyle/>
+          <a:p>
+            <a:r>
+              <a:rPr lang="ru-RU" dirty="0"/>
+              <a:t>Таким образом, в результате выполнения выпускной квалификационной работы было разработана распределенная система автоматизированного запуска и мониторинга выделенных</a:t>
+            </a:r>
+          </a:p>
+          <a:p>
+            <a:r>
+              <a:rPr lang="ru-RU" dirty="0"/>
+              <a:t>серверов на базе </a:t>
+            </a:r>
+            <a:r>
+              <a:rPr lang="en-US" dirty="0"/>
+              <a:t>Unreal Engine </a:t>
+            </a:r>
+            <a:r>
+              <a:rPr lang="ru-RU" dirty="0"/>
+              <a:t>4. В процессе реализации проекта были приобретены практические навыки в области низкоуровневого программирования на </a:t>
+            </a:r>
+            <a:r>
+              <a:rPr lang="en-US" dirty="0"/>
+              <a:t>C++</a:t>
+            </a:r>
+            <a:r>
+              <a:rPr lang="ru-RU" dirty="0"/>
+              <a:t>, а также получен опыт проектирования архитектуры</a:t>
+            </a:r>
+          </a:p>
+          <a:p>
+            <a:r>
+              <a:rPr lang="ru-RU" dirty="0"/>
+              <a:t>распределенных серверных приложений. Полученные знания в дальнейшем будут применены при создании аналогичных систем управления вычислительными процессами в ресурсоограниченной среде.</a:t>
+            </a:r>
+            <a:br>
+              <a:rPr lang="ru-RU" dirty="0"/>
+            </a:br>
+            <a:br>
+              <a:rPr lang="ru-RU" dirty="0"/>
+            </a:br>
+            <a:r>
+              <a:rPr lang="ru-RU" dirty="0"/>
+              <a:t>Спасибо за внимание, пожалуйста, Ваши вопросы!</a:t>
+            </a:r>
+          </a:p>
+        </p:txBody>
+      </p:sp>
+      <p:sp>
+        <p:nvSpPr>
+          <p:cNvPr id="4" name="Номер слайда 3"/>
+          <p:cNvSpPr>
+            <a:spLocks noGrp="1"/>
+          </p:cNvSpPr>
+          <p:nvPr>
+            <p:ph type="sldNum" sz="quarter" idx="5"/>
+          </p:nvPr>
+        </p:nvSpPr>
+        <p:spPr/>
+        <p:txBody>
+          <a:bodyPr/>
+          <a:lstStyle/>
+          <a:p>
+            <a:fld id="{88284CDB-7C0C-42AA-A512-672142C2910C}" type="slidenum">
+              <a:rPr lang="ru-RU" smtClean="0"/>
+              <a:t>16</a:t>
+            </a:fld>
+            <a:endParaRPr lang="ru-RU"/>
+          </a:p>
+        </p:txBody>
+      </p:sp>
+    </p:spTree>
+    <p:extLst>
+      <p:ext uri="{BB962C8B-B14F-4D97-AF65-F5344CB8AC3E}">
+        <p14:creationId xmlns:p14="http://schemas.microsoft.com/office/powerpoint/2010/main" val="2107816053"/>
       </p:ext>
     </p:extLst>
   </p:cSld>
@@ -4651,7 +5290,10 @@
           <a:bodyPr/>
           <a:lstStyle/>
           <a:p>
-            <a:endParaRPr lang="ru-RU" dirty="0"/>
+            <a:r>
+              <a:rPr lang="ru-RU" dirty="0"/>
+              <a:t>На данном слайде в раздаточном материале Вы можете ознакомиться с используемыми в работе сокращениями и определениями.</a:t>
+            </a:r>
           </a:p>
         </p:txBody>
       </p:sp>
@@ -4672,7 +5314,7 @@
           <a:p>
             <a:fld id="{88284CDB-7C0C-42AA-A512-672142C2910C}" type="slidenum">
               <a:rPr lang="ru-RU" smtClean="0"/>
-              <a:t>5</a:t>
+              <a:t>2</a:t>
             </a:fld>
             <a:endParaRPr lang="ru-RU"/>
           </a:p>
@@ -4681,7 +5323,7 @@
     </p:spTree>
     <p:extLst>
       <p:ext uri="{BB962C8B-B14F-4D97-AF65-F5344CB8AC3E}">
-        <p14:creationId xmlns:p14="http://schemas.microsoft.com/office/powerpoint/2010/main" val="2620866304"/>
+        <p14:creationId xmlns:p14="http://schemas.microsoft.com/office/powerpoint/2010/main" val="992209089"/>
       </p:ext>
     </p:extLst>
   </p:cSld>
@@ -4735,7 +5377,44 @@
           <a:bodyPr/>
           <a:lstStyle/>
           <a:p>
-            <a:endParaRPr lang="ru-RU" dirty="0"/>
+            <a:r>
+              <a:rPr lang="ru-RU" dirty="0"/>
+              <a:t>В современном программном обеспечении одной из ключевых задач становится масштабирование распределённых вычислительных систем. Речь идет о возможности динамически</a:t>
+            </a:r>
+          </a:p>
+          <a:p>
+            <a:r>
+              <a:rPr lang="ru-RU" dirty="0"/>
+              <a:t>менять количество обрабатываемых задач или запросов пользователей за счет развертывания дополнительных вычислительных единиц. Одной из таких задач, требующих масштабирования и</a:t>
+            </a:r>
+          </a:p>
+          <a:p>
+            <a:r>
+              <a:rPr lang="ru-RU" dirty="0"/>
+              <a:t>автоматизации является запуск большого количества выделенных серверов, построенных на базе </a:t>
+            </a:r>
+            <a:r>
+              <a:rPr lang="en-US" dirty="0"/>
+              <a:t>Unreal Engine 4. </a:t>
+            </a:r>
+            <a:r>
+              <a:rPr lang="ru-RU" dirty="0"/>
+              <a:t>На данном слайде представлены два подхода к масштабированию</a:t>
+            </a:r>
+            <a:r>
+              <a:rPr lang="en-US" dirty="0"/>
+              <a:t>: </a:t>
+            </a:r>
+            <a:r>
+              <a:rPr lang="ru-RU" dirty="0"/>
+              <a:t>технология контейнеризации</a:t>
+            </a:r>
+          </a:p>
+          <a:p>
+            <a:r>
+              <a:rPr lang="ru-RU" dirty="0"/>
+              <a:t>и нативный запуск процесса. В ходе исследовательской части работы были выявлены недостатки и преимущества каждого из подходов, которые представлены на слайде.</a:t>
+            </a:r>
           </a:p>
         </p:txBody>
       </p:sp>
@@ -4756,7 +5435,7 @@
           <a:p>
             <a:fld id="{88284CDB-7C0C-42AA-A512-672142C2910C}" type="slidenum">
               <a:rPr lang="ru-RU" smtClean="0"/>
-              <a:t>6</a:t>
+              <a:t>3</a:t>
             </a:fld>
             <a:endParaRPr lang="ru-RU"/>
           </a:p>
@@ -4765,7 +5444,7 @@
     </p:spTree>
     <p:extLst>
       <p:ext uri="{BB962C8B-B14F-4D97-AF65-F5344CB8AC3E}">
-        <p14:creationId xmlns:p14="http://schemas.microsoft.com/office/powerpoint/2010/main" val="1032228779"/>
+        <p14:creationId xmlns:p14="http://schemas.microsoft.com/office/powerpoint/2010/main" val="2180990166"/>
       </p:ext>
     </p:extLst>
   </p:cSld>
@@ -4819,7 +5498,32 @@
           <a:bodyPr/>
           <a:lstStyle/>
           <a:p>
-            <a:endParaRPr lang="ru-RU" dirty="0"/>
+            <a:r>
+              <a:rPr lang="ru-RU" dirty="0"/>
+              <a:t>В рамках исследовательской работы мною был рассмотрен и реализован как вариант с использованием технологии контейнеризации (</a:t>
+            </a:r>
+            <a:r>
+              <a:rPr lang="en-US" dirty="0"/>
+              <a:t>Docker </a:t>
+            </a:r>
+            <a:r>
+              <a:rPr lang="ru-RU" dirty="0"/>
+              <a:t>и </a:t>
+            </a:r>
+            <a:r>
+              <a:rPr lang="en-US" dirty="0"/>
+              <a:t>Minikube)</a:t>
+            </a:r>
+            <a:r>
+              <a:rPr lang="ru-RU" dirty="0"/>
+              <a:t>, так и вариант с прямым запуском процесса сервера.</a:t>
+            </a:r>
+          </a:p>
+          <a:p>
+            <a:r>
+              <a:rPr lang="ru-RU" dirty="0"/>
+              <a:t>Полученные результаты измерения потребления вычислительных ресурсов и производительности, представленные на слайде, показали, что контейнеризация приводит к избыточным накладным расходом, по сравнении с методом прямого запуска. Таким образом, для достижения более легковесного решения потребовалась разработка собственной системы автоматизированного запуска, основанной на прямом управлении жизненного цикла серверных процессов.</a:t>
+            </a:r>
           </a:p>
         </p:txBody>
       </p:sp>
@@ -4840,7 +5544,7 @@
           <a:p>
             <a:fld id="{88284CDB-7C0C-42AA-A512-672142C2910C}" type="slidenum">
               <a:rPr lang="ru-RU" smtClean="0"/>
-              <a:t>7</a:t>
+              <a:t>4</a:t>
             </a:fld>
             <a:endParaRPr lang="ru-RU"/>
           </a:p>
@@ -4849,7 +5553,7 @@
     </p:spTree>
     <p:extLst>
       <p:ext uri="{BB962C8B-B14F-4D97-AF65-F5344CB8AC3E}">
-        <p14:creationId xmlns:p14="http://schemas.microsoft.com/office/powerpoint/2010/main" val="4273936651"/>
+        <p14:creationId xmlns:p14="http://schemas.microsoft.com/office/powerpoint/2010/main" val="3684189993"/>
       </p:ext>
     </p:extLst>
   </p:cSld>
@@ -4905,30 +5609,31 @@
           <a:p>
             <a:r>
               <a:rPr lang="ru-RU" dirty="0"/>
-              <a:t>Для выполнения задачи программной сериализации сетевых пакетов было выделено два подхода, которые представлены на слайде.</a:t>
+              <a:t>Итого, целью работы является разработка системы, которая позволяла бы в режиме реального времени автоматизировать управление выделенными серверами, а также отслеживать их текущее</a:t>
             </a:r>
           </a:p>
           <a:p>
             <a:r>
               <a:rPr lang="ru-RU" dirty="0"/>
-              <a:t>Строковая сериализация работает со строковыми данными определенного формата, бинарная сериализация работает с строго определенной последовательностью байт</a:t>
-            </a:r>
-            <a:r>
-              <a:rPr lang="en-US" dirty="0"/>
-              <a:t>.</a:t>
-            </a:r>
-            <a:endParaRPr lang="ru-RU" dirty="0"/>
+              <a:t>состояние, обеспечивая при этом минимальные накладные расходы.</a:t>
+            </a:r>
           </a:p>
           <a:p>
             <a:r>
               <a:rPr lang="ru-RU" dirty="0"/>
-              <a:t>Оба способа были реализованы и интегрированы в систему передачи данных и протестированы на практике.</a:t>
+              <a:t>Для реализации поставленной цели было необходимо в рамках НИР проанализировать существующие подходы, применяемые при разработке архитектуры распределенных вычислительных систем.</a:t>
             </a:r>
           </a:p>
           <a:p>
             <a:r>
               <a:rPr lang="ru-RU" dirty="0"/>
-              <a:t>В результате проведенного сравнительного анализа были выделены сильные и слабые стороны каждого подхода, которые можно увидеть на слайде.	</a:t>
+              <a:t>В рамках практической части необходимо было реализовать механизм коммуникации между разрабатываемыми компонентами системы, реализовать механизм мониторинга состояния запущенных серверов,</a:t>
+            </a:r>
+          </a:p>
+          <a:p>
+            <a:r>
+              <a:rPr lang="ru-RU" dirty="0"/>
+              <a:t>и обеспечить корректную работу всех компонентов в среде с ОС Linux.</a:t>
             </a:r>
           </a:p>
         </p:txBody>
@@ -4950,7 +5655,7 @@
           <a:p>
             <a:fld id="{88284CDB-7C0C-42AA-A512-672142C2910C}" type="slidenum">
               <a:rPr lang="ru-RU" smtClean="0"/>
-              <a:t>9</a:t>
+              <a:t>5</a:t>
             </a:fld>
             <a:endParaRPr lang="ru-RU"/>
           </a:p>
@@ -4959,7 +5664,7 @@
     </p:spTree>
     <p:extLst>
       <p:ext uri="{BB962C8B-B14F-4D97-AF65-F5344CB8AC3E}">
-        <p14:creationId xmlns:p14="http://schemas.microsoft.com/office/powerpoint/2010/main" val="797374090"/>
+        <p14:creationId xmlns:p14="http://schemas.microsoft.com/office/powerpoint/2010/main" val="2620866304"/>
       </p:ext>
     </p:extLst>
   </p:cSld>
@@ -5015,30 +5720,47 @@
           <a:p>
             <a:r>
               <a:rPr lang="ru-RU" dirty="0"/>
-              <a:t>Для выполнения задачи программной реализации сериализации сетевых пакетов было выделено два подхода, которые представлены на слайде.</a:t>
-            </a:r>
-          </a:p>
-          <a:p>
+              <a:t>На данном слайде представлена архитектура разработанной системы. Все компоненты условно разделены на три уровня</a:t>
+            </a:r>
+            <a:r>
+              <a:rPr lang="en-US" dirty="0"/>
+              <a:t>:</a:t>
+            </a:r>
             <a:r>
               <a:rPr lang="ru-RU" dirty="0"/>
-              <a:t>Строковая сериализация работает со строковыми данными определенного формата, бинарная сериализация работает с строго определенной последовательностью байт</a:t>
+              <a:t> клиентский, управляющий и вычислительный.</a:t>
+            </a:r>
+          </a:p>
+          <a:p>
+            <a:r>
+              <a:rPr lang="ru-RU" dirty="0"/>
+              <a:t>Менеджер серверов – центральный элемент системы, развернутый на управляющем узле. Такой подход позволяет изолировать управляющую логику от вычислительной, что повышает надёжность системы.</a:t>
+            </a:r>
+          </a:p>
+          <a:p>
+            <a:r>
+              <a:rPr lang="ru-RU" dirty="0"/>
+              <a:t>Программа-демон размещается на вычислительном узле, где запускаются процессы выделенных серверов. Такое размещение обеспечивает демону прямой локальный доступ к системным ресурсам и процессам</a:t>
+            </a:r>
+          </a:p>
+          <a:p>
+            <a:r>
+              <a:rPr lang="ru-RU" dirty="0"/>
+              <a:t>посредством системных вызовов.</a:t>
+            </a:r>
+          </a:p>
+          <a:p>
+            <a:r>
+              <a:rPr lang="ru-RU" dirty="0"/>
+              <a:t>Сервер </a:t>
             </a:r>
             <a:r>
               <a:rPr lang="en-US" dirty="0"/>
-              <a:t>.</a:t>
-            </a:r>
-            <a:endParaRPr lang="ru-RU" dirty="0"/>
-          </a:p>
-          <a:p>
+              <a:t>Unreal Engine – </a:t>
+            </a:r>
             <a:r>
               <a:rPr lang="ru-RU" dirty="0"/>
-              <a:t>Оба способа были реализованы и интегрированы в систему передачи данных и протестированы на практике.</a:t>
-            </a:r>
-          </a:p>
-          <a:p>
-            <a:r>
-              <a:rPr lang="ru-RU" dirty="0"/>
-              <a:t>В результате проведенного сравнительного анализа были выделены сильные и слабые стороны каждого подхода, которые можно увидеть на слайде.	</a:t>
+              <a:t>отдельный процесс, обслуживающий подключившихся клиентов в рамках общего виртуального пространства, который необходимо масштабировать.</a:t>
             </a:r>
           </a:p>
         </p:txBody>
@@ -5060,7 +5782,7 @@
           <a:p>
             <a:fld id="{88284CDB-7C0C-42AA-A512-672142C2910C}" type="slidenum">
               <a:rPr lang="ru-RU" smtClean="0"/>
-              <a:t>10</a:t>
+              <a:t>6</a:t>
             </a:fld>
             <a:endParaRPr lang="ru-RU"/>
           </a:p>
@@ -5069,7 +5791,7 @@
     </p:spTree>
     <p:extLst>
       <p:ext uri="{BB962C8B-B14F-4D97-AF65-F5344CB8AC3E}">
-        <p14:creationId xmlns:p14="http://schemas.microsoft.com/office/powerpoint/2010/main" val="2231809497"/>
+        <p14:creationId xmlns:p14="http://schemas.microsoft.com/office/powerpoint/2010/main" val="1032228779"/>
       </p:ext>
     </p:extLst>
   </p:cSld>
@@ -5125,61 +5847,33 @@
           <a:p>
             <a:r>
               <a:rPr lang="ru-RU" dirty="0"/>
-              <a:t>На слайде представлено выполненное во время проведенного исследования сравнение двух видов сериализации.</a:t>
-            </a:r>
-          </a:p>
-          <a:p>
+              <a:t>При проектировании механизма сетевого взаимодействия между клиентом и запущенным сервером возник вопрос</a:t>
+            </a:r>
+            <a:r>
+              <a:rPr lang="en-US" dirty="0"/>
+              <a:t>: </a:t>
+            </a:r>
             <a:r>
               <a:rPr lang="ru-RU" dirty="0"/>
-              <a:t>Во-первых, сразу можно увидеть, что строковой вид занимает почти в 3 раза больше места, чем байтовый (при условии что один символ это 1 байт).</a:t>
+              <a:t>кому сервер должен передавать параметры для подключения – напрямую клиенту (схема в левой части слайда)</a:t>
             </a:r>
           </a:p>
           <a:p>
             <a:r>
               <a:rPr lang="ru-RU" dirty="0"/>
-              <a:t>Во-вторых для реализации строковой сериализации используются такие операции со строками как разделение и поиск, что выполняется значительно дольше, чем </a:t>
-            </a:r>
-            <a:r>
-              <a:rPr lang="en-US" dirty="0" err="1"/>
-              <a:t>memcpy</a:t>
-            </a:r>
-            <a:r>
-              <a:rPr lang="en-US" dirty="0"/>
-              <a:t> </a:t>
-            </a:r>
+              <a:t>или менеджеру (схема в правой части слайда). Первый вариант потенциально предполагает более надежное решение за счет меньшего количества промежуточных узлов, но снижает прозрачность системы.</a:t>
+            </a:r>
+          </a:p>
+          <a:p>
             <a:r>
               <a:rPr lang="ru-RU" dirty="0"/>
-              <a:t>и </a:t>
-            </a:r>
-            <a:r>
-              <a:rPr lang="en-US" dirty="0" err="1"/>
-              <a:t>static_cast</a:t>
-            </a:r>
-            <a:r>
-              <a:rPr lang="en-US" dirty="0"/>
-              <a:t>&lt;T&gt;</a:t>
-            </a:r>
-            <a:br>
-              <a:rPr lang="en-US" dirty="0"/>
-            </a:br>
+              <a:t>Второй вариант позволяет централизованно контролировать и логировать все этапы взаимодействия узлов и упрощать отладку. Несмотря на наличие дополнительного промежуточного узла, был выбран именно</a:t>
+            </a:r>
+          </a:p>
+          <a:p>
             <a:r>
               <a:rPr lang="ru-RU" dirty="0"/>
-              <a:t>В-третьих, стоит учесть, что по </a:t>
-            </a:r>
-            <a:r>
-              <a:rPr lang="en-US" dirty="0"/>
-              <a:t>TCP </a:t>
-            </a:r>
-            <a:r>
-              <a:rPr lang="ru-RU" dirty="0"/>
-              <a:t>передается поток байтов, а не строк. И перевод строк в байты также создает накладные расходы при сериализации.</a:t>
-            </a:r>
-            <a:br>
-              <a:rPr lang="en-US" dirty="0"/>
-            </a:br>
-            <a:r>
-              <a:rPr lang="ru-RU" dirty="0"/>
-              <a:t>Следовательно, несмотря на простоту и наглядность строкового метода, было отдано предпочтение побайтовому типу сериализации.</a:t>
+              <a:t>второй вариант, как более управляемый с точки зрения архитектуры системы.</a:t>
             </a:r>
           </a:p>
         </p:txBody>
@@ -5201,7 +5895,7 @@
           <a:p>
             <a:fld id="{88284CDB-7C0C-42AA-A512-672142C2910C}" type="slidenum">
               <a:rPr lang="ru-RU" smtClean="0"/>
-              <a:t>11</a:t>
+              <a:t>7</a:t>
             </a:fld>
             <a:endParaRPr lang="ru-RU"/>
           </a:p>
@@ -5210,7 +5904,7 @@
     </p:spTree>
     <p:extLst>
       <p:ext uri="{BB962C8B-B14F-4D97-AF65-F5344CB8AC3E}">
-        <p14:creationId xmlns:p14="http://schemas.microsoft.com/office/powerpoint/2010/main" val="2299725393"/>
+        <p14:creationId xmlns:p14="http://schemas.microsoft.com/office/powerpoint/2010/main" val="4273936651"/>
       </p:ext>
     </p:extLst>
   </p:cSld>
@@ -5264,52 +5958,30 @@
           <a:bodyPr/>
           <a:lstStyle/>
           <a:p>
-            <a:pPr marL="0" marR="0" lvl="0" indent="0" algn="l" defTabSz="914400" rtl="0" eaLnBrk="1" fontAlgn="auto" latinLnBrk="0" hangingPunct="1">
-              <a:lnSpc>
-                <a:spcPct val="100000"/>
-              </a:lnSpc>
-              <a:spcBef>
-                <a:spcPts val="0"/>
-              </a:spcBef>
-              <a:spcAft>
-                <a:spcPts val="0"/>
-              </a:spcAft>
-              <a:buClrTx/>
-              <a:buSzTx/>
-              <a:buFontTx/>
-              <a:buNone/>
-              <a:tabLst/>
-              <a:defRPr/>
-            </a:pPr>
             <a:r>
               <a:rPr lang="ru-RU" dirty="0"/>
-              <a:t>Современные приложения могут отображать информацию пользователю разными способами. На слайде представлено два основных способа отображения информации. Каждый подход имеет свои недостатки и преимущества, которые также представлены на слайде. После проведения анализа, выбор пал в сторону реализации через консольный интерфейс по нескольким причинам. Во-первых система должна функционировать на серверах </a:t>
+              <a:t>На данном слайде представлена </a:t>
             </a:r>
             <a:r>
               <a:rPr lang="en-US" dirty="0"/>
-              <a:t>Linux Debian, </a:t>
+              <a:t>UML-</a:t>
             </a:r>
             <a:r>
               <a:rPr lang="ru-RU" dirty="0"/>
-              <a:t>где не предусмотрено наличие графической оболочки </a:t>
-            </a:r>
-            <a:r>
-              <a:rPr lang="en-US" dirty="0"/>
-              <a:t>GNOME</a:t>
-            </a:r>
+              <a:t>диаграмма последовательности типового сценария использования системы. Пользователь запускает клиентское приложение, авторизуется и инициирует запрос на участие в сессии.</a:t>
+            </a:r>
+          </a:p>
+          <a:p>
             <a:r>
               <a:rPr lang="ru-RU" dirty="0"/>
-              <a:t> или </a:t>
-            </a:r>
-            <a:r>
-              <a:rPr lang="en-US" dirty="0"/>
-              <a:t>KDE. </a:t>
-            </a:r>
+              <a:t>Менеджер серверов либо направляет клиента на уже активный сервер, либо инициирует запуск нового экземпляра через программу-демон, как показано на слайде.</a:t>
+            </a:r>
+          </a:p>
+          <a:p>
             <a:r>
               <a:rPr lang="ru-RU" dirty="0"/>
-              <a:t>Во-вторых, графический интерфейс оказался бы избыточным для реализации поставленных целей.</a:t>
-            </a:r>
-            <a:endParaRPr lang="en-US" dirty="0"/>
+              <a:t>После запуска сервер передаёт менеджеру информацию о своём состоянии и сетевых параметрах. Менеджер, в свою очередь, пересылает их клиенту, который подключается к серверу для взаимодействия с другими пользователями в общем виртуальном пространстве.</a:t>
+            </a:r>
           </a:p>
         </p:txBody>
       </p:sp>
@@ -5330,7 +6002,7 @@
           <a:p>
             <a:fld id="{88284CDB-7C0C-42AA-A512-672142C2910C}" type="slidenum">
               <a:rPr lang="ru-RU" smtClean="0"/>
-              <a:t>12</a:t>
+              <a:t>8</a:t>
             </a:fld>
             <a:endParaRPr lang="ru-RU"/>
           </a:p>
@@ -5339,7 +6011,7 @@
     </p:spTree>
     <p:extLst>
       <p:ext uri="{BB962C8B-B14F-4D97-AF65-F5344CB8AC3E}">
-        <p14:creationId xmlns:p14="http://schemas.microsoft.com/office/powerpoint/2010/main" val="3913982744"/>
+        <p14:creationId xmlns:p14="http://schemas.microsoft.com/office/powerpoint/2010/main" val="2380994686"/>
       </p:ext>
     </p:extLst>
   </p:cSld>
@@ -5395,19 +6067,33 @@
           <a:p>
             <a:r>
               <a:rPr lang="ru-RU" dirty="0"/>
-              <a:t>В рамках данной работы мной была разработана система сетевого мониторинга. </a:t>
+              <a:t>Для корректного сетевого взаимодействия между компонентами системы необходимо было решить задачу сериализации передаваемых данных.</a:t>
             </a:r>
           </a:p>
           <a:p>
             <a:r>
               <a:rPr lang="ru-RU" dirty="0"/>
-              <a:t>В результате помимо отображения таблицы были реализованы две важных операции, а именно сортировка и фильтрации. </a:t>
-            </a:r>
-          </a:p>
-          <a:p>
+              <a:t>В рамках разработки мною были реализованы и протестированы два подхода</a:t>
+            </a:r>
+            <a:r>
+              <a:rPr lang="en-US" dirty="0"/>
+              <a:t>: </a:t>
+            </a:r>
             <a:r>
               <a:rPr lang="ru-RU" dirty="0"/>
-              <a:t>Важными параметрами для отображения в программе являются:</a:t>
+              <a:t>строковая и бинарная сериализация.</a:t>
+            </a:r>
+          </a:p>
+          <a:p>
+            <a:r>
+              <a:rPr lang="ru-RU" dirty="0"/>
+              <a:t>Оба способа были интегрированы в систему и подвергнуты сравнительному анализу.</a:t>
+            </a:r>
+          </a:p>
+          <a:p>
+            <a:r>
+              <a:rPr lang="ru-RU" dirty="0"/>
+              <a:t>По результатам анализа были определены преимущества и недостатки каждого из подходов, что легло в основу выбора оптимального варианта для дальнейшей работы</a:t>
             </a:r>
           </a:p>
         </p:txBody>
@@ -5429,7 +6115,7 @@
           <a:p>
             <a:fld id="{88284CDB-7C0C-42AA-A512-672142C2910C}" type="slidenum">
               <a:rPr lang="ru-RU" smtClean="0"/>
-              <a:t>13</a:t>
+              <a:t>9</a:t>
             </a:fld>
             <a:endParaRPr lang="ru-RU"/>
           </a:p>
@@ -5438,7 +6124,7 @@
     </p:spTree>
     <p:extLst>
       <p:ext uri="{BB962C8B-B14F-4D97-AF65-F5344CB8AC3E}">
-        <p14:creationId xmlns:p14="http://schemas.microsoft.com/office/powerpoint/2010/main" val="1294738238"/>
+        <p14:creationId xmlns:p14="http://schemas.microsoft.com/office/powerpoint/2010/main" val="797374090"/>
       </p:ext>
     </p:extLst>
   </p:cSld>
@@ -5599,7 +6285,7 @@
           <a:p>
             <a:fld id="{1D8BD707-D9CF-40AE-B4C6-C98DA3205C09}" type="datetimeFigureOut">
               <a:rPr lang="en-US"/>
-              <a:t>5/28/2025</a:t>
+              <a:t>5/31/2025</a:t>
             </a:fld>
             <a:endParaRPr lang="en-US"/>
           </a:p>
@@ -5796,7 +6482,7 @@
           <a:p>
             <a:fld id="{1D8BD707-D9CF-40AE-B4C6-C98DA3205C09}" type="datetimeFigureOut">
               <a:rPr lang="en-US"/>
-              <a:t>5/28/2025</a:t>
+              <a:t>5/31/2025</a:t>
             </a:fld>
             <a:endParaRPr lang="en-US"/>
           </a:p>
@@ -6030,7 +6716,7 @@
           <a:p>
             <a:fld id="{1D8BD707-D9CF-40AE-B4C6-C98DA3205C09}" type="datetimeFigureOut">
               <a:rPr lang="en-US"/>
-              <a:t>5/28/2025</a:t>
+              <a:t>5/31/2025</a:t>
             </a:fld>
             <a:endParaRPr lang="en-US"/>
           </a:p>
@@ -6198,7 +6884,7 @@
           <a:p>
             <a:fld id="{1D8BD707-D9CF-40AE-B4C6-C98DA3205C09}" type="datetimeFigureOut">
               <a:rPr lang="en-US"/>
-              <a:t>5/28/2025</a:t>
+              <a:t>5/31/2025</a:t>
             </a:fld>
             <a:endParaRPr lang="en-US"/>
           </a:p>
@@ -6345,7 +7031,7 @@
           <a:p>
             <a:fld id="{1D8BD707-D9CF-40AE-B4C6-C98DA3205C09}" type="datetimeFigureOut">
               <a:rPr lang="en-US"/>
-              <a:t>5/28/2025</a:t>
+              <a:t>5/31/2025</a:t>
             </a:fld>
             <a:endParaRPr lang="en-US"/>
           </a:p>
@@ -6612,7 +7298,7 @@
           <a:p>
             <a:fld id="{1D8BD707-D9CF-40AE-B4C6-C98DA3205C09}" type="datetimeFigureOut">
               <a:rPr lang="en-US"/>
-              <a:t>5/28/2025</a:t>
+              <a:t>5/31/2025</a:t>
             </a:fld>
             <a:endParaRPr lang="en-US"/>
           </a:p>
@@ -6872,7 +7558,7 @@
             <p:nvPr/>
           </p:nvPicPr>
           <p:blipFill>
-            <a:blip r:embed="rId2" cstate="print"/>
+            <a:blip r:embed="rId3" cstate="print"/>
             <a:stretch>
               <a:fillRect/>
             </a:stretch>
@@ -6894,7 +7580,7 @@
             <p:nvPr/>
           </p:nvPicPr>
           <p:blipFill>
-            <a:blip r:embed="rId3" cstate="print"/>
+            <a:blip r:embed="rId4" cstate="print"/>
             <a:stretch>
               <a:fillRect/>
             </a:stretch>
@@ -7374,7 +8060,7 @@
         <p:spPr>
           <a:xfrm>
             <a:off x="203300" y="154913"/>
-            <a:ext cx="2984400" cy="310534"/>
+            <a:ext cx="2679600" cy="310534"/>
           </a:xfrm>
           <a:prstGeom prst="rect">
             <a:avLst/>
@@ -7408,7 +8094,7 @@
             </a:pPr>
             <a:r>
               <a:rPr lang="ru-RU" sz="900" spc="-10" dirty="0"/>
-              <a:t> Пример данных сетевого пакета для сериализации</a:t>
+              <a:t> Пример данных сетевого пакета</a:t>
             </a:r>
             <a:endParaRPr sz="900" dirty="0"/>
           </a:p>
@@ -9239,15 +9925,7 @@
             </a:pPr>
             <a:r>
               <a:rPr lang="ru-RU" sz="900" spc="-10" dirty="0"/>
-              <a:t> </a:t>
-            </a:r>
-            <a:r>
-              <a:rPr sz="900" spc="-10" dirty="0"/>
-              <a:t>Описание</a:t>
-            </a:r>
-            <a:r>
-              <a:rPr lang="ru-RU" sz="900" spc="-10" dirty="0"/>
-              <a:t> предметной области</a:t>
+              <a:t> Выбор способа отображения</a:t>
             </a:r>
             <a:endParaRPr sz="900" dirty="0"/>
           </a:p>
@@ -10869,8 +11547,8 @@
           </a:p>
         </p:txBody>
       </p:sp>
-      <mc:AlternateContent xmlns:mc="http://schemas.openxmlformats.org/markup-compatibility/2006">
-        <mc:Choice xmlns:a14="http://schemas.microsoft.com/office/drawing/2010/main" Requires="a14">
+      <mc:AlternateContent xmlns:mc="http://schemas.openxmlformats.org/markup-compatibility/2006" xmlns:a14="http://schemas.microsoft.com/office/drawing/2010/main">
+        <mc:Choice Requires="a14">
           <p:graphicFrame>
             <p:nvGraphicFramePr>
               <p:cNvPr id="6" name="Таблица 7">
@@ -11325,7 +12003,7 @@
             </a:graphic>
           </p:graphicFrame>
         </mc:Choice>
-        <mc:Fallback>
+        <mc:Fallback xmlns="">
           <p:graphicFrame>
             <p:nvGraphicFramePr>
               <p:cNvPr id="6" name="Таблица 7">
@@ -12045,7 +12723,7 @@
           <p:nvPr>
             <p:extLst>
               <p:ext uri="{D42A27DB-BD31-4B8C-83A1-F6EECF244321}">
-                <p14:modId xmlns:p14="http://schemas.microsoft.com/office/powerpoint/2010/main" val="3958213882"/>
+                <p14:modId xmlns:p14="http://schemas.microsoft.com/office/powerpoint/2010/main" val="1090006130"/>
               </p:ext>
             </p:extLst>
           </p:nvPr>
@@ -12194,7 +12872,7 @@
           <p:nvPr/>
         </p:nvPicPr>
         <p:blipFill>
-          <a:blip r:embed="rId2" cstate="print"/>
+          <a:blip r:embed="rId3" cstate="print"/>
           <a:stretch>
             <a:fillRect/>
           </a:stretch>
@@ -12252,11 +12930,11 @@
             </a:pPr>
             <a:r>
               <a:rPr lang="ru-RU" spc="-50" dirty="0"/>
-              <a:t>Разработанная архитектура позволила реализовать управляемую и легко расширяемую систему для масштабируемого запуска UE-серверов</a:t>
+              <a:t>Разработанная архитектура позволила реализовать управляемую и расширяемую систему для масштабируемого запуска серверов на базе </a:t>
             </a:r>
             <a:r>
               <a:rPr lang="en-US" spc="-50" dirty="0"/>
-              <a:t>;</a:t>
+              <a:t>Unreal Engine 4;</a:t>
             </a:r>
             <a:endParaRPr lang="ru-RU" spc="-50" dirty="0"/>
           </a:p>
@@ -12279,7 +12957,7 @@
             </a:pPr>
             <a:r>
               <a:rPr lang="ru-RU" spc="-60" dirty="0"/>
-              <a:t>Проведенные исследования в области сериализации сетевых пакетов позволили существенно уменьшить накладные расходы по памяти до 3 раз</a:t>
+              <a:t>Исследования в области сериализации сетевых пакетов и последующий переход к бинарному представлению позволили снизить расходы по памяти в три раза</a:t>
             </a:r>
             <a:r>
               <a:rPr lang="en-US" spc="-60" dirty="0"/>
@@ -12333,7 +13011,7 @@
             </a:pPr>
             <a:r>
               <a:rPr lang="ru-RU" spc="-60" dirty="0"/>
-              <a:t>Выбранное распределение компонентов по узлам позволило изолировать управляющий уровень от вычислительного, тем самым повысило надежность системы.</a:t>
+              <a:t>Логическое разделение управляющего и вычислительного уровней повысило надёжность системы за счет изоляции критических функций.</a:t>
             </a:r>
             <a:endParaRPr lang="ru-RU" spc="-25" dirty="0"/>
           </a:p>
@@ -12514,7 +13192,7 @@
           <p:nvPr/>
         </p:nvPicPr>
         <p:blipFill>
-          <a:blip r:embed="rId2" cstate="print"/>
+          <a:blip r:embed="rId3" cstate="print"/>
           <a:stretch>
             <a:fillRect/>
           </a:stretch>
@@ -12663,8 +13341,8 @@
           </a:p>
         </p:txBody>
       </p:sp>
-      <mc:AlternateContent xmlns:mc="http://schemas.openxmlformats.org/markup-compatibility/2006">
-        <mc:Choice xmlns:a14="http://schemas.microsoft.com/office/drawing/2010/main" Requires="a14">
+      <mc:AlternateContent xmlns:mc="http://schemas.openxmlformats.org/markup-compatibility/2006" xmlns:a14="http://schemas.microsoft.com/office/drawing/2010/main">
+        <mc:Choice Requires="a14">
           <p:sp>
             <p:nvSpPr>
               <p:cNvPr id="6" name="TextBox 5">
@@ -12867,7 +13545,7 @@
             </p:txBody>
           </p:sp>
         </mc:Choice>
-        <mc:Fallback>
+        <mc:Fallback xmlns="">
           <p:sp>
             <p:nvSpPr>
               <p:cNvPr id="6" name="TextBox 5">
@@ -12891,7 +13569,7 @@
                 <a:avLst/>
               </a:prstGeom>
               <a:blipFill>
-                <a:blip r:embed="rId3"/>
+                <a:blip r:embed="rId4"/>
                 <a:stretch>
                   <a:fillRect/>
                 </a:stretch>
@@ -13106,7 +13784,7 @@
           <p:nvPr/>
         </p:nvPicPr>
         <p:blipFill>
-          <a:blip r:embed="rId2" cstate="print"/>
+          <a:blip r:embed="rId3" cstate="print"/>
           <a:stretch>
             <a:fillRect/>
           </a:stretch>
@@ -13325,7 +14003,7 @@
                 <a:avLst/>
               </a:prstGeom>
               <a:blipFill>
-                <a:blip r:embed="rId3"/>
+                <a:blip r:embed="rId4"/>
                 <a:stretch>
                   <a:fillRect b="-3030"/>
                 </a:stretch>
@@ -13463,7 +14141,7 @@
                 <a:avLst/>
               </a:prstGeom>
               <a:blipFill>
-                <a:blip r:embed="rId4"/>
+                <a:blip r:embed="rId5"/>
                 <a:stretch>
                   <a:fillRect b="-4000"/>
                 </a:stretch>
@@ -13499,13 +14177,13 @@
           <p:nvPr/>
         </p:nvPicPr>
         <p:blipFill>
-          <a:blip r:embed="rId5" cstate="print">
+          <a:blip r:embed="rId6" cstate="print">
             <a:extLst>
               <a:ext uri="{28A0092B-C50C-407E-A947-70E740481C1C}">
                 <a14:useLocalDpi xmlns:a14="http://schemas.microsoft.com/office/drawing/2010/main" val="0"/>
               </a:ext>
               <a:ext uri="{96DAC541-7B7A-43D3-8B79-37D633B846F1}">
-                <asvg:svgBlip xmlns:asvg="http://schemas.microsoft.com/office/drawing/2016/SVG/main" r:embed="rId6"/>
+                <asvg:svgBlip xmlns:asvg="http://schemas.microsoft.com/office/drawing/2016/SVG/main" r:embed="rId7"/>
               </a:ext>
             </a:extLst>
           </a:blip>
@@ -13538,13 +14216,13 @@
           <p:nvPr/>
         </p:nvPicPr>
         <p:blipFill>
-          <a:blip r:embed="rId7" cstate="print">
+          <a:blip r:embed="rId8" cstate="print">
             <a:extLst>
               <a:ext uri="{28A0092B-C50C-407E-A947-70E740481C1C}">
                 <a14:useLocalDpi xmlns:a14="http://schemas.microsoft.com/office/drawing/2010/main" val="0"/>
               </a:ext>
               <a:ext uri="{96DAC541-7B7A-43D3-8B79-37D633B846F1}">
-                <asvg:svgBlip xmlns:asvg="http://schemas.microsoft.com/office/drawing/2016/SVG/main" r:embed="rId8"/>
+                <asvg:svgBlip xmlns:asvg="http://schemas.microsoft.com/office/drawing/2016/SVG/main" r:embed="rId9"/>
               </a:ext>
             </a:extLst>
           </a:blip>
@@ -14630,7 +15308,7 @@
           <p:nvPr>
             <p:extLst>
               <p:ext uri="{D42A27DB-BD31-4B8C-83A1-F6EECF244321}">
-                <p14:modId xmlns:p14="http://schemas.microsoft.com/office/powerpoint/2010/main" val="186501366"/>
+                <p14:modId xmlns:p14="http://schemas.microsoft.com/office/powerpoint/2010/main" val="2637182931"/>
               </p:ext>
             </p:extLst>
           </p:nvPr>
@@ -14705,7 +15383,7 @@
                       <a:pPr algn="ctr"/>
                       <a:r>
                         <a:rPr lang="ru-RU" sz="800" dirty="0"/>
-                        <a:t>Разработанная система</a:t>
+                        <a:t>Прямой запуск процесса</a:t>
                       </a:r>
                     </a:p>
                   </a:txBody>
@@ -15933,7 +16611,7 @@
                   </a:schemeClr>
                 </a:solidFill>
               </a:rPr>
-              <a:t>Проанализировать существующие подходы и решения в области распределённых серверов, выявить их преимущества и недостатки</a:t>
+              <a:t>Проанализированы существующие архитектурные подходы и программные решения, применяемые при разработке распределенных вычислительных систем</a:t>
             </a:r>
             <a:r>
               <a:rPr lang="en-US" sz="900" dirty="0">
@@ -16501,8 +17179,8 @@
           </a:p>
         </p:txBody>
       </p:sp>
-      <mc:AlternateContent xmlns:mc="http://schemas.openxmlformats.org/markup-compatibility/2006" xmlns:a14="http://schemas.microsoft.com/office/drawing/2010/main">
-        <mc:Choice Requires="a14">
+      <mc:AlternateContent xmlns:mc="http://schemas.openxmlformats.org/markup-compatibility/2006">
+        <mc:Choice xmlns:a14="http://schemas.microsoft.com/office/drawing/2010/main" Requires="a14">
           <p:sp>
             <p:nvSpPr>
               <p:cNvPr id="6" name="TextBox 5">
@@ -16518,7 +17196,7 @@
             <p:spPr>
               <a:xfrm>
                 <a:off x="410389" y="673211"/>
-                <a:ext cx="2482316" cy="415498"/>
+                <a:ext cx="2482316" cy="523220"/>
               </a:xfrm>
               <a:prstGeom prst="rect">
                 <a:avLst/>
@@ -16555,7 +17233,7 @@
                 </a:br>
                 <a:r>
                   <a:rPr lang="ru-RU" sz="700" dirty="0"/>
-                  <a:t>управления, обрабатывает клиентские запросы,</a:t>
+                  <a:t>управления, обрабатывает клиентские запросы, распределяет пользователей по серверам,</a:t>
                 </a:r>
                 <a:br>
                   <a:rPr lang="ru-RU" sz="700" dirty="0"/>
@@ -16568,7 +17246,7 @@
             </p:txBody>
           </p:sp>
         </mc:Choice>
-        <mc:Fallback xmlns="">
+        <mc:Fallback>
           <p:sp>
             <p:nvSpPr>
               <p:cNvPr id="6" name="TextBox 5">
@@ -16586,7 +17264,7 @@
             <p:spPr>
               <a:xfrm>
                 <a:off x="410389" y="673211"/>
-                <a:ext cx="2482316" cy="415498"/>
+                <a:ext cx="2482316" cy="523220"/>
               </a:xfrm>
               <a:prstGeom prst="rect">
                 <a:avLst/>
@@ -16594,7 +17272,7 @@
               <a:blipFill>
                 <a:blip r:embed="rId4"/>
                 <a:stretch>
-                  <a:fillRect/>
+                  <a:fillRect b="-1163"/>
                 </a:stretch>
               </a:blipFill>
             </p:spPr>
@@ -17664,7 +18342,7 @@
           <p:nvPr/>
         </p:nvPicPr>
         <p:blipFill>
-          <a:blip r:embed="rId2" cstate="print"/>
+          <a:blip r:embed="rId3" cstate="print"/>
           <a:stretch>
             <a:fillRect/>
           </a:stretch>
@@ -17751,7 +18429,7 @@
           <p:nvPr/>
         </p:nvPicPr>
         <p:blipFill>
-          <a:blip r:embed="rId3">
+          <a:blip r:embed="rId4">
             <a:extLst>
               <a:ext uri="{28A0092B-C50C-407E-A947-70E740481C1C}">
                 <a14:useLocalDpi xmlns:a14="http://schemas.microsoft.com/office/drawing/2010/main" val="0"/>
@@ -17829,7 +18507,7 @@
             <a:pPr algn="ctr"/>
             <a:r>
               <a:rPr lang="ru-RU" sz="700" dirty="0"/>
-              <a:t>успешного сценария использования системы</a:t>
+              <a:t>типового сценария использования системы</a:t>
             </a:r>
           </a:p>
         </p:txBody>

--- a/Master/Diploma/presentation/Презентация.pptx
+++ b/Master/Diploma/presentation/Презентация.pptx
@@ -1045,6 +1045,11 @@
             <a:rPr lang="ru-RU" b="1" dirty="0"/>
             <a:t>Реализация предоставления прав доступа на запуск сессии на клиенте</a:t>
           </a:r>
+          <a:r>
+            <a:rPr lang="en-US" b="1" dirty="0"/>
+            <a:t> (EOS)</a:t>
+          </a:r>
+          <a:endParaRPr lang="ru-RU" b="1" dirty="0"/>
         </a:p>
       </dgm:t>
     </dgm:pt>
@@ -2152,6 +2157,11 @@
             <a:rPr lang="ru-RU" sz="700" b="1" kern="1200" dirty="0"/>
             <a:t>Реализация предоставления прав доступа на запуск сессии на клиенте</a:t>
           </a:r>
+          <a:r>
+            <a:rPr lang="en-US" sz="700" b="1" kern="1200" dirty="0"/>
+            <a:t> (EOS)</a:t>
+          </a:r>
+          <a:endParaRPr lang="ru-RU" sz="700" b="1" kern="1200" dirty="0"/>
         </a:p>
       </dsp:txBody>
       <dsp:txXfrm>
@@ -4071,7 +4081,7 @@
           <a:p>
             <a:fld id="{DF72D1E3-4C5F-416B-82F4-05E153DB2B2B}" type="datetimeFigureOut">
               <a:rPr lang="ru-RU" smtClean="0"/>
-              <a:t>31.05.2025</a:t>
+              <a:t>01.06.2025</a:t>
             </a:fld>
             <a:endParaRPr lang="ru-RU"/>
           </a:p>
@@ -6285,7 +6295,7 @@
           <a:p>
             <a:fld id="{1D8BD707-D9CF-40AE-B4C6-C98DA3205C09}" type="datetimeFigureOut">
               <a:rPr lang="en-US"/>
-              <a:t>5/31/2025</a:t>
+              <a:t>6/1/2025</a:t>
             </a:fld>
             <a:endParaRPr lang="en-US"/>
           </a:p>
@@ -6482,7 +6492,7 @@
           <a:p>
             <a:fld id="{1D8BD707-D9CF-40AE-B4C6-C98DA3205C09}" type="datetimeFigureOut">
               <a:rPr lang="en-US"/>
-              <a:t>5/31/2025</a:t>
+              <a:t>6/1/2025</a:t>
             </a:fld>
             <a:endParaRPr lang="en-US"/>
           </a:p>
@@ -6716,7 +6726,7 @@
           <a:p>
             <a:fld id="{1D8BD707-D9CF-40AE-B4C6-C98DA3205C09}" type="datetimeFigureOut">
               <a:rPr lang="en-US"/>
-              <a:t>5/31/2025</a:t>
+              <a:t>6/1/2025</a:t>
             </a:fld>
             <a:endParaRPr lang="en-US"/>
           </a:p>
@@ -6884,7 +6894,7 @@
           <a:p>
             <a:fld id="{1D8BD707-D9CF-40AE-B4C6-C98DA3205C09}" type="datetimeFigureOut">
               <a:rPr lang="en-US"/>
-              <a:t>5/31/2025</a:t>
+              <a:t>6/1/2025</a:t>
             </a:fld>
             <a:endParaRPr lang="en-US"/>
           </a:p>
@@ -7031,7 +7041,7 @@
           <a:p>
             <a:fld id="{1D8BD707-D9CF-40AE-B4C6-C98DA3205C09}" type="datetimeFigureOut">
               <a:rPr lang="en-US"/>
-              <a:t>5/31/2025</a:t>
+              <a:t>6/1/2025</a:t>
             </a:fld>
             <a:endParaRPr lang="en-US"/>
           </a:p>
@@ -7298,7 +7308,7 @@
           <a:p>
             <a:fld id="{1D8BD707-D9CF-40AE-B4C6-C98DA3205C09}" type="datetimeFigureOut">
               <a:rPr lang="en-US"/>
-              <a:t>5/31/2025</a:t>
+              <a:t>6/1/2025</a:t>
             </a:fld>
             <a:endParaRPr lang="en-US"/>
           </a:p>
@@ -8176,7 +8186,7 @@
         </p:nvSpPr>
         <p:spPr>
           <a:xfrm>
-            <a:off x="5330412" y="3002921"/>
+            <a:off x="5330412" y="2905695"/>
             <a:ext cx="253364" cy="99386"/>
           </a:xfrm>
           <a:prstGeom prst="rect">
@@ -8968,7 +8978,7 @@
         </p:nvSpPr>
         <p:spPr>
           <a:xfrm>
-            <a:off x="5382488" y="2978292"/>
+            <a:off x="5414722" y="3005941"/>
             <a:ext cx="253364" cy="99386"/>
           </a:xfrm>
           <a:prstGeom prst="rect">
@@ -9478,49 +9488,126 @@
           </a:graphicData>
         </a:graphic>
       </p:graphicFrame>
-      <p:sp>
-        <p:nvSpPr>
-          <p:cNvPr id="14" name="TextBox 13">
-            <a:extLst>
-              <a:ext uri="{FF2B5EF4-FFF2-40B4-BE49-F238E27FC236}">
-                <a16:creationId xmlns:a16="http://schemas.microsoft.com/office/drawing/2014/main" id="{DB8D3022-4EBB-4B80-AF71-EF9CC720DFBC}"/>
-              </a:ext>
-            </a:extLst>
-          </p:cNvPr>
-          <p:cNvSpPr txBox="1"/>
-          <p:nvPr/>
-        </p:nvSpPr>
-        <p:spPr>
-          <a:xfrm>
-            <a:off x="121569" y="2925504"/>
-            <a:ext cx="2217274" cy="215444"/>
-          </a:xfrm>
-          <a:prstGeom prst="rect">
-            <a:avLst/>
-          </a:prstGeom>
-          <a:noFill/>
-        </p:spPr>
-        <p:txBody>
-          <a:bodyPr wrap="none" rtlCol="0">
-            <a:spAutoFit/>
-          </a:bodyPr>
-          <a:lstStyle/>
-          <a:p>
-            <a:r>
-              <a:rPr lang="ru-RU" sz="800" dirty="0"/>
-              <a:t>Итого</a:t>
-            </a:r>
-            <a:r>
-              <a:rPr lang="en-US" sz="800" dirty="0"/>
-              <a:t>:</a:t>
-            </a:r>
-            <a:r>
-              <a:rPr lang="ru-RU" sz="800" dirty="0"/>
-              <a:t> 15 + 14 + 36 + 3 + 3 + 17 = 88 байт</a:t>
-            </a:r>
-          </a:p>
-        </p:txBody>
-      </p:sp>
+      <mc:AlternateContent xmlns:mc="http://schemas.openxmlformats.org/markup-compatibility/2006">
+        <mc:Choice xmlns:a14="http://schemas.microsoft.com/office/drawing/2010/main" Requires="a14">
+          <p:sp>
+            <p:nvSpPr>
+              <p:cNvPr id="14" name="TextBox 13">
+                <a:extLst>
+                  <a:ext uri="{FF2B5EF4-FFF2-40B4-BE49-F238E27FC236}">
+                    <a16:creationId xmlns:a16="http://schemas.microsoft.com/office/drawing/2014/main" id="{DB8D3022-4EBB-4B80-AF71-EF9CC720DFBC}"/>
+                  </a:ext>
+                </a:extLst>
+              </p:cNvPr>
+              <p:cNvSpPr txBox="1"/>
+              <p:nvPr/>
+            </p:nvSpPr>
+            <p:spPr>
+              <a:xfrm>
+                <a:off x="159351" y="2925504"/>
+                <a:ext cx="2024080" cy="209737"/>
+              </a:xfrm>
+              <a:prstGeom prst="rect">
+                <a:avLst/>
+              </a:prstGeom>
+              <a:noFill/>
+            </p:spPr>
+            <p:txBody>
+              <a:bodyPr wrap="none" rtlCol="0">
+                <a:spAutoFit/>
+              </a:bodyPr>
+              <a:lstStyle/>
+              <a:p>
+                <a14:m>
+                  <m:oMathPara xmlns:m="http://schemas.openxmlformats.org/officeDocument/2006/math">
+                    <m:oMathParaPr>
+                      <m:jc m:val="centerGroup"/>
+                    </m:oMathParaPr>
+                    <m:oMath xmlns:m="http://schemas.openxmlformats.org/officeDocument/2006/math">
+                      <m:sSub>
+                        <m:sSubPr>
+                          <m:ctrlPr>
+                            <a:rPr lang="en-US" sz="700" b="0" i="1" smtClean="0">
+                              <a:latin typeface="Cambria Math" panose="02040503050406030204" pitchFamily="18" charset="0"/>
+                            </a:rPr>
+                          </m:ctrlPr>
+                        </m:sSubPr>
+                        <m:e>
+                          <m:r>
+                            <a:rPr lang="en-US" sz="700" b="0" i="1" smtClean="0">
+                              <a:latin typeface="Cambria Math" panose="02040503050406030204" pitchFamily="18" charset="0"/>
+                            </a:rPr>
+                            <m:t>𝑆</m:t>
+                          </m:r>
+                        </m:e>
+                        <m:sub>
+                          <m:r>
+                            <a:rPr lang="ru-RU" sz="700" b="0" i="1" smtClean="0">
+                              <a:latin typeface="Cambria Math" panose="02040503050406030204" pitchFamily="18" charset="0"/>
+                            </a:rPr>
+                            <m:t>строк</m:t>
+                          </m:r>
+                        </m:sub>
+                      </m:sSub>
+                      <m:r>
+                        <a:rPr lang="ru-RU" sz="700" b="0" i="0" smtClean="0">
+                          <a:latin typeface="Cambria Math" panose="02040503050406030204" pitchFamily="18" charset="0"/>
+                        </a:rPr>
+                        <m:t>=15+14+36+3+3+17=88 байт </m:t>
+                      </m:r>
+                    </m:oMath>
+                  </m:oMathPara>
+                </a14:m>
+                <a:endParaRPr lang="ru-RU" sz="700" dirty="0"/>
+              </a:p>
+            </p:txBody>
+          </p:sp>
+        </mc:Choice>
+        <mc:Fallback>
+          <p:sp>
+            <p:nvSpPr>
+              <p:cNvPr id="14" name="TextBox 13">
+                <a:extLst>
+                  <a:ext uri="{FF2B5EF4-FFF2-40B4-BE49-F238E27FC236}">
+                    <a16:creationId xmlns:a16="http://schemas.microsoft.com/office/drawing/2014/main" id="{DB8D3022-4EBB-4B80-AF71-EF9CC720DFBC}"/>
+                  </a:ext>
+                </a:extLst>
+              </p:cNvPr>
+              <p:cNvSpPr txBox="1">
+                <a:spLocks noRot="1" noChangeAspect="1" noMove="1" noResize="1" noEditPoints="1" noAdjustHandles="1" noChangeArrowheads="1" noChangeShapeType="1" noTextEdit="1"/>
+              </p:cNvSpPr>
+              <p:nvPr/>
+            </p:nvSpPr>
+            <p:spPr>
+              <a:xfrm>
+                <a:off x="159351" y="2925504"/>
+                <a:ext cx="2024080" cy="209737"/>
+              </a:xfrm>
+              <a:prstGeom prst="rect">
+                <a:avLst/>
+              </a:prstGeom>
+              <a:blipFill>
+                <a:blip r:embed="rId4"/>
+                <a:stretch>
+                  <a:fillRect/>
+                </a:stretch>
+              </a:blipFill>
+            </p:spPr>
+            <p:txBody>
+              <a:bodyPr/>
+              <a:lstStyle/>
+              <a:p>
+                <a:r>
+                  <a:rPr lang="ru-RU">
+                    <a:noFill/>
+                  </a:rPr>
+                  <a:t> </a:t>
+                </a:r>
+              </a:p>
+            </p:txBody>
+          </p:sp>
+        </mc:Fallback>
+      </mc:AlternateContent>
       <p:sp>
         <p:nvSpPr>
           <p:cNvPr id="18" name="TextBox 17">
@@ -9535,8 +9622,8 @@
         </p:nvSpPr>
         <p:spPr>
           <a:xfrm>
-            <a:off x="3350025" y="2412538"/>
-            <a:ext cx="2145139" cy="307777"/>
+            <a:off x="3374872" y="2391231"/>
+            <a:ext cx="2095445" cy="307777"/>
           </a:xfrm>
           <a:prstGeom prst="rect">
             <a:avLst/>
@@ -9663,7 +9750,7 @@
           <p:nvPr/>
         </p:nvPicPr>
         <p:blipFill>
-          <a:blip r:embed="rId4" cstate="print">
+          <a:blip r:embed="rId5" cstate="print">
             <a:extLst>
               <a:ext uri="{28A0092B-C50C-407E-A947-70E740481C1C}">
                 <a14:useLocalDpi xmlns:a14="http://schemas.microsoft.com/office/drawing/2010/main" val="0"/>
@@ -9754,49 +9841,355 @@
           </a:p>
         </p:txBody>
       </p:sp>
-      <p:sp>
-        <p:nvSpPr>
-          <p:cNvPr id="17" name="TextBox 16">
-            <a:extLst>
-              <a:ext uri="{FF2B5EF4-FFF2-40B4-BE49-F238E27FC236}">
-                <a16:creationId xmlns:a16="http://schemas.microsoft.com/office/drawing/2014/main" id="{B2568B7F-03B2-4CE9-8528-1D5B17EF1B60}"/>
-              </a:ext>
-            </a:extLst>
-          </p:cNvPr>
-          <p:cNvSpPr txBox="1"/>
-          <p:nvPr/>
-        </p:nvSpPr>
-        <p:spPr>
-          <a:xfrm>
-            <a:off x="3073039" y="2925504"/>
-            <a:ext cx="1287532" cy="215444"/>
-          </a:xfrm>
-          <a:prstGeom prst="rect">
-            <a:avLst/>
-          </a:prstGeom>
-          <a:noFill/>
-        </p:spPr>
-        <p:txBody>
-          <a:bodyPr wrap="none" rtlCol="0">
-            <a:spAutoFit/>
-          </a:bodyPr>
-          <a:lstStyle/>
-          <a:p>
-            <a:r>
-              <a:rPr lang="ru-RU" sz="800" dirty="0"/>
-              <a:t>Итого</a:t>
-            </a:r>
-            <a:r>
-              <a:rPr lang="en-US" sz="800" dirty="0"/>
-              <a:t>:</a:t>
-            </a:r>
-            <a:r>
-              <a:rPr lang="ru-RU" sz="800" dirty="0"/>
-              <a:t> 3 + 27 = 30 байт</a:t>
-            </a:r>
-          </a:p>
-        </p:txBody>
-      </p:sp>
+      <mc:AlternateContent xmlns:mc="http://schemas.openxmlformats.org/markup-compatibility/2006">
+        <mc:Choice xmlns:a14="http://schemas.microsoft.com/office/drawing/2010/main" Requires="a14">
+          <p:sp>
+            <p:nvSpPr>
+              <p:cNvPr id="17" name="TextBox 16">
+                <a:extLst>
+                  <a:ext uri="{FF2B5EF4-FFF2-40B4-BE49-F238E27FC236}">
+                    <a16:creationId xmlns:a16="http://schemas.microsoft.com/office/drawing/2014/main" id="{B2568B7F-03B2-4CE9-8528-1D5B17EF1B60}"/>
+                  </a:ext>
+                </a:extLst>
+              </p:cNvPr>
+              <p:cNvSpPr txBox="1"/>
+              <p:nvPr/>
+            </p:nvSpPr>
+            <p:spPr>
+              <a:xfrm>
+                <a:off x="3072825" y="2704688"/>
+                <a:ext cx="2180789" cy="209737"/>
+              </a:xfrm>
+              <a:prstGeom prst="rect">
+                <a:avLst/>
+              </a:prstGeom>
+              <a:noFill/>
+            </p:spPr>
+            <p:txBody>
+              <a:bodyPr wrap="none" rtlCol="0">
+                <a:spAutoFit/>
+              </a:bodyPr>
+              <a:lstStyle/>
+              <a:p>
+                <a14:m>
+                  <m:oMathPara xmlns:m="http://schemas.openxmlformats.org/officeDocument/2006/math">
+                    <m:oMathParaPr>
+                      <m:jc m:val="centerGroup"/>
+                    </m:oMathParaPr>
+                    <m:oMath xmlns:m="http://schemas.openxmlformats.org/officeDocument/2006/math">
+                      <m:sSub>
+                        <m:sSubPr>
+                          <m:ctrlPr>
+                            <a:rPr lang="en-US" sz="700" b="0" i="1" smtClean="0">
+                              <a:latin typeface="Cambria Math" panose="02040503050406030204" pitchFamily="18" charset="0"/>
+                            </a:rPr>
+                          </m:ctrlPr>
+                        </m:sSubPr>
+                        <m:e>
+                          <m:r>
+                            <a:rPr lang="en-US" sz="700" b="0" i="1" smtClean="0">
+                              <a:latin typeface="Cambria Math" panose="02040503050406030204" pitchFamily="18" charset="0"/>
+                            </a:rPr>
+                            <m:t>𝑆</m:t>
+                          </m:r>
+                        </m:e>
+                        <m:sub>
+                          <m:r>
+                            <a:rPr lang="ru-RU" sz="700" b="0" i="1" smtClean="0">
+                              <a:latin typeface="Cambria Math" panose="02040503050406030204" pitchFamily="18" charset="0"/>
+                            </a:rPr>
+                            <m:t>бинар</m:t>
+                          </m:r>
+                        </m:sub>
+                      </m:sSub>
+                      <m:r>
+                        <a:rPr lang="ru-RU" sz="700" b="0" i="1" smtClean="0">
+                          <a:latin typeface="Cambria Math" panose="02040503050406030204" pitchFamily="18" charset="0"/>
+                        </a:rPr>
+                        <m:t>=1+2+4+2+16+2+2+1=30 байт</m:t>
+                      </m:r>
+                    </m:oMath>
+                  </m:oMathPara>
+                </a14:m>
+                <a:endParaRPr lang="ru-RU" sz="700" dirty="0"/>
+              </a:p>
+            </p:txBody>
+          </p:sp>
+        </mc:Choice>
+        <mc:Fallback>
+          <p:sp>
+            <p:nvSpPr>
+              <p:cNvPr id="17" name="TextBox 16">
+                <a:extLst>
+                  <a:ext uri="{FF2B5EF4-FFF2-40B4-BE49-F238E27FC236}">
+                    <a16:creationId xmlns:a16="http://schemas.microsoft.com/office/drawing/2014/main" id="{B2568B7F-03B2-4CE9-8528-1D5B17EF1B60}"/>
+                  </a:ext>
+                </a:extLst>
+              </p:cNvPr>
+              <p:cNvSpPr txBox="1">
+                <a:spLocks noRot="1" noChangeAspect="1" noMove="1" noResize="1" noEditPoints="1" noAdjustHandles="1" noChangeArrowheads="1" noChangeShapeType="1" noTextEdit="1"/>
+              </p:cNvSpPr>
+              <p:nvPr/>
+            </p:nvSpPr>
+            <p:spPr>
+              <a:xfrm>
+                <a:off x="3072825" y="2704688"/>
+                <a:ext cx="2180789" cy="209737"/>
+              </a:xfrm>
+              <a:prstGeom prst="rect">
+                <a:avLst/>
+              </a:prstGeom>
+              <a:blipFill>
+                <a:blip r:embed="rId6"/>
+                <a:stretch>
+                  <a:fillRect/>
+                </a:stretch>
+              </a:blipFill>
+            </p:spPr>
+            <p:txBody>
+              <a:bodyPr/>
+              <a:lstStyle/>
+              <a:p>
+                <a:r>
+                  <a:rPr lang="ru-RU">
+                    <a:noFill/>
+                  </a:rPr>
+                  <a:t> </a:t>
+                </a:r>
+              </a:p>
+            </p:txBody>
+          </p:sp>
+        </mc:Fallback>
+      </mc:AlternateContent>
+      <mc:AlternateContent xmlns:mc="http://schemas.openxmlformats.org/markup-compatibility/2006">
+        <mc:Choice xmlns:a14="http://schemas.microsoft.com/office/drawing/2010/main" Requires="a14">
+          <p:sp>
+            <p:nvSpPr>
+              <p:cNvPr id="8" name="TextBox 7">
+                <a:extLst>
+                  <a:ext uri="{FF2B5EF4-FFF2-40B4-BE49-F238E27FC236}">
+                    <a16:creationId xmlns:a16="http://schemas.microsoft.com/office/drawing/2014/main" id="{752D2500-282B-4900-8E07-A4F320B17395}"/>
+                  </a:ext>
+                </a:extLst>
+              </p:cNvPr>
+              <p:cNvSpPr txBox="1"/>
+              <p:nvPr/>
+            </p:nvSpPr>
+            <p:spPr>
+              <a:xfrm>
+                <a:off x="3180801" y="2936659"/>
+                <a:ext cx="1335814" cy="237950"/>
+              </a:xfrm>
+              <a:prstGeom prst="rect">
+                <a:avLst/>
+              </a:prstGeom>
+              <a:noFill/>
+            </p:spPr>
+            <p:txBody>
+              <a:bodyPr wrap="none" lIns="0" tIns="0" rIns="0" bIns="0" rtlCol="0">
+                <a:spAutoFit/>
+              </a:bodyPr>
+              <a:lstStyle/>
+              <a:p>
+                <a14:m>
+                  <m:oMathPara xmlns:m="http://schemas.openxmlformats.org/officeDocument/2006/math">
+                    <m:oMathParaPr>
+                      <m:jc m:val="centerGroup"/>
+                    </m:oMathParaPr>
+                    <m:oMath xmlns:m="http://schemas.openxmlformats.org/officeDocument/2006/math">
+                      <m:r>
+                        <a:rPr lang="ru-RU" sz="700" i="1" smtClean="0">
+                          <a:latin typeface="Cambria Math" panose="02040503050406030204" pitchFamily="18" charset="0"/>
+                          <a:ea typeface="Cambria Math" panose="02040503050406030204" pitchFamily="18" charset="0"/>
+                        </a:rPr>
+                        <m:t>𝜂</m:t>
+                      </m:r>
+                      <m:r>
+                        <a:rPr lang="en-US" sz="700" b="0" i="1" smtClean="0">
+                          <a:latin typeface="Cambria Math" panose="02040503050406030204" pitchFamily="18" charset="0"/>
+                          <a:ea typeface="Cambria Math" panose="02040503050406030204" pitchFamily="18" charset="0"/>
+                        </a:rPr>
+                        <m:t>=</m:t>
+                      </m:r>
+                      <m:f>
+                        <m:fPr>
+                          <m:ctrlPr>
+                            <a:rPr lang="en-US" sz="700" b="0" i="1" smtClean="0">
+                              <a:latin typeface="Cambria Math" panose="02040503050406030204" pitchFamily="18" charset="0"/>
+                              <a:ea typeface="Cambria Math" panose="02040503050406030204" pitchFamily="18" charset="0"/>
+                            </a:rPr>
+                          </m:ctrlPr>
+                        </m:fPr>
+                        <m:num>
+                          <m:sSub>
+                            <m:sSubPr>
+                              <m:ctrlPr>
+                                <a:rPr lang="en-US" sz="700" b="0" i="1" smtClean="0">
+                                  <a:latin typeface="Cambria Math" panose="02040503050406030204" pitchFamily="18" charset="0"/>
+                                  <a:ea typeface="Cambria Math" panose="02040503050406030204" pitchFamily="18" charset="0"/>
+                                </a:rPr>
+                              </m:ctrlPr>
+                            </m:sSubPr>
+                            <m:e>
+                              <m:r>
+                                <a:rPr lang="en-US" sz="700" b="0" i="1" smtClean="0">
+                                  <a:latin typeface="Cambria Math" panose="02040503050406030204" pitchFamily="18" charset="0"/>
+                                  <a:ea typeface="Cambria Math" panose="02040503050406030204" pitchFamily="18" charset="0"/>
+                                </a:rPr>
+                                <m:t>𝑆</m:t>
+                              </m:r>
+                            </m:e>
+                            <m:sub>
+                              <m:r>
+                                <a:rPr lang="ru-RU" sz="700" b="0" i="1" smtClean="0">
+                                  <a:latin typeface="Cambria Math" panose="02040503050406030204" pitchFamily="18" charset="0"/>
+                                  <a:ea typeface="Cambria Math" panose="02040503050406030204" pitchFamily="18" charset="0"/>
+                                </a:rPr>
+                                <m:t>строк</m:t>
+                              </m:r>
+                            </m:sub>
+                          </m:sSub>
+                          <m:r>
+                            <a:rPr lang="ru-RU" sz="700" b="0" i="1" smtClean="0">
+                              <a:latin typeface="Cambria Math" panose="02040503050406030204" pitchFamily="18" charset="0"/>
+                              <a:ea typeface="Cambria Math" panose="02040503050406030204" pitchFamily="18" charset="0"/>
+                            </a:rPr>
+                            <m:t>−</m:t>
+                          </m:r>
+                          <m:sSub>
+                            <m:sSubPr>
+                              <m:ctrlPr>
+                                <a:rPr lang="en-US" sz="700" b="0" i="1" smtClean="0">
+                                  <a:latin typeface="Cambria Math" panose="02040503050406030204" pitchFamily="18" charset="0"/>
+                                  <a:ea typeface="Cambria Math" panose="02040503050406030204" pitchFamily="18" charset="0"/>
+                                </a:rPr>
+                              </m:ctrlPr>
+                            </m:sSubPr>
+                            <m:e>
+                              <m:r>
+                                <a:rPr lang="en-US" sz="700" b="0" i="1" smtClean="0">
+                                  <a:latin typeface="Cambria Math" panose="02040503050406030204" pitchFamily="18" charset="0"/>
+                                  <a:ea typeface="Cambria Math" panose="02040503050406030204" pitchFamily="18" charset="0"/>
+                                </a:rPr>
+                                <m:t>𝑆</m:t>
+                              </m:r>
+                            </m:e>
+                            <m:sub>
+                              <m:r>
+                                <a:rPr lang="ru-RU" sz="700" b="0" i="1" smtClean="0">
+                                  <a:latin typeface="Cambria Math" panose="02040503050406030204" pitchFamily="18" charset="0"/>
+                                  <a:ea typeface="Cambria Math" panose="02040503050406030204" pitchFamily="18" charset="0"/>
+                                </a:rPr>
+                                <m:t>бинар</m:t>
+                              </m:r>
+                            </m:sub>
+                          </m:sSub>
+                        </m:num>
+                        <m:den>
+                          <m:sSub>
+                            <m:sSubPr>
+                              <m:ctrlPr>
+                                <a:rPr lang="en-US" sz="700" b="0" i="1" smtClean="0">
+                                  <a:latin typeface="Cambria Math" panose="02040503050406030204" pitchFamily="18" charset="0"/>
+                                  <a:ea typeface="Cambria Math" panose="02040503050406030204" pitchFamily="18" charset="0"/>
+                                </a:rPr>
+                              </m:ctrlPr>
+                            </m:sSubPr>
+                            <m:e>
+                              <m:r>
+                                <a:rPr lang="en-US" sz="700" b="0" i="1" smtClean="0">
+                                  <a:latin typeface="Cambria Math" panose="02040503050406030204" pitchFamily="18" charset="0"/>
+                                  <a:ea typeface="Cambria Math" panose="02040503050406030204" pitchFamily="18" charset="0"/>
+                                </a:rPr>
+                                <m:t>𝑆</m:t>
+                              </m:r>
+                            </m:e>
+                            <m:sub>
+                              <m:r>
+                                <a:rPr lang="ru-RU" sz="700" b="0" i="1" smtClean="0">
+                                  <a:latin typeface="Cambria Math" panose="02040503050406030204" pitchFamily="18" charset="0"/>
+                                  <a:ea typeface="Cambria Math" panose="02040503050406030204" pitchFamily="18" charset="0"/>
+                                </a:rPr>
+                                <m:t>строк</m:t>
+                              </m:r>
+                            </m:sub>
+                          </m:sSub>
+                        </m:den>
+                      </m:f>
+                      <m:r>
+                        <a:rPr lang="ru-RU" sz="700" b="0" i="1" smtClean="0">
+                          <a:latin typeface="Cambria Math" panose="02040503050406030204" pitchFamily="18" charset="0"/>
+                          <a:ea typeface="Cambria Math" panose="02040503050406030204" pitchFamily="18" charset="0"/>
+                        </a:rPr>
+                        <m:t>⋅</m:t>
+                      </m:r>
+                      <m:r>
+                        <a:rPr lang="en-US" sz="700" b="0" i="1" smtClean="0">
+                          <a:latin typeface="Cambria Math" panose="02040503050406030204" pitchFamily="18" charset="0"/>
+                          <a:ea typeface="Cambria Math" panose="02040503050406030204" pitchFamily="18" charset="0"/>
+                        </a:rPr>
+                        <m:t>100%≈</m:t>
+                      </m:r>
+                      <m:r>
+                        <a:rPr lang="ru-RU" sz="700" b="0" i="1" smtClean="0">
+                          <a:latin typeface="Cambria Math" panose="02040503050406030204" pitchFamily="18" charset="0"/>
+                          <a:ea typeface="Cambria Math" panose="02040503050406030204" pitchFamily="18" charset="0"/>
+                        </a:rPr>
+                        <m:t>66%</m:t>
+                      </m:r>
+                    </m:oMath>
+                  </m:oMathPara>
+                </a14:m>
+                <a:endParaRPr lang="ru-RU" sz="700" dirty="0"/>
+              </a:p>
+            </p:txBody>
+          </p:sp>
+        </mc:Choice>
+        <mc:Fallback>
+          <p:sp>
+            <p:nvSpPr>
+              <p:cNvPr id="8" name="TextBox 7">
+                <a:extLst>
+                  <a:ext uri="{FF2B5EF4-FFF2-40B4-BE49-F238E27FC236}">
+                    <a16:creationId xmlns:a16="http://schemas.microsoft.com/office/drawing/2014/main" id="{752D2500-282B-4900-8E07-A4F320B17395}"/>
+                  </a:ext>
+                </a:extLst>
+              </p:cNvPr>
+              <p:cNvSpPr txBox="1">
+                <a:spLocks noRot="1" noChangeAspect="1" noMove="1" noResize="1" noEditPoints="1" noAdjustHandles="1" noChangeArrowheads="1" noChangeShapeType="1" noTextEdit="1"/>
+              </p:cNvSpPr>
+              <p:nvPr/>
+            </p:nvSpPr>
+            <p:spPr>
+              <a:xfrm>
+                <a:off x="3180801" y="2936659"/>
+                <a:ext cx="1335814" cy="237950"/>
+              </a:xfrm>
+              <a:prstGeom prst="rect">
+                <a:avLst/>
+              </a:prstGeom>
+              <a:blipFill>
+                <a:blip r:embed="rId7"/>
+                <a:stretch>
+                  <a:fillRect l="-1370" t="-2564" r="-1370" b="-10256"/>
+                </a:stretch>
+              </a:blipFill>
+            </p:spPr>
+            <p:txBody>
+              <a:bodyPr/>
+              <a:lstStyle/>
+              <a:p>
+                <a:r>
+                  <a:rPr lang="ru-RU">
+                    <a:noFill/>
+                  </a:rPr>
+                  <a:t> </a:t>
+                </a:r>
+              </a:p>
+            </p:txBody>
+          </p:sp>
+        </mc:Fallback>
+      </mc:AlternateContent>
     </p:spTree>
     <p:extLst>
       <p:ext uri="{BB962C8B-B14F-4D97-AF65-F5344CB8AC3E}">
@@ -10007,7 +10400,7 @@
         </p:nvSpPr>
         <p:spPr>
           <a:xfrm>
-            <a:off x="5331510" y="2800171"/>
+            <a:off x="5330412" y="2883129"/>
             <a:ext cx="253364" cy="99386"/>
           </a:xfrm>
           <a:prstGeom prst="rect">
@@ -10980,7 +11373,7 @@
         </p:nvSpPr>
         <p:spPr>
           <a:xfrm>
-            <a:off x="5331510" y="2800171"/>
+            <a:off x="5331508" y="2912068"/>
             <a:ext cx="253364" cy="99386"/>
           </a:xfrm>
           <a:prstGeom prst="rect">
@@ -11502,7 +11895,7 @@
         </p:nvSpPr>
         <p:spPr>
           <a:xfrm>
-            <a:off x="5331510" y="2800171"/>
+            <a:off x="5330412" y="2924276"/>
             <a:ext cx="253364" cy="99386"/>
           </a:xfrm>
           <a:prstGeom prst="rect">
@@ -12665,7 +13058,7 @@
         </p:nvSpPr>
         <p:spPr>
           <a:xfrm>
-            <a:off x="5331510" y="2800171"/>
+            <a:off x="5330412" y="2917825"/>
             <a:ext cx="253364" cy="99386"/>
           </a:xfrm>
           <a:prstGeom prst="rect">
@@ -12723,7 +13116,7 @@
           <p:nvPr>
             <p:extLst>
               <p:ext uri="{D42A27DB-BD31-4B8C-83A1-F6EECF244321}">
-                <p14:modId xmlns:p14="http://schemas.microsoft.com/office/powerpoint/2010/main" val="1090006130"/>
+                <p14:modId xmlns:p14="http://schemas.microsoft.com/office/powerpoint/2010/main" val="2513893538"/>
               </p:ext>
             </p:extLst>
           </p:nvPr>
@@ -12929,14 +13322,26 @@
               </a:tabLst>
             </a:pPr>
             <a:r>
-              <a:rPr lang="ru-RU" spc="-50" dirty="0"/>
+              <a:rPr lang="ru-RU" spc="-50" dirty="0">
+                <a:solidFill>
+                  <a:schemeClr val="tx1"/>
+                </a:solidFill>
+              </a:rPr>
               <a:t>Разработанная архитектура позволила реализовать управляемую и расширяемую систему для масштабируемого запуска серверов на базе </a:t>
             </a:r>
             <a:r>
-              <a:rPr lang="en-US" spc="-50" dirty="0"/>
+              <a:rPr lang="en-US" spc="-50" dirty="0">
+                <a:solidFill>
+                  <a:schemeClr val="tx1"/>
+                </a:solidFill>
+              </a:rPr>
               <a:t>Unreal Engine 4;</a:t>
             </a:r>
-            <a:endParaRPr lang="ru-RU" spc="-50" dirty="0"/>
+            <a:endParaRPr lang="ru-RU" spc="-50" dirty="0">
+              <a:solidFill>
+                <a:schemeClr val="tx1"/>
+              </a:solidFill>
+            </a:endParaRPr>
           </a:p>
           <a:p>
             <a:pPr marL="241935" marR="5080" indent="-171450">
@@ -12956,14 +13361,26 @@
               </a:tabLst>
             </a:pPr>
             <a:r>
-              <a:rPr lang="ru-RU" spc="-60" dirty="0"/>
+              <a:rPr lang="ru-RU" spc="-60" dirty="0">
+                <a:solidFill>
+                  <a:schemeClr val="tx1"/>
+                </a:solidFill>
+              </a:rPr>
               <a:t>Исследования в области сериализации сетевых пакетов и последующий переход к бинарному представлению позволили снизить расходы по памяти в три раза</a:t>
             </a:r>
             <a:r>
-              <a:rPr lang="en-US" spc="-60" dirty="0"/>
+              <a:rPr lang="en-US" spc="-60" dirty="0">
+                <a:solidFill>
+                  <a:schemeClr val="tx1"/>
+                </a:solidFill>
+              </a:rPr>
               <a:t>;</a:t>
             </a:r>
-            <a:endParaRPr spc="-25" dirty="0"/>
+            <a:endParaRPr spc="-25" dirty="0">
+              <a:solidFill>
+                <a:schemeClr val="tx1"/>
+              </a:solidFill>
+            </a:endParaRPr>
           </a:p>
           <a:p>
             <a:pPr marL="242570" indent="-171450">
@@ -12983,14 +13400,26 @@
               </a:tabLst>
             </a:pPr>
             <a:r>
-              <a:rPr lang="ru-RU" spc="-45" dirty="0"/>
+              <a:rPr lang="ru-RU" spc="-45" dirty="0">
+                <a:solidFill>
+                  <a:schemeClr val="tx1"/>
+                </a:solidFill>
+              </a:rPr>
               <a:t>Выбранный подход в проектировании архитектуры системы позволил улучшить прозрачность разработанной системы</a:t>
             </a:r>
             <a:r>
-              <a:rPr lang="en-US" spc="-45" dirty="0"/>
+              <a:rPr lang="en-US" spc="-45" dirty="0">
+                <a:solidFill>
+                  <a:schemeClr val="tx1"/>
+                </a:solidFill>
+              </a:rPr>
               <a:t>;</a:t>
             </a:r>
-            <a:endParaRPr spc="-25" dirty="0"/>
+            <a:endParaRPr spc="-25" dirty="0">
+              <a:solidFill>
+                <a:schemeClr val="tx1"/>
+              </a:solidFill>
+            </a:endParaRPr>
           </a:p>
           <a:p>
             <a:pPr marL="242570" indent="-171450">
@@ -13010,10 +13439,18 @@
               </a:tabLst>
             </a:pPr>
             <a:r>
-              <a:rPr lang="ru-RU" spc="-60" dirty="0"/>
+              <a:rPr lang="ru-RU" spc="-60" dirty="0">
+                <a:solidFill>
+                  <a:schemeClr val="tx1"/>
+                </a:solidFill>
+              </a:rPr>
               <a:t>Логическое разделение управляющего и вычислительного уровней повысило надёжность системы за счет изоляции критических функций.</a:t>
             </a:r>
-            <a:endParaRPr lang="ru-RU" spc="-25" dirty="0"/>
+            <a:endParaRPr lang="ru-RU" spc="-25" dirty="0">
+              <a:solidFill>
+                <a:schemeClr val="tx1"/>
+              </a:solidFill>
+            </a:endParaRPr>
           </a:p>
         </p:txBody>
       </p:sp>
@@ -13029,7 +13466,7 @@
         </p:nvSpPr>
         <p:spPr>
           <a:xfrm>
-            <a:off x="5331510" y="2800171"/>
+            <a:off x="5330412" y="2917825"/>
             <a:ext cx="253364" cy="99386"/>
           </a:xfrm>
           <a:prstGeom prst="rect">
@@ -13215,7 +13652,7 @@
         </p:nvSpPr>
         <p:spPr>
           <a:xfrm>
-            <a:off x="5348173" y="2800171"/>
+            <a:off x="5345969" y="2917825"/>
             <a:ext cx="222250" cy="99386"/>
           </a:xfrm>
           <a:prstGeom prst="rect">
@@ -13807,7 +14244,7 @@
         </p:nvSpPr>
         <p:spPr>
           <a:xfrm>
-            <a:off x="5348173" y="2800171"/>
+            <a:off x="5345969" y="2920370"/>
             <a:ext cx="222250" cy="99386"/>
           </a:xfrm>
           <a:prstGeom prst="rect">
@@ -15215,7 +15652,7 @@
         </p:nvSpPr>
         <p:spPr>
           <a:xfrm>
-            <a:off x="5348173" y="2800171"/>
+            <a:off x="5345969" y="2917825"/>
             <a:ext cx="222250" cy="99386"/>
           </a:xfrm>
           <a:prstGeom prst="rect">
@@ -15308,7 +15745,7 @@
           <p:nvPr>
             <p:extLst>
               <p:ext uri="{D42A27DB-BD31-4B8C-83A1-F6EECF244321}">
-                <p14:modId xmlns:p14="http://schemas.microsoft.com/office/powerpoint/2010/main" val="2637182931"/>
+                <p14:modId xmlns:p14="http://schemas.microsoft.com/office/powerpoint/2010/main" val="3258358678"/>
               </p:ext>
             </p:extLst>
           </p:nvPr>
@@ -16443,7 +16880,10 @@
               <a:rPr lang="ru-RU" sz="900" dirty="0"/>
               <a:t>Распределённая система управления процессами запущенных серверов</a:t>
             </a:r>
-            <a:endParaRPr lang="en-US" sz="900" dirty="0"/>
+            <a:r>
+              <a:rPr lang="en-US" sz="900" dirty="0"/>
+              <a:t>.</a:t>
+            </a:r>
           </a:p>
           <a:p>
             <a:pPr marL="12700" marR="637540">
@@ -16504,7 +16944,7 @@
             </a:r>
             <a:r>
               <a:rPr lang="en-US" sz="900" dirty="0"/>
-              <a:t> Unreal Engine 4</a:t>
+              <a:t> Unreal Engine 4.</a:t>
             </a:r>
             <a:endParaRPr sz="900" dirty="0">
               <a:latin typeface="Trebuchet MS"/>
@@ -16605,10 +17045,7 @@
             <a:r>
               <a:rPr lang="ru-RU" sz="900" dirty="0">
                 <a:solidFill>
-                  <a:schemeClr val="tx1">
-                    <a:lumMod val="65000"/>
-                    <a:lumOff val="35000"/>
-                  </a:schemeClr>
+                  <a:schemeClr val="tx1"/>
                 </a:solidFill>
               </a:rPr>
               <a:t>Проанализированы существующие архитектурные подходы и программные решения, применяемые при разработке распределенных вычислительных систем</a:t>
@@ -16616,10 +17053,7 @@
             <a:r>
               <a:rPr lang="en-US" sz="900" dirty="0">
                 <a:solidFill>
-                  <a:schemeClr val="tx1">
-                    <a:lumMod val="65000"/>
-                    <a:lumOff val="35000"/>
-                  </a:schemeClr>
+                  <a:schemeClr val="tx1"/>
                 </a:solidFill>
               </a:rPr>
               <a:t>;</a:t>
@@ -16645,10 +17079,7 @@
             <a:r>
               <a:rPr lang="ru-RU" sz="900" spc="-60" dirty="0">
                 <a:solidFill>
-                  <a:schemeClr val="tx1">
-                    <a:lumMod val="65000"/>
-                    <a:lumOff val="35000"/>
-                  </a:schemeClr>
+                  <a:schemeClr val="tx1"/>
                 </a:solidFill>
                 <a:latin typeface="Trebuchet MS"/>
                 <a:cs typeface="Trebuchet MS"/>
@@ -16658,10 +17089,7 @@
             <a:r>
               <a:rPr lang="en-US" sz="900" spc="-60" dirty="0">
                 <a:solidFill>
-                  <a:schemeClr val="tx1">
-                    <a:lumMod val="65000"/>
-                    <a:lumOff val="35000"/>
-                  </a:schemeClr>
+                  <a:schemeClr val="tx1"/>
                 </a:solidFill>
                 <a:latin typeface="Trebuchet MS"/>
                 <a:cs typeface="Trebuchet MS"/>
@@ -16670,10 +17098,7 @@
             </a:r>
             <a:endParaRPr lang="ru-RU" sz="900" spc="-60" dirty="0">
               <a:solidFill>
-                <a:schemeClr val="tx1">
-                  <a:lumMod val="65000"/>
-                  <a:lumOff val="35000"/>
-                </a:schemeClr>
+                <a:schemeClr val="tx1"/>
               </a:solidFill>
               <a:latin typeface="Trebuchet MS"/>
               <a:cs typeface="Trebuchet MS"/>
@@ -16699,10 +17124,7 @@
             <a:r>
               <a:rPr lang="ru-RU" sz="900" dirty="0">
                 <a:solidFill>
-                  <a:schemeClr val="tx1">
-                    <a:lumMod val="65000"/>
-                    <a:lumOff val="35000"/>
-                  </a:schemeClr>
+                  <a:schemeClr val="tx1"/>
                 </a:solidFill>
                 <a:latin typeface="Trebuchet MS"/>
                 <a:cs typeface="Trebuchet MS"/>
@@ -16712,10 +17134,7 @@
             <a:r>
               <a:rPr lang="en-US" sz="900" dirty="0">
                 <a:solidFill>
-                  <a:schemeClr val="tx1">
-                    <a:lumMod val="65000"/>
-                    <a:lumOff val="35000"/>
-                  </a:schemeClr>
+                  <a:schemeClr val="tx1"/>
                 </a:solidFill>
                 <a:latin typeface="Trebuchet MS"/>
                 <a:cs typeface="Trebuchet MS"/>
@@ -16743,10 +17162,7 @@
             <a:r>
               <a:rPr lang="ru-RU" sz="900" dirty="0">
                 <a:solidFill>
-                  <a:schemeClr val="tx1">
-                    <a:lumMod val="65000"/>
-                    <a:lumOff val="35000"/>
-                  </a:schemeClr>
+                  <a:schemeClr val="tx1"/>
                 </a:solidFill>
               </a:rPr>
               <a:t>Реализовать механизм мониторинга и управления запущенными серверами в реальном времени</a:t>
@@ -16754,10 +17170,7 @@
             <a:r>
               <a:rPr lang="en-US" sz="900" dirty="0">
                 <a:solidFill>
-                  <a:schemeClr val="tx1">
-                    <a:lumMod val="65000"/>
-                    <a:lumOff val="35000"/>
-                  </a:schemeClr>
+                  <a:schemeClr val="tx1"/>
                 </a:solidFill>
                 <a:latin typeface="Trebuchet MS"/>
               </a:rPr>
@@ -16784,20 +17197,14 @@
             <a:r>
               <a:rPr lang="ru-RU" sz="900" dirty="0">
                 <a:solidFill>
-                  <a:schemeClr val="tx1">
-                    <a:lumMod val="65000"/>
-                    <a:lumOff val="35000"/>
-                  </a:schemeClr>
+                  <a:schemeClr val="tx1"/>
                 </a:solidFill>
               </a:rPr>
               <a:t>Убедиться в корректной работе всех компонентов системы в кроссплатформенной среде, с акцентом на поддержку Linux (Debian).</a:t>
             </a:r>
             <a:endParaRPr lang="ru-RU" sz="900" dirty="0">
               <a:solidFill>
-                <a:schemeClr val="tx1">
-                  <a:lumMod val="65000"/>
-                  <a:lumOff val="35000"/>
-                </a:schemeClr>
+                <a:schemeClr val="tx1"/>
               </a:solidFill>
               <a:latin typeface="Trebuchet MS"/>
               <a:cs typeface="Trebuchet MS"/>
@@ -16813,7 +17220,7 @@
         </p:nvSpPr>
         <p:spPr>
           <a:xfrm>
-            <a:off x="5372023" y="2795236"/>
+            <a:off x="5363927" y="2917825"/>
             <a:ext cx="200025" cy="104516"/>
           </a:xfrm>
           <a:prstGeom prst="rect">
@@ -17091,7 +17498,7 @@
         </p:nvSpPr>
         <p:spPr>
           <a:xfrm>
-            <a:off x="5330412" y="2842910"/>
+            <a:off x="5330412" y="2908474"/>
             <a:ext cx="253364" cy="99386"/>
           </a:xfrm>
           <a:prstGeom prst="rect">
@@ -17179,8 +17586,8 @@
           </a:p>
         </p:txBody>
       </p:sp>
-      <mc:AlternateContent xmlns:mc="http://schemas.openxmlformats.org/markup-compatibility/2006">
-        <mc:Choice xmlns:a14="http://schemas.microsoft.com/office/drawing/2010/main" Requires="a14">
+      <mc:AlternateContent xmlns:mc="http://schemas.openxmlformats.org/markup-compatibility/2006" xmlns:a14="http://schemas.microsoft.com/office/drawing/2010/main">
+        <mc:Choice Requires="a14">
           <p:sp>
             <p:nvSpPr>
               <p:cNvPr id="6" name="TextBox 5">
@@ -17246,7 +17653,7 @@
             </p:txBody>
           </p:sp>
         </mc:Choice>
-        <mc:Fallback>
+        <mc:Fallback xmlns="">
           <p:sp>
             <p:nvSpPr>
               <p:cNvPr id="6" name="TextBox 5">
@@ -17680,10 +18087,10 @@
       </p:sp>
       <p:pic>
         <p:nvPicPr>
-          <p:cNvPr id="2050" name="Picture 2">
+          <p:cNvPr id="1026" name="Picture 2">
             <a:extLst>
               <a:ext uri="{FF2B5EF4-FFF2-40B4-BE49-F238E27FC236}">
-                <a16:creationId xmlns:a16="http://schemas.microsoft.com/office/drawing/2014/main" id="{CC15FA8C-92C9-4576-81FF-F8EA11C429FB}"/>
+                <a16:creationId xmlns:a16="http://schemas.microsoft.com/office/drawing/2014/main" id="{3349ADC2-45D7-4075-8528-11821108630E}"/>
               </a:ext>
             </a:extLst>
           </p:cNvPr>
@@ -17707,8 +18114,8 @@
         </p:blipFill>
         <p:spPr bwMode="auto">
           <a:xfrm>
-            <a:off x="2891132" y="659163"/>
-            <a:ext cx="2585287" cy="2079625"/>
+            <a:off x="2908503" y="727160"/>
+            <a:ext cx="2435859" cy="2092852"/>
           </a:xfrm>
           <a:prstGeom prst="rect">
             <a:avLst/>
@@ -17930,7 +18337,7 @@
         </p:nvSpPr>
         <p:spPr>
           <a:xfrm>
-            <a:off x="5330412" y="2858590"/>
+            <a:off x="5330412" y="2917825"/>
             <a:ext cx="253364" cy="99386"/>
           </a:xfrm>
           <a:prstGeom prst="rect">
@@ -18369,7 +18776,7 @@
         </p:nvSpPr>
         <p:spPr>
           <a:xfrm>
-            <a:off x="5331510" y="2800171"/>
+            <a:off x="5330412" y="2910064"/>
             <a:ext cx="253364" cy="99386"/>
           </a:xfrm>
           <a:prstGeom prst="rect">
@@ -18714,7 +19121,7 @@
         </p:nvSpPr>
         <p:spPr>
           <a:xfrm>
-            <a:off x="5331510" y="2800171"/>
+            <a:off x="5330412" y="2912023"/>
             <a:ext cx="253364" cy="99386"/>
           </a:xfrm>
           <a:prstGeom prst="rect">

--- a/Master/Diploma/presentation/Презентация.pptx
+++ b/Master/Diploma/presentation/Презентация.pptx
@@ -4081,7 +4081,7 @@
           <a:p>
             <a:fld id="{DF72D1E3-4C5F-416B-82F4-05E153DB2B2B}" type="datetimeFigureOut">
               <a:rPr lang="ru-RU" smtClean="0"/>
-              <a:t>01.06.2025</a:t>
+              <a:t>03.06.2025</a:t>
             </a:fld>
             <a:endParaRPr lang="ru-RU"/>
           </a:p>
@@ -4497,7 +4497,13 @@
           <a:p>
             <a:r>
               <a:rPr lang="ru-RU" dirty="0"/>
-              <a:t>Структура пакета включает в себя ключевые параметры, необходимые для регистрации и мониторинга сервера.</a:t>
+              <a:t>Структура пакета включает в себя ключевые параметры, необходимые для регистрации и мониторинга сервера, такие как тип команды, адрес сервера, уникальный идентификатор, текущее и максимальное количество</a:t>
+            </a:r>
+          </a:p>
+          <a:p>
+            <a:r>
+              <a:rPr lang="ru-RU" dirty="0"/>
+              <a:t>пользователей, текущее состояние матча.</a:t>
             </a:r>
           </a:p>
           <a:p>
@@ -4596,8 +4602,13 @@
           <a:p>
             <a:r>
               <a:rPr lang="ru-RU" dirty="0"/>
-              <a:t>Во-первых, сразу можно увидеть, что строковой вид занимает почти в 3 раза больше памяти, чем байтовый (при условии что один символ это 1 байт).</a:t>
-            </a:r>
+              <a:t>Во-первых, сразу можно увидеть, что строковой вид занимает почти в 3 раза больше памяти, чем байтовый</a:t>
+            </a:r>
+            <a:r>
+              <a:rPr lang="en-US" dirty="0"/>
+              <a:t>.</a:t>
+            </a:r>
+            <a:endParaRPr lang="ru-RU" dirty="0"/>
           </a:p>
           <a:p>
             <a:r>
@@ -4870,7 +4881,7 @@
           <a:p>
             <a:r>
               <a:rPr lang="ru-RU" dirty="0"/>
-              <a:t>В рамках данной работы мной была разработана система сетевого мониторинга. </a:t>
+              <a:t>В рамках данной работы мной была разработана такая система сетевого мониторинга. </a:t>
             </a:r>
           </a:p>
           <a:p>
@@ -4997,7 +5008,7 @@
           <a:p>
             <a:r>
               <a:rPr lang="ru-RU" dirty="0"/>
-              <a:t>конкретные технические решения, которые принимались с ориентацией на надёжность, производительность и минимальные накладные расходы. Итогом этих выборов стали значительное снижение потребления памяти, повышение скорости работы и обеспечение кроссплатформенности всей системы.</a:t>
+              <a:t>конкретные технические решения, которые принимались с ориентацией на надёжность и минимальные накладные расходы. Итогом этих выборов стали значительное снижение потребления памяти, повышение скорости работы и обеспечение кроссплатформенности всей системы.</a:t>
             </a:r>
           </a:p>
         </p:txBody>
@@ -5191,7 +5202,7 @@
             </a:r>
             <a:r>
               <a:rPr lang="ru-RU" dirty="0"/>
-              <a:t>4. В процессе реализации проекта были приобретены практические навыки в области низкоуровневого программирования на </a:t>
+              <a:t>4. В процессе реализации проекта были приобретены практические навыки в области низкоуровневого сетевого программирования на </a:t>
             </a:r>
             <a:r>
               <a:rPr lang="en-US" dirty="0"/>
@@ -5510,7 +5521,15 @@
           <a:p>
             <a:r>
               <a:rPr lang="ru-RU" dirty="0"/>
-              <a:t>В рамках исследовательской работы мною был рассмотрен и реализован как вариант с использованием технологии контейнеризации (</a:t>
+              <a:t>В рамках исследовательской</a:t>
+            </a:r>
+            <a:r>
+              <a:rPr lang="en-US" dirty="0"/>
+              <a:t> </a:t>
+            </a:r>
+            <a:r>
+              <a:rPr lang="ru-RU" dirty="0"/>
+              <a:t>и практической работы мною был рассмотрен и реализован как вариант с использованием технологии контейнеризации (</a:t>
             </a:r>
             <a:r>
               <a:rPr lang="en-US" dirty="0"/>
@@ -5637,7 +5656,7 @@
           <a:p>
             <a:r>
               <a:rPr lang="ru-RU" dirty="0"/>
-              <a:t>В рамках практической части необходимо было реализовать механизм коммуникации между разрабатываемыми компонентами системы, реализовать механизм мониторинга состояния запущенных серверов,</a:t>
+              <a:t>В рамках практической части необходимо было разработать компоненты системы, реализовать механизм сетевой коммуникации между ними, реализовать механизм мониторинга состояния запущенных серверов,</a:t>
             </a:r>
           </a:p>
           <a:p>
@@ -5740,6 +5759,33 @@
               <a:rPr lang="ru-RU" dirty="0"/>
               <a:t> клиентский, управляющий и вычислительный.</a:t>
             </a:r>
+          </a:p>
+          <a:p>
+            <a:r>
+              <a:rPr lang="ru-RU" dirty="0"/>
+              <a:t>Подобное разделение уровней соответствует архитектурному паттерну </a:t>
+            </a:r>
+            <a:r>
+              <a:rPr lang="ru-RU" i="1" dirty="0" err="1"/>
+              <a:t>Master</a:t>
+            </a:r>
+            <a:r>
+              <a:rPr lang="ru-RU" i="1" dirty="0"/>
+              <a:t>–</a:t>
+            </a:r>
+            <a:r>
+              <a:rPr lang="ru-RU" i="1" dirty="0" err="1"/>
+              <a:t>Worker</a:t>
+            </a:r>
+            <a:r>
+              <a:rPr lang="ru-RU" dirty="0"/>
+              <a:t>, описанному в работе</a:t>
+            </a:r>
+            <a:r>
+              <a:rPr lang="en-US" dirty="0"/>
+              <a:t> [1].</a:t>
+            </a:r>
+            <a:endParaRPr lang="ru-RU" dirty="0"/>
           </a:p>
           <a:p>
             <a:r>
@@ -6295,7 +6341,7 @@
           <a:p>
             <a:fld id="{1D8BD707-D9CF-40AE-B4C6-C98DA3205C09}" type="datetimeFigureOut">
               <a:rPr lang="en-US"/>
-              <a:t>6/1/2025</a:t>
+              <a:t>6/3/2025</a:t>
             </a:fld>
             <a:endParaRPr lang="en-US"/>
           </a:p>
@@ -6492,7 +6538,7 @@
           <a:p>
             <a:fld id="{1D8BD707-D9CF-40AE-B4C6-C98DA3205C09}" type="datetimeFigureOut">
               <a:rPr lang="en-US"/>
-              <a:t>6/1/2025</a:t>
+              <a:t>6/3/2025</a:t>
             </a:fld>
             <a:endParaRPr lang="en-US"/>
           </a:p>
@@ -6726,7 +6772,7 @@
           <a:p>
             <a:fld id="{1D8BD707-D9CF-40AE-B4C6-C98DA3205C09}" type="datetimeFigureOut">
               <a:rPr lang="en-US"/>
-              <a:t>6/1/2025</a:t>
+              <a:t>6/3/2025</a:t>
             </a:fld>
             <a:endParaRPr lang="en-US"/>
           </a:p>
@@ -6894,7 +6940,7 @@
           <a:p>
             <a:fld id="{1D8BD707-D9CF-40AE-B4C6-C98DA3205C09}" type="datetimeFigureOut">
               <a:rPr lang="en-US"/>
-              <a:t>6/1/2025</a:t>
+              <a:t>6/3/2025</a:t>
             </a:fld>
             <a:endParaRPr lang="en-US"/>
           </a:p>
@@ -7041,7 +7087,7 @@
           <a:p>
             <a:fld id="{1D8BD707-D9CF-40AE-B4C6-C98DA3205C09}" type="datetimeFigureOut">
               <a:rPr lang="en-US"/>
-              <a:t>6/1/2025</a:t>
+              <a:t>6/3/2025</a:t>
             </a:fld>
             <a:endParaRPr lang="en-US"/>
           </a:p>
@@ -7308,7 +7354,7 @@
           <a:p>
             <a:fld id="{1D8BD707-D9CF-40AE-B4C6-C98DA3205C09}" type="datetimeFigureOut">
               <a:rPr lang="en-US"/>
-              <a:t>6/1/2025</a:t>
+              <a:t>6/3/2025</a:t>
             </a:fld>
             <a:endParaRPr lang="en-US"/>
           </a:p>
@@ -9488,8 +9534,8 @@
           </a:graphicData>
         </a:graphic>
       </p:graphicFrame>
-      <mc:AlternateContent xmlns:mc="http://schemas.openxmlformats.org/markup-compatibility/2006">
-        <mc:Choice xmlns:a14="http://schemas.microsoft.com/office/drawing/2010/main" Requires="a14">
+      <mc:AlternateContent xmlns:mc="http://schemas.openxmlformats.org/markup-compatibility/2006" xmlns:a14="http://schemas.microsoft.com/office/drawing/2010/main">
+        <mc:Choice Requires="a14">
           <p:sp>
             <p:nvSpPr>
               <p:cNvPr id="14" name="TextBox 13">
@@ -9518,6 +9564,7 @@
               </a:bodyPr>
               <a:lstStyle/>
               <a:p>
+                <a:pPr/>
                 <a14:m>
                   <m:oMathPara xmlns:m="http://schemas.openxmlformats.org/officeDocument/2006/math">
                     <m:oMathParaPr>
@@ -9563,7 +9610,7 @@
             </p:txBody>
           </p:sp>
         </mc:Choice>
-        <mc:Fallback>
+        <mc:Fallback xmlns="">
           <p:sp>
             <p:nvSpPr>
               <p:cNvPr id="14" name="TextBox 13">
@@ -9841,8 +9888,8 @@
           </a:p>
         </p:txBody>
       </p:sp>
-      <mc:AlternateContent xmlns:mc="http://schemas.openxmlformats.org/markup-compatibility/2006">
-        <mc:Choice xmlns:a14="http://schemas.microsoft.com/office/drawing/2010/main" Requires="a14">
+      <mc:AlternateContent xmlns:mc="http://schemas.openxmlformats.org/markup-compatibility/2006" xmlns:a14="http://schemas.microsoft.com/office/drawing/2010/main">
+        <mc:Choice Requires="a14">
           <p:sp>
             <p:nvSpPr>
               <p:cNvPr id="17" name="TextBox 16">
@@ -9871,6 +9918,7 @@
               </a:bodyPr>
               <a:lstStyle/>
               <a:p>
+                <a:pPr/>
                 <a14:m>
                   <m:oMathPara xmlns:m="http://schemas.openxmlformats.org/officeDocument/2006/math">
                     <m:oMathParaPr>
@@ -9916,7 +9964,7 @@
             </p:txBody>
           </p:sp>
         </mc:Choice>
-        <mc:Fallback>
+        <mc:Fallback xmlns="">
           <p:sp>
             <p:nvSpPr>
               <p:cNvPr id="17" name="TextBox 16">
@@ -9961,8 +10009,8 @@
           </p:sp>
         </mc:Fallback>
       </mc:AlternateContent>
-      <mc:AlternateContent xmlns:mc="http://schemas.openxmlformats.org/markup-compatibility/2006">
-        <mc:Choice xmlns:a14="http://schemas.microsoft.com/office/drawing/2010/main" Requires="a14">
+      <mc:AlternateContent xmlns:mc="http://schemas.openxmlformats.org/markup-compatibility/2006" xmlns:a14="http://schemas.microsoft.com/office/drawing/2010/main">
+        <mc:Choice Requires="a14">
           <p:sp>
             <p:nvSpPr>
               <p:cNvPr id="8" name="TextBox 7">
@@ -9991,6 +10039,7 @@
               </a:bodyPr>
               <a:lstStyle/>
               <a:p>
+                <a:pPr/>
                 <a14:m>
                   <m:oMathPara xmlns:m="http://schemas.openxmlformats.org/officeDocument/2006/math">
                     <m:oMathParaPr>
@@ -10145,7 +10194,7 @@
             </p:txBody>
           </p:sp>
         </mc:Choice>
-        <mc:Fallback>
+        <mc:Fallback xmlns="">
           <p:sp>
             <p:nvSpPr>
               <p:cNvPr id="8" name="TextBox 7">
@@ -11940,8 +11989,8 @@
           </a:p>
         </p:txBody>
       </p:sp>
-      <mc:AlternateContent xmlns:mc="http://schemas.openxmlformats.org/markup-compatibility/2006" xmlns:a14="http://schemas.microsoft.com/office/drawing/2010/main">
-        <mc:Choice Requires="a14">
+      <mc:AlternateContent xmlns:mc="http://schemas.openxmlformats.org/markup-compatibility/2006">
+        <mc:Choice xmlns:a14="http://schemas.microsoft.com/office/drawing/2010/main" Requires="a14">
           <p:graphicFrame>
             <p:nvGraphicFramePr>
               <p:cNvPr id="6" name="Таблица 7">
@@ -11957,7 +12006,7 @@
               <p:nvPr>
                 <p:extLst>
                   <p:ext uri="{D42A27DB-BD31-4B8C-83A1-F6EECF244321}">
-                    <p14:modId xmlns:p14="http://schemas.microsoft.com/office/powerpoint/2010/main" val="816165611"/>
+                    <p14:modId xmlns:p14="http://schemas.microsoft.com/office/powerpoint/2010/main" val="3903107071"/>
                   </p:ext>
                 </p:extLst>
               </p:nvPr>
@@ -12275,7 +12324,21 @@
                                   <a:latin typeface="Cambria Math" panose="02040503050406030204" pitchFamily="18" charset="0"/>
                                   <a:ea typeface="Cambria Math" panose="02040503050406030204" pitchFamily="18" charset="0"/>
                                 </a:rPr>
-                                <m:t>60%</m:t>
+                                <m:t>6</m:t>
+                              </m:r>
+                              <m:r>
+                                <a:rPr lang="ru-RU" sz="700" b="0" i="1" smtClean="0">
+                                  <a:latin typeface="Cambria Math" panose="02040503050406030204" pitchFamily="18" charset="0"/>
+                                  <a:ea typeface="Cambria Math" panose="02040503050406030204" pitchFamily="18" charset="0"/>
+                                </a:rPr>
+                                <m:t>6</m:t>
+                              </m:r>
+                              <m:r>
+                                <a:rPr lang="en-US" sz="700" b="0" i="1" smtClean="0">
+                                  <a:latin typeface="Cambria Math" panose="02040503050406030204" pitchFamily="18" charset="0"/>
+                                  <a:ea typeface="Cambria Math" panose="02040503050406030204" pitchFamily="18" charset="0"/>
+                                </a:rPr>
+                                <m:t>%</m:t>
                               </m:r>
                             </m:oMath>
                           </a14:m>
@@ -12396,7 +12459,7 @@
             </a:graphic>
           </p:graphicFrame>
         </mc:Choice>
-        <mc:Fallback xmlns="">
+        <mc:Fallback>
           <p:graphicFrame>
             <p:nvGraphicFramePr>
               <p:cNvPr id="6" name="Таблица 7">
@@ -12412,7 +12475,7 @@
               <p:nvPr>
                 <p:extLst>
                   <p:ext uri="{D42A27DB-BD31-4B8C-83A1-F6EECF244321}">
-                    <p14:modId xmlns:p14="http://schemas.microsoft.com/office/powerpoint/2010/main" val="816165611"/>
+                    <p14:modId xmlns:p14="http://schemas.microsoft.com/office/powerpoint/2010/main" val="3903107071"/>
                   </p:ext>
                 </p:extLst>
               </p:nvPr>
@@ -16205,7 +16268,7 @@
         <p:spPr>
           <a:xfrm>
             <a:off x="1323819" y="2634420"/>
-            <a:ext cx="3118162" cy="215444"/>
+            <a:ext cx="3118161" cy="338554"/>
           </a:xfrm>
           <a:prstGeom prst="rect">
             <a:avLst/>
@@ -16222,6 +16285,13 @@
             <a:r>
               <a:rPr lang="ru-RU" sz="800" dirty="0"/>
               <a:t>Таблица 1. Сравнение потребления ресурсов двух подходов</a:t>
+            </a:r>
+          </a:p>
+          <a:p>
+            <a:pPr algn="ctr"/>
+            <a:r>
+              <a:rPr lang="ru-RU" sz="800" dirty="0"/>
+              <a:t>на запуск одного процесса сервера</a:t>
             </a:r>
           </a:p>
         </p:txBody>
@@ -17586,8 +17656,8 @@
           </a:p>
         </p:txBody>
       </p:sp>
-      <mc:AlternateContent xmlns:mc="http://schemas.openxmlformats.org/markup-compatibility/2006" xmlns:a14="http://schemas.microsoft.com/office/drawing/2010/main">
-        <mc:Choice Requires="a14">
+      <mc:AlternateContent xmlns:mc="http://schemas.openxmlformats.org/markup-compatibility/2006">
+        <mc:Choice xmlns:a14="http://schemas.microsoft.com/office/drawing/2010/main" Requires="a14">
           <p:sp>
             <p:nvSpPr>
               <p:cNvPr id="6" name="TextBox 5">
@@ -17647,13 +17717,24 @@
                 </a:br>
                 <a:r>
                   <a:rPr lang="ru-RU" sz="700" dirty="0"/>
-                  <a:t>координирует запуск серверов и ведёт логирование.</a:t>
+                  <a:t>координирует запуск серверов и ведёт логирование</a:t>
+                </a:r>
+                <a:r>
+                  <a:rPr lang="ru-RU" sz="800" spc="-15" baseline="37037" dirty="0">
+                    <a:latin typeface="Trebuchet MS"/>
+                    <a:cs typeface="Trebuchet MS"/>
+                  </a:rPr>
+                  <a:t>1</a:t>
+                </a:r>
+                <a:r>
+                  <a:rPr lang="ru-RU" sz="700" dirty="0"/>
+                  <a:t>.</a:t>
                 </a:r>
               </a:p>
             </p:txBody>
           </p:sp>
         </mc:Choice>
-        <mc:Fallback xmlns="">
+        <mc:Fallback>
           <p:sp>
             <p:nvSpPr>
               <p:cNvPr id="6" name="TextBox 5">
@@ -18132,6 +18213,134 @@
           </a:extLst>
         </p:spPr>
       </p:pic>
+      <p:sp>
+        <p:nvSpPr>
+          <p:cNvPr id="8" name="TextBox 7">
+            <a:extLst>
+              <a:ext uri="{FF2B5EF4-FFF2-40B4-BE49-F238E27FC236}">
+                <a16:creationId xmlns:a16="http://schemas.microsoft.com/office/drawing/2014/main" id="{72328E1C-FFD1-4CFA-BB79-2B57B7EA8DF1}"/>
+              </a:ext>
+            </a:extLst>
+          </p:cNvPr>
+          <p:cNvSpPr txBox="1"/>
+          <p:nvPr/>
+        </p:nvSpPr>
+        <p:spPr>
+          <a:xfrm>
+            <a:off x="157913" y="2823475"/>
+            <a:ext cx="2756130" cy="415498"/>
+          </a:xfrm>
+          <a:prstGeom prst="rect">
+            <a:avLst/>
+          </a:prstGeom>
+          <a:noFill/>
+        </p:spPr>
+        <p:txBody>
+          <a:bodyPr wrap="square" rtlCol="0">
+            <a:spAutoFit/>
+          </a:bodyPr>
+          <a:lstStyle/>
+          <a:p>
+            <a:pPr algn="just"/>
+            <a:r>
+              <a:rPr lang="ru-RU" sz="900" spc="-127" baseline="33333" dirty="0">
+                <a:latin typeface="Trebuchet MS"/>
+                <a:cs typeface="Trebuchet MS"/>
+              </a:rPr>
+              <a:t>1</a:t>
+            </a:r>
+            <a:r>
+              <a:rPr lang="ru-RU" sz="900" spc="-142" baseline="33333" dirty="0">
+                <a:latin typeface="Trebuchet MS"/>
+                <a:cs typeface="Trebuchet MS"/>
+              </a:rPr>
+              <a:t> </a:t>
+            </a:r>
+            <a:r>
+              <a:rPr lang="en-US" sz="700" spc="-142" baseline="33333" dirty="0">
+                <a:latin typeface="Trebuchet MS"/>
+                <a:cs typeface="Trebuchet MS"/>
+              </a:rPr>
+              <a:t> </a:t>
+            </a:r>
+            <a:r>
+              <a:rPr lang="en-US" sz="700" dirty="0" err="1"/>
+              <a:t>Buschmann</a:t>
+            </a:r>
+            <a:r>
+              <a:rPr lang="en-US" sz="700" dirty="0"/>
+              <a:t> F., Meunier R., Rohnert H., </a:t>
+            </a:r>
+            <a:r>
+              <a:rPr lang="en-US" sz="700" dirty="0" err="1"/>
+              <a:t>Sommerlad</a:t>
+            </a:r>
+            <a:r>
+              <a:rPr lang="en-US" sz="700" dirty="0"/>
+              <a:t> P., </a:t>
+            </a:r>
+            <a:r>
+              <a:rPr lang="en-US" sz="700" dirty="0" err="1"/>
+              <a:t>Stal</a:t>
+            </a:r>
+            <a:r>
+              <a:rPr lang="en-US" sz="700" dirty="0"/>
+              <a:t> M. </a:t>
+            </a:r>
+          </a:p>
+          <a:p>
+            <a:pPr algn="just"/>
+            <a:r>
+              <a:rPr lang="en-US" sz="700" dirty="0"/>
+              <a:t>Pattern-Oriented Software Architecture: A System of Patterns. </a:t>
+            </a:r>
+          </a:p>
+          <a:p>
+            <a:pPr algn="just"/>
+            <a:r>
+              <a:rPr lang="en-US" sz="700" dirty="0"/>
+              <a:t>Wiley, 1996. P. 245 – 260.</a:t>
+            </a:r>
+            <a:endParaRPr lang="ru-RU" sz="700" dirty="0"/>
+          </a:p>
+        </p:txBody>
+      </p:sp>
+      <p:cxnSp>
+        <p:nvCxnSpPr>
+          <p:cNvPr id="12" name="Прямая соединительная линия 11">
+            <a:extLst>
+              <a:ext uri="{FF2B5EF4-FFF2-40B4-BE49-F238E27FC236}">
+                <a16:creationId xmlns:a16="http://schemas.microsoft.com/office/drawing/2014/main" id="{076D9944-511F-4A40-8837-6211F4841125}"/>
+              </a:ext>
+            </a:extLst>
+          </p:cNvPr>
+          <p:cNvCxnSpPr/>
+          <p:nvPr/>
+        </p:nvCxnSpPr>
+        <p:spPr>
+          <a:xfrm>
+            <a:off x="198564" y="2800478"/>
+            <a:ext cx="2777076" cy="0"/>
+          </a:xfrm>
+          <a:prstGeom prst="line">
+            <a:avLst/>
+          </a:prstGeom>
+        </p:spPr>
+        <p:style>
+          <a:lnRef idx="1">
+            <a:schemeClr val="accent1"/>
+          </a:lnRef>
+          <a:fillRef idx="0">
+            <a:schemeClr val="accent1"/>
+          </a:fillRef>
+          <a:effectRef idx="0">
+            <a:schemeClr val="accent1"/>
+          </a:effectRef>
+          <a:fontRef idx="minor">
+            <a:schemeClr val="tx1"/>
+          </a:fontRef>
+        </p:style>
+      </p:cxnSp>
     </p:spTree>
     <p:extLst>
       <p:ext uri="{BB962C8B-B14F-4D97-AF65-F5344CB8AC3E}">

--- a/Master/Diploma/presentation/Презентация.pptx
+++ b/Master/Diploma/presentation/Презентация.pptx
@@ -4081,7 +4081,7 @@
           <a:p>
             <a:fld id="{DF72D1E3-4C5F-416B-82F4-05E153DB2B2B}" type="datetimeFigureOut">
               <a:rPr lang="ru-RU" smtClean="0"/>
-              <a:t>03.06.2025</a:t>
+              <a:t>04.06.2025</a:t>
             </a:fld>
             <a:endParaRPr lang="ru-RU"/>
           </a:p>
@@ -4394,7 +4394,7 @@
           <a:p>
             <a:r>
               <a:rPr lang="ru-RU" dirty="0"/>
-              <a:t>Здравствуйте, уважаемые коллеги! Сегодня я хотел бы представить Вам свою выпускную квалификационную работу.</a:t>
+              <a:t>Здравствуйте, уважаемая комиссия, уважаемые преподаватели! Сегодня я хотел бы представить Вам свою выпускную квалификационную работу.</a:t>
             </a:r>
           </a:p>
         </p:txBody>
@@ -4739,7 +4739,7 @@
             </a:pPr>
             <a:r>
               <a:rPr lang="ru-RU" dirty="0"/>
-              <a:t>При решении поставленной задачи реализации механизма мониторинга встал вопрос о способе отображения информации о состоянии запущенных серверов.</a:t>
+              <a:t>При решении поставленной задачи реализации механизма мониторинга возник вопрос о способе отображения информации о состоянии запущенных серверов.</a:t>
             </a:r>
           </a:p>
           <a:p>
@@ -4762,7 +4762,7 @@
             </a:pPr>
             <a:r>
               <a:rPr lang="ru-RU" dirty="0"/>
-              <a:t>На слайде представлены два основных варианта реализации интерфейса</a:t>
+              <a:t>На слайде представлены два основных варианта реализации пользовательского интерфейса</a:t>
             </a:r>
             <a:r>
               <a:rPr lang="en-US" dirty="0"/>
@@ -5008,7 +5008,7 @@
           <a:p>
             <a:r>
               <a:rPr lang="ru-RU" dirty="0"/>
-              <a:t>конкретные технические решения, которые принимались с ориентацией на надёжность и минимальные накладные расходы. Итогом этих выборов стали значительное снижение потребления памяти, повышение скорости работы и обеспечение кроссплатформенности всей системы.</a:t>
+              <a:t>конкретные технические решения, которые принимались с ориентацией на надёжность и минимальные накладные расходы.</a:t>
             </a:r>
           </a:p>
         </p:txBody>
@@ -5929,7 +5929,7 @@
           <a:p>
             <a:r>
               <a:rPr lang="ru-RU" dirty="0"/>
-              <a:t>второй вариант, как более управляемый с точки зрения архитектуры системы.</a:t>
+              <a:t>второй вариант, как более управляемый с точки зрения выбранной архитектуры системы.</a:t>
             </a:r>
           </a:p>
         </p:txBody>
@@ -6341,7 +6341,7 @@
           <a:p>
             <a:fld id="{1D8BD707-D9CF-40AE-B4C6-C98DA3205C09}" type="datetimeFigureOut">
               <a:rPr lang="en-US"/>
-              <a:t>6/3/2025</a:t>
+              <a:t>6/4/2025</a:t>
             </a:fld>
             <a:endParaRPr lang="en-US"/>
           </a:p>
@@ -6538,7 +6538,7 @@
           <a:p>
             <a:fld id="{1D8BD707-D9CF-40AE-B4C6-C98DA3205C09}" type="datetimeFigureOut">
               <a:rPr lang="en-US"/>
-              <a:t>6/3/2025</a:t>
+              <a:t>6/4/2025</a:t>
             </a:fld>
             <a:endParaRPr lang="en-US"/>
           </a:p>
@@ -6772,7 +6772,7 @@
           <a:p>
             <a:fld id="{1D8BD707-D9CF-40AE-B4C6-C98DA3205C09}" type="datetimeFigureOut">
               <a:rPr lang="en-US"/>
-              <a:t>6/3/2025</a:t>
+              <a:t>6/4/2025</a:t>
             </a:fld>
             <a:endParaRPr lang="en-US"/>
           </a:p>
@@ -6940,7 +6940,7 @@
           <a:p>
             <a:fld id="{1D8BD707-D9CF-40AE-B4C6-C98DA3205C09}" type="datetimeFigureOut">
               <a:rPr lang="en-US"/>
-              <a:t>6/3/2025</a:t>
+              <a:t>6/4/2025</a:t>
             </a:fld>
             <a:endParaRPr lang="en-US"/>
           </a:p>
@@ -7087,7 +7087,7 @@
           <a:p>
             <a:fld id="{1D8BD707-D9CF-40AE-B4C6-C98DA3205C09}" type="datetimeFigureOut">
               <a:rPr lang="en-US"/>
-              <a:t>6/3/2025</a:t>
+              <a:t>6/4/2025</a:t>
             </a:fld>
             <a:endParaRPr lang="en-US"/>
           </a:p>
@@ -7354,7 +7354,7 @@
           <a:p>
             <a:fld id="{1D8BD707-D9CF-40AE-B4C6-C98DA3205C09}" type="datetimeFigureOut">
               <a:rPr lang="en-US"/>
-              <a:t>6/3/2025</a:t>
+              <a:t>6/4/2025</a:t>
             </a:fld>
             <a:endParaRPr lang="en-US"/>
           </a:p>
@@ -11989,8 +11989,8 @@
           </a:p>
         </p:txBody>
       </p:sp>
-      <mc:AlternateContent xmlns:mc="http://schemas.openxmlformats.org/markup-compatibility/2006">
-        <mc:Choice xmlns:a14="http://schemas.microsoft.com/office/drawing/2010/main" Requires="a14">
+      <mc:AlternateContent xmlns:mc="http://schemas.openxmlformats.org/markup-compatibility/2006" xmlns:a14="http://schemas.microsoft.com/office/drawing/2010/main">
+        <mc:Choice Requires="a14">
           <p:graphicFrame>
             <p:nvGraphicFramePr>
               <p:cNvPr id="6" name="Таблица 7">
@@ -12459,7 +12459,7 @@
             </a:graphic>
           </p:graphicFrame>
         </mc:Choice>
-        <mc:Fallback>
+        <mc:Fallback xmlns="">
           <p:graphicFrame>
             <p:nvGraphicFramePr>
               <p:cNvPr id="6" name="Таблица 7">
@@ -17656,8 +17656,8 @@
           </a:p>
         </p:txBody>
       </p:sp>
-      <mc:AlternateContent xmlns:mc="http://schemas.openxmlformats.org/markup-compatibility/2006">
-        <mc:Choice xmlns:a14="http://schemas.microsoft.com/office/drawing/2010/main" Requires="a14">
+      <mc:AlternateContent xmlns:mc="http://schemas.openxmlformats.org/markup-compatibility/2006" xmlns:a14="http://schemas.microsoft.com/office/drawing/2010/main">
+        <mc:Choice Requires="a14">
           <p:sp>
             <p:nvSpPr>
               <p:cNvPr id="6" name="TextBox 5">
@@ -17734,7 +17734,7 @@
             </p:txBody>
           </p:sp>
         </mc:Choice>
-        <mc:Fallback>
+        <mc:Fallback xmlns="">
           <p:sp>
             <p:nvSpPr>
               <p:cNvPr id="6" name="TextBox 5">

--- a/Master/Diploma/presentation/Презентация.pptx
+++ b/Master/Diploma/presentation/Презентация.pptx
@@ -925,7 +925,7 @@
         <a:p>
           <a:r>
             <a:rPr lang="ru-RU" b="1" dirty="0"/>
-            <a:t>Реализация менеджера на </a:t>
+            <a:t>Разработан менеджер на </a:t>
           </a:r>
           <a:r>
             <a:rPr lang="en-US" b="1" dirty="0"/>
@@ -966,13 +966,8 @@
         <a:p>
           <a:r>
             <a:rPr lang="ru-RU" b="1" dirty="0"/>
-            <a:t>Реализация менеджера и демона на </a:t>
+            <a:t>Разработка сетевого протокола для обмена информацией между компонентами системы</a:t>
           </a:r>
-          <a:r>
-            <a:rPr lang="en-US" b="1" dirty="0"/>
-            <a:t>C++ Boost.Asio</a:t>
-          </a:r>
-          <a:endParaRPr lang="ru-RU" b="1" dirty="0"/>
         </a:p>
       </dgm:t>
     </dgm:pt>
@@ -1007,8 +1002,17 @@
         <a:p>
           <a:r>
             <a:rPr lang="ru-RU" b="1" dirty="0"/>
-            <a:t>Реализация сетевого взаимодействия компонентов системы</a:t>
+            <a:t>Разработан менеджер и программа-демон на </a:t>
           </a:r>
+          <a:r>
+            <a:rPr lang="en-US" b="1" dirty="0"/>
+            <a:t>C++ </a:t>
+          </a:r>
+          <a:r>
+            <a:rPr lang="en-US" b="1" dirty="0" err="1"/>
+            <a:t>Boost.Asio</a:t>
+          </a:r>
+          <a:endParaRPr lang="ru-RU" b="1" dirty="0"/>
         </a:p>
       </dgm:t>
     </dgm:pt>
@@ -1043,11 +1047,19 @@
         <a:p>
           <a:r>
             <a:rPr lang="ru-RU" b="1" dirty="0"/>
-            <a:t>Реализация предоставления прав доступа на запуск сессии на клиенте</a:t>
+            <a:t>Реализация предоставления прав доступа на запуск сессии через клиент</a:t>
           </a:r>
           <a:r>
             <a:rPr lang="en-US" b="1" dirty="0"/>
-            <a:t> (EOS)</a:t>
+            <a:t> UE (EOS)</a:t>
+          </a:r>
+          <a:r>
+            <a:rPr lang="ru-RU" b="1" dirty="0"/>
+            <a:t> на </a:t>
+          </a:r>
+          <a:r>
+            <a:rPr lang="en-US" b="1" dirty="0"/>
+            <a:t>VPS</a:t>
           </a:r>
           <a:endParaRPr lang="ru-RU" b="1" dirty="0"/>
         </a:p>
@@ -1169,7 +1181,7 @@
         <a:p>
           <a:r>
             <a:rPr lang="ru-RU" b="1" dirty="0"/>
-            <a:t>Проведение исследования и оптимизации в области сериализации сетевых пакетов</a:t>
+            <a:t>Проведение исследований и улучшений в области сериализации сетевых пакетов</a:t>
           </a:r>
         </a:p>
       </dgm:t>
@@ -1695,7 +1707,7 @@
           </a:pPr>
           <a:r>
             <a:rPr lang="ru-RU" sz="700" b="1" kern="1200" dirty="0"/>
-            <a:t>Реализация менеджера на </a:t>
+            <a:t>Разработан менеджер на </a:t>
           </a:r>
           <a:r>
             <a:rPr lang="en-US" sz="700" b="1" kern="1200" dirty="0"/>
@@ -1850,13 +1862,8 @@
           </a:pPr>
           <a:r>
             <a:rPr lang="ru-RU" sz="700" b="1" kern="1200" dirty="0"/>
-            <a:t>Реализация менеджера и демона на </a:t>
+            <a:t>Разработка сетевого протокола для обмена информацией между компонентами системы</a:t>
           </a:r>
-          <a:r>
-            <a:rPr lang="en-US" sz="700" b="1" kern="1200" dirty="0"/>
-            <a:t>C++ Boost.Asio</a:t>
-          </a:r>
-          <a:endParaRPr lang="ru-RU" sz="700" b="1" kern="1200" dirty="0"/>
         </a:p>
       </dsp:txBody>
       <dsp:txXfrm>
@@ -2005,8 +2012,17 @@
           </a:pPr>
           <a:r>
             <a:rPr lang="ru-RU" sz="700" b="1" kern="1200" dirty="0"/>
-            <a:t>Реализация сетевого взаимодействия компонентов системы</a:t>
+            <a:t>Разработан менеджер и программа-демон на </a:t>
           </a:r>
+          <a:r>
+            <a:rPr lang="en-US" sz="700" b="1" kern="1200" dirty="0"/>
+            <a:t>C++ </a:t>
+          </a:r>
+          <a:r>
+            <a:rPr lang="en-US" sz="700" b="1" kern="1200" dirty="0" err="1"/>
+            <a:t>Boost.Asio</a:t>
+          </a:r>
+          <a:endParaRPr lang="ru-RU" sz="700" b="1" kern="1200" dirty="0"/>
         </a:p>
       </dsp:txBody>
       <dsp:txXfrm>
@@ -2155,11 +2171,19 @@
           </a:pPr>
           <a:r>
             <a:rPr lang="ru-RU" sz="700" b="1" kern="1200" dirty="0"/>
-            <a:t>Реализация предоставления прав доступа на запуск сессии на клиенте</a:t>
+            <a:t>Реализация предоставления прав доступа на запуск сессии через клиент</a:t>
           </a:r>
           <a:r>
             <a:rPr lang="en-US" sz="700" b="1" kern="1200" dirty="0"/>
-            <a:t> (EOS)</a:t>
+            <a:t> UE (EOS)</a:t>
+          </a:r>
+          <a:r>
+            <a:rPr lang="ru-RU" sz="700" b="1" kern="1200" dirty="0"/>
+            <a:t> на </a:t>
+          </a:r>
+          <a:r>
+            <a:rPr lang="en-US" sz="700" b="1" kern="1200" dirty="0"/>
+            <a:t>VPS</a:t>
           </a:r>
           <a:endParaRPr lang="ru-RU" sz="700" b="1" kern="1200" dirty="0"/>
         </a:p>
@@ -2623,7 +2647,7 @@
           </a:pPr>
           <a:r>
             <a:rPr lang="ru-RU" sz="700" b="1" kern="1200" dirty="0"/>
-            <a:t>Проведение исследования и оптимизации в области сериализации сетевых пакетов</a:t>
+            <a:t>Проведение исследований и улучшений в области сериализации сетевых пакетов</a:t>
           </a:r>
         </a:p>
       </dsp:txBody>
@@ -4635,7 +4659,7 @@
             </a:br>
             <a:r>
               <a:rPr lang="ru-RU" dirty="0"/>
-              <a:t>Следовательно, несмотря на простоту и наглядность строкового метода, было отдано предпочтение байтовому типу сериализации.</a:t>
+              <a:t>Следовательно, несмотря на простоту и наглядность строкового метода, было отдано предпочтение байтовому типу сериализации, чем были значительно улучшены технические характеристики программной системы.</a:t>
             </a:r>
           </a:p>
         </p:txBody>
@@ -6120,6 +6144,21 @@
         <p:txBody>
           <a:bodyPr/>
           <a:lstStyle/>
+          <a:p>
+            <a:r>
+              <a:rPr lang="ru-RU" dirty="0"/>
+              <a:t>В рамках данной работы был разработан сетевой протокол для обмена данными между программами.</a:t>
+            </a:r>
+          </a:p>
+          <a:p>
+            <a:r>
+              <a:rPr lang="ru-RU" dirty="0"/>
+              <a:t>Для этого требовалось провести большой объём исследований, связанных с сетевой разработкой.</a:t>
+            </a:r>
+          </a:p>
+          <a:p>
+            <a:endParaRPr lang="ru-RU" dirty="0"/>
+          </a:p>
           <a:p>
             <a:r>
               <a:rPr lang="ru-RU" dirty="0"/>
@@ -9669,7 +9708,7 @@
         </p:nvSpPr>
         <p:spPr>
           <a:xfrm>
-            <a:off x="3374872" y="2391231"/>
+            <a:off x="3373925" y="2330236"/>
             <a:ext cx="2095445" cy="307777"/>
           </a:xfrm>
           <a:prstGeom prst="rect">
@@ -9888,8 +9927,8 @@
           </a:p>
         </p:txBody>
       </p:sp>
-      <mc:AlternateContent xmlns:mc="http://schemas.openxmlformats.org/markup-compatibility/2006" xmlns:a14="http://schemas.microsoft.com/office/drawing/2010/main">
-        <mc:Choice Requires="a14">
+      <mc:AlternateContent xmlns:mc="http://schemas.openxmlformats.org/markup-compatibility/2006">
+        <mc:Choice xmlns:a14="http://schemas.microsoft.com/office/drawing/2010/main" Requires="a14">
           <p:sp>
             <p:nvSpPr>
               <p:cNvPr id="17" name="TextBox 16">
@@ -9904,7 +9943,7 @@
             </p:nvSpPr>
             <p:spPr>
               <a:xfrm>
-                <a:off x="3072825" y="2704688"/>
+                <a:off x="3016069" y="2644442"/>
                 <a:ext cx="2180789" cy="209737"/>
               </a:xfrm>
               <a:prstGeom prst="rect">
@@ -9964,7 +10003,7 @@
             </p:txBody>
           </p:sp>
         </mc:Choice>
-        <mc:Fallback xmlns="">
+        <mc:Fallback>
           <p:sp>
             <p:nvSpPr>
               <p:cNvPr id="17" name="TextBox 16">
@@ -9981,7 +10020,7 @@
             </p:nvSpPr>
             <p:spPr>
               <a:xfrm>
-                <a:off x="3072825" y="2704688"/>
+                <a:off x="3016069" y="2644442"/>
                 <a:ext cx="2180789" cy="209737"/>
               </a:xfrm>
               <a:prstGeom prst="rect">
@@ -10009,8 +10048,8 @@
           </p:sp>
         </mc:Fallback>
       </mc:AlternateContent>
-      <mc:AlternateContent xmlns:mc="http://schemas.openxmlformats.org/markup-compatibility/2006" xmlns:a14="http://schemas.microsoft.com/office/drawing/2010/main">
-        <mc:Choice Requires="a14">
+      <mc:AlternateContent xmlns:mc="http://schemas.openxmlformats.org/markup-compatibility/2006">
+        <mc:Choice xmlns:a14="http://schemas.microsoft.com/office/drawing/2010/main" Requires="a14">
           <p:sp>
             <p:nvSpPr>
               <p:cNvPr id="8" name="TextBox 7">
@@ -10025,8 +10064,8 @@
             </p:nvSpPr>
             <p:spPr>
               <a:xfrm>
-                <a:off x="3180801" y="2936659"/>
-                <a:ext cx="1335814" cy="237950"/>
+                <a:off x="3124045" y="2876413"/>
+                <a:ext cx="2456313" cy="291747"/>
               </a:xfrm>
               <a:prstGeom prst="rect">
                 <a:avLst/>
@@ -10041,160 +10080,165 @@
               <a:p>
                 <a:pPr/>
                 <a14:m>
-                  <m:oMathPara xmlns:m="http://schemas.openxmlformats.org/officeDocument/2006/math">
-                    <m:oMathParaPr>
-                      <m:jc m:val="centerGroup"/>
-                    </m:oMathParaPr>
-                    <m:oMath xmlns:m="http://schemas.openxmlformats.org/officeDocument/2006/math">
-                      <m:r>
-                        <a:rPr lang="ru-RU" sz="700" i="1" smtClean="0">
-                          <a:latin typeface="Cambria Math" panose="02040503050406030204" pitchFamily="18" charset="0"/>
-                          <a:ea typeface="Cambria Math" panose="02040503050406030204" pitchFamily="18" charset="0"/>
-                        </a:rPr>
-                        <m:t>𝜂</m:t>
-                      </m:r>
-                      <m:r>
-                        <a:rPr lang="en-US" sz="700" b="0" i="1" smtClean="0">
-                          <a:latin typeface="Cambria Math" panose="02040503050406030204" pitchFamily="18" charset="0"/>
-                          <a:ea typeface="Cambria Math" panose="02040503050406030204" pitchFamily="18" charset="0"/>
-                        </a:rPr>
-                        <m:t>=</m:t>
-                      </m:r>
-                      <m:f>
-                        <m:fPr>
-                          <m:ctrlPr>
-                            <a:rPr lang="en-US" sz="700" b="0" i="1" smtClean="0">
-                              <a:latin typeface="Cambria Math" panose="02040503050406030204" pitchFamily="18" charset="0"/>
-                              <a:ea typeface="Cambria Math" panose="02040503050406030204" pitchFamily="18" charset="0"/>
-                            </a:rPr>
-                          </m:ctrlPr>
-                        </m:fPr>
-                        <m:num>
-                          <m:sSub>
-                            <m:sSubPr>
-                              <m:ctrlPr>
-                                <a:rPr lang="en-US" sz="700" b="0" i="1" smtClean="0">
-                                  <a:latin typeface="Cambria Math" panose="02040503050406030204" pitchFamily="18" charset="0"/>
-                                  <a:ea typeface="Cambria Math" panose="02040503050406030204" pitchFamily="18" charset="0"/>
-                                </a:rPr>
-                              </m:ctrlPr>
-                            </m:sSubPr>
-                            <m:e>
-                              <m:r>
-                                <a:rPr lang="en-US" sz="700" b="0" i="1" smtClean="0">
-                                  <a:latin typeface="Cambria Math" panose="02040503050406030204" pitchFamily="18" charset="0"/>
-                                  <a:ea typeface="Cambria Math" panose="02040503050406030204" pitchFamily="18" charset="0"/>
-                                </a:rPr>
-                                <m:t>𝑆</m:t>
-                              </m:r>
-                            </m:e>
-                            <m:sub>
-                              <m:r>
-                                <a:rPr lang="ru-RU" sz="700" b="0" i="1" smtClean="0">
-                                  <a:latin typeface="Cambria Math" panose="02040503050406030204" pitchFamily="18" charset="0"/>
-                                  <a:ea typeface="Cambria Math" panose="02040503050406030204" pitchFamily="18" charset="0"/>
-                                </a:rPr>
-                                <m:t>строк</m:t>
-                              </m:r>
-                            </m:sub>
-                          </m:sSub>
-                          <m:r>
-                            <a:rPr lang="ru-RU" sz="700" b="0" i="1" smtClean="0">
-                              <a:latin typeface="Cambria Math" panose="02040503050406030204" pitchFamily="18" charset="0"/>
-                              <a:ea typeface="Cambria Math" panose="02040503050406030204" pitchFamily="18" charset="0"/>
-                            </a:rPr>
-                            <m:t>−</m:t>
-                          </m:r>
-                          <m:sSub>
-                            <m:sSubPr>
-                              <m:ctrlPr>
-                                <a:rPr lang="en-US" sz="700" b="0" i="1" smtClean="0">
-                                  <a:latin typeface="Cambria Math" panose="02040503050406030204" pitchFamily="18" charset="0"/>
-                                  <a:ea typeface="Cambria Math" panose="02040503050406030204" pitchFamily="18" charset="0"/>
-                                </a:rPr>
-                              </m:ctrlPr>
-                            </m:sSubPr>
-                            <m:e>
-                              <m:r>
-                                <a:rPr lang="en-US" sz="700" b="0" i="1" smtClean="0">
-                                  <a:latin typeface="Cambria Math" panose="02040503050406030204" pitchFamily="18" charset="0"/>
-                                  <a:ea typeface="Cambria Math" panose="02040503050406030204" pitchFamily="18" charset="0"/>
-                                </a:rPr>
-                                <m:t>𝑆</m:t>
-                              </m:r>
-                            </m:e>
-                            <m:sub>
-                              <m:r>
-                                <a:rPr lang="ru-RU" sz="700" b="0" i="1" smtClean="0">
-                                  <a:latin typeface="Cambria Math" panose="02040503050406030204" pitchFamily="18" charset="0"/>
-                                  <a:ea typeface="Cambria Math" panose="02040503050406030204" pitchFamily="18" charset="0"/>
-                                </a:rPr>
-                                <m:t>бинар</m:t>
-                              </m:r>
-                            </m:sub>
-                          </m:sSub>
-                        </m:num>
-                        <m:den>
-                          <m:sSub>
-                            <m:sSubPr>
-                              <m:ctrlPr>
-                                <a:rPr lang="en-US" sz="700" b="0" i="1" smtClean="0">
-                                  <a:latin typeface="Cambria Math" panose="02040503050406030204" pitchFamily="18" charset="0"/>
-                                  <a:ea typeface="Cambria Math" panose="02040503050406030204" pitchFamily="18" charset="0"/>
-                                </a:rPr>
-                              </m:ctrlPr>
-                            </m:sSubPr>
-                            <m:e>
-                              <m:r>
-                                <a:rPr lang="en-US" sz="700" b="0" i="1" smtClean="0">
-                                  <a:latin typeface="Cambria Math" panose="02040503050406030204" pitchFamily="18" charset="0"/>
-                                  <a:ea typeface="Cambria Math" panose="02040503050406030204" pitchFamily="18" charset="0"/>
-                                </a:rPr>
-                                <m:t>𝑆</m:t>
-                              </m:r>
-                            </m:e>
-                            <m:sub>
-                              <m:r>
-                                <a:rPr lang="ru-RU" sz="700" b="0" i="1" smtClean="0">
-                                  <a:latin typeface="Cambria Math" panose="02040503050406030204" pitchFamily="18" charset="0"/>
-                                  <a:ea typeface="Cambria Math" panose="02040503050406030204" pitchFamily="18" charset="0"/>
-                                </a:rPr>
-                                <m:t>строк</m:t>
-                              </m:r>
-                            </m:sub>
-                          </m:sSub>
-                        </m:den>
-                      </m:f>
-                      <m:r>
-                        <a:rPr lang="ru-RU" sz="700" b="0" i="1" smtClean="0">
-                          <a:latin typeface="Cambria Math" panose="02040503050406030204" pitchFamily="18" charset="0"/>
-                          <a:ea typeface="Cambria Math" panose="02040503050406030204" pitchFamily="18" charset="0"/>
-                        </a:rPr>
-                        <m:t>⋅</m:t>
-                      </m:r>
-                      <m:r>
-                        <a:rPr lang="en-US" sz="700" b="0" i="1" smtClean="0">
-                          <a:latin typeface="Cambria Math" panose="02040503050406030204" pitchFamily="18" charset="0"/>
-                          <a:ea typeface="Cambria Math" panose="02040503050406030204" pitchFamily="18" charset="0"/>
-                        </a:rPr>
-                        <m:t>100%≈</m:t>
-                      </m:r>
-                      <m:r>
-                        <a:rPr lang="ru-RU" sz="700" b="0" i="1" smtClean="0">
-                          <a:latin typeface="Cambria Math" panose="02040503050406030204" pitchFamily="18" charset="0"/>
-                          <a:ea typeface="Cambria Math" panose="02040503050406030204" pitchFamily="18" charset="0"/>
-                        </a:rPr>
-                        <m:t>66%</m:t>
-                      </m:r>
-                    </m:oMath>
-                  </m:oMathPara>
+                  <m:oMath xmlns:m="http://schemas.openxmlformats.org/officeDocument/2006/math">
+                    <m:r>
+                      <a:rPr lang="ru-RU" sz="700" i="1" smtClean="0">
+                        <a:latin typeface="Cambria Math" panose="02040503050406030204" pitchFamily="18" charset="0"/>
+                        <a:ea typeface="Cambria Math" panose="02040503050406030204" pitchFamily="18" charset="0"/>
+                      </a:rPr>
+                      <m:t>𝜂</m:t>
+                    </m:r>
+                    <m:r>
+                      <a:rPr lang="en-US" sz="700" b="0" i="1" smtClean="0">
+                        <a:latin typeface="Cambria Math" panose="02040503050406030204" pitchFamily="18" charset="0"/>
+                        <a:ea typeface="Cambria Math" panose="02040503050406030204" pitchFamily="18" charset="0"/>
+                      </a:rPr>
+                      <m:t>=</m:t>
+                    </m:r>
+                    <m:f>
+                      <m:fPr>
+                        <m:ctrlPr>
+                          <a:rPr lang="en-US" sz="700" b="0" i="1" smtClean="0">
+                            <a:latin typeface="Cambria Math" panose="02040503050406030204" pitchFamily="18" charset="0"/>
+                            <a:ea typeface="Cambria Math" panose="02040503050406030204" pitchFamily="18" charset="0"/>
+                          </a:rPr>
+                        </m:ctrlPr>
+                      </m:fPr>
+                      <m:num>
+                        <m:sSub>
+                          <m:sSubPr>
+                            <m:ctrlPr>
+                              <a:rPr lang="en-US" sz="700" b="0" i="1" smtClean="0">
+                                <a:latin typeface="Cambria Math" panose="02040503050406030204" pitchFamily="18" charset="0"/>
+                                <a:ea typeface="Cambria Math" panose="02040503050406030204" pitchFamily="18" charset="0"/>
+                              </a:rPr>
+                            </m:ctrlPr>
+                          </m:sSubPr>
+                          <m:e>
+                            <m:r>
+                              <a:rPr lang="en-US" sz="700" b="0" i="1" smtClean="0">
+                                <a:latin typeface="Cambria Math" panose="02040503050406030204" pitchFamily="18" charset="0"/>
+                                <a:ea typeface="Cambria Math" panose="02040503050406030204" pitchFamily="18" charset="0"/>
+                              </a:rPr>
+                              <m:t>𝑆</m:t>
+                            </m:r>
+                          </m:e>
+                          <m:sub>
+                            <m:r>
+                              <a:rPr lang="ru-RU" sz="700" b="0" i="1" smtClean="0">
+                                <a:latin typeface="Cambria Math" panose="02040503050406030204" pitchFamily="18" charset="0"/>
+                                <a:ea typeface="Cambria Math" panose="02040503050406030204" pitchFamily="18" charset="0"/>
+                              </a:rPr>
+                              <m:t>строк</m:t>
+                            </m:r>
+                          </m:sub>
+                        </m:sSub>
+                        <m:r>
+                          <a:rPr lang="ru-RU" sz="700" b="0" i="1" smtClean="0">
+                            <a:latin typeface="Cambria Math" panose="02040503050406030204" pitchFamily="18" charset="0"/>
+                            <a:ea typeface="Cambria Math" panose="02040503050406030204" pitchFamily="18" charset="0"/>
+                          </a:rPr>
+                          <m:t>−</m:t>
+                        </m:r>
+                        <m:sSub>
+                          <m:sSubPr>
+                            <m:ctrlPr>
+                              <a:rPr lang="en-US" sz="700" b="0" i="1" smtClean="0">
+                                <a:latin typeface="Cambria Math" panose="02040503050406030204" pitchFamily="18" charset="0"/>
+                                <a:ea typeface="Cambria Math" panose="02040503050406030204" pitchFamily="18" charset="0"/>
+                              </a:rPr>
+                            </m:ctrlPr>
+                          </m:sSubPr>
+                          <m:e>
+                            <m:r>
+                              <a:rPr lang="en-US" sz="700" b="0" i="1" smtClean="0">
+                                <a:latin typeface="Cambria Math" panose="02040503050406030204" pitchFamily="18" charset="0"/>
+                                <a:ea typeface="Cambria Math" panose="02040503050406030204" pitchFamily="18" charset="0"/>
+                              </a:rPr>
+                              <m:t>𝑆</m:t>
+                            </m:r>
+                          </m:e>
+                          <m:sub>
+                            <m:r>
+                              <a:rPr lang="ru-RU" sz="700" b="0" i="1" smtClean="0">
+                                <a:latin typeface="Cambria Math" panose="02040503050406030204" pitchFamily="18" charset="0"/>
+                                <a:ea typeface="Cambria Math" panose="02040503050406030204" pitchFamily="18" charset="0"/>
+                              </a:rPr>
+                              <m:t>бинар</m:t>
+                            </m:r>
+                          </m:sub>
+                        </m:sSub>
+                      </m:num>
+                      <m:den>
+                        <m:sSub>
+                          <m:sSubPr>
+                            <m:ctrlPr>
+                              <a:rPr lang="en-US" sz="700" b="0" i="1" smtClean="0">
+                                <a:latin typeface="Cambria Math" panose="02040503050406030204" pitchFamily="18" charset="0"/>
+                                <a:ea typeface="Cambria Math" panose="02040503050406030204" pitchFamily="18" charset="0"/>
+                              </a:rPr>
+                            </m:ctrlPr>
+                          </m:sSubPr>
+                          <m:e>
+                            <m:r>
+                              <a:rPr lang="en-US" sz="700" b="0" i="1" smtClean="0">
+                                <a:latin typeface="Cambria Math" panose="02040503050406030204" pitchFamily="18" charset="0"/>
+                                <a:ea typeface="Cambria Math" panose="02040503050406030204" pitchFamily="18" charset="0"/>
+                              </a:rPr>
+                              <m:t>𝑆</m:t>
+                            </m:r>
+                          </m:e>
+                          <m:sub>
+                            <m:r>
+                              <a:rPr lang="ru-RU" sz="700" b="0" i="1" smtClean="0">
+                                <a:latin typeface="Cambria Math" panose="02040503050406030204" pitchFamily="18" charset="0"/>
+                                <a:ea typeface="Cambria Math" panose="02040503050406030204" pitchFamily="18" charset="0"/>
+                              </a:rPr>
+                              <m:t>строк</m:t>
+                            </m:r>
+                          </m:sub>
+                        </m:sSub>
+                      </m:den>
+                    </m:f>
+                    <m:r>
+                      <a:rPr lang="ru-RU" sz="700" b="0" i="1" smtClean="0">
+                        <a:latin typeface="Cambria Math" panose="02040503050406030204" pitchFamily="18" charset="0"/>
+                        <a:ea typeface="Cambria Math" panose="02040503050406030204" pitchFamily="18" charset="0"/>
+                      </a:rPr>
+                      <m:t>⋅</m:t>
+                    </m:r>
+                    <m:r>
+                      <a:rPr lang="en-US" sz="700" b="0" i="1" smtClean="0">
+                        <a:latin typeface="Cambria Math" panose="02040503050406030204" pitchFamily="18" charset="0"/>
+                        <a:ea typeface="Cambria Math" panose="02040503050406030204" pitchFamily="18" charset="0"/>
+                      </a:rPr>
+                      <m:t>100%≈</m:t>
+                    </m:r>
+                    <m:r>
+                      <a:rPr lang="ru-RU" sz="700" b="0" i="1" smtClean="0">
+                        <a:latin typeface="Cambria Math" panose="02040503050406030204" pitchFamily="18" charset="0"/>
+                        <a:ea typeface="Cambria Math" panose="02040503050406030204" pitchFamily="18" charset="0"/>
+                      </a:rPr>
+                      <m:t>66%</m:t>
+                    </m:r>
+                  </m:oMath>
                 </a14:m>
-                <a:endParaRPr lang="ru-RU" sz="700" dirty="0"/>
+                <a:r>
+                  <a:rPr lang="ru-RU" sz="700" dirty="0"/>
+                  <a:t> - экономия в объёме сетевого</a:t>
+                </a:r>
+              </a:p>
+              <a:p>
+                <a:pPr/>
+                <a:r>
+                  <a:rPr lang="ru-RU" sz="700" dirty="0"/>
+                  <a:t> трафика после уменьшения размера сетевых пакетов</a:t>
+                </a:r>
               </a:p>
             </p:txBody>
           </p:sp>
         </mc:Choice>
-        <mc:Fallback xmlns="">
+        <mc:Fallback>
           <p:sp>
             <p:nvSpPr>
               <p:cNvPr id="8" name="TextBox 7">
@@ -10211,8 +10255,8 @@
             </p:nvSpPr>
             <p:spPr>
               <a:xfrm>
-                <a:off x="3180801" y="2936659"/>
-                <a:ext cx="1335814" cy="237950"/>
+                <a:off x="3124045" y="2876413"/>
+                <a:ext cx="2456313" cy="291747"/>
               </a:xfrm>
               <a:prstGeom prst="rect">
                 <a:avLst/>
@@ -10220,7 +10264,7 @@
               <a:blipFill>
                 <a:blip r:embed="rId7"/>
                 <a:stretch>
-                  <a:fillRect l="-1370" t="-2564" r="-1370" b="-10256"/>
+                  <a:fillRect l="-1241" t="-2083" r="-1737" b="-16667"/>
                 </a:stretch>
               </a:blipFill>
             </p:spPr>
@@ -11838,7 +11882,7 @@
             </a:pPr>
             <a:r>
               <a:rPr lang="ru-RU" spc="-10" dirty="0"/>
-              <a:t>Этапы разработки системы</a:t>
+              <a:t>Разработанное программное обеспечение</a:t>
             </a:r>
             <a:endParaRPr lang="ru-RU" spc="-10" dirty="0">
               <a:highlight>
@@ -11854,11 +11898,11 @@
             </a:pPr>
             <a:r>
               <a:rPr lang="ru-RU" sz="800" dirty="0"/>
-              <a:t> </a:t>
+              <a:t> Результат </a:t>
             </a:r>
             <a:r>
               <a:rPr lang="ru-RU" sz="900" dirty="0"/>
-              <a:t>Выбор архитектурных решений на основе исследований</a:t>
+              <a:t>выбора архитектурных решений на основе исследований</a:t>
             </a:r>
             <a:endParaRPr lang="ru-RU" sz="900" dirty="0">
               <a:highlight>
@@ -11989,8 +12033,8 @@
           </a:p>
         </p:txBody>
       </p:sp>
-      <mc:AlternateContent xmlns:mc="http://schemas.openxmlformats.org/markup-compatibility/2006" xmlns:a14="http://schemas.microsoft.com/office/drawing/2010/main">
-        <mc:Choice Requires="a14">
+      <mc:AlternateContent xmlns:mc="http://schemas.openxmlformats.org/markup-compatibility/2006">
+        <mc:Choice xmlns:a14="http://schemas.microsoft.com/office/drawing/2010/main" Requires="a14">
           <p:graphicFrame>
             <p:nvGraphicFramePr>
               <p:cNvPr id="6" name="Таблица 7">
@@ -12006,14 +12050,14 @@
               <p:nvPr>
                 <p:extLst>
                   <p:ext uri="{D42A27DB-BD31-4B8C-83A1-F6EECF244321}">
-                    <p14:modId xmlns:p14="http://schemas.microsoft.com/office/powerpoint/2010/main" val="3903107071"/>
+                    <p14:modId xmlns:p14="http://schemas.microsoft.com/office/powerpoint/2010/main" val="2244457726"/>
                   </p:ext>
                 </p:extLst>
               </p:nvPr>
             </p:nvGraphicFramePr>
             <p:xfrm>
-              <a:off x="697568" y="580182"/>
-              <a:ext cx="4370664" cy="2443480"/>
+              <a:off x="365174" y="580182"/>
+              <a:ext cx="5108528" cy="2322403"/>
             </p:xfrm>
             <a:graphic>
               <a:graphicData uri="http://schemas.openxmlformats.org/drawingml/2006/table">
@@ -12022,28 +12066,28 @@
                     <a:tableStyleId>{5C22544A-7EE6-4342-B048-85BDC9FD1C3A}</a:tableStyleId>
                   </a:tblPr>
                   <a:tblGrid>
-                    <a:gridCol w="1092666">
+                    <a:gridCol w="1277132">
                       <a:extLst>
                         <a:ext uri="{9D8B030D-6E8A-4147-A177-3AD203B41FA5}">
                           <a16:colId xmlns:a16="http://schemas.microsoft.com/office/drawing/2014/main" val="3255032339"/>
                         </a:ext>
                       </a:extLst>
                     </a:gridCol>
-                    <a:gridCol w="1092666">
+                    <a:gridCol w="1277132">
                       <a:extLst>
                         <a:ext uri="{9D8B030D-6E8A-4147-A177-3AD203B41FA5}">
                           <a16:colId xmlns:a16="http://schemas.microsoft.com/office/drawing/2014/main" val="3000018748"/>
                         </a:ext>
                       </a:extLst>
                     </a:gridCol>
-                    <a:gridCol w="1092666">
+                    <a:gridCol w="1277132">
                       <a:extLst>
                         <a:ext uri="{9D8B030D-6E8A-4147-A177-3AD203B41FA5}">
                           <a16:colId xmlns:a16="http://schemas.microsoft.com/office/drawing/2014/main" val="1515478931"/>
                         </a:ext>
                       </a:extLst>
                     </a:gridCol>
-                    <a:gridCol w="1092666">
+                    <a:gridCol w="1277132">
                       <a:extLst>
                         <a:ext uri="{9D8B030D-6E8A-4147-A177-3AD203B41FA5}">
                           <a16:colId xmlns:a16="http://schemas.microsoft.com/office/drawing/2014/main" val="26288016"/>
@@ -12051,7 +12095,7 @@
                       </a:extLst>
                     </a:gridCol>
                   </a:tblGrid>
-                  <a:tr h="370840">
+                  <a:tr h="356443">
                     <a:tc>
                       <a:txBody>
                         <a:bodyPr/>
@@ -12060,7 +12104,7 @@
                           <a:pPr algn="ctr"/>
                           <a:r>
                             <a:rPr lang="ru-RU" sz="800" dirty="0"/>
-                            <a:t>Этап</a:t>
+                            <a:t>Этап исследования</a:t>
                           </a:r>
                         </a:p>
                       </a:txBody>
@@ -12166,7 +12210,7 @@
                           <a:pPr algn="ctr"/>
                           <a:r>
                             <a:rPr lang="ru-RU" sz="700" dirty="0"/>
-                            <a:t>Снижены накладные расходы по памяти на диске</a:t>
+                            <a:t>Увеличена скорость запуска серверов, уменьшено количество процессов, снижен расход памяти на диске</a:t>
                           </a:r>
                         </a:p>
                       </a:txBody>
@@ -12236,11 +12280,18 @@
                           <a:pPr algn="ctr"/>
                           <a:r>
                             <a:rPr lang="ru-RU" sz="700" dirty="0"/>
-                            <a:t>Снижено потребление ОЗУ (до</a:t>
+                            <a:t>Серьёзно снижено потребление ОЗУ </a:t>
+                          </a:r>
+                        </a:p>
+                        <a:p>
+                          <a:pPr algn="ctr"/>
+                          <a:r>
+                            <a:rPr lang="ru-RU" sz="700" dirty="0"/>
+                            <a:t>(стало </a:t>
                           </a:r>
                           <a:r>
                             <a:rPr lang="en-US" sz="700" dirty="0"/>
-                            <a:t> 5 </a:t>
+                            <a:t>5 </a:t>
                           </a:r>
                           <a:r>
                             <a:rPr lang="ru-RU" sz="700" dirty="0"/>
@@ -12348,15 +12399,22 @@
                           </a:r>
                           <a:r>
                             <a:rPr lang="ru-RU" sz="700" dirty="0"/>
-                            <a:t>памяти</a:t>
+                            <a:t>объёма трафика</a:t>
                           </a:r>
                           <a:r>
                             <a:rPr lang="ru-RU" sz="700" baseline="0" dirty="0"/>
-                            <a:t> (88 Б </a:t>
+                            <a:t> </a:t>
+                          </a:r>
+                        </a:p>
+                        <a:p>
+                          <a:pPr algn="ctr"/>
+                          <a:r>
+                            <a:rPr lang="ru-RU" sz="700" baseline="0" dirty="0"/>
+                            <a:t>(88 Б </a:t>
                           </a:r>
                           <a:r>
                             <a:rPr lang="ru-RU" sz="700" dirty="0"/>
-                            <a:t>→ 30 Б)</a:t>
+                            <a:t>→ 30 Б на один пакет)</a:t>
                           </a:r>
                         </a:p>
                       </a:txBody>
@@ -12459,7 +12517,7 @@
             </a:graphic>
           </p:graphicFrame>
         </mc:Choice>
-        <mc:Fallback xmlns="">
+        <mc:Fallback>
           <p:graphicFrame>
             <p:nvGraphicFramePr>
               <p:cNvPr id="6" name="Таблица 7">
@@ -12475,14 +12533,14 @@
               <p:nvPr>
                 <p:extLst>
                   <p:ext uri="{D42A27DB-BD31-4B8C-83A1-F6EECF244321}">
-                    <p14:modId xmlns:p14="http://schemas.microsoft.com/office/powerpoint/2010/main" val="3903107071"/>
+                    <p14:modId xmlns:p14="http://schemas.microsoft.com/office/powerpoint/2010/main" val="2244457726"/>
                   </p:ext>
                 </p:extLst>
               </p:nvPr>
             </p:nvGraphicFramePr>
             <p:xfrm>
-              <a:off x="697568" y="580182"/>
-              <a:ext cx="4370664" cy="2443480"/>
+              <a:off x="365174" y="580182"/>
+              <a:ext cx="5108528" cy="2322403"/>
             </p:xfrm>
             <a:graphic>
               <a:graphicData uri="http://schemas.openxmlformats.org/drawingml/2006/table">
@@ -12491,28 +12549,28 @@
                     <a:tableStyleId>{5C22544A-7EE6-4342-B048-85BDC9FD1C3A}</a:tableStyleId>
                   </a:tblPr>
                   <a:tblGrid>
-                    <a:gridCol w="1092666">
+                    <a:gridCol w="1277132">
                       <a:extLst>
                         <a:ext uri="{9D8B030D-6E8A-4147-A177-3AD203B41FA5}">
                           <a16:colId xmlns:a16="http://schemas.microsoft.com/office/drawing/2014/main" val="3255032339"/>
                         </a:ext>
                       </a:extLst>
                     </a:gridCol>
-                    <a:gridCol w="1092666">
+                    <a:gridCol w="1277132">
                       <a:extLst>
                         <a:ext uri="{9D8B030D-6E8A-4147-A177-3AD203B41FA5}">
                           <a16:colId xmlns:a16="http://schemas.microsoft.com/office/drawing/2014/main" val="3000018748"/>
                         </a:ext>
                       </a:extLst>
                     </a:gridCol>
-                    <a:gridCol w="1092666">
+                    <a:gridCol w="1277132">
                       <a:extLst>
                         <a:ext uri="{9D8B030D-6E8A-4147-A177-3AD203B41FA5}">
                           <a16:colId xmlns:a16="http://schemas.microsoft.com/office/drawing/2014/main" val="1515478931"/>
                         </a:ext>
                       </a:extLst>
                     </a:gridCol>
-                    <a:gridCol w="1092666">
+                    <a:gridCol w="1277132">
                       <a:extLst>
                         <a:ext uri="{9D8B030D-6E8A-4147-A177-3AD203B41FA5}">
                           <a16:colId xmlns:a16="http://schemas.microsoft.com/office/drawing/2014/main" val="26288016"/>
@@ -12520,7 +12578,7 @@
                       </a:extLst>
                     </a:gridCol>
                   </a:tblGrid>
-                  <a:tr h="370840">
+                  <a:tr h="356443">
                     <a:tc>
                       <a:txBody>
                         <a:bodyPr/>
@@ -12529,7 +12587,7 @@
                           <a:pPr algn="ctr"/>
                           <a:r>
                             <a:rPr lang="ru-RU" sz="800" dirty="0"/>
-                            <a:t>Этап</a:t>
+                            <a:t>Этап исследования</a:t>
                           </a:r>
                         </a:p>
                       </a:txBody>
@@ -12583,7 +12641,7 @@
                       </a:ext>
                     </a:extLst>
                   </a:tr>
-                  <a:tr h="518160">
+                  <a:tr h="624840">
                     <a:tc>
                       <a:txBody>
                         <a:bodyPr/>
@@ -12635,7 +12693,7 @@
                           <a:pPr algn="ctr"/>
                           <a:r>
                             <a:rPr lang="ru-RU" sz="700" dirty="0"/>
-                            <a:t>Снижены накладные расходы по памяти на диске</a:t>
+                            <a:t>Увеличена скорость запуска серверов, уменьшено количество процессов, снижен расход памяти на диске</a:t>
                           </a:r>
                         </a:p>
                       </a:txBody>
@@ -12647,7 +12705,7 @@
                       </a:ext>
                     </a:extLst>
                   </a:tr>
-                  <a:tr h="518160">
+                  <a:tr h="411480">
                     <a:tc>
                       <a:txBody>
                         <a:bodyPr/>
@@ -12705,11 +12763,18 @@
                           <a:pPr algn="ctr"/>
                           <a:r>
                             <a:rPr lang="ru-RU" sz="700" dirty="0"/>
-                            <a:t>Снижено потребление ОЗУ (до</a:t>
+                            <a:t>Серьёзно снижено потребление ОЗУ </a:t>
+                          </a:r>
+                        </a:p>
+                        <a:p>
+                          <a:pPr algn="ctr"/>
+                          <a:r>
+                            <a:rPr lang="ru-RU" sz="700" dirty="0"/>
+                            <a:t>(стало </a:t>
                           </a:r>
                           <a:r>
                             <a:rPr lang="en-US" sz="700" dirty="0"/>
-                            <a:t> 5 </a:t>
+                            <a:t>5 </a:t>
                           </a:r>
                           <a:r>
                             <a:rPr lang="ru-RU" sz="700" dirty="0"/>
@@ -12725,7 +12790,7 @@
                       </a:ext>
                     </a:extLst>
                   </a:tr>
-                  <a:tr h="518160">
+                  <a:tr h="411480">
                     <a:tc>
                       <a:txBody>
                         <a:bodyPr/>
@@ -12781,7 +12846,7 @@
                         <a:blipFill>
                           <a:blip r:embed="rId4"/>
                           <a:stretch>
-                            <a:fillRect l="-301676" t="-274118" r="-2235" b="-102353"/>
+                            <a:fillRect l="-300000" t="-338235" r="-2381" b="-127941"/>
                           </a:stretch>
                         </a:blipFill>
                       </a:tcPr>
@@ -12898,7 +12963,7 @@
         </p:nvSpPr>
         <p:spPr>
           <a:xfrm>
-            <a:off x="1878458" y="3044795"/>
+            <a:off x="1914996" y="2941599"/>
             <a:ext cx="2008883" cy="200055"/>
           </a:xfrm>
           <a:prstGeom prst="rect">
@@ -13028,7 +13093,7 @@
             </a:pPr>
             <a:r>
               <a:rPr lang="ru-RU" spc="-10" dirty="0"/>
-              <a:t>Этапы разработки системы</a:t>
+              <a:t>Разработанное программное обеспечение</a:t>
             </a:r>
           </a:p>
           <a:p>
@@ -13039,7 +13104,7 @@
             </a:pPr>
             <a:r>
               <a:rPr lang="ru-RU" sz="900" spc="-50" dirty="0"/>
-              <a:t>Последовательность проектных решений</a:t>
+              <a:t>Последовательность разработки</a:t>
             </a:r>
             <a:endParaRPr lang="ru-RU" sz="900" dirty="0"/>
           </a:p>
@@ -13179,7 +13244,7 @@
           <p:nvPr>
             <p:extLst>
               <p:ext uri="{D42A27DB-BD31-4B8C-83A1-F6EECF244321}">
-                <p14:modId xmlns:p14="http://schemas.microsoft.com/office/powerpoint/2010/main" val="2513893538"/>
+                <p14:modId xmlns:p14="http://schemas.microsoft.com/office/powerpoint/2010/main" val="1544609523"/>
               </p:ext>
             </p:extLst>
           </p:nvPr>
@@ -13841,8 +13906,8 @@
           </a:p>
         </p:txBody>
       </p:sp>
-      <mc:AlternateContent xmlns:mc="http://schemas.openxmlformats.org/markup-compatibility/2006" xmlns:a14="http://schemas.microsoft.com/office/drawing/2010/main">
-        <mc:Choice Requires="a14">
+      <mc:AlternateContent xmlns:mc="http://schemas.openxmlformats.org/markup-compatibility/2006">
+        <mc:Choice xmlns:a14="http://schemas.microsoft.com/office/drawing/2010/main" Requires="a14">
           <p:sp>
             <p:nvSpPr>
               <p:cNvPr id="6" name="TextBox 5">
@@ -13858,7 +13923,7 @@
             <p:spPr>
               <a:xfrm>
                 <a:off x="139700" y="708025"/>
-                <a:ext cx="5562600" cy="1785104"/>
+                <a:ext cx="5562600" cy="2092881"/>
               </a:xfrm>
               <a:prstGeom prst="rect">
                 <a:avLst/>
@@ -14007,7 +14072,15 @@
                 </a:r>
                 <a:r>
                   <a:rPr lang="ru-RU" sz="1000" dirty="0"/>
-                  <a:t>встроенный в движок низкоуровневый программный</a:t>
+                  <a:t>встроенный в </a:t>
+                </a:r>
+                <a:r>
+                  <a:rPr lang="en-US" sz="1000" dirty="0"/>
+                  <a:t>UE</a:t>
+                </a:r>
+                <a:r>
+                  <a:rPr lang="ru-RU" sz="1000" dirty="0"/>
+                  <a:t> низкоуровневый сетевой программный</a:t>
                 </a:r>
                 <a:br>
                   <a:rPr lang="en-US" sz="1000" dirty="0"/>
@@ -14035,9 +14108,85 @@
                   <a:rPr lang="en-US" sz="1000" dirty="0"/>
                   <a:t>;</a:t>
                 </a:r>
+                <a:endParaRPr lang="ru-RU" sz="1000" dirty="0"/>
               </a:p>
               <a:p>
-                <a:endParaRPr lang="en-US" sz="1000" dirty="0"/>
+                <a:pPr marL="171450" indent="-171450">
+                  <a:buClr>
+                    <a:srgbClr val="0070C0"/>
+                  </a:buClr>
+                  <a:buFont typeface="Wingdings" panose="05000000000000000000" pitchFamily="2" charset="2"/>
+                  <a:buChar char="§"/>
+                </a:pPr>
+                <a:endParaRPr lang="ru-RU" sz="1000" spc="-10" dirty="0">
+                  <a:latin typeface="Trebuchet MS"/>
+                  <a:cs typeface="Trebuchet MS"/>
+                </a:endParaRPr>
+              </a:p>
+              <a:p>
+                <a:pPr marL="171450" indent="-171450">
+                  <a:buClr>
+                    <a:srgbClr val="0070C0"/>
+                  </a:buClr>
+                  <a:buFont typeface="Wingdings" panose="05000000000000000000" pitchFamily="2" charset="2"/>
+                  <a:buChar char="§"/>
+                </a:pPr>
+                <a:r>
+                  <a:rPr lang="ru-RU" sz="1000" spc="-10" dirty="0">
+                    <a:latin typeface="Trebuchet MS"/>
+                    <a:cs typeface="Trebuchet MS"/>
+                  </a:rPr>
+                  <a:t>Выделенный сервер (</a:t>
+                </a:r>
+                <a:r>
+                  <a:rPr lang="en-US" sz="1000" spc="-10" dirty="0">
+                    <a:latin typeface="Trebuchet MS"/>
+                    <a:cs typeface="Trebuchet MS"/>
+                  </a:rPr>
+                  <a:t>dedicated server) </a:t>
+                </a:r>
+                <a14:m>
+                  <m:oMath xmlns:m="http://schemas.openxmlformats.org/officeDocument/2006/math">
+                    <m:r>
+                      <a:rPr lang="en-US" sz="1000" b="0" i="1" smtClean="0">
+                        <a:latin typeface="Cambria Math" panose="02040503050406030204" pitchFamily="18" charset="0"/>
+                      </a:rPr>
+                      <m:t>−</m:t>
+                    </m:r>
+                  </m:oMath>
+                </a14:m>
+                <a:r>
+                  <a:rPr lang="en-US" sz="1000" dirty="0"/>
+                  <a:t> .</a:t>
+                </a:r>
+                <a:endParaRPr lang="ru-RU" sz="1000" dirty="0"/>
+              </a:p>
+              <a:p>
+                <a:pPr marL="171450" indent="-171450">
+                  <a:buClr>
+                    <a:srgbClr val="0070C0"/>
+                  </a:buClr>
+                  <a:buFont typeface="Wingdings" panose="05000000000000000000" pitchFamily="2" charset="2"/>
+                  <a:buChar char="§"/>
+                </a:pPr>
+                <a:r>
+                  <a:rPr lang="en-US" sz="1000" dirty="0"/>
+                  <a:t>Virtual private server (VPS) </a:t>
+                </a:r>
+                <a14:m>
+                  <m:oMath xmlns:m="http://schemas.openxmlformats.org/officeDocument/2006/math">
+                    <m:r>
+                      <a:rPr lang="en-US" sz="1000" b="0" i="1" smtClean="0">
+                        <a:latin typeface="Cambria Math" panose="02040503050406030204" pitchFamily="18" charset="0"/>
+                      </a:rPr>
+                      <m:t>−</m:t>
+                    </m:r>
+                  </m:oMath>
+                </a14:m>
+                <a:r>
+                  <a:rPr lang="en-US" sz="1000" dirty="0"/>
+                  <a:t> .</a:t>
+                </a:r>
               </a:p>
               <a:p>
                 <a:endParaRPr lang="ru-RU" sz="1000" dirty="0"/>
@@ -14045,7 +14194,7 @@
             </p:txBody>
           </p:sp>
         </mc:Choice>
-        <mc:Fallback xmlns="">
+        <mc:Fallback>
           <p:sp>
             <p:nvSpPr>
               <p:cNvPr id="6" name="TextBox 5">
@@ -14063,7 +14212,7 @@
             <p:spPr>
               <a:xfrm>
                 <a:off x="139700" y="708025"/>
-                <a:ext cx="5562600" cy="1785104"/>
+                <a:ext cx="5562600" cy="2092881"/>
               </a:xfrm>
               <a:prstGeom prst="rect">
                 <a:avLst/>
@@ -15808,7 +15957,7 @@
           <p:nvPr>
             <p:extLst>
               <p:ext uri="{D42A27DB-BD31-4B8C-83A1-F6EECF244321}">
-                <p14:modId xmlns:p14="http://schemas.microsoft.com/office/powerpoint/2010/main" val="3258358678"/>
+                <p14:modId xmlns:p14="http://schemas.microsoft.com/office/powerpoint/2010/main" val="483269113"/>
               </p:ext>
             </p:extLst>
           </p:nvPr>
@@ -17656,8 +17805,8 @@
           </a:p>
         </p:txBody>
       </p:sp>
-      <mc:AlternateContent xmlns:mc="http://schemas.openxmlformats.org/markup-compatibility/2006" xmlns:a14="http://schemas.microsoft.com/office/drawing/2010/main">
-        <mc:Choice Requires="a14">
+      <mc:AlternateContent xmlns:mc="http://schemas.openxmlformats.org/markup-compatibility/2006">
+        <mc:Choice xmlns:a14="http://schemas.microsoft.com/office/drawing/2010/main" Requires="a14">
           <p:sp>
             <p:nvSpPr>
               <p:cNvPr id="6" name="TextBox 5">
@@ -17672,8 +17821,8 @@
             </p:nvSpPr>
             <p:spPr>
               <a:xfrm>
-                <a:off x="410389" y="673211"/>
-                <a:ext cx="2482316" cy="523220"/>
+                <a:off x="400584" y="612250"/>
+                <a:ext cx="2482316" cy="630942"/>
               </a:xfrm>
               <a:prstGeom prst="rect">
                 <a:avLst/>
@@ -17689,7 +17838,7 @@
                 <a:pPr algn="just"/>
                 <a:r>
                   <a:rPr lang="ru-RU" sz="700" b="1" i="1" dirty="0"/>
-                  <a:t>Менеджер серверов </a:t>
+                  <a:t>Менеджер серверов</a:t>
                 </a:r>
                 <a14:m>
                   <m:oMath xmlns:m="http://schemas.openxmlformats.org/officeDocument/2006/math">
@@ -17703,21 +17852,14 @@
                 </a14:m>
                 <a:r>
                   <a:rPr lang="ru-RU" sz="700" dirty="0"/>
-                  <a:t> централизованный компонент</a:t>
+                  <a:t>сетевая программа, которая обрабатывает клиентские запросы, распределяет пользователей по серверам,</a:t>
                 </a:r>
                 <a:br>
                   <a:rPr lang="ru-RU" sz="700" dirty="0"/>
                 </a:br>
                 <a:r>
                   <a:rPr lang="ru-RU" sz="700" dirty="0"/>
-                  <a:t>управления, обрабатывает клиентские запросы, распределяет пользователей по серверам,</a:t>
-                </a:r>
-                <a:br>
-                  <a:rPr lang="ru-RU" sz="700" dirty="0"/>
-                </a:br>
-                <a:r>
-                  <a:rPr lang="ru-RU" sz="700" dirty="0"/>
-                  <a:t>координирует запуск серверов и ведёт логирование</a:t>
+                  <a:t>координирует запуск серверов и ведёт журналирование</a:t>
                 </a:r>
                 <a:r>
                   <a:rPr lang="ru-RU" sz="800" spc="-15" baseline="37037" dirty="0">
@@ -17734,7 +17876,7 @@
             </p:txBody>
           </p:sp>
         </mc:Choice>
-        <mc:Fallback xmlns="">
+        <mc:Fallback>
           <p:sp>
             <p:nvSpPr>
               <p:cNvPr id="6" name="TextBox 5">
@@ -17751,8 +17893,8 @@
             </p:nvSpPr>
             <p:spPr>
               <a:xfrm>
-                <a:off x="410389" y="673211"/>
-                <a:ext cx="2482316" cy="523220"/>
+                <a:off x="400584" y="612250"/>
+                <a:ext cx="2482316" cy="630942"/>
               </a:xfrm>
               <a:prstGeom prst="rect">
                 <a:avLst/>
@@ -17760,7 +17902,7 @@
               <a:blipFill>
                 <a:blip r:embed="rId4"/>
                 <a:stretch>
-                  <a:fillRect b="-1163"/>
+                  <a:fillRect/>
                 </a:stretch>
               </a:blipFill>
             </p:spPr>
@@ -17793,7 +17935,7 @@
         </p:nvSpPr>
         <p:spPr>
           <a:xfrm>
-            <a:off x="408817" y="1679635"/>
+            <a:off x="408817" y="1708260"/>
             <a:ext cx="2435859" cy="523220"/>
           </a:xfrm>
           <a:prstGeom prst="rect">
@@ -17813,21 +17955,7 @@
             </a:r>
             <a:r>
               <a:rPr lang="ru-RU" sz="700" dirty="0"/>
-              <a:t> – локальный агент запуска,</a:t>
-            </a:r>
-            <a:br>
-              <a:rPr lang="ru-RU" sz="700" dirty="0"/>
-            </a:br>
-            <a:r>
-              <a:rPr lang="ru-RU" sz="700" dirty="0"/>
-              <a:t>выполняет команды менеджера по запуску</a:t>
-            </a:r>
-            <a:br>
-              <a:rPr lang="ru-RU" sz="700" dirty="0"/>
-            </a:br>
-            <a:r>
-              <a:rPr lang="ru-RU" sz="700" dirty="0"/>
-              <a:t>и остановке экземпляров </a:t>
+              <a:t> – локальная программа для запуска и остановки работы других программ, выполняет команды менеджера на вычислительном узле. Используется для управления </a:t>
             </a:r>
             <a:r>
               <a:rPr lang="en-US" sz="700" dirty="0"/>
@@ -17835,7 +17963,7 @@
             </a:r>
             <a:r>
               <a:rPr lang="ru-RU" sz="700" dirty="0"/>
-              <a:t>серверов на вычислительном узле.</a:t>
+              <a:t>серверами.</a:t>
             </a:r>
           </a:p>
         </p:txBody>
@@ -17908,8 +18036,8 @@
         </p:nvSpPr>
         <p:spPr>
           <a:xfrm>
-            <a:off x="408817" y="1176423"/>
-            <a:ext cx="2482315" cy="415498"/>
+            <a:off x="408817" y="1213175"/>
+            <a:ext cx="2482315" cy="523220"/>
           </a:xfrm>
           <a:prstGeom prst="rect">
             <a:avLst/>
@@ -17936,21 +18064,7 @@
             </a:r>
             <a:r>
               <a:rPr lang="ru-RU" sz="700" dirty="0"/>
-              <a:t>процесс, реализующий серверную логику</a:t>
-            </a:r>
-            <a:br>
-              <a:rPr lang="ru-RU" sz="700" dirty="0"/>
-            </a:br>
-            <a:r>
-              <a:rPr lang="ru-RU" sz="700" dirty="0"/>
-              <a:t>Unreal Engine. Обслуживает клиентские подключения</a:t>
-            </a:r>
-            <a:br>
-              <a:rPr lang="ru-RU" sz="700" dirty="0"/>
-            </a:br>
-            <a:r>
-              <a:rPr lang="ru-RU" sz="700" dirty="0"/>
-              <a:t>и управляет состоянием матча.</a:t>
+              <a:t>сетевая программа, реализующая серверную логику Unreal Engine. Обслуживает клиентские подключения и управляет состоянием матча.</a:t>
             </a:r>
           </a:p>
         </p:txBody>
@@ -17969,7 +18083,7 @@
         </p:nvSpPr>
         <p:spPr>
           <a:xfrm>
-            <a:off x="198986" y="1743978"/>
+            <a:off x="192590" y="1774577"/>
             <a:ext cx="152400" cy="148205"/>
           </a:xfrm>
           <a:prstGeom prst="roundRect">
@@ -18018,7 +18132,7 @@
         </p:nvSpPr>
         <p:spPr>
           <a:xfrm>
-            <a:off x="201440" y="1235984"/>
+            <a:off x="198564" y="1280354"/>
             <a:ext cx="152400" cy="148205"/>
           </a:xfrm>
           <a:prstGeom prst="roundRect">
@@ -18126,7 +18240,7 @@
         </p:nvSpPr>
         <p:spPr>
           <a:xfrm>
-            <a:off x="205667" y="728068"/>
+            <a:off x="199416" y="682731"/>
             <a:ext cx="152400" cy="148205"/>
           </a:xfrm>
           <a:prstGeom prst="roundRect">
@@ -18605,8 +18719,8 @@
         </p:nvSpPr>
         <p:spPr>
           <a:xfrm>
-            <a:off x="1617091" y="2830749"/>
-            <a:ext cx="2521844" cy="415498"/>
+            <a:off x="1114553" y="2830749"/>
+            <a:ext cx="3526928" cy="415498"/>
           </a:xfrm>
           <a:prstGeom prst="rect">
             <a:avLst/>
@@ -18622,7 +18736,7 @@
             <a:pPr algn="ctr"/>
             <a:r>
               <a:rPr lang="ru-RU" sz="700" dirty="0"/>
-              <a:t>Рисунок 2. Схема обратного сетевого взаимодействия</a:t>
+              <a:t>Рисунок 2. Исследованные варианты схем обратного сетевого взаимодействия:</a:t>
             </a:r>
             <a:endParaRPr lang="en-US" sz="700" dirty="0"/>
           </a:p>

--- a/Master/Diploma/presentation/Презентация.pptx
+++ b/Master/Diploma/presentation/Презентация.pptx
@@ -5,7 +5,7 @@
     <p:sldMasterId id="2147483648" r:id="rId1"/>
   </p:sldMasterIdLst>
   <p:notesMasterIdLst>
-    <p:notesMasterId r:id="rId18"/>
+    <p:notesMasterId r:id="rId19"/>
   </p:notesMasterIdLst>
   <p:sldIdLst>
     <p:sldId id="256" r:id="rId2"/>
@@ -23,7 +23,8 @@
     <p:sldId id="268" r:id="rId14"/>
     <p:sldId id="282" r:id="rId15"/>
     <p:sldId id="280" r:id="rId16"/>
-    <p:sldId id="270" r:id="rId17"/>
+    <p:sldId id="283" r:id="rId17"/>
+    <p:sldId id="270" r:id="rId18"/>
   </p:sldIdLst>
   <p:sldSz cx="5765800" cy="3244850"/>
   <p:notesSz cx="5765800" cy="3244850"/>
@@ -4505,7 +4506,7 @@
           <a:p>
             <a:r>
               <a:rPr lang="ru-RU" dirty="0"/>
-              <a:t>На данном слайде представлен пример одного из сетевых пакетов, используемых в системе для передачи информации о состоянии запущенного сервера. Такие пакеты формируется на стране</a:t>
+              <a:t>На данном слайде представлен пример одного из сетевых пакетов, используемых в системе для передачи информации о сервере. Такие пакеты формируется на стране</a:t>
             </a:r>
           </a:p>
           <a:p>
@@ -4521,7 +4522,7 @@
           <a:p>
             <a:r>
               <a:rPr lang="ru-RU" dirty="0"/>
-              <a:t>Структура пакета включает в себя ключевые параметры, необходимые для регистрации и мониторинга сервера, такие как тип команды, адрес сервера, уникальный идентификатор, текущее и максимальное количество</a:t>
+              <a:t>Структура пакета включает в себя такие ключевые параметры как тип команды, адрес сервера, уникальный идентификатор, текущее и максимальное количество</a:t>
             </a:r>
           </a:p>
           <a:p>
@@ -4620,7 +4621,7 @@
           <a:p>
             <a:r>
               <a:rPr lang="ru-RU" dirty="0"/>
-              <a:t>Далее на слайде представлено выполненное сравнение двух видов сериализации.</a:t>
+              <a:t>На слайде представлено выполненное сравнение двух видов сериализации.</a:t>
             </a:r>
           </a:p>
           <a:p>
@@ -4659,7 +4660,7 @@
             </a:br>
             <a:r>
               <a:rPr lang="ru-RU" dirty="0"/>
-              <a:t>Следовательно, несмотря на простоту и наглядность строкового метода, было отдано предпочтение байтовому типу сериализации, чем были значительно улучшены технические характеристики программной системы.</a:t>
+              <a:t>Следовательно, несмотря на простоту и наглядность строкового метода, было отдано предпочтение байтовому типу сериализации, чем были значительно улучшены технические характеристики системы.</a:t>
             </a:r>
           </a:p>
         </p:txBody>
@@ -4763,7 +4764,7 @@
             </a:pPr>
             <a:r>
               <a:rPr lang="ru-RU" dirty="0"/>
-              <a:t>При решении поставленной задачи реализации механизма мониторинга возник вопрос о способе отображения информации о состоянии запущенных серверов.</a:t>
+              <a:t>При решении поставленной задачи реализации механизма мониторинга возник вопрос о способе отображения информации о запущенных серверах.</a:t>
             </a:r>
           </a:p>
           <a:p>
@@ -4786,7 +4787,7 @@
             </a:pPr>
             <a:r>
               <a:rPr lang="ru-RU" dirty="0"/>
-              <a:t>На слайде представлены два основных варианта реализации пользовательского интерфейса</a:t>
+              <a:t>На слайде представлены два основных варианта пользовательского интерфейса</a:t>
             </a:r>
             <a:r>
               <a:rPr lang="en-US" dirty="0"/>
@@ -4817,7 +4818,7 @@
             </a:pPr>
             <a:r>
               <a:rPr lang="ru-RU" dirty="0"/>
-              <a:t>С учётом того, что подобные распределённые вычислительные системы преимущественно запускаются под управлением ОС Linux Debian без графической оболочки, было принято решение реализовать мониторинг через консольный интерфейс. Такой подход не требует наличия оконной среды, потребляет минимальные ресурсы и обеспечивает достаточный уровень информативности для решения поставленной задачи.</a:t>
+              <a:t>С учётом того, что подобные распределённые вычислительные системы преимущественно запускаются под управлением ОС Linux Debian без графической оболочки, было принято решение реализовать мониторинг через консольный интерфейс. Такой подход не требует наличия оконной среды, потребляет минимальные ресурсы и обеспечивает достаточный уровень информативности.</a:t>
             </a:r>
             <a:endParaRPr lang="en-US" dirty="0"/>
           </a:p>
@@ -5212,45 +5213,7 @@
           <a:p>
             <a:r>
               <a:rPr lang="ru-RU" dirty="0"/>
-              <a:t>Таким образом, в результате выполнения выпускной квалификационной работы было разработана распределенная система автоматизированного запуска и мониторинга выделенных</a:t>
-            </a:r>
-          </a:p>
-          <a:p>
-            <a:r>
-              <a:rPr lang="ru-RU" dirty="0"/>
-              <a:t>серверов на базе </a:t>
-            </a:r>
-            <a:r>
-              <a:rPr lang="en-US" dirty="0"/>
-              <a:t>Unreal Engine </a:t>
-            </a:r>
-            <a:r>
-              <a:rPr lang="ru-RU" dirty="0"/>
-              <a:t>4. В процессе реализации проекта были приобретены практические навыки в области низкоуровневого сетевого программирования на </a:t>
-            </a:r>
-            <a:r>
-              <a:rPr lang="en-US" dirty="0"/>
-              <a:t>C++</a:t>
-            </a:r>
-            <a:r>
-              <a:rPr lang="ru-RU" dirty="0"/>
-              <a:t>, а также получен опыт проектирования архитектуры</a:t>
-            </a:r>
-          </a:p>
-          <a:p>
-            <a:r>
-              <a:rPr lang="ru-RU" dirty="0"/>
-              <a:t>распределенных серверных приложений. Полученные знания в дальнейшем будут применены при создании аналогичных систем управления вычислительными процессами в ресурсоограниченной среде.</a:t>
-            </a:r>
-            <a:br>
-              <a:rPr lang="ru-RU" dirty="0"/>
-            </a:br>
-            <a:br>
-              <a:rPr lang="ru-RU" dirty="0"/>
-            </a:br>
-            <a:r>
-              <a:rPr lang="ru-RU" dirty="0"/>
-              <a:t>Спасибо за внимание, пожалуйста, Ваши вопросы!</a:t>
+              <a:t>На данном слайде представлена файловая структура и объем каждого компонента системы.</a:t>
             </a:r>
           </a:p>
         </p:txBody>
@@ -5273,6 +5236,131 @@
             <a:fld id="{88284CDB-7C0C-42AA-A512-672142C2910C}" type="slidenum">
               <a:rPr lang="ru-RU" smtClean="0"/>
               <a:t>16</a:t>
+            </a:fld>
+            <a:endParaRPr lang="ru-RU"/>
+          </a:p>
+        </p:txBody>
+      </p:sp>
+    </p:spTree>
+    <p:extLst>
+      <p:ext uri="{BB962C8B-B14F-4D97-AF65-F5344CB8AC3E}">
+        <p14:creationId xmlns:p14="http://schemas.microsoft.com/office/powerpoint/2010/main" val="1903861515"/>
+      </p:ext>
+    </p:extLst>
+  </p:cSld>
+  <p:clrMapOvr>
+    <a:masterClrMapping/>
+  </p:clrMapOvr>
+</p:notes>
+</file>
+
+<file path=ppt/notesSlides/notesSlide17.xml><?xml version="1.0" encoding="utf-8"?>
+<p:notes xmlns:a="http://schemas.openxmlformats.org/drawingml/2006/main" xmlns:r="http://schemas.openxmlformats.org/officeDocument/2006/relationships" xmlns:p="http://schemas.openxmlformats.org/presentationml/2006/main">
+  <p:cSld>
+    <p:spTree>
+      <p:nvGrpSpPr>
+        <p:cNvPr id="1" name=""/>
+        <p:cNvGrpSpPr/>
+        <p:nvPr/>
+      </p:nvGrpSpPr>
+      <p:grpSpPr>
+        <a:xfrm>
+          <a:off x="0" y="0"/>
+          <a:ext cx="0" cy="0"/>
+          <a:chOff x="0" y="0"/>
+          <a:chExt cx="0" cy="0"/>
+        </a:xfrm>
+      </p:grpSpPr>
+      <p:sp>
+        <p:nvSpPr>
+          <p:cNvPr id="2" name="Образ слайда 1"/>
+          <p:cNvSpPr>
+            <a:spLocks noGrp="1" noRot="1" noChangeAspect="1"/>
+          </p:cNvSpPr>
+          <p:nvPr>
+            <p:ph type="sldImg"/>
+          </p:nvPr>
+        </p:nvSpPr>
+        <p:spPr/>
+      </p:sp>
+      <p:sp>
+        <p:nvSpPr>
+          <p:cNvPr id="3" name="Заметки 2"/>
+          <p:cNvSpPr>
+            <a:spLocks noGrp="1"/>
+          </p:cNvSpPr>
+          <p:nvPr>
+            <p:ph type="body" idx="1"/>
+          </p:nvPr>
+        </p:nvSpPr>
+        <p:spPr/>
+        <p:txBody>
+          <a:bodyPr/>
+          <a:lstStyle/>
+          <a:p>
+            <a:r>
+              <a:rPr lang="ru-RU" dirty="0"/>
+              <a:t>Таким образом, в результате выполнения выпускной квалификационной работы было разработана распределенная система автоматизированного запуска и мониторинга выделенных</a:t>
+            </a:r>
+          </a:p>
+          <a:p>
+            <a:r>
+              <a:rPr lang="ru-RU" dirty="0"/>
+              <a:t>серверов на базе </a:t>
+            </a:r>
+            <a:r>
+              <a:rPr lang="en-US" dirty="0"/>
+              <a:t>Unreal Engine </a:t>
+            </a:r>
+            <a:r>
+              <a:rPr lang="ru-RU" dirty="0"/>
+              <a:t>4. В процессе реализации проекта были приобретены практические навыки в области низкоуровневого сетевого программирования на </a:t>
+            </a:r>
+            <a:r>
+              <a:rPr lang="en-US" dirty="0"/>
+              <a:t>C++</a:t>
+            </a:r>
+            <a:r>
+              <a:rPr lang="ru-RU" dirty="0"/>
+              <a:t>, а также получен опыт проектирования архитектуры</a:t>
+            </a:r>
+          </a:p>
+          <a:p>
+            <a:r>
+              <a:rPr lang="ru-RU" dirty="0"/>
+              <a:t>распределенных серверных приложений. Полученные знания в дальнейшем будут применены при создании аналогичных систем управления вычислительными процессами в ресурсоограниченной среде.</a:t>
+            </a:r>
+            <a:br>
+              <a:rPr lang="ru-RU" dirty="0"/>
+            </a:br>
+            <a:br>
+              <a:rPr lang="ru-RU" dirty="0"/>
+            </a:br>
+            <a:r>
+              <a:rPr lang="ru-RU" dirty="0"/>
+              <a:t>Спасибо за внимание, пожалуйста, Ваши вопросы!</a:t>
+            </a:r>
+          </a:p>
+        </p:txBody>
+      </p:sp>
+      <p:sp>
+        <p:nvSpPr>
+          <p:cNvPr id="4" name="Номер слайда 3"/>
+          <p:cNvSpPr>
+            <a:spLocks noGrp="1"/>
+          </p:cNvSpPr>
+          <p:nvPr>
+            <p:ph type="sldNum" sz="quarter" idx="5"/>
+          </p:nvPr>
+        </p:nvSpPr>
+        <p:spPr/>
+        <p:txBody>
+          <a:bodyPr/>
+          <a:lstStyle/>
+          <a:p>
+            <a:fld id="{88284CDB-7C0C-42AA-A512-672142C2910C}" type="slidenum">
+              <a:rPr lang="ru-RU" smtClean="0"/>
+              <a:t>17</a:t>
             </a:fld>
             <a:endParaRPr lang="ru-RU"/>
           </a:p>
@@ -5953,7 +6041,7 @@
           <a:p>
             <a:r>
               <a:rPr lang="ru-RU" dirty="0"/>
-              <a:t>второй вариант, как более управляемый с точки зрения выбранной архитектуры системы.</a:t>
+              <a:t>второй вариант, как более управляемый с точки зрения выбранной архитектуры.</a:t>
             </a:r>
           </a:p>
         </p:txBody>
@@ -6153,16 +6241,15 @@
           <a:p>
             <a:r>
               <a:rPr lang="ru-RU" dirty="0"/>
-              <a:t>Для этого требовалось провести большой объём исследований, связанных с сетевой разработкой.</a:t>
-            </a:r>
-          </a:p>
-          <a:p>
-            <a:endParaRPr lang="ru-RU" dirty="0"/>
-          </a:p>
-          <a:p>
+              <a:t>Для этого требовалось провести большой объём исследований, связанных с </a:t>
+            </a:r>
+            <a:r>
+              <a:rPr lang="ru-RU" dirty="0" err="1"/>
+              <a:t>сериализацией</a:t>
+            </a:r>
             <a:r>
               <a:rPr lang="ru-RU" dirty="0"/>
-              <a:t>Для корректного сетевого взаимодействия между компонентами системы необходимо было решить задачу сериализации передаваемых данных.</a:t>
+              <a:t> передаваемых данных.</a:t>
             </a:r>
           </a:p>
           <a:p>
@@ -6188,7 +6275,7 @@
           <a:p>
             <a:r>
               <a:rPr lang="ru-RU" dirty="0"/>
-              <a:t>По результатам анализа были определены преимущества и недостатки каждого из подходов, что легло в основу выбора оптимального варианта для дальнейшей работы</a:t>
+              <a:t>По результатам анализа были определены преимущества и недостатки каждого из подходов, что легло в основу выбора оптимального варианта для дальнейшей работы.</a:t>
             </a:r>
           </a:p>
         </p:txBody>
@@ -8310,7 +8397,7 @@
             </a:r>
             <a:r>
               <a:rPr lang="ru-RU" spc="-35" dirty="0"/>
-              <a:t>6</a:t>
+              <a:t>7</a:t>
             </a:r>
             <a:endParaRPr spc="-35" dirty="0"/>
           </a:p>
@@ -9063,7 +9150,7 @@
         </p:nvSpPr>
         <p:spPr>
           <a:xfrm>
-            <a:off x="5414722" y="3005941"/>
+            <a:off x="5457094" y="3075192"/>
             <a:ext cx="253364" cy="99386"/>
           </a:xfrm>
           <a:prstGeom prst="rect">
@@ -9102,7 +9189,7 @@
             </a:r>
             <a:r>
               <a:rPr lang="ru-RU" spc="-35" dirty="0"/>
-              <a:t>6</a:t>
+              <a:t>7</a:t>
             </a:r>
             <a:endParaRPr spc="-35" dirty="0"/>
           </a:p>
@@ -9927,8 +10014,8 @@
           </a:p>
         </p:txBody>
       </p:sp>
-      <mc:AlternateContent xmlns:mc="http://schemas.openxmlformats.org/markup-compatibility/2006">
-        <mc:Choice xmlns:a14="http://schemas.microsoft.com/office/drawing/2010/main" Requires="a14">
+      <mc:AlternateContent xmlns:mc="http://schemas.openxmlformats.org/markup-compatibility/2006" xmlns:a14="http://schemas.microsoft.com/office/drawing/2010/main">
+        <mc:Choice Requires="a14">
           <p:sp>
             <p:nvSpPr>
               <p:cNvPr id="17" name="TextBox 16">
@@ -10003,7 +10090,7 @@
             </p:txBody>
           </p:sp>
         </mc:Choice>
-        <mc:Fallback>
+        <mc:Fallback xmlns="">
           <p:sp>
             <p:nvSpPr>
               <p:cNvPr id="17" name="TextBox 16">
@@ -10065,7 +10152,7 @@
             <p:spPr>
               <a:xfrm>
                 <a:off x="3124045" y="2876413"/>
-                <a:ext cx="2456313" cy="291747"/>
+                <a:ext cx="2532360" cy="291747"/>
               </a:xfrm>
               <a:prstGeom prst="rect">
                 <a:avLst/>
@@ -10078,7 +10165,6 @@
               </a:bodyPr>
               <a:lstStyle/>
               <a:p>
-                <a:pPr/>
                 <a14:m>
                   <m:oMath xmlns:m="http://schemas.openxmlformats.org/officeDocument/2006/math">
                     <m:r>
@@ -10221,15 +10307,21 @@
                       </a:rPr>
                       <m:t>66%</m:t>
                     </m:r>
+                    <m:r>
+                      <a:rPr lang="ru-RU" sz="700" b="0" i="1" smtClean="0">
+                        <a:latin typeface="Cambria Math" panose="02040503050406030204" pitchFamily="18" charset="0"/>
+                        <a:ea typeface="Cambria Math" panose="02040503050406030204" pitchFamily="18" charset="0"/>
+                      </a:rPr>
+                      <m:t> −</m:t>
+                    </m:r>
                   </m:oMath>
                 </a14:m>
                 <a:r>
                   <a:rPr lang="ru-RU" sz="700" dirty="0"/>
-                  <a:t> - экономия в объёме сетевого</a:t>
+                  <a:t> экономия в объёме сетевого</a:t>
                 </a:r>
               </a:p>
               <a:p>
-                <a:pPr/>
                 <a:r>
                   <a:rPr lang="ru-RU" sz="700" dirty="0"/>
                   <a:t> трафика после уменьшения размера сетевых пакетов</a:t>
@@ -10256,7 +10348,7 @@
             <p:spPr>
               <a:xfrm>
                 <a:off x="3124045" y="2876413"/>
-                <a:ext cx="2456313" cy="291747"/>
+                <a:ext cx="2532360" cy="291747"/>
               </a:xfrm>
               <a:prstGeom prst="rect">
                 <a:avLst/>
@@ -10264,7 +10356,7 @@
               <a:blipFill>
                 <a:blip r:embed="rId7"/>
                 <a:stretch>
-                  <a:fillRect l="-1241" t="-2083" r="-1737" b="-16667"/>
+                  <a:fillRect l="-1202" t="-2083" r="-481" b="-16667"/>
                 </a:stretch>
               </a:blipFill>
             </p:spPr>
@@ -10532,7 +10624,7 @@
             </a:r>
             <a:r>
               <a:rPr lang="ru-RU" spc="-35" dirty="0"/>
-              <a:t>6</a:t>
+              <a:t>7</a:t>
             </a:r>
             <a:endParaRPr spc="-35" dirty="0"/>
           </a:p>
@@ -11505,7 +11597,7 @@
             </a:r>
             <a:r>
               <a:rPr lang="ru-RU" spc="-35" dirty="0"/>
-              <a:t>6</a:t>
+              <a:t>7</a:t>
             </a:r>
             <a:endParaRPr spc="-35" dirty="0"/>
           </a:p>
@@ -12027,7 +12119,7 @@
             </a:r>
             <a:r>
               <a:rPr lang="ru-RU" spc="-35" dirty="0"/>
-              <a:t>6</a:t>
+              <a:t>7</a:t>
             </a:r>
             <a:endParaRPr spc="-35" dirty="0"/>
           </a:p>
@@ -12050,7 +12142,7 @@
               <p:nvPr>
                 <p:extLst>
                   <p:ext uri="{D42A27DB-BD31-4B8C-83A1-F6EECF244321}">
-                    <p14:modId xmlns:p14="http://schemas.microsoft.com/office/powerpoint/2010/main" val="2244457726"/>
+                    <p14:modId xmlns:p14="http://schemas.microsoft.com/office/powerpoint/2010/main" val="347385946"/>
                   </p:ext>
                 </p:extLst>
               </p:nvPr>
@@ -12364,7 +12456,7 @@
                           <a14:m>
                             <m:oMath xmlns:m="http://schemas.openxmlformats.org/officeDocument/2006/math">
                               <m:r>
-                                <a:rPr lang="ru-RU" sz="700" i="1" smtClean="0">
+                                <a:rPr lang="ru-RU" sz="700" i="1" dirty="0" smtClean="0">
                                   <a:latin typeface="Cambria Math" panose="02040503050406030204" pitchFamily="18" charset="0"/>
                                   <a:ea typeface="Cambria Math" panose="02040503050406030204" pitchFamily="18" charset="0"/>
                                 </a:rPr>
@@ -12533,7 +12625,7 @@
               <p:nvPr>
                 <p:extLst>
                   <p:ext uri="{D42A27DB-BD31-4B8C-83A1-F6EECF244321}">
-                    <p14:modId xmlns:p14="http://schemas.microsoft.com/office/powerpoint/2010/main" val="2244457726"/>
+                    <p14:modId xmlns:p14="http://schemas.microsoft.com/office/powerpoint/2010/main" val="347385946"/>
                   </p:ext>
                 </p:extLst>
               </p:nvPr>
@@ -13104,7 +13196,7 @@
             </a:pPr>
             <a:r>
               <a:rPr lang="ru-RU" sz="900" spc="-50" dirty="0"/>
-              <a:t>Последовательность разработки</a:t>
+              <a:t> Последовательность разработки</a:t>
             </a:r>
             <a:endParaRPr lang="ru-RU" sz="900" dirty="0"/>
           </a:p>
@@ -13225,7 +13317,7 @@
             </a:r>
             <a:r>
               <a:rPr lang="ru-RU" spc="-35" dirty="0"/>
-              <a:t>6</a:t>
+              <a:t>7</a:t>
             </a:r>
             <a:endParaRPr spc="-35" dirty="0"/>
           </a:p>
@@ -13295,6 +13387,2089 @@
       <p:sp>
         <p:nvSpPr>
           <p:cNvPr id="2" name="object 2"/>
+          <p:cNvSpPr txBox="1"/>
+          <p:nvPr/>
+        </p:nvSpPr>
+        <p:spPr>
+          <a:xfrm rot="10800000">
+            <a:off x="237383" y="316589"/>
+            <a:ext cx="127791" cy="114300"/>
+          </a:xfrm>
+          <a:prstGeom prst="rect">
+            <a:avLst/>
+          </a:prstGeom>
+        </p:spPr>
+        <p:txBody>
+          <a:bodyPr vert="horz" wrap="square" lIns="0" tIns="0" rIns="0" bIns="0" rtlCol="0">
+            <a:spAutoFit/>
+          </a:bodyPr>
+          <a:lstStyle/>
+          <a:p>
+            <a:pPr>
+              <a:lnSpc>
+                <a:spcPts val="890"/>
+              </a:lnSpc>
+            </a:pPr>
+            <a:r>
+              <a:rPr sz="900" spc="-120" dirty="0">
+                <a:latin typeface="Cambria"/>
+                <a:cs typeface="Cambria"/>
+              </a:rPr>
+              <a:t>↰</a:t>
+            </a:r>
+            <a:endParaRPr sz="900">
+              <a:latin typeface="Cambria"/>
+              <a:cs typeface="Cambria"/>
+            </a:endParaRPr>
+          </a:p>
+        </p:txBody>
+      </p:sp>
+      <p:sp>
+        <p:nvSpPr>
+          <p:cNvPr id="3" name="object 3"/>
+          <p:cNvSpPr txBox="1">
+            <a:spLocks noGrp="1"/>
+          </p:cNvSpPr>
+          <p:nvPr>
+            <p:ph type="title"/>
+          </p:nvPr>
+        </p:nvSpPr>
+        <p:spPr>
+          <a:xfrm>
+            <a:off x="203300" y="154913"/>
+            <a:ext cx="3898800" cy="310534"/>
+          </a:xfrm>
+          <a:prstGeom prst="rect">
+            <a:avLst/>
+          </a:prstGeom>
+        </p:spPr>
+        <p:txBody>
+          <a:bodyPr vert="horz" wrap="square" lIns="0" tIns="11430" rIns="0" bIns="0" rtlCol="0">
+            <a:spAutoFit/>
+          </a:bodyPr>
+          <a:lstStyle/>
+          <a:p>
+            <a:pPr marL="12700">
+              <a:lnSpc>
+                <a:spcPts val="1305"/>
+              </a:lnSpc>
+              <a:spcBef>
+                <a:spcPts val="90"/>
+              </a:spcBef>
+            </a:pPr>
+            <a:r>
+              <a:rPr lang="ru-RU" dirty="0"/>
+              <a:t>Файловая структура</a:t>
+            </a:r>
+            <a:endParaRPr lang="ru-RU" spc="-10" dirty="0"/>
+          </a:p>
+          <a:p>
+            <a:pPr marL="154305">
+              <a:lnSpc>
+                <a:spcPts val="1065"/>
+              </a:lnSpc>
+            </a:pPr>
+            <a:r>
+              <a:rPr lang="ru-RU" sz="900" spc="-50" dirty="0"/>
+              <a:t> Структура исходного кода компонентов системы</a:t>
+            </a:r>
+            <a:endParaRPr lang="ru-RU" sz="900" dirty="0"/>
+          </a:p>
+        </p:txBody>
+      </p:sp>
+      <p:sp>
+        <p:nvSpPr>
+          <p:cNvPr id="4" name="object 4"/>
+          <p:cNvSpPr/>
+          <p:nvPr/>
+        </p:nvSpPr>
+        <p:spPr>
+          <a:xfrm>
+            <a:off x="198564" y="524535"/>
+            <a:ext cx="4923790" cy="0"/>
+          </a:xfrm>
+          <a:custGeom>
+            <a:avLst/>
+            <a:gdLst/>
+            <a:ahLst/>
+            <a:cxnLst/>
+            <a:rect l="l" t="t" r="r" b="b"/>
+            <a:pathLst>
+              <a:path w="4923790">
+                <a:moveTo>
+                  <a:pt x="0" y="0"/>
+                </a:moveTo>
+                <a:lnTo>
+                  <a:pt x="4923726" y="0"/>
+                </a:lnTo>
+              </a:path>
+            </a:pathLst>
+          </a:custGeom>
+          <a:ln w="25304">
+            <a:solidFill>
+              <a:srgbClr val="006CDC"/>
+            </a:solidFill>
+          </a:ln>
+        </p:spPr>
+        <p:txBody>
+          <a:bodyPr wrap="square" lIns="0" tIns="0" rIns="0" bIns="0" rtlCol="0"/>
+          <a:lstStyle/>
+          <a:p>
+            <a:endParaRPr/>
+          </a:p>
+        </p:txBody>
+      </p:sp>
+      <p:pic>
+        <p:nvPicPr>
+          <p:cNvPr id="5" name="object 5"/>
+          <p:cNvPicPr/>
+          <p:nvPr/>
+        </p:nvPicPr>
+        <p:blipFill>
+          <a:blip r:embed="rId3" cstate="print"/>
+          <a:stretch>
+            <a:fillRect/>
+          </a:stretch>
+        </p:blipFill>
+        <p:spPr>
+          <a:xfrm>
+            <a:off x="5272363" y="83480"/>
+            <a:ext cx="369463" cy="436200"/>
+          </a:xfrm>
+          <a:prstGeom prst="rect">
+            <a:avLst/>
+          </a:prstGeom>
+        </p:spPr>
+      </p:pic>
+      <p:sp>
+        <p:nvSpPr>
+          <p:cNvPr id="29" name="object 29"/>
+          <p:cNvSpPr txBox="1">
+            <a:spLocks noGrp="1"/>
+          </p:cNvSpPr>
+          <p:nvPr>
+            <p:ph type="sldNum" sz="quarter" idx="7"/>
+          </p:nvPr>
+        </p:nvSpPr>
+        <p:spPr>
+          <a:xfrm>
+            <a:off x="5457039" y="3073519"/>
+            <a:ext cx="253364" cy="99386"/>
+          </a:xfrm>
+          <a:prstGeom prst="rect">
+            <a:avLst/>
+          </a:prstGeom>
+        </p:spPr>
+        <p:txBody>
+          <a:bodyPr vert="horz" wrap="square" lIns="0" tIns="6985" rIns="0" bIns="0" rtlCol="0">
+            <a:spAutoFit/>
+          </a:bodyPr>
+          <a:lstStyle/>
+          <a:p>
+            <a:pPr marL="40005">
+              <a:lnSpc>
+                <a:spcPct val="100000"/>
+              </a:lnSpc>
+              <a:spcBef>
+                <a:spcPts val="55"/>
+              </a:spcBef>
+            </a:pPr>
+            <a:fld id="{81D60167-4931-47E6-BA6A-407CBD079E47}" type="slidenum">
+              <a:rPr spc="-75" dirty="0"/>
+              <a:t>16</a:t>
+            </a:fld>
+            <a:r>
+              <a:rPr spc="-35" dirty="0"/>
+              <a:t> /</a:t>
+            </a:r>
+            <a:r>
+              <a:rPr spc="-30" dirty="0"/>
+              <a:t> </a:t>
+            </a:r>
+            <a:r>
+              <a:rPr spc="-35" dirty="0"/>
+              <a:t>1</a:t>
+            </a:r>
+            <a:r>
+              <a:rPr lang="ru-RU" spc="-35" dirty="0"/>
+              <a:t>7</a:t>
+            </a:r>
+            <a:endParaRPr spc="-35" dirty="0"/>
+          </a:p>
+        </p:txBody>
+      </p:sp>
+      <p:sp>
+        <p:nvSpPr>
+          <p:cNvPr id="20" name="TextBox 19">
+            <a:extLst>
+              <a:ext uri="{FF2B5EF4-FFF2-40B4-BE49-F238E27FC236}">
+                <a16:creationId xmlns:a16="http://schemas.microsoft.com/office/drawing/2014/main" id="{970AE534-6249-4328-A497-A0F6D9FCC34B}"/>
+              </a:ext>
+            </a:extLst>
+          </p:cNvPr>
+          <p:cNvSpPr txBox="1"/>
+          <p:nvPr/>
+        </p:nvSpPr>
+        <p:spPr>
+          <a:xfrm>
+            <a:off x="127187" y="569798"/>
+            <a:ext cx="1917513" cy="2677656"/>
+          </a:xfrm>
+          <a:prstGeom prst="rect">
+            <a:avLst/>
+          </a:prstGeom>
+          <a:noFill/>
+        </p:spPr>
+        <p:txBody>
+          <a:bodyPr wrap="none" rtlCol="0">
+            <a:spAutoFit/>
+          </a:bodyPr>
+          <a:lstStyle/>
+          <a:p>
+            <a:r>
+              <a:rPr lang="ru-RU" sz="600" dirty="0">
+                <a:latin typeface="Courier New" panose="02070309020205020404" pitchFamily="49" charset="0"/>
+                <a:cs typeface="Courier New" panose="02070309020205020404" pitchFamily="49" charset="0"/>
+              </a:rPr>
+              <a:t>📁 </a:t>
+            </a:r>
+            <a:r>
+              <a:rPr lang="en-US" sz="600" dirty="0">
+                <a:latin typeface="Courier New" panose="02070309020205020404" pitchFamily="49" charset="0"/>
+                <a:cs typeface="Courier New" panose="02070309020205020404" pitchFamily="49" charset="0"/>
+              </a:rPr>
+              <a:t>ServerManagerBoost/</a:t>
+            </a:r>
+          </a:p>
+          <a:p>
+            <a:r>
+              <a:rPr lang="en-US" sz="600" dirty="0">
+                <a:latin typeface="Courier New" panose="02070309020205020404" pitchFamily="49" charset="0"/>
+                <a:cs typeface="Courier New" panose="02070309020205020404" pitchFamily="49" charset="0"/>
+              </a:rPr>
+              <a:t>    </a:t>
+            </a:r>
+            <a:r>
+              <a:rPr lang="ru-RU" sz="600" dirty="0">
+                <a:latin typeface="Courier New" panose="02070309020205020404" pitchFamily="49" charset="0"/>
+                <a:cs typeface="Courier New" panose="02070309020205020404" pitchFamily="49" charset="0"/>
+              </a:rPr>
+              <a:t>📄 </a:t>
+            </a:r>
+            <a:r>
+              <a:rPr lang="en-US" sz="600" dirty="0">
+                <a:latin typeface="Courier New" panose="02070309020205020404" pitchFamily="49" charset="0"/>
+                <a:cs typeface="Courier New" panose="02070309020205020404" pitchFamily="49" charset="0"/>
+              </a:rPr>
+              <a:t>appsettings.ini</a:t>
+            </a:r>
+          </a:p>
+          <a:p>
+            <a:r>
+              <a:rPr lang="en-US" sz="600" dirty="0">
+                <a:latin typeface="Courier New" panose="02070309020205020404" pitchFamily="49" charset="0"/>
+                <a:cs typeface="Courier New" panose="02070309020205020404" pitchFamily="49" charset="0"/>
+              </a:rPr>
+              <a:t>    </a:t>
+            </a:r>
+            <a:r>
+              <a:rPr lang="ru-RU" sz="600" dirty="0">
+                <a:latin typeface="Courier New" panose="02070309020205020404" pitchFamily="49" charset="0"/>
+                <a:cs typeface="Courier New" panose="02070309020205020404" pitchFamily="49" charset="0"/>
+              </a:rPr>
+              <a:t>📄 </a:t>
+            </a:r>
+            <a:r>
+              <a:rPr lang="en-US" sz="600" dirty="0">
+                <a:latin typeface="Courier New" panose="02070309020205020404" pitchFamily="49" charset="0"/>
+                <a:cs typeface="Courier New" panose="02070309020205020404" pitchFamily="49" charset="0"/>
+              </a:rPr>
+              <a:t>main.cpp</a:t>
+            </a:r>
+          </a:p>
+          <a:p>
+            <a:r>
+              <a:rPr lang="en-US" sz="600" dirty="0">
+                <a:latin typeface="Courier New" panose="02070309020205020404" pitchFamily="49" charset="0"/>
+                <a:cs typeface="Courier New" panose="02070309020205020404" pitchFamily="49" charset="0"/>
+              </a:rPr>
+              <a:t>    </a:t>
+            </a:r>
+            <a:r>
+              <a:rPr lang="ru-RU" sz="600" dirty="0">
+                <a:latin typeface="Courier New" panose="02070309020205020404" pitchFamily="49" charset="0"/>
+                <a:cs typeface="Courier New" panose="02070309020205020404" pitchFamily="49" charset="0"/>
+              </a:rPr>
+              <a:t>📁 </a:t>
+            </a:r>
+            <a:r>
+              <a:rPr lang="en-US" sz="600" dirty="0">
+                <a:latin typeface="Courier New" panose="02070309020205020404" pitchFamily="49" charset="0"/>
+                <a:cs typeface="Courier New" panose="02070309020205020404" pitchFamily="49" charset="0"/>
+              </a:rPr>
+              <a:t>Core/</a:t>
+            </a:r>
+          </a:p>
+          <a:p>
+            <a:r>
+              <a:rPr lang="en-US" sz="600" dirty="0">
+                <a:latin typeface="Courier New" panose="02070309020205020404" pitchFamily="49" charset="0"/>
+                <a:cs typeface="Courier New" panose="02070309020205020404" pitchFamily="49" charset="0"/>
+              </a:rPr>
+              <a:t>        </a:t>
+            </a:r>
+            <a:r>
+              <a:rPr lang="ru-RU" sz="600" dirty="0">
+                <a:latin typeface="Courier New" panose="02070309020205020404" pitchFamily="49" charset="0"/>
+                <a:cs typeface="Courier New" panose="02070309020205020404" pitchFamily="49" charset="0"/>
+              </a:rPr>
+              <a:t>📄 </a:t>
+            </a:r>
+            <a:r>
+              <a:rPr lang="en-US" sz="600" dirty="0">
+                <a:latin typeface="Courier New" panose="02070309020205020404" pitchFamily="49" charset="0"/>
+                <a:cs typeface="Courier New" panose="02070309020205020404" pitchFamily="49" charset="0"/>
+              </a:rPr>
+              <a:t>Application.cpp</a:t>
+            </a:r>
+          </a:p>
+          <a:p>
+            <a:r>
+              <a:rPr lang="en-US" sz="600" dirty="0">
+                <a:latin typeface="Courier New" panose="02070309020205020404" pitchFamily="49" charset="0"/>
+                <a:cs typeface="Courier New" panose="02070309020205020404" pitchFamily="49" charset="0"/>
+              </a:rPr>
+              <a:t>        </a:t>
+            </a:r>
+            <a:r>
+              <a:rPr lang="ru-RU" sz="600" dirty="0">
+                <a:latin typeface="Courier New" panose="02070309020205020404" pitchFamily="49" charset="0"/>
+                <a:cs typeface="Courier New" panose="02070309020205020404" pitchFamily="49" charset="0"/>
+              </a:rPr>
+              <a:t>📄 </a:t>
+            </a:r>
+            <a:r>
+              <a:rPr lang="en-US" sz="600" dirty="0">
+                <a:latin typeface="Courier New" panose="02070309020205020404" pitchFamily="49" charset="0"/>
+                <a:cs typeface="Courier New" panose="02070309020205020404" pitchFamily="49" charset="0"/>
+              </a:rPr>
+              <a:t>Application.h</a:t>
+            </a:r>
+          </a:p>
+          <a:p>
+            <a:r>
+              <a:rPr lang="en-US" sz="600" dirty="0">
+                <a:latin typeface="Courier New" panose="02070309020205020404" pitchFamily="49" charset="0"/>
+                <a:cs typeface="Courier New" panose="02070309020205020404" pitchFamily="49" charset="0"/>
+              </a:rPr>
+              <a:t>    </a:t>
+            </a:r>
+            <a:r>
+              <a:rPr lang="ru-RU" sz="600" dirty="0">
+                <a:latin typeface="Courier New" panose="02070309020205020404" pitchFamily="49" charset="0"/>
+                <a:cs typeface="Courier New" panose="02070309020205020404" pitchFamily="49" charset="0"/>
+              </a:rPr>
+              <a:t>📁 </a:t>
+            </a:r>
+            <a:r>
+              <a:rPr lang="en-US" sz="600" dirty="0">
+                <a:latin typeface="Courier New" panose="02070309020205020404" pitchFamily="49" charset="0"/>
+                <a:cs typeface="Courier New" panose="02070309020205020404" pitchFamily="49" charset="0"/>
+              </a:rPr>
+              <a:t>Data/</a:t>
+            </a:r>
+          </a:p>
+          <a:p>
+            <a:r>
+              <a:rPr lang="en-US" sz="600" dirty="0">
+                <a:latin typeface="Courier New" panose="02070309020205020404" pitchFamily="49" charset="0"/>
+                <a:cs typeface="Courier New" panose="02070309020205020404" pitchFamily="49" charset="0"/>
+              </a:rPr>
+              <a:t>        </a:t>
+            </a:r>
+            <a:r>
+              <a:rPr lang="ru-RU" sz="600" dirty="0">
+                <a:latin typeface="Courier New" panose="02070309020205020404" pitchFamily="49" charset="0"/>
+                <a:cs typeface="Courier New" panose="02070309020205020404" pitchFamily="49" charset="0"/>
+              </a:rPr>
+              <a:t>📁 </a:t>
+            </a:r>
+            <a:r>
+              <a:rPr lang="en-US" sz="600" dirty="0">
+                <a:latin typeface="Courier New" panose="02070309020205020404" pitchFamily="49" charset="0"/>
+                <a:cs typeface="Courier New" panose="02070309020205020404" pitchFamily="49" charset="0"/>
+              </a:rPr>
+              <a:t>Enums/</a:t>
+            </a:r>
+            <a:r>
+              <a:rPr lang="ru-RU" sz="600" dirty="0">
+                <a:latin typeface="Courier New" panose="02070309020205020404" pitchFamily="49" charset="0"/>
+                <a:cs typeface="Courier New" panose="02070309020205020404" pitchFamily="49" charset="0"/>
+              </a:rPr>
+              <a:t> 📄 ...</a:t>
+            </a:r>
+            <a:endParaRPr lang="en-US" sz="600" dirty="0">
+              <a:latin typeface="Courier New" panose="02070309020205020404" pitchFamily="49" charset="0"/>
+              <a:cs typeface="Courier New" panose="02070309020205020404" pitchFamily="49" charset="0"/>
+            </a:endParaRPr>
+          </a:p>
+          <a:p>
+            <a:r>
+              <a:rPr lang="en-US" sz="600" dirty="0">
+                <a:latin typeface="Courier New" panose="02070309020205020404" pitchFamily="49" charset="0"/>
+                <a:cs typeface="Courier New" panose="02070309020205020404" pitchFamily="49" charset="0"/>
+              </a:rPr>
+              <a:t>        </a:t>
+            </a:r>
+            <a:r>
+              <a:rPr lang="ru-RU" sz="600" dirty="0">
+                <a:latin typeface="Courier New" panose="02070309020205020404" pitchFamily="49" charset="0"/>
+                <a:cs typeface="Courier New" panose="02070309020205020404" pitchFamily="49" charset="0"/>
+              </a:rPr>
+              <a:t>📁 </a:t>
+            </a:r>
+            <a:r>
+              <a:rPr lang="en-US" sz="600" dirty="0">
+                <a:latin typeface="Courier New" panose="02070309020205020404" pitchFamily="49" charset="0"/>
+                <a:cs typeface="Courier New" panose="02070309020205020404" pitchFamily="49" charset="0"/>
+              </a:rPr>
+              <a:t>Models/</a:t>
+            </a:r>
+            <a:r>
+              <a:rPr lang="ru-RU" sz="600" dirty="0">
+                <a:latin typeface="Courier New" panose="02070309020205020404" pitchFamily="49" charset="0"/>
+                <a:cs typeface="Courier New" panose="02070309020205020404" pitchFamily="49" charset="0"/>
+              </a:rPr>
+              <a:t> 📄 ...</a:t>
+            </a:r>
+            <a:endParaRPr lang="en-US" sz="600" dirty="0">
+              <a:latin typeface="Courier New" panose="02070309020205020404" pitchFamily="49" charset="0"/>
+              <a:cs typeface="Courier New" panose="02070309020205020404" pitchFamily="49" charset="0"/>
+            </a:endParaRPr>
+          </a:p>
+          <a:p>
+            <a:r>
+              <a:rPr lang="en-US" sz="600" dirty="0">
+                <a:latin typeface="Courier New" panose="02070309020205020404" pitchFamily="49" charset="0"/>
+                <a:cs typeface="Courier New" panose="02070309020205020404" pitchFamily="49" charset="0"/>
+              </a:rPr>
+              <a:t>        </a:t>
+            </a:r>
+            <a:r>
+              <a:rPr lang="ru-RU" sz="600" dirty="0">
+                <a:latin typeface="Courier New" panose="02070309020205020404" pitchFamily="49" charset="0"/>
+                <a:cs typeface="Courier New" panose="02070309020205020404" pitchFamily="49" charset="0"/>
+              </a:rPr>
+              <a:t>📁 </a:t>
+            </a:r>
+            <a:r>
+              <a:rPr lang="en-US" sz="600" dirty="0">
+                <a:latin typeface="Courier New" panose="02070309020205020404" pitchFamily="49" charset="0"/>
+                <a:cs typeface="Courier New" panose="02070309020205020404" pitchFamily="49" charset="0"/>
+              </a:rPr>
+              <a:t>Network/</a:t>
+            </a:r>
+            <a:r>
+              <a:rPr lang="ru-RU" sz="600" dirty="0">
+                <a:latin typeface="Courier New" panose="02070309020205020404" pitchFamily="49" charset="0"/>
+                <a:cs typeface="Courier New" panose="02070309020205020404" pitchFamily="49" charset="0"/>
+              </a:rPr>
+              <a:t> 📄 ...</a:t>
+            </a:r>
+            <a:endParaRPr lang="en-US" sz="600" dirty="0">
+              <a:latin typeface="Courier New" panose="02070309020205020404" pitchFamily="49" charset="0"/>
+              <a:cs typeface="Courier New" panose="02070309020205020404" pitchFamily="49" charset="0"/>
+            </a:endParaRPr>
+          </a:p>
+          <a:p>
+            <a:r>
+              <a:rPr lang="en-US" sz="600" dirty="0">
+                <a:latin typeface="Courier New" panose="02070309020205020404" pitchFamily="49" charset="0"/>
+                <a:cs typeface="Courier New" panose="02070309020205020404" pitchFamily="49" charset="0"/>
+              </a:rPr>
+              <a:t>    </a:t>
+            </a:r>
+            <a:r>
+              <a:rPr lang="ru-RU" sz="600" dirty="0">
+                <a:latin typeface="Courier New" panose="02070309020205020404" pitchFamily="49" charset="0"/>
+                <a:cs typeface="Courier New" panose="02070309020205020404" pitchFamily="49" charset="0"/>
+              </a:rPr>
+              <a:t>📁 </a:t>
+            </a:r>
+            <a:r>
+              <a:rPr lang="en-US" sz="600" dirty="0">
+                <a:latin typeface="Courier New" panose="02070309020205020404" pitchFamily="49" charset="0"/>
+                <a:cs typeface="Courier New" panose="02070309020205020404" pitchFamily="49" charset="0"/>
+              </a:rPr>
+              <a:t>Engine/</a:t>
+            </a:r>
+          </a:p>
+          <a:p>
+            <a:r>
+              <a:rPr lang="en-US" sz="600" dirty="0">
+                <a:latin typeface="Courier New" panose="02070309020205020404" pitchFamily="49" charset="0"/>
+                <a:cs typeface="Courier New" panose="02070309020205020404" pitchFamily="49" charset="0"/>
+              </a:rPr>
+              <a:t>        </a:t>
+            </a:r>
+            <a:r>
+              <a:rPr lang="ru-RU" sz="600" dirty="0">
+                <a:latin typeface="Courier New" panose="02070309020205020404" pitchFamily="49" charset="0"/>
+                <a:cs typeface="Courier New" panose="02070309020205020404" pitchFamily="49" charset="0"/>
+              </a:rPr>
+              <a:t>📁 </a:t>
+            </a:r>
+            <a:r>
+              <a:rPr lang="en-US" sz="600" dirty="0">
+                <a:latin typeface="Courier New" panose="02070309020205020404" pitchFamily="49" charset="0"/>
+                <a:cs typeface="Courier New" panose="02070309020205020404" pitchFamily="49" charset="0"/>
+              </a:rPr>
+              <a:t>ConsoleMonitoring/</a:t>
+            </a:r>
+          </a:p>
+          <a:p>
+            <a:r>
+              <a:rPr lang="en-US" sz="600" dirty="0">
+                <a:latin typeface="Courier New" panose="02070309020205020404" pitchFamily="49" charset="0"/>
+                <a:cs typeface="Courier New" panose="02070309020205020404" pitchFamily="49" charset="0"/>
+              </a:rPr>
+              <a:t>            </a:t>
+            </a:r>
+            <a:r>
+              <a:rPr lang="ru-RU" sz="600" dirty="0">
+                <a:latin typeface="Courier New" panose="02070309020205020404" pitchFamily="49" charset="0"/>
+                <a:cs typeface="Courier New" panose="02070309020205020404" pitchFamily="49" charset="0"/>
+              </a:rPr>
+              <a:t>📄 </a:t>
+            </a:r>
+            <a:r>
+              <a:rPr lang="en-US" sz="600" dirty="0">
+                <a:latin typeface="Courier New" panose="02070309020205020404" pitchFamily="49" charset="0"/>
+                <a:cs typeface="Courier New" panose="02070309020205020404" pitchFamily="49" charset="0"/>
+              </a:rPr>
+              <a:t>ConsoleMonitoring.cpp</a:t>
+            </a:r>
+          </a:p>
+          <a:p>
+            <a:r>
+              <a:rPr lang="en-US" sz="600" dirty="0">
+                <a:latin typeface="Courier New" panose="02070309020205020404" pitchFamily="49" charset="0"/>
+                <a:cs typeface="Courier New" panose="02070309020205020404" pitchFamily="49" charset="0"/>
+              </a:rPr>
+              <a:t>            </a:t>
+            </a:r>
+            <a:r>
+              <a:rPr lang="ru-RU" sz="600" dirty="0">
+                <a:latin typeface="Courier New" panose="02070309020205020404" pitchFamily="49" charset="0"/>
+                <a:cs typeface="Courier New" panose="02070309020205020404" pitchFamily="49" charset="0"/>
+              </a:rPr>
+              <a:t>📄 </a:t>
+            </a:r>
+            <a:r>
+              <a:rPr lang="en-US" sz="600" dirty="0">
+                <a:latin typeface="Courier New" panose="02070309020205020404" pitchFamily="49" charset="0"/>
+                <a:cs typeface="Courier New" panose="02070309020205020404" pitchFamily="49" charset="0"/>
+              </a:rPr>
+              <a:t>ConsoleMonitoring.h</a:t>
+            </a:r>
+          </a:p>
+          <a:p>
+            <a:r>
+              <a:rPr lang="en-US" sz="600" dirty="0">
+                <a:latin typeface="Courier New" panose="02070309020205020404" pitchFamily="49" charset="0"/>
+                <a:cs typeface="Courier New" panose="02070309020205020404" pitchFamily="49" charset="0"/>
+              </a:rPr>
+              <a:t>        </a:t>
+            </a:r>
+            <a:r>
+              <a:rPr lang="ru-RU" sz="600" dirty="0">
+                <a:latin typeface="Courier New" panose="02070309020205020404" pitchFamily="49" charset="0"/>
+                <a:cs typeface="Courier New" panose="02070309020205020404" pitchFamily="49" charset="0"/>
+              </a:rPr>
+              <a:t>📁 </a:t>
+            </a:r>
+            <a:r>
+              <a:rPr lang="en-US" sz="600" dirty="0">
+                <a:latin typeface="Courier New" panose="02070309020205020404" pitchFamily="49" charset="0"/>
+                <a:cs typeface="Courier New" panose="02070309020205020404" pitchFamily="49" charset="0"/>
+              </a:rPr>
+              <a:t>TcpServer/</a:t>
+            </a:r>
+          </a:p>
+          <a:p>
+            <a:r>
+              <a:rPr lang="en-US" sz="600" dirty="0">
+                <a:latin typeface="Courier New" panose="02070309020205020404" pitchFamily="49" charset="0"/>
+                <a:cs typeface="Courier New" panose="02070309020205020404" pitchFamily="49" charset="0"/>
+              </a:rPr>
+              <a:t>            </a:t>
+            </a:r>
+            <a:r>
+              <a:rPr lang="ru-RU" sz="600" dirty="0">
+                <a:latin typeface="Courier New" panose="02070309020205020404" pitchFamily="49" charset="0"/>
+                <a:cs typeface="Courier New" panose="02070309020205020404" pitchFamily="49" charset="0"/>
+              </a:rPr>
+              <a:t>📄 </a:t>
+            </a:r>
+            <a:r>
+              <a:rPr lang="en-US" sz="600" dirty="0">
+                <a:latin typeface="Courier New" panose="02070309020205020404" pitchFamily="49" charset="0"/>
+                <a:cs typeface="Courier New" panose="02070309020205020404" pitchFamily="49" charset="0"/>
+              </a:rPr>
+              <a:t>TcpServer.cpp</a:t>
+            </a:r>
+          </a:p>
+          <a:p>
+            <a:r>
+              <a:rPr lang="en-US" sz="600" dirty="0">
+                <a:latin typeface="Courier New" panose="02070309020205020404" pitchFamily="49" charset="0"/>
+                <a:cs typeface="Courier New" panose="02070309020205020404" pitchFamily="49" charset="0"/>
+              </a:rPr>
+              <a:t>            </a:t>
+            </a:r>
+            <a:r>
+              <a:rPr lang="ru-RU" sz="600" dirty="0">
+                <a:latin typeface="Courier New" panose="02070309020205020404" pitchFamily="49" charset="0"/>
+                <a:cs typeface="Courier New" panose="02070309020205020404" pitchFamily="49" charset="0"/>
+              </a:rPr>
+              <a:t>📄 </a:t>
+            </a:r>
+            <a:r>
+              <a:rPr lang="en-US" sz="600" dirty="0">
+                <a:latin typeface="Courier New" panose="02070309020205020404" pitchFamily="49" charset="0"/>
+                <a:cs typeface="Courier New" panose="02070309020205020404" pitchFamily="49" charset="0"/>
+              </a:rPr>
+              <a:t>TcpServer.h</a:t>
+            </a:r>
+          </a:p>
+          <a:p>
+            <a:r>
+              <a:rPr lang="en-US" sz="600" dirty="0">
+                <a:latin typeface="Courier New" panose="02070309020205020404" pitchFamily="49" charset="0"/>
+                <a:cs typeface="Courier New" panose="02070309020205020404" pitchFamily="49" charset="0"/>
+              </a:rPr>
+              <a:t>    </a:t>
+            </a:r>
+            <a:r>
+              <a:rPr lang="ru-RU" sz="600" dirty="0">
+                <a:latin typeface="Courier New" panose="02070309020205020404" pitchFamily="49" charset="0"/>
+                <a:cs typeface="Courier New" panose="02070309020205020404" pitchFamily="49" charset="0"/>
+              </a:rPr>
+              <a:t>📁 </a:t>
+            </a:r>
+            <a:r>
+              <a:rPr lang="en-US" sz="600" dirty="0">
+                <a:latin typeface="Courier New" panose="02070309020205020404" pitchFamily="49" charset="0"/>
+                <a:cs typeface="Courier New" panose="02070309020205020404" pitchFamily="49" charset="0"/>
+              </a:rPr>
+              <a:t>Utils/</a:t>
+            </a:r>
+          </a:p>
+          <a:p>
+            <a:r>
+              <a:rPr lang="en-US" sz="600" dirty="0">
+                <a:latin typeface="Courier New" panose="02070309020205020404" pitchFamily="49" charset="0"/>
+                <a:cs typeface="Courier New" panose="02070309020205020404" pitchFamily="49" charset="0"/>
+              </a:rPr>
+              <a:t>        </a:t>
+            </a:r>
+            <a:r>
+              <a:rPr lang="ru-RU" sz="600" dirty="0">
+                <a:latin typeface="Courier New" panose="02070309020205020404" pitchFamily="49" charset="0"/>
+                <a:cs typeface="Courier New" panose="02070309020205020404" pitchFamily="49" charset="0"/>
+              </a:rPr>
+              <a:t>📁 </a:t>
+            </a:r>
+            <a:r>
+              <a:rPr lang="en-US" sz="600" dirty="0">
+                <a:latin typeface="Courier New" panose="02070309020205020404" pitchFamily="49" charset="0"/>
+                <a:cs typeface="Courier New" panose="02070309020205020404" pitchFamily="49" charset="0"/>
+              </a:rPr>
+              <a:t>CommandsHelper/</a:t>
+            </a:r>
+          </a:p>
+          <a:p>
+            <a:r>
+              <a:rPr lang="en-US" sz="600" dirty="0">
+                <a:latin typeface="Courier New" panose="02070309020205020404" pitchFamily="49" charset="0"/>
+                <a:cs typeface="Courier New" panose="02070309020205020404" pitchFamily="49" charset="0"/>
+              </a:rPr>
+              <a:t>            </a:t>
+            </a:r>
+            <a:r>
+              <a:rPr lang="ru-RU" sz="600" dirty="0">
+                <a:latin typeface="Courier New" panose="02070309020205020404" pitchFamily="49" charset="0"/>
+                <a:cs typeface="Courier New" panose="02070309020205020404" pitchFamily="49" charset="0"/>
+              </a:rPr>
+              <a:t>📄 ...</a:t>
+            </a:r>
+          </a:p>
+          <a:p>
+            <a:r>
+              <a:rPr lang="ru-RU" sz="600" dirty="0">
+                <a:latin typeface="Courier New" panose="02070309020205020404" pitchFamily="49" charset="0"/>
+                <a:cs typeface="Courier New" panose="02070309020205020404" pitchFamily="49" charset="0"/>
+              </a:rPr>
+              <a:t>        📁 </a:t>
+            </a:r>
+            <a:r>
+              <a:rPr lang="en-US" sz="600" dirty="0">
+                <a:latin typeface="Courier New" panose="02070309020205020404" pitchFamily="49" charset="0"/>
+                <a:cs typeface="Courier New" panose="02070309020205020404" pitchFamily="49" charset="0"/>
+              </a:rPr>
+              <a:t>ConfigHelper/</a:t>
+            </a:r>
+          </a:p>
+          <a:p>
+            <a:r>
+              <a:rPr lang="en-US" sz="600" dirty="0">
+                <a:latin typeface="Courier New" panose="02070309020205020404" pitchFamily="49" charset="0"/>
+                <a:cs typeface="Courier New" panose="02070309020205020404" pitchFamily="49" charset="0"/>
+              </a:rPr>
+              <a:t>            </a:t>
+            </a:r>
+            <a:r>
+              <a:rPr lang="ru-RU" sz="600" dirty="0">
+                <a:latin typeface="Courier New" panose="02070309020205020404" pitchFamily="49" charset="0"/>
+                <a:cs typeface="Courier New" panose="02070309020205020404" pitchFamily="49" charset="0"/>
+              </a:rPr>
+              <a:t>📄 </a:t>
+            </a:r>
+            <a:r>
+              <a:rPr lang="en-US" sz="600" dirty="0">
+                <a:latin typeface="Courier New" panose="02070309020205020404" pitchFamily="49" charset="0"/>
+                <a:cs typeface="Courier New" panose="02070309020205020404" pitchFamily="49" charset="0"/>
+              </a:rPr>
+              <a:t>ConfigHelper.h</a:t>
+            </a:r>
+            <a:endParaRPr lang="ru-RU" sz="600" dirty="0">
+              <a:latin typeface="Courier New" panose="02070309020205020404" pitchFamily="49" charset="0"/>
+              <a:cs typeface="Courier New" panose="02070309020205020404" pitchFamily="49" charset="0"/>
+            </a:endParaRPr>
+          </a:p>
+          <a:p>
+            <a:r>
+              <a:rPr lang="ru-RU" sz="600" dirty="0">
+                <a:latin typeface="Courier New" panose="02070309020205020404" pitchFamily="49" charset="0"/>
+                <a:cs typeface="Courier New" panose="02070309020205020404" pitchFamily="49" charset="0"/>
+              </a:rPr>
+              <a:t>        📁 </a:t>
+            </a:r>
+            <a:r>
+              <a:rPr lang="en-US" sz="600" dirty="0">
+                <a:latin typeface="Courier New" panose="02070309020205020404" pitchFamily="49" charset="0"/>
+                <a:cs typeface="Courier New" panose="02070309020205020404" pitchFamily="49" charset="0"/>
+              </a:rPr>
+              <a:t>Logger/</a:t>
+            </a:r>
+          </a:p>
+          <a:p>
+            <a:r>
+              <a:rPr lang="en-US" sz="600" dirty="0">
+                <a:latin typeface="Courier New" panose="02070309020205020404" pitchFamily="49" charset="0"/>
+                <a:cs typeface="Courier New" panose="02070309020205020404" pitchFamily="49" charset="0"/>
+              </a:rPr>
+              <a:t>            </a:t>
+            </a:r>
+            <a:r>
+              <a:rPr lang="ru-RU" sz="600" dirty="0">
+                <a:latin typeface="Courier New" panose="02070309020205020404" pitchFamily="49" charset="0"/>
+                <a:cs typeface="Courier New" panose="02070309020205020404" pitchFamily="49" charset="0"/>
+              </a:rPr>
+              <a:t>📄 ...</a:t>
+            </a:r>
+          </a:p>
+          <a:p>
+            <a:r>
+              <a:rPr lang="ru-RU" sz="600" dirty="0">
+                <a:latin typeface="Courier New" panose="02070309020205020404" pitchFamily="49" charset="0"/>
+                <a:cs typeface="Courier New" panose="02070309020205020404" pitchFamily="49" charset="0"/>
+              </a:rPr>
+              <a:t>        📁 </a:t>
+            </a:r>
+            <a:r>
+              <a:rPr lang="en-US" sz="600" dirty="0">
+                <a:latin typeface="Courier New" panose="02070309020205020404" pitchFamily="49" charset="0"/>
+                <a:cs typeface="Courier New" panose="02070309020205020404" pitchFamily="49" charset="0"/>
+              </a:rPr>
+              <a:t>PackageReader/</a:t>
+            </a:r>
+          </a:p>
+          <a:p>
+            <a:r>
+              <a:rPr lang="en-US" sz="600" dirty="0">
+                <a:latin typeface="Courier New" panose="02070309020205020404" pitchFamily="49" charset="0"/>
+                <a:cs typeface="Courier New" panose="02070309020205020404" pitchFamily="49" charset="0"/>
+              </a:rPr>
+              <a:t>            </a:t>
+            </a:r>
+            <a:r>
+              <a:rPr lang="ru-RU" sz="600" dirty="0">
+                <a:latin typeface="Courier New" panose="02070309020205020404" pitchFamily="49" charset="0"/>
+                <a:cs typeface="Courier New" panose="02070309020205020404" pitchFamily="49" charset="0"/>
+              </a:rPr>
+              <a:t>📄 </a:t>
+            </a:r>
+            <a:r>
+              <a:rPr lang="en-US" sz="600" dirty="0">
+                <a:latin typeface="Courier New" panose="02070309020205020404" pitchFamily="49" charset="0"/>
+                <a:cs typeface="Courier New" panose="02070309020205020404" pitchFamily="49" charset="0"/>
+              </a:rPr>
+              <a:t>PackageReader.h</a:t>
+            </a:r>
+            <a:endParaRPr lang="ru-RU" sz="600" dirty="0">
+              <a:latin typeface="Courier New" panose="02070309020205020404" pitchFamily="49" charset="0"/>
+              <a:cs typeface="Courier New" panose="02070309020205020404" pitchFamily="49" charset="0"/>
+            </a:endParaRPr>
+          </a:p>
+          <a:p>
+            <a:endParaRPr lang="ru-RU" sz="600" dirty="0">
+              <a:latin typeface="Courier New" panose="02070309020205020404" pitchFamily="49" charset="0"/>
+              <a:cs typeface="Courier New" panose="02070309020205020404" pitchFamily="49" charset="0"/>
+            </a:endParaRPr>
+          </a:p>
+        </p:txBody>
+      </p:sp>
+      <p:sp>
+        <p:nvSpPr>
+          <p:cNvPr id="21" name="TextBox 20">
+            <a:extLst>
+              <a:ext uri="{FF2B5EF4-FFF2-40B4-BE49-F238E27FC236}">
+                <a16:creationId xmlns:a16="http://schemas.microsoft.com/office/drawing/2014/main" id="{7B8459FA-203C-41D3-89F8-9682D513F221}"/>
+              </a:ext>
+            </a:extLst>
+          </p:cNvPr>
+          <p:cNvSpPr txBox="1"/>
+          <p:nvPr/>
+        </p:nvSpPr>
+        <p:spPr>
+          <a:xfrm>
+            <a:off x="2030279" y="1193847"/>
+            <a:ext cx="1731564" cy="1938992"/>
+          </a:xfrm>
+          <a:prstGeom prst="rect">
+            <a:avLst/>
+          </a:prstGeom>
+          <a:noFill/>
+        </p:spPr>
+        <p:txBody>
+          <a:bodyPr wrap="square" rtlCol="0">
+            <a:spAutoFit/>
+          </a:bodyPr>
+          <a:lstStyle/>
+          <a:p>
+            <a:r>
+              <a:rPr lang="ru-RU" sz="600" dirty="0">
+                <a:latin typeface="Courier New" panose="02070309020205020404" pitchFamily="49" charset="0"/>
+                <a:cs typeface="Courier New" panose="02070309020205020404" pitchFamily="49" charset="0"/>
+              </a:rPr>
+              <a:t>📁 </a:t>
+            </a:r>
+            <a:r>
+              <a:rPr lang="en-US" sz="600" dirty="0">
+                <a:latin typeface="Courier New" panose="02070309020205020404" pitchFamily="49" charset="0"/>
+                <a:cs typeface="Courier New" panose="02070309020205020404" pitchFamily="49" charset="0"/>
+              </a:rPr>
+              <a:t>DaemonBoost/</a:t>
+            </a:r>
+          </a:p>
+          <a:p>
+            <a:r>
+              <a:rPr lang="en-US" sz="600" dirty="0">
+                <a:latin typeface="Courier New" panose="02070309020205020404" pitchFamily="49" charset="0"/>
+                <a:cs typeface="Courier New" panose="02070309020205020404" pitchFamily="49" charset="0"/>
+              </a:rPr>
+              <a:t>    </a:t>
+            </a:r>
+            <a:r>
+              <a:rPr lang="ru-RU" sz="600" dirty="0">
+                <a:latin typeface="Courier New" panose="02070309020205020404" pitchFamily="49" charset="0"/>
+                <a:cs typeface="Courier New" panose="02070309020205020404" pitchFamily="49" charset="0"/>
+              </a:rPr>
+              <a:t>📄 </a:t>
+            </a:r>
+            <a:r>
+              <a:rPr lang="en-US" sz="600" dirty="0">
+                <a:latin typeface="Courier New" panose="02070309020205020404" pitchFamily="49" charset="0"/>
+                <a:cs typeface="Courier New" panose="02070309020205020404" pitchFamily="49" charset="0"/>
+              </a:rPr>
+              <a:t>appsettings.ini</a:t>
+            </a:r>
+          </a:p>
+          <a:p>
+            <a:r>
+              <a:rPr lang="en-US" sz="600" dirty="0">
+                <a:latin typeface="Courier New" panose="02070309020205020404" pitchFamily="49" charset="0"/>
+                <a:cs typeface="Courier New" panose="02070309020205020404" pitchFamily="49" charset="0"/>
+              </a:rPr>
+              <a:t>    </a:t>
+            </a:r>
+            <a:r>
+              <a:rPr lang="ru-RU" sz="600" dirty="0">
+                <a:latin typeface="Courier New" panose="02070309020205020404" pitchFamily="49" charset="0"/>
+                <a:cs typeface="Courier New" panose="02070309020205020404" pitchFamily="49" charset="0"/>
+              </a:rPr>
+              <a:t>📄 </a:t>
+            </a:r>
+            <a:r>
+              <a:rPr lang="en-US" sz="600" dirty="0">
+                <a:latin typeface="Courier New" panose="02070309020205020404" pitchFamily="49" charset="0"/>
+                <a:cs typeface="Courier New" panose="02070309020205020404" pitchFamily="49" charset="0"/>
+              </a:rPr>
+              <a:t>main.cpp</a:t>
+            </a:r>
+          </a:p>
+          <a:p>
+            <a:r>
+              <a:rPr lang="en-US" sz="600" dirty="0">
+                <a:latin typeface="Courier New" panose="02070309020205020404" pitchFamily="49" charset="0"/>
+                <a:cs typeface="Courier New" panose="02070309020205020404" pitchFamily="49" charset="0"/>
+              </a:rPr>
+              <a:t>    </a:t>
+            </a:r>
+            <a:r>
+              <a:rPr lang="ru-RU" sz="600" dirty="0">
+                <a:latin typeface="Courier New" panose="02070309020205020404" pitchFamily="49" charset="0"/>
+                <a:cs typeface="Courier New" panose="02070309020205020404" pitchFamily="49" charset="0"/>
+              </a:rPr>
+              <a:t>📁 </a:t>
+            </a:r>
+            <a:r>
+              <a:rPr lang="en-US" sz="600" dirty="0">
+                <a:latin typeface="Courier New" panose="02070309020205020404" pitchFamily="49" charset="0"/>
+                <a:cs typeface="Courier New" panose="02070309020205020404" pitchFamily="49" charset="0"/>
+              </a:rPr>
+              <a:t>Data/</a:t>
+            </a:r>
+          </a:p>
+          <a:p>
+            <a:r>
+              <a:rPr lang="en-US" sz="600" dirty="0">
+                <a:latin typeface="Courier New" panose="02070309020205020404" pitchFamily="49" charset="0"/>
+                <a:cs typeface="Courier New" panose="02070309020205020404" pitchFamily="49" charset="0"/>
+              </a:rPr>
+              <a:t>        </a:t>
+            </a:r>
+            <a:r>
+              <a:rPr lang="ru-RU" sz="600" dirty="0">
+                <a:latin typeface="Courier New" panose="02070309020205020404" pitchFamily="49" charset="0"/>
+                <a:cs typeface="Courier New" panose="02070309020205020404" pitchFamily="49" charset="0"/>
+              </a:rPr>
+              <a:t>📁 </a:t>
+            </a:r>
+            <a:r>
+              <a:rPr lang="en-US" sz="600" dirty="0">
+                <a:latin typeface="Courier New" panose="02070309020205020404" pitchFamily="49" charset="0"/>
+                <a:cs typeface="Courier New" panose="02070309020205020404" pitchFamily="49" charset="0"/>
+              </a:rPr>
+              <a:t>Enums/</a:t>
+            </a:r>
+          </a:p>
+          <a:p>
+            <a:r>
+              <a:rPr lang="en-US" sz="600" dirty="0">
+                <a:latin typeface="Courier New" panose="02070309020205020404" pitchFamily="49" charset="0"/>
+                <a:cs typeface="Courier New" panose="02070309020205020404" pitchFamily="49" charset="0"/>
+              </a:rPr>
+              <a:t>            </a:t>
+            </a:r>
+            <a:r>
+              <a:rPr lang="ru-RU" sz="600" dirty="0">
+                <a:latin typeface="Courier New" panose="02070309020205020404" pitchFamily="49" charset="0"/>
+                <a:cs typeface="Courier New" panose="02070309020205020404" pitchFamily="49" charset="0"/>
+              </a:rPr>
+              <a:t>📄 </a:t>
+            </a:r>
+            <a:r>
+              <a:rPr lang="en-US" sz="600" dirty="0">
+                <a:latin typeface="Courier New" panose="02070309020205020404" pitchFamily="49" charset="0"/>
+                <a:cs typeface="Courier New" panose="02070309020205020404" pitchFamily="49" charset="0"/>
+              </a:rPr>
+              <a:t>IncomeCommand.h</a:t>
+            </a:r>
+          </a:p>
+          <a:p>
+            <a:r>
+              <a:rPr lang="en-US" sz="600" dirty="0">
+                <a:latin typeface="Courier New" panose="02070309020205020404" pitchFamily="49" charset="0"/>
+                <a:cs typeface="Courier New" panose="02070309020205020404" pitchFamily="49" charset="0"/>
+              </a:rPr>
+              <a:t>    </a:t>
+            </a:r>
+            <a:r>
+              <a:rPr lang="ru-RU" sz="600" dirty="0">
+                <a:latin typeface="Courier New" panose="02070309020205020404" pitchFamily="49" charset="0"/>
+                <a:cs typeface="Courier New" panose="02070309020205020404" pitchFamily="49" charset="0"/>
+              </a:rPr>
+              <a:t>📁 </a:t>
+            </a:r>
+            <a:r>
+              <a:rPr lang="en-US" sz="600" dirty="0">
+                <a:latin typeface="Courier New" panose="02070309020205020404" pitchFamily="49" charset="0"/>
+                <a:cs typeface="Courier New" panose="02070309020205020404" pitchFamily="49" charset="0"/>
+              </a:rPr>
+              <a:t>Engine/</a:t>
+            </a:r>
+          </a:p>
+          <a:p>
+            <a:r>
+              <a:rPr lang="en-US" sz="600" dirty="0">
+                <a:latin typeface="Courier New" panose="02070309020205020404" pitchFamily="49" charset="0"/>
+                <a:cs typeface="Courier New" panose="02070309020205020404" pitchFamily="49" charset="0"/>
+              </a:rPr>
+              <a:t>        </a:t>
+            </a:r>
+            <a:r>
+              <a:rPr lang="ru-RU" sz="600" dirty="0">
+                <a:latin typeface="Courier New" panose="02070309020205020404" pitchFamily="49" charset="0"/>
+                <a:cs typeface="Courier New" panose="02070309020205020404" pitchFamily="49" charset="0"/>
+              </a:rPr>
+              <a:t>📁 </a:t>
+            </a:r>
+            <a:r>
+              <a:rPr lang="en-US" sz="600" dirty="0">
+                <a:latin typeface="Courier New" panose="02070309020205020404" pitchFamily="49" charset="0"/>
+                <a:cs typeface="Courier New" panose="02070309020205020404" pitchFamily="49" charset="0"/>
+              </a:rPr>
+              <a:t>TcpServer/</a:t>
+            </a:r>
+          </a:p>
+          <a:p>
+            <a:r>
+              <a:rPr lang="en-US" sz="600" dirty="0">
+                <a:latin typeface="Courier New" panose="02070309020205020404" pitchFamily="49" charset="0"/>
+                <a:cs typeface="Courier New" panose="02070309020205020404" pitchFamily="49" charset="0"/>
+              </a:rPr>
+              <a:t>            </a:t>
+            </a:r>
+            <a:r>
+              <a:rPr lang="ru-RU" sz="600" dirty="0">
+                <a:latin typeface="Courier New" panose="02070309020205020404" pitchFamily="49" charset="0"/>
+                <a:cs typeface="Courier New" panose="02070309020205020404" pitchFamily="49" charset="0"/>
+              </a:rPr>
+              <a:t>📄 </a:t>
+            </a:r>
+            <a:r>
+              <a:rPr lang="en-US" sz="600" dirty="0">
+                <a:latin typeface="Courier New" panose="02070309020205020404" pitchFamily="49" charset="0"/>
+                <a:cs typeface="Courier New" panose="02070309020205020404" pitchFamily="49" charset="0"/>
+              </a:rPr>
+              <a:t>TcpServer.cpp</a:t>
+            </a:r>
+          </a:p>
+          <a:p>
+            <a:r>
+              <a:rPr lang="en-US" sz="600" dirty="0">
+                <a:latin typeface="Courier New" panose="02070309020205020404" pitchFamily="49" charset="0"/>
+                <a:cs typeface="Courier New" panose="02070309020205020404" pitchFamily="49" charset="0"/>
+              </a:rPr>
+              <a:t>            </a:t>
+            </a:r>
+            <a:r>
+              <a:rPr lang="ru-RU" sz="600" dirty="0">
+                <a:latin typeface="Courier New" panose="02070309020205020404" pitchFamily="49" charset="0"/>
+                <a:cs typeface="Courier New" panose="02070309020205020404" pitchFamily="49" charset="0"/>
+              </a:rPr>
+              <a:t>📄 </a:t>
+            </a:r>
+            <a:r>
+              <a:rPr lang="en-US" sz="600" dirty="0">
+                <a:latin typeface="Courier New" panose="02070309020205020404" pitchFamily="49" charset="0"/>
+                <a:cs typeface="Courier New" panose="02070309020205020404" pitchFamily="49" charset="0"/>
+              </a:rPr>
+              <a:t>TcpServer.h</a:t>
+            </a:r>
+          </a:p>
+          <a:p>
+            <a:r>
+              <a:rPr lang="en-US" sz="600" dirty="0">
+                <a:latin typeface="Courier New" panose="02070309020205020404" pitchFamily="49" charset="0"/>
+                <a:cs typeface="Courier New" panose="02070309020205020404" pitchFamily="49" charset="0"/>
+              </a:rPr>
+              <a:t>    </a:t>
+            </a:r>
+            <a:r>
+              <a:rPr lang="ru-RU" sz="600" dirty="0">
+                <a:latin typeface="Courier New" panose="02070309020205020404" pitchFamily="49" charset="0"/>
+                <a:cs typeface="Courier New" panose="02070309020205020404" pitchFamily="49" charset="0"/>
+              </a:rPr>
+              <a:t>📁 </a:t>
+            </a:r>
+            <a:r>
+              <a:rPr lang="en-US" sz="600" dirty="0">
+                <a:latin typeface="Courier New" panose="02070309020205020404" pitchFamily="49" charset="0"/>
+                <a:cs typeface="Courier New" panose="02070309020205020404" pitchFamily="49" charset="0"/>
+              </a:rPr>
+              <a:t>Utils/</a:t>
+            </a:r>
+          </a:p>
+          <a:p>
+            <a:r>
+              <a:rPr lang="en-US" sz="600" dirty="0">
+                <a:latin typeface="Courier New" panose="02070309020205020404" pitchFamily="49" charset="0"/>
+                <a:cs typeface="Courier New" panose="02070309020205020404" pitchFamily="49" charset="0"/>
+              </a:rPr>
+              <a:t>        </a:t>
+            </a:r>
+            <a:r>
+              <a:rPr lang="ru-RU" sz="600" dirty="0">
+                <a:latin typeface="Courier New" panose="02070309020205020404" pitchFamily="49" charset="0"/>
+                <a:cs typeface="Courier New" panose="02070309020205020404" pitchFamily="49" charset="0"/>
+              </a:rPr>
+              <a:t>📁 </a:t>
+            </a:r>
+            <a:r>
+              <a:rPr lang="en-US" sz="600" dirty="0">
+                <a:latin typeface="Courier New" panose="02070309020205020404" pitchFamily="49" charset="0"/>
+                <a:cs typeface="Courier New" panose="02070309020205020404" pitchFamily="49" charset="0"/>
+              </a:rPr>
+              <a:t>CommandsHelper/</a:t>
+            </a:r>
+          </a:p>
+          <a:p>
+            <a:r>
+              <a:rPr lang="en-US" sz="600" dirty="0">
+                <a:latin typeface="Courier New" panose="02070309020205020404" pitchFamily="49" charset="0"/>
+                <a:cs typeface="Courier New" panose="02070309020205020404" pitchFamily="49" charset="0"/>
+              </a:rPr>
+              <a:t>            </a:t>
+            </a:r>
+            <a:r>
+              <a:rPr lang="ru-RU" sz="600" dirty="0">
+                <a:latin typeface="Courier New" panose="02070309020205020404" pitchFamily="49" charset="0"/>
+                <a:cs typeface="Courier New" panose="02070309020205020404" pitchFamily="49" charset="0"/>
+              </a:rPr>
+              <a:t>📄 ...</a:t>
+            </a:r>
+          </a:p>
+          <a:p>
+            <a:r>
+              <a:rPr lang="en-US" sz="600" dirty="0">
+                <a:latin typeface="Courier New" panose="02070309020205020404" pitchFamily="49" charset="0"/>
+                <a:cs typeface="Courier New" panose="02070309020205020404" pitchFamily="49" charset="0"/>
+              </a:rPr>
+              <a:t>        </a:t>
+            </a:r>
+            <a:r>
+              <a:rPr lang="ru-RU" sz="600" dirty="0">
+                <a:latin typeface="Courier New" panose="02070309020205020404" pitchFamily="49" charset="0"/>
+                <a:cs typeface="Courier New" panose="02070309020205020404" pitchFamily="49" charset="0"/>
+              </a:rPr>
+              <a:t>📁 </a:t>
+            </a:r>
+            <a:r>
+              <a:rPr lang="en-US" sz="600" dirty="0">
+                <a:latin typeface="Courier New" panose="02070309020205020404" pitchFamily="49" charset="0"/>
+                <a:cs typeface="Courier New" panose="02070309020205020404" pitchFamily="49" charset="0"/>
+              </a:rPr>
+              <a:t>ConfigHelper/</a:t>
+            </a:r>
+          </a:p>
+          <a:p>
+            <a:r>
+              <a:rPr lang="en-US" sz="600" dirty="0">
+                <a:latin typeface="Courier New" panose="02070309020205020404" pitchFamily="49" charset="0"/>
+                <a:cs typeface="Courier New" panose="02070309020205020404" pitchFamily="49" charset="0"/>
+              </a:rPr>
+              <a:t>            </a:t>
+            </a:r>
+            <a:r>
+              <a:rPr lang="ru-RU" sz="600" dirty="0">
+                <a:latin typeface="Courier New" panose="02070309020205020404" pitchFamily="49" charset="0"/>
+                <a:cs typeface="Courier New" panose="02070309020205020404" pitchFamily="49" charset="0"/>
+              </a:rPr>
+              <a:t>📄 </a:t>
+            </a:r>
+            <a:r>
+              <a:rPr lang="en-US" sz="600" dirty="0">
+                <a:latin typeface="Courier New" panose="02070309020205020404" pitchFamily="49" charset="0"/>
+                <a:cs typeface="Courier New" panose="02070309020205020404" pitchFamily="49" charset="0"/>
+              </a:rPr>
+              <a:t>ConfigHelper.h</a:t>
+            </a:r>
+            <a:endParaRPr lang="ru-RU" sz="600" dirty="0">
+              <a:latin typeface="Courier New" panose="02070309020205020404" pitchFamily="49" charset="0"/>
+              <a:cs typeface="Courier New" panose="02070309020205020404" pitchFamily="49" charset="0"/>
+            </a:endParaRPr>
+          </a:p>
+          <a:p>
+            <a:r>
+              <a:rPr lang="ru-RU" sz="600" dirty="0">
+                <a:latin typeface="Courier New" panose="02070309020205020404" pitchFamily="49" charset="0"/>
+                <a:cs typeface="Courier New" panose="02070309020205020404" pitchFamily="49" charset="0"/>
+              </a:rPr>
+              <a:t>        📁 </a:t>
+            </a:r>
+            <a:r>
+              <a:rPr lang="en-US" sz="600" dirty="0">
+                <a:latin typeface="Courier New" panose="02070309020205020404" pitchFamily="49" charset="0"/>
+                <a:cs typeface="Courier New" panose="02070309020205020404" pitchFamily="49" charset="0"/>
+              </a:rPr>
+              <a:t>Logger/</a:t>
+            </a:r>
+          </a:p>
+          <a:p>
+            <a:r>
+              <a:rPr lang="en-US" sz="600" dirty="0">
+                <a:latin typeface="Courier New" panose="02070309020205020404" pitchFamily="49" charset="0"/>
+                <a:cs typeface="Courier New" panose="02070309020205020404" pitchFamily="49" charset="0"/>
+              </a:rPr>
+              <a:t>            </a:t>
+            </a:r>
+            <a:r>
+              <a:rPr lang="ru-RU" sz="600" dirty="0">
+                <a:latin typeface="Courier New" panose="02070309020205020404" pitchFamily="49" charset="0"/>
+                <a:cs typeface="Courier New" panose="02070309020205020404" pitchFamily="49" charset="0"/>
+              </a:rPr>
+              <a:t>📄 ...</a:t>
+            </a:r>
+            <a:endParaRPr lang="en-US" sz="600" dirty="0">
+              <a:latin typeface="Courier New" panose="02070309020205020404" pitchFamily="49" charset="0"/>
+              <a:cs typeface="Courier New" panose="02070309020205020404" pitchFamily="49" charset="0"/>
+            </a:endParaRPr>
+          </a:p>
+          <a:p>
+            <a:r>
+              <a:rPr lang="en-US" sz="600" dirty="0">
+                <a:latin typeface="Courier New" panose="02070309020205020404" pitchFamily="49" charset="0"/>
+                <a:cs typeface="Courier New" panose="02070309020205020404" pitchFamily="49" charset="0"/>
+              </a:rPr>
+              <a:t>        </a:t>
+            </a:r>
+            <a:r>
+              <a:rPr lang="ru-RU" sz="600" dirty="0">
+                <a:latin typeface="Courier New" panose="02070309020205020404" pitchFamily="49" charset="0"/>
+                <a:cs typeface="Courier New" panose="02070309020205020404" pitchFamily="49" charset="0"/>
+              </a:rPr>
+              <a:t>📁 </a:t>
+            </a:r>
+            <a:r>
+              <a:rPr lang="en-US" sz="600" dirty="0">
+                <a:latin typeface="Courier New" panose="02070309020205020404" pitchFamily="49" charset="0"/>
+                <a:cs typeface="Courier New" panose="02070309020205020404" pitchFamily="49" charset="0"/>
+              </a:rPr>
+              <a:t>PackageReader/</a:t>
+            </a:r>
+          </a:p>
+          <a:p>
+            <a:r>
+              <a:rPr lang="en-US" sz="600" dirty="0">
+                <a:latin typeface="Courier New" panose="02070309020205020404" pitchFamily="49" charset="0"/>
+                <a:cs typeface="Courier New" panose="02070309020205020404" pitchFamily="49" charset="0"/>
+              </a:rPr>
+              <a:t>            </a:t>
+            </a:r>
+            <a:r>
+              <a:rPr lang="ru-RU" sz="600" dirty="0">
+                <a:latin typeface="Courier New" panose="02070309020205020404" pitchFamily="49" charset="0"/>
+                <a:cs typeface="Courier New" panose="02070309020205020404" pitchFamily="49" charset="0"/>
+              </a:rPr>
+              <a:t>📄 </a:t>
+            </a:r>
+            <a:r>
+              <a:rPr lang="en-US" sz="600" dirty="0">
+                <a:latin typeface="Courier New" panose="02070309020205020404" pitchFamily="49" charset="0"/>
+                <a:cs typeface="Courier New" panose="02070309020205020404" pitchFamily="49" charset="0"/>
+              </a:rPr>
+              <a:t>PackageReader.h</a:t>
+            </a:r>
+          </a:p>
+          <a:p>
+            <a:endParaRPr lang="ru-RU" sz="600" dirty="0">
+              <a:latin typeface="Courier New" panose="02070309020205020404" pitchFamily="49" charset="0"/>
+              <a:cs typeface="Courier New" panose="02070309020205020404" pitchFamily="49" charset="0"/>
+            </a:endParaRPr>
+          </a:p>
+        </p:txBody>
+      </p:sp>
+      <p:sp>
+        <p:nvSpPr>
+          <p:cNvPr id="22" name="TextBox 21">
+            <a:extLst>
+              <a:ext uri="{FF2B5EF4-FFF2-40B4-BE49-F238E27FC236}">
+                <a16:creationId xmlns:a16="http://schemas.microsoft.com/office/drawing/2014/main" id="{09D9A3B7-AA6E-4581-8A41-D9614C37F8CA}"/>
+              </a:ext>
+            </a:extLst>
+          </p:cNvPr>
+          <p:cNvSpPr txBox="1"/>
+          <p:nvPr/>
+        </p:nvSpPr>
+        <p:spPr>
+          <a:xfrm>
+            <a:off x="3909135" y="1193847"/>
+            <a:ext cx="1592103" cy="1846659"/>
+          </a:xfrm>
+          <a:prstGeom prst="rect">
+            <a:avLst/>
+          </a:prstGeom>
+          <a:noFill/>
+        </p:spPr>
+        <p:txBody>
+          <a:bodyPr wrap="none" rtlCol="0">
+            <a:spAutoFit/>
+          </a:bodyPr>
+          <a:lstStyle/>
+          <a:p>
+            <a:r>
+              <a:rPr lang="ru-RU" sz="600" dirty="0">
+                <a:latin typeface="Courier New" panose="02070309020205020404" pitchFamily="49" charset="0"/>
+                <a:cs typeface="Courier New" panose="02070309020205020404" pitchFamily="49" charset="0"/>
+              </a:rPr>
+              <a:t>📁 </a:t>
+            </a:r>
+            <a:r>
+              <a:rPr lang="en-US" sz="600" dirty="0">
+                <a:latin typeface="Courier New" panose="02070309020205020404" pitchFamily="49" charset="0"/>
+                <a:cs typeface="Courier New" panose="02070309020205020404" pitchFamily="49" charset="0"/>
+              </a:rPr>
+              <a:t>Source/</a:t>
+            </a:r>
+          </a:p>
+          <a:p>
+            <a:r>
+              <a:rPr lang="en-US" sz="600" dirty="0">
+                <a:latin typeface="Courier New" panose="02070309020205020404" pitchFamily="49" charset="0"/>
+                <a:cs typeface="Courier New" panose="02070309020205020404" pitchFamily="49" charset="0"/>
+              </a:rPr>
+              <a:t>    </a:t>
+            </a:r>
+            <a:r>
+              <a:rPr lang="ru-RU" sz="600" dirty="0">
+                <a:latin typeface="Courier New" panose="02070309020205020404" pitchFamily="49" charset="0"/>
+                <a:cs typeface="Courier New" panose="02070309020205020404" pitchFamily="49" charset="0"/>
+              </a:rPr>
+              <a:t>📁 </a:t>
+            </a:r>
+            <a:r>
+              <a:rPr lang="en-US" sz="600" dirty="0">
+                <a:latin typeface="Courier New" panose="02070309020205020404" pitchFamily="49" charset="0"/>
+                <a:cs typeface="Courier New" panose="02070309020205020404" pitchFamily="49" charset="0"/>
+              </a:rPr>
+              <a:t>Lab4/</a:t>
+            </a:r>
+          </a:p>
+          <a:p>
+            <a:r>
+              <a:rPr lang="en-US" sz="600" dirty="0">
+                <a:latin typeface="Courier New" panose="02070309020205020404" pitchFamily="49" charset="0"/>
+                <a:cs typeface="Courier New" panose="02070309020205020404" pitchFamily="49" charset="0"/>
+              </a:rPr>
+              <a:t>        </a:t>
+            </a:r>
+            <a:r>
+              <a:rPr lang="ru-RU" sz="600" dirty="0">
+                <a:latin typeface="Courier New" panose="02070309020205020404" pitchFamily="49" charset="0"/>
+                <a:cs typeface="Courier New" panose="02070309020205020404" pitchFamily="49" charset="0"/>
+              </a:rPr>
+              <a:t>📄 </a:t>
+            </a:r>
+            <a:r>
+              <a:rPr lang="en-US" sz="600" dirty="0">
+                <a:latin typeface="Courier New" panose="02070309020205020404" pitchFamily="49" charset="0"/>
+                <a:cs typeface="Courier New" panose="02070309020205020404" pitchFamily="49" charset="0"/>
+              </a:rPr>
+              <a:t>Lab4.Build.cs</a:t>
+            </a:r>
+          </a:p>
+          <a:p>
+            <a:r>
+              <a:rPr lang="en-US" sz="600" dirty="0">
+                <a:latin typeface="Courier New" panose="02070309020205020404" pitchFamily="49" charset="0"/>
+                <a:cs typeface="Courier New" panose="02070309020205020404" pitchFamily="49" charset="0"/>
+              </a:rPr>
+              <a:t>        </a:t>
+            </a:r>
+            <a:r>
+              <a:rPr lang="ru-RU" sz="600" dirty="0">
+                <a:latin typeface="Courier New" panose="02070309020205020404" pitchFamily="49" charset="0"/>
+                <a:cs typeface="Courier New" panose="02070309020205020404" pitchFamily="49" charset="0"/>
+              </a:rPr>
+              <a:t>📄 </a:t>
+            </a:r>
+            <a:r>
+              <a:rPr lang="en-US" sz="600" dirty="0">
+                <a:latin typeface="Courier New" panose="02070309020205020404" pitchFamily="49" charset="0"/>
+                <a:cs typeface="Courier New" panose="02070309020205020404" pitchFamily="49" charset="0"/>
+              </a:rPr>
+              <a:t>Lab4.cpp</a:t>
+            </a:r>
+          </a:p>
+          <a:p>
+            <a:r>
+              <a:rPr lang="en-US" sz="600" dirty="0">
+                <a:latin typeface="Courier New" panose="02070309020205020404" pitchFamily="49" charset="0"/>
+                <a:cs typeface="Courier New" panose="02070309020205020404" pitchFamily="49" charset="0"/>
+              </a:rPr>
+              <a:t>        </a:t>
+            </a:r>
+            <a:r>
+              <a:rPr lang="ru-RU" sz="600" dirty="0">
+                <a:latin typeface="Courier New" panose="02070309020205020404" pitchFamily="49" charset="0"/>
+                <a:cs typeface="Courier New" panose="02070309020205020404" pitchFamily="49" charset="0"/>
+              </a:rPr>
+              <a:t>📄 </a:t>
+            </a:r>
+            <a:r>
+              <a:rPr lang="en-US" sz="600" dirty="0">
+                <a:latin typeface="Courier New" panose="02070309020205020404" pitchFamily="49" charset="0"/>
+                <a:cs typeface="Courier New" panose="02070309020205020404" pitchFamily="49" charset="0"/>
+              </a:rPr>
+              <a:t>Lab4.h</a:t>
+            </a:r>
+          </a:p>
+          <a:p>
+            <a:r>
+              <a:rPr lang="en-US" sz="600" dirty="0">
+                <a:latin typeface="Courier New" panose="02070309020205020404" pitchFamily="49" charset="0"/>
+                <a:cs typeface="Courier New" panose="02070309020205020404" pitchFamily="49" charset="0"/>
+              </a:rPr>
+              <a:t>        </a:t>
+            </a:r>
+            <a:r>
+              <a:rPr lang="ru-RU" sz="600" dirty="0">
+                <a:latin typeface="Courier New" panose="02070309020205020404" pitchFamily="49" charset="0"/>
+                <a:cs typeface="Courier New" panose="02070309020205020404" pitchFamily="49" charset="0"/>
+              </a:rPr>
+              <a:t>📁 </a:t>
+            </a:r>
+            <a:r>
+              <a:rPr lang="en-US" sz="600" dirty="0">
+                <a:latin typeface="Courier New" panose="02070309020205020404" pitchFamily="49" charset="0"/>
+                <a:cs typeface="Courier New" panose="02070309020205020404" pitchFamily="49" charset="0"/>
+              </a:rPr>
+              <a:t>Actors/</a:t>
+            </a:r>
+          </a:p>
+          <a:p>
+            <a:r>
+              <a:rPr lang="en-US" sz="600" dirty="0">
+                <a:latin typeface="Courier New" panose="02070309020205020404" pitchFamily="49" charset="0"/>
+                <a:cs typeface="Courier New" panose="02070309020205020404" pitchFamily="49" charset="0"/>
+              </a:rPr>
+              <a:t>             </a:t>
+            </a:r>
+            <a:r>
+              <a:rPr lang="ru-RU" sz="600" dirty="0">
+                <a:latin typeface="Courier New" panose="02070309020205020404" pitchFamily="49" charset="0"/>
+                <a:cs typeface="Courier New" panose="02070309020205020404" pitchFamily="49" charset="0"/>
+              </a:rPr>
+              <a:t>📄 ...</a:t>
+            </a:r>
+            <a:r>
+              <a:rPr lang="en-US" sz="600" dirty="0">
+                <a:latin typeface="Courier New" panose="02070309020205020404" pitchFamily="49" charset="0"/>
+                <a:cs typeface="Courier New" panose="02070309020205020404" pitchFamily="49" charset="0"/>
+              </a:rPr>
+              <a:t> </a:t>
+            </a:r>
+          </a:p>
+          <a:p>
+            <a:r>
+              <a:rPr lang="en-US" sz="600" dirty="0">
+                <a:latin typeface="Courier New" panose="02070309020205020404" pitchFamily="49" charset="0"/>
+                <a:cs typeface="Courier New" panose="02070309020205020404" pitchFamily="49" charset="0"/>
+              </a:rPr>
+              <a:t>        </a:t>
+            </a:r>
+            <a:r>
+              <a:rPr lang="ru-RU" sz="600" dirty="0">
+                <a:latin typeface="Courier New" panose="02070309020205020404" pitchFamily="49" charset="0"/>
+                <a:cs typeface="Courier New" panose="02070309020205020404" pitchFamily="49" charset="0"/>
+              </a:rPr>
+              <a:t>📁 </a:t>
+            </a:r>
+            <a:r>
+              <a:rPr lang="en-US" sz="600" dirty="0">
+                <a:latin typeface="Courier New" panose="02070309020205020404" pitchFamily="49" charset="0"/>
+                <a:cs typeface="Courier New" panose="02070309020205020404" pitchFamily="49" charset="0"/>
+              </a:rPr>
+              <a:t>EmptyLobbyClasses/</a:t>
+            </a:r>
+          </a:p>
+          <a:p>
+            <a:r>
+              <a:rPr lang="en-US" sz="600" dirty="0">
+                <a:latin typeface="Courier New" panose="02070309020205020404" pitchFamily="49" charset="0"/>
+                <a:cs typeface="Courier New" panose="02070309020205020404" pitchFamily="49" charset="0"/>
+              </a:rPr>
+              <a:t>            </a:t>
+            </a:r>
+            <a:r>
+              <a:rPr lang="ru-RU" sz="600" dirty="0">
+                <a:latin typeface="Courier New" panose="02070309020205020404" pitchFamily="49" charset="0"/>
+                <a:cs typeface="Courier New" panose="02070309020205020404" pitchFamily="49" charset="0"/>
+              </a:rPr>
+              <a:t>📄 ...</a:t>
+            </a:r>
+            <a:endParaRPr lang="en-US" sz="600" dirty="0">
+              <a:latin typeface="Courier New" panose="02070309020205020404" pitchFamily="49" charset="0"/>
+              <a:cs typeface="Courier New" panose="02070309020205020404" pitchFamily="49" charset="0"/>
+            </a:endParaRPr>
+          </a:p>
+          <a:p>
+            <a:r>
+              <a:rPr lang="en-US" sz="600" dirty="0">
+                <a:latin typeface="Courier New" panose="02070309020205020404" pitchFamily="49" charset="0"/>
+                <a:cs typeface="Courier New" panose="02070309020205020404" pitchFamily="49" charset="0"/>
+              </a:rPr>
+              <a:t>            </a:t>
+            </a:r>
+            <a:r>
+              <a:rPr lang="ru-RU" sz="600" dirty="0">
+                <a:latin typeface="Courier New" panose="02070309020205020404" pitchFamily="49" charset="0"/>
+                <a:cs typeface="Courier New" panose="02070309020205020404" pitchFamily="49" charset="0"/>
+              </a:rPr>
+              <a:t>📁 </a:t>
+            </a:r>
+            <a:r>
+              <a:rPr lang="en-US" sz="600" dirty="0">
+                <a:latin typeface="Courier New" panose="02070309020205020404" pitchFamily="49" charset="0"/>
+                <a:cs typeface="Courier New" panose="02070309020205020404" pitchFamily="49" charset="0"/>
+              </a:rPr>
+              <a:t>WidgetsClasses/</a:t>
+            </a:r>
+          </a:p>
+          <a:p>
+            <a:r>
+              <a:rPr lang="en-US" sz="600" dirty="0">
+                <a:latin typeface="Courier New" panose="02070309020205020404" pitchFamily="49" charset="0"/>
+                <a:cs typeface="Courier New" panose="02070309020205020404" pitchFamily="49" charset="0"/>
+              </a:rPr>
+              <a:t>                </a:t>
+            </a:r>
+            <a:r>
+              <a:rPr lang="ru-RU" sz="600" dirty="0">
+                <a:latin typeface="Courier New" panose="02070309020205020404" pitchFamily="49" charset="0"/>
+                <a:cs typeface="Courier New" panose="02070309020205020404" pitchFamily="49" charset="0"/>
+              </a:rPr>
+              <a:t>📄 ...</a:t>
+            </a:r>
+            <a:endParaRPr lang="en-US" sz="600" dirty="0">
+              <a:latin typeface="Courier New" panose="02070309020205020404" pitchFamily="49" charset="0"/>
+              <a:cs typeface="Courier New" panose="02070309020205020404" pitchFamily="49" charset="0"/>
+            </a:endParaRPr>
+          </a:p>
+          <a:p>
+            <a:r>
+              <a:rPr lang="en-US" sz="600" dirty="0">
+                <a:latin typeface="Courier New" panose="02070309020205020404" pitchFamily="49" charset="0"/>
+                <a:cs typeface="Courier New" panose="02070309020205020404" pitchFamily="49" charset="0"/>
+              </a:rPr>
+              <a:t>        </a:t>
+            </a:r>
+            <a:r>
+              <a:rPr lang="ru-RU" sz="600" dirty="0">
+                <a:latin typeface="Courier New" panose="02070309020205020404" pitchFamily="49" charset="0"/>
+                <a:cs typeface="Courier New" panose="02070309020205020404" pitchFamily="49" charset="0"/>
+              </a:rPr>
+              <a:t>📁 </a:t>
+            </a:r>
+            <a:r>
+              <a:rPr lang="en-US" sz="600" dirty="0">
+                <a:latin typeface="Courier New" panose="02070309020205020404" pitchFamily="49" charset="0"/>
+                <a:cs typeface="Courier New" panose="02070309020205020404" pitchFamily="49" charset="0"/>
+              </a:rPr>
+              <a:t>GameInstances/</a:t>
+            </a:r>
+          </a:p>
+          <a:p>
+            <a:r>
+              <a:rPr lang="en-US" sz="600" dirty="0">
+                <a:latin typeface="Courier New" panose="02070309020205020404" pitchFamily="49" charset="0"/>
+                <a:cs typeface="Courier New" panose="02070309020205020404" pitchFamily="49" charset="0"/>
+              </a:rPr>
+              <a:t>            </a:t>
+            </a:r>
+            <a:r>
+              <a:rPr lang="ru-RU" sz="600" dirty="0">
+                <a:latin typeface="Courier New" panose="02070309020205020404" pitchFamily="49" charset="0"/>
+                <a:cs typeface="Courier New" panose="02070309020205020404" pitchFamily="49" charset="0"/>
+              </a:rPr>
+              <a:t>📄 ...</a:t>
+            </a:r>
+            <a:endParaRPr lang="en-US" sz="600" dirty="0">
+              <a:latin typeface="Courier New" panose="02070309020205020404" pitchFamily="49" charset="0"/>
+              <a:cs typeface="Courier New" panose="02070309020205020404" pitchFamily="49" charset="0"/>
+            </a:endParaRPr>
+          </a:p>
+          <a:p>
+            <a:r>
+              <a:rPr lang="en-US" sz="600" dirty="0">
+                <a:latin typeface="Courier New" panose="02070309020205020404" pitchFamily="49" charset="0"/>
+                <a:cs typeface="Courier New" panose="02070309020205020404" pitchFamily="49" charset="0"/>
+              </a:rPr>
+              <a:t>        </a:t>
+            </a:r>
+            <a:r>
+              <a:rPr lang="ru-RU" sz="600" dirty="0">
+                <a:latin typeface="Courier New" panose="02070309020205020404" pitchFamily="49" charset="0"/>
+                <a:cs typeface="Courier New" panose="02070309020205020404" pitchFamily="49" charset="0"/>
+              </a:rPr>
+              <a:t>📁 </a:t>
+            </a:r>
+            <a:r>
+              <a:rPr lang="en-US" sz="600" dirty="0">
+                <a:latin typeface="Courier New" panose="02070309020205020404" pitchFamily="49" charset="0"/>
+                <a:cs typeface="Courier New" panose="02070309020205020404" pitchFamily="49" charset="0"/>
+              </a:rPr>
+              <a:t>Helpers/</a:t>
+            </a:r>
+          </a:p>
+          <a:p>
+            <a:r>
+              <a:rPr lang="en-US" sz="600" dirty="0">
+                <a:latin typeface="Courier New" panose="02070309020205020404" pitchFamily="49" charset="0"/>
+                <a:cs typeface="Courier New" panose="02070309020205020404" pitchFamily="49" charset="0"/>
+              </a:rPr>
+              <a:t>            </a:t>
+            </a:r>
+            <a:r>
+              <a:rPr lang="ru-RU" sz="600" dirty="0">
+                <a:latin typeface="Courier New" panose="02070309020205020404" pitchFamily="49" charset="0"/>
+                <a:cs typeface="Courier New" panose="02070309020205020404" pitchFamily="49" charset="0"/>
+              </a:rPr>
+              <a:t>📄 ...</a:t>
+            </a:r>
+            <a:endParaRPr lang="en-US" sz="600" dirty="0">
+              <a:latin typeface="Courier New" panose="02070309020205020404" pitchFamily="49" charset="0"/>
+              <a:cs typeface="Courier New" panose="02070309020205020404" pitchFamily="49" charset="0"/>
+            </a:endParaRPr>
+          </a:p>
+          <a:p>
+            <a:r>
+              <a:rPr lang="en-US" sz="600" dirty="0">
+                <a:latin typeface="Courier New" panose="02070309020205020404" pitchFamily="49" charset="0"/>
+                <a:cs typeface="Courier New" panose="02070309020205020404" pitchFamily="49" charset="0"/>
+              </a:rPr>
+              <a:t>        </a:t>
+            </a:r>
+            <a:r>
+              <a:rPr lang="ru-RU" sz="600" dirty="0">
+                <a:latin typeface="Courier New" panose="02070309020205020404" pitchFamily="49" charset="0"/>
+                <a:cs typeface="Courier New" panose="02070309020205020404" pitchFamily="49" charset="0"/>
+              </a:rPr>
+              <a:t>📁 </a:t>
+            </a:r>
+            <a:r>
+              <a:rPr lang="en-US" sz="600" dirty="0">
+                <a:latin typeface="Courier New" panose="02070309020205020404" pitchFamily="49" charset="0"/>
+                <a:cs typeface="Courier New" panose="02070309020205020404" pitchFamily="49" charset="0"/>
+              </a:rPr>
+              <a:t>Runnable/</a:t>
+            </a:r>
+          </a:p>
+          <a:p>
+            <a:r>
+              <a:rPr lang="en-US" sz="600" dirty="0">
+                <a:latin typeface="Courier New" panose="02070309020205020404" pitchFamily="49" charset="0"/>
+                <a:cs typeface="Courier New" panose="02070309020205020404" pitchFamily="49" charset="0"/>
+              </a:rPr>
+              <a:t>            </a:t>
+            </a:r>
+            <a:r>
+              <a:rPr lang="ru-RU" sz="600" dirty="0">
+                <a:latin typeface="Courier New" panose="02070309020205020404" pitchFamily="49" charset="0"/>
+                <a:cs typeface="Courier New" panose="02070309020205020404" pitchFamily="49" charset="0"/>
+              </a:rPr>
+              <a:t>📄 ...</a:t>
+            </a:r>
+            <a:endParaRPr lang="en-US" sz="600" dirty="0">
+              <a:latin typeface="Courier New" panose="02070309020205020404" pitchFamily="49" charset="0"/>
+              <a:cs typeface="Courier New" panose="02070309020205020404" pitchFamily="49" charset="0"/>
+            </a:endParaRPr>
+          </a:p>
+          <a:p>
+            <a:r>
+              <a:rPr lang="en-US" sz="600" dirty="0">
+                <a:latin typeface="Courier New" panose="02070309020205020404" pitchFamily="49" charset="0"/>
+                <a:cs typeface="Courier New" panose="02070309020205020404" pitchFamily="49" charset="0"/>
+              </a:rPr>
+              <a:t>        </a:t>
+            </a:r>
+            <a:r>
+              <a:rPr lang="ru-RU" sz="600" dirty="0">
+                <a:latin typeface="Courier New" panose="02070309020205020404" pitchFamily="49" charset="0"/>
+                <a:cs typeface="Courier New" panose="02070309020205020404" pitchFamily="49" charset="0"/>
+              </a:rPr>
+              <a:t>📁 </a:t>
+            </a:r>
+            <a:r>
+              <a:rPr lang="en-US" sz="600" dirty="0">
+                <a:latin typeface="Courier New" panose="02070309020205020404" pitchFamily="49" charset="0"/>
+                <a:cs typeface="Courier New" panose="02070309020205020404" pitchFamily="49" charset="0"/>
+              </a:rPr>
+              <a:t>UserWidgets/</a:t>
+            </a:r>
+          </a:p>
+          <a:p>
+            <a:r>
+              <a:rPr lang="en-US" sz="600" dirty="0">
+                <a:latin typeface="Courier New" panose="02070309020205020404" pitchFamily="49" charset="0"/>
+                <a:cs typeface="Courier New" panose="02070309020205020404" pitchFamily="49" charset="0"/>
+              </a:rPr>
+              <a:t>            </a:t>
+            </a:r>
+            <a:r>
+              <a:rPr lang="ru-RU" sz="600" dirty="0">
+                <a:latin typeface="Courier New" panose="02070309020205020404" pitchFamily="49" charset="0"/>
+                <a:cs typeface="Courier New" panose="02070309020205020404" pitchFamily="49" charset="0"/>
+              </a:rPr>
+              <a:t>📄 ...</a:t>
+            </a:r>
+          </a:p>
+        </p:txBody>
+      </p:sp>
+      <mc:AlternateContent xmlns:mc="http://schemas.openxmlformats.org/markup-compatibility/2006">
+        <mc:Choice xmlns:a14="http://schemas.microsoft.com/office/drawing/2010/main" Requires="a14">
+          <p:sp>
+            <p:nvSpPr>
+              <p:cNvPr id="23" name="TextBox 22">
+                <a:extLst>
+                  <a:ext uri="{FF2B5EF4-FFF2-40B4-BE49-F238E27FC236}">
+                    <a16:creationId xmlns:a16="http://schemas.microsoft.com/office/drawing/2014/main" id="{A2BC8E78-FFEE-4A7E-A298-13EA1D79A2A5}"/>
+                  </a:ext>
+                </a:extLst>
+              </p:cNvPr>
+              <p:cNvSpPr txBox="1"/>
+              <p:nvPr/>
+            </p:nvSpPr>
+            <p:spPr>
+              <a:xfrm>
+                <a:off x="237382" y="2994340"/>
+                <a:ext cx="1610251" cy="276999"/>
+              </a:xfrm>
+              <a:prstGeom prst="rect">
+                <a:avLst/>
+              </a:prstGeom>
+              <a:noFill/>
+            </p:spPr>
+            <p:txBody>
+              <a:bodyPr wrap="square" rtlCol="0">
+                <a:spAutoFit/>
+              </a:bodyPr>
+              <a:lstStyle/>
+              <a:p>
+                <a:pPr algn="ctr"/>
+                <a:r>
+                  <a:rPr lang="ru-RU" sz="600" dirty="0"/>
+                  <a:t>Рисунок 7 </a:t>
+                </a:r>
+                <a14:m>
+                  <m:oMath xmlns:m="http://schemas.openxmlformats.org/officeDocument/2006/math">
+                    <m:r>
+                      <a:rPr lang="ru-RU" sz="600" b="0" i="1" smtClean="0">
+                        <a:latin typeface="Cambria Math" panose="02040503050406030204" pitchFamily="18" charset="0"/>
+                      </a:rPr>
+                      <m:t>−</m:t>
+                    </m:r>
+                  </m:oMath>
+                </a14:m>
+                <a:r>
+                  <a:rPr lang="ru-RU" sz="600" dirty="0"/>
+                  <a:t> Файловая структура менеджера</a:t>
+                </a:r>
+              </a:p>
+            </p:txBody>
+          </p:sp>
+        </mc:Choice>
+        <mc:Fallback>
+          <p:sp>
+            <p:nvSpPr>
+              <p:cNvPr id="23" name="TextBox 22">
+                <a:extLst>
+                  <a:ext uri="{FF2B5EF4-FFF2-40B4-BE49-F238E27FC236}">
+                    <a16:creationId xmlns:a16="http://schemas.microsoft.com/office/drawing/2014/main" id="{A2BC8E78-FFEE-4A7E-A298-13EA1D79A2A5}"/>
+                  </a:ext>
+                </a:extLst>
+              </p:cNvPr>
+              <p:cNvSpPr txBox="1">
+                <a:spLocks noRot="1" noChangeAspect="1" noMove="1" noResize="1" noEditPoints="1" noAdjustHandles="1" noChangeArrowheads="1" noChangeShapeType="1" noTextEdit="1"/>
+              </p:cNvSpPr>
+              <p:nvPr/>
+            </p:nvSpPr>
+            <p:spPr>
+              <a:xfrm>
+                <a:off x="237382" y="2994340"/>
+                <a:ext cx="1610251" cy="276999"/>
+              </a:xfrm>
+              <a:prstGeom prst="rect">
+                <a:avLst/>
+              </a:prstGeom>
+              <a:blipFill>
+                <a:blip r:embed="rId4"/>
+                <a:stretch>
+                  <a:fillRect/>
+                </a:stretch>
+              </a:blipFill>
+            </p:spPr>
+            <p:txBody>
+              <a:bodyPr/>
+              <a:lstStyle/>
+              <a:p>
+                <a:r>
+                  <a:rPr lang="ru-RU">
+                    <a:noFill/>
+                  </a:rPr>
+                  <a:t> </a:t>
+                </a:r>
+              </a:p>
+            </p:txBody>
+          </p:sp>
+        </mc:Fallback>
+      </mc:AlternateContent>
+      <mc:AlternateContent xmlns:mc="http://schemas.openxmlformats.org/markup-compatibility/2006">
+        <mc:Choice xmlns:a14="http://schemas.microsoft.com/office/drawing/2010/main" Requires="a14">
+          <p:sp>
+            <p:nvSpPr>
+              <p:cNvPr id="25" name="TextBox 24">
+                <a:extLst>
+                  <a:ext uri="{FF2B5EF4-FFF2-40B4-BE49-F238E27FC236}">
+                    <a16:creationId xmlns:a16="http://schemas.microsoft.com/office/drawing/2014/main" id="{6BB7C2FE-C693-4524-9AD2-7EAEE3B1F3C5}"/>
+                  </a:ext>
+                </a:extLst>
+              </p:cNvPr>
+              <p:cNvSpPr txBox="1"/>
+              <p:nvPr/>
+            </p:nvSpPr>
+            <p:spPr>
+              <a:xfrm>
+                <a:off x="2191992" y="2984712"/>
+                <a:ext cx="1610251" cy="276999"/>
+              </a:xfrm>
+              <a:prstGeom prst="rect">
+                <a:avLst/>
+              </a:prstGeom>
+              <a:noFill/>
+            </p:spPr>
+            <p:txBody>
+              <a:bodyPr wrap="square" rtlCol="0">
+                <a:spAutoFit/>
+              </a:bodyPr>
+              <a:lstStyle/>
+              <a:p>
+                <a:pPr algn="ctr"/>
+                <a:r>
+                  <a:rPr lang="ru-RU" sz="600" dirty="0"/>
+                  <a:t>Рисунок </a:t>
+                </a:r>
+                <a:r>
+                  <a:rPr lang="en-US" sz="600" dirty="0"/>
+                  <a:t>8</a:t>
+                </a:r>
+                <a:r>
+                  <a:rPr lang="ru-RU" sz="600" dirty="0"/>
+                  <a:t> </a:t>
+                </a:r>
+                <a14:m>
+                  <m:oMath xmlns:m="http://schemas.openxmlformats.org/officeDocument/2006/math">
+                    <m:r>
+                      <a:rPr lang="ru-RU" sz="600" b="0" i="1" smtClean="0">
+                        <a:latin typeface="Cambria Math" panose="02040503050406030204" pitchFamily="18" charset="0"/>
+                      </a:rPr>
+                      <m:t>−</m:t>
+                    </m:r>
+                  </m:oMath>
+                </a14:m>
+                <a:r>
+                  <a:rPr lang="ru-RU" sz="600" dirty="0"/>
+                  <a:t> Файловая структура программы-демона</a:t>
+                </a:r>
+              </a:p>
+            </p:txBody>
+          </p:sp>
+        </mc:Choice>
+        <mc:Fallback>
+          <p:sp>
+            <p:nvSpPr>
+              <p:cNvPr id="25" name="TextBox 24">
+                <a:extLst>
+                  <a:ext uri="{FF2B5EF4-FFF2-40B4-BE49-F238E27FC236}">
+                    <a16:creationId xmlns:a16="http://schemas.microsoft.com/office/drawing/2014/main" id="{6BB7C2FE-C693-4524-9AD2-7EAEE3B1F3C5}"/>
+                  </a:ext>
+                </a:extLst>
+              </p:cNvPr>
+              <p:cNvSpPr txBox="1">
+                <a:spLocks noRot="1" noChangeAspect="1" noMove="1" noResize="1" noEditPoints="1" noAdjustHandles="1" noChangeArrowheads="1" noChangeShapeType="1" noTextEdit="1"/>
+              </p:cNvSpPr>
+              <p:nvPr/>
+            </p:nvSpPr>
+            <p:spPr>
+              <a:xfrm>
+                <a:off x="2191992" y="2984712"/>
+                <a:ext cx="1610251" cy="276999"/>
+              </a:xfrm>
+              <a:prstGeom prst="rect">
+                <a:avLst/>
+              </a:prstGeom>
+              <a:blipFill>
+                <a:blip r:embed="rId5"/>
+                <a:stretch>
+                  <a:fillRect b="-2222"/>
+                </a:stretch>
+              </a:blipFill>
+            </p:spPr>
+            <p:txBody>
+              <a:bodyPr/>
+              <a:lstStyle/>
+              <a:p>
+                <a:r>
+                  <a:rPr lang="ru-RU">
+                    <a:noFill/>
+                  </a:rPr>
+                  <a:t> </a:t>
+                </a:r>
+              </a:p>
+            </p:txBody>
+          </p:sp>
+        </mc:Fallback>
+      </mc:AlternateContent>
+      <mc:AlternateContent xmlns:mc="http://schemas.openxmlformats.org/markup-compatibility/2006">
+        <mc:Choice xmlns:a14="http://schemas.microsoft.com/office/drawing/2010/main" Requires="a14">
+          <p:sp>
+            <p:nvSpPr>
+              <p:cNvPr id="26" name="TextBox 25">
+                <a:extLst>
+                  <a:ext uri="{FF2B5EF4-FFF2-40B4-BE49-F238E27FC236}">
+                    <a16:creationId xmlns:a16="http://schemas.microsoft.com/office/drawing/2014/main" id="{F516331C-83C6-4360-834C-B029DEDE14DF}"/>
+                  </a:ext>
+                </a:extLst>
+              </p:cNvPr>
+              <p:cNvSpPr txBox="1"/>
+              <p:nvPr/>
+            </p:nvSpPr>
+            <p:spPr>
+              <a:xfrm>
+                <a:off x="3949535" y="2976812"/>
+                <a:ext cx="1610251" cy="276999"/>
+              </a:xfrm>
+              <a:prstGeom prst="rect">
+                <a:avLst/>
+              </a:prstGeom>
+              <a:noFill/>
+            </p:spPr>
+            <p:txBody>
+              <a:bodyPr wrap="square" rtlCol="0">
+                <a:spAutoFit/>
+              </a:bodyPr>
+              <a:lstStyle/>
+              <a:p>
+                <a:pPr algn="ctr"/>
+                <a:r>
+                  <a:rPr lang="ru-RU" sz="600" dirty="0"/>
+                  <a:t>Рисунок </a:t>
+                </a:r>
+                <a:r>
+                  <a:rPr lang="en-US" sz="600" dirty="0"/>
+                  <a:t>9</a:t>
+                </a:r>
+                <a:r>
+                  <a:rPr lang="ru-RU" sz="600" dirty="0"/>
+                  <a:t> </a:t>
+                </a:r>
+                <a14:m>
+                  <m:oMath xmlns:m="http://schemas.openxmlformats.org/officeDocument/2006/math">
+                    <m:r>
+                      <a:rPr lang="ru-RU" sz="600" b="0" i="1" smtClean="0">
+                        <a:latin typeface="Cambria Math" panose="02040503050406030204" pitchFamily="18" charset="0"/>
+                      </a:rPr>
+                      <m:t>−</m:t>
+                    </m:r>
+                  </m:oMath>
+                </a14:m>
+                <a:r>
+                  <a:rPr lang="ru-RU" sz="600" dirty="0"/>
+                  <a:t> Файловая структура клиента </a:t>
+                </a:r>
+                <a:r>
+                  <a:rPr lang="en-US" sz="600" dirty="0"/>
+                  <a:t>Unreal Engine</a:t>
+                </a:r>
+                <a:endParaRPr lang="ru-RU" sz="600" dirty="0"/>
+              </a:p>
+            </p:txBody>
+          </p:sp>
+        </mc:Choice>
+        <mc:Fallback>
+          <p:sp>
+            <p:nvSpPr>
+              <p:cNvPr id="26" name="TextBox 25">
+                <a:extLst>
+                  <a:ext uri="{FF2B5EF4-FFF2-40B4-BE49-F238E27FC236}">
+                    <a16:creationId xmlns:a16="http://schemas.microsoft.com/office/drawing/2014/main" id="{F516331C-83C6-4360-834C-B029DEDE14DF}"/>
+                  </a:ext>
+                </a:extLst>
+              </p:cNvPr>
+              <p:cNvSpPr txBox="1">
+                <a:spLocks noRot="1" noChangeAspect="1" noMove="1" noResize="1" noEditPoints="1" noAdjustHandles="1" noChangeArrowheads="1" noChangeShapeType="1" noTextEdit="1"/>
+              </p:cNvSpPr>
+              <p:nvPr/>
+            </p:nvSpPr>
+            <p:spPr>
+              <a:xfrm>
+                <a:off x="3949535" y="2976812"/>
+                <a:ext cx="1610251" cy="276999"/>
+              </a:xfrm>
+              <a:prstGeom prst="rect">
+                <a:avLst/>
+              </a:prstGeom>
+              <a:blipFill>
+                <a:blip r:embed="rId6"/>
+                <a:stretch>
+                  <a:fillRect/>
+                </a:stretch>
+              </a:blipFill>
+            </p:spPr>
+            <p:txBody>
+              <a:bodyPr/>
+              <a:lstStyle/>
+              <a:p>
+                <a:r>
+                  <a:rPr lang="ru-RU">
+                    <a:noFill/>
+                  </a:rPr>
+                  <a:t> </a:t>
+                </a:r>
+              </a:p>
+            </p:txBody>
+          </p:sp>
+        </mc:Fallback>
+      </mc:AlternateContent>
+    </p:spTree>
+    <p:extLst>
+      <p:ext uri="{BB962C8B-B14F-4D97-AF65-F5344CB8AC3E}">
+        <p14:creationId xmlns:p14="http://schemas.microsoft.com/office/powerpoint/2010/main" val="3667850141"/>
+      </p:ext>
+    </p:extLst>
+  </p:cSld>
+  <p:clrMapOvr>
+    <a:masterClrMapping/>
+  </p:clrMapOvr>
+  <p:transition>
+    <p:cut/>
+  </p:transition>
+</p:sld>
+</file>
+
+<file path=ppt/slides/slide17.xml><?xml version="1.0" encoding="utf-8"?>
+<p:sld xmlns:a="http://schemas.openxmlformats.org/drawingml/2006/main" xmlns:r="http://schemas.openxmlformats.org/officeDocument/2006/relationships" xmlns:p="http://schemas.openxmlformats.org/presentationml/2006/main">
+  <p:cSld>
+    <p:spTree>
+      <p:nvGrpSpPr>
+        <p:cNvPr id="1" name=""/>
+        <p:cNvGrpSpPr/>
+        <p:nvPr/>
+      </p:nvGrpSpPr>
+      <p:grpSpPr>
+        <a:xfrm>
+          <a:off x="0" y="0"/>
+          <a:ext cx="0" cy="0"/>
+          <a:chOff x="0" y="0"/>
+          <a:chExt cx="0" cy="0"/>
+        </a:xfrm>
+      </p:grpSpPr>
+      <p:sp>
+        <p:nvSpPr>
+          <p:cNvPr id="2" name="object 2"/>
           <p:cNvSpPr txBox="1">
             <a:spLocks noGrp="1"/>
           </p:cNvSpPr>
@@ -13617,7 +15792,7 @@
             </a:pPr>
             <a:fld id="{81D60167-4931-47E6-BA6A-407CBD079E47}" type="slidenum">
               <a:rPr spc="-75" dirty="0"/>
-              <a:t>16</a:t>
+              <a:t>17</a:t>
             </a:fld>
             <a:r>
               <a:rPr spc="-35" dirty="0"/>
@@ -13633,7 +15808,7 @@
             </a:r>
             <a:r>
               <a:rPr lang="ru-RU" spc="-35" dirty="0"/>
-              <a:t>6</a:t>
+              <a:t>7</a:t>
             </a:r>
             <a:endParaRPr spc="-35" dirty="0"/>
           </a:p>
@@ -13849,7 +16024,7 @@
                 <a:latin typeface="Trebuchet MS"/>
                 <a:cs typeface="Trebuchet MS"/>
               </a:rPr>
-              <a:t>6</a:t>
+              <a:t>7</a:t>
             </a:r>
             <a:endParaRPr sz="600" dirty="0">
               <a:latin typeface="Trebuchet MS"/>
@@ -13872,7 +16047,7 @@
         </p:nvSpPr>
         <p:spPr>
           <a:xfrm>
-            <a:off x="237382" y="2689225"/>
+            <a:off x="198564" y="2689225"/>
             <a:ext cx="4923790" cy="0"/>
           </a:xfrm>
           <a:custGeom>
@@ -13923,7 +16098,7 @@
             <p:spPr>
               <a:xfrm>
                 <a:off x="139700" y="708025"/>
-                <a:ext cx="5562600" cy="2092881"/>
+                <a:ext cx="5029200" cy="2062103"/>
               </a:xfrm>
               <a:prstGeom prst="rect">
                 <a:avLst/>
@@ -13944,13 +16119,13 @@
                   <a:buChar char="§"/>
                 </a:pPr>
                 <a:r>
-                  <a:rPr lang="en-US" sz="1000" i="1" dirty="0"/>
+                  <a:rPr lang="en-US" sz="800" i="1" dirty="0"/>
                   <a:t>Minikube/Kubernetes </a:t>
                 </a:r>
                 <a14:m>
                   <m:oMath xmlns:m="http://schemas.openxmlformats.org/officeDocument/2006/math">
                     <m:r>
-                      <a:rPr lang="en-US" sz="1000" b="0" i="1" smtClean="0">
+                      <a:rPr lang="en-US" sz="800" b="0" i="1" smtClean="0">
                         <a:latin typeface="Cambria Math" panose="02040503050406030204" pitchFamily="18" charset="0"/>
                       </a:rPr>
                       <m:t>−</m:t>
@@ -13958,24 +16133,31 @@
                   </m:oMath>
                 </a14:m>
                 <a:r>
-                  <a:rPr lang="ru-RU" sz="1000" dirty="0"/>
+                  <a:rPr lang="ru-RU" sz="800" dirty="0"/>
                   <a:t> система оркестрации, предназначенная для управления</a:t>
                 </a:r>
-                <a:br>
-                  <a:rPr lang="ru-RU" sz="1000" dirty="0"/>
-                </a:br>
                 <a:r>
-                  <a:rPr lang="ru-RU" sz="1000" dirty="0"/>
+                  <a:rPr lang="en-US" sz="800" dirty="0"/>
+                  <a:t> </a:t>
+                </a:r>
+                <a:r>
+                  <a:rPr lang="ru-RU" sz="800" dirty="0"/>
                   <a:t>крупными контейнерными инфраструктурами</a:t>
                 </a:r>
                 <a:r>
-                  <a:rPr lang="en-US" sz="1000" dirty="0"/>
+                  <a:rPr lang="en-US" sz="800" dirty="0"/>
                   <a:t>;</a:t>
                 </a:r>
-                <a:br>
-                  <a:rPr lang="ru-RU" sz="1000" dirty="0"/>
-                </a:br>
-                <a:endParaRPr lang="en-US" sz="1000" dirty="0"/>
+              </a:p>
+              <a:p>
+                <a:pPr marL="171450" indent="-171450">
+                  <a:buClr>
+                    <a:srgbClr val="0070C0"/>
+                  </a:buClr>
+                  <a:buFont typeface="Wingdings" panose="05000000000000000000" pitchFamily="2" charset="2"/>
+                  <a:buChar char="§"/>
+                </a:pPr>
+                <a:endParaRPr lang="en-US" sz="800" dirty="0"/>
               </a:p>
               <a:p>
                 <a:pPr marL="171450" indent="-171450">
@@ -13986,13 +16168,13 @@
                   <a:buChar char="§"/>
                 </a:pPr>
                 <a:r>
-                  <a:rPr lang="en-US" sz="1000" i="1" dirty="0"/>
+                  <a:rPr lang="en-US" sz="800" i="1" dirty="0"/>
                   <a:t>Unreal Engine (UE) </a:t>
                 </a:r>
                 <a14:m>
                   <m:oMath xmlns:m="http://schemas.openxmlformats.org/officeDocument/2006/math">
                     <m:r>
-                      <a:rPr lang="en-US" sz="1000" b="0" i="1" smtClean="0">
+                      <a:rPr lang="en-US" sz="800" b="0" i="1" smtClean="0">
                         <a:latin typeface="Cambria Math" panose="02040503050406030204" pitchFamily="18" charset="0"/>
                       </a:rPr>
                       <m:t>−</m:t>
@@ -14000,49 +16182,55 @@
                   </m:oMath>
                 </a14:m>
                 <a:r>
-                  <a:rPr lang="en-US" sz="1000" dirty="0"/>
+                  <a:rPr lang="en-US" sz="800" dirty="0"/>
                   <a:t> </a:t>
                 </a:r>
                 <a:r>
-                  <a:rPr lang="ru-RU" sz="1000" i="1" dirty="0"/>
+                  <a:rPr lang="ru-RU" sz="800" i="1" dirty="0"/>
                   <a:t>3</a:t>
                 </a:r>
                 <a:r>
-                  <a:rPr lang="en-US" sz="1000" i="1" dirty="0"/>
+                  <a:rPr lang="en-US" sz="800" i="1" dirty="0"/>
                   <a:t>D-</a:t>
                 </a:r>
                 <a:r>
-                  <a:rPr lang="ru-RU" sz="1000" dirty="0"/>
+                  <a:rPr lang="ru-RU" sz="800" dirty="0"/>
                   <a:t>движок с открытым исходным кодом на </a:t>
                 </a:r>
                 <a:r>
-                  <a:rPr lang="en-US" sz="1000" i="1" dirty="0"/>
+                  <a:rPr lang="en-US" sz="800" i="1" dirty="0"/>
                   <a:t>C++</a:t>
                 </a:r>
                 <a:r>
-                  <a:rPr lang="ru-RU" sz="1000" dirty="0"/>
+                  <a:rPr lang="ru-RU" sz="800" dirty="0"/>
                   <a:t>, разрабатываемый</a:t>
                 </a:r>
                 <a:r>
-                  <a:rPr lang="en-US" sz="1000" dirty="0"/>
+                  <a:rPr lang="en-US" sz="800" dirty="0"/>
                   <a:t> </a:t>
                 </a:r>
                 <a:r>
-                  <a:rPr lang="ru-RU" sz="1000" dirty="0"/>
+                  <a:rPr lang="ru-RU" sz="800" dirty="0"/>
                   <a:t>и поддерживаемый компанией </a:t>
                 </a:r>
                 <a:r>
-                  <a:rPr lang="en-US" sz="1000" i="1" dirty="0"/>
+                  <a:rPr lang="en-US" sz="800" i="1" dirty="0"/>
                   <a:t>Epic Games</a:t>
                 </a:r>
                 <a:r>
-                  <a:rPr lang="en-US" sz="1000" dirty="0"/>
+                  <a:rPr lang="en-US" sz="800" dirty="0"/>
                   <a:t>;</a:t>
                 </a:r>
-                <a:br>
-                  <a:rPr lang="ru-RU" sz="1000" dirty="0"/>
-                </a:br>
-                <a:endParaRPr lang="en-US" sz="1000" dirty="0"/>
+              </a:p>
+              <a:p>
+                <a:pPr marL="171450" indent="-171450">
+                  <a:buClr>
+                    <a:srgbClr val="0070C0"/>
+                  </a:buClr>
+                  <a:buFont typeface="Wingdings" panose="05000000000000000000" pitchFamily="2" charset="2"/>
+                  <a:buChar char="§"/>
+                </a:pPr>
+                <a:endParaRPr lang="en-US" sz="800" dirty="0"/>
               </a:p>
               <a:p>
                 <a:pPr marL="171450" indent="-171450">
@@ -14053,13 +16241,13 @@
                   <a:buChar char="§"/>
                 </a:pPr>
                 <a:r>
-                  <a:rPr lang="en-US" sz="1000" i="1" dirty="0"/>
+                  <a:rPr lang="en-US" sz="800" i="1" dirty="0"/>
                   <a:t>Epic Online Services (EOS) </a:t>
                 </a:r>
                 <a14:m>
                   <m:oMath xmlns:m="http://schemas.openxmlformats.org/officeDocument/2006/math">
                     <m:r>
-                      <a:rPr lang="en-US" sz="1000" b="0" i="1" smtClean="0">
+                      <a:rPr lang="en-US" sz="800" b="0" i="1" smtClean="0">
                         <a:latin typeface="Cambria Math" panose="02040503050406030204" pitchFamily="18" charset="0"/>
                       </a:rPr>
                       <m:t>−</m:t>
@@ -14067,48 +16255,49 @@
                   </m:oMath>
                 </a14:m>
                 <a:r>
-                  <a:rPr lang="en-US" sz="1000" dirty="0"/>
+                  <a:rPr lang="en-US" sz="800" dirty="0"/>
                   <a:t> </a:t>
                 </a:r>
                 <a:r>
-                  <a:rPr lang="ru-RU" sz="1000" dirty="0"/>
+                  <a:rPr lang="ru-RU" sz="800" dirty="0"/>
                   <a:t>встроенный в </a:t>
                 </a:r>
                 <a:r>
-                  <a:rPr lang="en-US" sz="1000" dirty="0"/>
+                  <a:rPr lang="en-US" sz="800" i="1" dirty="0"/>
                   <a:t>UE</a:t>
                 </a:r>
                 <a:r>
-                  <a:rPr lang="ru-RU" sz="1000" dirty="0"/>
+                  <a:rPr lang="ru-RU" sz="800" dirty="0"/>
                   <a:t> низкоуровневый сетевой программный</a:t>
                 </a:r>
-                <a:br>
-                  <a:rPr lang="en-US" sz="1000" dirty="0"/>
-                </a:br>
                 <a:r>
-                  <a:rPr lang="ru-RU" sz="1000" dirty="0"/>
+                  <a:rPr lang="en-US" sz="800" dirty="0"/>
+                  <a:t> </a:t>
+                </a:r>
+                <a:r>
+                  <a:rPr lang="ru-RU" sz="800" dirty="0"/>
                   <a:t>инструмент, который предоставляет </a:t>
                 </a:r>
                 <a:r>
-                  <a:rPr lang="en-US" sz="1000" i="1" dirty="0"/>
+                  <a:rPr lang="en-US" sz="800" i="1" dirty="0"/>
                   <a:t>API </a:t>
                 </a:r>
                 <a:r>
-                  <a:rPr lang="ru-RU" sz="1000" dirty="0"/>
+                  <a:rPr lang="ru-RU" sz="800" dirty="0"/>
                   <a:t>для взаимодействия с онлайн-экосистемой</a:t>
                 </a:r>
-                <a:br>
-                  <a:rPr lang="en-US" sz="1000" dirty="0"/>
-                </a:br>
                 <a:r>
-                  <a:rPr lang="en-US" sz="1000" i="1" dirty="0"/>
+                  <a:rPr lang="en-US" sz="800" dirty="0"/>
+                  <a:t> </a:t>
+                </a:r>
+                <a:r>
+                  <a:rPr lang="en-US" sz="800" i="1" dirty="0"/>
                   <a:t>Epic Games</a:t>
                 </a:r>
                 <a:r>
-                  <a:rPr lang="en-US" sz="1000" dirty="0"/>
+                  <a:rPr lang="en-US" sz="800" dirty="0"/>
                   <a:t>;</a:t>
                 </a:r>
-                <a:endParaRPr lang="ru-RU" sz="1000" dirty="0"/>
               </a:p>
               <a:p>
                 <a:pPr marL="171450" indent="-171450">
@@ -14118,7 +16307,7 @@
                   <a:buFont typeface="Wingdings" panose="05000000000000000000" pitchFamily="2" charset="2"/>
                   <a:buChar char="§"/>
                 </a:pPr>
-                <a:endParaRPr lang="ru-RU" sz="1000" spc="-10" dirty="0">
+                <a:endParaRPr lang="ru-RU" sz="800" spc="-10" dirty="0">
                   <a:latin typeface="Trebuchet MS"/>
                   <a:cs typeface="Trebuchet MS"/>
                 </a:endParaRPr>
@@ -14132,23 +16321,23 @@
                   <a:buChar char="§"/>
                 </a:pPr>
                 <a:r>
-                  <a:rPr lang="ru-RU" sz="1000" spc="-10" dirty="0">
+                  <a:rPr lang="ru-RU" sz="800" i="1" spc="-10" dirty="0">
                     <a:latin typeface="Trebuchet MS"/>
                     <a:cs typeface="Trebuchet MS"/>
                   </a:rPr>
-                  <a:t>Выделенный сервер (</a:t>
+                  <a:t>Выделенный сервер </a:t>
                 </a:r>
                 <a:r>
-                  <a:rPr lang="en-US" sz="1000" spc="-10" dirty="0">
+                  <a:rPr lang="en-US" sz="800" i="1" spc="-10" dirty="0">
                     <a:latin typeface="Trebuchet MS"/>
                     <a:cs typeface="Trebuchet MS"/>
                   </a:rPr>
-                  <a:t>dedicated server) </a:t>
+                  <a:t>(dedicated server) </a:t>
                 </a:r>
                 <a14:m>
                   <m:oMath xmlns:m="http://schemas.openxmlformats.org/officeDocument/2006/math">
                     <m:r>
-                      <a:rPr lang="en-US" sz="1000" b="0" i="1" smtClean="0">
+                      <a:rPr lang="en-US" sz="800" b="0" i="1" smtClean="0">
                         <a:latin typeface="Cambria Math" panose="02040503050406030204" pitchFamily="18" charset="0"/>
                       </a:rPr>
                       <m:t>−</m:t>
@@ -14156,10 +16345,27 @@
                   </m:oMath>
                 </a14:m>
                 <a:r>
-                  <a:rPr lang="en-US" sz="1000" dirty="0"/>
-                  <a:t> .</a:t>
+                  <a:rPr lang="en-US" sz="800" dirty="0"/>
+                  <a:t> </a:t>
                 </a:r>
-                <a:endParaRPr lang="ru-RU" sz="1000" dirty="0"/>
+                <a:r>
+                  <a:rPr lang="ru-RU" sz="800" dirty="0"/>
+                  <a:t>отдельное приложение, запускаемое без графического интерфейса, предназначенное исключительно для обработки логики игры и сетевого взаимодействия между клиентами</a:t>
+                </a:r>
+                <a:r>
+                  <a:rPr lang="en-US" sz="800" dirty="0"/>
+                  <a:t>;</a:t>
+                </a:r>
+              </a:p>
+              <a:p>
+                <a:pPr marL="171450" indent="-171450">
+                  <a:buClr>
+                    <a:srgbClr val="0070C0"/>
+                  </a:buClr>
+                  <a:buFont typeface="Wingdings" panose="05000000000000000000" pitchFamily="2" charset="2"/>
+                  <a:buChar char="§"/>
+                </a:pPr>
+                <a:endParaRPr lang="ru-RU" sz="800" dirty="0"/>
               </a:p>
               <a:p>
                 <a:pPr marL="171450" indent="-171450">
@@ -14170,13 +16376,13 @@
                   <a:buChar char="§"/>
                 </a:pPr>
                 <a:r>
-                  <a:rPr lang="en-US" sz="1000" dirty="0"/>
+                  <a:rPr lang="en-US" sz="800" i="1" dirty="0"/>
                   <a:t>Virtual private server (VPS) </a:t>
                 </a:r>
                 <a14:m>
                   <m:oMath xmlns:m="http://schemas.openxmlformats.org/officeDocument/2006/math">
                     <m:r>
-                      <a:rPr lang="en-US" sz="1000" b="0" i="1" smtClean="0">
+                      <a:rPr lang="en-US" sz="800" b="0" i="1" smtClean="0">
                         <a:latin typeface="Cambria Math" panose="02040503050406030204" pitchFamily="18" charset="0"/>
                       </a:rPr>
                       <m:t>−</m:t>
@@ -14184,12 +16390,20 @@
                   </m:oMath>
                 </a14:m>
                 <a:r>
-                  <a:rPr lang="en-US" sz="1000" dirty="0"/>
-                  <a:t> .</a:t>
+                  <a:rPr lang="en-US" sz="800" dirty="0"/>
+                  <a:t> </a:t>
+                </a:r>
+                <a:r>
+                  <a:rPr lang="ru-RU" sz="800" dirty="0"/>
+                  <a:t>виртуальный сервер с выделенными ресурсами (процессор, память, диск) на физическом сервере провайдера</a:t>
+                </a:r>
+                <a:r>
+                  <a:rPr lang="en-US" sz="800" dirty="0"/>
+                  <a:t>.</a:t>
                 </a:r>
               </a:p>
               <a:p>
-                <a:endParaRPr lang="ru-RU" sz="1000" dirty="0"/>
+                <a:endParaRPr lang="ru-RU" sz="800" dirty="0"/>
               </a:p>
             </p:txBody>
           </p:sp>
@@ -14212,7 +16426,7 @@
             <p:spPr>
               <a:xfrm>
                 <a:off x="139700" y="708025"/>
-                <a:ext cx="5562600" cy="2092881"/>
+                <a:ext cx="5029200" cy="2062103"/>
               </a:xfrm>
               <a:prstGeom prst="rect">
                 <a:avLst/>
@@ -14525,7 +16739,7 @@
                 <a:latin typeface="Trebuchet MS"/>
                 <a:cs typeface="Trebuchet MS"/>
               </a:rPr>
-              <a:t>6</a:t>
+              <a:t>7</a:t>
             </a:r>
             <a:endParaRPr sz="600" dirty="0">
               <a:latin typeface="Trebuchet MS"/>
@@ -15933,7 +18147,7 @@
                 <a:latin typeface="Trebuchet MS"/>
                 <a:cs typeface="Trebuchet MS"/>
               </a:rPr>
-              <a:t>6</a:t>
+              <a:t>7</a:t>
             </a:r>
             <a:endParaRPr sz="600" dirty="0">
               <a:latin typeface="Trebuchet MS"/>
@@ -17508,7 +19722,7 @@
                 <a:latin typeface="Trebuchet MS"/>
                 <a:cs typeface="Trebuchet MS"/>
               </a:rPr>
-              <a:t>6</a:t>
+              <a:t>7</a:t>
             </a:r>
             <a:endParaRPr sz="600" dirty="0">
               <a:latin typeface="Trebuchet MS"/>
@@ -17756,7 +19970,7 @@
             </a:r>
             <a:r>
               <a:rPr lang="ru-RU" spc="-35" dirty="0"/>
-              <a:t>6</a:t>
+              <a:t>7</a:t>
             </a:r>
             <a:endParaRPr spc="-35" dirty="0"/>
           </a:p>
@@ -17805,8 +20019,8 @@
           </a:p>
         </p:txBody>
       </p:sp>
-      <mc:AlternateContent xmlns:mc="http://schemas.openxmlformats.org/markup-compatibility/2006">
-        <mc:Choice xmlns:a14="http://schemas.microsoft.com/office/drawing/2010/main" Requires="a14">
+      <mc:AlternateContent xmlns:mc="http://schemas.openxmlformats.org/markup-compatibility/2006" xmlns:a14="http://schemas.microsoft.com/office/drawing/2010/main">
+        <mc:Choice Requires="a14">
           <p:sp>
             <p:nvSpPr>
               <p:cNvPr id="6" name="TextBox 5">
@@ -17876,7 +20090,7 @@
             </p:txBody>
           </p:sp>
         </mc:Choice>
-        <mc:Fallback>
+        <mc:Fallback xmlns="">
           <p:sp>
             <p:nvSpPr>
               <p:cNvPr id="6" name="TextBox 5">
@@ -18699,7 +20913,7 @@
             </a:r>
             <a:r>
               <a:rPr lang="ru-RU" spc="-35" dirty="0"/>
-              <a:t>6</a:t>
+              <a:t>7</a:t>
             </a:r>
             <a:endParaRPr spc="-35" dirty="0"/>
           </a:p>
@@ -18719,8 +20933,8 @@
         </p:nvSpPr>
         <p:spPr>
           <a:xfrm>
-            <a:off x="1114553" y="2830749"/>
-            <a:ext cx="3526928" cy="415498"/>
+            <a:off x="1339849" y="2904281"/>
+            <a:ext cx="3086101" cy="369332"/>
           </a:xfrm>
           <a:prstGeom prst="rect">
             <a:avLst/>
@@ -18735,92 +20949,45 @@
           <a:p>
             <a:pPr algn="ctr"/>
             <a:r>
-              <a:rPr lang="ru-RU" sz="700" dirty="0"/>
+              <a:rPr lang="ru-RU" sz="600" dirty="0"/>
               <a:t>Рисунок 2. Исследованные варианты схем обратного сетевого взаимодействия:</a:t>
             </a:r>
-            <a:endParaRPr lang="en-US" sz="700" dirty="0"/>
+            <a:endParaRPr lang="en-US" sz="600" dirty="0"/>
           </a:p>
           <a:p>
             <a:pPr algn="ctr"/>
             <a:r>
-              <a:rPr lang="en-US" sz="700" dirty="0"/>
+              <a:rPr lang="en-US" sz="600" dirty="0"/>
               <a:t>A) </a:t>
             </a:r>
             <a:r>
-              <a:rPr lang="ru-RU" sz="700" dirty="0"/>
+              <a:rPr lang="ru-RU" sz="600" dirty="0"/>
               <a:t>Напрямую с клиентом</a:t>
             </a:r>
             <a:r>
-              <a:rPr lang="en-US" sz="700" dirty="0"/>
+              <a:rPr lang="en-US" sz="600" dirty="0"/>
               <a:t>;</a:t>
             </a:r>
             <a:r>
-              <a:rPr lang="ru-RU" sz="700" dirty="0"/>
+              <a:rPr lang="ru-RU" sz="600" dirty="0"/>
               <a:t> </a:t>
             </a:r>
-            <a:endParaRPr lang="en-US" sz="700" dirty="0"/>
+            <a:endParaRPr lang="en-US" sz="600" dirty="0"/>
           </a:p>
           <a:p>
             <a:pPr algn="ctr"/>
             <a:r>
-              <a:rPr lang="ru-RU" sz="700" dirty="0"/>
+              <a:rPr lang="ru-RU" sz="600" dirty="0"/>
               <a:t>Б) Через менеджер серверов</a:t>
             </a:r>
             <a:r>
-              <a:rPr lang="en-US" sz="700" dirty="0"/>
+              <a:rPr lang="en-US" sz="600" dirty="0"/>
               <a:t>.</a:t>
             </a:r>
-            <a:endParaRPr lang="ru-RU" sz="700" dirty="0"/>
+            <a:endParaRPr lang="ru-RU" sz="600" dirty="0"/>
           </a:p>
         </p:txBody>
       </p:sp>
-      <p:pic>
-        <p:nvPicPr>
-          <p:cNvPr id="1026" name="Picture 2">
-            <a:extLst>
-              <a:ext uri="{FF2B5EF4-FFF2-40B4-BE49-F238E27FC236}">
-                <a16:creationId xmlns:a16="http://schemas.microsoft.com/office/drawing/2014/main" id="{DAE80549-EAFA-4196-A64C-48AE14FC369C}"/>
-              </a:ext>
-            </a:extLst>
-          </p:cNvPr>
-          <p:cNvPicPr>
-            <a:picLocks noChangeAspect="1" noChangeArrowheads="1"/>
-          </p:cNvPicPr>
-          <p:nvPr/>
-        </p:nvPicPr>
-        <p:blipFill>
-          <a:blip r:embed="rId4" cstate="print">
-            <a:extLst>
-              <a:ext uri="{28A0092B-C50C-407E-A947-70E740481C1C}">
-                <a14:useLocalDpi xmlns:a14="http://schemas.microsoft.com/office/drawing/2010/main" val="0"/>
-              </a:ext>
-            </a:extLst>
-          </a:blip>
-          <a:srcRect/>
-          <a:stretch>
-            <a:fillRect/>
-          </a:stretch>
-        </p:blipFill>
-        <p:spPr bwMode="auto">
-          <a:xfrm>
-            <a:off x="431416" y="578768"/>
-            <a:ext cx="5025678" cy="2213955"/>
-          </a:xfrm>
-          <a:prstGeom prst="rect">
-            <a:avLst/>
-          </a:prstGeom>
-          <a:noFill/>
-          <a:extLst>
-            <a:ext uri="{909E8E84-426E-40DD-AFC4-6F175D3DCCD1}">
-              <a14:hiddenFill xmlns:a14="http://schemas.microsoft.com/office/drawing/2010/main">
-                <a:solidFill>
-                  <a:srgbClr val="FFFFFF"/>
-                </a:solidFill>
-              </a14:hiddenFill>
-            </a:ext>
-          </a:extLst>
-        </p:spPr>
-      </p:pic>
       <p:sp>
         <p:nvSpPr>
           <p:cNvPr id="13" name="TextBox 12">
@@ -18891,6 +21058,53 @@
           </a:p>
         </p:txBody>
       </p:sp>
+      <p:pic>
+        <p:nvPicPr>
+          <p:cNvPr id="6" name="Picture 2">
+            <a:extLst>
+              <a:ext uri="{FF2B5EF4-FFF2-40B4-BE49-F238E27FC236}">
+                <a16:creationId xmlns:a16="http://schemas.microsoft.com/office/drawing/2014/main" id="{31FD5586-F073-4E7F-B721-C73002F3E7B2}"/>
+              </a:ext>
+            </a:extLst>
+          </p:cNvPr>
+          <p:cNvPicPr>
+            <a:picLocks noChangeAspect="1" noChangeArrowheads="1"/>
+          </p:cNvPicPr>
+          <p:nvPr/>
+        </p:nvPicPr>
+        <p:blipFill>
+          <a:blip r:embed="rId4" cstate="print">
+            <a:extLst>
+              <a:ext uri="{28A0092B-C50C-407E-A947-70E740481C1C}">
+                <a14:useLocalDpi xmlns:a14="http://schemas.microsoft.com/office/drawing/2010/main" val="0"/>
+              </a:ext>
+            </a:extLst>
+          </a:blip>
+          <a:srcRect/>
+          <a:stretch>
+            <a:fillRect/>
+          </a:stretch>
+        </p:blipFill>
+        <p:spPr bwMode="auto">
+          <a:xfrm>
+            <a:off x="161512" y="588961"/>
+            <a:ext cx="5168900" cy="2358168"/>
+          </a:xfrm>
+          <a:prstGeom prst="rect">
+            <a:avLst/>
+          </a:prstGeom>
+          <a:noFill/>
+          <a:extLst>
+            <a:ext uri="{909E8E84-426E-40DD-AFC4-6F175D3DCCD1}">
+              <a14:hiddenFill xmlns:a14="http://schemas.microsoft.com/office/drawing/2010/main">
+                <a:solidFill>
+                  <a:srgbClr val="FFFFFF"/>
+                </a:solidFill>
+              </a14:hiddenFill>
+            </a:ext>
+          </a:extLst>
+        </p:spPr>
+      </p:pic>
     </p:spTree>
   </p:cSld>
   <p:clrMapOvr>
@@ -19138,7 +21352,7 @@
             </a:r>
             <a:r>
               <a:rPr lang="ru-RU" spc="-35" dirty="0"/>
-              <a:t>6</a:t>
+              <a:t>7</a:t>
             </a:r>
             <a:endParaRPr spc="-35" dirty="0"/>
           </a:p>
@@ -19483,7 +21697,7 @@
             </a:r>
             <a:r>
               <a:rPr lang="ru-RU" spc="-35" dirty="0"/>
-              <a:t>6</a:t>
+              <a:t>7</a:t>
             </a:r>
             <a:endParaRPr spc="-35" dirty="0"/>
           </a:p>

--- a/Master/Diploma/presentation/Презентация.pptx
+++ b/Master/Diploma/presentation/Презентация.pptx
@@ -4106,7 +4106,7 @@
           <a:p>
             <a:fld id="{DF72D1E3-4C5F-416B-82F4-05E153DB2B2B}" type="datetimeFigureOut">
               <a:rPr lang="ru-RU" smtClean="0"/>
-              <a:t>04.06.2025</a:t>
+              <a:t>05.06.2025</a:t>
             </a:fld>
             <a:endParaRPr lang="ru-RU"/>
           </a:p>
@@ -5875,7 +5875,7 @@
           <a:p>
             <a:r>
               <a:rPr lang="ru-RU" dirty="0"/>
-              <a:t>Подобное разделение уровней соответствует архитектурному паттерну </a:t>
+              <a:t>Подобное разделение уровней соответствует архитектурному подходу </a:t>
             </a:r>
             <a:r>
               <a:rPr lang="ru-RU" i="1" dirty="0" err="1"/>
@@ -5908,7 +5908,7 @@
           <a:p>
             <a:r>
               <a:rPr lang="ru-RU" dirty="0"/>
-              <a:t>Программа-демон размещается на вычислительном узле, где запускаются процессы выделенных серверов. Такое размещение обеспечивает демону прямой локальный доступ к системным ресурсам и процессам</a:t>
+              <a:t>Программа-демон размещается на вычислительном узле, где запускаются процессы выделенных серверов. Такое размещение обеспечивает демону прямой доступ к системным ресурсам и процессам</a:t>
             </a:r>
           </a:p>
           <a:p>
@@ -6467,7 +6467,7 @@
           <a:p>
             <a:fld id="{1D8BD707-D9CF-40AE-B4C6-C98DA3205C09}" type="datetimeFigureOut">
               <a:rPr lang="en-US"/>
-              <a:t>6/4/2025</a:t>
+              <a:t>6/5/2025</a:t>
             </a:fld>
             <a:endParaRPr lang="en-US"/>
           </a:p>
@@ -6664,7 +6664,7 @@
           <a:p>
             <a:fld id="{1D8BD707-D9CF-40AE-B4C6-C98DA3205C09}" type="datetimeFigureOut">
               <a:rPr lang="en-US"/>
-              <a:t>6/4/2025</a:t>
+              <a:t>6/5/2025</a:t>
             </a:fld>
             <a:endParaRPr lang="en-US"/>
           </a:p>
@@ -6898,7 +6898,7 @@
           <a:p>
             <a:fld id="{1D8BD707-D9CF-40AE-B4C6-C98DA3205C09}" type="datetimeFigureOut">
               <a:rPr lang="en-US"/>
-              <a:t>6/4/2025</a:t>
+              <a:t>6/5/2025</a:t>
             </a:fld>
             <a:endParaRPr lang="en-US"/>
           </a:p>
@@ -7066,7 +7066,7 @@
           <a:p>
             <a:fld id="{1D8BD707-D9CF-40AE-B4C6-C98DA3205C09}" type="datetimeFigureOut">
               <a:rPr lang="en-US"/>
-              <a:t>6/4/2025</a:t>
+              <a:t>6/5/2025</a:t>
             </a:fld>
             <a:endParaRPr lang="en-US"/>
           </a:p>
@@ -7213,7 +7213,7 @@
           <a:p>
             <a:fld id="{1D8BD707-D9CF-40AE-B4C6-C98DA3205C09}" type="datetimeFigureOut">
               <a:rPr lang="en-US"/>
-              <a:t>6/4/2025</a:t>
+              <a:t>6/5/2025</a:t>
             </a:fld>
             <a:endParaRPr lang="en-US"/>
           </a:p>
@@ -7480,7 +7480,7 @@
           <a:p>
             <a:fld id="{1D8BD707-D9CF-40AE-B4C6-C98DA3205C09}" type="datetimeFigureOut">
               <a:rPr lang="en-US"/>
-              <a:t>6/4/2025</a:t>
+              <a:t>6/5/2025</a:t>
             </a:fld>
             <a:endParaRPr lang="en-US"/>
           </a:p>
@@ -10135,8 +10135,8 @@
           </p:sp>
         </mc:Fallback>
       </mc:AlternateContent>
-      <mc:AlternateContent xmlns:mc="http://schemas.openxmlformats.org/markup-compatibility/2006">
-        <mc:Choice xmlns:a14="http://schemas.microsoft.com/office/drawing/2010/main" Requires="a14">
+      <mc:AlternateContent xmlns:mc="http://schemas.openxmlformats.org/markup-compatibility/2006" xmlns:a14="http://schemas.microsoft.com/office/drawing/2010/main">
+        <mc:Choice Requires="a14">
           <p:sp>
             <p:nvSpPr>
               <p:cNvPr id="8" name="TextBox 7">
@@ -10305,14 +10305,7 @@
                         <a:latin typeface="Cambria Math" panose="02040503050406030204" pitchFamily="18" charset="0"/>
                         <a:ea typeface="Cambria Math" panose="02040503050406030204" pitchFamily="18" charset="0"/>
                       </a:rPr>
-                      <m:t>66%</m:t>
-                    </m:r>
-                    <m:r>
-                      <a:rPr lang="ru-RU" sz="700" b="0" i="1" smtClean="0">
-                        <a:latin typeface="Cambria Math" panose="02040503050406030204" pitchFamily="18" charset="0"/>
-                        <a:ea typeface="Cambria Math" panose="02040503050406030204" pitchFamily="18" charset="0"/>
-                      </a:rPr>
-                      <m:t> −</m:t>
+                      <m:t>66% −</m:t>
                     </m:r>
                   </m:oMath>
                 </a14:m>
@@ -10330,7 +10323,7 @@
             </p:txBody>
           </p:sp>
         </mc:Choice>
-        <mc:Fallback>
+        <mc:Fallback xmlns="">
           <p:sp>
             <p:nvSpPr>
               <p:cNvPr id="8" name="TextBox 7">
@@ -12125,8 +12118,8 @@
           </a:p>
         </p:txBody>
       </p:sp>
-      <mc:AlternateContent xmlns:mc="http://schemas.openxmlformats.org/markup-compatibility/2006">
-        <mc:Choice xmlns:a14="http://schemas.microsoft.com/office/drawing/2010/main" Requires="a14">
+      <mc:AlternateContent xmlns:mc="http://schemas.openxmlformats.org/markup-compatibility/2006" xmlns:a14="http://schemas.microsoft.com/office/drawing/2010/main">
+        <mc:Choice Requires="a14">
           <p:graphicFrame>
             <p:nvGraphicFramePr>
               <p:cNvPr id="6" name="Таблица 7">
@@ -12609,7 +12602,7 @@
             </a:graphic>
           </p:graphicFrame>
         </mc:Choice>
-        <mc:Fallback>
+        <mc:Fallback xmlns="">
           <p:graphicFrame>
             <p:nvGraphicFramePr>
               <p:cNvPr id="6" name="Таблица 7">
@@ -13598,1529 +13591,8 @@
           </a:p>
         </p:txBody>
       </p:sp>
-      <p:sp>
-        <p:nvSpPr>
-          <p:cNvPr id="20" name="TextBox 19">
-            <a:extLst>
-              <a:ext uri="{FF2B5EF4-FFF2-40B4-BE49-F238E27FC236}">
-                <a16:creationId xmlns:a16="http://schemas.microsoft.com/office/drawing/2014/main" id="{970AE534-6249-4328-A497-A0F6D9FCC34B}"/>
-              </a:ext>
-            </a:extLst>
-          </p:cNvPr>
-          <p:cNvSpPr txBox="1"/>
-          <p:nvPr/>
-        </p:nvSpPr>
-        <p:spPr>
-          <a:xfrm>
-            <a:off x="127187" y="569798"/>
-            <a:ext cx="1917513" cy="2677656"/>
-          </a:xfrm>
-          <a:prstGeom prst="rect">
-            <a:avLst/>
-          </a:prstGeom>
-          <a:noFill/>
-        </p:spPr>
-        <p:txBody>
-          <a:bodyPr wrap="none" rtlCol="0">
-            <a:spAutoFit/>
-          </a:bodyPr>
-          <a:lstStyle/>
-          <a:p>
-            <a:r>
-              <a:rPr lang="ru-RU" sz="600" dirty="0">
-                <a:latin typeface="Courier New" panose="02070309020205020404" pitchFamily="49" charset="0"/>
-                <a:cs typeface="Courier New" panose="02070309020205020404" pitchFamily="49" charset="0"/>
-              </a:rPr>
-              <a:t>📁 </a:t>
-            </a:r>
-            <a:r>
-              <a:rPr lang="en-US" sz="600" dirty="0">
-                <a:latin typeface="Courier New" panose="02070309020205020404" pitchFamily="49" charset="0"/>
-                <a:cs typeface="Courier New" panose="02070309020205020404" pitchFamily="49" charset="0"/>
-              </a:rPr>
-              <a:t>ServerManagerBoost/</a:t>
-            </a:r>
-          </a:p>
-          <a:p>
-            <a:r>
-              <a:rPr lang="en-US" sz="600" dirty="0">
-                <a:latin typeface="Courier New" panose="02070309020205020404" pitchFamily="49" charset="0"/>
-                <a:cs typeface="Courier New" panose="02070309020205020404" pitchFamily="49" charset="0"/>
-              </a:rPr>
-              <a:t>    </a:t>
-            </a:r>
-            <a:r>
-              <a:rPr lang="ru-RU" sz="600" dirty="0">
-                <a:latin typeface="Courier New" panose="02070309020205020404" pitchFamily="49" charset="0"/>
-                <a:cs typeface="Courier New" panose="02070309020205020404" pitchFamily="49" charset="0"/>
-              </a:rPr>
-              <a:t>📄 </a:t>
-            </a:r>
-            <a:r>
-              <a:rPr lang="en-US" sz="600" dirty="0">
-                <a:latin typeface="Courier New" panose="02070309020205020404" pitchFamily="49" charset="0"/>
-                <a:cs typeface="Courier New" panose="02070309020205020404" pitchFamily="49" charset="0"/>
-              </a:rPr>
-              <a:t>appsettings.ini</a:t>
-            </a:r>
-          </a:p>
-          <a:p>
-            <a:r>
-              <a:rPr lang="en-US" sz="600" dirty="0">
-                <a:latin typeface="Courier New" panose="02070309020205020404" pitchFamily="49" charset="0"/>
-                <a:cs typeface="Courier New" panose="02070309020205020404" pitchFamily="49" charset="0"/>
-              </a:rPr>
-              <a:t>    </a:t>
-            </a:r>
-            <a:r>
-              <a:rPr lang="ru-RU" sz="600" dirty="0">
-                <a:latin typeface="Courier New" panose="02070309020205020404" pitchFamily="49" charset="0"/>
-                <a:cs typeface="Courier New" panose="02070309020205020404" pitchFamily="49" charset="0"/>
-              </a:rPr>
-              <a:t>📄 </a:t>
-            </a:r>
-            <a:r>
-              <a:rPr lang="en-US" sz="600" dirty="0">
-                <a:latin typeface="Courier New" panose="02070309020205020404" pitchFamily="49" charset="0"/>
-                <a:cs typeface="Courier New" panose="02070309020205020404" pitchFamily="49" charset="0"/>
-              </a:rPr>
-              <a:t>main.cpp</a:t>
-            </a:r>
-          </a:p>
-          <a:p>
-            <a:r>
-              <a:rPr lang="en-US" sz="600" dirty="0">
-                <a:latin typeface="Courier New" panose="02070309020205020404" pitchFamily="49" charset="0"/>
-                <a:cs typeface="Courier New" panose="02070309020205020404" pitchFamily="49" charset="0"/>
-              </a:rPr>
-              <a:t>    </a:t>
-            </a:r>
-            <a:r>
-              <a:rPr lang="ru-RU" sz="600" dirty="0">
-                <a:latin typeface="Courier New" panose="02070309020205020404" pitchFamily="49" charset="0"/>
-                <a:cs typeface="Courier New" panose="02070309020205020404" pitchFamily="49" charset="0"/>
-              </a:rPr>
-              <a:t>📁 </a:t>
-            </a:r>
-            <a:r>
-              <a:rPr lang="en-US" sz="600" dirty="0">
-                <a:latin typeface="Courier New" panose="02070309020205020404" pitchFamily="49" charset="0"/>
-                <a:cs typeface="Courier New" panose="02070309020205020404" pitchFamily="49" charset="0"/>
-              </a:rPr>
-              <a:t>Core/</a:t>
-            </a:r>
-          </a:p>
-          <a:p>
-            <a:r>
-              <a:rPr lang="en-US" sz="600" dirty="0">
-                <a:latin typeface="Courier New" panose="02070309020205020404" pitchFamily="49" charset="0"/>
-                <a:cs typeface="Courier New" panose="02070309020205020404" pitchFamily="49" charset="0"/>
-              </a:rPr>
-              <a:t>        </a:t>
-            </a:r>
-            <a:r>
-              <a:rPr lang="ru-RU" sz="600" dirty="0">
-                <a:latin typeface="Courier New" panose="02070309020205020404" pitchFamily="49" charset="0"/>
-                <a:cs typeface="Courier New" panose="02070309020205020404" pitchFamily="49" charset="0"/>
-              </a:rPr>
-              <a:t>📄 </a:t>
-            </a:r>
-            <a:r>
-              <a:rPr lang="en-US" sz="600" dirty="0">
-                <a:latin typeface="Courier New" panose="02070309020205020404" pitchFamily="49" charset="0"/>
-                <a:cs typeface="Courier New" panose="02070309020205020404" pitchFamily="49" charset="0"/>
-              </a:rPr>
-              <a:t>Application.cpp</a:t>
-            </a:r>
-          </a:p>
-          <a:p>
-            <a:r>
-              <a:rPr lang="en-US" sz="600" dirty="0">
-                <a:latin typeface="Courier New" panose="02070309020205020404" pitchFamily="49" charset="0"/>
-                <a:cs typeface="Courier New" panose="02070309020205020404" pitchFamily="49" charset="0"/>
-              </a:rPr>
-              <a:t>        </a:t>
-            </a:r>
-            <a:r>
-              <a:rPr lang="ru-RU" sz="600" dirty="0">
-                <a:latin typeface="Courier New" panose="02070309020205020404" pitchFamily="49" charset="0"/>
-                <a:cs typeface="Courier New" panose="02070309020205020404" pitchFamily="49" charset="0"/>
-              </a:rPr>
-              <a:t>📄 </a:t>
-            </a:r>
-            <a:r>
-              <a:rPr lang="en-US" sz="600" dirty="0">
-                <a:latin typeface="Courier New" panose="02070309020205020404" pitchFamily="49" charset="0"/>
-                <a:cs typeface="Courier New" panose="02070309020205020404" pitchFamily="49" charset="0"/>
-              </a:rPr>
-              <a:t>Application.h</a:t>
-            </a:r>
-          </a:p>
-          <a:p>
-            <a:r>
-              <a:rPr lang="en-US" sz="600" dirty="0">
-                <a:latin typeface="Courier New" panose="02070309020205020404" pitchFamily="49" charset="0"/>
-                <a:cs typeface="Courier New" panose="02070309020205020404" pitchFamily="49" charset="0"/>
-              </a:rPr>
-              <a:t>    </a:t>
-            </a:r>
-            <a:r>
-              <a:rPr lang="ru-RU" sz="600" dirty="0">
-                <a:latin typeface="Courier New" panose="02070309020205020404" pitchFamily="49" charset="0"/>
-                <a:cs typeface="Courier New" panose="02070309020205020404" pitchFamily="49" charset="0"/>
-              </a:rPr>
-              <a:t>📁 </a:t>
-            </a:r>
-            <a:r>
-              <a:rPr lang="en-US" sz="600" dirty="0">
-                <a:latin typeface="Courier New" panose="02070309020205020404" pitchFamily="49" charset="0"/>
-                <a:cs typeface="Courier New" panose="02070309020205020404" pitchFamily="49" charset="0"/>
-              </a:rPr>
-              <a:t>Data/</a:t>
-            </a:r>
-          </a:p>
-          <a:p>
-            <a:r>
-              <a:rPr lang="en-US" sz="600" dirty="0">
-                <a:latin typeface="Courier New" panose="02070309020205020404" pitchFamily="49" charset="0"/>
-                <a:cs typeface="Courier New" panose="02070309020205020404" pitchFamily="49" charset="0"/>
-              </a:rPr>
-              <a:t>        </a:t>
-            </a:r>
-            <a:r>
-              <a:rPr lang="ru-RU" sz="600" dirty="0">
-                <a:latin typeface="Courier New" panose="02070309020205020404" pitchFamily="49" charset="0"/>
-                <a:cs typeface="Courier New" panose="02070309020205020404" pitchFamily="49" charset="0"/>
-              </a:rPr>
-              <a:t>📁 </a:t>
-            </a:r>
-            <a:r>
-              <a:rPr lang="en-US" sz="600" dirty="0">
-                <a:latin typeface="Courier New" panose="02070309020205020404" pitchFamily="49" charset="0"/>
-                <a:cs typeface="Courier New" panose="02070309020205020404" pitchFamily="49" charset="0"/>
-              </a:rPr>
-              <a:t>Enums/</a:t>
-            </a:r>
-            <a:r>
-              <a:rPr lang="ru-RU" sz="600" dirty="0">
-                <a:latin typeface="Courier New" panose="02070309020205020404" pitchFamily="49" charset="0"/>
-                <a:cs typeface="Courier New" panose="02070309020205020404" pitchFamily="49" charset="0"/>
-              </a:rPr>
-              <a:t> 📄 ...</a:t>
-            </a:r>
-            <a:endParaRPr lang="en-US" sz="600" dirty="0">
-              <a:latin typeface="Courier New" panose="02070309020205020404" pitchFamily="49" charset="0"/>
-              <a:cs typeface="Courier New" panose="02070309020205020404" pitchFamily="49" charset="0"/>
-            </a:endParaRPr>
-          </a:p>
-          <a:p>
-            <a:r>
-              <a:rPr lang="en-US" sz="600" dirty="0">
-                <a:latin typeface="Courier New" panose="02070309020205020404" pitchFamily="49" charset="0"/>
-                <a:cs typeface="Courier New" panose="02070309020205020404" pitchFamily="49" charset="0"/>
-              </a:rPr>
-              <a:t>        </a:t>
-            </a:r>
-            <a:r>
-              <a:rPr lang="ru-RU" sz="600" dirty="0">
-                <a:latin typeface="Courier New" panose="02070309020205020404" pitchFamily="49" charset="0"/>
-                <a:cs typeface="Courier New" panose="02070309020205020404" pitchFamily="49" charset="0"/>
-              </a:rPr>
-              <a:t>📁 </a:t>
-            </a:r>
-            <a:r>
-              <a:rPr lang="en-US" sz="600" dirty="0">
-                <a:latin typeface="Courier New" panose="02070309020205020404" pitchFamily="49" charset="0"/>
-                <a:cs typeface="Courier New" panose="02070309020205020404" pitchFamily="49" charset="0"/>
-              </a:rPr>
-              <a:t>Models/</a:t>
-            </a:r>
-            <a:r>
-              <a:rPr lang="ru-RU" sz="600" dirty="0">
-                <a:latin typeface="Courier New" panose="02070309020205020404" pitchFamily="49" charset="0"/>
-                <a:cs typeface="Courier New" panose="02070309020205020404" pitchFamily="49" charset="0"/>
-              </a:rPr>
-              <a:t> 📄 ...</a:t>
-            </a:r>
-            <a:endParaRPr lang="en-US" sz="600" dirty="0">
-              <a:latin typeface="Courier New" panose="02070309020205020404" pitchFamily="49" charset="0"/>
-              <a:cs typeface="Courier New" panose="02070309020205020404" pitchFamily="49" charset="0"/>
-            </a:endParaRPr>
-          </a:p>
-          <a:p>
-            <a:r>
-              <a:rPr lang="en-US" sz="600" dirty="0">
-                <a:latin typeface="Courier New" panose="02070309020205020404" pitchFamily="49" charset="0"/>
-                <a:cs typeface="Courier New" panose="02070309020205020404" pitchFamily="49" charset="0"/>
-              </a:rPr>
-              <a:t>        </a:t>
-            </a:r>
-            <a:r>
-              <a:rPr lang="ru-RU" sz="600" dirty="0">
-                <a:latin typeface="Courier New" panose="02070309020205020404" pitchFamily="49" charset="0"/>
-                <a:cs typeface="Courier New" panose="02070309020205020404" pitchFamily="49" charset="0"/>
-              </a:rPr>
-              <a:t>📁 </a:t>
-            </a:r>
-            <a:r>
-              <a:rPr lang="en-US" sz="600" dirty="0">
-                <a:latin typeface="Courier New" panose="02070309020205020404" pitchFamily="49" charset="0"/>
-                <a:cs typeface="Courier New" panose="02070309020205020404" pitchFamily="49" charset="0"/>
-              </a:rPr>
-              <a:t>Network/</a:t>
-            </a:r>
-            <a:r>
-              <a:rPr lang="ru-RU" sz="600" dirty="0">
-                <a:latin typeface="Courier New" panose="02070309020205020404" pitchFamily="49" charset="0"/>
-                <a:cs typeface="Courier New" panose="02070309020205020404" pitchFamily="49" charset="0"/>
-              </a:rPr>
-              <a:t> 📄 ...</a:t>
-            </a:r>
-            <a:endParaRPr lang="en-US" sz="600" dirty="0">
-              <a:latin typeface="Courier New" panose="02070309020205020404" pitchFamily="49" charset="0"/>
-              <a:cs typeface="Courier New" panose="02070309020205020404" pitchFamily="49" charset="0"/>
-            </a:endParaRPr>
-          </a:p>
-          <a:p>
-            <a:r>
-              <a:rPr lang="en-US" sz="600" dirty="0">
-                <a:latin typeface="Courier New" panose="02070309020205020404" pitchFamily="49" charset="0"/>
-                <a:cs typeface="Courier New" panose="02070309020205020404" pitchFamily="49" charset="0"/>
-              </a:rPr>
-              <a:t>    </a:t>
-            </a:r>
-            <a:r>
-              <a:rPr lang="ru-RU" sz="600" dirty="0">
-                <a:latin typeface="Courier New" panose="02070309020205020404" pitchFamily="49" charset="0"/>
-                <a:cs typeface="Courier New" panose="02070309020205020404" pitchFamily="49" charset="0"/>
-              </a:rPr>
-              <a:t>📁 </a:t>
-            </a:r>
-            <a:r>
-              <a:rPr lang="en-US" sz="600" dirty="0">
-                <a:latin typeface="Courier New" panose="02070309020205020404" pitchFamily="49" charset="0"/>
-                <a:cs typeface="Courier New" panose="02070309020205020404" pitchFamily="49" charset="0"/>
-              </a:rPr>
-              <a:t>Engine/</a:t>
-            </a:r>
-          </a:p>
-          <a:p>
-            <a:r>
-              <a:rPr lang="en-US" sz="600" dirty="0">
-                <a:latin typeface="Courier New" panose="02070309020205020404" pitchFamily="49" charset="0"/>
-                <a:cs typeface="Courier New" panose="02070309020205020404" pitchFamily="49" charset="0"/>
-              </a:rPr>
-              <a:t>        </a:t>
-            </a:r>
-            <a:r>
-              <a:rPr lang="ru-RU" sz="600" dirty="0">
-                <a:latin typeface="Courier New" panose="02070309020205020404" pitchFamily="49" charset="0"/>
-                <a:cs typeface="Courier New" panose="02070309020205020404" pitchFamily="49" charset="0"/>
-              </a:rPr>
-              <a:t>📁 </a:t>
-            </a:r>
-            <a:r>
-              <a:rPr lang="en-US" sz="600" dirty="0">
-                <a:latin typeface="Courier New" panose="02070309020205020404" pitchFamily="49" charset="0"/>
-                <a:cs typeface="Courier New" panose="02070309020205020404" pitchFamily="49" charset="0"/>
-              </a:rPr>
-              <a:t>ConsoleMonitoring/</a:t>
-            </a:r>
-          </a:p>
-          <a:p>
-            <a:r>
-              <a:rPr lang="en-US" sz="600" dirty="0">
-                <a:latin typeface="Courier New" panose="02070309020205020404" pitchFamily="49" charset="0"/>
-                <a:cs typeface="Courier New" panose="02070309020205020404" pitchFamily="49" charset="0"/>
-              </a:rPr>
-              <a:t>            </a:t>
-            </a:r>
-            <a:r>
-              <a:rPr lang="ru-RU" sz="600" dirty="0">
-                <a:latin typeface="Courier New" panose="02070309020205020404" pitchFamily="49" charset="0"/>
-                <a:cs typeface="Courier New" panose="02070309020205020404" pitchFamily="49" charset="0"/>
-              </a:rPr>
-              <a:t>📄 </a:t>
-            </a:r>
-            <a:r>
-              <a:rPr lang="en-US" sz="600" dirty="0">
-                <a:latin typeface="Courier New" panose="02070309020205020404" pitchFamily="49" charset="0"/>
-                <a:cs typeface="Courier New" panose="02070309020205020404" pitchFamily="49" charset="0"/>
-              </a:rPr>
-              <a:t>ConsoleMonitoring.cpp</a:t>
-            </a:r>
-          </a:p>
-          <a:p>
-            <a:r>
-              <a:rPr lang="en-US" sz="600" dirty="0">
-                <a:latin typeface="Courier New" panose="02070309020205020404" pitchFamily="49" charset="0"/>
-                <a:cs typeface="Courier New" panose="02070309020205020404" pitchFamily="49" charset="0"/>
-              </a:rPr>
-              <a:t>            </a:t>
-            </a:r>
-            <a:r>
-              <a:rPr lang="ru-RU" sz="600" dirty="0">
-                <a:latin typeface="Courier New" panose="02070309020205020404" pitchFamily="49" charset="0"/>
-                <a:cs typeface="Courier New" panose="02070309020205020404" pitchFamily="49" charset="0"/>
-              </a:rPr>
-              <a:t>📄 </a:t>
-            </a:r>
-            <a:r>
-              <a:rPr lang="en-US" sz="600" dirty="0">
-                <a:latin typeface="Courier New" panose="02070309020205020404" pitchFamily="49" charset="0"/>
-                <a:cs typeface="Courier New" panose="02070309020205020404" pitchFamily="49" charset="0"/>
-              </a:rPr>
-              <a:t>ConsoleMonitoring.h</a:t>
-            </a:r>
-          </a:p>
-          <a:p>
-            <a:r>
-              <a:rPr lang="en-US" sz="600" dirty="0">
-                <a:latin typeface="Courier New" panose="02070309020205020404" pitchFamily="49" charset="0"/>
-                <a:cs typeface="Courier New" panose="02070309020205020404" pitchFamily="49" charset="0"/>
-              </a:rPr>
-              <a:t>        </a:t>
-            </a:r>
-            <a:r>
-              <a:rPr lang="ru-RU" sz="600" dirty="0">
-                <a:latin typeface="Courier New" panose="02070309020205020404" pitchFamily="49" charset="0"/>
-                <a:cs typeface="Courier New" panose="02070309020205020404" pitchFamily="49" charset="0"/>
-              </a:rPr>
-              <a:t>📁 </a:t>
-            </a:r>
-            <a:r>
-              <a:rPr lang="en-US" sz="600" dirty="0">
-                <a:latin typeface="Courier New" panose="02070309020205020404" pitchFamily="49" charset="0"/>
-                <a:cs typeface="Courier New" panose="02070309020205020404" pitchFamily="49" charset="0"/>
-              </a:rPr>
-              <a:t>TcpServer/</a:t>
-            </a:r>
-          </a:p>
-          <a:p>
-            <a:r>
-              <a:rPr lang="en-US" sz="600" dirty="0">
-                <a:latin typeface="Courier New" panose="02070309020205020404" pitchFamily="49" charset="0"/>
-                <a:cs typeface="Courier New" panose="02070309020205020404" pitchFamily="49" charset="0"/>
-              </a:rPr>
-              <a:t>            </a:t>
-            </a:r>
-            <a:r>
-              <a:rPr lang="ru-RU" sz="600" dirty="0">
-                <a:latin typeface="Courier New" panose="02070309020205020404" pitchFamily="49" charset="0"/>
-                <a:cs typeface="Courier New" panose="02070309020205020404" pitchFamily="49" charset="0"/>
-              </a:rPr>
-              <a:t>📄 </a:t>
-            </a:r>
-            <a:r>
-              <a:rPr lang="en-US" sz="600" dirty="0">
-                <a:latin typeface="Courier New" panose="02070309020205020404" pitchFamily="49" charset="0"/>
-                <a:cs typeface="Courier New" panose="02070309020205020404" pitchFamily="49" charset="0"/>
-              </a:rPr>
-              <a:t>TcpServer.cpp</a:t>
-            </a:r>
-          </a:p>
-          <a:p>
-            <a:r>
-              <a:rPr lang="en-US" sz="600" dirty="0">
-                <a:latin typeface="Courier New" panose="02070309020205020404" pitchFamily="49" charset="0"/>
-                <a:cs typeface="Courier New" panose="02070309020205020404" pitchFamily="49" charset="0"/>
-              </a:rPr>
-              <a:t>            </a:t>
-            </a:r>
-            <a:r>
-              <a:rPr lang="ru-RU" sz="600" dirty="0">
-                <a:latin typeface="Courier New" panose="02070309020205020404" pitchFamily="49" charset="0"/>
-                <a:cs typeface="Courier New" panose="02070309020205020404" pitchFamily="49" charset="0"/>
-              </a:rPr>
-              <a:t>📄 </a:t>
-            </a:r>
-            <a:r>
-              <a:rPr lang="en-US" sz="600" dirty="0">
-                <a:latin typeface="Courier New" panose="02070309020205020404" pitchFamily="49" charset="0"/>
-                <a:cs typeface="Courier New" panose="02070309020205020404" pitchFamily="49" charset="0"/>
-              </a:rPr>
-              <a:t>TcpServer.h</a:t>
-            </a:r>
-          </a:p>
-          <a:p>
-            <a:r>
-              <a:rPr lang="en-US" sz="600" dirty="0">
-                <a:latin typeface="Courier New" panose="02070309020205020404" pitchFamily="49" charset="0"/>
-                <a:cs typeface="Courier New" panose="02070309020205020404" pitchFamily="49" charset="0"/>
-              </a:rPr>
-              <a:t>    </a:t>
-            </a:r>
-            <a:r>
-              <a:rPr lang="ru-RU" sz="600" dirty="0">
-                <a:latin typeface="Courier New" panose="02070309020205020404" pitchFamily="49" charset="0"/>
-                <a:cs typeface="Courier New" panose="02070309020205020404" pitchFamily="49" charset="0"/>
-              </a:rPr>
-              <a:t>📁 </a:t>
-            </a:r>
-            <a:r>
-              <a:rPr lang="en-US" sz="600" dirty="0">
-                <a:latin typeface="Courier New" panose="02070309020205020404" pitchFamily="49" charset="0"/>
-                <a:cs typeface="Courier New" panose="02070309020205020404" pitchFamily="49" charset="0"/>
-              </a:rPr>
-              <a:t>Utils/</a:t>
-            </a:r>
-          </a:p>
-          <a:p>
-            <a:r>
-              <a:rPr lang="en-US" sz="600" dirty="0">
-                <a:latin typeface="Courier New" panose="02070309020205020404" pitchFamily="49" charset="0"/>
-                <a:cs typeface="Courier New" panose="02070309020205020404" pitchFamily="49" charset="0"/>
-              </a:rPr>
-              <a:t>        </a:t>
-            </a:r>
-            <a:r>
-              <a:rPr lang="ru-RU" sz="600" dirty="0">
-                <a:latin typeface="Courier New" panose="02070309020205020404" pitchFamily="49" charset="0"/>
-                <a:cs typeface="Courier New" panose="02070309020205020404" pitchFamily="49" charset="0"/>
-              </a:rPr>
-              <a:t>📁 </a:t>
-            </a:r>
-            <a:r>
-              <a:rPr lang="en-US" sz="600" dirty="0">
-                <a:latin typeface="Courier New" panose="02070309020205020404" pitchFamily="49" charset="0"/>
-                <a:cs typeface="Courier New" panose="02070309020205020404" pitchFamily="49" charset="0"/>
-              </a:rPr>
-              <a:t>CommandsHelper/</a:t>
-            </a:r>
-          </a:p>
-          <a:p>
-            <a:r>
-              <a:rPr lang="en-US" sz="600" dirty="0">
-                <a:latin typeface="Courier New" panose="02070309020205020404" pitchFamily="49" charset="0"/>
-                <a:cs typeface="Courier New" panose="02070309020205020404" pitchFamily="49" charset="0"/>
-              </a:rPr>
-              <a:t>            </a:t>
-            </a:r>
-            <a:r>
-              <a:rPr lang="ru-RU" sz="600" dirty="0">
-                <a:latin typeface="Courier New" panose="02070309020205020404" pitchFamily="49" charset="0"/>
-                <a:cs typeface="Courier New" panose="02070309020205020404" pitchFamily="49" charset="0"/>
-              </a:rPr>
-              <a:t>📄 ...</a:t>
-            </a:r>
-          </a:p>
-          <a:p>
-            <a:r>
-              <a:rPr lang="ru-RU" sz="600" dirty="0">
-                <a:latin typeface="Courier New" panose="02070309020205020404" pitchFamily="49" charset="0"/>
-                <a:cs typeface="Courier New" panose="02070309020205020404" pitchFamily="49" charset="0"/>
-              </a:rPr>
-              <a:t>        📁 </a:t>
-            </a:r>
-            <a:r>
-              <a:rPr lang="en-US" sz="600" dirty="0">
-                <a:latin typeface="Courier New" panose="02070309020205020404" pitchFamily="49" charset="0"/>
-                <a:cs typeface="Courier New" panose="02070309020205020404" pitchFamily="49" charset="0"/>
-              </a:rPr>
-              <a:t>ConfigHelper/</a:t>
-            </a:r>
-          </a:p>
-          <a:p>
-            <a:r>
-              <a:rPr lang="en-US" sz="600" dirty="0">
-                <a:latin typeface="Courier New" panose="02070309020205020404" pitchFamily="49" charset="0"/>
-                <a:cs typeface="Courier New" panose="02070309020205020404" pitchFamily="49" charset="0"/>
-              </a:rPr>
-              <a:t>            </a:t>
-            </a:r>
-            <a:r>
-              <a:rPr lang="ru-RU" sz="600" dirty="0">
-                <a:latin typeface="Courier New" panose="02070309020205020404" pitchFamily="49" charset="0"/>
-                <a:cs typeface="Courier New" panose="02070309020205020404" pitchFamily="49" charset="0"/>
-              </a:rPr>
-              <a:t>📄 </a:t>
-            </a:r>
-            <a:r>
-              <a:rPr lang="en-US" sz="600" dirty="0">
-                <a:latin typeface="Courier New" panose="02070309020205020404" pitchFamily="49" charset="0"/>
-                <a:cs typeface="Courier New" panose="02070309020205020404" pitchFamily="49" charset="0"/>
-              </a:rPr>
-              <a:t>ConfigHelper.h</a:t>
-            </a:r>
-            <a:endParaRPr lang="ru-RU" sz="600" dirty="0">
-              <a:latin typeface="Courier New" panose="02070309020205020404" pitchFamily="49" charset="0"/>
-              <a:cs typeface="Courier New" panose="02070309020205020404" pitchFamily="49" charset="0"/>
-            </a:endParaRPr>
-          </a:p>
-          <a:p>
-            <a:r>
-              <a:rPr lang="ru-RU" sz="600" dirty="0">
-                <a:latin typeface="Courier New" panose="02070309020205020404" pitchFamily="49" charset="0"/>
-                <a:cs typeface="Courier New" panose="02070309020205020404" pitchFamily="49" charset="0"/>
-              </a:rPr>
-              <a:t>        📁 </a:t>
-            </a:r>
-            <a:r>
-              <a:rPr lang="en-US" sz="600" dirty="0">
-                <a:latin typeface="Courier New" panose="02070309020205020404" pitchFamily="49" charset="0"/>
-                <a:cs typeface="Courier New" panose="02070309020205020404" pitchFamily="49" charset="0"/>
-              </a:rPr>
-              <a:t>Logger/</a:t>
-            </a:r>
-          </a:p>
-          <a:p>
-            <a:r>
-              <a:rPr lang="en-US" sz="600" dirty="0">
-                <a:latin typeface="Courier New" panose="02070309020205020404" pitchFamily="49" charset="0"/>
-                <a:cs typeface="Courier New" panose="02070309020205020404" pitchFamily="49" charset="0"/>
-              </a:rPr>
-              <a:t>            </a:t>
-            </a:r>
-            <a:r>
-              <a:rPr lang="ru-RU" sz="600" dirty="0">
-                <a:latin typeface="Courier New" panose="02070309020205020404" pitchFamily="49" charset="0"/>
-                <a:cs typeface="Courier New" panose="02070309020205020404" pitchFamily="49" charset="0"/>
-              </a:rPr>
-              <a:t>📄 ...</a:t>
-            </a:r>
-          </a:p>
-          <a:p>
-            <a:r>
-              <a:rPr lang="ru-RU" sz="600" dirty="0">
-                <a:latin typeface="Courier New" panose="02070309020205020404" pitchFamily="49" charset="0"/>
-                <a:cs typeface="Courier New" panose="02070309020205020404" pitchFamily="49" charset="0"/>
-              </a:rPr>
-              <a:t>        📁 </a:t>
-            </a:r>
-            <a:r>
-              <a:rPr lang="en-US" sz="600" dirty="0">
-                <a:latin typeface="Courier New" panose="02070309020205020404" pitchFamily="49" charset="0"/>
-                <a:cs typeface="Courier New" panose="02070309020205020404" pitchFamily="49" charset="0"/>
-              </a:rPr>
-              <a:t>PackageReader/</a:t>
-            </a:r>
-          </a:p>
-          <a:p>
-            <a:r>
-              <a:rPr lang="en-US" sz="600" dirty="0">
-                <a:latin typeface="Courier New" panose="02070309020205020404" pitchFamily="49" charset="0"/>
-                <a:cs typeface="Courier New" panose="02070309020205020404" pitchFamily="49" charset="0"/>
-              </a:rPr>
-              <a:t>            </a:t>
-            </a:r>
-            <a:r>
-              <a:rPr lang="ru-RU" sz="600" dirty="0">
-                <a:latin typeface="Courier New" panose="02070309020205020404" pitchFamily="49" charset="0"/>
-                <a:cs typeface="Courier New" panose="02070309020205020404" pitchFamily="49" charset="0"/>
-              </a:rPr>
-              <a:t>📄 </a:t>
-            </a:r>
-            <a:r>
-              <a:rPr lang="en-US" sz="600" dirty="0">
-                <a:latin typeface="Courier New" panose="02070309020205020404" pitchFamily="49" charset="0"/>
-                <a:cs typeface="Courier New" panose="02070309020205020404" pitchFamily="49" charset="0"/>
-              </a:rPr>
-              <a:t>PackageReader.h</a:t>
-            </a:r>
-            <a:endParaRPr lang="ru-RU" sz="600" dirty="0">
-              <a:latin typeface="Courier New" panose="02070309020205020404" pitchFamily="49" charset="0"/>
-              <a:cs typeface="Courier New" panose="02070309020205020404" pitchFamily="49" charset="0"/>
-            </a:endParaRPr>
-          </a:p>
-          <a:p>
-            <a:endParaRPr lang="ru-RU" sz="600" dirty="0">
-              <a:latin typeface="Courier New" panose="02070309020205020404" pitchFamily="49" charset="0"/>
-              <a:cs typeface="Courier New" panose="02070309020205020404" pitchFamily="49" charset="0"/>
-            </a:endParaRPr>
-          </a:p>
-        </p:txBody>
-      </p:sp>
-      <p:sp>
-        <p:nvSpPr>
-          <p:cNvPr id="21" name="TextBox 20">
-            <a:extLst>
-              <a:ext uri="{FF2B5EF4-FFF2-40B4-BE49-F238E27FC236}">
-                <a16:creationId xmlns:a16="http://schemas.microsoft.com/office/drawing/2014/main" id="{7B8459FA-203C-41D3-89F8-9682D513F221}"/>
-              </a:ext>
-            </a:extLst>
-          </p:cNvPr>
-          <p:cNvSpPr txBox="1"/>
-          <p:nvPr/>
-        </p:nvSpPr>
-        <p:spPr>
-          <a:xfrm>
-            <a:off x="2030279" y="1193847"/>
-            <a:ext cx="1731564" cy="1938992"/>
-          </a:xfrm>
-          <a:prstGeom prst="rect">
-            <a:avLst/>
-          </a:prstGeom>
-          <a:noFill/>
-        </p:spPr>
-        <p:txBody>
-          <a:bodyPr wrap="square" rtlCol="0">
-            <a:spAutoFit/>
-          </a:bodyPr>
-          <a:lstStyle/>
-          <a:p>
-            <a:r>
-              <a:rPr lang="ru-RU" sz="600" dirty="0">
-                <a:latin typeface="Courier New" panose="02070309020205020404" pitchFamily="49" charset="0"/>
-                <a:cs typeface="Courier New" panose="02070309020205020404" pitchFamily="49" charset="0"/>
-              </a:rPr>
-              <a:t>📁 </a:t>
-            </a:r>
-            <a:r>
-              <a:rPr lang="en-US" sz="600" dirty="0">
-                <a:latin typeface="Courier New" panose="02070309020205020404" pitchFamily="49" charset="0"/>
-                <a:cs typeface="Courier New" panose="02070309020205020404" pitchFamily="49" charset="0"/>
-              </a:rPr>
-              <a:t>DaemonBoost/</a:t>
-            </a:r>
-          </a:p>
-          <a:p>
-            <a:r>
-              <a:rPr lang="en-US" sz="600" dirty="0">
-                <a:latin typeface="Courier New" panose="02070309020205020404" pitchFamily="49" charset="0"/>
-                <a:cs typeface="Courier New" panose="02070309020205020404" pitchFamily="49" charset="0"/>
-              </a:rPr>
-              <a:t>    </a:t>
-            </a:r>
-            <a:r>
-              <a:rPr lang="ru-RU" sz="600" dirty="0">
-                <a:latin typeface="Courier New" panose="02070309020205020404" pitchFamily="49" charset="0"/>
-                <a:cs typeface="Courier New" panose="02070309020205020404" pitchFamily="49" charset="0"/>
-              </a:rPr>
-              <a:t>📄 </a:t>
-            </a:r>
-            <a:r>
-              <a:rPr lang="en-US" sz="600" dirty="0">
-                <a:latin typeface="Courier New" panose="02070309020205020404" pitchFamily="49" charset="0"/>
-                <a:cs typeface="Courier New" panose="02070309020205020404" pitchFamily="49" charset="0"/>
-              </a:rPr>
-              <a:t>appsettings.ini</a:t>
-            </a:r>
-          </a:p>
-          <a:p>
-            <a:r>
-              <a:rPr lang="en-US" sz="600" dirty="0">
-                <a:latin typeface="Courier New" panose="02070309020205020404" pitchFamily="49" charset="0"/>
-                <a:cs typeface="Courier New" panose="02070309020205020404" pitchFamily="49" charset="0"/>
-              </a:rPr>
-              <a:t>    </a:t>
-            </a:r>
-            <a:r>
-              <a:rPr lang="ru-RU" sz="600" dirty="0">
-                <a:latin typeface="Courier New" panose="02070309020205020404" pitchFamily="49" charset="0"/>
-                <a:cs typeface="Courier New" panose="02070309020205020404" pitchFamily="49" charset="0"/>
-              </a:rPr>
-              <a:t>📄 </a:t>
-            </a:r>
-            <a:r>
-              <a:rPr lang="en-US" sz="600" dirty="0">
-                <a:latin typeface="Courier New" panose="02070309020205020404" pitchFamily="49" charset="0"/>
-                <a:cs typeface="Courier New" panose="02070309020205020404" pitchFamily="49" charset="0"/>
-              </a:rPr>
-              <a:t>main.cpp</a:t>
-            </a:r>
-          </a:p>
-          <a:p>
-            <a:r>
-              <a:rPr lang="en-US" sz="600" dirty="0">
-                <a:latin typeface="Courier New" panose="02070309020205020404" pitchFamily="49" charset="0"/>
-                <a:cs typeface="Courier New" panose="02070309020205020404" pitchFamily="49" charset="0"/>
-              </a:rPr>
-              <a:t>    </a:t>
-            </a:r>
-            <a:r>
-              <a:rPr lang="ru-RU" sz="600" dirty="0">
-                <a:latin typeface="Courier New" panose="02070309020205020404" pitchFamily="49" charset="0"/>
-                <a:cs typeface="Courier New" panose="02070309020205020404" pitchFamily="49" charset="0"/>
-              </a:rPr>
-              <a:t>📁 </a:t>
-            </a:r>
-            <a:r>
-              <a:rPr lang="en-US" sz="600" dirty="0">
-                <a:latin typeface="Courier New" panose="02070309020205020404" pitchFamily="49" charset="0"/>
-                <a:cs typeface="Courier New" panose="02070309020205020404" pitchFamily="49" charset="0"/>
-              </a:rPr>
-              <a:t>Data/</a:t>
-            </a:r>
-          </a:p>
-          <a:p>
-            <a:r>
-              <a:rPr lang="en-US" sz="600" dirty="0">
-                <a:latin typeface="Courier New" panose="02070309020205020404" pitchFamily="49" charset="0"/>
-                <a:cs typeface="Courier New" panose="02070309020205020404" pitchFamily="49" charset="0"/>
-              </a:rPr>
-              <a:t>        </a:t>
-            </a:r>
-            <a:r>
-              <a:rPr lang="ru-RU" sz="600" dirty="0">
-                <a:latin typeface="Courier New" panose="02070309020205020404" pitchFamily="49" charset="0"/>
-                <a:cs typeface="Courier New" panose="02070309020205020404" pitchFamily="49" charset="0"/>
-              </a:rPr>
-              <a:t>📁 </a:t>
-            </a:r>
-            <a:r>
-              <a:rPr lang="en-US" sz="600" dirty="0">
-                <a:latin typeface="Courier New" panose="02070309020205020404" pitchFamily="49" charset="0"/>
-                <a:cs typeface="Courier New" panose="02070309020205020404" pitchFamily="49" charset="0"/>
-              </a:rPr>
-              <a:t>Enums/</a:t>
-            </a:r>
-          </a:p>
-          <a:p>
-            <a:r>
-              <a:rPr lang="en-US" sz="600" dirty="0">
-                <a:latin typeface="Courier New" panose="02070309020205020404" pitchFamily="49" charset="0"/>
-                <a:cs typeface="Courier New" panose="02070309020205020404" pitchFamily="49" charset="0"/>
-              </a:rPr>
-              <a:t>            </a:t>
-            </a:r>
-            <a:r>
-              <a:rPr lang="ru-RU" sz="600" dirty="0">
-                <a:latin typeface="Courier New" panose="02070309020205020404" pitchFamily="49" charset="0"/>
-                <a:cs typeface="Courier New" panose="02070309020205020404" pitchFamily="49" charset="0"/>
-              </a:rPr>
-              <a:t>📄 </a:t>
-            </a:r>
-            <a:r>
-              <a:rPr lang="en-US" sz="600" dirty="0">
-                <a:latin typeface="Courier New" panose="02070309020205020404" pitchFamily="49" charset="0"/>
-                <a:cs typeface="Courier New" panose="02070309020205020404" pitchFamily="49" charset="0"/>
-              </a:rPr>
-              <a:t>IncomeCommand.h</a:t>
-            </a:r>
-          </a:p>
-          <a:p>
-            <a:r>
-              <a:rPr lang="en-US" sz="600" dirty="0">
-                <a:latin typeface="Courier New" panose="02070309020205020404" pitchFamily="49" charset="0"/>
-                <a:cs typeface="Courier New" panose="02070309020205020404" pitchFamily="49" charset="0"/>
-              </a:rPr>
-              <a:t>    </a:t>
-            </a:r>
-            <a:r>
-              <a:rPr lang="ru-RU" sz="600" dirty="0">
-                <a:latin typeface="Courier New" panose="02070309020205020404" pitchFamily="49" charset="0"/>
-                <a:cs typeface="Courier New" panose="02070309020205020404" pitchFamily="49" charset="0"/>
-              </a:rPr>
-              <a:t>📁 </a:t>
-            </a:r>
-            <a:r>
-              <a:rPr lang="en-US" sz="600" dirty="0">
-                <a:latin typeface="Courier New" panose="02070309020205020404" pitchFamily="49" charset="0"/>
-                <a:cs typeface="Courier New" panose="02070309020205020404" pitchFamily="49" charset="0"/>
-              </a:rPr>
-              <a:t>Engine/</a:t>
-            </a:r>
-          </a:p>
-          <a:p>
-            <a:r>
-              <a:rPr lang="en-US" sz="600" dirty="0">
-                <a:latin typeface="Courier New" panose="02070309020205020404" pitchFamily="49" charset="0"/>
-                <a:cs typeface="Courier New" panose="02070309020205020404" pitchFamily="49" charset="0"/>
-              </a:rPr>
-              <a:t>        </a:t>
-            </a:r>
-            <a:r>
-              <a:rPr lang="ru-RU" sz="600" dirty="0">
-                <a:latin typeface="Courier New" panose="02070309020205020404" pitchFamily="49" charset="0"/>
-                <a:cs typeface="Courier New" panose="02070309020205020404" pitchFamily="49" charset="0"/>
-              </a:rPr>
-              <a:t>📁 </a:t>
-            </a:r>
-            <a:r>
-              <a:rPr lang="en-US" sz="600" dirty="0">
-                <a:latin typeface="Courier New" panose="02070309020205020404" pitchFamily="49" charset="0"/>
-                <a:cs typeface="Courier New" panose="02070309020205020404" pitchFamily="49" charset="0"/>
-              </a:rPr>
-              <a:t>TcpServer/</a:t>
-            </a:r>
-          </a:p>
-          <a:p>
-            <a:r>
-              <a:rPr lang="en-US" sz="600" dirty="0">
-                <a:latin typeface="Courier New" panose="02070309020205020404" pitchFamily="49" charset="0"/>
-                <a:cs typeface="Courier New" panose="02070309020205020404" pitchFamily="49" charset="0"/>
-              </a:rPr>
-              <a:t>            </a:t>
-            </a:r>
-            <a:r>
-              <a:rPr lang="ru-RU" sz="600" dirty="0">
-                <a:latin typeface="Courier New" panose="02070309020205020404" pitchFamily="49" charset="0"/>
-                <a:cs typeface="Courier New" panose="02070309020205020404" pitchFamily="49" charset="0"/>
-              </a:rPr>
-              <a:t>📄 </a:t>
-            </a:r>
-            <a:r>
-              <a:rPr lang="en-US" sz="600" dirty="0">
-                <a:latin typeface="Courier New" panose="02070309020205020404" pitchFamily="49" charset="0"/>
-                <a:cs typeface="Courier New" panose="02070309020205020404" pitchFamily="49" charset="0"/>
-              </a:rPr>
-              <a:t>TcpServer.cpp</a:t>
-            </a:r>
-          </a:p>
-          <a:p>
-            <a:r>
-              <a:rPr lang="en-US" sz="600" dirty="0">
-                <a:latin typeface="Courier New" panose="02070309020205020404" pitchFamily="49" charset="0"/>
-                <a:cs typeface="Courier New" panose="02070309020205020404" pitchFamily="49" charset="0"/>
-              </a:rPr>
-              <a:t>            </a:t>
-            </a:r>
-            <a:r>
-              <a:rPr lang="ru-RU" sz="600" dirty="0">
-                <a:latin typeface="Courier New" panose="02070309020205020404" pitchFamily="49" charset="0"/>
-                <a:cs typeface="Courier New" panose="02070309020205020404" pitchFamily="49" charset="0"/>
-              </a:rPr>
-              <a:t>📄 </a:t>
-            </a:r>
-            <a:r>
-              <a:rPr lang="en-US" sz="600" dirty="0">
-                <a:latin typeface="Courier New" panose="02070309020205020404" pitchFamily="49" charset="0"/>
-                <a:cs typeface="Courier New" panose="02070309020205020404" pitchFamily="49" charset="0"/>
-              </a:rPr>
-              <a:t>TcpServer.h</a:t>
-            </a:r>
-          </a:p>
-          <a:p>
-            <a:r>
-              <a:rPr lang="en-US" sz="600" dirty="0">
-                <a:latin typeface="Courier New" panose="02070309020205020404" pitchFamily="49" charset="0"/>
-                <a:cs typeface="Courier New" panose="02070309020205020404" pitchFamily="49" charset="0"/>
-              </a:rPr>
-              <a:t>    </a:t>
-            </a:r>
-            <a:r>
-              <a:rPr lang="ru-RU" sz="600" dirty="0">
-                <a:latin typeface="Courier New" panose="02070309020205020404" pitchFamily="49" charset="0"/>
-                <a:cs typeface="Courier New" panose="02070309020205020404" pitchFamily="49" charset="0"/>
-              </a:rPr>
-              <a:t>📁 </a:t>
-            </a:r>
-            <a:r>
-              <a:rPr lang="en-US" sz="600" dirty="0">
-                <a:latin typeface="Courier New" panose="02070309020205020404" pitchFamily="49" charset="0"/>
-                <a:cs typeface="Courier New" panose="02070309020205020404" pitchFamily="49" charset="0"/>
-              </a:rPr>
-              <a:t>Utils/</a:t>
-            </a:r>
-          </a:p>
-          <a:p>
-            <a:r>
-              <a:rPr lang="en-US" sz="600" dirty="0">
-                <a:latin typeface="Courier New" panose="02070309020205020404" pitchFamily="49" charset="0"/>
-                <a:cs typeface="Courier New" panose="02070309020205020404" pitchFamily="49" charset="0"/>
-              </a:rPr>
-              <a:t>        </a:t>
-            </a:r>
-            <a:r>
-              <a:rPr lang="ru-RU" sz="600" dirty="0">
-                <a:latin typeface="Courier New" panose="02070309020205020404" pitchFamily="49" charset="0"/>
-                <a:cs typeface="Courier New" panose="02070309020205020404" pitchFamily="49" charset="0"/>
-              </a:rPr>
-              <a:t>📁 </a:t>
-            </a:r>
-            <a:r>
-              <a:rPr lang="en-US" sz="600" dirty="0">
-                <a:latin typeface="Courier New" panose="02070309020205020404" pitchFamily="49" charset="0"/>
-                <a:cs typeface="Courier New" panose="02070309020205020404" pitchFamily="49" charset="0"/>
-              </a:rPr>
-              <a:t>CommandsHelper/</a:t>
-            </a:r>
-          </a:p>
-          <a:p>
-            <a:r>
-              <a:rPr lang="en-US" sz="600" dirty="0">
-                <a:latin typeface="Courier New" panose="02070309020205020404" pitchFamily="49" charset="0"/>
-                <a:cs typeface="Courier New" panose="02070309020205020404" pitchFamily="49" charset="0"/>
-              </a:rPr>
-              <a:t>            </a:t>
-            </a:r>
-            <a:r>
-              <a:rPr lang="ru-RU" sz="600" dirty="0">
-                <a:latin typeface="Courier New" panose="02070309020205020404" pitchFamily="49" charset="0"/>
-                <a:cs typeface="Courier New" panose="02070309020205020404" pitchFamily="49" charset="0"/>
-              </a:rPr>
-              <a:t>📄 ...</a:t>
-            </a:r>
-          </a:p>
-          <a:p>
-            <a:r>
-              <a:rPr lang="en-US" sz="600" dirty="0">
-                <a:latin typeface="Courier New" panose="02070309020205020404" pitchFamily="49" charset="0"/>
-                <a:cs typeface="Courier New" panose="02070309020205020404" pitchFamily="49" charset="0"/>
-              </a:rPr>
-              <a:t>        </a:t>
-            </a:r>
-            <a:r>
-              <a:rPr lang="ru-RU" sz="600" dirty="0">
-                <a:latin typeface="Courier New" panose="02070309020205020404" pitchFamily="49" charset="0"/>
-                <a:cs typeface="Courier New" panose="02070309020205020404" pitchFamily="49" charset="0"/>
-              </a:rPr>
-              <a:t>📁 </a:t>
-            </a:r>
-            <a:r>
-              <a:rPr lang="en-US" sz="600" dirty="0">
-                <a:latin typeface="Courier New" panose="02070309020205020404" pitchFamily="49" charset="0"/>
-                <a:cs typeface="Courier New" panose="02070309020205020404" pitchFamily="49" charset="0"/>
-              </a:rPr>
-              <a:t>ConfigHelper/</a:t>
-            </a:r>
-          </a:p>
-          <a:p>
-            <a:r>
-              <a:rPr lang="en-US" sz="600" dirty="0">
-                <a:latin typeface="Courier New" panose="02070309020205020404" pitchFamily="49" charset="0"/>
-                <a:cs typeface="Courier New" panose="02070309020205020404" pitchFamily="49" charset="0"/>
-              </a:rPr>
-              <a:t>            </a:t>
-            </a:r>
-            <a:r>
-              <a:rPr lang="ru-RU" sz="600" dirty="0">
-                <a:latin typeface="Courier New" panose="02070309020205020404" pitchFamily="49" charset="0"/>
-                <a:cs typeface="Courier New" panose="02070309020205020404" pitchFamily="49" charset="0"/>
-              </a:rPr>
-              <a:t>📄 </a:t>
-            </a:r>
-            <a:r>
-              <a:rPr lang="en-US" sz="600" dirty="0">
-                <a:latin typeface="Courier New" panose="02070309020205020404" pitchFamily="49" charset="0"/>
-                <a:cs typeface="Courier New" panose="02070309020205020404" pitchFamily="49" charset="0"/>
-              </a:rPr>
-              <a:t>ConfigHelper.h</a:t>
-            </a:r>
-            <a:endParaRPr lang="ru-RU" sz="600" dirty="0">
-              <a:latin typeface="Courier New" panose="02070309020205020404" pitchFamily="49" charset="0"/>
-              <a:cs typeface="Courier New" panose="02070309020205020404" pitchFamily="49" charset="0"/>
-            </a:endParaRPr>
-          </a:p>
-          <a:p>
-            <a:r>
-              <a:rPr lang="ru-RU" sz="600" dirty="0">
-                <a:latin typeface="Courier New" panose="02070309020205020404" pitchFamily="49" charset="0"/>
-                <a:cs typeface="Courier New" panose="02070309020205020404" pitchFamily="49" charset="0"/>
-              </a:rPr>
-              <a:t>        📁 </a:t>
-            </a:r>
-            <a:r>
-              <a:rPr lang="en-US" sz="600" dirty="0">
-                <a:latin typeface="Courier New" panose="02070309020205020404" pitchFamily="49" charset="0"/>
-                <a:cs typeface="Courier New" panose="02070309020205020404" pitchFamily="49" charset="0"/>
-              </a:rPr>
-              <a:t>Logger/</a:t>
-            </a:r>
-          </a:p>
-          <a:p>
-            <a:r>
-              <a:rPr lang="en-US" sz="600" dirty="0">
-                <a:latin typeface="Courier New" panose="02070309020205020404" pitchFamily="49" charset="0"/>
-                <a:cs typeface="Courier New" panose="02070309020205020404" pitchFamily="49" charset="0"/>
-              </a:rPr>
-              <a:t>            </a:t>
-            </a:r>
-            <a:r>
-              <a:rPr lang="ru-RU" sz="600" dirty="0">
-                <a:latin typeface="Courier New" panose="02070309020205020404" pitchFamily="49" charset="0"/>
-                <a:cs typeface="Courier New" panose="02070309020205020404" pitchFamily="49" charset="0"/>
-              </a:rPr>
-              <a:t>📄 ...</a:t>
-            </a:r>
-            <a:endParaRPr lang="en-US" sz="600" dirty="0">
-              <a:latin typeface="Courier New" panose="02070309020205020404" pitchFamily="49" charset="0"/>
-              <a:cs typeface="Courier New" panose="02070309020205020404" pitchFamily="49" charset="0"/>
-            </a:endParaRPr>
-          </a:p>
-          <a:p>
-            <a:r>
-              <a:rPr lang="en-US" sz="600" dirty="0">
-                <a:latin typeface="Courier New" panose="02070309020205020404" pitchFamily="49" charset="0"/>
-                <a:cs typeface="Courier New" panose="02070309020205020404" pitchFamily="49" charset="0"/>
-              </a:rPr>
-              <a:t>        </a:t>
-            </a:r>
-            <a:r>
-              <a:rPr lang="ru-RU" sz="600" dirty="0">
-                <a:latin typeface="Courier New" panose="02070309020205020404" pitchFamily="49" charset="0"/>
-                <a:cs typeface="Courier New" panose="02070309020205020404" pitchFamily="49" charset="0"/>
-              </a:rPr>
-              <a:t>📁 </a:t>
-            </a:r>
-            <a:r>
-              <a:rPr lang="en-US" sz="600" dirty="0">
-                <a:latin typeface="Courier New" panose="02070309020205020404" pitchFamily="49" charset="0"/>
-                <a:cs typeface="Courier New" panose="02070309020205020404" pitchFamily="49" charset="0"/>
-              </a:rPr>
-              <a:t>PackageReader/</a:t>
-            </a:r>
-          </a:p>
-          <a:p>
-            <a:r>
-              <a:rPr lang="en-US" sz="600" dirty="0">
-                <a:latin typeface="Courier New" panose="02070309020205020404" pitchFamily="49" charset="0"/>
-                <a:cs typeface="Courier New" panose="02070309020205020404" pitchFamily="49" charset="0"/>
-              </a:rPr>
-              <a:t>            </a:t>
-            </a:r>
-            <a:r>
-              <a:rPr lang="ru-RU" sz="600" dirty="0">
-                <a:latin typeface="Courier New" panose="02070309020205020404" pitchFamily="49" charset="0"/>
-                <a:cs typeface="Courier New" panose="02070309020205020404" pitchFamily="49" charset="0"/>
-              </a:rPr>
-              <a:t>📄 </a:t>
-            </a:r>
-            <a:r>
-              <a:rPr lang="en-US" sz="600" dirty="0">
-                <a:latin typeface="Courier New" panose="02070309020205020404" pitchFamily="49" charset="0"/>
-                <a:cs typeface="Courier New" panose="02070309020205020404" pitchFamily="49" charset="0"/>
-              </a:rPr>
-              <a:t>PackageReader.h</a:t>
-            </a:r>
-          </a:p>
-          <a:p>
-            <a:endParaRPr lang="ru-RU" sz="600" dirty="0">
-              <a:latin typeface="Courier New" panose="02070309020205020404" pitchFamily="49" charset="0"/>
-              <a:cs typeface="Courier New" panose="02070309020205020404" pitchFamily="49" charset="0"/>
-            </a:endParaRPr>
-          </a:p>
-        </p:txBody>
-      </p:sp>
-      <p:sp>
-        <p:nvSpPr>
-          <p:cNvPr id="22" name="TextBox 21">
-            <a:extLst>
-              <a:ext uri="{FF2B5EF4-FFF2-40B4-BE49-F238E27FC236}">
-                <a16:creationId xmlns:a16="http://schemas.microsoft.com/office/drawing/2014/main" id="{09D9A3B7-AA6E-4581-8A41-D9614C37F8CA}"/>
-              </a:ext>
-            </a:extLst>
-          </p:cNvPr>
-          <p:cNvSpPr txBox="1"/>
-          <p:nvPr/>
-        </p:nvSpPr>
-        <p:spPr>
-          <a:xfrm>
-            <a:off x="3909135" y="1193847"/>
-            <a:ext cx="1592103" cy="1846659"/>
-          </a:xfrm>
-          <a:prstGeom prst="rect">
-            <a:avLst/>
-          </a:prstGeom>
-          <a:noFill/>
-        </p:spPr>
-        <p:txBody>
-          <a:bodyPr wrap="none" rtlCol="0">
-            <a:spAutoFit/>
-          </a:bodyPr>
-          <a:lstStyle/>
-          <a:p>
-            <a:r>
-              <a:rPr lang="ru-RU" sz="600" dirty="0">
-                <a:latin typeface="Courier New" panose="02070309020205020404" pitchFamily="49" charset="0"/>
-                <a:cs typeface="Courier New" panose="02070309020205020404" pitchFamily="49" charset="0"/>
-              </a:rPr>
-              <a:t>📁 </a:t>
-            </a:r>
-            <a:r>
-              <a:rPr lang="en-US" sz="600" dirty="0">
-                <a:latin typeface="Courier New" panose="02070309020205020404" pitchFamily="49" charset="0"/>
-                <a:cs typeface="Courier New" panose="02070309020205020404" pitchFamily="49" charset="0"/>
-              </a:rPr>
-              <a:t>Source/</a:t>
-            </a:r>
-          </a:p>
-          <a:p>
-            <a:r>
-              <a:rPr lang="en-US" sz="600" dirty="0">
-                <a:latin typeface="Courier New" panose="02070309020205020404" pitchFamily="49" charset="0"/>
-                <a:cs typeface="Courier New" panose="02070309020205020404" pitchFamily="49" charset="0"/>
-              </a:rPr>
-              <a:t>    </a:t>
-            </a:r>
-            <a:r>
-              <a:rPr lang="ru-RU" sz="600" dirty="0">
-                <a:latin typeface="Courier New" panose="02070309020205020404" pitchFamily="49" charset="0"/>
-                <a:cs typeface="Courier New" panose="02070309020205020404" pitchFamily="49" charset="0"/>
-              </a:rPr>
-              <a:t>📁 </a:t>
-            </a:r>
-            <a:r>
-              <a:rPr lang="en-US" sz="600" dirty="0">
-                <a:latin typeface="Courier New" panose="02070309020205020404" pitchFamily="49" charset="0"/>
-                <a:cs typeface="Courier New" panose="02070309020205020404" pitchFamily="49" charset="0"/>
-              </a:rPr>
-              <a:t>Lab4/</a:t>
-            </a:r>
-          </a:p>
-          <a:p>
-            <a:r>
-              <a:rPr lang="en-US" sz="600" dirty="0">
-                <a:latin typeface="Courier New" panose="02070309020205020404" pitchFamily="49" charset="0"/>
-                <a:cs typeface="Courier New" panose="02070309020205020404" pitchFamily="49" charset="0"/>
-              </a:rPr>
-              <a:t>        </a:t>
-            </a:r>
-            <a:r>
-              <a:rPr lang="ru-RU" sz="600" dirty="0">
-                <a:latin typeface="Courier New" panose="02070309020205020404" pitchFamily="49" charset="0"/>
-                <a:cs typeface="Courier New" panose="02070309020205020404" pitchFamily="49" charset="0"/>
-              </a:rPr>
-              <a:t>📄 </a:t>
-            </a:r>
-            <a:r>
-              <a:rPr lang="en-US" sz="600" dirty="0">
-                <a:latin typeface="Courier New" panose="02070309020205020404" pitchFamily="49" charset="0"/>
-                <a:cs typeface="Courier New" panose="02070309020205020404" pitchFamily="49" charset="0"/>
-              </a:rPr>
-              <a:t>Lab4.Build.cs</a:t>
-            </a:r>
-          </a:p>
-          <a:p>
-            <a:r>
-              <a:rPr lang="en-US" sz="600" dirty="0">
-                <a:latin typeface="Courier New" panose="02070309020205020404" pitchFamily="49" charset="0"/>
-                <a:cs typeface="Courier New" panose="02070309020205020404" pitchFamily="49" charset="0"/>
-              </a:rPr>
-              <a:t>        </a:t>
-            </a:r>
-            <a:r>
-              <a:rPr lang="ru-RU" sz="600" dirty="0">
-                <a:latin typeface="Courier New" panose="02070309020205020404" pitchFamily="49" charset="0"/>
-                <a:cs typeface="Courier New" panose="02070309020205020404" pitchFamily="49" charset="0"/>
-              </a:rPr>
-              <a:t>📄 </a:t>
-            </a:r>
-            <a:r>
-              <a:rPr lang="en-US" sz="600" dirty="0">
-                <a:latin typeface="Courier New" panose="02070309020205020404" pitchFamily="49" charset="0"/>
-                <a:cs typeface="Courier New" panose="02070309020205020404" pitchFamily="49" charset="0"/>
-              </a:rPr>
-              <a:t>Lab4.cpp</a:t>
-            </a:r>
-          </a:p>
-          <a:p>
-            <a:r>
-              <a:rPr lang="en-US" sz="600" dirty="0">
-                <a:latin typeface="Courier New" panose="02070309020205020404" pitchFamily="49" charset="0"/>
-                <a:cs typeface="Courier New" panose="02070309020205020404" pitchFamily="49" charset="0"/>
-              </a:rPr>
-              <a:t>        </a:t>
-            </a:r>
-            <a:r>
-              <a:rPr lang="ru-RU" sz="600" dirty="0">
-                <a:latin typeface="Courier New" panose="02070309020205020404" pitchFamily="49" charset="0"/>
-                <a:cs typeface="Courier New" panose="02070309020205020404" pitchFamily="49" charset="0"/>
-              </a:rPr>
-              <a:t>📄 </a:t>
-            </a:r>
-            <a:r>
-              <a:rPr lang="en-US" sz="600" dirty="0">
-                <a:latin typeface="Courier New" panose="02070309020205020404" pitchFamily="49" charset="0"/>
-                <a:cs typeface="Courier New" panose="02070309020205020404" pitchFamily="49" charset="0"/>
-              </a:rPr>
-              <a:t>Lab4.h</a:t>
-            </a:r>
-          </a:p>
-          <a:p>
-            <a:r>
-              <a:rPr lang="en-US" sz="600" dirty="0">
-                <a:latin typeface="Courier New" panose="02070309020205020404" pitchFamily="49" charset="0"/>
-                <a:cs typeface="Courier New" panose="02070309020205020404" pitchFamily="49" charset="0"/>
-              </a:rPr>
-              <a:t>        </a:t>
-            </a:r>
-            <a:r>
-              <a:rPr lang="ru-RU" sz="600" dirty="0">
-                <a:latin typeface="Courier New" panose="02070309020205020404" pitchFamily="49" charset="0"/>
-                <a:cs typeface="Courier New" panose="02070309020205020404" pitchFamily="49" charset="0"/>
-              </a:rPr>
-              <a:t>📁 </a:t>
-            </a:r>
-            <a:r>
-              <a:rPr lang="en-US" sz="600" dirty="0">
-                <a:latin typeface="Courier New" panose="02070309020205020404" pitchFamily="49" charset="0"/>
-                <a:cs typeface="Courier New" panose="02070309020205020404" pitchFamily="49" charset="0"/>
-              </a:rPr>
-              <a:t>Actors/</a:t>
-            </a:r>
-          </a:p>
-          <a:p>
-            <a:r>
-              <a:rPr lang="en-US" sz="600" dirty="0">
-                <a:latin typeface="Courier New" panose="02070309020205020404" pitchFamily="49" charset="0"/>
-                <a:cs typeface="Courier New" panose="02070309020205020404" pitchFamily="49" charset="0"/>
-              </a:rPr>
-              <a:t>             </a:t>
-            </a:r>
-            <a:r>
-              <a:rPr lang="ru-RU" sz="600" dirty="0">
-                <a:latin typeface="Courier New" panose="02070309020205020404" pitchFamily="49" charset="0"/>
-                <a:cs typeface="Courier New" panose="02070309020205020404" pitchFamily="49" charset="0"/>
-              </a:rPr>
-              <a:t>📄 ...</a:t>
-            </a:r>
-            <a:r>
-              <a:rPr lang="en-US" sz="600" dirty="0">
-                <a:latin typeface="Courier New" panose="02070309020205020404" pitchFamily="49" charset="0"/>
-                <a:cs typeface="Courier New" panose="02070309020205020404" pitchFamily="49" charset="0"/>
-              </a:rPr>
-              <a:t> </a:t>
-            </a:r>
-          </a:p>
-          <a:p>
-            <a:r>
-              <a:rPr lang="en-US" sz="600" dirty="0">
-                <a:latin typeface="Courier New" panose="02070309020205020404" pitchFamily="49" charset="0"/>
-                <a:cs typeface="Courier New" panose="02070309020205020404" pitchFamily="49" charset="0"/>
-              </a:rPr>
-              <a:t>        </a:t>
-            </a:r>
-            <a:r>
-              <a:rPr lang="ru-RU" sz="600" dirty="0">
-                <a:latin typeface="Courier New" panose="02070309020205020404" pitchFamily="49" charset="0"/>
-                <a:cs typeface="Courier New" panose="02070309020205020404" pitchFamily="49" charset="0"/>
-              </a:rPr>
-              <a:t>📁 </a:t>
-            </a:r>
-            <a:r>
-              <a:rPr lang="en-US" sz="600" dirty="0">
-                <a:latin typeface="Courier New" panose="02070309020205020404" pitchFamily="49" charset="0"/>
-                <a:cs typeface="Courier New" panose="02070309020205020404" pitchFamily="49" charset="0"/>
-              </a:rPr>
-              <a:t>EmptyLobbyClasses/</a:t>
-            </a:r>
-          </a:p>
-          <a:p>
-            <a:r>
-              <a:rPr lang="en-US" sz="600" dirty="0">
-                <a:latin typeface="Courier New" panose="02070309020205020404" pitchFamily="49" charset="0"/>
-                <a:cs typeface="Courier New" panose="02070309020205020404" pitchFamily="49" charset="0"/>
-              </a:rPr>
-              <a:t>            </a:t>
-            </a:r>
-            <a:r>
-              <a:rPr lang="ru-RU" sz="600" dirty="0">
-                <a:latin typeface="Courier New" panose="02070309020205020404" pitchFamily="49" charset="0"/>
-                <a:cs typeface="Courier New" panose="02070309020205020404" pitchFamily="49" charset="0"/>
-              </a:rPr>
-              <a:t>📄 ...</a:t>
-            </a:r>
-            <a:endParaRPr lang="en-US" sz="600" dirty="0">
-              <a:latin typeface="Courier New" panose="02070309020205020404" pitchFamily="49" charset="0"/>
-              <a:cs typeface="Courier New" panose="02070309020205020404" pitchFamily="49" charset="0"/>
-            </a:endParaRPr>
-          </a:p>
-          <a:p>
-            <a:r>
-              <a:rPr lang="en-US" sz="600" dirty="0">
-                <a:latin typeface="Courier New" panose="02070309020205020404" pitchFamily="49" charset="0"/>
-                <a:cs typeface="Courier New" panose="02070309020205020404" pitchFamily="49" charset="0"/>
-              </a:rPr>
-              <a:t>            </a:t>
-            </a:r>
-            <a:r>
-              <a:rPr lang="ru-RU" sz="600" dirty="0">
-                <a:latin typeface="Courier New" panose="02070309020205020404" pitchFamily="49" charset="0"/>
-                <a:cs typeface="Courier New" panose="02070309020205020404" pitchFamily="49" charset="0"/>
-              </a:rPr>
-              <a:t>📁 </a:t>
-            </a:r>
-            <a:r>
-              <a:rPr lang="en-US" sz="600" dirty="0">
-                <a:latin typeface="Courier New" panose="02070309020205020404" pitchFamily="49" charset="0"/>
-                <a:cs typeface="Courier New" panose="02070309020205020404" pitchFamily="49" charset="0"/>
-              </a:rPr>
-              <a:t>WidgetsClasses/</a:t>
-            </a:r>
-          </a:p>
-          <a:p>
-            <a:r>
-              <a:rPr lang="en-US" sz="600" dirty="0">
-                <a:latin typeface="Courier New" panose="02070309020205020404" pitchFamily="49" charset="0"/>
-                <a:cs typeface="Courier New" panose="02070309020205020404" pitchFamily="49" charset="0"/>
-              </a:rPr>
-              <a:t>                </a:t>
-            </a:r>
-            <a:r>
-              <a:rPr lang="ru-RU" sz="600" dirty="0">
-                <a:latin typeface="Courier New" panose="02070309020205020404" pitchFamily="49" charset="0"/>
-                <a:cs typeface="Courier New" panose="02070309020205020404" pitchFamily="49" charset="0"/>
-              </a:rPr>
-              <a:t>📄 ...</a:t>
-            </a:r>
-            <a:endParaRPr lang="en-US" sz="600" dirty="0">
-              <a:latin typeface="Courier New" panose="02070309020205020404" pitchFamily="49" charset="0"/>
-              <a:cs typeface="Courier New" panose="02070309020205020404" pitchFamily="49" charset="0"/>
-            </a:endParaRPr>
-          </a:p>
-          <a:p>
-            <a:r>
-              <a:rPr lang="en-US" sz="600" dirty="0">
-                <a:latin typeface="Courier New" panose="02070309020205020404" pitchFamily="49" charset="0"/>
-                <a:cs typeface="Courier New" panose="02070309020205020404" pitchFamily="49" charset="0"/>
-              </a:rPr>
-              <a:t>        </a:t>
-            </a:r>
-            <a:r>
-              <a:rPr lang="ru-RU" sz="600" dirty="0">
-                <a:latin typeface="Courier New" panose="02070309020205020404" pitchFamily="49" charset="0"/>
-                <a:cs typeface="Courier New" panose="02070309020205020404" pitchFamily="49" charset="0"/>
-              </a:rPr>
-              <a:t>📁 </a:t>
-            </a:r>
-            <a:r>
-              <a:rPr lang="en-US" sz="600" dirty="0">
-                <a:latin typeface="Courier New" panose="02070309020205020404" pitchFamily="49" charset="0"/>
-                <a:cs typeface="Courier New" panose="02070309020205020404" pitchFamily="49" charset="0"/>
-              </a:rPr>
-              <a:t>GameInstances/</a:t>
-            </a:r>
-          </a:p>
-          <a:p>
-            <a:r>
-              <a:rPr lang="en-US" sz="600" dirty="0">
-                <a:latin typeface="Courier New" panose="02070309020205020404" pitchFamily="49" charset="0"/>
-                <a:cs typeface="Courier New" panose="02070309020205020404" pitchFamily="49" charset="0"/>
-              </a:rPr>
-              <a:t>            </a:t>
-            </a:r>
-            <a:r>
-              <a:rPr lang="ru-RU" sz="600" dirty="0">
-                <a:latin typeface="Courier New" panose="02070309020205020404" pitchFamily="49" charset="0"/>
-                <a:cs typeface="Courier New" panose="02070309020205020404" pitchFamily="49" charset="0"/>
-              </a:rPr>
-              <a:t>📄 ...</a:t>
-            </a:r>
-            <a:endParaRPr lang="en-US" sz="600" dirty="0">
-              <a:latin typeface="Courier New" panose="02070309020205020404" pitchFamily="49" charset="0"/>
-              <a:cs typeface="Courier New" panose="02070309020205020404" pitchFamily="49" charset="0"/>
-            </a:endParaRPr>
-          </a:p>
-          <a:p>
-            <a:r>
-              <a:rPr lang="en-US" sz="600" dirty="0">
-                <a:latin typeface="Courier New" panose="02070309020205020404" pitchFamily="49" charset="0"/>
-                <a:cs typeface="Courier New" panose="02070309020205020404" pitchFamily="49" charset="0"/>
-              </a:rPr>
-              <a:t>        </a:t>
-            </a:r>
-            <a:r>
-              <a:rPr lang="ru-RU" sz="600" dirty="0">
-                <a:latin typeface="Courier New" panose="02070309020205020404" pitchFamily="49" charset="0"/>
-                <a:cs typeface="Courier New" panose="02070309020205020404" pitchFamily="49" charset="0"/>
-              </a:rPr>
-              <a:t>📁 </a:t>
-            </a:r>
-            <a:r>
-              <a:rPr lang="en-US" sz="600" dirty="0">
-                <a:latin typeface="Courier New" panose="02070309020205020404" pitchFamily="49" charset="0"/>
-                <a:cs typeface="Courier New" panose="02070309020205020404" pitchFamily="49" charset="0"/>
-              </a:rPr>
-              <a:t>Helpers/</a:t>
-            </a:r>
-          </a:p>
-          <a:p>
-            <a:r>
-              <a:rPr lang="en-US" sz="600" dirty="0">
-                <a:latin typeface="Courier New" panose="02070309020205020404" pitchFamily="49" charset="0"/>
-                <a:cs typeface="Courier New" panose="02070309020205020404" pitchFamily="49" charset="0"/>
-              </a:rPr>
-              <a:t>            </a:t>
-            </a:r>
-            <a:r>
-              <a:rPr lang="ru-RU" sz="600" dirty="0">
-                <a:latin typeface="Courier New" panose="02070309020205020404" pitchFamily="49" charset="0"/>
-                <a:cs typeface="Courier New" panose="02070309020205020404" pitchFamily="49" charset="0"/>
-              </a:rPr>
-              <a:t>📄 ...</a:t>
-            </a:r>
-            <a:endParaRPr lang="en-US" sz="600" dirty="0">
-              <a:latin typeface="Courier New" panose="02070309020205020404" pitchFamily="49" charset="0"/>
-              <a:cs typeface="Courier New" panose="02070309020205020404" pitchFamily="49" charset="0"/>
-            </a:endParaRPr>
-          </a:p>
-          <a:p>
-            <a:r>
-              <a:rPr lang="en-US" sz="600" dirty="0">
-                <a:latin typeface="Courier New" panose="02070309020205020404" pitchFamily="49" charset="0"/>
-                <a:cs typeface="Courier New" panose="02070309020205020404" pitchFamily="49" charset="0"/>
-              </a:rPr>
-              <a:t>        </a:t>
-            </a:r>
-            <a:r>
-              <a:rPr lang="ru-RU" sz="600" dirty="0">
-                <a:latin typeface="Courier New" panose="02070309020205020404" pitchFamily="49" charset="0"/>
-                <a:cs typeface="Courier New" panose="02070309020205020404" pitchFamily="49" charset="0"/>
-              </a:rPr>
-              <a:t>📁 </a:t>
-            </a:r>
-            <a:r>
-              <a:rPr lang="en-US" sz="600" dirty="0">
-                <a:latin typeface="Courier New" panose="02070309020205020404" pitchFamily="49" charset="0"/>
-                <a:cs typeface="Courier New" panose="02070309020205020404" pitchFamily="49" charset="0"/>
-              </a:rPr>
-              <a:t>Runnable/</a:t>
-            </a:r>
-          </a:p>
-          <a:p>
-            <a:r>
-              <a:rPr lang="en-US" sz="600" dirty="0">
-                <a:latin typeface="Courier New" panose="02070309020205020404" pitchFamily="49" charset="0"/>
-                <a:cs typeface="Courier New" panose="02070309020205020404" pitchFamily="49" charset="0"/>
-              </a:rPr>
-              <a:t>            </a:t>
-            </a:r>
-            <a:r>
-              <a:rPr lang="ru-RU" sz="600" dirty="0">
-                <a:latin typeface="Courier New" panose="02070309020205020404" pitchFamily="49" charset="0"/>
-                <a:cs typeface="Courier New" panose="02070309020205020404" pitchFamily="49" charset="0"/>
-              </a:rPr>
-              <a:t>📄 ...</a:t>
-            </a:r>
-            <a:endParaRPr lang="en-US" sz="600" dirty="0">
-              <a:latin typeface="Courier New" panose="02070309020205020404" pitchFamily="49" charset="0"/>
-              <a:cs typeface="Courier New" panose="02070309020205020404" pitchFamily="49" charset="0"/>
-            </a:endParaRPr>
-          </a:p>
-          <a:p>
-            <a:r>
-              <a:rPr lang="en-US" sz="600" dirty="0">
-                <a:latin typeface="Courier New" panose="02070309020205020404" pitchFamily="49" charset="0"/>
-                <a:cs typeface="Courier New" panose="02070309020205020404" pitchFamily="49" charset="0"/>
-              </a:rPr>
-              <a:t>        </a:t>
-            </a:r>
-            <a:r>
-              <a:rPr lang="ru-RU" sz="600" dirty="0">
-                <a:latin typeface="Courier New" panose="02070309020205020404" pitchFamily="49" charset="0"/>
-                <a:cs typeface="Courier New" panose="02070309020205020404" pitchFamily="49" charset="0"/>
-              </a:rPr>
-              <a:t>📁 </a:t>
-            </a:r>
-            <a:r>
-              <a:rPr lang="en-US" sz="600" dirty="0">
-                <a:latin typeface="Courier New" panose="02070309020205020404" pitchFamily="49" charset="0"/>
-                <a:cs typeface="Courier New" panose="02070309020205020404" pitchFamily="49" charset="0"/>
-              </a:rPr>
-              <a:t>UserWidgets/</a:t>
-            </a:r>
-          </a:p>
-          <a:p>
-            <a:r>
-              <a:rPr lang="en-US" sz="600" dirty="0">
-                <a:latin typeface="Courier New" panose="02070309020205020404" pitchFamily="49" charset="0"/>
-                <a:cs typeface="Courier New" panose="02070309020205020404" pitchFamily="49" charset="0"/>
-              </a:rPr>
-              <a:t>            </a:t>
-            </a:r>
-            <a:r>
-              <a:rPr lang="ru-RU" sz="600" dirty="0">
-                <a:latin typeface="Courier New" panose="02070309020205020404" pitchFamily="49" charset="0"/>
-                <a:cs typeface="Courier New" panose="02070309020205020404" pitchFamily="49" charset="0"/>
-              </a:rPr>
-              <a:t>📄 ...</a:t>
-            </a:r>
-          </a:p>
-        </p:txBody>
-      </p:sp>
-      <mc:AlternateContent xmlns:mc="http://schemas.openxmlformats.org/markup-compatibility/2006">
-        <mc:Choice xmlns:a14="http://schemas.microsoft.com/office/drawing/2010/main" Requires="a14">
+      <mc:AlternateContent xmlns:mc="http://schemas.openxmlformats.org/markup-compatibility/2006" xmlns:a14="http://schemas.microsoft.com/office/drawing/2010/main">
+        <mc:Choice Requires="a14">
           <p:sp>
             <p:nvSpPr>
               <p:cNvPr id="23" name="TextBox 22">
@@ -15172,7 +13644,7 @@
             </p:txBody>
           </p:sp>
         </mc:Choice>
-        <mc:Fallback>
+        <mc:Fallback xmlns="">
           <p:sp>
             <p:nvSpPr>
               <p:cNvPr id="23" name="TextBox 22">
@@ -15217,8 +13689,8 @@
           </p:sp>
         </mc:Fallback>
       </mc:AlternateContent>
-      <mc:AlternateContent xmlns:mc="http://schemas.openxmlformats.org/markup-compatibility/2006">
-        <mc:Choice xmlns:a14="http://schemas.microsoft.com/office/drawing/2010/main" Requires="a14">
+      <mc:AlternateContent xmlns:mc="http://schemas.openxmlformats.org/markup-compatibility/2006" xmlns:a14="http://schemas.microsoft.com/office/drawing/2010/main">
+        <mc:Choice Requires="a14">
           <p:sp>
             <p:nvSpPr>
               <p:cNvPr id="25" name="TextBox 24">
@@ -15278,7 +13750,7 @@
             </p:txBody>
           </p:sp>
         </mc:Choice>
-        <mc:Fallback>
+        <mc:Fallback xmlns="">
           <p:sp>
             <p:nvSpPr>
               <p:cNvPr id="25" name="TextBox 24">
@@ -15323,8 +13795,8 @@
           </p:sp>
         </mc:Fallback>
       </mc:AlternateContent>
-      <mc:AlternateContent xmlns:mc="http://schemas.openxmlformats.org/markup-compatibility/2006">
-        <mc:Choice xmlns:a14="http://schemas.microsoft.com/office/drawing/2010/main" Requires="a14">
+      <mc:AlternateContent xmlns:mc="http://schemas.openxmlformats.org/markup-compatibility/2006" xmlns:a14="http://schemas.microsoft.com/office/drawing/2010/main">
+        <mc:Choice Requires="a14">
           <p:sp>
             <p:nvSpPr>
               <p:cNvPr id="26" name="TextBox 25">
@@ -15389,7 +13861,7 @@
             </p:txBody>
           </p:sp>
         </mc:Choice>
-        <mc:Fallback>
+        <mc:Fallback xmlns="">
           <p:sp>
             <p:nvSpPr>
               <p:cNvPr id="26" name="TextBox 25">
@@ -15416,6 +13888,245 @@
                 <a:blip r:embed="rId6"/>
                 <a:stretch>
                   <a:fillRect/>
+                </a:stretch>
+              </a:blipFill>
+            </p:spPr>
+            <p:txBody>
+              <a:bodyPr/>
+              <a:lstStyle/>
+              <a:p>
+                <a:r>
+                  <a:rPr lang="ru-RU">
+                    <a:noFill/>
+                  </a:rPr>
+                  <a:t> </a:t>
+                </a:r>
+              </a:p>
+            </p:txBody>
+          </p:sp>
+        </mc:Fallback>
+      </mc:AlternateContent>
+      <p:pic>
+        <p:nvPicPr>
+          <p:cNvPr id="1032" name="Picture 8">
+            <a:extLst>
+              <a:ext uri="{FF2B5EF4-FFF2-40B4-BE49-F238E27FC236}">
+                <a16:creationId xmlns:a16="http://schemas.microsoft.com/office/drawing/2014/main" id="{48D7D9B1-CF6D-40EF-9B5E-107337B7D723}"/>
+              </a:ext>
+            </a:extLst>
+          </p:cNvPr>
+          <p:cNvPicPr>
+            <a:picLocks noChangeAspect="1" noChangeArrowheads="1"/>
+          </p:cNvPicPr>
+          <p:nvPr/>
+        </p:nvPicPr>
+        <p:blipFill>
+          <a:blip r:embed="rId7" cstate="print">
+            <a:extLst>
+              <a:ext uri="{28A0092B-C50C-407E-A947-70E740481C1C}">
+                <a14:useLocalDpi xmlns:a14="http://schemas.microsoft.com/office/drawing/2010/main" val="0"/>
+              </a:ext>
+            </a:extLst>
+          </a:blip>
+          <a:srcRect/>
+          <a:stretch>
+            <a:fillRect/>
+          </a:stretch>
+        </p:blipFill>
+        <p:spPr bwMode="auto">
+          <a:xfrm>
+            <a:off x="264562" y="570947"/>
+            <a:ext cx="1350695" cy="2460625"/>
+          </a:xfrm>
+          <a:prstGeom prst="rect">
+            <a:avLst/>
+          </a:prstGeom>
+          <a:noFill/>
+          <a:extLst>
+            <a:ext uri="{909E8E84-426E-40DD-AFC4-6F175D3DCCD1}">
+              <a14:hiddenFill xmlns:a14="http://schemas.microsoft.com/office/drawing/2010/main">
+                <a:solidFill>
+                  <a:srgbClr val="FFFFFF"/>
+                </a:solidFill>
+              </a14:hiddenFill>
+            </a:ext>
+          </a:extLst>
+        </p:spPr>
+      </p:pic>
+      <p:pic>
+        <p:nvPicPr>
+          <p:cNvPr id="1034" name="Picture 10">
+            <a:extLst>
+              <a:ext uri="{FF2B5EF4-FFF2-40B4-BE49-F238E27FC236}">
+                <a16:creationId xmlns:a16="http://schemas.microsoft.com/office/drawing/2014/main" id="{C3B923B3-EEDE-4C02-85CA-C4A44E3B3E27}"/>
+              </a:ext>
+            </a:extLst>
+          </p:cNvPr>
+          <p:cNvPicPr>
+            <a:picLocks noChangeAspect="1" noChangeArrowheads="1"/>
+          </p:cNvPicPr>
+          <p:nvPr/>
+        </p:nvPicPr>
+        <p:blipFill>
+          <a:blip r:embed="rId8" cstate="print">
+            <a:extLst>
+              <a:ext uri="{28A0092B-C50C-407E-A947-70E740481C1C}">
+                <a14:useLocalDpi xmlns:a14="http://schemas.microsoft.com/office/drawing/2010/main" val="0"/>
+              </a:ext>
+            </a:extLst>
+          </a:blip>
+          <a:srcRect/>
+          <a:stretch>
+            <a:fillRect/>
+          </a:stretch>
+        </p:blipFill>
+        <p:spPr bwMode="auto">
+          <a:xfrm>
+            <a:off x="2189446" y="1042173"/>
+            <a:ext cx="1610251" cy="1952167"/>
+          </a:xfrm>
+          <a:prstGeom prst="rect">
+            <a:avLst/>
+          </a:prstGeom>
+          <a:noFill/>
+          <a:extLst>
+            <a:ext uri="{909E8E84-426E-40DD-AFC4-6F175D3DCCD1}">
+              <a14:hiddenFill xmlns:a14="http://schemas.microsoft.com/office/drawing/2010/main">
+                <a:solidFill>
+                  <a:srgbClr val="FFFFFF"/>
+                </a:solidFill>
+              </a14:hiddenFill>
+            </a:ext>
+          </a:extLst>
+        </p:spPr>
+      </p:pic>
+      <p:pic>
+        <p:nvPicPr>
+          <p:cNvPr id="1036" name="Picture 12">
+            <a:extLst>
+              <a:ext uri="{FF2B5EF4-FFF2-40B4-BE49-F238E27FC236}">
+                <a16:creationId xmlns:a16="http://schemas.microsoft.com/office/drawing/2014/main" id="{EC6B88DD-5245-4806-99AA-AA8074D180D8}"/>
+              </a:ext>
+            </a:extLst>
+          </p:cNvPr>
+          <p:cNvPicPr>
+            <a:picLocks noChangeAspect="1" noChangeArrowheads="1"/>
+          </p:cNvPicPr>
+          <p:nvPr/>
+        </p:nvPicPr>
+        <p:blipFill>
+          <a:blip r:embed="rId9" cstate="print">
+            <a:extLst>
+              <a:ext uri="{28A0092B-C50C-407E-A947-70E740481C1C}">
+                <a14:useLocalDpi xmlns:a14="http://schemas.microsoft.com/office/drawing/2010/main" val="0"/>
+              </a:ext>
+            </a:extLst>
+          </a:blip>
+          <a:srcRect/>
+          <a:stretch>
+            <a:fillRect/>
+          </a:stretch>
+        </p:blipFill>
+        <p:spPr bwMode="auto">
+          <a:xfrm>
+            <a:off x="4025900" y="634802"/>
+            <a:ext cx="1022194" cy="2352887"/>
+          </a:xfrm>
+          <a:prstGeom prst="rect">
+            <a:avLst/>
+          </a:prstGeom>
+          <a:noFill/>
+          <a:extLst>
+            <a:ext uri="{909E8E84-426E-40DD-AFC4-6F175D3DCCD1}">
+              <a14:hiddenFill xmlns:a14="http://schemas.microsoft.com/office/drawing/2010/main">
+                <a:solidFill>
+                  <a:srgbClr val="FFFFFF"/>
+                </a:solidFill>
+              </a14:hiddenFill>
+            </a:ext>
+          </a:extLst>
+        </p:spPr>
+      </p:pic>
+      <mc:AlternateContent xmlns:mc="http://schemas.openxmlformats.org/markup-compatibility/2006">
+        <mc:Choice xmlns:a14="http://schemas.microsoft.com/office/drawing/2010/main" Requires="a14">
+          <p:sp>
+            <p:nvSpPr>
+              <p:cNvPr id="6" name="TextBox 5">
+                <a:extLst>
+                  <a:ext uri="{FF2B5EF4-FFF2-40B4-BE49-F238E27FC236}">
+                    <a16:creationId xmlns:a16="http://schemas.microsoft.com/office/drawing/2014/main" id="{4176D105-D9A2-4D50-980C-58A1A833361C}"/>
+                  </a:ext>
+                </a:extLst>
+              </p:cNvPr>
+              <p:cNvSpPr txBox="1"/>
+              <p:nvPr/>
+            </p:nvSpPr>
+            <p:spPr>
+              <a:xfrm>
+                <a:off x="1538933" y="560654"/>
+                <a:ext cx="2611612" cy="215444"/>
+              </a:xfrm>
+              <a:prstGeom prst="rect">
+                <a:avLst/>
+              </a:prstGeom>
+              <a:noFill/>
+            </p:spPr>
+            <p:txBody>
+              <a:bodyPr wrap="none" rtlCol="0">
+                <a:spAutoFit/>
+              </a:bodyPr>
+              <a:lstStyle/>
+              <a:p>
+                <a:r>
+                  <a:rPr lang="ru-RU" sz="800" dirty="0"/>
+                  <a:t>Общее количество уникальных строк кода </a:t>
+                </a:r>
+                <a14:m>
+                  <m:oMath xmlns:m="http://schemas.openxmlformats.org/officeDocument/2006/math">
+                    <m:r>
+                      <a:rPr lang="ru-RU" sz="800" b="0" i="1" dirty="0" smtClean="0">
+                        <a:latin typeface="Cambria Math" panose="02040503050406030204" pitchFamily="18" charset="0"/>
+                        <a:ea typeface="Cambria Math" panose="02040503050406030204" pitchFamily="18" charset="0"/>
+                      </a:rPr>
+                      <m:t>≈</m:t>
+                    </m:r>
+                  </m:oMath>
+                </a14:m>
+                <a:r>
+                  <a:rPr lang="ru-RU" sz="800" dirty="0"/>
+                  <a:t> 5600 </a:t>
+                </a:r>
+              </a:p>
+            </p:txBody>
+          </p:sp>
+        </mc:Choice>
+        <mc:Fallback>
+          <p:sp>
+            <p:nvSpPr>
+              <p:cNvPr id="6" name="TextBox 5">
+                <a:extLst>
+                  <a:ext uri="{FF2B5EF4-FFF2-40B4-BE49-F238E27FC236}">
+                    <a16:creationId xmlns:a16="http://schemas.microsoft.com/office/drawing/2014/main" id="{4176D105-D9A2-4D50-980C-58A1A833361C}"/>
+                  </a:ext>
+                </a:extLst>
+              </p:cNvPr>
+              <p:cNvSpPr txBox="1">
+                <a:spLocks noRot="1" noChangeAspect="1" noMove="1" noResize="1" noEditPoints="1" noAdjustHandles="1" noChangeArrowheads="1" noChangeShapeType="1" noTextEdit="1"/>
+              </p:cNvSpPr>
+              <p:nvPr/>
+            </p:nvSpPr>
+            <p:spPr>
+              <a:xfrm>
+                <a:off x="1538933" y="560654"/>
+                <a:ext cx="2611612" cy="215444"/>
+              </a:xfrm>
+              <a:prstGeom prst="rect">
+                <a:avLst/>
+              </a:prstGeom>
+              <a:blipFill>
+                <a:blip r:embed="rId10"/>
+                <a:stretch>
+                  <a:fillRect b="-8571"/>
                 </a:stretch>
               </a:blipFill>
             </p:spPr>
@@ -16081,8 +14792,8 @@
           </a:p>
         </p:txBody>
       </p:sp>
-      <mc:AlternateContent xmlns:mc="http://schemas.openxmlformats.org/markup-compatibility/2006">
-        <mc:Choice xmlns:a14="http://schemas.microsoft.com/office/drawing/2010/main" Requires="a14">
+      <mc:AlternateContent xmlns:mc="http://schemas.openxmlformats.org/markup-compatibility/2006" xmlns:a14="http://schemas.microsoft.com/office/drawing/2010/main">
+        <mc:Choice Requires="a14">
           <p:sp>
             <p:nvSpPr>
               <p:cNvPr id="6" name="TextBox 5">
@@ -16408,7 +15119,7 @@
             </p:txBody>
           </p:sp>
         </mc:Choice>
-        <mc:Fallback>
+        <mc:Fallback xmlns="">
           <p:sp>
             <p:nvSpPr>
               <p:cNvPr id="6" name="TextBox 5">
@@ -20036,7 +18747,7 @@
             <p:spPr>
               <a:xfrm>
                 <a:off x="400584" y="612250"/>
-                <a:ext cx="2482316" cy="630942"/>
+                <a:ext cx="2329916" cy="523220"/>
               </a:xfrm>
               <a:prstGeom prst="rect">
                 <a:avLst/>
@@ -20066,14 +18777,7 @@
                 </a14:m>
                 <a:r>
                   <a:rPr lang="ru-RU" sz="700" dirty="0"/>
-                  <a:t>сетевая программа, которая обрабатывает клиентские запросы, распределяет пользователей по серверам,</a:t>
-                </a:r>
-                <a:br>
-                  <a:rPr lang="ru-RU" sz="700" dirty="0"/>
-                </a:br>
-                <a:r>
-                  <a:rPr lang="ru-RU" sz="700" dirty="0"/>
-                  <a:t>координирует запуск серверов и ведёт журналирование</a:t>
+                  <a:t>сетевая программа, которая обрабатывает клиентские запросы, распределяет пользователей по серверам, координирует запуск серверов и ведёт журналирование</a:t>
                 </a:r>
                 <a:r>
                   <a:rPr lang="ru-RU" sz="800" spc="-15" baseline="37037" dirty="0">
@@ -20108,7 +18812,7 @@
             <p:spPr>
               <a:xfrm>
                 <a:off x="400584" y="612250"/>
-                <a:ext cx="2482316" cy="630942"/>
+                <a:ext cx="2329916" cy="523220"/>
               </a:xfrm>
               <a:prstGeom prst="rect">
                 <a:avLst/>
@@ -20116,7 +18820,7 @@
               <a:blipFill>
                 <a:blip r:embed="rId4"/>
                 <a:stretch>
-                  <a:fillRect/>
+                  <a:fillRect b="-1163"/>
                 </a:stretch>
               </a:blipFill>
             </p:spPr>
@@ -21358,53 +20062,6 @@
           </a:p>
         </p:txBody>
       </p:sp>
-      <p:pic>
-        <p:nvPicPr>
-          <p:cNvPr id="1028" name="Picture 4">
-            <a:extLst>
-              <a:ext uri="{FF2B5EF4-FFF2-40B4-BE49-F238E27FC236}">
-                <a16:creationId xmlns:a16="http://schemas.microsoft.com/office/drawing/2014/main" id="{08F95533-4F09-426A-9D53-4D518B4E9E74}"/>
-              </a:ext>
-            </a:extLst>
-          </p:cNvPr>
-          <p:cNvPicPr>
-            <a:picLocks noChangeAspect="1" noChangeArrowheads="1"/>
-          </p:cNvPicPr>
-          <p:nvPr/>
-        </p:nvPicPr>
-        <p:blipFill>
-          <a:blip r:embed="rId4">
-            <a:extLst>
-              <a:ext uri="{28A0092B-C50C-407E-A947-70E740481C1C}">
-                <a14:useLocalDpi xmlns:a14="http://schemas.microsoft.com/office/drawing/2010/main" val="0"/>
-              </a:ext>
-            </a:extLst>
-          </a:blip>
-          <a:srcRect/>
-          <a:stretch>
-            <a:fillRect/>
-          </a:stretch>
-        </p:blipFill>
-        <p:spPr bwMode="auto">
-          <a:xfrm>
-            <a:off x="923489" y="663939"/>
-            <a:ext cx="3918822" cy="2025228"/>
-          </a:xfrm>
-          <a:prstGeom prst="rect">
-            <a:avLst/>
-          </a:prstGeom>
-          <a:noFill/>
-          <a:extLst>
-            <a:ext uri="{909E8E84-426E-40DD-AFC4-6F175D3DCCD1}">
-              <a14:hiddenFill xmlns:a14="http://schemas.microsoft.com/office/drawing/2010/main">
-                <a:solidFill>
-                  <a:srgbClr val="FFFFFF"/>
-                </a:solidFill>
-              </a14:hiddenFill>
-            </a:ext>
-          </a:extLst>
-        </p:spPr>
-      </p:pic>
       <p:sp>
         <p:nvSpPr>
           <p:cNvPr id="9" name="TextBox 8">
@@ -21456,6 +20113,53 @@
           </a:p>
         </p:txBody>
       </p:sp>
+      <p:pic>
+        <p:nvPicPr>
+          <p:cNvPr id="1026" name="Picture 2">
+            <a:extLst>
+              <a:ext uri="{FF2B5EF4-FFF2-40B4-BE49-F238E27FC236}">
+                <a16:creationId xmlns:a16="http://schemas.microsoft.com/office/drawing/2014/main" id="{3FB2CAF7-5FAE-4DCB-B130-913D8A127713}"/>
+              </a:ext>
+            </a:extLst>
+          </p:cNvPr>
+          <p:cNvPicPr>
+            <a:picLocks noChangeAspect="1" noChangeArrowheads="1"/>
+          </p:cNvPicPr>
+          <p:nvPr/>
+        </p:nvPicPr>
+        <p:blipFill>
+          <a:blip r:embed="rId4">
+            <a:extLst>
+              <a:ext uri="{28A0092B-C50C-407E-A947-70E740481C1C}">
+                <a14:useLocalDpi xmlns:a14="http://schemas.microsoft.com/office/drawing/2010/main" val="0"/>
+              </a:ext>
+            </a:extLst>
+          </a:blip>
+          <a:srcRect/>
+          <a:stretch>
+            <a:fillRect/>
+          </a:stretch>
+        </p:blipFill>
+        <p:spPr bwMode="auto">
+          <a:xfrm>
+            <a:off x="796298" y="553134"/>
+            <a:ext cx="4173203" cy="2158990"/>
+          </a:xfrm>
+          <a:prstGeom prst="rect">
+            <a:avLst/>
+          </a:prstGeom>
+          <a:noFill/>
+          <a:extLst>
+            <a:ext uri="{909E8E84-426E-40DD-AFC4-6F175D3DCCD1}">
+              <a14:hiddenFill xmlns:a14="http://schemas.microsoft.com/office/drawing/2010/main">
+                <a:solidFill>
+                  <a:srgbClr val="FFFFFF"/>
+                </a:solidFill>
+              </a14:hiddenFill>
+            </a:ext>
+          </a:extLst>
+        </p:spPr>
+      </p:pic>
     </p:spTree>
     <p:extLst>
       <p:ext uri="{BB962C8B-B14F-4D97-AF65-F5344CB8AC3E}">

--- a/Master/Diploma/presentation/Презентация.pptx
+++ b/Master/Diploma/presentation/Презентация.pptx
@@ -27,7 +27,7 @@
     <p:sldId id="270" r:id="rId18"/>
   </p:sldIdLst>
   <p:sldSz cx="5765800" cy="3244850"/>
-  <p:notesSz cx="5765800" cy="3244850"/>
+  <p:notesSz cx="9875838" cy="6742113"/>
   <p:defaultTextStyle>
     <a:defPPr>
       <a:defRPr kern="0"/>
@@ -4058,18 +4058,18 @@
         </p:nvSpPr>
         <p:spPr>
           <a:xfrm>
-            <a:off x="0" y="0"/>
-            <a:ext cx="2498725" cy="161925"/>
+            <a:off x="0" y="1"/>
+            <a:ext cx="4279893" cy="336446"/>
           </a:xfrm>
           <a:prstGeom prst="rect">
             <a:avLst/>
           </a:prstGeom>
         </p:spPr>
         <p:txBody>
-          <a:bodyPr vert="horz" lIns="91440" tIns="45720" rIns="91440" bIns="45720" rtlCol="0"/>
+          <a:bodyPr vert="horz" lIns="168634" tIns="84317" rIns="168634" bIns="84317" rtlCol="0"/>
           <a:lstStyle>
             <a:lvl1pPr algn="l">
-              <a:defRPr sz="1200"/>
+              <a:defRPr sz="2200"/>
             </a:lvl1pPr>
           </a:lstStyle>
           <a:p>
@@ -4089,24 +4089,24 @@
         </p:nvSpPr>
         <p:spPr>
           <a:xfrm>
-            <a:off x="3265488" y="0"/>
-            <a:ext cx="2498725" cy="161925"/>
+            <a:off x="5593228" y="1"/>
+            <a:ext cx="4279893" cy="336446"/>
           </a:xfrm>
           <a:prstGeom prst="rect">
             <a:avLst/>
           </a:prstGeom>
         </p:spPr>
         <p:txBody>
-          <a:bodyPr vert="horz" lIns="91440" tIns="45720" rIns="91440" bIns="45720" rtlCol="0"/>
+          <a:bodyPr vert="horz" lIns="168634" tIns="84317" rIns="168634" bIns="84317" rtlCol="0"/>
           <a:lstStyle>
             <a:lvl1pPr algn="r">
-              <a:defRPr sz="1200"/>
+              <a:defRPr sz="2200"/>
             </a:lvl1pPr>
           </a:lstStyle>
           <a:p>
             <a:fld id="{DF72D1E3-4C5F-416B-82F4-05E153DB2B2B}" type="datetimeFigureOut">
               <a:rPr lang="ru-RU" smtClean="0"/>
-              <a:t>05.06.2025</a:t>
+              <a:t>08.06.2025</a:t>
             </a:fld>
             <a:endParaRPr lang="ru-RU"/>
           </a:p>
@@ -4124,8 +4124,8 @@
         </p:nvSpPr>
         <p:spPr>
           <a:xfrm>
-            <a:off x="1911350" y="406400"/>
-            <a:ext cx="1943100" cy="1093788"/>
+            <a:off x="2917825" y="844550"/>
+            <a:ext cx="4040188" cy="2273300"/>
           </a:xfrm>
           <a:prstGeom prst="rect">
             <a:avLst/>
@@ -4138,7 +4138,7 @@
           </a:ln>
         </p:spPr>
         <p:txBody>
-          <a:bodyPr vert="horz" lIns="91440" tIns="45720" rIns="91440" bIns="45720" rtlCol="0" anchor="ctr"/>
+          <a:bodyPr vert="horz" lIns="168634" tIns="84317" rIns="168634" bIns="84317" rtlCol="0" anchor="ctr"/>
           <a:lstStyle/>
           <a:p>
             <a:endParaRPr lang="ru-RU"/>
@@ -4157,15 +4157,15 @@
         </p:nvSpPr>
         <p:spPr>
           <a:xfrm>
-            <a:off x="576263" y="1562100"/>
-            <a:ext cx="4613275" cy="1277938"/>
+            <a:off x="987042" y="3245714"/>
+            <a:ext cx="7901758" cy="2655285"/>
           </a:xfrm>
           <a:prstGeom prst="rect">
             <a:avLst/>
           </a:prstGeom>
         </p:spPr>
         <p:txBody>
-          <a:bodyPr vert="horz" lIns="91440" tIns="45720" rIns="91440" bIns="45720" rtlCol="0"/>
+          <a:bodyPr vert="horz" lIns="168634" tIns="84317" rIns="168634" bIns="84317" rtlCol="0"/>
           <a:lstStyle/>
           <a:p>
             <a:pPr lvl="0"/>
@@ -4216,18 +4216,18 @@
         </p:nvSpPr>
         <p:spPr>
           <a:xfrm>
-            <a:off x="0" y="3082925"/>
-            <a:ext cx="2498725" cy="161925"/>
+            <a:off x="0" y="6405668"/>
+            <a:ext cx="4279893" cy="336446"/>
           </a:xfrm>
           <a:prstGeom prst="rect">
             <a:avLst/>
           </a:prstGeom>
         </p:spPr>
         <p:txBody>
-          <a:bodyPr vert="horz" lIns="91440" tIns="45720" rIns="91440" bIns="45720" rtlCol="0" anchor="b"/>
+          <a:bodyPr vert="horz" lIns="168634" tIns="84317" rIns="168634" bIns="84317" rtlCol="0" anchor="b"/>
           <a:lstStyle>
             <a:lvl1pPr algn="l">
-              <a:defRPr sz="1200"/>
+              <a:defRPr sz="2200"/>
             </a:lvl1pPr>
           </a:lstStyle>
           <a:p>
@@ -4247,18 +4247,18 @@
         </p:nvSpPr>
         <p:spPr>
           <a:xfrm>
-            <a:off x="3265488" y="3082925"/>
-            <a:ext cx="2498725" cy="161925"/>
+            <a:off x="5593228" y="6405668"/>
+            <a:ext cx="4279893" cy="336446"/>
           </a:xfrm>
           <a:prstGeom prst="rect">
             <a:avLst/>
           </a:prstGeom>
         </p:spPr>
         <p:txBody>
-          <a:bodyPr vert="horz" lIns="91440" tIns="45720" rIns="91440" bIns="45720" rtlCol="0" anchor="b"/>
+          <a:bodyPr vert="horz" lIns="168634" tIns="84317" rIns="168634" bIns="84317" rtlCol="0" anchor="b"/>
           <a:lstStyle>
             <a:lvl1pPr algn="r">
-              <a:defRPr sz="1200"/>
+              <a:defRPr sz="2200"/>
             </a:lvl1pPr>
           </a:lstStyle>
           <a:p>
@@ -4745,44 +4745,16 @@
           <a:bodyPr/>
           <a:lstStyle/>
           <a:p>
-            <a:pPr marL="0" marR="0" lvl="0" indent="0" algn="l" defTabSz="914400" rtl="0" eaLnBrk="1" fontAlgn="auto" latinLnBrk="0" hangingPunct="1">
-              <a:lnSpc>
-                <a:spcPct val="100000"/>
-              </a:lnSpc>
-              <a:spcBef>
-                <a:spcPts val="0"/>
-              </a:spcBef>
-              <a:spcAft>
-                <a:spcPts val="0"/>
-              </a:spcAft>
-              <a:buClrTx/>
-              <a:buSzTx/>
-              <a:buFontTx/>
-              <a:buNone/>
-              <a:tabLst/>
+            <a:pPr defTabSz="1686336">
               <a:defRPr/>
             </a:pPr>
             <a:r>
               <a:rPr lang="ru-RU" dirty="0"/>
-              <a:t>При решении поставленной задачи реализации механизма мониторинга возник вопрос о способе отображения информации о запущенных серверах.</a:t>
-            </a:r>
-          </a:p>
-          <a:p>
-            <a:pPr marL="0" marR="0" lvl="0" indent="0" algn="l" defTabSz="914400" rtl="0" eaLnBrk="1" fontAlgn="auto" latinLnBrk="0" hangingPunct="1">
-              <a:lnSpc>
-                <a:spcPct val="100000"/>
-              </a:lnSpc>
-              <a:spcBef>
-                <a:spcPts val="0"/>
-              </a:spcBef>
-              <a:spcAft>
-                <a:spcPts val="0"/>
-              </a:spcAft>
-              <a:buClrTx/>
-              <a:buSzTx/>
-              <a:buFontTx/>
-              <a:buNone/>
-              <a:tabLst/>
+              <a:t>При решении поставленной задачи реализации механизма мониторинга серверов возник вопрос о способе отображения информации.</a:t>
+            </a:r>
+          </a:p>
+          <a:p>
+            <a:pPr defTabSz="1686336">
               <a:defRPr/>
             </a:pPr>
             <a:r>
@@ -4799,26 +4771,21 @@
             </a:r>
           </a:p>
           <a:p>
-            <a:pPr marL="0" marR="0" lvl="0" indent="0" algn="l" defTabSz="914400" rtl="0" eaLnBrk="1" fontAlgn="auto" latinLnBrk="0" hangingPunct="1">
-              <a:lnSpc>
-                <a:spcPct val="100000"/>
-              </a:lnSpc>
-              <a:spcBef>
-                <a:spcPts val="0"/>
-              </a:spcBef>
-              <a:spcAft>
-                <a:spcPts val="0"/>
-              </a:spcAft>
-              <a:buClrTx/>
-              <a:buSzTx/>
-              <a:buFontTx/>
-              <a:buNone/>
-              <a:tabLst/>
+            <a:pPr defTabSz="1686336">
               <a:defRPr/>
             </a:pPr>
             <a:r>
               <a:rPr lang="ru-RU" dirty="0"/>
-              <a:t>С учётом того, что подобные распределённые вычислительные системы преимущественно запускаются под управлением ОС Linux Debian без графической оболочки, было принято решение реализовать мониторинг через консольный интерфейс. Такой подход не требует наличия оконной среды, потребляет минимальные ресурсы и обеспечивает достаточный уровень информативности.</a:t>
+              <a:t>С учётом того, что подобные распределённые вычислительные системы преимущественно запускаются под управлением ОС Linux без графической оболочки, было принято решение выбрать</a:t>
+            </a:r>
+          </a:p>
+          <a:p>
+            <a:pPr defTabSz="1686336">
+              <a:defRPr/>
+            </a:pPr>
+            <a:r>
+              <a:rPr lang="ru-RU" dirty="0"/>
+              <a:t>консольный интерфейс. Такой подход не требует наличия оконной среды, потребляет минимальные ресурсы и обеспечивает достаточный уровень информативности.</a:t>
             </a:r>
             <a:endParaRPr lang="en-US" dirty="0"/>
           </a:p>
@@ -5027,13 +4994,21 @@
           <a:p>
             <a:r>
               <a:rPr lang="ru-RU" dirty="0"/>
-              <a:t>На каждом этапе возникали ограничения, например, избыточная ресурсоёмкость или лишние абстракции. В ответ на эти вызовы были реализованы</a:t>
+              <a:t>На каждом этапе возникали ограничения, например, избыточная ресурсоёмкость или лишние абстракции. В ответ на эти проблемы были реализованы</a:t>
             </a:r>
           </a:p>
           <a:p>
             <a:r>
               <a:rPr lang="ru-RU" dirty="0"/>
-              <a:t>конкретные технические решения, которые принимались с ориентацией на надёжность и минимальные накладные расходы.</a:t>
+              <a:t>конкретные технические решения, </a:t>
+            </a:r>
+            <a:r>
+              <a:rPr lang="ru-RU"/>
+              <a:t>с упором на </a:t>
+            </a:r>
+            <a:r>
+              <a:rPr lang="ru-RU" dirty="0"/>
+              <a:t>надёжность и минимальные накладные расходы.</a:t>
             </a:r>
           </a:p>
         </p:txBody>
@@ -5120,7 +5095,7 @@
           <a:p>
             <a:r>
               <a:rPr lang="ru-RU" dirty="0"/>
-              <a:t>На данном слайде продемонстрирована итоговая последовательность этапов разработки распределенной вычислительной системы, где каждое проектное решение основывалось на результатах предыдущего</a:t>
+              <a:t>На данном слайде продемонстрирована итоговая последовательность этапов разработки системы, где каждое проектное решение основывалось на результатах предыдущего</a:t>
             </a:r>
           </a:p>
           <a:p>
@@ -5213,7 +5188,7 @@
           <a:p>
             <a:r>
               <a:rPr lang="ru-RU" dirty="0"/>
-              <a:t>На данном слайде представлена файловая структура и объем каждого компонента системы.</a:t>
+              <a:t>На данном слайде представлена файловая структура исходного кода каждого компонента системы и общий объем уникального кода.</a:t>
             </a:r>
           </a:p>
         </p:txBody>
@@ -5425,7 +5400,7 @@
           <a:p>
             <a:r>
               <a:rPr lang="ru-RU" dirty="0"/>
-              <a:t>На данном слайде в раздаточном материале Вы можете ознакомиться с используемыми в работе сокращениями и определениями.</a:t>
+              <a:t>На данном слайде в раздаточном материале Вы можете ознакомиться с сокращениями и определениями, используемыми в работе.</a:t>
             </a:r>
           </a:p>
         </p:txBody>
@@ -5524,7 +5499,7 @@
           <a:p>
             <a:r>
               <a:rPr lang="ru-RU" dirty="0"/>
-              <a:t>автоматизации является запуск большого количества выделенных серверов, построенных на базе </a:t>
+              <a:t>автоматизации, является запуск большого количества выделенных серверов, построенных на базе </a:t>
             </a:r>
             <a:r>
               <a:rPr lang="en-US" dirty="0"/>
@@ -6142,13 +6117,21 @@
           <a:p>
             <a:r>
               <a:rPr lang="ru-RU" dirty="0"/>
-              <a:t>Менеджер серверов либо направляет клиента на уже активный сервер, либо инициирует запуск нового экземпляра через программу-демон, как показано на слайде.</a:t>
+              <a:t>Менеджер серверов либо направляет клиента на уже активный сервер, либо инициирует запуск нового экземпляра через программу-демона, как показано на слайде.</a:t>
             </a:r>
           </a:p>
           <a:p>
             <a:r>
               <a:rPr lang="ru-RU" dirty="0"/>
-              <a:t>После запуска сервер передаёт менеджеру информацию о своём состоянии и сетевых параметрах. Менеджер, в свою очередь, пересылает их клиенту, который подключается к серверу для взаимодействия с другими пользователями в общем виртуальном пространстве.</a:t>
+              <a:t>После запуска сервер передаёт менеджеру информацию о своём состоянии и сетевых параметрах. Менеджер, в свою очередь, пересылает </a:t>
+            </a:r>
+            <a:r>
+              <a:rPr lang="en-US" dirty="0"/>
+              <a:t>IP-</a:t>
+            </a:r>
+            <a:r>
+              <a:rPr lang="ru-RU" dirty="0"/>
+              <a:t>адрес клиенту, который подключается к серверу для взаимодействия с другими пользователями в общем виртуальном пространстве.</a:t>
             </a:r>
           </a:p>
         </p:txBody>
@@ -6255,7 +6238,7 @@
           <a:p>
             <a:r>
               <a:rPr lang="ru-RU" dirty="0"/>
-              <a:t>В рамках разработки мною были реализованы и протестированы два подхода</a:t>
+              <a:t>В рамках разработки мною были реализованы два подхода</a:t>
             </a:r>
             <a:r>
               <a:rPr lang="en-US" dirty="0"/>
@@ -6467,7 +6450,7 @@
           <a:p>
             <a:fld id="{1D8BD707-D9CF-40AE-B4C6-C98DA3205C09}" type="datetimeFigureOut">
               <a:rPr lang="en-US"/>
-              <a:t>6/5/2025</a:t>
+              <a:t>6/8/2025</a:t>
             </a:fld>
             <a:endParaRPr lang="en-US"/>
           </a:p>
@@ -6664,7 +6647,7 @@
           <a:p>
             <a:fld id="{1D8BD707-D9CF-40AE-B4C6-C98DA3205C09}" type="datetimeFigureOut">
               <a:rPr lang="en-US"/>
-              <a:t>6/5/2025</a:t>
+              <a:t>6/8/2025</a:t>
             </a:fld>
             <a:endParaRPr lang="en-US"/>
           </a:p>
@@ -6898,7 +6881,7 @@
           <a:p>
             <a:fld id="{1D8BD707-D9CF-40AE-B4C6-C98DA3205C09}" type="datetimeFigureOut">
               <a:rPr lang="en-US"/>
-              <a:t>6/5/2025</a:t>
+              <a:t>6/8/2025</a:t>
             </a:fld>
             <a:endParaRPr lang="en-US"/>
           </a:p>
@@ -7066,7 +7049,7 @@
           <a:p>
             <a:fld id="{1D8BD707-D9CF-40AE-B4C6-C98DA3205C09}" type="datetimeFigureOut">
               <a:rPr lang="en-US"/>
-              <a:t>6/5/2025</a:t>
+              <a:t>6/8/2025</a:t>
             </a:fld>
             <a:endParaRPr lang="en-US"/>
           </a:p>
@@ -7213,7 +7196,7 @@
           <a:p>
             <a:fld id="{1D8BD707-D9CF-40AE-B4C6-C98DA3205C09}" type="datetimeFigureOut">
               <a:rPr lang="en-US"/>
-              <a:t>6/5/2025</a:t>
+              <a:t>6/8/2025</a:t>
             </a:fld>
             <a:endParaRPr lang="en-US"/>
           </a:p>
@@ -7480,7 +7463,7 @@
           <a:p>
             <a:fld id="{1D8BD707-D9CF-40AE-B4C6-C98DA3205C09}" type="datetimeFigureOut">
               <a:rPr lang="en-US"/>
-              <a:t>6/5/2025</a:t>
+              <a:t>6/8/2025</a:t>
             </a:fld>
             <a:endParaRPr lang="en-US"/>
           </a:p>
@@ -8001,7 +7984,7 @@
                 <a:latin typeface="Trebuchet MS"/>
                 <a:cs typeface="Trebuchet MS"/>
               </a:rPr>
-              <a:t>Разработка сетевых методов автоматизированного запуска распределенной системы выделенных серверов </a:t>
+              <a:t>Разработка сетевых методов автоматизированного запуска распределённой системы выделенных серверов </a:t>
             </a:r>
             <a:r>
               <a:rPr lang="en-US" sz="1400" spc="-10" dirty="0">
@@ -8912,42 +8895,108 @@
           </a:graphicData>
         </a:graphic>
       </p:graphicFrame>
-      <p:sp>
-        <p:nvSpPr>
-          <p:cNvPr id="9" name="TextBox 8">
-            <a:extLst>
-              <a:ext uri="{FF2B5EF4-FFF2-40B4-BE49-F238E27FC236}">
-                <a16:creationId xmlns:a16="http://schemas.microsoft.com/office/drawing/2014/main" id="{8B5F2311-76F3-4274-B50B-A55FB95638D5}"/>
-              </a:ext>
-            </a:extLst>
-          </p:cNvPr>
-          <p:cNvSpPr txBox="1"/>
-          <p:nvPr/>
-        </p:nvSpPr>
-        <p:spPr>
-          <a:xfrm>
-            <a:off x="1252365" y="2935030"/>
-            <a:ext cx="3151825" cy="215444"/>
-          </a:xfrm>
-          <a:prstGeom prst="rect">
-            <a:avLst/>
-          </a:prstGeom>
-          <a:noFill/>
-        </p:spPr>
-        <p:txBody>
-          <a:bodyPr wrap="none" rtlCol="0">
-            <a:spAutoFit/>
-          </a:bodyPr>
-          <a:lstStyle/>
-          <a:p>
-            <a:pPr algn="ctr"/>
-            <a:r>
-              <a:rPr lang="ru-RU" sz="800" dirty="0"/>
-              <a:t>Таблица 2. Представление структуры одного сетевого пакета</a:t>
-            </a:r>
-          </a:p>
-        </p:txBody>
-      </p:sp>
+      <mc:AlternateContent xmlns:mc="http://schemas.openxmlformats.org/markup-compatibility/2006">
+        <mc:Choice xmlns:a14="http://schemas.microsoft.com/office/drawing/2010/main" Requires="a14">
+          <p:sp>
+            <p:nvSpPr>
+              <p:cNvPr id="9" name="TextBox 8">
+                <a:extLst>
+                  <a:ext uri="{FF2B5EF4-FFF2-40B4-BE49-F238E27FC236}">
+                    <a16:creationId xmlns:a16="http://schemas.microsoft.com/office/drawing/2014/main" id="{8B5F2311-76F3-4274-B50B-A55FB95638D5}"/>
+                  </a:ext>
+                </a:extLst>
+              </p:cNvPr>
+              <p:cNvSpPr txBox="1"/>
+              <p:nvPr/>
+            </p:nvSpPr>
+            <p:spPr>
+              <a:xfrm>
+                <a:off x="1213893" y="2935030"/>
+                <a:ext cx="3228769" cy="215444"/>
+              </a:xfrm>
+              <a:prstGeom prst="rect">
+                <a:avLst/>
+              </a:prstGeom>
+              <a:noFill/>
+            </p:spPr>
+            <p:txBody>
+              <a:bodyPr wrap="none" rtlCol="0">
+                <a:spAutoFit/>
+              </a:bodyPr>
+              <a:lstStyle/>
+              <a:p>
+                <a:pPr algn="ctr"/>
+                <a:r>
+                  <a:rPr lang="ru-RU" sz="800" dirty="0"/>
+                  <a:t>Таблица 2</a:t>
+                </a:r>
+                <a:r>
+                  <a:rPr lang="en-US" sz="800" dirty="0"/>
+                  <a:t> </a:t>
+                </a:r>
+                <a14:m>
+                  <m:oMath xmlns:m="http://schemas.openxmlformats.org/officeDocument/2006/math">
+                    <m:r>
+                      <a:rPr lang="en-US" sz="800" b="0" i="1" smtClean="0">
+                        <a:latin typeface="Cambria Math" panose="02040503050406030204" pitchFamily="18" charset="0"/>
+                      </a:rPr>
+                      <m:t>−</m:t>
+                    </m:r>
+                  </m:oMath>
+                </a14:m>
+                <a:r>
+                  <a:rPr lang="ru-RU" sz="800" dirty="0"/>
+                  <a:t> Представление структуры одного сетевого пакета</a:t>
+                </a:r>
+              </a:p>
+            </p:txBody>
+          </p:sp>
+        </mc:Choice>
+        <mc:Fallback>
+          <p:sp>
+            <p:nvSpPr>
+              <p:cNvPr id="9" name="TextBox 8">
+                <a:extLst>
+                  <a:ext uri="{FF2B5EF4-FFF2-40B4-BE49-F238E27FC236}">
+                    <a16:creationId xmlns:a16="http://schemas.microsoft.com/office/drawing/2014/main" id="{8B5F2311-76F3-4274-B50B-A55FB95638D5}"/>
+                  </a:ext>
+                </a:extLst>
+              </p:cNvPr>
+              <p:cNvSpPr txBox="1">
+                <a:spLocks noRot="1" noChangeAspect="1" noMove="1" noResize="1" noEditPoints="1" noAdjustHandles="1" noChangeArrowheads="1" noChangeShapeType="1" noTextEdit="1"/>
+              </p:cNvSpPr>
+              <p:nvPr/>
+            </p:nvSpPr>
+            <p:spPr>
+              <a:xfrm>
+                <a:off x="1213893" y="2935030"/>
+                <a:ext cx="3228769" cy="215444"/>
+              </a:xfrm>
+              <a:prstGeom prst="rect">
+                <a:avLst/>
+              </a:prstGeom>
+              <a:blipFill>
+                <a:blip r:embed="rId4"/>
+                <a:stretch>
+                  <a:fillRect b="-5556"/>
+                </a:stretch>
+              </a:blipFill>
+            </p:spPr>
+            <p:txBody>
+              <a:bodyPr/>
+              <a:lstStyle/>
+              <a:p>
+                <a:r>
+                  <a:rPr lang="ru-RU">
+                    <a:noFill/>
+                  </a:rPr>
+                  <a:t> </a:t>
+                </a:r>
+              </a:p>
+            </p:txBody>
+          </p:sp>
+        </mc:Fallback>
+      </mc:AlternateContent>
     </p:spTree>
     <p:extLst>
       <p:ext uri="{BB962C8B-B14F-4D97-AF65-F5344CB8AC3E}">
@@ -9781,92 +9830,224 @@
           </p:sp>
         </mc:Fallback>
       </mc:AlternateContent>
-      <p:sp>
-        <p:nvSpPr>
-          <p:cNvPr id="18" name="TextBox 17">
-            <a:extLst>
-              <a:ext uri="{FF2B5EF4-FFF2-40B4-BE49-F238E27FC236}">
-                <a16:creationId xmlns:a16="http://schemas.microsoft.com/office/drawing/2014/main" id="{872870DB-5D4E-4D91-9529-5731A0B616DF}"/>
-              </a:ext>
-            </a:extLst>
-          </p:cNvPr>
-          <p:cNvSpPr txBox="1"/>
-          <p:nvPr/>
-        </p:nvSpPr>
-        <p:spPr>
-          <a:xfrm>
-            <a:off x="3373925" y="2330236"/>
-            <a:ext cx="2095445" cy="307777"/>
-          </a:xfrm>
-          <a:prstGeom prst="rect">
-            <a:avLst/>
-          </a:prstGeom>
-          <a:noFill/>
-        </p:spPr>
-        <p:txBody>
-          <a:bodyPr wrap="none" rtlCol="0">
-            <a:spAutoFit/>
-          </a:bodyPr>
-          <a:lstStyle/>
-          <a:p>
-            <a:pPr algn="ctr"/>
-            <a:r>
-              <a:rPr lang="ru-RU" sz="700" dirty="0"/>
-              <a:t>Рисунок 4. Представление команды в памяти</a:t>
-            </a:r>
-          </a:p>
-          <a:p>
-            <a:pPr algn="ctr"/>
-            <a:r>
-              <a:rPr lang="ru-RU" sz="700" dirty="0"/>
-              <a:t>при байтовой сериализации</a:t>
-            </a:r>
-          </a:p>
-        </p:txBody>
-      </p:sp>
-      <p:sp>
-        <p:nvSpPr>
-          <p:cNvPr id="20" name="TextBox 19">
-            <a:extLst>
-              <a:ext uri="{FF2B5EF4-FFF2-40B4-BE49-F238E27FC236}">
-                <a16:creationId xmlns:a16="http://schemas.microsoft.com/office/drawing/2014/main" id="{5EF24E99-7E49-4996-B06A-7366557E6526}"/>
-              </a:ext>
-            </a:extLst>
-          </p:cNvPr>
-          <p:cNvSpPr txBox="1"/>
-          <p:nvPr/>
-        </p:nvSpPr>
-        <p:spPr>
-          <a:xfrm>
-            <a:off x="484959" y="2617727"/>
-            <a:ext cx="2116285" cy="307777"/>
-          </a:xfrm>
-          <a:prstGeom prst="rect">
-            <a:avLst/>
-          </a:prstGeom>
-          <a:noFill/>
-        </p:spPr>
-        <p:txBody>
-          <a:bodyPr wrap="none" rtlCol="0">
-            <a:spAutoFit/>
-          </a:bodyPr>
-          <a:lstStyle/>
-          <a:p>
-            <a:pPr algn="ctr"/>
-            <a:r>
-              <a:rPr lang="ru-RU" sz="700" dirty="0"/>
-              <a:t>Таблица 3. Представление команды в памяти</a:t>
-            </a:r>
-          </a:p>
-          <a:p>
-            <a:pPr algn="ctr"/>
-            <a:r>
-              <a:rPr lang="ru-RU" sz="700" dirty="0"/>
-              <a:t>при строковой сериализации</a:t>
-            </a:r>
-          </a:p>
-        </p:txBody>
-      </p:sp>
+      <mc:AlternateContent xmlns:mc="http://schemas.openxmlformats.org/markup-compatibility/2006">
+        <mc:Choice xmlns:a14="http://schemas.microsoft.com/office/drawing/2010/main" Requires="a14">
+          <p:sp>
+            <p:nvSpPr>
+              <p:cNvPr id="18" name="TextBox 17">
+                <a:extLst>
+                  <a:ext uri="{FF2B5EF4-FFF2-40B4-BE49-F238E27FC236}">
+                    <a16:creationId xmlns:a16="http://schemas.microsoft.com/office/drawing/2014/main" id="{872870DB-5D4E-4D91-9529-5731A0B616DF}"/>
+                  </a:ext>
+                </a:extLst>
+              </p:cNvPr>
+              <p:cNvSpPr txBox="1"/>
+              <p:nvPr/>
+            </p:nvSpPr>
+            <p:spPr>
+              <a:xfrm>
+                <a:off x="3340261" y="2330236"/>
+                <a:ext cx="2162772" cy="307777"/>
+              </a:xfrm>
+              <a:prstGeom prst="rect">
+                <a:avLst/>
+              </a:prstGeom>
+              <a:noFill/>
+            </p:spPr>
+            <p:txBody>
+              <a:bodyPr wrap="none" rtlCol="0">
+                <a:spAutoFit/>
+              </a:bodyPr>
+              <a:lstStyle/>
+              <a:p>
+                <a:pPr algn="ctr"/>
+                <a:r>
+                  <a:rPr lang="ru-RU" sz="700" dirty="0"/>
+                  <a:t>Рисунок 4</a:t>
+                </a:r>
+                <a:r>
+                  <a:rPr lang="en-US" sz="700" dirty="0"/>
+                  <a:t> </a:t>
+                </a:r>
+                <a14:m>
+                  <m:oMath xmlns:m="http://schemas.openxmlformats.org/officeDocument/2006/math">
+                    <m:r>
+                      <a:rPr lang="en-US" sz="700" b="0" i="1" smtClean="0">
+                        <a:latin typeface="Cambria Math" panose="02040503050406030204" pitchFamily="18" charset="0"/>
+                      </a:rPr>
+                      <m:t>−</m:t>
+                    </m:r>
+                  </m:oMath>
+                </a14:m>
+                <a:r>
+                  <a:rPr lang="ru-RU" sz="700" dirty="0"/>
+                  <a:t> Представление команды в памяти</a:t>
+                </a:r>
+              </a:p>
+              <a:p>
+                <a:pPr algn="ctr"/>
+                <a:r>
+                  <a:rPr lang="ru-RU" sz="700" dirty="0"/>
+                  <a:t>при байтовой сериализации</a:t>
+                </a:r>
+              </a:p>
+            </p:txBody>
+          </p:sp>
+        </mc:Choice>
+        <mc:Fallback>
+          <p:sp>
+            <p:nvSpPr>
+              <p:cNvPr id="18" name="TextBox 17">
+                <a:extLst>
+                  <a:ext uri="{FF2B5EF4-FFF2-40B4-BE49-F238E27FC236}">
+                    <a16:creationId xmlns:a16="http://schemas.microsoft.com/office/drawing/2014/main" id="{872870DB-5D4E-4D91-9529-5731A0B616DF}"/>
+                  </a:ext>
+                </a:extLst>
+              </p:cNvPr>
+              <p:cNvSpPr txBox="1">
+                <a:spLocks noRot="1" noChangeAspect="1" noMove="1" noResize="1" noEditPoints="1" noAdjustHandles="1" noChangeArrowheads="1" noChangeShapeType="1" noTextEdit="1"/>
+              </p:cNvSpPr>
+              <p:nvPr/>
+            </p:nvSpPr>
+            <p:spPr>
+              <a:xfrm>
+                <a:off x="3340261" y="2330236"/>
+                <a:ext cx="2162772" cy="307777"/>
+              </a:xfrm>
+              <a:prstGeom prst="rect">
+                <a:avLst/>
+              </a:prstGeom>
+              <a:blipFill>
+                <a:blip r:embed="rId5"/>
+                <a:stretch>
+                  <a:fillRect b="-1961"/>
+                </a:stretch>
+              </a:blipFill>
+            </p:spPr>
+            <p:txBody>
+              <a:bodyPr/>
+              <a:lstStyle/>
+              <a:p>
+                <a:r>
+                  <a:rPr lang="ru-RU">
+                    <a:noFill/>
+                  </a:rPr>
+                  <a:t> </a:t>
+                </a:r>
+              </a:p>
+            </p:txBody>
+          </p:sp>
+        </mc:Fallback>
+      </mc:AlternateContent>
+      <mc:AlternateContent xmlns:mc="http://schemas.openxmlformats.org/markup-compatibility/2006">
+        <mc:Choice xmlns:a14="http://schemas.microsoft.com/office/drawing/2010/main" Requires="a14">
+          <p:sp>
+            <p:nvSpPr>
+              <p:cNvPr id="20" name="TextBox 19">
+                <a:extLst>
+                  <a:ext uri="{FF2B5EF4-FFF2-40B4-BE49-F238E27FC236}">
+                    <a16:creationId xmlns:a16="http://schemas.microsoft.com/office/drawing/2014/main" id="{5EF24E99-7E49-4996-B06A-7366557E6526}"/>
+                  </a:ext>
+                </a:extLst>
+              </p:cNvPr>
+              <p:cNvSpPr txBox="1"/>
+              <p:nvPr/>
+            </p:nvSpPr>
+            <p:spPr>
+              <a:xfrm>
+                <a:off x="451296" y="2617727"/>
+                <a:ext cx="2183611" cy="307777"/>
+              </a:xfrm>
+              <a:prstGeom prst="rect">
+                <a:avLst/>
+              </a:prstGeom>
+              <a:noFill/>
+            </p:spPr>
+            <p:txBody>
+              <a:bodyPr wrap="none" rtlCol="0">
+                <a:spAutoFit/>
+              </a:bodyPr>
+              <a:lstStyle/>
+              <a:p>
+                <a:pPr algn="ctr"/>
+                <a:r>
+                  <a:rPr lang="ru-RU" sz="700" dirty="0"/>
+                  <a:t>Таблица 3</a:t>
+                </a:r>
+                <a:r>
+                  <a:rPr lang="en-US" sz="700" dirty="0"/>
+                  <a:t> </a:t>
+                </a:r>
+                <a14:m>
+                  <m:oMath xmlns:m="http://schemas.openxmlformats.org/officeDocument/2006/math">
+                    <m:r>
+                      <a:rPr lang="en-US" sz="700" b="0" i="1" smtClean="0">
+                        <a:latin typeface="Cambria Math" panose="02040503050406030204" pitchFamily="18" charset="0"/>
+                      </a:rPr>
+                      <m:t>−</m:t>
+                    </m:r>
+                  </m:oMath>
+                </a14:m>
+                <a:r>
+                  <a:rPr lang="ru-RU" sz="700" dirty="0"/>
+                  <a:t> Представление команды в памяти</a:t>
+                </a:r>
+              </a:p>
+              <a:p>
+                <a:pPr algn="ctr"/>
+                <a:r>
+                  <a:rPr lang="ru-RU" sz="700" dirty="0"/>
+                  <a:t>при строковой сериализации</a:t>
+                </a:r>
+              </a:p>
+            </p:txBody>
+          </p:sp>
+        </mc:Choice>
+        <mc:Fallback>
+          <p:sp>
+            <p:nvSpPr>
+              <p:cNvPr id="20" name="TextBox 19">
+                <a:extLst>
+                  <a:ext uri="{FF2B5EF4-FFF2-40B4-BE49-F238E27FC236}">
+                    <a16:creationId xmlns:a16="http://schemas.microsoft.com/office/drawing/2014/main" id="{5EF24E99-7E49-4996-B06A-7366557E6526}"/>
+                  </a:ext>
+                </a:extLst>
+              </p:cNvPr>
+              <p:cNvSpPr txBox="1">
+                <a:spLocks noRot="1" noChangeAspect="1" noMove="1" noResize="1" noEditPoints="1" noAdjustHandles="1" noChangeArrowheads="1" noChangeShapeType="1" noTextEdit="1"/>
+              </p:cNvSpPr>
+              <p:nvPr/>
+            </p:nvSpPr>
+            <p:spPr>
+              <a:xfrm>
+                <a:off x="451296" y="2617727"/>
+                <a:ext cx="2183611" cy="307777"/>
+              </a:xfrm>
+              <a:prstGeom prst="rect">
+                <a:avLst/>
+              </a:prstGeom>
+              <a:blipFill>
+                <a:blip r:embed="rId6"/>
+                <a:stretch>
+                  <a:fillRect b="-1961"/>
+                </a:stretch>
+              </a:blipFill>
+            </p:spPr>
+            <p:txBody>
+              <a:bodyPr/>
+              <a:lstStyle/>
+              <a:p>
+                <a:r>
+                  <a:rPr lang="ru-RU">
+                    <a:noFill/>
+                  </a:rPr>
+                  <a:t> </a:t>
+                </a:r>
+              </a:p>
+            </p:txBody>
+          </p:sp>
+        </mc:Fallback>
+      </mc:AlternateContent>
       <p:cxnSp>
         <p:nvCxnSpPr>
           <p:cNvPr id="10" name="Прямая соединительная линия 9">
@@ -9923,7 +10104,7 @@
           <p:nvPr/>
         </p:nvPicPr>
         <p:blipFill>
-          <a:blip r:embed="rId5" cstate="print">
+          <a:blip r:embed="rId7" cstate="print">
             <a:extLst>
               <a:ext uri="{28A0092B-C50C-407E-A947-70E740481C1C}">
                 <a14:useLocalDpi xmlns:a14="http://schemas.microsoft.com/office/drawing/2010/main" val="0"/>
@@ -10114,7 +10295,7 @@
                 <a:avLst/>
               </a:prstGeom>
               <a:blipFill>
-                <a:blip r:embed="rId6"/>
+                <a:blip r:embed="rId8"/>
                 <a:stretch>
                   <a:fillRect/>
                 </a:stretch>
@@ -10347,7 +10528,7 @@
                 <a:avLst/>
               </a:prstGeom>
               <a:blipFill>
-                <a:blip r:embed="rId7"/>
+                <a:blip r:embed="rId9"/>
                 <a:stretch>
                   <a:fillRect l="-1202" t="-2083" r="-481" b="-16667"/>
                 </a:stretch>
@@ -13034,42 +13215,108 @@
           </p:graphicFrame>
         </mc:Fallback>
       </mc:AlternateContent>
-      <p:sp>
-        <p:nvSpPr>
-          <p:cNvPr id="9" name="TextBox 8">
-            <a:extLst>
-              <a:ext uri="{FF2B5EF4-FFF2-40B4-BE49-F238E27FC236}">
-                <a16:creationId xmlns:a16="http://schemas.microsoft.com/office/drawing/2014/main" id="{91D5CBD4-5751-474B-8CDD-07363B7A7E52}"/>
-              </a:ext>
-            </a:extLst>
-          </p:cNvPr>
-          <p:cNvSpPr txBox="1"/>
-          <p:nvPr/>
-        </p:nvSpPr>
-        <p:spPr>
-          <a:xfrm>
-            <a:off x="1914996" y="2941599"/>
-            <a:ext cx="2008883" cy="200055"/>
-          </a:xfrm>
-          <a:prstGeom prst="rect">
-            <a:avLst/>
-          </a:prstGeom>
-          <a:noFill/>
-        </p:spPr>
-        <p:txBody>
-          <a:bodyPr wrap="none" rtlCol="0">
-            <a:spAutoFit/>
-          </a:bodyPr>
-          <a:lstStyle/>
-          <a:p>
-            <a:pPr algn="ctr"/>
-            <a:r>
-              <a:rPr lang="ru-RU" sz="700" dirty="0"/>
-              <a:t>Таблица 4. Список архитектурных решений</a:t>
-            </a:r>
-          </a:p>
-        </p:txBody>
-      </p:sp>
+      <mc:AlternateContent xmlns:mc="http://schemas.openxmlformats.org/markup-compatibility/2006">
+        <mc:Choice xmlns:a14="http://schemas.microsoft.com/office/drawing/2010/main" Requires="a14">
+          <p:sp>
+            <p:nvSpPr>
+              <p:cNvPr id="9" name="TextBox 8">
+                <a:extLst>
+                  <a:ext uri="{FF2B5EF4-FFF2-40B4-BE49-F238E27FC236}">
+                    <a16:creationId xmlns:a16="http://schemas.microsoft.com/office/drawing/2014/main" id="{91D5CBD4-5751-474B-8CDD-07363B7A7E52}"/>
+                  </a:ext>
+                </a:extLst>
+              </p:cNvPr>
+              <p:cNvSpPr txBox="1"/>
+              <p:nvPr/>
+            </p:nvSpPr>
+            <p:spPr>
+              <a:xfrm>
+                <a:off x="1881333" y="2941599"/>
+                <a:ext cx="2076209" cy="200055"/>
+              </a:xfrm>
+              <a:prstGeom prst="rect">
+                <a:avLst/>
+              </a:prstGeom>
+              <a:noFill/>
+            </p:spPr>
+            <p:txBody>
+              <a:bodyPr wrap="none" rtlCol="0">
+                <a:spAutoFit/>
+              </a:bodyPr>
+              <a:lstStyle/>
+              <a:p>
+                <a:pPr algn="ctr"/>
+                <a:r>
+                  <a:rPr lang="ru-RU" sz="700" dirty="0"/>
+                  <a:t>Таблица 4</a:t>
+                </a:r>
+                <a:r>
+                  <a:rPr lang="en-US" sz="700" dirty="0"/>
+                  <a:t> </a:t>
+                </a:r>
+                <a14:m>
+                  <m:oMath xmlns:m="http://schemas.openxmlformats.org/officeDocument/2006/math">
+                    <m:r>
+                      <a:rPr lang="en-US" sz="700" b="0" i="1" smtClean="0">
+                        <a:latin typeface="Cambria Math" panose="02040503050406030204" pitchFamily="18" charset="0"/>
+                      </a:rPr>
+                      <m:t>−</m:t>
+                    </m:r>
+                  </m:oMath>
+                </a14:m>
+                <a:r>
+                  <a:rPr lang="ru-RU" sz="700" dirty="0"/>
+                  <a:t> Список архитектурных решений</a:t>
+                </a:r>
+              </a:p>
+            </p:txBody>
+          </p:sp>
+        </mc:Choice>
+        <mc:Fallback>
+          <p:sp>
+            <p:nvSpPr>
+              <p:cNvPr id="9" name="TextBox 8">
+                <a:extLst>
+                  <a:ext uri="{FF2B5EF4-FFF2-40B4-BE49-F238E27FC236}">
+                    <a16:creationId xmlns:a16="http://schemas.microsoft.com/office/drawing/2014/main" id="{91D5CBD4-5751-474B-8CDD-07363B7A7E52}"/>
+                  </a:ext>
+                </a:extLst>
+              </p:cNvPr>
+              <p:cNvSpPr txBox="1">
+                <a:spLocks noRot="1" noChangeAspect="1" noMove="1" noResize="1" noEditPoints="1" noAdjustHandles="1" noChangeArrowheads="1" noChangeShapeType="1" noTextEdit="1"/>
+              </p:cNvSpPr>
+              <p:nvPr/>
+            </p:nvSpPr>
+            <p:spPr>
+              <a:xfrm>
+                <a:off x="1881333" y="2941599"/>
+                <a:ext cx="2076209" cy="200055"/>
+              </a:xfrm>
+              <a:prstGeom prst="rect">
+                <a:avLst/>
+              </a:prstGeom>
+              <a:blipFill>
+                <a:blip r:embed="rId5"/>
+                <a:stretch>
+                  <a:fillRect b="-6250"/>
+                </a:stretch>
+              </a:blipFill>
+            </p:spPr>
+            <p:txBody>
+              <a:bodyPr/>
+              <a:lstStyle/>
+              <a:p>
+                <a:r>
+                  <a:rPr lang="ru-RU">
+                    <a:noFill/>
+                  </a:rPr>
+                  <a:t> </a:t>
+                </a:r>
+              </a:p>
+            </p:txBody>
+          </p:sp>
+        </mc:Fallback>
+      </mc:AlternateContent>
     </p:spTree>
     <p:extLst>
       <p:ext uri="{BB962C8B-B14F-4D97-AF65-F5344CB8AC3E}">
@@ -14047,8 +14294,8 @@
           </a:extLst>
         </p:spPr>
       </p:pic>
-      <mc:AlternateContent xmlns:mc="http://schemas.openxmlformats.org/markup-compatibility/2006">
-        <mc:Choice xmlns:a14="http://schemas.microsoft.com/office/drawing/2010/main" Requires="a14">
+      <mc:AlternateContent xmlns:mc="http://schemas.openxmlformats.org/markup-compatibility/2006" xmlns:a14="http://schemas.microsoft.com/office/drawing/2010/main">
+        <mc:Choice Requires="a14">
           <p:sp>
             <p:nvSpPr>
               <p:cNvPr id="6" name="TextBox 5">
@@ -14100,7 +14347,7 @@
             </p:txBody>
           </p:sp>
         </mc:Choice>
-        <mc:Fallback>
+        <mc:Fallback xmlns="">
           <p:sp>
             <p:nvSpPr>
               <p:cNvPr id="6" name="TextBox 5">
@@ -14792,8 +15039,8 @@
           </a:p>
         </p:txBody>
       </p:sp>
-      <mc:AlternateContent xmlns:mc="http://schemas.openxmlformats.org/markup-compatibility/2006" xmlns:a14="http://schemas.microsoft.com/office/drawing/2010/main">
-        <mc:Choice Requires="a14">
+      <mc:AlternateContent xmlns:mc="http://schemas.openxmlformats.org/markup-compatibility/2006">
+        <mc:Choice xmlns:a14="http://schemas.microsoft.com/office/drawing/2010/main" Requires="a14">
           <p:sp>
             <p:nvSpPr>
               <p:cNvPr id="6" name="TextBox 5">
@@ -15032,17 +15279,11 @@
                   <a:buChar char="§"/>
                 </a:pPr>
                 <a:r>
-                  <a:rPr lang="ru-RU" sz="800" i="1" spc="-10" dirty="0">
-                    <a:latin typeface="Trebuchet MS"/>
-                    <a:cs typeface="Trebuchet MS"/>
-                  </a:rPr>
+                  <a:rPr lang="ru-RU" sz="800" i="1" dirty="0"/>
                   <a:t>Выделенный сервер </a:t>
                 </a:r>
                 <a:r>
-                  <a:rPr lang="en-US" sz="800" i="1" spc="-10" dirty="0">
-                    <a:latin typeface="Trebuchet MS"/>
-                    <a:cs typeface="Trebuchet MS"/>
-                  </a:rPr>
+                  <a:rPr lang="en-US" sz="800" i="1" dirty="0"/>
                   <a:t>(dedicated server) </a:t>
                 </a:r>
                 <a14:m>
@@ -15119,7 +15360,7 @@
             </p:txBody>
           </p:sp>
         </mc:Choice>
-        <mc:Fallback xmlns="">
+        <mc:Fallback>
           <p:sp>
             <p:nvSpPr>
               <p:cNvPr id="6" name="TextBox 5">
@@ -17327,49 +17568,115 @@
           </a:graphicData>
         </a:graphic>
       </p:graphicFrame>
-      <p:sp>
-        <p:nvSpPr>
-          <p:cNvPr id="6" name="TextBox 5">
-            <a:extLst>
-              <a:ext uri="{FF2B5EF4-FFF2-40B4-BE49-F238E27FC236}">
-                <a16:creationId xmlns:a16="http://schemas.microsoft.com/office/drawing/2014/main" id="{1E775B24-0975-4A91-95F5-30540027F289}"/>
-              </a:ext>
-            </a:extLst>
-          </p:cNvPr>
-          <p:cNvSpPr txBox="1"/>
-          <p:nvPr/>
-        </p:nvSpPr>
-        <p:spPr>
-          <a:xfrm>
-            <a:off x="1323819" y="2634420"/>
-            <a:ext cx="3118161" cy="338554"/>
-          </a:xfrm>
-          <a:prstGeom prst="rect">
-            <a:avLst/>
-          </a:prstGeom>
-          <a:noFill/>
-        </p:spPr>
-        <p:txBody>
-          <a:bodyPr wrap="none" rtlCol="0">
-            <a:spAutoFit/>
-          </a:bodyPr>
-          <a:lstStyle/>
-          <a:p>
-            <a:pPr algn="ctr"/>
-            <a:r>
-              <a:rPr lang="ru-RU" sz="800" dirty="0"/>
-              <a:t>Таблица 1. Сравнение потребления ресурсов двух подходов</a:t>
-            </a:r>
-          </a:p>
-          <a:p>
-            <a:pPr algn="ctr"/>
-            <a:r>
-              <a:rPr lang="ru-RU" sz="800" dirty="0"/>
-              <a:t>на запуск одного процесса сервера</a:t>
-            </a:r>
-          </a:p>
-        </p:txBody>
-      </p:sp>
+      <mc:AlternateContent xmlns:mc="http://schemas.openxmlformats.org/markup-compatibility/2006">
+        <mc:Choice xmlns:a14="http://schemas.microsoft.com/office/drawing/2010/main" Requires="a14">
+          <p:sp>
+            <p:nvSpPr>
+              <p:cNvPr id="6" name="TextBox 5">
+                <a:extLst>
+                  <a:ext uri="{FF2B5EF4-FFF2-40B4-BE49-F238E27FC236}">
+                    <a16:creationId xmlns:a16="http://schemas.microsoft.com/office/drawing/2014/main" id="{1E775B24-0975-4A91-95F5-30540027F289}"/>
+                  </a:ext>
+                </a:extLst>
+              </p:cNvPr>
+              <p:cNvSpPr txBox="1"/>
+              <p:nvPr/>
+            </p:nvSpPr>
+            <p:spPr>
+              <a:xfrm>
+                <a:off x="1285347" y="2634420"/>
+                <a:ext cx="3195105" cy="338554"/>
+              </a:xfrm>
+              <a:prstGeom prst="rect">
+                <a:avLst/>
+              </a:prstGeom>
+              <a:noFill/>
+            </p:spPr>
+            <p:txBody>
+              <a:bodyPr wrap="none" rtlCol="0">
+                <a:spAutoFit/>
+              </a:bodyPr>
+              <a:lstStyle/>
+              <a:p>
+                <a:pPr algn="ctr"/>
+                <a:r>
+                  <a:rPr lang="ru-RU" sz="800" dirty="0"/>
+                  <a:t>Таблица 1</a:t>
+                </a:r>
+                <a:r>
+                  <a:rPr lang="en-US" sz="800" dirty="0"/>
+                  <a:t> </a:t>
+                </a:r>
+                <a14:m>
+                  <m:oMath xmlns:m="http://schemas.openxmlformats.org/officeDocument/2006/math">
+                    <m:r>
+                      <a:rPr lang="en-US" sz="800" b="0" i="1" smtClean="0">
+                        <a:latin typeface="Cambria Math" panose="02040503050406030204" pitchFamily="18" charset="0"/>
+                      </a:rPr>
+                      <m:t>−</m:t>
+                    </m:r>
+                  </m:oMath>
+                </a14:m>
+                <a:r>
+                  <a:rPr lang="ru-RU" sz="800" dirty="0"/>
+                  <a:t> Сравнение потребления ресурсов двух подходов</a:t>
+                </a:r>
+              </a:p>
+              <a:p>
+                <a:pPr algn="ctr"/>
+                <a:r>
+                  <a:rPr lang="ru-RU" sz="800" dirty="0"/>
+                  <a:t>на запуск одного процесса сервера</a:t>
+                </a:r>
+              </a:p>
+            </p:txBody>
+          </p:sp>
+        </mc:Choice>
+        <mc:Fallback>
+          <p:sp>
+            <p:nvSpPr>
+              <p:cNvPr id="6" name="TextBox 5">
+                <a:extLst>
+                  <a:ext uri="{FF2B5EF4-FFF2-40B4-BE49-F238E27FC236}">
+                    <a16:creationId xmlns:a16="http://schemas.microsoft.com/office/drawing/2014/main" id="{1E775B24-0975-4A91-95F5-30540027F289}"/>
+                  </a:ext>
+                </a:extLst>
+              </p:cNvPr>
+              <p:cNvSpPr txBox="1">
+                <a:spLocks noRot="1" noChangeAspect="1" noMove="1" noResize="1" noEditPoints="1" noAdjustHandles="1" noChangeArrowheads="1" noChangeShapeType="1" noTextEdit="1"/>
+              </p:cNvSpPr>
+              <p:nvPr/>
+            </p:nvSpPr>
+            <p:spPr>
+              <a:xfrm>
+                <a:off x="1285347" y="2634420"/>
+                <a:ext cx="3195105" cy="338554"/>
+              </a:xfrm>
+              <a:prstGeom prst="rect">
+                <a:avLst/>
+              </a:prstGeom>
+              <a:blipFill>
+                <a:blip r:embed="rId4"/>
+                <a:stretch>
+                  <a:fillRect b="-3571"/>
+                </a:stretch>
+              </a:blipFill>
+            </p:spPr>
+            <p:txBody>
+              <a:bodyPr/>
+              <a:lstStyle/>
+              <a:p>
+                <a:r>
+                  <a:rPr lang="ru-RU">
+                    <a:noFill/>
+                  </a:rPr>
+                  <a:t> </a:t>
+                </a:r>
+              </a:p>
+            </p:txBody>
+          </p:sp>
+        </mc:Fallback>
+      </mc:AlternateContent>
     </p:spTree>
   </p:cSld>
   <p:clrMapOvr>
@@ -17398,411 +17705,6 @@
           <a:chExt cx="0" cy="0"/>
         </a:xfrm>
       </p:grpSpPr>
-      <p:grpSp>
-        <p:nvGrpSpPr>
-          <p:cNvPr id="2" name="object 2"/>
-          <p:cNvGrpSpPr/>
-          <p:nvPr/>
-        </p:nvGrpSpPr>
-        <p:grpSpPr>
-          <a:xfrm>
-            <a:off x="137935" y="817002"/>
-            <a:ext cx="5177790" cy="1445260"/>
-            <a:chOff x="165200" y="816165"/>
-            <a:chExt cx="5177790" cy="1445260"/>
-          </a:xfrm>
-        </p:grpSpPr>
-        <p:sp>
-          <p:nvSpPr>
-            <p:cNvPr id="3" name="object 3"/>
-            <p:cNvSpPr/>
-            <p:nvPr/>
-          </p:nvSpPr>
-          <p:spPr>
-            <a:xfrm>
-              <a:off x="165200" y="816165"/>
-              <a:ext cx="5177790" cy="177800"/>
-            </a:xfrm>
-            <a:custGeom>
-              <a:avLst/>
-              <a:gdLst/>
-              <a:ahLst/>
-              <a:cxnLst/>
-              <a:rect l="l" t="t" r="r" b="b"/>
-              <a:pathLst>
-                <a:path w="5177790" h="177800">
-                  <a:moveTo>
-                    <a:pt x="5126862" y="0"/>
-                  </a:moveTo>
-                  <a:lnTo>
-                    <a:pt x="50800" y="0"/>
-                  </a:lnTo>
-                  <a:lnTo>
-                    <a:pt x="31075" y="4008"/>
-                  </a:lnTo>
-                  <a:lnTo>
-                    <a:pt x="14922" y="14922"/>
-                  </a:lnTo>
-                  <a:lnTo>
-                    <a:pt x="4008" y="31075"/>
-                  </a:lnTo>
-                  <a:lnTo>
-                    <a:pt x="0" y="50800"/>
-                  </a:lnTo>
-                  <a:lnTo>
-                    <a:pt x="0" y="177659"/>
-                  </a:lnTo>
-                  <a:lnTo>
-                    <a:pt x="5177663" y="177659"/>
-                  </a:lnTo>
-                  <a:lnTo>
-                    <a:pt x="5177663" y="50800"/>
-                  </a:lnTo>
-                  <a:lnTo>
-                    <a:pt x="5173654" y="31075"/>
-                  </a:lnTo>
-                  <a:lnTo>
-                    <a:pt x="5162740" y="14922"/>
-                  </a:lnTo>
-                  <a:lnTo>
-                    <a:pt x="5146587" y="4008"/>
-                  </a:lnTo>
-                  <a:lnTo>
-                    <a:pt x="5126862" y="0"/>
-                  </a:lnTo>
-                  <a:close/>
-                </a:path>
-              </a:pathLst>
-            </a:custGeom>
-            <a:solidFill>
-              <a:srgbClr val="FFFFFF"/>
-            </a:solidFill>
-          </p:spPr>
-          <p:txBody>
-            <a:bodyPr wrap="square" lIns="0" tIns="0" rIns="0" bIns="0" rtlCol="0"/>
-            <a:lstStyle/>
-            <a:p>
-              <a:endParaRPr/>
-            </a:p>
-          </p:txBody>
-        </p:sp>
-        <p:pic>
-          <p:nvPicPr>
-            <p:cNvPr id="4" name="object 4"/>
-            <p:cNvPicPr/>
-            <p:nvPr/>
-          </p:nvPicPr>
-          <p:blipFill>
-            <a:blip r:embed="rId3" cstate="print"/>
-            <a:stretch>
-              <a:fillRect/>
-            </a:stretch>
-          </p:blipFill>
-          <p:spPr>
-            <a:xfrm>
-              <a:off x="165200" y="981163"/>
-              <a:ext cx="5177663" cy="50609"/>
-            </a:xfrm>
-            <a:prstGeom prst="rect">
-              <a:avLst/>
-            </a:prstGeom>
-          </p:spPr>
-        </p:pic>
-        <p:sp>
-          <p:nvSpPr>
-            <p:cNvPr id="5" name="object 5"/>
-            <p:cNvSpPr/>
-            <p:nvPr/>
-          </p:nvSpPr>
-          <p:spPr>
-            <a:xfrm>
-              <a:off x="165188" y="1025461"/>
-              <a:ext cx="5177790" cy="575945"/>
-            </a:xfrm>
-            <a:custGeom>
-              <a:avLst/>
-              <a:gdLst/>
-              <a:ahLst/>
-              <a:cxnLst/>
-              <a:rect l="l" t="t" r="r" b="b"/>
-              <a:pathLst>
-                <a:path w="5177790" h="575944">
-                  <a:moveTo>
-                    <a:pt x="5177663" y="457060"/>
-                  </a:moveTo>
-                  <a:lnTo>
-                    <a:pt x="5173662" y="437337"/>
-                  </a:lnTo>
-                  <a:lnTo>
-                    <a:pt x="5162740" y="421182"/>
-                  </a:lnTo>
-                  <a:lnTo>
-                    <a:pt x="5146599" y="410273"/>
-                  </a:lnTo>
-                  <a:lnTo>
-                    <a:pt x="5126863" y="406260"/>
-                  </a:lnTo>
-                  <a:lnTo>
-                    <a:pt x="50800" y="406260"/>
-                  </a:lnTo>
-                  <a:lnTo>
-                    <a:pt x="31076" y="410273"/>
-                  </a:lnTo>
-                  <a:lnTo>
-                    <a:pt x="14922" y="421182"/>
-                  </a:lnTo>
-                  <a:lnTo>
-                    <a:pt x="4013" y="437337"/>
-                  </a:lnTo>
-                  <a:lnTo>
-                    <a:pt x="0" y="457060"/>
-                  </a:lnTo>
-                  <a:lnTo>
-                    <a:pt x="0" y="575322"/>
-                  </a:lnTo>
-                  <a:lnTo>
-                    <a:pt x="5177663" y="575322"/>
-                  </a:lnTo>
-                  <a:lnTo>
-                    <a:pt x="5177663" y="457060"/>
-                  </a:lnTo>
-                  <a:close/>
-                </a:path>
-                <a:path w="5177790" h="575944">
-                  <a:moveTo>
-                    <a:pt x="5177663" y="0"/>
-                  </a:moveTo>
-                  <a:lnTo>
-                    <a:pt x="0" y="0"/>
-                  </a:lnTo>
-                  <a:lnTo>
-                    <a:pt x="0" y="266903"/>
-                  </a:lnTo>
-                  <a:lnTo>
-                    <a:pt x="4013" y="286639"/>
-                  </a:lnTo>
-                  <a:lnTo>
-                    <a:pt x="14922" y="302793"/>
-                  </a:lnTo>
-                  <a:lnTo>
-                    <a:pt x="31076" y="313702"/>
-                  </a:lnTo>
-                  <a:lnTo>
-                    <a:pt x="50800" y="317715"/>
-                  </a:lnTo>
-                  <a:lnTo>
-                    <a:pt x="5126863" y="317715"/>
-                  </a:lnTo>
-                  <a:lnTo>
-                    <a:pt x="5146599" y="313702"/>
-                  </a:lnTo>
-                  <a:lnTo>
-                    <a:pt x="5162740" y="302793"/>
-                  </a:lnTo>
-                  <a:lnTo>
-                    <a:pt x="5173662" y="286639"/>
-                  </a:lnTo>
-                  <a:lnTo>
-                    <a:pt x="5177663" y="266903"/>
-                  </a:lnTo>
-                  <a:lnTo>
-                    <a:pt x="5177663" y="0"/>
-                  </a:lnTo>
-                  <a:close/>
-                </a:path>
-              </a:pathLst>
-            </a:custGeom>
-            <a:solidFill>
-              <a:srgbClr val="FFFFFF"/>
-            </a:solidFill>
-          </p:spPr>
-          <p:txBody>
-            <a:bodyPr wrap="square" lIns="0" tIns="0" rIns="0" bIns="0" rtlCol="0"/>
-            <a:lstStyle/>
-            <a:p>
-              <a:endParaRPr/>
-            </a:p>
-          </p:txBody>
-        </p:sp>
-        <p:pic>
-          <p:nvPicPr>
-            <p:cNvPr id="6" name="object 6"/>
-            <p:cNvPicPr/>
-            <p:nvPr/>
-          </p:nvPicPr>
-          <p:blipFill>
-            <a:blip r:embed="rId4" cstate="print"/>
-            <a:stretch>
-              <a:fillRect/>
-            </a:stretch>
-          </p:blipFill>
-          <p:spPr>
-            <a:xfrm>
-              <a:off x="165200" y="1588134"/>
-              <a:ext cx="5177663" cy="50609"/>
-            </a:xfrm>
-            <a:prstGeom prst="rect">
-              <a:avLst/>
-            </a:prstGeom>
-          </p:spPr>
-        </p:pic>
-        <p:sp>
-          <p:nvSpPr>
-            <p:cNvPr id="7" name="object 7"/>
-            <p:cNvSpPr/>
-            <p:nvPr/>
-          </p:nvSpPr>
-          <p:spPr>
-            <a:xfrm>
-              <a:off x="165188" y="1632407"/>
-              <a:ext cx="5177790" cy="600710"/>
-            </a:xfrm>
-            <a:custGeom>
-              <a:avLst/>
-              <a:gdLst/>
-              <a:ahLst/>
-              <a:cxnLst/>
-              <a:rect l="l" t="t" r="r" b="b"/>
-              <a:pathLst>
-                <a:path w="5177790" h="600710">
-                  <a:moveTo>
-                    <a:pt x="5177663" y="455714"/>
-                  </a:moveTo>
-                  <a:lnTo>
-                    <a:pt x="5173662" y="435991"/>
-                  </a:lnTo>
-                  <a:lnTo>
-                    <a:pt x="5162740" y="419836"/>
-                  </a:lnTo>
-                  <a:lnTo>
-                    <a:pt x="5146599" y="408927"/>
-                  </a:lnTo>
-                  <a:lnTo>
-                    <a:pt x="5126863" y="404914"/>
-                  </a:lnTo>
-                  <a:lnTo>
-                    <a:pt x="50800" y="404914"/>
-                  </a:lnTo>
-                  <a:lnTo>
-                    <a:pt x="31076" y="408927"/>
-                  </a:lnTo>
-                  <a:lnTo>
-                    <a:pt x="14922" y="419836"/>
-                  </a:lnTo>
-                  <a:lnTo>
-                    <a:pt x="4013" y="435991"/>
-                  </a:lnTo>
-                  <a:lnTo>
-                    <a:pt x="0" y="455714"/>
-                  </a:lnTo>
-                  <a:lnTo>
-                    <a:pt x="0" y="600163"/>
-                  </a:lnTo>
-                  <a:lnTo>
-                    <a:pt x="5177663" y="600163"/>
-                  </a:lnTo>
-                  <a:lnTo>
-                    <a:pt x="5177663" y="455714"/>
-                  </a:lnTo>
-                  <a:close/>
-                </a:path>
-                <a:path w="5177790" h="600710">
-                  <a:moveTo>
-                    <a:pt x="5177663" y="0"/>
-                  </a:moveTo>
-                  <a:lnTo>
-                    <a:pt x="0" y="0"/>
-                  </a:lnTo>
-                  <a:lnTo>
-                    <a:pt x="0" y="265544"/>
-                  </a:lnTo>
-                  <a:lnTo>
-                    <a:pt x="4013" y="285280"/>
-                  </a:lnTo>
-                  <a:lnTo>
-                    <a:pt x="14922" y="301434"/>
-                  </a:lnTo>
-                  <a:lnTo>
-                    <a:pt x="31076" y="312343"/>
-                  </a:lnTo>
-                  <a:lnTo>
-                    <a:pt x="50800" y="316357"/>
-                  </a:lnTo>
-                  <a:lnTo>
-                    <a:pt x="5126863" y="316357"/>
-                  </a:lnTo>
-                  <a:lnTo>
-                    <a:pt x="5146599" y="312343"/>
-                  </a:lnTo>
-                  <a:lnTo>
-                    <a:pt x="5162740" y="301434"/>
-                  </a:lnTo>
-                  <a:lnTo>
-                    <a:pt x="5173662" y="285280"/>
-                  </a:lnTo>
-                  <a:lnTo>
-                    <a:pt x="5177663" y="265544"/>
-                  </a:lnTo>
-                  <a:lnTo>
-                    <a:pt x="5177663" y="0"/>
-                  </a:lnTo>
-                  <a:close/>
-                </a:path>
-              </a:pathLst>
-            </a:custGeom>
-            <a:solidFill>
-              <a:srgbClr val="FFFFFF"/>
-            </a:solidFill>
-          </p:spPr>
-          <p:txBody>
-            <a:bodyPr wrap="square" lIns="0" tIns="0" rIns="0" bIns="0" rtlCol="0"/>
-            <a:lstStyle/>
-            <a:p>
-              <a:endParaRPr/>
-            </a:p>
-          </p:txBody>
-        </p:sp>
-      </p:grpSp>
-      <p:sp>
-        <p:nvSpPr>
-          <p:cNvPr id="8" name="object 8"/>
-          <p:cNvSpPr txBox="1"/>
-          <p:nvPr/>
-        </p:nvSpPr>
-        <p:spPr>
-          <a:xfrm rot="10800000">
-            <a:off x="237383" y="316589"/>
-            <a:ext cx="127791" cy="114300"/>
-          </a:xfrm>
-          <a:prstGeom prst="rect">
-            <a:avLst/>
-          </a:prstGeom>
-        </p:spPr>
-        <p:txBody>
-          <a:bodyPr vert="horz" wrap="square" lIns="0" tIns="0" rIns="0" bIns="0" rtlCol="0">
-            <a:spAutoFit/>
-          </a:bodyPr>
-          <a:lstStyle/>
-          <a:p>
-            <a:pPr>
-              <a:lnSpc>
-                <a:spcPts val="890"/>
-              </a:lnSpc>
-            </a:pPr>
-            <a:r>
-              <a:rPr sz="900" spc="-120" dirty="0">
-                <a:latin typeface="Cambria"/>
-                <a:cs typeface="Cambria"/>
-              </a:rPr>
-              <a:t>↰</a:t>
-            </a:r>
-            <a:endParaRPr sz="900">
-              <a:latin typeface="Cambria"/>
-              <a:cs typeface="Cambria"/>
-            </a:endParaRPr>
-          </a:p>
-        </p:txBody>
-      </p:sp>
       <p:sp>
         <p:nvSpPr>
           <p:cNvPr id="9" name="object 9"/>
@@ -17815,8 +17717,8 @@
         </p:nvSpPr>
         <p:spPr>
           <a:xfrm>
-            <a:off x="203301" y="154913"/>
-            <a:ext cx="1993799" cy="310534"/>
+            <a:off x="198105" y="302709"/>
+            <a:ext cx="1993799" cy="178254"/>
           </a:xfrm>
           <a:prstGeom prst="rect">
             <a:avLst/>
@@ -17848,38 +17750,6 @@
               <a:rPr spc="-10" dirty="0"/>
               <a:t>задачи</a:t>
             </a:r>
-          </a:p>
-          <a:p>
-            <a:pPr marL="154305">
-              <a:lnSpc>
-                <a:spcPts val="1065"/>
-              </a:lnSpc>
-            </a:pPr>
-            <a:r>
-              <a:rPr lang="ru-RU" sz="900" spc="-55" dirty="0"/>
-              <a:t> </a:t>
-            </a:r>
-            <a:r>
-              <a:rPr sz="900" spc="-55" dirty="0" err="1"/>
-              <a:t>Концептуальная</a:t>
-            </a:r>
-            <a:r>
-              <a:rPr sz="900" spc="40" dirty="0"/>
-              <a:t> </a:t>
-            </a:r>
-            <a:r>
-              <a:rPr sz="900" spc="-50" dirty="0"/>
-              <a:t>постановка</a:t>
-            </a:r>
-            <a:r>
-              <a:rPr sz="900" spc="45" dirty="0"/>
-              <a:t> </a:t>
-            </a:r>
-            <a:r>
-              <a:rPr sz="900" spc="-30" dirty="0"/>
-              <a:t>задачи</a:t>
-            </a:r>
-            <a:endParaRPr sz="900" dirty="0"/>
           </a:p>
         </p:txBody>
       </p:sp>
@@ -17932,7 +17802,7 @@
           <p:nvPr/>
         </p:nvPicPr>
         <p:blipFill>
-          <a:blip r:embed="rId5" cstate="print"/>
+          <a:blip r:embed="rId3" cstate="print"/>
           <a:stretch>
             <a:fillRect/>
           </a:stretch>
@@ -17947,156 +17817,6 @@
           </a:prstGeom>
         </p:spPr>
       </p:pic>
-      <p:sp>
-        <p:nvSpPr>
-          <p:cNvPr id="12" name="object 12"/>
-          <p:cNvSpPr txBox="1"/>
-          <p:nvPr/>
-        </p:nvSpPr>
-        <p:spPr>
-          <a:xfrm>
-            <a:off x="198105" y="507774"/>
-            <a:ext cx="4887595" cy="940450"/>
-          </a:xfrm>
-          <a:prstGeom prst="rect">
-            <a:avLst/>
-          </a:prstGeom>
-        </p:spPr>
-        <p:txBody>
-          <a:bodyPr vert="horz" wrap="square" lIns="0" tIns="65405" rIns="0" bIns="0" rtlCol="0">
-            <a:spAutoFit/>
-          </a:bodyPr>
-          <a:lstStyle/>
-          <a:p>
-            <a:pPr marL="12700">
-              <a:lnSpc>
-                <a:spcPct val="100000"/>
-              </a:lnSpc>
-              <a:spcBef>
-                <a:spcPts val="515"/>
-              </a:spcBef>
-            </a:pPr>
-            <a:r>
-              <a:rPr sz="1000" spc="-75" dirty="0">
-                <a:solidFill>
-                  <a:srgbClr val="3333B2"/>
-                </a:solidFill>
-                <a:latin typeface="Trebuchet MS"/>
-                <a:cs typeface="Trebuchet MS"/>
-              </a:rPr>
-              <a:t>Объект</a:t>
-            </a:r>
-            <a:r>
-              <a:rPr sz="1000" spc="-30" dirty="0">
-                <a:solidFill>
-                  <a:srgbClr val="3333B2"/>
-                </a:solidFill>
-                <a:latin typeface="Trebuchet MS"/>
-                <a:cs typeface="Trebuchet MS"/>
-              </a:rPr>
-              <a:t> </a:t>
-            </a:r>
-            <a:r>
-              <a:rPr sz="1000" spc="-10" dirty="0">
-                <a:solidFill>
-                  <a:srgbClr val="3333B2"/>
-                </a:solidFill>
-                <a:latin typeface="Trebuchet MS"/>
-                <a:cs typeface="Trebuchet MS"/>
-              </a:rPr>
-              <a:t>исследований</a:t>
-            </a:r>
-            <a:endParaRPr sz="1000" dirty="0">
-              <a:latin typeface="Trebuchet MS"/>
-              <a:cs typeface="Trebuchet MS"/>
-            </a:endParaRPr>
-          </a:p>
-          <a:p>
-            <a:pPr marL="12700" marR="637540">
-              <a:lnSpc>
-                <a:spcPct val="101000"/>
-              </a:lnSpc>
-              <a:spcBef>
-                <a:spcPts val="365"/>
-              </a:spcBef>
-            </a:pPr>
-            <a:r>
-              <a:rPr lang="ru-RU" sz="900" dirty="0"/>
-              <a:t>Распределённая система управления процессами запущенных серверов</a:t>
-            </a:r>
-            <a:r>
-              <a:rPr lang="en-US" sz="900" dirty="0"/>
-              <a:t>.</a:t>
-            </a:r>
-          </a:p>
-          <a:p>
-            <a:pPr marL="12700" marR="637540">
-              <a:lnSpc>
-                <a:spcPct val="101000"/>
-              </a:lnSpc>
-              <a:spcBef>
-                <a:spcPts val="365"/>
-              </a:spcBef>
-            </a:pPr>
-            <a:r>
-              <a:rPr sz="1000" spc="-65" dirty="0" err="1">
-                <a:solidFill>
-                  <a:srgbClr val="3333B2"/>
-                </a:solidFill>
-                <a:latin typeface="Trebuchet MS"/>
-                <a:cs typeface="Trebuchet MS"/>
-              </a:rPr>
-              <a:t>Цель</a:t>
-            </a:r>
-            <a:r>
-              <a:rPr sz="1000" spc="-45" dirty="0">
-                <a:solidFill>
-                  <a:srgbClr val="3333B2"/>
-                </a:solidFill>
-                <a:latin typeface="Trebuchet MS"/>
-                <a:cs typeface="Trebuchet MS"/>
-              </a:rPr>
-              <a:t> </a:t>
-            </a:r>
-            <a:r>
-              <a:rPr lang="ru-RU" sz="1000" spc="-10" dirty="0">
-                <a:solidFill>
-                  <a:srgbClr val="3333B2"/>
-                </a:solidFill>
-                <a:latin typeface="Trebuchet MS"/>
-                <a:cs typeface="Trebuchet MS"/>
-              </a:rPr>
-              <a:t>работы</a:t>
-            </a:r>
-            <a:endParaRPr sz="1000" dirty="0">
-              <a:latin typeface="Trebuchet MS"/>
-              <a:cs typeface="Trebuchet MS"/>
-            </a:endParaRPr>
-          </a:p>
-          <a:p>
-            <a:pPr marL="12700" marR="5080">
-              <a:lnSpc>
-                <a:spcPct val="101000"/>
-              </a:lnSpc>
-              <a:spcBef>
-                <a:spcPts val="355"/>
-              </a:spcBef>
-            </a:pPr>
-            <a:r>
-              <a:rPr lang="ru-RU" sz="900" dirty="0"/>
-              <a:t>Разработать распределённую систему для автоматизированного запуска, мониторинга и управления выделенными серверами</a:t>
-            </a:r>
-            <a:r>
-              <a:rPr lang="en-US" sz="900" dirty="0"/>
-              <a:t> Unreal Engine 4.</a:t>
-            </a:r>
-            <a:endParaRPr sz="900" dirty="0">
-              <a:latin typeface="Trebuchet MS"/>
-              <a:cs typeface="Trebuchet MS"/>
-            </a:endParaRPr>
-          </a:p>
-        </p:txBody>
-      </p:sp>
       <p:pic>
         <p:nvPicPr>
           <p:cNvPr id="13" name="object 13"/>
@@ -18104,7 +17824,7 @@
           <p:nvPr/>
         </p:nvPicPr>
         <p:blipFill>
-          <a:blip r:embed="rId3" cstate="print"/>
+          <a:blip r:embed="rId4" cstate="print"/>
           <a:stretch>
             <a:fillRect/>
           </a:stretch>
@@ -18152,7 +17872,7 @@
               </a:tabLst>
             </a:pPr>
             <a:r>
-              <a:rPr lang="ru-RU" sz="900" spc="-55" dirty="0">
+              <a:rPr lang="ru-RU" sz="900" b="1" spc="-55" dirty="0">
                 <a:solidFill>
                   <a:srgbClr val="3333B2"/>
                 </a:solidFill>
@@ -18161,7 +17881,7 @@
               </a:rPr>
               <a:t>Поставленные задачи</a:t>
             </a:r>
-            <a:endParaRPr lang="ru-RU" sz="900" i="1" spc="-55" dirty="0">
+            <a:endParaRPr lang="ru-RU" sz="900" b="1" i="1" spc="-55" dirty="0">
               <a:solidFill>
                 <a:srgbClr val="7F7F7F"/>
               </a:solidFill>
@@ -18439,6 +18159,165 @@
               <a:latin typeface="Trebuchet MS"/>
               <a:cs typeface="Trebuchet MS"/>
             </a:endParaRPr>
+          </a:p>
+        </p:txBody>
+      </p:sp>
+      <p:sp>
+        <p:nvSpPr>
+          <p:cNvPr id="8" name="TextBox 7">
+            <a:extLst>
+              <a:ext uri="{FF2B5EF4-FFF2-40B4-BE49-F238E27FC236}">
+                <a16:creationId xmlns:a16="http://schemas.microsoft.com/office/drawing/2014/main" id="{68C43700-8D07-4758-8E7E-CC4A0D730CA2}"/>
+              </a:ext>
+            </a:extLst>
+          </p:cNvPr>
+          <p:cNvSpPr txBox="1"/>
+          <p:nvPr/>
+        </p:nvSpPr>
+        <p:spPr>
+          <a:xfrm>
+            <a:off x="63500" y="624134"/>
+            <a:ext cx="5019644" cy="1082861"/>
+          </a:xfrm>
+          <a:prstGeom prst="rect">
+            <a:avLst/>
+          </a:prstGeom>
+          <a:noFill/>
+        </p:spPr>
+        <p:txBody>
+          <a:bodyPr wrap="none" rtlCol="0">
+            <a:spAutoFit/>
+          </a:bodyPr>
+          <a:lstStyle/>
+          <a:p>
+            <a:pPr marL="12700">
+              <a:lnSpc>
+                <a:spcPct val="100000"/>
+              </a:lnSpc>
+              <a:spcBef>
+                <a:spcPts val="515"/>
+              </a:spcBef>
+            </a:pPr>
+            <a:r>
+              <a:rPr lang="ru-RU" sz="900" b="1" spc="-75" dirty="0">
+                <a:solidFill>
+                  <a:srgbClr val="3333B2"/>
+                </a:solidFill>
+                <a:latin typeface="Trebuchet MS"/>
+                <a:cs typeface="Trebuchet MS"/>
+              </a:rPr>
+              <a:t>Объект</a:t>
+            </a:r>
+            <a:r>
+              <a:rPr lang="ru-RU" sz="900" b="1" spc="-30" dirty="0">
+                <a:solidFill>
+                  <a:srgbClr val="3333B2"/>
+                </a:solidFill>
+                <a:latin typeface="Trebuchet MS"/>
+                <a:cs typeface="Trebuchet MS"/>
+              </a:rPr>
+              <a:t> </a:t>
+            </a:r>
+            <a:r>
+              <a:rPr lang="ru-RU" sz="900" b="1" spc="-10" dirty="0">
+                <a:solidFill>
+                  <a:srgbClr val="3333B2"/>
+                </a:solidFill>
+                <a:latin typeface="Trebuchet MS"/>
+                <a:cs typeface="Trebuchet MS"/>
+              </a:rPr>
+              <a:t>исследований</a:t>
+            </a:r>
+            <a:endParaRPr lang="ru-RU" sz="900" b="1" dirty="0">
+              <a:latin typeface="Trebuchet MS"/>
+              <a:cs typeface="Trebuchet MS"/>
+            </a:endParaRPr>
+          </a:p>
+          <a:p>
+            <a:pPr marL="12700" marR="637540">
+              <a:lnSpc>
+                <a:spcPct val="101000"/>
+              </a:lnSpc>
+              <a:spcBef>
+                <a:spcPts val="365"/>
+              </a:spcBef>
+            </a:pPr>
+            <a:r>
+              <a:rPr lang="ru-RU" sz="900" dirty="0"/>
+              <a:t>Распределённая система управления процессами запущенных серверов.</a:t>
+            </a:r>
+          </a:p>
+          <a:p>
+            <a:pPr marL="12700" marR="637540">
+              <a:lnSpc>
+                <a:spcPct val="101000"/>
+              </a:lnSpc>
+              <a:spcBef>
+                <a:spcPts val="365"/>
+              </a:spcBef>
+            </a:pPr>
+            <a:r>
+              <a:rPr lang="ru-RU" sz="900" b="1" spc="-65" dirty="0">
+                <a:solidFill>
+                  <a:srgbClr val="3333B2"/>
+                </a:solidFill>
+                <a:latin typeface="Trebuchet MS"/>
+                <a:cs typeface="Trebuchet MS"/>
+              </a:rPr>
+              <a:t>Цель</a:t>
+            </a:r>
+            <a:r>
+              <a:rPr lang="ru-RU" sz="900" b="1" spc="-45" dirty="0">
+                <a:solidFill>
+                  <a:srgbClr val="3333B2"/>
+                </a:solidFill>
+                <a:latin typeface="Trebuchet MS"/>
+                <a:cs typeface="Trebuchet MS"/>
+              </a:rPr>
+              <a:t> </a:t>
+            </a:r>
+            <a:r>
+              <a:rPr lang="ru-RU" sz="900" b="1" spc="-10" dirty="0">
+                <a:solidFill>
+                  <a:srgbClr val="3333B2"/>
+                </a:solidFill>
+                <a:latin typeface="Trebuchet MS"/>
+                <a:cs typeface="Trebuchet MS"/>
+              </a:rPr>
+              <a:t>работы</a:t>
+            </a:r>
+            <a:endParaRPr lang="ru-RU" sz="900" b="1" dirty="0">
+              <a:latin typeface="Trebuchet MS"/>
+              <a:cs typeface="Trebuchet MS"/>
+            </a:endParaRPr>
+          </a:p>
+          <a:p>
+            <a:pPr marL="12700" marR="5080">
+              <a:lnSpc>
+                <a:spcPct val="101000"/>
+              </a:lnSpc>
+              <a:spcBef>
+                <a:spcPts val="355"/>
+              </a:spcBef>
+            </a:pPr>
+            <a:r>
+              <a:rPr lang="ru-RU" sz="900" dirty="0"/>
+              <a:t>Разработать распределённую систему для автоматизированного запуска, мониторинга и</a:t>
+            </a:r>
+            <a:br>
+              <a:rPr lang="en-US" sz="900" dirty="0"/>
+            </a:br>
+            <a:r>
+              <a:rPr lang="ru-RU" sz="900" dirty="0"/>
+              <a:t>управления выделенными серверами Unreal Engine 4.</a:t>
+            </a:r>
+            <a:endParaRPr lang="ru-RU" sz="900" dirty="0">
+              <a:latin typeface="Trebuchet MS"/>
+              <a:cs typeface="Trebuchet MS"/>
+            </a:endParaRPr>
+          </a:p>
+          <a:p>
+            <a:endParaRPr lang="ru-RU" sz="900" dirty="0"/>
           </a:p>
         </p:txBody>
       </p:sp>
@@ -18687,49 +18566,115 @@
           </a:p>
         </p:txBody>
       </p:sp>
-      <p:sp>
-        <p:nvSpPr>
-          <p:cNvPr id="10" name="TextBox 9">
-            <a:extLst>
-              <a:ext uri="{FF2B5EF4-FFF2-40B4-BE49-F238E27FC236}">
-                <a16:creationId xmlns:a16="http://schemas.microsoft.com/office/drawing/2014/main" id="{799B1AFD-2162-4530-B9BE-22FCE3DAD29F}"/>
-              </a:ext>
-            </a:extLst>
-          </p:cNvPr>
-          <p:cNvSpPr txBox="1"/>
-          <p:nvPr/>
-        </p:nvSpPr>
-        <p:spPr>
-          <a:xfrm>
-            <a:off x="3372495" y="2805861"/>
-            <a:ext cx="1622560" cy="307777"/>
-          </a:xfrm>
-          <a:prstGeom prst="rect">
-            <a:avLst/>
-          </a:prstGeom>
-          <a:noFill/>
-        </p:spPr>
-        <p:txBody>
-          <a:bodyPr wrap="none" rtlCol="0">
-            <a:spAutoFit/>
-          </a:bodyPr>
-          <a:lstStyle/>
-          <a:p>
-            <a:pPr algn="ctr"/>
-            <a:r>
-              <a:rPr lang="ru-RU" sz="700" dirty="0"/>
-              <a:t>Рисунок 1. Схема архитектуры</a:t>
-            </a:r>
-          </a:p>
-          <a:p>
-            <a:pPr algn="ctr"/>
-            <a:r>
-              <a:rPr lang="ru-RU" sz="700" dirty="0"/>
-              <a:t>распределенной сетевой системы</a:t>
-            </a:r>
-          </a:p>
-        </p:txBody>
-      </p:sp>
+      <mc:AlternateContent xmlns:mc="http://schemas.openxmlformats.org/markup-compatibility/2006">
+        <mc:Choice xmlns:a14="http://schemas.microsoft.com/office/drawing/2010/main" Requires="a14">
+          <p:sp>
+            <p:nvSpPr>
+              <p:cNvPr id="10" name="TextBox 9">
+                <a:extLst>
+                  <a:ext uri="{FF2B5EF4-FFF2-40B4-BE49-F238E27FC236}">
+                    <a16:creationId xmlns:a16="http://schemas.microsoft.com/office/drawing/2014/main" id="{799B1AFD-2162-4530-B9BE-22FCE3DAD29F}"/>
+                  </a:ext>
+                </a:extLst>
+              </p:cNvPr>
+              <p:cNvSpPr txBox="1"/>
+              <p:nvPr/>
+            </p:nvSpPr>
+            <p:spPr>
+              <a:xfrm>
+                <a:off x="3372495" y="2805861"/>
+                <a:ext cx="1622560" cy="307777"/>
+              </a:xfrm>
+              <a:prstGeom prst="rect">
+                <a:avLst/>
+              </a:prstGeom>
+              <a:noFill/>
+            </p:spPr>
+            <p:txBody>
+              <a:bodyPr wrap="none" rtlCol="0">
+                <a:spAutoFit/>
+              </a:bodyPr>
+              <a:lstStyle/>
+              <a:p>
+                <a:pPr algn="ctr"/>
+                <a:r>
+                  <a:rPr lang="ru-RU" sz="700" dirty="0"/>
+                  <a:t>Рисунок 1</a:t>
+                </a:r>
+                <a:r>
+                  <a:rPr lang="en-US" sz="700" dirty="0"/>
+                  <a:t> </a:t>
+                </a:r>
+                <a14:m>
+                  <m:oMath xmlns:m="http://schemas.openxmlformats.org/officeDocument/2006/math">
+                    <m:r>
+                      <a:rPr lang="en-US" sz="700" b="0" i="1" smtClean="0">
+                        <a:latin typeface="Cambria Math" panose="02040503050406030204" pitchFamily="18" charset="0"/>
+                      </a:rPr>
+                      <m:t>−</m:t>
+                    </m:r>
+                  </m:oMath>
+                </a14:m>
+                <a:r>
+                  <a:rPr lang="ru-RU" sz="700" dirty="0"/>
+                  <a:t> Схема архитектуры</a:t>
+                </a:r>
+              </a:p>
+              <a:p>
+                <a:pPr algn="ctr"/>
+                <a:r>
+                  <a:rPr lang="ru-RU" sz="700" dirty="0"/>
+                  <a:t>распределенной сетевой системы</a:t>
+                </a:r>
+              </a:p>
+            </p:txBody>
+          </p:sp>
+        </mc:Choice>
+        <mc:Fallback>
+          <p:sp>
+            <p:nvSpPr>
+              <p:cNvPr id="10" name="TextBox 9">
+                <a:extLst>
+                  <a:ext uri="{FF2B5EF4-FFF2-40B4-BE49-F238E27FC236}">
+                    <a16:creationId xmlns:a16="http://schemas.microsoft.com/office/drawing/2014/main" id="{799B1AFD-2162-4530-B9BE-22FCE3DAD29F}"/>
+                  </a:ext>
+                </a:extLst>
+              </p:cNvPr>
+              <p:cNvSpPr txBox="1">
+                <a:spLocks noRot="1" noChangeAspect="1" noMove="1" noResize="1" noEditPoints="1" noAdjustHandles="1" noChangeArrowheads="1" noChangeShapeType="1" noTextEdit="1"/>
+              </p:cNvSpPr>
+              <p:nvPr/>
+            </p:nvSpPr>
+            <p:spPr>
+              <a:xfrm>
+                <a:off x="3372495" y="2805861"/>
+                <a:ext cx="1622560" cy="307777"/>
+              </a:xfrm>
+              <a:prstGeom prst="rect">
+                <a:avLst/>
+              </a:prstGeom>
+              <a:blipFill>
+                <a:blip r:embed="rId4"/>
+                <a:stretch>
+                  <a:fillRect b="-1961"/>
+                </a:stretch>
+              </a:blipFill>
+            </p:spPr>
+            <p:txBody>
+              <a:bodyPr/>
+              <a:lstStyle/>
+              <a:p>
+                <a:r>
+                  <a:rPr lang="ru-RU">
+                    <a:noFill/>
+                  </a:rPr>
+                  <a:t> </a:t>
+                </a:r>
+              </a:p>
+            </p:txBody>
+          </p:sp>
+        </mc:Fallback>
+      </mc:AlternateContent>
       <mc:AlternateContent xmlns:mc="http://schemas.openxmlformats.org/markup-compatibility/2006" xmlns:a14="http://schemas.microsoft.com/office/drawing/2010/main">
         <mc:Choice Requires="a14">
           <p:sp>
@@ -18818,7 +18763,7 @@
                 <a:avLst/>
               </a:prstGeom>
               <a:blipFill>
-                <a:blip r:embed="rId4"/>
+                <a:blip r:embed="rId5"/>
                 <a:stretch>
                   <a:fillRect b="-1163"/>
                 </a:stretch>
@@ -19213,7 +19158,7 @@
           <p:nvPr/>
         </p:nvPicPr>
         <p:blipFill>
-          <a:blip r:embed="rId5">
+          <a:blip r:embed="rId6">
             <a:extLst>
               <a:ext uri="{28A0092B-C50C-407E-A947-70E740481C1C}">
                 <a14:useLocalDpi xmlns:a14="http://schemas.microsoft.com/office/drawing/2010/main" val="0"/>
@@ -19623,75 +19568,141 @@
           </a:p>
         </p:txBody>
       </p:sp>
-      <p:sp>
-        <p:nvSpPr>
-          <p:cNvPr id="10" name="TextBox 9">
-            <a:extLst>
-              <a:ext uri="{FF2B5EF4-FFF2-40B4-BE49-F238E27FC236}">
-                <a16:creationId xmlns:a16="http://schemas.microsoft.com/office/drawing/2014/main" id="{799B1AFD-2162-4530-B9BE-22FCE3DAD29F}"/>
-              </a:ext>
-            </a:extLst>
-          </p:cNvPr>
-          <p:cNvSpPr txBox="1"/>
-          <p:nvPr/>
-        </p:nvSpPr>
-        <p:spPr>
-          <a:xfrm>
-            <a:off x="1339849" y="2904281"/>
-            <a:ext cx="3086101" cy="369332"/>
-          </a:xfrm>
-          <a:prstGeom prst="rect">
-            <a:avLst/>
-          </a:prstGeom>
-          <a:noFill/>
-        </p:spPr>
-        <p:txBody>
-          <a:bodyPr wrap="none" rtlCol="0">
-            <a:spAutoFit/>
-          </a:bodyPr>
-          <a:lstStyle/>
-          <a:p>
-            <a:pPr algn="ctr"/>
-            <a:r>
-              <a:rPr lang="ru-RU" sz="600" dirty="0"/>
-              <a:t>Рисунок 2. Исследованные варианты схем обратного сетевого взаимодействия:</a:t>
-            </a:r>
-            <a:endParaRPr lang="en-US" sz="600" dirty="0"/>
-          </a:p>
-          <a:p>
-            <a:pPr algn="ctr"/>
-            <a:r>
-              <a:rPr lang="en-US" sz="600" dirty="0"/>
-              <a:t>A) </a:t>
-            </a:r>
-            <a:r>
-              <a:rPr lang="ru-RU" sz="600" dirty="0"/>
-              <a:t>Напрямую с клиентом</a:t>
-            </a:r>
-            <a:r>
-              <a:rPr lang="en-US" sz="600" dirty="0"/>
-              <a:t>;</a:t>
-            </a:r>
-            <a:r>
-              <a:rPr lang="ru-RU" sz="600" dirty="0"/>
-              <a:t> </a:t>
-            </a:r>
-            <a:endParaRPr lang="en-US" sz="600" dirty="0"/>
-          </a:p>
-          <a:p>
-            <a:pPr algn="ctr"/>
-            <a:r>
-              <a:rPr lang="ru-RU" sz="600" dirty="0"/>
-              <a:t>Б) Через менеджер серверов</a:t>
-            </a:r>
-            <a:r>
-              <a:rPr lang="en-US" sz="600" dirty="0"/>
-              <a:t>.</a:t>
-            </a:r>
-            <a:endParaRPr lang="ru-RU" sz="600" dirty="0"/>
-          </a:p>
-        </p:txBody>
-      </p:sp>
+      <mc:AlternateContent xmlns:mc="http://schemas.openxmlformats.org/markup-compatibility/2006">
+        <mc:Choice xmlns:a14="http://schemas.microsoft.com/office/drawing/2010/main" Requires="a14">
+          <p:sp>
+            <p:nvSpPr>
+              <p:cNvPr id="10" name="TextBox 9">
+                <a:extLst>
+                  <a:ext uri="{FF2B5EF4-FFF2-40B4-BE49-F238E27FC236}">
+                    <a16:creationId xmlns:a16="http://schemas.microsoft.com/office/drawing/2014/main" id="{799B1AFD-2162-4530-B9BE-22FCE3DAD29F}"/>
+                  </a:ext>
+                </a:extLst>
+              </p:cNvPr>
+              <p:cNvSpPr txBox="1"/>
+              <p:nvPr/>
+            </p:nvSpPr>
+            <p:spPr>
+              <a:xfrm>
+                <a:off x="1310995" y="2904281"/>
+                <a:ext cx="3143809" cy="369332"/>
+              </a:xfrm>
+              <a:prstGeom prst="rect">
+                <a:avLst/>
+              </a:prstGeom>
+              <a:noFill/>
+            </p:spPr>
+            <p:txBody>
+              <a:bodyPr wrap="none" rtlCol="0">
+                <a:spAutoFit/>
+              </a:bodyPr>
+              <a:lstStyle/>
+              <a:p>
+                <a:pPr algn="ctr"/>
+                <a:r>
+                  <a:rPr lang="ru-RU" sz="600" dirty="0"/>
+                  <a:t>Рисунок 2</a:t>
+                </a:r>
+                <a:r>
+                  <a:rPr lang="en-US" sz="600" dirty="0"/>
+                  <a:t> </a:t>
+                </a:r>
+                <a14:m>
+                  <m:oMath xmlns:m="http://schemas.openxmlformats.org/officeDocument/2006/math">
+                    <m:r>
+                      <a:rPr lang="en-US" sz="600" b="0" i="1" smtClean="0">
+                        <a:latin typeface="Cambria Math" panose="02040503050406030204" pitchFamily="18" charset="0"/>
+                      </a:rPr>
+                      <m:t>−</m:t>
+                    </m:r>
+                  </m:oMath>
+                </a14:m>
+                <a:r>
+                  <a:rPr lang="ru-RU" sz="600" dirty="0"/>
+                  <a:t> Исследованные варианты схем обратного сетевого взаимодействия:</a:t>
+                </a:r>
+                <a:endParaRPr lang="en-US" sz="600" dirty="0"/>
+              </a:p>
+              <a:p>
+                <a:pPr algn="ctr"/>
+                <a:r>
+                  <a:rPr lang="en-US" sz="600" dirty="0"/>
+                  <a:t>A) </a:t>
+                </a:r>
+                <a:r>
+                  <a:rPr lang="ru-RU" sz="600" dirty="0"/>
+                  <a:t>Напрямую с клиентом</a:t>
+                </a:r>
+                <a:r>
+                  <a:rPr lang="en-US" sz="600" dirty="0"/>
+                  <a:t>;</a:t>
+                </a:r>
+                <a:r>
+                  <a:rPr lang="ru-RU" sz="600" dirty="0"/>
+                  <a:t> </a:t>
+                </a:r>
+                <a:endParaRPr lang="en-US" sz="600" dirty="0"/>
+              </a:p>
+              <a:p>
+                <a:pPr algn="ctr"/>
+                <a:r>
+                  <a:rPr lang="ru-RU" sz="600" dirty="0"/>
+                  <a:t>Б) Через менеджер серверов</a:t>
+                </a:r>
+                <a:r>
+                  <a:rPr lang="en-US" sz="600" dirty="0"/>
+                  <a:t>.</a:t>
+                </a:r>
+                <a:endParaRPr lang="ru-RU" sz="600" dirty="0"/>
+              </a:p>
+            </p:txBody>
+          </p:sp>
+        </mc:Choice>
+        <mc:Fallback>
+          <p:sp>
+            <p:nvSpPr>
+              <p:cNvPr id="10" name="TextBox 9">
+                <a:extLst>
+                  <a:ext uri="{FF2B5EF4-FFF2-40B4-BE49-F238E27FC236}">
+                    <a16:creationId xmlns:a16="http://schemas.microsoft.com/office/drawing/2014/main" id="{799B1AFD-2162-4530-B9BE-22FCE3DAD29F}"/>
+                  </a:ext>
+                </a:extLst>
+              </p:cNvPr>
+              <p:cNvSpPr txBox="1">
+                <a:spLocks noRot="1" noChangeAspect="1" noMove="1" noResize="1" noEditPoints="1" noAdjustHandles="1" noChangeArrowheads="1" noChangeShapeType="1" noTextEdit="1"/>
+              </p:cNvSpPr>
+              <p:nvPr/>
+            </p:nvSpPr>
+            <p:spPr>
+              <a:xfrm>
+                <a:off x="1310995" y="2904281"/>
+                <a:ext cx="3143809" cy="369332"/>
+              </a:xfrm>
+              <a:prstGeom prst="rect">
+                <a:avLst/>
+              </a:prstGeom>
+              <a:blipFill>
+                <a:blip r:embed="rId4"/>
+                <a:stretch>
+                  <a:fillRect/>
+                </a:stretch>
+              </a:blipFill>
+            </p:spPr>
+            <p:txBody>
+              <a:bodyPr/>
+              <a:lstStyle/>
+              <a:p>
+                <a:r>
+                  <a:rPr lang="ru-RU">
+                    <a:noFill/>
+                  </a:rPr>
+                  <a:t> </a:t>
+                </a:r>
+              </a:p>
+            </p:txBody>
+          </p:sp>
+        </mc:Fallback>
+      </mc:AlternateContent>
       <p:sp>
         <p:nvSpPr>
           <p:cNvPr id="13" name="TextBox 12">
@@ -19777,7 +19788,7 @@
           <p:nvPr/>
         </p:nvPicPr>
         <p:blipFill>
-          <a:blip r:embed="rId4" cstate="print">
+          <a:blip r:embed="rId5" cstate="print">
             <a:extLst>
               <a:ext uri="{28A0092B-C50C-407E-A947-70E740481C1C}">
                 <a14:useLocalDpi xmlns:a14="http://schemas.microsoft.com/office/drawing/2010/main" val="0"/>
@@ -20062,57 +20073,123 @@
           </a:p>
         </p:txBody>
       </p:sp>
-      <p:sp>
-        <p:nvSpPr>
-          <p:cNvPr id="9" name="TextBox 8">
-            <a:extLst>
-              <a:ext uri="{FF2B5EF4-FFF2-40B4-BE49-F238E27FC236}">
-                <a16:creationId xmlns:a16="http://schemas.microsoft.com/office/drawing/2014/main" id="{CFAEFEEB-FB16-42F9-9E08-00410B254A7B}"/>
-              </a:ext>
-            </a:extLst>
-          </p:cNvPr>
-          <p:cNvSpPr txBox="1"/>
-          <p:nvPr/>
-        </p:nvSpPr>
-        <p:spPr>
-          <a:xfrm>
-            <a:off x="1770263" y="2720315"/>
-            <a:ext cx="2225289" cy="307777"/>
-          </a:xfrm>
-          <a:prstGeom prst="rect">
-            <a:avLst/>
-          </a:prstGeom>
-          <a:noFill/>
-        </p:spPr>
-        <p:txBody>
-          <a:bodyPr wrap="none" rtlCol="0">
-            <a:spAutoFit/>
-          </a:bodyPr>
-          <a:lstStyle/>
-          <a:p>
-            <a:pPr algn="ctr"/>
-            <a:r>
-              <a:rPr lang="ru-RU" sz="700" dirty="0"/>
-              <a:t>Рисунок 3. </a:t>
-            </a:r>
-            <a:r>
-              <a:rPr lang="en-US" sz="700" dirty="0"/>
-              <a:t>UML-</a:t>
-            </a:r>
-            <a:r>
-              <a:rPr lang="ru-RU" sz="700" dirty="0"/>
-              <a:t>диаграмма последовательности</a:t>
-            </a:r>
-          </a:p>
-          <a:p>
-            <a:pPr algn="ctr"/>
-            <a:r>
-              <a:rPr lang="ru-RU" sz="700" dirty="0"/>
-              <a:t>типового сценария использования системы</a:t>
-            </a:r>
-          </a:p>
-        </p:txBody>
-      </p:sp>
+      <mc:AlternateContent xmlns:mc="http://schemas.openxmlformats.org/markup-compatibility/2006">
+        <mc:Choice xmlns:a14="http://schemas.microsoft.com/office/drawing/2010/main" Requires="a14">
+          <p:sp>
+            <p:nvSpPr>
+              <p:cNvPr id="9" name="TextBox 8">
+                <a:extLst>
+                  <a:ext uri="{FF2B5EF4-FFF2-40B4-BE49-F238E27FC236}">
+                    <a16:creationId xmlns:a16="http://schemas.microsoft.com/office/drawing/2014/main" id="{CFAEFEEB-FB16-42F9-9E08-00410B254A7B}"/>
+                  </a:ext>
+                </a:extLst>
+              </p:cNvPr>
+              <p:cNvSpPr txBox="1"/>
+              <p:nvPr/>
+            </p:nvSpPr>
+            <p:spPr>
+              <a:xfrm>
+                <a:off x="1736600" y="2720315"/>
+                <a:ext cx="2292614" cy="307777"/>
+              </a:xfrm>
+              <a:prstGeom prst="rect">
+                <a:avLst/>
+              </a:prstGeom>
+              <a:noFill/>
+            </p:spPr>
+            <p:txBody>
+              <a:bodyPr wrap="none" rtlCol="0">
+                <a:spAutoFit/>
+              </a:bodyPr>
+              <a:lstStyle/>
+              <a:p>
+                <a:pPr algn="ctr"/>
+                <a:r>
+                  <a:rPr lang="ru-RU" sz="700" dirty="0"/>
+                  <a:t>Рисунок 3</a:t>
+                </a:r>
+                <a:r>
+                  <a:rPr lang="en-US" sz="700" dirty="0"/>
+                  <a:t> </a:t>
+                </a:r>
+                <a14:m>
+                  <m:oMath xmlns:m="http://schemas.openxmlformats.org/officeDocument/2006/math">
+                    <m:r>
+                      <a:rPr lang="en-US" sz="700" b="0" i="1" smtClean="0">
+                        <a:latin typeface="Cambria Math" panose="02040503050406030204" pitchFamily="18" charset="0"/>
+                      </a:rPr>
+                      <m:t>−</m:t>
+                    </m:r>
+                  </m:oMath>
+                </a14:m>
+                <a:r>
+                  <a:rPr lang="ru-RU" sz="700" dirty="0"/>
+                  <a:t> </a:t>
+                </a:r>
+                <a:r>
+                  <a:rPr lang="en-US" sz="700" dirty="0"/>
+                  <a:t>UML-</a:t>
+                </a:r>
+                <a:r>
+                  <a:rPr lang="ru-RU" sz="700" dirty="0"/>
+                  <a:t>диаграмма последовательности</a:t>
+                </a:r>
+              </a:p>
+              <a:p>
+                <a:pPr algn="ctr"/>
+                <a:r>
+                  <a:rPr lang="ru-RU" sz="700" dirty="0"/>
+                  <a:t>типового сценария использования системы</a:t>
+                </a:r>
+              </a:p>
+            </p:txBody>
+          </p:sp>
+        </mc:Choice>
+        <mc:Fallback>
+          <p:sp>
+            <p:nvSpPr>
+              <p:cNvPr id="9" name="TextBox 8">
+                <a:extLst>
+                  <a:ext uri="{FF2B5EF4-FFF2-40B4-BE49-F238E27FC236}">
+                    <a16:creationId xmlns:a16="http://schemas.microsoft.com/office/drawing/2014/main" id="{CFAEFEEB-FB16-42F9-9E08-00410B254A7B}"/>
+                  </a:ext>
+                </a:extLst>
+              </p:cNvPr>
+              <p:cNvSpPr txBox="1">
+                <a:spLocks noRot="1" noChangeAspect="1" noMove="1" noResize="1" noEditPoints="1" noAdjustHandles="1" noChangeArrowheads="1" noChangeShapeType="1" noTextEdit="1"/>
+              </p:cNvSpPr>
+              <p:nvPr/>
+            </p:nvSpPr>
+            <p:spPr>
+              <a:xfrm>
+                <a:off x="1736600" y="2720315"/>
+                <a:ext cx="2292614" cy="307777"/>
+              </a:xfrm>
+              <a:prstGeom prst="rect">
+                <a:avLst/>
+              </a:prstGeom>
+              <a:blipFill>
+                <a:blip r:embed="rId4"/>
+                <a:stretch>
+                  <a:fillRect b="-1961"/>
+                </a:stretch>
+              </a:blipFill>
+            </p:spPr>
+            <p:txBody>
+              <a:bodyPr/>
+              <a:lstStyle/>
+              <a:p>
+                <a:r>
+                  <a:rPr lang="ru-RU">
+                    <a:noFill/>
+                  </a:rPr>
+                  <a:t> </a:t>
+                </a:r>
+              </a:p>
+            </p:txBody>
+          </p:sp>
+        </mc:Fallback>
+      </mc:AlternateContent>
       <p:pic>
         <p:nvPicPr>
           <p:cNvPr id="1026" name="Picture 2">
@@ -20128,7 +20205,7 @@
           <p:nvPr/>
         </p:nvPicPr>
         <p:blipFill>
-          <a:blip r:embed="rId4">
+          <a:blip r:embed="rId5">
             <a:extLst>
               <a:ext uri="{28A0092B-C50C-407E-A947-70E740481C1C}">
                 <a14:useLocalDpi xmlns:a14="http://schemas.microsoft.com/office/drawing/2010/main" val="0"/>
@@ -20470,7 +20547,7 @@
         <p:spPr>
           <a:xfrm>
             <a:off x="3490171" y="1169828"/>
-            <a:ext cx="1638590" cy="246221"/>
+            <a:ext cx="1625766" cy="246221"/>
           </a:xfrm>
           <a:prstGeom prst="rect">
             <a:avLst/>
@@ -20485,7 +20562,7 @@
           <a:p>
             <a:r>
               <a:rPr lang="ru-RU" sz="1000" dirty="0"/>
-              <a:t>Бинарная сериализация</a:t>
+              <a:t>Байтовая сериализация</a:t>
             </a:r>
           </a:p>
         </p:txBody>
